--- a/my_resume.pptx
+++ b/my_resume.pptx
@@ -5,12 +5,13 @@
     <p:sldMasterId id="2147483648" r:id="rId4"/>
   </p:sldMasterIdLst>
   <p:handoutMasterIdLst>
-    <p:handoutMasterId r:id="rId8"/>
+    <p:handoutMasterId r:id="rId9"/>
   </p:handoutMasterIdLst>
   <p:sldIdLst>
     <p:sldId id="256" r:id="rId5"/>
     <p:sldId id="257" r:id="rId6"/>
     <p:sldId id="258" r:id="rId7"/>
+    <p:sldId id="259" r:id="rId8"/>
   </p:sldIdLst>
   <p:sldSz cx="6858000" cy="9144000" type="letter"/>
   <p:notesSz cx="6858000" cy="9144000"/>
@@ -118,6 +119,32 @@
     </p:ext>
   </p:extLst>
 </p:presentation>
+</file>
+
+<file path=ppt/commentAuthors.xml><?xml version="1.0" encoding="utf-8"?>
+<p:cmAuthorLst xmlns:a="http://schemas.openxmlformats.org/drawingml/2006/main" xmlns:r="http://schemas.openxmlformats.org/officeDocument/2006/relationships" xmlns:p="http://schemas.openxmlformats.org/presentationml/2006/main">
+  <p:cmAuthor id="1" name="abhijit roy" initials="ar" lastIdx="1" clrIdx="0">
+    <p:extLst>
+      <p:ext uri="{19B8F6BF-5375-455C-9EA6-DF929625EA0E}">
+        <p15:presenceInfo xmlns:p15="http://schemas.microsoft.com/office/powerpoint/2012/main" userId="3cc88bf99e11e7aa" providerId="Windows Live"/>
+      </p:ext>
+    </p:extLst>
+  </p:cmAuthor>
+</p:cmAuthorLst>
+</file>
+
+<file path=ppt/comments/comment1.xml><?xml version="1.0" encoding="utf-8"?>
+<p:cmLst xmlns:a="http://schemas.openxmlformats.org/drawingml/2006/main" xmlns:r="http://schemas.openxmlformats.org/officeDocument/2006/relationships" xmlns:p="http://schemas.openxmlformats.org/presentationml/2006/main">
+  <p:cm authorId="1" dt="2021-06-19T21:15:20.294" idx="1">
+    <p:pos x="2516" y="1207"/>
+    <p:text/>
+    <p:extLst>
+      <p:ext uri="{C676402C-5697-4E1C-873F-D02D1690AC5C}">
+        <p15:threadingInfo xmlns:p15="http://schemas.microsoft.com/office/powerpoint/2012/main" timeZoneBias="-330"/>
+      </p:ext>
+    </p:extLst>
+  </p:cm>
+</p:cmLst>
 </file>
 
 <file path=ppt/handoutMasters/handoutMaster1.xml><?xml version="1.0" encoding="utf-8"?>
@@ -7788,13 +7815,16 @@
               </a:ext>
             </a:extLst>
           </p:cNvPr>
-          <p:cNvCxnSpPr/>
+          <p:cNvCxnSpPr>
+            <a:cxnSpLocks/>
+            <a:endCxn id="481" idx="2"/>
+          </p:cNvCxnSpPr>
           <p:nvPr/>
         </p:nvCxnSpPr>
         <p:spPr>
-          <a:xfrm>
-            <a:off x="4784063" y="2073649"/>
-            <a:ext cx="0" cy="1152000"/>
+          <a:xfrm flipH="1">
+            <a:off x="4782216" y="2073649"/>
+            <a:ext cx="1848" cy="296226"/>
           </a:xfrm>
           <a:prstGeom prst="line">
             <a:avLst/>
@@ -7894,8 +7924,8 @@
         </p:nvSpPr>
         <p:spPr>
           <a:xfrm>
-            <a:off x="1958973" y="7724529"/>
-            <a:ext cx="1152000" cy="1152000"/>
+            <a:off x="1985296" y="7865167"/>
+            <a:ext cx="955829" cy="896345"/>
           </a:xfrm>
           <a:prstGeom prst="ellipse">
             <a:avLst/>
@@ -7951,8 +7981,8 @@
         </p:nvSpPr>
         <p:spPr>
           <a:xfrm>
-            <a:off x="2450554" y="6926265"/>
-            <a:ext cx="1396800" cy="1396800"/>
+            <a:off x="2185835" y="6926265"/>
+            <a:ext cx="1661519" cy="1580286"/>
           </a:xfrm>
           <a:prstGeom prst="ellipse">
             <a:avLst/>
@@ -8008,7 +8038,7 @@
         </p:nvSpPr>
         <p:spPr>
           <a:xfrm>
-            <a:off x="3618546" y="6903536"/>
+            <a:off x="3685602" y="7013264"/>
             <a:ext cx="756000" cy="756000"/>
           </a:xfrm>
           <a:prstGeom prst="ellipse">
@@ -8176,7 +8206,7 @@
           </p:cNvPicPr>
           <p:nvPr/>
         </p:nvPicPr>
-        <p:blipFill>
+        <p:blipFill rotWithShape="1">
           <a:blip r:embed="rId2">
             <a:extLst>
               <a:ext uri="{96DAC541-7B7A-43D3-8B79-37D633B846F1}">
@@ -8184,116 +8214,19 @@
               </a:ext>
             </a:extLst>
           </a:blip>
-          <a:stretch>
-            <a:fillRect/>
-          </a:stretch>
+          <a:srcRect r="2" b="70521"/>
+          <a:stretch/>
         </p:blipFill>
         <p:spPr>
           <a:xfrm>
             <a:off x="4722817" y="1965183"/>
-            <a:ext cx="118800" cy="1372800"/>
+            <a:ext cx="118797" cy="404692"/>
           </a:xfrm>
           <a:prstGeom prst="rect">
             <a:avLst/>
           </a:prstGeom>
         </p:spPr>
       </p:pic>
-      <p:grpSp>
-        <p:nvGrpSpPr>
-          <p:cNvPr id="482" name="Group 481">
-            <a:extLst>
-              <a:ext uri="{FF2B5EF4-FFF2-40B4-BE49-F238E27FC236}">
-                <a16:creationId xmlns:a16="http://schemas.microsoft.com/office/drawing/2014/main" id="{AA780019-4351-4699-A720-6AC124CFDF88}"/>
-              </a:ext>
-              <a:ext uri="{C183D7F6-B498-43B3-948B-1728B52AA6E4}">
-                <adec:decorative xmlns:adec="http://schemas.microsoft.com/office/drawing/2017/decorative" val="1"/>
-              </a:ext>
-            </a:extLst>
-          </p:cNvPr>
-          <p:cNvGrpSpPr/>
-          <p:nvPr/>
-        </p:nvGrpSpPr>
-        <p:grpSpPr>
-          <a:xfrm>
-            <a:off x="5104783" y="266420"/>
-            <a:ext cx="1416117" cy="1036800"/>
-            <a:chOff x="5135883" y="198000"/>
-            <a:chExt cx="1416117" cy="1036800"/>
-          </a:xfrm>
-        </p:grpSpPr>
-        <p:pic>
-          <p:nvPicPr>
-            <p:cNvPr id="483" name="Graphic 482" descr="North America image">
-              <a:extLst>
-                <a:ext uri="{FF2B5EF4-FFF2-40B4-BE49-F238E27FC236}">
-                  <a16:creationId xmlns:a16="http://schemas.microsoft.com/office/drawing/2014/main" id="{05AB7972-550B-4FA4-B477-32C1DAC2500D}"/>
-                </a:ext>
-              </a:extLst>
-            </p:cNvPr>
-            <p:cNvPicPr>
-              <a:picLocks noChangeAspect="1"/>
-            </p:cNvPicPr>
-            <p:nvPr userDrawn="1"/>
-          </p:nvPicPr>
-          <p:blipFill>
-            <a:blip r:embed="rId4">
-              <a:extLst>
-                <a:ext uri="{96DAC541-7B7A-43D3-8B79-37D633B846F1}">
-                  <asvg:svgBlip xmlns:asvg="http://schemas.microsoft.com/office/drawing/2016/SVG/main" r:embed="rId5"/>
-                </a:ext>
-              </a:extLst>
-            </a:blip>
-            <a:stretch>
-              <a:fillRect/>
-            </a:stretch>
-          </p:blipFill>
-          <p:spPr>
-            <a:xfrm>
-              <a:off x="5135883" y="198000"/>
-              <a:ext cx="1416117" cy="1036800"/>
-            </a:xfrm>
-            <a:prstGeom prst="rect">
-              <a:avLst/>
-            </a:prstGeom>
-          </p:spPr>
-        </p:pic>
-        <p:pic>
-          <p:nvPicPr>
-            <p:cNvPr id="484" name="Graphic 483" descr="GPS icon">
-              <a:extLst>
-                <a:ext uri="{FF2B5EF4-FFF2-40B4-BE49-F238E27FC236}">
-                  <a16:creationId xmlns:a16="http://schemas.microsoft.com/office/drawing/2014/main" id="{98DDEDB1-CE10-4E7F-8BA5-3A830075F723}"/>
-                </a:ext>
-              </a:extLst>
-            </p:cNvPr>
-            <p:cNvPicPr>
-              <a:picLocks noChangeAspect="1"/>
-            </p:cNvPicPr>
-            <p:nvPr userDrawn="1"/>
-          </p:nvPicPr>
-          <p:blipFill>
-            <a:blip r:embed="rId6">
-              <a:extLst>
-                <a:ext uri="{96DAC541-7B7A-43D3-8B79-37D633B846F1}">
-                  <asvg:svgBlip xmlns:asvg="http://schemas.microsoft.com/office/drawing/2016/SVG/main" r:embed="rId7"/>
-                </a:ext>
-              </a:extLst>
-            </a:blip>
-            <a:stretch>
-              <a:fillRect/>
-            </a:stretch>
-          </p:blipFill>
-          <p:spPr>
-            <a:xfrm>
-              <a:off x="5881958" y="548341"/>
-              <a:ext cx="191455" cy="280800"/>
-            </a:xfrm>
-            <a:prstGeom prst="rect">
-              <a:avLst/>
-            </a:prstGeom>
-          </p:spPr>
-        </p:pic>
-      </p:grpSp>
       <p:pic>
         <p:nvPicPr>
           <p:cNvPr id="485" name="Graphic 484">
@@ -8312,10 +8245,10 @@
           <p:nvPr/>
         </p:nvPicPr>
         <p:blipFill>
-          <a:blip r:embed="rId8">
+          <a:blip r:embed="rId4">
             <a:extLst>
               <a:ext uri="{96DAC541-7B7A-43D3-8B79-37D633B846F1}">
-                <asvg:svgBlip xmlns:asvg="http://schemas.microsoft.com/office/drawing/2016/SVG/main" r:embed="rId9"/>
+                <asvg:svgBlip xmlns:asvg="http://schemas.microsoft.com/office/drawing/2016/SVG/main" r:embed="rId5"/>
               </a:ext>
             </a:extLst>
           </a:blip>
@@ -8351,10 +8284,10 @@
           <p:nvPr/>
         </p:nvPicPr>
         <p:blipFill>
-          <a:blip r:embed="rId10">
+          <a:blip r:embed="rId6">
             <a:extLst>
               <a:ext uri="{96DAC541-7B7A-43D3-8B79-37D633B846F1}">
-                <asvg:svgBlip xmlns:asvg="http://schemas.microsoft.com/office/drawing/2016/SVG/main" r:embed="rId11"/>
+                <asvg:svgBlip xmlns:asvg="http://schemas.microsoft.com/office/drawing/2016/SVG/main" r:embed="rId7"/>
               </a:ext>
             </a:extLst>
           </a:blip>
@@ -8374,10 +8307,10 @@
       </p:pic>
       <p:pic>
         <p:nvPicPr>
-          <p:cNvPr id="487" name="Graphic 486">
-            <a:extLst>
-              <a:ext uri="{FF2B5EF4-FFF2-40B4-BE49-F238E27FC236}">
-                <a16:creationId xmlns:a16="http://schemas.microsoft.com/office/drawing/2014/main" id="{177CDD3D-4E60-47C3-A6CE-9D5E1C0B56E8}"/>
+          <p:cNvPr id="488" name="Graphic 487">
+            <a:extLst>
+              <a:ext uri="{FF2B5EF4-FFF2-40B4-BE49-F238E27FC236}">
+                <a16:creationId xmlns:a16="http://schemas.microsoft.com/office/drawing/2014/main" id="{6661D065-65E3-48B0-88F2-B4D61A37A8F2}"/>
               </a:ext>
               <a:ext uri="{C183D7F6-B498-43B3-948B-1728B52AA6E4}">
                 <adec:decorative xmlns:adec="http://schemas.microsoft.com/office/drawing/2017/decorative" val="1"/>
@@ -8390,49 +8323,10 @@
           <p:nvPr/>
         </p:nvPicPr>
         <p:blipFill>
-          <a:blip r:embed="rId12">
+          <a:blip r:embed="rId8">
             <a:extLst>
               <a:ext uri="{96DAC541-7B7A-43D3-8B79-37D633B846F1}">
-                <asvg:svgBlip xmlns:asvg="http://schemas.microsoft.com/office/drawing/2016/SVG/main" r:embed="rId13"/>
-              </a:ext>
-            </a:extLst>
-          </a:blip>
-          <a:stretch>
-            <a:fillRect/>
-          </a:stretch>
-        </p:blipFill>
-        <p:spPr>
-          <a:xfrm>
-            <a:off x="2000435" y="3965189"/>
-            <a:ext cx="187200" cy="187200"/>
-          </a:xfrm>
-          <a:prstGeom prst="rect">
-            <a:avLst/>
-          </a:prstGeom>
-        </p:spPr>
-      </p:pic>
-      <p:pic>
-        <p:nvPicPr>
-          <p:cNvPr id="488" name="Graphic 487">
-            <a:extLst>
-              <a:ext uri="{FF2B5EF4-FFF2-40B4-BE49-F238E27FC236}">
-                <a16:creationId xmlns:a16="http://schemas.microsoft.com/office/drawing/2014/main" id="{6661D065-65E3-48B0-88F2-B4D61A37A8F2}"/>
-              </a:ext>
-              <a:ext uri="{C183D7F6-B498-43B3-948B-1728B52AA6E4}">
-                <adec:decorative xmlns:adec="http://schemas.microsoft.com/office/drawing/2017/decorative" val="1"/>
-              </a:ext>
-            </a:extLst>
-          </p:cNvPr>
-          <p:cNvPicPr>
-            <a:picLocks noChangeAspect="1"/>
-          </p:cNvPicPr>
-          <p:nvPr/>
-        </p:nvPicPr>
-        <p:blipFill>
-          <a:blip r:embed="rId14">
-            <a:extLst>
-              <a:ext uri="{96DAC541-7B7A-43D3-8B79-37D633B846F1}">
-                <asvg:svgBlip xmlns:asvg="http://schemas.microsoft.com/office/drawing/2016/SVG/main" r:embed="rId15"/>
+                <asvg:svgBlip xmlns:asvg="http://schemas.microsoft.com/office/drawing/2016/SVG/main" r:embed="rId9"/>
               </a:ext>
             </a:extLst>
           </a:blip>
@@ -8589,10 +8483,10 @@
             <p:nvPr userDrawn="1"/>
           </p:nvPicPr>
           <p:blipFill>
-            <a:blip r:embed="rId16">
+            <a:blip r:embed="rId10">
               <a:extLst>
                 <a:ext uri="{96DAC541-7B7A-43D3-8B79-37D633B846F1}">
-                  <asvg:svgBlip xmlns:asvg="http://schemas.microsoft.com/office/drawing/2016/SVG/main" r:embed="rId17"/>
+                  <asvg:svgBlip xmlns:asvg="http://schemas.microsoft.com/office/drawing/2016/SVG/main" r:embed="rId11"/>
                 </a:ext>
               </a:extLst>
             </a:blip>
@@ -8629,10 +8523,10 @@
           <p:nvPr/>
         </p:nvPicPr>
         <p:blipFill>
-          <a:blip r:embed="rId16">
+          <a:blip r:embed="rId10">
             <a:extLst>
               <a:ext uri="{96DAC541-7B7A-43D3-8B79-37D633B846F1}">
-                <asvg:svgBlip xmlns:asvg="http://schemas.microsoft.com/office/drawing/2016/SVG/main" r:embed="rId17"/>
+                <asvg:svgBlip xmlns:asvg="http://schemas.microsoft.com/office/drawing/2016/SVG/main" r:embed="rId11"/>
               </a:ext>
             </a:extLst>
           </a:blip>
@@ -8668,10 +8562,10 @@
           <p:nvPr/>
         </p:nvPicPr>
         <p:blipFill>
-          <a:blip r:embed="rId16">
+          <a:blip r:embed="rId10">
             <a:extLst>
               <a:ext uri="{96DAC541-7B7A-43D3-8B79-37D633B846F1}">
-                <asvg:svgBlip xmlns:asvg="http://schemas.microsoft.com/office/drawing/2016/SVG/main" r:embed="rId17"/>
+                <asvg:svgBlip xmlns:asvg="http://schemas.microsoft.com/office/drawing/2016/SVG/main" r:embed="rId11"/>
               </a:ext>
             </a:extLst>
           </a:blip>
@@ -8707,10 +8601,10 @@
           <p:nvPr/>
         </p:nvPicPr>
         <p:blipFill>
-          <a:blip r:embed="rId18">
+          <a:blip r:embed="rId12">
             <a:extLst>
               <a:ext uri="{96DAC541-7B7A-43D3-8B79-37D633B846F1}">
-                <asvg:svgBlip xmlns:asvg="http://schemas.microsoft.com/office/drawing/2016/SVG/main" r:embed="rId19"/>
+                <asvg:svgBlip xmlns:asvg="http://schemas.microsoft.com/office/drawing/2016/SVG/main" r:embed="rId13"/>
               </a:ext>
             </a:extLst>
           </a:blip>
@@ -8746,10 +8640,10 @@
           <p:nvPr/>
         </p:nvPicPr>
         <p:blipFill>
-          <a:blip r:embed="rId20">
+          <a:blip r:embed="rId14">
             <a:extLst>
               <a:ext uri="{96DAC541-7B7A-43D3-8B79-37D633B846F1}">
-                <asvg:svgBlip xmlns:asvg="http://schemas.microsoft.com/office/drawing/2016/SVG/main" r:embed="rId21"/>
+                <asvg:svgBlip xmlns:asvg="http://schemas.microsoft.com/office/drawing/2016/SVG/main" r:embed="rId15"/>
               </a:ext>
             </a:extLst>
           </a:blip>
@@ -8877,10 +8771,10 @@
           <p:nvPr/>
         </p:nvPicPr>
         <p:blipFill>
-          <a:blip r:embed="rId22">
+          <a:blip r:embed="rId16">
             <a:extLst>
               <a:ext uri="{96DAC541-7B7A-43D3-8B79-37D633B846F1}">
-                <asvg:svgBlip xmlns:asvg="http://schemas.microsoft.com/office/drawing/2016/SVG/main" r:embed="rId23"/>
+                <asvg:svgBlip xmlns:asvg="http://schemas.microsoft.com/office/drawing/2016/SVG/main" r:embed="rId17"/>
               </a:ext>
             </a:extLst>
           </a:blip>
@@ -9054,10 +8948,10 @@
           <p:nvPr/>
         </p:nvPicPr>
         <p:blipFill>
-          <a:blip r:embed="rId24">
+          <a:blip r:embed="rId18">
             <a:extLst>
               <a:ext uri="{96DAC541-7B7A-43D3-8B79-37D633B846F1}">
-                <asvg:svgBlip xmlns:asvg="http://schemas.microsoft.com/office/drawing/2016/SVG/main" r:embed="rId25"/>
+                <asvg:svgBlip xmlns:asvg="http://schemas.microsoft.com/office/drawing/2016/SVG/main" r:embed="rId19"/>
               </a:ext>
             </a:extLst>
           </a:blip>
@@ -9093,10 +8987,10 @@
           <p:nvPr/>
         </p:nvPicPr>
         <p:blipFill>
-          <a:blip r:embed="rId26">
+          <a:blip r:embed="rId20">
             <a:extLst>
               <a:ext uri="{96DAC541-7B7A-43D3-8B79-37D633B846F1}">
-                <asvg:svgBlip xmlns:asvg="http://schemas.microsoft.com/office/drawing/2016/SVG/main" r:embed="rId27"/>
+                <asvg:svgBlip xmlns:asvg="http://schemas.microsoft.com/office/drawing/2016/SVG/main" r:embed="rId21"/>
               </a:ext>
             </a:extLst>
           </a:blip>
@@ -9132,10 +9026,10 @@
           <p:nvPr/>
         </p:nvPicPr>
         <p:blipFill>
-          <a:blip r:embed="rId28">
+          <a:blip r:embed="rId22">
             <a:extLst>
               <a:ext uri="{96DAC541-7B7A-43D3-8B79-37D633B846F1}">
-                <asvg:svgBlip xmlns:asvg="http://schemas.microsoft.com/office/drawing/2016/SVG/main" r:embed="rId29"/>
+                <asvg:svgBlip xmlns:asvg="http://schemas.microsoft.com/office/drawing/2016/SVG/main" r:embed="rId23"/>
               </a:ext>
             </a:extLst>
           </a:blip>
@@ -9171,10 +9065,10 @@
           <p:nvPr/>
         </p:nvPicPr>
         <p:blipFill>
-          <a:blip r:embed="rId30">
+          <a:blip r:embed="rId24">
             <a:extLst>
               <a:ext uri="{96DAC541-7B7A-43D3-8B79-37D633B846F1}">
-                <asvg:svgBlip xmlns:asvg="http://schemas.microsoft.com/office/drawing/2016/SVG/main" r:embed="rId31"/>
+                <asvg:svgBlip xmlns:asvg="http://schemas.microsoft.com/office/drawing/2016/SVG/main" r:embed="rId25"/>
               </a:ext>
             </a:extLst>
           </a:blip>
@@ -9348,118 +9242,6 @@
       </p:sp>
       <p:sp>
         <p:nvSpPr>
-          <p:cNvPr id="274" name="Text Placeholder 273">
-            <a:extLst>
-              <a:ext uri="{FF2B5EF4-FFF2-40B4-BE49-F238E27FC236}">
-                <a16:creationId xmlns:a16="http://schemas.microsoft.com/office/drawing/2014/main" id="{31041891-ECAE-4D9D-A68A-E84C662F7711}"/>
-              </a:ext>
-            </a:extLst>
-          </p:cNvPr>
-          <p:cNvSpPr>
-            <a:spLocks noGrp="1"/>
-          </p:cNvSpPr>
-          <p:nvPr>
-            <p:ph type="body" sz="quarter" idx="17"/>
-          </p:nvPr>
-        </p:nvSpPr>
-        <p:spPr/>
-        <p:txBody>
-          <a:bodyPr/>
-          <a:lstStyle/>
-          <a:p>
-            <a:r>
-              <a:rPr lang="en-US" dirty="0"/>
-              <a:t>200</a:t>
-            </a:r>
-          </a:p>
-        </p:txBody>
-      </p:sp>
-      <p:sp>
-        <p:nvSpPr>
-          <p:cNvPr id="275" name="Text Placeholder 274">
-            <a:extLst>
-              <a:ext uri="{FF2B5EF4-FFF2-40B4-BE49-F238E27FC236}">
-                <a16:creationId xmlns:a16="http://schemas.microsoft.com/office/drawing/2014/main" id="{D3A8EEEF-8924-45FD-84B0-21E2E20E8F72}"/>
-              </a:ext>
-            </a:extLst>
-          </p:cNvPr>
-          <p:cNvSpPr>
-            <a:spLocks noGrp="1"/>
-          </p:cNvSpPr>
-          <p:nvPr>
-            <p:ph type="body" sz="quarter" idx="18"/>
-          </p:nvPr>
-        </p:nvSpPr>
-        <p:spPr/>
-        <p:txBody>
-          <a:bodyPr/>
-          <a:lstStyle/>
-          <a:p>
-            <a:r>
-              <a:rPr lang="en-US" dirty="0"/>
-              <a:t>77</a:t>
-            </a:r>
-          </a:p>
-        </p:txBody>
-      </p:sp>
-      <p:sp>
-        <p:nvSpPr>
-          <p:cNvPr id="276" name="Text Placeholder 275">
-            <a:extLst>
-              <a:ext uri="{FF2B5EF4-FFF2-40B4-BE49-F238E27FC236}">
-                <a16:creationId xmlns:a16="http://schemas.microsoft.com/office/drawing/2014/main" id="{726ADDE2-B98E-426F-A361-BF6222F169F6}"/>
-              </a:ext>
-            </a:extLst>
-          </p:cNvPr>
-          <p:cNvSpPr>
-            <a:spLocks noGrp="1"/>
-          </p:cNvSpPr>
-          <p:nvPr>
-            <p:ph type="body" sz="quarter" idx="19"/>
-          </p:nvPr>
-        </p:nvSpPr>
-        <p:spPr/>
-        <p:txBody>
-          <a:bodyPr/>
-          <a:lstStyle/>
-          <a:p>
-            <a:r>
-              <a:rPr lang="en-US" dirty="0"/>
-              <a:t>100%</a:t>
-            </a:r>
-          </a:p>
-        </p:txBody>
-      </p:sp>
-      <p:sp>
-        <p:nvSpPr>
-          <p:cNvPr id="277" name="Text Placeholder 276">
-            <a:extLst>
-              <a:ext uri="{FF2B5EF4-FFF2-40B4-BE49-F238E27FC236}">
-                <a16:creationId xmlns:a16="http://schemas.microsoft.com/office/drawing/2014/main" id="{ED17537D-A3B5-437C-8CBD-9F7B06D04D94}"/>
-              </a:ext>
-            </a:extLst>
-          </p:cNvPr>
-          <p:cNvSpPr>
-            <a:spLocks noGrp="1"/>
-          </p:cNvSpPr>
-          <p:nvPr>
-            <p:ph type="body" sz="quarter" idx="20"/>
-          </p:nvPr>
-        </p:nvSpPr>
-        <p:spPr/>
-        <p:txBody>
-          <a:bodyPr/>
-          <a:lstStyle/>
-          <a:p>
-            <a:r>
-              <a:rPr lang="en-US" dirty="0"/>
-              <a:t>CAREER TIMELINE</a:t>
-            </a:r>
-          </a:p>
-        </p:txBody>
-      </p:sp>
-      <p:sp>
-        <p:nvSpPr>
           <p:cNvPr id="278" name="Text Placeholder 277">
             <a:extLst>
               <a:ext uri="{FF2B5EF4-FFF2-40B4-BE49-F238E27FC236}">
@@ -9488,108 +9270,6 @@
       </p:sp>
       <p:sp>
         <p:nvSpPr>
-          <p:cNvPr id="279" name="Text Placeholder 278">
-            <a:extLst>
-              <a:ext uri="{FF2B5EF4-FFF2-40B4-BE49-F238E27FC236}">
-                <a16:creationId xmlns:a16="http://schemas.microsoft.com/office/drawing/2014/main" id="{2355B6B0-CD37-441A-850A-37D0CE25F60E}"/>
-              </a:ext>
-            </a:extLst>
-          </p:cNvPr>
-          <p:cNvSpPr>
-            <a:spLocks noGrp="1"/>
-          </p:cNvSpPr>
-          <p:nvPr>
-            <p:ph type="body" sz="quarter" idx="22"/>
-          </p:nvPr>
-        </p:nvSpPr>
-        <p:spPr/>
-        <p:txBody>
-          <a:bodyPr/>
-          <a:lstStyle/>
-          <a:p>
-            <a:r>
-              <a:rPr lang="en-US" dirty="0"/>
-              <a:t>Websites</a:t>
-            </a:r>
-          </a:p>
-          <a:p>
-            <a:r>
-              <a:rPr lang="en-US" dirty="0"/>
-              <a:t>Created</a:t>
-            </a:r>
-          </a:p>
-        </p:txBody>
-      </p:sp>
-      <p:sp>
-        <p:nvSpPr>
-          <p:cNvPr id="280" name="Text Placeholder 279">
-            <a:extLst>
-              <a:ext uri="{FF2B5EF4-FFF2-40B4-BE49-F238E27FC236}">
-                <a16:creationId xmlns:a16="http://schemas.microsoft.com/office/drawing/2014/main" id="{1C9C5622-3934-4754-89F2-A55ADAD13522}"/>
-              </a:ext>
-            </a:extLst>
-          </p:cNvPr>
-          <p:cNvSpPr>
-            <a:spLocks noGrp="1"/>
-          </p:cNvSpPr>
-          <p:nvPr>
-            <p:ph type="body" sz="quarter" idx="23"/>
-          </p:nvPr>
-        </p:nvSpPr>
-        <p:spPr/>
-        <p:txBody>
-          <a:bodyPr/>
-          <a:lstStyle/>
-          <a:p>
-            <a:r>
-              <a:rPr lang="en-US" dirty="0"/>
-              <a:t>Apps</a:t>
-            </a:r>
-          </a:p>
-          <a:p>
-            <a:r>
-              <a:rPr lang="en-US" dirty="0"/>
-              <a:t>Created</a:t>
-            </a:r>
-          </a:p>
-        </p:txBody>
-      </p:sp>
-      <p:sp>
-        <p:nvSpPr>
-          <p:cNvPr id="281" name="Text Placeholder 280">
-            <a:extLst>
-              <a:ext uri="{FF2B5EF4-FFF2-40B4-BE49-F238E27FC236}">
-                <a16:creationId xmlns:a16="http://schemas.microsoft.com/office/drawing/2014/main" id="{B63A688A-5C03-469C-9065-2D8F05A495B7}"/>
-              </a:ext>
-            </a:extLst>
-          </p:cNvPr>
-          <p:cNvSpPr>
-            <a:spLocks noGrp="1"/>
-          </p:cNvSpPr>
-          <p:nvPr>
-            <p:ph type="body" sz="quarter" idx="24"/>
-          </p:nvPr>
-        </p:nvSpPr>
-        <p:spPr/>
-        <p:txBody>
-          <a:bodyPr/>
-          <a:lstStyle/>
-          <a:p>
-            <a:r>
-              <a:rPr lang="en-US" dirty="0"/>
-              <a:t>Clients</a:t>
-            </a:r>
-          </a:p>
-          <a:p>
-            <a:r>
-              <a:rPr lang="en-US" dirty="0"/>
-              <a:t>Satisfactions</a:t>
-            </a:r>
-          </a:p>
-        </p:txBody>
-      </p:sp>
-      <p:sp>
-        <p:nvSpPr>
           <p:cNvPr id="282" name="Text Placeholder 281">
             <a:extLst>
               <a:ext uri="{FF2B5EF4-FFF2-40B4-BE49-F238E27FC236}">
@@ -9611,91 +9291,7 @@
           <a:p>
             <a:r>
               <a:rPr lang="en-US" dirty="0"/>
-              <a:t>2007</a:t>
-            </a:r>
-          </a:p>
-        </p:txBody>
-      </p:sp>
-      <p:sp>
-        <p:nvSpPr>
-          <p:cNvPr id="283" name="Text Placeholder 282">
-            <a:extLst>
-              <a:ext uri="{FF2B5EF4-FFF2-40B4-BE49-F238E27FC236}">
-                <a16:creationId xmlns:a16="http://schemas.microsoft.com/office/drawing/2014/main" id="{EA47B592-7C52-4205-81F2-07AD1A2A9BBA}"/>
-              </a:ext>
-            </a:extLst>
-          </p:cNvPr>
-          <p:cNvSpPr>
-            <a:spLocks noGrp="1"/>
-          </p:cNvSpPr>
-          <p:nvPr>
-            <p:ph type="body" sz="quarter" idx="26"/>
-          </p:nvPr>
-        </p:nvSpPr>
-        <p:spPr/>
-        <p:txBody>
-          <a:bodyPr/>
-          <a:lstStyle/>
-          <a:p>
-            <a:r>
-              <a:rPr lang="en-US" dirty="0"/>
-              <a:t>2010</a:t>
-            </a:r>
-          </a:p>
-        </p:txBody>
-      </p:sp>
-      <p:sp>
-        <p:nvSpPr>
-          <p:cNvPr id="284" name="Text Placeholder 283">
-            <a:extLst>
-              <a:ext uri="{FF2B5EF4-FFF2-40B4-BE49-F238E27FC236}">
-                <a16:creationId xmlns:a16="http://schemas.microsoft.com/office/drawing/2014/main" id="{2CC54090-44D7-4854-BE1E-CF69F3B51352}"/>
-              </a:ext>
-            </a:extLst>
-          </p:cNvPr>
-          <p:cNvSpPr>
-            <a:spLocks noGrp="1"/>
-          </p:cNvSpPr>
-          <p:nvPr>
-            <p:ph type="body" sz="quarter" idx="27"/>
-          </p:nvPr>
-        </p:nvSpPr>
-        <p:spPr/>
-        <p:txBody>
-          <a:bodyPr/>
-          <a:lstStyle/>
-          <a:p>
-            <a:r>
-              <a:rPr lang="en-US" dirty="0"/>
-              <a:t>2015</a:t>
-            </a:r>
-          </a:p>
-        </p:txBody>
-      </p:sp>
-      <p:sp>
-        <p:nvSpPr>
-          <p:cNvPr id="285" name="Text Placeholder 284">
-            <a:extLst>
-              <a:ext uri="{FF2B5EF4-FFF2-40B4-BE49-F238E27FC236}">
-                <a16:creationId xmlns:a16="http://schemas.microsoft.com/office/drawing/2014/main" id="{9245C6DE-C93A-4674-A4E1-3E67F61B17F2}"/>
-              </a:ext>
-            </a:extLst>
-          </p:cNvPr>
-          <p:cNvSpPr>
-            <a:spLocks noGrp="1"/>
-          </p:cNvSpPr>
-          <p:nvPr>
-            <p:ph type="body" sz="quarter" idx="28"/>
-          </p:nvPr>
-        </p:nvSpPr>
-        <p:spPr/>
-        <p:txBody>
-          <a:bodyPr/>
-          <a:lstStyle/>
-          <a:p>
-            <a:r>
-              <a:rPr lang="en-US" dirty="0"/>
-              <a:t>2018</a:t>
+              <a:t>2014</a:t>
             </a:r>
           </a:p>
         </p:txBody>
@@ -9723,91 +9319,7 @@
           <a:p>
             <a:r>
               <a:rPr lang="en-US" dirty="0"/>
-              <a:t>SCHOOL OF FINE ART</a:t>
-            </a:r>
-          </a:p>
-        </p:txBody>
-      </p:sp>
-      <p:sp>
-        <p:nvSpPr>
-          <p:cNvPr id="287" name="Text Placeholder 286">
-            <a:extLst>
-              <a:ext uri="{FF2B5EF4-FFF2-40B4-BE49-F238E27FC236}">
-                <a16:creationId xmlns:a16="http://schemas.microsoft.com/office/drawing/2014/main" id="{6791F8B0-4194-4D99-B2AA-0D8764F64BBC}"/>
-              </a:ext>
-            </a:extLst>
-          </p:cNvPr>
-          <p:cNvSpPr>
-            <a:spLocks noGrp="1"/>
-          </p:cNvSpPr>
-          <p:nvPr>
-            <p:ph type="body" sz="quarter" idx="30"/>
-          </p:nvPr>
-        </p:nvSpPr>
-        <p:spPr/>
-        <p:txBody>
-          <a:bodyPr/>
-          <a:lstStyle/>
-          <a:p>
-            <a:r>
-              <a:rPr lang="en-US" dirty="0"/>
-              <a:t>BELLOWS COLLEGE</a:t>
-            </a:r>
-          </a:p>
-        </p:txBody>
-      </p:sp>
-      <p:sp>
-        <p:nvSpPr>
-          <p:cNvPr id="288" name="Text Placeholder 287">
-            <a:extLst>
-              <a:ext uri="{FF2B5EF4-FFF2-40B4-BE49-F238E27FC236}">
-                <a16:creationId xmlns:a16="http://schemas.microsoft.com/office/drawing/2014/main" id="{CD40D940-16A1-4A75-A635-155A4B5AB214}"/>
-              </a:ext>
-            </a:extLst>
-          </p:cNvPr>
-          <p:cNvSpPr>
-            <a:spLocks noGrp="1"/>
-          </p:cNvSpPr>
-          <p:nvPr>
-            <p:ph type="body" sz="quarter" idx="31"/>
-          </p:nvPr>
-        </p:nvSpPr>
-        <p:spPr/>
-        <p:txBody>
-          <a:bodyPr/>
-          <a:lstStyle/>
-          <a:p>
-            <a:r>
-              <a:rPr lang="en-US" dirty="0"/>
-              <a:t>SCHOOL OF FINE ART</a:t>
-            </a:r>
-          </a:p>
-        </p:txBody>
-      </p:sp>
-      <p:sp>
-        <p:nvSpPr>
-          <p:cNvPr id="289" name="Text Placeholder 288">
-            <a:extLst>
-              <a:ext uri="{FF2B5EF4-FFF2-40B4-BE49-F238E27FC236}">
-                <a16:creationId xmlns:a16="http://schemas.microsoft.com/office/drawing/2014/main" id="{75FA0CF1-EE3B-4A9A-B5C5-76BCFBFE487F}"/>
-              </a:ext>
-            </a:extLst>
-          </p:cNvPr>
-          <p:cNvSpPr>
-            <a:spLocks noGrp="1"/>
-          </p:cNvSpPr>
-          <p:nvPr>
-            <p:ph type="body" sz="quarter" idx="32"/>
-          </p:nvPr>
-        </p:nvSpPr>
-        <p:spPr/>
-        <p:txBody>
-          <a:bodyPr/>
-          <a:lstStyle/>
-          <a:p>
-            <a:r>
-              <a:rPr lang="en-US" dirty="0"/>
-              <a:t>BELLOWS COLLEGE</a:t>
+              <a:t>IIST, Trivandrum</a:t>
             </a:r>
           </a:p>
         </p:txBody>
@@ -9835,98 +9347,8 @@
           <a:p>
             <a:r>
               <a:rPr lang="en-US" spc="-20" dirty="0"/>
-              <a:t>Lorem ipsum dolor sit amet</a:t>
-            </a:r>
-          </a:p>
-        </p:txBody>
-      </p:sp>
-      <p:sp>
-        <p:nvSpPr>
-          <p:cNvPr id="291" name="Text Placeholder 290">
-            <a:extLst>
-              <a:ext uri="{FF2B5EF4-FFF2-40B4-BE49-F238E27FC236}">
-                <a16:creationId xmlns:a16="http://schemas.microsoft.com/office/drawing/2014/main" id="{6EB23CD6-5304-4EF0-9465-3D1EB6DC12DB}"/>
-              </a:ext>
-            </a:extLst>
-          </p:cNvPr>
-          <p:cNvSpPr>
-            <a:spLocks noGrp="1"/>
-          </p:cNvSpPr>
-          <p:nvPr>
-            <p:ph type="body" sz="quarter" idx="34"/>
-          </p:nvPr>
-        </p:nvSpPr>
-        <p:spPr/>
-        <p:txBody>
-          <a:bodyPr/>
-          <a:lstStyle/>
-          <a:p>
-            <a:r>
-              <a:rPr lang="en-US" dirty="0"/>
-              <a:t>Consectetur adipiscing elit</a:t>
-            </a:r>
-          </a:p>
-        </p:txBody>
-      </p:sp>
-      <p:sp>
-        <p:nvSpPr>
-          <p:cNvPr id="292" name="Text Placeholder 291">
-            <a:extLst>
-              <a:ext uri="{FF2B5EF4-FFF2-40B4-BE49-F238E27FC236}">
-                <a16:creationId xmlns:a16="http://schemas.microsoft.com/office/drawing/2014/main" id="{2E2824AC-5F1E-4CBA-B51A-88708086CD6D}"/>
-              </a:ext>
-            </a:extLst>
-          </p:cNvPr>
-          <p:cNvSpPr>
-            <a:spLocks noGrp="1"/>
-          </p:cNvSpPr>
-          <p:nvPr>
-            <p:ph type="body" sz="quarter" idx="35"/>
-          </p:nvPr>
-        </p:nvSpPr>
-        <p:spPr/>
-        <p:txBody>
-          <a:bodyPr/>
-          <a:lstStyle/>
-          <a:p>
-            <a:r>
-              <a:rPr lang="en-US" dirty="0"/>
-              <a:t>Sed do eiusmod tempor</a:t>
-            </a:r>
-          </a:p>
-        </p:txBody>
-      </p:sp>
-      <p:sp>
-        <p:nvSpPr>
-          <p:cNvPr id="293" name="Text Placeholder 292">
-            <a:extLst>
-              <a:ext uri="{FF2B5EF4-FFF2-40B4-BE49-F238E27FC236}">
-                <a16:creationId xmlns:a16="http://schemas.microsoft.com/office/drawing/2014/main" id="{544E8DE0-189D-42C1-A5DE-28F280C47184}"/>
-              </a:ext>
-            </a:extLst>
-          </p:cNvPr>
-          <p:cNvSpPr>
-            <a:spLocks noGrp="1"/>
-          </p:cNvSpPr>
-          <p:nvPr>
-            <p:ph type="body" sz="quarter" idx="36"/>
-          </p:nvPr>
-        </p:nvSpPr>
-        <p:spPr>
-          <a:xfrm>
-            <a:off x="4809889" y="3335032"/>
-            <a:ext cx="1764000" cy="132440"/>
-          </a:xfrm>
-        </p:spPr>
-        <p:txBody>
-          <a:bodyPr/>
-          <a:lstStyle/>
-          <a:p>
-            <a:r>
-              <a:rPr lang="fr-FR" dirty="0"/>
-              <a:t>Labore et dolore magna aliqua</a:t>
-            </a:r>
-            <a:endParaRPr lang="en-US" dirty="0"/>
+              <a:t>B. Tech Avionics</a:t>
+            </a:r>
           </a:p>
         </p:txBody>
       </p:sp>
@@ -10609,7 +10031,7 @@
           <a:p>
             <a:r>
               <a:rPr lang="en-US" dirty="0"/>
-              <a:t>50</a:t>
+              <a:t>70</a:t>
             </a:r>
           </a:p>
         </p:txBody>
@@ -10630,20 +10052,19 @@
             <p:ph type="body" sz="quarter" idx="62"/>
           </p:nvPr>
         </p:nvSpPr>
-        <p:spPr/>
+        <p:spPr>
+          <a:xfrm>
+            <a:off x="2778282" y="7613222"/>
+            <a:ext cx="818372" cy="433003"/>
+          </a:xfrm>
+        </p:spPr>
         <p:txBody>
           <a:bodyPr/>
           <a:lstStyle/>
           <a:p>
             <a:r>
               <a:rPr lang="en-US" dirty="0"/>
-              <a:t>UI/UX</a:t>
-            </a:r>
-          </a:p>
-          <a:p>
-            <a:r>
-              <a:rPr lang="en-US" dirty="0"/>
-              <a:t>Design</a:t>
+              <a:t>Blockchain</a:t>
             </a:r>
           </a:p>
         </p:txBody>
@@ -10664,14 +10085,19 @@
             <p:ph type="body" sz="quarter" idx="63"/>
           </p:nvPr>
         </p:nvSpPr>
-        <p:spPr/>
+        <p:spPr>
+          <a:xfrm>
+            <a:off x="3719746" y="6977551"/>
+            <a:ext cx="600008" cy="433003"/>
+          </a:xfrm>
+        </p:spPr>
         <p:txBody>
           <a:bodyPr/>
           <a:lstStyle/>
           <a:p>
             <a:r>
               <a:rPr lang="en-US" dirty="0"/>
-              <a:t>13</a:t>
+              <a:t>5</a:t>
             </a:r>
           </a:p>
         </p:txBody>
@@ -10692,14 +10118,19 @@
             <p:ph type="body" sz="quarter" idx="64"/>
           </p:nvPr>
         </p:nvSpPr>
-        <p:spPr/>
+        <p:spPr>
+          <a:xfrm>
+            <a:off x="3747564" y="7274926"/>
+            <a:ext cx="732129" cy="240123"/>
+          </a:xfrm>
+        </p:spPr>
         <p:txBody>
           <a:bodyPr/>
           <a:lstStyle/>
           <a:p>
             <a:r>
               <a:rPr lang="en-US" dirty="0"/>
-              <a:t>Icons</a:t>
+              <a:t>Cross-Platform App Dev</a:t>
             </a:r>
           </a:p>
         </p:txBody>
@@ -10727,7 +10158,7 @@
           <a:p>
             <a:r>
               <a:rPr lang="en-US" dirty="0"/>
-              <a:t>12</a:t>
+              <a:t>15</a:t>
             </a:r>
           </a:p>
         </p:txBody>
@@ -10783,7 +10214,7 @@
           <a:p>
             <a:r>
               <a:rPr lang="en-US" dirty="0"/>
-              <a:t>25</a:t>
+              <a:t>10</a:t>
             </a:r>
           </a:p>
         </p:txBody>
@@ -10811,13 +10242,7 @@
           <a:p>
             <a:r>
               <a:rPr lang="en-US" dirty="0"/>
-              <a:t>Website</a:t>
-            </a:r>
-          </a:p>
-          <a:p>
-            <a:r>
-              <a:rPr lang="en-US" dirty="0"/>
-              <a:t>Development</a:t>
+              <a:t>Bot</a:t>
             </a:r>
           </a:p>
         </p:txBody>
@@ -10838,14 +10263,19 @@
             <p:ph type="body" sz="quarter" idx="69"/>
           </p:nvPr>
         </p:nvSpPr>
-        <p:spPr/>
+        <p:spPr>
+          <a:xfrm>
+            <a:off x="4687618" y="6806530"/>
+            <a:ext cx="1414816" cy="190800"/>
+          </a:xfrm>
+        </p:spPr>
         <p:txBody>
           <a:bodyPr/>
           <a:lstStyle/>
           <a:p>
             <a:r>
               <a:rPr lang="en-US" dirty="0"/>
-              <a:t>UI/UX DESIGN TOOLS</a:t>
+              <a:t>GIT</a:t>
             </a:r>
           </a:p>
         </p:txBody>
@@ -10866,14 +10296,19 @@
             <p:ph type="body" sz="quarter" idx="70"/>
           </p:nvPr>
         </p:nvSpPr>
-        <p:spPr/>
+        <p:spPr>
+          <a:xfrm>
+            <a:off x="4687618" y="7195666"/>
+            <a:ext cx="1414816" cy="190800"/>
+          </a:xfrm>
+        </p:spPr>
         <p:txBody>
           <a:bodyPr/>
           <a:lstStyle/>
           <a:p>
             <a:r>
               <a:rPr lang="en-US" dirty="0"/>
-              <a:t>IMAGE RETOUCHING TOOLS</a:t>
+              <a:t>MS EXCEL AUTOMATION</a:t>
             </a:r>
           </a:p>
         </p:txBody>
@@ -10894,14 +10329,19 @@
             <p:ph type="body" sz="quarter" idx="71"/>
           </p:nvPr>
         </p:nvSpPr>
-        <p:spPr/>
+        <p:spPr>
+          <a:xfrm>
+            <a:off x="4687617" y="7580361"/>
+            <a:ext cx="1556199" cy="142383"/>
+          </a:xfrm>
+        </p:spPr>
         <p:txBody>
           <a:bodyPr/>
           <a:lstStyle/>
           <a:p>
             <a:r>
               <a:rPr lang="en-US" dirty="0"/>
-              <a:t>FRONT-END CODING TOOLS</a:t>
+              <a:t>TECHNICAL DOCUMENTATION</a:t>
             </a:r>
           </a:p>
         </p:txBody>
@@ -10922,14 +10362,19 @@
             <p:ph type="body" sz="quarter" idx="72"/>
           </p:nvPr>
         </p:nvSpPr>
-        <p:spPr/>
+        <p:spPr>
+          <a:xfrm>
+            <a:off x="4687618" y="7963652"/>
+            <a:ext cx="1414816" cy="190800"/>
+          </a:xfrm>
+        </p:spPr>
         <p:txBody>
           <a:bodyPr/>
           <a:lstStyle/>
           <a:p>
             <a:r>
               <a:rPr lang="en-US" dirty="0"/>
-              <a:t>BACK-END CODING TOOLS</a:t>
+              <a:t>UI/UX DESIGN TOOLS</a:t>
             </a:r>
           </a:p>
         </p:txBody>
@@ -10950,14 +10395,19 @@
             <p:ph type="body" sz="quarter" idx="73"/>
           </p:nvPr>
         </p:nvSpPr>
-        <p:spPr/>
+        <p:spPr>
+          <a:xfrm>
+            <a:off x="4687617" y="8352619"/>
+            <a:ext cx="1525269" cy="190800"/>
+          </a:xfrm>
+        </p:spPr>
         <p:txBody>
           <a:bodyPr/>
           <a:lstStyle/>
           <a:p>
             <a:r>
               <a:rPr lang="en-US" dirty="0"/>
-              <a:t>TESTING TOOLS</a:t>
+              <a:t>MS POWERPOINT ANIMATION</a:t>
             </a:r>
           </a:p>
         </p:txBody>
@@ -11302,9 +10752,18 @@
           <a:lstStyle/>
           <a:p>
             <a:r>
-              <a:rPr lang="en-US" dirty="0"/>
+              <a:rPr lang="en-US" sz="1000" spc="-30" dirty="0">
+                <a:hlinkClick r:id="rId26">
+                  <a:extLst>
+                    <a:ext uri="{A12FA001-AC4F-418D-AE19-62706E023703}">
+                      <ahyp:hlinkClr xmlns:ahyp="http://schemas.microsoft.com/office/drawing/2018/hyperlinkcolor" val="tx"/>
+                    </a:ext>
+                  </a:extLst>
+                </a:hlinkClick>
+              </a:rPr>
               <a:t>abhi3700</a:t>
             </a:r>
+            <a:endParaRPr lang="en-US" sz="1000" spc="-30" dirty="0"/>
           </a:p>
         </p:txBody>
       </p:sp>
@@ -11386,9 +10845,18 @@
           <a:lstStyle/>
           <a:p>
             <a:r>
-              <a:rPr lang="en-US" dirty="0"/>
+              <a:rPr lang="en-US" sz="1000" dirty="0">
+                <a:hlinkClick r:id="rId27">
+                  <a:extLst>
+                    <a:ext uri="{A12FA001-AC4F-418D-AE19-62706E023703}">
+                      <ahyp:hlinkClr xmlns:ahyp="http://schemas.microsoft.com/office/drawing/2018/hyperlinkcolor" val="tx"/>
+                    </a:ext>
+                  </a:extLst>
+                </a:hlinkClick>
+              </a:rPr>
               <a:t>abhi3700 </a:t>
             </a:r>
+            <a:endParaRPr lang="en-US" sz="1000" dirty="0"/>
           </a:p>
         </p:txBody>
       </p:sp>
@@ -11922,7 +11390,7 @@
         </p:nvGrpSpPr>
         <p:grpSpPr>
           <a:xfrm>
-            <a:off x="4777287" y="7060017"/>
+            <a:off x="4777287" y="7011249"/>
             <a:ext cx="1733846" cy="118800"/>
             <a:chOff x="4775800" y="7060017"/>
             <a:chExt cx="1733846" cy="118800"/>
@@ -12348,7 +11816,7 @@
               <a:avLst/>
             </a:prstGeom>
             <a:solidFill>
-              <a:schemeClr val="accent3"/>
+              <a:schemeClr val="tx2"/>
             </a:solidFill>
             <a:ln>
               <a:noFill/>
@@ -12513,7 +11981,7 @@
         </p:nvGrpSpPr>
         <p:grpSpPr>
           <a:xfrm>
-            <a:off x="4777287" y="7446830"/>
+            <a:off x="4777287" y="7398062"/>
             <a:ext cx="1733846" cy="118800"/>
             <a:chOff x="4775800" y="7060017"/>
             <a:chExt cx="1733846" cy="118800"/>
@@ -12996,7 +12464,7 @@
               <a:avLst/>
             </a:prstGeom>
             <a:solidFill>
-              <a:schemeClr val="accent3"/>
+              <a:schemeClr val="tx2"/>
             </a:solidFill>
             <a:ln>
               <a:noFill/>
@@ -13104,7 +12572,7 @@
         </p:nvGrpSpPr>
         <p:grpSpPr>
           <a:xfrm>
-            <a:off x="4777287" y="7833643"/>
+            <a:off x="4777287" y="7784875"/>
             <a:ext cx="1733846" cy="118800"/>
             <a:chOff x="4775800" y="7060017"/>
             <a:chExt cx="1733846" cy="118800"/>
@@ -13416,7 +12884,7 @@
               <a:avLst/>
             </a:prstGeom>
             <a:solidFill>
-              <a:schemeClr val="accent3"/>
+              <a:schemeClr val="tx2"/>
             </a:solidFill>
             <a:ln>
               <a:noFill/>
@@ -13473,7 +12941,7 @@
               <a:avLst/>
             </a:prstGeom>
             <a:solidFill>
-              <a:schemeClr val="accent3"/>
+              <a:schemeClr val="tx2"/>
             </a:solidFill>
             <a:ln>
               <a:noFill/>
@@ -13530,7 +12998,7 @@
               <a:avLst/>
             </a:prstGeom>
             <a:solidFill>
-              <a:schemeClr val="accent3"/>
+              <a:schemeClr val="tx2"/>
             </a:solidFill>
             <a:ln>
               <a:noFill/>
@@ -13695,7 +13163,7 @@
         </p:nvGrpSpPr>
         <p:grpSpPr>
           <a:xfrm>
-            <a:off x="4777287" y="8220456"/>
+            <a:off x="4777287" y="8171688"/>
             <a:ext cx="1733846" cy="118800"/>
             <a:chOff x="4775800" y="7060017"/>
             <a:chExt cx="1733846" cy="118800"/>
@@ -14063,9 +13531,7 @@
             <a:prstGeom prst="ellipse">
               <a:avLst/>
             </a:prstGeom>
-            <a:solidFill>
-              <a:schemeClr val="tx2"/>
-            </a:solidFill>
+            <a:noFill/>
             <a:ln>
               <a:noFill/>
             </a:ln>
@@ -14120,9 +13586,7 @@
             <a:prstGeom prst="ellipse">
               <a:avLst/>
             </a:prstGeom>
-            <a:solidFill>
-              <a:schemeClr val="tx2"/>
-            </a:solidFill>
+            <a:noFill/>
             <a:ln>
               <a:noFill/>
             </a:ln>
@@ -14286,7 +13750,7 @@
         </p:nvGrpSpPr>
         <p:grpSpPr>
           <a:xfrm>
-            <a:off x="4777287" y="8607268"/>
+            <a:off x="4777287" y="8558500"/>
             <a:ext cx="1733846" cy="118800"/>
             <a:chOff x="4775800" y="7060017"/>
             <a:chExt cx="1733846" cy="118800"/>
@@ -14541,7 +14005,7 @@
               <a:avLst/>
             </a:prstGeom>
             <a:solidFill>
-              <a:schemeClr val="accent3"/>
+              <a:schemeClr val="tx2"/>
             </a:solidFill>
             <a:ln>
               <a:noFill/>
@@ -14598,7 +14062,7 @@
               <a:avLst/>
             </a:prstGeom>
             <a:solidFill>
-              <a:schemeClr val="accent3"/>
+              <a:schemeClr val="tx2"/>
             </a:solidFill>
             <a:ln>
               <a:noFill/>
@@ -14655,7 +14119,7 @@
               <a:avLst/>
             </a:prstGeom>
             <a:solidFill>
-              <a:schemeClr val="accent3"/>
+              <a:schemeClr val="tx2"/>
             </a:solidFill>
             <a:ln>
               <a:noFill/>
@@ -14880,7 +14344,7 @@
           </p:nvPr>
         </p:nvPicPr>
         <p:blipFill>
-          <a:blip r:embed="rId32">
+          <a:blip r:embed="rId28">
             <a:extLst>
               <a:ext uri="{28A0092B-C50C-407E-A947-70E740481C1C}">
                 <a14:useLocalDpi xmlns:a14="http://schemas.microsoft.com/office/drawing/2010/main" val="0"/>
@@ -14914,7 +14378,7 @@
           <p:nvPr/>
         </p:nvPicPr>
         <p:blipFill>
-          <a:blip r:embed="rId33">
+          <a:blip r:embed="rId29">
             <a:lum bright="70000" contrast="-70000"/>
             <a:extLst>
               <a:ext uri="{28A0092B-C50C-407E-A947-70E740481C1C}">
@@ -14962,14 +14426,14 @@
           <p:nvPr/>
         </p:nvPicPr>
         <p:blipFill>
-          <a:blip r:embed="rId34">
+          <a:blip r:embed="rId30">
             <a:lum bright="70000" contrast="-70000"/>
             <a:extLst>
               <a:ext uri="{28A0092B-C50C-407E-A947-70E740481C1C}">
                 <a14:useLocalDpi xmlns:a14="http://schemas.microsoft.com/office/drawing/2010/main" val="0"/>
               </a:ext>
               <a:ext uri="{837473B0-CC2E-450A-ABE3-18F120FF3D39}">
-                <a1611:picAttrSrcUrl xmlns:a1611="http://schemas.microsoft.com/office/drawing/2016/11/main" r:id="rId35"/>
+                <a1611:picAttrSrcUrl xmlns:a1611="http://schemas.microsoft.com/office/drawing/2016/11/main" r:id="rId31"/>
               </a:ext>
             </a:extLst>
           </a:blip>
@@ -15002,14 +14466,14 @@
           <p:nvPr/>
         </p:nvPicPr>
         <p:blipFill>
-          <a:blip r:embed="rId36">
+          <a:blip r:embed="rId32">
             <a:lum bright="70000" contrast="-70000"/>
             <a:extLst>
               <a:ext uri="{28A0092B-C50C-407E-A947-70E740481C1C}">
                 <a14:useLocalDpi xmlns:a14="http://schemas.microsoft.com/office/drawing/2010/main" val="0"/>
               </a:ext>
               <a:ext uri="{837473B0-CC2E-450A-ABE3-18F120FF3D39}">
-                <a1611:picAttrSrcUrl xmlns:a1611="http://schemas.microsoft.com/office/drawing/2016/11/main" r:id="rId37"/>
+                <a1611:picAttrSrcUrl xmlns:a1611="http://schemas.microsoft.com/office/drawing/2016/11/main" r:id="rId33"/>
               </a:ext>
             </a:extLst>
           </a:blip>
@@ -15027,6 +14491,1620 @@
           </a:prstGeom>
         </p:spPr>
       </p:pic>
+      <p:pic>
+        <p:nvPicPr>
+          <p:cNvPr id="185" name="Picture 184">
+            <a:extLst>
+              <a:ext uri="{FF2B5EF4-FFF2-40B4-BE49-F238E27FC236}">
+                <a16:creationId xmlns:a16="http://schemas.microsoft.com/office/drawing/2014/main" id="{0F3F6AD5-F4CE-413A-A6DC-171B2DB45342}"/>
+              </a:ext>
+            </a:extLst>
+          </p:cNvPr>
+          <p:cNvPicPr>
+            <a:picLocks noChangeAspect="1"/>
+          </p:cNvPicPr>
+          <p:nvPr/>
+        </p:nvPicPr>
+        <p:blipFill>
+          <a:blip r:embed="rId34">
+            <a:duotone>
+              <a:srgbClr val="003C87">
+                <a:shade val="45000"/>
+                <a:satMod val="135000"/>
+              </a:srgbClr>
+              <a:prstClr val="white"/>
+            </a:duotone>
+            <a:extLst>
+              <a:ext uri="{28A0092B-C50C-407E-A947-70E740481C1C}">
+                <a14:useLocalDpi xmlns:a14="http://schemas.microsoft.com/office/drawing/2010/main" val="0"/>
+              </a:ext>
+              <a:ext uri="{837473B0-CC2E-450A-ABE3-18F120FF3D39}">
+                <a1611:picAttrSrcUrl xmlns:a1611="http://schemas.microsoft.com/office/drawing/2016/11/main" r:id="rId35"/>
+              </a:ext>
+            </a:extLst>
+          </a:blip>
+          <a:stretch>
+            <a:fillRect/>
+          </a:stretch>
+        </p:blipFill>
+        <p:spPr>
+          <a:xfrm>
+            <a:off x="5392672" y="148682"/>
+            <a:ext cx="844368" cy="984533"/>
+          </a:xfrm>
+          <a:prstGeom prst="rect">
+            <a:avLst/>
+          </a:prstGeom>
+          <a:solidFill>
+            <a:schemeClr val="accent1">
+              <a:lumMod val="50000"/>
+            </a:schemeClr>
+          </a:solidFill>
+          <a:ln>
+            <a:noFill/>
+          </a:ln>
+        </p:spPr>
+        <p:style>
+          <a:lnRef idx="2">
+            <a:schemeClr val="accent6"/>
+          </a:lnRef>
+          <a:fillRef idx="1">
+            <a:schemeClr val="lt1"/>
+          </a:fillRef>
+          <a:effectRef idx="0">
+            <a:schemeClr val="accent6"/>
+          </a:effectRef>
+          <a:fontRef idx="minor">
+            <a:schemeClr val="dk1"/>
+          </a:fontRef>
+        </p:style>
+      </p:pic>
+      <p:pic>
+        <p:nvPicPr>
+          <p:cNvPr id="186" name="Graphic 185" descr="GPS icon">
+            <a:extLst>
+              <a:ext uri="{FF2B5EF4-FFF2-40B4-BE49-F238E27FC236}">
+                <a16:creationId xmlns:a16="http://schemas.microsoft.com/office/drawing/2014/main" id="{022DC40F-65F8-410C-830C-3C88C8EB9D23}"/>
+              </a:ext>
+            </a:extLst>
+          </p:cNvPr>
+          <p:cNvPicPr>
+            <a:picLocks noChangeAspect="1"/>
+          </p:cNvPicPr>
+          <p:nvPr/>
+        </p:nvPicPr>
+        <p:blipFill>
+          <a:blip r:embed="rId36">
+            <a:extLst>
+              <a:ext uri="{96DAC541-7B7A-43D3-8B79-37D633B846F1}">
+                <asvg:svgBlip xmlns:asvg="http://schemas.microsoft.com/office/drawing/2016/SVG/main" r:embed="rId37"/>
+              </a:ext>
+            </a:extLst>
+          </a:blip>
+          <a:stretch>
+            <a:fillRect/>
+          </a:stretch>
+        </p:blipFill>
+        <p:spPr>
+          <a:xfrm>
+            <a:off x="5601267" y="257374"/>
+            <a:ext cx="95727" cy="140399"/>
+          </a:xfrm>
+          <a:prstGeom prst="rect">
+            <a:avLst/>
+          </a:prstGeom>
+        </p:spPr>
+      </p:pic>
+      <p:sp>
+        <p:nvSpPr>
+          <p:cNvPr id="189" name="Oval 188">
+            <a:extLst>
+              <a:ext uri="{FF2B5EF4-FFF2-40B4-BE49-F238E27FC236}">
+                <a16:creationId xmlns:a16="http://schemas.microsoft.com/office/drawing/2014/main" id="{EF8750A8-8CF7-4494-8678-AABA826F7DBA}"/>
+              </a:ext>
+            </a:extLst>
+          </p:cNvPr>
+          <p:cNvSpPr/>
+          <p:nvPr/>
+        </p:nvSpPr>
+        <p:spPr>
+          <a:xfrm>
+            <a:off x="5859319" y="8171688"/>
+            <a:ext cx="118800" cy="118800"/>
+          </a:xfrm>
+          <a:prstGeom prst="ellipse">
+            <a:avLst/>
+          </a:prstGeom>
+          <a:solidFill>
+            <a:schemeClr val="accent3"/>
+          </a:solidFill>
+          <a:ln>
+            <a:noFill/>
+          </a:ln>
+        </p:spPr>
+        <p:style>
+          <a:lnRef idx="2">
+            <a:schemeClr val="accent1">
+              <a:shade val="50000"/>
+            </a:schemeClr>
+          </a:lnRef>
+          <a:fillRef idx="1">
+            <a:schemeClr val="accent1"/>
+          </a:fillRef>
+          <a:effectRef idx="0">
+            <a:schemeClr val="accent1"/>
+          </a:effectRef>
+          <a:fontRef idx="minor">
+            <a:schemeClr val="lt1"/>
+          </a:fontRef>
+        </p:style>
+        <p:txBody>
+          <a:bodyPr rot="0" spcFirstLastPara="0" vertOverflow="overflow" horzOverflow="overflow" vert="horz" wrap="square" lIns="91440" tIns="45720" rIns="91440" bIns="45720" numCol="1" spcCol="0" rtlCol="0" fromWordArt="0" anchor="ctr" anchorCtr="0" forceAA="0" compatLnSpc="1">
+            <a:prstTxWarp prst="textNoShape">
+              <a:avLst/>
+            </a:prstTxWarp>
+            <a:noAutofit/>
+          </a:bodyPr>
+          <a:lstStyle/>
+          <a:p>
+            <a:pPr algn="ctr"/>
+            <a:endParaRPr lang="en-US" dirty="0"/>
+          </a:p>
+        </p:txBody>
+      </p:sp>
+      <p:sp>
+        <p:nvSpPr>
+          <p:cNvPr id="190" name="Oval 189">
+            <a:extLst>
+              <a:ext uri="{FF2B5EF4-FFF2-40B4-BE49-F238E27FC236}">
+                <a16:creationId xmlns:a16="http://schemas.microsoft.com/office/drawing/2014/main" id="{61738291-4A76-4488-80DC-C7F9C9CBBC7F}"/>
+              </a:ext>
+            </a:extLst>
+          </p:cNvPr>
+          <p:cNvSpPr/>
+          <p:nvPr/>
+        </p:nvSpPr>
+        <p:spPr>
+          <a:xfrm>
+            <a:off x="6038765" y="8171688"/>
+            <a:ext cx="118800" cy="118800"/>
+          </a:xfrm>
+          <a:prstGeom prst="ellipse">
+            <a:avLst/>
+          </a:prstGeom>
+          <a:solidFill>
+            <a:schemeClr val="accent3"/>
+          </a:solidFill>
+          <a:ln>
+            <a:noFill/>
+          </a:ln>
+        </p:spPr>
+        <p:style>
+          <a:lnRef idx="2">
+            <a:schemeClr val="accent1">
+              <a:shade val="50000"/>
+            </a:schemeClr>
+          </a:lnRef>
+          <a:fillRef idx="1">
+            <a:schemeClr val="accent1"/>
+          </a:fillRef>
+          <a:effectRef idx="0">
+            <a:schemeClr val="accent1"/>
+          </a:effectRef>
+          <a:fontRef idx="minor">
+            <a:schemeClr val="lt1"/>
+          </a:fontRef>
+        </p:style>
+        <p:txBody>
+          <a:bodyPr rot="0" spcFirstLastPara="0" vertOverflow="overflow" horzOverflow="overflow" vert="horz" wrap="square" lIns="91440" tIns="45720" rIns="91440" bIns="45720" numCol="1" spcCol="0" rtlCol="0" fromWordArt="0" anchor="ctr" anchorCtr="0" forceAA="0" compatLnSpc="1">
+            <a:prstTxWarp prst="textNoShape">
+              <a:avLst/>
+            </a:prstTxWarp>
+            <a:noAutofit/>
+          </a:bodyPr>
+          <a:lstStyle/>
+          <a:p>
+            <a:pPr algn="ctr"/>
+            <a:endParaRPr lang="en-US" dirty="0"/>
+          </a:p>
+        </p:txBody>
+      </p:sp>
+      <p:sp>
+        <p:nvSpPr>
+          <p:cNvPr id="191" name="Text Placeholder 329">
+            <a:extLst>
+              <a:ext uri="{FF2B5EF4-FFF2-40B4-BE49-F238E27FC236}">
+                <a16:creationId xmlns:a16="http://schemas.microsoft.com/office/drawing/2014/main" id="{25E52B6E-5974-45D4-B8B2-82A00EC93D7A}"/>
+              </a:ext>
+            </a:extLst>
+          </p:cNvPr>
+          <p:cNvSpPr txBox="1">
+            <a:spLocks/>
+          </p:cNvSpPr>
+          <p:nvPr/>
+        </p:nvSpPr>
+        <p:spPr>
+          <a:xfrm>
+            <a:off x="4699809" y="8669611"/>
+            <a:ext cx="1525269" cy="190800"/>
+          </a:xfrm>
+          <a:prstGeom prst="rect">
+            <a:avLst/>
+          </a:prstGeom>
+        </p:spPr>
+        <p:txBody>
+          <a:bodyPr vert="horz" lIns="91440" tIns="45720" rIns="91440" bIns="45720" rtlCol="0" anchor="ctr" anchorCtr="0">
+            <a:noAutofit/>
+          </a:bodyPr>
+          <a:lstStyle>
+            <a:lvl1pPr marL="0" indent="0" algn="l" defTabSz="514350" rtl="0" eaLnBrk="1" latinLnBrk="0" hangingPunct="1">
+              <a:lnSpc>
+                <a:spcPts val="1200"/>
+              </a:lnSpc>
+              <a:spcBef>
+                <a:spcPts val="0"/>
+              </a:spcBef>
+              <a:buFont typeface="Arial" panose="020B0604020202020204" pitchFamily="34" charset="0"/>
+              <a:buNone/>
+              <a:defRPr sz="700" kern="1200">
+                <a:solidFill>
+                  <a:schemeClr val="bg1"/>
+                </a:solidFill>
+                <a:latin typeface="+mj-lt"/>
+                <a:ea typeface="+mn-ea"/>
+                <a:cs typeface="+mn-cs"/>
+              </a:defRPr>
+            </a:lvl1pPr>
+            <a:lvl2pPr marL="385763" indent="-128588" algn="l" defTabSz="514350" rtl="0" eaLnBrk="1" latinLnBrk="0" hangingPunct="1">
+              <a:lnSpc>
+                <a:spcPct val="90000"/>
+              </a:lnSpc>
+              <a:spcBef>
+                <a:spcPts val="281"/>
+              </a:spcBef>
+              <a:buFont typeface="Arial" panose="020B0604020202020204" pitchFamily="34" charset="0"/>
+              <a:buChar char="•"/>
+              <a:defRPr sz="1350" kern="1200">
+                <a:solidFill>
+                  <a:schemeClr val="tx1"/>
+                </a:solidFill>
+                <a:latin typeface="+mn-lt"/>
+                <a:ea typeface="+mn-ea"/>
+                <a:cs typeface="+mn-cs"/>
+              </a:defRPr>
+            </a:lvl2pPr>
+            <a:lvl3pPr marL="642938" indent="-128588" algn="l" defTabSz="514350" rtl="0" eaLnBrk="1" latinLnBrk="0" hangingPunct="1">
+              <a:lnSpc>
+                <a:spcPct val="90000"/>
+              </a:lnSpc>
+              <a:spcBef>
+                <a:spcPts val="281"/>
+              </a:spcBef>
+              <a:buFont typeface="Arial" panose="020B0604020202020204" pitchFamily="34" charset="0"/>
+              <a:buChar char="•"/>
+              <a:defRPr sz="1125" kern="1200">
+                <a:solidFill>
+                  <a:schemeClr val="tx1"/>
+                </a:solidFill>
+                <a:latin typeface="+mn-lt"/>
+                <a:ea typeface="+mn-ea"/>
+                <a:cs typeface="+mn-cs"/>
+              </a:defRPr>
+            </a:lvl3pPr>
+            <a:lvl4pPr marL="900113" indent="-128588" algn="l" defTabSz="514350" rtl="0" eaLnBrk="1" latinLnBrk="0" hangingPunct="1">
+              <a:lnSpc>
+                <a:spcPct val="90000"/>
+              </a:lnSpc>
+              <a:spcBef>
+                <a:spcPts val="281"/>
+              </a:spcBef>
+              <a:buFont typeface="Arial" panose="020B0604020202020204" pitchFamily="34" charset="0"/>
+              <a:buChar char="•"/>
+              <a:defRPr sz="1013" kern="1200">
+                <a:solidFill>
+                  <a:schemeClr val="tx1"/>
+                </a:solidFill>
+                <a:latin typeface="+mn-lt"/>
+                <a:ea typeface="+mn-ea"/>
+                <a:cs typeface="+mn-cs"/>
+              </a:defRPr>
+            </a:lvl4pPr>
+            <a:lvl5pPr marL="1157288" indent="-128588" algn="l" defTabSz="514350" rtl="0" eaLnBrk="1" latinLnBrk="0" hangingPunct="1">
+              <a:lnSpc>
+                <a:spcPct val="90000"/>
+              </a:lnSpc>
+              <a:spcBef>
+                <a:spcPts val="281"/>
+              </a:spcBef>
+              <a:buFont typeface="Arial" panose="020B0604020202020204" pitchFamily="34" charset="0"/>
+              <a:buChar char="•"/>
+              <a:defRPr sz="1013" kern="1200">
+                <a:solidFill>
+                  <a:schemeClr val="tx1"/>
+                </a:solidFill>
+                <a:latin typeface="+mn-lt"/>
+                <a:ea typeface="+mn-ea"/>
+                <a:cs typeface="+mn-cs"/>
+              </a:defRPr>
+            </a:lvl5pPr>
+            <a:lvl6pPr marL="1414463" indent="-128588" algn="l" defTabSz="514350" rtl="0" eaLnBrk="1" latinLnBrk="0" hangingPunct="1">
+              <a:lnSpc>
+                <a:spcPct val="90000"/>
+              </a:lnSpc>
+              <a:spcBef>
+                <a:spcPts val="281"/>
+              </a:spcBef>
+              <a:buFont typeface="Arial" panose="020B0604020202020204" pitchFamily="34" charset="0"/>
+              <a:buChar char="•"/>
+              <a:defRPr sz="1013" kern="1200">
+                <a:solidFill>
+                  <a:schemeClr val="tx1"/>
+                </a:solidFill>
+                <a:latin typeface="+mn-lt"/>
+                <a:ea typeface="+mn-ea"/>
+                <a:cs typeface="+mn-cs"/>
+              </a:defRPr>
+            </a:lvl6pPr>
+            <a:lvl7pPr marL="1671638" indent="-128588" algn="l" defTabSz="514350" rtl="0" eaLnBrk="1" latinLnBrk="0" hangingPunct="1">
+              <a:lnSpc>
+                <a:spcPct val="90000"/>
+              </a:lnSpc>
+              <a:spcBef>
+                <a:spcPts val="281"/>
+              </a:spcBef>
+              <a:buFont typeface="Arial" panose="020B0604020202020204" pitchFamily="34" charset="0"/>
+              <a:buChar char="•"/>
+              <a:defRPr sz="1013" kern="1200">
+                <a:solidFill>
+                  <a:schemeClr val="tx1"/>
+                </a:solidFill>
+                <a:latin typeface="+mn-lt"/>
+                <a:ea typeface="+mn-ea"/>
+                <a:cs typeface="+mn-cs"/>
+              </a:defRPr>
+            </a:lvl7pPr>
+            <a:lvl8pPr marL="1928813" indent="-128588" algn="l" defTabSz="514350" rtl="0" eaLnBrk="1" latinLnBrk="0" hangingPunct="1">
+              <a:lnSpc>
+                <a:spcPct val="90000"/>
+              </a:lnSpc>
+              <a:spcBef>
+                <a:spcPts val="281"/>
+              </a:spcBef>
+              <a:buFont typeface="Arial" panose="020B0604020202020204" pitchFamily="34" charset="0"/>
+              <a:buChar char="•"/>
+              <a:defRPr sz="1013" kern="1200">
+                <a:solidFill>
+                  <a:schemeClr val="tx1"/>
+                </a:solidFill>
+                <a:latin typeface="+mn-lt"/>
+                <a:ea typeface="+mn-ea"/>
+                <a:cs typeface="+mn-cs"/>
+              </a:defRPr>
+            </a:lvl8pPr>
+            <a:lvl9pPr marL="2185988" indent="-128588" algn="l" defTabSz="514350" rtl="0" eaLnBrk="1" latinLnBrk="0" hangingPunct="1">
+              <a:lnSpc>
+                <a:spcPct val="90000"/>
+              </a:lnSpc>
+              <a:spcBef>
+                <a:spcPts val="281"/>
+              </a:spcBef>
+              <a:buFont typeface="Arial" panose="020B0604020202020204" pitchFamily="34" charset="0"/>
+              <a:buChar char="•"/>
+              <a:defRPr sz="1013" kern="1200">
+                <a:solidFill>
+                  <a:schemeClr val="tx1"/>
+                </a:solidFill>
+                <a:latin typeface="+mn-lt"/>
+                <a:ea typeface="+mn-ea"/>
+                <a:cs typeface="+mn-cs"/>
+              </a:defRPr>
+            </a:lvl9pPr>
+          </a:lstStyle>
+          <a:p>
+            <a:r>
+              <a:rPr lang="en-US" dirty="0"/>
+              <a:t>MS WORD AUTOMATION</a:t>
+            </a:r>
+          </a:p>
+        </p:txBody>
+      </p:sp>
+      <p:grpSp>
+        <p:nvGrpSpPr>
+          <p:cNvPr id="192" name="Group 191" descr="Circles">
+            <a:extLst>
+              <a:ext uri="{FF2B5EF4-FFF2-40B4-BE49-F238E27FC236}">
+                <a16:creationId xmlns:a16="http://schemas.microsoft.com/office/drawing/2014/main" id="{30D37093-92C5-4F93-B4C8-323BB3719032}"/>
+              </a:ext>
+            </a:extLst>
+          </p:cNvPr>
+          <p:cNvGrpSpPr/>
+          <p:nvPr/>
+        </p:nvGrpSpPr>
+        <p:grpSpPr>
+          <a:xfrm>
+            <a:off x="4789479" y="8875492"/>
+            <a:ext cx="1733846" cy="118800"/>
+            <a:chOff x="4775800" y="7060017"/>
+            <a:chExt cx="1733846" cy="118800"/>
+          </a:xfrm>
+        </p:grpSpPr>
+        <p:sp>
+          <p:nvSpPr>
+            <p:cNvPr id="193" name="Oval 192">
+              <a:extLst>
+                <a:ext uri="{FF2B5EF4-FFF2-40B4-BE49-F238E27FC236}">
+                  <a16:creationId xmlns:a16="http://schemas.microsoft.com/office/drawing/2014/main" id="{D3C43B41-2C31-4510-831E-5CC261F136B7}"/>
+                </a:ext>
+              </a:extLst>
+            </p:cNvPr>
+            <p:cNvSpPr/>
+            <p:nvPr userDrawn="1"/>
+          </p:nvSpPr>
+          <p:spPr>
+            <a:xfrm>
+              <a:off x="4775800" y="7060017"/>
+              <a:ext cx="118800" cy="118800"/>
+            </a:xfrm>
+            <a:prstGeom prst="ellipse">
+              <a:avLst/>
+            </a:prstGeom>
+            <a:solidFill>
+              <a:schemeClr val="tx2"/>
+            </a:solidFill>
+            <a:ln>
+              <a:noFill/>
+            </a:ln>
+          </p:spPr>
+          <p:style>
+            <a:lnRef idx="2">
+              <a:schemeClr val="accent1">
+                <a:shade val="50000"/>
+              </a:schemeClr>
+            </a:lnRef>
+            <a:fillRef idx="1">
+              <a:schemeClr val="accent1"/>
+            </a:fillRef>
+            <a:effectRef idx="0">
+              <a:schemeClr val="accent1"/>
+            </a:effectRef>
+            <a:fontRef idx="minor">
+              <a:schemeClr val="lt1"/>
+            </a:fontRef>
+          </p:style>
+          <p:txBody>
+            <a:bodyPr rot="0" spcFirstLastPara="0" vertOverflow="overflow" horzOverflow="overflow" vert="horz" wrap="square" lIns="91440" tIns="45720" rIns="91440" bIns="45720" numCol="1" spcCol="0" rtlCol="0" fromWordArt="0" anchor="ctr" anchorCtr="0" forceAA="0" compatLnSpc="1">
+              <a:prstTxWarp prst="textNoShape">
+                <a:avLst/>
+              </a:prstTxWarp>
+              <a:noAutofit/>
+            </a:bodyPr>
+            <a:lstStyle/>
+            <a:p>
+              <a:pPr algn="ctr"/>
+              <a:endParaRPr lang="en-US" dirty="0"/>
+            </a:p>
+          </p:txBody>
+        </p:sp>
+        <p:sp>
+          <p:nvSpPr>
+            <p:cNvPr id="194" name="Oval 193">
+              <a:extLst>
+                <a:ext uri="{FF2B5EF4-FFF2-40B4-BE49-F238E27FC236}">
+                  <a16:creationId xmlns:a16="http://schemas.microsoft.com/office/drawing/2014/main" id="{5C329917-13CD-4A77-8B32-56A7D193117C}"/>
+                </a:ext>
+              </a:extLst>
+            </p:cNvPr>
+            <p:cNvSpPr/>
+            <p:nvPr userDrawn="1"/>
+          </p:nvSpPr>
+          <p:spPr>
+            <a:xfrm>
+              <a:off x="4955250" y="7060017"/>
+              <a:ext cx="118800" cy="118800"/>
+            </a:xfrm>
+            <a:prstGeom prst="ellipse">
+              <a:avLst/>
+            </a:prstGeom>
+            <a:solidFill>
+              <a:schemeClr val="tx2"/>
+            </a:solidFill>
+            <a:ln>
+              <a:noFill/>
+            </a:ln>
+          </p:spPr>
+          <p:style>
+            <a:lnRef idx="2">
+              <a:schemeClr val="accent1">
+                <a:shade val="50000"/>
+              </a:schemeClr>
+            </a:lnRef>
+            <a:fillRef idx="1">
+              <a:schemeClr val="accent1"/>
+            </a:fillRef>
+            <a:effectRef idx="0">
+              <a:schemeClr val="accent1"/>
+            </a:effectRef>
+            <a:fontRef idx="minor">
+              <a:schemeClr val="lt1"/>
+            </a:fontRef>
+          </p:style>
+          <p:txBody>
+            <a:bodyPr rot="0" spcFirstLastPara="0" vertOverflow="overflow" horzOverflow="overflow" vert="horz" wrap="square" lIns="91440" tIns="45720" rIns="91440" bIns="45720" numCol="1" spcCol="0" rtlCol="0" fromWordArt="0" anchor="ctr" anchorCtr="0" forceAA="0" compatLnSpc="1">
+              <a:prstTxWarp prst="textNoShape">
+                <a:avLst/>
+              </a:prstTxWarp>
+              <a:noAutofit/>
+            </a:bodyPr>
+            <a:lstStyle/>
+            <a:p>
+              <a:pPr algn="ctr"/>
+              <a:endParaRPr lang="en-US" dirty="0"/>
+            </a:p>
+          </p:txBody>
+        </p:sp>
+        <p:sp>
+          <p:nvSpPr>
+            <p:cNvPr id="195" name="Oval 194">
+              <a:extLst>
+                <a:ext uri="{FF2B5EF4-FFF2-40B4-BE49-F238E27FC236}">
+                  <a16:creationId xmlns:a16="http://schemas.microsoft.com/office/drawing/2014/main" id="{ED2D867D-044B-4DB0-8540-0E2388BC383C}"/>
+                </a:ext>
+              </a:extLst>
+            </p:cNvPr>
+            <p:cNvSpPr/>
+            <p:nvPr userDrawn="1"/>
+          </p:nvSpPr>
+          <p:spPr>
+            <a:xfrm>
+              <a:off x="5134700" y="7060017"/>
+              <a:ext cx="118800" cy="118800"/>
+            </a:xfrm>
+            <a:prstGeom prst="ellipse">
+              <a:avLst/>
+            </a:prstGeom>
+            <a:solidFill>
+              <a:schemeClr val="tx2"/>
+            </a:solidFill>
+            <a:ln>
+              <a:noFill/>
+            </a:ln>
+          </p:spPr>
+          <p:style>
+            <a:lnRef idx="2">
+              <a:schemeClr val="accent1">
+                <a:shade val="50000"/>
+              </a:schemeClr>
+            </a:lnRef>
+            <a:fillRef idx="1">
+              <a:schemeClr val="accent1"/>
+            </a:fillRef>
+            <a:effectRef idx="0">
+              <a:schemeClr val="accent1"/>
+            </a:effectRef>
+            <a:fontRef idx="minor">
+              <a:schemeClr val="lt1"/>
+            </a:fontRef>
+          </p:style>
+          <p:txBody>
+            <a:bodyPr rot="0" spcFirstLastPara="0" vertOverflow="overflow" horzOverflow="overflow" vert="horz" wrap="square" lIns="91440" tIns="45720" rIns="91440" bIns="45720" numCol="1" spcCol="0" rtlCol="0" fromWordArt="0" anchor="ctr" anchorCtr="0" forceAA="0" compatLnSpc="1">
+              <a:prstTxWarp prst="textNoShape">
+                <a:avLst/>
+              </a:prstTxWarp>
+              <a:noAutofit/>
+            </a:bodyPr>
+            <a:lstStyle/>
+            <a:p>
+              <a:pPr algn="ctr"/>
+              <a:endParaRPr lang="en-US" dirty="0"/>
+            </a:p>
+          </p:txBody>
+        </p:sp>
+        <p:sp>
+          <p:nvSpPr>
+            <p:cNvPr id="196" name="Oval 195">
+              <a:extLst>
+                <a:ext uri="{FF2B5EF4-FFF2-40B4-BE49-F238E27FC236}">
+                  <a16:creationId xmlns:a16="http://schemas.microsoft.com/office/drawing/2014/main" id="{2C915D13-816C-49D0-99DC-FCD721E0C32F}"/>
+                </a:ext>
+              </a:extLst>
+            </p:cNvPr>
+            <p:cNvSpPr/>
+            <p:nvPr userDrawn="1"/>
+          </p:nvSpPr>
+          <p:spPr>
+            <a:xfrm>
+              <a:off x="5314150" y="7060017"/>
+              <a:ext cx="118800" cy="118800"/>
+            </a:xfrm>
+            <a:prstGeom prst="ellipse">
+              <a:avLst/>
+            </a:prstGeom>
+            <a:solidFill>
+              <a:schemeClr val="tx2"/>
+            </a:solidFill>
+            <a:ln>
+              <a:noFill/>
+            </a:ln>
+          </p:spPr>
+          <p:style>
+            <a:lnRef idx="2">
+              <a:schemeClr val="accent1">
+                <a:shade val="50000"/>
+              </a:schemeClr>
+            </a:lnRef>
+            <a:fillRef idx="1">
+              <a:schemeClr val="accent1"/>
+            </a:fillRef>
+            <a:effectRef idx="0">
+              <a:schemeClr val="accent1"/>
+            </a:effectRef>
+            <a:fontRef idx="minor">
+              <a:schemeClr val="lt1"/>
+            </a:fontRef>
+          </p:style>
+          <p:txBody>
+            <a:bodyPr rot="0" spcFirstLastPara="0" vertOverflow="overflow" horzOverflow="overflow" vert="horz" wrap="square" lIns="91440" tIns="45720" rIns="91440" bIns="45720" numCol="1" spcCol="0" rtlCol="0" fromWordArt="0" anchor="ctr" anchorCtr="0" forceAA="0" compatLnSpc="1">
+              <a:prstTxWarp prst="textNoShape">
+                <a:avLst/>
+              </a:prstTxWarp>
+              <a:noAutofit/>
+            </a:bodyPr>
+            <a:lstStyle/>
+            <a:p>
+              <a:pPr algn="ctr"/>
+              <a:endParaRPr lang="en-US" dirty="0"/>
+            </a:p>
+          </p:txBody>
+        </p:sp>
+        <p:sp>
+          <p:nvSpPr>
+            <p:cNvPr id="197" name="Oval 196">
+              <a:extLst>
+                <a:ext uri="{FF2B5EF4-FFF2-40B4-BE49-F238E27FC236}">
+                  <a16:creationId xmlns:a16="http://schemas.microsoft.com/office/drawing/2014/main" id="{AB7F83C5-58AD-4E00-A480-F5D0B81A2F1D}"/>
+                </a:ext>
+              </a:extLst>
+            </p:cNvPr>
+            <p:cNvSpPr/>
+            <p:nvPr userDrawn="1"/>
+          </p:nvSpPr>
+          <p:spPr>
+            <a:xfrm>
+              <a:off x="5493600" y="7060017"/>
+              <a:ext cx="118800" cy="118800"/>
+            </a:xfrm>
+            <a:prstGeom prst="ellipse">
+              <a:avLst/>
+            </a:prstGeom>
+            <a:solidFill>
+              <a:schemeClr val="tx2"/>
+            </a:solidFill>
+            <a:ln>
+              <a:noFill/>
+            </a:ln>
+          </p:spPr>
+          <p:style>
+            <a:lnRef idx="2">
+              <a:schemeClr val="accent1">
+                <a:shade val="50000"/>
+              </a:schemeClr>
+            </a:lnRef>
+            <a:fillRef idx="1">
+              <a:schemeClr val="accent1"/>
+            </a:fillRef>
+            <a:effectRef idx="0">
+              <a:schemeClr val="accent1"/>
+            </a:effectRef>
+            <a:fontRef idx="minor">
+              <a:schemeClr val="lt1"/>
+            </a:fontRef>
+          </p:style>
+          <p:txBody>
+            <a:bodyPr rot="0" spcFirstLastPara="0" vertOverflow="overflow" horzOverflow="overflow" vert="horz" wrap="square" lIns="91440" tIns="45720" rIns="91440" bIns="45720" numCol="1" spcCol="0" rtlCol="0" fromWordArt="0" anchor="ctr" anchorCtr="0" forceAA="0" compatLnSpc="1">
+              <a:prstTxWarp prst="textNoShape">
+                <a:avLst/>
+              </a:prstTxWarp>
+              <a:noAutofit/>
+            </a:bodyPr>
+            <a:lstStyle/>
+            <a:p>
+              <a:pPr algn="ctr"/>
+              <a:endParaRPr lang="en-US" dirty="0"/>
+            </a:p>
+          </p:txBody>
+        </p:sp>
+        <p:sp>
+          <p:nvSpPr>
+            <p:cNvPr id="198" name="Oval 197">
+              <a:extLst>
+                <a:ext uri="{FF2B5EF4-FFF2-40B4-BE49-F238E27FC236}">
+                  <a16:creationId xmlns:a16="http://schemas.microsoft.com/office/drawing/2014/main" id="{7D604213-021F-45E6-8FD7-377C19CFE189}"/>
+                </a:ext>
+              </a:extLst>
+            </p:cNvPr>
+            <p:cNvSpPr/>
+            <p:nvPr userDrawn="1"/>
+          </p:nvSpPr>
+          <p:spPr>
+            <a:xfrm>
+              <a:off x="5673050" y="7060017"/>
+              <a:ext cx="118800" cy="118800"/>
+            </a:xfrm>
+            <a:prstGeom prst="ellipse">
+              <a:avLst/>
+            </a:prstGeom>
+            <a:solidFill>
+              <a:schemeClr val="accent3"/>
+            </a:solidFill>
+            <a:ln>
+              <a:noFill/>
+            </a:ln>
+          </p:spPr>
+          <p:style>
+            <a:lnRef idx="2">
+              <a:schemeClr val="accent1">
+                <a:shade val="50000"/>
+              </a:schemeClr>
+            </a:lnRef>
+            <a:fillRef idx="1">
+              <a:schemeClr val="accent1"/>
+            </a:fillRef>
+            <a:effectRef idx="0">
+              <a:schemeClr val="accent1"/>
+            </a:effectRef>
+            <a:fontRef idx="minor">
+              <a:schemeClr val="lt1"/>
+            </a:fontRef>
+          </p:style>
+          <p:txBody>
+            <a:bodyPr rot="0" spcFirstLastPara="0" vertOverflow="overflow" horzOverflow="overflow" vert="horz" wrap="square" lIns="91440" tIns="45720" rIns="91440" bIns="45720" numCol="1" spcCol="0" rtlCol="0" fromWordArt="0" anchor="ctr" anchorCtr="0" forceAA="0" compatLnSpc="1">
+              <a:prstTxWarp prst="textNoShape">
+                <a:avLst/>
+              </a:prstTxWarp>
+              <a:noAutofit/>
+            </a:bodyPr>
+            <a:lstStyle/>
+            <a:p>
+              <a:pPr algn="ctr"/>
+              <a:endParaRPr lang="en-US" dirty="0"/>
+            </a:p>
+          </p:txBody>
+        </p:sp>
+        <p:sp>
+          <p:nvSpPr>
+            <p:cNvPr id="199" name="Oval 198">
+              <a:extLst>
+                <a:ext uri="{FF2B5EF4-FFF2-40B4-BE49-F238E27FC236}">
+                  <a16:creationId xmlns:a16="http://schemas.microsoft.com/office/drawing/2014/main" id="{F5CF4B8C-65BC-4712-ADEC-DC7BB829A4EC}"/>
+                </a:ext>
+              </a:extLst>
+            </p:cNvPr>
+            <p:cNvSpPr/>
+            <p:nvPr userDrawn="1"/>
+          </p:nvSpPr>
+          <p:spPr>
+            <a:xfrm>
+              <a:off x="5852500" y="7060017"/>
+              <a:ext cx="118800" cy="118800"/>
+            </a:xfrm>
+            <a:prstGeom prst="ellipse">
+              <a:avLst/>
+            </a:prstGeom>
+            <a:solidFill>
+              <a:schemeClr val="accent3"/>
+            </a:solidFill>
+            <a:ln>
+              <a:noFill/>
+            </a:ln>
+          </p:spPr>
+          <p:style>
+            <a:lnRef idx="2">
+              <a:schemeClr val="accent1">
+                <a:shade val="50000"/>
+              </a:schemeClr>
+            </a:lnRef>
+            <a:fillRef idx="1">
+              <a:schemeClr val="accent1"/>
+            </a:fillRef>
+            <a:effectRef idx="0">
+              <a:schemeClr val="accent1"/>
+            </a:effectRef>
+            <a:fontRef idx="minor">
+              <a:schemeClr val="lt1"/>
+            </a:fontRef>
+          </p:style>
+          <p:txBody>
+            <a:bodyPr rot="0" spcFirstLastPara="0" vertOverflow="overflow" horzOverflow="overflow" vert="horz" wrap="square" lIns="91440" tIns="45720" rIns="91440" bIns="45720" numCol="1" spcCol="0" rtlCol="0" fromWordArt="0" anchor="ctr" anchorCtr="0" forceAA="0" compatLnSpc="1">
+              <a:prstTxWarp prst="textNoShape">
+                <a:avLst/>
+              </a:prstTxWarp>
+              <a:noAutofit/>
+            </a:bodyPr>
+            <a:lstStyle/>
+            <a:p>
+              <a:pPr algn="ctr"/>
+              <a:endParaRPr lang="en-US" dirty="0"/>
+            </a:p>
+          </p:txBody>
+        </p:sp>
+        <p:sp>
+          <p:nvSpPr>
+            <p:cNvPr id="200" name="Oval 199">
+              <a:extLst>
+                <a:ext uri="{FF2B5EF4-FFF2-40B4-BE49-F238E27FC236}">
+                  <a16:creationId xmlns:a16="http://schemas.microsoft.com/office/drawing/2014/main" id="{D1315FCE-1116-4393-8AD2-17D4D8795849}"/>
+                </a:ext>
+              </a:extLst>
+            </p:cNvPr>
+            <p:cNvSpPr/>
+            <p:nvPr userDrawn="1"/>
+          </p:nvSpPr>
+          <p:spPr>
+            <a:xfrm>
+              <a:off x="6031950" y="7060017"/>
+              <a:ext cx="118800" cy="118800"/>
+            </a:xfrm>
+            <a:prstGeom prst="ellipse">
+              <a:avLst/>
+            </a:prstGeom>
+            <a:solidFill>
+              <a:schemeClr val="accent3"/>
+            </a:solidFill>
+            <a:ln>
+              <a:noFill/>
+            </a:ln>
+          </p:spPr>
+          <p:style>
+            <a:lnRef idx="2">
+              <a:schemeClr val="accent1">
+                <a:shade val="50000"/>
+              </a:schemeClr>
+            </a:lnRef>
+            <a:fillRef idx="1">
+              <a:schemeClr val="accent1"/>
+            </a:fillRef>
+            <a:effectRef idx="0">
+              <a:schemeClr val="accent1"/>
+            </a:effectRef>
+            <a:fontRef idx="minor">
+              <a:schemeClr val="lt1"/>
+            </a:fontRef>
+          </p:style>
+          <p:txBody>
+            <a:bodyPr rot="0" spcFirstLastPara="0" vertOverflow="overflow" horzOverflow="overflow" vert="horz" wrap="square" lIns="91440" tIns="45720" rIns="91440" bIns="45720" numCol="1" spcCol="0" rtlCol="0" fromWordArt="0" anchor="ctr" anchorCtr="0" forceAA="0" compatLnSpc="1">
+              <a:prstTxWarp prst="textNoShape">
+                <a:avLst/>
+              </a:prstTxWarp>
+              <a:noAutofit/>
+            </a:bodyPr>
+            <a:lstStyle/>
+            <a:p>
+              <a:pPr algn="ctr"/>
+              <a:endParaRPr lang="en-US" dirty="0"/>
+            </a:p>
+          </p:txBody>
+        </p:sp>
+        <p:sp>
+          <p:nvSpPr>
+            <p:cNvPr id="201" name="Oval 200">
+              <a:extLst>
+                <a:ext uri="{FF2B5EF4-FFF2-40B4-BE49-F238E27FC236}">
+                  <a16:creationId xmlns:a16="http://schemas.microsoft.com/office/drawing/2014/main" id="{AC6C1AA5-C6D9-4773-9A4B-8146C9FF1C5F}"/>
+                </a:ext>
+              </a:extLst>
+            </p:cNvPr>
+            <p:cNvSpPr/>
+            <p:nvPr userDrawn="1"/>
+          </p:nvSpPr>
+          <p:spPr>
+            <a:xfrm>
+              <a:off x="6211400" y="7060017"/>
+              <a:ext cx="118800" cy="118800"/>
+            </a:xfrm>
+            <a:prstGeom prst="ellipse">
+              <a:avLst/>
+            </a:prstGeom>
+            <a:solidFill>
+              <a:schemeClr val="accent3"/>
+            </a:solidFill>
+            <a:ln>
+              <a:noFill/>
+            </a:ln>
+          </p:spPr>
+          <p:style>
+            <a:lnRef idx="2">
+              <a:schemeClr val="accent1">
+                <a:shade val="50000"/>
+              </a:schemeClr>
+            </a:lnRef>
+            <a:fillRef idx="1">
+              <a:schemeClr val="accent1"/>
+            </a:fillRef>
+            <a:effectRef idx="0">
+              <a:schemeClr val="accent1"/>
+            </a:effectRef>
+            <a:fontRef idx="minor">
+              <a:schemeClr val="lt1"/>
+            </a:fontRef>
+          </p:style>
+          <p:txBody>
+            <a:bodyPr rot="0" spcFirstLastPara="0" vertOverflow="overflow" horzOverflow="overflow" vert="horz" wrap="square" lIns="91440" tIns="45720" rIns="91440" bIns="45720" numCol="1" spcCol="0" rtlCol="0" fromWordArt="0" anchor="ctr" anchorCtr="0" forceAA="0" compatLnSpc="1">
+              <a:prstTxWarp prst="textNoShape">
+                <a:avLst/>
+              </a:prstTxWarp>
+              <a:noAutofit/>
+            </a:bodyPr>
+            <a:lstStyle/>
+            <a:p>
+              <a:pPr algn="ctr"/>
+              <a:endParaRPr lang="en-US" dirty="0"/>
+            </a:p>
+          </p:txBody>
+        </p:sp>
+        <p:sp>
+          <p:nvSpPr>
+            <p:cNvPr id="202" name="Oval 201">
+              <a:extLst>
+                <a:ext uri="{FF2B5EF4-FFF2-40B4-BE49-F238E27FC236}">
+                  <a16:creationId xmlns:a16="http://schemas.microsoft.com/office/drawing/2014/main" id="{5855E397-FB2B-44D0-A662-940DC05D50B8}"/>
+                </a:ext>
+              </a:extLst>
+            </p:cNvPr>
+            <p:cNvSpPr/>
+            <p:nvPr userDrawn="1"/>
+          </p:nvSpPr>
+          <p:spPr>
+            <a:xfrm>
+              <a:off x="6390846" y="7060017"/>
+              <a:ext cx="118800" cy="118800"/>
+            </a:xfrm>
+            <a:prstGeom prst="ellipse">
+              <a:avLst/>
+            </a:prstGeom>
+            <a:solidFill>
+              <a:schemeClr val="accent3"/>
+            </a:solidFill>
+            <a:ln>
+              <a:noFill/>
+            </a:ln>
+          </p:spPr>
+          <p:style>
+            <a:lnRef idx="2">
+              <a:schemeClr val="accent1">
+                <a:shade val="50000"/>
+              </a:schemeClr>
+            </a:lnRef>
+            <a:fillRef idx="1">
+              <a:schemeClr val="accent1"/>
+            </a:fillRef>
+            <a:effectRef idx="0">
+              <a:schemeClr val="accent1"/>
+            </a:effectRef>
+            <a:fontRef idx="minor">
+              <a:schemeClr val="lt1"/>
+            </a:fontRef>
+          </p:style>
+          <p:txBody>
+            <a:bodyPr rot="0" spcFirstLastPara="0" vertOverflow="overflow" horzOverflow="overflow" vert="horz" wrap="square" lIns="91440" tIns="45720" rIns="91440" bIns="45720" numCol="1" spcCol="0" rtlCol="0" fromWordArt="0" anchor="ctr" anchorCtr="0" forceAA="0" compatLnSpc="1">
+              <a:prstTxWarp prst="textNoShape">
+                <a:avLst/>
+              </a:prstTxWarp>
+              <a:noAutofit/>
+            </a:bodyPr>
+            <a:lstStyle/>
+            <a:p>
+              <a:pPr algn="ctr"/>
+              <a:endParaRPr lang="en-US" dirty="0"/>
+            </a:p>
+          </p:txBody>
+        </p:sp>
+      </p:grpSp>
+      <p:sp>
+        <p:nvSpPr>
+          <p:cNvPr id="454" name="TextBox 453">
+            <a:extLst>
+              <a:ext uri="{FF2B5EF4-FFF2-40B4-BE49-F238E27FC236}">
+                <a16:creationId xmlns:a16="http://schemas.microsoft.com/office/drawing/2014/main" id="{CD682959-8A04-478E-A410-84737E626F23}"/>
+              </a:ext>
+            </a:extLst>
+          </p:cNvPr>
+          <p:cNvSpPr txBox="1"/>
+          <p:nvPr/>
+        </p:nvSpPr>
+        <p:spPr>
+          <a:xfrm>
+            <a:off x="1693219" y="3001328"/>
+            <a:ext cx="5164781" cy="753059"/>
+          </a:xfrm>
+          <a:prstGeom prst="rect">
+            <a:avLst/>
+          </a:prstGeom>
+          <a:solidFill>
+            <a:schemeClr val="accent4">
+              <a:lumMod val="90000"/>
+              <a:lumOff val="10000"/>
+            </a:schemeClr>
+          </a:solidFill>
+        </p:spPr>
+        <p:txBody>
+          <a:bodyPr wrap="square" rtlCol="0">
+            <a:spAutoFit/>
+          </a:bodyPr>
+          <a:lstStyle/>
+          <a:p>
+            <a:endParaRPr lang="en-US" dirty="0"/>
+          </a:p>
+        </p:txBody>
+      </p:sp>
+      <p:pic>
+        <p:nvPicPr>
+          <p:cNvPr id="237" name="Graphic 236">
+            <a:extLst>
+              <a:ext uri="{FF2B5EF4-FFF2-40B4-BE49-F238E27FC236}">
+                <a16:creationId xmlns:a16="http://schemas.microsoft.com/office/drawing/2014/main" id="{D570F43E-69F4-4586-898B-CAE68B867F24}"/>
+              </a:ext>
+              <a:ext uri="{C183D7F6-B498-43B3-948B-1728B52AA6E4}">
+                <adec:decorative xmlns:adec="http://schemas.microsoft.com/office/drawing/2017/decorative" val="1"/>
+              </a:ext>
+            </a:extLst>
+          </p:cNvPr>
+          <p:cNvPicPr>
+            <a:picLocks noChangeAspect="1"/>
+          </p:cNvPicPr>
+          <p:nvPr/>
+        </p:nvPicPr>
+        <p:blipFill>
+          <a:blip r:embed="rId38">
+            <a:extLst>
+              <a:ext uri="{96DAC541-7B7A-43D3-8B79-37D633B846F1}">
+                <asvg:svgBlip xmlns:asvg="http://schemas.microsoft.com/office/drawing/2016/SVG/main" r:embed="rId39"/>
+              </a:ext>
+            </a:extLst>
+          </a:blip>
+          <a:stretch>
+            <a:fillRect/>
+          </a:stretch>
+        </p:blipFill>
+        <p:spPr>
+          <a:xfrm>
+            <a:off x="1929796" y="3392749"/>
+            <a:ext cx="187200" cy="187200"/>
+          </a:xfrm>
+          <a:prstGeom prst="rect">
+            <a:avLst/>
+          </a:prstGeom>
+        </p:spPr>
+      </p:pic>
+      <p:sp>
+        <p:nvSpPr>
+          <p:cNvPr id="238" name="Text Placeholder 276">
+            <a:extLst>
+              <a:ext uri="{FF2B5EF4-FFF2-40B4-BE49-F238E27FC236}">
+                <a16:creationId xmlns:a16="http://schemas.microsoft.com/office/drawing/2014/main" id="{BA19BCFA-5586-41A0-B624-D35957620C7E}"/>
+              </a:ext>
+            </a:extLst>
+          </p:cNvPr>
+          <p:cNvSpPr txBox="1">
+            <a:spLocks/>
+          </p:cNvSpPr>
+          <p:nvPr/>
+        </p:nvSpPr>
+        <p:spPr>
+          <a:xfrm>
+            <a:off x="2110458" y="3341207"/>
+            <a:ext cx="2041508" cy="242888"/>
+          </a:xfrm>
+          <a:prstGeom prst="rect">
+            <a:avLst/>
+          </a:prstGeom>
+        </p:spPr>
+        <p:txBody>
+          <a:bodyPr vert="horz" lIns="91440" tIns="45720" rIns="91440" bIns="45720" rtlCol="0">
+            <a:noAutofit/>
+          </a:bodyPr>
+          <a:lstStyle>
+            <a:lvl1pPr marL="0" indent="0" algn="l" defTabSz="514350" rtl="0" eaLnBrk="1" latinLnBrk="0" hangingPunct="1">
+              <a:lnSpc>
+                <a:spcPct val="90000"/>
+              </a:lnSpc>
+              <a:spcBef>
+                <a:spcPts val="563"/>
+              </a:spcBef>
+              <a:buFont typeface="Arial" panose="020B0604020202020204" pitchFamily="34" charset="0"/>
+              <a:buNone/>
+              <a:defRPr sz="1600" kern="1200">
+                <a:solidFill>
+                  <a:schemeClr val="bg1"/>
+                </a:solidFill>
+                <a:latin typeface="+mj-lt"/>
+                <a:ea typeface="+mn-ea"/>
+                <a:cs typeface="+mn-cs"/>
+              </a:defRPr>
+            </a:lvl1pPr>
+            <a:lvl2pPr marL="385763" indent="-128588" algn="l" defTabSz="514350" rtl="0" eaLnBrk="1" latinLnBrk="0" hangingPunct="1">
+              <a:lnSpc>
+                <a:spcPct val="90000"/>
+              </a:lnSpc>
+              <a:spcBef>
+                <a:spcPts val="281"/>
+              </a:spcBef>
+              <a:buFont typeface="Arial" panose="020B0604020202020204" pitchFamily="34" charset="0"/>
+              <a:buChar char="•"/>
+              <a:defRPr sz="1600" kern="1200">
+                <a:solidFill>
+                  <a:schemeClr val="bg1"/>
+                </a:solidFill>
+                <a:latin typeface="+mj-lt"/>
+                <a:ea typeface="+mn-ea"/>
+                <a:cs typeface="+mn-cs"/>
+              </a:defRPr>
+            </a:lvl2pPr>
+            <a:lvl3pPr marL="642938" indent="-128588" algn="l" defTabSz="514350" rtl="0" eaLnBrk="1" latinLnBrk="0" hangingPunct="1">
+              <a:lnSpc>
+                <a:spcPct val="90000"/>
+              </a:lnSpc>
+              <a:spcBef>
+                <a:spcPts val="281"/>
+              </a:spcBef>
+              <a:buFont typeface="Arial" panose="020B0604020202020204" pitchFamily="34" charset="0"/>
+              <a:buChar char="•"/>
+              <a:defRPr sz="1600" kern="1200">
+                <a:solidFill>
+                  <a:schemeClr val="bg1"/>
+                </a:solidFill>
+                <a:latin typeface="+mj-lt"/>
+                <a:ea typeface="+mn-ea"/>
+                <a:cs typeface="+mn-cs"/>
+              </a:defRPr>
+            </a:lvl3pPr>
+            <a:lvl4pPr marL="900113" indent="-128588" algn="l" defTabSz="514350" rtl="0" eaLnBrk="1" latinLnBrk="0" hangingPunct="1">
+              <a:lnSpc>
+                <a:spcPct val="90000"/>
+              </a:lnSpc>
+              <a:spcBef>
+                <a:spcPts val="281"/>
+              </a:spcBef>
+              <a:buFont typeface="Arial" panose="020B0604020202020204" pitchFamily="34" charset="0"/>
+              <a:buChar char="•"/>
+              <a:defRPr sz="1600" kern="1200">
+                <a:solidFill>
+                  <a:schemeClr val="bg1"/>
+                </a:solidFill>
+                <a:latin typeface="+mj-lt"/>
+                <a:ea typeface="+mn-ea"/>
+                <a:cs typeface="+mn-cs"/>
+              </a:defRPr>
+            </a:lvl4pPr>
+            <a:lvl5pPr marL="1157288" indent="-128588" algn="l" defTabSz="514350" rtl="0" eaLnBrk="1" latinLnBrk="0" hangingPunct="1">
+              <a:lnSpc>
+                <a:spcPct val="90000"/>
+              </a:lnSpc>
+              <a:spcBef>
+                <a:spcPts val="281"/>
+              </a:spcBef>
+              <a:buFont typeface="Arial" panose="020B0604020202020204" pitchFamily="34" charset="0"/>
+              <a:buChar char="•"/>
+              <a:defRPr sz="1600" kern="1200">
+                <a:solidFill>
+                  <a:schemeClr val="bg1"/>
+                </a:solidFill>
+                <a:latin typeface="+mj-lt"/>
+                <a:ea typeface="+mn-ea"/>
+                <a:cs typeface="+mn-cs"/>
+              </a:defRPr>
+            </a:lvl5pPr>
+            <a:lvl6pPr marL="1414463" indent="-128588" algn="l" defTabSz="514350" rtl="0" eaLnBrk="1" latinLnBrk="0" hangingPunct="1">
+              <a:lnSpc>
+                <a:spcPct val="90000"/>
+              </a:lnSpc>
+              <a:spcBef>
+                <a:spcPts val="281"/>
+              </a:spcBef>
+              <a:buFont typeface="Arial" panose="020B0604020202020204" pitchFamily="34" charset="0"/>
+              <a:buChar char="•"/>
+              <a:defRPr sz="1013" kern="1200">
+                <a:solidFill>
+                  <a:schemeClr val="tx1"/>
+                </a:solidFill>
+                <a:latin typeface="+mn-lt"/>
+                <a:ea typeface="+mn-ea"/>
+                <a:cs typeface="+mn-cs"/>
+              </a:defRPr>
+            </a:lvl6pPr>
+            <a:lvl7pPr marL="1671638" indent="-128588" algn="l" defTabSz="514350" rtl="0" eaLnBrk="1" latinLnBrk="0" hangingPunct="1">
+              <a:lnSpc>
+                <a:spcPct val="90000"/>
+              </a:lnSpc>
+              <a:spcBef>
+                <a:spcPts val="281"/>
+              </a:spcBef>
+              <a:buFont typeface="Arial" panose="020B0604020202020204" pitchFamily="34" charset="0"/>
+              <a:buChar char="•"/>
+              <a:defRPr sz="1013" kern="1200">
+                <a:solidFill>
+                  <a:schemeClr val="tx1"/>
+                </a:solidFill>
+                <a:latin typeface="+mn-lt"/>
+                <a:ea typeface="+mn-ea"/>
+                <a:cs typeface="+mn-cs"/>
+              </a:defRPr>
+            </a:lvl7pPr>
+            <a:lvl8pPr marL="1928813" indent="-128588" algn="l" defTabSz="514350" rtl="0" eaLnBrk="1" latinLnBrk="0" hangingPunct="1">
+              <a:lnSpc>
+                <a:spcPct val="90000"/>
+              </a:lnSpc>
+              <a:spcBef>
+                <a:spcPts val="281"/>
+              </a:spcBef>
+              <a:buFont typeface="Arial" panose="020B0604020202020204" pitchFamily="34" charset="0"/>
+              <a:buChar char="•"/>
+              <a:defRPr sz="1013" kern="1200">
+                <a:solidFill>
+                  <a:schemeClr val="tx1"/>
+                </a:solidFill>
+                <a:latin typeface="+mn-lt"/>
+                <a:ea typeface="+mn-ea"/>
+                <a:cs typeface="+mn-cs"/>
+              </a:defRPr>
+            </a:lvl8pPr>
+            <a:lvl9pPr marL="2185988" indent="-128588" algn="l" defTabSz="514350" rtl="0" eaLnBrk="1" latinLnBrk="0" hangingPunct="1">
+              <a:lnSpc>
+                <a:spcPct val="90000"/>
+              </a:lnSpc>
+              <a:spcBef>
+                <a:spcPts val="281"/>
+              </a:spcBef>
+              <a:buFont typeface="Arial" panose="020B0604020202020204" pitchFamily="34" charset="0"/>
+              <a:buChar char="•"/>
+              <a:defRPr sz="1013" kern="1200">
+                <a:solidFill>
+                  <a:schemeClr val="tx1"/>
+                </a:solidFill>
+                <a:latin typeface="+mn-lt"/>
+                <a:ea typeface="+mn-ea"/>
+                <a:cs typeface="+mn-cs"/>
+              </a:defRPr>
+            </a:lvl9pPr>
+          </a:lstStyle>
+          <a:p>
+            <a:r>
+              <a:rPr lang="en-US" dirty="0"/>
+              <a:t>CAREER TIMELINE</a:t>
+            </a:r>
+          </a:p>
+        </p:txBody>
+      </p:sp>
+      <p:sp>
+        <p:nvSpPr>
+          <p:cNvPr id="459" name="TextBox 458">
+            <a:extLst>
+              <a:ext uri="{FF2B5EF4-FFF2-40B4-BE49-F238E27FC236}">
+                <a16:creationId xmlns:a16="http://schemas.microsoft.com/office/drawing/2014/main" id="{CE5E8725-528A-47B9-AFD3-C2296E3BF4C7}"/>
+              </a:ext>
+            </a:extLst>
+          </p:cNvPr>
+          <p:cNvSpPr txBox="1"/>
+          <p:nvPr/>
+        </p:nvSpPr>
+        <p:spPr>
+          <a:xfrm>
+            <a:off x="1678952" y="2847853"/>
+            <a:ext cx="5164781" cy="375486"/>
+          </a:xfrm>
+          <a:prstGeom prst="rect">
+            <a:avLst/>
+          </a:prstGeom>
+          <a:solidFill>
+            <a:schemeClr val="accent2">
+              <a:lumMod val="75000"/>
+            </a:schemeClr>
+          </a:solidFill>
+        </p:spPr>
+        <p:txBody>
+          <a:bodyPr wrap="square" rtlCol="0">
+            <a:spAutoFit/>
+          </a:bodyPr>
+          <a:lstStyle/>
+          <a:p>
+            <a:endParaRPr lang="en-US" dirty="0"/>
+          </a:p>
+        </p:txBody>
+      </p:sp>
+      <p:pic>
+        <p:nvPicPr>
+          <p:cNvPr id="2050" name="Picture 2" descr="MentorrBuddy">
+            <a:extLst>
+              <a:ext uri="{FF2B5EF4-FFF2-40B4-BE49-F238E27FC236}">
+                <a16:creationId xmlns:a16="http://schemas.microsoft.com/office/drawing/2014/main" id="{391ECF4B-484B-425C-AB97-BDCA1ECAE31C}"/>
+              </a:ext>
+            </a:extLst>
+          </p:cNvPr>
+          <p:cNvPicPr>
+            <a:picLocks noChangeAspect="1" noChangeArrowheads="1"/>
+          </p:cNvPicPr>
+          <p:nvPr/>
+        </p:nvPicPr>
+        <p:blipFill>
+          <a:blip r:embed="rId40">
+            <a:duotone>
+              <a:prstClr val="black"/>
+              <a:schemeClr val="tx2">
+                <a:tint val="45000"/>
+                <a:satMod val="400000"/>
+              </a:schemeClr>
+            </a:duotone>
+            <a:extLst>
+              <a:ext uri="{28A0092B-C50C-407E-A947-70E740481C1C}">
+                <a14:useLocalDpi xmlns:a14="http://schemas.microsoft.com/office/drawing/2010/main" val="0"/>
+              </a:ext>
+            </a:extLst>
+          </a:blip>
+          <a:srcRect/>
+          <a:stretch>
+            <a:fillRect/>
+          </a:stretch>
+        </p:blipFill>
+        <p:spPr bwMode="auto">
+          <a:xfrm>
+            <a:off x="1874845" y="2878903"/>
+            <a:ext cx="251175" cy="251175"/>
+          </a:xfrm>
+          <a:prstGeom prst="rect">
+            <a:avLst/>
+          </a:prstGeom>
+          <a:noFill/>
+          <a:extLst>
+            <a:ext uri="{909E8E84-426E-40DD-AFC4-6F175D3DCCD1}">
+              <a14:hiddenFill xmlns:a14="http://schemas.microsoft.com/office/drawing/2010/main">
+                <a:solidFill>
+                  <a:srgbClr val="FFFFFF"/>
+                </a:solidFill>
+              </a14:hiddenFill>
+            </a:ext>
+          </a:extLst>
+        </p:spPr>
+      </p:pic>
+      <p:sp>
+        <p:nvSpPr>
+          <p:cNvPr id="241" name="Text Placeholder 276">
+            <a:extLst>
+              <a:ext uri="{FF2B5EF4-FFF2-40B4-BE49-F238E27FC236}">
+                <a16:creationId xmlns:a16="http://schemas.microsoft.com/office/drawing/2014/main" id="{0EE7C6D8-765D-488C-AAAC-10F0B4CBB00F}"/>
+              </a:ext>
+            </a:extLst>
+          </p:cNvPr>
+          <p:cNvSpPr txBox="1">
+            <a:spLocks/>
+          </p:cNvSpPr>
+          <p:nvPr/>
+        </p:nvSpPr>
+        <p:spPr>
+          <a:xfrm>
+            <a:off x="2110458" y="2890136"/>
+            <a:ext cx="2041508" cy="242888"/>
+          </a:xfrm>
+          <a:prstGeom prst="rect">
+            <a:avLst/>
+          </a:prstGeom>
+        </p:spPr>
+        <p:txBody>
+          <a:bodyPr vert="horz" lIns="91440" tIns="45720" rIns="91440" bIns="45720" rtlCol="0">
+            <a:noAutofit/>
+          </a:bodyPr>
+          <a:lstStyle>
+            <a:lvl1pPr marL="0" indent="0" algn="l" defTabSz="514350" rtl="0" eaLnBrk="1" latinLnBrk="0" hangingPunct="1">
+              <a:lnSpc>
+                <a:spcPct val="90000"/>
+              </a:lnSpc>
+              <a:spcBef>
+                <a:spcPts val="563"/>
+              </a:spcBef>
+              <a:buFont typeface="Arial" panose="020B0604020202020204" pitchFamily="34" charset="0"/>
+              <a:buNone/>
+              <a:defRPr sz="1600" kern="1200">
+                <a:solidFill>
+                  <a:schemeClr val="bg1"/>
+                </a:solidFill>
+                <a:latin typeface="+mj-lt"/>
+                <a:ea typeface="+mn-ea"/>
+                <a:cs typeface="+mn-cs"/>
+              </a:defRPr>
+            </a:lvl1pPr>
+            <a:lvl2pPr marL="385763" indent="-128588" algn="l" defTabSz="514350" rtl="0" eaLnBrk="1" latinLnBrk="0" hangingPunct="1">
+              <a:lnSpc>
+                <a:spcPct val="90000"/>
+              </a:lnSpc>
+              <a:spcBef>
+                <a:spcPts val="281"/>
+              </a:spcBef>
+              <a:buFont typeface="Arial" panose="020B0604020202020204" pitchFamily="34" charset="0"/>
+              <a:buChar char="•"/>
+              <a:defRPr sz="1600" kern="1200">
+                <a:solidFill>
+                  <a:schemeClr val="bg1"/>
+                </a:solidFill>
+                <a:latin typeface="+mj-lt"/>
+                <a:ea typeface="+mn-ea"/>
+                <a:cs typeface="+mn-cs"/>
+              </a:defRPr>
+            </a:lvl2pPr>
+            <a:lvl3pPr marL="642938" indent="-128588" algn="l" defTabSz="514350" rtl="0" eaLnBrk="1" latinLnBrk="0" hangingPunct="1">
+              <a:lnSpc>
+                <a:spcPct val="90000"/>
+              </a:lnSpc>
+              <a:spcBef>
+                <a:spcPts val="281"/>
+              </a:spcBef>
+              <a:buFont typeface="Arial" panose="020B0604020202020204" pitchFamily="34" charset="0"/>
+              <a:buChar char="•"/>
+              <a:defRPr sz="1600" kern="1200">
+                <a:solidFill>
+                  <a:schemeClr val="bg1"/>
+                </a:solidFill>
+                <a:latin typeface="+mj-lt"/>
+                <a:ea typeface="+mn-ea"/>
+                <a:cs typeface="+mn-cs"/>
+              </a:defRPr>
+            </a:lvl3pPr>
+            <a:lvl4pPr marL="900113" indent="-128588" algn="l" defTabSz="514350" rtl="0" eaLnBrk="1" latinLnBrk="0" hangingPunct="1">
+              <a:lnSpc>
+                <a:spcPct val="90000"/>
+              </a:lnSpc>
+              <a:spcBef>
+                <a:spcPts val="281"/>
+              </a:spcBef>
+              <a:buFont typeface="Arial" panose="020B0604020202020204" pitchFamily="34" charset="0"/>
+              <a:buChar char="•"/>
+              <a:defRPr sz="1600" kern="1200">
+                <a:solidFill>
+                  <a:schemeClr val="bg1"/>
+                </a:solidFill>
+                <a:latin typeface="+mj-lt"/>
+                <a:ea typeface="+mn-ea"/>
+                <a:cs typeface="+mn-cs"/>
+              </a:defRPr>
+            </a:lvl4pPr>
+            <a:lvl5pPr marL="1157288" indent="-128588" algn="l" defTabSz="514350" rtl="0" eaLnBrk="1" latinLnBrk="0" hangingPunct="1">
+              <a:lnSpc>
+                <a:spcPct val="90000"/>
+              </a:lnSpc>
+              <a:spcBef>
+                <a:spcPts val="281"/>
+              </a:spcBef>
+              <a:buFont typeface="Arial" panose="020B0604020202020204" pitchFamily="34" charset="0"/>
+              <a:buChar char="•"/>
+              <a:defRPr sz="1600" kern="1200">
+                <a:solidFill>
+                  <a:schemeClr val="bg1"/>
+                </a:solidFill>
+                <a:latin typeface="+mj-lt"/>
+                <a:ea typeface="+mn-ea"/>
+                <a:cs typeface="+mn-cs"/>
+              </a:defRPr>
+            </a:lvl5pPr>
+            <a:lvl6pPr marL="1414463" indent="-128588" algn="l" defTabSz="514350" rtl="0" eaLnBrk="1" latinLnBrk="0" hangingPunct="1">
+              <a:lnSpc>
+                <a:spcPct val="90000"/>
+              </a:lnSpc>
+              <a:spcBef>
+                <a:spcPts val="281"/>
+              </a:spcBef>
+              <a:buFont typeface="Arial" panose="020B0604020202020204" pitchFamily="34" charset="0"/>
+              <a:buChar char="•"/>
+              <a:defRPr sz="1013" kern="1200">
+                <a:solidFill>
+                  <a:schemeClr val="tx1"/>
+                </a:solidFill>
+                <a:latin typeface="+mn-lt"/>
+                <a:ea typeface="+mn-ea"/>
+                <a:cs typeface="+mn-cs"/>
+              </a:defRPr>
+            </a:lvl6pPr>
+            <a:lvl7pPr marL="1671638" indent="-128588" algn="l" defTabSz="514350" rtl="0" eaLnBrk="1" latinLnBrk="0" hangingPunct="1">
+              <a:lnSpc>
+                <a:spcPct val="90000"/>
+              </a:lnSpc>
+              <a:spcBef>
+                <a:spcPts val="281"/>
+              </a:spcBef>
+              <a:buFont typeface="Arial" panose="020B0604020202020204" pitchFamily="34" charset="0"/>
+              <a:buChar char="•"/>
+              <a:defRPr sz="1013" kern="1200">
+                <a:solidFill>
+                  <a:schemeClr val="tx1"/>
+                </a:solidFill>
+                <a:latin typeface="+mn-lt"/>
+                <a:ea typeface="+mn-ea"/>
+                <a:cs typeface="+mn-cs"/>
+              </a:defRPr>
+            </a:lvl7pPr>
+            <a:lvl8pPr marL="1928813" indent="-128588" algn="l" defTabSz="514350" rtl="0" eaLnBrk="1" latinLnBrk="0" hangingPunct="1">
+              <a:lnSpc>
+                <a:spcPct val="90000"/>
+              </a:lnSpc>
+              <a:spcBef>
+                <a:spcPts val="281"/>
+              </a:spcBef>
+              <a:buFont typeface="Arial" panose="020B0604020202020204" pitchFamily="34" charset="0"/>
+              <a:buChar char="•"/>
+              <a:defRPr sz="1013" kern="1200">
+                <a:solidFill>
+                  <a:schemeClr val="tx1"/>
+                </a:solidFill>
+                <a:latin typeface="+mn-lt"/>
+                <a:ea typeface="+mn-ea"/>
+                <a:cs typeface="+mn-cs"/>
+              </a:defRPr>
+            </a:lvl8pPr>
+            <a:lvl9pPr marL="2185988" indent="-128588" algn="l" defTabSz="514350" rtl="0" eaLnBrk="1" latinLnBrk="0" hangingPunct="1">
+              <a:lnSpc>
+                <a:spcPct val="90000"/>
+              </a:lnSpc>
+              <a:spcBef>
+                <a:spcPts val="281"/>
+              </a:spcBef>
+              <a:buFont typeface="Arial" panose="020B0604020202020204" pitchFamily="34" charset="0"/>
+              <a:buChar char="•"/>
+              <a:defRPr sz="1013" kern="1200">
+                <a:solidFill>
+                  <a:schemeClr val="tx1"/>
+                </a:solidFill>
+                <a:latin typeface="+mn-lt"/>
+                <a:ea typeface="+mn-ea"/>
+                <a:cs typeface="+mn-cs"/>
+              </a:defRPr>
+            </a:lvl9pPr>
+          </a:lstStyle>
+          <a:p>
+            <a:r>
+              <a:rPr lang="en-US" dirty="0"/>
+              <a:t>LANGUAGE</a:t>
+            </a:r>
+          </a:p>
+        </p:txBody>
+      </p:sp>
+      <p:sp>
+        <p:nvSpPr>
+          <p:cNvPr id="460" name="TextBox 459">
+            <a:extLst>
+              <a:ext uri="{FF2B5EF4-FFF2-40B4-BE49-F238E27FC236}">
+                <a16:creationId xmlns:a16="http://schemas.microsoft.com/office/drawing/2014/main" id="{4A27D0CC-C21C-41EE-AA18-5D389609A790}"/>
+              </a:ext>
+            </a:extLst>
+          </p:cNvPr>
+          <p:cNvSpPr txBox="1"/>
+          <p:nvPr/>
+        </p:nvSpPr>
+        <p:spPr>
+          <a:xfrm>
+            <a:off x="3998561" y="2841057"/>
+            <a:ext cx="2512851" cy="400110"/>
+          </a:xfrm>
+          <a:prstGeom prst="rect">
+            <a:avLst/>
+          </a:prstGeom>
+          <a:noFill/>
+        </p:spPr>
+        <p:txBody>
+          <a:bodyPr wrap="square" rtlCol="0">
+            <a:spAutoFit/>
+          </a:bodyPr>
+          <a:lstStyle/>
+          <a:p>
+            <a:pPr algn="r"/>
+            <a:r>
+              <a:rPr lang="en-US" sz="1000" dirty="0">
+                <a:solidFill>
+                  <a:schemeClr val="bg1">
+                    <a:lumMod val="85000"/>
+                  </a:schemeClr>
+                </a:solidFill>
+              </a:rPr>
+              <a:t>C, C++, Python, Java, Bash, Batch, Markdown, HTML, </a:t>
+            </a:r>
+          </a:p>
+        </p:txBody>
+      </p:sp>
     </p:spTree>
     <p:extLst>
       <p:ext uri="{BB962C8B-B14F-4D97-AF65-F5344CB8AC3E}">
@@ -15470,7 +16548,6 @@
                   <a:lumMod val="85000"/>
                 </a:schemeClr>
               </a:solidFill>
-              <a:effectLst/>
               <a:latin typeface="Calibri" panose="020F0502020204030204" pitchFamily="34" charset="0"/>
               <a:ea typeface="Calibri" panose="020F0502020204030204" pitchFamily="34" charset="0"/>
               <a:cs typeface="Mangal" panose="02040503050203030202" pitchFamily="18" charset="0"/>
@@ -17248,7 +18325,7 @@
         </p:nvSpPr>
         <p:spPr>
           <a:xfrm>
-            <a:off x="477224" y="7171549"/>
+            <a:off x="477224" y="7364589"/>
             <a:ext cx="518199" cy="338554"/>
           </a:xfrm>
           <a:prstGeom prst="rect">
@@ -17272,10 +18349,1471 @@
           </a:p>
         </p:txBody>
       </p:sp>
+      <p:sp>
+        <p:nvSpPr>
+          <p:cNvPr id="5" name="TextBox 4">
+            <a:extLst>
+              <a:ext uri="{FF2B5EF4-FFF2-40B4-BE49-F238E27FC236}">
+                <a16:creationId xmlns:a16="http://schemas.microsoft.com/office/drawing/2014/main" id="{1B62DBBE-3B90-4D81-98C8-1D20C4DE6D11}"/>
+              </a:ext>
+            </a:extLst>
+          </p:cNvPr>
+          <p:cNvSpPr txBox="1"/>
+          <p:nvPr/>
+        </p:nvSpPr>
+        <p:spPr>
+          <a:xfrm>
+            <a:off x="472440" y="7820660"/>
+            <a:ext cx="6029960" cy="664926"/>
+          </a:xfrm>
+          <a:prstGeom prst="rect">
+            <a:avLst/>
+          </a:prstGeom>
+          <a:noFill/>
+        </p:spPr>
+        <p:txBody>
+          <a:bodyPr wrap="square" rtlCol="0">
+            <a:spAutoFit/>
+          </a:bodyPr>
+          <a:lstStyle/>
+          <a:p>
+            <a:pPr marL="342900" indent="-342900" algn="just">
+              <a:lnSpc>
+                <a:spcPct val="115000"/>
+              </a:lnSpc>
+              <a:spcAft>
+                <a:spcPts val="1000"/>
+              </a:spcAft>
+              <a:buFont typeface="Symbol" panose="05050102010706020507" pitchFamily="18" charset="2"/>
+              <a:buChar char=""/>
+            </a:pPr>
+            <a:r>
+              <a:rPr lang="en-IN" sz="1100" dirty="0">
+                <a:solidFill>
+                  <a:schemeClr val="bg1">
+                    <a:lumMod val="85000"/>
+                  </a:schemeClr>
+                </a:solidFill>
+                <a:effectLst/>
+                <a:latin typeface="Calibri" panose="020F0502020204030204" pitchFamily="34" charset="0"/>
+                <a:ea typeface="Calibri" panose="020F0502020204030204" pitchFamily="34" charset="0"/>
+                <a:cs typeface="Mangal" panose="02040503050203030202" pitchFamily="18" charset="0"/>
+              </a:rPr>
+              <a:t>Built a Key Generator Bot called ‘</a:t>
+            </a:r>
+            <a:r>
+              <a:rPr lang="en-IN" sz="1100" dirty="0" err="1">
+                <a:solidFill>
+                  <a:schemeClr val="bg1">
+                    <a:lumMod val="85000"/>
+                  </a:schemeClr>
+                </a:solidFill>
+                <a:effectLst/>
+                <a:latin typeface="Calibri" panose="020F0502020204030204" pitchFamily="34" charset="0"/>
+                <a:ea typeface="Calibri" panose="020F0502020204030204" pitchFamily="34" charset="0"/>
+                <a:cs typeface="Mangal" panose="02040503050203030202" pitchFamily="18" charset="0"/>
+              </a:rPr>
+              <a:t>KeyHub</a:t>
+            </a:r>
+            <a:r>
+              <a:rPr lang="en-IN" sz="1100" dirty="0">
+                <a:solidFill>
+                  <a:schemeClr val="bg1">
+                    <a:lumMod val="85000"/>
+                  </a:schemeClr>
+                </a:solidFill>
+                <a:effectLst/>
+                <a:latin typeface="Calibri" panose="020F0502020204030204" pitchFamily="34" charset="0"/>
+                <a:ea typeface="Calibri" panose="020F0502020204030204" pitchFamily="34" charset="0"/>
+                <a:cs typeface="Mangal" panose="02040503050203030202" pitchFamily="18" charset="0"/>
+              </a:rPr>
+              <a:t>’, where a user can buy license key for a set of products. The key usage is continuously monitored along with exact location obtained through reverse-geocoding of coordinates. </a:t>
+            </a:r>
+            <a:r>
+              <a:rPr lang="en-IN" sz="1100" u="sng" dirty="0">
+                <a:solidFill>
+                  <a:schemeClr val="bg1">
+                    <a:lumMod val="85000"/>
+                  </a:schemeClr>
+                </a:solidFill>
+                <a:effectLst/>
+                <a:latin typeface="Calibri" panose="020F0502020204030204" pitchFamily="34" charset="0"/>
+                <a:ea typeface="Calibri" panose="020F0502020204030204" pitchFamily="34" charset="0"/>
+                <a:cs typeface="Mangal" panose="02040503050203030202" pitchFamily="18" charset="0"/>
+              </a:rPr>
+              <a:t>Language used</a:t>
+            </a:r>
+            <a:r>
+              <a:rPr lang="en-IN" sz="1100" dirty="0">
+                <a:solidFill>
+                  <a:schemeClr val="bg1">
+                    <a:lumMod val="85000"/>
+                  </a:schemeClr>
+                </a:solidFill>
+                <a:effectLst/>
+                <a:latin typeface="Calibri" panose="020F0502020204030204" pitchFamily="34" charset="0"/>
+                <a:ea typeface="Calibri" panose="020F0502020204030204" pitchFamily="34" charset="0"/>
+                <a:cs typeface="Mangal" panose="02040503050203030202" pitchFamily="18" charset="0"/>
+              </a:rPr>
+              <a:t>: Python, Bash.</a:t>
+            </a:r>
+            <a:endParaRPr lang="en-US" sz="1100" dirty="0">
+              <a:solidFill>
+                <a:schemeClr val="bg1">
+                  <a:lumMod val="85000"/>
+                </a:schemeClr>
+              </a:solidFill>
+              <a:effectLst/>
+              <a:latin typeface="Calibri" panose="020F0502020204030204" pitchFamily="34" charset="0"/>
+              <a:ea typeface="Calibri" panose="020F0502020204030204" pitchFamily="34" charset="0"/>
+              <a:cs typeface="Mangal" panose="02040503050203030202" pitchFamily="18" charset="0"/>
+            </a:endParaRPr>
+          </a:p>
+        </p:txBody>
+      </p:sp>
     </p:spTree>
     <p:extLst>
       <p:ext uri="{BB962C8B-B14F-4D97-AF65-F5344CB8AC3E}">
         <p14:creationId xmlns:p14="http://schemas.microsoft.com/office/powerpoint/2010/main" val="1956419084"/>
+      </p:ext>
+    </p:extLst>
+  </p:cSld>
+  <p:clrMapOvr>
+    <a:masterClrMapping/>
+  </p:clrMapOvr>
+</p:sld>
+</file>
+
+<file path=ppt/slides/slide4.xml><?xml version="1.0" encoding="utf-8"?>
+<p:sld xmlns:a="http://schemas.openxmlformats.org/drawingml/2006/main" xmlns:r="http://schemas.openxmlformats.org/officeDocument/2006/relationships" xmlns:p="http://schemas.openxmlformats.org/presentationml/2006/main" showMasterSp="0">
+  <p:cSld>
+    <p:bg>
+      <p:bgPr>
+        <a:solidFill>
+          <a:schemeClr val="bg2"/>
+        </a:solidFill>
+        <a:effectLst/>
+      </p:bgPr>
+    </p:bg>
+    <p:spTree>
+      <p:nvGrpSpPr>
+        <p:cNvPr id="1" name=""/>
+        <p:cNvGrpSpPr/>
+        <p:nvPr/>
+      </p:nvGrpSpPr>
+      <p:grpSpPr>
+        <a:xfrm>
+          <a:off x="0" y="0"/>
+          <a:ext cx="0" cy="0"/>
+          <a:chOff x="0" y="0"/>
+          <a:chExt cx="0" cy="0"/>
+        </a:xfrm>
+      </p:grpSpPr>
+      <p:sp>
+        <p:nvSpPr>
+          <p:cNvPr id="87" name="TextBox 86">
+            <a:extLst>
+              <a:ext uri="{FF2B5EF4-FFF2-40B4-BE49-F238E27FC236}">
+                <a16:creationId xmlns:a16="http://schemas.microsoft.com/office/drawing/2014/main" id="{3345A600-23F1-48FB-94E7-63E15A069412}"/>
+              </a:ext>
+            </a:extLst>
+          </p:cNvPr>
+          <p:cNvSpPr txBox="1"/>
+          <p:nvPr/>
+        </p:nvSpPr>
+        <p:spPr>
+          <a:xfrm>
+            <a:off x="434340" y="283966"/>
+            <a:ext cx="5989320" cy="1571841"/>
+          </a:xfrm>
+          <a:prstGeom prst="rect">
+            <a:avLst/>
+          </a:prstGeom>
+          <a:noFill/>
+        </p:spPr>
+        <p:txBody>
+          <a:bodyPr wrap="square">
+            <a:spAutoFit/>
+          </a:bodyPr>
+          <a:lstStyle/>
+          <a:p>
+            <a:pPr marL="342900" indent="-342900" algn="just">
+              <a:lnSpc>
+                <a:spcPct val="115000"/>
+              </a:lnSpc>
+              <a:spcAft>
+                <a:spcPts val="1000"/>
+              </a:spcAft>
+              <a:buFont typeface="Symbol" panose="05050102010706020507" pitchFamily="18" charset="2"/>
+              <a:buChar char=""/>
+            </a:pPr>
+            <a:r>
+              <a:rPr lang="en-IN" sz="1100" dirty="0">
+                <a:solidFill>
+                  <a:schemeClr val="bg1">
+                    <a:lumMod val="85000"/>
+                  </a:schemeClr>
+                </a:solidFill>
+                <a:effectLst/>
+                <a:latin typeface="Calibri" panose="020F0502020204030204" pitchFamily="34" charset="0"/>
+                <a:ea typeface="Calibri" panose="020F0502020204030204" pitchFamily="34" charset="0"/>
+                <a:cs typeface="Mangal" panose="02040503050203030202" pitchFamily="18" charset="0"/>
+              </a:rPr>
+              <a:t>Created a Bot called ‘LEO’ which allows a user to get dog images based on their saved breed as preference and also featured to load random dog images. A donation programme feature was also added which then allowed dog lovers to donate money directly to the Dog Welfare centres. </a:t>
+            </a:r>
+            <a:r>
+              <a:rPr lang="en-IN" sz="1100" u="sng" dirty="0">
+                <a:solidFill>
+                  <a:schemeClr val="bg1">
+                    <a:lumMod val="85000"/>
+                  </a:schemeClr>
+                </a:solidFill>
+                <a:effectLst/>
+                <a:latin typeface="Calibri" panose="020F0502020204030204" pitchFamily="34" charset="0"/>
+                <a:ea typeface="Calibri" panose="020F0502020204030204" pitchFamily="34" charset="0"/>
+                <a:cs typeface="Mangal" panose="02040503050203030202" pitchFamily="18" charset="0"/>
+              </a:rPr>
+              <a:t>Language used</a:t>
+            </a:r>
+            <a:r>
+              <a:rPr lang="en-IN" sz="1100" dirty="0">
+                <a:solidFill>
+                  <a:schemeClr val="bg1">
+                    <a:lumMod val="85000"/>
+                  </a:schemeClr>
+                </a:solidFill>
+                <a:effectLst/>
+                <a:latin typeface="Calibri" panose="020F0502020204030204" pitchFamily="34" charset="0"/>
+                <a:ea typeface="Calibri" panose="020F0502020204030204" pitchFamily="34" charset="0"/>
+                <a:cs typeface="Mangal" panose="02040503050203030202" pitchFamily="18" charset="0"/>
+              </a:rPr>
+              <a:t>: Python, Bash. </a:t>
+            </a:r>
+          </a:p>
+          <a:p>
+            <a:pPr marL="342900" indent="-342900" algn="just">
+              <a:lnSpc>
+                <a:spcPct val="115000"/>
+              </a:lnSpc>
+              <a:spcAft>
+                <a:spcPts val="1000"/>
+              </a:spcAft>
+              <a:buFont typeface="Symbol" panose="05050102010706020507" pitchFamily="18" charset="2"/>
+              <a:buChar char=""/>
+            </a:pPr>
+            <a:r>
+              <a:rPr lang="en-IN" sz="1100" dirty="0">
+                <a:solidFill>
+                  <a:schemeClr val="bg1">
+                    <a:lumMod val="85000"/>
+                  </a:schemeClr>
+                </a:solidFill>
+                <a:effectLst/>
+                <a:latin typeface="Calibri" panose="020F0502020204030204" pitchFamily="34" charset="0"/>
+                <a:ea typeface="Calibri" panose="020F0502020204030204" pitchFamily="34" charset="0"/>
+                <a:cs typeface="Mangal" panose="02040503050203030202" pitchFamily="18" charset="0"/>
+              </a:rPr>
+              <a:t>Created a general purpose Quiz bot with MCQs, Image, Audio, GIF, Video, features for any topic where a teacher/School/College can conduct exam for their students. Addition of proper examining of subjective types is to be added into the Bot. </a:t>
+            </a:r>
+            <a:r>
+              <a:rPr lang="en-IN" sz="1100" u="sng" dirty="0">
+                <a:solidFill>
+                  <a:schemeClr val="bg1">
+                    <a:lumMod val="85000"/>
+                  </a:schemeClr>
+                </a:solidFill>
+                <a:effectLst/>
+                <a:latin typeface="Calibri" panose="020F0502020204030204" pitchFamily="34" charset="0"/>
+                <a:ea typeface="Calibri" panose="020F0502020204030204" pitchFamily="34" charset="0"/>
+                <a:cs typeface="Mangal" panose="02040503050203030202" pitchFamily="18" charset="0"/>
+              </a:rPr>
+              <a:t>Language used</a:t>
+            </a:r>
+            <a:r>
+              <a:rPr lang="en-IN" sz="1100" dirty="0">
+                <a:solidFill>
+                  <a:schemeClr val="bg1">
+                    <a:lumMod val="85000"/>
+                  </a:schemeClr>
+                </a:solidFill>
+                <a:effectLst/>
+                <a:latin typeface="Calibri" panose="020F0502020204030204" pitchFamily="34" charset="0"/>
+                <a:ea typeface="Calibri" panose="020F0502020204030204" pitchFamily="34" charset="0"/>
+                <a:cs typeface="Mangal" panose="02040503050203030202" pitchFamily="18" charset="0"/>
+              </a:rPr>
+              <a:t>: Python, Bash.  </a:t>
+            </a:r>
+            <a:endParaRPr lang="en-US" sz="1100" dirty="0">
+              <a:solidFill>
+                <a:schemeClr val="bg1">
+                  <a:lumMod val="85000"/>
+                </a:schemeClr>
+              </a:solidFill>
+              <a:effectLst/>
+              <a:latin typeface="Calibri" panose="020F0502020204030204" pitchFamily="34" charset="0"/>
+              <a:ea typeface="Calibri" panose="020F0502020204030204" pitchFamily="34" charset="0"/>
+              <a:cs typeface="Mangal" panose="02040503050203030202" pitchFamily="18" charset="0"/>
+            </a:endParaRPr>
+          </a:p>
+        </p:txBody>
+      </p:sp>
+      <p:pic>
+        <p:nvPicPr>
+          <p:cNvPr id="1026" name="Picture 2" descr="Download Leadership Icon -01 - Vector Graphics - Full Size PNG Image -  PNGkit">
+            <a:extLst>
+              <a:ext uri="{FF2B5EF4-FFF2-40B4-BE49-F238E27FC236}">
+                <a16:creationId xmlns:a16="http://schemas.microsoft.com/office/drawing/2014/main" id="{78051027-B91A-4FA3-A448-BA08656672CE}"/>
+              </a:ext>
+            </a:extLst>
+          </p:cNvPr>
+          <p:cNvPicPr>
+            <a:picLocks noChangeAspect="1" noChangeArrowheads="1"/>
+          </p:cNvPicPr>
+          <p:nvPr/>
+        </p:nvPicPr>
+        <p:blipFill>
+          <a:blip r:embed="rId2">
+            <a:extLst>
+              <a:ext uri="{28A0092B-C50C-407E-A947-70E740481C1C}">
+                <a14:useLocalDpi xmlns:a14="http://schemas.microsoft.com/office/drawing/2010/main" val="0"/>
+              </a:ext>
+            </a:extLst>
+          </a:blip>
+          <a:srcRect/>
+          <a:stretch>
+            <a:fillRect/>
+          </a:stretch>
+        </p:blipFill>
+        <p:spPr bwMode="auto">
+          <a:xfrm>
+            <a:off x="127901" y="2309539"/>
+            <a:ext cx="330095" cy="273933"/>
+          </a:xfrm>
+          <a:prstGeom prst="rect">
+            <a:avLst/>
+          </a:prstGeom>
+          <a:noFill/>
+          <a:extLst>
+            <a:ext uri="{909E8E84-426E-40DD-AFC4-6F175D3DCCD1}">
+              <a14:hiddenFill xmlns:a14="http://schemas.microsoft.com/office/drawing/2010/main">
+                <a:solidFill>
+                  <a:srgbClr val="FFFFFF"/>
+                </a:solidFill>
+              </a14:hiddenFill>
+            </a:ext>
+          </a:extLst>
+        </p:spPr>
+      </p:pic>
+      <p:sp>
+        <p:nvSpPr>
+          <p:cNvPr id="91" name="Text Placeholder 271">
+            <a:extLst>
+              <a:ext uri="{FF2B5EF4-FFF2-40B4-BE49-F238E27FC236}">
+                <a16:creationId xmlns:a16="http://schemas.microsoft.com/office/drawing/2014/main" id="{AE20E69B-2CD0-410F-8AEB-7FA4E8C1C9F2}"/>
+              </a:ext>
+            </a:extLst>
+          </p:cNvPr>
+          <p:cNvSpPr txBox="1">
+            <a:spLocks/>
+          </p:cNvSpPr>
+          <p:nvPr/>
+        </p:nvSpPr>
+        <p:spPr>
+          <a:xfrm>
+            <a:off x="457996" y="2309538"/>
+            <a:ext cx="3390104" cy="273933"/>
+          </a:xfrm>
+          <a:prstGeom prst="rect">
+            <a:avLst/>
+          </a:prstGeom>
+        </p:spPr>
+        <p:txBody>
+          <a:bodyPr vert="horz" lIns="91440" tIns="45720" rIns="91440" bIns="45720" rtlCol="0">
+            <a:noAutofit/>
+          </a:bodyPr>
+          <a:lstStyle>
+            <a:lvl1pPr marL="0" indent="0" algn="l" defTabSz="514350" rtl="0" eaLnBrk="1" latinLnBrk="0" hangingPunct="1">
+              <a:lnSpc>
+                <a:spcPct val="90000"/>
+              </a:lnSpc>
+              <a:spcBef>
+                <a:spcPts val="563"/>
+              </a:spcBef>
+              <a:buFont typeface="Arial" panose="020B0604020202020204" pitchFamily="34" charset="0"/>
+              <a:buNone/>
+              <a:defRPr sz="1600" kern="1200">
+                <a:solidFill>
+                  <a:schemeClr val="bg1"/>
+                </a:solidFill>
+                <a:latin typeface="+mj-lt"/>
+                <a:ea typeface="+mn-ea"/>
+                <a:cs typeface="+mn-cs"/>
+              </a:defRPr>
+            </a:lvl1pPr>
+            <a:lvl2pPr marL="385763" indent="-128588" algn="l" defTabSz="514350" rtl="0" eaLnBrk="1" latinLnBrk="0" hangingPunct="1">
+              <a:lnSpc>
+                <a:spcPct val="90000"/>
+              </a:lnSpc>
+              <a:spcBef>
+                <a:spcPts val="281"/>
+              </a:spcBef>
+              <a:buFont typeface="Arial" panose="020B0604020202020204" pitchFamily="34" charset="0"/>
+              <a:buChar char="•"/>
+              <a:defRPr sz="1600" kern="1200">
+                <a:solidFill>
+                  <a:schemeClr val="bg1"/>
+                </a:solidFill>
+                <a:latin typeface="+mj-lt"/>
+                <a:ea typeface="+mn-ea"/>
+                <a:cs typeface="+mn-cs"/>
+              </a:defRPr>
+            </a:lvl2pPr>
+            <a:lvl3pPr marL="642938" indent="-128588" algn="l" defTabSz="514350" rtl="0" eaLnBrk="1" latinLnBrk="0" hangingPunct="1">
+              <a:lnSpc>
+                <a:spcPct val="90000"/>
+              </a:lnSpc>
+              <a:spcBef>
+                <a:spcPts val="281"/>
+              </a:spcBef>
+              <a:buFont typeface="Arial" panose="020B0604020202020204" pitchFamily="34" charset="0"/>
+              <a:buChar char="•"/>
+              <a:defRPr sz="1600" kern="1200">
+                <a:solidFill>
+                  <a:schemeClr val="bg1"/>
+                </a:solidFill>
+                <a:latin typeface="+mj-lt"/>
+                <a:ea typeface="+mn-ea"/>
+                <a:cs typeface="+mn-cs"/>
+              </a:defRPr>
+            </a:lvl3pPr>
+            <a:lvl4pPr marL="900113" indent="-128588" algn="l" defTabSz="514350" rtl="0" eaLnBrk="1" latinLnBrk="0" hangingPunct="1">
+              <a:lnSpc>
+                <a:spcPct val="90000"/>
+              </a:lnSpc>
+              <a:spcBef>
+                <a:spcPts val="281"/>
+              </a:spcBef>
+              <a:buFont typeface="Arial" panose="020B0604020202020204" pitchFamily="34" charset="0"/>
+              <a:buChar char="•"/>
+              <a:defRPr sz="1600" kern="1200">
+                <a:solidFill>
+                  <a:schemeClr val="bg1"/>
+                </a:solidFill>
+                <a:latin typeface="+mj-lt"/>
+                <a:ea typeface="+mn-ea"/>
+                <a:cs typeface="+mn-cs"/>
+              </a:defRPr>
+            </a:lvl4pPr>
+            <a:lvl5pPr marL="1157288" indent="-128588" algn="l" defTabSz="514350" rtl="0" eaLnBrk="1" latinLnBrk="0" hangingPunct="1">
+              <a:lnSpc>
+                <a:spcPct val="90000"/>
+              </a:lnSpc>
+              <a:spcBef>
+                <a:spcPts val="281"/>
+              </a:spcBef>
+              <a:buFont typeface="Arial" panose="020B0604020202020204" pitchFamily="34" charset="0"/>
+              <a:buChar char="•"/>
+              <a:defRPr sz="1600" kern="1200">
+                <a:solidFill>
+                  <a:schemeClr val="bg1"/>
+                </a:solidFill>
+                <a:latin typeface="+mj-lt"/>
+                <a:ea typeface="+mn-ea"/>
+                <a:cs typeface="+mn-cs"/>
+              </a:defRPr>
+            </a:lvl5pPr>
+            <a:lvl6pPr marL="1414463" indent="-128588" algn="l" defTabSz="514350" rtl="0" eaLnBrk="1" latinLnBrk="0" hangingPunct="1">
+              <a:lnSpc>
+                <a:spcPct val="90000"/>
+              </a:lnSpc>
+              <a:spcBef>
+                <a:spcPts val="281"/>
+              </a:spcBef>
+              <a:buFont typeface="Arial" panose="020B0604020202020204" pitchFamily="34" charset="0"/>
+              <a:buChar char="•"/>
+              <a:defRPr sz="1013" kern="1200">
+                <a:solidFill>
+                  <a:schemeClr val="tx1"/>
+                </a:solidFill>
+                <a:latin typeface="+mn-lt"/>
+                <a:ea typeface="+mn-ea"/>
+                <a:cs typeface="+mn-cs"/>
+              </a:defRPr>
+            </a:lvl6pPr>
+            <a:lvl7pPr marL="1671638" indent="-128588" algn="l" defTabSz="514350" rtl="0" eaLnBrk="1" latinLnBrk="0" hangingPunct="1">
+              <a:lnSpc>
+                <a:spcPct val="90000"/>
+              </a:lnSpc>
+              <a:spcBef>
+                <a:spcPts val="281"/>
+              </a:spcBef>
+              <a:buFont typeface="Arial" panose="020B0604020202020204" pitchFamily="34" charset="0"/>
+              <a:buChar char="•"/>
+              <a:defRPr sz="1013" kern="1200">
+                <a:solidFill>
+                  <a:schemeClr val="tx1"/>
+                </a:solidFill>
+                <a:latin typeface="+mn-lt"/>
+                <a:ea typeface="+mn-ea"/>
+                <a:cs typeface="+mn-cs"/>
+              </a:defRPr>
+            </a:lvl7pPr>
+            <a:lvl8pPr marL="1928813" indent="-128588" algn="l" defTabSz="514350" rtl="0" eaLnBrk="1" latinLnBrk="0" hangingPunct="1">
+              <a:lnSpc>
+                <a:spcPct val="90000"/>
+              </a:lnSpc>
+              <a:spcBef>
+                <a:spcPts val="281"/>
+              </a:spcBef>
+              <a:buFont typeface="Arial" panose="020B0604020202020204" pitchFamily="34" charset="0"/>
+              <a:buChar char="•"/>
+              <a:defRPr sz="1013" kern="1200">
+                <a:solidFill>
+                  <a:schemeClr val="tx1"/>
+                </a:solidFill>
+                <a:latin typeface="+mn-lt"/>
+                <a:ea typeface="+mn-ea"/>
+                <a:cs typeface="+mn-cs"/>
+              </a:defRPr>
+            </a:lvl8pPr>
+            <a:lvl9pPr marL="2185988" indent="-128588" algn="l" defTabSz="514350" rtl="0" eaLnBrk="1" latinLnBrk="0" hangingPunct="1">
+              <a:lnSpc>
+                <a:spcPct val="90000"/>
+              </a:lnSpc>
+              <a:spcBef>
+                <a:spcPts val="281"/>
+              </a:spcBef>
+              <a:buFont typeface="Arial" panose="020B0604020202020204" pitchFamily="34" charset="0"/>
+              <a:buChar char="•"/>
+              <a:defRPr sz="1013" kern="1200">
+                <a:solidFill>
+                  <a:schemeClr val="tx1"/>
+                </a:solidFill>
+                <a:latin typeface="+mn-lt"/>
+                <a:ea typeface="+mn-ea"/>
+                <a:cs typeface="+mn-cs"/>
+              </a:defRPr>
+            </a:lvl9pPr>
+          </a:lstStyle>
+          <a:p>
+            <a:r>
+              <a:rPr lang="en-US" dirty="0"/>
+              <a:t>LEADERSHIP AND ACHIEVEMENTS </a:t>
+            </a:r>
+          </a:p>
+        </p:txBody>
+      </p:sp>
+      <p:sp>
+        <p:nvSpPr>
+          <p:cNvPr id="93" name="TextBox 92">
+            <a:extLst>
+              <a:ext uri="{FF2B5EF4-FFF2-40B4-BE49-F238E27FC236}">
+                <a16:creationId xmlns:a16="http://schemas.microsoft.com/office/drawing/2014/main" id="{1ABBE481-1DE0-4DE9-ACD9-A68542739D92}"/>
+              </a:ext>
+            </a:extLst>
+          </p:cNvPr>
+          <p:cNvSpPr txBox="1"/>
+          <p:nvPr/>
+        </p:nvSpPr>
+        <p:spPr>
+          <a:xfrm>
+            <a:off x="434340" y="2682241"/>
+            <a:ext cx="5989320" cy="5845318"/>
+          </a:xfrm>
+          <a:prstGeom prst="rect">
+            <a:avLst/>
+          </a:prstGeom>
+          <a:noFill/>
+        </p:spPr>
+        <p:txBody>
+          <a:bodyPr wrap="square">
+            <a:spAutoFit/>
+          </a:bodyPr>
+          <a:lstStyle/>
+          <a:p>
+            <a:pPr marL="342900" marR="0" lvl="0" indent="-342900" algn="just">
+              <a:lnSpc>
+                <a:spcPct val="115000"/>
+              </a:lnSpc>
+              <a:spcBef>
+                <a:spcPts val="0"/>
+              </a:spcBef>
+              <a:spcAft>
+                <a:spcPts val="0"/>
+              </a:spcAft>
+              <a:buFont typeface="Symbol" panose="05050102010706020507" pitchFamily="18" charset="2"/>
+              <a:buChar char=""/>
+            </a:pPr>
+            <a:r>
+              <a:rPr lang="en-IN" sz="1100" dirty="0">
+                <a:solidFill>
+                  <a:schemeClr val="bg1">
+                    <a:lumMod val="85000"/>
+                  </a:schemeClr>
+                </a:solidFill>
+                <a:effectLst/>
+                <a:latin typeface="Calibri" panose="020F0502020204030204" pitchFamily="34" charset="0"/>
+                <a:ea typeface="Calibri" panose="020F0502020204030204" pitchFamily="34" charset="0"/>
+                <a:cs typeface="Mangal" panose="02040503050203030202" pitchFamily="18" charset="0"/>
+              </a:rPr>
+              <a:t>In 2018, I was the founding team member as CTO of a blockchain-based mobility platform that seeks to decentralize the ride-hailing ecosystem. I managed 10 core team members with developers, designers, content writers successfully.</a:t>
+            </a:r>
+            <a:endParaRPr lang="en-US" sz="1100" dirty="0">
+              <a:solidFill>
+                <a:schemeClr val="bg1">
+                  <a:lumMod val="85000"/>
+                </a:schemeClr>
+              </a:solidFill>
+              <a:effectLst/>
+              <a:latin typeface="Calibri" panose="020F0502020204030204" pitchFamily="34" charset="0"/>
+              <a:ea typeface="Calibri" panose="020F0502020204030204" pitchFamily="34" charset="0"/>
+              <a:cs typeface="Mangal" panose="02040503050203030202" pitchFamily="18" charset="0"/>
+            </a:endParaRPr>
+          </a:p>
+          <a:p>
+            <a:pPr marL="342900" marR="0" lvl="0" indent="-342900" algn="just">
+              <a:lnSpc>
+                <a:spcPct val="115000"/>
+              </a:lnSpc>
+              <a:spcBef>
+                <a:spcPts val="0"/>
+              </a:spcBef>
+              <a:spcAft>
+                <a:spcPts val="0"/>
+              </a:spcAft>
+              <a:buFont typeface="Symbol" panose="05050102010706020507" pitchFamily="18" charset="2"/>
+              <a:buChar char=""/>
+            </a:pPr>
+            <a:r>
+              <a:rPr lang="en-IN" sz="1100" dirty="0">
+                <a:solidFill>
+                  <a:schemeClr val="bg1">
+                    <a:lumMod val="85000"/>
+                  </a:schemeClr>
+                </a:solidFill>
+                <a:effectLst/>
+                <a:latin typeface="Calibri" panose="020F0502020204030204" pitchFamily="34" charset="0"/>
+                <a:ea typeface="Calibri" panose="020F0502020204030204" pitchFamily="34" charset="0"/>
+                <a:cs typeface="Mangal" panose="02040503050203030202" pitchFamily="18" charset="0"/>
+              </a:rPr>
+              <a:t>I was sponsored to represent </a:t>
+            </a:r>
+            <a:r>
+              <a:rPr lang="en-IN" sz="1100" u="sng" dirty="0">
+                <a:solidFill>
+                  <a:schemeClr val="bg1">
+                    <a:lumMod val="85000"/>
+                  </a:schemeClr>
+                </a:solidFill>
+                <a:effectLst/>
+                <a:latin typeface="Calibri" panose="020F0502020204030204" pitchFamily="34" charset="0"/>
+                <a:ea typeface="Calibri" panose="020F0502020204030204" pitchFamily="34" charset="0"/>
+                <a:cs typeface="Mangal" panose="02040503050203030202" pitchFamily="18" charset="0"/>
+                <a:hlinkClick r:id="rId3">
+                  <a:extLst>
+                    <a:ext uri="{A12FA001-AC4F-418D-AE19-62706E023703}">
+                      <ahyp:hlinkClr xmlns:ahyp="http://schemas.microsoft.com/office/drawing/2018/hyperlinkcolor" val="tx"/>
+                    </a:ext>
+                  </a:extLst>
+                </a:hlinkClick>
+              </a:rPr>
+              <a:t>DRIFE</a:t>
+            </a:r>
+            <a:r>
+              <a:rPr lang="en-IN" sz="1100" dirty="0">
+                <a:solidFill>
+                  <a:schemeClr val="bg1">
+                    <a:lumMod val="85000"/>
+                  </a:schemeClr>
+                </a:solidFill>
+                <a:effectLst/>
+                <a:latin typeface="Calibri" panose="020F0502020204030204" pitchFamily="34" charset="0"/>
+                <a:ea typeface="Calibri" panose="020F0502020204030204" pitchFamily="34" charset="0"/>
+                <a:cs typeface="Mangal" panose="02040503050203030202" pitchFamily="18" charset="0"/>
+              </a:rPr>
+              <a:t> as CTO in </a:t>
+            </a:r>
+            <a:r>
+              <a:rPr lang="en-IN" sz="1100" u="sng" dirty="0">
+                <a:solidFill>
+                  <a:schemeClr val="bg1">
+                    <a:lumMod val="85000"/>
+                  </a:schemeClr>
+                </a:solidFill>
+                <a:effectLst/>
+                <a:latin typeface="Calibri" panose="020F0502020204030204" pitchFamily="34" charset="0"/>
+                <a:ea typeface="Calibri" panose="020F0502020204030204" pitchFamily="34" charset="0"/>
+                <a:cs typeface="Mangal" panose="02040503050203030202" pitchFamily="18" charset="0"/>
+                <a:hlinkClick r:id="rId4">
+                  <a:extLst>
+                    <a:ext uri="{A12FA001-AC4F-418D-AE19-62706E023703}">
+                      <ahyp:hlinkClr xmlns:ahyp="http://schemas.microsoft.com/office/drawing/2018/hyperlinkcolor" val="tx"/>
+                    </a:ext>
+                  </a:extLst>
+                </a:hlinkClick>
+              </a:rPr>
+              <a:t>World Blockchain Summit</a:t>
+            </a:r>
+            <a:r>
+              <a:rPr lang="en-IN" sz="1100" dirty="0">
+                <a:solidFill>
+                  <a:schemeClr val="bg1">
+                    <a:lumMod val="85000"/>
+                  </a:schemeClr>
+                </a:solidFill>
+                <a:effectLst/>
+                <a:latin typeface="Calibri" panose="020F0502020204030204" pitchFamily="34" charset="0"/>
+                <a:ea typeface="Calibri" panose="020F0502020204030204" pitchFamily="34" charset="0"/>
+                <a:cs typeface="Mangal" panose="02040503050203030202" pitchFamily="18" charset="0"/>
+              </a:rPr>
+              <a:t> (WBS) held at Dubai in October, 2018, where I pitched to around 35 investors from worldwide and ranked as the best start-up in utility tokens category.</a:t>
+            </a:r>
+            <a:endParaRPr lang="en-US" sz="1100" dirty="0">
+              <a:solidFill>
+                <a:schemeClr val="bg1">
+                  <a:lumMod val="85000"/>
+                </a:schemeClr>
+              </a:solidFill>
+              <a:effectLst/>
+              <a:latin typeface="Calibri" panose="020F0502020204030204" pitchFamily="34" charset="0"/>
+              <a:ea typeface="Calibri" panose="020F0502020204030204" pitchFamily="34" charset="0"/>
+              <a:cs typeface="Mangal" panose="02040503050203030202" pitchFamily="18" charset="0"/>
+            </a:endParaRPr>
+          </a:p>
+          <a:p>
+            <a:pPr marL="342900" marR="0" lvl="0" indent="-342900" algn="just">
+              <a:lnSpc>
+                <a:spcPct val="115000"/>
+              </a:lnSpc>
+              <a:spcBef>
+                <a:spcPts val="0"/>
+              </a:spcBef>
+              <a:spcAft>
+                <a:spcPts val="0"/>
+              </a:spcAft>
+              <a:buFont typeface="Symbol" panose="05050102010706020507" pitchFamily="18" charset="2"/>
+              <a:buChar char=""/>
+            </a:pPr>
+            <a:r>
+              <a:rPr lang="en-IN" sz="1100" dirty="0">
+                <a:solidFill>
+                  <a:schemeClr val="bg1">
+                    <a:lumMod val="85000"/>
+                  </a:schemeClr>
+                </a:solidFill>
+                <a:effectLst/>
+                <a:latin typeface="Calibri" panose="020F0502020204030204" pitchFamily="34" charset="0"/>
+                <a:ea typeface="Calibri" panose="020F0502020204030204" pitchFamily="34" charset="0"/>
+                <a:cs typeface="Mangal" panose="02040503050203030202" pitchFamily="18" charset="0"/>
+              </a:rPr>
+              <a:t>I am managing the largest Semiconductor community over Telegram via a </a:t>
+            </a:r>
+            <a:r>
+              <a:rPr lang="en-IN" sz="1100" u="sng" dirty="0">
+                <a:solidFill>
+                  <a:schemeClr val="bg1">
+                    <a:lumMod val="85000"/>
+                  </a:schemeClr>
+                </a:solidFill>
+                <a:effectLst/>
+                <a:latin typeface="Calibri" panose="020F0502020204030204" pitchFamily="34" charset="0"/>
+                <a:ea typeface="Calibri" panose="020F0502020204030204" pitchFamily="34" charset="0"/>
+                <a:cs typeface="Mangal" panose="02040503050203030202" pitchFamily="18" charset="0"/>
+                <a:hlinkClick r:id="rId5">
+                  <a:extLst>
+                    <a:ext uri="{A12FA001-AC4F-418D-AE19-62706E023703}">
+                      <ahyp:hlinkClr xmlns:ahyp="http://schemas.microsoft.com/office/drawing/2018/hyperlinkcolor" val="tx"/>
+                    </a:ext>
+                  </a:extLst>
+                </a:hlinkClick>
+              </a:rPr>
+              <a:t>channel</a:t>
+            </a:r>
+            <a:r>
+              <a:rPr lang="en-IN" sz="1100" dirty="0">
+                <a:solidFill>
+                  <a:schemeClr val="bg1">
+                    <a:lumMod val="85000"/>
+                  </a:schemeClr>
+                </a:solidFill>
+                <a:effectLst/>
+                <a:latin typeface="Calibri" panose="020F0502020204030204" pitchFamily="34" charset="0"/>
+                <a:ea typeface="Calibri" panose="020F0502020204030204" pitchFamily="34" charset="0"/>
+                <a:cs typeface="Mangal" panose="02040503050203030202" pitchFamily="18" charset="0"/>
+              </a:rPr>
+              <a:t>. In future, a blockchain-based Chatbot – ‘SEMION’ with customized user experience, is promised to be released on Telegram and subscription fee related feedback also taken via polls conducted within the community.</a:t>
+            </a:r>
+            <a:endParaRPr lang="en-US" sz="1100" dirty="0">
+              <a:solidFill>
+                <a:schemeClr val="bg1">
+                  <a:lumMod val="85000"/>
+                </a:schemeClr>
+              </a:solidFill>
+              <a:effectLst/>
+              <a:latin typeface="Calibri" panose="020F0502020204030204" pitchFamily="34" charset="0"/>
+              <a:ea typeface="Calibri" panose="020F0502020204030204" pitchFamily="34" charset="0"/>
+              <a:cs typeface="Mangal" panose="02040503050203030202" pitchFamily="18" charset="0"/>
+            </a:endParaRPr>
+          </a:p>
+          <a:p>
+            <a:pPr marL="342900" marR="0" lvl="0" indent="-342900" algn="just">
+              <a:lnSpc>
+                <a:spcPct val="115000"/>
+              </a:lnSpc>
+              <a:spcBef>
+                <a:spcPts val="0"/>
+              </a:spcBef>
+              <a:spcAft>
+                <a:spcPts val="0"/>
+              </a:spcAft>
+              <a:buFont typeface="Symbol" panose="05050102010706020507" pitchFamily="18" charset="2"/>
+              <a:buChar char=""/>
+            </a:pPr>
+            <a:r>
+              <a:rPr lang="en-IN" sz="1100" dirty="0">
+                <a:solidFill>
+                  <a:schemeClr val="bg1">
+                    <a:lumMod val="85000"/>
+                  </a:schemeClr>
+                </a:solidFill>
+                <a:effectLst/>
+                <a:latin typeface="Calibri" panose="020F0502020204030204" pitchFamily="34" charset="0"/>
+                <a:ea typeface="Calibri" panose="020F0502020204030204" pitchFamily="34" charset="0"/>
+                <a:cs typeface="Mangal" panose="02040503050203030202" pitchFamily="18" charset="0"/>
+              </a:rPr>
+              <a:t>I provide online education services through my Udemy account – </a:t>
+            </a:r>
+            <a:r>
+              <a:rPr lang="en-IN" sz="1100" u="sng" dirty="0" err="1">
+                <a:solidFill>
+                  <a:srgbClr val="FFFFFF"/>
+                </a:solidFill>
+                <a:effectLst/>
+                <a:latin typeface="Calibri" panose="020F0502020204030204" pitchFamily="34" charset="0"/>
+                <a:ea typeface="Calibri" panose="020F0502020204030204" pitchFamily="34" charset="0"/>
+                <a:cs typeface="Mangal" panose="02040503050203030202" pitchFamily="18" charset="0"/>
+                <a:hlinkClick r:id="rId6">
+                  <a:extLst>
+                    <a:ext uri="{A12FA001-AC4F-418D-AE19-62706E023703}">
+                      <ahyp:hlinkClr xmlns:ahyp="http://schemas.microsoft.com/office/drawing/2018/hyperlinkcolor" val="tx"/>
+                    </a:ext>
+                  </a:extLst>
+                </a:hlinkClick>
+              </a:rPr>
+              <a:t>Block.Hub</a:t>
+            </a:r>
+            <a:r>
+              <a:rPr lang="en-IN" sz="1100" u="sng" dirty="0">
+                <a:solidFill>
+                  <a:schemeClr val="bg1">
+                    <a:lumMod val="85000"/>
+                  </a:schemeClr>
+                </a:solidFill>
+                <a:effectLst/>
+                <a:latin typeface="Calibri" panose="020F0502020204030204" pitchFamily="34" charset="0"/>
+                <a:ea typeface="Calibri" panose="020F0502020204030204" pitchFamily="34" charset="0"/>
+                <a:cs typeface="Mangal" panose="02040503050203030202" pitchFamily="18" charset="0"/>
+                <a:hlinkClick r:id="rId6">
+                  <a:extLst>
+                    <a:ext uri="{A12FA001-AC4F-418D-AE19-62706E023703}">
+                      <ahyp:hlinkClr xmlns:ahyp="http://schemas.microsoft.com/office/drawing/2018/hyperlinkcolor" val="tx"/>
+                    </a:ext>
+                  </a:extLst>
+                </a:hlinkClick>
+              </a:rPr>
+              <a:t> Academy</a:t>
+            </a:r>
+            <a:r>
+              <a:rPr lang="en-IN" sz="1100" dirty="0">
+                <a:solidFill>
+                  <a:schemeClr val="bg1">
+                    <a:lumMod val="85000"/>
+                  </a:schemeClr>
+                </a:solidFill>
+                <a:effectLst/>
+                <a:latin typeface="Calibri" panose="020F0502020204030204" pitchFamily="34" charset="0"/>
+                <a:ea typeface="Calibri" panose="020F0502020204030204" pitchFamily="34" charset="0"/>
+                <a:cs typeface="Mangal" panose="02040503050203030202" pitchFamily="18" charset="0"/>
+              </a:rPr>
+              <a:t> which has a total of 170 students enrolled for 4 courses.</a:t>
+            </a:r>
+            <a:endParaRPr lang="en-US" sz="1100" dirty="0">
+              <a:solidFill>
+                <a:schemeClr val="bg1">
+                  <a:lumMod val="85000"/>
+                </a:schemeClr>
+              </a:solidFill>
+              <a:effectLst/>
+              <a:latin typeface="Calibri" panose="020F0502020204030204" pitchFamily="34" charset="0"/>
+              <a:ea typeface="Calibri" panose="020F0502020204030204" pitchFamily="34" charset="0"/>
+              <a:cs typeface="Mangal" panose="02040503050203030202" pitchFamily="18" charset="0"/>
+            </a:endParaRPr>
+          </a:p>
+          <a:p>
+            <a:pPr marL="342900" marR="0" lvl="0" indent="-342900" algn="just">
+              <a:lnSpc>
+                <a:spcPct val="115000"/>
+              </a:lnSpc>
+              <a:spcBef>
+                <a:spcPts val="0"/>
+              </a:spcBef>
+              <a:spcAft>
+                <a:spcPts val="0"/>
+              </a:spcAft>
+              <a:buFont typeface="Symbol" panose="05050102010706020507" pitchFamily="18" charset="2"/>
+              <a:buChar char=""/>
+            </a:pPr>
+            <a:r>
+              <a:rPr lang="en-IN" sz="1100" dirty="0">
+                <a:solidFill>
+                  <a:schemeClr val="bg1">
+                    <a:lumMod val="85000"/>
+                  </a:schemeClr>
+                </a:solidFill>
+                <a:effectLst/>
+                <a:latin typeface="Calibri" panose="020F0502020204030204" pitchFamily="34" charset="0"/>
+                <a:ea typeface="Calibri" panose="020F0502020204030204" pitchFamily="34" charset="0"/>
+                <a:cs typeface="Mangal" panose="02040503050203030202" pitchFamily="18" charset="0"/>
+              </a:rPr>
+              <a:t>I am also available as a mentor for topics related to Blockchain (EOS, NFT, </a:t>
+            </a:r>
+            <a:r>
+              <a:rPr lang="en-IN" sz="1100" dirty="0" err="1">
+                <a:solidFill>
+                  <a:schemeClr val="bg1">
+                    <a:lumMod val="85000"/>
+                  </a:schemeClr>
+                </a:solidFill>
+                <a:effectLst/>
+                <a:latin typeface="Calibri" panose="020F0502020204030204" pitchFamily="34" charset="0"/>
+                <a:ea typeface="Calibri" panose="020F0502020204030204" pitchFamily="34" charset="0"/>
+                <a:cs typeface="Mangal" panose="02040503050203030202" pitchFamily="18" charset="0"/>
+              </a:rPr>
+              <a:t>DeFi</a:t>
+            </a:r>
+            <a:r>
+              <a:rPr lang="en-IN" sz="1100" dirty="0">
+                <a:solidFill>
+                  <a:schemeClr val="bg1">
+                    <a:lumMod val="85000"/>
+                  </a:schemeClr>
+                </a:solidFill>
+                <a:effectLst/>
+                <a:latin typeface="Calibri" panose="020F0502020204030204" pitchFamily="34" charset="0"/>
+                <a:ea typeface="Calibri" panose="020F0502020204030204" pitchFamily="34" charset="0"/>
+                <a:cs typeface="Mangal" panose="02040503050203030202" pitchFamily="18" charset="0"/>
+              </a:rPr>
+              <a:t>, Ethereum) via </a:t>
+            </a:r>
+            <a:r>
+              <a:rPr lang="en-IN" sz="1100" u="sng" dirty="0">
+                <a:solidFill>
+                  <a:schemeClr val="bg1">
+                    <a:lumMod val="85000"/>
+                  </a:schemeClr>
+                </a:solidFill>
+                <a:effectLst/>
+                <a:latin typeface="Calibri" panose="020F0502020204030204" pitchFamily="34" charset="0"/>
+                <a:ea typeface="Calibri" panose="020F0502020204030204" pitchFamily="34" charset="0"/>
+                <a:cs typeface="Mangal" panose="02040503050203030202" pitchFamily="18" charset="0"/>
+                <a:hlinkClick r:id="rId7">
+                  <a:extLst>
+                    <a:ext uri="{A12FA001-AC4F-418D-AE19-62706E023703}">
+                      <ahyp:hlinkClr xmlns:ahyp="http://schemas.microsoft.com/office/drawing/2018/hyperlinkcolor" val="tx"/>
+                    </a:ext>
+                  </a:extLst>
+                </a:hlinkClick>
+              </a:rPr>
+              <a:t>Fiverr</a:t>
+            </a:r>
+            <a:r>
+              <a:rPr lang="en-IN" sz="1100" dirty="0">
+                <a:solidFill>
+                  <a:schemeClr val="bg1">
+                    <a:lumMod val="85000"/>
+                  </a:schemeClr>
+                </a:solidFill>
+                <a:effectLst/>
+                <a:latin typeface="Calibri" panose="020F0502020204030204" pitchFamily="34" charset="0"/>
+                <a:ea typeface="Calibri" panose="020F0502020204030204" pitchFamily="34" charset="0"/>
+                <a:cs typeface="Mangal" panose="02040503050203030202" pitchFamily="18" charset="0"/>
+              </a:rPr>
+              <a:t> for 4 people as of now.</a:t>
+            </a:r>
+            <a:endParaRPr lang="en-US" sz="1100" dirty="0">
+              <a:solidFill>
+                <a:schemeClr val="bg1">
+                  <a:lumMod val="85000"/>
+                </a:schemeClr>
+              </a:solidFill>
+              <a:effectLst/>
+              <a:latin typeface="Calibri" panose="020F0502020204030204" pitchFamily="34" charset="0"/>
+              <a:ea typeface="Calibri" panose="020F0502020204030204" pitchFamily="34" charset="0"/>
+              <a:cs typeface="Mangal" panose="02040503050203030202" pitchFamily="18" charset="0"/>
+            </a:endParaRPr>
+          </a:p>
+          <a:p>
+            <a:pPr marL="342900" marR="0" lvl="0" indent="-342900" algn="just">
+              <a:lnSpc>
+                <a:spcPct val="115000"/>
+              </a:lnSpc>
+              <a:spcBef>
+                <a:spcPts val="0"/>
+              </a:spcBef>
+              <a:spcAft>
+                <a:spcPts val="0"/>
+              </a:spcAft>
+              <a:buFont typeface="Symbol" panose="05050102010706020507" pitchFamily="18" charset="2"/>
+              <a:buChar char=""/>
+            </a:pPr>
+            <a:r>
+              <a:rPr lang="en-IN" sz="1100" dirty="0">
+                <a:solidFill>
+                  <a:schemeClr val="bg1">
+                    <a:lumMod val="85000"/>
+                  </a:schemeClr>
+                </a:solidFill>
+                <a:effectLst/>
+                <a:latin typeface="Calibri" panose="020F0502020204030204" pitchFamily="34" charset="0"/>
+                <a:ea typeface="Calibri" panose="020F0502020204030204" pitchFamily="34" charset="0"/>
+                <a:cs typeface="Mangal" panose="02040503050203030202" pitchFamily="18" charset="0"/>
+              </a:rPr>
+              <a:t>Maintain one of the highest starred </a:t>
+            </a:r>
+            <a:r>
+              <a:rPr lang="en-IN" sz="1100" dirty="0" err="1">
+                <a:solidFill>
+                  <a:schemeClr val="bg1">
+                    <a:lumMod val="85000"/>
+                  </a:schemeClr>
+                </a:solidFill>
+                <a:effectLst/>
+                <a:latin typeface="Calibri" panose="020F0502020204030204" pitchFamily="34" charset="0"/>
+                <a:ea typeface="Calibri" panose="020F0502020204030204" pitchFamily="34" charset="0"/>
+                <a:cs typeface="Mangal" panose="02040503050203030202" pitchFamily="18" charset="0"/>
+              </a:rPr>
+              <a:t>Github</a:t>
+            </a:r>
+            <a:r>
+              <a:rPr lang="en-IN" sz="1100" dirty="0">
+                <a:solidFill>
+                  <a:schemeClr val="bg1">
+                    <a:lumMod val="85000"/>
+                  </a:schemeClr>
+                </a:solidFill>
+                <a:effectLst/>
+                <a:latin typeface="Calibri" panose="020F0502020204030204" pitchFamily="34" charset="0"/>
+                <a:ea typeface="Calibri" panose="020F0502020204030204" pitchFamily="34" charset="0"/>
+                <a:cs typeface="Mangal" panose="02040503050203030202" pitchFamily="18" charset="0"/>
+              </a:rPr>
+              <a:t> repositories in EOSIO Ecosystem. </a:t>
+            </a:r>
+            <a:r>
+              <a:rPr lang="en-IN" sz="1100" u="sng" dirty="0">
+                <a:solidFill>
+                  <a:schemeClr val="bg1">
+                    <a:lumMod val="85000"/>
+                  </a:schemeClr>
+                </a:solidFill>
+                <a:effectLst/>
+                <a:latin typeface="Calibri" panose="020F0502020204030204" pitchFamily="34" charset="0"/>
+                <a:ea typeface="Calibri" panose="020F0502020204030204" pitchFamily="34" charset="0"/>
+                <a:cs typeface="Mangal" panose="02040503050203030202" pitchFamily="18" charset="0"/>
+                <a:hlinkClick r:id="rId8">
+                  <a:extLst>
+                    <a:ext uri="{A12FA001-AC4F-418D-AE19-62706E023703}">
+                      <ahyp:hlinkClr xmlns:ahyp="http://schemas.microsoft.com/office/drawing/2018/hyperlinkcolor" val="tx"/>
+                    </a:ext>
+                  </a:extLst>
+                </a:hlinkClick>
+              </a:rPr>
+              <a:t>Repo</a:t>
+            </a:r>
+            <a:endParaRPr lang="en-US" sz="1100" dirty="0">
+              <a:solidFill>
+                <a:schemeClr val="bg1">
+                  <a:lumMod val="85000"/>
+                </a:schemeClr>
+              </a:solidFill>
+              <a:effectLst/>
+              <a:latin typeface="Calibri" panose="020F0502020204030204" pitchFamily="34" charset="0"/>
+              <a:ea typeface="Calibri" panose="020F0502020204030204" pitchFamily="34" charset="0"/>
+              <a:cs typeface="Mangal" panose="02040503050203030202" pitchFamily="18" charset="0"/>
+            </a:endParaRPr>
+          </a:p>
+          <a:p>
+            <a:pPr marL="342900" marR="0" lvl="0" indent="-342900" algn="just">
+              <a:lnSpc>
+                <a:spcPct val="115000"/>
+              </a:lnSpc>
+              <a:spcBef>
+                <a:spcPts val="0"/>
+              </a:spcBef>
+              <a:spcAft>
+                <a:spcPts val="0"/>
+              </a:spcAft>
+              <a:buFont typeface="Symbol" panose="05050102010706020507" pitchFamily="18" charset="2"/>
+              <a:buChar char=""/>
+            </a:pPr>
+            <a:r>
+              <a:rPr lang="en-IN" sz="1100" dirty="0">
+                <a:solidFill>
+                  <a:schemeClr val="bg1">
+                    <a:lumMod val="85000"/>
+                  </a:schemeClr>
+                </a:solidFill>
+                <a:effectLst/>
+                <a:latin typeface="Calibri" panose="020F0502020204030204" pitchFamily="34" charset="0"/>
+                <a:ea typeface="Calibri" panose="020F0502020204030204" pitchFamily="34" charset="0"/>
+                <a:cs typeface="Mangal" panose="02040503050203030202" pitchFamily="18" charset="0"/>
+              </a:rPr>
+              <a:t>I have published many thoughtful articles related to Blockchain, Data Science on </a:t>
+            </a:r>
+            <a:r>
+              <a:rPr lang="en-IN" sz="1100" u="sng" dirty="0">
+                <a:solidFill>
+                  <a:schemeClr val="bg1">
+                    <a:lumMod val="85000"/>
+                  </a:schemeClr>
+                </a:solidFill>
+                <a:effectLst/>
+                <a:latin typeface="Calibri" panose="020F0502020204030204" pitchFamily="34" charset="0"/>
+                <a:ea typeface="Calibri" panose="020F0502020204030204" pitchFamily="34" charset="0"/>
+                <a:cs typeface="Mangal" panose="02040503050203030202" pitchFamily="18" charset="0"/>
+                <a:hlinkClick r:id="rId9">
+                  <a:extLst>
+                    <a:ext uri="{A12FA001-AC4F-418D-AE19-62706E023703}">
+                      <ahyp:hlinkClr xmlns:ahyp="http://schemas.microsoft.com/office/drawing/2018/hyperlinkcolor" val="tx"/>
+                    </a:ext>
+                  </a:extLst>
+                </a:hlinkClick>
+              </a:rPr>
+              <a:t>Medium</a:t>
+            </a:r>
+            <a:endParaRPr lang="en-US" sz="1100" dirty="0">
+              <a:solidFill>
+                <a:schemeClr val="bg1">
+                  <a:lumMod val="85000"/>
+                </a:schemeClr>
+              </a:solidFill>
+              <a:effectLst/>
+              <a:latin typeface="Calibri" panose="020F0502020204030204" pitchFamily="34" charset="0"/>
+              <a:ea typeface="Calibri" panose="020F0502020204030204" pitchFamily="34" charset="0"/>
+              <a:cs typeface="Mangal" panose="02040503050203030202" pitchFamily="18" charset="0"/>
+            </a:endParaRPr>
+          </a:p>
+          <a:p>
+            <a:pPr marL="342900" marR="0" lvl="0" indent="-342900" algn="just">
+              <a:lnSpc>
+                <a:spcPct val="115000"/>
+              </a:lnSpc>
+              <a:spcBef>
+                <a:spcPts val="0"/>
+              </a:spcBef>
+              <a:spcAft>
+                <a:spcPts val="1000"/>
+              </a:spcAft>
+              <a:buFont typeface="Symbol" panose="05050102010706020507" pitchFamily="18" charset="2"/>
+              <a:buChar char=""/>
+            </a:pPr>
+            <a:r>
+              <a:rPr lang="en-IN" sz="1100" dirty="0">
+                <a:solidFill>
+                  <a:schemeClr val="bg1">
+                    <a:lumMod val="85000"/>
+                  </a:schemeClr>
+                </a:solidFill>
+                <a:effectLst/>
+                <a:latin typeface="Calibri" panose="020F0502020204030204" pitchFamily="34" charset="0"/>
+                <a:ea typeface="Calibri" panose="020F0502020204030204" pitchFamily="34" charset="0"/>
+                <a:cs typeface="Mangal" panose="02040503050203030202" pitchFamily="18" charset="0"/>
+              </a:rPr>
+              <a:t>I was a regular technical content creator for a community called </a:t>
+            </a:r>
+            <a:r>
+              <a:rPr lang="en-IN" sz="1100" u="sng" dirty="0">
+                <a:solidFill>
+                  <a:schemeClr val="bg1">
+                    <a:lumMod val="85000"/>
+                  </a:schemeClr>
+                </a:solidFill>
+                <a:effectLst/>
+                <a:latin typeface="Calibri" panose="020F0502020204030204" pitchFamily="34" charset="0"/>
+                <a:ea typeface="Calibri" panose="020F0502020204030204" pitchFamily="34" charset="0"/>
+                <a:cs typeface="Mangal" panose="02040503050203030202" pitchFamily="18" charset="0"/>
+                <a:hlinkClick r:id="rId10">
+                  <a:extLst>
+                    <a:ext uri="{A12FA001-AC4F-418D-AE19-62706E023703}">
+                      <ahyp:hlinkClr xmlns:ahyp="http://schemas.microsoft.com/office/drawing/2018/hyperlinkcolor" val="tx"/>
+                    </a:ext>
+                  </a:extLst>
+                </a:hlinkClick>
+              </a:rPr>
+              <a:t>Utopian</a:t>
+            </a:r>
+            <a:r>
+              <a:rPr lang="en-IN" sz="1100" dirty="0">
+                <a:solidFill>
+                  <a:schemeClr val="bg1">
+                    <a:lumMod val="85000"/>
+                  </a:schemeClr>
+                </a:solidFill>
+                <a:effectLst/>
+                <a:latin typeface="Calibri" panose="020F0502020204030204" pitchFamily="34" charset="0"/>
+                <a:ea typeface="Calibri" panose="020F0502020204030204" pitchFamily="34" charset="0"/>
+                <a:cs typeface="Mangal" panose="02040503050203030202" pitchFamily="18" charset="0"/>
+              </a:rPr>
+              <a:t> on </a:t>
+            </a:r>
+            <a:r>
+              <a:rPr lang="en-IN" sz="1100" u="sng" dirty="0" err="1">
+                <a:solidFill>
+                  <a:schemeClr val="bg1">
+                    <a:lumMod val="85000"/>
+                  </a:schemeClr>
+                </a:solidFill>
+                <a:effectLst/>
+                <a:latin typeface="Calibri" panose="020F0502020204030204" pitchFamily="34" charset="0"/>
+                <a:ea typeface="Calibri" panose="020F0502020204030204" pitchFamily="34" charset="0"/>
+                <a:cs typeface="Mangal" panose="02040503050203030202" pitchFamily="18" charset="0"/>
+                <a:hlinkClick r:id="rId11">
+                  <a:extLst>
+                    <a:ext uri="{A12FA001-AC4F-418D-AE19-62706E023703}">
+                      <ahyp:hlinkClr xmlns:ahyp="http://schemas.microsoft.com/office/drawing/2018/hyperlinkcolor" val="tx"/>
+                    </a:ext>
+                  </a:extLst>
+                </a:hlinkClick>
+              </a:rPr>
+              <a:t>Steemit</a:t>
+            </a:r>
+            <a:r>
+              <a:rPr lang="en-IN" sz="1100" dirty="0">
+                <a:solidFill>
+                  <a:schemeClr val="bg1">
+                    <a:lumMod val="85000"/>
+                  </a:schemeClr>
+                </a:solidFill>
+                <a:effectLst/>
+                <a:latin typeface="Calibri" panose="020F0502020204030204" pitchFamily="34" charset="0"/>
+                <a:ea typeface="Calibri" panose="020F0502020204030204" pitchFamily="34" charset="0"/>
+                <a:cs typeface="Mangal" panose="02040503050203030202" pitchFamily="18" charset="0"/>
+              </a:rPr>
+              <a:t>– An incentivized social platform on </a:t>
+            </a:r>
+            <a:r>
+              <a:rPr lang="en-IN" sz="1100" u="sng" dirty="0" err="1">
+                <a:solidFill>
+                  <a:schemeClr val="bg1">
+                    <a:lumMod val="85000"/>
+                  </a:schemeClr>
+                </a:solidFill>
+                <a:effectLst/>
+                <a:latin typeface="Calibri" panose="020F0502020204030204" pitchFamily="34" charset="0"/>
+                <a:ea typeface="Calibri" panose="020F0502020204030204" pitchFamily="34" charset="0"/>
+                <a:cs typeface="Mangal" panose="02040503050203030202" pitchFamily="18" charset="0"/>
+                <a:hlinkClick r:id="rId12">
+                  <a:extLst>
+                    <a:ext uri="{A12FA001-AC4F-418D-AE19-62706E023703}">
+                      <ahyp:hlinkClr xmlns:ahyp="http://schemas.microsoft.com/office/drawing/2018/hyperlinkcolor" val="tx"/>
+                    </a:ext>
+                  </a:extLst>
+                </a:hlinkClick>
+              </a:rPr>
+              <a:t>Steem</a:t>
+            </a:r>
+            <a:r>
+              <a:rPr lang="en-IN" sz="1100" dirty="0">
+                <a:solidFill>
+                  <a:schemeClr val="bg1">
+                    <a:lumMod val="85000"/>
+                  </a:schemeClr>
+                </a:solidFill>
+                <a:effectLst/>
+                <a:latin typeface="Calibri" panose="020F0502020204030204" pitchFamily="34" charset="0"/>
+                <a:ea typeface="Calibri" panose="020F0502020204030204" pitchFamily="34" charset="0"/>
+                <a:cs typeface="Mangal" panose="02040503050203030202" pitchFamily="18" charset="0"/>
+              </a:rPr>
+              <a:t> Blockchain.</a:t>
+            </a:r>
+            <a:endParaRPr lang="en-US" sz="1100" dirty="0">
+              <a:solidFill>
+                <a:schemeClr val="bg1">
+                  <a:lumMod val="85000"/>
+                </a:schemeClr>
+              </a:solidFill>
+              <a:effectLst/>
+              <a:latin typeface="Calibri" panose="020F0502020204030204" pitchFamily="34" charset="0"/>
+              <a:ea typeface="Calibri" panose="020F0502020204030204" pitchFamily="34" charset="0"/>
+              <a:cs typeface="Mangal" panose="02040503050203030202" pitchFamily="18" charset="0"/>
+            </a:endParaRPr>
+          </a:p>
+          <a:p>
+            <a:pPr marL="342900" indent="-342900" algn="just">
+              <a:lnSpc>
+                <a:spcPct val="115000"/>
+              </a:lnSpc>
+              <a:spcAft>
+                <a:spcPts val="1000"/>
+              </a:spcAft>
+              <a:buFont typeface="Symbol" panose="05050102010706020507" pitchFamily="18" charset="2"/>
+              <a:buChar char=""/>
+            </a:pPr>
+            <a:endParaRPr lang="en-US" sz="1100" dirty="0">
+              <a:solidFill>
+                <a:schemeClr val="bg1">
+                  <a:lumMod val="85000"/>
+                </a:schemeClr>
+              </a:solidFill>
+              <a:effectLst/>
+              <a:latin typeface="Calibri" panose="020F0502020204030204" pitchFamily="34" charset="0"/>
+              <a:ea typeface="Calibri" panose="020F0502020204030204" pitchFamily="34" charset="0"/>
+              <a:cs typeface="Mangal" panose="02040503050203030202" pitchFamily="18" charset="0"/>
+            </a:endParaRPr>
+          </a:p>
+          <a:p>
+            <a:pPr marL="342900" indent="-342900" algn="just">
+              <a:lnSpc>
+                <a:spcPct val="115000"/>
+              </a:lnSpc>
+              <a:spcAft>
+                <a:spcPts val="1000"/>
+              </a:spcAft>
+              <a:buFont typeface="Symbol" panose="05050102010706020507" pitchFamily="18" charset="2"/>
+              <a:buChar char=""/>
+            </a:pPr>
+            <a:endParaRPr lang="en-US" sz="1100" dirty="0">
+              <a:solidFill>
+                <a:schemeClr val="bg1">
+                  <a:lumMod val="85000"/>
+                </a:schemeClr>
+              </a:solidFill>
+              <a:effectLst/>
+              <a:latin typeface="Calibri" panose="020F0502020204030204" pitchFamily="34" charset="0"/>
+              <a:ea typeface="Calibri" panose="020F0502020204030204" pitchFamily="34" charset="0"/>
+              <a:cs typeface="Mangal" panose="02040503050203030202" pitchFamily="18" charset="0"/>
+            </a:endParaRPr>
+          </a:p>
+          <a:p>
+            <a:pPr marL="342900" indent="-342900" algn="just">
+              <a:lnSpc>
+                <a:spcPct val="115000"/>
+              </a:lnSpc>
+              <a:spcAft>
+                <a:spcPts val="1000"/>
+              </a:spcAft>
+              <a:buFont typeface="Symbol" panose="05050102010706020507" pitchFamily="18" charset="2"/>
+              <a:buChar char=""/>
+            </a:pPr>
+            <a:endParaRPr lang="en-US" sz="1100" dirty="0">
+              <a:solidFill>
+                <a:schemeClr val="bg1">
+                  <a:lumMod val="85000"/>
+                </a:schemeClr>
+              </a:solidFill>
+              <a:effectLst/>
+              <a:latin typeface="Calibri" panose="020F0502020204030204" pitchFamily="34" charset="0"/>
+              <a:ea typeface="Calibri" panose="020F0502020204030204" pitchFamily="34" charset="0"/>
+              <a:cs typeface="Mangal" panose="02040503050203030202" pitchFamily="18" charset="0"/>
+            </a:endParaRPr>
+          </a:p>
+          <a:p>
+            <a:pPr marL="342900" indent="-342900" algn="just">
+              <a:lnSpc>
+                <a:spcPct val="115000"/>
+              </a:lnSpc>
+              <a:spcAft>
+                <a:spcPts val="1000"/>
+              </a:spcAft>
+              <a:buFont typeface="Symbol" panose="05050102010706020507" pitchFamily="18" charset="2"/>
+              <a:buChar char=""/>
+            </a:pPr>
+            <a:endParaRPr lang="en-US" sz="1100" dirty="0">
+              <a:solidFill>
+                <a:schemeClr val="bg1">
+                  <a:lumMod val="85000"/>
+                </a:schemeClr>
+              </a:solidFill>
+              <a:effectLst/>
+              <a:latin typeface="Calibri" panose="020F0502020204030204" pitchFamily="34" charset="0"/>
+              <a:ea typeface="Calibri" panose="020F0502020204030204" pitchFamily="34" charset="0"/>
+              <a:cs typeface="Mangal" panose="02040503050203030202" pitchFamily="18" charset="0"/>
+            </a:endParaRPr>
+          </a:p>
+          <a:p>
+            <a:pPr marL="342900" indent="-342900" algn="just">
+              <a:lnSpc>
+                <a:spcPct val="115000"/>
+              </a:lnSpc>
+              <a:spcAft>
+                <a:spcPts val="1000"/>
+              </a:spcAft>
+              <a:buFont typeface="Symbol" panose="05050102010706020507" pitchFamily="18" charset="2"/>
+              <a:buChar char=""/>
+            </a:pPr>
+            <a:endParaRPr lang="en-US" sz="1100" dirty="0">
+              <a:solidFill>
+                <a:schemeClr val="bg1">
+                  <a:lumMod val="85000"/>
+                </a:schemeClr>
+              </a:solidFill>
+              <a:effectLst/>
+              <a:latin typeface="Calibri" panose="020F0502020204030204" pitchFamily="34" charset="0"/>
+              <a:ea typeface="Calibri" panose="020F0502020204030204" pitchFamily="34" charset="0"/>
+              <a:cs typeface="Mangal" panose="02040503050203030202" pitchFamily="18" charset="0"/>
+            </a:endParaRPr>
+          </a:p>
+          <a:p>
+            <a:pPr marL="342900" indent="-342900" algn="just">
+              <a:lnSpc>
+                <a:spcPct val="115000"/>
+              </a:lnSpc>
+              <a:spcAft>
+                <a:spcPts val="1000"/>
+              </a:spcAft>
+              <a:buFont typeface="Symbol" panose="05050102010706020507" pitchFamily="18" charset="2"/>
+              <a:buChar char=""/>
+            </a:pPr>
+            <a:endParaRPr lang="en-US" sz="1100" dirty="0">
+              <a:solidFill>
+                <a:schemeClr val="bg1">
+                  <a:lumMod val="85000"/>
+                </a:schemeClr>
+              </a:solidFill>
+              <a:effectLst/>
+              <a:latin typeface="Calibri" panose="020F0502020204030204" pitchFamily="34" charset="0"/>
+              <a:ea typeface="Calibri" panose="020F0502020204030204" pitchFamily="34" charset="0"/>
+              <a:cs typeface="Mangal" panose="02040503050203030202" pitchFamily="18" charset="0"/>
+            </a:endParaRPr>
+          </a:p>
+          <a:p>
+            <a:pPr marL="342900" indent="-342900" algn="just">
+              <a:lnSpc>
+                <a:spcPct val="115000"/>
+              </a:lnSpc>
+              <a:spcAft>
+                <a:spcPts val="1000"/>
+              </a:spcAft>
+              <a:buFont typeface="Symbol" panose="05050102010706020507" pitchFamily="18" charset="2"/>
+              <a:buChar char=""/>
+            </a:pPr>
+            <a:endParaRPr lang="en-US" sz="1100" dirty="0">
+              <a:solidFill>
+                <a:schemeClr val="bg1">
+                  <a:lumMod val="85000"/>
+                </a:schemeClr>
+              </a:solidFill>
+              <a:effectLst/>
+              <a:latin typeface="Calibri" panose="020F0502020204030204" pitchFamily="34" charset="0"/>
+              <a:ea typeface="Calibri" panose="020F0502020204030204" pitchFamily="34" charset="0"/>
+              <a:cs typeface="Mangal" panose="02040503050203030202" pitchFamily="18" charset="0"/>
+            </a:endParaRPr>
+          </a:p>
+        </p:txBody>
+      </p:sp>
+    </p:spTree>
+    <p:extLst>
+      <p:ext uri="{BB962C8B-B14F-4D97-AF65-F5344CB8AC3E}">
+        <p14:creationId xmlns:p14="http://schemas.microsoft.com/office/powerpoint/2010/main" val="3728625744"/>
       </p:ext>
     </p:extLst>
   </p:cSld>
@@ -17815,6 +20353,23 @@
 </file>
 
 <file path=customXml/item1.xml><?xml version="1.0" encoding="utf-8"?>
+<p:properties xmlns:p="http://schemas.microsoft.com/office/2006/metadata/properties" xmlns:xsi="http://www.w3.org/2001/XMLSchema-instance" xmlns:pc="http://schemas.microsoft.com/office/infopath/2007/PartnerControls">
+  <documentManagement>
+    <MediaServiceKeyPoints xmlns="ef88797d-310b-4d46-ad9c-0c23fa0c8d45" xsi:nil="true"/>
+  </documentManagement>
+</p:properties>
+</file>
+
+<file path=customXml/item2.xml><?xml version="1.0" encoding="utf-8"?>
+<?mso-contentType ?>
+<FormTemplates xmlns="http://schemas.microsoft.com/sharepoint/v3/contenttype/forms">
+  <Display>DocumentLibraryForm</Display>
+  <Edit>DocumentLibraryForm</Edit>
+  <New>DocumentLibraryForm</New>
+</FormTemplates>
+</file>
+
+<file path=customXml/item3.xml><?xml version="1.0" encoding="utf-8"?>
 <ct:contentTypeSchema xmlns:ct="http://schemas.microsoft.com/office/2006/metadata/contentType" xmlns:ma="http://schemas.microsoft.com/office/2006/metadata/properties/metaAttributes" ct:_="" ma:_="" ma:contentTypeName="Document" ma:contentTypeID="0x0101005F02E0EF7D44C04B9FA644DBFF45FF6A" ma:contentTypeVersion="13" ma:contentTypeDescription="Create a new document." ma:contentTypeScope="" ma:versionID="206b9469efed5238e3299da57cdc015e">
   <xsd:schema xmlns:xsd="http://www.w3.org/2001/XMLSchema" xmlns:xs="http://www.w3.org/2001/XMLSchema" xmlns:p="http://schemas.microsoft.com/office/2006/metadata/properties" xmlns:ns2="876de33e-aaa5-4507-9b92-b84e676ded0d" xmlns:ns3="ef88797d-310b-4d46-ad9c-0c23fa0c8d45" targetNamespace="http://schemas.microsoft.com/office/2006/metadata/properties" ma:root="true" ma:fieldsID="281ed500249cd3fe925a7af84a8b56c4" ns2:_="" ns3:_="">
     <xsd:import namespace="876de33e-aaa5-4507-9b92-b84e676ded0d"/>
@@ -18037,24 +20592,25 @@
 </ct:contentTypeSchema>
 </file>
 
-<file path=customXml/item2.xml><?xml version="1.0" encoding="utf-8"?>
-<?mso-contentType ?>
-<FormTemplates xmlns="http://schemas.microsoft.com/sharepoint/v3/contenttype/forms">
-  <Display>DocumentLibraryForm</Display>
-  <Edit>DocumentLibraryForm</Edit>
-  <New>DocumentLibraryForm</New>
-</FormTemplates>
+<file path=customXml/itemProps1.xml><?xml version="1.0" encoding="utf-8"?>
+<ds:datastoreItem xmlns:ds="http://schemas.openxmlformats.org/officeDocument/2006/customXml" ds:itemID="{578389EB-672F-420D-AB19-CDFA657C66F4}">
+  <ds:schemaRefs>
+    <ds:schemaRef ds:uri="http://schemas.microsoft.com/office/2006/metadata/properties"/>
+    <ds:schemaRef ds:uri="http://schemas.microsoft.com/office/infopath/2007/PartnerControls"/>
+    <ds:schemaRef ds:uri="ef88797d-310b-4d46-ad9c-0c23fa0c8d45"/>
+  </ds:schemaRefs>
+</ds:datastoreItem>
 </file>
 
-<file path=customXml/item3.xml><?xml version="1.0" encoding="utf-8"?>
-<p:properties xmlns:p="http://schemas.microsoft.com/office/2006/metadata/properties" xmlns:xsi="http://www.w3.org/2001/XMLSchema-instance" xmlns:pc="http://schemas.microsoft.com/office/infopath/2007/PartnerControls">
-  <documentManagement>
-    <MediaServiceKeyPoints xmlns="ef88797d-310b-4d46-ad9c-0c23fa0c8d45" xsi:nil="true"/>
-  </documentManagement>
-</p:properties>
+<file path=customXml/itemProps2.xml><?xml version="1.0" encoding="utf-8"?>
+<ds:datastoreItem xmlns:ds="http://schemas.openxmlformats.org/officeDocument/2006/customXml" ds:itemID="{20056241-EAE4-4EAF-8B0E-8651A3DCDE25}">
+  <ds:schemaRefs>
+    <ds:schemaRef ds:uri="http://schemas.microsoft.com/sharepoint/v3/contenttype/forms"/>
+  </ds:schemaRefs>
+</ds:datastoreItem>
 </file>
 
-<file path=customXml/itemProps1.xml><?xml version="1.0" encoding="utf-8"?>
+<file path=customXml/itemProps3.xml><?xml version="1.0" encoding="utf-8"?>
 <ds:datastoreItem xmlns:ds="http://schemas.openxmlformats.org/officeDocument/2006/customXml" ds:itemID="{E6CD0737-DDCD-4506-85C0-A3C2836F70A4}">
   <ds:schemaRefs>
     <ds:schemaRef ds:uri="http://schemas.microsoft.com/office/2006/metadata/contentType"/>
@@ -18071,22 +20627,4 @@
     <ds:schemaRef ds:uri="http://schemas.microsoft.com/internal/obd"/>
   </ds:schemaRefs>
 </ds:datastoreItem>
-</file>
-
-<file path=customXml/itemProps2.xml><?xml version="1.0" encoding="utf-8"?>
-<ds:datastoreItem xmlns:ds="http://schemas.openxmlformats.org/officeDocument/2006/customXml" ds:itemID="{20056241-EAE4-4EAF-8B0E-8651A3DCDE25}">
-  <ds:schemaRefs>
-    <ds:schemaRef ds:uri="http://schemas.microsoft.com/sharepoint/v3/contenttype/forms"/>
-  </ds:schemaRefs>
-</ds:datastoreItem>
-</file>
-
-<file path=customXml/itemProps3.xml><?xml version="1.0" encoding="utf-8"?>
-<ds:datastoreItem xmlns:ds="http://schemas.openxmlformats.org/officeDocument/2006/customXml" ds:itemID="{578389EB-672F-420D-AB19-CDFA657C66F4}">
-  <ds:schemaRefs>
-    <ds:schemaRef ds:uri="http://schemas.microsoft.com/office/2006/metadata/properties"/>
-    <ds:schemaRef ds:uri="http://schemas.microsoft.com/office/infopath/2007/PartnerControls"/>
-    <ds:schemaRef ds:uri="ef88797d-310b-4d46-ad9c-0c23fa0c8d45"/>
-  </ds:schemaRefs>
-</ds:datastoreItem>
 </file>
--- a/my_resume.pptx
+++ b/my_resume.pptx
@@ -112,10 +112,10 @@
   </p:defaultTextStyle>
   <p:extLst>
     <p:ext uri="{EFAFB233-063F-42B5-8137-9DF3F51BA10A}">
-      <p15:sldGuideLst xmlns:p15="http://schemas.microsoft.com/office/powerpoint/2012/main"/>
+      <p15:sldGuideLst xmlns:p15="http://schemas.microsoft.com/office/powerpoint/2012/main" xmlns=""/>
     </p:ext>
     <p:ext uri="{2D200454-40CA-4A62-9FC3-DE9A4176ACB9}">
-      <p15:notesGuideLst xmlns:p15="http://schemas.microsoft.com/office/powerpoint/2012/main"/>
+      <p15:notesGuideLst xmlns:p15="http://schemas.microsoft.com/office/powerpoint/2012/main" xmlns=""/>
     </p:ext>
   </p:extLst>
 </p:presentation>
@@ -126,7 +126,7 @@
   <p:cmAuthor id="1" name="abhijit roy" initials="ar" lastIdx="1" clrIdx="0">
     <p:extLst>
       <p:ext uri="{19B8F6BF-5375-455C-9EA6-DF929625EA0E}">
-        <p15:presenceInfo xmlns:p15="http://schemas.microsoft.com/office/powerpoint/2012/main" userId="3cc88bf99e11e7aa" providerId="Windows Live"/>
+        <p15:presenceInfo xmlns:p15="http://schemas.microsoft.com/office/powerpoint/2012/main" xmlns="" userId="3cc88bf99e11e7aa" providerId="Windows Live"/>
       </p:ext>
     </p:extLst>
   </p:cmAuthor>
@@ -140,7 +140,7 @@
     <p:text/>
     <p:extLst>
       <p:ext uri="{C676402C-5697-4E1C-873F-D02D1690AC5C}">
-        <p15:threadingInfo xmlns:p15="http://schemas.microsoft.com/office/powerpoint/2012/main" timeZoneBias="-330"/>
+        <p15:threadingInfo xmlns:p15="http://schemas.microsoft.com/office/powerpoint/2012/main" xmlns="" timeZoneBias="-330"/>
       </p:ext>
     </p:extLst>
   </p:cm>
@@ -174,7 +174,7 @@
           <p:cNvPr id="2" name="Header Placeholder 1">
             <a:extLst>
               <a:ext uri="{FF2B5EF4-FFF2-40B4-BE49-F238E27FC236}">
-                <a16:creationId xmlns:a16="http://schemas.microsoft.com/office/drawing/2014/main" id="{075B8B09-96B4-42B6-BBA5-CD52F33A21CE}"/>
+                <a16:creationId xmlns:a16="http://schemas.microsoft.com/office/drawing/2014/main" xmlns="" id="{075B8B09-96B4-42B6-BBA5-CD52F33A21CE}"/>
               </a:ext>
             </a:extLst>
           </p:cNvPr>
@@ -211,7 +211,7 @@
           <p:cNvPr id="3" name="Date Placeholder 2">
             <a:extLst>
               <a:ext uri="{FF2B5EF4-FFF2-40B4-BE49-F238E27FC236}">
-                <a16:creationId xmlns:a16="http://schemas.microsoft.com/office/drawing/2014/main" id="{0F7A1D75-31CA-40EC-B32C-88BC017FB68A}"/>
+                <a16:creationId xmlns:a16="http://schemas.microsoft.com/office/drawing/2014/main" xmlns="" id="{0F7A1D75-31CA-40EC-B32C-88BC017FB68A}"/>
               </a:ext>
             </a:extLst>
           </p:cNvPr>
@@ -241,7 +241,8 @@
           <a:p>
             <a:fld id="{F126DA7F-2AB4-430D-8B2A-97731DDF23A1}" type="datetimeFigureOut">
               <a:rPr lang="en-US" smtClean="0"/>
-              <a:t>19-Jun-21</a:t>
+              <a:pPr/>
+              <a:t>6/19/2021</a:t>
             </a:fld>
             <a:endParaRPr lang="en-US" dirty="0"/>
           </a:p>
@@ -252,7 +253,7 @@
           <p:cNvPr id="4" name="Footer Placeholder 3">
             <a:extLst>
               <a:ext uri="{FF2B5EF4-FFF2-40B4-BE49-F238E27FC236}">
-                <a16:creationId xmlns:a16="http://schemas.microsoft.com/office/drawing/2014/main" id="{01777EBB-0582-4473-AD83-4F4CB19727B7}"/>
+                <a16:creationId xmlns:a16="http://schemas.microsoft.com/office/drawing/2014/main" xmlns="" id="{01777EBB-0582-4473-AD83-4F4CB19727B7}"/>
               </a:ext>
             </a:extLst>
           </p:cNvPr>
@@ -289,7 +290,7 @@
           <p:cNvPr id="5" name="Slide Number Placeholder 4">
             <a:extLst>
               <a:ext uri="{FF2B5EF4-FFF2-40B4-BE49-F238E27FC236}">
-                <a16:creationId xmlns:a16="http://schemas.microsoft.com/office/drawing/2014/main" id="{42A34692-2682-4BB1-95AB-1EDD3CCDE4EE}"/>
+                <a16:creationId xmlns:a16="http://schemas.microsoft.com/office/drawing/2014/main" xmlns="" id="{42A34692-2682-4BB1-95AB-1EDD3CCDE4EE}"/>
               </a:ext>
             </a:extLst>
           </p:cNvPr>
@@ -319,6 +320,7 @@
           <a:p>
             <a:fld id="{2412AD1E-28AA-43B8-A3D8-C3F540DD2C05}" type="slidenum">
               <a:rPr lang="en-US" smtClean="0"/>
+              <a:pPr/>
               <a:t>‹#›</a:t>
             </a:fld>
             <a:endParaRPr lang="en-US" dirty="0"/>
@@ -328,7 +330,7 @@
     </p:spTree>
     <p:extLst>
       <p:ext uri="{BB962C8B-B14F-4D97-AF65-F5344CB8AC3E}">
-        <p14:creationId xmlns:p14="http://schemas.microsoft.com/office/powerpoint/2010/main" val="1314799045"/>
+        <p14:creationId xmlns:p14="http://schemas.microsoft.com/office/powerpoint/2010/main" xmlns="" val="1314799045"/>
       </p:ext>
     </p:extLst>
   </p:cSld>
@@ -358,7 +360,7 @@
           <p:cNvPr id="45" name="Rectangle 44">
             <a:extLst>
               <a:ext uri="{FF2B5EF4-FFF2-40B4-BE49-F238E27FC236}">
-                <a16:creationId xmlns:a16="http://schemas.microsoft.com/office/drawing/2014/main" id="{1734F95E-743F-4147-A98F-612A33549353}"/>
+                <a16:creationId xmlns:a16="http://schemas.microsoft.com/office/drawing/2014/main" xmlns="" id="{1734F95E-743F-4147-A98F-612A33549353}"/>
               </a:ext>
             </a:extLst>
           </p:cNvPr>
@@ -410,7 +412,7 @@
           <p:cNvPr id="44" name="Rectangle 43">
             <a:extLst>
               <a:ext uri="{FF2B5EF4-FFF2-40B4-BE49-F238E27FC236}">
-                <a16:creationId xmlns:a16="http://schemas.microsoft.com/office/drawing/2014/main" id="{915F3F3A-D617-478B-B4A2-C0F71EEAA703}"/>
+                <a16:creationId xmlns:a16="http://schemas.microsoft.com/office/drawing/2014/main" xmlns="" id="{915F3F3A-D617-478B-B4A2-C0F71EEAA703}"/>
               </a:ext>
             </a:extLst>
           </p:cNvPr>
@@ -462,7 +464,7 @@
           <p:cNvPr id="46" name="Rectangle 45">
             <a:extLst>
               <a:ext uri="{FF2B5EF4-FFF2-40B4-BE49-F238E27FC236}">
-                <a16:creationId xmlns:a16="http://schemas.microsoft.com/office/drawing/2014/main" id="{98A83A02-12A8-4C69-A2FA-F25F498B67BB}"/>
+                <a16:creationId xmlns:a16="http://schemas.microsoft.com/office/drawing/2014/main" xmlns="" id="{98A83A02-12A8-4C69-A2FA-F25F498B67BB}"/>
               </a:ext>
             </a:extLst>
           </p:cNvPr>
@@ -514,7 +516,7 @@
           <p:cNvPr id="47" name="Rectangle 46">
             <a:extLst>
               <a:ext uri="{FF2B5EF4-FFF2-40B4-BE49-F238E27FC236}">
-                <a16:creationId xmlns:a16="http://schemas.microsoft.com/office/drawing/2014/main" id="{FDD42C35-82F9-4853-AB66-D1BF0AE26D35}"/>
+                <a16:creationId xmlns:a16="http://schemas.microsoft.com/office/drawing/2014/main" xmlns="" id="{FDD42C35-82F9-4853-AB66-D1BF0AE26D35}"/>
               </a:ext>
             </a:extLst>
           </p:cNvPr>
@@ -566,7 +568,7 @@
           <p:cNvPr id="48" name="Rectangle 47">
             <a:extLst>
               <a:ext uri="{FF2B5EF4-FFF2-40B4-BE49-F238E27FC236}">
-                <a16:creationId xmlns:a16="http://schemas.microsoft.com/office/drawing/2014/main" id="{615B0561-816F-426F-878B-2F2086184F9A}"/>
+                <a16:creationId xmlns:a16="http://schemas.microsoft.com/office/drawing/2014/main" xmlns="" id="{615B0561-816F-426F-878B-2F2086184F9A}"/>
               </a:ext>
             </a:extLst>
           </p:cNvPr>
@@ -620,7 +622,7 @@
           <p:cNvPr id="49" name="Rectangle 48">
             <a:extLst>
               <a:ext uri="{FF2B5EF4-FFF2-40B4-BE49-F238E27FC236}">
-                <a16:creationId xmlns:a16="http://schemas.microsoft.com/office/drawing/2014/main" id="{55730FB0-2145-43C2-BBD1-3A76631F074B}"/>
+                <a16:creationId xmlns:a16="http://schemas.microsoft.com/office/drawing/2014/main" xmlns="" id="{55730FB0-2145-43C2-BBD1-3A76631F074B}"/>
               </a:ext>
             </a:extLst>
           </p:cNvPr>
@@ -674,7 +676,7 @@
           <p:cNvPr id="8" name="Rectangle 7">
             <a:extLst>
               <a:ext uri="{FF2B5EF4-FFF2-40B4-BE49-F238E27FC236}">
-                <a16:creationId xmlns:a16="http://schemas.microsoft.com/office/drawing/2014/main" id="{F2853919-AF17-4412-9D86-099D826A9AFF}"/>
+                <a16:creationId xmlns:a16="http://schemas.microsoft.com/office/drawing/2014/main" xmlns="" id="{F2853919-AF17-4412-9D86-099D826A9AFF}"/>
               </a:ext>
             </a:extLst>
           </p:cNvPr>
@@ -726,7 +728,7 @@
           <p:cNvPr id="2" name="Title 1">
             <a:extLst>
               <a:ext uri="{FF2B5EF4-FFF2-40B4-BE49-F238E27FC236}">
-                <a16:creationId xmlns:a16="http://schemas.microsoft.com/office/drawing/2014/main" id="{1C8CD27A-B7F3-4461-997E-F5B5DD857C1D}"/>
+                <a16:creationId xmlns:a16="http://schemas.microsoft.com/office/drawing/2014/main" xmlns="" id="{1C8CD27A-B7F3-4461-997E-F5B5DD857C1D}"/>
               </a:ext>
             </a:extLst>
           </p:cNvPr>
@@ -770,7 +772,7 @@
           <p:cNvPr id="7" name="Rectangle 6">
             <a:extLst>
               <a:ext uri="{FF2B5EF4-FFF2-40B4-BE49-F238E27FC236}">
-                <a16:creationId xmlns:a16="http://schemas.microsoft.com/office/drawing/2014/main" id="{6FC15E1F-BDB1-4518-BEB3-21BE6385A68F}"/>
+                <a16:creationId xmlns:a16="http://schemas.microsoft.com/office/drawing/2014/main" xmlns="" id="{6FC15E1F-BDB1-4518-BEB3-21BE6385A68F}"/>
               </a:ext>
             </a:extLst>
           </p:cNvPr>
@@ -822,7 +824,7 @@
           <p:cNvPr id="10" name="Picture Placeholder 9">
             <a:extLst>
               <a:ext uri="{FF2B5EF4-FFF2-40B4-BE49-F238E27FC236}">
-                <a16:creationId xmlns:a16="http://schemas.microsoft.com/office/drawing/2014/main" id="{77D99E98-76BB-4ED5-B28D-5A0E4E893E6A}"/>
+                <a16:creationId xmlns:a16="http://schemas.microsoft.com/office/drawing/2014/main" xmlns="" id="{77D99E98-76BB-4ED5-B28D-5A0E4E893E6A}"/>
               </a:ext>
             </a:extLst>
           </p:cNvPr>
@@ -870,7 +872,7 @@
           <p:cNvPr id="3" name="Subtitle 2">
             <a:extLst>
               <a:ext uri="{FF2B5EF4-FFF2-40B4-BE49-F238E27FC236}">
-                <a16:creationId xmlns:a16="http://schemas.microsoft.com/office/drawing/2014/main" id="{FA84A0A0-C190-444E-9CFC-CDE6C8211F4F}"/>
+                <a16:creationId xmlns:a16="http://schemas.microsoft.com/office/drawing/2014/main" xmlns="" id="{FA84A0A0-C190-444E-9CFC-CDE6C8211F4F}"/>
               </a:ext>
             </a:extLst>
           </p:cNvPr>
@@ -958,7 +960,7 @@
           <p:cNvPr id="21" name="Text Placeholder 20">
             <a:extLst>
               <a:ext uri="{FF2B5EF4-FFF2-40B4-BE49-F238E27FC236}">
-                <a16:creationId xmlns:a16="http://schemas.microsoft.com/office/drawing/2014/main" id="{F026E129-56E2-4548-908C-B4BB28C42722}"/>
+                <a16:creationId xmlns:a16="http://schemas.microsoft.com/office/drawing/2014/main" xmlns="" id="{F026E129-56E2-4548-908C-B4BB28C42722}"/>
               </a:ext>
             </a:extLst>
           </p:cNvPr>
@@ -1100,7 +1102,7 @@
           <p:cNvPr id="24" name="Text Placeholder 23">
             <a:extLst>
               <a:ext uri="{FF2B5EF4-FFF2-40B4-BE49-F238E27FC236}">
-                <a16:creationId xmlns:a16="http://schemas.microsoft.com/office/drawing/2014/main" id="{3A9CCCCE-93E2-4268-A008-9F325EC18243}"/>
+                <a16:creationId xmlns:a16="http://schemas.microsoft.com/office/drawing/2014/main" xmlns="" id="{3A9CCCCE-93E2-4268-A008-9F325EC18243}"/>
               </a:ext>
             </a:extLst>
           </p:cNvPr>
@@ -1178,7 +1180,7 @@
           <p:cNvPr id="26" name="Text Placeholder 25">
             <a:extLst>
               <a:ext uri="{FF2B5EF4-FFF2-40B4-BE49-F238E27FC236}">
-                <a16:creationId xmlns:a16="http://schemas.microsoft.com/office/drawing/2014/main" id="{7ABDE617-9574-4A14-811F-5400A9923520}"/>
+                <a16:creationId xmlns:a16="http://schemas.microsoft.com/office/drawing/2014/main" xmlns="" id="{7ABDE617-9574-4A14-811F-5400A9923520}"/>
               </a:ext>
             </a:extLst>
           </p:cNvPr>
@@ -1236,7 +1238,7 @@
           <p:cNvPr id="28" name="Text Placeholder 27">
             <a:extLst>
               <a:ext uri="{FF2B5EF4-FFF2-40B4-BE49-F238E27FC236}">
-                <a16:creationId xmlns:a16="http://schemas.microsoft.com/office/drawing/2014/main" id="{1D008292-7770-4DAF-819C-B39ABABBEE24}"/>
+                <a16:creationId xmlns:a16="http://schemas.microsoft.com/office/drawing/2014/main" xmlns="" id="{1D008292-7770-4DAF-819C-B39ABABBEE24}"/>
               </a:ext>
             </a:extLst>
           </p:cNvPr>
@@ -1315,7 +1317,7 @@
           <p:cNvPr id="29" name="Text Placeholder 27">
             <a:extLst>
               <a:ext uri="{FF2B5EF4-FFF2-40B4-BE49-F238E27FC236}">
-                <a16:creationId xmlns:a16="http://schemas.microsoft.com/office/drawing/2014/main" id="{501B265C-5EB2-472B-91B5-BD4157F57830}"/>
+                <a16:creationId xmlns:a16="http://schemas.microsoft.com/office/drawing/2014/main" xmlns="" id="{501B265C-5EB2-472B-91B5-BD4157F57830}"/>
               </a:ext>
             </a:extLst>
           </p:cNvPr>
@@ -1394,7 +1396,7 @@
           <p:cNvPr id="30" name="Text Placeholder 27">
             <a:extLst>
               <a:ext uri="{FF2B5EF4-FFF2-40B4-BE49-F238E27FC236}">
-                <a16:creationId xmlns:a16="http://schemas.microsoft.com/office/drawing/2014/main" id="{18CB412F-2342-43EA-9244-391F5036821B}"/>
+                <a16:creationId xmlns:a16="http://schemas.microsoft.com/office/drawing/2014/main" xmlns="" id="{18CB412F-2342-43EA-9244-391F5036821B}"/>
               </a:ext>
             </a:extLst>
           </p:cNvPr>
@@ -1473,7 +1475,7 @@
           <p:cNvPr id="32" name="Text Placeholder 23">
             <a:extLst>
               <a:ext uri="{FF2B5EF4-FFF2-40B4-BE49-F238E27FC236}">
-                <a16:creationId xmlns:a16="http://schemas.microsoft.com/office/drawing/2014/main" id="{878165D7-579C-442D-AF8F-C27C40BAC074}"/>
+                <a16:creationId xmlns:a16="http://schemas.microsoft.com/office/drawing/2014/main" xmlns="" id="{878165D7-579C-442D-AF8F-C27C40BAC074}"/>
               </a:ext>
             </a:extLst>
           </p:cNvPr>
@@ -1551,7 +1553,7 @@
           <p:cNvPr id="34" name="Text Placeholder 23">
             <a:extLst>
               <a:ext uri="{FF2B5EF4-FFF2-40B4-BE49-F238E27FC236}">
-                <a16:creationId xmlns:a16="http://schemas.microsoft.com/office/drawing/2014/main" id="{F5CD190C-8CC4-49AF-BA8D-F8B879E9CF0A}"/>
+                <a16:creationId xmlns:a16="http://schemas.microsoft.com/office/drawing/2014/main" xmlns="" id="{F5CD190C-8CC4-49AF-BA8D-F8B879E9CF0A}"/>
               </a:ext>
             </a:extLst>
           </p:cNvPr>
@@ -1629,7 +1631,7 @@
           <p:cNvPr id="35" name="Text Placeholder 25">
             <a:extLst>
               <a:ext uri="{FF2B5EF4-FFF2-40B4-BE49-F238E27FC236}">
-                <a16:creationId xmlns:a16="http://schemas.microsoft.com/office/drawing/2014/main" id="{E9219B4B-AEF7-4506-9ACF-CFAF003F313F}"/>
+                <a16:creationId xmlns:a16="http://schemas.microsoft.com/office/drawing/2014/main" xmlns="" id="{E9219B4B-AEF7-4506-9ACF-CFAF003F313F}"/>
               </a:ext>
             </a:extLst>
           </p:cNvPr>
@@ -1689,7 +1691,7 @@
           <p:cNvPr id="36" name="Text Placeholder 25">
             <a:extLst>
               <a:ext uri="{FF2B5EF4-FFF2-40B4-BE49-F238E27FC236}">
-                <a16:creationId xmlns:a16="http://schemas.microsoft.com/office/drawing/2014/main" id="{8974CE11-E247-44F8-8AC4-B2AC2C113B07}"/>
+                <a16:creationId xmlns:a16="http://schemas.microsoft.com/office/drawing/2014/main" xmlns="" id="{8974CE11-E247-44F8-8AC4-B2AC2C113B07}"/>
               </a:ext>
             </a:extLst>
           </p:cNvPr>
@@ -1749,7 +1751,7 @@
           <p:cNvPr id="37" name="Text Placeholder 25">
             <a:extLst>
               <a:ext uri="{FF2B5EF4-FFF2-40B4-BE49-F238E27FC236}">
-                <a16:creationId xmlns:a16="http://schemas.microsoft.com/office/drawing/2014/main" id="{D29EC1A9-D87F-4AAC-B42B-5640A131052F}"/>
+                <a16:creationId xmlns:a16="http://schemas.microsoft.com/office/drawing/2014/main" xmlns="" id="{D29EC1A9-D87F-4AAC-B42B-5640A131052F}"/>
               </a:ext>
             </a:extLst>
           </p:cNvPr>
@@ -1809,7 +1811,7 @@
           <p:cNvPr id="38" name="Text Placeholder 27">
             <a:extLst>
               <a:ext uri="{FF2B5EF4-FFF2-40B4-BE49-F238E27FC236}">
-                <a16:creationId xmlns:a16="http://schemas.microsoft.com/office/drawing/2014/main" id="{D0441C06-AEE9-4E5A-84BB-CD1241AEE5E8}"/>
+                <a16:creationId xmlns:a16="http://schemas.microsoft.com/office/drawing/2014/main" xmlns="" id="{D0441C06-AEE9-4E5A-84BB-CD1241AEE5E8}"/>
               </a:ext>
             </a:extLst>
           </p:cNvPr>
@@ -1888,7 +1890,7 @@
           <p:cNvPr id="39" name="Text Placeholder 27">
             <a:extLst>
               <a:ext uri="{FF2B5EF4-FFF2-40B4-BE49-F238E27FC236}">
-                <a16:creationId xmlns:a16="http://schemas.microsoft.com/office/drawing/2014/main" id="{3612D99C-52B4-4AFB-A4BF-B016920536BB}"/>
+                <a16:creationId xmlns:a16="http://schemas.microsoft.com/office/drawing/2014/main" xmlns="" id="{3612D99C-52B4-4AFB-A4BF-B016920536BB}"/>
               </a:ext>
             </a:extLst>
           </p:cNvPr>
@@ -1967,7 +1969,7 @@
           <p:cNvPr id="40" name="Text Placeholder 27">
             <a:extLst>
               <a:ext uri="{FF2B5EF4-FFF2-40B4-BE49-F238E27FC236}">
-                <a16:creationId xmlns:a16="http://schemas.microsoft.com/office/drawing/2014/main" id="{4D431E77-818F-46FB-87EE-6EFD306D1A22}"/>
+                <a16:creationId xmlns:a16="http://schemas.microsoft.com/office/drawing/2014/main" xmlns="" id="{4D431E77-818F-46FB-87EE-6EFD306D1A22}"/>
               </a:ext>
             </a:extLst>
           </p:cNvPr>
@@ -2046,7 +2048,7 @@
           <p:cNvPr id="41" name="Text Placeholder 27">
             <a:extLst>
               <a:ext uri="{FF2B5EF4-FFF2-40B4-BE49-F238E27FC236}">
-                <a16:creationId xmlns:a16="http://schemas.microsoft.com/office/drawing/2014/main" id="{39C50F4E-A724-4674-AFB4-0F78A45F865F}"/>
+                <a16:creationId xmlns:a16="http://schemas.microsoft.com/office/drawing/2014/main" xmlns="" id="{39C50F4E-A724-4674-AFB4-0F78A45F865F}"/>
               </a:ext>
             </a:extLst>
           </p:cNvPr>
@@ -2125,7 +2127,7 @@
           <p:cNvPr id="50" name="Text Placeholder 23">
             <a:extLst>
               <a:ext uri="{FF2B5EF4-FFF2-40B4-BE49-F238E27FC236}">
-                <a16:creationId xmlns:a16="http://schemas.microsoft.com/office/drawing/2014/main" id="{1B42AB60-0F84-4AF4-B1B1-6B9F76491CED}"/>
+                <a16:creationId xmlns:a16="http://schemas.microsoft.com/office/drawing/2014/main" xmlns="" id="{1B42AB60-0F84-4AF4-B1B1-6B9F76491CED}"/>
               </a:ext>
             </a:extLst>
           </p:cNvPr>
@@ -2203,7 +2205,7 @@
           <p:cNvPr id="51" name="Text Placeholder 23">
             <a:extLst>
               <a:ext uri="{FF2B5EF4-FFF2-40B4-BE49-F238E27FC236}">
-                <a16:creationId xmlns:a16="http://schemas.microsoft.com/office/drawing/2014/main" id="{A5695B7F-A80F-48FE-B9F5-15AC2768F3D8}"/>
+                <a16:creationId xmlns:a16="http://schemas.microsoft.com/office/drawing/2014/main" xmlns="" id="{A5695B7F-A80F-48FE-B9F5-15AC2768F3D8}"/>
               </a:ext>
             </a:extLst>
           </p:cNvPr>
@@ -2281,7 +2283,7 @@
           <p:cNvPr id="52" name="Text Placeholder 23">
             <a:extLst>
               <a:ext uri="{FF2B5EF4-FFF2-40B4-BE49-F238E27FC236}">
-                <a16:creationId xmlns:a16="http://schemas.microsoft.com/office/drawing/2014/main" id="{CC109F11-3D14-4CE2-BACB-D0EDE761FBD1}"/>
+                <a16:creationId xmlns:a16="http://schemas.microsoft.com/office/drawing/2014/main" xmlns="" id="{CC109F11-3D14-4CE2-BACB-D0EDE761FBD1}"/>
               </a:ext>
             </a:extLst>
           </p:cNvPr>
@@ -2359,7 +2361,7 @@
           <p:cNvPr id="53" name="Text Placeholder 23">
             <a:extLst>
               <a:ext uri="{FF2B5EF4-FFF2-40B4-BE49-F238E27FC236}">
-                <a16:creationId xmlns:a16="http://schemas.microsoft.com/office/drawing/2014/main" id="{0DDB7B77-77C1-456C-A2D1-9361065655A7}"/>
+                <a16:creationId xmlns:a16="http://schemas.microsoft.com/office/drawing/2014/main" xmlns="" id="{0DDB7B77-77C1-456C-A2D1-9361065655A7}"/>
               </a:ext>
             </a:extLst>
           </p:cNvPr>
@@ -2437,7 +2439,7 @@
           <p:cNvPr id="54" name="Text Placeholder 25">
             <a:extLst>
               <a:ext uri="{FF2B5EF4-FFF2-40B4-BE49-F238E27FC236}">
-                <a16:creationId xmlns:a16="http://schemas.microsoft.com/office/drawing/2014/main" id="{2EB589B3-44F7-4DE3-8DC0-6D53E25DDB80}"/>
+                <a16:creationId xmlns:a16="http://schemas.microsoft.com/office/drawing/2014/main" xmlns="" id="{2EB589B3-44F7-4DE3-8DC0-6D53E25DDB80}"/>
               </a:ext>
             </a:extLst>
           </p:cNvPr>
@@ -2490,7 +2492,7 @@
           <p:cNvPr id="55" name="Text Placeholder 25">
             <a:extLst>
               <a:ext uri="{FF2B5EF4-FFF2-40B4-BE49-F238E27FC236}">
-                <a16:creationId xmlns:a16="http://schemas.microsoft.com/office/drawing/2014/main" id="{A4DC1AD5-3DD4-4A42-9761-E824F9709EBC}"/>
+                <a16:creationId xmlns:a16="http://schemas.microsoft.com/office/drawing/2014/main" xmlns="" id="{A4DC1AD5-3DD4-4A42-9761-E824F9709EBC}"/>
               </a:ext>
             </a:extLst>
           </p:cNvPr>
@@ -2543,7 +2545,7 @@
           <p:cNvPr id="56" name="Text Placeholder 25">
             <a:extLst>
               <a:ext uri="{FF2B5EF4-FFF2-40B4-BE49-F238E27FC236}">
-                <a16:creationId xmlns:a16="http://schemas.microsoft.com/office/drawing/2014/main" id="{F65630D5-67D7-4424-9BB9-489E014B078D}"/>
+                <a16:creationId xmlns:a16="http://schemas.microsoft.com/office/drawing/2014/main" xmlns="" id="{F65630D5-67D7-4424-9BB9-489E014B078D}"/>
               </a:ext>
             </a:extLst>
           </p:cNvPr>
@@ -2596,7 +2598,7 @@
           <p:cNvPr id="57" name="Text Placeholder 25">
             <a:extLst>
               <a:ext uri="{FF2B5EF4-FFF2-40B4-BE49-F238E27FC236}">
-                <a16:creationId xmlns:a16="http://schemas.microsoft.com/office/drawing/2014/main" id="{43B3249D-F314-4009-831E-966B51FBE388}"/>
+                <a16:creationId xmlns:a16="http://schemas.microsoft.com/office/drawing/2014/main" xmlns="" id="{43B3249D-F314-4009-831E-966B51FBE388}"/>
               </a:ext>
             </a:extLst>
           </p:cNvPr>
@@ -2649,7 +2651,7 @@
           <p:cNvPr id="63" name="Text Placeholder 23">
             <a:extLst>
               <a:ext uri="{FF2B5EF4-FFF2-40B4-BE49-F238E27FC236}">
-                <a16:creationId xmlns:a16="http://schemas.microsoft.com/office/drawing/2014/main" id="{8CFC1D89-9F83-4658-BB38-02FE203C4B01}"/>
+                <a16:creationId xmlns:a16="http://schemas.microsoft.com/office/drawing/2014/main" xmlns="" id="{8CFC1D89-9F83-4658-BB38-02FE203C4B01}"/>
               </a:ext>
             </a:extLst>
           </p:cNvPr>
@@ -2727,7 +2729,7 @@
           <p:cNvPr id="64" name="Text Placeholder 23">
             <a:extLst>
               <a:ext uri="{FF2B5EF4-FFF2-40B4-BE49-F238E27FC236}">
-                <a16:creationId xmlns:a16="http://schemas.microsoft.com/office/drawing/2014/main" id="{A1BF6BCD-A186-4C12-9C6F-AE11ADEFC72E}"/>
+                <a16:creationId xmlns:a16="http://schemas.microsoft.com/office/drawing/2014/main" xmlns="" id="{A1BF6BCD-A186-4C12-9C6F-AE11ADEFC72E}"/>
               </a:ext>
             </a:extLst>
           </p:cNvPr>
@@ -2805,7 +2807,7 @@
           <p:cNvPr id="65" name="Text Placeholder 23">
             <a:extLst>
               <a:ext uri="{FF2B5EF4-FFF2-40B4-BE49-F238E27FC236}">
-                <a16:creationId xmlns:a16="http://schemas.microsoft.com/office/drawing/2014/main" id="{005F86D8-5AE9-4428-91A0-363D2DDB6C06}"/>
+                <a16:creationId xmlns:a16="http://schemas.microsoft.com/office/drawing/2014/main" xmlns="" id="{005F86D8-5AE9-4428-91A0-363D2DDB6C06}"/>
               </a:ext>
             </a:extLst>
           </p:cNvPr>
@@ -2883,7 +2885,7 @@
           <p:cNvPr id="66" name="Text Placeholder 23">
             <a:extLst>
               <a:ext uri="{FF2B5EF4-FFF2-40B4-BE49-F238E27FC236}">
-                <a16:creationId xmlns:a16="http://schemas.microsoft.com/office/drawing/2014/main" id="{B7983041-DC78-4200-B013-06A5D7202895}"/>
+                <a16:creationId xmlns:a16="http://schemas.microsoft.com/office/drawing/2014/main" xmlns="" id="{B7983041-DC78-4200-B013-06A5D7202895}"/>
               </a:ext>
             </a:extLst>
           </p:cNvPr>
@@ -2961,7 +2963,7 @@
           <p:cNvPr id="67" name="Text Placeholder 23">
             <a:extLst>
               <a:ext uri="{FF2B5EF4-FFF2-40B4-BE49-F238E27FC236}">
-                <a16:creationId xmlns:a16="http://schemas.microsoft.com/office/drawing/2014/main" id="{B044D427-E5B6-46D5-97CB-C60736118A29}"/>
+                <a16:creationId xmlns:a16="http://schemas.microsoft.com/office/drawing/2014/main" xmlns="" id="{B044D427-E5B6-46D5-97CB-C60736118A29}"/>
               </a:ext>
             </a:extLst>
           </p:cNvPr>
@@ -3039,7 +3041,7 @@
           <p:cNvPr id="68" name="Text Placeholder 23">
             <a:extLst>
               <a:ext uri="{FF2B5EF4-FFF2-40B4-BE49-F238E27FC236}">
-                <a16:creationId xmlns:a16="http://schemas.microsoft.com/office/drawing/2014/main" id="{6C9F0D7C-743D-4AB6-A130-310230F16ACA}"/>
+                <a16:creationId xmlns:a16="http://schemas.microsoft.com/office/drawing/2014/main" xmlns="" id="{6C9F0D7C-743D-4AB6-A130-310230F16ACA}"/>
               </a:ext>
             </a:extLst>
           </p:cNvPr>
@@ -3117,7 +3119,7 @@
           <p:cNvPr id="69" name="Text Placeholder 23">
             <a:extLst>
               <a:ext uri="{FF2B5EF4-FFF2-40B4-BE49-F238E27FC236}">
-                <a16:creationId xmlns:a16="http://schemas.microsoft.com/office/drawing/2014/main" id="{6904D482-B04D-40E5-8B18-A86C79139CD4}"/>
+                <a16:creationId xmlns:a16="http://schemas.microsoft.com/office/drawing/2014/main" xmlns="" id="{6904D482-B04D-40E5-8B18-A86C79139CD4}"/>
               </a:ext>
             </a:extLst>
           </p:cNvPr>
@@ -3195,7 +3197,7 @@
           <p:cNvPr id="70" name="Text Placeholder 23">
             <a:extLst>
               <a:ext uri="{FF2B5EF4-FFF2-40B4-BE49-F238E27FC236}">
-                <a16:creationId xmlns:a16="http://schemas.microsoft.com/office/drawing/2014/main" id="{7DD3AAE4-69DB-499F-9BE6-3722CB1FAAB2}"/>
+                <a16:creationId xmlns:a16="http://schemas.microsoft.com/office/drawing/2014/main" xmlns="" id="{7DD3AAE4-69DB-499F-9BE6-3722CB1FAAB2}"/>
               </a:ext>
             </a:extLst>
           </p:cNvPr>
@@ -3273,7 +3275,7 @@
           <p:cNvPr id="71" name="Text Placeholder 23">
             <a:extLst>
               <a:ext uri="{FF2B5EF4-FFF2-40B4-BE49-F238E27FC236}">
-                <a16:creationId xmlns:a16="http://schemas.microsoft.com/office/drawing/2014/main" id="{86F56851-D102-46F6-B887-3E9A083FF31B}"/>
+                <a16:creationId xmlns:a16="http://schemas.microsoft.com/office/drawing/2014/main" xmlns="" id="{86F56851-D102-46F6-B887-3E9A083FF31B}"/>
               </a:ext>
             </a:extLst>
           </p:cNvPr>
@@ -3351,7 +3353,7 @@
           <p:cNvPr id="72" name="Text Placeholder 23">
             <a:extLst>
               <a:ext uri="{FF2B5EF4-FFF2-40B4-BE49-F238E27FC236}">
-                <a16:creationId xmlns:a16="http://schemas.microsoft.com/office/drawing/2014/main" id="{004683E0-AB52-4C24-868A-6C99BD8DCF1F}"/>
+                <a16:creationId xmlns:a16="http://schemas.microsoft.com/office/drawing/2014/main" xmlns="" id="{004683E0-AB52-4C24-868A-6C99BD8DCF1F}"/>
               </a:ext>
             </a:extLst>
           </p:cNvPr>
@@ -3429,7 +3431,7 @@
           <p:cNvPr id="73" name="Text Placeholder 25">
             <a:extLst>
               <a:ext uri="{FF2B5EF4-FFF2-40B4-BE49-F238E27FC236}">
-                <a16:creationId xmlns:a16="http://schemas.microsoft.com/office/drawing/2014/main" id="{E3D72CED-27BF-48EA-9B68-C5DC94BA9622}"/>
+                <a16:creationId xmlns:a16="http://schemas.microsoft.com/office/drawing/2014/main" xmlns="" id="{E3D72CED-27BF-48EA-9B68-C5DC94BA9622}"/>
               </a:ext>
             </a:extLst>
           </p:cNvPr>
@@ -3482,7 +3484,7 @@
           <p:cNvPr id="74" name="Text Placeholder 25">
             <a:extLst>
               <a:ext uri="{FF2B5EF4-FFF2-40B4-BE49-F238E27FC236}">
-                <a16:creationId xmlns:a16="http://schemas.microsoft.com/office/drawing/2014/main" id="{24B69AA7-AE1B-4D21-98EF-D18A9E2FBE36}"/>
+                <a16:creationId xmlns:a16="http://schemas.microsoft.com/office/drawing/2014/main" xmlns="" id="{24B69AA7-AE1B-4D21-98EF-D18A9E2FBE36}"/>
               </a:ext>
             </a:extLst>
           </p:cNvPr>
@@ -3534,7 +3536,7 @@
           <p:cNvPr id="75" name="Text Placeholder 25">
             <a:extLst>
               <a:ext uri="{FF2B5EF4-FFF2-40B4-BE49-F238E27FC236}">
-                <a16:creationId xmlns:a16="http://schemas.microsoft.com/office/drawing/2014/main" id="{495D87FE-67F2-4FDB-8D30-1C1FC0C2C736}"/>
+                <a16:creationId xmlns:a16="http://schemas.microsoft.com/office/drawing/2014/main" xmlns="" id="{495D87FE-67F2-4FDB-8D30-1C1FC0C2C736}"/>
               </a:ext>
             </a:extLst>
           </p:cNvPr>
@@ -3587,7 +3589,7 @@
           <p:cNvPr id="76" name="Text Placeholder 25">
             <a:extLst>
               <a:ext uri="{FF2B5EF4-FFF2-40B4-BE49-F238E27FC236}">
-                <a16:creationId xmlns:a16="http://schemas.microsoft.com/office/drawing/2014/main" id="{79CFA96C-6F3D-4123-86DA-D0C0DD69B0CA}"/>
+                <a16:creationId xmlns:a16="http://schemas.microsoft.com/office/drawing/2014/main" xmlns="" id="{79CFA96C-6F3D-4123-86DA-D0C0DD69B0CA}"/>
               </a:ext>
             </a:extLst>
           </p:cNvPr>
@@ -3639,7 +3641,7 @@
           <p:cNvPr id="81" name="Text Placeholder 25">
             <a:extLst>
               <a:ext uri="{FF2B5EF4-FFF2-40B4-BE49-F238E27FC236}">
-                <a16:creationId xmlns:a16="http://schemas.microsoft.com/office/drawing/2014/main" id="{141F99AC-7389-4A2C-B79E-9BFF2AED3552}"/>
+                <a16:creationId xmlns:a16="http://schemas.microsoft.com/office/drawing/2014/main" xmlns="" id="{141F99AC-7389-4A2C-B79E-9BFF2AED3552}"/>
               </a:ext>
             </a:extLst>
           </p:cNvPr>
@@ -3692,7 +3694,7 @@
           <p:cNvPr id="82" name="Text Placeholder 25">
             <a:extLst>
               <a:ext uri="{FF2B5EF4-FFF2-40B4-BE49-F238E27FC236}">
-                <a16:creationId xmlns:a16="http://schemas.microsoft.com/office/drawing/2014/main" id="{86CB9E80-8DA2-4268-A0C6-8845CA80AF45}"/>
+                <a16:creationId xmlns:a16="http://schemas.microsoft.com/office/drawing/2014/main" xmlns="" id="{86CB9E80-8DA2-4268-A0C6-8845CA80AF45}"/>
               </a:ext>
             </a:extLst>
           </p:cNvPr>
@@ -3744,7 +3746,7 @@
           <p:cNvPr id="83" name="Text Placeholder 25">
             <a:extLst>
               <a:ext uri="{FF2B5EF4-FFF2-40B4-BE49-F238E27FC236}">
-                <a16:creationId xmlns:a16="http://schemas.microsoft.com/office/drawing/2014/main" id="{3E374CDB-29FF-4F94-B210-0F837AF414CA}"/>
+                <a16:creationId xmlns:a16="http://schemas.microsoft.com/office/drawing/2014/main" xmlns="" id="{3E374CDB-29FF-4F94-B210-0F837AF414CA}"/>
               </a:ext>
             </a:extLst>
           </p:cNvPr>
@@ -3797,7 +3799,7 @@
           <p:cNvPr id="84" name="Text Placeholder 25">
             <a:extLst>
               <a:ext uri="{FF2B5EF4-FFF2-40B4-BE49-F238E27FC236}">
-                <a16:creationId xmlns:a16="http://schemas.microsoft.com/office/drawing/2014/main" id="{F6211C56-CF63-4DC3-BB3C-3D17AF93898C}"/>
+                <a16:creationId xmlns:a16="http://schemas.microsoft.com/office/drawing/2014/main" xmlns="" id="{F6211C56-CF63-4DC3-BB3C-3D17AF93898C}"/>
               </a:ext>
             </a:extLst>
           </p:cNvPr>
@@ -3849,7 +3851,7 @@
           <p:cNvPr id="89" name="Text Placeholder 25">
             <a:extLst>
               <a:ext uri="{FF2B5EF4-FFF2-40B4-BE49-F238E27FC236}">
-                <a16:creationId xmlns:a16="http://schemas.microsoft.com/office/drawing/2014/main" id="{65A7A14A-70C6-42E2-88A7-374F8210CE2C}"/>
+                <a16:creationId xmlns:a16="http://schemas.microsoft.com/office/drawing/2014/main" xmlns="" id="{65A7A14A-70C6-42E2-88A7-374F8210CE2C}"/>
               </a:ext>
             </a:extLst>
           </p:cNvPr>
@@ -3920,7 +3922,7 @@
           <p:cNvPr id="90" name="Text Placeholder 25">
             <a:extLst>
               <a:ext uri="{FF2B5EF4-FFF2-40B4-BE49-F238E27FC236}">
-                <a16:creationId xmlns:a16="http://schemas.microsoft.com/office/drawing/2014/main" id="{779C1012-5E9A-445A-A070-2996C917FE76}"/>
+                <a16:creationId xmlns:a16="http://schemas.microsoft.com/office/drawing/2014/main" xmlns="" id="{779C1012-5E9A-445A-A070-2996C917FE76}"/>
               </a:ext>
             </a:extLst>
           </p:cNvPr>
@@ -3973,7 +3975,7 @@
           <p:cNvPr id="91" name="Text Placeholder 25">
             <a:extLst>
               <a:ext uri="{FF2B5EF4-FFF2-40B4-BE49-F238E27FC236}">
-                <a16:creationId xmlns:a16="http://schemas.microsoft.com/office/drawing/2014/main" id="{CCC7FF24-BEF0-4499-A96B-4F5CFADC2E32}"/>
+                <a16:creationId xmlns:a16="http://schemas.microsoft.com/office/drawing/2014/main" xmlns="" id="{CCC7FF24-BEF0-4499-A96B-4F5CFADC2E32}"/>
               </a:ext>
             </a:extLst>
           </p:cNvPr>
@@ -4040,7 +4042,7 @@
           <p:cNvPr id="92" name="Text Placeholder 25">
             <a:extLst>
               <a:ext uri="{FF2B5EF4-FFF2-40B4-BE49-F238E27FC236}">
-                <a16:creationId xmlns:a16="http://schemas.microsoft.com/office/drawing/2014/main" id="{BAF68B8B-4C12-49E1-95AF-0A838D8521E2}"/>
+                <a16:creationId xmlns:a16="http://schemas.microsoft.com/office/drawing/2014/main" xmlns="" id="{BAF68B8B-4C12-49E1-95AF-0A838D8521E2}"/>
               </a:ext>
             </a:extLst>
           </p:cNvPr>
@@ -4093,7 +4095,7 @@
           <p:cNvPr id="94" name="Text Placeholder 23">
             <a:extLst>
               <a:ext uri="{FF2B5EF4-FFF2-40B4-BE49-F238E27FC236}">
-                <a16:creationId xmlns:a16="http://schemas.microsoft.com/office/drawing/2014/main" id="{2BC8869F-5EAC-4954-9A64-16C540FA2349}"/>
+                <a16:creationId xmlns:a16="http://schemas.microsoft.com/office/drawing/2014/main" xmlns="" id="{2BC8869F-5EAC-4954-9A64-16C540FA2349}"/>
               </a:ext>
             </a:extLst>
           </p:cNvPr>
@@ -4171,7 +4173,7 @@
           <p:cNvPr id="96" name="Text Placeholder 23">
             <a:extLst>
               <a:ext uri="{FF2B5EF4-FFF2-40B4-BE49-F238E27FC236}">
-                <a16:creationId xmlns:a16="http://schemas.microsoft.com/office/drawing/2014/main" id="{F6C6ABB3-8BA9-459B-BC04-42C3AE3FBB28}"/>
+                <a16:creationId xmlns:a16="http://schemas.microsoft.com/office/drawing/2014/main" xmlns="" id="{F6C6ABB3-8BA9-459B-BC04-42C3AE3FBB28}"/>
               </a:ext>
             </a:extLst>
           </p:cNvPr>
@@ -4249,7 +4251,7 @@
           <p:cNvPr id="99" name="Text Placeholder 23">
             <a:extLst>
               <a:ext uri="{FF2B5EF4-FFF2-40B4-BE49-F238E27FC236}">
-                <a16:creationId xmlns:a16="http://schemas.microsoft.com/office/drawing/2014/main" id="{69BAC6DF-B0A8-492F-B73B-A48F8005E7F9}"/>
+                <a16:creationId xmlns:a16="http://schemas.microsoft.com/office/drawing/2014/main" xmlns="" id="{69BAC6DF-B0A8-492F-B73B-A48F8005E7F9}"/>
               </a:ext>
             </a:extLst>
           </p:cNvPr>
@@ -4327,7 +4329,7 @@
           <p:cNvPr id="100" name="Text Placeholder 23">
             <a:extLst>
               <a:ext uri="{FF2B5EF4-FFF2-40B4-BE49-F238E27FC236}">
-                <a16:creationId xmlns:a16="http://schemas.microsoft.com/office/drawing/2014/main" id="{0443213D-D641-4623-815C-9256CBB290BA}"/>
+                <a16:creationId xmlns:a16="http://schemas.microsoft.com/office/drawing/2014/main" xmlns="" id="{0443213D-D641-4623-815C-9256CBB290BA}"/>
               </a:ext>
             </a:extLst>
           </p:cNvPr>
@@ -4418,7 +4420,7 @@
           <p:cNvPr id="101" name="Text Placeholder 23">
             <a:extLst>
               <a:ext uri="{FF2B5EF4-FFF2-40B4-BE49-F238E27FC236}">
-                <a16:creationId xmlns:a16="http://schemas.microsoft.com/office/drawing/2014/main" id="{D74385A3-066B-4A7B-87EB-468D974A5ACD}"/>
+                <a16:creationId xmlns:a16="http://schemas.microsoft.com/office/drawing/2014/main" xmlns="" id="{D74385A3-066B-4A7B-87EB-468D974A5ACD}"/>
               </a:ext>
             </a:extLst>
           </p:cNvPr>
@@ -4496,7 +4498,7 @@
           <p:cNvPr id="102" name="Text Placeholder 23">
             <a:extLst>
               <a:ext uri="{FF2B5EF4-FFF2-40B4-BE49-F238E27FC236}">
-                <a16:creationId xmlns:a16="http://schemas.microsoft.com/office/drawing/2014/main" id="{097F26C6-916D-4971-AE86-0DDAD60BBC25}"/>
+                <a16:creationId xmlns:a16="http://schemas.microsoft.com/office/drawing/2014/main" xmlns="" id="{097F26C6-916D-4971-AE86-0DDAD60BBC25}"/>
               </a:ext>
             </a:extLst>
           </p:cNvPr>
@@ -4574,7 +4576,7 @@
           <p:cNvPr id="103" name="Text Placeholder 23">
             <a:extLst>
               <a:ext uri="{FF2B5EF4-FFF2-40B4-BE49-F238E27FC236}">
-                <a16:creationId xmlns:a16="http://schemas.microsoft.com/office/drawing/2014/main" id="{251610FA-124B-403C-8C78-B4DD0317392E}"/>
+                <a16:creationId xmlns:a16="http://schemas.microsoft.com/office/drawing/2014/main" xmlns="" id="{251610FA-124B-403C-8C78-B4DD0317392E}"/>
               </a:ext>
             </a:extLst>
           </p:cNvPr>
@@ -4652,7 +4654,7 @@
           <p:cNvPr id="104" name="Text Placeholder 23">
             <a:extLst>
               <a:ext uri="{FF2B5EF4-FFF2-40B4-BE49-F238E27FC236}">
-                <a16:creationId xmlns:a16="http://schemas.microsoft.com/office/drawing/2014/main" id="{036342B6-CC7F-45B3-95EC-B568F959959A}"/>
+                <a16:creationId xmlns:a16="http://schemas.microsoft.com/office/drawing/2014/main" xmlns="" id="{036342B6-CC7F-45B3-95EC-B568F959959A}"/>
               </a:ext>
             </a:extLst>
           </p:cNvPr>
@@ -4730,7 +4732,7 @@
           <p:cNvPr id="105" name="TextBox 104">
             <a:extLst>
               <a:ext uri="{FF2B5EF4-FFF2-40B4-BE49-F238E27FC236}">
-                <a16:creationId xmlns:a16="http://schemas.microsoft.com/office/drawing/2014/main" id="{5B0BBE2E-DF4A-496D-B036-C3F2E9B53401}"/>
+                <a16:creationId xmlns:a16="http://schemas.microsoft.com/office/drawing/2014/main" xmlns="" id="{5B0BBE2E-DF4A-496D-B036-C3F2E9B53401}"/>
               </a:ext>
             </a:extLst>
           </p:cNvPr>
@@ -4770,7 +4772,7 @@
           <p:cNvPr id="106" name="TextBox 105">
             <a:extLst>
               <a:ext uri="{FF2B5EF4-FFF2-40B4-BE49-F238E27FC236}">
-                <a16:creationId xmlns:a16="http://schemas.microsoft.com/office/drawing/2014/main" id="{D52AF755-3E25-4383-85B6-FAC563D69447}"/>
+                <a16:creationId xmlns:a16="http://schemas.microsoft.com/office/drawing/2014/main" xmlns="" id="{D52AF755-3E25-4383-85B6-FAC563D69447}"/>
               </a:ext>
             </a:extLst>
           </p:cNvPr>
@@ -4810,7 +4812,7 @@
           <p:cNvPr id="107" name="TextBox 106">
             <a:extLst>
               <a:ext uri="{FF2B5EF4-FFF2-40B4-BE49-F238E27FC236}">
-                <a16:creationId xmlns:a16="http://schemas.microsoft.com/office/drawing/2014/main" id="{00CA7A65-7EFD-4165-B424-200AB561AE3E}"/>
+                <a16:creationId xmlns:a16="http://schemas.microsoft.com/office/drawing/2014/main" xmlns="" id="{00CA7A65-7EFD-4165-B424-200AB561AE3E}"/>
               </a:ext>
             </a:extLst>
           </p:cNvPr>
@@ -4850,7 +4852,7 @@
           <p:cNvPr id="108" name="TextBox 107">
             <a:extLst>
               <a:ext uri="{FF2B5EF4-FFF2-40B4-BE49-F238E27FC236}">
-                <a16:creationId xmlns:a16="http://schemas.microsoft.com/office/drawing/2014/main" id="{1586D3C2-C8E7-413A-8B5F-0383B36CFC1C}"/>
+                <a16:creationId xmlns:a16="http://schemas.microsoft.com/office/drawing/2014/main" xmlns="" id="{1586D3C2-C8E7-413A-8B5F-0383B36CFC1C}"/>
               </a:ext>
             </a:extLst>
           </p:cNvPr>
@@ -4890,7 +4892,7 @@
           <p:cNvPr id="109" name="Text Placeholder 23">
             <a:extLst>
               <a:ext uri="{FF2B5EF4-FFF2-40B4-BE49-F238E27FC236}">
-                <a16:creationId xmlns:a16="http://schemas.microsoft.com/office/drawing/2014/main" id="{104C9C09-6BBE-4C3C-AC11-4F1E453BC81E}"/>
+                <a16:creationId xmlns:a16="http://schemas.microsoft.com/office/drawing/2014/main" xmlns="" id="{104C9C09-6BBE-4C3C-AC11-4F1E453BC81E}"/>
               </a:ext>
             </a:extLst>
           </p:cNvPr>
@@ -4968,7 +4970,7 @@
           <p:cNvPr id="110" name="Text Placeholder 23">
             <a:extLst>
               <a:ext uri="{FF2B5EF4-FFF2-40B4-BE49-F238E27FC236}">
-                <a16:creationId xmlns:a16="http://schemas.microsoft.com/office/drawing/2014/main" id="{88B6B475-5F6A-410A-8E2E-0F6809A2D235}"/>
+                <a16:creationId xmlns:a16="http://schemas.microsoft.com/office/drawing/2014/main" xmlns="" id="{88B6B475-5F6A-410A-8E2E-0F6809A2D235}"/>
               </a:ext>
             </a:extLst>
           </p:cNvPr>
@@ -5061,7 +5063,7 @@
           <p:cNvPr id="114" name="Text Placeholder 25">
             <a:extLst>
               <a:ext uri="{FF2B5EF4-FFF2-40B4-BE49-F238E27FC236}">
-                <a16:creationId xmlns:a16="http://schemas.microsoft.com/office/drawing/2014/main" id="{826C2B3C-7588-4693-99FC-8F46E7C4A75C}"/>
+                <a16:creationId xmlns:a16="http://schemas.microsoft.com/office/drawing/2014/main" xmlns="" id="{826C2B3C-7588-4693-99FC-8F46E7C4A75C}"/>
               </a:ext>
             </a:extLst>
           </p:cNvPr>
@@ -5114,7 +5116,7 @@
           <p:cNvPr id="115" name="Text Placeholder 25">
             <a:extLst>
               <a:ext uri="{FF2B5EF4-FFF2-40B4-BE49-F238E27FC236}">
-                <a16:creationId xmlns:a16="http://schemas.microsoft.com/office/drawing/2014/main" id="{AFB41D06-9BD3-4C5C-9088-BAF214F6FC9C}"/>
+                <a16:creationId xmlns:a16="http://schemas.microsoft.com/office/drawing/2014/main" xmlns="" id="{AFB41D06-9BD3-4C5C-9088-BAF214F6FC9C}"/>
               </a:ext>
             </a:extLst>
           </p:cNvPr>
@@ -5167,7 +5169,7 @@
           <p:cNvPr id="116" name="Text Placeholder 25">
             <a:extLst>
               <a:ext uri="{FF2B5EF4-FFF2-40B4-BE49-F238E27FC236}">
-                <a16:creationId xmlns:a16="http://schemas.microsoft.com/office/drawing/2014/main" id="{0CC085CE-3F7E-4219-9B5C-B9D51DBCEEB7}"/>
+                <a16:creationId xmlns:a16="http://schemas.microsoft.com/office/drawing/2014/main" xmlns="" id="{0CC085CE-3F7E-4219-9B5C-B9D51DBCEEB7}"/>
               </a:ext>
             </a:extLst>
           </p:cNvPr>
@@ -5220,7 +5222,7 @@
           <p:cNvPr id="117" name="Text Placeholder 25">
             <a:extLst>
               <a:ext uri="{FF2B5EF4-FFF2-40B4-BE49-F238E27FC236}">
-                <a16:creationId xmlns:a16="http://schemas.microsoft.com/office/drawing/2014/main" id="{2FE57C0F-EDF8-4234-8050-8BDB90B717AD}"/>
+                <a16:creationId xmlns:a16="http://schemas.microsoft.com/office/drawing/2014/main" xmlns="" id="{2FE57C0F-EDF8-4234-8050-8BDB90B717AD}"/>
               </a:ext>
             </a:extLst>
           </p:cNvPr>
@@ -5273,7 +5275,7 @@
           <p:cNvPr id="118" name="Text Placeholder 25">
             <a:extLst>
               <a:ext uri="{FF2B5EF4-FFF2-40B4-BE49-F238E27FC236}">
-                <a16:creationId xmlns:a16="http://schemas.microsoft.com/office/drawing/2014/main" id="{3418E616-A8E9-4324-830C-1735BF1F2A5A}"/>
+                <a16:creationId xmlns:a16="http://schemas.microsoft.com/office/drawing/2014/main" xmlns="" id="{3418E616-A8E9-4324-830C-1735BF1F2A5A}"/>
               </a:ext>
             </a:extLst>
           </p:cNvPr>
@@ -5326,7 +5328,7 @@
           <p:cNvPr id="123" name="Text Placeholder 23">
             <a:extLst>
               <a:ext uri="{FF2B5EF4-FFF2-40B4-BE49-F238E27FC236}">
-                <a16:creationId xmlns:a16="http://schemas.microsoft.com/office/drawing/2014/main" id="{F4247F58-BD1E-46AF-B903-CAE49A7BD5B4}"/>
+                <a16:creationId xmlns:a16="http://schemas.microsoft.com/office/drawing/2014/main" xmlns="" id="{F4247F58-BD1E-46AF-B903-CAE49A7BD5B4}"/>
               </a:ext>
             </a:extLst>
           </p:cNvPr>
@@ -5417,7 +5419,7 @@
           <p:cNvPr id="124" name="Text Placeholder 23">
             <a:extLst>
               <a:ext uri="{FF2B5EF4-FFF2-40B4-BE49-F238E27FC236}">
-                <a16:creationId xmlns:a16="http://schemas.microsoft.com/office/drawing/2014/main" id="{5D9FFB6E-78FB-4EC0-AA64-5307CC4968E7}"/>
+                <a16:creationId xmlns:a16="http://schemas.microsoft.com/office/drawing/2014/main" xmlns="" id="{5D9FFB6E-78FB-4EC0-AA64-5307CC4968E7}"/>
               </a:ext>
             </a:extLst>
           </p:cNvPr>
@@ -5497,7 +5499,7 @@
           <p:cNvPr id="125" name="Text Placeholder 23">
             <a:extLst>
               <a:ext uri="{FF2B5EF4-FFF2-40B4-BE49-F238E27FC236}">
-                <a16:creationId xmlns:a16="http://schemas.microsoft.com/office/drawing/2014/main" id="{035D20BD-EFD1-4613-8124-9F1C84AC9E86}"/>
+                <a16:creationId xmlns:a16="http://schemas.microsoft.com/office/drawing/2014/main" xmlns="" id="{035D20BD-EFD1-4613-8124-9F1C84AC9E86}"/>
               </a:ext>
             </a:extLst>
           </p:cNvPr>
@@ -5577,7 +5579,7 @@
           <p:cNvPr id="126" name="Text Placeholder 23">
             <a:extLst>
               <a:ext uri="{FF2B5EF4-FFF2-40B4-BE49-F238E27FC236}">
-                <a16:creationId xmlns:a16="http://schemas.microsoft.com/office/drawing/2014/main" id="{5C2A85FC-7450-464F-964C-B9F81DB550E2}"/>
+                <a16:creationId xmlns:a16="http://schemas.microsoft.com/office/drawing/2014/main" xmlns="" id="{5C2A85FC-7450-464F-964C-B9F81DB550E2}"/>
               </a:ext>
             </a:extLst>
           </p:cNvPr>
@@ -5657,7 +5659,7 @@
           <p:cNvPr id="127" name="Text Placeholder 23">
             <a:extLst>
               <a:ext uri="{FF2B5EF4-FFF2-40B4-BE49-F238E27FC236}">
-                <a16:creationId xmlns:a16="http://schemas.microsoft.com/office/drawing/2014/main" id="{9AE8E62D-6DD6-46DE-8573-F464845F1C26}"/>
+                <a16:creationId xmlns:a16="http://schemas.microsoft.com/office/drawing/2014/main" xmlns="" id="{9AE8E62D-6DD6-46DE-8573-F464845F1C26}"/>
               </a:ext>
             </a:extLst>
           </p:cNvPr>
@@ -5735,7 +5737,7 @@
           <p:cNvPr id="128" name="Text Placeholder 23">
             <a:extLst>
               <a:ext uri="{FF2B5EF4-FFF2-40B4-BE49-F238E27FC236}">
-                <a16:creationId xmlns:a16="http://schemas.microsoft.com/office/drawing/2014/main" id="{D4CBE8D9-EE4C-42D2-B3A5-2658625FE024}"/>
+                <a16:creationId xmlns:a16="http://schemas.microsoft.com/office/drawing/2014/main" xmlns="" id="{D4CBE8D9-EE4C-42D2-B3A5-2658625FE024}"/>
               </a:ext>
             </a:extLst>
           </p:cNvPr>
@@ -5813,7 +5815,7 @@
           <p:cNvPr id="129" name="Text Placeholder 23">
             <a:extLst>
               <a:ext uri="{FF2B5EF4-FFF2-40B4-BE49-F238E27FC236}">
-                <a16:creationId xmlns:a16="http://schemas.microsoft.com/office/drawing/2014/main" id="{8E993CEE-A24D-493F-B83A-E72FCC938AD1}"/>
+                <a16:creationId xmlns:a16="http://schemas.microsoft.com/office/drawing/2014/main" xmlns="" id="{8E993CEE-A24D-493F-B83A-E72FCC938AD1}"/>
               </a:ext>
             </a:extLst>
           </p:cNvPr>
@@ -5891,7 +5893,7 @@
           <p:cNvPr id="132" name="Text Placeholder 23">
             <a:extLst>
               <a:ext uri="{FF2B5EF4-FFF2-40B4-BE49-F238E27FC236}">
-                <a16:creationId xmlns:a16="http://schemas.microsoft.com/office/drawing/2014/main" id="{02743E3C-D84A-4927-97B5-ED320A5A36C2}"/>
+                <a16:creationId xmlns:a16="http://schemas.microsoft.com/office/drawing/2014/main" xmlns="" id="{02743E3C-D84A-4927-97B5-ED320A5A36C2}"/>
               </a:ext>
             </a:extLst>
           </p:cNvPr>
@@ -5971,7 +5973,7 @@
           <p:cNvPr id="133" name="Text Placeholder 23">
             <a:extLst>
               <a:ext uri="{FF2B5EF4-FFF2-40B4-BE49-F238E27FC236}">
-                <a16:creationId xmlns:a16="http://schemas.microsoft.com/office/drawing/2014/main" id="{89DA76F6-FC8D-48DE-90FF-6C80C71F4C3A}"/>
+                <a16:creationId xmlns:a16="http://schemas.microsoft.com/office/drawing/2014/main" xmlns="" id="{89DA76F6-FC8D-48DE-90FF-6C80C71F4C3A}"/>
               </a:ext>
             </a:extLst>
           </p:cNvPr>
@@ -6051,7 +6053,7 @@
           <p:cNvPr id="134" name="Text Placeholder 23">
             <a:extLst>
               <a:ext uri="{FF2B5EF4-FFF2-40B4-BE49-F238E27FC236}">
-                <a16:creationId xmlns:a16="http://schemas.microsoft.com/office/drawing/2014/main" id="{6C7A1BDF-1C8D-4EED-9FD4-69EB4918C16E}"/>
+                <a16:creationId xmlns:a16="http://schemas.microsoft.com/office/drawing/2014/main" xmlns="" id="{6C7A1BDF-1C8D-4EED-9FD4-69EB4918C16E}"/>
               </a:ext>
             </a:extLst>
           </p:cNvPr>
@@ -6131,7 +6133,7 @@
           <p:cNvPr id="135" name="Text Placeholder 23">
             <a:extLst>
               <a:ext uri="{FF2B5EF4-FFF2-40B4-BE49-F238E27FC236}">
-                <a16:creationId xmlns:a16="http://schemas.microsoft.com/office/drawing/2014/main" id="{1DBE2654-DB75-4AE0-A4B4-2F10363DB563}"/>
+                <a16:creationId xmlns:a16="http://schemas.microsoft.com/office/drawing/2014/main" xmlns="" id="{1DBE2654-DB75-4AE0-A4B4-2F10363DB563}"/>
               </a:ext>
             </a:extLst>
           </p:cNvPr>
@@ -6209,7 +6211,7 @@
           <p:cNvPr id="136" name="Text Placeholder 23">
             <a:extLst>
               <a:ext uri="{FF2B5EF4-FFF2-40B4-BE49-F238E27FC236}">
-                <a16:creationId xmlns:a16="http://schemas.microsoft.com/office/drawing/2014/main" id="{7C7C6B44-6FF8-4C7C-A472-6745CA7D10AC}"/>
+                <a16:creationId xmlns:a16="http://schemas.microsoft.com/office/drawing/2014/main" xmlns="" id="{7C7C6B44-6FF8-4C7C-A472-6745CA7D10AC}"/>
               </a:ext>
             </a:extLst>
           </p:cNvPr>
@@ -6288,7 +6290,7 @@
           <p:cNvPr id="137" name="Text Placeholder 23">
             <a:extLst>
               <a:ext uri="{FF2B5EF4-FFF2-40B4-BE49-F238E27FC236}">
-                <a16:creationId xmlns:a16="http://schemas.microsoft.com/office/drawing/2014/main" id="{369DE2E5-0521-4B5C-ACFC-5CB5FFC28560}"/>
+                <a16:creationId xmlns:a16="http://schemas.microsoft.com/office/drawing/2014/main" xmlns="" id="{369DE2E5-0521-4B5C-ACFC-5CB5FFC28560}"/>
               </a:ext>
             </a:extLst>
           </p:cNvPr>
@@ -6366,7 +6368,7 @@
           <p:cNvPr id="142" name="Text Placeholder 23">
             <a:extLst>
               <a:ext uri="{FF2B5EF4-FFF2-40B4-BE49-F238E27FC236}">
-                <a16:creationId xmlns:a16="http://schemas.microsoft.com/office/drawing/2014/main" id="{B5578DF7-86B8-4C84-9FFF-C066EC3BECB6}"/>
+                <a16:creationId xmlns:a16="http://schemas.microsoft.com/office/drawing/2014/main" xmlns="" id="{B5578DF7-86B8-4C84-9FFF-C066EC3BECB6}"/>
               </a:ext>
             </a:extLst>
           </p:cNvPr>
@@ -6446,7 +6448,7 @@
           <p:cNvPr id="143" name="Text Placeholder 23">
             <a:extLst>
               <a:ext uri="{FF2B5EF4-FFF2-40B4-BE49-F238E27FC236}">
-                <a16:creationId xmlns:a16="http://schemas.microsoft.com/office/drawing/2014/main" id="{EE6AC66A-3B0B-4D94-B23C-16AE67236B6D}"/>
+                <a16:creationId xmlns:a16="http://schemas.microsoft.com/office/drawing/2014/main" xmlns="" id="{EE6AC66A-3B0B-4D94-B23C-16AE67236B6D}"/>
               </a:ext>
             </a:extLst>
           </p:cNvPr>
@@ -6535,7 +6537,7 @@
           <p:cNvPr id="144" name="Text Placeholder 23">
             <a:extLst>
               <a:ext uri="{FF2B5EF4-FFF2-40B4-BE49-F238E27FC236}">
-                <a16:creationId xmlns:a16="http://schemas.microsoft.com/office/drawing/2014/main" id="{1595FCF3-BDE7-4071-83E3-B0C8EB365A69}"/>
+                <a16:creationId xmlns:a16="http://schemas.microsoft.com/office/drawing/2014/main" xmlns="" id="{1595FCF3-BDE7-4071-83E3-B0C8EB365A69}"/>
               </a:ext>
             </a:extLst>
           </p:cNvPr>
@@ -6626,7 +6628,7 @@
           <p:cNvPr id="146" name="Text Placeholder 23">
             <a:extLst>
               <a:ext uri="{FF2B5EF4-FFF2-40B4-BE49-F238E27FC236}">
-                <a16:creationId xmlns:a16="http://schemas.microsoft.com/office/drawing/2014/main" id="{3D3AB92B-A069-4C0C-A616-81E4D5C7CDFA}"/>
+                <a16:creationId xmlns:a16="http://schemas.microsoft.com/office/drawing/2014/main" xmlns="" id="{3D3AB92B-A069-4C0C-A616-81E4D5C7CDFA}"/>
               </a:ext>
             </a:extLst>
           </p:cNvPr>
@@ -6704,7 +6706,7 @@
           <p:cNvPr id="148" name="Text Placeholder 23">
             <a:extLst>
               <a:ext uri="{FF2B5EF4-FFF2-40B4-BE49-F238E27FC236}">
-                <a16:creationId xmlns:a16="http://schemas.microsoft.com/office/drawing/2014/main" id="{A688E982-23DF-4811-B361-93160DDE8063}"/>
+                <a16:creationId xmlns:a16="http://schemas.microsoft.com/office/drawing/2014/main" xmlns="" id="{A688E982-23DF-4811-B361-93160DDE8063}"/>
               </a:ext>
             </a:extLst>
           </p:cNvPr>
@@ -6784,7 +6786,7 @@
           <p:cNvPr id="149" name="Text Placeholder 23">
             <a:extLst>
               <a:ext uri="{FF2B5EF4-FFF2-40B4-BE49-F238E27FC236}">
-                <a16:creationId xmlns:a16="http://schemas.microsoft.com/office/drawing/2014/main" id="{7593BC5E-E0B2-4C3A-A222-6E7609C44387}"/>
+                <a16:creationId xmlns:a16="http://schemas.microsoft.com/office/drawing/2014/main" xmlns="" id="{7593BC5E-E0B2-4C3A-A222-6E7609C44387}"/>
               </a:ext>
             </a:extLst>
           </p:cNvPr>
@@ -6864,7 +6866,7 @@
           <p:cNvPr id="150" name="Text Placeholder 23">
             <a:extLst>
               <a:ext uri="{FF2B5EF4-FFF2-40B4-BE49-F238E27FC236}">
-                <a16:creationId xmlns:a16="http://schemas.microsoft.com/office/drawing/2014/main" id="{A65DDB49-F65C-46EF-A777-563D8C81F139}"/>
+                <a16:creationId xmlns:a16="http://schemas.microsoft.com/office/drawing/2014/main" xmlns="" id="{A65DDB49-F65C-46EF-A777-563D8C81F139}"/>
               </a:ext>
             </a:extLst>
           </p:cNvPr>
@@ -6944,7 +6946,7 @@
           <p:cNvPr id="151" name="Text Placeholder 23">
             <a:extLst>
               <a:ext uri="{FF2B5EF4-FFF2-40B4-BE49-F238E27FC236}">
-                <a16:creationId xmlns:a16="http://schemas.microsoft.com/office/drawing/2014/main" id="{681317C5-5892-4BC2-8102-C28563E87E5C}"/>
+                <a16:creationId xmlns:a16="http://schemas.microsoft.com/office/drawing/2014/main" xmlns="" id="{681317C5-5892-4BC2-8102-C28563E87E5C}"/>
               </a:ext>
             </a:extLst>
           </p:cNvPr>
@@ -7020,7 +7022,7 @@
     </p:spTree>
     <p:extLst>
       <p:ext uri="{BB962C8B-B14F-4D97-AF65-F5344CB8AC3E}">
-        <p14:creationId xmlns:p14="http://schemas.microsoft.com/office/powerpoint/2010/main" val="3316345499"/>
+        <p14:creationId xmlns:p14="http://schemas.microsoft.com/office/powerpoint/2010/main" xmlns="" val="3316345499"/>
       </p:ext>
     </p:extLst>
   </p:cSld>
@@ -7057,7 +7059,7 @@
           <p:cNvPr id="2" name="Title Placeholder 1">
             <a:extLst>
               <a:ext uri="{FF2B5EF4-FFF2-40B4-BE49-F238E27FC236}">
-                <a16:creationId xmlns:a16="http://schemas.microsoft.com/office/drawing/2014/main" id="{48E49AC2-54E3-4607-8D5D-23B3B2EDFDF0}"/>
+                <a16:creationId xmlns:a16="http://schemas.microsoft.com/office/drawing/2014/main" xmlns="" id="{48E49AC2-54E3-4607-8D5D-23B3B2EDFDF0}"/>
               </a:ext>
             </a:extLst>
           </p:cNvPr>
@@ -7095,7 +7097,7 @@
           <p:cNvPr id="3" name="Text Placeholder 2">
             <a:extLst>
               <a:ext uri="{FF2B5EF4-FFF2-40B4-BE49-F238E27FC236}">
-                <a16:creationId xmlns:a16="http://schemas.microsoft.com/office/drawing/2014/main" id="{937F57C1-05F3-4189-8FD2-935BB34D1C53}"/>
+                <a16:creationId xmlns:a16="http://schemas.microsoft.com/office/drawing/2014/main" xmlns="" id="{937F57C1-05F3-4189-8FD2-935BB34D1C53}"/>
               </a:ext>
             </a:extLst>
           </p:cNvPr>
@@ -7162,7 +7164,7 @@
           <p:cNvPr id="4" name="Date Placeholder 3">
             <a:extLst>
               <a:ext uri="{FF2B5EF4-FFF2-40B4-BE49-F238E27FC236}">
-                <a16:creationId xmlns:a16="http://schemas.microsoft.com/office/drawing/2014/main" id="{10D3EC80-8D38-43E2-92B6-451817541ECA}"/>
+                <a16:creationId xmlns:a16="http://schemas.microsoft.com/office/drawing/2014/main" xmlns="" id="{10D3EC80-8D38-43E2-92B6-451817541ECA}"/>
               </a:ext>
             </a:extLst>
           </p:cNvPr>
@@ -7198,7 +7200,8 @@
           <a:p>
             <a:fld id="{902AD433-F5B6-43A3-8DE6-1382B3149F77}" type="datetimeFigureOut">
               <a:rPr lang="en-US" smtClean="0"/>
-              <a:t>19-Jun-21</a:t>
+              <a:pPr/>
+              <a:t>6/19/2021</a:t>
             </a:fld>
             <a:endParaRPr lang="en-US" dirty="0"/>
           </a:p>
@@ -7209,7 +7212,7 @@
           <p:cNvPr id="5" name="Footer Placeholder 4">
             <a:extLst>
               <a:ext uri="{FF2B5EF4-FFF2-40B4-BE49-F238E27FC236}">
-                <a16:creationId xmlns:a16="http://schemas.microsoft.com/office/drawing/2014/main" id="{636E806D-70B9-456E-A58D-37D97E328EE8}"/>
+                <a16:creationId xmlns:a16="http://schemas.microsoft.com/office/drawing/2014/main" xmlns="" id="{636E806D-70B9-456E-A58D-37D97E328EE8}"/>
               </a:ext>
             </a:extLst>
           </p:cNvPr>
@@ -7252,7 +7255,7 @@
           <p:cNvPr id="6" name="Slide Number Placeholder 5">
             <a:extLst>
               <a:ext uri="{FF2B5EF4-FFF2-40B4-BE49-F238E27FC236}">
-                <a16:creationId xmlns:a16="http://schemas.microsoft.com/office/drawing/2014/main" id="{37B4D4D1-68FB-4DD7-B491-AC7FBD5B40BC}"/>
+                <a16:creationId xmlns:a16="http://schemas.microsoft.com/office/drawing/2014/main" xmlns="" id="{37B4D4D1-68FB-4DD7-B491-AC7FBD5B40BC}"/>
               </a:ext>
             </a:extLst>
           </p:cNvPr>
@@ -7288,6 +7291,7 @@
           <a:p>
             <a:fld id="{D42A3127-37F5-4919-89B8-3E15262EA870}" type="slidenum">
               <a:rPr lang="en-US" smtClean="0"/>
+              <a:pPr/>
               <a:t>‹#›</a:t>
             </a:fld>
             <a:endParaRPr lang="en-US" dirty="0"/>
@@ -7297,7 +7301,7 @@
     </p:spTree>
     <p:extLst>
       <p:ext uri="{BB962C8B-B14F-4D97-AF65-F5344CB8AC3E}">
-        <p14:creationId xmlns:p14="http://schemas.microsoft.com/office/powerpoint/2010/main" val="768617191"/>
+        <p14:creationId xmlns:p14="http://schemas.microsoft.com/office/powerpoint/2010/main" xmlns="" val="768617191"/>
       </p:ext>
     </p:extLst>
   </p:cSld>
@@ -7610,10 +7614,10 @@
           <p:cNvPr id="470" name="Straight Connector 469">
             <a:extLst>
               <a:ext uri="{FF2B5EF4-FFF2-40B4-BE49-F238E27FC236}">
-                <a16:creationId xmlns:a16="http://schemas.microsoft.com/office/drawing/2014/main" id="{4092DABB-F8DD-43AC-9366-32F01C3E4EA1}"/>
+                <a16:creationId xmlns:a16="http://schemas.microsoft.com/office/drawing/2014/main" xmlns="" id="{4092DABB-F8DD-43AC-9366-32F01C3E4EA1}"/>
               </a:ext>
               <a:ext uri="{C183D7F6-B498-43B3-948B-1728B52AA6E4}">
-                <adec:decorative xmlns:adec="http://schemas.microsoft.com/office/drawing/2017/decorative" val="1"/>
+                <adec:decorative xmlns:adec="http://schemas.microsoft.com/office/drawing/2017/decorative" xmlns="" val="1"/>
               </a:ext>
             </a:extLst>
           </p:cNvPr>
@@ -7654,10 +7658,10 @@
           <p:cNvPr id="471" name="Straight Connector 470">
             <a:extLst>
               <a:ext uri="{FF2B5EF4-FFF2-40B4-BE49-F238E27FC236}">
-                <a16:creationId xmlns:a16="http://schemas.microsoft.com/office/drawing/2014/main" id="{E7C09CBB-8F4B-4E7C-A94F-0D2639635E3D}"/>
+                <a16:creationId xmlns:a16="http://schemas.microsoft.com/office/drawing/2014/main" xmlns="" id="{E7C09CBB-8F4B-4E7C-A94F-0D2639635E3D}"/>
               </a:ext>
               <a:ext uri="{C183D7F6-B498-43B3-948B-1728B52AA6E4}">
-                <adec:decorative xmlns:adec="http://schemas.microsoft.com/office/drawing/2017/decorative" val="1"/>
+                <adec:decorative xmlns:adec="http://schemas.microsoft.com/office/drawing/2017/decorative" xmlns="" val="1"/>
               </a:ext>
             </a:extLst>
           </p:cNvPr>
@@ -7698,10 +7702,10 @@
           <p:cNvPr id="472" name="Rectangle 471">
             <a:extLst>
               <a:ext uri="{FF2B5EF4-FFF2-40B4-BE49-F238E27FC236}">
-                <a16:creationId xmlns:a16="http://schemas.microsoft.com/office/drawing/2014/main" id="{F162A0A5-A648-4660-B0BB-A363DFAB5225}"/>
+                <a16:creationId xmlns:a16="http://schemas.microsoft.com/office/drawing/2014/main" xmlns="" id="{F162A0A5-A648-4660-B0BB-A363DFAB5225}"/>
               </a:ext>
               <a:ext uri="{C183D7F6-B498-43B3-948B-1728B52AA6E4}">
-                <adec:decorative xmlns:adec="http://schemas.microsoft.com/office/drawing/2017/decorative" val="1"/>
+                <adec:decorative xmlns:adec="http://schemas.microsoft.com/office/drawing/2017/decorative" xmlns="" val="1"/>
               </a:ext>
             </a:extLst>
           </p:cNvPr>
@@ -7753,10 +7757,10 @@
           <p:cNvPr id="473" name="Rectangle 472">
             <a:extLst>
               <a:ext uri="{FF2B5EF4-FFF2-40B4-BE49-F238E27FC236}">
-                <a16:creationId xmlns:a16="http://schemas.microsoft.com/office/drawing/2014/main" id="{5BA792DE-CAFF-4E1B-B9EE-F8A8F16FCBA2}"/>
+                <a16:creationId xmlns:a16="http://schemas.microsoft.com/office/drawing/2014/main" xmlns="" id="{5BA792DE-CAFF-4E1B-B9EE-F8A8F16FCBA2}"/>
               </a:ext>
               <a:ext uri="{C183D7F6-B498-43B3-948B-1728B52AA6E4}">
-                <adec:decorative xmlns:adec="http://schemas.microsoft.com/office/drawing/2017/decorative" val="1"/>
+                <adec:decorative xmlns:adec="http://schemas.microsoft.com/office/drawing/2017/decorative" xmlns="" val="1"/>
               </a:ext>
             </a:extLst>
           </p:cNvPr>
@@ -7808,10 +7812,10 @@
           <p:cNvPr id="474" name="Straight Connector 473">
             <a:extLst>
               <a:ext uri="{FF2B5EF4-FFF2-40B4-BE49-F238E27FC236}">
-                <a16:creationId xmlns:a16="http://schemas.microsoft.com/office/drawing/2014/main" id="{35119FA5-DC04-48DB-8FB7-D247F3E4E6B5}"/>
+                <a16:creationId xmlns:a16="http://schemas.microsoft.com/office/drawing/2014/main" xmlns="" id="{35119FA5-DC04-48DB-8FB7-D247F3E4E6B5}"/>
               </a:ext>
               <a:ext uri="{C183D7F6-B498-43B3-948B-1728B52AA6E4}">
-                <adec:decorative xmlns:adec="http://schemas.microsoft.com/office/drawing/2017/decorative" val="1"/>
+                <adec:decorative xmlns:adec="http://schemas.microsoft.com/office/drawing/2017/decorative" xmlns="" val="1"/>
               </a:ext>
             </a:extLst>
           </p:cNvPr>
@@ -7855,10 +7859,10 @@
           <p:cNvPr id="475" name="Oval 474">
             <a:extLst>
               <a:ext uri="{FF2B5EF4-FFF2-40B4-BE49-F238E27FC236}">
-                <a16:creationId xmlns:a16="http://schemas.microsoft.com/office/drawing/2014/main" id="{E3901148-098C-4991-9FF6-D700013EC2C4}"/>
+                <a16:creationId xmlns:a16="http://schemas.microsoft.com/office/drawing/2014/main" xmlns="" id="{E3901148-098C-4991-9FF6-D700013EC2C4}"/>
               </a:ext>
               <a:ext uri="{C183D7F6-B498-43B3-948B-1728B52AA6E4}">
-                <adec:decorative xmlns:adec="http://schemas.microsoft.com/office/drawing/2017/decorative" val="1"/>
+                <adec:decorative xmlns:adec="http://schemas.microsoft.com/office/drawing/2017/decorative" xmlns="" val="1"/>
               </a:ext>
             </a:extLst>
           </p:cNvPr>
@@ -7912,10 +7916,10 @@
           <p:cNvPr id="476" name="Oval 475">
             <a:extLst>
               <a:ext uri="{FF2B5EF4-FFF2-40B4-BE49-F238E27FC236}">
-                <a16:creationId xmlns:a16="http://schemas.microsoft.com/office/drawing/2014/main" id="{E0A55CCA-CB9E-4D01-B9CD-018CCDEAB374}"/>
+                <a16:creationId xmlns:a16="http://schemas.microsoft.com/office/drawing/2014/main" xmlns="" id="{E0A55CCA-CB9E-4D01-B9CD-018CCDEAB374}"/>
               </a:ext>
               <a:ext uri="{C183D7F6-B498-43B3-948B-1728B52AA6E4}">
-                <adec:decorative xmlns:adec="http://schemas.microsoft.com/office/drawing/2017/decorative" val="1"/>
+                <adec:decorative xmlns:adec="http://schemas.microsoft.com/office/drawing/2017/decorative" xmlns="" val="1"/>
               </a:ext>
             </a:extLst>
           </p:cNvPr>
@@ -7969,10 +7973,10 @@
           <p:cNvPr id="477" name="Oval 476">
             <a:extLst>
               <a:ext uri="{FF2B5EF4-FFF2-40B4-BE49-F238E27FC236}">
-                <a16:creationId xmlns:a16="http://schemas.microsoft.com/office/drawing/2014/main" id="{649258D8-16E5-42DF-8F24-F85332A8572F}"/>
+                <a16:creationId xmlns:a16="http://schemas.microsoft.com/office/drawing/2014/main" xmlns="" id="{649258D8-16E5-42DF-8F24-F85332A8572F}"/>
               </a:ext>
               <a:ext uri="{C183D7F6-B498-43B3-948B-1728B52AA6E4}">
-                <adec:decorative xmlns:adec="http://schemas.microsoft.com/office/drawing/2017/decorative" val="1"/>
+                <adec:decorative xmlns:adec="http://schemas.microsoft.com/office/drawing/2017/decorative" xmlns="" val="1"/>
               </a:ext>
             </a:extLst>
           </p:cNvPr>
@@ -8026,10 +8030,10 @@
           <p:cNvPr id="478" name="Oval 477">
             <a:extLst>
               <a:ext uri="{FF2B5EF4-FFF2-40B4-BE49-F238E27FC236}">
-                <a16:creationId xmlns:a16="http://schemas.microsoft.com/office/drawing/2014/main" id="{822BED2B-385D-45D9-BFD9-52A10BBCD4FC}"/>
+                <a16:creationId xmlns:a16="http://schemas.microsoft.com/office/drawing/2014/main" xmlns="" id="{822BED2B-385D-45D9-BFD9-52A10BBCD4FC}"/>
               </a:ext>
               <a:ext uri="{C183D7F6-B498-43B3-948B-1728B52AA6E4}">
-                <adec:decorative xmlns:adec="http://schemas.microsoft.com/office/drawing/2017/decorative" val="1"/>
+                <adec:decorative xmlns:adec="http://schemas.microsoft.com/office/drawing/2017/decorative" xmlns="" val="1"/>
               </a:ext>
             </a:extLst>
           </p:cNvPr>
@@ -8084,10 +8088,10 @@
           <p:cNvPr id="479" name="Rectangle 478">
             <a:extLst>
               <a:ext uri="{FF2B5EF4-FFF2-40B4-BE49-F238E27FC236}">
-                <a16:creationId xmlns:a16="http://schemas.microsoft.com/office/drawing/2014/main" id="{C22FDB23-5756-47B5-BEC0-A117F81D5574}"/>
+                <a16:creationId xmlns:a16="http://schemas.microsoft.com/office/drawing/2014/main" xmlns="" id="{C22FDB23-5756-47B5-BEC0-A117F81D5574}"/>
               </a:ext>
               <a:ext uri="{C183D7F6-B498-43B3-948B-1728B52AA6E4}">
-                <adec:decorative xmlns:adec="http://schemas.microsoft.com/office/drawing/2017/decorative" val="1"/>
+                <adec:decorative xmlns:adec="http://schemas.microsoft.com/office/drawing/2017/decorative" xmlns="" val="1"/>
               </a:ext>
             </a:extLst>
           </p:cNvPr>
@@ -8139,10 +8143,10 @@
           <p:cNvPr id="480" name="Rectangle 479">
             <a:extLst>
               <a:ext uri="{FF2B5EF4-FFF2-40B4-BE49-F238E27FC236}">
-                <a16:creationId xmlns:a16="http://schemas.microsoft.com/office/drawing/2014/main" id="{DD6413B2-70A1-40A5-A408-8D591B050EDE}"/>
+                <a16:creationId xmlns:a16="http://schemas.microsoft.com/office/drawing/2014/main" xmlns="" id="{DD6413B2-70A1-40A5-A408-8D591B050EDE}"/>
               </a:ext>
               <a:ext uri="{C183D7F6-B498-43B3-948B-1728B52AA6E4}">
-                <adec:decorative xmlns:adec="http://schemas.microsoft.com/office/drawing/2017/decorative" val="1"/>
+                <adec:decorative xmlns:adec="http://schemas.microsoft.com/office/drawing/2017/decorative" xmlns="" val="1"/>
               </a:ext>
             </a:extLst>
           </p:cNvPr>
@@ -8194,10 +8198,10 @@
           <p:cNvPr id="481" name="Graphic 480">
             <a:extLst>
               <a:ext uri="{FF2B5EF4-FFF2-40B4-BE49-F238E27FC236}">
-                <a16:creationId xmlns:a16="http://schemas.microsoft.com/office/drawing/2014/main" id="{C4F53124-987E-468C-A8ED-1F4827218138}"/>
+                <a16:creationId xmlns:a16="http://schemas.microsoft.com/office/drawing/2014/main" xmlns="" id="{C4F53124-987E-468C-A8ED-1F4827218138}"/>
               </a:ext>
               <a:ext uri="{C183D7F6-B498-43B3-948B-1728B52AA6E4}">
-                <adec:decorative xmlns:adec="http://schemas.microsoft.com/office/drawing/2017/decorative" val="1"/>
+                <adec:decorative xmlns:adec="http://schemas.microsoft.com/office/drawing/2017/decorative" xmlns="" val="1"/>
               </a:ext>
             </a:extLst>
           </p:cNvPr>
@@ -8207,10 +8211,10 @@
           <p:nvPr/>
         </p:nvPicPr>
         <p:blipFill rotWithShape="1">
-          <a:blip r:embed="rId2">
+          <a:blip r:embed="rId2" cstate="print">
             <a:extLst>
               <a:ext uri="{96DAC541-7B7A-43D3-8B79-37D633B846F1}">
-                <asvg:svgBlip xmlns:asvg="http://schemas.microsoft.com/office/drawing/2016/SVG/main" r:embed="rId3"/>
+                <asvg:svgBlip xmlns:asvg="http://schemas.microsoft.com/office/drawing/2016/SVG/main" xmlns="" r:embed="rId3"/>
               </a:ext>
             </a:extLst>
           </a:blip>
@@ -8232,10 +8236,10 @@
           <p:cNvPr id="485" name="Graphic 484">
             <a:extLst>
               <a:ext uri="{FF2B5EF4-FFF2-40B4-BE49-F238E27FC236}">
-                <a16:creationId xmlns:a16="http://schemas.microsoft.com/office/drawing/2014/main" id="{01B451BF-1055-4DBD-B482-04F859E39ECD}"/>
+                <a16:creationId xmlns:a16="http://schemas.microsoft.com/office/drawing/2014/main" xmlns="" id="{01B451BF-1055-4DBD-B482-04F859E39ECD}"/>
               </a:ext>
               <a:ext uri="{C183D7F6-B498-43B3-948B-1728B52AA6E4}">
-                <adec:decorative xmlns:adec="http://schemas.microsoft.com/office/drawing/2017/decorative" val="1"/>
+                <adec:decorative xmlns:adec="http://schemas.microsoft.com/office/drawing/2017/decorative" xmlns="" val="1"/>
               </a:ext>
             </a:extLst>
           </p:cNvPr>
@@ -8245,10 +8249,10 @@
           <p:nvPr/>
         </p:nvPicPr>
         <p:blipFill>
-          <a:blip r:embed="rId4">
+          <a:blip r:embed="rId4" cstate="print">
             <a:extLst>
               <a:ext uri="{96DAC541-7B7A-43D3-8B79-37D633B846F1}">
-                <asvg:svgBlip xmlns:asvg="http://schemas.microsoft.com/office/drawing/2016/SVG/main" r:embed="rId5"/>
+                <asvg:svgBlip xmlns:asvg="http://schemas.microsoft.com/office/drawing/2016/SVG/main" xmlns="" r:embed="rId5"/>
               </a:ext>
             </a:extLst>
           </a:blip>
@@ -8271,10 +8275,10 @@
           <p:cNvPr id="486" name="Graphic 485">
             <a:extLst>
               <a:ext uri="{FF2B5EF4-FFF2-40B4-BE49-F238E27FC236}">
-                <a16:creationId xmlns:a16="http://schemas.microsoft.com/office/drawing/2014/main" id="{80F5A396-F807-4E18-8F76-5524E7BBDA4B}"/>
+                <a16:creationId xmlns:a16="http://schemas.microsoft.com/office/drawing/2014/main" xmlns="" id="{80F5A396-F807-4E18-8F76-5524E7BBDA4B}"/>
               </a:ext>
               <a:ext uri="{C183D7F6-B498-43B3-948B-1728B52AA6E4}">
-                <adec:decorative xmlns:adec="http://schemas.microsoft.com/office/drawing/2017/decorative" val="1"/>
+                <adec:decorative xmlns:adec="http://schemas.microsoft.com/office/drawing/2017/decorative" xmlns="" val="1"/>
               </a:ext>
             </a:extLst>
           </p:cNvPr>
@@ -8284,10 +8288,10 @@
           <p:nvPr/>
         </p:nvPicPr>
         <p:blipFill>
-          <a:blip r:embed="rId6">
+          <a:blip r:embed="rId6" cstate="print">
             <a:extLst>
               <a:ext uri="{96DAC541-7B7A-43D3-8B79-37D633B846F1}">
-                <asvg:svgBlip xmlns:asvg="http://schemas.microsoft.com/office/drawing/2016/SVG/main" r:embed="rId7"/>
+                <asvg:svgBlip xmlns:asvg="http://schemas.microsoft.com/office/drawing/2016/SVG/main" xmlns="" r:embed="rId7"/>
               </a:ext>
             </a:extLst>
           </a:blip>
@@ -8310,10 +8314,10 @@
           <p:cNvPr id="488" name="Graphic 487">
             <a:extLst>
               <a:ext uri="{FF2B5EF4-FFF2-40B4-BE49-F238E27FC236}">
-                <a16:creationId xmlns:a16="http://schemas.microsoft.com/office/drawing/2014/main" id="{6661D065-65E3-48B0-88F2-B4D61A37A8F2}"/>
+                <a16:creationId xmlns:a16="http://schemas.microsoft.com/office/drawing/2014/main" xmlns="" id="{6661D065-65E3-48B0-88F2-B4D61A37A8F2}"/>
               </a:ext>
               <a:ext uri="{C183D7F6-B498-43B3-948B-1728B52AA6E4}">
-                <adec:decorative xmlns:adec="http://schemas.microsoft.com/office/drawing/2017/decorative" val="1"/>
+                <adec:decorative xmlns:adec="http://schemas.microsoft.com/office/drawing/2017/decorative" xmlns="" val="1"/>
               </a:ext>
             </a:extLst>
           </p:cNvPr>
@@ -8323,10 +8327,10 @@
           <p:nvPr/>
         </p:nvPicPr>
         <p:blipFill>
-          <a:blip r:embed="rId8">
+          <a:blip r:embed="rId8" cstate="print">
             <a:extLst>
               <a:ext uri="{96DAC541-7B7A-43D3-8B79-37D633B846F1}">
-                <asvg:svgBlip xmlns:asvg="http://schemas.microsoft.com/office/drawing/2016/SVG/main" r:embed="rId9"/>
+                <asvg:svgBlip xmlns:asvg="http://schemas.microsoft.com/office/drawing/2016/SVG/main" xmlns="" r:embed="rId9"/>
               </a:ext>
             </a:extLst>
           </a:blip>
@@ -8349,10 +8353,10 @@
           <p:cNvPr id="489" name="Rectangle 488">
             <a:extLst>
               <a:ext uri="{FF2B5EF4-FFF2-40B4-BE49-F238E27FC236}">
-                <a16:creationId xmlns:a16="http://schemas.microsoft.com/office/drawing/2014/main" id="{EE520458-D50C-424E-9F43-6280ECAC4AE3}"/>
+                <a16:creationId xmlns:a16="http://schemas.microsoft.com/office/drawing/2014/main" xmlns="" id="{EE520458-D50C-424E-9F43-6280ECAC4AE3}"/>
               </a:ext>
               <a:ext uri="{C183D7F6-B498-43B3-948B-1728B52AA6E4}">
-                <adec:decorative xmlns:adec="http://schemas.microsoft.com/office/drawing/2017/decorative" val="1"/>
+                <adec:decorative xmlns:adec="http://schemas.microsoft.com/office/drawing/2017/decorative" xmlns="" val="1"/>
               </a:ext>
             </a:extLst>
           </p:cNvPr>
@@ -8406,10 +8410,10 @@
           <p:cNvPr id="490" name="Group 489">
             <a:extLst>
               <a:ext uri="{FF2B5EF4-FFF2-40B4-BE49-F238E27FC236}">
-                <a16:creationId xmlns:a16="http://schemas.microsoft.com/office/drawing/2014/main" id="{B3F6117A-70E2-47B6-AC17-46244DDDD2E8}"/>
+                <a16:creationId xmlns:a16="http://schemas.microsoft.com/office/drawing/2014/main" xmlns="" id="{B3F6117A-70E2-47B6-AC17-46244DDDD2E8}"/>
               </a:ext>
               <a:ext uri="{C183D7F6-B498-43B3-948B-1728B52AA6E4}">
-                <adec:decorative xmlns:adec="http://schemas.microsoft.com/office/drawing/2017/decorative" val="1"/>
+                <adec:decorative xmlns:adec="http://schemas.microsoft.com/office/drawing/2017/decorative" xmlns="" val="1"/>
               </a:ext>
             </a:extLst>
           </p:cNvPr>
@@ -8429,12 +8433,12 @@
             <p:cNvPr id="491" name="Straight Connector 490">
               <a:extLst>
                 <a:ext uri="{FF2B5EF4-FFF2-40B4-BE49-F238E27FC236}">
-                  <a16:creationId xmlns:a16="http://schemas.microsoft.com/office/drawing/2014/main" id="{C7A41420-A625-489C-8137-02028547EE1F}"/>
+                  <a16:creationId xmlns:a16="http://schemas.microsoft.com/office/drawing/2014/main" xmlns="" id="{C7A41420-A625-489C-8137-02028547EE1F}"/>
                 </a:ext>
               </a:extLst>
             </p:cNvPr>
             <p:cNvCxnSpPr/>
-            <p:nvPr userDrawn="1"/>
+            <p:nvPr/>
           </p:nvCxnSpPr>
           <p:spPr>
             <a:xfrm>
@@ -8470,23 +8474,23 @@
             <p:cNvPr id="492" name="Graphic 491">
               <a:extLst>
                 <a:ext uri="{FF2B5EF4-FFF2-40B4-BE49-F238E27FC236}">
-                  <a16:creationId xmlns:a16="http://schemas.microsoft.com/office/drawing/2014/main" id="{85C2B050-C6EA-4357-9F63-18670C13B812}"/>
+                  <a16:creationId xmlns:a16="http://schemas.microsoft.com/office/drawing/2014/main" xmlns="" id="{85C2B050-C6EA-4357-9F63-18670C13B812}"/>
                 </a:ext>
                 <a:ext uri="{C183D7F6-B498-43B3-948B-1728B52AA6E4}">
-                  <adec:decorative xmlns:adec="http://schemas.microsoft.com/office/drawing/2017/decorative" val="1"/>
+                  <adec:decorative xmlns:adec="http://schemas.microsoft.com/office/drawing/2017/decorative" xmlns="" val="1"/>
                 </a:ext>
               </a:extLst>
             </p:cNvPr>
             <p:cNvPicPr>
               <a:picLocks noChangeAspect="1"/>
             </p:cNvPicPr>
-            <p:nvPr userDrawn="1"/>
+            <p:nvPr/>
           </p:nvPicPr>
           <p:blipFill>
-            <a:blip r:embed="rId10">
+            <a:blip r:embed="rId10" cstate="print">
               <a:extLst>
                 <a:ext uri="{96DAC541-7B7A-43D3-8B79-37D633B846F1}">
-                  <asvg:svgBlip xmlns:asvg="http://schemas.microsoft.com/office/drawing/2016/SVG/main" r:embed="rId11"/>
+                  <asvg:svgBlip xmlns:asvg="http://schemas.microsoft.com/office/drawing/2016/SVG/main" xmlns="" r:embed="rId11"/>
                 </a:ext>
               </a:extLst>
             </a:blip>
@@ -8510,10 +8514,10 @@
           <p:cNvPr id="493" name="Graphic 492">
             <a:extLst>
               <a:ext uri="{FF2B5EF4-FFF2-40B4-BE49-F238E27FC236}">
-                <a16:creationId xmlns:a16="http://schemas.microsoft.com/office/drawing/2014/main" id="{698D096B-C698-4AF8-9D82-C23C71FC1890}"/>
+                <a16:creationId xmlns:a16="http://schemas.microsoft.com/office/drawing/2014/main" xmlns="" id="{698D096B-C698-4AF8-9D82-C23C71FC1890}"/>
               </a:ext>
               <a:ext uri="{C183D7F6-B498-43B3-948B-1728B52AA6E4}">
-                <adec:decorative xmlns:adec="http://schemas.microsoft.com/office/drawing/2017/decorative" val="1"/>
+                <adec:decorative xmlns:adec="http://schemas.microsoft.com/office/drawing/2017/decorative" xmlns="" val="1"/>
               </a:ext>
             </a:extLst>
           </p:cNvPr>
@@ -8523,10 +8527,10 @@
           <p:nvPr/>
         </p:nvPicPr>
         <p:blipFill>
-          <a:blip r:embed="rId10">
+          <a:blip r:embed="rId10" cstate="print">
             <a:extLst>
               <a:ext uri="{96DAC541-7B7A-43D3-8B79-37D633B846F1}">
-                <asvg:svgBlip xmlns:asvg="http://schemas.microsoft.com/office/drawing/2016/SVG/main" r:embed="rId11"/>
+                <asvg:svgBlip xmlns:asvg="http://schemas.microsoft.com/office/drawing/2016/SVG/main" xmlns="" r:embed="rId11"/>
               </a:ext>
             </a:extLst>
           </a:blip>
@@ -8549,10 +8553,10 @@
           <p:cNvPr id="494" name="Graphic 493">
             <a:extLst>
               <a:ext uri="{FF2B5EF4-FFF2-40B4-BE49-F238E27FC236}">
-                <a16:creationId xmlns:a16="http://schemas.microsoft.com/office/drawing/2014/main" id="{1249BB72-5758-4788-867B-B106F9D00D17}"/>
+                <a16:creationId xmlns:a16="http://schemas.microsoft.com/office/drawing/2014/main" xmlns="" id="{1249BB72-5758-4788-867B-B106F9D00D17}"/>
               </a:ext>
               <a:ext uri="{C183D7F6-B498-43B3-948B-1728B52AA6E4}">
-                <adec:decorative xmlns:adec="http://schemas.microsoft.com/office/drawing/2017/decorative" val="1"/>
+                <adec:decorative xmlns:adec="http://schemas.microsoft.com/office/drawing/2017/decorative" xmlns="" val="1"/>
               </a:ext>
             </a:extLst>
           </p:cNvPr>
@@ -8562,10 +8566,10 @@
           <p:nvPr/>
         </p:nvPicPr>
         <p:blipFill>
-          <a:blip r:embed="rId10">
+          <a:blip r:embed="rId10" cstate="print">
             <a:extLst>
               <a:ext uri="{96DAC541-7B7A-43D3-8B79-37D633B846F1}">
-                <asvg:svgBlip xmlns:asvg="http://schemas.microsoft.com/office/drawing/2016/SVG/main" r:embed="rId11"/>
+                <asvg:svgBlip xmlns:asvg="http://schemas.microsoft.com/office/drawing/2016/SVG/main" xmlns="" r:embed="rId11"/>
               </a:ext>
             </a:extLst>
           </a:blip>
@@ -8588,10 +8592,10 @@
           <p:cNvPr id="495" name="Graphic 494">
             <a:extLst>
               <a:ext uri="{FF2B5EF4-FFF2-40B4-BE49-F238E27FC236}">
-                <a16:creationId xmlns:a16="http://schemas.microsoft.com/office/drawing/2014/main" id="{0172C8C3-E8EE-4230-BA68-88C5EE899508}"/>
+                <a16:creationId xmlns:a16="http://schemas.microsoft.com/office/drawing/2014/main" xmlns="" id="{0172C8C3-E8EE-4230-BA68-88C5EE899508}"/>
               </a:ext>
               <a:ext uri="{C183D7F6-B498-43B3-948B-1728B52AA6E4}">
-                <adec:decorative xmlns:adec="http://schemas.microsoft.com/office/drawing/2017/decorative" val="1"/>
+                <adec:decorative xmlns:adec="http://schemas.microsoft.com/office/drawing/2017/decorative" xmlns="" val="1"/>
               </a:ext>
             </a:extLst>
           </p:cNvPr>
@@ -8601,10 +8605,10 @@
           <p:nvPr/>
         </p:nvPicPr>
         <p:blipFill>
-          <a:blip r:embed="rId12">
+          <a:blip r:embed="rId12" cstate="print">
             <a:extLst>
               <a:ext uri="{96DAC541-7B7A-43D3-8B79-37D633B846F1}">
-                <asvg:svgBlip xmlns:asvg="http://schemas.microsoft.com/office/drawing/2016/SVG/main" r:embed="rId13"/>
+                <asvg:svgBlip xmlns:asvg="http://schemas.microsoft.com/office/drawing/2016/SVG/main" xmlns="" r:embed="rId13"/>
               </a:ext>
             </a:extLst>
           </a:blip>
@@ -8627,10 +8631,10 @@
           <p:cNvPr id="496" name="Graphic 495">
             <a:extLst>
               <a:ext uri="{FF2B5EF4-FFF2-40B4-BE49-F238E27FC236}">
-                <a16:creationId xmlns:a16="http://schemas.microsoft.com/office/drawing/2014/main" id="{5B2F5FF4-6617-4C2D-A69F-242D9BDCB4B5}"/>
+                <a16:creationId xmlns:a16="http://schemas.microsoft.com/office/drawing/2014/main" xmlns="" id="{5B2F5FF4-6617-4C2D-A69F-242D9BDCB4B5}"/>
               </a:ext>
               <a:ext uri="{C183D7F6-B498-43B3-948B-1728B52AA6E4}">
-                <adec:decorative xmlns:adec="http://schemas.microsoft.com/office/drawing/2017/decorative" val="1"/>
+                <adec:decorative xmlns:adec="http://schemas.microsoft.com/office/drawing/2017/decorative" xmlns="" val="1"/>
               </a:ext>
             </a:extLst>
           </p:cNvPr>
@@ -8640,10 +8644,10 @@
           <p:nvPr/>
         </p:nvPicPr>
         <p:blipFill>
-          <a:blip r:embed="rId14">
+          <a:blip r:embed="rId14" cstate="print">
             <a:extLst>
               <a:ext uri="{96DAC541-7B7A-43D3-8B79-37D633B846F1}">
-                <asvg:svgBlip xmlns:asvg="http://schemas.microsoft.com/office/drawing/2016/SVG/main" r:embed="rId15"/>
+                <asvg:svgBlip xmlns:asvg="http://schemas.microsoft.com/office/drawing/2016/SVG/main" xmlns="" r:embed="rId15"/>
               </a:ext>
             </a:extLst>
           </a:blip>
@@ -8666,10 +8670,10 @@
           <p:cNvPr id="497" name="Straight Connector 496">
             <a:extLst>
               <a:ext uri="{FF2B5EF4-FFF2-40B4-BE49-F238E27FC236}">
-                <a16:creationId xmlns:a16="http://schemas.microsoft.com/office/drawing/2014/main" id="{14948BB1-976F-433C-9FBF-F3D5C562266C}"/>
+                <a16:creationId xmlns:a16="http://schemas.microsoft.com/office/drawing/2014/main" xmlns="" id="{14948BB1-976F-433C-9FBF-F3D5C562266C}"/>
               </a:ext>
               <a:ext uri="{C183D7F6-B498-43B3-948B-1728B52AA6E4}">
-                <adec:decorative xmlns:adec="http://schemas.microsoft.com/office/drawing/2017/decorative" val="1"/>
+                <adec:decorative xmlns:adec="http://schemas.microsoft.com/office/drawing/2017/decorative" xmlns="" val="1"/>
               </a:ext>
             </a:extLst>
           </p:cNvPr>
@@ -8712,10 +8716,10 @@
           <p:cNvPr id="498" name="Straight Connector 497">
             <a:extLst>
               <a:ext uri="{FF2B5EF4-FFF2-40B4-BE49-F238E27FC236}">
-                <a16:creationId xmlns:a16="http://schemas.microsoft.com/office/drawing/2014/main" id="{CAF9EC41-FBF2-42D5-8225-3D49BDA377E4}"/>
+                <a16:creationId xmlns:a16="http://schemas.microsoft.com/office/drawing/2014/main" xmlns="" id="{CAF9EC41-FBF2-42D5-8225-3D49BDA377E4}"/>
               </a:ext>
               <a:ext uri="{C183D7F6-B498-43B3-948B-1728B52AA6E4}">
-                <adec:decorative xmlns:adec="http://schemas.microsoft.com/office/drawing/2017/decorative" val="1"/>
+                <adec:decorative xmlns:adec="http://schemas.microsoft.com/office/drawing/2017/decorative" xmlns="" val="1"/>
               </a:ext>
             </a:extLst>
           </p:cNvPr>
@@ -8758,10 +8762,10 @@
           <p:cNvPr id="499" name="Graphic 498">
             <a:extLst>
               <a:ext uri="{FF2B5EF4-FFF2-40B4-BE49-F238E27FC236}">
-                <a16:creationId xmlns:a16="http://schemas.microsoft.com/office/drawing/2014/main" id="{B7E2D5C0-0C8B-41C4-B389-9414784BB49E}"/>
+                <a16:creationId xmlns:a16="http://schemas.microsoft.com/office/drawing/2014/main" xmlns="" id="{B7E2D5C0-0C8B-41C4-B389-9414784BB49E}"/>
               </a:ext>
               <a:ext uri="{C183D7F6-B498-43B3-948B-1728B52AA6E4}">
-                <adec:decorative xmlns:adec="http://schemas.microsoft.com/office/drawing/2017/decorative" val="1"/>
+                <adec:decorative xmlns:adec="http://schemas.microsoft.com/office/drawing/2017/decorative" xmlns="" val="1"/>
               </a:ext>
             </a:extLst>
           </p:cNvPr>
@@ -8771,10 +8775,10 @@
           <p:nvPr/>
         </p:nvPicPr>
         <p:blipFill>
-          <a:blip r:embed="rId16">
+          <a:blip r:embed="rId16" cstate="print">
             <a:extLst>
               <a:ext uri="{96DAC541-7B7A-43D3-8B79-37D633B846F1}">
-                <asvg:svgBlip xmlns:asvg="http://schemas.microsoft.com/office/drawing/2016/SVG/main" r:embed="rId17"/>
+                <asvg:svgBlip xmlns:asvg="http://schemas.microsoft.com/office/drawing/2016/SVG/main" xmlns="" r:embed="rId17"/>
               </a:ext>
             </a:extLst>
           </a:blip>
@@ -8797,10 +8801,10 @@
           <p:cNvPr id="500" name="Straight Connector 499">
             <a:extLst>
               <a:ext uri="{FF2B5EF4-FFF2-40B4-BE49-F238E27FC236}">
-                <a16:creationId xmlns:a16="http://schemas.microsoft.com/office/drawing/2014/main" id="{55424469-87F5-4C78-B47E-3816112EFD3F}"/>
+                <a16:creationId xmlns:a16="http://schemas.microsoft.com/office/drawing/2014/main" xmlns="" id="{55424469-87F5-4C78-B47E-3816112EFD3F}"/>
               </a:ext>
               <a:ext uri="{C183D7F6-B498-43B3-948B-1728B52AA6E4}">
-                <adec:decorative xmlns:adec="http://schemas.microsoft.com/office/drawing/2017/decorative" val="1"/>
+                <adec:decorative xmlns:adec="http://schemas.microsoft.com/office/drawing/2017/decorative" xmlns="" val="1"/>
               </a:ext>
             </a:extLst>
           </p:cNvPr>
@@ -8843,10 +8847,10 @@
           <p:cNvPr id="501" name="Straight Connector 500">
             <a:extLst>
               <a:ext uri="{FF2B5EF4-FFF2-40B4-BE49-F238E27FC236}">
-                <a16:creationId xmlns:a16="http://schemas.microsoft.com/office/drawing/2014/main" id="{A65794A3-B6FB-4320-A420-9A277B953643}"/>
+                <a16:creationId xmlns:a16="http://schemas.microsoft.com/office/drawing/2014/main" xmlns="" id="{A65794A3-B6FB-4320-A420-9A277B953643}"/>
               </a:ext>
               <a:ext uri="{C183D7F6-B498-43B3-948B-1728B52AA6E4}">
-                <adec:decorative xmlns:adec="http://schemas.microsoft.com/office/drawing/2017/decorative" val="1"/>
+                <adec:decorative xmlns:adec="http://schemas.microsoft.com/office/drawing/2017/decorative" xmlns="" val="1"/>
               </a:ext>
             </a:extLst>
           </p:cNvPr>
@@ -8889,10 +8893,10 @@
           <p:cNvPr id="502" name="Straight Connector 501">
             <a:extLst>
               <a:ext uri="{FF2B5EF4-FFF2-40B4-BE49-F238E27FC236}">
-                <a16:creationId xmlns:a16="http://schemas.microsoft.com/office/drawing/2014/main" id="{BF9EA63C-9BBA-424D-A6D7-131B9DB441B1}"/>
+                <a16:creationId xmlns:a16="http://schemas.microsoft.com/office/drawing/2014/main" xmlns="" id="{BF9EA63C-9BBA-424D-A6D7-131B9DB441B1}"/>
               </a:ext>
               <a:ext uri="{C183D7F6-B498-43B3-948B-1728B52AA6E4}">
-                <adec:decorative xmlns:adec="http://schemas.microsoft.com/office/drawing/2017/decorative" val="1"/>
+                <adec:decorative xmlns:adec="http://schemas.microsoft.com/office/drawing/2017/decorative" xmlns="" val="1"/>
               </a:ext>
             </a:extLst>
           </p:cNvPr>
@@ -8935,10 +8939,10 @@
           <p:cNvPr id="503" name="Graphic 502">
             <a:extLst>
               <a:ext uri="{FF2B5EF4-FFF2-40B4-BE49-F238E27FC236}">
-                <a16:creationId xmlns:a16="http://schemas.microsoft.com/office/drawing/2014/main" id="{41733A58-B4C7-4934-824F-E67644B96CF7}"/>
+                <a16:creationId xmlns:a16="http://schemas.microsoft.com/office/drawing/2014/main" xmlns="" id="{41733A58-B4C7-4934-824F-E67644B96CF7}"/>
               </a:ext>
               <a:ext uri="{C183D7F6-B498-43B3-948B-1728B52AA6E4}">
-                <adec:decorative xmlns:adec="http://schemas.microsoft.com/office/drawing/2017/decorative" val="1"/>
+                <adec:decorative xmlns:adec="http://schemas.microsoft.com/office/drawing/2017/decorative" xmlns="" val="1"/>
               </a:ext>
             </a:extLst>
           </p:cNvPr>
@@ -8948,10 +8952,10 @@
           <p:nvPr/>
         </p:nvPicPr>
         <p:blipFill>
-          <a:blip r:embed="rId18">
+          <a:blip r:embed="rId18" cstate="print">
             <a:extLst>
               <a:ext uri="{96DAC541-7B7A-43D3-8B79-37D633B846F1}">
-                <asvg:svgBlip xmlns:asvg="http://schemas.microsoft.com/office/drawing/2016/SVG/main" r:embed="rId19"/>
+                <asvg:svgBlip xmlns:asvg="http://schemas.microsoft.com/office/drawing/2016/SVG/main" xmlns="" r:embed="rId19"/>
               </a:ext>
             </a:extLst>
           </a:blip>
@@ -8974,10 +8978,10 @@
           <p:cNvPr id="504" name="Graphic 503">
             <a:extLst>
               <a:ext uri="{FF2B5EF4-FFF2-40B4-BE49-F238E27FC236}">
-                <a16:creationId xmlns:a16="http://schemas.microsoft.com/office/drawing/2014/main" id="{FCADC58F-56D9-4595-BC75-A54B610D275F}"/>
+                <a16:creationId xmlns:a16="http://schemas.microsoft.com/office/drawing/2014/main" xmlns="" id="{FCADC58F-56D9-4595-BC75-A54B610D275F}"/>
               </a:ext>
               <a:ext uri="{C183D7F6-B498-43B3-948B-1728B52AA6E4}">
-                <adec:decorative xmlns:adec="http://schemas.microsoft.com/office/drawing/2017/decorative" val="1"/>
+                <adec:decorative xmlns:adec="http://schemas.microsoft.com/office/drawing/2017/decorative" xmlns="" val="1"/>
               </a:ext>
             </a:extLst>
           </p:cNvPr>
@@ -8987,10 +8991,10 @@
           <p:nvPr/>
         </p:nvPicPr>
         <p:blipFill>
-          <a:blip r:embed="rId20">
+          <a:blip r:embed="rId20" cstate="print">
             <a:extLst>
               <a:ext uri="{96DAC541-7B7A-43D3-8B79-37D633B846F1}">
-                <asvg:svgBlip xmlns:asvg="http://schemas.microsoft.com/office/drawing/2016/SVG/main" r:embed="rId21"/>
+                <asvg:svgBlip xmlns:asvg="http://schemas.microsoft.com/office/drawing/2016/SVG/main" xmlns="" r:embed="rId21"/>
               </a:ext>
             </a:extLst>
           </a:blip>
@@ -9013,10 +9017,10 @@
           <p:cNvPr id="505" name="Graphic 504">
             <a:extLst>
               <a:ext uri="{FF2B5EF4-FFF2-40B4-BE49-F238E27FC236}">
-                <a16:creationId xmlns:a16="http://schemas.microsoft.com/office/drawing/2014/main" id="{10339A51-8F29-4E8F-A5F0-952265CAFD14}"/>
+                <a16:creationId xmlns:a16="http://schemas.microsoft.com/office/drawing/2014/main" xmlns="" id="{10339A51-8F29-4E8F-A5F0-952265CAFD14}"/>
               </a:ext>
               <a:ext uri="{C183D7F6-B498-43B3-948B-1728B52AA6E4}">
-                <adec:decorative xmlns:adec="http://schemas.microsoft.com/office/drawing/2017/decorative" val="1"/>
+                <adec:decorative xmlns:adec="http://schemas.microsoft.com/office/drawing/2017/decorative" xmlns="" val="1"/>
               </a:ext>
             </a:extLst>
           </p:cNvPr>
@@ -9026,10 +9030,10 @@
           <p:nvPr/>
         </p:nvPicPr>
         <p:blipFill>
-          <a:blip r:embed="rId22">
+          <a:blip r:embed="rId22" cstate="print">
             <a:extLst>
               <a:ext uri="{96DAC541-7B7A-43D3-8B79-37D633B846F1}">
-                <asvg:svgBlip xmlns:asvg="http://schemas.microsoft.com/office/drawing/2016/SVG/main" r:embed="rId23"/>
+                <asvg:svgBlip xmlns:asvg="http://schemas.microsoft.com/office/drawing/2016/SVG/main" xmlns="" r:embed="rId23"/>
               </a:ext>
             </a:extLst>
           </a:blip>
@@ -9052,10 +9056,10 @@
           <p:cNvPr id="508" name="Graphic 507">
             <a:extLst>
               <a:ext uri="{FF2B5EF4-FFF2-40B4-BE49-F238E27FC236}">
-                <a16:creationId xmlns:a16="http://schemas.microsoft.com/office/drawing/2014/main" id="{193868A7-9951-4158-97BC-1D6C236865B4}"/>
+                <a16:creationId xmlns:a16="http://schemas.microsoft.com/office/drawing/2014/main" xmlns="" id="{193868A7-9951-4158-97BC-1D6C236865B4}"/>
               </a:ext>
               <a:ext uri="{C183D7F6-B498-43B3-948B-1728B52AA6E4}">
-                <adec:decorative xmlns:adec="http://schemas.microsoft.com/office/drawing/2017/decorative" val="1"/>
+                <adec:decorative xmlns:adec="http://schemas.microsoft.com/office/drawing/2017/decorative" xmlns="" val="1"/>
               </a:ext>
             </a:extLst>
           </p:cNvPr>
@@ -9065,10 +9069,10 @@
           <p:nvPr/>
         </p:nvPicPr>
         <p:blipFill>
-          <a:blip r:embed="rId24">
+          <a:blip r:embed="rId24" cstate="print">
             <a:extLst>
               <a:ext uri="{96DAC541-7B7A-43D3-8B79-37D633B846F1}">
-                <asvg:svgBlip xmlns:asvg="http://schemas.microsoft.com/office/drawing/2016/SVG/main" r:embed="rId25"/>
+                <asvg:svgBlip xmlns:asvg="http://schemas.microsoft.com/office/drawing/2016/SVG/main" xmlns="" r:embed="rId25"/>
               </a:ext>
             </a:extLst>
           </a:blip>
@@ -9091,7 +9095,7 @@
           <p:cNvPr id="16" name="Title 15">
             <a:extLst>
               <a:ext uri="{FF2B5EF4-FFF2-40B4-BE49-F238E27FC236}">
-                <a16:creationId xmlns:a16="http://schemas.microsoft.com/office/drawing/2014/main" id="{E85EAC9E-0E16-4106-862E-FE9518DD9E7F}"/>
+                <a16:creationId xmlns:a16="http://schemas.microsoft.com/office/drawing/2014/main" xmlns="" id="{E85EAC9E-0E16-4106-862E-FE9518DD9E7F}"/>
               </a:ext>
             </a:extLst>
           </p:cNvPr>
@@ -9124,7 +9128,7 @@
           <p:cNvPr id="17" name="Subtitle 16">
             <a:extLst>
               <a:ext uri="{FF2B5EF4-FFF2-40B4-BE49-F238E27FC236}">
-                <a16:creationId xmlns:a16="http://schemas.microsoft.com/office/drawing/2014/main" id="{695D43AE-397D-498B-A716-7FE464691761}"/>
+                <a16:creationId xmlns:a16="http://schemas.microsoft.com/office/drawing/2014/main" xmlns="" id="{695D43AE-397D-498B-A716-7FE464691761}"/>
               </a:ext>
             </a:extLst>
           </p:cNvPr>
@@ -9154,7 +9158,7 @@
           <p:cNvPr id="19" name="Text Placeholder 18">
             <a:extLst>
               <a:ext uri="{FF2B5EF4-FFF2-40B4-BE49-F238E27FC236}">
-                <a16:creationId xmlns:a16="http://schemas.microsoft.com/office/drawing/2014/main" id="{B9FB6D96-BA4D-44F0-80D7-D4BDEF88ED18}"/>
+                <a16:creationId xmlns:a16="http://schemas.microsoft.com/office/drawing/2014/main" xmlns="" id="{B9FB6D96-BA4D-44F0-80D7-D4BDEF88ED18}"/>
               </a:ext>
             </a:extLst>
           </p:cNvPr>
@@ -9183,7 +9187,7 @@
           <p:cNvPr id="272" name="Text Placeholder 271">
             <a:extLst>
               <a:ext uri="{FF2B5EF4-FFF2-40B4-BE49-F238E27FC236}">
-                <a16:creationId xmlns:a16="http://schemas.microsoft.com/office/drawing/2014/main" id="{A2E7424A-BABA-4D4C-BE59-3CA86A1590EF}"/>
+                <a16:creationId xmlns:a16="http://schemas.microsoft.com/office/drawing/2014/main" xmlns="" id="{A2E7424A-BABA-4D4C-BE59-3CA86A1590EF}"/>
               </a:ext>
             </a:extLst>
           </p:cNvPr>
@@ -9211,7 +9215,7 @@
           <p:cNvPr id="273" name="Text Placeholder 272">
             <a:extLst>
               <a:ext uri="{FF2B5EF4-FFF2-40B4-BE49-F238E27FC236}">
-                <a16:creationId xmlns:a16="http://schemas.microsoft.com/office/drawing/2014/main" id="{30C96108-6683-4BD1-B2C5-0B8106471917}"/>
+                <a16:creationId xmlns:a16="http://schemas.microsoft.com/office/drawing/2014/main" xmlns="" id="{30C96108-6683-4BD1-B2C5-0B8106471917}"/>
               </a:ext>
             </a:extLst>
           </p:cNvPr>
@@ -9245,7 +9249,7 @@
           <p:cNvPr id="278" name="Text Placeholder 277">
             <a:extLst>
               <a:ext uri="{FF2B5EF4-FFF2-40B4-BE49-F238E27FC236}">
-                <a16:creationId xmlns:a16="http://schemas.microsoft.com/office/drawing/2014/main" id="{E28A17DD-C444-4A1C-8C62-D2A095027770}"/>
+                <a16:creationId xmlns:a16="http://schemas.microsoft.com/office/drawing/2014/main" xmlns="" id="{E28A17DD-C444-4A1C-8C62-D2A095027770}"/>
               </a:ext>
             </a:extLst>
           </p:cNvPr>
@@ -9273,7 +9277,7 @@
           <p:cNvPr id="282" name="Text Placeholder 281">
             <a:extLst>
               <a:ext uri="{FF2B5EF4-FFF2-40B4-BE49-F238E27FC236}">
-                <a16:creationId xmlns:a16="http://schemas.microsoft.com/office/drawing/2014/main" id="{00D20412-CDE5-4137-96E2-4D9452F43AC1}"/>
+                <a16:creationId xmlns:a16="http://schemas.microsoft.com/office/drawing/2014/main" xmlns="" id="{00D20412-CDE5-4137-96E2-4D9452F43AC1}"/>
               </a:ext>
             </a:extLst>
           </p:cNvPr>
@@ -9301,7 +9305,7 @@
           <p:cNvPr id="286" name="Text Placeholder 285">
             <a:extLst>
               <a:ext uri="{FF2B5EF4-FFF2-40B4-BE49-F238E27FC236}">
-                <a16:creationId xmlns:a16="http://schemas.microsoft.com/office/drawing/2014/main" id="{46ED484E-6A87-4BBC-ADF9-2162878D6E14}"/>
+                <a16:creationId xmlns:a16="http://schemas.microsoft.com/office/drawing/2014/main" xmlns="" id="{46ED484E-6A87-4BBC-ADF9-2162878D6E14}"/>
               </a:ext>
             </a:extLst>
           </p:cNvPr>
@@ -9329,7 +9333,7 @@
           <p:cNvPr id="290" name="Text Placeholder 289">
             <a:extLst>
               <a:ext uri="{FF2B5EF4-FFF2-40B4-BE49-F238E27FC236}">
-                <a16:creationId xmlns:a16="http://schemas.microsoft.com/office/drawing/2014/main" id="{419E7084-A01A-45C7-9D44-B2D381918002}"/>
+                <a16:creationId xmlns:a16="http://schemas.microsoft.com/office/drawing/2014/main" xmlns="" id="{419E7084-A01A-45C7-9D44-B2D381918002}"/>
               </a:ext>
             </a:extLst>
           </p:cNvPr>
@@ -9357,7 +9361,7 @@
           <p:cNvPr id="294" name="Text Placeholder 293">
             <a:extLst>
               <a:ext uri="{FF2B5EF4-FFF2-40B4-BE49-F238E27FC236}">
-                <a16:creationId xmlns:a16="http://schemas.microsoft.com/office/drawing/2014/main" id="{5EFE88A3-A2A5-4E07-B36C-2C20CD679075}"/>
+                <a16:creationId xmlns:a16="http://schemas.microsoft.com/office/drawing/2014/main" xmlns="" id="{5EFE88A3-A2A5-4E07-B36C-2C20CD679075}"/>
               </a:ext>
             </a:extLst>
           </p:cNvPr>
@@ -9385,7 +9389,7 @@
           <p:cNvPr id="296" name="Text Placeholder 295">
             <a:extLst>
               <a:ext uri="{FF2B5EF4-FFF2-40B4-BE49-F238E27FC236}">
-                <a16:creationId xmlns:a16="http://schemas.microsoft.com/office/drawing/2014/main" id="{F664C713-F589-4B7A-AC1A-6D597E44B701}"/>
+                <a16:creationId xmlns:a16="http://schemas.microsoft.com/office/drawing/2014/main" xmlns="" id="{F664C713-F589-4B7A-AC1A-6D597E44B701}"/>
               </a:ext>
             </a:extLst>
           </p:cNvPr>
@@ -9418,7 +9422,7 @@
           <p:cNvPr id="297" name="Text Placeholder 296">
             <a:extLst>
               <a:ext uri="{FF2B5EF4-FFF2-40B4-BE49-F238E27FC236}">
-                <a16:creationId xmlns:a16="http://schemas.microsoft.com/office/drawing/2014/main" id="{14BCC41B-70D1-4570-96BA-754EA7EB2C4A}"/>
+                <a16:creationId xmlns:a16="http://schemas.microsoft.com/office/drawing/2014/main" xmlns="" id="{14BCC41B-70D1-4570-96BA-754EA7EB2C4A}"/>
               </a:ext>
             </a:extLst>
           </p:cNvPr>
@@ -9451,7 +9455,7 @@
           <p:cNvPr id="298" name="Text Placeholder 297">
             <a:extLst>
               <a:ext uri="{FF2B5EF4-FFF2-40B4-BE49-F238E27FC236}">
-                <a16:creationId xmlns:a16="http://schemas.microsoft.com/office/drawing/2014/main" id="{F18C77C8-D80E-4C4D-9C8A-AC1CE40AF61A}"/>
+                <a16:creationId xmlns:a16="http://schemas.microsoft.com/office/drawing/2014/main" xmlns="" id="{F18C77C8-D80E-4C4D-9C8A-AC1CE40AF61A}"/>
               </a:ext>
             </a:extLst>
           </p:cNvPr>
@@ -9484,7 +9488,7 @@
           <p:cNvPr id="299" name="Text Placeholder 298">
             <a:extLst>
               <a:ext uri="{FF2B5EF4-FFF2-40B4-BE49-F238E27FC236}">
-                <a16:creationId xmlns:a16="http://schemas.microsoft.com/office/drawing/2014/main" id="{FCC16DE4-084C-42CC-AABB-36D2DDF39269}"/>
+                <a16:creationId xmlns:a16="http://schemas.microsoft.com/office/drawing/2014/main" xmlns="" id="{FCC16DE4-084C-42CC-AABB-36D2DDF39269}"/>
               </a:ext>
             </a:extLst>
           </p:cNvPr>
@@ -9517,7 +9521,7 @@
           <p:cNvPr id="300" name="Text Placeholder 299">
             <a:extLst>
               <a:ext uri="{FF2B5EF4-FFF2-40B4-BE49-F238E27FC236}">
-                <a16:creationId xmlns:a16="http://schemas.microsoft.com/office/drawing/2014/main" id="{7113EE21-E62E-4A37-BF8D-89DB2ADF25E9}"/>
+                <a16:creationId xmlns:a16="http://schemas.microsoft.com/office/drawing/2014/main" xmlns="" id="{7113EE21-E62E-4A37-BF8D-89DB2ADF25E9}"/>
               </a:ext>
             </a:extLst>
           </p:cNvPr>
@@ -9550,7 +9554,7 @@
           <p:cNvPr id="301" name="Text Placeholder 300">
             <a:extLst>
               <a:ext uri="{FF2B5EF4-FFF2-40B4-BE49-F238E27FC236}">
-                <a16:creationId xmlns:a16="http://schemas.microsoft.com/office/drawing/2014/main" id="{0BADFAA7-1DF4-4C05-B287-481C739E56B0}"/>
+                <a16:creationId xmlns:a16="http://schemas.microsoft.com/office/drawing/2014/main" xmlns="" id="{0BADFAA7-1DF4-4C05-B287-481C739E56B0}"/>
               </a:ext>
             </a:extLst>
           </p:cNvPr>
@@ -9583,7 +9587,7 @@
           <p:cNvPr id="302" name="Text Placeholder 301">
             <a:extLst>
               <a:ext uri="{FF2B5EF4-FFF2-40B4-BE49-F238E27FC236}">
-                <a16:creationId xmlns:a16="http://schemas.microsoft.com/office/drawing/2014/main" id="{2F047CDD-1EFE-44AD-AA28-CBFAA8C18A50}"/>
+                <a16:creationId xmlns:a16="http://schemas.microsoft.com/office/drawing/2014/main" xmlns="" id="{2F047CDD-1EFE-44AD-AA28-CBFAA8C18A50}"/>
               </a:ext>
             </a:extLst>
           </p:cNvPr>
@@ -9616,7 +9620,7 @@
           <p:cNvPr id="304" name="Text Placeholder 303">
             <a:extLst>
               <a:ext uri="{FF2B5EF4-FFF2-40B4-BE49-F238E27FC236}">
-                <a16:creationId xmlns:a16="http://schemas.microsoft.com/office/drawing/2014/main" id="{5D0E4F81-2C6D-40AF-8794-E6B46A64E74C}"/>
+                <a16:creationId xmlns:a16="http://schemas.microsoft.com/office/drawing/2014/main" xmlns="" id="{5D0E4F81-2C6D-40AF-8794-E6B46A64E74C}"/>
               </a:ext>
             </a:extLst>
           </p:cNvPr>
@@ -9644,7 +9648,7 @@
           <p:cNvPr id="305" name="Text Placeholder 304">
             <a:extLst>
               <a:ext uri="{FF2B5EF4-FFF2-40B4-BE49-F238E27FC236}">
-                <a16:creationId xmlns:a16="http://schemas.microsoft.com/office/drawing/2014/main" id="{0F8463E8-08B1-4462-AB1D-F5C5A4FBD359}"/>
+                <a16:creationId xmlns:a16="http://schemas.microsoft.com/office/drawing/2014/main" xmlns="" id="{0F8463E8-08B1-4462-AB1D-F5C5A4FBD359}"/>
               </a:ext>
             </a:extLst>
           </p:cNvPr>
@@ -9672,7 +9676,7 @@
           <p:cNvPr id="306" name="Text Placeholder 305">
             <a:extLst>
               <a:ext uri="{FF2B5EF4-FFF2-40B4-BE49-F238E27FC236}">
-                <a16:creationId xmlns:a16="http://schemas.microsoft.com/office/drawing/2014/main" id="{551B4C0E-1E6F-4829-9E9F-60D2E7507372}"/>
+                <a16:creationId xmlns:a16="http://schemas.microsoft.com/office/drawing/2014/main" xmlns="" id="{551B4C0E-1E6F-4829-9E9F-60D2E7507372}"/>
               </a:ext>
             </a:extLst>
           </p:cNvPr>
@@ -9700,7 +9704,7 @@
           <p:cNvPr id="307" name="Text Placeholder 306">
             <a:extLst>
               <a:ext uri="{FF2B5EF4-FFF2-40B4-BE49-F238E27FC236}">
-                <a16:creationId xmlns:a16="http://schemas.microsoft.com/office/drawing/2014/main" id="{9C642240-1532-4461-A39A-DF0005894219}"/>
+                <a16:creationId xmlns:a16="http://schemas.microsoft.com/office/drawing/2014/main" xmlns="" id="{9C642240-1532-4461-A39A-DF0005894219}"/>
               </a:ext>
             </a:extLst>
           </p:cNvPr>
@@ -9728,7 +9732,7 @@
           <p:cNvPr id="308" name="Text Placeholder 307">
             <a:extLst>
               <a:ext uri="{FF2B5EF4-FFF2-40B4-BE49-F238E27FC236}">
-                <a16:creationId xmlns:a16="http://schemas.microsoft.com/office/drawing/2014/main" id="{E57CC176-D426-4F0D-90F7-1F613E2FEC71}"/>
+                <a16:creationId xmlns:a16="http://schemas.microsoft.com/office/drawing/2014/main" xmlns="" id="{E57CC176-D426-4F0D-90F7-1F613E2FEC71}"/>
               </a:ext>
             </a:extLst>
           </p:cNvPr>
@@ -9756,7 +9760,7 @@
           <p:cNvPr id="309" name="Text Placeholder 308">
             <a:extLst>
               <a:ext uri="{FF2B5EF4-FFF2-40B4-BE49-F238E27FC236}">
-                <a16:creationId xmlns:a16="http://schemas.microsoft.com/office/drawing/2014/main" id="{2C7331EF-FCB0-407D-9AED-E363250AB17E}"/>
+                <a16:creationId xmlns:a16="http://schemas.microsoft.com/office/drawing/2014/main" xmlns="" id="{2C7331EF-FCB0-407D-9AED-E363250AB17E}"/>
               </a:ext>
             </a:extLst>
           </p:cNvPr>
@@ -9784,7 +9788,7 @@
           <p:cNvPr id="310" name="Text Placeholder 309">
             <a:extLst>
               <a:ext uri="{FF2B5EF4-FFF2-40B4-BE49-F238E27FC236}">
-                <a16:creationId xmlns:a16="http://schemas.microsoft.com/office/drawing/2014/main" id="{16FC99BB-7F63-43D0-B247-628D41F5C0BF}"/>
+                <a16:creationId xmlns:a16="http://schemas.microsoft.com/office/drawing/2014/main" xmlns="" id="{16FC99BB-7F63-43D0-B247-628D41F5C0BF}"/>
               </a:ext>
             </a:extLst>
           </p:cNvPr>
@@ -9812,7 +9816,7 @@
           <p:cNvPr id="311" name="Text Placeholder 310">
             <a:extLst>
               <a:ext uri="{FF2B5EF4-FFF2-40B4-BE49-F238E27FC236}">
-                <a16:creationId xmlns:a16="http://schemas.microsoft.com/office/drawing/2014/main" id="{1F593137-3E09-42CE-89A2-DA077A30DF26}"/>
+                <a16:creationId xmlns:a16="http://schemas.microsoft.com/office/drawing/2014/main" xmlns="" id="{1F593137-3E09-42CE-89A2-DA077A30DF26}"/>
               </a:ext>
             </a:extLst>
           </p:cNvPr>
@@ -9840,7 +9844,7 @@
           <p:cNvPr id="312" name="Text Placeholder 311">
             <a:extLst>
               <a:ext uri="{FF2B5EF4-FFF2-40B4-BE49-F238E27FC236}">
-                <a16:creationId xmlns:a16="http://schemas.microsoft.com/office/drawing/2014/main" id="{B590CD2B-D839-4B63-8BC8-7269FF9B2D09}"/>
+                <a16:creationId xmlns:a16="http://schemas.microsoft.com/office/drawing/2014/main" xmlns="" id="{B590CD2B-D839-4B63-8BC8-7269FF9B2D09}"/>
               </a:ext>
             </a:extLst>
           </p:cNvPr>
@@ -9873,7 +9877,7 @@
           <p:cNvPr id="313" name="Text Placeholder 312">
             <a:extLst>
               <a:ext uri="{FF2B5EF4-FFF2-40B4-BE49-F238E27FC236}">
-                <a16:creationId xmlns:a16="http://schemas.microsoft.com/office/drawing/2014/main" id="{E0890AD0-96E2-48B9-BCAF-31C7ECE194BF}"/>
+                <a16:creationId xmlns:a16="http://schemas.microsoft.com/office/drawing/2014/main" xmlns="" id="{E0890AD0-96E2-48B9-BCAF-31C7ECE194BF}"/>
               </a:ext>
             </a:extLst>
           </p:cNvPr>
@@ -9901,7 +9905,7 @@
           <p:cNvPr id="314" name="Text Placeholder 313">
             <a:extLst>
               <a:ext uri="{FF2B5EF4-FFF2-40B4-BE49-F238E27FC236}">
-                <a16:creationId xmlns:a16="http://schemas.microsoft.com/office/drawing/2014/main" id="{2DE4404D-749B-49DD-BBC4-36FDC2958CD5}"/>
+                <a16:creationId xmlns:a16="http://schemas.microsoft.com/office/drawing/2014/main" xmlns="" id="{2DE4404D-749B-49DD-BBC4-36FDC2958CD5}"/>
               </a:ext>
             </a:extLst>
           </p:cNvPr>
@@ -9929,7 +9933,7 @@
           <p:cNvPr id="315" name="Text Placeholder 314">
             <a:extLst>
               <a:ext uri="{FF2B5EF4-FFF2-40B4-BE49-F238E27FC236}">
-                <a16:creationId xmlns:a16="http://schemas.microsoft.com/office/drawing/2014/main" id="{215D801B-3FE0-4425-8C2A-21A37088D16C}"/>
+                <a16:creationId xmlns:a16="http://schemas.microsoft.com/office/drawing/2014/main" xmlns="" id="{215D801B-3FE0-4425-8C2A-21A37088D16C}"/>
               </a:ext>
             </a:extLst>
           </p:cNvPr>
@@ -9957,7 +9961,7 @@
           <p:cNvPr id="316" name="Text Placeholder 315">
             <a:extLst>
               <a:ext uri="{FF2B5EF4-FFF2-40B4-BE49-F238E27FC236}">
-                <a16:creationId xmlns:a16="http://schemas.microsoft.com/office/drawing/2014/main" id="{80D4C4BD-D958-4ACB-87BC-A58776AF2A64}"/>
+                <a16:creationId xmlns:a16="http://schemas.microsoft.com/office/drawing/2014/main" xmlns="" id="{80D4C4BD-D958-4ACB-87BC-A58776AF2A64}"/>
               </a:ext>
             </a:extLst>
           </p:cNvPr>
@@ -9985,7 +9989,7 @@
           <p:cNvPr id="317" name="Text Placeholder 316">
             <a:extLst>
               <a:ext uri="{FF2B5EF4-FFF2-40B4-BE49-F238E27FC236}">
-                <a16:creationId xmlns:a16="http://schemas.microsoft.com/office/drawing/2014/main" id="{13EB8B04-1051-4B45-83BA-03124C33EFAE}"/>
+                <a16:creationId xmlns:a16="http://schemas.microsoft.com/office/drawing/2014/main" xmlns="" id="{13EB8B04-1051-4B45-83BA-03124C33EFAE}"/>
               </a:ext>
             </a:extLst>
           </p:cNvPr>
@@ -10013,7 +10017,7 @@
           <p:cNvPr id="318" name="Text Placeholder 317">
             <a:extLst>
               <a:ext uri="{FF2B5EF4-FFF2-40B4-BE49-F238E27FC236}">
-                <a16:creationId xmlns:a16="http://schemas.microsoft.com/office/drawing/2014/main" id="{5FA9AC6A-5C5B-4A61-9403-F15C565735CC}"/>
+                <a16:creationId xmlns:a16="http://schemas.microsoft.com/office/drawing/2014/main" xmlns="" id="{5FA9AC6A-5C5B-4A61-9403-F15C565735CC}"/>
               </a:ext>
             </a:extLst>
           </p:cNvPr>
@@ -10041,7 +10045,7 @@
           <p:cNvPr id="319" name="Text Placeholder 318">
             <a:extLst>
               <a:ext uri="{FF2B5EF4-FFF2-40B4-BE49-F238E27FC236}">
-                <a16:creationId xmlns:a16="http://schemas.microsoft.com/office/drawing/2014/main" id="{35BABFC2-4A18-4F93-8CFE-DEBB7EAD5BE8}"/>
+                <a16:creationId xmlns:a16="http://schemas.microsoft.com/office/drawing/2014/main" xmlns="" id="{35BABFC2-4A18-4F93-8CFE-DEBB7EAD5BE8}"/>
               </a:ext>
             </a:extLst>
           </p:cNvPr>
@@ -10074,7 +10078,7 @@
           <p:cNvPr id="320" name="Text Placeholder 319">
             <a:extLst>
               <a:ext uri="{FF2B5EF4-FFF2-40B4-BE49-F238E27FC236}">
-                <a16:creationId xmlns:a16="http://schemas.microsoft.com/office/drawing/2014/main" id="{09EE285B-7A2E-43D4-91E9-F62CE0DEEE42}"/>
+                <a16:creationId xmlns:a16="http://schemas.microsoft.com/office/drawing/2014/main" xmlns="" id="{09EE285B-7A2E-43D4-91E9-F62CE0DEEE42}"/>
               </a:ext>
             </a:extLst>
           </p:cNvPr>
@@ -10107,7 +10111,7 @@
           <p:cNvPr id="321" name="Text Placeholder 320">
             <a:extLst>
               <a:ext uri="{FF2B5EF4-FFF2-40B4-BE49-F238E27FC236}">
-                <a16:creationId xmlns:a16="http://schemas.microsoft.com/office/drawing/2014/main" id="{E5427A6A-EEE3-4912-BDAE-52AC53E7C5C7}"/>
+                <a16:creationId xmlns:a16="http://schemas.microsoft.com/office/drawing/2014/main" xmlns="" id="{E5427A6A-EEE3-4912-BDAE-52AC53E7C5C7}"/>
               </a:ext>
             </a:extLst>
           </p:cNvPr>
@@ -10140,7 +10144,7 @@
           <p:cNvPr id="322" name="Text Placeholder 321">
             <a:extLst>
               <a:ext uri="{FF2B5EF4-FFF2-40B4-BE49-F238E27FC236}">
-                <a16:creationId xmlns:a16="http://schemas.microsoft.com/office/drawing/2014/main" id="{1A25A281-38A4-440A-BE2F-D7604793E94B}"/>
+                <a16:creationId xmlns:a16="http://schemas.microsoft.com/office/drawing/2014/main" xmlns="" id="{1A25A281-38A4-440A-BE2F-D7604793E94B}"/>
               </a:ext>
             </a:extLst>
           </p:cNvPr>
@@ -10168,7 +10172,7 @@
           <p:cNvPr id="323" name="Text Placeholder 322">
             <a:extLst>
               <a:ext uri="{FF2B5EF4-FFF2-40B4-BE49-F238E27FC236}">
-                <a16:creationId xmlns:a16="http://schemas.microsoft.com/office/drawing/2014/main" id="{12A65C3D-E470-4A21-AA1D-E60C165A52C6}"/>
+                <a16:creationId xmlns:a16="http://schemas.microsoft.com/office/drawing/2014/main" xmlns="" id="{12A65C3D-E470-4A21-AA1D-E60C165A52C6}"/>
               </a:ext>
             </a:extLst>
           </p:cNvPr>
@@ -10196,7 +10200,7 @@
           <p:cNvPr id="324" name="Text Placeholder 323">
             <a:extLst>
               <a:ext uri="{FF2B5EF4-FFF2-40B4-BE49-F238E27FC236}">
-                <a16:creationId xmlns:a16="http://schemas.microsoft.com/office/drawing/2014/main" id="{46BACFD7-92FA-4310-80D7-3A3CD2D3A802}"/>
+                <a16:creationId xmlns:a16="http://schemas.microsoft.com/office/drawing/2014/main" xmlns="" id="{46BACFD7-92FA-4310-80D7-3A3CD2D3A802}"/>
               </a:ext>
             </a:extLst>
           </p:cNvPr>
@@ -10224,7 +10228,7 @@
           <p:cNvPr id="325" name="Text Placeholder 324">
             <a:extLst>
               <a:ext uri="{FF2B5EF4-FFF2-40B4-BE49-F238E27FC236}">
-                <a16:creationId xmlns:a16="http://schemas.microsoft.com/office/drawing/2014/main" id="{364F0AC9-FB9F-414E-B6B7-172A3DB70FE1}"/>
+                <a16:creationId xmlns:a16="http://schemas.microsoft.com/office/drawing/2014/main" xmlns="" id="{364F0AC9-FB9F-414E-B6B7-172A3DB70FE1}"/>
               </a:ext>
             </a:extLst>
           </p:cNvPr>
@@ -10252,7 +10256,7 @@
           <p:cNvPr id="326" name="Text Placeholder 325">
             <a:extLst>
               <a:ext uri="{FF2B5EF4-FFF2-40B4-BE49-F238E27FC236}">
-                <a16:creationId xmlns:a16="http://schemas.microsoft.com/office/drawing/2014/main" id="{E349EFDF-26F3-4B93-A1A8-626F62A764DC}"/>
+                <a16:creationId xmlns:a16="http://schemas.microsoft.com/office/drawing/2014/main" xmlns="" id="{E349EFDF-26F3-4B93-A1A8-626F62A764DC}"/>
               </a:ext>
             </a:extLst>
           </p:cNvPr>
@@ -10285,7 +10289,7 @@
           <p:cNvPr id="327" name="Text Placeholder 326">
             <a:extLst>
               <a:ext uri="{FF2B5EF4-FFF2-40B4-BE49-F238E27FC236}">
-                <a16:creationId xmlns:a16="http://schemas.microsoft.com/office/drawing/2014/main" id="{C7F4F643-D70D-4688-8604-05C02765BFF2}"/>
+                <a16:creationId xmlns:a16="http://schemas.microsoft.com/office/drawing/2014/main" xmlns="" id="{C7F4F643-D70D-4688-8604-05C02765BFF2}"/>
               </a:ext>
             </a:extLst>
           </p:cNvPr>
@@ -10318,7 +10322,7 @@
           <p:cNvPr id="328" name="Text Placeholder 327">
             <a:extLst>
               <a:ext uri="{FF2B5EF4-FFF2-40B4-BE49-F238E27FC236}">
-                <a16:creationId xmlns:a16="http://schemas.microsoft.com/office/drawing/2014/main" id="{236D1BE8-E78E-4B90-AC79-E5C43580EBFB}"/>
+                <a16:creationId xmlns:a16="http://schemas.microsoft.com/office/drawing/2014/main" xmlns="" id="{236D1BE8-E78E-4B90-AC79-E5C43580EBFB}"/>
               </a:ext>
             </a:extLst>
           </p:cNvPr>
@@ -10351,7 +10355,7 @@
           <p:cNvPr id="329" name="Text Placeholder 328">
             <a:extLst>
               <a:ext uri="{FF2B5EF4-FFF2-40B4-BE49-F238E27FC236}">
-                <a16:creationId xmlns:a16="http://schemas.microsoft.com/office/drawing/2014/main" id="{28471828-DFE2-4A1C-9AA3-5EC45C36DB9E}"/>
+                <a16:creationId xmlns:a16="http://schemas.microsoft.com/office/drawing/2014/main" xmlns="" id="{28471828-DFE2-4A1C-9AA3-5EC45C36DB9E}"/>
               </a:ext>
             </a:extLst>
           </p:cNvPr>
@@ -10384,7 +10388,7 @@
           <p:cNvPr id="330" name="Text Placeholder 329">
             <a:extLst>
               <a:ext uri="{FF2B5EF4-FFF2-40B4-BE49-F238E27FC236}">
-                <a16:creationId xmlns:a16="http://schemas.microsoft.com/office/drawing/2014/main" id="{77AA6B23-F3C5-4D9A-AB3A-4C10501BCF56}"/>
+                <a16:creationId xmlns:a16="http://schemas.microsoft.com/office/drawing/2014/main" xmlns="" id="{77AA6B23-F3C5-4D9A-AB3A-4C10501BCF56}"/>
               </a:ext>
             </a:extLst>
           </p:cNvPr>
@@ -10417,7 +10421,7 @@
           <p:cNvPr id="331" name="Text Placeholder 330">
             <a:extLst>
               <a:ext uri="{FF2B5EF4-FFF2-40B4-BE49-F238E27FC236}">
-                <a16:creationId xmlns:a16="http://schemas.microsoft.com/office/drawing/2014/main" id="{8D6FB36B-C8BF-42E1-BDD5-FB9AE6859B81}"/>
+                <a16:creationId xmlns:a16="http://schemas.microsoft.com/office/drawing/2014/main" xmlns="" id="{8D6FB36B-C8BF-42E1-BDD5-FB9AE6859B81}"/>
               </a:ext>
             </a:extLst>
           </p:cNvPr>
@@ -10451,7 +10455,7 @@
           <p:cNvPr id="332" name="Text Placeholder 331">
             <a:extLst>
               <a:ext uri="{FF2B5EF4-FFF2-40B4-BE49-F238E27FC236}">
-                <a16:creationId xmlns:a16="http://schemas.microsoft.com/office/drawing/2014/main" id="{779D7631-AB05-426A-9E57-397306912724}"/>
+                <a16:creationId xmlns:a16="http://schemas.microsoft.com/office/drawing/2014/main" xmlns="" id="{779D7631-AB05-426A-9E57-397306912724}"/>
               </a:ext>
             </a:extLst>
           </p:cNvPr>
@@ -10479,7 +10483,7 @@
           <p:cNvPr id="333" name="Text Placeholder 332">
             <a:extLst>
               <a:ext uri="{FF2B5EF4-FFF2-40B4-BE49-F238E27FC236}">
-                <a16:creationId xmlns:a16="http://schemas.microsoft.com/office/drawing/2014/main" id="{0BF5B090-3F27-499D-AE5E-6D9D2BA11C36}"/>
+                <a16:creationId xmlns:a16="http://schemas.microsoft.com/office/drawing/2014/main" xmlns="" id="{0BF5B090-3F27-499D-AE5E-6D9D2BA11C36}"/>
               </a:ext>
             </a:extLst>
           </p:cNvPr>
@@ -10507,7 +10511,7 @@
           <p:cNvPr id="334" name="Text Placeholder 333">
             <a:extLst>
               <a:ext uri="{FF2B5EF4-FFF2-40B4-BE49-F238E27FC236}">
-                <a16:creationId xmlns:a16="http://schemas.microsoft.com/office/drawing/2014/main" id="{CAE74102-8E8B-4EDE-ABED-F469EFAB389F}"/>
+                <a16:creationId xmlns:a16="http://schemas.microsoft.com/office/drawing/2014/main" xmlns="" id="{CAE74102-8E8B-4EDE-ABED-F469EFAB389F}"/>
               </a:ext>
             </a:extLst>
           </p:cNvPr>
@@ -10535,7 +10539,7 @@
           <p:cNvPr id="335" name="Text Placeholder 334">
             <a:extLst>
               <a:ext uri="{FF2B5EF4-FFF2-40B4-BE49-F238E27FC236}">
-                <a16:creationId xmlns:a16="http://schemas.microsoft.com/office/drawing/2014/main" id="{0B953CA9-B503-4185-8DE6-C40047F256E8}"/>
+                <a16:creationId xmlns:a16="http://schemas.microsoft.com/office/drawing/2014/main" xmlns="" id="{0B953CA9-B503-4185-8DE6-C40047F256E8}"/>
               </a:ext>
             </a:extLst>
           </p:cNvPr>
@@ -10567,7 +10571,7 @@
           <p:cNvPr id="336" name="Text Placeholder 335">
             <a:extLst>
               <a:ext uri="{FF2B5EF4-FFF2-40B4-BE49-F238E27FC236}">
-                <a16:creationId xmlns:a16="http://schemas.microsoft.com/office/drawing/2014/main" id="{B373FBC6-E2CE-4788-A8AD-F6720CB71F5A}"/>
+                <a16:creationId xmlns:a16="http://schemas.microsoft.com/office/drawing/2014/main" xmlns="" id="{B373FBC6-E2CE-4788-A8AD-F6720CB71F5A}"/>
               </a:ext>
             </a:extLst>
           </p:cNvPr>
@@ -10595,7 +10599,7 @@
           <p:cNvPr id="337" name="Text Placeholder 336">
             <a:extLst>
               <a:ext uri="{FF2B5EF4-FFF2-40B4-BE49-F238E27FC236}">
-                <a16:creationId xmlns:a16="http://schemas.microsoft.com/office/drawing/2014/main" id="{6D75EF85-8839-4DA8-B7E8-D52F51551135}"/>
+                <a16:creationId xmlns:a16="http://schemas.microsoft.com/office/drawing/2014/main" xmlns="" id="{6D75EF85-8839-4DA8-B7E8-D52F51551135}"/>
               </a:ext>
             </a:extLst>
           </p:cNvPr>
@@ -10623,7 +10627,7 @@
           <p:cNvPr id="338" name="Text Placeholder 337">
             <a:extLst>
               <a:ext uri="{FF2B5EF4-FFF2-40B4-BE49-F238E27FC236}">
-                <a16:creationId xmlns:a16="http://schemas.microsoft.com/office/drawing/2014/main" id="{BF51872B-4A86-45EF-B613-832D0828DB8A}"/>
+                <a16:creationId xmlns:a16="http://schemas.microsoft.com/office/drawing/2014/main" xmlns="" id="{BF51872B-4A86-45EF-B613-832D0828DB8A}"/>
               </a:ext>
             </a:extLst>
           </p:cNvPr>
@@ -10651,7 +10655,7 @@
           <p:cNvPr id="339" name="Text Placeholder 338">
             <a:extLst>
               <a:ext uri="{FF2B5EF4-FFF2-40B4-BE49-F238E27FC236}">
-                <a16:creationId xmlns:a16="http://schemas.microsoft.com/office/drawing/2014/main" id="{CDA938BC-ABFD-428C-A80E-2D4B7D35DE52}"/>
+                <a16:creationId xmlns:a16="http://schemas.microsoft.com/office/drawing/2014/main" xmlns="" id="{CDA938BC-ABFD-428C-A80E-2D4B7D35DE52}"/>
               </a:ext>
             </a:extLst>
           </p:cNvPr>
@@ -10679,7 +10683,7 @@
           <p:cNvPr id="340" name="Text Placeholder 339">
             <a:extLst>
               <a:ext uri="{FF2B5EF4-FFF2-40B4-BE49-F238E27FC236}">
-                <a16:creationId xmlns:a16="http://schemas.microsoft.com/office/drawing/2014/main" id="{8C6358F8-7C12-4C62-B490-4FC7F80CAF07}"/>
+                <a16:creationId xmlns:a16="http://schemas.microsoft.com/office/drawing/2014/main" xmlns="" id="{8C6358F8-7C12-4C62-B490-4FC7F80CAF07}"/>
               </a:ext>
             </a:extLst>
           </p:cNvPr>
@@ -10707,7 +10711,7 @@
           <p:cNvPr id="341" name="Text Placeholder 340">
             <a:extLst>
               <a:ext uri="{FF2B5EF4-FFF2-40B4-BE49-F238E27FC236}">
-                <a16:creationId xmlns:a16="http://schemas.microsoft.com/office/drawing/2014/main" id="{95565110-4E97-49FF-BAA4-B7FD933E754A}"/>
+                <a16:creationId xmlns:a16="http://schemas.microsoft.com/office/drawing/2014/main" xmlns="" id="{95565110-4E97-49FF-BAA4-B7FD933E754A}"/>
               </a:ext>
             </a:extLst>
           </p:cNvPr>
@@ -10735,7 +10739,7 @@
           <p:cNvPr id="342" name="Text Placeholder 341">
             <a:extLst>
               <a:ext uri="{FF2B5EF4-FFF2-40B4-BE49-F238E27FC236}">
-                <a16:creationId xmlns:a16="http://schemas.microsoft.com/office/drawing/2014/main" id="{28B2CFC5-5548-4845-B3E5-4CD4A63676F9}"/>
+                <a16:creationId xmlns:a16="http://schemas.microsoft.com/office/drawing/2014/main" xmlns="" id="{28B2CFC5-5548-4845-B3E5-4CD4A63676F9}"/>
               </a:ext>
             </a:extLst>
           </p:cNvPr>
@@ -10756,7 +10760,7 @@
                 <a:hlinkClick r:id="rId26">
                   <a:extLst>
                     <a:ext uri="{A12FA001-AC4F-418D-AE19-62706E023703}">
-                      <ahyp:hlinkClr xmlns:ahyp="http://schemas.microsoft.com/office/drawing/2018/hyperlinkcolor" val="tx"/>
+                      <ahyp:hlinkClr xmlns:ahyp="http://schemas.microsoft.com/office/drawing/2018/hyperlinkcolor" xmlns="" val="tx"/>
                     </a:ext>
                   </a:extLst>
                 </a:hlinkClick>
@@ -10772,7 +10776,7 @@
           <p:cNvPr id="343" name="Text Placeholder 342">
             <a:extLst>
               <a:ext uri="{FF2B5EF4-FFF2-40B4-BE49-F238E27FC236}">
-                <a16:creationId xmlns:a16="http://schemas.microsoft.com/office/drawing/2014/main" id="{1EF300C0-C4E7-485A-BA08-A8486CCCC412}"/>
+                <a16:creationId xmlns:a16="http://schemas.microsoft.com/office/drawing/2014/main" xmlns="" id="{1EF300C0-C4E7-485A-BA08-A8486CCCC412}"/>
               </a:ext>
             </a:extLst>
           </p:cNvPr>
@@ -10800,7 +10804,7 @@
           <p:cNvPr id="344" name="Text Placeholder 343">
             <a:extLst>
               <a:ext uri="{FF2B5EF4-FFF2-40B4-BE49-F238E27FC236}">
-                <a16:creationId xmlns:a16="http://schemas.microsoft.com/office/drawing/2014/main" id="{C89546FF-D223-4DC7-B8AA-056365712B07}"/>
+                <a16:creationId xmlns:a16="http://schemas.microsoft.com/office/drawing/2014/main" xmlns="" id="{C89546FF-D223-4DC7-B8AA-056365712B07}"/>
               </a:ext>
             </a:extLst>
           </p:cNvPr>
@@ -10828,7 +10832,7 @@
           <p:cNvPr id="345" name="Text Placeholder 344">
             <a:extLst>
               <a:ext uri="{FF2B5EF4-FFF2-40B4-BE49-F238E27FC236}">
-                <a16:creationId xmlns:a16="http://schemas.microsoft.com/office/drawing/2014/main" id="{B564F654-2106-4E24-AF82-A42E2BE6CC6A}"/>
+                <a16:creationId xmlns:a16="http://schemas.microsoft.com/office/drawing/2014/main" xmlns="" id="{B564F654-2106-4E24-AF82-A42E2BE6CC6A}"/>
               </a:ext>
             </a:extLst>
           </p:cNvPr>
@@ -10849,7 +10853,7 @@
                 <a:hlinkClick r:id="rId27">
                   <a:extLst>
                     <a:ext uri="{A12FA001-AC4F-418D-AE19-62706E023703}">
-                      <ahyp:hlinkClr xmlns:ahyp="http://schemas.microsoft.com/office/drawing/2018/hyperlinkcolor" val="tx"/>
+                      <ahyp:hlinkClr xmlns:ahyp="http://schemas.microsoft.com/office/drawing/2018/hyperlinkcolor" xmlns="" val="tx"/>
                     </a:ext>
                   </a:extLst>
                 </a:hlinkClick>
@@ -10865,7 +10869,7 @@
           <p:cNvPr id="346" name="Text Placeholder 345">
             <a:extLst>
               <a:ext uri="{FF2B5EF4-FFF2-40B4-BE49-F238E27FC236}">
-                <a16:creationId xmlns:a16="http://schemas.microsoft.com/office/drawing/2014/main" id="{1606E19F-904E-41CC-8BEA-656D2F4BD6E9}"/>
+                <a16:creationId xmlns:a16="http://schemas.microsoft.com/office/drawing/2014/main" xmlns="" id="{1606E19F-904E-41CC-8BEA-656D2F4BD6E9}"/>
               </a:ext>
             </a:extLst>
           </p:cNvPr>
@@ -10899,7 +10903,7 @@
           <p:cNvPr id="347" name="Text Placeholder 346">
             <a:extLst>
               <a:ext uri="{FF2B5EF4-FFF2-40B4-BE49-F238E27FC236}">
-                <a16:creationId xmlns:a16="http://schemas.microsoft.com/office/drawing/2014/main" id="{C60A38CE-3BD8-4C7B-8E50-F0534BD5BB1C}"/>
+                <a16:creationId xmlns:a16="http://schemas.microsoft.com/office/drawing/2014/main" xmlns="" id="{C60A38CE-3BD8-4C7B-8E50-F0534BD5BB1C}"/>
               </a:ext>
             </a:extLst>
           </p:cNvPr>
@@ -10927,7 +10931,7 @@
           <p:cNvPr id="348" name="Text Placeholder 347">
             <a:extLst>
               <a:ext uri="{FF2B5EF4-FFF2-40B4-BE49-F238E27FC236}">
-                <a16:creationId xmlns:a16="http://schemas.microsoft.com/office/drawing/2014/main" id="{6AF42D39-5BC3-41E4-89F3-738AF3194B85}"/>
+                <a16:creationId xmlns:a16="http://schemas.microsoft.com/office/drawing/2014/main" xmlns="" id="{6AF42D39-5BC3-41E4-89F3-738AF3194B85}"/>
               </a:ext>
             </a:extLst>
           </p:cNvPr>
@@ -10955,7 +10959,7 @@
           <p:cNvPr id="349" name="Text Placeholder 348">
             <a:extLst>
               <a:ext uri="{FF2B5EF4-FFF2-40B4-BE49-F238E27FC236}">
-                <a16:creationId xmlns:a16="http://schemas.microsoft.com/office/drawing/2014/main" id="{E9556DBF-15C6-464D-A4F2-CD0FAA90979C}"/>
+                <a16:creationId xmlns:a16="http://schemas.microsoft.com/office/drawing/2014/main" xmlns="" id="{E9556DBF-15C6-464D-A4F2-CD0FAA90979C}"/>
               </a:ext>
             </a:extLst>
           </p:cNvPr>
@@ -10983,7 +10987,7 @@
           <p:cNvPr id="350" name="Text Placeholder 349">
             <a:extLst>
               <a:ext uri="{FF2B5EF4-FFF2-40B4-BE49-F238E27FC236}">
-                <a16:creationId xmlns:a16="http://schemas.microsoft.com/office/drawing/2014/main" id="{AACB2BCD-B366-44E8-AD17-95303CCEB974}"/>
+                <a16:creationId xmlns:a16="http://schemas.microsoft.com/office/drawing/2014/main" xmlns="" id="{AACB2BCD-B366-44E8-AD17-95303CCEB974}"/>
               </a:ext>
             </a:extLst>
           </p:cNvPr>
@@ -11011,7 +11015,7 @@
           <p:cNvPr id="351" name="Text Placeholder 350">
             <a:extLst>
               <a:ext uri="{FF2B5EF4-FFF2-40B4-BE49-F238E27FC236}">
-                <a16:creationId xmlns:a16="http://schemas.microsoft.com/office/drawing/2014/main" id="{8A652CC6-75A3-4B7B-A84B-9A341A9B6309}"/>
+                <a16:creationId xmlns:a16="http://schemas.microsoft.com/office/drawing/2014/main" xmlns="" id="{8A652CC6-75A3-4B7B-A84B-9A341A9B6309}"/>
               </a:ext>
             </a:extLst>
           </p:cNvPr>
@@ -11039,7 +11043,7 @@
           <p:cNvPr id="354" name="Rectangle 353" descr="Blue rectangle">
             <a:extLst>
               <a:ext uri="{FF2B5EF4-FFF2-40B4-BE49-F238E27FC236}">
-                <a16:creationId xmlns:a16="http://schemas.microsoft.com/office/drawing/2014/main" id="{A2E534EA-79AB-4B44-A2C9-3D574D8A8AA6}"/>
+                <a16:creationId xmlns:a16="http://schemas.microsoft.com/office/drawing/2014/main" xmlns="" id="{A2E534EA-79AB-4B44-A2C9-3D574D8A8AA6}"/>
               </a:ext>
             </a:extLst>
           </p:cNvPr>
@@ -11096,7 +11100,7 @@
           <p:cNvPr id="355" name="Rectangle 354" descr="Grey rectangle">
             <a:extLst>
               <a:ext uri="{FF2B5EF4-FFF2-40B4-BE49-F238E27FC236}">
-                <a16:creationId xmlns:a16="http://schemas.microsoft.com/office/drawing/2014/main" id="{AA504A55-CBE2-40F6-BF9C-458B37CC4F9A}"/>
+                <a16:creationId xmlns:a16="http://schemas.microsoft.com/office/drawing/2014/main" xmlns="" id="{AA504A55-CBE2-40F6-BF9C-458B37CC4F9A}"/>
               </a:ext>
             </a:extLst>
           </p:cNvPr>
@@ -11153,7 +11157,7 @@
           <p:cNvPr id="356" name="Rectangle 355" descr="Blue rectangle">
             <a:extLst>
               <a:ext uri="{FF2B5EF4-FFF2-40B4-BE49-F238E27FC236}">
-                <a16:creationId xmlns:a16="http://schemas.microsoft.com/office/drawing/2014/main" id="{1637F08E-06AB-4B0D-9250-951D8B069D09}"/>
+                <a16:creationId xmlns:a16="http://schemas.microsoft.com/office/drawing/2014/main" xmlns="" id="{1637F08E-06AB-4B0D-9250-951D8B069D09}"/>
               </a:ext>
             </a:extLst>
           </p:cNvPr>
@@ -11210,7 +11214,7 @@
           <p:cNvPr id="357" name="Rectangle 356" descr="Grey rectangle">
             <a:extLst>
               <a:ext uri="{FF2B5EF4-FFF2-40B4-BE49-F238E27FC236}">
-                <a16:creationId xmlns:a16="http://schemas.microsoft.com/office/drawing/2014/main" id="{B011C5E9-63C2-4095-9D89-BE9DE4A73544}"/>
+                <a16:creationId xmlns:a16="http://schemas.microsoft.com/office/drawing/2014/main" xmlns="" id="{B011C5E9-63C2-4095-9D89-BE9DE4A73544}"/>
               </a:ext>
             </a:extLst>
           </p:cNvPr>
@@ -11267,7 +11271,7 @@
           <p:cNvPr id="358" name="Rectangle 357" descr="Blue rectangle">
             <a:extLst>
               <a:ext uri="{FF2B5EF4-FFF2-40B4-BE49-F238E27FC236}">
-                <a16:creationId xmlns:a16="http://schemas.microsoft.com/office/drawing/2014/main" id="{42B380E1-8998-4073-A4DD-6B2E2ABB6B2E}"/>
+                <a16:creationId xmlns:a16="http://schemas.microsoft.com/office/drawing/2014/main" xmlns="" id="{42B380E1-8998-4073-A4DD-6B2E2ABB6B2E}"/>
               </a:ext>
             </a:extLst>
           </p:cNvPr>
@@ -11324,7 +11328,7 @@
           <p:cNvPr id="359" name="Rectangle 358" descr="Grey rectangle">
             <a:extLst>
               <a:ext uri="{FF2B5EF4-FFF2-40B4-BE49-F238E27FC236}">
-                <a16:creationId xmlns:a16="http://schemas.microsoft.com/office/drawing/2014/main" id="{315AB487-A7FD-464B-8A69-51EBDEA11773}"/>
+                <a16:creationId xmlns:a16="http://schemas.microsoft.com/office/drawing/2014/main" xmlns="" id="{315AB487-A7FD-464B-8A69-51EBDEA11773}"/>
               </a:ext>
             </a:extLst>
           </p:cNvPr>
@@ -11381,7 +11385,7 @@
           <p:cNvPr id="360" name="Group 359" descr="Circles">
             <a:extLst>
               <a:ext uri="{FF2B5EF4-FFF2-40B4-BE49-F238E27FC236}">
-                <a16:creationId xmlns:a16="http://schemas.microsoft.com/office/drawing/2014/main" id="{66ADE5CA-3180-4AB7-81BB-E9FC04A1EED1}"/>
+                <a16:creationId xmlns:a16="http://schemas.microsoft.com/office/drawing/2014/main" xmlns="" id="{66ADE5CA-3180-4AB7-81BB-E9FC04A1EED1}"/>
               </a:ext>
             </a:extLst>
           </p:cNvPr>
@@ -11401,12 +11405,12 @@
             <p:cNvPr id="361" name="Oval 360">
               <a:extLst>
                 <a:ext uri="{FF2B5EF4-FFF2-40B4-BE49-F238E27FC236}">
-                  <a16:creationId xmlns:a16="http://schemas.microsoft.com/office/drawing/2014/main" id="{9D272A54-A3E5-430F-A4D2-82C1C953C191}"/>
+                  <a16:creationId xmlns:a16="http://schemas.microsoft.com/office/drawing/2014/main" xmlns="" id="{9D272A54-A3E5-430F-A4D2-82C1C953C191}"/>
                 </a:ext>
               </a:extLst>
             </p:cNvPr>
             <p:cNvSpPr/>
-            <p:nvPr userDrawn="1"/>
+            <p:nvPr/>
           </p:nvSpPr>
           <p:spPr>
             <a:xfrm>
@@ -11458,12 +11462,12 @@
             <p:cNvPr id="362" name="Oval 361">
               <a:extLst>
                 <a:ext uri="{FF2B5EF4-FFF2-40B4-BE49-F238E27FC236}">
-                  <a16:creationId xmlns:a16="http://schemas.microsoft.com/office/drawing/2014/main" id="{F0828C26-6A12-4168-98C4-FFD83BB367B4}"/>
+                  <a16:creationId xmlns:a16="http://schemas.microsoft.com/office/drawing/2014/main" xmlns="" id="{F0828C26-6A12-4168-98C4-FFD83BB367B4}"/>
                 </a:ext>
               </a:extLst>
             </p:cNvPr>
             <p:cNvSpPr/>
-            <p:nvPr userDrawn="1"/>
+            <p:nvPr/>
           </p:nvSpPr>
           <p:spPr>
             <a:xfrm>
@@ -11515,12 +11519,12 @@
             <p:cNvPr id="363" name="Oval 362">
               <a:extLst>
                 <a:ext uri="{FF2B5EF4-FFF2-40B4-BE49-F238E27FC236}">
-                  <a16:creationId xmlns:a16="http://schemas.microsoft.com/office/drawing/2014/main" id="{CCA4EC35-455B-435B-AA82-7CCD150BE3D8}"/>
+                  <a16:creationId xmlns:a16="http://schemas.microsoft.com/office/drawing/2014/main" xmlns="" id="{CCA4EC35-455B-435B-AA82-7CCD150BE3D8}"/>
                 </a:ext>
               </a:extLst>
             </p:cNvPr>
             <p:cNvSpPr/>
-            <p:nvPr userDrawn="1"/>
+            <p:nvPr/>
           </p:nvSpPr>
           <p:spPr>
             <a:xfrm>
@@ -11572,12 +11576,12 @@
             <p:cNvPr id="364" name="Oval 363">
               <a:extLst>
                 <a:ext uri="{FF2B5EF4-FFF2-40B4-BE49-F238E27FC236}">
-                  <a16:creationId xmlns:a16="http://schemas.microsoft.com/office/drawing/2014/main" id="{7CB50DDC-0209-4811-8E24-E7D477C96598}"/>
+                  <a16:creationId xmlns:a16="http://schemas.microsoft.com/office/drawing/2014/main" xmlns="" id="{7CB50DDC-0209-4811-8E24-E7D477C96598}"/>
                 </a:ext>
               </a:extLst>
             </p:cNvPr>
             <p:cNvSpPr/>
-            <p:nvPr userDrawn="1"/>
+            <p:nvPr/>
           </p:nvSpPr>
           <p:spPr>
             <a:xfrm>
@@ -11629,12 +11633,12 @@
             <p:cNvPr id="365" name="Oval 364">
               <a:extLst>
                 <a:ext uri="{FF2B5EF4-FFF2-40B4-BE49-F238E27FC236}">
-                  <a16:creationId xmlns:a16="http://schemas.microsoft.com/office/drawing/2014/main" id="{97F48CA8-C776-4FC2-9DFF-1A6FFD065883}"/>
+                  <a16:creationId xmlns:a16="http://schemas.microsoft.com/office/drawing/2014/main" xmlns="" id="{97F48CA8-C776-4FC2-9DFF-1A6FFD065883}"/>
                 </a:ext>
               </a:extLst>
             </p:cNvPr>
             <p:cNvSpPr/>
-            <p:nvPr userDrawn="1"/>
+            <p:nvPr/>
           </p:nvSpPr>
           <p:spPr>
             <a:xfrm>
@@ -11686,12 +11690,12 @@
             <p:cNvPr id="366" name="Oval 365">
               <a:extLst>
                 <a:ext uri="{FF2B5EF4-FFF2-40B4-BE49-F238E27FC236}">
-                  <a16:creationId xmlns:a16="http://schemas.microsoft.com/office/drawing/2014/main" id="{A25C3943-5577-4A84-BCD3-3F3567FC1278}"/>
+                  <a16:creationId xmlns:a16="http://schemas.microsoft.com/office/drawing/2014/main" xmlns="" id="{A25C3943-5577-4A84-BCD3-3F3567FC1278}"/>
                 </a:ext>
               </a:extLst>
             </p:cNvPr>
             <p:cNvSpPr/>
-            <p:nvPr userDrawn="1"/>
+            <p:nvPr/>
           </p:nvSpPr>
           <p:spPr>
             <a:xfrm>
@@ -11743,12 +11747,12 @@
             <p:cNvPr id="367" name="Oval 366">
               <a:extLst>
                 <a:ext uri="{FF2B5EF4-FFF2-40B4-BE49-F238E27FC236}">
-                  <a16:creationId xmlns:a16="http://schemas.microsoft.com/office/drawing/2014/main" id="{519E664D-57BA-4BCE-BB27-DBF3F2910FA4}"/>
+                  <a16:creationId xmlns:a16="http://schemas.microsoft.com/office/drawing/2014/main" xmlns="" id="{519E664D-57BA-4BCE-BB27-DBF3F2910FA4}"/>
                 </a:ext>
               </a:extLst>
             </p:cNvPr>
             <p:cNvSpPr/>
-            <p:nvPr userDrawn="1"/>
+            <p:nvPr/>
           </p:nvSpPr>
           <p:spPr>
             <a:xfrm>
@@ -11800,12 +11804,12 @@
             <p:cNvPr id="368" name="Oval 367">
               <a:extLst>
                 <a:ext uri="{FF2B5EF4-FFF2-40B4-BE49-F238E27FC236}">
-                  <a16:creationId xmlns:a16="http://schemas.microsoft.com/office/drawing/2014/main" id="{4B553252-13A3-48FF-8C75-065E1D6294A1}"/>
+                  <a16:creationId xmlns:a16="http://schemas.microsoft.com/office/drawing/2014/main" xmlns="" id="{4B553252-13A3-48FF-8C75-065E1D6294A1}"/>
                 </a:ext>
               </a:extLst>
             </p:cNvPr>
             <p:cNvSpPr/>
-            <p:nvPr userDrawn="1"/>
+            <p:nvPr/>
           </p:nvSpPr>
           <p:spPr>
             <a:xfrm>
@@ -11857,12 +11861,12 @@
             <p:cNvPr id="369" name="Oval 368">
               <a:extLst>
                 <a:ext uri="{FF2B5EF4-FFF2-40B4-BE49-F238E27FC236}">
-                  <a16:creationId xmlns:a16="http://schemas.microsoft.com/office/drawing/2014/main" id="{6A40DC52-F058-4C07-BB90-A35980C528E9}"/>
+                  <a16:creationId xmlns:a16="http://schemas.microsoft.com/office/drawing/2014/main" xmlns="" id="{6A40DC52-F058-4C07-BB90-A35980C528E9}"/>
                 </a:ext>
               </a:extLst>
             </p:cNvPr>
             <p:cNvSpPr/>
-            <p:nvPr userDrawn="1"/>
+            <p:nvPr/>
           </p:nvSpPr>
           <p:spPr>
             <a:xfrm>
@@ -11914,12 +11918,12 @@
             <p:cNvPr id="370" name="Oval 369">
               <a:extLst>
                 <a:ext uri="{FF2B5EF4-FFF2-40B4-BE49-F238E27FC236}">
-                  <a16:creationId xmlns:a16="http://schemas.microsoft.com/office/drawing/2014/main" id="{BBF9392F-BC85-4F1B-8636-E67512832F94}"/>
+                  <a16:creationId xmlns:a16="http://schemas.microsoft.com/office/drawing/2014/main" xmlns="" id="{BBF9392F-BC85-4F1B-8636-E67512832F94}"/>
                 </a:ext>
               </a:extLst>
             </p:cNvPr>
             <p:cNvSpPr/>
-            <p:nvPr userDrawn="1"/>
+            <p:nvPr/>
           </p:nvSpPr>
           <p:spPr>
             <a:xfrm>
@@ -11972,7 +11976,7 @@
           <p:cNvPr id="371" name="Group 370" descr="Circles">
             <a:extLst>
               <a:ext uri="{FF2B5EF4-FFF2-40B4-BE49-F238E27FC236}">
-                <a16:creationId xmlns:a16="http://schemas.microsoft.com/office/drawing/2014/main" id="{03063BAB-5042-4052-BBA1-463F9298E368}"/>
+                <a16:creationId xmlns:a16="http://schemas.microsoft.com/office/drawing/2014/main" xmlns="" id="{03063BAB-5042-4052-BBA1-463F9298E368}"/>
               </a:ext>
             </a:extLst>
           </p:cNvPr>
@@ -11992,12 +11996,12 @@
             <p:cNvPr id="372" name="Oval 371">
               <a:extLst>
                 <a:ext uri="{FF2B5EF4-FFF2-40B4-BE49-F238E27FC236}">
-                  <a16:creationId xmlns:a16="http://schemas.microsoft.com/office/drawing/2014/main" id="{2E1BC56C-8C52-45A9-946D-A3F62A04703B}"/>
+                  <a16:creationId xmlns:a16="http://schemas.microsoft.com/office/drawing/2014/main" xmlns="" id="{2E1BC56C-8C52-45A9-946D-A3F62A04703B}"/>
                 </a:ext>
               </a:extLst>
             </p:cNvPr>
             <p:cNvSpPr/>
-            <p:nvPr userDrawn="1"/>
+            <p:nvPr/>
           </p:nvSpPr>
           <p:spPr>
             <a:xfrm>
@@ -12049,12 +12053,12 @@
             <p:cNvPr id="373" name="Oval 372">
               <a:extLst>
                 <a:ext uri="{FF2B5EF4-FFF2-40B4-BE49-F238E27FC236}">
-                  <a16:creationId xmlns:a16="http://schemas.microsoft.com/office/drawing/2014/main" id="{0B613269-795D-47C5-9B21-2161D45376DD}"/>
+                  <a16:creationId xmlns:a16="http://schemas.microsoft.com/office/drawing/2014/main" xmlns="" id="{0B613269-795D-47C5-9B21-2161D45376DD}"/>
                 </a:ext>
               </a:extLst>
             </p:cNvPr>
             <p:cNvSpPr/>
-            <p:nvPr userDrawn="1"/>
+            <p:nvPr/>
           </p:nvSpPr>
           <p:spPr>
             <a:xfrm>
@@ -12106,12 +12110,12 @@
             <p:cNvPr id="374" name="Oval 373">
               <a:extLst>
                 <a:ext uri="{FF2B5EF4-FFF2-40B4-BE49-F238E27FC236}">
-                  <a16:creationId xmlns:a16="http://schemas.microsoft.com/office/drawing/2014/main" id="{81C60AD1-1FCC-4389-AD2F-FE7CC40285FB}"/>
+                  <a16:creationId xmlns:a16="http://schemas.microsoft.com/office/drawing/2014/main" xmlns="" id="{81C60AD1-1FCC-4389-AD2F-FE7CC40285FB}"/>
                 </a:ext>
               </a:extLst>
             </p:cNvPr>
             <p:cNvSpPr/>
-            <p:nvPr userDrawn="1"/>
+            <p:nvPr/>
           </p:nvSpPr>
           <p:spPr>
             <a:xfrm>
@@ -12163,12 +12167,12 @@
             <p:cNvPr id="375" name="Oval 374">
               <a:extLst>
                 <a:ext uri="{FF2B5EF4-FFF2-40B4-BE49-F238E27FC236}">
-                  <a16:creationId xmlns:a16="http://schemas.microsoft.com/office/drawing/2014/main" id="{5FB29545-8C3D-41F8-ABF5-635FD6A5BD45}"/>
+                  <a16:creationId xmlns:a16="http://schemas.microsoft.com/office/drawing/2014/main" xmlns="" id="{5FB29545-8C3D-41F8-ABF5-635FD6A5BD45}"/>
                 </a:ext>
               </a:extLst>
             </p:cNvPr>
             <p:cNvSpPr/>
-            <p:nvPr userDrawn="1"/>
+            <p:nvPr/>
           </p:nvSpPr>
           <p:spPr>
             <a:xfrm>
@@ -12220,12 +12224,12 @@
             <p:cNvPr id="376" name="Oval 375">
               <a:extLst>
                 <a:ext uri="{FF2B5EF4-FFF2-40B4-BE49-F238E27FC236}">
-                  <a16:creationId xmlns:a16="http://schemas.microsoft.com/office/drawing/2014/main" id="{8F051E32-A289-4D28-AF80-991F6C00663D}"/>
+                  <a16:creationId xmlns:a16="http://schemas.microsoft.com/office/drawing/2014/main" xmlns="" id="{8F051E32-A289-4D28-AF80-991F6C00663D}"/>
                 </a:ext>
               </a:extLst>
             </p:cNvPr>
             <p:cNvSpPr/>
-            <p:nvPr userDrawn="1"/>
+            <p:nvPr/>
           </p:nvSpPr>
           <p:spPr>
             <a:xfrm>
@@ -12277,12 +12281,12 @@
             <p:cNvPr id="377" name="Oval 376">
               <a:extLst>
                 <a:ext uri="{FF2B5EF4-FFF2-40B4-BE49-F238E27FC236}">
-                  <a16:creationId xmlns:a16="http://schemas.microsoft.com/office/drawing/2014/main" id="{105BF631-21B9-4FE7-B6EC-234CD0EC0F99}"/>
+                  <a16:creationId xmlns:a16="http://schemas.microsoft.com/office/drawing/2014/main" xmlns="" id="{105BF631-21B9-4FE7-B6EC-234CD0EC0F99}"/>
                 </a:ext>
               </a:extLst>
             </p:cNvPr>
             <p:cNvSpPr/>
-            <p:nvPr userDrawn="1"/>
+            <p:nvPr/>
           </p:nvSpPr>
           <p:spPr>
             <a:xfrm>
@@ -12334,12 +12338,12 @@
             <p:cNvPr id="378" name="Oval 377">
               <a:extLst>
                 <a:ext uri="{FF2B5EF4-FFF2-40B4-BE49-F238E27FC236}">
-                  <a16:creationId xmlns:a16="http://schemas.microsoft.com/office/drawing/2014/main" id="{59827F43-61BF-4AC4-9165-7573EADFB310}"/>
+                  <a16:creationId xmlns:a16="http://schemas.microsoft.com/office/drawing/2014/main" xmlns="" id="{59827F43-61BF-4AC4-9165-7573EADFB310}"/>
                 </a:ext>
               </a:extLst>
             </p:cNvPr>
             <p:cNvSpPr/>
-            <p:nvPr userDrawn="1"/>
+            <p:nvPr/>
           </p:nvSpPr>
           <p:spPr>
             <a:xfrm>
@@ -12391,12 +12395,12 @@
             <p:cNvPr id="379" name="Oval 378">
               <a:extLst>
                 <a:ext uri="{FF2B5EF4-FFF2-40B4-BE49-F238E27FC236}">
-                  <a16:creationId xmlns:a16="http://schemas.microsoft.com/office/drawing/2014/main" id="{2514BF14-BC9B-4723-8723-4C7129D18ECA}"/>
+                  <a16:creationId xmlns:a16="http://schemas.microsoft.com/office/drawing/2014/main" xmlns="" id="{2514BF14-BC9B-4723-8723-4C7129D18ECA}"/>
                 </a:ext>
               </a:extLst>
             </p:cNvPr>
             <p:cNvSpPr/>
-            <p:nvPr userDrawn="1"/>
+            <p:nvPr/>
           </p:nvSpPr>
           <p:spPr>
             <a:xfrm>
@@ -12448,12 +12452,12 @@
             <p:cNvPr id="380" name="Oval 379">
               <a:extLst>
                 <a:ext uri="{FF2B5EF4-FFF2-40B4-BE49-F238E27FC236}">
-                  <a16:creationId xmlns:a16="http://schemas.microsoft.com/office/drawing/2014/main" id="{88C8F79A-C0CF-4443-8679-0DFD26C9BFD1}"/>
+                  <a16:creationId xmlns:a16="http://schemas.microsoft.com/office/drawing/2014/main" xmlns="" id="{88C8F79A-C0CF-4443-8679-0DFD26C9BFD1}"/>
                 </a:ext>
               </a:extLst>
             </p:cNvPr>
             <p:cNvSpPr/>
-            <p:nvPr userDrawn="1"/>
+            <p:nvPr/>
           </p:nvSpPr>
           <p:spPr>
             <a:xfrm>
@@ -12505,12 +12509,12 @@
             <p:cNvPr id="381" name="Oval 380">
               <a:extLst>
                 <a:ext uri="{FF2B5EF4-FFF2-40B4-BE49-F238E27FC236}">
-                  <a16:creationId xmlns:a16="http://schemas.microsoft.com/office/drawing/2014/main" id="{D8EF7FD7-8181-4715-9251-50D36DD10AC9}"/>
+                  <a16:creationId xmlns:a16="http://schemas.microsoft.com/office/drawing/2014/main" xmlns="" id="{D8EF7FD7-8181-4715-9251-50D36DD10AC9}"/>
                 </a:ext>
               </a:extLst>
             </p:cNvPr>
             <p:cNvSpPr/>
-            <p:nvPr userDrawn="1"/>
+            <p:nvPr/>
           </p:nvSpPr>
           <p:spPr>
             <a:xfrm>
@@ -12563,7 +12567,7 @@
           <p:cNvPr id="382" name="Group 381" descr="Circles">
             <a:extLst>
               <a:ext uri="{FF2B5EF4-FFF2-40B4-BE49-F238E27FC236}">
-                <a16:creationId xmlns:a16="http://schemas.microsoft.com/office/drawing/2014/main" id="{511E9039-C6F4-4A76-9ED4-03BBAB6E5EDA}"/>
+                <a16:creationId xmlns:a16="http://schemas.microsoft.com/office/drawing/2014/main" xmlns="" id="{511E9039-C6F4-4A76-9ED4-03BBAB6E5EDA}"/>
               </a:ext>
             </a:extLst>
           </p:cNvPr>
@@ -12583,12 +12587,12 @@
             <p:cNvPr id="383" name="Oval 382">
               <a:extLst>
                 <a:ext uri="{FF2B5EF4-FFF2-40B4-BE49-F238E27FC236}">
-                  <a16:creationId xmlns:a16="http://schemas.microsoft.com/office/drawing/2014/main" id="{E2450CAD-DEDC-4B7B-87A3-E9CA9904CDEB}"/>
+                  <a16:creationId xmlns:a16="http://schemas.microsoft.com/office/drawing/2014/main" xmlns="" id="{E2450CAD-DEDC-4B7B-87A3-E9CA9904CDEB}"/>
                 </a:ext>
               </a:extLst>
             </p:cNvPr>
             <p:cNvSpPr/>
-            <p:nvPr userDrawn="1"/>
+            <p:nvPr/>
           </p:nvSpPr>
           <p:spPr>
             <a:xfrm>
@@ -12640,12 +12644,12 @@
             <p:cNvPr id="384" name="Oval 383">
               <a:extLst>
                 <a:ext uri="{FF2B5EF4-FFF2-40B4-BE49-F238E27FC236}">
-                  <a16:creationId xmlns:a16="http://schemas.microsoft.com/office/drawing/2014/main" id="{37755EB1-FD8E-4B9D-9D70-9F1153A404A6}"/>
+                  <a16:creationId xmlns:a16="http://schemas.microsoft.com/office/drawing/2014/main" xmlns="" id="{37755EB1-FD8E-4B9D-9D70-9F1153A404A6}"/>
                 </a:ext>
               </a:extLst>
             </p:cNvPr>
             <p:cNvSpPr/>
-            <p:nvPr userDrawn="1"/>
+            <p:nvPr/>
           </p:nvSpPr>
           <p:spPr>
             <a:xfrm>
@@ -12697,12 +12701,12 @@
             <p:cNvPr id="385" name="Oval 384">
               <a:extLst>
                 <a:ext uri="{FF2B5EF4-FFF2-40B4-BE49-F238E27FC236}">
-                  <a16:creationId xmlns:a16="http://schemas.microsoft.com/office/drawing/2014/main" id="{BD8ADA0A-B73E-4B86-A46F-29B286C16ABC}"/>
+                  <a16:creationId xmlns:a16="http://schemas.microsoft.com/office/drawing/2014/main" xmlns="" id="{BD8ADA0A-B73E-4B86-A46F-29B286C16ABC}"/>
                 </a:ext>
               </a:extLst>
             </p:cNvPr>
             <p:cNvSpPr/>
-            <p:nvPr userDrawn="1"/>
+            <p:nvPr/>
           </p:nvSpPr>
           <p:spPr>
             <a:xfrm>
@@ -12754,12 +12758,12 @@
             <p:cNvPr id="386" name="Oval 385">
               <a:extLst>
                 <a:ext uri="{FF2B5EF4-FFF2-40B4-BE49-F238E27FC236}">
-                  <a16:creationId xmlns:a16="http://schemas.microsoft.com/office/drawing/2014/main" id="{9624A194-344E-479C-ABB9-0B94EDE2FB33}"/>
+                  <a16:creationId xmlns:a16="http://schemas.microsoft.com/office/drawing/2014/main" xmlns="" id="{9624A194-344E-479C-ABB9-0B94EDE2FB33}"/>
                 </a:ext>
               </a:extLst>
             </p:cNvPr>
             <p:cNvSpPr/>
-            <p:nvPr userDrawn="1"/>
+            <p:nvPr/>
           </p:nvSpPr>
           <p:spPr>
             <a:xfrm>
@@ -12811,12 +12815,12 @@
             <p:cNvPr id="387" name="Oval 386">
               <a:extLst>
                 <a:ext uri="{FF2B5EF4-FFF2-40B4-BE49-F238E27FC236}">
-                  <a16:creationId xmlns:a16="http://schemas.microsoft.com/office/drawing/2014/main" id="{21F7F4F0-FE8D-4076-9B58-35678AC2FBFA}"/>
+                  <a16:creationId xmlns:a16="http://schemas.microsoft.com/office/drawing/2014/main" xmlns="" id="{21F7F4F0-FE8D-4076-9B58-35678AC2FBFA}"/>
                 </a:ext>
               </a:extLst>
             </p:cNvPr>
             <p:cNvSpPr/>
-            <p:nvPr userDrawn="1"/>
+            <p:nvPr/>
           </p:nvSpPr>
           <p:spPr>
             <a:xfrm>
@@ -12868,12 +12872,12 @@
             <p:cNvPr id="388" name="Oval 387">
               <a:extLst>
                 <a:ext uri="{FF2B5EF4-FFF2-40B4-BE49-F238E27FC236}">
-                  <a16:creationId xmlns:a16="http://schemas.microsoft.com/office/drawing/2014/main" id="{8DDBEA2E-2624-4E47-AC13-F1849D9EB55D}"/>
+                  <a16:creationId xmlns:a16="http://schemas.microsoft.com/office/drawing/2014/main" xmlns="" id="{8DDBEA2E-2624-4E47-AC13-F1849D9EB55D}"/>
                 </a:ext>
               </a:extLst>
             </p:cNvPr>
             <p:cNvSpPr/>
-            <p:nvPr userDrawn="1"/>
+            <p:nvPr/>
           </p:nvSpPr>
           <p:spPr>
             <a:xfrm>
@@ -12925,12 +12929,12 @@
             <p:cNvPr id="389" name="Oval 388">
               <a:extLst>
                 <a:ext uri="{FF2B5EF4-FFF2-40B4-BE49-F238E27FC236}">
-                  <a16:creationId xmlns:a16="http://schemas.microsoft.com/office/drawing/2014/main" id="{1385BAF9-9F71-4EB2-941B-FF84EA71D891}"/>
+                  <a16:creationId xmlns:a16="http://schemas.microsoft.com/office/drawing/2014/main" xmlns="" id="{1385BAF9-9F71-4EB2-941B-FF84EA71D891}"/>
                 </a:ext>
               </a:extLst>
             </p:cNvPr>
             <p:cNvSpPr/>
-            <p:nvPr userDrawn="1"/>
+            <p:nvPr/>
           </p:nvSpPr>
           <p:spPr>
             <a:xfrm>
@@ -12982,12 +12986,12 @@
             <p:cNvPr id="390" name="Oval 389">
               <a:extLst>
                 <a:ext uri="{FF2B5EF4-FFF2-40B4-BE49-F238E27FC236}">
-                  <a16:creationId xmlns:a16="http://schemas.microsoft.com/office/drawing/2014/main" id="{F612FB01-E6EA-4393-ABE6-368C7C0427BF}"/>
+                  <a16:creationId xmlns:a16="http://schemas.microsoft.com/office/drawing/2014/main" xmlns="" id="{F612FB01-E6EA-4393-ABE6-368C7C0427BF}"/>
                 </a:ext>
               </a:extLst>
             </p:cNvPr>
             <p:cNvSpPr/>
-            <p:nvPr userDrawn="1"/>
+            <p:nvPr/>
           </p:nvSpPr>
           <p:spPr>
             <a:xfrm>
@@ -13039,12 +13043,12 @@
             <p:cNvPr id="391" name="Oval 390">
               <a:extLst>
                 <a:ext uri="{FF2B5EF4-FFF2-40B4-BE49-F238E27FC236}">
-                  <a16:creationId xmlns:a16="http://schemas.microsoft.com/office/drawing/2014/main" id="{10812D57-B4DF-468F-B313-946FF2A31BAA}"/>
+                  <a16:creationId xmlns:a16="http://schemas.microsoft.com/office/drawing/2014/main" xmlns="" id="{10812D57-B4DF-468F-B313-946FF2A31BAA}"/>
                 </a:ext>
               </a:extLst>
             </p:cNvPr>
             <p:cNvSpPr/>
-            <p:nvPr userDrawn="1"/>
+            <p:nvPr/>
           </p:nvSpPr>
           <p:spPr>
             <a:xfrm>
@@ -13096,12 +13100,12 @@
             <p:cNvPr id="392" name="Oval 391">
               <a:extLst>
                 <a:ext uri="{FF2B5EF4-FFF2-40B4-BE49-F238E27FC236}">
-                  <a16:creationId xmlns:a16="http://schemas.microsoft.com/office/drawing/2014/main" id="{68F640C0-7CCD-4EA4-86CF-F46B8103E804}"/>
+                  <a16:creationId xmlns:a16="http://schemas.microsoft.com/office/drawing/2014/main" xmlns="" id="{68F640C0-7CCD-4EA4-86CF-F46B8103E804}"/>
                 </a:ext>
               </a:extLst>
             </p:cNvPr>
             <p:cNvSpPr/>
-            <p:nvPr userDrawn="1"/>
+            <p:nvPr/>
           </p:nvSpPr>
           <p:spPr>
             <a:xfrm>
@@ -13154,7 +13158,7 @@
           <p:cNvPr id="393" name="Group 392" descr="Circles">
             <a:extLst>
               <a:ext uri="{FF2B5EF4-FFF2-40B4-BE49-F238E27FC236}">
-                <a16:creationId xmlns:a16="http://schemas.microsoft.com/office/drawing/2014/main" id="{8A75199B-0F83-46A6-9D3E-EB48D58C6C80}"/>
+                <a16:creationId xmlns:a16="http://schemas.microsoft.com/office/drawing/2014/main" xmlns="" id="{8A75199B-0F83-46A6-9D3E-EB48D58C6C80}"/>
               </a:ext>
             </a:extLst>
           </p:cNvPr>
@@ -13174,12 +13178,12 @@
             <p:cNvPr id="394" name="Oval 393">
               <a:extLst>
                 <a:ext uri="{FF2B5EF4-FFF2-40B4-BE49-F238E27FC236}">
-                  <a16:creationId xmlns:a16="http://schemas.microsoft.com/office/drawing/2014/main" id="{8320DE88-6A12-40F8-8269-6BF521B074B5}"/>
+                  <a16:creationId xmlns:a16="http://schemas.microsoft.com/office/drawing/2014/main" xmlns="" id="{8320DE88-6A12-40F8-8269-6BF521B074B5}"/>
                 </a:ext>
               </a:extLst>
             </p:cNvPr>
             <p:cNvSpPr/>
-            <p:nvPr userDrawn="1"/>
+            <p:nvPr/>
           </p:nvSpPr>
           <p:spPr>
             <a:xfrm>
@@ -13231,12 +13235,12 @@
             <p:cNvPr id="395" name="Oval 394">
               <a:extLst>
                 <a:ext uri="{FF2B5EF4-FFF2-40B4-BE49-F238E27FC236}">
-                  <a16:creationId xmlns:a16="http://schemas.microsoft.com/office/drawing/2014/main" id="{4134461B-7D92-4DC8-95A8-1CF8B34F5B9C}"/>
+                  <a16:creationId xmlns:a16="http://schemas.microsoft.com/office/drawing/2014/main" xmlns="" id="{4134461B-7D92-4DC8-95A8-1CF8B34F5B9C}"/>
                 </a:ext>
               </a:extLst>
             </p:cNvPr>
             <p:cNvSpPr/>
-            <p:nvPr userDrawn="1"/>
+            <p:nvPr/>
           </p:nvSpPr>
           <p:spPr>
             <a:xfrm>
@@ -13288,12 +13292,12 @@
             <p:cNvPr id="396" name="Oval 395">
               <a:extLst>
                 <a:ext uri="{FF2B5EF4-FFF2-40B4-BE49-F238E27FC236}">
-                  <a16:creationId xmlns:a16="http://schemas.microsoft.com/office/drawing/2014/main" id="{895E8FBD-5312-4C6B-AE0C-C1B1B369629A}"/>
+                  <a16:creationId xmlns:a16="http://schemas.microsoft.com/office/drawing/2014/main" xmlns="" id="{895E8FBD-5312-4C6B-AE0C-C1B1B369629A}"/>
                 </a:ext>
               </a:extLst>
             </p:cNvPr>
             <p:cNvSpPr/>
-            <p:nvPr userDrawn="1"/>
+            <p:nvPr/>
           </p:nvSpPr>
           <p:spPr>
             <a:xfrm>
@@ -13345,12 +13349,12 @@
             <p:cNvPr id="397" name="Oval 396">
               <a:extLst>
                 <a:ext uri="{FF2B5EF4-FFF2-40B4-BE49-F238E27FC236}">
-                  <a16:creationId xmlns:a16="http://schemas.microsoft.com/office/drawing/2014/main" id="{E08B7849-D67D-40A3-B6D9-FB4371C9C25D}"/>
+                  <a16:creationId xmlns:a16="http://schemas.microsoft.com/office/drawing/2014/main" xmlns="" id="{E08B7849-D67D-40A3-B6D9-FB4371C9C25D}"/>
                 </a:ext>
               </a:extLst>
             </p:cNvPr>
             <p:cNvSpPr/>
-            <p:nvPr userDrawn="1"/>
+            <p:nvPr/>
           </p:nvSpPr>
           <p:spPr>
             <a:xfrm>
@@ -13402,12 +13406,12 @@
             <p:cNvPr id="398" name="Oval 397">
               <a:extLst>
                 <a:ext uri="{FF2B5EF4-FFF2-40B4-BE49-F238E27FC236}">
-                  <a16:creationId xmlns:a16="http://schemas.microsoft.com/office/drawing/2014/main" id="{1D817F32-5D49-48C1-A745-8FB1ED5DBD37}"/>
+                  <a16:creationId xmlns:a16="http://schemas.microsoft.com/office/drawing/2014/main" xmlns="" id="{1D817F32-5D49-48C1-A745-8FB1ED5DBD37}"/>
                 </a:ext>
               </a:extLst>
             </p:cNvPr>
             <p:cNvSpPr/>
-            <p:nvPr userDrawn="1"/>
+            <p:nvPr/>
           </p:nvSpPr>
           <p:spPr>
             <a:xfrm>
@@ -13459,12 +13463,12 @@
             <p:cNvPr id="399" name="Oval 398">
               <a:extLst>
                 <a:ext uri="{FF2B5EF4-FFF2-40B4-BE49-F238E27FC236}">
-                  <a16:creationId xmlns:a16="http://schemas.microsoft.com/office/drawing/2014/main" id="{8A933A9C-B378-476A-942C-AA9DB0AB16C5}"/>
+                  <a16:creationId xmlns:a16="http://schemas.microsoft.com/office/drawing/2014/main" xmlns="" id="{8A933A9C-B378-476A-942C-AA9DB0AB16C5}"/>
                 </a:ext>
               </a:extLst>
             </p:cNvPr>
             <p:cNvSpPr/>
-            <p:nvPr userDrawn="1"/>
+            <p:nvPr/>
           </p:nvSpPr>
           <p:spPr>
             <a:xfrm>
@@ -13516,12 +13520,12 @@
             <p:cNvPr id="400" name="Oval 399">
               <a:extLst>
                 <a:ext uri="{FF2B5EF4-FFF2-40B4-BE49-F238E27FC236}">
-                  <a16:creationId xmlns:a16="http://schemas.microsoft.com/office/drawing/2014/main" id="{6389FBE3-C003-4156-8ECF-3F9725D8779A}"/>
+                  <a16:creationId xmlns:a16="http://schemas.microsoft.com/office/drawing/2014/main" xmlns="" id="{6389FBE3-C003-4156-8ECF-3F9725D8779A}"/>
                 </a:ext>
               </a:extLst>
             </p:cNvPr>
             <p:cNvSpPr/>
-            <p:nvPr userDrawn="1"/>
+            <p:nvPr/>
           </p:nvSpPr>
           <p:spPr>
             <a:xfrm>
@@ -13571,12 +13575,12 @@
             <p:cNvPr id="401" name="Oval 400">
               <a:extLst>
                 <a:ext uri="{FF2B5EF4-FFF2-40B4-BE49-F238E27FC236}">
-                  <a16:creationId xmlns:a16="http://schemas.microsoft.com/office/drawing/2014/main" id="{C2B7EF1E-E658-4426-B3D9-0DF9742AA21D}"/>
+                  <a16:creationId xmlns:a16="http://schemas.microsoft.com/office/drawing/2014/main" xmlns="" id="{C2B7EF1E-E658-4426-B3D9-0DF9742AA21D}"/>
                 </a:ext>
               </a:extLst>
             </p:cNvPr>
             <p:cNvSpPr/>
-            <p:nvPr userDrawn="1"/>
+            <p:nvPr/>
           </p:nvSpPr>
           <p:spPr>
             <a:xfrm>
@@ -13626,12 +13630,12 @@
             <p:cNvPr id="402" name="Oval 401">
               <a:extLst>
                 <a:ext uri="{FF2B5EF4-FFF2-40B4-BE49-F238E27FC236}">
-                  <a16:creationId xmlns:a16="http://schemas.microsoft.com/office/drawing/2014/main" id="{06005F36-76FA-4BCC-A5D3-371E628C49E1}"/>
+                  <a16:creationId xmlns:a16="http://schemas.microsoft.com/office/drawing/2014/main" xmlns="" id="{06005F36-76FA-4BCC-A5D3-371E628C49E1}"/>
                 </a:ext>
               </a:extLst>
             </p:cNvPr>
             <p:cNvSpPr/>
-            <p:nvPr userDrawn="1"/>
+            <p:nvPr/>
           </p:nvSpPr>
           <p:spPr>
             <a:xfrm>
@@ -13683,12 +13687,12 @@
             <p:cNvPr id="403" name="Oval 402">
               <a:extLst>
                 <a:ext uri="{FF2B5EF4-FFF2-40B4-BE49-F238E27FC236}">
-                  <a16:creationId xmlns:a16="http://schemas.microsoft.com/office/drawing/2014/main" id="{351FD30C-1665-4C50-AC16-1BE375B2BEB1}"/>
+                  <a16:creationId xmlns:a16="http://schemas.microsoft.com/office/drawing/2014/main" xmlns="" id="{351FD30C-1665-4C50-AC16-1BE375B2BEB1}"/>
                 </a:ext>
               </a:extLst>
             </p:cNvPr>
             <p:cNvSpPr/>
-            <p:nvPr userDrawn="1"/>
+            <p:nvPr/>
           </p:nvSpPr>
           <p:spPr>
             <a:xfrm>
@@ -13741,7 +13745,7 @@
           <p:cNvPr id="404" name="Group 403" descr="Circles">
             <a:extLst>
               <a:ext uri="{FF2B5EF4-FFF2-40B4-BE49-F238E27FC236}">
-                <a16:creationId xmlns:a16="http://schemas.microsoft.com/office/drawing/2014/main" id="{118644F3-10A0-4CEF-A0C0-1F9438D5394C}"/>
+                <a16:creationId xmlns:a16="http://schemas.microsoft.com/office/drawing/2014/main" xmlns="" id="{118644F3-10A0-4CEF-A0C0-1F9438D5394C}"/>
               </a:ext>
             </a:extLst>
           </p:cNvPr>
@@ -13761,12 +13765,12 @@
             <p:cNvPr id="405" name="Oval 404">
               <a:extLst>
                 <a:ext uri="{FF2B5EF4-FFF2-40B4-BE49-F238E27FC236}">
-                  <a16:creationId xmlns:a16="http://schemas.microsoft.com/office/drawing/2014/main" id="{D4F0FB7B-A17C-4082-9B72-29892B8D9DAA}"/>
+                  <a16:creationId xmlns:a16="http://schemas.microsoft.com/office/drawing/2014/main" xmlns="" id="{D4F0FB7B-A17C-4082-9B72-29892B8D9DAA}"/>
                 </a:ext>
               </a:extLst>
             </p:cNvPr>
             <p:cNvSpPr/>
-            <p:nvPr userDrawn="1"/>
+            <p:nvPr/>
           </p:nvSpPr>
           <p:spPr>
             <a:xfrm>
@@ -13818,12 +13822,12 @@
             <p:cNvPr id="406" name="Oval 405">
               <a:extLst>
                 <a:ext uri="{FF2B5EF4-FFF2-40B4-BE49-F238E27FC236}">
-                  <a16:creationId xmlns:a16="http://schemas.microsoft.com/office/drawing/2014/main" id="{C9EABEE8-D9FF-422F-9601-F0C653E39F29}"/>
+                  <a16:creationId xmlns:a16="http://schemas.microsoft.com/office/drawing/2014/main" xmlns="" id="{C9EABEE8-D9FF-422F-9601-F0C653E39F29}"/>
                 </a:ext>
               </a:extLst>
             </p:cNvPr>
             <p:cNvSpPr/>
-            <p:nvPr userDrawn="1"/>
+            <p:nvPr/>
           </p:nvSpPr>
           <p:spPr>
             <a:xfrm>
@@ -13875,12 +13879,12 @@
             <p:cNvPr id="407" name="Oval 406">
               <a:extLst>
                 <a:ext uri="{FF2B5EF4-FFF2-40B4-BE49-F238E27FC236}">
-                  <a16:creationId xmlns:a16="http://schemas.microsoft.com/office/drawing/2014/main" id="{35B382A4-4E4F-4CBF-B05B-D978ACA0F735}"/>
+                  <a16:creationId xmlns:a16="http://schemas.microsoft.com/office/drawing/2014/main" xmlns="" id="{35B382A4-4E4F-4CBF-B05B-D978ACA0F735}"/>
                 </a:ext>
               </a:extLst>
             </p:cNvPr>
             <p:cNvSpPr/>
-            <p:nvPr userDrawn="1"/>
+            <p:nvPr/>
           </p:nvSpPr>
           <p:spPr>
             <a:xfrm>
@@ -13932,12 +13936,12 @@
             <p:cNvPr id="408" name="Oval 407">
               <a:extLst>
                 <a:ext uri="{FF2B5EF4-FFF2-40B4-BE49-F238E27FC236}">
-                  <a16:creationId xmlns:a16="http://schemas.microsoft.com/office/drawing/2014/main" id="{A36623EE-A4E8-423B-A434-71D70E6782A5}"/>
+                  <a16:creationId xmlns:a16="http://schemas.microsoft.com/office/drawing/2014/main" xmlns="" id="{A36623EE-A4E8-423B-A434-71D70E6782A5}"/>
                 </a:ext>
               </a:extLst>
             </p:cNvPr>
             <p:cNvSpPr/>
-            <p:nvPr userDrawn="1"/>
+            <p:nvPr/>
           </p:nvSpPr>
           <p:spPr>
             <a:xfrm>
@@ -13989,12 +13993,12 @@
             <p:cNvPr id="409" name="Oval 408">
               <a:extLst>
                 <a:ext uri="{FF2B5EF4-FFF2-40B4-BE49-F238E27FC236}">
-                  <a16:creationId xmlns:a16="http://schemas.microsoft.com/office/drawing/2014/main" id="{FC7BF22D-5BD9-499F-9096-279DF8E7D7DA}"/>
+                  <a16:creationId xmlns:a16="http://schemas.microsoft.com/office/drawing/2014/main" xmlns="" id="{FC7BF22D-5BD9-499F-9096-279DF8E7D7DA}"/>
                 </a:ext>
               </a:extLst>
             </p:cNvPr>
             <p:cNvSpPr/>
-            <p:nvPr userDrawn="1"/>
+            <p:nvPr/>
           </p:nvSpPr>
           <p:spPr>
             <a:xfrm>
@@ -14046,12 +14050,12 @@
             <p:cNvPr id="410" name="Oval 409">
               <a:extLst>
                 <a:ext uri="{FF2B5EF4-FFF2-40B4-BE49-F238E27FC236}">
-                  <a16:creationId xmlns:a16="http://schemas.microsoft.com/office/drawing/2014/main" id="{15B5FC60-1157-4A93-826B-384708CECE87}"/>
+                  <a16:creationId xmlns:a16="http://schemas.microsoft.com/office/drawing/2014/main" xmlns="" id="{15B5FC60-1157-4A93-826B-384708CECE87}"/>
                 </a:ext>
               </a:extLst>
             </p:cNvPr>
             <p:cNvSpPr/>
-            <p:nvPr userDrawn="1"/>
+            <p:nvPr/>
           </p:nvSpPr>
           <p:spPr>
             <a:xfrm>
@@ -14103,12 +14107,12 @@
             <p:cNvPr id="411" name="Oval 410">
               <a:extLst>
                 <a:ext uri="{FF2B5EF4-FFF2-40B4-BE49-F238E27FC236}">
-                  <a16:creationId xmlns:a16="http://schemas.microsoft.com/office/drawing/2014/main" id="{70612B63-32D7-4C2B-B748-CE50BE74960B}"/>
+                  <a16:creationId xmlns:a16="http://schemas.microsoft.com/office/drawing/2014/main" xmlns="" id="{70612B63-32D7-4C2B-B748-CE50BE74960B}"/>
                 </a:ext>
               </a:extLst>
             </p:cNvPr>
             <p:cNvSpPr/>
-            <p:nvPr userDrawn="1"/>
+            <p:nvPr/>
           </p:nvSpPr>
           <p:spPr>
             <a:xfrm>
@@ -14160,12 +14164,12 @@
             <p:cNvPr id="412" name="Oval 411">
               <a:extLst>
                 <a:ext uri="{FF2B5EF4-FFF2-40B4-BE49-F238E27FC236}">
-                  <a16:creationId xmlns:a16="http://schemas.microsoft.com/office/drawing/2014/main" id="{E06EEC14-ABA6-4BBB-BFF0-8773BDD6FC2C}"/>
+                  <a16:creationId xmlns:a16="http://schemas.microsoft.com/office/drawing/2014/main" xmlns="" id="{E06EEC14-ABA6-4BBB-BFF0-8773BDD6FC2C}"/>
                 </a:ext>
               </a:extLst>
             </p:cNvPr>
             <p:cNvSpPr/>
-            <p:nvPr userDrawn="1"/>
+            <p:nvPr/>
           </p:nvSpPr>
           <p:spPr>
             <a:xfrm>
@@ -14217,12 +14221,12 @@
             <p:cNvPr id="413" name="Oval 412">
               <a:extLst>
                 <a:ext uri="{FF2B5EF4-FFF2-40B4-BE49-F238E27FC236}">
-                  <a16:creationId xmlns:a16="http://schemas.microsoft.com/office/drawing/2014/main" id="{157E024F-FD4A-4205-BABD-0143C5131987}"/>
+                  <a16:creationId xmlns:a16="http://schemas.microsoft.com/office/drawing/2014/main" xmlns="" id="{157E024F-FD4A-4205-BABD-0143C5131987}"/>
                 </a:ext>
               </a:extLst>
             </p:cNvPr>
             <p:cNvSpPr/>
-            <p:nvPr userDrawn="1"/>
+            <p:nvPr/>
           </p:nvSpPr>
           <p:spPr>
             <a:xfrm>
@@ -14274,12 +14278,12 @@
             <p:cNvPr id="414" name="Oval 413">
               <a:extLst>
                 <a:ext uri="{FF2B5EF4-FFF2-40B4-BE49-F238E27FC236}">
-                  <a16:creationId xmlns:a16="http://schemas.microsoft.com/office/drawing/2014/main" id="{4F8BDD00-A80C-4789-80C9-26053F7CAB17}"/>
+                  <a16:creationId xmlns:a16="http://schemas.microsoft.com/office/drawing/2014/main" xmlns="" id="{4F8BDD00-A80C-4789-80C9-26053F7CAB17}"/>
                 </a:ext>
               </a:extLst>
             </p:cNvPr>
             <p:cNvSpPr/>
-            <p:nvPr userDrawn="1"/>
+            <p:nvPr/>
           </p:nvSpPr>
           <p:spPr>
             <a:xfrm>
@@ -14332,7 +14336,7 @@
           <p:cNvPr id="7" name="Picture Placeholder 6">
             <a:extLst>
               <a:ext uri="{FF2B5EF4-FFF2-40B4-BE49-F238E27FC236}">
-                <a16:creationId xmlns:a16="http://schemas.microsoft.com/office/drawing/2014/main" id="{C2A28396-305C-42B7-A11F-C1010FC6B9D5}"/>
+                <a16:creationId xmlns:a16="http://schemas.microsoft.com/office/drawing/2014/main" xmlns="" id="{C2A28396-305C-42B7-A11F-C1010FC6B9D5}"/>
               </a:ext>
             </a:extLst>
           </p:cNvPr>
@@ -14344,10 +14348,10 @@
           </p:nvPr>
         </p:nvPicPr>
         <p:blipFill>
-          <a:blip r:embed="rId28">
+          <a:blip r:embed="rId28" cstate="print">
             <a:extLst>
               <a:ext uri="{28A0092B-C50C-407E-A947-70E740481C1C}">
-                <a14:useLocalDpi xmlns:a14="http://schemas.microsoft.com/office/drawing/2010/main" val="0"/>
+                <a14:useLocalDpi xmlns:a14="http://schemas.microsoft.com/office/drawing/2010/main" xmlns="" val="0"/>
               </a:ext>
             </a:extLst>
           </a:blip>
@@ -14368,7 +14372,7 @@
           <p:cNvPr id="187" name="Picture 2" descr="Motorcycle Of Big Size Black Silhouette free vector icons designed by  Freepik | Kids canvas art, Bike art, Black silhouette">
             <a:extLst>
               <a:ext uri="{FF2B5EF4-FFF2-40B4-BE49-F238E27FC236}">
-                <a16:creationId xmlns:a16="http://schemas.microsoft.com/office/drawing/2014/main" id="{95BCA6ED-B01F-4460-B188-A2784C598868}"/>
+                <a16:creationId xmlns:a16="http://schemas.microsoft.com/office/drawing/2014/main" xmlns="" id="{95BCA6ED-B01F-4460-B188-A2784C598868}"/>
               </a:ext>
             </a:extLst>
           </p:cNvPr>
@@ -14378,11 +14382,11 @@
           <p:nvPr/>
         </p:nvPicPr>
         <p:blipFill>
-          <a:blip r:embed="rId29">
+          <a:blip r:embed="rId29" cstate="print">
             <a:lum bright="70000" contrast="-70000"/>
             <a:extLst>
               <a:ext uri="{28A0092B-C50C-407E-A947-70E740481C1C}">
-                <a14:useLocalDpi xmlns:a14="http://schemas.microsoft.com/office/drawing/2010/main" val="0"/>
+                <a14:useLocalDpi xmlns:a14="http://schemas.microsoft.com/office/drawing/2010/main" xmlns="" val="0"/>
               </a:ext>
             </a:extLst>
           </a:blip>
@@ -14402,7 +14406,7 @@
           <a:noFill/>
           <a:extLst>
             <a:ext uri="{909E8E84-426E-40DD-AFC4-6F175D3DCCD1}">
-              <a14:hiddenFill xmlns:a14="http://schemas.microsoft.com/office/drawing/2010/main">
+              <a14:hiddenFill xmlns:a14="http://schemas.microsoft.com/office/drawing/2010/main" xmlns="">
                 <a:solidFill>
                   <a:srgbClr val="FFFFFF"/>
                 </a:solidFill>
@@ -14416,7 +14420,7 @@
           <p:cNvPr id="188" name="Picture 187">
             <a:extLst>
               <a:ext uri="{FF2B5EF4-FFF2-40B4-BE49-F238E27FC236}">
-                <a16:creationId xmlns:a16="http://schemas.microsoft.com/office/drawing/2014/main" id="{AED6DD35-489F-46E0-838D-193C1E20C9A6}"/>
+                <a16:creationId xmlns:a16="http://schemas.microsoft.com/office/drawing/2014/main" xmlns="" id="{AED6DD35-489F-46E0-838D-193C1E20C9A6}"/>
               </a:ext>
             </a:extLst>
           </p:cNvPr>
@@ -14426,14 +14430,14 @@
           <p:nvPr/>
         </p:nvPicPr>
         <p:blipFill>
-          <a:blip r:embed="rId30">
+          <a:blip r:embed="rId30" cstate="print">
             <a:lum bright="70000" contrast="-70000"/>
             <a:extLst>
               <a:ext uri="{28A0092B-C50C-407E-A947-70E740481C1C}">
-                <a14:useLocalDpi xmlns:a14="http://schemas.microsoft.com/office/drawing/2010/main" val="0"/>
+                <a14:useLocalDpi xmlns:a14="http://schemas.microsoft.com/office/drawing/2010/main" xmlns="" val="0"/>
               </a:ext>
               <a:ext uri="{837473B0-CC2E-450A-ABE3-18F120FF3D39}">
-                <a1611:picAttrSrcUrl xmlns:a1611="http://schemas.microsoft.com/office/drawing/2016/11/main" r:id="rId31"/>
+                <a1611:picAttrSrcUrl xmlns:a1611="http://schemas.microsoft.com/office/drawing/2016/11/main" xmlns="" r:id="rId31"/>
               </a:ext>
             </a:extLst>
           </a:blip>
@@ -14456,7 +14460,7 @@
           <p:cNvPr id="3" name="Picture 2">
             <a:extLst>
               <a:ext uri="{FF2B5EF4-FFF2-40B4-BE49-F238E27FC236}">
-                <a16:creationId xmlns:a16="http://schemas.microsoft.com/office/drawing/2014/main" id="{DED39F62-83A1-4763-8E93-8E2203CAF48D}"/>
+                <a16:creationId xmlns:a16="http://schemas.microsoft.com/office/drawing/2014/main" xmlns="" id="{DED39F62-83A1-4763-8E93-8E2203CAF48D}"/>
               </a:ext>
             </a:extLst>
           </p:cNvPr>
@@ -14466,14 +14470,14 @@
           <p:nvPr/>
         </p:nvPicPr>
         <p:blipFill>
-          <a:blip r:embed="rId32">
+          <a:blip r:embed="rId32" cstate="print">
             <a:lum bright="70000" contrast="-70000"/>
             <a:extLst>
               <a:ext uri="{28A0092B-C50C-407E-A947-70E740481C1C}">
-                <a14:useLocalDpi xmlns:a14="http://schemas.microsoft.com/office/drawing/2010/main" val="0"/>
+                <a14:useLocalDpi xmlns:a14="http://schemas.microsoft.com/office/drawing/2010/main" xmlns="" val="0"/>
               </a:ext>
               <a:ext uri="{837473B0-CC2E-450A-ABE3-18F120FF3D39}">
-                <a1611:picAttrSrcUrl xmlns:a1611="http://schemas.microsoft.com/office/drawing/2016/11/main" r:id="rId33"/>
+                <a1611:picAttrSrcUrl xmlns:a1611="http://schemas.microsoft.com/office/drawing/2016/11/main" xmlns="" r:id="rId33"/>
               </a:ext>
             </a:extLst>
           </a:blip>
@@ -14496,7 +14500,7 @@
           <p:cNvPr id="185" name="Picture 184">
             <a:extLst>
               <a:ext uri="{FF2B5EF4-FFF2-40B4-BE49-F238E27FC236}">
-                <a16:creationId xmlns:a16="http://schemas.microsoft.com/office/drawing/2014/main" id="{0F3F6AD5-F4CE-413A-A6DC-171B2DB45342}"/>
+                <a16:creationId xmlns:a16="http://schemas.microsoft.com/office/drawing/2014/main" xmlns="" id="{0F3F6AD5-F4CE-413A-A6DC-171B2DB45342}"/>
               </a:ext>
             </a:extLst>
           </p:cNvPr>
@@ -14506,7 +14510,7 @@
           <p:nvPr/>
         </p:nvPicPr>
         <p:blipFill>
-          <a:blip r:embed="rId34">
+          <a:blip r:embed="rId34" cstate="print">
             <a:duotone>
               <a:srgbClr val="003C87">
                 <a:shade val="45000"/>
@@ -14516,10 +14520,10 @@
             </a:duotone>
             <a:extLst>
               <a:ext uri="{28A0092B-C50C-407E-A947-70E740481C1C}">
-                <a14:useLocalDpi xmlns:a14="http://schemas.microsoft.com/office/drawing/2010/main" val="0"/>
+                <a14:useLocalDpi xmlns:a14="http://schemas.microsoft.com/office/drawing/2010/main" xmlns="" val="0"/>
               </a:ext>
               <a:ext uri="{837473B0-CC2E-450A-ABE3-18F120FF3D39}">
-                <a1611:picAttrSrcUrl xmlns:a1611="http://schemas.microsoft.com/office/drawing/2016/11/main" r:id="rId35"/>
+                <a1611:picAttrSrcUrl xmlns:a1611="http://schemas.microsoft.com/office/drawing/2016/11/main" xmlns="" r:id="rId35"/>
               </a:ext>
             </a:extLst>
           </a:blip>
@@ -14564,7 +14568,7 @@
           <p:cNvPr id="186" name="Graphic 185" descr="GPS icon">
             <a:extLst>
               <a:ext uri="{FF2B5EF4-FFF2-40B4-BE49-F238E27FC236}">
-                <a16:creationId xmlns:a16="http://schemas.microsoft.com/office/drawing/2014/main" id="{022DC40F-65F8-410C-830C-3C88C8EB9D23}"/>
+                <a16:creationId xmlns:a16="http://schemas.microsoft.com/office/drawing/2014/main" xmlns="" id="{022DC40F-65F8-410C-830C-3C88C8EB9D23}"/>
               </a:ext>
             </a:extLst>
           </p:cNvPr>
@@ -14574,10 +14578,10 @@
           <p:nvPr/>
         </p:nvPicPr>
         <p:blipFill>
-          <a:blip r:embed="rId36">
+          <a:blip r:embed="rId36" cstate="print">
             <a:extLst>
               <a:ext uri="{96DAC541-7B7A-43D3-8B79-37D633B846F1}">
-                <asvg:svgBlip xmlns:asvg="http://schemas.microsoft.com/office/drawing/2016/SVG/main" r:embed="rId37"/>
+                <asvg:svgBlip xmlns:asvg="http://schemas.microsoft.com/office/drawing/2016/SVG/main" xmlns="" r:embed="rId37"/>
               </a:ext>
             </a:extLst>
           </a:blip>
@@ -14600,7 +14604,7 @@
           <p:cNvPr id="189" name="Oval 188">
             <a:extLst>
               <a:ext uri="{FF2B5EF4-FFF2-40B4-BE49-F238E27FC236}">
-                <a16:creationId xmlns:a16="http://schemas.microsoft.com/office/drawing/2014/main" id="{EF8750A8-8CF7-4494-8678-AABA826F7DBA}"/>
+                <a16:creationId xmlns:a16="http://schemas.microsoft.com/office/drawing/2014/main" xmlns="" id="{EF8750A8-8CF7-4494-8678-AABA826F7DBA}"/>
               </a:ext>
             </a:extLst>
           </p:cNvPr>
@@ -14657,7 +14661,7 @@
           <p:cNvPr id="190" name="Oval 189">
             <a:extLst>
               <a:ext uri="{FF2B5EF4-FFF2-40B4-BE49-F238E27FC236}">
-                <a16:creationId xmlns:a16="http://schemas.microsoft.com/office/drawing/2014/main" id="{61738291-4A76-4488-80DC-C7F9C9CBBC7F}"/>
+                <a16:creationId xmlns:a16="http://schemas.microsoft.com/office/drawing/2014/main" xmlns="" id="{61738291-4A76-4488-80DC-C7F9C9CBBC7F}"/>
               </a:ext>
             </a:extLst>
           </p:cNvPr>
@@ -14714,7 +14718,7 @@
           <p:cNvPr id="191" name="Text Placeholder 329">
             <a:extLst>
               <a:ext uri="{FF2B5EF4-FFF2-40B4-BE49-F238E27FC236}">
-                <a16:creationId xmlns:a16="http://schemas.microsoft.com/office/drawing/2014/main" id="{25E52B6E-5974-45D4-B8B2-82A00EC93D7A}"/>
+                <a16:creationId xmlns:a16="http://schemas.microsoft.com/office/drawing/2014/main" xmlns="" id="{25E52B6E-5974-45D4-B8B2-82A00EC93D7A}"/>
               </a:ext>
             </a:extLst>
           </p:cNvPr>
@@ -14913,7 +14917,7 @@
           <p:cNvPr id="192" name="Group 191" descr="Circles">
             <a:extLst>
               <a:ext uri="{FF2B5EF4-FFF2-40B4-BE49-F238E27FC236}">
-                <a16:creationId xmlns:a16="http://schemas.microsoft.com/office/drawing/2014/main" id="{30D37093-92C5-4F93-B4C8-323BB3719032}"/>
+                <a16:creationId xmlns:a16="http://schemas.microsoft.com/office/drawing/2014/main" xmlns="" id="{30D37093-92C5-4F93-B4C8-323BB3719032}"/>
               </a:ext>
             </a:extLst>
           </p:cNvPr>
@@ -14933,12 +14937,12 @@
             <p:cNvPr id="193" name="Oval 192">
               <a:extLst>
                 <a:ext uri="{FF2B5EF4-FFF2-40B4-BE49-F238E27FC236}">
-                  <a16:creationId xmlns:a16="http://schemas.microsoft.com/office/drawing/2014/main" id="{D3C43B41-2C31-4510-831E-5CC261F136B7}"/>
+                  <a16:creationId xmlns:a16="http://schemas.microsoft.com/office/drawing/2014/main" xmlns="" id="{D3C43B41-2C31-4510-831E-5CC261F136B7}"/>
                 </a:ext>
               </a:extLst>
             </p:cNvPr>
             <p:cNvSpPr/>
-            <p:nvPr userDrawn="1"/>
+            <p:nvPr/>
           </p:nvSpPr>
           <p:spPr>
             <a:xfrm>
@@ -14990,12 +14994,12 @@
             <p:cNvPr id="194" name="Oval 193">
               <a:extLst>
                 <a:ext uri="{FF2B5EF4-FFF2-40B4-BE49-F238E27FC236}">
-                  <a16:creationId xmlns:a16="http://schemas.microsoft.com/office/drawing/2014/main" id="{5C329917-13CD-4A77-8B32-56A7D193117C}"/>
+                  <a16:creationId xmlns:a16="http://schemas.microsoft.com/office/drawing/2014/main" xmlns="" id="{5C329917-13CD-4A77-8B32-56A7D193117C}"/>
                 </a:ext>
               </a:extLst>
             </p:cNvPr>
             <p:cNvSpPr/>
-            <p:nvPr userDrawn="1"/>
+            <p:nvPr/>
           </p:nvSpPr>
           <p:spPr>
             <a:xfrm>
@@ -15047,12 +15051,12 @@
             <p:cNvPr id="195" name="Oval 194">
               <a:extLst>
                 <a:ext uri="{FF2B5EF4-FFF2-40B4-BE49-F238E27FC236}">
-                  <a16:creationId xmlns:a16="http://schemas.microsoft.com/office/drawing/2014/main" id="{ED2D867D-044B-4DB0-8540-0E2388BC383C}"/>
+                  <a16:creationId xmlns:a16="http://schemas.microsoft.com/office/drawing/2014/main" xmlns="" id="{ED2D867D-044B-4DB0-8540-0E2388BC383C}"/>
                 </a:ext>
               </a:extLst>
             </p:cNvPr>
             <p:cNvSpPr/>
-            <p:nvPr userDrawn="1"/>
+            <p:nvPr/>
           </p:nvSpPr>
           <p:spPr>
             <a:xfrm>
@@ -15104,12 +15108,12 @@
             <p:cNvPr id="196" name="Oval 195">
               <a:extLst>
                 <a:ext uri="{FF2B5EF4-FFF2-40B4-BE49-F238E27FC236}">
-                  <a16:creationId xmlns:a16="http://schemas.microsoft.com/office/drawing/2014/main" id="{2C915D13-816C-49D0-99DC-FCD721E0C32F}"/>
+                  <a16:creationId xmlns:a16="http://schemas.microsoft.com/office/drawing/2014/main" xmlns="" id="{2C915D13-816C-49D0-99DC-FCD721E0C32F}"/>
                 </a:ext>
               </a:extLst>
             </p:cNvPr>
             <p:cNvSpPr/>
-            <p:nvPr userDrawn="1"/>
+            <p:nvPr/>
           </p:nvSpPr>
           <p:spPr>
             <a:xfrm>
@@ -15161,12 +15165,12 @@
             <p:cNvPr id="197" name="Oval 196">
               <a:extLst>
                 <a:ext uri="{FF2B5EF4-FFF2-40B4-BE49-F238E27FC236}">
-                  <a16:creationId xmlns:a16="http://schemas.microsoft.com/office/drawing/2014/main" id="{AB7F83C5-58AD-4E00-A480-F5D0B81A2F1D}"/>
+                  <a16:creationId xmlns:a16="http://schemas.microsoft.com/office/drawing/2014/main" xmlns="" id="{AB7F83C5-58AD-4E00-A480-F5D0B81A2F1D}"/>
                 </a:ext>
               </a:extLst>
             </p:cNvPr>
             <p:cNvSpPr/>
-            <p:nvPr userDrawn="1"/>
+            <p:nvPr/>
           </p:nvSpPr>
           <p:spPr>
             <a:xfrm>
@@ -15218,12 +15222,12 @@
             <p:cNvPr id="198" name="Oval 197">
               <a:extLst>
                 <a:ext uri="{FF2B5EF4-FFF2-40B4-BE49-F238E27FC236}">
-                  <a16:creationId xmlns:a16="http://schemas.microsoft.com/office/drawing/2014/main" id="{7D604213-021F-45E6-8FD7-377C19CFE189}"/>
+                  <a16:creationId xmlns:a16="http://schemas.microsoft.com/office/drawing/2014/main" xmlns="" id="{7D604213-021F-45E6-8FD7-377C19CFE189}"/>
                 </a:ext>
               </a:extLst>
             </p:cNvPr>
             <p:cNvSpPr/>
-            <p:nvPr userDrawn="1"/>
+            <p:nvPr/>
           </p:nvSpPr>
           <p:spPr>
             <a:xfrm>
@@ -15275,12 +15279,12 @@
             <p:cNvPr id="199" name="Oval 198">
               <a:extLst>
                 <a:ext uri="{FF2B5EF4-FFF2-40B4-BE49-F238E27FC236}">
-                  <a16:creationId xmlns:a16="http://schemas.microsoft.com/office/drawing/2014/main" id="{F5CF4B8C-65BC-4712-ADEC-DC7BB829A4EC}"/>
+                  <a16:creationId xmlns:a16="http://schemas.microsoft.com/office/drawing/2014/main" xmlns="" id="{F5CF4B8C-65BC-4712-ADEC-DC7BB829A4EC}"/>
                 </a:ext>
               </a:extLst>
             </p:cNvPr>
             <p:cNvSpPr/>
-            <p:nvPr userDrawn="1"/>
+            <p:nvPr/>
           </p:nvSpPr>
           <p:spPr>
             <a:xfrm>
@@ -15332,12 +15336,12 @@
             <p:cNvPr id="200" name="Oval 199">
               <a:extLst>
                 <a:ext uri="{FF2B5EF4-FFF2-40B4-BE49-F238E27FC236}">
-                  <a16:creationId xmlns:a16="http://schemas.microsoft.com/office/drawing/2014/main" id="{D1315FCE-1116-4393-8AD2-17D4D8795849}"/>
+                  <a16:creationId xmlns:a16="http://schemas.microsoft.com/office/drawing/2014/main" xmlns="" id="{D1315FCE-1116-4393-8AD2-17D4D8795849}"/>
                 </a:ext>
               </a:extLst>
             </p:cNvPr>
             <p:cNvSpPr/>
-            <p:nvPr userDrawn="1"/>
+            <p:nvPr/>
           </p:nvSpPr>
           <p:spPr>
             <a:xfrm>
@@ -15389,12 +15393,12 @@
             <p:cNvPr id="201" name="Oval 200">
               <a:extLst>
                 <a:ext uri="{FF2B5EF4-FFF2-40B4-BE49-F238E27FC236}">
-                  <a16:creationId xmlns:a16="http://schemas.microsoft.com/office/drawing/2014/main" id="{AC6C1AA5-C6D9-4773-9A4B-8146C9FF1C5F}"/>
+                  <a16:creationId xmlns:a16="http://schemas.microsoft.com/office/drawing/2014/main" xmlns="" id="{AC6C1AA5-C6D9-4773-9A4B-8146C9FF1C5F}"/>
                 </a:ext>
               </a:extLst>
             </p:cNvPr>
             <p:cNvSpPr/>
-            <p:nvPr userDrawn="1"/>
+            <p:nvPr/>
           </p:nvSpPr>
           <p:spPr>
             <a:xfrm>
@@ -15446,12 +15450,12 @@
             <p:cNvPr id="202" name="Oval 201">
               <a:extLst>
                 <a:ext uri="{FF2B5EF4-FFF2-40B4-BE49-F238E27FC236}">
-                  <a16:creationId xmlns:a16="http://schemas.microsoft.com/office/drawing/2014/main" id="{5855E397-FB2B-44D0-A662-940DC05D50B8}"/>
+                  <a16:creationId xmlns:a16="http://schemas.microsoft.com/office/drawing/2014/main" xmlns="" id="{5855E397-FB2B-44D0-A662-940DC05D50B8}"/>
                 </a:ext>
               </a:extLst>
             </p:cNvPr>
             <p:cNvSpPr/>
-            <p:nvPr userDrawn="1"/>
+            <p:nvPr/>
           </p:nvSpPr>
           <p:spPr>
             <a:xfrm>
@@ -15504,7 +15508,7 @@
           <p:cNvPr id="454" name="TextBox 453">
             <a:extLst>
               <a:ext uri="{FF2B5EF4-FFF2-40B4-BE49-F238E27FC236}">
-                <a16:creationId xmlns:a16="http://schemas.microsoft.com/office/drawing/2014/main" id="{CD682959-8A04-478E-A410-84737E626F23}"/>
+                <a16:creationId xmlns:a16="http://schemas.microsoft.com/office/drawing/2014/main" xmlns="" id="{CD682959-8A04-478E-A410-84737E626F23}"/>
               </a:ext>
             </a:extLst>
           </p:cNvPr>
@@ -15541,10 +15545,10 @@
           <p:cNvPr id="237" name="Graphic 236">
             <a:extLst>
               <a:ext uri="{FF2B5EF4-FFF2-40B4-BE49-F238E27FC236}">
-                <a16:creationId xmlns:a16="http://schemas.microsoft.com/office/drawing/2014/main" id="{D570F43E-69F4-4586-898B-CAE68B867F24}"/>
+                <a16:creationId xmlns:a16="http://schemas.microsoft.com/office/drawing/2014/main" xmlns="" id="{D570F43E-69F4-4586-898B-CAE68B867F24}"/>
               </a:ext>
               <a:ext uri="{C183D7F6-B498-43B3-948B-1728B52AA6E4}">
-                <adec:decorative xmlns:adec="http://schemas.microsoft.com/office/drawing/2017/decorative" val="1"/>
+                <adec:decorative xmlns:adec="http://schemas.microsoft.com/office/drawing/2017/decorative" xmlns="" val="1"/>
               </a:ext>
             </a:extLst>
           </p:cNvPr>
@@ -15554,10 +15558,10 @@
           <p:nvPr/>
         </p:nvPicPr>
         <p:blipFill>
-          <a:blip r:embed="rId38">
+          <a:blip r:embed="rId38" cstate="print">
             <a:extLst>
               <a:ext uri="{96DAC541-7B7A-43D3-8B79-37D633B846F1}">
-                <asvg:svgBlip xmlns:asvg="http://schemas.microsoft.com/office/drawing/2016/SVG/main" r:embed="rId39"/>
+                <asvg:svgBlip xmlns:asvg="http://schemas.microsoft.com/office/drawing/2016/SVG/main" xmlns="" r:embed="rId39"/>
               </a:ext>
             </a:extLst>
           </a:blip>
@@ -15580,7 +15584,7 @@
           <p:cNvPr id="238" name="Text Placeholder 276">
             <a:extLst>
               <a:ext uri="{FF2B5EF4-FFF2-40B4-BE49-F238E27FC236}">
-                <a16:creationId xmlns:a16="http://schemas.microsoft.com/office/drawing/2014/main" id="{BA19BCFA-5586-41A0-B624-D35957620C7E}"/>
+                <a16:creationId xmlns:a16="http://schemas.microsoft.com/office/drawing/2014/main" xmlns="" id="{BA19BCFA-5586-41A0-B624-D35957620C7E}"/>
               </a:ext>
             </a:extLst>
           </p:cNvPr>
@@ -15779,7 +15783,7 @@
           <p:cNvPr id="459" name="TextBox 458">
             <a:extLst>
               <a:ext uri="{FF2B5EF4-FFF2-40B4-BE49-F238E27FC236}">
-                <a16:creationId xmlns:a16="http://schemas.microsoft.com/office/drawing/2014/main" id="{CE5E8725-528A-47B9-AFD3-C2296E3BF4C7}"/>
+                <a16:creationId xmlns:a16="http://schemas.microsoft.com/office/drawing/2014/main" xmlns="" id="{CE5E8725-528A-47B9-AFD3-C2296E3BF4C7}"/>
               </a:ext>
             </a:extLst>
           </p:cNvPr>
@@ -15815,7 +15819,7 @@
           <p:cNvPr id="2050" name="Picture 2" descr="MentorrBuddy">
             <a:extLst>
               <a:ext uri="{FF2B5EF4-FFF2-40B4-BE49-F238E27FC236}">
-                <a16:creationId xmlns:a16="http://schemas.microsoft.com/office/drawing/2014/main" id="{391ECF4B-484B-425C-AB97-BDCA1ECAE31C}"/>
+                <a16:creationId xmlns:a16="http://schemas.microsoft.com/office/drawing/2014/main" xmlns="" id="{391ECF4B-484B-425C-AB97-BDCA1ECAE31C}"/>
               </a:ext>
             </a:extLst>
           </p:cNvPr>
@@ -15825,7 +15829,7 @@
           <p:nvPr/>
         </p:nvPicPr>
         <p:blipFill>
-          <a:blip r:embed="rId40">
+          <a:blip r:embed="rId40" cstate="print">
             <a:duotone>
               <a:prstClr val="black"/>
               <a:schemeClr val="tx2">
@@ -15835,7 +15839,7 @@
             </a:duotone>
             <a:extLst>
               <a:ext uri="{28A0092B-C50C-407E-A947-70E740481C1C}">
-                <a14:useLocalDpi xmlns:a14="http://schemas.microsoft.com/office/drawing/2010/main" val="0"/>
+                <a14:useLocalDpi xmlns:a14="http://schemas.microsoft.com/office/drawing/2010/main" xmlns="" val="0"/>
               </a:ext>
             </a:extLst>
           </a:blip>
@@ -15855,7 +15859,7 @@
           <a:noFill/>
           <a:extLst>
             <a:ext uri="{909E8E84-426E-40DD-AFC4-6F175D3DCCD1}">
-              <a14:hiddenFill xmlns:a14="http://schemas.microsoft.com/office/drawing/2010/main">
+              <a14:hiddenFill xmlns:a14="http://schemas.microsoft.com/office/drawing/2010/main" xmlns="">
                 <a:solidFill>
                   <a:srgbClr val="FFFFFF"/>
                 </a:solidFill>
@@ -15869,7 +15873,7 @@
           <p:cNvPr id="241" name="Text Placeholder 276">
             <a:extLst>
               <a:ext uri="{FF2B5EF4-FFF2-40B4-BE49-F238E27FC236}">
-                <a16:creationId xmlns:a16="http://schemas.microsoft.com/office/drawing/2014/main" id="{0EE7C6D8-765D-488C-AAAC-10F0B4CBB00F}"/>
+                <a16:creationId xmlns:a16="http://schemas.microsoft.com/office/drawing/2014/main" xmlns="" id="{0EE7C6D8-765D-488C-AAAC-10F0B4CBB00F}"/>
               </a:ext>
             </a:extLst>
           </p:cNvPr>
@@ -16068,7 +16072,7 @@
           <p:cNvPr id="460" name="TextBox 459">
             <a:extLst>
               <a:ext uri="{FF2B5EF4-FFF2-40B4-BE49-F238E27FC236}">
-                <a16:creationId xmlns:a16="http://schemas.microsoft.com/office/drawing/2014/main" id="{4A27D0CC-C21C-41EE-AA18-5D389609A790}"/>
+                <a16:creationId xmlns:a16="http://schemas.microsoft.com/office/drawing/2014/main" xmlns="" id="{4A27D0CC-C21C-41EE-AA18-5D389609A790}"/>
               </a:ext>
             </a:extLst>
           </p:cNvPr>
@@ -16108,7 +16112,7 @@
     </p:spTree>
     <p:extLst>
       <p:ext uri="{BB962C8B-B14F-4D97-AF65-F5344CB8AC3E}">
-        <p14:creationId xmlns:p14="http://schemas.microsoft.com/office/powerpoint/2010/main" val="4262250697"/>
+        <p14:creationId xmlns:p14="http://schemas.microsoft.com/office/powerpoint/2010/main" xmlns="" val="4262250697"/>
       </p:ext>
     </p:extLst>
   </p:cSld>
@@ -16148,7 +16152,7 @@
           <p:cNvPr id="86" name="Text Placeholder 271">
             <a:extLst>
               <a:ext uri="{FF2B5EF4-FFF2-40B4-BE49-F238E27FC236}">
-                <a16:creationId xmlns:a16="http://schemas.microsoft.com/office/drawing/2014/main" id="{28787771-BA44-4BBB-966F-4567BBA3E8DA}"/>
+                <a16:creationId xmlns:a16="http://schemas.microsoft.com/office/drawing/2014/main" xmlns="" id="{28787771-BA44-4BBB-966F-4567BBA3E8DA}"/>
               </a:ext>
             </a:extLst>
           </p:cNvPr>
@@ -16347,7 +16351,7 @@
           <p:cNvPr id="1026" name="Picture 2" descr="Experience Expert icon PNG and SVG Vector Free Download">
             <a:extLst>
               <a:ext uri="{FF2B5EF4-FFF2-40B4-BE49-F238E27FC236}">
-                <a16:creationId xmlns:a16="http://schemas.microsoft.com/office/drawing/2014/main" id="{B279D6DF-1D8F-42C1-97A0-2C0C389B3838}"/>
+                <a16:creationId xmlns:a16="http://schemas.microsoft.com/office/drawing/2014/main" xmlns="" id="{B279D6DF-1D8F-42C1-97A0-2C0C389B3838}"/>
               </a:ext>
             </a:extLst>
           </p:cNvPr>
@@ -16357,7 +16361,7 @@
           <p:nvPr/>
         </p:nvPicPr>
         <p:blipFill>
-          <a:blip r:embed="rId2">
+          <a:blip r:embed="rId2" cstate="print">
             <a:duotone>
               <a:schemeClr val="accent4">
                 <a:shade val="45000"/>
@@ -16367,7 +16371,7 @@
             </a:duotone>
             <a:extLst>
               <a:ext uri="{28A0092B-C50C-407E-A947-70E740481C1C}">
-                <a14:useLocalDpi xmlns:a14="http://schemas.microsoft.com/office/drawing/2010/main" val="0"/>
+                <a14:useLocalDpi xmlns:a14="http://schemas.microsoft.com/office/drawing/2010/main" xmlns="" val="0"/>
               </a:ext>
             </a:extLst>
           </a:blip>
@@ -16394,7 +16398,7 @@
           <p:cNvPr id="87" name="TextBox 86">
             <a:extLst>
               <a:ext uri="{FF2B5EF4-FFF2-40B4-BE49-F238E27FC236}">
-                <a16:creationId xmlns:a16="http://schemas.microsoft.com/office/drawing/2014/main" id="{C7CF1DF8-8606-4A40-97BB-AC76DC18C1E2}"/>
+                <a16:creationId xmlns:a16="http://schemas.microsoft.com/office/drawing/2014/main" xmlns="" id="{C7CF1DF8-8606-4A40-97BB-AC76DC18C1E2}"/>
               </a:ext>
             </a:extLst>
           </p:cNvPr>
@@ -16436,7 +16440,7 @@
           <p:cNvPr id="88" name="TextBox 87">
             <a:extLst>
               <a:ext uri="{FF2B5EF4-FFF2-40B4-BE49-F238E27FC236}">
-                <a16:creationId xmlns:a16="http://schemas.microsoft.com/office/drawing/2014/main" id="{D9F6ECCC-FA81-44A3-BCAF-AF527CE8B81E}"/>
+                <a16:creationId xmlns:a16="http://schemas.microsoft.com/office/drawing/2014/main" xmlns="" id="{D9F6ECCC-FA81-44A3-BCAF-AF527CE8B81E}"/>
               </a:ext>
             </a:extLst>
           </p:cNvPr>
@@ -16446,7 +16450,7 @@
         <p:spPr>
           <a:xfrm>
             <a:off x="299720" y="1154628"/>
-            <a:ext cx="6258560" cy="7478329"/>
+            <a:ext cx="6258560" cy="8105296"/>
           </a:xfrm>
           <a:prstGeom prst="rect">
             <a:avLst/>
@@ -16467,7 +16471,7 @@
                 <a:spcPts val="0"/>
               </a:spcBef>
               <a:spcAft>
-                <a:spcPts val="0"/>
+                <a:spcPts val="600"/>
               </a:spcAft>
               <a:buFont typeface="Symbol" panose="05050102010706020507" pitchFamily="18" charset="2"/>
               <a:buChar char=""/>
@@ -16562,7 +16566,7 @@
                 <a:spcPts val="0"/>
               </a:spcBef>
               <a:spcAft>
-                <a:spcPts val="0"/>
+                <a:spcPts val="600"/>
               </a:spcAft>
               <a:buFont typeface="Symbol" panose="05050102010706020507" pitchFamily="18" charset="2"/>
               <a:buChar char=""/>
@@ -16658,7 +16662,7 @@
                 <a:spcPts val="0"/>
               </a:spcBef>
               <a:spcAft>
-                <a:spcPts val="0"/>
+                <a:spcPts val="600"/>
               </a:spcAft>
               <a:buFont typeface="Symbol" panose="05050102010706020507" pitchFamily="18" charset="2"/>
               <a:buChar char=""/>
@@ -16810,7 +16814,7 @@
                 <a:spcPts val="0"/>
               </a:spcBef>
               <a:spcAft>
-                <a:spcPts val="0"/>
+                <a:spcPts val="600"/>
               </a:spcAft>
               <a:buFont typeface="Symbol" panose="05050102010706020507" pitchFamily="18" charset="2"/>
               <a:buChar char=""/>
@@ -16878,7 +16882,7 @@
                 <a:spcPts val="0"/>
               </a:spcBef>
               <a:spcAft>
-                <a:spcPts val="0"/>
+                <a:spcPts val="600"/>
               </a:spcAft>
               <a:buFont typeface="Symbol" panose="05050102010706020507" pitchFamily="18" charset="2"/>
               <a:buChar char=""/>
@@ -16946,7 +16950,7 @@
                 <a:spcPts val="0"/>
               </a:spcBef>
               <a:spcAft>
-                <a:spcPts val="0"/>
+                <a:spcPts val="600"/>
               </a:spcAft>
               <a:buFont typeface="Symbol" panose="05050102010706020507" pitchFamily="18" charset="2"/>
               <a:buChar char=""/>
@@ -17014,7 +17018,7 @@
                 <a:spcPts val="0"/>
               </a:spcBef>
               <a:spcAft>
-                <a:spcPts val="0"/>
+                <a:spcPts val="600"/>
               </a:spcAft>
               <a:buFont typeface="Symbol" panose="05050102010706020507" pitchFamily="18" charset="2"/>
               <a:buChar char=""/>
@@ -17031,7 +17035,35 @@
                 <a:ea typeface="Calibri" panose="020F0502020204030204" pitchFamily="34" charset="0"/>
                 <a:cs typeface="Mangal" panose="02040503050203030202" pitchFamily="18" charset="0"/>
               </a:rPr>
-              <a:t>Created a Tipping Bot with smart contracts integrated within. Using this Bot, any person can deposit/withdraw/send/receive crypto token worldwide with just Telegram user ID. Wallet with multiple token storage feature is built-in within the Bot for each user. </a:t>
+              <a:t>Created a Tipping Bot with smart contracts integrated within. Using this Bot, any person can deposit/withdraw/send/receive crypto </a:t>
+            </a:r>
+            <a:r>
+              <a:rPr lang="en-IN" sz="1100" dirty="0" smtClean="0">
+                <a:solidFill>
+                  <a:schemeClr val="bg1">
+                    <a:lumMod val="85000"/>
+                  </a:schemeClr>
+                </a:solidFill>
+                <a:effectLst/>
+                <a:latin typeface="Calibri" panose="020F0502020204030204" pitchFamily="34" charset="0"/>
+                <a:ea typeface="Calibri" panose="020F0502020204030204" pitchFamily="34" charset="0"/>
+                <a:cs typeface="Mangal" panose="02040503050203030202" pitchFamily="18" charset="0"/>
+              </a:rPr>
+              <a:t>token(s) </a:t>
+            </a:r>
+            <a:r>
+              <a:rPr lang="en-IN" sz="1100" dirty="0">
+                <a:solidFill>
+                  <a:schemeClr val="bg1">
+                    <a:lumMod val="85000"/>
+                  </a:schemeClr>
+                </a:solidFill>
+                <a:effectLst/>
+                <a:latin typeface="Calibri" panose="020F0502020204030204" pitchFamily="34" charset="0"/>
+                <a:ea typeface="Calibri" panose="020F0502020204030204" pitchFamily="34" charset="0"/>
+                <a:cs typeface="Mangal" panose="02040503050203030202" pitchFamily="18" charset="0"/>
+              </a:rPr>
+              <a:t>worldwide with just Telegram user ID. Wallet with multiple token storage feature is built-in within the Bot for each user. </a:t>
             </a:r>
             <a:r>
               <a:rPr lang="en-IN" sz="1100" u="sng" dirty="0">
@@ -17082,7 +17114,7 @@
                 <a:spcPts val="0"/>
               </a:spcBef>
               <a:spcAft>
-                <a:spcPts val="0"/>
+                <a:spcPts val="600"/>
               </a:spcAft>
               <a:buFont typeface="Symbol" panose="05050102010706020507" pitchFamily="18" charset="2"/>
               <a:buChar char=""/>
@@ -17099,7 +17131,63 @@
                 <a:ea typeface="Calibri" panose="020F0502020204030204" pitchFamily="34" charset="0"/>
                 <a:cs typeface="Mangal" panose="02040503050203030202" pitchFamily="18" charset="0"/>
               </a:rPr>
-              <a:t>Developed a Blockchain-based KYC Bot with smart contracts integrated, where a user gets to upload personal data like name, address, ID document, selfie, and all these field in each activity gets hashed and validated via Blockchain to securely maintain privacy. And then stored into the most competent database storage – Redis. Here, the document, selfie gets stored/downloaded in bytes &amp; then encoded/decoded respectively. </a:t>
+              <a:t>Developed a Blockchain-based KYC Bot with smart contracts integrated, where a user gets to upload personal data like name, address, ID document, selfie, </a:t>
+            </a:r>
+            <a:r>
+              <a:rPr lang="en-IN" sz="1100" dirty="0" smtClean="0">
+                <a:solidFill>
+                  <a:schemeClr val="bg1">
+                    <a:lumMod val="85000"/>
+                  </a:schemeClr>
+                </a:solidFill>
+                <a:effectLst/>
+                <a:latin typeface="Calibri" panose="020F0502020204030204" pitchFamily="34" charset="0"/>
+                <a:ea typeface="Calibri" panose="020F0502020204030204" pitchFamily="34" charset="0"/>
+                <a:cs typeface="Mangal" panose="02040503050203030202" pitchFamily="18" charset="0"/>
+              </a:rPr>
+              <a:t>that gets </a:t>
+            </a:r>
+            <a:r>
+              <a:rPr lang="en-IN" sz="1100" dirty="0">
+                <a:solidFill>
+                  <a:schemeClr val="bg1">
+                    <a:lumMod val="85000"/>
+                  </a:schemeClr>
+                </a:solidFill>
+                <a:effectLst/>
+                <a:latin typeface="Calibri" panose="020F0502020204030204" pitchFamily="34" charset="0"/>
+                <a:ea typeface="Calibri" panose="020F0502020204030204" pitchFamily="34" charset="0"/>
+                <a:cs typeface="Mangal" panose="02040503050203030202" pitchFamily="18" charset="0"/>
+              </a:rPr>
+              <a:t>hashed and validated via Blockchain to securely maintain privacy. And then stored into the most competent database storage </a:t>
+            </a:r>
+            <a:r>
+              <a:rPr lang="en-IN" sz="1100" dirty="0" smtClean="0">
+                <a:solidFill>
+                  <a:schemeClr val="bg1">
+                    <a:lumMod val="85000"/>
+                  </a:schemeClr>
+                </a:solidFill>
+                <a:effectLst/>
+                <a:latin typeface="Calibri" panose="020F0502020204030204" pitchFamily="34" charset="0"/>
+                <a:ea typeface="Calibri" panose="020F0502020204030204" pitchFamily="34" charset="0"/>
+                <a:cs typeface="Mangal" panose="02040503050203030202" pitchFamily="18" charset="0"/>
+              </a:rPr>
+              <a:t>cloud – </a:t>
+            </a:r>
+            <a:r>
+              <a:rPr lang="en-IN" sz="1100" dirty="0">
+                <a:solidFill>
+                  <a:schemeClr val="bg1">
+                    <a:lumMod val="85000"/>
+                  </a:schemeClr>
+                </a:solidFill>
+                <a:effectLst/>
+                <a:latin typeface="Calibri" panose="020F0502020204030204" pitchFamily="34" charset="0"/>
+                <a:ea typeface="Calibri" panose="020F0502020204030204" pitchFamily="34" charset="0"/>
+                <a:cs typeface="Mangal" panose="02040503050203030202" pitchFamily="18" charset="0"/>
+              </a:rPr>
+              <a:t>Redis. Here, the document, selfie gets stored/downloaded in bytes &amp; then encoded/decoded respectively. </a:t>
             </a:r>
             <a:r>
               <a:rPr lang="en-IN" sz="1100" u="sng" dirty="0">
@@ -17150,7 +17238,7 @@
                 <a:spcPts val="0"/>
               </a:spcBef>
               <a:spcAft>
-                <a:spcPts val="0"/>
+                <a:spcPts val="600"/>
               </a:spcAft>
               <a:buFont typeface="Symbol" panose="05050102010706020507" pitchFamily="18" charset="2"/>
               <a:buChar char=""/>
@@ -17195,7 +17283,35 @@
                 <a:ea typeface="Calibri" panose="020F0502020204030204" pitchFamily="34" charset="0"/>
                 <a:cs typeface="Mangal" panose="02040503050203030202" pitchFamily="18" charset="0"/>
               </a:rPr>
-              <a:t> as an option for funding, if required by the NFT owners for asset development. Also, doing R&amp;D on cross-chain asset ownership transfer using script trigger Smart contracts design methodology. </a:t>
+              <a:t> as an option for funding, if required by the NFT owners for asset development. Also, doing R&amp;D on cross-chain asset ownership transfer using script </a:t>
+            </a:r>
+            <a:r>
+              <a:rPr lang="en-IN" sz="1100" dirty="0" smtClean="0">
+                <a:solidFill>
+                  <a:schemeClr val="bg1">
+                    <a:lumMod val="85000"/>
+                  </a:schemeClr>
+                </a:solidFill>
+                <a:effectLst/>
+                <a:latin typeface="Calibri" panose="020F0502020204030204" pitchFamily="34" charset="0"/>
+                <a:ea typeface="Calibri" panose="020F0502020204030204" pitchFamily="34" charset="0"/>
+                <a:cs typeface="Mangal" panose="02040503050203030202" pitchFamily="18" charset="0"/>
+              </a:rPr>
+              <a:t>triggered </a:t>
+            </a:r>
+            <a:r>
+              <a:rPr lang="en-IN" sz="1100" dirty="0">
+                <a:solidFill>
+                  <a:schemeClr val="bg1">
+                    <a:lumMod val="85000"/>
+                  </a:schemeClr>
+                </a:solidFill>
+                <a:effectLst/>
+                <a:latin typeface="Calibri" panose="020F0502020204030204" pitchFamily="34" charset="0"/>
+                <a:ea typeface="Calibri" panose="020F0502020204030204" pitchFamily="34" charset="0"/>
+                <a:cs typeface="Mangal" panose="02040503050203030202" pitchFamily="18" charset="0"/>
+              </a:rPr>
+              <a:t>Smart contracts design methodology. </a:t>
             </a:r>
             <a:r>
               <a:rPr lang="en-IN" sz="1100" u="sng" dirty="0">
@@ -17242,7 +17358,7 @@
     </p:spTree>
     <p:extLst>
       <p:ext uri="{BB962C8B-B14F-4D97-AF65-F5344CB8AC3E}">
-        <p14:creationId xmlns:p14="http://schemas.microsoft.com/office/powerpoint/2010/main" val="3209659820"/>
+        <p14:creationId xmlns:p14="http://schemas.microsoft.com/office/powerpoint/2010/main" xmlns="" val="3209659820"/>
       </p:ext>
     </p:extLst>
   </p:cSld>
@@ -17282,7 +17398,7 @@
           <p:cNvPr id="3" name="TextBox 2">
             <a:extLst>
               <a:ext uri="{FF2B5EF4-FFF2-40B4-BE49-F238E27FC236}">
-                <a16:creationId xmlns:a16="http://schemas.microsoft.com/office/drawing/2014/main" id="{F67E3FE9-B788-48EB-AF51-AD8AEDBD8B38}"/>
+                <a16:creationId xmlns:a16="http://schemas.microsoft.com/office/drawing/2014/main" xmlns="" id="{F67E3FE9-B788-48EB-AF51-AD8AEDBD8B38}"/>
               </a:ext>
             </a:extLst>
           </p:cNvPr>
@@ -17292,7 +17408,7 @@
         <p:spPr>
           <a:xfrm>
             <a:off x="375920" y="416560"/>
-            <a:ext cx="6126480" cy="2546146"/>
+            <a:ext cx="6126480" cy="2633541"/>
           </a:xfrm>
           <a:prstGeom prst="rect">
             <a:avLst/>
@@ -17313,7 +17429,7 @@
                 <a:spcPts val="0"/>
               </a:spcBef>
               <a:spcAft>
-                <a:spcPts val="0"/>
+                <a:spcPts val="600"/>
               </a:spcAft>
               <a:buFont typeface="Symbol" panose="05050102010706020507" pitchFamily="18" charset="2"/>
               <a:buChar char=""/>
@@ -17371,6 +17487,104 @@
               <a:ea typeface="Calibri" panose="020F0502020204030204" pitchFamily="34" charset="0"/>
               <a:cs typeface="Mangal" panose="02040503050203030202" pitchFamily="18" charset="0"/>
             </a:endParaRPr>
+          </a:p>
+          <a:p>
+            <a:pPr marL="342900" marR="0" lvl="0" indent="-342900" algn="just">
+              <a:lnSpc>
+                <a:spcPct val="115000"/>
+              </a:lnSpc>
+              <a:spcBef>
+                <a:spcPts val="0"/>
+              </a:spcBef>
+              <a:spcAft>
+                <a:spcPts val="600"/>
+              </a:spcAft>
+              <a:buFont typeface="Symbol" panose="05050102010706020507" pitchFamily="18" charset="2"/>
+              <a:buChar char=""/>
+            </a:pPr>
+            <a:r>
+              <a:rPr lang="en-IN" sz="1100" dirty="0">
+                <a:solidFill>
+                  <a:schemeClr val="bg1">
+                    <a:lumMod val="85000"/>
+                  </a:schemeClr>
+                </a:solidFill>
+                <a:effectLst/>
+                <a:latin typeface="Calibri" panose="020F0502020204030204" pitchFamily="34" charset="0"/>
+                <a:ea typeface="Calibri" panose="020F0502020204030204" pitchFamily="34" charset="0"/>
+                <a:cs typeface="Mangal" panose="02040503050203030202" pitchFamily="18" charset="0"/>
+              </a:rPr>
+              <a:t>I am one of the core developers of Telos Blockchain, where I contributed in writing a documentation on </a:t>
+            </a:r>
+            <a:r>
+              <a:rPr lang="en-IN" sz="1100" dirty="0">
+                <a:solidFill>
+                  <a:schemeClr val="bg1">
+                    <a:lumMod val="85000"/>
+                  </a:schemeClr>
+                </a:solidFill>
+                <a:latin typeface="Calibri" panose="020F0502020204030204" pitchFamily="34" charset="0"/>
+                <a:ea typeface="Calibri" panose="020F0502020204030204" pitchFamily="34" charset="0"/>
+                <a:cs typeface="Mangal" panose="02040503050203030202" pitchFamily="18" charset="0"/>
+                <a:hlinkClick r:id="rId2"/>
+              </a:rPr>
+              <a:t>“Setting up Telos Validator Nodes”</a:t>
+            </a:r>
+            <a:r>
+              <a:rPr lang="en-IN" sz="1100" dirty="0">
+                <a:solidFill>
+                  <a:schemeClr val="bg1">
+                    <a:lumMod val="85000"/>
+                  </a:schemeClr>
+                </a:solidFill>
+                <a:latin typeface="Calibri" panose="020F0502020204030204" pitchFamily="34" charset="0"/>
+                <a:ea typeface="Calibri" panose="020F0502020204030204" pitchFamily="34" charset="0"/>
+                <a:cs typeface="Mangal" panose="02040503050203030202" pitchFamily="18" charset="0"/>
+              </a:rPr>
+              <a:t>, </a:t>
+            </a:r>
+            <a:r>
+              <a:rPr lang="en-IN" sz="1100" dirty="0">
+                <a:solidFill>
+                  <a:schemeClr val="bg1">
+                    <a:lumMod val="85000"/>
+                  </a:schemeClr>
+                </a:solidFill>
+                <a:effectLst/>
+                <a:latin typeface="Calibri" panose="020F0502020204030204" pitchFamily="34" charset="0"/>
+                <a:ea typeface="Calibri" panose="020F0502020204030204" pitchFamily="34" charset="0"/>
+                <a:cs typeface="Mangal" panose="02040503050203030202" pitchFamily="18" charset="0"/>
+              </a:rPr>
+              <a:t>which is used as a guide by many aspiring Block producers for EOSIO Blockchains. </a:t>
+            </a:r>
+            <a:r>
+              <a:rPr lang="en-IN" sz="1100" u="sng" dirty="0">
+                <a:solidFill>
+                  <a:schemeClr val="bg1">
+                    <a:lumMod val="85000"/>
+                  </a:schemeClr>
+                </a:solidFill>
+                <a:effectLst/>
+                <a:latin typeface="Calibri" panose="020F0502020204030204" pitchFamily="34" charset="0"/>
+                <a:ea typeface="Calibri" panose="020F0502020204030204" pitchFamily="34" charset="0"/>
+                <a:cs typeface="Mangal" panose="02040503050203030202" pitchFamily="18" charset="0"/>
+              </a:rPr>
+              <a:t>Language used</a:t>
+            </a:r>
+            <a:r>
+              <a:rPr lang="en-IN" sz="1100" dirty="0">
+                <a:solidFill>
+                  <a:schemeClr val="bg1">
+                    <a:lumMod val="85000"/>
+                  </a:schemeClr>
+                </a:solidFill>
+                <a:effectLst/>
+                <a:latin typeface="Calibri" panose="020F0502020204030204" pitchFamily="34" charset="0"/>
+                <a:ea typeface="Calibri" panose="020F0502020204030204" pitchFamily="34" charset="0"/>
+                <a:cs typeface="Mangal" panose="02040503050203030202" pitchFamily="18" charset="0"/>
+              </a:rPr>
+              <a:t>: Markdown.</a:t>
+            </a:r>
           </a:p>
           <a:p>
             <a:pPr marL="342900" marR="0" lvl="0" indent="-342900" algn="just">
@@ -17398,63 +17612,6 @@
                 <a:ea typeface="Calibri" panose="020F0502020204030204" pitchFamily="34" charset="0"/>
                 <a:cs typeface="Mangal" panose="02040503050203030202" pitchFamily="18" charset="0"/>
               </a:rPr>
-              <a:t>I am one of the core developers of Telos Blockchain, where I contributed in writing a documentation on “Setting up Telos Validator Nodes”, which is used as a guide by many aspiring Block producers for EOSIO Blockchains. </a:t>
-            </a:r>
-            <a:r>
-              <a:rPr lang="en-IN" sz="1100" u="sng" dirty="0">
-                <a:solidFill>
-                  <a:schemeClr val="bg1">
-                    <a:lumMod val="85000"/>
-                  </a:schemeClr>
-                </a:solidFill>
-                <a:effectLst/>
-                <a:latin typeface="Calibri" panose="020F0502020204030204" pitchFamily="34" charset="0"/>
-                <a:ea typeface="Calibri" panose="020F0502020204030204" pitchFamily="34" charset="0"/>
-                <a:cs typeface="Mangal" panose="02040503050203030202" pitchFamily="18" charset="0"/>
-              </a:rPr>
-              <a:t>Language used</a:t>
-            </a:r>
-            <a:r>
-              <a:rPr lang="en-IN" sz="1100" dirty="0">
-                <a:solidFill>
-                  <a:schemeClr val="bg1">
-                    <a:lumMod val="85000"/>
-                  </a:schemeClr>
-                </a:solidFill>
-                <a:effectLst/>
-                <a:latin typeface="Calibri" panose="020F0502020204030204" pitchFamily="34" charset="0"/>
-                <a:ea typeface="Calibri" panose="020F0502020204030204" pitchFamily="34" charset="0"/>
-                <a:cs typeface="Mangal" panose="02040503050203030202" pitchFamily="18" charset="0"/>
-              </a:rPr>
-              <a:t>: Markdown.</a:t>
-            </a:r>
-          </a:p>
-          <a:p>
-            <a:pPr marL="342900" marR="0" lvl="0" indent="-342900" algn="just">
-              <a:lnSpc>
-                <a:spcPct val="115000"/>
-              </a:lnSpc>
-              <a:spcBef>
-                <a:spcPts val="0"/>
-              </a:spcBef>
-              <a:spcAft>
-                <a:spcPts val="1000"/>
-              </a:spcAft>
-              <a:buFont typeface="Symbol" panose="05050102010706020507" pitchFamily="18" charset="2"/>
-              <a:buChar char=""/>
-            </a:pPr>
-            <a:r>
-              <a:rPr lang="en-IN" sz="1100" dirty="0">
-                <a:solidFill>
-                  <a:schemeClr val="bg1">
-                    <a:lumMod val="85000"/>
-                  </a:schemeClr>
-                </a:solidFill>
-                <a:effectLst/>
-                <a:latin typeface="Calibri" panose="020F0502020204030204" pitchFamily="34" charset="0"/>
-                <a:ea typeface="Calibri" panose="020F0502020204030204" pitchFamily="34" charset="0"/>
-                <a:cs typeface="Mangal" panose="02040503050203030202" pitchFamily="18" charset="0"/>
-              </a:rPr>
               <a:t>I have worked on a project called – ‘</a:t>
             </a:r>
             <a:r>
@@ -17511,7 +17668,119 @@
                 <a:ea typeface="Calibri" panose="020F0502020204030204" pitchFamily="34" charset="0"/>
                 <a:cs typeface="Mangal" panose="02040503050203030202" pitchFamily="18" charset="0"/>
               </a:rPr>
-              <a:t> Blockchain. It was about bringing together the travel community where they post content (in articles, photos, videos) &amp; they get incentivized in STEEM tokens based on creativity (with no plagiarism) by a community Bot. </a:t>
+              <a:t> Blockchain. It was about bringing together the travel </a:t>
+            </a:r>
+            <a:r>
+              <a:rPr lang="en-IN" sz="1100" dirty="0" smtClean="0">
+                <a:solidFill>
+                  <a:schemeClr val="bg1">
+                    <a:lumMod val="85000"/>
+                  </a:schemeClr>
+                </a:solidFill>
+                <a:effectLst/>
+                <a:latin typeface="Calibri" panose="020F0502020204030204" pitchFamily="34" charset="0"/>
+                <a:ea typeface="Calibri" panose="020F0502020204030204" pitchFamily="34" charset="0"/>
+                <a:cs typeface="Mangal" panose="02040503050203030202" pitchFamily="18" charset="0"/>
+              </a:rPr>
+              <a:t>&amp; tourism community </a:t>
+            </a:r>
+            <a:r>
+              <a:rPr lang="en-IN" sz="1100" dirty="0">
+                <a:solidFill>
+                  <a:schemeClr val="bg1">
+                    <a:lumMod val="85000"/>
+                  </a:schemeClr>
+                </a:solidFill>
+                <a:effectLst/>
+                <a:latin typeface="Calibri" panose="020F0502020204030204" pitchFamily="34" charset="0"/>
+                <a:ea typeface="Calibri" panose="020F0502020204030204" pitchFamily="34" charset="0"/>
+                <a:cs typeface="Mangal" panose="02040503050203030202" pitchFamily="18" charset="0"/>
+              </a:rPr>
+              <a:t>where they </a:t>
+            </a:r>
+            <a:r>
+              <a:rPr lang="en-IN" sz="1100" dirty="0" smtClean="0">
+                <a:solidFill>
+                  <a:schemeClr val="bg1">
+                    <a:lumMod val="85000"/>
+                  </a:schemeClr>
+                </a:solidFill>
+                <a:effectLst/>
+                <a:latin typeface="Calibri" panose="020F0502020204030204" pitchFamily="34" charset="0"/>
+                <a:ea typeface="Calibri" panose="020F0502020204030204" pitchFamily="34" charset="0"/>
+                <a:cs typeface="Mangal" panose="02040503050203030202" pitchFamily="18" charset="0"/>
+              </a:rPr>
+              <a:t>can post </a:t>
+            </a:r>
+            <a:r>
+              <a:rPr lang="en-IN" sz="1100" dirty="0">
+                <a:solidFill>
+                  <a:schemeClr val="bg1">
+                    <a:lumMod val="85000"/>
+                  </a:schemeClr>
+                </a:solidFill>
+                <a:effectLst/>
+                <a:latin typeface="Calibri" panose="020F0502020204030204" pitchFamily="34" charset="0"/>
+                <a:ea typeface="Calibri" panose="020F0502020204030204" pitchFamily="34" charset="0"/>
+                <a:cs typeface="Mangal" panose="02040503050203030202" pitchFamily="18" charset="0"/>
+              </a:rPr>
+              <a:t>content (in articles, photos, videos) &amp; </a:t>
+            </a:r>
+            <a:r>
+              <a:rPr lang="en-IN" sz="1100" dirty="0" smtClean="0">
+                <a:solidFill>
+                  <a:schemeClr val="bg1">
+                    <a:lumMod val="85000"/>
+                  </a:schemeClr>
+                </a:solidFill>
+                <a:effectLst/>
+                <a:latin typeface="Calibri" panose="020F0502020204030204" pitchFamily="34" charset="0"/>
+                <a:ea typeface="Calibri" panose="020F0502020204030204" pitchFamily="34" charset="0"/>
+                <a:cs typeface="Mangal" panose="02040503050203030202" pitchFamily="18" charset="0"/>
+              </a:rPr>
+              <a:t>instead they get </a:t>
+            </a:r>
+            <a:r>
+              <a:rPr lang="en-IN" sz="1100" dirty="0">
+                <a:solidFill>
+                  <a:schemeClr val="bg1">
+                    <a:lumMod val="85000"/>
+                  </a:schemeClr>
+                </a:solidFill>
+                <a:effectLst/>
+                <a:latin typeface="Calibri" panose="020F0502020204030204" pitchFamily="34" charset="0"/>
+                <a:ea typeface="Calibri" panose="020F0502020204030204" pitchFamily="34" charset="0"/>
+                <a:cs typeface="Mangal" panose="02040503050203030202" pitchFamily="18" charset="0"/>
+              </a:rPr>
+              <a:t>incentivized in STEEM tokens based on creativity (with no plagiarism) </a:t>
+            </a:r>
+            <a:r>
+              <a:rPr lang="en-IN" sz="1100" dirty="0" smtClean="0">
+                <a:solidFill>
+                  <a:schemeClr val="bg1">
+                    <a:lumMod val="85000"/>
+                  </a:schemeClr>
+                </a:solidFill>
+                <a:effectLst/>
+                <a:latin typeface="Calibri" panose="020F0502020204030204" pitchFamily="34" charset="0"/>
+                <a:ea typeface="Calibri" panose="020F0502020204030204" pitchFamily="34" charset="0"/>
+                <a:cs typeface="Mangal" panose="02040503050203030202" pitchFamily="18" charset="0"/>
+              </a:rPr>
+              <a:t>evaluated by an AI-based </a:t>
+            </a:r>
+            <a:r>
+              <a:rPr lang="en-IN" sz="1100" dirty="0">
+                <a:solidFill>
+                  <a:schemeClr val="bg1">
+                    <a:lumMod val="85000"/>
+                  </a:schemeClr>
+                </a:solidFill>
+                <a:effectLst/>
+                <a:latin typeface="Calibri" panose="020F0502020204030204" pitchFamily="34" charset="0"/>
+                <a:ea typeface="Calibri" panose="020F0502020204030204" pitchFamily="34" charset="0"/>
+                <a:cs typeface="Mangal" panose="02040503050203030202" pitchFamily="18" charset="0"/>
+              </a:rPr>
+              <a:t>community Bot. </a:t>
             </a:r>
             <a:r>
               <a:rPr lang="en-IN" sz="1100" u="sng" dirty="0">
@@ -17556,7 +17825,7 @@
           <p:cNvPr id="4" name="TextBox 3">
             <a:extLst>
               <a:ext uri="{FF2B5EF4-FFF2-40B4-BE49-F238E27FC236}">
-                <a16:creationId xmlns:a16="http://schemas.microsoft.com/office/drawing/2014/main" id="{56354908-5321-4022-B98B-4084640D6F32}"/>
+                <a16:creationId xmlns:a16="http://schemas.microsoft.com/office/drawing/2014/main" xmlns="" id="{56354908-5321-4022-B98B-4084640D6F32}"/>
               </a:ext>
             </a:extLst>
           </p:cNvPr>
@@ -17597,7 +17866,7 @@
           <p:cNvPr id="6" name="TextBox 5">
             <a:extLst>
               <a:ext uri="{FF2B5EF4-FFF2-40B4-BE49-F238E27FC236}">
-                <a16:creationId xmlns:a16="http://schemas.microsoft.com/office/drawing/2014/main" id="{5C56EA74-887C-4DC0-A111-D2C7A6E90508}"/>
+                <a16:creationId xmlns:a16="http://schemas.microsoft.com/office/drawing/2014/main" xmlns="" id="{5C56EA74-887C-4DC0-A111-D2C7A6E90508}"/>
               </a:ext>
             </a:extLst>
           </p:cNvPr>
@@ -17607,7 +17876,7 @@
         <p:spPr>
           <a:xfrm>
             <a:off x="375921" y="3579052"/>
-            <a:ext cx="6126480" cy="3792320"/>
+            <a:ext cx="6126480" cy="4051109"/>
           </a:xfrm>
           <a:prstGeom prst="rect">
             <a:avLst/>
@@ -17625,7 +17894,7 @@
                 <a:spcPts val="0"/>
               </a:spcBef>
               <a:spcAft>
-                <a:spcPts val="0"/>
+                <a:spcPts val="600"/>
               </a:spcAft>
               <a:buFont typeface="Symbol" panose="05050102010706020507" pitchFamily="18" charset="2"/>
               <a:buChar char=""/>
@@ -17670,7 +17939,35 @@
                 <a:ea typeface="Calibri" panose="020F0502020204030204" pitchFamily="34" charset="0"/>
                 <a:cs typeface="Mangal" panose="02040503050203030202" pitchFamily="18" charset="0"/>
               </a:rPr>
-              <a:t>’ for generating interactive plots (with hovering feature) automatically from the big data maintained in Excel and reduced the time from 30 mins (earlier) to 3 seconds (now). Also, created a dashboard on web browser. </a:t>
+              <a:t>’ for generating interactive plots (with hovering feature) automatically from the big data maintained in Excel and reduced the time from 30 mins (earlier) to 3 seconds (now). Also, created a </a:t>
+            </a:r>
+            <a:r>
+              <a:rPr lang="en-IN" sz="1100" dirty="0" smtClean="0">
+                <a:solidFill>
+                  <a:schemeClr val="bg1">
+                    <a:lumMod val="85000"/>
+                  </a:schemeClr>
+                </a:solidFill>
+                <a:effectLst/>
+                <a:latin typeface="Calibri" panose="020F0502020204030204" pitchFamily="34" charset="0"/>
+                <a:ea typeface="Calibri" panose="020F0502020204030204" pitchFamily="34" charset="0"/>
+                <a:cs typeface="Mangal" panose="02040503050203030202" pitchFamily="18" charset="0"/>
+              </a:rPr>
+              <a:t>corresponding dashboard for data analytics on </a:t>
+            </a:r>
+            <a:r>
+              <a:rPr lang="en-IN" sz="1100" dirty="0">
+                <a:solidFill>
+                  <a:schemeClr val="bg1">
+                    <a:lumMod val="85000"/>
+                  </a:schemeClr>
+                </a:solidFill>
+                <a:effectLst/>
+                <a:latin typeface="Calibri" panose="020F0502020204030204" pitchFamily="34" charset="0"/>
+                <a:ea typeface="Calibri" panose="020F0502020204030204" pitchFamily="34" charset="0"/>
+                <a:cs typeface="Mangal" panose="02040503050203030202" pitchFamily="18" charset="0"/>
+              </a:rPr>
+              <a:t>web browser. </a:t>
             </a:r>
             <a:r>
               <a:rPr lang="en-IN" sz="1100" u="sng" dirty="0">
@@ -17698,7 +17995,356 @@
                 <a:ea typeface="Calibri" panose="020F0502020204030204" pitchFamily="34" charset="0"/>
                 <a:cs typeface="Mangal" panose="02040503050203030202" pitchFamily="18" charset="0"/>
               </a:rPr>
-              <a:t>: Python, VBA, Bash, Batch.</a:t>
+              <a:t>: Python, VBA, Bash, Batch</a:t>
+            </a:r>
+            <a:r>
+              <a:rPr lang="en-IN" sz="1100" dirty="0" smtClean="0">
+                <a:solidFill>
+                  <a:schemeClr val="bg1">
+                    <a:lumMod val="85000"/>
+                  </a:schemeClr>
+                </a:solidFill>
+                <a:effectLst/>
+                <a:latin typeface="Calibri" panose="020F0502020204030204" pitchFamily="34" charset="0"/>
+                <a:ea typeface="Calibri" panose="020F0502020204030204" pitchFamily="34" charset="0"/>
+                <a:cs typeface="Mangal" panose="02040503050203030202" pitchFamily="18" charset="0"/>
+              </a:rPr>
+              <a:t>.</a:t>
+            </a:r>
+          </a:p>
+          <a:p>
+            <a:pPr marL="342900" indent="-342900" algn="just">
+              <a:spcAft>
+                <a:spcPts val="600"/>
+              </a:spcAft>
+              <a:buFont typeface="Symbol" panose="05050102010706020507" pitchFamily="18" charset="2"/>
+              <a:buChar char=""/>
+            </a:pPr>
+            <a:r>
+              <a:rPr lang="en-IN" sz="1100" dirty="0" smtClean="0">
+                <a:solidFill>
+                  <a:schemeClr val="bg1">
+                    <a:lumMod val="85000"/>
+                  </a:schemeClr>
+                </a:solidFill>
+                <a:latin typeface="Calibri" panose="020F0502020204030204" pitchFamily="34" charset="0"/>
+                <a:ea typeface="Calibri" panose="020F0502020204030204" pitchFamily="34" charset="0"/>
+                <a:cs typeface="Mangal" panose="02040503050203030202" pitchFamily="18" charset="0"/>
+              </a:rPr>
+              <a:t>Automatic rent agreements (Deposit Deduction, Rent Increase) generation for different tenants data (like name, </a:t>
+            </a:r>
+            <a:r>
+              <a:rPr lang="en-IN" sz="1100" dirty="0" err="1" smtClean="0">
+                <a:solidFill>
+                  <a:schemeClr val="bg1">
+                    <a:lumMod val="85000"/>
+                  </a:schemeClr>
+                </a:solidFill>
+                <a:latin typeface="Calibri" panose="020F0502020204030204" pitchFamily="34" charset="0"/>
+                <a:ea typeface="Calibri" panose="020F0502020204030204" pitchFamily="34" charset="0"/>
+                <a:cs typeface="Mangal" panose="02040503050203030202" pitchFamily="18" charset="0"/>
+              </a:rPr>
+              <a:t>startdate</a:t>
+            </a:r>
+            <a:r>
+              <a:rPr lang="en-IN" sz="1100" dirty="0" smtClean="0">
+                <a:solidFill>
+                  <a:schemeClr val="bg1">
+                    <a:lumMod val="85000"/>
+                  </a:schemeClr>
+                </a:solidFill>
+                <a:latin typeface="Calibri" panose="020F0502020204030204" pitchFamily="34" charset="0"/>
+                <a:ea typeface="Calibri" panose="020F0502020204030204" pitchFamily="34" charset="0"/>
+                <a:cs typeface="Mangal" panose="02040503050203030202" pitchFamily="18" charset="0"/>
+              </a:rPr>
+              <a:t>, address, postcode) from Excel data . </a:t>
+            </a:r>
+            <a:r>
+              <a:rPr lang="en-IN" sz="1100" u="sng" dirty="0" smtClean="0">
+                <a:solidFill>
+                  <a:schemeClr val="bg1">
+                    <a:lumMod val="85000"/>
+                  </a:schemeClr>
+                </a:solidFill>
+                <a:latin typeface="Calibri" panose="020F0502020204030204" pitchFamily="34" charset="0"/>
+                <a:ea typeface="Calibri" panose="020F0502020204030204" pitchFamily="34" charset="0"/>
+                <a:cs typeface="Mangal" panose="02040503050203030202" pitchFamily="18" charset="0"/>
+              </a:rPr>
+              <a:t>Language used</a:t>
+            </a:r>
+            <a:r>
+              <a:rPr lang="en-IN" sz="1100" dirty="0" smtClean="0">
+                <a:solidFill>
+                  <a:schemeClr val="bg1">
+                    <a:lumMod val="85000"/>
+                  </a:schemeClr>
+                </a:solidFill>
+                <a:latin typeface="Calibri" panose="020F0502020204030204" pitchFamily="34" charset="0"/>
+                <a:ea typeface="Calibri" panose="020F0502020204030204" pitchFamily="34" charset="0"/>
+                <a:cs typeface="Mangal" panose="02040503050203030202" pitchFamily="18" charset="0"/>
+              </a:rPr>
+              <a:t>: Python, Bash, Batch</a:t>
+            </a:r>
+            <a:r>
+              <a:rPr lang="en-IN" sz="1100" dirty="0" smtClean="0">
+                <a:solidFill>
+                  <a:schemeClr val="bg1">
+                    <a:lumMod val="85000"/>
+                  </a:schemeClr>
+                </a:solidFill>
+                <a:latin typeface="Calibri" panose="020F0502020204030204" pitchFamily="34" charset="0"/>
+                <a:ea typeface="Calibri" panose="020F0502020204030204" pitchFamily="34" charset="0"/>
+                <a:cs typeface="Mangal" panose="02040503050203030202" pitchFamily="18" charset="0"/>
+              </a:rPr>
+              <a:t>.</a:t>
+            </a:r>
+          </a:p>
+          <a:p>
+            <a:pPr marL="342900" lvl="0" indent="-342900" algn="just">
+              <a:spcAft>
+                <a:spcPts val="600"/>
+              </a:spcAft>
+              <a:buFont typeface="Symbol" panose="05050102010706020507" pitchFamily="18" charset="2"/>
+              <a:buChar char=""/>
+            </a:pPr>
+            <a:r>
+              <a:rPr lang="en-IN" sz="1100" dirty="0" smtClean="0">
+                <a:solidFill>
+                  <a:schemeClr val="bg1">
+                    <a:lumMod val="85000"/>
+                  </a:schemeClr>
+                </a:solidFill>
+                <a:latin typeface="Calibri" panose="020F0502020204030204" pitchFamily="34" charset="0"/>
+                <a:ea typeface="Calibri" panose="020F0502020204030204" pitchFamily="34" charset="0"/>
+                <a:cs typeface="Mangal" panose="02040503050203030202" pitchFamily="18" charset="0"/>
+              </a:rPr>
+              <a:t>Renaming thousands of files based on 5 parameters available inside the file at a particular directory. </a:t>
+            </a:r>
+            <a:r>
+              <a:rPr lang="en-IN" sz="1100" u="sng" dirty="0" smtClean="0">
+                <a:solidFill>
+                  <a:schemeClr val="bg1">
+                    <a:lumMod val="85000"/>
+                  </a:schemeClr>
+                </a:solidFill>
+                <a:latin typeface="Calibri" panose="020F0502020204030204" pitchFamily="34" charset="0"/>
+                <a:ea typeface="Calibri" panose="020F0502020204030204" pitchFamily="34" charset="0"/>
+                <a:cs typeface="Mangal" panose="02040503050203030202" pitchFamily="18" charset="0"/>
+              </a:rPr>
+              <a:t>Language used</a:t>
+            </a:r>
+            <a:r>
+              <a:rPr lang="en-IN" sz="1100" dirty="0" smtClean="0">
+                <a:solidFill>
+                  <a:schemeClr val="bg1">
+                    <a:lumMod val="85000"/>
+                  </a:schemeClr>
+                </a:solidFill>
+                <a:latin typeface="Calibri" panose="020F0502020204030204" pitchFamily="34" charset="0"/>
+                <a:ea typeface="Calibri" panose="020F0502020204030204" pitchFamily="34" charset="0"/>
+                <a:cs typeface="Mangal" panose="02040503050203030202" pitchFamily="18" charset="0"/>
+              </a:rPr>
+              <a:t>: Python</a:t>
+            </a:r>
+            <a:r>
+              <a:rPr lang="en-IN" sz="1100" dirty="0" smtClean="0">
+                <a:solidFill>
+                  <a:schemeClr val="bg1">
+                    <a:lumMod val="85000"/>
+                  </a:schemeClr>
+                </a:solidFill>
+                <a:latin typeface="Calibri" panose="020F0502020204030204" pitchFamily="34" charset="0"/>
+                <a:ea typeface="Calibri" panose="020F0502020204030204" pitchFamily="34" charset="0"/>
+                <a:cs typeface="Mangal" panose="02040503050203030202" pitchFamily="18" charset="0"/>
+              </a:rPr>
+              <a:t>.</a:t>
+            </a:r>
+          </a:p>
+          <a:p>
+            <a:pPr marL="342900" indent="-342900" algn="just">
+              <a:spcAft>
+                <a:spcPts val="600"/>
+              </a:spcAft>
+              <a:buFont typeface="Symbol" panose="05050102010706020507" pitchFamily="18" charset="2"/>
+              <a:buChar char=""/>
+            </a:pPr>
+            <a:r>
+              <a:rPr lang="en-IN" sz="1100" dirty="0" smtClean="0">
+                <a:solidFill>
+                  <a:schemeClr val="bg1">
+                    <a:lumMod val="85000"/>
+                  </a:schemeClr>
+                </a:solidFill>
+                <a:latin typeface="Calibri" panose="020F0502020204030204" pitchFamily="34" charset="0"/>
+                <a:ea typeface="Calibri" panose="020F0502020204030204" pitchFamily="34" charset="0"/>
+                <a:cs typeface="Mangal" panose="02040503050203030202" pitchFamily="18" charset="0"/>
+              </a:rPr>
+              <a:t>Extract a specific data from a file (format: </a:t>
+            </a:r>
+            <a:r>
+              <a:rPr lang="en-IN" sz="1100" dirty="0" err="1" smtClean="0">
+                <a:solidFill>
+                  <a:schemeClr val="bg1">
+                    <a:lumMod val="85000"/>
+                  </a:schemeClr>
+                </a:solidFill>
+                <a:latin typeface="Calibri" panose="020F0502020204030204" pitchFamily="34" charset="0"/>
+                <a:ea typeface="Calibri" panose="020F0502020204030204" pitchFamily="34" charset="0"/>
+                <a:cs typeface="Mangal" panose="02040503050203030202" pitchFamily="18" charset="0"/>
+              </a:rPr>
+              <a:t>msr</a:t>
+            </a:r>
+            <a:r>
+              <a:rPr lang="en-IN" sz="1100" dirty="0" smtClean="0">
+                <a:solidFill>
+                  <a:schemeClr val="bg1">
+                    <a:lumMod val="85000"/>
+                  </a:schemeClr>
+                </a:solidFill>
+                <a:latin typeface="Calibri" panose="020F0502020204030204" pitchFamily="34" charset="0"/>
+                <a:ea typeface="Calibri" panose="020F0502020204030204" pitchFamily="34" charset="0"/>
+                <a:cs typeface="Mangal" panose="02040503050203030202" pitchFamily="18" charset="0"/>
+              </a:rPr>
+              <a:t>) and replace a specific line in another file (format: .001). Replace coordinates in a file with a desired value and repeat the same for thousands of files present in a directory. </a:t>
+            </a:r>
+            <a:r>
+              <a:rPr lang="en-IN" sz="1100" u="sng" dirty="0" smtClean="0">
+                <a:solidFill>
+                  <a:schemeClr val="bg1">
+                    <a:lumMod val="85000"/>
+                  </a:schemeClr>
+                </a:solidFill>
+                <a:latin typeface="Calibri" panose="020F0502020204030204" pitchFamily="34" charset="0"/>
+                <a:ea typeface="Calibri" panose="020F0502020204030204" pitchFamily="34" charset="0"/>
+                <a:cs typeface="Mangal" panose="02040503050203030202" pitchFamily="18" charset="0"/>
+              </a:rPr>
+              <a:t>Language used</a:t>
+            </a:r>
+            <a:r>
+              <a:rPr lang="en-IN" sz="1100" dirty="0" smtClean="0">
+                <a:solidFill>
+                  <a:schemeClr val="bg1">
+                    <a:lumMod val="85000"/>
+                  </a:schemeClr>
+                </a:solidFill>
+                <a:latin typeface="Calibri" panose="020F0502020204030204" pitchFamily="34" charset="0"/>
+                <a:ea typeface="Calibri" panose="020F0502020204030204" pitchFamily="34" charset="0"/>
+                <a:cs typeface="Mangal" panose="02040503050203030202" pitchFamily="18" charset="0"/>
+              </a:rPr>
+              <a:t>: Python</a:t>
+            </a:r>
+            <a:r>
+              <a:rPr lang="en-IN" sz="1100" dirty="0" smtClean="0">
+                <a:solidFill>
+                  <a:schemeClr val="bg1">
+                    <a:lumMod val="85000"/>
+                  </a:schemeClr>
+                </a:solidFill>
+                <a:latin typeface="Calibri" panose="020F0502020204030204" pitchFamily="34" charset="0"/>
+                <a:ea typeface="Calibri" panose="020F0502020204030204" pitchFamily="34" charset="0"/>
+                <a:cs typeface="Mangal" panose="02040503050203030202" pitchFamily="18" charset="0"/>
+              </a:rPr>
+              <a:t>.</a:t>
+            </a:r>
+          </a:p>
+          <a:p>
+            <a:pPr marL="342900" lvl="0" indent="-342900" algn="just">
+              <a:spcAft>
+                <a:spcPts val="600"/>
+              </a:spcAft>
+              <a:buFont typeface="Symbol" panose="05050102010706020507" pitchFamily="18" charset="2"/>
+              <a:buChar char=""/>
+            </a:pPr>
+            <a:r>
+              <a:rPr lang="en-IN" sz="1100" dirty="0" smtClean="0">
+                <a:solidFill>
+                  <a:schemeClr val="bg1">
+                    <a:lumMod val="85000"/>
+                  </a:schemeClr>
+                </a:solidFill>
+                <a:latin typeface="Calibri" panose="020F0502020204030204" pitchFamily="34" charset="0"/>
+                <a:ea typeface="Calibri" panose="020F0502020204030204" pitchFamily="34" charset="0"/>
+                <a:cs typeface="Mangal" panose="02040503050203030202" pitchFamily="18" charset="0"/>
+              </a:rPr>
+              <a:t>Fetching of accounts &amp; timestamp of Twitter posts with tag </a:t>
+            </a:r>
+            <a:r>
+              <a:rPr lang="en-IN" sz="1100" i="1" dirty="0" smtClean="0">
+                <a:solidFill>
+                  <a:schemeClr val="bg1">
+                    <a:lumMod val="85000"/>
+                  </a:schemeClr>
+                </a:solidFill>
+                <a:latin typeface="Calibri" panose="020F0502020204030204" pitchFamily="34" charset="0"/>
+                <a:ea typeface="Calibri" panose="020F0502020204030204" pitchFamily="34" charset="0"/>
+                <a:cs typeface="Mangal" panose="02040503050203030202" pitchFamily="18" charset="0"/>
+              </a:rPr>
+              <a:t>#</a:t>
+            </a:r>
+            <a:r>
+              <a:rPr lang="en-IN" sz="1100" i="1" dirty="0" err="1" smtClean="0">
+                <a:solidFill>
+                  <a:schemeClr val="bg1">
+                    <a:lumMod val="85000"/>
+                  </a:schemeClr>
+                </a:solidFill>
+                <a:latin typeface="Calibri" panose="020F0502020204030204" pitchFamily="34" charset="0"/>
+                <a:ea typeface="Calibri" panose="020F0502020204030204" pitchFamily="34" charset="0"/>
+                <a:cs typeface="Mangal" panose="02040503050203030202" pitchFamily="18" charset="0"/>
+              </a:rPr>
+              <a:t>libya</a:t>
+            </a:r>
+            <a:r>
+              <a:rPr lang="en-IN" sz="1100" dirty="0" smtClean="0">
+                <a:solidFill>
+                  <a:schemeClr val="bg1">
+                    <a:lumMod val="85000"/>
+                  </a:schemeClr>
+                </a:solidFill>
+                <a:latin typeface="Calibri" panose="020F0502020204030204" pitchFamily="34" charset="0"/>
+                <a:ea typeface="Calibri" panose="020F0502020204030204" pitchFamily="34" charset="0"/>
+                <a:cs typeface="Mangal" panose="02040503050203030202" pitchFamily="18" charset="0"/>
+              </a:rPr>
+              <a:t>. </a:t>
+            </a:r>
+            <a:r>
+              <a:rPr lang="en-IN" sz="1100" u="sng" dirty="0" smtClean="0">
+                <a:solidFill>
+                  <a:schemeClr val="bg1">
+                    <a:lumMod val="85000"/>
+                  </a:schemeClr>
+                </a:solidFill>
+                <a:latin typeface="Calibri" panose="020F0502020204030204" pitchFamily="34" charset="0"/>
+                <a:ea typeface="Calibri" panose="020F0502020204030204" pitchFamily="34" charset="0"/>
+                <a:cs typeface="Mangal" panose="02040503050203030202" pitchFamily="18" charset="0"/>
+              </a:rPr>
+              <a:t>Language used</a:t>
+            </a:r>
+            <a:r>
+              <a:rPr lang="en-IN" sz="1100" dirty="0" smtClean="0">
+                <a:solidFill>
+                  <a:schemeClr val="bg1">
+                    <a:lumMod val="85000"/>
+                  </a:schemeClr>
+                </a:solidFill>
+                <a:latin typeface="Calibri" panose="020F0502020204030204" pitchFamily="34" charset="0"/>
+                <a:ea typeface="Calibri" panose="020F0502020204030204" pitchFamily="34" charset="0"/>
+                <a:cs typeface="Mangal" panose="02040503050203030202" pitchFamily="18" charset="0"/>
+              </a:rPr>
+              <a:t>: Python</a:t>
+            </a:r>
+            <a:r>
+              <a:rPr lang="en-IN" sz="1100" dirty="0" smtClean="0">
+                <a:solidFill>
+                  <a:schemeClr val="bg1">
+                    <a:lumMod val="85000"/>
+                  </a:schemeClr>
+                </a:solidFill>
+                <a:latin typeface="Calibri" panose="020F0502020204030204" pitchFamily="34" charset="0"/>
+                <a:ea typeface="Calibri" panose="020F0502020204030204" pitchFamily="34" charset="0"/>
+                <a:cs typeface="Mangal" panose="02040503050203030202" pitchFamily="18" charset="0"/>
+              </a:rPr>
+              <a:t>.</a:t>
             </a:r>
             <a:endParaRPr lang="en-US" sz="1100" dirty="0">
               <a:solidFill>
@@ -17721,13 +18367,13 @@
                 <a:spcPts val="0"/>
               </a:spcBef>
               <a:spcAft>
-                <a:spcPts val="0"/>
+                <a:spcPts val="600"/>
               </a:spcAft>
               <a:buFont typeface="Symbol" panose="05050102010706020507" pitchFamily="18" charset="2"/>
               <a:buChar char=""/>
             </a:pPr>
             <a:r>
-              <a:rPr lang="en-IN" sz="1100" dirty="0">
+              <a:rPr lang="en-IN" sz="1100" dirty="0" smtClean="0">
                 <a:solidFill>
                   <a:schemeClr val="bg1">
                     <a:lumMod val="85000"/>
@@ -17738,7 +18384,21 @@
                 <a:ea typeface="Calibri" panose="020F0502020204030204" pitchFamily="34" charset="0"/>
                 <a:cs typeface="Mangal" panose="02040503050203030202" pitchFamily="18" charset="0"/>
               </a:rPr>
-              <a:t>Created a 3D Plot for data analytics related to Semiconductor devices with yield, which is visualizable with modern-UI level. </a:t>
+              <a:t>Prepared </a:t>
+            </a:r>
+            <a:r>
+              <a:rPr lang="en-IN" sz="1100" dirty="0">
+                <a:solidFill>
+                  <a:schemeClr val="bg1">
+                    <a:lumMod val="85000"/>
+                  </a:schemeClr>
+                </a:solidFill>
+                <a:effectLst/>
+                <a:latin typeface="Calibri" panose="020F0502020204030204" pitchFamily="34" charset="0"/>
+                <a:ea typeface="Calibri" panose="020F0502020204030204" pitchFamily="34" charset="0"/>
+                <a:cs typeface="Mangal" panose="02040503050203030202" pitchFamily="18" charset="0"/>
+              </a:rPr>
+              <a:t>a data analysis report on updating an Excel form from datasets fetched from Outlook mail. </a:t>
             </a:r>
             <a:r>
               <a:rPr lang="en-IN" sz="1100" u="sng" dirty="0">
@@ -17766,7 +18426,7 @@
                 <a:ea typeface="Calibri" panose="020F0502020204030204" pitchFamily="34" charset="0"/>
                 <a:cs typeface="Mangal" panose="02040503050203030202" pitchFamily="18" charset="0"/>
               </a:rPr>
-              <a:t>: Python, VBA.</a:t>
+              <a:t>: Python.</a:t>
             </a:r>
             <a:endParaRPr lang="en-US" sz="1100" dirty="0">
               <a:solidFill>
@@ -17789,7 +18449,7 @@
                 <a:spcPts val="0"/>
               </a:spcBef>
               <a:spcAft>
-                <a:spcPts val="0"/>
+                <a:spcPts val="600"/>
               </a:spcAft>
               <a:buFont typeface="Symbol" panose="05050102010706020507" pitchFamily="18" charset="2"/>
               <a:buChar char=""/>
@@ -17806,7 +18466,35 @@
                 <a:ea typeface="Calibri" panose="020F0502020204030204" pitchFamily="34" charset="0"/>
                 <a:cs typeface="Mangal" panose="02040503050203030202" pitchFamily="18" charset="0"/>
               </a:rPr>
-              <a:t>Prepared a data analysis report on updating an Excel form from datasets fetched from Outlook mail. </a:t>
+              <a:t>Image files (formats: dot, </a:t>
+            </a:r>
+            <a:r>
+              <a:rPr lang="en-IN" sz="1100" dirty="0" err="1">
+                <a:solidFill>
+                  <a:schemeClr val="bg1">
+                    <a:lumMod val="85000"/>
+                  </a:schemeClr>
+                </a:solidFill>
+                <a:effectLst/>
+                <a:latin typeface="Calibri" panose="020F0502020204030204" pitchFamily="34" charset="0"/>
+                <a:ea typeface="Calibri" panose="020F0502020204030204" pitchFamily="34" charset="0"/>
+                <a:cs typeface="Mangal" panose="02040503050203030202" pitchFamily="18" charset="0"/>
+              </a:rPr>
+              <a:t>png</a:t>
+            </a:r>
+            <a:r>
+              <a:rPr lang="en-IN" sz="1100" dirty="0">
+                <a:solidFill>
+                  <a:schemeClr val="bg1">
+                    <a:lumMod val="85000"/>
+                  </a:schemeClr>
+                </a:solidFill>
+                <a:effectLst/>
+                <a:latin typeface="Calibri" panose="020F0502020204030204" pitchFamily="34" charset="0"/>
+                <a:ea typeface="Calibri" panose="020F0502020204030204" pitchFamily="34" charset="0"/>
+                <a:cs typeface="Mangal" panose="02040503050203030202" pitchFamily="18" charset="0"/>
+              </a:rPr>
+              <a:t>) generation from fetched data in Excel file. </a:t>
             </a:r>
             <a:r>
               <a:rPr lang="en-IN" sz="1100" u="sng" dirty="0">
@@ -17834,7 +18522,111 @@
                 <a:ea typeface="Calibri" panose="020F0502020204030204" pitchFamily="34" charset="0"/>
                 <a:cs typeface="Mangal" panose="02040503050203030202" pitchFamily="18" charset="0"/>
               </a:rPr>
-              <a:t>: Python.</a:t>
+              <a:t>: Python</a:t>
+            </a:r>
+            <a:r>
+              <a:rPr lang="en-IN" sz="1100" dirty="0" smtClean="0">
+                <a:solidFill>
+                  <a:schemeClr val="bg1">
+                    <a:lumMod val="85000"/>
+                  </a:schemeClr>
+                </a:solidFill>
+                <a:effectLst/>
+                <a:latin typeface="Calibri" panose="020F0502020204030204" pitchFamily="34" charset="0"/>
+                <a:ea typeface="Calibri" panose="020F0502020204030204" pitchFamily="34" charset="0"/>
+                <a:cs typeface="Mangal" panose="02040503050203030202" pitchFamily="18" charset="0"/>
+              </a:rPr>
+              <a:t>.</a:t>
+            </a:r>
+          </a:p>
+          <a:p>
+            <a:pPr marL="342900" indent="-342900" algn="just">
+              <a:lnSpc>
+                <a:spcPct val="115000"/>
+              </a:lnSpc>
+              <a:spcAft>
+                <a:spcPts val="600"/>
+              </a:spcAft>
+              <a:buFont typeface="Symbol" panose="05050102010706020507" pitchFamily="18" charset="2"/>
+              <a:buChar char=""/>
+            </a:pPr>
+            <a:r>
+              <a:rPr lang="en-IN" sz="1100" dirty="0" smtClean="0">
+                <a:solidFill>
+                  <a:schemeClr val="bg1">
+                    <a:lumMod val="85000"/>
+                  </a:schemeClr>
+                </a:solidFill>
+                <a:latin typeface="Calibri" panose="020F0502020204030204" pitchFamily="34" charset="0"/>
+                <a:ea typeface="Calibri" panose="020F0502020204030204" pitchFamily="34" charset="0"/>
+                <a:cs typeface="Mangal" panose="02040503050203030202" pitchFamily="18" charset="0"/>
+              </a:rPr>
+              <a:t>Created a custom 3D Plot for data analytics related to Semiconductor devices with yield, which is </a:t>
+            </a:r>
+            <a:r>
+              <a:rPr lang="en-IN" sz="1100" dirty="0" err="1" smtClean="0">
+                <a:solidFill>
+                  <a:schemeClr val="bg1">
+                    <a:lumMod val="85000"/>
+                  </a:schemeClr>
+                </a:solidFill>
+                <a:latin typeface="Calibri" panose="020F0502020204030204" pitchFamily="34" charset="0"/>
+                <a:ea typeface="Calibri" panose="020F0502020204030204" pitchFamily="34" charset="0"/>
+                <a:cs typeface="Mangal" panose="02040503050203030202" pitchFamily="18" charset="0"/>
+              </a:rPr>
+              <a:t>visualizable</a:t>
+            </a:r>
+            <a:r>
+              <a:rPr lang="en-IN" sz="1100" dirty="0" smtClean="0">
+                <a:solidFill>
+                  <a:schemeClr val="bg1">
+                    <a:lumMod val="85000"/>
+                  </a:schemeClr>
+                </a:solidFill>
+                <a:latin typeface="Calibri" panose="020F0502020204030204" pitchFamily="34" charset="0"/>
+                <a:ea typeface="Calibri" panose="020F0502020204030204" pitchFamily="34" charset="0"/>
+                <a:cs typeface="Mangal" panose="02040503050203030202" pitchFamily="18" charset="0"/>
+              </a:rPr>
+              <a:t> with interactive modern-UI level. </a:t>
+            </a:r>
+            <a:r>
+              <a:rPr lang="en-IN" sz="1100" u="sng" dirty="0" smtClean="0">
+                <a:solidFill>
+                  <a:schemeClr val="bg1">
+                    <a:lumMod val="85000"/>
+                  </a:schemeClr>
+                </a:solidFill>
+                <a:latin typeface="Calibri" panose="020F0502020204030204" pitchFamily="34" charset="0"/>
+                <a:ea typeface="Calibri" panose="020F0502020204030204" pitchFamily="34" charset="0"/>
+                <a:cs typeface="Mangal" panose="02040503050203030202" pitchFamily="18" charset="0"/>
+              </a:rPr>
+              <a:t>Language used</a:t>
+            </a:r>
+            <a:r>
+              <a:rPr lang="en-IN" sz="1100" dirty="0" smtClean="0">
+                <a:solidFill>
+                  <a:schemeClr val="bg1">
+                    <a:lumMod val="85000"/>
+                  </a:schemeClr>
+                </a:solidFill>
+                <a:latin typeface="Calibri" panose="020F0502020204030204" pitchFamily="34" charset="0"/>
+                <a:ea typeface="Calibri" panose="020F0502020204030204" pitchFamily="34" charset="0"/>
+                <a:cs typeface="Mangal" panose="02040503050203030202" pitchFamily="18" charset="0"/>
+              </a:rPr>
+              <a:t>: Python, VBA</a:t>
+            </a:r>
+            <a:r>
+              <a:rPr lang="en-IN" sz="1100" dirty="0" smtClean="0">
+                <a:solidFill>
+                  <a:schemeClr val="bg1">
+                    <a:lumMod val="85000"/>
+                  </a:schemeClr>
+                </a:solidFill>
+                <a:latin typeface="Calibri" panose="020F0502020204030204" pitchFamily="34" charset="0"/>
+                <a:ea typeface="Calibri" panose="020F0502020204030204" pitchFamily="34" charset="0"/>
+                <a:cs typeface="Mangal" panose="02040503050203030202" pitchFamily="18" charset="0"/>
+              </a:rPr>
+              <a:t>.</a:t>
             </a:r>
             <a:endParaRPr lang="en-US" sz="1100" dirty="0">
               <a:solidFill>
@@ -17849,458 +18641,6 @@
             </a:endParaRPr>
           </a:p>
           <a:p>
-            <a:pPr marL="342900" marR="0" lvl="0" indent="-342900" algn="just">
-              <a:lnSpc>
-                <a:spcPct val="115000"/>
-              </a:lnSpc>
-              <a:spcBef>
-                <a:spcPts val="0"/>
-              </a:spcBef>
-              <a:spcAft>
-                <a:spcPts val="0"/>
-              </a:spcAft>
-              <a:buFont typeface="Symbol" panose="05050102010706020507" pitchFamily="18" charset="2"/>
-              <a:buChar char=""/>
-            </a:pPr>
-            <a:r>
-              <a:rPr lang="en-IN" sz="1100" dirty="0">
-                <a:solidFill>
-                  <a:schemeClr val="bg1">
-                    <a:lumMod val="85000"/>
-                  </a:schemeClr>
-                </a:solidFill>
-                <a:effectLst/>
-                <a:latin typeface="Calibri" panose="020F0502020204030204" pitchFamily="34" charset="0"/>
-                <a:ea typeface="Calibri" panose="020F0502020204030204" pitchFamily="34" charset="0"/>
-                <a:cs typeface="Mangal" panose="02040503050203030202" pitchFamily="18" charset="0"/>
-              </a:rPr>
-              <a:t>Image files (formats: dot, </a:t>
-            </a:r>
-            <a:r>
-              <a:rPr lang="en-IN" sz="1100" dirty="0" err="1">
-                <a:solidFill>
-                  <a:schemeClr val="bg1">
-                    <a:lumMod val="85000"/>
-                  </a:schemeClr>
-                </a:solidFill>
-                <a:effectLst/>
-                <a:latin typeface="Calibri" panose="020F0502020204030204" pitchFamily="34" charset="0"/>
-                <a:ea typeface="Calibri" panose="020F0502020204030204" pitchFamily="34" charset="0"/>
-                <a:cs typeface="Mangal" panose="02040503050203030202" pitchFamily="18" charset="0"/>
-              </a:rPr>
-              <a:t>png</a:t>
-            </a:r>
-            <a:r>
-              <a:rPr lang="en-IN" sz="1100" dirty="0">
-                <a:solidFill>
-                  <a:schemeClr val="bg1">
-                    <a:lumMod val="85000"/>
-                  </a:schemeClr>
-                </a:solidFill>
-                <a:effectLst/>
-                <a:latin typeface="Calibri" panose="020F0502020204030204" pitchFamily="34" charset="0"/>
-                <a:ea typeface="Calibri" panose="020F0502020204030204" pitchFamily="34" charset="0"/>
-                <a:cs typeface="Mangal" panose="02040503050203030202" pitchFamily="18" charset="0"/>
-              </a:rPr>
-              <a:t>) generation from fetched data in Excel file. </a:t>
-            </a:r>
-            <a:r>
-              <a:rPr lang="en-IN" sz="1100" u="sng" dirty="0">
-                <a:solidFill>
-                  <a:schemeClr val="bg1">
-                    <a:lumMod val="85000"/>
-                  </a:schemeClr>
-                </a:solidFill>
-                <a:effectLst/>
-                <a:latin typeface="Calibri" panose="020F0502020204030204" pitchFamily="34" charset="0"/>
-                <a:ea typeface="Calibri" panose="020F0502020204030204" pitchFamily="34" charset="0"/>
-                <a:cs typeface="Mangal" panose="02040503050203030202" pitchFamily="18" charset="0"/>
-              </a:rPr>
-              <a:t>Language used</a:t>
-            </a:r>
-            <a:r>
-              <a:rPr lang="en-IN" sz="1100" dirty="0">
-                <a:solidFill>
-                  <a:schemeClr val="bg1">
-                    <a:lumMod val="85000"/>
-                  </a:schemeClr>
-                </a:solidFill>
-                <a:effectLst/>
-                <a:latin typeface="Calibri" panose="020F0502020204030204" pitchFamily="34" charset="0"/>
-                <a:ea typeface="Calibri" panose="020F0502020204030204" pitchFamily="34" charset="0"/>
-                <a:cs typeface="Mangal" panose="02040503050203030202" pitchFamily="18" charset="0"/>
-              </a:rPr>
-              <a:t>: Python.</a:t>
-            </a:r>
-            <a:endParaRPr lang="en-US" sz="1100" dirty="0">
-              <a:solidFill>
-                <a:schemeClr val="bg1">
-                  <a:lumMod val="85000"/>
-                </a:schemeClr>
-              </a:solidFill>
-              <a:effectLst/>
-              <a:latin typeface="Calibri" panose="020F0502020204030204" pitchFamily="34" charset="0"/>
-              <a:ea typeface="Calibri" panose="020F0502020204030204" pitchFamily="34" charset="0"/>
-              <a:cs typeface="Mangal" panose="02040503050203030202" pitchFamily="18" charset="0"/>
-            </a:endParaRPr>
-          </a:p>
-          <a:p>
-            <a:pPr marL="342900" marR="0" lvl="0" indent="-342900" algn="just">
-              <a:lnSpc>
-                <a:spcPct val="115000"/>
-              </a:lnSpc>
-              <a:spcBef>
-                <a:spcPts val="0"/>
-              </a:spcBef>
-              <a:spcAft>
-                <a:spcPts val="0"/>
-              </a:spcAft>
-              <a:buFont typeface="Symbol" panose="05050102010706020507" pitchFamily="18" charset="2"/>
-              <a:buChar char=""/>
-            </a:pPr>
-            <a:r>
-              <a:rPr lang="en-IN" sz="1100" dirty="0">
-                <a:solidFill>
-                  <a:schemeClr val="bg1">
-                    <a:lumMod val="85000"/>
-                  </a:schemeClr>
-                </a:solidFill>
-                <a:effectLst/>
-                <a:latin typeface="Calibri" panose="020F0502020204030204" pitchFamily="34" charset="0"/>
-                <a:ea typeface="Calibri" panose="020F0502020204030204" pitchFamily="34" charset="0"/>
-                <a:cs typeface="Mangal" panose="02040503050203030202" pitchFamily="18" charset="0"/>
-              </a:rPr>
-              <a:t>Fetching of accounts &amp; timestamp of Twitter posts with tags </a:t>
-            </a:r>
-            <a:r>
-              <a:rPr lang="en-IN" sz="1100" i="1" dirty="0">
-                <a:solidFill>
-                  <a:schemeClr val="bg1">
-                    <a:lumMod val="85000"/>
-                  </a:schemeClr>
-                </a:solidFill>
-                <a:effectLst/>
-                <a:latin typeface="Calibri" panose="020F0502020204030204" pitchFamily="34" charset="0"/>
-                <a:ea typeface="Calibri" panose="020F0502020204030204" pitchFamily="34" charset="0"/>
-                <a:cs typeface="Mangal" panose="02040503050203030202" pitchFamily="18" charset="0"/>
-              </a:rPr>
-              <a:t>#libya</a:t>
-            </a:r>
-            <a:r>
-              <a:rPr lang="en-IN" sz="1100" dirty="0">
-                <a:solidFill>
-                  <a:schemeClr val="bg1">
-                    <a:lumMod val="85000"/>
-                  </a:schemeClr>
-                </a:solidFill>
-                <a:effectLst/>
-                <a:latin typeface="Calibri" panose="020F0502020204030204" pitchFamily="34" charset="0"/>
-                <a:ea typeface="Calibri" panose="020F0502020204030204" pitchFamily="34" charset="0"/>
-                <a:cs typeface="Mangal" panose="02040503050203030202" pitchFamily="18" charset="0"/>
-              </a:rPr>
-              <a:t>. </a:t>
-            </a:r>
-            <a:r>
-              <a:rPr lang="en-IN" sz="1100" u="sng" dirty="0">
-                <a:solidFill>
-                  <a:schemeClr val="bg1">
-                    <a:lumMod val="85000"/>
-                  </a:schemeClr>
-                </a:solidFill>
-                <a:effectLst/>
-                <a:latin typeface="Calibri" panose="020F0502020204030204" pitchFamily="34" charset="0"/>
-                <a:ea typeface="Calibri" panose="020F0502020204030204" pitchFamily="34" charset="0"/>
-                <a:cs typeface="Mangal" panose="02040503050203030202" pitchFamily="18" charset="0"/>
-              </a:rPr>
-              <a:t>Language used</a:t>
-            </a:r>
-            <a:r>
-              <a:rPr lang="en-IN" sz="1100" dirty="0">
-                <a:solidFill>
-                  <a:schemeClr val="bg1">
-                    <a:lumMod val="85000"/>
-                  </a:schemeClr>
-                </a:solidFill>
-                <a:effectLst/>
-                <a:latin typeface="Calibri" panose="020F0502020204030204" pitchFamily="34" charset="0"/>
-                <a:ea typeface="Calibri" panose="020F0502020204030204" pitchFamily="34" charset="0"/>
-                <a:cs typeface="Mangal" panose="02040503050203030202" pitchFamily="18" charset="0"/>
-              </a:rPr>
-              <a:t>: Python.</a:t>
-            </a:r>
-            <a:endParaRPr lang="en-US" sz="1100" dirty="0">
-              <a:solidFill>
-                <a:schemeClr val="bg1">
-                  <a:lumMod val="85000"/>
-                </a:schemeClr>
-              </a:solidFill>
-              <a:effectLst/>
-              <a:latin typeface="Calibri" panose="020F0502020204030204" pitchFamily="34" charset="0"/>
-              <a:ea typeface="Calibri" panose="020F0502020204030204" pitchFamily="34" charset="0"/>
-              <a:cs typeface="Mangal" panose="02040503050203030202" pitchFamily="18" charset="0"/>
-            </a:endParaRPr>
-          </a:p>
-          <a:p>
-            <a:pPr marL="342900" marR="0" lvl="0" indent="-342900" algn="just">
-              <a:lnSpc>
-                <a:spcPct val="115000"/>
-              </a:lnSpc>
-              <a:spcBef>
-                <a:spcPts val="0"/>
-              </a:spcBef>
-              <a:spcAft>
-                <a:spcPts val="0"/>
-              </a:spcAft>
-              <a:buFont typeface="Symbol" panose="05050102010706020507" pitchFamily="18" charset="2"/>
-              <a:buChar char=""/>
-            </a:pPr>
-            <a:r>
-              <a:rPr lang="en-IN" sz="1100" dirty="0">
-                <a:solidFill>
-                  <a:schemeClr val="bg1">
-                    <a:lumMod val="85000"/>
-                  </a:schemeClr>
-                </a:solidFill>
-                <a:effectLst/>
-                <a:latin typeface="Calibri" panose="020F0502020204030204" pitchFamily="34" charset="0"/>
-                <a:ea typeface="Calibri" panose="020F0502020204030204" pitchFamily="34" charset="0"/>
-                <a:cs typeface="Mangal" panose="02040503050203030202" pitchFamily="18" charset="0"/>
-              </a:rPr>
-              <a:t>Extract a specific data from a file (format: </a:t>
-            </a:r>
-            <a:r>
-              <a:rPr lang="en-IN" sz="1100" dirty="0" err="1">
-                <a:solidFill>
-                  <a:schemeClr val="bg1">
-                    <a:lumMod val="85000"/>
-                  </a:schemeClr>
-                </a:solidFill>
-                <a:effectLst/>
-                <a:latin typeface="Calibri" panose="020F0502020204030204" pitchFamily="34" charset="0"/>
-                <a:ea typeface="Calibri" panose="020F0502020204030204" pitchFamily="34" charset="0"/>
-                <a:cs typeface="Mangal" panose="02040503050203030202" pitchFamily="18" charset="0"/>
-              </a:rPr>
-              <a:t>msr</a:t>
-            </a:r>
-            <a:r>
-              <a:rPr lang="en-IN" sz="1100" dirty="0">
-                <a:solidFill>
-                  <a:schemeClr val="bg1">
-                    <a:lumMod val="85000"/>
-                  </a:schemeClr>
-                </a:solidFill>
-                <a:effectLst/>
-                <a:latin typeface="Calibri" panose="020F0502020204030204" pitchFamily="34" charset="0"/>
-                <a:ea typeface="Calibri" panose="020F0502020204030204" pitchFamily="34" charset="0"/>
-                <a:cs typeface="Mangal" panose="02040503050203030202" pitchFamily="18" charset="0"/>
-              </a:rPr>
-              <a:t>) and replace a specific line in another file (format: .001). Replace coordinates in a file with a desired value and repeat the same for thousands of files present in a directory. </a:t>
-            </a:r>
-            <a:r>
-              <a:rPr lang="en-IN" sz="1100" u="sng" dirty="0">
-                <a:solidFill>
-                  <a:schemeClr val="bg1">
-                    <a:lumMod val="85000"/>
-                  </a:schemeClr>
-                </a:solidFill>
-                <a:effectLst/>
-                <a:latin typeface="Calibri" panose="020F0502020204030204" pitchFamily="34" charset="0"/>
-                <a:ea typeface="Calibri" panose="020F0502020204030204" pitchFamily="34" charset="0"/>
-                <a:cs typeface="Mangal" panose="02040503050203030202" pitchFamily="18" charset="0"/>
-              </a:rPr>
-              <a:t>Language used</a:t>
-            </a:r>
-            <a:r>
-              <a:rPr lang="en-IN" sz="1100" dirty="0">
-                <a:solidFill>
-                  <a:schemeClr val="bg1">
-                    <a:lumMod val="85000"/>
-                  </a:schemeClr>
-                </a:solidFill>
-                <a:effectLst/>
-                <a:latin typeface="Calibri" panose="020F0502020204030204" pitchFamily="34" charset="0"/>
-                <a:ea typeface="Calibri" panose="020F0502020204030204" pitchFamily="34" charset="0"/>
-                <a:cs typeface="Mangal" panose="02040503050203030202" pitchFamily="18" charset="0"/>
-              </a:rPr>
-              <a:t>: Python.</a:t>
-            </a:r>
-            <a:endParaRPr lang="en-US" sz="1100" dirty="0">
-              <a:solidFill>
-                <a:schemeClr val="bg1">
-                  <a:lumMod val="85000"/>
-                </a:schemeClr>
-              </a:solidFill>
-              <a:effectLst/>
-              <a:latin typeface="Calibri" panose="020F0502020204030204" pitchFamily="34" charset="0"/>
-              <a:ea typeface="Calibri" panose="020F0502020204030204" pitchFamily="34" charset="0"/>
-              <a:cs typeface="Mangal" panose="02040503050203030202" pitchFamily="18" charset="0"/>
-            </a:endParaRPr>
-          </a:p>
-          <a:p>
-            <a:pPr marL="342900" marR="0" lvl="0" indent="-342900" algn="just">
-              <a:lnSpc>
-                <a:spcPct val="115000"/>
-              </a:lnSpc>
-              <a:spcBef>
-                <a:spcPts val="0"/>
-              </a:spcBef>
-              <a:spcAft>
-                <a:spcPts val="0"/>
-              </a:spcAft>
-              <a:buFont typeface="Symbol" panose="05050102010706020507" pitchFamily="18" charset="2"/>
-              <a:buChar char=""/>
-            </a:pPr>
-            <a:r>
-              <a:rPr lang="en-IN" sz="1100" dirty="0">
-                <a:solidFill>
-                  <a:schemeClr val="bg1">
-                    <a:lumMod val="85000"/>
-                  </a:schemeClr>
-                </a:solidFill>
-                <a:effectLst/>
-                <a:latin typeface="Calibri" panose="020F0502020204030204" pitchFamily="34" charset="0"/>
-                <a:ea typeface="Calibri" panose="020F0502020204030204" pitchFamily="34" charset="0"/>
-                <a:cs typeface="Mangal" panose="02040503050203030202" pitchFamily="18" charset="0"/>
-              </a:rPr>
-              <a:t>Renaming thousands of files based on 5 parameters available inside the file at a particular directory. </a:t>
-            </a:r>
-            <a:r>
-              <a:rPr lang="en-IN" sz="1100" u="sng" dirty="0">
-                <a:solidFill>
-                  <a:schemeClr val="bg1">
-                    <a:lumMod val="85000"/>
-                  </a:schemeClr>
-                </a:solidFill>
-                <a:effectLst/>
-                <a:latin typeface="Calibri" panose="020F0502020204030204" pitchFamily="34" charset="0"/>
-                <a:ea typeface="Calibri" panose="020F0502020204030204" pitchFamily="34" charset="0"/>
-                <a:cs typeface="Mangal" panose="02040503050203030202" pitchFamily="18" charset="0"/>
-              </a:rPr>
-              <a:t>Language used</a:t>
-            </a:r>
-            <a:r>
-              <a:rPr lang="en-IN" sz="1100" dirty="0">
-                <a:solidFill>
-                  <a:schemeClr val="bg1">
-                    <a:lumMod val="85000"/>
-                  </a:schemeClr>
-                </a:solidFill>
-                <a:effectLst/>
-                <a:latin typeface="Calibri" panose="020F0502020204030204" pitchFamily="34" charset="0"/>
-                <a:ea typeface="Calibri" panose="020F0502020204030204" pitchFamily="34" charset="0"/>
-                <a:cs typeface="Mangal" panose="02040503050203030202" pitchFamily="18" charset="0"/>
-              </a:rPr>
-              <a:t>: Python.</a:t>
-            </a:r>
-            <a:endParaRPr lang="en-US" sz="1100" dirty="0">
-              <a:solidFill>
-                <a:schemeClr val="bg1">
-                  <a:lumMod val="85000"/>
-                </a:schemeClr>
-              </a:solidFill>
-              <a:effectLst/>
-              <a:latin typeface="Calibri" panose="020F0502020204030204" pitchFamily="34" charset="0"/>
-              <a:ea typeface="Calibri" panose="020F0502020204030204" pitchFamily="34" charset="0"/>
-              <a:cs typeface="Mangal" panose="02040503050203030202" pitchFamily="18" charset="0"/>
-            </a:endParaRPr>
-          </a:p>
-          <a:p>
-            <a:pPr marL="342900" marR="0" lvl="0" indent="-342900" algn="just">
-              <a:lnSpc>
-                <a:spcPct val="115000"/>
-              </a:lnSpc>
-              <a:spcBef>
-                <a:spcPts val="0"/>
-              </a:spcBef>
-              <a:spcAft>
-                <a:spcPts val="1000"/>
-              </a:spcAft>
-              <a:buFont typeface="Symbol" panose="05050102010706020507" pitchFamily="18" charset="2"/>
-              <a:buChar char=""/>
-            </a:pPr>
-            <a:r>
-              <a:rPr lang="en-IN" sz="1100" dirty="0">
-                <a:solidFill>
-                  <a:schemeClr val="bg1">
-                    <a:lumMod val="85000"/>
-                  </a:schemeClr>
-                </a:solidFill>
-                <a:effectLst/>
-                <a:latin typeface="Calibri" panose="020F0502020204030204" pitchFamily="34" charset="0"/>
-                <a:ea typeface="Calibri" panose="020F0502020204030204" pitchFamily="34" charset="0"/>
-                <a:cs typeface="Mangal" panose="02040503050203030202" pitchFamily="18" charset="0"/>
-              </a:rPr>
-              <a:t>Automatic rent agreements (Deposit Deduction, Rent Increase) generation for different tenants data (like name, </a:t>
-            </a:r>
-            <a:r>
-              <a:rPr lang="en-IN" sz="1100" dirty="0" err="1">
-                <a:solidFill>
-                  <a:schemeClr val="bg1">
-                    <a:lumMod val="85000"/>
-                  </a:schemeClr>
-                </a:solidFill>
-                <a:effectLst/>
-                <a:latin typeface="Calibri" panose="020F0502020204030204" pitchFamily="34" charset="0"/>
-                <a:ea typeface="Calibri" panose="020F0502020204030204" pitchFamily="34" charset="0"/>
-                <a:cs typeface="Mangal" panose="02040503050203030202" pitchFamily="18" charset="0"/>
-              </a:rPr>
-              <a:t>startdate</a:t>
-            </a:r>
-            <a:r>
-              <a:rPr lang="en-IN" sz="1100" dirty="0">
-                <a:solidFill>
-                  <a:schemeClr val="bg1">
-                    <a:lumMod val="85000"/>
-                  </a:schemeClr>
-                </a:solidFill>
-                <a:effectLst/>
-                <a:latin typeface="Calibri" panose="020F0502020204030204" pitchFamily="34" charset="0"/>
-                <a:ea typeface="Calibri" panose="020F0502020204030204" pitchFamily="34" charset="0"/>
-                <a:cs typeface="Mangal" panose="02040503050203030202" pitchFamily="18" charset="0"/>
-              </a:rPr>
-              <a:t>, address, postcode) from Excel data . </a:t>
-            </a:r>
-            <a:r>
-              <a:rPr lang="en-IN" sz="1100" u="sng" dirty="0">
-                <a:solidFill>
-                  <a:schemeClr val="bg1">
-                    <a:lumMod val="85000"/>
-                  </a:schemeClr>
-                </a:solidFill>
-                <a:effectLst/>
-                <a:latin typeface="Calibri" panose="020F0502020204030204" pitchFamily="34" charset="0"/>
-                <a:ea typeface="Calibri" panose="020F0502020204030204" pitchFamily="34" charset="0"/>
-                <a:cs typeface="Mangal" panose="02040503050203030202" pitchFamily="18" charset="0"/>
-              </a:rPr>
-              <a:t>Language used</a:t>
-            </a:r>
-            <a:r>
-              <a:rPr lang="en-IN" sz="1100" dirty="0">
-                <a:solidFill>
-                  <a:schemeClr val="bg1">
-                    <a:lumMod val="85000"/>
-                  </a:schemeClr>
-                </a:solidFill>
-                <a:effectLst/>
-                <a:latin typeface="Calibri" panose="020F0502020204030204" pitchFamily="34" charset="0"/>
-                <a:ea typeface="Calibri" panose="020F0502020204030204" pitchFamily="34" charset="0"/>
-                <a:cs typeface="Mangal" panose="02040503050203030202" pitchFamily="18" charset="0"/>
-              </a:rPr>
-              <a:t>: Python, Bash, Batch.</a:t>
-            </a:r>
-            <a:endParaRPr lang="en-US" sz="1100" dirty="0">
-              <a:solidFill>
-                <a:schemeClr val="bg1">
-                  <a:lumMod val="85000"/>
-                </a:schemeClr>
-              </a:solidFill>
-              <a:effectLst/>
-              <a:latin typeface="Calibri" panose="020F0502020204030204" pitchFamily="34" charset="0"/>
-              <a:ea typeface="Calibri" panose="020F0502020204030204" pitchFamily="34" charset="0"/>
-              <a:cs typeface="Mangal" panose="02040503050203030202" pitchFamily="18" charset="0"/>
-            </a:endParaRPr>
-          </a:p>
-          <a:p>
             <a:endParaRPr lang="en-US" sz="1100" dirty="0">
               <a:solidFill>
                 <a:schemeClr val="bg1">
@@ -18316,7 +18656,7 @@
           <p:cNvPr id="7" name="TextBox 6">
             <a:extLst>
               <a:ext uri="{FF2B5EF4-FFF2-40B4-BE49-F238E27FC236}">
-                <a16:creationId xmlns:a16="http://schemas.microsoft.com/office/drawing/2014/main" id="{D297B876-29F4-4695-89A2-01751CF19191}"/>
+                <a16:creationId xmlns:a16="http://schemas.microsoft.com/office/drawing/2014/main" xmlns="" id="{D297B876-29F4-4695-89A2-01751CF19191}"/>
               </a:ext>
             </a:extLst>
           </p:cNvPr>
@@ -18354,7 +18694,7 @@
           <p:cNvPr id="5" name="TextBox 4">
             <a:extLst>
               <a:ext uri="{FF2B5EF4-FFF2-40B4-BE49-F238E27FC236}">
-                <a16:creationId xmlns:a16="http://schemas.microsoft.com/office/drawing/2014/main" id="{1B62DBBE-3B90-4D81-98C8-1D20C4DE6D11}"/>
+                <a16:creationId xmlns:a16="http://schemas.microsoft.com/office/drawing/2014/main" xmlns="" id="{1B62DBBE-3B90-4D81-98C8-1D20C4DE6D11}"/>
               </a:ext>
             </a:extLst>
           </p:cNvPr>
@@ -18382,7 +18722,7 @@
                 <a:spcPct val="115000"/>
               </a:lnSpc>
               <a:spcAft>
-                <a:spcPts val="1000"/>
+                <a:spcPts val="600"/>
               </a:spcAft>
               <a:buFont typeface="Symbol" panose="05050102010706020507" pitchFamily="18" charset="2"/>
               <a:buChar char=""/>
@@ -18474,7 +18814,7 @@
     </p:spTree>
     <p:extLst>
       <p:ext uri="{BB962C8B-B14F-4D97-AF65-F5344CB8AC3E}">
-        <p14:creationId xmlns:p14="http://schemas.microsoft.com/office/powerpoint/2010/main" val="1956419084"/>
+        <p14:creationId xmlns:p14="http://schemas.microsoft.com/office/powerpoint/2010/main" xmlns="" val="1956419084"/>
       </p:ext>
     </p:extLst>
   </p:cSld>
@@ -18514,7 +18854,7 @@
           <p:cNvPr id="87" name="TextBox 86">
             <a:extLst>
               <a:ext uri="{FF2B5EF4-FFF2-40B4-BE49-F238E27FC236}">
-                <a16:creationId xmlns:a16="http://schemas.microsoft.com/office/drawing/2014/main" id="{3345A600-23F1-48FB-94E7-63E15A069412}"/>
+                <a16:creationId xmlns:a16="http://schemas.microsoft.com/office/drawing/2014/main" xmlns="" id="{3345A600-23F1-48FB-94E7-63E15A069412}"/>
               </a:ext>
             </a:extLst>
           </p:cNvPr>
@@ -18542,7 +18882,7 @@
                 <a:spcPct val="115000"/>
               </a:lnSpc>
               <a:spcAft>
-                <a:spcPts val="1000"/>
+                <a:spcPts val="600"/>
               </a:spcAft>
               <a:buFont typeface="Symbol" panose="05050102010706020507" pitchFamily="18" charset="2"/>
               <a:buChar char=""/>
@@ -18559,7 +18899,63 @@
                 <a:ea typeface="Calibri" panose="020F0502020204030204" pitchFamily="34" charset="0"/>
                 <a:cs typeface="Mangal" panose="02040503050203030202" pitchFamily="18" charset="0"/>
               </a:rPr>
-              <a:t>Created a Bot called ‘LEO’ which allows a user to get dog images based on their saved breed as preference and also featured to load random dog images. A donation programme feature was also added which then allowed dog lovers to donate money directly to the Dog Welfare centres. </a:t>
+              <a:t>Created a Bot called ‘LEO’ which allows a user to </a:t>
+            </a:r>
+            <a:r>
+              <a:rPr lang="en-IN" sz="1100" dirty="0" smtClean="0">
+                <a:solidFill>
+                  <a:schemeClr val="bg1">
+                    <a:lumMod val="85000"/>
+                  </a:schemeClr>
+                </a:solidFill>
+                <a:effectLst/>
+                <a:latin typeface="Calibri" panose="020F0502020204030204" pitchFamily="34" charset="0"/>
+                <a:ea typeface="Calibri" panose="020F0502020204030204" pitchFamily="34" charset="0"/>
+                <a:cs typeface="Mangal" panose="02040503050203030202" pitchFamily="18" charset="0"/>
+              </a:rPr>
+              <a:t>get dog </a:t>
+            </a:r>
+            <a:r>
+              <a:rPr lang="en-IN" sz="1100" dirty="0">
+                <a:solidFill>
+                  <a:schemeClr val="bg1">
+                    <a:lumMod val="85000"/>
+                  </a:schemeClr>
+                </a:solidFill>
+                <a:effectLst/>
+                <a:latin typeface="Calibri" panose="020F0502020204030204" pitchFamily="34" charset="0"/>
+                <a:ea typeface="Calibri" panose="020F0502020204030204" pitchFamily="34" charset="0"/>
+                <a:cs typeface="Mangal" panose="02040503050203030202" pitchFamily="18" charset="0"/>
+              </a:rPr>
+              <a:t>images based on their saved breed as preference </a:t>
+            </a:r>
+            <a:r>
+              <a:rPr lang="en-IN" sz="1100" dirty="0" smtClean="0">
+                <a:solidFill>
+                  <a:schemeClr val="bg1">
+                    <a:lumMod val="85000"/>
+                  </a:schemeClr>
+                </a:solidFill>
+                <a:effectLst/>
+                <a:latin typeface="Calibri" panose="020F0502020204030204" pitchFamily="34" charset="0"/>
+                <a:ea typeface="Calibri" panose="020F0502020204030204" pitchFamily="34" charset="0"/>
+                <a:cs typeface="Mangal" panose="02040503050203030202" pitchFamily="18" charset="0"/>
+              </a:rPr>
+              <a:t>or to </a:t>
+            </a:r>
+            <a:r>
+              <a:rPr lang="en-IN" sz="1100" dirty="0">
+                <a:solidFill>
+                  <a:schemeClr val="bg1">
+                    <a:lumMod val="85000"/>
+                  </a:schemeClr>
+                </a:solidFill>
+                <a:effectLst/>
+                <a:latin typeface="Calibri" panose="020F0502020204030204" pitchFamily="34" charset="0"/>
+                <a:ea typeface="Calibri" panose="020F0502020204030204" pitchFamily="34" charset="0"/>
+                <a:cs typeface="Mangal" panose="02040503050203030202" pitchFamily="18" charset="0"/>
+              </a:rPr>
+              <a:t>load random dog images. A donation programme feature was also added which then allowed dog lovers to donate money directly to the Dog Welfare centres. </a:t>
             </a:r>
             <a:r>
               <a:rPr lang="en-IN" sz="1100" u="sng" dirty="0">
@@ -18613,7 +19009,175 @@
                 <a:ea typeface="Calibri" panose="020F0502020204030204" pitchFamily="34" charset="0"/>
                 <a:cs typeface="Mangal" panose="02040503050203030202" pitchFamily="18" charset="0"/>
               </a:rPr>
-              <a:t>Created a general purpose Quiz bot with MCQs, Image, Audio, GIF, Video, features for any topic where a teacher/School/College can conduct exam for their students. Addition of proper examining of subjective types is to be added into the Bot. </a:t>
+              <a:t>Created a general purpose Quiz bot with </a:t>
+            </a:r>
+            <a:r>
+              <a:rPr lang="en-IN" sz="1100" dirty="0" smtClean="0">
+                <a:solidFill>
+                  <a:schemeClr val="bg1">
+                    <a:lumMod val="85000"/>
+                  </a:schemeClr>
+                </a:solidFill>
+                <a:effectLst/>
+                <a:latin typeface="Calibri" panose="020F0502020204030204" pitchFamily="34" charset="0"/>
+                <a:ea typeface="Calibri" panose="020F0502020204030204" pitchFamily="34" charset="0"/>
+                <a:cs typeface="Mangal" panose="02040503050203030202" pitchFamily="18" charset="0"/>
+              </a:rPr>
+              <a:t>types - MCQ, </a:t>
+            </a:r>
+            <a:r>
+              <a:rPr lang="en-IN" sz="1100" dirty="0">
+                <a:solidFill>
+                  <a:schemeClr val="bg1">
+                    <a:lumMod val="85000"/>
+                  </a:schemeClr>
+                </a:solidFill>
+                <a:effectLst/>
+                <a:latin typeface="Calibri" panose="020F0502020204030204" pitchFamily="34" charset="0"/>
+                <a:ea typeface="Calibri" panose="020F0502020204030204" pitchFamily="34" charset="0"/>
+                <a:cs typeface="Mangal" panose="02040503050203030202" pitchFamily="18" charset="0"/>
+              </a:rPr>
+              <a:t>Image, Audio, GIF, </a:t>
+            </a:r>
+            <a:r>
+              <a:rPr lang="en-IN" sz="1100" dirty="0" smtClean="0">
+                <a:solidFill>
+                  <a:schemeClr val="bg1">
+                    <a:lumMod val="85000"/>
+                  </a:schemeClr>
+                </a:solidFill>
+                <a:effectLst/>
+                <a:latin typeface="Calibri" panose="020F0502020204030204" pitchFamily="34" charset="0"/>
+                <a:ea typeface="Calibri" panose="020F0502020204030204" pitchFamily="34" charset="0"/>
+                <a:cs typeface="Mangal" panose="02040503050203030202" pitchFamily="18" charset="0"/>
+              </a:rPr>
+              <a:t>Video for </a:t>
+            </a:r>
+            <a:r>
+              <a:rPr lang="en-IN" sz="1100" dirty="0">
+                <a:solidFill>
+                  <a:schemeClr val="bg1">
+                    <a:lumMod val="85000"/>
+                  </a:schemeClr>
+                </a:solidFill>
+                <a:effectLst/>
+                <a:latin typeface="Calibri" panose="020F0502020204030204" pitchFamily="34" charset="0"/>
+                <a:ea typeface="Calibri" panose="020F0502020204030204" pitchFamily="34" charset="0"/>
+                <a:cs typeface="Mangal" panose="02040503050203030202" pitchFamily="18" charset="0"/>
+              </a:rPr>
+              <a:t>any topic where a teacher/School/College can conduct </a:t>
+            </a:r>
+            <a:r>
+              <a:rPr lang="en-IN" sz="1100" dirty="0" smtClean="0">
+                <a:solidFill>
+                  <a:schemeClr val="bg1">
+                    <a:lumMod val="85000"/>
+                  </a:schemeClr>
+                </a:solidFill>
+                <a:effectLst/>
+                <a:latin typeface="Calibri" panose="020F0502020204030204" pitchFamily="34" charset="0"/>
+                <a:ea typeface="Calibri" panose="020F0502020204030204" pitchFamily="34" charset="0"/>
+                <a:cs typeface="Mangal" panose="02040503050203030202" pitchFamily="18" charset="0"/>
+              </a:rPr>
+              <a:t>online exams </a:t>
+            </a:r>
+            <a:r>
+              <a:rPr lang="en-IN" sz="1100" dirty="0">
+                <a:solidFill>
+                  <a:schemeClr val="bg1">
+                    <a:lumMod val="85000"/>
+                  </a:schemeClr>
+                </a:solidFill>
+                <a:effectLst/>
+                <a:latin typeface="Calibri" panose="020F0502020204030204" pitchFamily="34" charset="0"/>
+                <a:ea typeface="Calibri" panose="020F0502020204030204" pitchFamily="34" charset="0"/>
+                <a:cs typeface="Mangal" panose="02040503050203030202" pitchFamily="18" charset="0"/>
+              </a:rPr>
+              <a:t>for their </a:t>
+            </a:r>
+            <a:r>
+              <a:rPr lang="en-IN" sz="1100" dirty="0" smtClean="0">
+                <a:solidFill>
+                  <a:schemeClr val="bg1">
+                    <a:lumMod val="85000"/>
+                  </a:schemeClr>
+                </a:solidFill>
+                <a:effectLst/>
+                <a:latin typeface="Calibri" panose="020F0502020204030204" pitchFamily="34" charset="0"/>
+                <a:ea typeface="Calibri" panose="020F0502020204030204" pitchFamily="34" charset="0"/>
+                <a:cs typeface="Mangal" panose="02040503050203030202" pitchFamily="18" charset="0"/>
+              </a:rPr>
+              <a:t>students. </a:t>
+            </a:r>
+            <a:r>
+              <a:rPr lang="en-IN" sz="1100" dirty="0">
+                <a:solidFill>
+                  <a:schemeClr val="bg1">
+                    <a:lumMod val="85000"/>
+                  </a:schemeClr>
+                </a:solidFill>
+                <a:effectLst/>
+                <a:latin typeface="Calibri" panose="020F0502020204030204" pitchFamily="34" charset="0"/>
+                <a:ea typeface="Calibri" panose="020F0502020204030204" pitchFamily="34" charset="0"/>
+                <a:cs typeface="Mangal" panose="02040503050203030202" pitchFamily="18" charset="0"/>
+              </a:rPr>
+              <a:t>Addition of proper </a:t>
+            </a:r>
+            <a:r>
+              <a:rPr lang="en-IN" sz="1100" dirty="0" smtClean="0">
+                <a:solidFill>
+                  <a:schemeClr val="bg1">
+                    <a:lumMod val="85000"/>
+                  </a:schemeClr>
+                </a:solidFill>
+                <a:effectLst/>
+                <a:latin typeface="Calibri" panose="020F0502020204030204" pitchFamily="34" charset="0"/>
+                <a:ea typeface="Calibri" panose="020F0502020204030204" pitchFamily="34" charset="0"/>
+                <a:cs typeface="Mangal" panose="02040503050203030202" pitchFamily="18" charset="0"/>
+              </a:rPr>
+              <a:t>evaluation of </a:t>
+            </a:r>
+            <a:r>
+              <a:rPr lang="en-IN" sz="1100" dirty="0">
+                <a:solidFill>
+                  <a:schemeClr val="bg1">
+                    <a:lumMod val="85000"/>
+                  </a:schemeClr>
+                </a:solidFill>
+                <a:effectLst/>
+                <a:latin typeface="Calibri" panose="020F0502020204030204" pitchFamily="34" charset="0"/>
+                <a:ea typeface="Calibri" panose="020F0502020204030204" pitchFamily="34" charset="0"/>
+                <a:cs typeface="Mangal" panose="02040503050203030202" pitchFamily="18" charset="0"/>
+              </a:rPr>
+              <a:t>subjective </a:t>
+            </a:r>
+            <a:r>
+              <a:rPr lang="en-IN" sz="1100" dirty="0" smtClean="0">
+                <a:solidFill>
+                  <a:schemeClr val="bg1">
+                    <a:lumMod val="85000"/>
+                  </a:schemeClr>
+                </a:solidFill>
+                <a:effectLst/>
+                <a:latin typeface="Calibri" panose="020F0502020204030204" pitchFamily="34" charset="0"/>
+                <a:ea typeface="Calibri" panose="020F0502020204030204" pitchFamily="34" charset="0"/>
+                <a:cs typeface="Mangal" panose="02040503050203030202" pitchFamily="18" charset="0"/>
+              </a:rPr>
+              <a:t>types of exam is </a:t>
+            </a:r>
+            <a:r>
+              <a:rPr lang="en-IN" sz="1100" dirty="0">
+                <a:solidFill>
+                  <a:schemeClr val="bg1">
+                    <a:lumMod val="85000"/>
+                  </a:schemeClr>
+                </a:solidFill>
+                <a:effectLst/>
+                <a:latin typeface="Calibri" panose="020F0502020204030204" pitchFamily="34" charset="0"/>
+                <a:ea typeface="Calibri" panose="020F0502020204030204" pitchFamily="34" charset="0"/>
+                <a:cs typeface="Mangal" panose="02040503050203030202" pitchFamily="18" charset="0"/>
+              </a:rPr>
+              <a:t>to be added into the Bot. </a:t>
             </a:r>
             <a:r>
               <a:rPr lang="en-IN" sz="1100" u="sng" dirty="0">
@@ -18662,7 +19226,7 @@
           <p:cNvPr id="1026" name="Picture 2" descr="Download Leadership Icon -01 - Vector Graphics - Full Size PNG Image -  PNGkit">
             <a:extLst>
               <a:ext uri="{FF2B5EF4-FFF2-40B4-BE49-F238E27FC236}">
-                <a16:creationId xmlns:a16="http://schemas.microsoft.com/office/drawing/2014/main" id="{78051027-B91A-4FA3-A448-BA08656672CE}"/>
+                <a16:creationId xmlns:a16="http://schemas.microsoft.com/office/drawing/2014/main" xmlns="" id="{78051027-B91A-4FA3-A448-BA08656672CE}"/>
               </a:ext>
             </a:extLst>
           </p:cNvPr>
@@ -18672,10 +19236,10 @@
           <p:nvPr/>
         </p:nvPicPr>
         <p:blipFill>
-          <a:blip r:embed="rId2">
+          <a:blip r:embed="rId2" cstate="print">
             <a:extLst>
               <a:ext uri="{28A0092B-C50C-407E-A947-70E740481C1C}">
-                <a14:useLocalDpi xmlns:a14="http://schemas.microsoft.com/office/drawing/2010/main" val="0"/>
+                <a14:useLocalDpi xmlns:a14="http://schemas.microsoft.com/office/drawing/2010/main" xmlns="" val="0"/>
               </a:ext>
             </a:extLst>
           </a:blip>
@@ -18695,7 +19259,7 @@
           <a:noFill/>
           <a:extLst>
             <a:ext uri="{909E8E84-426E-40DD-AFC4-6F175D3DCCD1}">
-              <a14:hiddenFill xmlns:a14="http://schemas.microsoft.com/office/drawing/2010/main">
+              <a14:hiddenFill xmlns:a14="http://schemas.microsoft.com/office/drawing/2010/main" xmlns="">
                 <a:solidFill>
                   <a:srgbClr val="FFFFFF"/>
                 </a:solidFill>
@@ -18709,7 +19273,7 @@
           <p:cNvPr id="91" name="Text Placeholder 271">
             <a:extLst>
               <a:ext uri="{FF2B5EF4-FFF2-40B4-BE49-F238E27FC236}">
-                <a16:creationId xmlns:a16="http://schemas.microsoft.com/office/drawing/2014/main" id="{AE20E69B-2CD0-410F-8AEB-7FA4E8C1C9F2}"/>
+                <a16:creationId xmlns:a16="http://schemas.microsoft.com/office/drawing/2014/main" xmlns="" id="{AE20E69B-2CD0-410F-8AEB-7FA4E8C1C9F2}"/>
               </a:ext>
             </a:extLst>
           </p:cNvPr>
@@ -18908,7 +19472,7 @@
           <p:cNvPr id="93" name="TextBox 92">
             <a:extLst>
               <a:ext uri="{FF2B5EF4-FFF2-40B4-BE49-F238E27FC236}">
-                <a16:creationId xmlns:a16="http://schemas.microsoft.com/office/drawing/2014/main" id="{1ABBE481-1DE0-4DE9-ACD9-A68542739D92}"/>
+                <a16:creationId xmlns:a16="http://schemas.microsoft.com/office/drawing/2014/main" xmlns="" id="{1ABBE481-1DE0-4DE9-ACD9-A68542739D92}"/>
               </a:ext>
             </a:extLst>
           </p:cNvPr>
@@ -18918,7 +19482,7 @@
         <p:spPr>
           <a:xfrm>
             <a:off x="434340" y="2682241"/>
-            <a:ext cx="5989320" cy="5845318"/>
+            <a:ext cx="5989320" cy="6395340"/>
           </a:xfrm>
           <a:prstGeom prst="rect">
             <a:avLst/>
@@ -18939,7 +19503,7 @@
                 <a:spcPts val="0"/>
               </a:spcBef>
               <a:spcAft>
-                <a:spcPts val="0"/>
+                <a:spcPts val="600"/>
               </a:spcAft>
               <a:buFont typeface="Symbol" panose="05050102010706020507" pitchFamily="18" charset="2"/>
               <a:buChar char=""/>
@@ -18979,7 +19543,7 @@
                 <a:spcPts val="0"/>
               </a:spcBef>
               <a:spcAft>
-                <a:spcPts val="0"/>
+                <a:spcPts val="600"/>
               </a:spcAft>
               <a:buFont typeface="Symbol" panose="05050102010706020507" pitchFamily="18" charset="2"/>
               <a:buChar char=""/>
@@ -19012,7 +19576,7 @@
                 <a:hlinkClick r:id="rId3">
                   <a:extLst>
                     <a:ext uri="{A12FA001-AC4F-418D-AE19-62706E023703}">
-                      <ahyp:hlinkClr xmlns:ahyp="http://schemas.microsoft.com/office/drawing/2018/hyperlinkcolor" val="tx"/>
+                      <ahyp:hlinkClr xmlns:ahyp="http://schemas.microsoft.com/office/drawing/2018/hyperlinkcolor" xmlns="" val="tx"/>
                     </a:ext>
                   </a:extLst>
                 </a:hlinkClick>
@@ -19047,7 +19611,7 @@
                 <a:hlinkClick r:id="rId4">
                   <a:extLst>
                     <a:ext uri="{A12FA001-AC4F-418D-AE19-62706E023703}">
-                      <ahyp:hlinkClr xmlns:ahyp="http://schemas.microsoft.com/office/drawing/2018/hyperlinkcolor" val="tx"/>
+                      <ahyp:hlinkClr xmlns:ahyp="http://schemas.microsoft.com/office/drawing/2018/hyperlinkcolor" xmlns="" val="tx"/>
                     </a:ext>
                   </a:extLst>
                 </a:hlinkClick>
@@ -19089,7 +19653,7 @@
                 <a:spcPts val="0"/>
               </a:spcBef>
               <a:spcAft>
-                <a:spcPts val="0"/>
+                <a:spcPts val="600"/>
               </a:spcAft>
               <a:buFont typeface="Symbol" panose="05050102010706020507" pitchFamily="18" charset="2"/>
               <a:buChar char=""/>
@@ -19122,7 +19686,7 @@
                 <a:hlinkClick r:id="rId5">
                   <a:extLst>
                     <a:ext uri="{A12FA001-AC4F-418D-AE19-62706E023703}">
-                      <ahyp:hlinkClr xmlns:ahyp="http://schemas.microsoft.com/office/drawing/2018/hyperlinkcolor" val="tx"/>
+                      <ahyp:hlinkClr xmlns:ahyp="http://schemas.microsoft.com/office/drawing/2018/hyperlinkcolor" xmlns="" val="tx"/>
                     </a:ext>
                   </a:extLst>
                 </a:hlinkClick>
@@ -19141,7 +19705,35 @@
                 <a:ea typeface="Calibri" panose="020F0502020204030204" pitchFamily="34" charset="0"/>
                 <a:cs typeface="Mangal" panose="02040503050203030202" pitchFamily="18" charset="0"/>
               </a:rPr>
-              <a:t>. In future, a blockchain-based Chatbot – ‘SEMION’ with customized user experience, is promised to be released on Telegram and subscription fee related feedback also taken via polls conducted within the community.</a:t>
+              <a:t>. In future, a blockchain-based Chatbot – ‘SEMION’ with customized user experience, is promised to be released on Telegram and </a:t>
+            </a:r>
+            <a:r>
+              <a:rPr lang="en-IN" sz="1100" dirty="0" smtClean="0">
+                <a:solidFill>
+                  <a:schemeClr val="bg1">
+                    <a:lumMod val="85000"/>
+                  </a:schemeClr>
+                </a:solidFill>
+                <a:effectLst/>
+                <a:latin typeface="Calibri" panose="020F0502020204030204" pitchFamily="34" charset="0"/>
+                <a:ea typeface="Calibri" panose="020F0502020204030204" pitchFamily="34" charset="0"/>
+                <a:cs typeface="Mangal" panose="02040503050203030202" pitchFamily="18" charset="0"/>
+              </a:rPr>
+              <a:t>a subscription fee will be charged for which feedbacks is taken </a:t>
+            </a:r>
+            <a:r>
+              <a:rPr lang="en-IN" sz="1100" dirty="0">
+                <a:solidFill>
+                  <a:schemeClr val="bg1">
+                    <a:lumMod val="85000"/>
+                  </a:schemeClr>
+                </a:solidFill>
+                <a:effectLst/>
+                <a:latin typeface="Calibri" panose="020F0502020204030204" pitchFamily="34" charset="0"/>
+                <a:ea typeface="Calibri" panose="020F0502020204030204" pitchFamily="34" charset="0"/>
+                <a:cs typeface="Mangal" panose="02040503050203030202" pitchFamily="18" charset="0"/>
+              </a:rPr>
+              <a:t>via polls conducted within the community.</a:t>
             </a:r>
             <a:endParaRPr lang="en-US" sz="1100" dirty="0">
               <a:solidFill>
@@ -19164,7 +19756,7 @@
                 <a:spcPts val="0"/>
               </a:spcBef>
               <a:spcAft>
-                <a:spcPts val="0"/>
+                <a:spcPts val="600"/>
               </a:spcAft>
               <a:buFont typeface="Symbol" panose="05050102010706020507" pitchFamily="18" charset="2"/>
               <a:buChar char=""/>
@@ -19195,7 +19787,7 @@
                 <a:hlinkClick r:id="rId6">
                   <a:extLst>
                     <a:ext uri="{A12FA001-AC4F-418D-AE19-62706E023703}">
-                      <ahyp:hlinkClr xmlns:ahyp="http://schemas.microsoft.com/office/drawing/2018/hyperlinkcolor" val="tx"/>
+                      <ahyp:hlinkClr xmlns:ahyp="http://schemas.microsoft.com/office/drawing/2018/hyperlinkcolor" xmlns="" val="tx"/>
                     </a:ext>
                   </a:extLst>
                 </a:hlinkClick>
@@ -19216,7 +19808,7 @@
                 <a:hlinkClick r:id="rId6">
                   <a:extLst>
                     <a:ext uri="{A12FA001-AC4F-418D-AE19-62706E023703}">
-                      <ahyp:hlinkClr xmlns:ahyp="http://schemas.microsoft.com/office/drawing/2018/hyperlinkcolor" val="tx"/>
+                      <ahyp:hlinkClr xmlns:ahyp="http://schemas.microsoft.com/office/drawing/2018/hyperlinkcolor" xmlns="" val="tx"/>
                     </a:ext>
                   </a:extLst>
                 </a:hlinkClick>
@@ -19235,7 +19827,21 @@
                 <a:ea typeface="Calibri" panose="020F0502020204030204" pitchFamily="34" charset="0"/>
                 <a:cs typeface="Mangal" panose="02040503050203030202" pitchFamily="18" charset="0"/>
               </a:rPr>
-              <a:t> which has a total of 170 students enrolled for 4 courses.</a:t>
+              <a:t> which has a total of 170 students enrolled for 4 </a:t>
+            </a:r>
+            <a:r>
+              <a:rPr lang="en-IN" sz="1100" dirty="0" smtClean="0">
+                <a:solidFill>
+                  <a:schemeClr val="bg1">
+                    <a:lumMod val="85000"/>
+                  </a:schemeClr>
+                </a:solidFill>
+                <a:effectLst/>
+                <a:latin typeface="Calibri" panose="020F0502020204030204" pitchFamily="34" charset="0"/>
+                <a:ea typeface="Calibri" panose="020F0502020204030204" pitchFamily="34" charset="0"/>
+                <a:cs typeface="Mangal" panose="02040503050203030202" pitchFamily="18" charset="0"/>
+              </a:rPr>
+              <a:t>courses to date.</a:t>
             </a:r>
             <a:endParaRPr lang="en-US" sz="1100" dirty="0">
               <a:solidFill>
@@ -19258,7 +19864,7 @@
                 <a:spcPts val="0"/>
               </a:spcBef>
               <a:spcAft>
-                <a:spcPts val="0"/>
+                <a:spcPts val="600"/>
               </a:spcAft>
               <a:buFont typeface="Symbol" panose="05050102010706020507" pitchFamily="18" charset="2"/>
               <a:buChar char=""/>
@@ -19319,7 +19925,7 @@
                 <a:hlinkClick r:id="rId7">
                   <a:extLst>
                     <a:ext uri="{A12FA001-AC4F-418D-AE19-62706E023703}">
-                      <ahyp:hlinkClr xmlns:ahyp="http://schemas.microsoft.com/office/drawing/2018/hyperlinkcolor" val="tx"/>
+                      <ahyp:hlinkClr xmlns:ahyp="http://schemas.microsoft.com/office/drawing/2018/hyperlinkcolor" xmlns="" val="tx"/>
                     </a:ext>
                   </a:extLst>
                 </a:hlinkClick>
@@ -19361,7 +19967,7 @@
                 <a:spcPts val="0"/>
               </a:spcBef>
               <a:spcAft>
-                <a:spcPts val="0"/>
+                <a:spcPts val="600"/>
               </a:spcAft>
               <a:buFont typeface="Symbol" panose="05050102010706020507" pitchFamily="18" charset="2"/>
               <a:buChar char=""/>
@@ -19422,7 +20028,7 @@
                 <a:hlinkClick r:id="rId8">
                   <a:extLst>
                     <a:ext uri="{A12FA001-AC4F-418D-AE19-62706E023703}">
-                      <ahyp:hlinkClr xmlns:ahyp="http://schemas.microsoft.com/office/drawing/2018/hyperlinkcolor" val="tx"/>
+                      <ahyp:hlinkClr xmlns:ahyp="http://schemas.microsoft.com/office/drawing/2018/hyperlinkcolor" xmlns="" val="tx"/>
                     </a:ext>
                   </a:extLst>
                 </a:hlinkClick>
@@ -19450,7 +20056,7 @@
                 <a:spcPts val="0"/>
               </a:spcBef>
               <a:spcAft>
-                <a:spcPts val="0"/>
+                <a:spcPts val="600"/>
               </a:spcAft>
               <a:buFont typeface="Symbol" panose="05050102010706020507" pitchFamily="18" charset="2"/>
               <a:buChar char=""/>
@@ -19483,7 +20089,7 @@
                 <a:hlinkClick r:id="rId9">
                   <a:extLst>
                     <a:ext uri="{A12FA001-AC4F-418D-AE19-62706E023703}">
-                      <ahyp:hlinkClr xmlns:ahyp="http://schemas.microsoft.com/office/drawing/2018/hyperlinkcolor" val="tx"/>
+                      <ahyp:hlinkClr xmlns:ahyp="http://schemas.microsoft.com/office/drawing/2018/hyperlinkcolor" xmlns="" val="tx"/>
                     </a:ext>
                   </a:extLst>
                 </a:hlinkClick>
@@ -19511,7 +20117,7 @@
                 <a:spcPts val="0"/>
               </a:spcBef>
               <a:spcAft>
-                <a:spcPts val="1000"/>
+                <a:spcPts val="600"/>
               </a:spcAft>
               <a:buFont typeface="Symbol" panose="05050102010706020507" pitchFamily="18" charset="2"/>
               <a:buChar char=""/>
@@ -19544,7 +20150,7 @@
                 <a:hlinkClick r:id="rId10">
                   <a:extLst>
                     <a:ext uri="{A12FA001-AC4F-418D-AE19-62706E023703}">
-                      <ahyp:hlinkClr xmlns:ahyp="http://schemas.microsoft.com/office/drawing/2018/hyperlinkcolor" val="tx"/>
+                      <ahyp:hlinkClr xmlns:ahyp="http://schemas.microsoft.com/office/drawing/2018/hyperlinkcolor" xmlns="" val="tx"/>
                     </a:ext>
                   </a:extLst>
                 </a:hlinkClick>
@@ -19579,7 +20185,7 @@
                 <a:hlinkClick r:id="rId11">
                   <a:extLst>
                     <a:ext uri="{A12FA001-AC4F-418D-AE19-62706E023703}">
-                      <ahyp:hlinkClr xmlns:ahyp="http://schemas.microsoft.com/office/drawing/2018/hyperlinkcolor" val="tx"/>
+                      <ahyp:hlinkClr xmlns:ahyp="http://schemas.microsoft.com/office/drawing/2018/hyperlinkcolor" xmlns="" val="tx"/>
                     </a:ext>
                   </a:extLst>
                 </a:hlinkClick>
@@ -19614,7 +20220,7 @@
                 <a:hlinkClick r:id="rId12">
                   <a:extLst>
                     <a:ext uri="{A12FA001-AC4F-418D-AE19-62706E023703}">
-                      <ahyp:hlinkClr xmlns:ahyp="http://schemas.microsoft.com/office/drawing/2018/hyperlinkcolor" val="tx"/>
+                      <ahyp:hlinkClr xmlns:ahyp="http://schemas.microsoft.com/office/drawing/2018/hyperlinkcolor" xmlns="" val="tx"/>
                     </a:ext>
                   </a:extLst>
                 </a:hlinkClick>
@@ -19813,7 +20419,7 @@
     </p:spTree>
     <p:extLst>
       <p:ext uri="{BB962C8B-B14F-4D97-AF65-F5344CB8AC3E}">
-        <p14:creationId xmlns:p14="http://schemas.microsoft.com/office/powerpoint/2010/main" val="3728625744"/>
+        <p14:creationId xmlns:p14="http://schemas.microsoft.com/office/powerpoint/2010/main" xmlns="" val="3728625744"/>
       </p:ext>
     </p:extLst>
   </p:cSld>
@@ -20051,7 +20657,7 @@
   <a:extraClrSchemeLst/>
   <a:extLst>
     <a:ext uri="{05A4C25C-085E-4340-85A3-A5531E510DB2}">
-      <thm15:themeFamily xmlns:thm15="http://schemas.microsoft.com/office/thememl/2012/main" name="INFO Resume 02_MO - v3" id="{9229F7CD-3406-4BD9-B8B8-839158D1C30B}" vid="{CA214F82-F6BD-4CC4-B385-F1D2024745E8}"/>
+      <thm15:themeFamily xmlns:thm15="http://schemas.microsoft.com/office/thememl/2012/main" xmlns="" name="INFO Resume 02_MO - v3" id="{9229F7CD-3406-4BD9-B8B8-839158D1C30B}" vid="{CA214F82-F6BD-4CC4-B385-F1D2024745E8}"/>
     </a:ext>
   </a:extLst>
 </a:theme>
@@ -20100,7 +20706,7 @@
     </a:clrScheme>
     <a:fontScheme name="Office">
       <a:majorFont>
-        <a:latin typeface="Calibri Light" panose="020F0302020204030204"/>
+        <a:latin typeface="Calibri Light"/>
         <a:ea typeface=""/>
         <a:cs typeface=""/>
         <a:font script="Jpan" typeface="游ゴシック Light"/>
@@ -20152,7 +20758,7 @@
         <a:font script="Tfng" typeface="Ebrima"/>
       </a:majorFont>
       <a:minorFont>
-        <a:latin typeface="Calibri" panose="020F0502020204030204"/>
+        <a:latin typeface="Calibri"/>
         <a:ea typeface=""/>
         <a:cs typeface=""/>
         <a:font script="Jpan" typeface="游ゴシック"/>
@@ -20346,30 +20952,13 @@
   <a:extraClrSchemeLst/>
   <a:extLst>
     <a:ext uri="{05A4C25C-085E-4340-85A3-A5531E510DB2}">
-      <thm15:themeFamily xmlns:thm15="http://schemas.microsoft.com/office/thememl/2012/main" name="Office Theme" id="{62F939B6-93AF-4DB8-9C6B-D6C7DFDC589F}" vid="{4A3C46E8-61CC-4603-A589-7422A47A8E4A}"/>
+      <thm15:themeFamily xmlns:thm15="http://schemas.microsoft.com/office/thememl/2012/main" xmlns="" name="Office Theme" id="{62F939B6-93AF-4DB8-9C6B-D6C7DFDC589F}" vid="{4A3C46E8-61CC-4603-A589-7422A47A8E4A}"/>
     </a:ext>
   </a:extLst>
 </a:theme>
 </file>
 
 <file path=customXml/item1.xml><?xml version="1.0" encoding="utf-8"?>
-<p:properties xmlns:p="http://schemas.microsoft.com/office/2006/metadata/properties" xmlns:xsi="http://www.w3.org/2001/XMLSchema-instance" xmlns:pc="http://schemas.microsoft.com/office/infopath/2007/PartnerControls">
-  <documentManagement>
-    <MediaServiceKeyPoints xmlns="ef88797d-310b-4d46-ad9c-0c23fa0c8d45" xsi:nil="true"/>
-  </documentManagement>
-</p:properties>
-</file>
-
-<file path=customXml/item2.xml><?xml version="1.0" encoding="utf-8"?>
-<?mso-contentType ?>
-<FormTemplates xmlns="http://schemas.microsoft.com/sharepoint/v3/contenttype/forms">
-  <Display>DocumentLibraryForm</Display>
-  <Edit>DocumentLibraryForm</Edit>
-  <New>DocumentLibraryForm</New>
-</FormTemplates>
-</file>
-
-<file path=customXml/item3.xml><?xml version="1.0" encoding="utf-8"?>
 <ct:contentTypeSchema xmlns:ct="http://schemas.microsoft.com/office/2006/metadata/contentType" xmlns:ma="http://schemas.microsoft.com/office/2006/metadata/properties/metaAttributes" ct:_="" ma:_="" ma:contentTypeName="Document" ma:contentTypeID="0x0101005F02E0EF7D44C04B9FA644DBFF45FF6A" ma:contentTypeVersion="13" ma:contentTypeDescription="Create a new document." ma:contentTypeScope="" ma:versionID="206b9469efed5238e3299da57cdc015e">
   <xsd:schema xmlns:xsd="http://www.w3.org/2001/XMLSchema" xmlns:xs="http://www.w3.org/2001/XMLSchema" xmlns:p="http://schemas.microsoft.com/office/2006/metadata/properties" xmlns:ns2="876de33e-aaa5-4507-9b92-b84e676ded0d" xmlns:ns3="ef88797d-310b-4d46-ad9c-0c23fa0c8d45" targetNamespace="http://schemas.microsoft.com/office/2006/metadata/properties" ma:root="true" ma:fieldsID="281ed500249cd3fe925a7af84a8b56c4" ns2:_="" ns3:_="">
     <xsd:import namespace="876de33e-aaa5-4507-9b92-b84e676ded0d"/>
@@ -20592,25 +21181,24 @@
 </ct:contentTypeSchema>
 </file>
 
-<file path=customXml/itemProps1.xml><?xml version="1.0" encoding="utf-8"?>
-<ds:datastoreItem xmlns:ds="http://schemas.openxmlformats.org/officeDocument/2006/customXml" ds:itemID="{578389EB-672F-420D-AB19-CDFA657C66F4}">
-  <ds:schemaRefs>
-    <ds:schemaRef ds:uri="http://schemas.microsoft.com/office/2006/metadata/properties"/>
-    <ds:schemaRef ds:uri="http://schemas.microsoft.com/office/infopath/2007/PartnerControls"/>
-    <ds:schemaRef ds:uri="ef88797d-310b-4d46-ad9c-0c23fa0c8d45"/>
-  </ds:schemaRefs>
-</ds:datastoreItem>
+<file path=customXml/item2.xml><?xml version="1.0" encoding="utf-8"?>
+<?mso-contentType ?>
+<FormTemplates xmlns="http://schemas.microsoft.com/sharepoint/v3/contenttype/forms">
+  <Display>DocumentLibraryForm</Display>
+  <Edit>DocumentLibraryForm</Edit>
+  <New>DocumentLibraryForm</New>
+</FormTemplates>
 </file>
 
-<file path=customXml/itemProps2.xml><?xml version="1.0" encoding="utf-8"?>
-<ds:datastoreItem xmlns:ds="http://schemas.openxmlformats.org/officeDocument/2006/customXml" ds:itemID="{20056241-EAE4-4EAF-8B0E-8651A3DCDE25}">
-  <ds:schemaRefs>
-    <ds:schemaRef ds:uri="http://schemas.microsoft.com/sharepoint/v3/contenttype/forms"/>
-  </ds:schemaRefs>
-</ds:datastoreItem>
+<file path=customXml/item3.xml><?xml version="1.0" encoding="utf-8"?>
+<p:properties xmlns:p="http://schemas.microsoft.com/office/2006/metadata/properties" xmlns:xsi="http://www.w3.org/2001/XMLSchema-instance" xmlns:pc="http://schemas.microsoft.com/office/infopath/2007/PartnerControls">
+  <documentManagement>
+    <MediaServiceKeyPoints xmlns="ef88797d-310b-4d46-ad9c-0c23fa0c8d45" xsi:nil="true"/>
+  </documentManagement>
+</p:properties>
 </file>
 
-<file path=customXml/itemProps3.xml><?xml version="1.0" encoding="utf-8"?>
+<file path=customXml/itemProps1.xml><?xml version="1.0" encoding="utf-8"?>
 <ds:datastoreItem xmlns:ds="http://schemas.openxmlformats.org/officeDocument/2006/customXml" ds:itemID="{E6CD0737-DDCD-4506-85C0-A3C2836F70A4}">
   <ds:schemaRefs>
     <ds:schemaRef ds:uri="http://schemas.microsoft.com/office/2006/metadata/contentType"/>
@@ -20627,4 +21215,22 @@
     <ds:schemaRef ds:uri="http://schemas.microsoft.com/internal/obd"/>
   </ds:schemaRefs>
 </ds:datastoreItem>
+</file>
+
+<file path=customXml/itemProps2.xml><?xml version="1.0" encoding="utf-8"?>
+<ds:datastoreItem xmlns:ds="http://schemas.openxmlformats.org/officeDocument/2006/customXml" ds:itemID="{20056241-EAE4-4EAF-8B0E-8651A3DCDE25}">
+  <ds:schemaRefs>
+    <ds:schemaRef ds:uri="http://schemas.microsoft.com/sharepoint/v3/contenttype/forms"/>
+  </ds:schemaRefs>
+</ds:datastoreItem>
+</file>
+
+<file path=customXml/itemProps3.xml><?xml version="1.0" encoding="utf-8"?>
+<ds:datastoreItem xmlns:ds="http://schemas.openxmlformats.org/officeDocument/2006/customXml" ds:itemID="{578389EB-672F-420D-AB19-CDFA657C66F4}">
+  <ds:schemaRefs>
+    <ds:schemaRef ds:uri="http://schemas.microsoft.com/office/2006/metadata/properties"/>
+    <ds:schemaRef ds:uri="http://schemas.microsoft.com/office/infopath/2007/PartnerControls"/>
+    <ds:schemaRef ds:uri="ef88797d-310b-4d46-ad9c-0c23fa0c8d45"/>
+  </ds:schemaRefs>
+</ds:datastoreItem>
 </file>
--- a/my_resume.pptx
+++ b/my_resume.pptx
@@ -112,10 +112,21 @@
   </p:defaultTextStyle>
   <p:extLst>
     <p:ext uri="{EFAFB233-063F-42B5-8137-9DF3F51BA10A}">
-      <p15:sldGuideLst xmlns:p15="http://schemas.microsoft.com/office/powerpoint/2012/main" xmlns=""/>
+      <p15:sldGuideLst xmlns:p15="http://schemas.microsoft.com/office/powerpoint/2012/main">
+        <p15:guide id="1" orient="horz" pos="2880">
+          <p15:clr>
+            <a:srgbClr val="A4A3A4"/>
+          </p15:clr>
+        </p15:guide>
+        <p15:guide id="2" pos="2160">
+          <p15:clr>
+            <a:srgbClr val="A4A3A4"/>
+          </p15:clr>
+        </p15:guide>
+      </p15:sldGuideLst>
     </p:ext>
     <p:ext uri="{2D200454-40CA-4A62-9FC3-DE9A4176ACB9}">
-      <p15:notesGuideLst xmlns:p15="http://schemas.microsoft.com/office/powerpoint/2012/main" xmlns=""/>
+      <p15:notesGuideLst xmlns:p15="http://schemas.microsoft.com/office/powerpoint/2012/main"/>
     </p:ext>
   </p:extLst>
 </p:presentation>
@@ -126,25 +137,11 @@
   <p:cmAuthor id="1" name="abhijit roy" initials="ar" lastIdx="1" clrIdx="0">
     <p:extLst>
       <p:ext uri="{19B8F6BF-5375-455C-9EA6-DF929625EA0E}">
-        <p15:presenceInfo xmlns:p15="http://schemas.microsoft.com/office/powerpoint/2012/main" xmlns="" userId="3cc88bf99e11e7aa" providerId="Windows Live"/>
+        <p15:presenceInfo xmlns:p15="http://schemas.microsoft.com/office/powerpoint/2012/main" userId="3cc88bf99e11e7aa" providerId="Windows Live"/>
       </p:ext>
     </p:extLst>
   </p:cmAuthor>
 </p:cmAuthorLst>
-</file>
-
-<file path=ppt/comments/comment1.xml><?xml version="1.0" encoding="utf-8"?>
-<p:cmLst xmlns:a="http://schemas.openxmlformats.org/drawingml/2006/main" xmlns:r="http://schemas.openxmlformats.org/officeDocument/2006/relationships" xmlns:p="http://schemas.openxmlformats.org/presentationml/2006/main">
-  <p:cm authorId="1" dt="2021-06-19T21:15:20.294" idx="1">
-    <p:pos x="2516" y="1207"/>
-    <p:text/>
-    <p:extLst>
-      <p:ext uri="{C676402C-5697-4E1C-873F-D02D1690AC5C}">
-        <p15:threadingInfo xmlns:p15="http://schemas.microsoft.com/office/powerpoint/2012/main" xmlns="" timeZoneBias="-330"/>
-      </p:ext>
-    </p:extLst>
-  </p:cm>
-</p:cmLst>
 </file>
 
 <file path=ppt/handoutMasters/handoutMaster1.xml><?xml version="1.0" encoding="utf-8"?>
@@ -174,7 +171,7 @@
           <p:cNvPr id="2" name="Header Placeholder 1">
             <a:extLst>
               <a:ext uri="{FF2B5EF4-FFF2-40B4-BE49-F238E27FC236}">
-                <a16:creationId xmlns:a16="http://schemas.microsoft.com/office/drawing/2014/main" xmlns="" id="{075B8B09-96B4-42B6-BBA5-CD52F33A21CE}"/>
+                <a16:creationId xmlns:a16="http://schemas.microsoft.com/office/drawing/2014/main" id="{075B8B09-96B4-42B6-BBA5-CD52F33A21CE}"/>
               </a:ext>
             </a:extLst>
           </p:cNvPr>
@@ -211,7 +208,7 @@
           <p:cNvPr id="3" name="Date Placeholder 2">
             <a:extLst>
               <a:ext uri="{FF2B5EF4-FFF2-40B4-BE49-F238E27FC236}">
-                <a16:creationId xmlns:a16="http://schemas.microsoft.com/office/drawing/2014/main" xmlns="" id="{0F7A1D75-31CA-40EC-B32C-88BC017FB68A}"/>
+                <a16:creationId xmlns:a16="http://schemas.microsoft.com/office/drawing/2014/main" id="{0F7A1D75-31CA-40EC-B32C-88BC017FB68A}"/>
               </a:ext>
             </a:extLst>
           </p:cNvPr>
@@ -242,7 +239,7 @@
             <a:fld id="{F126DA7F-2AB4-430D-8B2A-97731DDF23A1}" type="datetimeFigureOut">
               <a:rPr lang="en-US" smtClean="0"/>
               <a:pPr/>
-              <a:t>6/19/2021</a:t>
+              <a:t>20-Jun-21</a:t>
             </a:fld>
             <a:endParaRPr lang="en-US" dirty="0"/>
           </a:p>
@@ -253,7 +250,7 @@
           <p:cNvPr id="4" name="Footer Placeholder 3">
             <a:extLst>
               <a:ext uri="{FF2B5EF4-FFF2-40B4-BE49-F238E27FC236}">
-                <a16:creationId xmlns:a16="http://schemas.microsoft.com/office/drawing/2014/main" xmlns="" id="{01777EBB-0582-4473-AD83-4F4CB19727B7}"/>
+                <a16:creationId xmlns:a16="http://schemas.microsoft.com/office/drawing/2014/main" id="{01777EBB-0582-4473-AD83-4F4CB19727B7}"/>
               </a:ext>
             </a:extLst>
           </p:cNvPr>
@@ -290,7 +287,7 @@
           <p:cNvPr id="5" name="Slide Number Placeholder 4">
             <a:extLst>
               <a:ext uri="{FF2B5EF4-FFF2-40B4-BE49-F238E27FC236}">
-                <a16:creationId xmlns:a16="http://schemas.microsoft.com/office/drawing/2014/main" xmlns="" id="{42A34692-2682-4BB1-95AB-1EDD3CCDE4EE}"/>
+                <a16:creationId xmlns:a16="http://schemas.microsoft.com/office/drawing/2014/main" id="{42A34692-2682-4BB1-95AB-1EDD3CCDE4EE}"/>
               </a:ext>
             </a:extLst>
           </p:cNvPr>
@@ -330,7 +327,7 @@
     </p:spTree>
     <p:extLst>
       <p:ext uri="{BB962C8B-B14F-4D97-AF65-F5344CB8AC3E}">
-        <p14:creationId xmlns:p14="http://schemas.microsoft.com/office/powerpoint/2010/main" xmlns="" val="1314799045"/>
+        <p14:creationId xmlns:p14="http://schemas.microsoft.com/office/powerpoint/2010/main" val="1314799045"/>
       </p:ext>
     </p:extLst>
   </p:cSld>
@@ -360,7 +357,7 @@
           <p:cNvPr id="45" name="Rectangle 44">
             <a:extLst>
               <a:ext uri="{FF2B5EF4-FFF2-40B4-BE49-F238E27FC236}">
-                <a16:creationId xmlns:a16="http://schemas.microsoft.com/office/drawing/2014/main" xmlns="" id="{1734F95E-743F-4147-A98F-612A33549353}"/>
+                <a16:creationId xmlns:a16="http://schemas.microsoft.com/office/drawing/2014/main" id="{1734F95E-743F-4147-A98F-612A33549353}"/>
               </a:ext>
             </a:extLst>
           </p:cNvPr>
@@ -412,7 +409,7 @@
           <p:cNvPr id="44" name="Rectangle 43">
             <a:extLst>
               <a:ext uri="{FF2B5EF4-FFF2-40B4-BE49-F238E27FC236}">
-                <a16:creationId xmlns:a16="http://schemas.microsoft.com/office/drawing/2014/main" xmlns="" id="{915F3F3A-D617-478B-B4A2-C0F71EEAA703}"/>
+                <a16:creationId xmlns:a16="http://schemas.microsoft.com/office/drawing/2014/main" id="{915F3F3A-D617-478B-B4A2-C0F71EEAA703}"/>
               </a:ext>
             </a:extLst>
           </p:cNvPr>
@@ -464,7 +461,7 @@
           <p:cNvPr id="46" name="Rectangle 45">
             <a:extLst>
               <a:ext uri="{FF2B5EF4-FFF2-40B4-BE49-F238E27FC236}">
-                <a16:creationId xmlns:a16="http://schemas.microsoft.com/office/drawing/2014/main" xmlns="" id="{98A83A02-12A8-4C69-A2FA-F25F498B67BB}"/>
+                <a16:creationId xmlns:a16="http://schemas.microsoft.com/office/drawing/2014/main" id="{98A83A02-12A8-4C69-A2FA-F25F498B67BB}"/>
               </a:ext>
             </a:extLst>
           </p:cNvPr>
@@ -516,7 +513,7 @@
           <p:cNvPr id="47" name="Rectangle 46">
             <a:extLst>
               <a:ext uri="{FF2B5EF4-FFF2-40B4-BE49-F238E27FC236}">
-                <a16:creationId xmlns:a16="http://schemas.microsoft.com/office/drawing/2014/main" xmlns="" id="{FDD42C35-82F9-4853-AB66-D1BF0AE26D35}"/>
+                <a16:creationId xmlns:a16="http://schemas.microsoft.com/office/drawing/2014/main" id="{FDD42C35-82F9-4853-AB66-D1BF0AE26D35}"/>
               </a:ext>
             </a:extLst>
           </p:cNvPr>
@@ -568,7 +565,7 @@
           <p:cNvPr id="48" name="Rectangle 47">
             <a:extLst>
               <a:ext uri="{FF2B5EF4-FFF2-40B4-BE49-F238E27FC236}">
-                <a16:creationId xmlns:a16="http://schemas.microsoft.com/office/drawing/2014/main" xmlns="" id="{615B0561-816F-426F-878B-2F2086184F9A}"/>
+                <a16:creationId xmlns:a16="http://schemas.microsoft.com/office/drawing/2014/main" id="{615B0561-816F-426F-878B-2F2086184F9A}"/>
               </a:ext>
             </a:extLst>
           </p:cNvPr>
@@ -622,7 +619,7 @@
           <p:cNvPr id="49" name="Rectangle 48">
             <a:extLst>
               <a:ext uri="{FF2B5EF4-FFF2-40B4-BE49-F238E27FC236}">
-                <a16:creationId xmlns:a16="http://schemas.microsoft.com/office/drawing/2014/main" xmlns="" id="{55730FB0-2145-43C2-BBD1-3A76631F074B}"/>
+                <a16:creationId xmlns:a16="http://schemas.microsoft.com/office/drawing/2014/main" id="{55730FB0-2145-43C2-BBD1-3A76631F074B}"/>
               </a:ext>
             </a:extLst>
           </p:cNvPr>
@@ -676,7 +673,7 @@
           <p:cNvPr id="8" name="Rectangle 7">
             <a:extLst>
               <a:ext uri="{FF2B5EF4-FFF2-40B4-BE49-F238E27FC236}">
-                <a16:creationId xmlns:a16="http://schemas.microsoft.com/office/drawing/2014/main" xmlns="" id="{F2853919-AF17-4412-9D86-099D826A9AFF}"/>
+                <a16:creationId xmlns:a16="http://schemas.microsoft.com/office/drawing/2014/main" id="{F2853919-AF17-4412-9D86-099D826A9AFF}"/>
               </a:ext>
             </a:extLst>
           </p:cNvPr>
@@ -728,7 +725,7 @@
           <p:cNvPr id="2" name="Title 1">
             <a:extLst>
               <a:ext uri="{FF2B5EF4-FFF2-40B4-BE49-F238E27FC236}">
-                <a16:creationId xmlns:a16="http://schemas.microsoft.com/office/drawing/2014/main" xmlns="" id="{1C8CD27A-B7F3-4461-997E-F5B5DD857C1D}"/>
+                <a16:creationId xmlns:a16="http://schemas.microsoft.com/office/drawing/2014/main" id="{1C8CD27A-B7F3-4461-997E-F5B5DD857C1D}"/>
               </a:ext>
             </a:extLst>
           </p:cNvPr>
@@ -772,7 +769,7 @@
           <p:cNvPr id="7" name="Rectangle 6">
             <a:extLst>
               <a:ext uri="{FF2B5EF4-FFF2-40B4-BE49-F238E27FC236}">
-                <a16:creationId xmlns:a16="http://schemas.microsoft.com/office/drawing/2014/main" xmlns="" id="{6FC15E1F-BDB1-4518-BEB3-21BE6385A68F}"/>
+                <a16:creationId xmlns:a16="http://schemas.microsoft.com/office/drawing/2014/main" id="{6FC15E1F-BDB1-4518-BEB3-21BE6385A68F}"/>
               </a:ext>
             </a:extLst>
           </p:cNvPr>
@@ -824,7 +821,7 @@
           <p:cNvPr id="10" name="Picture Placeholder 9">
             <a:extLst>
               <a:ext uri="{FF2B5EF4-FFF2-40B4-BE49-F238E27FC236}">
-                <a16:creationId xmlns:a16="http://schemas.microsoft.com/office/drawing/2014/main" xmlns="" id="{77D99E98-76BB-4ED5-B28D-5A0E4E893E6A}"/>
+                <a16:creationId xmlns:a16="http://schemas.microsoft.com/office/drawing/2014/main" id="{77D99E98-76BB-4ED5-B28D-5A0E4E893E6A}"/>
               </a:ext>
             </a:extLst>
           </p:cNvPr>
@@ -872,7 +869,7 @@
           <p:cNvPr id="3" name="Subtitle 2">
             <a:extLst>
               <a:ext uri="{FF2B5EF4-FFF2-40B4-BE49-F238E27FC236}">
-                <a16:creationId xmlns:a16="http://schemas.microsoft.com/office/drawing/2014/main" xmlns="" id="{FA84A0A0-C190-444E-9CFC-CDE6C8211F4F}"/>
+                <a16:creationId xmlns:a16="http://schemas.microsoft.com/office/drawing/2014/main" id="{FA84A0A0-C190-444E-9CFC-CDE6C8211F4F}"/>
               </a:ext>
             </a:extLst>
           </p:cNvPr>
@@ -960,7 +957,7 @@
           <p:cNvPr id="21" name="Text Placeholder 20">
             <a:extLst>
               <a:ext uri="{FF2B5EF4-FFF2-40B4-BE49-F238E27FC236}">
-                <a16:creationId xmlns:a16="http://schemas.microsoft.com/office/drawing/2014/main" xmlns="" id="{F026E129-56E2-4548-908C-B4BB28C42722}"/>
+                <a16:creationId xmlns:a16="http://schemas.microsoft.com/office/drawing/2014/main" id="{F026E129-56E2-4548-908C-B4BB28C42722}"/>
               </a:ext>
             </a:extLst>
           </p:cNvPr>
@@ -1102,7 +1099,7 @@
           <p:cNvPr id="24" name="Text Placeholder 23">
             <a:extLst>
               <a:ext uri="{FF2B5EF4-FFF2-40B4-BE49-F238E27FC236}">
-                <a16:creationId xmlns:a16="http://schemas.microsoft.com/office/drawing/2014/main" xmlns="" id="{3A9CCCCE-93E2-4268-A008-9F325EC18243}"/>
+                <a16:creationId xmlns:a16="http://schemas.microsoft.com/office/drawing/2014/main" id="{3A9CCCCE-93E2-4268-A008-9F325EC18243}"/>
               </a:ext>
             </a:extLst>
           </p:cNvPr>
@@ -1180,7 +1177,7 @@
           <p:cNvPr id="26" name="Text Placeholder 25">
             <a:extLst>
               <a:ext uri="{FF2B5EF4-FFF2-40B4-BE49-F238E27FC236}">
-                <a16:creationId xmlns:a16="http://schemas.microsoft.com/office/drawing/2014/main" xmlns="" id="{7ABDE617-9574-4A14-811F-5400A9923520}"/>
+                <a16:creationId xmlns:a16="http://schemas.microsoft.com/office/drawing/2014/main" id="{7ABDE617-9574-4A14-811F-5400A9923520}"/>
               </a:ext>
             </a:extLst>
           </p:cNvPr>
@@ -1238,7 +1235,7 @@
           <p:cNvPr id="28" name="Text Placeholder 27">
             <a:extLst>
               <a:ext uri="{FF2B5EF4-FFF2-40B4-BE49-F238E27FC236}">
-                <a16:creationId xmlns:a16="http://schemas.microsoft.com/office/drawing/2014/main" xmlns="" id="{1D008292-7770-4DAF-819C-B39ABABBEE24}"/>
+                <a16:creationId xmlns:a16="http://schemas.microsoft.com/office/drawing/2014/main" id="{1D008292-7770-4DAF-819C-B39ABABBEE24}"/>
               </a:ext>
             </a:extLst>
           </p:cNvPr>
@@ -1317,7 +1314,7 @@
           <p:cNvPr id="29" name="Text Placeholder 27">
             <a:extLst>
               <a:ext uri="{FF2B5EF4-FFF2-40B4-BE49-F238E27FC236}">
-                <a16:creationId xmlns:a16="http://schemas.microsoft.com/office/drawing/2014/main" xmlns="" id="{501B265C-5EB2-472B-91B5-BD4157F57830}"/>
+                <a16:creationId xmlns:a16="http://schemas.microsoft.com/office/drawing/2014/main" id="{501B265C-5EB2-472B-91B5-BD4157F57830}"/>
               </a:ext>
             </a:extLst>
           </p:cNvPr>
@@ -1396,7 +1393,7 @@
           <p:cNvPr id="30" name="Text Placeholder 27">
             <a:extLst>
               <a:ext uri="{FF2B5EF4-FFF2-40B4-BE49-F238E27FC236}">
-                <a16:creationId xmlns:a16="http://schemas.microsoft.com/office/drawing/2014/main" xmlns="" id="{18CB412F-2342-43EA-9244-391F5036821B}"/>
+                <a16:creationId xmlns:a16="http://schemas.microsoft.com/office/drawing/2014/main" id="{18CB412F-2342-43EA-9244-391F5036821B}"/>
               </a:ext>
             </a:extLst>
           </p:cNvPr>
@@ -1475,7 +1472,7 @@
           <p:cNvPr id="32" name="Text Placeholder 23">
             <a:extLst>
               <a:ext uri="{FF2B5EF4-FFF2-40B4-BE49-F238E27FC236}">
-                <a16:creationId xmlns:a16="http://schemas.microsoft.com/office/drawing/2014/main" xmlns="" id="{878165D7-579C-442D-AF8F-C27C40BAC074}"/>
+                <a16:creationId xmlns:a16="http://schemas.microsoft.com/office/drawing/2014/main" id="{878165D7-579C-442D-AF8F-C27C40BAC074}"/>
               </a:ext>
             </a:extLst>
           </p:cNvPr>
@@ -1553,7 +1550,7 @@
           <p:cNvPr id="34" name="Text Placeholder 23">
             <a:extLst>
               <a:ext uri="{FF2B5EF4-FFF2-40B4-BE49-F238E27FC236}">
-                <a16:creationId xmlns:a16="http://schemas.microsoft.com/office/drawing/2014/main" xmlns="" id="{F5CD190C-8CC4-49AF-BA8D-F8B879E9CF0A}"/>
+                <a16:creationId xmlns:a16="http://schemas.microsoft.com/office/drawing/2014/main" id="{F5CD190C-8CC4-49AF-BA8D-F8B879E9CF0A}"/>
               </a:ext>
             </a:extLst>
           </p:cNvPr>
@@ -1631,7 +1628,7 @@
           <p:cNvPr id="35" name="Text Placeholder 25">
             <a:extLst>
               <a:ext uri="{FF2B5EF4-FFF2-40B4-BE49-F238E27FC236}">
-                <a16:creationId xmlns:a16="http://schemas.microsoft.com/office/drawing/2014/main" xmlns="" id="{E9219B4B-AEF7-4506-9ACF-CFAF003F313F}"/>
+                <a16:creationId xmlns:a16="http://schemas.microsoft.com/office/drawing/2014/main" id="{E9219B4B-AEF7-4506-9ACF-CFAF003F313F}"/>
               </a:ext>
             </a:extLst>
           </p:cNvPr>
@@ -1691,7 +1688,7 @@
           <p:cNvPr id="36" name="Text Placeholder 25">
             <a:extLst>
               <a:ext uri="{FF2B5EF4-FFF2-40B4-BE49-F238E27FC236}">
-                <a16:creationId xmlns:a16="http://schemas.microsoft.com/office/drawing/2014/main" xmlns="" id="{8974CE11-E247-44F8-8AC4-B2AC2C113B07}"/>
+                <a16:creationId xmlns:a16="http://schemas.microsoft.com/office/drawing/2014/main" id="{8974CE11-E247-44F8-8AC4-B2AC2C113B07}"/>
               </a:ext>
             </a:extLst>
           </p:cNvPr>
@@ -1751,7 +1748,7 @@
           <p:cNvPr id="37" name="Text Placeholder 25">
             <a:extLst>
               <a:ext uri="{FF2B5EF4-FFF2-40B4-BE49-F238E27FC236}">
-                <a16:creationId xmlns:a16="http://schemas.microsoft.com/office/drawing/2014/main" xmlns="" id="{D29EC1A9-D87F-4AAC-B42B-5640A131052F}"/>
+                <a16:creationId xmlns:a16="http://schemas.microsoft.com/office/drawing/2014/main" id="{D29EC1A9-D87F-4AAC-B42B-5640A131052F}"/>
               </a:ext>
             </a:extLst>
           </p:cNvPr>
@@ -1811,7 +1808,7 @@
           <p:cNvPr id="38" name="Text Placeholder 27">
             <a:extLst>
               <a:ext uri="{FF2B5EF4-FFF2-40B4-BE49-F238E27FC236}">
-                <a16:creationId xmlns:a16="http://schemas.microsoft.com/office/drawing/2014/main" xmlns="" id="{D0441C06-AEE9-4E5A-84BB-CD1241AEE5E8}"/>
+                <a16:creationId xmlns:a16="http://schemas.microsoft.com/office/drawing/2014/main" id="{D0441C06-AEE9-4E5A-84BB-CD1241AEE5E8}"/>
               </a:ext>
             </a:extLst>
           </p:cNvPr>
@@ -1890,7 +1887,7 @@
           <p:cNvPr id="39" name="Text Placeholder 27">
             <a:extLst>
               <a:ext uri="{FF2B5EF4-FFF2-40B4-BE49-F238E27FC236}">
-                <a16:creationId xmlns:a16="http://schemas.microsoft.com/office/drawing/2014/main" xmlns="" id="{3612D99C-52B4-4AFB-A4BF-B016920536BB}"/>
+                <a16:creationId xmlns:a16="http://schemas.microsoft.com/office/drawing/2014/main" id="{3612D99C-52B4-4AFB-A4BF-B016920536BB}"/>
               </a:ext>
             </a:extLst>
           </p:cNvPr>
@@ -1969,7 +1966,7 @@
           <p:cNvPr id="40" name="Text Placeholder 27">
             <a:extLst>
               <a:ext uri="{FF2B5EF4-FFF2-40B4-BE49-F238E27FC236}">
-                <a16:creationId xmlns:a16="http://schemas.microsoft.com/office/drawing/2014/main" xmlns="" id="{4D431E77-818F-46FB-87EE-6EFD306D1A22}"/>
+                <a16:creationId xmlns:a16="http://schemas.microsoft.com/office/drawing/2014/main" id="{4D431E77-818F-46FB-87EE-6EFD306D1A22}"/>
               </a:ext>
             </a:extLst>
           </p:cNvPr>
@@ -2048,7 +2045,7 @@
           <p:cNvPr id="41" name="Text Placeholder 27">
             <a:extLst>
               <a:ext uri="{FF2B5EF4-FFF2-40B4-BE49-F238E27FC236}">
-                <a16:creationId xmlns:a16="http://schemas.microsoft.com/office/drawing/2014/main" xmlns="" id="{39C50F4E-A724-4674-AFB4-0F78A45F865F}"/>
+                <a16:creationId xmlns:a16="http://schemas.microsoft.com/office/drawing/2014/main" id="{39C50F4E-A724-4674-AFB4-0F78A45F865F}"/>
               </a:ext>
             </a:extLst>
           </p:cNvPr>
@@ -2127,7 +2124,7 @@
           <p:cNvPr id="50" name="Text Placeholder 23">
             <a:extLst>
               <a:ext uri="{FF2B5EF4-FFF2-40B4-BE49-F238E27FC236}">
-                <a16:creationId xmlns:a16="http://schemas.microsoft.com/office/drawing/2014/main" xmlns="" id="{1B42AB60-0F84-4AF4-B1B1-6B9F76491CED}"/>
+                <a16:creationId xmlns:a16="http://schemas.microsoft.com/office/drawing/2014/main" id="{1B42AB60-0F84-4AF4-B1B1-6B9F76491CED}"/>
               </a:ext>
             </a:extLst>
           </p:cNvPr>
@@ -2205,7 +2202,7 @@
           <p:cNvPr id="51" name="Text Placeholder 23">
             <a:extLst>
               <a:ext uri="{FF2B5EF4-FFF2-40B4-BE49-F238E27FC236}">
-                <a16:creationId xmlns:a16="http://schemas.microsoft.com/office/drawing/2014/main" xmlns="" id="{A5695B7F-A80F-48FE-B9F5-15AC2768F3D8}"/>
+                <a16:creationId xmlns:a16="http://schemas.microsoft.com/office/drawing/2014/main" id="{A5695B7F-A80F-48FE-B9F5-15AC2768F3D8}"/>
               </a:ext>
             </a:extLst>
           </p:cNvPr>
@@ -2283,7 +2280,7 @@
           <p:cNvPr id="52" name="Text Placeholder 23">
             <a:extLst>
               <a:ext uri="{FF2B5EF4-FFF2-40B4-BE49-F238E27FC236}">
-                <a16:creationId xmlns:a16="http://schemas.microsoft.com/office/drawing/2014/main" xmlns="" id="{CC109F11-3D14-4CE2-BACB-D0EDE761FBD1}"/>
+                <a16:creationId xmlns:a16="http://schemas.microsoft.com/office/drawing/2014/main" id="{CC109F11-3D14-4CE2-BACB-D0EDE761FBD1}"/>
               </a:ext>
             </a:extLst>
           </p:cNvPr>
@@ -2361,7 +2358,7 @@
           <p:cNvPr id="53" name="Text Placeholder 23">
             <a:extLst>
               <a:ext uri="{FF2B5EF4-FFF2-40B4-BE49-F238E27FC236}">
-                <a16:creationId xmlns:a16="http://schemas.microsoft.com/office/drawing/2014/main" xmlns="" id="{0DDB7B77-77C1-456C-A2D1-9361065655A7}"/>
+                <a16:creationId xmlns:a16="http://schemas.microsoft.com/office/drawing/2014/main" id="{0DDB7B77-77C1-456C-A2D1-9361065655A7}"/>
               </a:ext>
             </a:extLst>
           </p:cNvPr>
@@ -2439,7 +2436,7 @@
           <p:cNvPr id="54" name="Text Placeholder 25">
             <a:extLst>
               <a:ext uri="{FF2B5EF4-FFF2-40B4-BE49-F238E27FC236}">
-                <a16:creationId xmlns:a16="http://schemas.microsoft.com/office/drawing/2014/main" xmlns="" id="{2EB589B3-44F7-4DE3-8DC0-6D53E25DDB80}"/>
+                <a16:creationId xmlns:a16="http://schemas.microsoft.com/office/drawing/2014/main" id="{2EB589B3-44F7-4DE3-8DC0-6D53E25DDB80}"/>
               </a:ext>
             </a:extLst>
           </p:cNvPr>
@@ -2492,7 +2489,7 @@
           <p:cNvPr id="55" name="Text Placeholder 25">
             <a:extLst>
               <a:ext uri="{FF2B5EF4-FFF2-40B4-BE49-F238E27FC236}">
-                <a16:creationId xmlns:a16="http://schemas.microsoft.com/office/drawing/2014/main" xmlns="" id="{A4DC1AD5-3DD4-4A42-9761-E824F9709EBC}"/>
+                <a16:creationId xmlns:a16="http://schemas.microsoft.com/office/drawing/2014/main" id="{A4DC1AD5-3DD4-4A42-9761-E824F9709EBC}"/>
               </a:ext>
             </a:extLst>
           </p:cNvPr>
@@ -2545,7 +2542,7 @@
           <p:cNvPr id="56" name="Text Placeholder 25">
             <a:extLst>
               <a:ext uri="{FF2B5EF4-FFF2-40B4-BE49-F238E27FC236}">
-                <a16:creationId xmlns:a16="http://schemas.microsoft.com/office/drawing/2014/main" xmlns="" id="{F65630D5-67D7-4424-9BB9-489E014B078D}"/>
+                <a16:creationId xmlns:a16="http://schemas.microsoft.com/office/drawing/2014/main" id="{F65630D5-67D7-4424-9BB9-489E014B078D}"/>
               </a:ext>
             </a:extLst>
           </p:cNvPr>
@@ -2598,7 +2595,7 @@
           <p:cNvPr id="57" name="Text Placeholder 25">
             <a:extLst>
               <a:ext uri="{FF2B5EF4-FFF2-40B4-BE49-F238E27FC236}">
-                <a16:creationId xmlns:a16="http://schemas.microsoft.com/office/drawing/2014/main" xmlns="" id="{43B3249D-F314-4009-831E-966B51FBE388}"/>
+                <a16:creationId xmlns:a16="http://schemas.microsoft.com/office/drawing/2014/main" id="{43B3249D-F314-4009-831E-966B51FBE388}"/>
               </a:ext>
             </a:extLst>
           </p:cNvPr>
@@ -2651,7 +2648,7 @@
           <p:cNvPr id="63" name="Text Placeholder 23">
             <a:extLst>
               <a:ext uri="{FF2B5EF4-FFF2-40B4-BE49-F238E27FC236}">
-                <a16:creationId xmlns:a16="http://schemas.microsoft.com/office/drawing/2014/main" xmlns="" id="{8CFC1D89-9F83-4658-BB38-02FE203C4B01}"/>
+                <a16:creationId xmlns:a16="http://schemas.microsoft.com/office/drawing/2014/main" id="{8CFC1D89-9F83-4658-BB38-02FE203C4B01}"/>
               </a:ext>
             </a:extLst>
           </p:cNvPr>
@@ -2729,7 +2726,7 @@
           <p:cNvPr id="64" name="Text Placeholder 23">
             <a:extLst>
               <a:ext uri="{FF2B5EF4-FFF2-40B4-BE49-F238E27FC236}">
-                <a16:creationId xmlns:a16="http://schemas.microsoft.com/office/drawing/2014/main" xmlns="" id="{A1BF6BCD-A186-4C12-9C6F-AE11ADEFC72E}"/>
+                <a16:creationId xmlns:a16="http://schemas.microsoft.com/office/drawing/2014/main" id="{A1BF6BCD-A186-4C12-9C6F-AE11ADEFC72E}"/>
               </a:ext>
             </a:extLst>
           </p:cNvPr>
@@ -2807,7 +2804,7 @@
           <p:cNvPr id="65" name="Text Placeholder 23">
             <a:extLst>
               <a:ext uri="{FF2B5EF4-FFF2-40B4-BE49-F238E27FC236}">
-                <a16:creationId xmlns:a16="http://schemas.microsoft.com/office/drawing/2014/main" xmlns="" id="{005F86D8-5AE9-4428-91A0-363D2DDB6C06}"/>
+                <a16:creationId xmlns:a16="http://schemas.microsoft.com/office/drawing/2014/main" id="{005F86D8-5AE9-4428-91A0-363D2DDB6C06}"/>
               </a:ext>
             </a:extLst>
           </p:cNvPr>
@@ -2885,7 +2882,7 @@
           <p:cNvPr id="66" name="Text Placeholder 23">
             <a:extLst>
               <a:ext uri="{FF2B5EF4-FFF2-40B4-BE49-F238E27FC236}">
-                <a16:creationId xmlns:a16="http://schemas.microsoft.com/office/drawing/2014/main" xmlns="" id="{B7983041-DC78-4200-B013-06A5D7202895}"/>
+                <a16:creationId xmlns:a16="http://schemas.microsoft.com/office/drawing/2014/main" id="{B7983041-DC78-4200-B013-06A5D7202895}"/>
               </a:ext>
             </a:extLst>
           </p:cNvPr>
@@ -2963,7 +2960,7 @@
           <p:cNvPr id="67" name="Text Placeholder 23">
             <a:extLst>
               <a:ext uri="{FF2B5EF4-FFF2-40B4-BE49-F238E27FC236}">
-                <a16:creationId xmlns:a16="http://schemas.microsoft.com/office/drawing/2014/main" xmlns="" id="{B044D427-E5B6-46D5-97CB-C60736118A29}"/>
+                <a16:creationId xmlns:a16="http://schemas.microsoft.com/office/drawing/2014/main" id="{B044D427-E5B6-46D5-97CB-C60736118A29}"/>
               </a:ext>
             </a:extLst>
           </p:cNvPr>
@@ -3041,7 +3038,7 @@
           <p:cNvPr id="68" name="Text Placeholder 23">
             <a:extLst>
               <a:ext uri="{FF2B5EF4-FFF2-40B4-BE49-F238E27FC236}">
-                <a16:creationId xmlns:a16="http://schemas.microsoft.com/office/drawing/2014/main" xmlns="" id="{6C9F0D7C-743D-4AB6-A130-310230F16ACA}"/>
+                <a16:creationId xmlns:a16="http://schemas.microsoft.com/office/drawing/2014/main" id="{6C9F0D7C-743D-4AB6-A130-310230F16ACA}"/>
               </a:ext>
             </a:extLst>
           </p:cNvPr>
@@ -3119,7 +3116,7 @@
           <p:cNvPr id="69" name="Text Placeholder 23">
             <a:extLst>
               <a:ext uri="{FF2B5EF4-FFF2-40B4-BE49-F238E27FC236}">
-                <a16:creationId xmlns:a16="http://schemas.microsoft.com/office/drawing/2014/main" xmlns="" id="{6904D482-B04D-40E5-8B18-A86C79139CD4}"/>
+                <a16:creationId xmlns:a16="http://schemas.microsoft.com/office/drawing/2014/main" id="{6904D482-B04D-40E5-8B18-A86C79139CD4}"/>
               </a:ext>
             </a:extLst>
           </p:cNvPr>
@@ -3197,7 +3194,7 @@
           <p:cNvPr id="70" name="Text Placeholder 23">
             <a:extLst>
               <a:ext uri="{FF2B5EF4-FFF2-40B4-BE49-F238E27FC236}">
-                <a16:creationId xmlns:a16="http://schemas.microsoft.com/office/drawing/2014/main" xmlns="" id="{7DD3AAE4-69DB-499F-9BE6-3722CB1FAAB2}"/>
+                <a16:creationId xmlns:a16="http://schemas.microsoft.com/office/drawing/2014/main" id="{7DD3AAE4-69DB-499F-9BE6-3722CB1FAAB2}"/>
               </a:ext>
             </a:extLst>
           </p:cNvPr>
@@ -3275,7 +3272,7 @@
           <p:cNvPr id="71" name="Text Placeholder 23">
             <a:extLst>
               <a:ext uri="{FF2B5EF4-FFF2-40B4-BE49-F238E27FC236}">
-                <a16:creationId xmlns:a16="http://schemas.microsoft.com/office/drawing/2014/main" xmlns="" id="{86F56851-D102-46F6-B887-3E9A083FF31B}"/>
+                <a16:creationId xmlns:a16="http://schemas.microsoft.com/office/drawing/2014/main" id="{86F56851-D102-46F6-B887-3E9A083FF31B}"/>
               </a:ext>
             </a:extLst>
           </p:cNvPr>
@@ -3353,7 +3350,7 @@
           <p:cNvPr id="72" name="Text Placeholder 23">
             <a:extLst>
               <a:ext uri="{FF2B5EF4-FFF2-40B4-BE49-F238E27FC236}">
-                <a16:creationId xmlns:a16="http://schemas.microsoft.com/office/drawing/2014/main" xmlns="" id="{004683E0-AB52-4C24-868A-6C99BD8DCF1F}"/>
+                <a16:creationId xmlns:a16="http://schemas.microsoft.com/office/drawing/2014/main" id="{004683E0-AB52-4C24-868A-6C99BD8DCF1F}"/>
               </a:ext>
             </a:extLst>
           </p:cNvPr>
@@ -3431,7 +3428,7 @@
           <p:cNvPr id="73" name="Text Placeholder 25">
             <a:extLst>
               <a:ext uri="{FF2B5EF4-FFF2-40B4-BE49-F238E27FC236}">
-                <a16:creationId xmlns:a16="http://schemas.microsoft.com/office/drawing/2014/main" xmlns="" id="{E3D72CED-27BF-48EA-9B68-C5DC94BA9622}"/>
+                <a16:creationId xmlns:a16="http://schemas.microsoft.com/office/drawing/2014/main" id="{E3D72CED-27BF-48EA-9B68-C5DC94BA9622}"/>
               </a:ext>
             </a:extLst>
           </p:cNvPr>
@@ -3484,7 +3481,7 @@
           <p:cNvPr id="74" name="Text Placeholder 25">
             <a:extLst>
               <a:ext uri="{FF2B5EF4-FFF2-40B4-BE49-F238E27FC236}">
-                <a16:creationId xmlns:a16="http://schemas.microsoft.com/office/drawing/2014/main" xmlns="" id="{24B69AA7-AE1B-4D21-98EF-D18A9E2FBE36}"/>
+                <a16:creationId xmlns:a16="http://schemas.microsoft.com/office/drawing/2014/main" id="{24B69AA7-AE1B-4D21-98EF-D18A9E2FBE36}"/>
               </a:ext>
             </a:extLst>
           </p:cNvPr>
@@ -3536,7 +3533,7 @@
           <p:cNvPr id="75" name="Text Placeholder 25">
             <a:extLst>
               <a:ext uri="{FF2B5EF4-FFF2-40B4-BE49-F238E27FC236}">
-                <a16:creationId xmlns:a16="http://schemas.microsoft.com/office/drawing/2014/main" xmlns="" id="{495D87FE-67F2-4FDB-8D30-1C1FC0C2C736}"/>
+                <a16:creationId xmlns:a16="http://schemas.microsoft.com/office/drawing/2014/main" id="{495D87FE-67F2-4FDB-8D30-1C1FC0C2C736}"/>
               </a:ext>
             </a:extLst>
           </p:cNvPr>
@@ -3589,7 +3586,7 @@
           <p:cNvPr id="76" name="Text Placeholder 25">
             <a:extLst>
               <a:ext uri="{FF2B5EF4-FFF2-40B4-BE49-F238E27FC236}">
-                <a16:creationId xmlns:a16="http://schemas.microsoft.com/office/drawing/2014/main" xmlns="" id="{79CFA96C-6F3D-4123-86DA-D0C0DD69B0CA}"/>
+                <a16:creationId xmlns:a16="http://schemas.microsoft.com/office/drawing/2014/main" id="{79CFA96C-6F3D-4123-86DA-D0C0DD69B0CA}"/>
               </a:ext>
             </a:extLst>
           </p:cNvPr>
@@ -3641,7 +3638,7 @@
           <p:cNvPr id="81" name="Text Placeholder 25">
             <a:extLst>
               <a:ext uri="{FF2B5EF4-FFF2-40B4-BE49-F238E27FC236}">
-                <a16:creationId xmlns:a16="http://schemas.microsoft.com/office/drawing/2014/main" xmlns="" id="{141F99AC-7389-4A2C-B79E-9BFF2AED3552}"/>
+                <a16:creationId xmlns:a16="http://schemas.microsoft.com/office/drawing/2014/main" id="{141F99AC-7389-4A2C-B79E-9BFF2AED3552}"/>
               </a:ext>
             </a:extLst>
           </p:cNvPr>
@@ -3694,7 +3691,7 @@
           <p:cNvPr id="82" name="Text Placeholder 25">
             <a:extLst>
               <a:ext uri="{FF2B5EF4-FFF2-40B4-BE49-F238E27FC236}">
-                <a16:creationId xmlns:a16="http://schemas.microsoft.com/office/drawing/2014/main" xmlns="" id="{86CB9E80-8DA2-4268-A0C6-8845CA80AF45}"/>
+                <a16:creationId xmlns:a16="http://schemas.microsoft.com/office/drawing/2014/main" id="{86CB9E80-8DA2-4268-A0C6-8845CA80AF45}"/>
               </a:ext>
             </a:extLst>
           </p:cNvPr>
@@ -3746,7 +3743,7 @@
           <p:cNvPr id="83" name="Text Placeholder 25">
             <a:extLst>
               <a:ext uri="{FF2B5EF4-FFF2-40B4-BE49-F238E27FC236}">
-                <a16:creationId xmlns:a16="http://schemas.microsoft.com/office/drawing/2014/main" xmlns="" id="{3E374CDB-29FF-4F94-B210-0F837AF414CA}"/>
+                <a16:creationId xmlns:a16="http://schemas.microsoft.com/office/drawing/2014/main" id="{3E374CDB-29FF-4F94-B210-0F837AF414CA}"/>
               </a:ext>
             </a:extLst>
           </p:cNvPr>
@@ -3799,7 +3796,7 @@
           <p:cNvPr id="84" name="Text Placeholder 25">
             <a:extLst>
               <a:ext uri="{FF2B5EF4-FFF2-40B4-BE49-F238E27FC236}">
-                <a16:creationId xmlns:a16="http://schemas.microsoft.com/office/drawing/2014/main" xmlns="" id="{F6211C56-CF63-4DC3-BB3C-3D17AF93898C}"/>
+                <a16:creationId xmlns:a16="http://schemas.microsoft.com/office/drawing/2014/main" id="{F6211C56-CF63-4DC3-BB3C-3D17AF93898C}"/>
               </a:ext>
             </a:extLst>
           </p:cNvPr>
@@ -3851,7 +3848,7 @@
           <p:cNvPr id="89" name="Text Placeholder 25">
             <a:extLst>
               <a:ext uri="{FF2B5EF4-FFF2-40B4-BE49-F238E27FC236}">
-                <a16:creationId xmlns:a16="http://schemas.microsoft.com/office/drawing/2014/main" xmlns="" id="{65A7A14A-70C6-42E2-88A7-374F8210CE2C}"/>
+                <a16:creationId xmlns:a16="http://schemas.microsoft.com/office/drawing/2014/main" id="{65A7A14A-70C6-42E2-88A7-374F8210CE2C}"/>
               </a:ext>
             </a:extLst>
           </p:cNvPr>
@@ -3922,7 +3919,7 @@
           <p:cNvPr id="90" name="Text Placeholder 25">
             <a:extLst>
               <a:ext uri="{FF2B5EF4-FFF2-40B4-BE49-F238E27FC236}">
-                <a16:creationId xmlns:a16="http://schemas.microsoft.com/office/drawing/2014/main" xmlns="" id="{779C1012-5E9A-445A-A070-2996C917FE76}"/>
+                <a16:creationId xmlns:a16="http://schemas.microsoft.com/office/drawing/2014/main" id="{779C1012-5E9A-445A-A070-2996C917FE76}"/>
               </a:ext>
             </a:extLst>
           </p:cNvPr>
@@ -3975,7 +3972,7 @@
           <p:cNvPr id="91" name="Text Placeholder 25">
             <a:extLst>
               <a:ext uri="{FF2B5EF4-FFF2-40B4-BE49-F238E27FC236}">
-                <a16:creationId xmlns:a16="http://schemas.microsoft.com/office/drawing/2014/main" xmlns="" id="{CCC7FF24-BEF0-4499-A96B-4F5CFADC2E32}"/>
+                <a16:creationId xmlns:a16="http://schemas.microsoft.com/office/drawing/2014/main" id="{CCC7FF24-BEF0-4499-A96B-4F5CFADC2E32}"/>
               </a:ext>
             </a:extLst>
           </p:cNvPr>
@@ -4042,7 +4039,7 @@
           <p:cNvPr id="92" name="Text Placeholder 25">
             <a:extLst>
               <a:ext uri="{FF2B5EF4-FFF2-40B4-BE49-F238E27FC236}">
-                <a16:creationId xmlns:a16="http://schemas.microsoft.com/office/drawing/2014/main" xmlns="" id="{BAF68B8B-4C12-49E1-95AF-0A838D8521E2}"/>
+                <a16:creationId xmlns:a16="http://schemas.microsoft.com/office/drawing/2014/main" id="{BAF68B8B-4C12-49E1-95AF-0A838D8521E2}"/>
               </a:ext>
             </a:extLst>
           </p:cNvPr>
@@ -4095,7 +4092,7 @@
           <p:cNvPr id="94" name="Text Placeholder 23">
             <a:extLst>
               <a:ext uri="{FF2B5EF4-FFF2-40B4-BE49-F238E27FC236}">
-                <a16:creationId xmlns:a16="http://schemas.microsoft.com/office/drawing/2014/main" xmlns="" id="{2BC8869F-5EAC-4954-9A64-16C540FA2349}"/>
+                <a16:creationId xmlns:a16="http://schemas.microsoft.com/office/drawing/2014/main" id="{2BC8869F-5EAC-4954-9A64-16C540FA2349}"/>
               </a:ext>
             </a:extLst>
           </p:cNvPr>
@@ -4173,7 +4170,7 @@
           <p:cNvPr id="96" name="Text Placeholder 23">
             <a:extLst>
               <a:ext uri="{FF2B5EF4-FFF2-40B4-BE49-F238E27FC236}">
-                <a16:creationId xmlns:a16="http://schemas.microsoft.com/office/drawing/2014/main" xmlns="" id="{F6C6ABB3-8BA9-459B-BC04-42C3AE3FBB28}"/>
+                <a16:creationId xmlns:a16="http://schemas.microsoft.com/office/drawing/2014/main" id="{F6C6ABB3-8BA9-459B-BC04-42C3AE3FBB28}"/>
               </a:ext>
             </a:extLst>
           </p:cNvPr>
@@ -4251,7 +4248,7 @@
           <p:cNvPr id="99" name="Text Placeholder 23">
             <a:extLst>
               <a:ext uri="{FF2B5EF4-FFF2-40B4-BE49-F238E27FC236}">
-                <a16:creationId xmlns:a16="http://schemas.microsoft.com/office/drawing/2014/main" xmlns="" id="{69BAC6DF-B0A8-492F-B73B-A48F8005E7F9}"/>
+                <a16:creationId xmlns:a16="http://schemas.microsoft.com/office/drawing/2014/main" id="{69BAC6DF-B0A8-492F-B73B-A48F8005E7F9}"/>
               </a:ext>
             </a:extLst>
           </p:cNvPr>
@@ -4329,7 +4326,7 @@
           <p:cNvPr id="100" name="Text Placeholder 23">
             <a:extLst>
               <a:ext uri="{FF2B5EF4-FFF2-40B4-BE49-F238E27FC236}">
-                <a16:creationId xmlns:a16="http://schemas.microsoft.com/office/drawing/2014/main" xmlns="" id="{0443213D-D641-4623-815C-9256CBB290BA}"/>
+                <a16:creationId xmlns:a16="http://schemas.microsoft.com/office/drawing/2014/main" id="{0443213D-D641-4623-815C-9256CBB290BA}"/>
               </a:ext>
             </a:extLst>
           </p:cNvPr>
@@ -4420,7 +4417,7 @@
           <p:cNvPr id="101" name="Text Placeholder 23">
             <a:extLst>
               <a:ext uri="{FF2B5EF4-FFF2-40B4-BE49-F238E27FC236}">
-                <a16:creationId xmlns:a16="http://schemas.microsoft.com/office/drawing/2014/main" xmlns="" id="{D74385A3-066B-4A7B-87EB-468D974A5ACD}"/>
+                <a16:creationId xmlns:a16="http://schemas.microsoft.com/office/drawing/2014/main" id="{D74385A3-066B-4A7B-87EB-468D974A5ACD}"/>
               </a:ext>
             </a:extLst>
           </p:cNvPr>
@@ -4498,7 +4495,7 @@
           <p:cNvPr id="102" name="Text Placeholder 23">
             <a:extLst>
               <a:ext uri="{FF2B5EF4-FFF2-40B4-BE49-F238E27FC236}">
-                <a16:creationId xmlns:a16="http://schemas.microsoft.com/office/drawing/2014/main" xmlns="" id="{097F26C6-916D-4971-AE86-0DDAD60BBC25}"/>
+                <a16:creationId xmlns:a16="http://schemas.microsoft.com/office/drawing/2014/main" id="{097F26C6-916D-4971-AE86-0DDAD60BBC25}"/>
               </a:ext>
             </a:extLst>
           </p:cNvPr>
@@ -4576,7 +4573,7 @@
           <p:cNvPr id="103" name="Text Placeholder 23">
             <a:extLst>
               <a:ext uri="{FF2B5EF4-FFF2-40B4-BE49-F238E27FC236}">
-                <a16:creationId xmlns:a16="http://schemas.microsoft.com/office/drawing/2014/main" xmlns="" id="{251610FA-124B-403C-8C78-B4DD0317392E}"/>
+                <a16:creationId xmlns:a16="http://schemas.microsoft.com/office/drawing/2014/main" id="{251610FA-124B-403C-8C78-B4DD0317392E}"/>
               </a:ext>
             </a:extLst>
           </p:cNvPr>
@@ -4654,7 +4651,7 @@
           <p:cNvPr id="104" name="Text Placeholder 23">
             <a:extLst>
               <a:ext uri="{FF2B5EF4-FFF2-40B4-BE49-F238E27FC236}">
-                <a16:creationId xmlns:a16="http://schemas.microsoft.com/office/drawing/2014/main" xmlns="" id="{036342B6-CC7F-45B3-95EC-B568F959959A}"/>
+                <a16:creationId xmlns:a16="http://schemas.microsoft.com/office/drawing/2014/main" id="{036342B6-CC7F-45B3-95EC-B568F959959A}"/>
               </a:ext>
             </a:extLst>
           </p:cNvPr>
@@ -4732,7 +4729,7 @@
           <p:cNvPr id="105" name="TextBox 104">
             <a:extLst>
               <a:ext uri="{FF2B5EF4-FFF2-40B4-BE49-F238E27FC236}">
-                <a16:creationId xmlns:a16="http://schemas.microsoft.com/office/drawing/2014/main" xmlns="" id="{5B0BBE2E-DF4A-496D-B036-C3F2E9B53401}"/>
+                <a16:creationId xmlns:a16="http://schemas.microsoft.com/office/drawing/2014/main" id="{5B0BBE2E-DF4A-496D-B036-C3F2E9B53401}"/>
               </a:ext>
             </a:extLst>
           </p:cNvPr>
@@ -4772,7 +4769,7 @@
           <p:cNvPr id="106" name="TextBox 105">
             <a:extLst>
               <a:ext uri="{FF2B5EF4-FFF2-40B4-BE49-F238E27FC236}">
-                <a16:creationId xmlns:a16="http://schemas.microsoft.com/office/drawing/2014/main" xmlns="" id="{D52AF755-3E25-4383-85B6-FAC563D69447}"/>
+                <a16:creationId xmlns:a16="http://schemas.microsoft.com/office/drawing/2014/main" id="{D52AF755-3E25-4383-85B6-FAC563D69447}"/>
               </a:ext>
             </a:extLst>
           </p:cNvPr>
@@ -4812,7 +4809,7 @@
           <p:cNvPr id="107" name="TextBox 106">
             <a:extLst>
               <a:ext uri="{FF2B5EF4-FFF2-40B4-BE49-F238E27FC236}">
-                <a16:creationId xmlns:a16="http://schemas.microsoft.com/office/drawing/2014/main" xmlns="" id="{00CA7A65-7EFD-4165-B424-200AB561AE3E}"/>
+                <a16:creationId xmlns:a16="http://schemas.microsoft.com/office/drawing/2014/main" id="{00CA7A65-7EFD-4165-B424-200AB561AE3E}"/>
               </a:ext>
             </a:extLst>
           </p:cNvPr>
@@ -4852,7 +4849,7 @@
           <p:cNvPr id="108" name="TextBox 107">
             <a:extLst>
               <a:ext uri="{FF2B5EF4-FFF2-40B4-BE49-F238E27FC236}">
-                <a16:creationId xmlns:a16="http://schemas.microsoft.com/office/drawing/2014/main" xmlns="" id="{1586D3C2-C8E7-413A-8B5F-0383B36CFC1C}"/>
+                <a16:creationId xmlns:a16="http://schemas.microsoft.com/office/drawing/2014/main" id="{1586D3C2-C8E7-413A-8B5F-0383B36CFC1C}"/>
               </a:ext>
             </a:extLst>
           </p:cNvPr>
@@ -4892,7 +4889,7 @@
           <p:cNvPr id="109" name="Text Placeholder 23">
             <a:extLst>
               <a:ext uri="{FF2B5EF4-FFF2-40B4-BE49-F238E27FC236}">
-                <a16:creationId xmlns:a16="http://schemas.microsoft.com/office/drawing/2014/main" xmlns="" id="{104C9C09-6BBE-4C3C-AC11-4F1E453BC81E}"/>
+                <a16:creationId xmlns:a16="http://schemas.microsoft.com/office/drawing/2014/main" id="{104C9C09-6BBE-4C3C-AC11-4F1E453BC81E}"/>
               </a:ext>
             </a:extLst>
           </p:cNvPr>
@@ -4970,7 +4967,7 @@
           <p:cNvPr id="110" name="Text Placeholder 23">
             <a:extLst>
               <a:ext uri="{FF2B5EF4-FFF2-40B4-BE49-F238E27FC236}">
-                <a16:creationId xmlns:a16="http://schemas.microsoft.com/office/drawing/2014/main" xmlns="" id="{88B6B475-5F6A-410A-8E2E-0F6809A2D235}"/>
+                <a16:creationId xmlns:a16="http://schemas.microsoft.com/office/drawing/2014/main" id="{88B6B475-5F6A-410A-8E2E-0F6809A2D235}"/>
               </a:ext>
             </a:extLst>
           </p:cNvPr>
@@ -5063,7 +5060,7 @@
           <p:cNvPr id="114" name="Text Placeholder 25">
             <a:extLst>
               <a:ext uri="{FF2B5EF4-FFF2-40B4-BE49-F238E27FC236}">
-                <a16:creationId xmlns:a16="http://schemas.microsoft.com/office/drawing/2014/main" xmlns="" id="{826C2B3C-7588-4693-99FC-8F46E7C4A75C}"/>
+                <a16:creationId xmlns:a16="http://schemas.microsoft.com/office/drawing/2014/main" id="{826C2B3C-7588-4693-99FC-8F46E7C4A75C}"/>
               </a:ext>
             </a:extLst>
           </p:cNvPr>
@@ -5116,7 +5113,7 @@
           <p:cNvPr id="115" name="Text Placeholder 25">
             <a:extLst>
               <a:ext uri="{FF2B5EF4-FFF2-40B4-BE49-F238E27FC236}">
-                <a16:creationId xmlns:a16="http://schemas.microsoft.com/office/drawing/2014/main" xmlns="" id="{AFB41D06-9BD3-4C5C-9088-BAF214F6FC9C}"/>
+                <a16:creationId xmlns:a16="http://schemas.microsoft.com/office/drawing/2014/main" id="{AFB41D06-9BD3-4C5C-9088-BAF214F6FC9C}"/>
               </a:ext>
             </a:extLst>
           </p:cNvPr>
@@ -5169,7 +5166,7 @@
           <p:cNvPr id="116" name="Text Placeholder 25">
             <a:extLst>
               <a:ext uri="{FF2B5EF4-FFF2-40B4-BE49-F238E27FC236}">
-                <a16:creationId xmlns:a16="http://schemas.microsoft.com/office/drawing/2014/main" xmlns="" id="{0CC085CE-3F7E-4219-9B5C-B9D51DBCEEB7}"/>
+                <a16:creationId xmlns:a16="http://schemas.microsoft.com/office/drawing/2014/main" id="{0CC085CE-3F7E-4219-9B5C-B9D51DBCEEB7}"/>
               </a:ext>
             </a:extLst>
           </p:cNvPr>
@@ -5222,7 +5219,7 @@
           <p:cNvPr id="117" name="Text Placeholder 25">
             <a:extLst>
               <a:ext uri="{FF2B5EF4-FFF2-40B4-BE49-F238E27FC236}">
-                <a16:creationId xmlns:a16="http://schemas.microsoft.com/office/drawing/2014/main" xmlns="" id="{2FE57C0F-EDF8-4234-8050-8BDB90B717AD}"/>
+                <a16:creationId xmlns:a16="http://schemas.microsoft.com/office/drawing/2014/main" id="{2FE57C0F-EDF8-4234-8050-8BDB90B717AD}"/>
               </a:ext>
             </a:extLst>
           </p:cNvPr>
@@ -5275,7 +5272,7 @@
           <p:cNvPr id="118" name="Text Placeholder 25">
             <a:extLst>
               <a:ext uri="{FF2B5EF4-FFF2-40B4-BE49-F238E27FC236}">
-                <a16:creationId xmlns:a16="http://schemas.microsoft.com/office/drawing/2014/main" xmlns="" id="{3418E616-A8E9-4324-830C-1735BF1F2A5A}"/>
+                <a16:creationId xmlns:a16="http://schemas.microsoft.com/office/drawing/2014/main" id="{3418E616-A8E9-4324-830C-1735BF1F2A5A}"/>
               </a:ext>
             </a:extLst>
           </p:cNvPr>
@@ -5328,7 +5325,7 @@
           <p:cNvPr id="123" name="Text Placeholder 23">
             <a:extLst>
               <a:ext uri="{FF2B5EF4-FFF2-40B4-BE49-F238E27FC236}">
-                <a16:creationId xmlns:a16="http://schemas.microsoft.com/office/drawing/2014/main" xmlns="" id="{F4247F58-BD1E-46AF-B903-CAE49A7BD5B4}"/>
+                <a16:creationId xmlns:a16="http://schemas.microsoft.com/office/drawing/2014/main" id="{F4247F58-BD1E-46AF-B903-CAE49A7BD5B4}"/>
               </a:ext>
             </a:extLst>
           </p:cNvPr>
@@ -5419,7 +5416,7 @@
           <p:cNvPr id="124" name="Text Placeholder 23">
             <a:extLst>
               <a:ext uri="{FF2B5EF4-FFF2-40B4-BE49-F238E27FC236}">
-                <a16:creationId xmlns:a16="http://schemas.microsoft.com/office/drawing/2014/main" xmlns="" id="{5D9FFB6E-78FB-4EC0-AA64-5307CC4968E7}"/>
+                <a16:creationId xmlns:a16="http://schemas.microsoft.com/office/drawing/2014/main" id="{5D9FFB6E-78FB-4EC0-AA64-5307CC4968E7}"/>
               </a:ext>
             </a:extLst>
           </p:cNvPr>
@@ -5499,7 +5496,7 @@
           <p:cNvPr id="125" name="Text Placeholder 23">
             <a:extLst>
               <a:ext uri="{FF2B5EF4-FFF2-40B4-BE49-F238E27FC236}">
-                <a16:creationId xmlns:a16="http://schemas.microsoft.com/office/drawing/2014/main" xmlns="" id="{035D20BD-EFD1-4613-8124-9F1C84AC9E86}"/>
+                <a16:creationId xmlns:a16="http://schemas.microsoft.com/office/drawing/2014/main" id="{035D20BD-EFD1-4613-8124-9F1C84AC9E86}"/>
               </a:ext>
             </a:extLst>
           </p:cNvPr>
@@ -5579,7 +5576,7 @@
           <p:cNvPr id="126" name="Text Placeholder 23">
             <a:extLst>
               <a:ext uri="{FF2B5EF4-FFF2-40B4-BE49-F238E27FC236}">
-                <a16:creationId xmlns:a16="http://schemas.microsoft.com/office/drawing/2014/main" xmlns="" id="{5C2A85FC-7450-464F-964C-B9F81DB550E2}"/>
+                <a16:creationId xmlns:a16="http://schemas.microsoft.com/office/drawing/2014/main" id="{5C2A85FC-7450-464F-964C-B9F81DB550E2}"/>
               </a:ext>
             </a:extLst>
           </p:cNvPr>
@@ -5659,7 +5656,7 @@
           <p:cNvPr id="127" name="Text Placeholder 23">
             <a:extLst>
               <a:ext uri="{FF2B5EF4-FFF2-40B4-BE49-F238E27FC236}">
-                <a16:creationId xmlns:a16="http://schemas.microsoft.com/office/drawing/2014/main" xmlns="" id="{9AE8E62D-6DD6-46DE-8573-F464845F1C26}"/>
+                <a16:creationId xmlns:a16="http://schemas.microsoft.com/office/drawing/2014/main" id="{9AE8E62D-6DD6-46DE-8573-F464845F1C26}"/>
               </a:ext>
             </a:extLst>
           </p:cNvPr>
@@ -5737,7 +5734,7 @@
           <p:cNvPr id="128" name="Text Placeholder 23">
             <a:extLst>
               <a:ext uri="{FF2B5EF4-FFF2-40B4-BE49-F238E27FC236}">
-                <a16:creationId xmlns:a16="http://schemas.microsoft.com/office/drawing/2014/main" xmlns="" id="{D4CBE8D9-EE4C-42D2-B3A5-2658625FE024}"/>
+                <a16:creationId xmlns:a16="http://schemas.microsoft.com/office/drawing/2014/main" id="{D4CBE8D9-EE4C-42D2-B3A5-2658625FE024}"/>
               </a:ext>
             </a:extLst>
           </p:cNvPr>
@@ -5815,7 +5812,7 @@
           <p:cNvPr id="129" name="Text Placeholder 23">
             <a:extLst>
               <a:ext uri="{FF2B5EF4-FFF2-40B4-BE49-F238E27FC236}">
-                <a16:creationId xmlns:a16="http://schemas.microsoft.com/office/drawing/2014/main" xmlns="" id="{8E993CEE-A24D-493F-B83A-E72FCC938AD1}"/>
+                <a16:creationId xmlns:a16="http://schemas.microsoft.com/office/drawing/2014/main" id="{8E993CEE-A24D-493F-B83A-E72FCC938AD1}"/>
               </a:ext>
             </a:extLst>
           </p:cNvPr>
@@ -5893,7 +5890,7 @@
           <p:cNvPr id="132" name="Text Placeholder 23">
             <a:extLst>
               <a:ext uri="{FF2B5EF4-FFF2-40B4-BE49-F238E27FC236}">
-                <a16:creationId xmlns:a16="http://schemas.microsoft.com/office/drawing/2014/main" xmlns="" id="{02743E3C-D84A-4927-97B5-ED320A5A36C2}"/>
+                <a16:creationId xmlns:a16="http://schemas.microsoft.com/office/drawing/2014/main" id="{02743E3C-D84A-4927-97B5-ED320A5A36C2}"/>
               </a:ext>
             </a:extLst>
           </p:cNvPr>
@@ -5973,7 +5970,7 @@
           <p:cNvPr id="133" name="Text Placeholder 23">
             <a:extLst>
               <a:ext uri="{FF2B5EF4-FFF2-40B4-BE49-F238E27FC236}">
-                <a16:creationId xmlns:a16="http://schemas.microsoft.com/office/drawing/2014/main" xmlns="" id="{89DA76F6-FC8D-48DE-90FF-6C80C71F4C3A}"/>
+                <a16:creationId xmlns:a16="http://schemas.microsoft.com/office/drawing/2014/main" id="{89DA76F6-FC8D-48DE-90FF-6C80C71F4C3A}"/>
               </a:ext>
             </a:extLst>
           </p:cNvPr>
@@ -6053,7 +6050,7 @@
           <p:cNvPr id="134" name="Text Placeholder 23">
             <a:extLst>
               <a:ext uri="{FF2B5EF4-FFF2-40B4-BE49-F238E27FC236}">
-                <a16:creationId xmlns:a16="http://schemas.microsoft.com/office/drawing/2014/main" xmlns="" id="{6C7A1BDF-1C8D-4EED-9FD4-69EB4918C16E}"/>
+                <a16:creationId xmlns:a16="http://schemas.microsoft.com/office/drawing/2014/main" id="{6C7A1BDF-1C8D-4EED-9FD4-69EB4918C16E}"/>
               </a:ext>
             </a:extLst>
           </p:cNvPr>
@@ -6133,7 +6130,7 @@
           <p:cNvPr id="135" name="Text Placeholder 23">
             <a:extLst>
               <a:ext uri="{FF2B5EF4-FFF2-40B4-BE49-F238E27FC236}">
-                <a16:creationId xmlns:a16="http://schemas.microsoft.com/office/drawing/2014/main" xmlns="" id="{1DBE2654-DB75-4AE0-A4B4-2F10363DB563}"/>
+                <a16:creationId xmlns:a16="http://schemas.microsoft.com/office/drawing/2014/main" id="{1DBE2654-DB75-4AE0-A4B4-2F10363DB563}"/>
               </a:ext>
             </a:extLst>
           </p:cNvPr>
@@ -6211,7 +6208,7 @@
           <p:cNvPr id="136" name="Text Placeholder 23">
             <a:extLst>
               <a:ext uri="{FF2B5EF4-FFF2-40B4-BE49-F238E27FC236}">
-                <a16:creationId xmlns:a16="http://schemas.microsoft.com/office/drawing/2014/main" xmlns="" id="{7C7C6B44-6FF8-4C7C-A472-6745CA7D10AC}"/>
+                <a16:creationId xmlns:a16="http://schemas.microsoft.com/office/drawing/2014/main" id="{7C7C6B44-6FF8-4C7C-A472-6745CA7D10AC}"/>
               </a:ext>
             </a:extLst>
           </p:cNvPr>
@@ -6290,7 +6287,7 @@
           <p:cNvPr id="137" name="Text Placeholder 23">
             <a:extLst>
               <a:ext uri="{FF2B5EF4-FFF2-40B4-BE49-F238E27FC236}">
-                <a16:creationId xmlns:a16="http://schemas.microsoft.com/office/drawing/2014/main" xmlns="" id="{369DE2E5-0521-4B5C-ACFC-5CB5FFC28560}"/>
+                <a16:creationId xmlns:a16="http://schemas.microsoft.com/office/drawing/2014/main" id="{369DE2E5-0521-4B5C-ACFC-5CB5FFC28560}"/>
               </a:ext>
             </a:extLst>
           </p:cNvPr>
@@ -6368,7 +6365,7 @@
           <p:cNvPr id="142" name="Text Placeholder 23">
             <a:extLst>
               <a:ext uri="{FF2B5EF4-FFF2-40B4-BE49-F238E27FC236}">
-                <a16:creationId xmlns:a16="http://schemas.microsoft.com/office/drawing/2014/main" xmlns="" id="{B5578DF7-86B8-4C84-9FFF-C066EC3BECB6}"/>
+                <a16:creationId xmlns:a16="http://schemas.microsoft.com/office/drawing/2014/main" id="{B5578DF7-86B8-4C84-9FFF-C066EC3BECB6}"/>
               </a:ext>
             </a:extLst>
           </p:cNvPr>
@@ -6448,7 +6445,7 @@
           <p:cNvPr id="143" name="Text Placeholder 23">
             <a:extLst>
               <a:ext uri="{FF2B5EF4-FFF2-40B4-BE49-F238E27FC236}">
-                <a16:creationId xmlns:a16="http://schemas.microsoft.com/office/drawing/2014/main" xmlns="" id="{EE6AC66A-3B0B-4D94-B23C-16AE67236B6D}"/>
+                <a16:creationId xmlns:a16="http://schemas.microsoft.com/office/drawing/2014/main" id="{EE6AC66A-3B0B-4D94-B23C-16AE67236B6D}"/>
               </a:ext>
             </a:extLst>
           </p:cNvPr>
@@ -6537,7 +6534,7 @@
           <p:cNvPr id="144" name="Text Placeholder 23">
             <a:extLst>
               <a:ext uri="{FF2B5EF4-FFF2-40B4-BE49-F238E27FC236}">
-                <a16:creationId xmlns:a16="http://schemas.microsoft.com/office/drawing/2014/main" xmlns="" id="{1595FCF3-BDE7-4071-83E3-B0C8EB365A69}"/>
+                <a16:creationId xmlns:a16="http://schemas.microsoft.com/office/drawing/2014/main" id="{1595FCF3-BDE7-4071-83E3-B0C8EB365A69}"/>
               </a:ext>
             </a:extLst>
           </p:cNvPr>
@@ -6628,7 +6625,7 @@
           <p:cNvPr id="146" name="Text Placeholder 23">
             <a:extLst>
               <a:ext uri="{FF2B5EF4-FFF2-40B4-BE49-F238E27FC236}">
-                <a16:creationId xmlns:a16="http://schemas.microsoft.com/office/drawing/2014/main" xmlns="" id="{3D3AB92B-A069-4C0C-A616-81E4D5C7CDFA}"/>
+                <a16:creationId xmlns:a16="http://schemas.microsoft.com/office/drawing/2014/main" id="{3D3AB92B-A069-4C0C-A616-81E4D5C7CDFA}"/>
               </a:ext>
             </a:extLst>
           </p:cNvPr>
@@ -6706,7 +6703,7 @@
           <p:cNvPr id="148" name="Text Placeholder 23">
             <a:extLst>
               <a:ext uri="{FF2B5EF4-FFF2-40B4-BE49-F238E27FC236}">
-                <a16:creationId xmlns:a16="http://schemas.microsoft.com/office/drawing/2014/main" xmlns="" id="{A688E982-23DF-4811-B361-93160DDE8063}"/>
+                <a16:creationId xmlns:a16="http://schemas.microsoft.com/office/drawing/2014/main" id="{A688E982-23DF-4811-B361-93160DDE8063}"/>
               </a:ext>
             </a:extLst>
           </p:cNvPr>
@@ -6786,7 +6783,7 @@
           <p:cNvPr id="149" name="Text Placeholder 23">
             <a:extLst>
               <a:ext uri="{FF2B5EF4-FFF2-40B4-BE49-F238E27FC236}">
-                <a16:creationId xmlns:a16="http://schemas.microsoft.com/office/drawing/2014/main" xmlns="" id="{7593BC5E-E0B2-4C3A-A222-6E7609C44387}"/>
+                <a16:creationId xmlns:a16="http://schemas.microsoft.com/office/drawing/2014/main" id="{7593BC5E-E0B2-4C3A-A222-6E7609C44387}"/>
               </a:ext>
             </a:extLst>
           </p:cNvPr>
@@ -6866,7 +6863,7 @@
           <p:cNvPr id="150" name="Text Placeholder 23">
             <a:extLst>
               <a:ext uri="{FF2B5EF4-FFF2-40B4-BE49-F238E27FC236}">
-                <a16:creationId xmlns:a16="http://schemas.microsoft.com/office/drawing/2014/main" xmlns="" id="{A65DDB49-F65C-46EF-A777-563D8C81F139}"/>
+                <a16:creationId xmlns:a16="http://schemas.microsoft.com/office/drawing/2014/main" id="{A65DDB49-F65C-46EF-A777-563D8C81F139}"/>
               </a:ext>
             </a:extLst>
           </p:cNvPr>
@@ -6946,7 +6943,7 @@
           <p:cNvPr id="151" name="Text Placeholder 23">
             <a:extLst>
               <a:ext uri="{FF2B5EF4-FFF2-40B4-BE49-F238E27FC236}">
-                <a16:creationId xmlns:a16="http://schemas.microsoft.com/office/drawing/2014/main" xmlns="" id="{681317C5-5892-4BC2-8102-C28563E87E5C}"/>
+                <a16:creationId xmlns:a16="http://schemas.microsoft.com/office/drawing/2014/main" id="{681317C5-5892-4BC2-8102-C28563E87E5C}"/>
               </a:ext>
             </a:extLst>
           </p:cNvPr>
@@ -7022,7 +7019,7 @@
     </p:spTree>
     <p:extLst>
       <p:ext uri="{BB962C8B-B14F-4D97-AF65-F5344CB8AC3E}">
-        <p14:creationId xmlns:p14="http://schemas.microsoft.com/office/powerpoint/2010/main" xmlns="" val="3316345499"/>
+        <p14:creationId xmlns:p14="http://schemas.microsoft.com/office/powerpoint/2010/main" val="3316345499"/>
       </p:ext>
     </p:extLst>
   </p:cSld>
@@ -7059,7 +7056,7 @@
           <p:cNvPr id="2" name="Title Placeholder 1">
             <a:extLst>
               <a:ext uri="{FF2B5EF4-FFF2-40B4-BE49-F238E27FC236}">
-                <a16:creationId xmlns:a16="http://schemas.microsoft.com/office/drawing/2014/main" xmlns="" id="{48E49AC2-54E3-4607-8D5D-23B3B2EDFDF0}"/>
+                <a16:creationId xmlns:a16="http://schemas.microsoft.com/office/drawing/2014/main" id="{48E49AC2-54E3-4607-8D5D-23B3B2EDFDF0}"/>
               </a:ext>
             </a:extLst>
           </p:cNvPr>
@@ -7097,7 +7094,7 @@
           <p:cNvPr id="3" name="Text Placeholder 2">
             <a:extLst>
               <a:ext uri="{FF2B5EF4-FFF2-40B4-BE49-F238E27FC236}">
-                <a16:creationId xmlns:a16="http://schemas.microsoft.com/office/drawing/2014/main" xmlns="" id="{937F57C1-05F3-4189-8FD2-935BB34D1C53}"/>
+                <a16:creationId xmlns:a16="http://schemas.microsoft.com/office/drawing/2014/main" id="{937F57C1-05F3-4189-8FD2-935BB34D1C53}"/>
               </a:ext>
             </a:extLst>
           </p:cNvPr>
@@ -7164,7 +7161,7 @@
           <p:cNvPr id="4" name="Date Placeholder 3">
             <a:extLst>
               <a:ext uri="{FF2B5EF4-FFF2-40B4-BE49-F238E27FC236}">
-                <a16:creationId xmlns:a16="http://schemas.microsoft.com/office/drawing/2014/main" xmlns="" id="{10D3EC80-8D38-43E2-92B6-451817541ECA}"/>
+                <a16:creationId xmlns:a16="http://schemas.microsoft.com/office/drawing/2014/main" id="{10D3EC80-8D38-43E2-92B6-451817541ECA}"/>
               </a:ext>
             </a:extLst>
           </p:cNvPr>
@@ -7201,7 +7198,7 @@
             <a:fld id="{902AD433-F5B6-43A3-8DE6-1382B3149F77}" type="datetimeFigureOut">
               <a:rPr lang="en-US" smtClean="0"/>
               <a:pPr/>
-              <a:t>6/19/2021</a:t>
+              <a:t>20-Jun-21</a:t>
             </a:fld>
             <a:endParaRPr lang="en-US" dirty="0"/>
           </a:p>
@@ -7212,7 +7209,7 @@
           <p:cNvPr id="5" name="Footer Placeholder 4">
             <a:extLst>
               <a:ext uri="{FF2B5EF4-FFF2-40B4-BE49-F238E27FC236}">
-                <a16:creationId xmlns:a16="http://schemas.microsoft.com/office/drawing/2014/main" xmlns="" id="{636E806D-70B9-456E-A58D-37D97E328EE8}"/>
+                <a16:creationId xmlns:a16="http://schemas.microsoft.com/office/drawing/2014/main" id="{636E806D-70B9-456E-A58D-37D97E328EE8}"/>
               </a:ext>
             </a:extLst>
           </p:cNvPr>
@@ -7255,7 +7252,7 @@
           <p:cNvPr id="6" name="Slide Number Placeholder 5">
             <a:extLst>
               <a:ext uri="{FF2B5EF4-FFF2-40B4-BE49-F238E27FC236}">
-                <a16:creationId xmlns:a16="http://schemas.microsoft.com/office/drawing/2014/main" xmlns="" id="{37B4D4D1-68FB-4DD7-B491-AC7FBD5B40BC}"/>
+                <a16:creationId xmlns:a16="http://schemas.microsoft.com/office/drawing/2014/main" id="{37B4D4D1-68FB-4DD7-B491-AC7FBD5B40BC}"/>
               </a:ext>
             </a:extLst>
           </p:cNvPr>
@@ -7301,7 +7298,7 @@
     </p:spTree>
     <p:extLst>
       <p:ext uri="{BB962C8B-B14F-4D97-AF65-F5344CB8AC3E}">
-        <p14:creationId xmlns:p14="http://schemas.microsoft.com/office/powerpoint/2010/main" xmlns="" val="768617191"/>
+        <p14:creationId xmlns:p14="http://schemas.microsoft.com/office/powerpoint/2010/main" val="768617191"/>
       </p:ext>
     </p:extLst>
   </p:cSld>
@@ -7609,103 +7606,15 @@
           <a:chExt cx="0" cy="0"/>
         </a:xfrm>
       </p:grpSpPr>
-      <p:cxnSp>
-        <p:nvCxnSpPr>
-          <p:cNvPr id="470" name="Straight Connector 469">
-            <a:extLst>
-              <a:ext uri="{FF2B5EF4-FFF2-40B4-BE49-F238E27FC236}">
-                <a16:creationId xmlns:a16="http://schemas.microsoft.com/office/drawing/2014/main" xmlns="" id="{4092DABB-F8DD-43AC-9366-32F01C3E4EA1}"/>
-              </a:ext>
-              <a:ext uri="{C183D7F6-B498-43B3-948B-1728B52AA6E4}">
-                <adec:decorative xmlns:adec="http://schemas.microsoft.com/office/drawing/2017/decorative" xmlns="" val="1"/>
-              </a:ext>
-            </a:extLst>
-          </p:cNvPr>
-          <p:cNvCxnSpPr/>
-          <p:nvPr/>
-        </p:nvCxnSpPr>
-        <p:spPr>
-          <a:xfrm>
-            <a:off x="2380873" y="5586820"/>
-            <a:ext cx="0" cy="252000"/>
-          </a:xfrm>
-          <a:prstGeom prst="line">
-            <a:avLst/>
-          </a:prstGeom>
-          <a:ln w="12700">
-            <a:solidFill>
-              <a:schemeClr val="bg2"/>
-            </a:solidFill>
-          </a:ln>
-        </p:spPr>
-        <p:style>
-          <a:lnRef idx="1">
-            <a:schemeClr val="accent1"/>
-          </a:lnRef>
-          <a:fillRef idx="0">
-            <a:schemeClr val="accent1"/>
-          </a:fillRef>
-          <a:effectRef idx="0">
-            <a:schemeClr val="accent1"/>
-          </a:effectRef>
-          <a:fontRef idx="minor">
-            <a:schemeClr val="tx1"/>
-          </a:fontRef>
-        </p:style>
-      </p:cxnSp>
-      <p:cxnSp>
-        <p:nvCxnSpPr>
-          <p:cNvPr id="471" name="Straight Connector 470">
-            <a:extLst>
-              <a:ext uri="{FF2B5EF4-FFF2-40B4-BE49-F238E27FC236}">
-                <a16:creationId xmlns:a16="http://schemas.microsoft.com/office/drawing/2014/main" xmlns="" id="{E7C09CBB-8F4B-4E7C-A94F-0D2639635E3D}"/>
-              </a:ext>
-              <a:ext uri="{C183D7F6-B498-43B3-948B-1728B52AA6E4}">
-                <adec:decorative xmlns:adec="http://schemas.microsoft.com/office/drawing/2017/decorative" xmlns="" val="1"/>
-              </a:ext>
-            </a:extLst>
-          </p:cNvPr>
-          <p:cNvCxnSpPr/>
-          <p:nvPr/>
-        </p:nvCxnSpPr>
-        <p:spPr>
-          <a:xfrm>
-            <a:off x="5176800" y="5589578"/>
-            <a:ext cx="0" cy="252000"/>
-          </a:xfrm>
-          <a:prstGeom prst="line">
-            <a:avLst/>
-          </a:prstGeom>
-          <a:ln w="12700">
-            <a:solidFill>
-              <a:schemeClr val="bg2"/>
-            </a:solidFill>
-          </a:ln>
-        </p:spPr>
-        <p:style>
-          <a:lnRef idx="1">
-            <a:schemeClr val="accent1"/>
-          </a:lnRef>
-          <a:fillRef idx="0">
-            <a:schemeClr val="accent1"/>
-          </a:fillRef>
-          <a:effectRef idx="0">
-            <a:schemeClr val="accent1"/>
-          </a:effectRef>
-          <a:fontRef idx="minor">
-            <a:schemeClr val="tx1"/>
-          </a:fontRef>
-        </p:style>
-      </p:cxnSp>
       <p:sp>
         <p:nvSpPr>
           <p:cNvPr id="472" name="Rectangle 471">
             <a:extLst>
               <a:ext uri="{FF2B5EF4-FFF2-40B4-BE49-F238E27FC236}">
-                <a16:creationId xmlns:a16="http://schemas.microsoft.com/office/drawing/2014/main" xmlns="" id="{F162A0A5-A648-4660-B0BB-A363DFAB5225}"/>
+                <a16:creationId xmlns:a16="http://schemas.microsoft.com/office/drawing/2014/main" id="{F162A0A5-A648-4660-B0BB-A363DFAB5225}"/>
               </a:ext>
               <a:ext uri="{C183D7F6-B498-43B3-948B-1728B52AA6E4}">
-                <adec:decorative xmlns:adec="http://schemas.microsoft.com/office/drawing/2017/decorative" xmlns="" val="1"/>
+                <adec:decorative xmlns:adec="http://schemas.microsoft.com/office/drawing/2017/decorative" val="1"/>
               </a:ext>
             </a:extLst>
           </p:cNvPr>
@@ -7714,8 +7623,8 @@
         </p:nvSpPr>
         <p:spPr>
           <a:xfrm>
-            <a:off x="2000433" y="5136768"/>
-            <a:ext cx="1276155" cy="504000"/>
+            <a:off x="2000433" y="5624448"/>
+            <a:ext cx="4520465" cy="504000"/>
           </a:xfrm>
           <a:prstGeom prst="rect">
             <a:avLst/>
@@ -7752,70 +7661,15 @@
           </a:p>
         </p:txBody>
       </p:sp>
-      <p:sp>
-        <p:nvSpPr>
-          <p:cNvPr id="473" name="Rectangle 472">
-            <a:extLst>
-              <a:ext uri="{FF2B5EF4-FFF2-40B4-BE49-F238E27FC236}">
-                <a16:creationId xmlns:a16="http://schemas.microsoft.com/office/drawing/2014/main" xmlns="" id="{5BA792DE-CAFF-4E1B-B9EE-F8A8F16FCBA2}"/>
-              </a:ext>
-              <a:ext uri="{C183D7F6-B498-43B3-948B-1728B52AA6E4}">
-                <adec:decorative xmlns:adec="http://schemas.microsoft.com/office/drawing/2017/decorative" xmlns="" val="1"/>
-              </a:ext>
-            </a:extLst>
-          </p:cNvPr>
-          <p:cNvSpPr/>
-          <p:nvPr/>
-        </p:nvSpPr>
-        <p:spPr>
-          <a:xfrm>
-            <a:off x="4462538" y="5136768"/>
-            <a:ext cx="2058361" cy="504000"/>
-          </a:xfrm>
-          <a:prstGeom prst="rect">
-            <a:avLst/>
-          </a:prstGeom>
-          <a:solidFill>
-            <a:schemeClr val="accent4"/>
-          </a:solidFill>
-          <a:ln>
-            <a:noFill/>
-          </a:ln>
-        </p:spPr>
-        <p:style>
-          <a:lnRef idx="2">
-            <a:schemeClr val="accent1">
-              <a:shade val="50000"/>
-            </a:schemeClr>
-          </a:lnRef>
-          <a:fillRef idx="1">
-            <a:schemeClr val="accent1"/>
-          </a:fillRef>
-          <a:effectRef idx="0">
-            <a:schemeClr val="accent1"/>
-          </a:effectRef>
-          <a:fontRef idx="minor">
-            <a:schemeClr val="lt1"/>
-          </a:fontRef>
-        </p:style>
-        <p:txBody>
-          <a:bodyPr rtlCol="0" anchor="ctr"/>
-          <a:lstStyle/>
-          <a:p>
-            <a:pPr algn="ctr"/>
-            <a:endParaRPr lang="en-US" dirty="0"/>
-          </a:p>
-        </p:txBody>
-      </p:sp>
       <p:cxnSp>
         <p:nvCxnSpPr>
           <p:cNvPr id="474" name="Straight Connector 473">
             <a:extLst>
               <a:ext uri="{FF2B5EF4-FFF2-40B4-BE49-F238E27FC236}">
-                <a16:creationId xmlns:a16="http://schemas.microsoft.com/office/drawing/2014/main" xmlns="" id="{35119FA5-DC04-48DB-8FB7-D247F3E4E6B5}"/>
+                <a16:creationId xmlns:a16="http://schemas.microsoft.com/office/drawing/2014/main" id="{35119FA5-DC04-48DB-8FB7-D247F3E4E6B5}"/>
               </a:ext>
               <a:ext uri="{C183D7F6-B498-43B3-948B-1728B52AA6E4}">
-                <adec:decorative xmlns:adec="http://schemas.microsoft.com/office/drawing/2017/decorative" xmlns="" val="1"/>
+                <adec:decorative xmlns:adec="http://schemas.microsoft.com/office/drawing/2017/decorative" val="1"/>
               </a:ext>
             </a:extLst>
           </p:cNvPr>
@@ -7827,7 +7681,7 @@
         </p:nvCxnSpPr>
         <p:spPr>
           <a:xfrm flipH="1">
-            <a:off x="4782216" y="2073649"/>
+            <a:off x="5147976" y="2073649"/>
             <a:ext cx="1848" cy="296226"/>
           </a:xfrm>
           <a:prstGeom prst="line">
@@ -7859,10 +7713,10 @@
           <p:cNvPr id="475" name="Oval 474">
             <a:extLst>
               <a:ext uri="{FF2B5EF4-FFF2-40B4-BE49-F238E27FC236}">
-                <a16:creationId xmlns:a16="http://schemas.microsoft.com/office/drawing/2014/main" xmlns="" id="{E3901148-098C-4991-9FF6-D700013EC2C4}"/>
+                <a16:creationId xmlns:a16="http://schemas.microsoft.com/office/drawing/2014/main" id="{E3901148-098C-4991-9FF6-D700013EC2C4}"/>
               </a:ext>
               <a:ext uri="{C183D7F6-B498-43B3-948B-1728B52AA6E4}">
-                <adec:decorative xmlns:adec="http://schemas.microsoft.com/office/drawing/2017/decorative" xmlns="" val="1"/>
+                <adec:decorative xmlns:adec="http://schemas.microsoft.com/office/drawing/2017/decorative" val="1"/>
               </a:ext>
             </a:extLst>
           </p:cNvPr>
@@ -7916,10 +7770,10 @@
           <p:cNvPr id="476" name="Oval 475">
             <a:extLst>
               <a:ext uri="{FF2B5EF4-FFF2-40B4-BE49-F238E27FC236}">
-                <a16:creationId xmlns:a16="http://schemas.microsoft.com/office/drawing/2014/main" xmlns="" id="{E0A55CCA-CB9E-4D01-B9CD-018CCDEAB374}"/>
+                <a16:creationId xmlns:a16="http://schemas.microsoft.com/office/drawing/2014/main" id="{E0A55CCA-CB9E-4D01-B9CD-018CCDEAB374}"/>
               </a:ext>
               <a:ext uri="{C183D7F6-B498-43B3-948B-1728B52AA6E4}">
-                <adec:decorative xmlns:adec="http://schemas.microsoft.com/office/drawing/2017/decorative" xmlns="" val="1"/>
+                <adec:decorative xmlns:adec="http://schemas.microsoft.com/office/drawing/2017/decorative" val="1"/>
               </a:ext>
             </a:extLst>
           </p:cNvPr>
@@ -7973,10 +7827,10 @@
           <p:cNvPr id="477" name="Oval 476">
             <a:extLst>
               <a:ext uri="{FF2B5EF4-FFF2-40B4-BE49-F238E27FC236}">
-                <a16:creationId xmlns:a16="http://schemas.microsoft.com/office/drawing/2014/main" xmlns="" id="{649258D8-16E5-42DF-8F24-F85332A8572F}"/>
+                <a16:creationId xmlns:a16="http://schemas.microsoft.com/office/drawing/2014/main" id="{649258D8-16E5-42DF-8F24-F85332A8572F}"/>
               </a:ext>
               <a:ext uri="{C183D7F6-B498-43B3-948B-1728B52AA6E4}">
-                <adec:decorative xmlns:adec="http://schemas.microsoft.com/office/drawing/2017/decorative" xmlns="" val="1"/>
+                <adec:decorative xmlns:adec="http://schemas.microsoft.com/office/drawing/2017/decorative" val="1"/>
               </a:ext>
             </a:extLst>
           </p:cNvPr>
@@ -8030,10 +7884,10 @@
           <p:cNvPr id="478" name="Oval 477">
             <a:extLst>
               <a:ext uri="{FF2B5EF4-FFF2-40B4-BE49-F238E27FC236}">
-                <a16:creationId xmlns:a16="http://schemas.microsoft.com/office/drawing/2014/main" xmlns="" id="{822BED2B-385D-45D9-BFD9-52A10BBCD4FC}"/>
+                <a16:creationId xmlns:a16="http://schemas.microsoft.com/office/drawing/2014/main" id="{822BED2B-385D-45D9-BFD9-52A10BBCD4FC}"/>
               </a:ext>
               <a:ext uri="{C183D7F6-B498-43B3-948B-1728B52AA6E4}">
-                <adec:decorative xmlns:adec="http://schemas.microsoft.com/office/drawing/2017/decorative" xmlns="" val="1"/>
+                <adec:decorative xmlns:adec="http://schemas.microsoft.com/office/drawing/2017/decorative" val="1"/>
               </a:ext>
             </a:extLst>
           </p:cNvPr>
@@ -8088,10 +7942,10 @@
           <p:cNvPr id="479" name="Rectangle 478">
             <a:extLst>
               <a:ext uri="{FF2B5EF4-FFF2-40B4-BE49-F238E27FC236}">
-                <a16:creationId xmlns:a16="http://schemas.microsoft.com/office/drawing/2014/main" xmlns="" id="{C22FDB23-5756-47B5-BEC0-A117F81D5574}"/>
+                <a16:creationId xmlns:a16="http://schemas.microsoft.com/office/drawing/2014/main" id="{C22FDB23-5756-47B5-BEC0-A117F81D5574}"/>
               </a:ext>
               <a:ext uri="{C183D7F6-B498-43B3-948B-1728B52AA6E4}">
-                <adec:decorative xmlns:adec="http://schemas.microsoft.com/office/drawing/2017/decorative" xmlns="" val="1"/>
+                <adec:decorative xmlns:adec="http://schemas.microsoft.com/office/drawing/2017/decorative" val="1"/>
               </a:ext>
             </a:extLst>
           </p:cNvPr>
@@ -8100,8 +7954,8 @@
         </p:nvSpPr>
         <p:spPr>
           <a:xfrm>
-            <a:off x="5336499" y="4454580"/>
-            <a:ext cx="1184400" cy="504000"/>
+            <a:off x="3285744" y="5172751"/>
+            <a:ext cx="3225388" cy="280107"/>
           </a:xfrm>
           <a:prstGeom prst="rect">
             <a:avLst/>
@@ -8138,70 +7992,15 @@
           </a:p>
         </p:txBody>
       </p:sp>
-      <p:sp>
-        <p:nvSpPr>
-          <p:cNvPr id="480" name="Rectangle 479">
-            <a:extLst>
-              <a:ext uri="{FF2B5EF4-FFF2-40B4-BE49-F238E27FC236}">
-                <a16:creationId xmlns:a16="http://schemas.microsoft.com/office/drawing/2014/main" xmlns="" id="{DD6413B2-70A1-40A5-A408-8D591B050EDE}"/>
-              </a:ext>
-              <a:ext uri="{C183D7F6-B498-43B3-948B-1728B52AA6E4}">
-                <adec:decorative xmlns:adec="http://schemas.microsoft.com/office/drawing/2017/decorative" xmlns="" val="1"/>
-              </a:ext>
-            </a:extLst>
-          </p:cNvPr>
-          <p:cNvSpPr/>
-          <p:nvPr/>
-        </p:nvSpPr>
-        <p:spPr>
-          <a:xfrm>
-            <a:off x="3278138" y="4454580"/>
-            <a:ext cx="1184400" cy="504000"/>
-          </a:xfrm>
-          <a:prstGeom prst="rect">
-            <a:avLst/>
-          </a:prstGeom>
-          <a:solidFill>
-            <a:schemeClr val="accent3"/>
-          </a:solidFill>
-          <a:ln>
-            <a:noFill/>
-          </a:ln>
-        </p:spPr>
-        <p:style>
-          <a:lnRef idx="2">
-            <a:schemeClr val="accent1">
-              <a:shade val="50000"/>
-            </a:schemeClr>
-          </a:lnRef>
-          <a:fillRef idx="1">
-            <a:schemeClr val="accent1"/>
-          </a:fillRef>
-          <a:effectRef idx="0">
-            <a:schemeClr val="accent1"/>
-          </a:effectRef>
-          <a:fontRef idx="minor">
-            <a:schemeClr val="lt1"/>
-          </a:fontRef>
-        </p:style>
-        <p:txBody>
-          <a:bodyPr rtlCol="0" anchor="ctr"/>
-          <a:lstStyle/>
-          <a:p>
-            <a:pPr algn="ctr"/>
-            <a:endParaRPr lang="en-US" dirty="0"/>
-          </a:p>
-        </p:txBody>
-      </p:sp>
       <p:pic>
         <p:nvPicPr>
           <p:cNvPr id="481" name="Graphic 480">
             <a:extLst>
               <a:ext uri="{FF2B5EF4-FFF2-40B4-BE49-F238E27FC236}">
-                <a16:creationId xmlns:a16="http://schemas.microsoft.com/office/drawing/2014/main" xmlns="" id="{C4F53124-987E-468C-A8ED-1F4827218138}"/>
+                <a16:creationId xmlns:a16="http://schemas.microsoft.com/office/drawing/2014/main" id="{C4F53124-987E-468C-A8ED-1F4827218138}"/>
               </a:ext>
               <a:ext uri="{C183D7F6-B498-43B3-948B-1728B52AA6E4}">
-                <adec:decorative xmlns:adec="http://schemas.microsoft.com/office/drawing/2017/decorative" xmlns="" val="1"/>
+                <adec:decorative xmlns:adec="http://schemas.microsoft.com/office/drawing/2017/decorative" val="1"/>
               </a:ext>
             </a:extLst>
           </p:cNvPr>
@@ -8214,7 +8013,7 @@
           <a:blip r:embed="rId2" cstate="print">
             <a:extLst>
               <a:ext uri="{96DAC541-7B7A-43D3-8B79-37D633B846F1}">
-                <asvg:svgBlip xmlns:asvg="http://schemas.microsoft.com/office/drawing/2016/SVG/main" xmlns="" r:embed="rId3"/>
+                <asvg:svgBlip xmlns:asvg="http://schemas.microsoft.com/office/drawing/2016/SVG/main" r:embed="rId3"/>
               </a:ext>
             </a:extLst>
           </a:blip>
@@ -8223,47 +8022,8 @@
         </p:blipFill>
         <p:spPr>
           <a:xfrm>
-            <a:off x="4722817" y="1965183"/>
+            <a:off x="5088577" y="1965183"/>
             <a:ext cx="118797" cy="404692"/>
-          </a:xfrm>
-          <a:prstGeom prst="rect">
-            <a:avLst/>
-          </a:prstGeom>
-        </p:spPr>
-      </p:pic>
-      <p:pic>
-        <p:nvPicPr>
-          <p:cNvPr id="485" name="Graphic 484">
-            <a:extLst>
-              <a:ext uri="{FF2B5EF4-FFF2-40B4-BE49-F238E27FC236}">
-                <a16:creationId xmlns:a16="http://schemas.microsoft.com/office/drawing/2014/main" xmlns="" id="{01B451BF-1055-4DBD-B482-04F859E39ECD}"/>
-              </a:ext>
-              <a:ext uri="{C183D7F6-B498-43B3-948B-1728B52AA6E4}">
-                <adec:decorative xmlns:adec="http://schemas.microsoft.com/office/drawing/2017/decorative" xmlns="" val="1"/>
-              </a:ext>
-            </a:extLst>
-          </p:cNvPr>
-          <p:cNvPicPr>
-            <a:picLocks noChangeAspect="1"/>
-          </p:cNvPicPr>
-          <p:nvPr/>
-        </p:nvPicPr>
-        <p:blipFill>
-          <a:blip r:embed="rId4" cstate="print">
-            <a:extLst>
-              <a:ext uri="{96DAC541-7B7A-43D3-8B79-37D633B846F1}">
-                <asvg:svgBlip xmlns:asvg="http://schemas.microsoft.com/office/drawing/2016/SVG/main" xmlns="" r:embed="rId5"/>
-              </a:ext>
-            </a:extLst>
-          </a:blip>
-          <a:stretch>
-            <a:fillRect/>
-          </a:stretch>
-        </p:blipFill>
-        <p:spPr>
-          <a:xfrm>
-            <a:off x="2001073" y="804550"/>
-            <a:ext cx="320400" cy="320400"/>
           </a:xfrm>
           <a:prstGeom prst="rect">
             <a:avLst/>
@@ -8275,10 +8035,10 @@
           <p:cNvPr id="486" name="Graphic 485">
             <a:extLst>
               <a:ext uri="{FF2B5EF4-FFF2-40B4-BE49-F238E27FC236}">
-                <a16:creationId xmlns:a16="http://schemas.microsoft.com/office/drawing/2014/main" xmlns="" id="{80F5A396-F807-4E18-8F76-5524E7BBDA4B}"/>
+                <a16:creationId xmlns:a16="http://schemas.microsoft.com/office/drawing/2014/main" id="{80F5A396-F807-4E18-8F76-5524E7BBDA4B}"/>
               </a:ext>
               <a:ext uri="{C183D7F6-B498-43B3-948B-1728B52AA6E4}">
-                <adec:decorative xmlns:adec="http://schemas.microsoft.com/office/drawing/2017/decorative" xmlns="" val="1"/>
+                <adec:decorative xmlns:adec="http://schemas.microsoft.com/office/drawing/2017/decorative" val="1"/>
               </a:ext>
             </a:extLst>
           </p:cNvPr>
@@ -8288,10 +8048,10 @@
           <p:nvPr/>
         </p:nvPicPr>
         <p:blipFill>
-          <a:blip r:embed="rId6" cstate="print">
+          <a:blip r:embed="rId4" cstate="print">
             <a:extLst>
               <a:ext uri="{96DAC541-7B7A-43D3-8B79-37D633B846F1}">
-                <asvg:svgBlip xmlns:asvg="http://schemas.microsoft.com/office/drawing/2016/SVG/main" xmlns="" r:embed="rId7"/>
+                <asvg:svgBlip xmlns:asvg="http://schemas.microsoft.com/office/drawing/2016/SVG/main" r:embed="rId5"/>
               </a:ext>
             </a:extLst>
           </a:blip>
@@ -8301,7 +8061,7 @@
         </p:blipFill>
         <p:spPr>
           <a:xfrm>
-            <a:off x="2002235" y="1686657"/>
+            <a:off x="1900635" y="1686657"/>
             <a:ext cx="183600" cy="183600"/>
           </a:xfrm>
           <a:prstGeom prst="rect">
@@ -8314,10 +8074,10 @@
           <p:cNvPr id="488" name="Graphic 487">
             <a:extLst>
               <a:ext uri="{FF2B5EF4-FFF2-40B4-BE49-F238E27FC236}">
-                <a16:creationId xmlns:a16="http://schemas.microsoft.com/office/drawing/2014/main" xmlns="" id="{6661D065-65E3-48B0-88F2-B4D61A37A8F2}"/>
+                <a16:creationId xmlns:a16="http://schemas.microsoft.com/office/drawing/2014/main" id="{6661D065-65E3-48B0-88F2-B4D61A37A8F2}"/>
               </a:ext>
               <a:ext uri="{C183D7F6-B498-43B3-948B-1728B52AA6E4}">
-                <adec:decorative xmlns:adec="http://schemas.microsoft.com/office/drawing/2017/decorative" xmlns="" val="1"/>
+                <adec:decorative xmlns:adec="http://schemas.microsoft.com/office/drawing/2017/decorative" val="1"/>
               </a:ext>
             </a:extLst>
           </p:cNvPr>
@@ -8327,10 +8087,10 @@
           <p:nvPr/>
         </p:nvPicPr>
         <p:blipFill>
-          <a:blip r:embed="rId8" cstate="print">
+          <a:blip r:embed="rId6" cstate="print">
             <a:extLst>
               <a:ext uri="{96DAC541-7B7A-43D3-8B79-37D633B846F1}">
-                <asvg:svgBlip xmlns:asvg="http://schemas.microsoft.com/office/drawing/2016/SVG/main" xmlns="" r:embed="rId9"/>
+                <asvg:svgBlip xmlns:asvg="http://schemas.microsoft.com/office/drawing/2016/SVG/main" r:embed="rId7"/>
               </a:ext>
             </a:extLst>
           </a:blip>
@@ -8340,7 +8100,7 @@
         </p:blipFill>
         <p:spPr>
           <a:xfrm>
-            <a:off x="4425294" y="1695387"/>
+            <a:off x="4791054" y="1695387"/>
             <a:ext cx="255600" cy="166140"/>
           </a:xfrm>
           <a:prstGeom prst="rect">
@@ -8353,10 +8113,10 @@
           <p:cNvPr id="489" name="Rectangle 488">
             <a:extLst>
               <a:ext uri="{FF2B5EF4-FFF2-40B4-BE49-F238E27FC236}">
-                <a16:creationId xmlns:a16="http://schemas.microsoft.com/office/drawing/2014/main" xmlns="" id="{EE520458-D50C-424E-9F43-6280ECAC4AE3}"/>
+                <a16:creationId xmlns:a16="http://schemas.microsoft.com/office/drawing/2014/main" id="{EE520458-D50C-424E-9F43-6280ECAC4AE3}"/>
               </a:ext>
               <a:ext uri="{C183D7F6-B498-43B3-948B-1728B52AA6E4}">
-                <adec:decorative xmlns:adec="http://schemas.microsoft.com/office/drawing/2017/decorative" xmlns="" val="1"/>
+                <adec:decorative xmlns:adec="http://schemas.microsoft.com/office/drawing/2017/decorative" val="1"/>
               </a:ext>
             </a:extLst>
           </p:cNvPr>
@@ -8365,7 +8125,7 @@
         </p:nvSpPr>
         <p:spPr>
           <a:xfrm>
-            <a:off x="2000434" y="4951088"/>
+            <a:off x="2000434" y="5438768"/>
             <a:ext cx="4520465" cy="190800"/>
           </a:xfrm>
           <a:prstGeom prst="rect">
@@ -8405,119 +8165,58 @@
           </a:p>
         </p:txBody>
       </p:sp>
-      <p:grpSp>
-        <p:nvGrpSpPr>
-          <p:cNvPr id="490" name="Group 489">
-            <a:extLst>
-              <a:ext uri="{FF2B5EF4-FFF2-40B4-BE49-F238E27FC236}">
-                <a16:creationId xmlns:a16="http://schemas.microsoft.com/office/drawing/2014/main" xmlns="" id="{B3F6117A-70E2-47B6-AC17-46244DDDD2E8}"/>
-              </a:ext>
-              <a:ext uri="{C183D7F6-B498-43B3-948B-1728B52AA6E4}">
-                <adec:decorative xmlns:adec="http://schemas.microsoft.com/office/drawing/2017/decorative" xmlns="" val="1"/>
-              </a:ext>
-            </a:extLst>
-          </p:cNvPr>
-          <p:cNvGrpSpPr/>
+      <p:cxnSp>
+        <p:nvCxnSpPr>
+          <p:cNvPr id="491" name="Straight Connector 490">
+            <a:extLst>
+              <a:ext uri="{FF2B5EF4-FFF2-40B4-BE49-F238E27FC236}">
+                <a16:creationId xmlns:a16="http://schemas.microsoft.com/office/drawing/2014/main" id="{C7A41420-A625-489C-8137-02028547EE1F}"/>
+              </a:ext>
+            </a:extLst>
+          </p:cNvPr>
+          <p:cNvCxnSpPr>
+            <a:cxnSpLocks/>
+          </p:cNvCxnSpPr>
           <p:nvPr/>
-        </p:nvGrpSpPr>
-        <p:grpSpPr>
+        </p:nvCxnSpPr>
+        <p:spPr>
           <a:xfrm>
-            <a:off x="4722817" y="3969942"/>
-            <a:ext cx="118800" cy="1012751"/>
-            <a:chOff x="4722817" y="3969942"/>
-            <a:chExt cx="118800" cy="1012751"/>
-          </a:xfrm>
-        </p:grpSpPr>
-        <p:cxnSp>
-          <p:nvCxnSpPr>
-            <p:cNvPr id="491" name="Straight Connector 490">
-              <a:extLst>
-                <a:ext uri="{FF2B5EF4-FFF2-40B4-BE49-F238E27FC236}">
-                  <a16:creationId xmlns:a16="http://schemas.microsoft.com/office/drawing/2014/main" xmlns="" id="{C7A41420-A625-489C-8137-02028547EE1F}"/>
-                </a:ext>
-              </a:extLst>
-            </p:cNvPr>
-            <p:cNvCxnSpPr/>
-            <p:nvPr/>
-          </p:nvCxnSpPr>
-          <p:spPr>
-            <a:xfrm>
-              <a:off x="4782217" y="4082693"/>
-              <a:ext cx="0" cy="900000"/>
-            </a:xfrm>
-            <a:prstGeom prst="line">
-              <a:avLst/>
-            </a:prstGeom>
-            <a:ln w="12700">
-              <a:solidFill>
-                <a:schemeClr val="bg2"/>
-              </a:solidFill>
-            </a:ln>
-          </p:spPr>
-          <p:style>
-            <a:lnRef idx="1">
-              <a:schemeClr val="accent1"/>
-            </a:lnRef>
-            <a:fillRef idx="0">
-              <a:schemeClr val="accent1"/>
-            </a:fillRef>
-            <a:effectRef idx="0">
-              <a:schemeClr val="accent1"/>
-            </a:effectRef>
-            <a:fontRef idx="minor">
-              <a:schemeClr val="tx1"/>
-            </a:fontRef>
-          </p:style>
-        </p:cxnSp>
-        <p:pic>
-          <p:nvPicPr>
-            <p:cNvPr id="492" name="Graphic 491">
-              <a:extLst>
-                <a:ext uri="{FF2B5EF4-FFF2-40B4-BE49-F238E27FC236}">
-                  <a16:creationId xmlns:a16="http://schemas.microsoft.com/office/drawing/2014/main" xmlns="" id="{85C2B050-C6EA-4357-9F63-18670C13B812}"/>
-                </a:ext>
-                <a:ext uri="{C183D7F6-B498-43B3-948B-1728B52AA6E4}">
-                  <adec:decorative xmlns:adec="http://schemas.microsoft.com/office/drawing/2017/decorative" xmlns="" val="1"/>
-                </a:ext>
-              </a:extLst>
-            </p:cNvPr>
-            <p:cNvPicPr>
-              <a:picLocks noChangeAspect="1"/>
-            </p:cNvPicPr>
-            <p:nvPr/>
-          </p:nvPicPr>
-          <p:blipFill>
-            <a:blip r:embed="rId10" cstate="print">
-              <a:extLst>
-                <a:ext uri="{96DAC541-7B7A-43D3-8B79-37D633B846F1}">
-                  <asvg:svgBlip xmlns:asvg="http://schemas.microsoft.com/office/drawing/2016/SVG/main" xmlns="" r:embed="rId11"/>
-                </a:ext>
-              </a:extLst>
-            </a:blip>
-            <a:stretch>
-              <a:fillRect/>
-            </a:stretch>
-          </p:blipFill>
-          <p:spPr>
-            <a:xfrm>
-              <a:off x="4722817" y="3969942"/>
-              <a:ext cx="118800" cy="118800"/>
-            </a:xfrm>
-            <a:prstGeom prst="rect">
-              <a:avLst/>
-            </a:prstGeom>
-          </p:spPr>
-        </p:pic>
-      </p:grpSp>
+            <a:off x="4708143" y="4836109"/>
+            <a:ext cx="0" cy="260347"/>
+          </a:xfrm>
+          <a:prstGeom prst="line">
+            <a:avLst/>
+          </a:prstGeom>
+          <a:ln w="12700">
+            <a:solidFill>
+              <a:schemeClr val="bg2"/>
+            </a:solidFill>
+          </a:ln>
+        </p:spPr>
+        <p:style>
+          <a:lnRef idx="1">
+            <a:schemeClr val="accent1"/>
+          </a:lnRef>
+          <a:fillRef idx="0">
+            <a:schemeClr val="accent1"/>
+          </a:fillRef>
+          <a:effectRef idx="0">
+            <a:schemeClr val="accent1"/>
+          </a:effectRef>
+          <a:fontRef idx="minor">
+            <a:schemeClr val="tx1"/>
+          </a:fontRef>
+        </p:style>
+      </p:cxnSp>
       <p:pic>
         <p:nvPicPr>
-          <p:cNvPr id="493" name="Graphic 492">
-            <a:extLst>
-              <a:ext uri="{FF2B5EF4-FFF2-40B4-BE49-F238E27FC236}">
-                <a16:creationId xmlns:a16="http://schemas.microsoft.com/office/drawing/2014/main" xmlns="" id="{698D096B-C698-4AF8-9D82-C23C71FC1890}"/>
+          <p:cNvPr id="492" name="Graphic 491">
+            <a:extLst>
+              <a:ext uri="{FF2B5EF4-FFF2-40B4-BE49-F238E27FC236}">
+                <a16:creationId xmlns:a16="http://schemas.microsoft.com/office/drawing/2014/main" id="{85C2B050-C6EA-4357-9F63-18670C13B812}"/>
               </a:ext>
               <a:ext uri="{C183D7F6-B498-43B3-948B-1728B52AA6E4}">
-                <adec:decorative xmlns:adec="http://schemas.microsoft.com/office/drawing/2017/decorative" xmlns="" val="1"/>
+                <adec:decorative xmlns:adec="http://schemas.microsoft.com/office/drawing/2017/decorative" val="1"/>
               </a:ext>
             </a:extLst>
           </p:cNvPr>
@@ -8527,10 +8226,10 @@
           <p:nvPr/>
         </p:nvPicPr>
         <p:blipFill>
-          <a:blip r:embed="rId10" cstate="print">
+          <a:blip r:embed="rId8" cstate="print">
             <a:extLst>
               <a:ext uri="{96DAC541-7B7A-43D3-8B79-37D633B846F1}">
-                <asvg:svgBlip xmlns:asvg="http://schemas.microsoft.com/office/drawing/2016/SVG/main" xmlns="" r:embed="rId11"/>
+                <asvg:svgBlip xmlns:asvg="http://schemas.microsoft.com/office/drawing/2016/SVG/main" r:embed="rId9"/>
               </a:ext>
             </a:extLst>
           </a:blip>
@@ -8540,46 +8239,7 @@
         </p:blipFill>
         <p:spPr>
           <a:xfrm>
-            <a:off x="2321473" y="5823690"/>
-            <a:ext cx="118800" cy="118800"/>
-          </a:xfrm>
-          <a:prstGeom prst="rect">
-            <a:avLst/>
-          </a:prstGeom>
-        </p:spPr>
-      </p:pic>
-      <p:pic>
-        <p:nvPicPr>
-          <p:cNvPr id="494" name="Graphic 493">
-            <a:extLst>
-              <a:ext uri="{FF2B5EF4-FFF2-40B4-BE49-F238E27FC236}">
-                <a16:creationId xmlns:a16="http://schemas.microsoft.com/office/drawing/2014/main" xmlns="" id="{1249BB72-5758-4788-867B-B106F9D00D17}"/>
-              </a:ext>
-              <a:ext uri="{C183D7F6-B498-43B3-948B-1728B52AA6E4}">
-                <adec:decorative xmlns:adec="http://schemas.microsoft.com/office/drawing/2017/decorative" xmlns="" val="1"/>
-              </a:ext>
-            </a:extLst>
-          </p:cNvPr>
-          <p:cNvPicPr>
-            <a:picLocks noChangeAspect="1"/>
-          </p:cNvPicPr>
-          <p:nvPr/>
-        </p:nvPicPr>
-        <p:blipFill>
-          <a:blip r:embed="rId10" cstate="print">
-            <a:extLst>
-              <a:ext uri="{96DAC541-7B7A-43D3-8B79-37D633B846F1}">
-                <asvg:svgBlip xmlns:asvg="http://schemas.microsoft.com/office/drawing/2016/SVG/main" xmlns="" r:embed="rId11"/>
-              </a:ext>
-            </a:extLst>
-          </a:blip>
-          <a:stretch>
-            <a:fillRect/>
-          </a:stretch>
-        </p:blipFill>
-        <p:spPr>
-          <a:xfrm>
-            <a:off x="5117400" y="5826448"/>
+            <a:off x="4650969" y="4723360"/>
             <a:ext cx="118800" cy="118800"/>
           </a:xfrm>
           <a:prstGeom prst="rect">
@@ -8592,10 +8252,10 @@
           <p:cNvPr id="495" name="Graphic 494">
             <a:extLst>
               <a:ext uri="{FF2B5EF4-FFF2-40B4-BE49-F238E27FC236}">
-                <a16:creationId xmlns:a16="http://schemas.microsoft.com/office/drawing/2014/main" xmlns="" id="{0172C8C3-E8EE-4230-BA68-88C5EE899508}"/>
+                <a16:creationId xmlns:a16="http://schemas.microsoft.com/office/drawing/2014/main" id="{0172C8C3-E8EE-4230-BA68-88C5EE899508}"/>
               </a:ext>
               <a:ext uri="{C183D7F6-B498-43B3-948B-1728B52AA6E4}">
-                <adec:decorative xmlns:adec="http://schemas.microsoft.com/office/drawing/2017/decorative" xmlns="" val="1"/>
+                <adec:decorative xmlns:adec="http://schemas.microsoft.com/office/drawing/2017/decorative" val="1"/>
               </a:ext>
             </a:extLst>
           </p:cNvPr>
@@ -8605,10 +8265,10 @@
           <p:nvPr/>
         </p:nvPicPr>
         <p:blipFill>
-          <a:blip r:embed="rId12" cstate="print">
+          <a:blip r:embed="rId10" cstate="print">
             <a:extLst>
               <a:ext uri="{96DAC541-7B7A-43D3-8B79-37D633B846F1}">
-                <asvg:svgBlip xmlns:asvg="http://schemas.microsoft.com/office/drawing/2016/SVG/main" xmlns="" r:embed="rId13"/>
+                <asvg:svgBlip xmlns:asvg="http://schemas.microsoft.com/office/drawing/2016/SVG/main" r:embed="rId11"/>
               </a:ext>
             </a:extLst>
           </a:blip>
@@ -8631,10 +8291,10 @@
           <p:cNvPr id="496" name="Graphic 495">
             <a:extLst>
               <a:ext uri="{FF2B5EF4-FFF2-40B4-BE49-F238E27FC236}">
-                <a16:creationId xmlns:a16="http://schemas.microsoft.com/office/drawing/2014/main" xmlns="" id="{5B2F5FF4-6617-4C2D-A69F-242D9BDCB4B5}"/>
+                <a16:creationId xmlns:a16="http://schemas.microsoft.com/office/drawing/2014/main" id="{5B2F5FF4-6617-4C2D-A69F-242D9BDCB4B5}"/>
               </a:ext>
               <a:ext uri="{C183D7F6-B498-43B3-948B-1728B52AA6E4}">
-                <adec:decorative xmlns:adec="http://schemas.microsoft.com/office/drawing/2017/decorative" xmlns="" val="1"/>
+                <adec:decorative xmlns:adec="http://schemas.microsoft.com/office/drawing/2017/decorative" val="1"/>
               </a:ext>
             </a:extLst>
           </p:cNvPr>
@@ -8644,10 +8304,10 @@
           <p:nvPr/>
         </p:nvPicPr>
         <p:blipFill>
-          <a:blip r:embed="rId14" cstate="print">
+          <a:blip r:embed="rId12" cstate="print">
             <a:extLst>
               <a:ext uri="{96DAC541-7B7A-43D3-8B79-37D633B846F1}">
-                <asvg:svgBlip xmlns:asvg="http://schemas.microsoft.com/office/drawing/2016/SVG/main" xmlns="" r:embed="rId15"/>
+                <asvg:svgBlip xmlns:asvg="http://schemas.microsoft.com/office/drawing/2016/SVG/main" r:embed="rId13"/>
               </a:ext>
             </a:extLst>
           </a:blip>
@@ -8670,10 +8330,10 @@
           <p:cNvPr id="497" name="Straight Connector 496">
             <a:extLst>
               <a:ext uri="{FF2B5EF4-FFF2-40B4-BE49-F238E27FC236}">
-                <a16:creationId xmlns:a16="http://schemas.microsoft.com/office/drawing/2014/main" xmlns="" id="{14948BB1-976F-433C-9FBF-F3D5C562266C}"/>
+                <a16:creationId xmlns:a16="http://schemas.microsoft.com/office/drawing/2014/main" id="{14948BB1-976F-433C-9FBF-F3D5C562266C}"/>
               </a:ext>
               <a:ext uri="{C183D7F6-B498-43B3-948B-1728B52AA6E4}">
-                <adec:decorative xmlns:adec="http://schemas.microsoft.com/office/drawing/2017/decorative" xmlns="" val="1"/>
+                <adec:decorative xmlns:adec="http://schemas.microsoft.com/office/drawing/2017/decorative" val="1"/>
               </a:ext>
             </a:extLst>
           </p:cNvPr>
@@ -8716,10 +8376,10 @@
           <p:cNvPr id="498" name="Straight Connector 497">
             <a:extLst>
               <a:ext uri="{FF2B5EF4-FFF2-40B4-BE49-F238E27FC236}">
-                <a16:creationId xmlns:a16="http://schemas.microsoft.com/office/drawing/2014/main" xmlns="" id="{CAF9EC41-FBF2-42D5-8225-3D49BDA377E4}"/>
+                <a16:creationId xmlns:a16="http://schemas.microsoft.com/office/drawing/2014/main" id="{CAF9EC41-FBF2-42D5-8225-3D49BDA377E4}"/>
               </a:ext>
               <a:ext uri="{C183D7F6-B498-43B3-948B-1728B52AA6E4}">
-                <adec:decorative xmlns:adec="http://schemas.microsoft.com/office/drawing/2017/decorative" xmlns="" val="1"/>
+                <adec:decorative xmlns:adec="http://schemas.microsoft.com/office/drawing/2017/decorative" val="1"/>
               </a:ext>
             </a:extLst>
           </p:cNvPr>
@@ -8762,10 +8422,10 @@
           <p:cNvPr id="499" name="Graphic 498">
             <a:extLst>
               <a:ext uri="{FF2B5EF4-FFF2-40B4-BE49-F238E27FC236}">
-                <a16:creationId xmlns:a16="http://schemas.microsoft.com/office/drawing/2014/main" xmlns="" id="{B7E2D5C0-0C8B-41C4-B389-9414784BB49E}"/>
+                <a16:creationId xmlns:a16="http://schemas.microsoft.com/office/drawing/2014/main" id="{B7E2D5C0-0C8B-41C4-B389-9414784BB49E}"/>
               </a:ext>
               <a:ext uri="{C183D7F6-B498-43B3-948B-1728B52AA6E4}">
-                <adec:decorative xmlns:adec="http://schemas.microsoft.com/office/drawing/2017/decorative" xmlns="" val="1"/>
+                <adec:decorative xmlns:adec="http://schemas.microsoft.com/office/drawing/2017/decorative" val="1"/>
               </a:ext>
             </a:extLst>
           </p:cNvPr>
@@ -8775,10 +8435,10 @@
           <p:nvPr/>
         </p:nvPicPr>
         <p:blipFill>
-          <a:blip r:embed="rId16" cstate="print">
+          <a:blip r:embed="rId14" cstate="print">
             <a:extLst>
               <a:ext uri="{96DAC541-7B7A-43D3-8B79-37D633B846F1}">
-                <asvg:svgBlip xmlns:asvg="http://schemas.microsoft.com/office/drawing/2016/SVG/main" xmlns="" r:embed="rId17"/>
+                <asvg:svgBlip xmlns:asvg="http://schemas.microsoft.com/office/drawing/2016/SVG/main" r:embed="rId15"/>
               </a:ext>
             </a:extLst>
           </a:blip>
@@ -8801,10 +8461,10 @@
           <p:cNvPr id="500" name="Straight Connector 499">
             <a:extLst>
               <a:ext uri="{FF2B5EF4-FFF2-40B4-BE49-F238E27FC236}">
-                <a16:creationId xmlns:a16="http://schemas.microsoft.com/office/drawing/2014/main" xmlns="" id="{55424469-87F5-4C78-B47E-3816112EFD3F}"/>
+                <a16:creationId xmlns:a16="http://schemas.microsoft.com/office/drawing/2014/main" id="{55424469-87F5-4C78-B47E-3816112EFD3F}"/>
               </a:ext>
               <a:ext uri="{C183D7F6-B498-43B3-948B-1728B52AA6E4}">
-                <adec:decorative xmlns:adec="http://schemas.microsoft.com/office/drawing/2017/decorative" xmlns="" val="1"/>
+                <adec:decorative xmlns:adec="http://schemas.microsoft.com/office/drawing/2017/decorative" val="1"/>
               </a:ext>
             </a:extLst>
           </p:cNvPr>
@@ -8847,10 +8507,10 @@
           <p:cNvPr id="501" name="Straight Connector 500">
             <a:extLst>
               <a:ext uri="{FF2B5EF4-FFF2-40B4-BE49-F238E27FC236}">
-                <a16:creationId xmlns:a16="http://schemas.microsoft.com/office/drawing/2014/main" xmlns="" id="{A65794A3-B6FB-4320-A420-9A277B953643}"/>
+                <a16:creationId xmlns:a16="http://schemas.microsoft.com/office/drawing/2014/main" id="{A65794A3-B6FB-4320-A420-9A277B953643}"/>
               </a:ext>
               <a:ext uri="{C183D7F6-B498-43B3-948B-1728B52AA6E4}">
-                <adec:decorative xmlns:adec="http://schemas.microsoft.com/office/drawing/2017/decorative" xmlns="" val="1"/>
+                <adec:decorative xmlns:adec="http://schemas.microsoft.com/office/drawing/2017/decorative" val="1"/>
               </a:ext>
             </a:extLst>
           </p:cNvPr>
@@ -8893,10 +8553,10 @@
           <p:cNvPr id="502" name="Straight Connector 501">
             <a:extLst>
               <a:ext uri="{FF2B5EF4-FFF2-40B4-BE49-F238E27FC236}">
-                <a16:creationId xmlns:a16="http://schemas.microsoft.com/office/drawing/2014/main" xmlns="" id="{BF9EA63C-9BBA-424D-A6D7-131B9DB441B1}"/>
+                <a16:creationId xmlns:a16="http://schemas.microsoft.com/office/drawing/2014/main" id="{BF9EA63C-9BBA-424D-A6D7-131B9DB441B1}"/>
               </a:ext>
               <a:ext uri="{C183D7F6-B498-43B3-948B-1728B52AA6E4}">
-                <adec:decorative xmlns:adec="http://schemas.microsoft.com/office/drawing/2017/decorative" xmlns="" val="1"/>
+                <adec:decorative xmlns:adec="http://schemas.microsoft.com/office/drawing/2017/decorative" val="1"/>
               </a:ext>
             </a:extLst>
           </p:cNvPr>
@@ -8939,10 +8599,10 @@
           <p:cNvPr id="503" name="Graphic 502">
             <a:extLst>
               <a:ext uri="{FF2B5EF4-FFF2-40B4-BE49-F238E27FC236}">
-                <a16:creationId xmlns:a16="http://schemas.microsoft.com/office/drawing/2014/main" xmlns="" id="{41733A58-B4C7-4934-824F-E67644B96CF7}"/>
+                <a16:creationId xmlns:a16="http://schemas.microsoft.com/office/drawing/2014/main" id="{41733A58-B4C7-4934-824F-E67644B96CF7}"/>
               </a:ext>
               <a:ext uri="{C183D7F6-B498-43B3-948B-1728B52AA6E4}">
-                <adec:decorative xmlns:adec="http://schemas.microsoft.com/office/drawing/2017/decorative" xmlns="" val="1"/>
+                <adec:decorative xmlns:adec="http://schemas.microsoft.com/office/drawing/2017/decorative" val="1"/>
               </a:ext>
             </a:extLst>
           </p:cNvPr>
@@ -8952,10 +8612,10 @@
           <p:nvPr/>
         </p:nvPicPr>
         <p:blipFill>
-          <a:blip r:embed="rId18" cstate="print">
+          <a:blip r:embed="rId16" cstate="print">
             <a:extLst>
               <a:ext uri="{96DAC541-7B7A-43D3-8B79-37D633B846F1}">
-                <asvg:svgBlip xmlns:asvg="http://schemas.microsoft.com/office/drawing/2016/SVG/main" xmlns="" r:embed="rId19"/>
+                <asvg:svgBlip xmlns:asvg="http://schemas.microsoft.com/office/drawing/2016/SVG/main" r:embed="rId17"/>
               </a:ext>
             </a:extLst>
           </a:blip>
@@ -8978,10 +8638,10 @@
           <p:cNvPr id="504" name="Graphic 503">
             <a:extLst>
               <a:ext uri="{FF2B5EF4-FFF2-40B4-BE49-F238E27FC236}">
-                <a16:creationId xmlns:a16="http://schemas.microsoft.com/office/drawing/2014/main" xmlns="" id="{FCADC58F-56D9-4595-BC75-A54B610D275F}"/>
+                <a16:creationId xmlns:a16="http://schemas.microsoft.com/office/drawing/2014/main" id="{FCADC58F-56D9-4595-BC75-A54B610D275F}"/>
               </a:ext>
               <a:ext uri="{C183D7F6-B498-43B3-948B-1728B52AA6E4}">
-                <adec:decorative xmlns:adec="http://schemas.microsoft.com/office/drawing/2017/decorative" xmlns="" val="1"/>
+                <adec:decorative xmlns:adec="http://schemas.microsoft.com/office/drawing/2017/decorative" val="1"/>
               </a:ext>
             </a:extLst>
           </p:cNvPr>
@@ -8991,10 +8651,10 @@
           <p:nvPr/>
         </p:nvPicPr>
         <p:blipFill>
-          <a:blip r:embed="rId20" cstate="print">
+          <a:blip r:embed="rId18" cstate="print">
             <a:extLst>
               <a:ext uri="{96DAC541-7B7A-43D3-8B79-37D633B846F1}">
-                <asvg:svgBlip xmlns:asvg="http://schemas.microsoft.com/office/drawing/2016/SVG/main" xmlns="" r:embed="rId21"/>
+                <asvg:svgBlip xmlns:asvg="http://schemas.microsoft.com/office/drawing/2016/SVG/main" r:embed="rId19"/>
               </a:ext>
             </a:extLst>
           </a:blip>
@@ -9017,10 +8677,10 @@
           <p:cNvPr id="505" name="Graphic 504">
             <a:extLst>
               <a:ext uri="{FF2B5EF4-FFF2-40B4-BE49-F238E27FC236}">
-                <a16:creationId xmlns:a16="http://schemas.microsoft.com/office/drawing/2014/main" xmlns="" id="{10339A51-8F29-4E8F-A5F0-952265CAFD14}"/>
+                <a16:creationId xmlns:a16="http://schemas.microsoft.com/office/drawing/2014/main" id="{10339A51-8F29-4E8F-A5F0-952265CAFD14}"/>
               </a:ext>
               <a:ext uri="{C183D7F6-B498-43B3-948B-1728B52AA6E4}">
-                <adec:decorative xmlns:adec="http://schemas.microsoft.com/office/drawing/2017/decorative" xmlns="" val="1"/>
+                <adec:decorative xmlns:adec="http://schemas.microsoft.com/office/drawing/2017/decorative" val="1"/>
               </a:ext>
             </a:extLst>
           </p:cNvPr>
@@ -9030,10 +8690,10 @@
           <p:nvPr/>
         </p:nvPicPr>
         <p:blipFill>
-          <a:blip r:embed="rId22" cstate="print">
+          <a:blip r:embed="rId20" cstate="print">
             <a:extLst>
               <a:ext uri="{96DAC541-7B7A-43D3-8B79-37D633B846F1}">
-                <asvg:svgBlip xmlns:asvg="http://schemas.microsoft.com/office/drawing/2016/SVG/main" xmlns="" r:embed="rId23"/>
+                <asvg:svgBlip xmlns:asvg="http://schemas.microsoft.com/office/drawing/2016/SVG/main" r:embed="rId21"/>
               </a:ext>
             </a:extLst>
           </a:blip>
@@ -9056,10 +8716,10 @@
           <p:cNvPr id="508" name="Graphic 507">
             <a:extLst>
               <a:ext uri="{FF2B5EF4-FFF2-40B4-BE49-F238E27FC236}">
-                <a16:creationId xmlns:a16="http://schemas.microsoft.com/office/drawing/2014/main" xmlns="" id="{193868A7-9951-4158-97BC-1D6C236865B4}"/>
+                <a16:creationId xmlns:a16="http://schemas.microsoft.com/office/drawing/2014/main" id="{193868A7-9951-4158-97BC-1D6C236865B4}"/>
               </a:ext>
               <a:ext uri="{C183D7F6-B498-43B3-948B-1728B52AA6E4}">
-                <adec:decorative xmlns:adec="http://schemas.microsoft.com/office/drawing/2017/decorative" xmlns="" val="1"/>
+                <adec:decorative xmlns:adec="http://schemas.microsoft.com/office/drawing/2017/decorative" val="1"/>
               </a:ext>
             </a:extLst>
           </p:cNvPr>
@@ -9069,10 +8729,10 @@
           <p:nvPr/>
         </p:nvPicPr>
         <p:blipFill>
-          <a:blip r:embed="rId24" cstate="print">
+          <a:blip r:embed="rId22" cstate="print">
             <a:extLst>
               <a:ext uri="{96DAC541-7B7A-43D3-8B79-37D633B846F1}">
-                <asvg:svgBlip xmlns:asvg="http://schemas.microsoft.com/office/drawing/2016/SVG/main" xmlns="" r:embed="rId25"/>
+                <asvg:svgBlip xmlns:asvg="http://schemas.microsoft.com/office/drawing/2016/SVG/main" r:embed="rId23"/>
               </a:ext>
             </a:extLst>
           </a:blip>
@@ -9095,7 +8755,7 @@
           <p:cNvPr id="16" name="Title 15">
             <a:extLst>
               <a:ext uri="{FF2B5EF4-FFF2-40B4-BE49-F238E27FC236}">
-                <a16:creationId xmlns:a16="http://schemas.microsoft.com/office/drawing/2014/main" xmlns="" id="{E85EAC9E-0E16-4106-862E-FE9518DD9E7F}"/>
+                <a16:creationId xmlns:a16="http://schemas.microsoft.com/office/drawing/2014/main" id="{E85EAC9E-0E16-4106-862E-FE9518DD9E7F}"/>
               </a:ext>
             </a:extLst>
           </p:cNvPr>
@@ -9128,7 +8788,7 @@
           <p:cNvPr id="17" name="Subtitle 16">
             <a:extLst>
               <a:ext uri="{FF2B5EF4-FFF2-40B4-BE49-F238E27FC236}">
-                <a16:creationId xmlns:a16="http://schemas.microsoft.com/office/drawing/2014/main" xmlns="" id="{695D43AE-397D-498B-A716-7FE464691761}"/>
+                <a16:creationId xmlns:a16="http://schemas.microsoft.com/office/drawing/2014/main" id="{695D43AE-397D-498B-A716-7FE464691761}"/>
               </a:ext>
             </a:extLst>
           </p:cNvPr>
@@ -9158,7 +8818,7 @@
           <p:cNvPr id="19" name="Text Placeholder 18">
             <a:extLst>
               <a:ext uri="{FF2B5EF4-FFF2-40B4-BE49-F238E27FC236}">
-                <a16:creationId xmlns:a16="http://schemas.microsoft.com/office/drawing/2014/main" xmlns="" id="{B9FB6D96-BA4D-44F0-80D7-D4BDEF88ED18}"/>
+                <a16:creationId xmlns:a16="http://schemas.microsoft.com/office/drawing/2014/main" id="{B9FB6D96-BA4D-44F0-80D7-D4BDEF88ED18}"/>
               </a:ext>
             </a:extLst>
           </p:cNvPr>
@@ -9187,7 +8847,7 @@
           <p:cNvPr id="272" name="Text Placeholder 271">
             <a:extLst>
               <a:ext uri="{FF2B5EF4-FFF2-40B4-BE49-F238E27FC236}">
-                <a16:creationId xmlns:a16="http://schemas.microsoft.com/office/drawing/2014/main" xmlns="" id="{A2E7424A-BABA-4D4C-BE59-3CA86A1590EF}"/>
+                <a16:creationId xmlns:a16="http://schemas.microsoft.com/office/drawing/2014/main" id="{A2E7424A-BABA-4D4C-BE59-3CA86A1590EF}"/>
               </a:ext>
             </a:extLst>
           </p:cNvPr>
@@ -9198,7 +8858,12 @@
             <p:ph type="body" sz="quarter" idx="15"/>
           </p:nvPr>
         </p:nvSpPr>
-        <p:spPr/>
+        <p:spPr>
+          <a:xfrm>
+            <a:off x="2084235" y="1632298"/>
+            <a:ext cx="1337835" cy="242888"/>
+          </a:xfrm>
+        </p:spPr>
         <p:txBody>
           <a:bodyPr/>
           <a:lstStyle/>
@@ -9215,7 +8880,7 @@
           <p:cNvPr id="273" name="Text Placeholder 272">
             <a:extLst>
               <a:ext uri="{FF2B5EF4-FFF2-40B4-BE49-F238E27FC236}">
-                <a16:creationId xmlns:a16="http://schemas.microsoft.com/office/drawing/2014/main" xmlns="" id="{30C96108-6683-4BD1-B2C5-0B8106471917}"/>
+                <a16:creationId xmlns:a16="http://schemas.microsoft.com/office/drawing/2014/main" id="{30C96108-6683-4BD1-B2C5-0B8106471917}"/>
               </a:ext>
             </a:extLst>
           </p:cNvPr>
@@ -9226,20 +8891,19 @@
             <p:ph type="body" sz="quarter" idx="16"/>
           </p:nvPr>
         </p:nvSpPr>
-        <p:spPr/>
+        <p:spPr>
+          <a:xfrm>
+            <a:off x="1870475" y="1880505"/>
+            <a:ext cx="2829334" cy="1138091"/>
+          </a:xfrm>
+        </p:spPr>
         <p:txBody>
-          <a:bodyPr/>
+          <a:bodyPr numCol="1"/>
           <a:lstStyle/>
           <a:p>
             <a:r>
               <a:rPr lang="en-US" dirty="0"/>
-              <a:t>Lorem ipsum dolor sit amet, </a:t>
-            </a:r>
-          </a:p>
-          <a:p>
-            <a:r>
-              <a:rPr lang="en-US" dirty="0"/>
-              <a:t>adipiscing elit, sed do eiusmod tempor incididunt ut labore et dolore magna aliqua. Ut enim ad minim veniam, quis nostrud exercitation.</a:t>
+              <a:t>I am a talented, ambitious and hardworking individual. I am a tech entrepreneur who always thinks how to solve real life problems using high-end technology. I am committed to make the society free from problems by making every possible business with inherent features – Transparency, Incentivization &amp; Decision-making rights.</a:t>
             </a:r>
           </a:p>
         </p:txBody>
@@ -9249,7 +8913,7 @@
           <p:cNvPr id="278" name="Text Placeholder 277">
             <a:extLst>
               <a:ext uri="{FF2B5EF4-FFF2-40B4-BE49-F238E27FC236}">
-                <a16:creationId xmlns:a16="http://schemas.microsoft.com/office/drawing/2014/main" xmlns="" id="{E28A17DD-C444-4A1C-8C62-D2A095027770}"/>
+                <a16:creationId xmlns:a16="http://schemas.microsoft.com/office/drawing/2014/main" id="{E28A17DD-C444-4A1C-8C62-D2A095027770}"/>
               </a:ext>
             </a:extLst>
           </p:cNvPr>
@@ -9260,7 +8924,12 @@
             <p:ph type="body" sz="quarter" idx="21"/>
           </p:nvPr>
         </p:nvSpPr>
-        <p:spPr/>
+        <p:spPr>
+          <a:xfrm>
+            <a:off x="5041185" y="1632298"/>
+            <a:ext cx="1472155" cy="242888"/>
+          </a:xfrm>
+        </p:spPr>
         <p:txBody>
           <a:bodyPr/>
           <a:lstStyle/>
@@ -9277,7 +8946,7 @@
           <p:cNvPr id="282" name="Text Placeholder 281">
             <a:extLst>
               <a:ext uri="{FF2B5EF4-FFF2-40B4-BE49-F238E27FC236}">
-                <a16:creationId xmlns:a16="http://schemas.microsoft.com/office/drawing/2014/main" xmlns="" id="{00D20412-CDE5-4137-96E2-4D9452F43AC1}"/>
+                <a16:creationId xmlns:a16="http://schemas.microsoft.com/office/drawing/2014/main" id="{00D20412-CDE5-4137-96E2-4D9452F43AC1}"/>
               </a:ext>
             </a:extLst>
           </p:cNvPr>
@@ -9288,7 +8957,12 @@
             <p:ph type="body" sz="quarter" idx="25"/>
           </p:nvPr>
         </p:nvSpPr>
-        <p:spPr/>
+        <p:spPr>
+          <a:xfrm>
+            <a:off x="4740306" y="1954645"/>
+            <a:ext cx="405825" cy="187200"/>
+          </a:xfrm>
+        </p:spPr>
         <p:txBody>
           <a:bodyPr/>
           <a:lstStyle/>
@@ -9305,7 +8979,7 @@
           <p:cNvPr id="286" name="Text Placeholder 285">
             <a:extLst>
               <a:ext uri="{FF2B5EF4-FFF2-40B4-BE49-F238E27FC236}">
-                <a16:creationId xmlns:a16="http://schemas.microsoft.com/office/drawing/2014/main" xmlns="" id="{46ED484E-6A87-4BBC-ADF9-2162878D6E14}"/>
+                <a16:creationId xmlns:a16="http://schemas.microsoft.com/office/drawing/2014/main" id="{46ED484E-6A87-4BBC-ADF9-2162878D6E14}"/>
               </a:ext>
             </a:extLst>
           </p:cNvPr>
@@ -9316,7 +8990,12 @@
             <p:ph type="body" sz="quarter" idx="29"/>
           </p:nvPr>
         </p:nvSpPr>
-        <p:spPr/>
+        <p:spPr>
+          <a:xfrm>
+            <a:off x="5175650" y="1942941"/>
+            <a:ext cx="1574409" cy="186026"/>
+          </a:xfrm>
+        </p:spPr>
         <p:txBody>
           <a:bodyPr/>
           <a:lstStyle/>
@@ -9333,7 +9012,7 @@
           <p:cNvPr id="290" name="Text Placeholder 289">
             <a:extLst>
               <a:ext uri="{FF2B5EF4-FFF2-40B4-BE49-F238E27FC236}">
-                <a16:creationId xmlns:a16="http://schemas.microsoft.com/office/drawing/2014/main" xmlns="" id="{419E7084-A01A-45C7-9D44-B2D381918002}"/>
+                <a16:creationId xmlns:a16="http://schemas.microsoft.com/office/drawing/2014/main" id="{419E7084-A01A-45C7-9D44-B2D381918002}"/>
               </a:ext>
             </a:extLst>
           </p:cNvPr>
@@ -9344,7 +9023,12 @@
             <p:ph type="body" sz="quarter" idx="33"/>
           </p:nvPr>
         </p:nvSpPr>
-        <p:spPr/>
+        <p:spPr>
+          <a:xfrm>
+            <a:off x="5175650" y="2138771"/>
+            <a:ext cx="1574409" cy="132440"/>
+          </a:xfrm>
+        </p:spPr>
         <p:txBody>
           <a:bodyPr/>
           <a:lstStyle/>
@@ -9361,7 +9045,7 @@
           <p:cNvPr id="294" name="Text Placeholder 293">
             <a:extLst>
               <a:ext uri="{FF2B5EF4-FFF2-40B4-BE49-F238E27FC236}">
-                <a16:creationId xmlns:a16="http://schemas.microsoft.com/office/drawing/2014/main" xmlns="" id="{5EFE88A3-A2A5-4E07-B36C-2C20CD679075}"/>
+                <a16:creationId xmlns:a16="http://schemas.microsoft.com/office/drawing/2014/main" id="{5EFE88A3-A2A5-4E07-B36C-2C20CD679075}"/>
               </a:ext>
             </a:extLst>
           </p:cNvPr>
@@ -9372,7 +9056,12 @@
             <p:ph type="body" sz="quarter" idx="37"/>
           </p:nvPr>
         </p:nvSpPr>
-        <p:spPr/>
+        <p:spPr>
+          <a:xfrm>
+            <a:off x="1962187" y="5438767"/>
+            <a:ext cx="402035" cy="209381"/>
+          </a:xfrm>
+        </p:spPr>
         <p:txBody>
           <a:bodyPr/>
           <a:lstStyle/>
@@ -9389,7 +9078,7 @@
           <p:cNvPr id="296" name="Text Placeholder 295">
             <a:extLst>
               <a:ext uri="{FF2B5EF4-FFF2-40B4-BE49-F238E27FC236}">
-                <a16:creationId xmlns:a16="http://schemas.microsoft.com/office/drawing/2014/main" xmlns="" id="{F664C713-F589-4B7A-AC1A-6D597E44B701}"/>
+                <a16:creationId xmlns:a16="http://schemas.microsoft.com/office/drawing/2014/main" id="{F664C713-F589-4B7A-AC1A-6D597E44B701}"/>
               </a:ext>
             </a:extLst>
           </p:cNvPr>
@@ -9402,7 +9091,7 @@
         </p:nvSpPr>
         <p:spPr>
           <a:xfrm>
-            <a:off x="2508138" y="4951087"/>
+            <a:off x="2508138" y="5438767"/>
             <a:ext cx="402035" cy="209381"/>
           </a:xfrm>
         </p:spPr>
@@ -9422,7 +9111,7 @@
           <p:cNvPr id="297" name="Text Placeholder 296">
             <a:extLst>
               <a:ext uri="{FF2B5EF4-FFF2-40B4-BE49-F238E27FC236}">
-                <a16:creationId xmlns:a16="http://schemas.microsoft.com/office/drawing/2014/main" xmlns="" id="{14BCC41B-70D1-4570-96BA-754EA7EB2C4A}"/>
+                <a16:creationId xmlns:a16="http://schemas.microsoft.com/office/drawing/2014/main" id="{14BCC41B-70D1-4570-96BA-754EA7EB2C4A}"/>
               </a:ext>
             </a:extLst>
           </p:cNvPr>
@@ -9435,7 +9124,7 @@
         </p:nvSpPr>
         <p:spPr>
           <a:xfrm>
-            <a:off x="3116778" y="4951087"/>
+            <a:off x="3116778" y="5438767"/>
             <a:ext cx="402035" cy="209381"/>
           </a:xfrm>
         </p:spPr>
@@ -9455,7 +9144,7 @@
           <p:cNvPr id="298" name="Text Placeholder 297">
             <a:extLst>
               <a:ext uri="{FF2B5EF4-FFF2-40B4-BE49-F238E27FC236}">
-                <a16:creationId xmlns:a16="http://schemas.microsoft.com/office/drawing/2014/main" xmlns="" id="{F18C77C8-D80E-4C4D-9C8A-AC1CE40AF61A}"/>
+                <a16:creationId xmlns:a16="http://schemas.microsoft.com/office/drawing/2014/main" id="{F18C77C8-D80E-4C4D-9C8A-AC1CE40AF61A}"/>
               </a:ext>
             </a:extLst>
           </p:cNvPr>
@@ -9468,7 +9157,7 @@
         </p:nvSpPr>
         <p:spPr>
           <a:xfrm>
-            <a:off x="3679121" y="4951087"/>
+            <a:off x="3679121" y="5438767"/>
             <a:ext cx="402035" cy="209381"/>
           </a:xfrm>
         </p:spPr>
@@ -9488,7 +9177,7 @@
           <p:cNvPr id="299" name="Text Placeholder 298">
             <a:extLst>
               <a:ext uri="{FF2B5EF4-FFF2-40B4-BE49-F238E27FC236}">
-                <a16:creationId xmlns:a16="http://schemas.microsoft.com/office/drawing/2014/main" xmlns="" id="{FCC16DE4-084C-42CC-AABB-36D2DDF39269}"/>
+                <a16:creationId xmlns:a16="http://schemas.microsoft.com/office/drawing/2014/main" id="{FCC16DE4-084C-42CC-AABB-36D2DDF39269}"/>
               </a:ext>
             </a:extLst>
           </p:cNvPr>
@@ -9501,7 +9190,7 @@
         </p:nvSpPr>
         <p:spPr>
           <a:xfrm>
-            <a:off x="4218313" y="4951087"/>
+            <a:off x="4218313" y="5438767"/>
             <a:ext cx="402035" cy="209381"/>
           </a:xfrm>
         </p:spPr>
@@ -9521,7 +9210,7 @@
           <p:cNvPr id="300" name="Text Placeholder 299">
             <a:extLst>
               <a:ext uri="{FF2B5EF4-FFF2-40B4-BE49-F238E27FC236}">
-                <a16:creationId xmlns:a16="http://schemas.microsoft.com/office/drawing/2014/main" xmlns="" id="{7113EE21-E62E-4A37-BF8D-89DB2ADF25E9}"/>
+                <a16:creationId xmlns:a16="http://schemas.microsoft.com/office/drawing/2014/main" id="{7113EE21-E62E-4A37-BF8D-89DB2ADF25E9}"/>
               </a:ext>
             </a:extLst>
           </p:cNvPr>
@@ -9534,7 +9223,7 @@
         </p:nvSpPr>
         <p:spPr>
           <a:xfrm>
-            <a:off x="4815382" y="4951087"/>
+            <a:off x="4815382" y="5438767"/>
             <a:ext cx="402035" cy="209381"/>
           </a:xfrm>
         </p:spPr>
@@ -9554,7 +9243,7 @@
           <p:cNvPr id="301" name="Text Placeholder 300">
             <a:extLst>
               <a:ext uri="{FF2B5EF4-FFF2-40B4-BE49-F238E27FC236}">
-                <a16:creationId xmlns:a16="http://schemas.microsoft.com/office/drawing/2014/main" xmlns="" id="{0BADFAA7-1DF4-4C05-B287-481C739E56B0}"/>
+                <a16:creationId xmlns:a16="http://schemas.microsoft.com/office/drawing/2014/main" id="{0BADFAA7-1DF4-4C05-B287-481C739E56B0}"/>
               </a:ext>
             </a:extLst>
           </p:cNvPr>
@@ -9567,7 +9256,7 @@
         </p:nvSpPr>
         <p:spPr>
           <a:xfrm>
-            <a:off x="5331426" y="4951087"/>
+            <a:off x="5331426" y="5438767"/>
             <a:ext cx="402035" cy="209381"/>
           </a:xfrm>
         </p:spPr>
@@ -9587,7 +9276,7 @@
           <p:cNvPr id="302" name="Text Placeholder 301">
             <a:extLst>
               <a:ext uri="{FF2B5EF4-FFF2-40B4-BE49-F238E27FC236}">
-                <a16:creationId xmlns:a16="http://schemas.microsoft.com/office/drawing/2014/main" xmlns="" id="{2F047CDD-1EFE-44AD-AA28-CBFAA8C18A50}"/>
+                <a16:creationId xmlns:a16="http://schemas.microsoft.com/office/drawing/2014/main" id="{2F047CDD-1EFE-44AD-AA28-CBFAA8C18A50}"/>
               </a:ext>
             </a:extLst>
           </p:cNvPr>
@@ -9600,7 +9289,7 @@
         </p:nvSpPr>
         <p:spPr>
           <a:xfrm>
-            <a:off x="5928493" y="4951087"/>
+            <a:off x="5928493" y="5438767"/>
             <a:ext cx="402035" cy="209381"/>
           </a:xfrm>
         </p:spPr>
@@ -9620,7 +9309,7 @@
           <p:cNvPr id="304" name="Text Placeholder 303">
             <a:extLst>
               <a:ext uri="{FF2B5EF4-FFF2-40B4-BE49-F238E27FC236}">
-                <a16:creationId xmlns:a16="http://schemas.microsoft.com/office/drawing/2014/main" xmlns="" id="{5D0E4F81-2C6D-40AF-8794-E6B46A64E74C}"/>
+                <a16:creationId xmlns:a16="http://schemas.microsoft.com/office/drawing/2014/main" id="{5D0E4F81-2C6D-40AF-8794-E6B46A64E74C}"/>
               </a:ext>
             </a:extLst>
           </p:cNvPr>
@@ -9631,154 +9320,19 @@
             <p:ph type="body" sz="quarter" idx="47"/>
           </p:nvPr>
         </p:nvSpPr>
-        <p:spPr/>
+        <p:spPr>
+          <a:xfrm>
+            <a:off x="3285744" y="5202755"/>
+            <a:ext cx="3210980" cy="213403"/>
+          </a:xfrm>
+        </p:spPr>
         <p:txBody>
           <a:bodyPr/>
           <a:lstStyle/>
           <a:p>
             <a:r>
               <a:rPr lang="en-US" dirty="0"/>
-              <a:t>Senior Developer</a:t>
-            </a:r>
-          </a:p>
-        </p:txBody>
-      </p:sp>
-      <p:sp>
-        <p:nvSpPr>
-          <p:cNvPr id="305" name="Text Placeholder 304">
-            <a:extLst>
-              <a:ext uri="{FF2B5EF4-FFF2-40B4-BE49-F238E27FC236}">
-                <a16:creationId xmlns:a16="http://schemas.microsoft.com/office/drawing/2014/main" xmlns="" id="{0F8463E8-08B1-4462-AB1D-F5C5A4FBD359}"/>
-              </a:ext>
-            </a:extLst>
-          </p:cNvPr>
-          <p:cNvSpPr>
-            <a:spLocks noGrp="1"/>
-          </p:cNvSpPr>
-          <p:nvPr>
-            <p:ph type="body" sz="quarter" idx="48"/>
-          </p:nvPr>
-        </p:nvSpPr>
-        <p:spPr/>
-        <p:txBody>
-          <a:bodyPr/>
-          <a:lstStyle/>
-          <a:p>
-            <a:r>
-              <a:rPr lang="en-US" dirty="0"/>
-              <a:t>VANARSDEL, LTD.</a:t>
-            </a:r>
-          </a:p>
-        </p:txBody>
-      </p:sp>
-      <p:sp>
-        <p:nvSpPr>
-          <p:cNvPr id="306" name="Text Placeholder 305">
-            <a:extLst>
-              <a:ext uri="{FF2B5EF4-FFF2-40B4-BE49-F238E27FC236}">
-                <a16:creationId xmlns:a16="http://schemas.microsoft.com/office/drawing/2014/main" xmlns="" id="{551B4C0E-1E6F-4829-9E9F-60D2E7507372}"/>
-              </a:ext>
-            </a:extLst>
-          </p:cNvPr>
-          <p:cNvSpPr>
-            <a:spLocks noGrp="1"/>
-          </p:cNvSpPr>
-          <p:nvPr>
-            <p:ph type="body" sz="quarter" idx="49"/>
-          </p:nvPr>
-        </p:nvSpPr>
-        <p:spPr/>
-        <p:txBody>
-          <a:bodyPr/>
-          <a:lstStyle/>
-          <a:p>
-            <a:r>
-              <a:rPr lang="en-US" dirty="0"/>
-              <a:t>Senior Designer</a:t>
-            </a:r>
-          </a:p>
-        </p:txBody>
-      </p:sp>
-      <p:sp>
-        <p:nvSpPr>
-          <p:cNvPr id="307" name="Text Placeholder 306">
-            <a:extLst>
-              <a:ext uri="{FF2B5EF4-FFF2-40B4-BE49-F238E27FC236}">
-                <a16:creationId xmlns:a16="http://schemas.microsoft.com/office/drawing/2014/main" xmlns="" id="{9C642240-1532-4461-A39A-DF0005894219}"/>
-              </a:ext>
-            </a:extLst>
-          </p:cNvPr>
-          <p:cNvSpPr>
-            <a:spLocks noGrp="1"/>
-          </p:cNvSpPr>
-          <p:nvPr>
-            <p:ph type="body" sz="quarter" idx="50"/>
-          </p:nvPr>
-        </p:nvSpPr>
-        <p:spPr/>
-        <p:txBody>
-          <a:bodyPr/>
-          <a:lstStyle/>
-          <a:p>
-            <a:r>
-              <a:rPr lang="en-US" dirty="0"/>
-              <a:t>RELECLOUD</a:t>
-            </a:r>
-          </a:p>
-        </p:txBody>
-      </p:sp>
-      <p:sp>
-        <p:nvSpPr>
-          <p:cNvPr id="308" name="Text Placeholder 307">
-            <a:extLst>
-              <a:ext uri="{FF2B5EF4-FFF2-40B4-BE49-F238E27FC236}">
-                <a16:creationId xmlns:a16="http://schemas.microsoft.com/office/drawing/2014/main" xmlns="" id="{E57CC176-D426-4F0D-90F7-1F613E2FEC71}"/>
-              </a:ext>
-            </a:extLst>
-          </p:cNvPr>
-          <p:cNvSpPr>
-            <a:spLocks noGrp="1"/>
-          </p:cNvSpPr>
-          <p:nvPr>
-            <p:ph type="body" sz="quarter" idx="51"/>
-          </p:nvPr>
-        </p:nvSpPr>
-        <p:spPr/>
-        <p:txBody>
-          <a:bodyPr/>
-          <a:lstStyle/>
-          <a:p>
-            <a:r>
-              <a:rPr lang="en-US" dirty="0"/>
-              <a:t>Art Director</a:t>
-            </a:r>
-          </a:p>
-        </p:txBody>
-      </p:sp>
-      <p:sp>
-        <p:nvSpPr>
-          <p:cNvPr id="309" name="Text Placeholder 308">
-            <a:extLst>
-              <a:ext uri="{FF2B5EF4-FFF2-40B4-BE49-F238E27FC236}">
-                <a16:creationId xmlns:a16="http://schemas.microsoft.com/office/drawing/2014/main" xmlns="" id="{2C7331EF-FCB0-407D-9AED-E363250AB17E}"/>
-              </a:ext>
-            </a:extLst>
-          </p:cNvPr>
-          <p:cNvSpPr>
-            <a:spLocks noGrp="1"/>
-          </p:cNvSpPr>
-          <p:nvPr>
-            <p:ph type="body" sz="quarter" idx="52"/>
-          </p:nvPr>
-        </p:nvSpPr>
-        <p:spPr/>
-        <p:txBody>
-          <a:bodyPr/>
-          <a:lstStyle/>
-          <a:p>
-            <a:r>
-              <a:rPr lang="en-US" dirty="0"/>
-              <a:t>WOODGROVE BANK</a:t>
+              <a:t>Blockchain Developer</a:t>
             </a:r>
           </a:p>
         </p:txBody>
@@ -9788,7 +9342,7 @@
           <p:cNvPr id="310" name="Text Placeholder 309">
             <a:extLst>
               <a:ext uri="{FF2B5EF4-FFF2-40B4-BE49-F238E27FC236}">
-                <a16:creationId xmlns:a16="http://schemas.microsoft.com/office/drawing/2014/main" xmlns="" id="{16FC99BB-7F63-43D0-B247-628D41F5C0BF}"/>
+                <a16:creationId xmlns:a16="http://schemas.microsoft.com/office/drawing/2014/main" id="{16FC99BB-7F63-43D0-B247-628D41F5C0BF}"/>
               </a:ext>
             </a:extLst>
           </p:cNvPr>
@@ -9799,14 +9353,19 @@
             <p:ph type="body" sz="quarter" idx="53"/>
           </p:nvPr>
         </p:nvSpPr>
-        <p:spPr/>
+        <p:spPr>
+          <a:xfrm>
+            <a:off x="3105043" y="5901930"/>
+            <a:ext cx="2411738" cy="132055"/>
+          </a:xfrm>
+        </p:spPr>
         <p:txBody>
           <a:bodyPr/>
           <a:lstStyle/>
           <a:p>
             <a:r>
               <a:rPr lang="en-US" dirty="0"/>
-              <a:t>Junior Designer</a:t>
+              <a:t>Scientist/Engineer ‘SD’, Data Scientist</a:t>
             </a:r>
           </a:p>
         </p:txBody>
@@ -9816,7 +9375,7 @@
           <p:cNvPr id="311" name="Text Placeholder 310">
             <a:extLst>
               <a:ext uri="{FF2B5EF4-FFF2-40B4-BE49-F238E27FC236}">
-                <a16:creationId xmlns:a16="http://schemas.microsoft.com/office/drawing/2014/main" xmlns="" id="{1F593137-3E09-42CE-89A2-DA077A30DF26}"/>
+                <a16:creationId xmlns:a16="http://schemas.microsoft.com/office/drawing/2014/main" id="{1F593137-3E09-42CE-89A2-DA077A30DF26}"/>
               </a:ext>
             </a:extLst>
           </p:cNvPr>
@@ -9827,131 +9386,19 @@
             <p:ph type="body" sz="quarter" idx="54"/>
           </p:nvPr>
         </p:nvSpPr>
-        <p:spPr/>
+        <p:spPr>
+          <a:xfrm>
+            <a:off x="3192542" y="5709641"/>
+            <a:ext cx="2219364" cy="190800"/>
+          </a:xfrm>
+        </p:spPr>
         <p:txBody>
           <a:bodyPr/>
           <a:lstStyle/>
           <a:p>
             <a:r>
               <a:rPr lang="en-US" dirty="0"/>
-              <a:t>CONTOSO, LTD.</a:t>
-            </a:r>
-          </a:p>
-        </p:txBody>
-      </p:sp>
-      <p:sp>
-        <p:nvSpPr>
-          <p:cNvPr id="312" name="Text Placeholder 311">
-            <a:extLst>
-              <a:ext uri="{FF2B5EF4-FFF2-40B4-BE49-F238E27FC236}">
-                <a16:creationId xmlns:a16="http://schemas.microsoft.com/office/drawing/2014/main" xmlns="" id="{B590CD2B-D839-4B63-8BC8-7269FF9B2D09}"/>
-              </a:ext>
-            </a:extLst>
-          </p:cNvPr>
-          <p:cNvSpPr>
-            <a:spLocks noGrp="1"/>
-          </p:cNvSpPr>
-          <p:nvPr>
-            <p:ph type="body" sz="quarter" idx="55"/>
-          </p:nvPr>
-        </p:nvSpPr>
-        <p:spPr/>
-        <p:txBody>
-          <a:bodyPr/>
-          <a:lstStyle/>
-          <a:p>
-            <a:r>
-              <a:rPr lang="en-US" dirty="0"/>
-              <a:t>L</a:t>
-            </a:r>
-            <a:r>
-              <a:rPr lang="fr-FR" dirty="0"/>
-              <a:t>abore et dolore magna aliqua</a:t>
-            </a:r>
-            <a:endParaRPr lang="en-US" dirty="0"/>
-          </a:p>
-        </p:txBody>
-      </p:sp>
-      <p:sp>
-        <p:nvSpPr>
-          <p:cNvPr id="313" name="Text Placeholder 312">
-            <a:extLst>
-              <a:ext uri="{FF2B5EF4-FFF2-40B4-BE49-F238E27FC236}">
-                <a16:creationId xmlns:a16="http://schemas.microsoft.com/office/drawing/2014/main" xmlns="" id="{E0890AD0-96E2-48B9-BCAF-31C7ECE194BF}"/>
-              </a:ext>
-            </a:extLst>
-          </p:cNvPr>
-          <p:cNvSpPr>
-            <a:spLocks noGrp="1"/>
-          </p:cNvSpPr>
-          <p:nvPr>
-            <p:ph type="body" sz="quarter" idx="56"/>
-          </p:nvPr>
-        </p:nvSpPr>
-        <p:spPr/>
-        <p:txBody>
-          <a:bodyPr/>
-          <a:lstStyle/>
-          <a:p>
-            <a:r>
-              <a:rPr lang="en-US" dirty="0"/>
-              <a:t>WEBSITE OF THE YEAR AWARD</a:t>
-            </a:r>
-          </a:p>
-        </p:txBody>
-      </p:sp>
-      <p:sp>
-        <p:nvSpPr>
-          <p:cNvPr id="314" name="Text Placeholder 313">
-            <a:extLst>
-              <a:ext uri="{FF2B5EF4-FFF2-40B4-BE49-F238E27FC236}">
-                <a16:creationId xmlns:a16="http://schemas.microsoft.com/office/drawing/2014/main" xmlns="" id="{2DE4404D-749B-49DD-BBC4-36FDC2958CD5}"/>
-              </a:ext>
-            </a:extLst>
-          </p:cNvPr>
-          <p:cNvSpPr>
-            <a:spLocks noGrp="1"/>
-          </p:cNvSpPr>
-          <p:nvPr>
-            <p:ph type="body" sz="quarter" idx="57"/>
-          </p:nvPr>
-        </p:nvSpPr>
-        <p:spPr/>
-        <p:txBody>
-          <a:bodyPr/>
-          <a:lstStyle/>
-          <a:p>
-            <a:r>
-              <a:rPr lang="en-US" dirty="0"/>
-              <a:t>Sed do eiusmod tempor</a:t>
-            </a:r>
-          </a:p>
-        </p:txBody>
-      </p:sp>
-      <p:sp>
-        <p:nvSpPr>
-          <p:cNvPr id="315" name="Text Placeholder 314">
-            <a:extLst>
-              <a:ext uri="{FF2B5EF4-FFF2-40B4-BE49-F238E27FC236}">
-                <a16:creationId xmlns:a16="http://schemas.microsoft.com/office/drawing/2014/main" xmlns="" id="{215D801B-3FE0-4425-8C2A-21A37088D16C}"/>
-              </a:ext>
-            </a:extLst>
-          </p:cNvPr>
-          <p:cNvSpPr>
-            <a:spLocks noGrp="1"/>
-          </p:cNvSpPr>
-          <p:nvPr>
-            <p:ph type="body" sz="quarter" idx="58"/>
-          </p:nvPr>
-        </p:nvSpPr>
-        <p:spPr/>
-        <p:txBody>
-          <a:bodyPr/>
-          <a:lstStyle/>
-          <a:p>
-            <a:r>
-              <a:rPr lang="en-US" dirty="0"/>
-              <a:t>BEST LOGO AWARD</a:t>
+              <a:t>Semiconductor Laboratory, ISRO</a:t>
             </a:r>
           </a:p>
         </p:txBody>
@@ -9961,7 +9408,7 @@
           <p:cNvPr id="316" name="Text Placeholder 315">
             <a:extLst>
               <a:ext uri="{FF2B5EF4-FFF2-40B4-BE49-F238E27FC236}">
-                <a16:creationId xmlns:a16="http://schemas.microsoft.com/office/drawing/2014/main" xmlns="" id="{80D4C4BD-D958-4ACB-87BC-A58776AF2A64}"/>
+                <a16:creationId xmlns:a16="http://schemas.microsoft.com/office/drawing/2014/main" id="{80D4C4BD-D958-4ACB-87BC-A58776AF2A64}"/>
               </a:ext>
             </a:extLst>
           </p:cNvPr>
@@ -9989,7 +9436,7 @@
           <p:cNvPr id="317" name="Text Placeholder 316">
             <a:extLst>
               <a:ext uri="{FF2B5EF4-FFF2-40B4-BE49-F238E27FC236}">
-                <a16:creationId xmlns:a16="http://schemas.microsoft.com/office/drawing/2014/main" xmlns="" id="{13EB8B04-1051-4B45-83BA-03124C33EFAE}"/>
+                <a16:creationId xmlns:a16="http://schemas.microsoft.com/office/drawing/2014/main" id="{13EB8B04-1051-4B45-83BA-03124C33EFAE}"/>
               </a:ext>
             </a:extLst>
           </p:cNvPr>
@@ -10017,7 +9464,7 @@
           <p:cNvPr id="318" name="Text Placeholder 317">
             <a:extLst>
               <a:ext uri="{FF2B5EF4-FFF2-40B4-BE49-F238E27FC236}">
-                <a16:creationId xmlns:a16="http://schemas.microsoft.com/office/drawing/2014/main" xmlns="" id="{5FA9AC6A-5C5B-4A61-9403-F15C565735CC}"/>
+                <a16:creationId xmlns:a16="http://schemas.microsoft.com/office/drawing/2014/main" id="{5FA9AC6A-5C5B-4A61-9403-F15C565735CC}"/>
               </a:ext>
             </a:extLst>
           </p:cNvPr>
@@ -10045,7 +9492,7 @@
           <p:cNvPr id="319" name="Text Placeholder 318">
             <a:extLst>
               <a:ext uri="{FF2B5EF4-FFF2-40B4-BE49-F238E27FC236}">
-                <a16:creationId xmlns:a16="http://schemas.microsoft.com/office/drawing/2014/main" xmlns="" id="{35BABFC2-4A18-4F93-8CFE-DEBB7EAD5BE8}"/>
+                <a16:creationId xmlns:a16="http://schemas.microsoft.com/office/drawing/2014/main" id="{35BABFC2-4A18-4F93-8CFE-DEBB7EAD5BE8}"/>
               </a:ext>
             </a:extLst>
           </p:cNvPr>
@@ -10078,7 +9525,7 @@
           <p:cNvPr id="320" name="Text Placeholder 319">
             <a:extLst>
               <a:ext uri="{FF2B5EF4-FFF2-40B4-BE49-F238E27FC236}">
-                <a16:creationId xmlns:a16="http://schemas.microsoft.com/office/drawing/2014/main" xmlns="" id="{09EE285B-7A2E-43D4-91E9-F62CE0DEEE42}"/>
+                <a16:creationId xmlns:a16="http://schemas.microsoft.com/office/drawing/2014/main" id="{09EE285B-7A2E-43D4-91E9-F62CE0DEEE42}"/>
               </a:ext>
             </a:extLst>
           </p:cNvPr>
@@ -10111,7 +9558,7 @@
           <p:cNvPr id="321" name="Text Placeholder 320">
             <a:extLst>
               <a:ext uri="{FF2B5EF4-FFF2-40B4-BE49-F238E27FC236}">
-                <a16:creationId xmlns:a16="http://schemas.microsoft.com/office/drawing/2014/main" xmlns="" id="{E5427A6A-EEE3-4912-BDAE-52AC53E7C5C7}"/>
+                <a16:creationId xmlns:a16="http://schemas.microsoft.com/office/drawing/2014/main" id="{E5427A6A-EEE3-4912-BDAE-52AC53E7C5C7}"/>
               </a:ext>
             </a:extLst>
           </p:cNvPr>
@@ -10144,7 +9591,7 @@
           <p:cNvPr id="322" name="Text Placeholder 321">
             <a:extLst>
               <a:ext uri="{FF2B5EF4-FFF2-40B4-BE49-F238E27FC236}">
-                <a16:creationId xmlns:a16="http://schemas.microsoft.com/office/drawing/2014/main" xmlns="" id="{1A25A281-38A4-440A-BE2F-D7604793E94B}"/>
+                <a16:creationId xmlns:a16="http://schemas.microsoft.com/office/drawing/2014/main" id="{1A25A281-38A4-440A-BE2F-D7604793E94B}"/>
               </a:ext>
             </a:extLst>
           </p:cNvPr>
@@ -10172,7 +9619,7 @@
           <p:cNvPr id="323" name="Text Placeholder 322">
             <a:extLst>
               <a:ext uri="{FF2B5EF4-FFF2-40B4-BE49-F238E27FC236}">
-                <a16:creationId xmlns:a16="http://schemas.microsoft.com/office/drawing/2014/main" xmlns="" id="{12A65C3D-E470-4A21-AA1D-E60C165A52C6}"/>
+                <a16:creationId xmlns:a16="http://schemas.microsoft.com/office/drawing/2014/main" id="{12A65C3D-E470-4A21-AA1D-E60C165A52C6}"/>
               </a:ext>
             </a:extLst>
           </p:cNvPr>
@@ -10200,7 +9647,7 @@
           <p:cNvPr id="324" name="Text Placeholder 323">
             <a:extLst>
               <a:ext uri="{FF2B5EF4-FFF2-40B4-BE49-F238E27FC236}">
-                <a16:creationId xmlns:a16="http://schemas.microsoft.com/office/drawing/2014/main" xmlns="" id="{46BACFD7-92FA-4310-80D7-3A3CD2D3A802}"/>
+                <a16:creationId xmlns:a16="http://schemas.microsoft.com/office/drawing/2014/main" id="{46BACFD7-92FA-4310-80D7-3A3CD2D3A802}"/>
               </a:ext>
             </a:extLst>
           </p:cNvPr>
@@ -10228,7 +9675,7 @@
           <p:cNvPr id="325" name="Text Placeholder 324">
             <a:extLst>
               <a:ext uri="{FF2B5EF4-FFF2-40B4-BE49-F238E27FC236}">
-                <a16:creationId xmlns:a16="http://schemas.microsoft.com/office/drawing/2014/main" xmlns="" id="{364F0AC9-FB9F-414E-B6B7-172A3DB70FE1}"/>
+                <a16:creationId xmlns:a16="http://schemas.microsoft.com/office/drawing/2014/main" id="{364F0AC9-FB9F-414E-B6B7-172A3DB70FE1}"/>
               </a:ext>
             </a:extLst>
           </p:cNvPr>
@@ -10256,7 +9703,7 @@
           <p:cNvPr id="326" name="Text Placeholder 325">
             <a:extLst>
               <a:ext uri="{FF2B5EF4-FFF2-40B4-BE49-F238E27FC236}">
-                <a16:creationId xmlns:a16="http://schemas.microsoft.com/office/drawing/2014/main" xmlns="" id="{E349EFDF-26F3-4B93-A1A8-626F62A764DC}"/>
+                <a16:creationId xmlns:a16="http://schemas.microsoft.com/office/drawing/2014/main" id="{E349EFDF-26F3-4B93-A1A8-626F62A764DC}"/>
               </a:ext>
             </a:extLst>
           </p:cNvPr>
@@ -10289,7 +9736,7 @@
           <p:cNvPr id="327" name="Text Placeholder 326">
             <a:extLst>
               <a:ext uri="{FF2B5EF4-FFF2-40B4-BE49-F238E27FC236}">
-                <a16:creationId xmlns:a16="http://schemas.microsoft.com/office/drawing/2014/main" xmlns="" id="{C7F4F643-D70D-4688-8604-05C02765BFF2}"/>
+                <a16:creationId xmlns:a16="http://schemas.microsoft.com/office/drawing/2014/main" id="{C7F4F643-D70D-4688-8604-05C02765BFF2}"/>
               </a:ext>
             </a:extLst>
           </p:cNvPr>
@@ -10322,7 +9769,7 @@
           <p:cNvPr id="328" name="Text Placeholder 327">
             <a:extLst>
               <a:ext uri="{FF2B5EF4-FFF2-40B4-BE49-F238E27FC236}">
-                <a16:creationId xmlns:a16="http://schemas.microsoft.com/office/drawing/2014/main" xmlns="" id="{236D1BE8-E78E-4B90-AC79-E5C43580EBFB}"/>
+                <a16:creationId xmlns:a16="http://schemas.microsoft.com/office/drawing/2014/main" id="{236D1BE8-E78E-4B90-AC79-E5C43580EBFB}"/>
               </a:ext>
             </a:extLst>
           </p:cNvPr>
@@ -10355,7 +9802,7 @@
           <p:cNvPr id="329" name="Text Placeholder 328">
             <a:extLst>
               <a:ext uri="{FF2B5EF4-FFF2-40B4-BE49-F238E27FC236}">
-                <a16:creationId xmlns:a16="http://schemas.microsoft.com/office/drawing/2014/main" xmlns="" id="{28471828-DFE2-4A1C-9AA3-5EC45C36DB9E}"/>
+                <a16:creationId xmlns:a16="http://schemas.microsoft.com/office/drawing/2014/main" id="{28471828-DFE2-4A1C-9AA3-5EC45C36DB9E}"/>
               </a:ext>
             </a:extLst>
           </p:cNvPr>
@@ -10388,7 +9835,7 @@
           <p:cNvPr id="330" name="Text Placeholder 329">
             <a:extLst>
               <a:ext uri="{FF2B5EF4-FFF2-40B4-BE49-F238E27FC236}">
-                <a16:creationId xmlns:a16="http://schemas.microsoft.com/office/drawing/2014/main" xmlns="" id="{77AA6B23-F3C5-4D9A-AB3A-4C10501BCF56}"/>
+                <a16:creationId xmlns:a16="http://schemas.microsoft.com/office/drawing/2014/main" id="{77AA6B23-F3C5-4D9A-AB3A-4C10501BCF56}"/>
               </a:ext>
             </a:extLst>
           </p:cNvPr>
@@ -10421,7 +9868,7 @@
           <p:cNvPr id="331" name="Text Placeholder 330">
             <a:extLst>
               <a:ext uri="{FF2B5EF4-FFF2-40B4-BE49-F238E27FC236}">
-                <a16:creationId xmlns:a16="http://schemas.microsoft.com/office/drawing/2014/main" xmlns="" id="{8D6FB36B-C8BF-42E1-BDD5-FB9AE6859B81}"/>
+                <a16:creationId xmlns:a16="http://schemas.microsoft.com/office/drawing/2014/main" id="{8D6FB36B-C8BF-42E1-BDD5-FB9AE6859B81}"/>
               </a:ext>
             </a:extLst>
           </p:cNvPr>
@@ -10455,7 +9902,7 @@
           <p:cNvPr id="332" name="Text Placeholder 331">
             <a:extLst>
               <a:ext uri="{FF2B5EF4-FFF2-40B4-BE49-F238E27FC236}">
-                <a16:creationId xmlns:a16="http://schemas.microsoft.com/office/drawing/2014/main" xmlns="" id="{779D7631-AB05-426A-9E57-397306912724}"/>
+                <a16:creationId xmlns:a16="http://schemas.microsoft.com/office/drawing/2014/main" id="{779D7631-AB05-426A-9E57-397306912724}"/>
               </a:ext>
             </a:extLst>
           </p:cNvPr>
@@ -10483,7 +9930,7 @@
           <p:cNvPr id="333" name="Text Placeholder 332">
             <a:extLst>
               <a:ext uri="{FF2B5EF4-FFF2-40B4-BE49-F238E27FC236}">
-                <a16:creationId xmlns:a16="http://schemas.microsoft.com/office/drawing/2014/main" xmlns="" id="{0BF5B090-3F27-499D-AE5E-6D9D2BA11C36}"/>
+                <a16:creationId xmlns:a16="http://schemas.microsoft.com/office/drawing/2014/main" id="{0BF5B090-3F27-499D-AE5E-6D9D2BA11C36}"/>
               </a:ext>
             </a:extLst>
           </p:cNvPr>
@@ -10511,7 +9958,7 @@
           <p:cNvPr id="334" name="Text Placeholder 333">
             <a:extLst>
               <a:ext uri="{FF2B5EF4-FFF2-40B4-BE49-F238E27FC236}">
-                <a16:creationId xmlns:a16="http://schemas.microsoft.com/office/drawing/2014/main" xmlns="" id="{CAE74102-8E8B-4EDE-ABED-F469EFAB389F}"/>
+                <a16:creationId xmlns:a16="http://schemas.microsoft.com/office/drawing/2014/main" id="{CAE74102-8E8B-4EDE-ABED-F469EFAB389F}"/>
               </a:ext>
             </a:extLst>
           </p:cNvPr>
@@ -10539,7 +9986,7 @@
           <p:cNvPr id="335" name="Text Placeholder 334">
             <a:extLst>
               <a:ext uri="{FF2B5EF4-FFF2-40B4-BE49-F238E27FC236}">
-                <a16:creationId xmlns:a16="http://schemas.microsoft.com/office/drawing/2014/main" xmlns="" id="{0B953CA9-B503-4185-8DE6-C40047F256E8}"/>
+                <a16:creationId xmlns:a16="http://schemas.microsoft.com/office/drawing/2014/main" id="{0B953CA9-B503-4185-8DE6-C40047F256E8}"/>
               </a:ext>
             </a:extLst>
           </p:cNvPr>
@@ -10571,7 +10018,7 @@
           <p:cNvPr id="336" name="Text Placeholder 335">
             <a:extLst>
               <a:ext uri="{FF2B5EF4-FFF2-40B4-BE49-F238E27FC236}">
-                <a16:creationId xmlns:a16="http://schemas.microsoft.com/office/drawing/2014/main" xmlns="" id="{B373FBC6-E2CE-4788-A8AD-F6720CB71F5A}"/>
+                <a16:creationId xmlns:a16="http://schemas.microsoft.com/office/drawing/2014/main" id="{B373FBC6-E2CE-4788-A8AD-F6720CB71F5A}"/>
               </a:ext>
             </a:extLst>
           </p:cNvPr>
@@ -10599,7 +10046,7 @@
           <p:cNvPr id="337" name="Text Placeholder 336">
             <a:extLst>
               <a:ext uri="{FF2B5EF4-FFF2-40B4-BE49-F238E27FC236}">
-                <a16:creationId xmlns:a16="http://schemas.microsoft.com/office/drawing/2014/main" xmlns="" id="{6D75EF85-8839-4DA8-B7E8-D52F51551135}"/>
+                <a16:creationId xmlns:a16="http://schemas.microsoft.com/office/drawing/2014/main" id="{6D75EF85-8839-4DA8-B7E8-D52F51551135}"/>
               </a:ext>
             </a:extLst>
           </p:cNvPr>
@@ -10627,7 +10074,7 @@
           <p:cNvPr id="338" name="Text Placeholder 337">
             <a:extLst>
               <a:ext uri="{FF2B5EF4-FFF2-40B4-BE49-F238E27FC236}">
-                <a16:creationId xmlns:a16="http://schemas.microsoft.com/office/drawing/2014/main" xmlns="" id="{BF51872B-4A86-45EF-B613-832D0828DB8A}"/>
+                <a16:creationId xmlns:a16="http://schemas.microsoft.com/office/drawing/2014/main" id="{BF51872B-4A86-45EF-B613-832D0828DB8A}"/>
               </a:ext>
             </a:extLst>
           </p:cNvPr>
@@ -10655,7 +10102,7 @@
           <p:cNvPr id="339" name="Text Placeholder 338">
             <a:extLst>
               <a:ext uri="{FF2B5EF4-FFF2-40B4-BE49-F238E27FC236}">
-                <a16:creationId xmlns:a16="http://schemas.microsoft.com/office/drawing/2014/main" xmlns="" id="{CDA938BC-ABFD-428C-A80E-2D4B7D35DE52}"/>
+                <a16:creationId xmlns:a16="http://schemas.microsoft.com/office/drawing/2014/main" id="{CDA938BC-ABFD-428C-A80E-2D4B7D35DE52}"/>
               </a:ext>
             </a:extLst>
           </p:cNvPr>
@@ -10683,7 +10130,7 @@
           <p:cNvPr id="340" name="Text Placeholder 339">
             <a:extLst>
               <a:ext uri="{FF2B5EF4-FFF2-40B4-BE49-F238E27FC236}">
-                <a16:creationId xmlns:a16="http://schemas.microsoft.com/office/drawing/2014/main" xmlns="" id="{8C6358F8-7C12-4C62-B490-4FC7F80CAF07}"/>
+                <a16:creationId xmlns:a16="http://schemas.microsoft.com/office/drawing/2014/main" id="{8C6358F8-7C12-4C62-B490-4FC7F80CAF07}"/>
               </a:ext>
             </a:extLst>
           </p:cNvPr>
@@ -10711,7 +10158,7 @@
           <p:cNvPr id="341" name="Text Placeholder 340">
             <a:extLst>
               <a:ext uri="{FF2B5EF4-FFF2-40B4-BE49-F238E27FC236}">
-                <a16:creationId xmlns:a16="http://schemas.microsoft.com/office/drawing/2014/main" xmlns="" id="{95565110-4E97-49FF-BAA4-B7FD933E754A}"/>
+                <a16:creationId xmlns:a16="http://schemas.microsoft.com/office/drawing/2014/main" id="{95565110-4E97-49FF-BAA4-B7FD933E754A}"/>
               </a:ext>
             </a:extLst>
           </p:cNvPr>
@@ -10739,7 +10186,7 @@
           <p:cNvPr id="342" name="Text Placeholder 341">
             <a:extLst>
               <a:ext uri="{FF2B5EF4-FFF2-40B4-BE49-F238E27FC236}">
-                <a16:creationId xmlns:a16="http://schemas.microsoft.com/office/drawing/2014/main" xmlns="" id="{28B2CFC5-5548-4845-B3E5-4CD4A63676F9}"/>
+                <a16:creationId xmlns:a16="http://schemas.microsoft.com/office/drawing/2014/main" id="{28B2CFC5-5548-4845-B3E5-4CD4A63676F9}"/>
               </a:ext>
             </a:extLst>
           </p:cNvPr>
@@ -10757,10 +10204,10 @@
           <a:p>
             <a:r>
               <a:rPr lang="en-US" sz="1000" spc="-30" dirty="0">
-                <a:hlinkClick r:id="rId26">
+                <a:hlinkClick r:id="rId24">
                   <a:extLst>
                     <a:ext uri="{A12FA001-AC4F-418D-AE19-62706E023703}">
-                      <ahyp:hlinkClr xmlns:ahyp="http://schemas.microsoft.com/office/drawing/2018/hyperlinkcolor" xmlns="" val="tx"/>
+                      <ahyp:hlinkClr xmlns:ahyp="http://schemas.microsoft.com/office/drawing/2018/hyperlinkcolor" val="tx"/>
                     </a:ext>
                   </a:extLst>
                 </a:hlinkClick>
@@ -10776,7 +10223,7 @@
           <p:cNvPr id="343" name="Text Placeholder 342">
             <a:extLst>
               <a:ext uri="{FF2B5EF4-FFF2-40B4-BE49-F238E27FC236}">
-                <a16:creationId xmlns:a16="http://schemas.microsoft.com/office/drawing/2014/main" xmlns="" id="{1EF300C0-C4E7-485A-BA08-A8486CCCC412}"/>
+                <a16:creationId xmlns:a16="http://schemas.microsoft.com/office/drawing/2014/main" id="{1EF300C0-C4E7-485A-BA08-A8486CCCC412}"/>
               </a:ext>
             </a:extLst>
           </p:cNvPr>
@@ -10804,7 +10251,7 @@
           <p:cNvPr id="344" name="Text Placeholder 343">
             <a:extLst>
               <a:ext uri="{FF2B5EF4-FFF2-40B4-BE49-F238E27FC236}">
-                <a16:creationId xmlns:a16="http://schemas.microsoft.com/office/drawing/2014/main" xmlns="" id="{C89546FF-D223-4DC7-B8AA-056365712B07}"/>
+                <a16:creationId xmlns:a16="http://schemas.microsoft.com/office/drawing/2014/main" id="{C89546FF-D223-4DC7-B8AA-056365712B07}"/>
               </a:ext>
             </a:extLst>
           </p:cNvPr>
@@ -10832,7 +10279,7 @@
           <p:cNvPr id="345" name="Text Placeholder 344">
             <a:extLst>
               <a:ext uri="{FF2B5EF4-FFF2-40B4-BE49-F238E27FC236}">
-                <a16:creationId xmlns:a16="http://schemas.microsoft.com/office/drawing/2014/main" xmlns="" id="{B564F654-2106-4E24-AF82-A42E2BE6CC6A}"/>
+                <a16:creationId xmlns:a16="http://schemas.microsoft.com/office/drawing/2014/main" id="{B564F654-2106-4E24-AF82-A42E2BE6CC6A}"/>
               </a:ext>
             </a:extLst>
           </p:cNvPr>
@@ -10850,10 +10297,10 @@
           <a:p>
             <a:r>
               <a:rPr lang="en-US" sz="1000" dirty="0">
-                <a:hlinkClick r:id="rId27">
+                <a:hlinkClick r:id="rId25">
                   <a:extLst>
                     <a:ext uri="{A12FA001-AC4F-418D-AE19-62706E023703}">
-                      <ahyp:hlinkClr xmlns:ahyp="http://schemas.microsoft.com/office/drawing/2018/hyperlinkcolor" xmlns="" val="tx"/>
+                      <ahyp:hlinkClr xmlns:ahyp="http://schemas.microsoft.com/office/drawing/2018/hyperlinkcolor" val="tx"/>
                     </a:ext>
                   </a:extLst>
                 </a:hlinkClick>
@@ -10869,7 +10316,7 @@
           <p:cNvPr id="346" name="Text Placeholder 345">
             <a:extLst>
               <a:ext uri="{FF2B5EF4-FFF2-40B4-BE49-F238E27FC236}">
-                <a16:creationId xmlns:a16="http://schemas.microsoft.com/office/drawing/2014/main" xmlns="" id="{1606E19F-904E-41CC-8BEA-656D2F4BD6E9}"/>
+                <a16:creationId xmlns:a16="http://schemas.microsoft.com/office/drawing/2014/main" id="{1606E19F-904E-41CC-8BEA-656D2F4BD6E9}"/>
               </a:ext>
             </a:extLst>
           </p:cNvPr>
@@ -10903,7 +10350,7 @@
           <p:cNvPr id="347" name="Text Placeholder 346">
             <a:extLst>
               <a:ext uri="{FF2B5EF4-FFF2-40B4-BE49-F238E27FC236}">
-                <a16:creationId xmlns:a16="http://schemas.microsoft.com/office/drawing/2014/main" xmlns="" id="{C60A38CE-3BD8-4C7B-8E50-F0534BD5BB1C}"/>
+                <a16:creationId xmlns:a16="http://schemas.microsoft.com/office/drawing/2014/main" id="{C60A38CE-3BD8-4C7B-8E50-F0534BD5BB1C}"/>
               </a:ext>
             </a:extLst>
           </p:cNvPr>
@@ -10931,7 +10378,7 @@
           <p:cNvPr id="348" name="Text Placeholder 347">
             <a:extLst>
               <a:ext uri="{FF2B5EF4-FFF2-40B4-BE49-F238E27FC236}">
-                <a16:creationId xmlns:a16="http://schemas.microsoft.com/office/drawing/2014/main" xmlns="" id="{6AF42D39-5BC3-41E4-89F3-738AF3194B85}"/>
+                <a16:creationId xmlns:a16="http://schemas.microsoft.com/office/drawing/2014/main" id="{6AF42D39-5BC3-41E4-89F3-738AF3194B85}"/>
               </a:ext>
             </a:extLst>
           </p:cNvPr>
@@ -10959,7 +10406,7 @@
           <p:cNvPr id="349" name="Text Placeholder 348">
             <a:extLst>
               <a:ext uri="{FF2B5EF4-FFF2-40B4-BE49-F238E27FC236}">
-                <a16:creationId xmlns:a16="http://schemas.microsoft.com/office/drawing/2014/main" xmlns="" id="{E9556DBF-15C6-464D-A4F2-CD0FAA90979C}"/>
+                <a16:creationId xmlns:a16="http://schemas.microsoft.com/office/drawing/2014/main" id="{E9556DBF-15C6-464D-A4F2-CD0FAA90979C}"/>
               </a:ext>
             </a:extLst>
           </p:cNvPr>
@@ -10987,7 +10434,7 @@
           <p:cNvPr id="350" name="Text Placeholder 349">
             <a:extLst>
               <a:ext uri="{FF2B5EF4-FFF2-40B4-BE49-F238E27FC236}">
-                <a16:creationId xmlns:a16="http://schemas.microsoft.com/office/drawing/2014/main" xmlns="" id="{AACB2BCD-B366-44E8-AD17-95303CCEB974}"/>
+                <a16:creationId xmlns:a16="http://schemas.microsoft.com/office/drawing/2014/main" id="{AACB2BCD-B366-44E8-AD17-95303CCEB974}"/>
               </a:ext>
             </a:extLst>
           </p:cNvPr>
@@ -11015,7 +10462,7 @@
           <p:cNvPr id="351" name="Text Placeholder 350">
             <a:extLst>
               <a:ext uri="{FF2B5EF4-FFF2-40B4-BE49-F238E27FC236}">
-                <a16:creationId xmlns:a16="http://schemas.microsoft.com/office/drawing/2014/main" xmlns="" id="{8A652CC6-75A3-4B7B-A84B-9A341A9B6309}"/>
+                <a16:creationId xmlns:a16="http://schemas.microsoft.com/office/drawing/2014/main" id="{8A652CC6-75A3-4B7B-A84B-9A341A9B6309}"/>
               </a:ext>
             </a:extLst>
           </p:cNvPr>
@@ -11043,7 +10490,7 @@
           <p:cNvPr id="354" name="Rectangle 353" descr="Blue rectangle">
             <a:extLst>
               <a:ext uri="{FF2B5EF4-FFF2-40B4-BE49-F238E27FC236}">
-                <a16:creationId xmlns:a16="http://schemas.microsoft.com/office/drawing/2014/main" xmlns="" id="{A2E534EA-79AB-4B44-A2C9-3D574D8A8AA6}"/>
+                <a16:creationId xmlns:a16="http://schemas.microsoft.com/office/drawing/2014/main" id="{A2E534EA-79AB-4B44-A2C9-3D574D8A8AA6}"/>
               </a:ext>
             </a:extLst>
           </p:cNvPr>
@@ -11100,7 +10547,7 @@
           <p:cNvPr id="355" name="Rectangle 354" descr="Grey rectangle">
             <a:extLst>
               <a:ext uri="{FF2B5EF4-FFF2-40B4-BE49-F238E27FC236}">
-                <a16:creationId xmlns:a16="http://schemas.microsoft.com/office/drawing/2014/main" xmlns="" id="{AA504A55-CBE2-40F6-BF9C-458B37CC4F9A}"/>
+                <a16:creationId xmlns:a16="http://schemas.microsoft.com/office/drawing/2014/main" id="{AA504A55-CBE2-40F6-BF9C-458B37CC4F9A}"/>
               </a:ext>
             </a:extLst>
           </p:cNvPr>
@@ -11157,7 +10604,7 @@
           <p:cNvPr id="356" name="Rectangle 355" descr="Blue rectangle">
             <a:extLst>
               <a:ext uri="{FF2B5EF4-FFF2-40B4-BE49-F238E27FC236}">
-                <a16:creationId xmlns:a16="http://schemas.microsoft.com/office/drawing/2014/main" xmlns="" id="{1637F08E-06AB-4B0D-9250-951D8B069D09}"/>
+                <a16:creationId xmlns:a16="http://schemas.microsoft.com/office/drawing/2014/main" id="{1637F08E-06AB-4B0D-9250-951D8B069D09}"/>
               </a:ext>
             </a:extLst>
           </p:cNvPr>
@@ -11214,7 +10661,7 @@
           <p:cNvPr id="357" name="Rectangle 356" descr="Grey rectangle">
             <a:extLst>
               <a:ext uri="{FF2B5EF4-FFF2-40B4-BE49-F238E27FC236}">
-                <a16:creationId xmlns:a16="http://schemas.microsoft.com/office/drawing/2014/main" xmlns="" id="{B011C5E9-63C2-4095-9D89-BE9DE4A73544}"/>
+                <a16:creationId xmlns:a16="http://schemas.microsoft.com/office/drawing/2014/main" id="{B011C5E9-63C2-4095-9D89-BE9DE4A73544}"/>
               </a:ext>
             </a:extLst>
           </p:cNvPr>
@@ -11271,7 +10718,7 @@
           <p:cNvPr id="358" name="Rectangle 357" descr="Blue rectangle">
             <a:extLst>
               <a:ext uri="{FF2B5EF4-FFF2-40B4-BE49-F238E27FC236}">
-                <a16:creationId xmlns:a16="http://schemas.microsoft.com/office/drawing/2014/main" xmlns="" id="{42B380E1-8998-4073-A4DD-6B2E2ABB6B2E}"/>
+                <a16:creationId xmlns:a16="http://schemas.microsoft.com/office/drawing/2014/main" id="{42B380E1-8998-4073-A4DD-6B2E2ABB6B2E}"/>
               </a:ext>
             </a:extLst>
           </p:cNvPr>
@@ -11328,7 +10775,7 @@
           <p:cNvPr id="359" name="Rectangle 358" descr="Grey rectangle">
             <a:extLst>
               <a:ext uri="{FF2B5EF4-FFF2-40B4-BE49-F238E27FC236}">
-                <a16:creationId xmlns:a16="http://schemas.microsoft.com/office/drawing/2014/main" xmlns="" id="{315AB487-A7FD-464B-8A69-51EBDEA11773}"/>
+                <a16:creationId xmlns:a16="http://schemas.microsoft.com/office/drawing/2014/main" id="{315AB487-A7FD-464B-8A69-51EBDEA11773}"/>
               </a:ext>
             </a:extLst>
           </p:cNvPr>
@@ -11385,7 +10832,7 @@
           <p:cNvPr id="360" name="Group 359" descr="Circles">
             <a:extLst>
               <a:ext uri="{FF2B5EF4-FFF2-40B4-BE49-F238E27FC236}">
-                <a16:creationId xmlns:a16="http://schemas.microsoft.com/office/drawing/2014/main" xmlns="" id="{66ADE5CA-3180-4AB7-81BB-E9FC04A1EED1}"/>
+                <a16:creationId xmlns:a16="http://schemas.microsoft.com/office/drawing/2014/main" id="{66ADE5CA-3180-4AB7-81BB-E9FC04A1EED1}"/>
               </a:ext>
             </a:extLst>
           </p:cNvPr>
@@ -11405,7 +10852,7 @@
             <p:cNvPr id="361" name="Oval 360">
               <a:extLst>
                 <a:ext uri="{FF2B5EF4-FFF2-40B4-BE49-F238E27FC236}">
-                  <a16:creationId xmlns:a16="http://schemas.microsoft.com/office/drawing/2014/main" xmlns="" id="{9D272A54-A3E5-430F-A4D2-82C1C953C191}"/>
+                  <a16:creationId xmlns:a16="http://schemas.microsoft.com/office/drawing/2014/main" id="{9D272A54-A3E5-430F-A4D2-82C1C953C191}"/>
                 </a:ext>
               </a:extLst>
             </p:cNvPr>
@@ -11462,7 +10909,7 @@
             <p:cNvPr id="362" name="Oval 361">
               <a:extLst>
                 <a:ext uri="{FF2B5EF4-FFF2-40B4-BE49-F238E27FC236}">
-                  <a16:creationId xmlns:a16="http://schemas.microsoft.com/office/drawing/2014/main" xmlns="" id="{F0828C26-6A12-4168-98C4-FFD83BB367B4}"/>
+                  <a16:creationId xmlns:a16="http://schemas.microsoft.com/office/drawing/2014/main" id="{F0828C26-6A12-4168-98C4-FFD83BB367B4}"/>
                 </a:ext>
               </a:extLst>
             </p:cNvPr>
@@ -11519,7 +10966,7 @@
             <p:cNvPr id="363" name="Oval 362">
               <a:extLst>
                 <a:ext uri="{FF2B5EF4-FFF2-40B4-BE49-F238E27FC236}">
-                  <a16:creationId xmlns:a16="http://schemas.microsoft.com/office/drawing/2014/main" xmlns="" id="{CCA4EC35-455B-435B-AA82-7CCD150BE3D8}"/>
+                  <a16:creationId xmlns:a16="http://schemas.microsoft.com/office/drawing/2014/main" id="{CCA4EC35-455B-435B-AA82-7CCD150BE3D8}"/>
                 </a:ext>
               </a:extLst>
             </p:cNvPr>
@@ -11576,7 +11023,7 @@
             <p:cNvPr id="364" name="Oval 363">
               <a:extLst>
                 <a:ext uri="{FF2B5EF4-FFF2-40B4-BE49-F238E27FC236}">
-                  <a16:creationId xmlns:a16="http://schemas.microsoft.com/office/drawing/2014/main" xmlns="" id="{7CB50DDC-0209-4811-8E24-E7D477C96598}"/>
+                  <a16:creationId xmlns:a16="http://schemas.microsoft.com/office/drawing/2014/main" id="{7CB50DDC-0209-4811-8E24-E7D477C96598}"/>
                 </a:ext>
               </a:extLst>
             </p:cNvPr>
@@ -11633,7 +11080,7 @@
             <p:cNvPr id="365" name="Oval 364">
               <a:extLst>
                 <a:ext uri="{FF2B5EF4-FFF2-40B4-BE49-F238E27FC236}">
-                  <a16:creationId xmlns:a16="http://schemas.microsoft.com/office/drawing/2014/main" xmlns="" id="{97F48CA8-C776-4FC2-9DFF-1A6FFD065883}"/>
+                  <a16:creationId xmlns:a16="http://schemas.microsoft.com/office/drawing/2014/main" id="{97F48CA8-C776-4FC2-9DFF-1A6FFD065883}"/>
                 </a:ext>
               </a:extLst>
             </p:cNvPr>
@@ -11690,7 +11137,7 @@
             <p:cNvPr id="366" name="Oval 365">
               <a:extLst>
                 <a:ext uri="{FF2B5EF4-FFF2-40B4-BE49-F238E27FC236}">
-                  <a16:creationId xmlns:a16="http://schemas.microsoft.com/office/drawing/2014/main" xmlns="" id="{A25C3943-5577-4A84-BCD3-3F3567FC1278}"/>
+                  <a16:creationId xmlns:a16="http://schemas.microsoft.com/office/drawing/2014/main" id="{A25C3943-5577-4A84-BCD3-3F3567FC1278}"/>
                 </a:ext>
               </a:extLst>
             </p:cNvPr>
@@ -11747,7 +11194,7 @@
             <p:cNvPr id="367" name="Oval 366">
               <a:extLst>
                 <a:ext uri="{FF2B5EF4-FFF2-40B4-BE49-F238E27FC236}">
-                  <a16:creationId xmlns:a16="http://schemas.microsoft.com/office/drawing/2014/main" xmlns="" id="{519E664D-57BA-4BCE-BB27-DBF3F2910FA4}"/>
+                  <a16:creationId xmlns:a16="http://schemas.microsoft.com/office/drawing/2014/main" id="{519E664D-57BA-4BCE-BB27-DBF3F2910FA4}"/>
                 </a:ext>
               </a:extLst>
             </p:cNvPr>
@@ -11804,7 +11251,7 @@
             <p:cNvPr id="368" name="Oval 367">
               <a:extLst>
                 <a:ext uri="{FF2B5EF4-FFF2-40B4-BE49-F238E27FC236}">
-                  <a16:creationId xmlns:a16="http://schemas.microsoft.com/office/drawing/2014/main" xmlns="" id="{4B553252-13A3-48FF-8C75-065E1D6294A1}"/>
+                  <a16:creationId xmlns:a16="http://schemas.microsoft.com/office/drawing/2014/main" id="{4B553252-13A3-48FF-8C75-065E1D6294A1}"/>
                 </a:ext>
               </a:extLst>
             </p:cNvPr>
@@ -11861,7 +11308,7 @@
             <p:cNvPr id="369" name="Oval 368">
               <a:extLst>
                 <a:ext uri="{FF2B5EF4-FFF2-40B4-BE49-F238E27FC236}">
-                  <a16:creationId xmlns:a16="http://schemas.microsoft.com/office/drawing/2014/main" xmlns="" id="{6A40DC52-F058-4C07-BB90-A35980C528E9}"/>
+                  <a16:creationId xmlns:a16="http://schemas.microsoft.com/office/drawing/2014/main" id="{6A40DC52-F058-4C07-BB90-A35980C528E9}"/>
                 </a:ext>
               </a:extLst>
             </p:cNvPr>
@@ -11918,7 +11365,7 @@
             <p:cNvPr id="370" name="Oval 369">
               <a:extLst>
                 <a:ext uri="{FF2B5EF4-FFF2-40B4-BE49-F238E27FC236}">
-                  <a16:creationId xmlns:a16="http://schemas.microsoft.com/office/drawing/2014/main" xmlns="" id="{BBF9392F-BC85-4F1B-8636-E67512832F94}"/>
+                  <a16:creationId xmlns:a16="http://schemas.microsoft.com/office/drawing/2014/main" id="{BBF9392F-BC85-4F1B-8636-E67512832F94}"/>
                 </a:ext>
               </a:extLst>
             </p:cNvPr>
@@ -11976,7 +11423,7 @@
           <p:cNvPr id="371" name="Group 370" descr="Circles">
             <a:extLst>
               <a:ext uri="{FF2B5EF4-FFF2-40B4-BE49-F238E27FC236}">
-                <a16:creationId xmlns:a16="http://schemas.microsoft.com/office/drawing/2014/main" xmlns="" id="{03063BAB-5042-4052-BBA1-463F9298E368}"/>
+                <a16:creationId xmlns:a16="http://schemas.microsoft.com/office/drawing/2014/main" id="{03063BAB-5042-4052-BBA1-463F9298E368}"/>
               </a:ext>
             </a:extLst>
           </p:cNvPr>
@@ -11996,7 +11443,7 @@
             <p:cNvPr id="372" name="Oval 371">
               <a:extLst>
                 <a:ext uri="{FF2B5EF4-FFF2-40B4-BE49-F238E27FC236}">
-                  <a16:creationId xmlns:a16="http://schemas.microsoft.com/office/drawing/2014/main" xmlns="" id="{2E1BC56C-8C52-45A9-946D-A3F62A04703B}"/>
+                  <a16:creationId xmlns:a16="http://schemas.microsoft.com/office/drawing/2014/main" id="{2E1BC56C-8C52-45A9-946D-A3F62A04703B}"/>
                 </a:ext>
               </a:extLst>
             </p:cNvPr>
@@ -12053,7 +11500,7 @@
             <p:cNvPr id="373" name="Oval 372">
               <a:extLst>
                 <a:ext uri="{FF2B5EF4-FFF2-40B4-BE49-F238E27FC236}">
-                  <a16:creationId xmlns:a16="http://schemas.microsoft.com/office/drawing/2014/main" xmlns="" id="{0B613269-795D-47C5-9B21-2161D45376DD}"/>
+                  <a16:creationId xmlns:a16="http://schemas.microsoft.com/office/drawing/2014/main" id="{0B613269-795D-47C5-9B21-2161D45376DD}"/>
                 </a:ext>
               </a:extLst>
             </p:cNvPr>
@@ -12110,7 +11557,7 @@
             <p:cNvPr id="374" name="Oval 373">
               <a:extLst>
                 <a:ext uri="{FF2B5EF4-FFF2-40B4-BE49-F238E27FC236}">
-                  <a16:creationId xmlns:a16="http://schemas.microsoft.com/office/drawing/2014/main" xmlns="" id="{81C60AD1-1FCC-4389-AD2F-FE7CC40285FB}"/>
+                  <a16:creationId xmlns:a16="http://schemas.microsoft.com/office/drawing/2014/main" id="{81C60AD1-1FCC-4389-AD2F-FE7CC40285FB}"/>
                 </a:ext>
               </a:extLst>
             </p:cNvPr>
@@ -12167,7 +11614,7 @@
             <p:cNvPr id="375" name="Oval 374">
               <a:extLst>
                 <a:ext uri="{FF2B5EF4-FFF2-40B4-BE49-F238E27FC236}">
-                  <a16:creationId xmlns:a16="http://schemas.microsoft.com/office/drawing/2014/main" xmlns="" id="{5FB29545-8C3D-41F8-ABF5-635FD6A5BD45}"/>
+                  <a16:creationId xmlns:a16="http://schemas.microsoft.com/office/drawing/2014/main" id="{5FB29545-8C3D-41F8-ABF5-635FD6A5BD45}"/>
                 </a:ext>
               </a:extLst>
             </p:cNvPr>
@@ -12224,7 +11671,7 @@
             <p:cNvPr id="376" name="Oval 375">
               <a:extLst>
                 <a:ext uri="{FF2B5EF4-FFF2-40B4-BE49-F238E27FC236}">
-                  <a16:creationId xmlns:a16="http://schemas.microsoft.com/office/drawing/2014/main" xmlns="" id="{8F051E32-A289-4D28-AF80-991F6C00663D}"/>
+                  <a16:creationId xmlns:a16="http://schemas.microsoft.com/office/drawing/2014/main" id="{8F051E32-A289-4D28-AF80-991F6C00663D}"/>
                 </a:ext>
               </a:extLst>
             </p:cNvPr>
@@ -12281,7 +11728,7 @@
             <p:cNvPr id="377" name="Oval 376">
               <a:extLst>
                 <a:ext uri="{FF2B5EF4-FFF2-40B4-BE49-F238E27FC236}">
-                  <a16:creationId xmlns:a16="http://schemas.microsoft.com/office/drawing/2014/main" xmlns="" id="{105BF631-21B9-4FE7-B6EC-234CD0EC0F99}"/>
+                  <a16:creationId xmlns:a16="http://schemas.microsoft.com/office/drawing/2014/main" id="{105BF631-21B9-4FE7-B6EC-234CD0EC0F99}"/>
                 </a:ext>
               </a:extLst>
             </p:cNvPr>
@@ -12338,7 +11785,7 @@
             <p:cNvPr id="378" name="Oval 377">
               <a:extLst>
                 <a:ext uri="{FF2B5EF4-FFF2-40B4-BE49-F238E27FC236}">
-                  <a16:creationId xmlns:a16="http://schemas.microsoft.com/office/drawing/2014/main" xmlns="" id="{59827F43-61BF-4AC4-9165-7573EADFB310}"/>
+                  <a16:creationId xmlns:a16="http://schemas.microsoft.com/office/drawing/2014/main" id="{59827F43-61BF-4AC4-9165-7573EADFB310}"/>
                 </a:ext>
               </a:extLst>
             </p:cNvPr>
@@ -12395,7 +11842,7 @@
             <p:cNvPr id="379" name="Oval 378">
               <a:extLst>
                 <a:ext uri="{FF2B5EF4-FFF2-40B4-BE49-F238E27FC236}">
-                  <a16:creationId xmlns:a16="http://schemas.microsoft.com/office/drawing/2014/main" xmlns="" id="{2514BF14-BC9B-4723-8723-4C7129D18ECA}"/>
+                  <a16:creationId xmlns:a16="http://schemas.microsoft.com/office/drawing/2014/main" id="{2514BF14-BC9B-4723-8723-4C7129D18ECA}"/>
                 </a:ext>
               </a:extLst>
             </p:cNvPr>
@@ -12452,7 +11899,7 @@
             <p:cNvPr id="380" name="Oval 379">
               <a:extLst>
                 <a:ext uri="{FF2B5EF4-FFF2-40B4-BE49-F238E27FC236}">
-                  <a16:creationId xmlns:a16="http://schemas.microsoft.com/office/drawing/2014/main" xmlns="" id="{88C8F79A-C0CF-4443-8679-0DFD26C9BFD1}"/>
+                  <a16:creationId xmlns:a16="http://schemas.microsoft.com/office/drawing/2014/main" id="{88C8F79A-C0CF-4443-8679-0DFD26C9BFD1}"/>
                 </a:ext>
               </a:extLst>
             </p:cNvPr>
@@ -12509,7 +11956,7 @@
             <p:cNvPr id="381" name="Oval 380">
               <a:extLst>
                 <a:ext uri="{FF2B5EF4-FFF2-40B4-BE49-F238E27FC236}">
-                  <a16:creationId xmlns:a16="http://schemas.microsoft.com/office/drawing/2014/main" xmlns="" id="{D8EF7FD7-8181-4715-9251-50D36DD10AC9}"/>
+                  <a16:creationId xmlns:a16="http://schemas.microsoft.com/office/drawing/2014/main" id="{D8EF7FD7-8181-4715-9251-50D36DD10AC9}"/>
                 </a:ext>
               </a:extLst>
             </p:cNvPr>
@@ -12567,7 +12014,7 @@
           <p:cNvPr id="382" name="Group 381" descr="Circles">
             <a:extLst>
               <a:ext uri="{FF2B5EF4-FFF2-40B4-BE49-F238E27FC236}">
-                <a16:creationId xmlns:a16="http://schemas.microsoft.com/office/drawing/2014/main" xmlns="" id="{511E9039-C6F4-4A76-9ED4-03BBAB6E5EDA}"/>
+                <a16:creationId xmlns:a16="http://schemas.microsoft.com/office/drawing/2014/main" id="{511E9039-C6F4-4A76-9ED4-03BBAB6E5EDA}"/>
               </a:ext>
             </a:extLst>
           </p:cNvPr>
@@ -12587,7 +12034,7 @@
             <p:cNvPr id="383" name="Oval 382">
               <a:extLst>
                 <a:ext uri="{FF2B5EF4-FFF2-40B4-BE49-F238E27FC236}">
-                  <a16:creationId xmlns:a16="http://schemas.microsoft.com/office/drawing/2014/main" xmlns="" id="{E2450CAD-DEDC-4B7B-87A3-E9CA9904CDEB}"/>
+                  <a16:creationId xmlns:a16="http://schemas.microsoft.com/office/drawing/2014/main" id="{E2450CAD-DEDC-4B7B-87A3-E9CA9904CDEB}"/>
                 </a:ext>
               </a:extLst>
             </p:cNvPr>
@@ -12644,7 +12091,7 @@
             <p:cNvPr id="384" name="Oval 383">
               <a:extLst>
                 <a:ext uri="{FF2B5EF4-FFF2-40B4-BE49-F238E27FC236}">
-                  <a16:creationId xmlns:a16="http://schemas.microsoft.com/office/drawing/2014/main" xmlns="" id="{37755EB1-FD8E-4B9D-9D70-9F1153A404A6}"/>
+                  <a16:creationId xmlns:a16="http://schemas.microsoft.com/office/drawing/2014/main" id="{37755EB1-FD8E-4B9D-9D70-9F1153A404A6}"/>
                 </a:ext>
               </a:extLst>
             </p:cNvPr>
@@ -12701,7 +12148,7 @@
             <p:cNvPr id="385" name="Oval 384">
               <a:extLst>
                 <a:ext uri="{FF2B5EF4-FFF2-40B4-BE49-F238E27FC236}">
-                  <a16:creationId xmlns:a16="http://schemas.microsoft.com/office/drawing/2014/main" xmlns="" id="{BD8ADA0A-B73E-4B86-A46F-29B286C16ABC}"/>
+                  <a16:creationId xmlns:a16="http://schemas.microsoft.com/office/drawing/2014/main" id="{BD8ADA0A-B73E-4B86-A46F-29B286C16ABC}"/>
                 </a:ext>
               </a:extLst>
             </p:cNvPr>
@@ -12758,7 +12205,7 @@
             <p:cNvPr id="386" name="Oval 385">
               <a:extLst>
                 <a:ext uri="{FF2B5EF4-FFF2-40B4-BE49-F238E27FC236}">
-                  <a16:creationId xmlns:a16="http://schemas.microsoft.com/office/drawing/2014/main" xmlns="" id="{9624A194-344E-479C-ABB9-0B94EDE2FB33}"/>
+                  <a16:creationId xmlns:a16="http://schemas.microsoft.com/office/drawing/2014/main" id="{9624A194-344E-479C-ABB9-0B94EDE2FB33}"/>
                 </a:ext>
               </a:extLst>
             </p:cNvPr>
@@ -12815,7 +12262,7 @@
             <p:cNvPr id="387" name="Oval 386">
               <a:extLst>
                 <a:ext uri="{FF2B5EF4-FFF2-40B4-BE49-F238E27FC236}">
-                  <a16:creationId xmlns:a16="http://schemas.microsoft.com/office/drawing/2014/main" xmlns="" id="{21F7F4F0-FE8D-4076-9B58-35678AC2FBFA}"/>
+                  <a16:creationId xmlns:a16="http://schemas.microsoft.com/office/drawing/2014/main" id="{21F7F4F0-FE8D-4076-9B58-35678AC2FBFA}"/>
                 </a:ext>
               </a:extLst>
             </p:cNvPr>
@@ -12872,7 +12319,7 @@
             <p:cNvPr id="388" name="Oval 387">
               <a:extLst>
                 <a:ext uri="{FF2B5EF4-FFF2-40B4-BE49-F238E27FC236}">
-                  <a16:creationId xmlns:a16="http://schemas.microsoft.com/office/drawing/2014/main" xmlns="" id="{8DDBEA2E-2624-4E47-AC13-F1849D9EB55D}"/>
+                  <a16:creationId xmlns:a16="http://schemas.microsoft.com/office/drawing/2014/main" id="{8DDBEA2E-2624-4E47-AC13-F1849D9EB55D}"/>
                 </a:ext>
               </a:extLst>
             </p:cNvPr>
@@ -12929,7 +12376,7 @@
             <p:cNvPr id="389" name="Oval 388">
               <a:extLst>
                 <a:ext uri="{FF2B5EF4-FFF2-40B4-BE49-F238E27FC236}">
-                  <a16:creationId xmlns:a16="http://schemas.microsoft.com/office/drawing/2014/main" xmlns="" id="{1385BAF9-9F71-4EB2-941B-FF84EA71D891}"/>
+                  <a16:creationId xmlns:a16="http://schemas.microsoft.com/office/drawing/2014/main" id="{1385BAF9-9F71-4EB2-941B-FF84EA71D891}"/>
                 </a:ext>
               </a:extLst>
             </p:cNvPr>
@@ -12986,7 +12433,7 @@
             <p:cNvPr id="390" name="Oval 389">
               <a:extLst>
                 <a:ext uri="{FF2B5EF4-FFF2-40B4-BE49-F238E27FC236}">
-                  <a16:creationId xmlns:a16="http://schemas.microsoft.com/office/drawing/2014/main" xmlns="" id="{F612FB01-E6EA-4393-ABE6-368C7C0427BF}"/>
+                  <a16:creationId xmlns:a16="http://schemas.microsoft.com/office/drawing/2014/main" id="{F612FB01-E6EA-4393-ABE6-368C7C0427BF}"/>
                 </a:ext>
               </a:extLst>
             </p:cNvPr>
@@ -13043,7 +12490,7 @@
             <p:cNvPr id="391" name="Oval 390">
               <a:extLst>
                 <a:ext uri="{FF2B5EF4-FFF2-40B4-BE49-F238E27FC236}">
-                  <a16:creationId xmlns:a16="http://schemas.microsoft.com/office/drawing/2014/main" xmlns="" id="{10812D57-B4DF-468F-B313-946FF2A31BAA}"/>
+                  <a16:creationId xmlns:a16="http://schemas.microsoft.com/office/drawing/2014/main" id="{10812D57-B4DF-468F-B313-946FF2A31BAA}"/>
                 </a:ext>
               </a:extLst>
             </p:cNvPr>
@@ -13100,7 +12547,7 @@
             <p:cNvPr id="392" name="Oval 391">
               <a:extLst>
                 <a:ext uri="{FF2B5EF4-FFF2-40B4-BE49-F238E27FC236}">
-                  <a16:creationId xmlns:a16="http://schemas.microsoft.com/office/drawing/2014/main" xmlns="" id="{68F640C0-7CCD-4EA4-86CF-F46B8103E804}"/>
+                  <a16:creationId xmlns:a16="http://schemas.microsoft.com/office/drawing/2014/main" id="{68F640C0-7CCD-4EA4-86CF-F46B8103E804}"/>
                 </a:ext>
               </a:extLst>
             </p:cNvPr>
@@ -13158,7 +12605,7 @@
           <p:cNvPr id="393" name="Group 392" descr="Circles">
             <a:extLst>
               <a:ext uri="{FF2B5EF4-FFF2-40B4-BE49-F238E27FC236}">
-                <a16:creationId xmlns:a16="http://schemas.microsoft.com/office/drawing/2014/main" xmlns="" id="{8A75199B-0F83-46A6-9D3E-EB48D58C6C80}"/>
+                <a16:creationId xmlns:a16="http://schemas.microsoft.com/office/drawing/2014/main" id="{8A75199B-0F83-46A6-9D3E-EB48D58C6C80}"/>
               </a:ext>
             </a:extLst>
           </p:cNvPr>
@@ -13178,7 +12625,7 @@
             <p:cNvPr id="394" name="Oval 393">
               <a:extLst>
                 <a:ext uri="{FF2B5EF4-FFF2-40B4-BE49-F238E27FC236}">
-                  <a16:creationId xmlns:a16="http://schemas.microsoft.com/office/drawing/2014/main" xmlns="" id="{8320DE88-6A12-40F8-8269-6BF521B074B5}"/>
+                  <a16:creationId xmlns:a16="http://schemas.microsoft.com/office/drawing/2014/main" id="{8320DE88-6A12-40F8-8269-6BF521B074B5}"/>
                 </a:ext>
               </a:extLst>
             </p:cNvPr>
@@ -13235,7 +12682,7 @@
             <p:cNvPr id="395" name="Oval 394">
               <a:extLst>
                 <a:ext uri="{FF2B5EF4-FFF2-40B4-BE49-F238E27FC236}">
-                  <a16:creationId xmlns:a16="http://schemas.microsoft.com/office/drawing/2014/main" xmlns="" id="{4134461B-7D92-4DC8-95A8-1CF8B34F5B9C}"/>
+                  <a16:creationId xmlns:a16="http://schemas.microsoft.com/office/drawing/2014/main" id="{4134461B-7D92-4DC8-95A8-1CF8B34F5B9C}"/>
                 </a:ext>
               </a:extLst>
             </p:cNvPr>
@@ -13292,7 +12739,7 @@
             <p:cNvPr id="396" name="Oval 395">
               <a:extLst>
                 <a:ext uri="{FF2B5EF4-FFF2-40B4-BE49-F238E27FC236}">
-                  <a16:creationId xmlns:a16="http://schemas.microsoft.com/office/drawing/2014/main" xmlns="" id="{895E8FBD-5312-4C6B-AE0C-C1B1B369629A}"/>
+                  <a16:creationId xmlns:a16="http://schemas.microsoft.com/office/drawing/2014/main" id="{895E8FBD-5312-4C6B-AE0C-C1B1B369629A}"/>
                 </a:ext>
               </a:extLst>
             </p:cNvPr>
@@ -13349,7 +12796,7 @@
             <p:cNvPr id="397" name="Oval 396">
               <a:extLst>
                 <a:ext uri="{FF2B5EF4-FFF2-40B4-BE49-F238E27FC236}">
-                  <a16:creationId xmlns:a16="http://schemas.microsoft.com/office/drawing/2014/main" xmlns="" id="{E08B7849-D67D-40A3-B6D9-FB4371C9C25D}"/>
+                  <a16:creationId xmlns:a16="http://schemas.microsoft.com/office/drawing/2014/main" id="{E08B7849-D67D-40A3-B6D9-FB4371C9C25D}"/>
                 </a:ext>
               </a:extLst>
             </p:cNvPr>
@@ -13406,7 +12853,7 @@
             <p:cNvPr id="398" name="Oval 397">
               <a:extLst>
                 <a:ext uri="{FF2B5EF4-FFF2-40B4-BE49-F238E27FC236}">
-                  <a16:creationId xmlns:a16="http://schemas.microsoft.com/office/drawing/2014/main" xmlns="" id="{1D817F32-5D49-48C1-A745-8FB1ED5DBD37}"/>
+                  <a16:creationId xmlns:a16="http://schemas.microsoft.com/office/drawing/2014/main" id="{1D817F32-5D49-48C1-A745-8FB1ED5DBD37}"/>
                 </a:ext>
               </a:extLst>
             </p:cNvPr>
@@ -13463,7 +12910,7 @@
             <p:cNvPr id="399" name="Oval 398">
               <a:extLst>
                 <a:ext uri="{FF2B5EF4-FFF2-40B4-BE49-F238E27FC236}">
-                  <a16:creationId xmlns:a16="http://schemas.microsoft.com/office/drawing/2014/main" xmlns="" id="{8A933A9C-B378-476A-942C-AA9DB0AB16C5}"/>
+                  <a16:creationId xmlns:a16="http://schemas.microsoft.com/office/drawing/2014/main" id="{8A933A9C-B378-476A-942C-AA9DB0AB16C5}"/>
                 </a:ext>
               </a:extLst>
             </p:cNvPr>
@@ -13520,7 +12967,7 @@
             <p:cNvPr id="400" name="Oval 399">
               <a:extLst>
                 <a:ext uri="{FF2B5EF4-FFF2-40B4-BE49-F238E27FC236}">
-                  <a16:creationId xmlns:a16="http://schemas.microsoft.com/office/drawing/2014/main" xmlns="" id="{6389FBE3-C003-4156-8ECF-3F9725D8779A}"/>
+                  <a16:creationId xmlns:a16="http://schemas.microsoft.com/office/drawing/2014/main" id="{6389FBE3-C003-4156-8ECF-3F9725D8779A}"/>
                 </a:ext>
               </a:extLst>
             </p:cNvPr>
@@ -13575,7 +13022,7 @@
             <p:cNvPr id="401" name="Oval 400">
               <a:extLst>
                 <a:ext uri="{FF2B5EF4-FFF2-40B4-BE49-F238E27FC236}">
-                  <a16:creationId xmlns:a16="http://schemas.microsoft.com/office/drawing/2014/main" xmlns="" id="{C2B7EF1E-E658-4426-B3D9-0DF9742AA21D}"/>
+                  <a16:creationId xmlns:a16="http://schemas.microsoft.com/office/drawing/2014/main" id="{C2B7EF1E-E658-4426-B3D9-0DF9742AA21D}"/>
                 </a:ext>
               </a:extLst>
             </p:cNvPr>
@@ -13630,7 +13077,7 @@
             <p:cNvPr id="402" name="Oval 401">
               <a:extLst>
                 <a:ext uri="{FF2B5EF4-FFF2-40B4-BE49-F238E27FC236}">
-                  <a16:creationId xmlns:a16="http://schemas.microsoft.com/office/drawing/2014/main" xmlns="" id="{06005F36-76FA-4BCC-A5D3-371E628C49E1}"/>
+                  <a16:creationId xmlns:a16="http://schemas.microsoft.com/office/drawing/2014/main" id="{06005F36-76FA-4BCC-A5D3-371E628C49E1}"/>
                 </a:ext>
               </a:extLst>
             </p:cNvPr>
@@ -13687,7 +13134,7 @@
             <p:cNvPr id="403" name="Oval 402">
               <a:extLst>
                 <a:ext uri="{FF2B5EF4-FFF2-40B4-BE49-F238E27FC236}">
-                  <a16:creationId xmlns:a16="http://schemas.microsoft.com/office/drawing/2014/main" xmlns="" id="{351FD30C-1665-4C50-AC16-1BE375B2BEB1}"/>
+                  <a16:creationId xmlns:a16="http://schemas.microsoft.com/office/drawing/2014/main" id="{351FD30C-1665-4C50-AC16-1BE375B2BEB1}"/>
                 </a:ext>
               </a:extLst>
             </p:cNvPr>
@@ -13745,7 +13192,7 @@
           <p:cNvPr id="404" name="Group 403" descr="Circles">
             <a:extLst>
               <a:ext uri="{FF2B5EF4-FFF2-40B4-BE49-F238E27FC236}">
-                <a16:creationId xmlns:a16="http://schemas.microsoft.com/office/drawing/2014/main" xmlns="" id="{118644F3-10A0-4CEF-A0C0-1F9438D5394C}"/>
+                <a16:creationId xmlns:a16="http://schemas.microsoft.com/office/drawing/2014/main" id="{118644F3-10A0-4CEF-A0C0-1F9438D5394C}"/>
               </a:ext>
             </a:extLst>
           </p:cNvPr>
@@ -13765,7 +13212,7 @@
             <p:cNvPr id="405" name="Oval 404">
               <a:extLst>
                 <a:ext uri="{FF2B5EF4-FFF2-40B4-BE49-F238E27FC236}">
-                  <a16:creationId xmlns:a16="http://schemas.microsoft.com/office/drawing/2014/main" xmlns="" id="{D4F0FB7B-A17C-4082-9B72-29892B8D9DAA}"/>
+                  <a16:creationId xmlns:a16="http://schemas.microsoft.com/office/drawing/2014/main" id="{D4F0FB7B-A17C-4082-9B72-29892B8D9DAA}"/>
                 </a:ext>
               </a:extLst>
             </p:cNvPr>
@@ -13822,7 +13269,7 @@
             <p:cNvPr id="406" name="Oval 405">
               <a:extLst>
                 <a:ext uri="{FF2B5EF4-FFF2-40B4-BE49-F238E27FC236}">
-                  <a16:creationId xmlns:a16="http://schemas.microsoft.com/office/drawing/2014/main" xmlns="" id="{C9EABEE8-D9FF-422F-9601-F0C653E39F29}"/>
+                  <a16:creationId xmlns:a16="http://schemas.microsoft.com/office/drawing/2014/main" id="{C9EABEE8-D9FF-422F-9601-F0C653E39F29}"/>
                 </a:ext>
               </a:extLst>
             </p:cNvPr>
@@ -13879,7 +13326,7 @@
             <p:cNvPr id="407" name="Oval 406">
               <a:extLst>
                 <a:ext uri="{FF2B5EF4-FFF2-40B4-BE49-F238E27FC236}">
-                  <a16:creationId xmlns:a16="http://schemas.microsoft.com/office/drawing/2014/main" xmlns="" id="{35B382A4-4E4F-4CBF-B05B-D978ACA0F735}"/>
+                  <a16:creationId xmlns:a16="http://schemas.microsoft.com/office/drawing/2014/main" id="{35B382A4-4E4F-4CBF-B05B-D978ACA0F735}"/>
                 </a:ext>
               </a:extLst>
             </p:cNvPr>
@@ -13936,7 +13383,7 @@
             <p:cNvPr id="408" name="Oval 407">
               <a:extLst>
                 <a:ext uri="{FF2B5EF4-FFF2-40B4-BE49-F238E27FC236}">
-                  <a16:creationId xmlns:a16="http://schemas.microsoft.com/office/drawing/2014/main" xmlns="" id="{A36623EE-A4E8-423B-A434-71D70E6782A5}"/>
+                  <a16:creationId xmlns:a16="http://schemas.microsoft.com/office/drawing/2014/main" id="{A36623EE-A4E8-423B-A434-71D70E6782A5}"/>
                 </a:ext>
               </a:extLst>
             </p:cNvPr>
@@ -13993,7 +13440,7 @@
             <p:cNvPr id="409" name="Oval 408">
               <a:extLst>
                 <a:ext uri="{FF2B5EF4-FFF2-40B4-BE49-F238E27FC236}">
-                  <a16:creationId xmlns:a16="http://schemas.microsoft.com/office/drawing/2014/main" xmlns="" id="{FC7BF22D-5BD9-499F-9096-279DF8E7D7DA}"/>
+                  <a16:creationId xmlns:a16="http://schemas.microsoft.com/office/drawing/2014/main" id="{FC7BF22D-5BD9-499F-9096-279DF8E7D7DA}"/>
                 </a:ext>
               </a:extLst>
             </p:cNvPr>
@@ -14050,7 +13497,7 @@
             <p:cNvPr id="410" name="Oval 409">
               <a:extLst>
                 <a:ext uri="{FF2B5EF4-FFF2-40B4-BE49-F238E27FC236}">
-                  <a16:creationId xmlns:a16="http://schemas.microsoft.com/office/drawing/2014/main" xmlns="" id="{15B5FC60-1157-4A93-826B-384708CECE87}"/>
+                  <a16:creationId xmlns:a16="http://schemas.microsoft.com/office/drawing/2014/main" id="{15B5FC60-1157-4A93-826B-384708CECE87}"/>
                 </a:ext>
               </a:extLst>
             </p:cNvPr>
@@ -14107,7 +13554,7 @@
             <p:cNvPr id="411" name="Oval 410">
               <a:extLst>
                 <a:ext uri="{FF2B5EF4-FFF2-40B4-BE49-F238E27FC236}">
-                  <a16:creationId xmlns:a16="http://schemas.microsoft.com/office/drawing/2014/main" xmlns="" id="{70612B63-32D7-4C2B-B748-CE50BE74960B}"/>
+                  <a16:creationId xmlns:a16="http://schemas.microsoft.com/office/drawing/2014/main" id="{70612B63-32D7-4C2B-B748-CE50BE74960B}"/>
                 </a:ext>
               </a:extLst>
             </p:cNvPr>
@@ -14164,7 +13611,7 @@
             <p:cNvPr id="412" name="Oval 411">
               <a:extLst>
                 <a:ext uri="{FF2B5EF4-FFF2-40B4-BE49-F238E27FC236}">
-                  <a16:creationId xmlns:a16="http://schemas.microsoft.com/office/drawing/2014/main" xmlns="" id="{E06EEC14-ABA6-4BBB-BFF0-8773BDD6FC2C}"/>
+                  <a16:creationId xmlns:a16="http://schemas.microsoft.com/office/drawing/2014/main" id="{E06EEC14-ABA6-4BBB-BFF0-8773BDD6FC2C}"/>
                 </a:ext>
               </a:extLst>
             </p:cNvPr>
@@ -14221,7 +13668,7 @@
             <p:cNvPr id="413" name="Oval 412">
               <a:extLst>
                 <a:ext uri="{FF2B5EF4-FFF2-40B4-BE49-F238E27FC236}">
-                  <a16:creationId xmlns:a16="http://schemas.microsoft.com/office/drawing/2014/main" xmlns="" id="{157E024F-FD4A-4205-BABD-0143C5131987}"/>
+                  <a16:creationId xmlns:a16="http://schemas.microsoft.com/office/drawing/2014/main" id="{157E024F-FD4A-4205-BABD-0143C5131987}"/>
                 </a:ext>
               </a:extLst>
             </p:cNvPr>
@@ -14278,7 +13725,7 @@
             <p:cNvPr id="414" name="Oval 413">
               <a:extLst>
                 <a:ext uri="{FF2B5EF4-FFF2-40B4-BE49-F238E27FC236}">
-                  <a16:creationId xmlns:a16="http://schemas.microsoft.com/office/drawing/2014/main" xmlns="" id="{4F8BDD00-A80C-4789-80C9-26053F7CAB17}"/>
+                  <a16:creationId xmlns:a16="http://schemas.microsoft.com/office/drawing/2014/main" id="{4F8BDD00-A80C-4789-80C9-26053F7CAB17}"/>
                 </a:ext>
               </a:extLst>
             </p:cNvPr>
@@ -14336,7 +13783,7 @@
           <p:cNvPr id="7" name="Picture Placeholder 6">
             <a:extLst>
               <a:ext uri="{FF2B5EF4-FFF2-40B4-BE49-F238E27FC236}">
-                <a16:creationId xmlns:a16="http://schemas.microsoft.com/office/drawing/2014/main" xmlns="" id="{C2A28396-305C-42B7-A11F-C1010FC6B9D5}"/>
+                <a16:creationId xmlns:a16="http://schemas.microsoft.com/office/drawing/2014/main" id="{C2A28396-305C-42B7-A11F-C1010FC6B9D5}"/>
               </a:ext>
             </a:extLst>
           </p:cNvPr>
@@ -14348,10 +13795,10 @@
           </p:nvPr>
         </p:nvPicPr>
         <p:blipFill>
-          <a:blip r:embed="rId28" cstate="print">
+          <a:blip r:embed="rId26" cstate="print">
             <a:extLst>
               <a:ext uri="{28A0092B-C50C-407E-A947-70E740481C1C}">
-                <a14:useLocalDpi xmlns:a14="http://schemas.microsoft.com/office/drawing/2010/main" xmlns="" val="0"/>
+                <a14:useLocalDpi xmlns:a14="http://schemas.microsoft.com/office/drawing/2010/main" val="0"/>
               </a:ext>
             </a:extLst>
           </a:blip>
@@ -14372,7 +13819,7 @@
           <p:cNvPr id="187" name="Picture 2" descr="Motorcycle Of Big Size Black Silhouette free vector icons designed by  Freepik | Kids canvas art, Bike art, Black silhouette">
             <a:extLst>
               <a:ext uri="{FF2B5EF4-FFF2-40B4-BE49-F238E27FC236}">
-                <a16:creationId xmlns:a16="http://schemas.microsoft.com/office/drawing/2014/main" xmlns="" id="{95BCA6ED-B01F-4460-B188-A2784C598868}"/>
+                <a16:creationId xmlns:a16="http://schemas.microsoft.com/office/drawing/2014/main" id="{95BCA6ED-B01F-4460-B188-A2784C598868}"/>
               </a:ext>
             </a:extLst>
           </p:cNvPr>
@@ -14382,11 +13829,11 @@
           <p:nvPr/>
         </p:nvPicPr>
         <p:blipFill>
-          <a:blip r:embed="rId29" cstate="print">
+          <a:blip r:embed="rId27" cstate="print">
             <a:lum bright="70000" contrast="-70000"/>
             <a:extLst>
               <a:ext uri="{28A0092B-C50C-407E-A947-70E740481C1C}">
-                <a14:useLocalDpi xmlns:a14="http://schemas.microsoft.com/office/drawing/2010/main" xmlns="" val="0"/>
+                <a14:useLocalDpi xmlns:a14="http://schemas.microsoft.com/office/drawing/2010/main" val="0"/>
               </a:ext>
             </a:extLst>
           </a:blip>
@@ -14406,7 +13853,7 @@
           <a:noFill/>
           <a:extLst>
             <a:ext uri="{909E8E84-426E-40DD-AFC4-6F175D3DCCD1}">
-              <a14:hiddenFill xmlns:a14="http://schemas.microsoft.com/office/drawing/2010/main" xmlns="">
+              <a14:hiddenFill xmlns:a14="http://schemas.microsoft.com/office/drawing/2010/main">
                 <a:solidFill>
                   <a:srgbClr val="FFFFFF"/>
                 </a:solidFill>
@@ -14420,7 +13867,7 @@
           <p:cNvPr id="188" name="Picture 187">
             <a:extLst>
               <a:ext uri="{FF2B5EF4-FFF2-40B4-BE49-F238E27FC236}">
-                <a16:creationId xmlns:a16="http://schemas.microsoft.com/office/drawing/2014/main" xmlns="" id="{AED6DD35-489F-46E0-838D-193C1E20C9A6}"/>
+                <a16:creationId xmlns:a16="http://schemas.microsoft.com/office/drawing/2014/main" id="{AED6DD35-489F-46E0-838D-193C1E20C9A6}"/>
               </a:ext>
             </a:extLst>
           </p:cNvPr>
@@ -14430,14 +13877,14 @@
           <p:nvPr/>
         </p:nvPicPr>
         <p:blipFill>
-          <a:blip r:embed="rId30" cstate="print">
+          <a:blip r:embed="rId28" cstate="print">
             <a:lum bright="70000" contrast="-70000"/>
             <a:extLst>
               <a:ext uri="{28A0092B-C50C-407E-A947-70E740481C1C}">
-                <a14:useLocalDpi xmlns:a14="http://schemas.microsoft.com/office/drawing/2010/main" xmlns="" val="0"/>
+                <a14:useLocalDpi xmlns:a14="http://schemas.microsoft.com/office/drawing/2010/main" val="0"/>
               </a:ext>
               <a:ext uri="{837473B0-CC2E-450A-ABE3-18F120FF3D39}">
-                <a1611:picAttrSrcUrl xmlns:a1611="http://schemas.microsoft.com/office/drawing/2016/11/main" xmlns="" r:id="rId31"/>
+                <a1611:picAttrSrcUrl xmlns:a1611="http://schemas.microsoft.com/office/drawing/2016/11/main" r:id="rId29"/>
               </a:ext>
             </a:extLst>
           </a:blip>
@@ -14460,7 +13907,7 @@
           <p:cNvPr id="3" name="Picture 2">
             <a:extLst>
               <a:ext uri="{FF2B5EF4-FFF2-40B4-BE49-F238E27FC236}">
-                <a16:creationId xmlns:a16="http://schemas.microsoft.com/office/drawing/2014/main" xmlns="" id="{DED39F62-83A1-4763-8E93-8E2203CAF48D}"/>
+                <a16:creationId xmlns:a16="http://schemas.microsoft.com/office/drawing/2014/main" id="{DED39F62-83A1-4763-8E93-8E2203CAF48D}"/>
               </a:ext>
             </a:extLst>
           </p:cNvPr>
@@ -14470,14 +13917,14 @@
           <p:nvPr/>
         </p:nvPicPr>
         <p:blipFill>
-          <a:blip r:embed="rId32" cstate="print">
+          <a:blip r:embed="rId30" cstate="print">
             <a:lum bright="70000" contrast="-70000"/>
             <a:extLst>
               <a:ext uri="{28A0092B-C50C-407E-A947-70E740481C1C}">
-                <a14:useLocalDpi xmlns:a14="http://schemas.microsoft.com/office/drawing/2010/main" xmlns="" val="0"/>
+                <a14:useLocalDpi xmlns:a14="http://schemas.microsoft.com/office/drawing/2010/main" val="0"/>
               </a:ext>
               <a:ext uri="{837473B0-CC2E-450A-ABE3-18F120FF3D39}">
-                <a1611:picAttrSrcUrl xmlns:a1611="http://schemas.microsoft.com/office/drawing/2016/11/main" xmlns="" r:id="rId33"/>
+                <a1611:picAttrSrcUrl xmlns:a1611="http://schemas.microsoft.com/office/drawing/2016/11/main" r:id="rId31"/>
               </a:ext>
             </a:extLst>
           </a:blip>
@@ -14500,7 +13947,7 @@
           <p:cNvPr id="185" name="Picture 184">
             <a:extLst>
               <a:ext uri="{FF2B5EF4-FFF2-40B4-BE49-F238E27FC236}">
-                <a16:creationId xmlns:a16="http://schemas.microsoft.com/office/drawing/2014/main" xmlns="" id="{0F3F6AD5-F4CE-413A-A6DC-171B2DB45342}"/>
+                <a16:creationId xmlns:a16="http://schemas.microsoft.com/office/drawing/2014/main" id="{0F3F6AD5-F4CE-413A-A6DC-171B2DB45342}"/>
               </a:ext>
             </a:extLst>
           </p:cNvPr>
@@ -14510,7 +13957,7 @@
           <p:nvPr/>
         </p:nvPicPr>
         <p:blipFill>
-          <a:blip r:embed="rId34" cstate="print">
+          <a:blip r:embed="rId32" cstate="print">
             <a:duotone>
               <a:srgbClr val="003C87">
                 <a:shade val="45000"/>
@@ -14520,10 +13967,10 @@
             </a:duotone>
             <a:extLst>
               <a:ext uri="{28A0092B-C50C-407E-A947-70E740481C1C}">
-                <a14:useLocalDpi xmlns:a14="http://schemas.microsoft.com/office/drawing/2010/main" xmlns="" val="0"/>
+                <a14:useLocalDpi xmlns:a14="http://schemas.microsoft.com/office/drawing/2010/main" val="0"/>
               </a:ext>
               <a:ext uri="{837473B0-CC2E-450A-ABE3-18F120FF3D39}">
-                <a1611:picAttrSrcUrl xmlns:a1611="http://schemas.microsoft.com/office/drawing/2016/11/main" xmlns="" r:id="rId35"/>
+                <a1611:picAttrSrcUrl xmlns:a1611="http://schemas.microsoft.com/office/drawing/2016/11/main" r:id="rId33"/>
               </a:ext>
             </a:extLst>
           </a:blip>
@@ -14568,7 +14015,7 @@
           <p:cNvPr id="186" name="Graphic 185" descr="GPS icon">
             <a:extLst>
               <a:ext uri="{FF2B5EF4-FFF2-40B4-BE49-F238E27FC236}">
-                <a16:creationId xmlns:a16="http://schemas.microsoft.com/office/drawing/2014/main" xmlns="" id="{022DC40F-65F8-410C-830C-3C88C8EB9D23}"/>
+                <a16:creationId xmlns:a16="http://schemas.microsoft.com/office/drawing/2014/main" id="{022DC40F-65F8-410C-830C-3C88C8EB9D23}"/>
               </a:ext>
             </a:extLst>
           </p:cNvPr>
@@ -14578,10 +14025,10 @@
           <p:nvPr/>
         </p:nvPicPr>
         <p:blipFill>
-          <a:blip r:embed="rId36" cstate="print">
+          <a:blip r:embed="rId34" cstate="print">
             <a:extLst>
               <a:ext uri="{96DAC541-7B7A-43D3-8B79-37D633B846F1}">
-                <asvg:svgBlip xmlns:asvg="http://schemas.microsoft.com/office/drawing/2016/SVG/main" xmlns="" r:embed="rId37"/>
+                <asvg:svgBlip xmlns:asvg="http://schemas.microsoft.com/office/drawing/2016/SVG/main" r:embed="rId35"/>
               </a:ext>
             </a:extLst>
           </a:blip>
@@ -14604,7 +14051,7 @@
           <p:cNvPr id="189" name="Oval 188">
             <a:extLst>
               <a:ext uri="{FF2B5EF4-FFF2-40B4-BE49-F238E27FC236}">
-                <a16:creationId xmlns:a16="http://schemas.microsoft.com/office/drawing/2014/main" xmlns="" id="{EF8750A8-8CF7-4494-8678-AABA826F7DBA}"/>
+                <a16:creationId xmlns:a16="http://schemas.microsoft.com/office/drawing/2014/main" id="{EF8750A8-8CF7-4494-8678-AABA826F7DBA}"/>
               </a:ext>
             </a:extLst>
           </p:cNvPr>
@@ -14661,7 +14108,7 @@
           <p:cNvPr id="190" name="Oval 189">
             <a:extLst>
               <a:ext uri="{FF2B5EF4-FFF2-40B4-BE49-F238E27FC236}">
-                <a16:creationId xmlns:a16="http://schemas.microsoft.com/office/drawing/2014/main" xmlns="" id="{61738291-4A76-4488-80DC-C7F9C9CBBC7F}"/>
+                <a16:creationId xmlns:a16="http://schemas.microsoft.com/office/drawing/2014/main" id="{61738291-4A76-4488-80DC-C7F9C9CBBC7F}"/>
               </a:ext>
             </a:extLst>
           </p:cNvPr>
@@ -14718,7 +14165,7 @@
           <p:cNvPr id="191" name="Text Placeholder 329">
             <a:extLst>
               <a:ext uri="{FF2B5EF4-FFF2-40B4-BE49-F238E27FC236}">
-                <a16:creationId xmlns:a16="http://schemas.microsoft.com/office/drawing/2014/main" xmlns="" id="{25E52B6E-5974-45D4-B8B2-82A00EC93D7A}"/>
+                <a16:creationId xmlns:a16="http://schemas.microsoft.com/office/drawing/2014/main" id="{25E52B6E-5974-45D4-B8B2-82A00EC93D7A}"/>
               </a:ext>
             </a:extLst>
           </p:cNvPr>
@@ -14917,7 +14364,7 @@
           <p:cNvPr id="192" name="Group 191" descr="Circles">
             <a:extLst>
               <a:ext uri="{FF2B5EF4-FFF2-40B4-BE49-F238E27FC236}">
-                <a16:creationId xmlns:a16="http://schemas.microsoft.com/office/drawing/2014/main" xmlns="" id="{30D37093-92C5-4F93-B4C8-323BB3719032}"/>
+                <a16:creationId xmlns:a16="http://schemas.microsoft.com/office/drawing/2014/main" id="{30D37093-92C5-4F93-B4C8-323BB3719032}"/>
               </a:ext>
             </a:extLst>
           </p:cNvPr>
@@ -14937,7 +14384,7 @@
             <p:cNvPr id="193" name="Oval 192">
               <a:extLst>
                 <a:ext uri="{FF2B5EF4-FFF2-40B4-BE49-F238E27FC236}">
-                  <a16:creationId xmlns:a16="http://schemas.microsoft.com/office/drawing/2014/main" xmlns="" id="{D3C43B41-2C31-4510-831E-5CC261F136B7}"/>
+                  <a16:creationId xmlns:a16="http://schemas.microsoft.com/office/drawing/2014/main" id="{D3C43B41-2C31-4510-831E-5CC261F136B7}"/>
                 </a:ext>
               </a:extLst>
             </p:cNvPr>
@@ -14994,7 +14441,7 @@
             <p:cNvPr id="194" name="Oval 193">
               <a:extLst>
                 <a:ext uri="{FF2B5EF4-FFF2-40B4-BE49-F238E27FC236}">
-                  <a16:creationId xmlns:a16="http://schemas.microsoft.com/office/drawing/2014/main" xmlns="" id="{5C329917-13CD-4A77-8B32-56A7D193117C}"/>
+                  <a16:creationId xmlns:a16="http://schemas.microsoft.com/office/drawing/2014/main" id="{5C329917-13CD-4A77-8B32-56A7D193117C}"/>
                 </a:ext>
               </a:extLst>
             </p:cNvPr>
@@ -15051,7 +14498,7 @@
             <p:cNvPr id="195" name="Oval 194">
               <a:extLst>
                 <a:ext uri="{FF2B5EF4-FFF2-40B4-BE49-F238E27FC236}">
-                  <a16:creationId xmlns:a16="http://schemas.microsoft.com/office/drawing/2014/main" xmlns="" id="{ED2D867D-044B-4DB0-8540-0E2388BC383C}"/>
+                  <a16:creationId xmlns:a16="http://schemas.microsoft.com/office/drawing/2014/main" id="{ED2D867D-044B-4DB0-8540-0E2388BC383C}"/>
                 </a:ext>
               </a:extLst>
             </p:cNvPr>
@@ -15108,7 +14555,7 @@
             <p:cNvPr id="196" name="Oval 195">
               <a:extLst>
                 <a:ext uri="{FF2B5EF4-FFF2-40B4-BE49-F238E27FC236}">
-                  <a16:creationId xmlns:a16="http://schemas.microsoft.com/office/drawing/2014/main" xmlns="" id="{2C915D13-816C-49D0-99DC-FCD721E0C32F}"/>
+                  <a16:creationId xmlns:a16="http://schemas.microsoft.com/office/drawing/2014/main" id="{2C915D13-816C-49D0-99DC-FCD721E0C32F}"/>
                 </a:ext>
               </a:extLst>
             </p:cNvPr>
@@ -15165,7 +14612,7 @@
             <p:cNvPr id="197" name="Oval 196">
               <a:extLst>
                 <a:ext uri="{FF2B5EF4-FFF2-40B4-BE49-F238E27FC236}">
-                  <a16:creationId xmlns:a16="http://schemas.microsoft.com/office/drawing/2014/main" xmlns="" id="{AB7F83C5-58AD-4E00-A480-F5D0B81A2F1D}"/>
+                  <a16:creationId xmlns:a16="http://schemas.microsoft.com/office/drawing/2014/main" id="{AB7F83C5-58AD-4E00-A480-F5D0B81A2F1D}"/>
                 </a:ext>
               </a:extLst>
             </p:cNvPr>
@@ -15222,7 +14669,7 @@
             <p:cNvPr id="198" name="Oval 197">
               <a:extLst>
                 <a:ext uri="{FF2B5EF4-FFF2-40B4-BE49-F238E27FC236}">
-                  <a16:creationId xmlns:a16="http://schemas.microsoft.com/office/drawing/2014/main" xmlns="" id="{7D604213-021F-45E6-8FD7-377C19CFE189}"/>
+                  <a16:creationId xmlns:a16="http://schemas.microsoft.com/office/drawing/2014/main" id="{7D604213-021F-45E6-8FD7-377C19CFE189}"/>
                 </a:ext>
               </a:extLst>
             </p:cNvPr>
@@ -15279,7 +14726,7 @@
             <p:cNvPr id="199" name="Oval 198">
               <a:extLst>
                 <a:ext uri="{FF2B5EF4-FFF2-40B4-BE49-F238E27FC236}">
-                  <a16:creationId xmlns:a16="http://schemas.microsoft.com/office/drawing/2014/main" xmlns="" id="{F5CF4B8C-65BC-4712-ADEC-DC7BB829A4EC}"/>
+                  <a16:creationId xmlns:a16="http://schemas.microsoft.com/office/drawing/2014/main" id="{F5CF4B8C-65BC-4712-ADEC-DC7BB829A4EC}"/>
                 </a:ext>
               </a:extLst>
             </p:cNvPr>
@@ -15336,7 +14783,7 @@
             <p:cNvPr id="200" name="Oval 199">
               <a:extLst>
                 <a:ext uri="{FF2B5EF4-FFF2-40B4-BE49-F238E27FC236}">
-                  <a16:creationId xmlns:a16="http://schemas.microsoft.com/office/drawing/2014/main" xmlns="" id="{D1315FCE-1116-4393-8AD2-17D4D8795849}"/>
+                  <a16:creationId xmlns:a16="http://schemas.microsoft.com/office/drawing/2014/main" id="{D1315FCE-1116-4393-8AD2-17D4D8795849}"/>
                 </a:ext>
               </a:extLst>
             </p:cNvPr>
@@ -15393,7 +14840,7 @@
             <p:cNvPr id="201" name="Oval 200">
               <a:extLst>
                 <a:ext uri="{FF2B5EF4-FFF2-40B4-BE49-F238E27FC236}">
-                  <a16:creationId xmlns:a16="http://schemas.microsoft.com/office/drawing/2014/main" xmlns="" id="{AC6C1AA5-C6D9-4773-9A4B-8146C9FF1C5F}"/>
+                  <a16:creationId xmlns:a16="http://schemas.microsoft.com/office/drawing/2014/main" id="{AC6C1AA5-C6D9-4773-9A4B-8146C9FF1C5F}"/>
                 </a:ext>
               </a:extLst>
             </p:cNvPr>
@@ -15450,7 +14897,7 @@
             <p:cNvPr id="202" name="Oval 201">
               <a:extLst>
                 <a:ext uri="{FF2B5EF4-FFF2-40B4-BE49-F238E27FC236}">
-                  <a16:creationId xmlns:a16="http://schemas.microsoft.com/office/drawing/2014/main" xmlns="" id="{5855E397-FB2B-44D0-A662-940DC05D50B8}"/>
+                  <a16:creationId xmlns:a16="http://schemas.microsoft.com/office/drawing/2014/main" id="{5855E397-FB2B-44D0-A662-940DC05D50B8}"/>
                 </a:ext>
               </a:extLst>
             </p:cNvPr>
@@ -15503,52 +14950,15 @@
           </p:txBody>
         </p:sp>
       </p:grpSp>
-      <p:sp>
-        <p:nvSpPr>
-          <p:cNvPr id="454" name="TextBox 453">
-            <a:extLst>
-              <a:ext uri="{FF2B5EF4-FFF2-40B4-BE49-F238E27FC236}">
-                <a16:creationId xmlns:a16="http://schemas.microsoft.com/office/drawing/2014/main" xmlns="" id="{CD682959-8A04-478E-A410-84737E626F23}"/>
-              </a:ext>
-            </a:extLst>
-          </p:cNvPr>
-          <p:cNvSpPr txBox="1"/>
-          <p:nvPr/>
-        </p:nvSpPr>
-        <p:spPr>
-          <a:xfrm>
-            <a:off x="1693219" y="3001328"/>
-            <a:ext cx="5164781" cy="753059"/>
-          </a:xfrm>
-          <a:prstGeom prst="rect">
-            <a:avLst/>
-          </a:prstGeom>
-          <a:solidFill>
-            <a:schemeClr val="accent4">
-              <a:lumMod val="90000"/>
-              <a:lumOff val="10000"/>
-            </a:schemeClr>
-          </a:solidFill>
-        </p:spPr>
-        <p:txBody>
-          <a:bodyPr wrap="square" rtlCol="0">
-            <a:spAutoFit/>
-          </a:bodyPr>
-          <a:lstStyle/>
-          <a:p>
-            <a:endParaRPr lang="en-US" dirty="0"/>
-          </a:p>
-        </p:txBody>
-      </p:sp>
       <p:pic>
         <p:nvPicPr>
           <p:cNvPr id="237" name="Graphic 236">
             <a:extLst>
               <a:ext uri="{FF2B5EF4-FFF2-40B4-BE49-F238E27FC236}">
-                <a16:creationId xmlns:a16="http://schemas.microsoft.com/office/drawing/2014/main" xmlns="" id="{D570F43E-69F4-4586-898B-CAE68B867F24}"/>
+                <a16:creationId xmlns:a16="http://schemas.microsoft.com/office/drawing/2014/main" id="{D570F43E-69F4-4586-898B-CAE68B867F24}"/>
               </a:ext>
               <a:ext uri="{C183D7F6-B498-43B3-948B-1728B52AA6E4}">
-                <adec:decorative xmlns:adec="http://schemas.microsoft.com/office/drawing/2017/decorative" xmlns="" val="1"/>
+                <adec:decorative xmlns:adec="http://schemas.microsoft.com/office/drawing/2017/decorative" val="1"/>
               </a:ext>
             </a:extLst>
           </p:cNvPr>
@@ -15558,10 +14968,10 @@
           <p:nvPr/>
         </p:nvPicPr>
         <p:blipFill>
-          <a:blip r:embed="rId38" cstate="print">
+          <a:blip r:embed="rId36" cstate="print">
             <a:extLst>
               <a:ext uri="{96DAC541-7B7A-43D3-8B79-37D633B846F1}">
-                <asvg:svgBlip xmlns:asvg="http://schemas.microsoft.com/office/drawing/2016/SVG/main" xmlns="" r:embed="rId39"/>
+                <asvg:svgBlip xmlns:asvg="http://schemas.microsoft.com/office/drawing/2016/SVG/main" r:embed="rId37"/>
               </a:ext>
             </a:extLst>
           </a:blip>
@@ -15571,7 +14981,7 @@
         </p:blipFill>
         <p:spPr>
           <a:xfrm>
-            <a:off x="1929796" y="3392749"/>
+            <a:off x="1929796" y="3875349"/>
             <a:ext cx="187200" cy="187200"/>
           </a:xfrm>
           <a:prstGeom prst="rect">
@@ -15584,7 +14994,7 @@
           <p:cNvPr id="238" name="Text Placeholder 276">
             <a:extLst>
               <a:ext uri="{FF2B5EF4-FFF2-40B4-BE49-F238E27FC236}">
-                <a16:creationId xmlns:a16="http://schemas.microsoft.com/office/drawing/2014/main" xmlns="" id="{BA19BCFA-5586-41A0-B624-D35957620C7E}"/>
+                <a16:creationId xmlns:a16="http://schemas.microsoft.com/office/drawing/2014/main" id="{BA19BCFA-5586-41A0-B624-D35957620C7E}"/>
               </a:ext>
             </a:extLst>
           </p:cNvPr>
@@ -15595,7 +15005,7 @@
         </p:nvSpPr>
         <p:spPr>
           <a:xfrm>
-            <a:off x="2110458" y="3341207"/>
+            <a:off x="2110458" y="3823807"/>
             <a:ext cx="2041508" cy="242888"/>
           </a:xfrm>
           <a:prstGeom prst="rect">
@@ -15783,7 +15193,7 @@
           <p:cNvPr id="459" name="TextBox 458">
             <a:extLst>
               <a:ext uri="{FF2B5EF4-FFF2-40B4-BE49-F238E27FC236}">
-                <a16:creationId xmlns:a16="http://schemas.microsoft.com/office/drawing/2014/main" xmlns="" id="{CE5E8725-528A-47B9-AFD3-C2296E3BF4C7}"/>
+                <a16:creationId xmlns:a16="http://schemas.microsoft.com/office/drawing/2014/main" id="{CE5E8725-528A-47B9-AFD3-C2296E3BF4C7}"/>
               </a:ext>
             </a:extLst>
           </p:cNvPr>
@@ -15792,8 +15202,8 @@
         </p:nvSpPr>
         <p:spPr>
           <a:xfrm>
-            <a:off x="1678952" y="2847853"/>
-            <a:ext cx="5164781" cy="375486"/>
+            <a:off x="1678952" y="3183133"/>
+            <a:ext cx="5164781" cy="548640"/>
           </a:xfrm>
           <a:prstGeom prst="rect">
             <a:avLst/>
@@ -15819,7 +15229,7 @@
           <p:cNvPr id="2050" name="Picture 2" descr="MentorrBuddy">
             <a:extLst>
               <a:ext uri="{FF2B5EF4-FFF2-40B4-BE49-F238E27FC236}">
-                <a16:creationId xmlns:a16="http://schemas.microsoft.com/office/drawing/2014/main" xmlns="" id="{391ECF4B-484B-425C-AB97-BDCA1ECAE31C}"/>
+                <a16:creationId xmlns:a16="http://schemas.microsoft.com/office/drawing/2014/main" id="{391ECF4B-484B-425C-AB97-BDCA1ECAE31C}"/>
               </a:ext>
             </a:extLst>
           </p:cNvPr>
@@ -15829,7 +15239,7 @@
           <p:nvPr/>
         </p:nvPicPr>
         <p:blipFill>
-          <a:blip r:embed="rId40" cstate="print">
+          <a:blip r:embed="rId38" cstate="print">
             <a:duotone>
               <a:prstClr val="black"/>
               <a:schemeClr val="tx2">
@@ -15839,7 +15249,7 @@
             </a:duotone>
             <a:extLst>
               <a:ext uri="{28A0092B-C50C-407E-A947-70E740481C1C}">
-                <a14:useLocalDpi xmlns:a14="http://schemas.microsoft.com/office/drawing/2010/main" xmlns="" val="0"/>
+                <a14:useLocalDpi xmlns:a14="http://schemas.microsoft.com/office/drawing/2010/main" val="0"/>
               </a:ext>
             </a:extLst>
           </a:blip>
@@ -15850,7 +15260,7 @@
         </p:blipFill>
         <p:spPr bwMode="auto">
           <a:xfrm>
-            <a:off x="1874845" y="2878903"/>
+            <a:off x="1874845" y="3317815"/>
             <a:ext cx="251175" cy="251175"/>
           </a:xfrm>
           <a:prstGeom prst="rect">
@@ -15859,7 +15269,7 @@
           <a:noFill/>
           <a:extLst>
             <a:ext uri="{909E8E84-426E-40DD-AFC4-6F175D3DCCD1}">
-              <a14:hiddenFill xmlns:a14="http://schemas.microsoft.com/office/drawing/2010/main" xmlns="">
+              <a14:hiddenFill xmlns:a14="http://schemas.microsoft.com/office/drawing/2010/main">
                 <a:solidFill>
                   <a:srgbClr val="FFFFFF"/>
                 </a:solidFill>
@@ -15873,7 +15283,7 @@
           <p:cNvPr id="241" name="Text Placeholder 276">
             <a:extLst>
               <a:ext uri="{FF2B5EF4-FFF2-40B4-BE49-F238E27FC236}">
-                <a16:creationId xmlns:a16="http://schemas.microsoft.com/office/drawing/2014/main" xmlns="" id="{0EE7C6D8-765D-488C-AAAC-10F0B4CBB00F}"/>
+                <a16:creationId xmlns:a16="http://schemas.microsoft.com/office/drawing/2014/main" id="{0EE7C6D8-765D-488C-AAAC-10F0B4CBB00F}"/>
               </a:ext>
             </a:extLst>
           </p:cNvPr>
@@ -15884,7 +15294,7 @@
         </p:nvSpPr>
         <p:spPr>
           <a:xfrm>
-            <a:off x="2110458" y="2890136"/>
+            <a:off x="2110458" y="3316856"/>
             <a:ext cx="2041508" cy="242888"/>
           </a:xfrm>
           <a:prstGeom prst="rect">
@@ -16072,7 +15482,7 @@
           <p:cNvPr id="460" name="TextBox 459">
             <a:extLst>
               <a:ext uri="{FF2B5EF4-FFF2-40B4-BE49-F238E27FC236}">
-                <a16:creationId xmlns:a16="http://schemas.microsoft.com/office/drawing/2014/main" xmlns="" id="{4A27D0CC-C21C-41EE-AA18-5D389609A790}"/>
+                <a16:creationId xmlns:a16="http://schemas.microsoft.com/office/drawing/2014/main" id="{4A27D0CC-C21C-41EE-AA18-5D389609A790}"/>
               </a:ext>
             </a:extLst>
           </p:cNvPr>
@@ -16081,7 +15491,7 @@
         </p:nvSpPr>
         <p:spPr>
           <a:xfrm>
-            <a:off x="3998561" y="2841057"/>
+            <a:off x="3998561" y="3267777"/>
             <a:ext cx="2512851" cy="400110"/>
           </a:xfrm>
           <a:prstGeom prst="rect">
@@ -16109,10 +15519,503 @@
           </a:p>
         </p:txBody>
       </p:sp>
+      <p:sp>
+        <p:nvSpPr>
+          <p:cNvPr id="23" name="TextBox 22">
+            <a:extLst>
+              <a:ext uri="{FF2B5EF4-FFF2-40B4-BE49-F238E27FC236}">
+                <a16:creationId xmlns:a16="http://schemas.microsoft.com/office/drawing/2014/main" id="{B5576387-8EE6-4B8E-A0DB-D72A171F02A0}"/>
+              </a:ext>
+            </a:extLst>
+          </p:cNvPr>
+          <p:cNvSpPr txBox="1"/>
+          <p:nvPr/>
+        </p:nvSpPr>
+        <p:spPr>
+          <a:xfrm>
+            <a:off x="4394938" y="4573802"/>
+            <a:ext cx="680599" cy="184666"/>
+          </a:xfrm>
+          <a:prstGeom prst="rect">
+            <a:avLst/>
+          </a:prstGeom>
+          <a:noFill/>
+        </p:spPr>
+        <p:txBody>
+          <a:bodyPr wrap="square" rtlCol="0">
+            <a:spAutoFit/>
+          </a:bodyPr>
+          <a:lstStyle/>
+          <a:p>
+            <a:pPr algn="ctr"/>
+            <a:r>
+              <a:rPr lang="en-US" sz="600" dirty="0">
+                <a:solidFill>
+                  <a:schemeClr val="bg1">
+                    <a:lumMod val="65000"/>
+                  </a:schemeClr>
+                </a:solidFill>
+              </a:rPr>
+              <a:t>CTO @ DRIFE</a:t>
+            </a:r>
+          </a:p>
+        </p:txBody>
+      </p:sp>
+      <p:sp>
+        <p:nvSpPr>
+          <p:cNvPr id="25" name="Right Bracket 24">
+            <a:extLst>
+              <a:ext uri="{FF2B5EF4-FFF2-40B4-BE49-F238E27FC236}">
+                <a16:creationId xmlns:a16="http://schemas.microsoft.com/office/drawing/2014/main" id="{965BC28A-F674-410F-AE1D-11FD62223B41}"/>
+              </a:ext>
+            </a:extLst>
+          </p:cNvPr>
+          <p:cNvSpPr/>
+          <p:nvPr/>
+        </p:nvSpPr>
+        <p:spPr>
+          <a:xfrm rot="16200000">
+            <a:off x="4688320" y="4888260"/>
+            <a:ext cx="59791" cy="477046"/>
+          </a:xfrm>
+          <a:prstGeom prst="rightBracket">
+            <a:avLst/>
+          </a:prstGeom>
+          <a:ln>
+            <a:solidFill>
+              <a:schemeClr val="bg1">
+                <a:lumMod val="85000"/>
+              </a:schemeClr>
+            </a:solidFill>
+          </a:ln>
+        </p:spPr>
+        <p:style>
+          <a:lnRef idx="1">
+            <a:schemeClr val="accent5"/>
+          </a:lnRef>
+          <a:fillRef idx="0">
+            <a:schemeClr val="accent5"/>
+          </a:fillRef>
+          <a:effectRef idx="0">
+            <a:schemeClr val="accent5"/>
+          </a:effectRef>
+          <a:fontRef idx="minor">
+            <a:schemeClr val="tx1"/>
+          </a:fontRef>
+        </p:style>
+        <p:txBody>
+          <a:bodyPr rtlCol="0" anchor="ctr"/>
+          <a:lstStyle/>
+          <a:p>
+            <a:pPr algn="ctr"/>
+            <a:endParaRPr lang="en-US"/>
+          </a:p>
+        </p:txBody>
+      </p:sp>
+      <p:cxnSp>
+        <p:nvCxnSpPr>
+          <p:cNvPr id="219" name="Straight Connector 218">
+            <a:extLst>
+              <a:ext uri="{FF2B5EF4-FFF2-40B4-BE49-F238E27FC236}">
+                <a16:creationId xmlns:a16="http://schemas.microsoft.com/office/drawing/2014/main" id="{B8EA5B1E-3BA1-4987-98A4-A5C234EBC80B}"/>
+              </a:ext>
+            </a:extLst>
+          </p:cNvPr>
+          <p:cNvCxnSpPr>
+            <a:cxnSpLocks/>
+            <a:stCxn id="220" idx="0"/>
+          </p:cNvCxnSpPr>
+          <p:nvPr/>
+        </p:nvCxnSpPr>
+        <p:spPr>
+          <a:xfrm>
+            <a:off x="5075047" y="4354012"/>
+            <a:ext cx="0" cy="821492"/>
+          </a:xfrm>
+          <a:prstGeom prst="line">
+            <a:avLst/>
+          </a:prstGeom>
+          <a:ln w="12700">
+            <a:solidFill>
+              <a:schemeClr val="bg2"/>
+            </a:solidFill>
+          </a:ln>
+        </p:spPr>
+        <p:style>
+          <a:lnRef idx="1">
+            <a:schemeClr val="accent1"/>
+          </a:lnRef>
+          <a:fillRef idx="0">
+            <a:schemeClr val="accent1"/>
+          </a:fillRef>
+          <a:effectRef idx="0">
+            <a:schemeClr val="accent1"/>
+          </a:effectRef>
+          <a:fontRef idx="minor">
+            <a:schemeClr val="tx1"/>
+          </a:fontRef>
+        </p:style>
+      </p:cxnSp>
+      <p:pic>
+        <p:nvPicPr>
+          <p:cNvPr id="220" name="Graphic 219">
+            <a:extLst>
+              <a:ext uri="{FF2B5EF4-FFF2-40B4-BE49-F238E27FC236}">
+                <a16:creationId xmlns:a16="http://schemas.microsoft.com/office/drawing/2014/main" id="{69A733E3-4342-4FC4-9E56-E7BD94980228}"/>
+              </a:ext>
+              <a:ext uri="{C183D7F6-B498-43B3-948B-1728B52AA6E4}">
+                <adec:decorative xmlns:adec="http://schemas.microsoft.com/office/drawing/2017/decorative" val="1"/>
+              </a:ext>
+            </a:extLst>
+          </p:cNvPr>
+          <p:cNvPicPr>
+            <a:picLocks noChangeAspect="1"/>
+          </p:cNvPicPr>
+          <p:nvPr/>
+        </p:nvPicPr>
+        <p:blipFill>
+          <a:blip r:embed="rId39" cstate="print">
+            <a:extLst>
+              <a:ext uri="{96DAC541-7B7A-43D3-8B79-37D633B846F1}">
+                <asvg:svgBlip xmlns:asvg="http://schemas.microsoft.com/office/drawing/2016/SVG/main" r:embed="rId40"/>
+              </a:ext>
+            </a:extLst>
+          </a:blip>
+          <a:stretch>
+            <a:fillRect/>
+          </a:stretch>
+        </p:blipFill>
+        <p:spPr>
+          <a:xfrm>
+            <a:off x="5015647" y="4354012"/>
+            <a:ext cx="118800" cy="118800"/>
+          </a:xfrm>
+          <a:prstGeom prst="rect">
+            <a:avLst/>
+          </a:prstGeom>
+        </p:spPr>
+      </p:pic>
+      <p:sp>
+        <p:nvSpPr>
+          <p:cNvPr id="221" name="TextBox 220">
+            <a:extLst>
+              <a:ext uri="{FF2B5EF4-FFF2-40B4-BE49-F238E27FC236}">
+                <a16:creationId xmlns:a16="http://schemas.microsoft.com/office/drawing/2014/main" id="{3DBC0E31-70CC-4A5B-942E-6520D5914F6E}"/>
+              </a:ext>
+            </a:extLst>
+          </p:cNvPr>
+          <p:cNvSpPr txBox="1"/>
+          <p:nvPr/>
+        </p:nvSpPr>
+        <p:spPr>
+          <a:xfrm>
+            <a:off x="4638131" y="4105210"/>
+            <a:ext cx="878650" cy="276999"/>
+          </a:xfrm>
+          <a:prstGeom prst="rect">
+            <a:avLst/>
+          </a:prstGeom>
+          <a:noFill/>
+        </p:spPr>
+        <p:txBody>
+          <a:bodyPr wrap="square" rtlCol="0">
+            <a:spAutoFit/>
+          </a:bodyPr>
+          <a:lstStyle/>
+          <a:p>
+            <a:pPr algn="ctr"/>
+            <a:r>
+              <a:rPr lang="en-US" sz="600" dirty="0">
+                <a:solidFill>
+                  <a:schemeClr val="bg1">
+                    <a:lumMod val="65000"/>
+                  </a:schemeClr>
+                </a:solidFill>
+              </a:rPr>
+              <a:t>Started as Educator @ UDEMY</a:t>
+            </a:r>
+          </a:p>
+        </p:txBody>
+      </p:sp>
+      <p:cxnSp>
+        <p:nvCxnSpPr>
+          <p:cNvPr id="228" name="Straight Connector 227">
+            <a:extLst>
+              <a:ext uri="{FF2B5EF4-FFF2-40B4-BE49-F238E27FC236}">
+                <a16:creationId xmlns:a16="http://schemas.microsoft.com/office/drawing/2014/main" id="{FC8BF248-0ECA-4890-93D0-8156925F1859}"/>
+              </a:ext>
+            </a:extLst>
+          </p:cNvPr>
+          <p:cNvCxnSpPr>
+            <a:cxnSpLocks/>
+          </p:cNvCxnSpPr>
+          <p:nvPr/>
+        </p:nvCxnSpPr>
+        <p:spPr>
+          <a:xfrm>
+            <a:off x="3915663" y="4919929"/>
+            <a:ext cx="0" cy="260347"/>
+          </a:xfrm>
+          <a:prstGeom prst="line">
+            <a:avLst/>
+          </a:prstGeom>
+          <a:ln w="12700">
+            <a:solidFill>
+              <a:schemeClr val="bg2"/>
+            </a:solidFill>
+          </a:ln>
+        </p:spPr>
+        <p:style>
+          <a:lnRef idx="1">
+            <a:schemeClr val="accent1"/>
+          </a:lnRef>
+          <a:fillRef idx="0">
+            <a:schemeClr val="accent1"/>
+          </a:fillRef>
+          <a:effectRef idx="0">
+            <a:schemeClr val="accent1"/>
+          </a:effectRef>
+          <a:fontRef idx="minor">
+            <a:schemeClr val="tx1"/>
+          </a:fontRef>
+        </p:style>
+      </p:cxnSp>
+      <p:pic>
+        <p:nvPicPr>
+          <p:cNvPr id="229" name="Graphic 228">
+            <a:extLst>
+              <a:ext uri="{FF2B5EF4-FFF2-40B4-BE49-F238E27FC236}">
+                <a16:creationId xmlns:a16="http://schemas.microsoft.com/office/drawing/2014/main" id="{67283042-1C4F-44C3-B7F5-7AD297FA163C}"/>
+              </a:ext>
+              <a:ext uri="{C183D7F6-B498-43B3-948B-1728B52AA6E4}">
+                <adec:decorative xmlns:adec="http://schemas.microsoft.com/office/drawing/2017/decorative" val="1"/>
+              </a:ext>
+            </a:extLst>
+          </p:cNvPr>
+          <p:cNvPicPr>
+            <a:picLocks noChangeAspect="1"/>
+          </p:cNvPicPr>
+          <p:nvPr/>
+        </p:nvPicPr>
+        <p:blipFill>
+          <a:blip r:embed="rId39" cstate="print">
+            <a:extLst>
+              <a:ext uri="{96DAC541-7B7A-43D3-8B79-37D633B846F1}">
+                <asvg:svgBlip xmlns:asvg="http://schemas.microsoft.com/office/drawing/2016/SVG/main" r:embed="rId40"/>
+              </a:ext>
+            </a:extLst>
+          </a:blip>
+          <a:stretch>
+            <a:fillRect/>
+          </a:stretch>
+        </p:blipFill>
+        <p:spPr>
+          <a:xfrm>
+            <a:off x="3858489" y="4807180"/>
+            <a:ext cx="118800" cy="118800"/>
+          </a:xfrm>
+          <a:prstGeom prst="rect">
+            <a:avLst/>
+          </a:prstGeom>
+        </p:spPr>
+      </p:pic>
+      <p:sp>
+        <p:nvSpPr>
+          <p:cNvPr id="230" name="TextBox 229">
+            <a:extLst>
+              <a:ext uri="{FF2B5EF4-FFF2-40B4-BE49-F238E27FC236}">
+                <a16:creationId xmlns:a16="http://schemas.microsoft.com/office/drawing/2014/main" id="{A135F298-E667-4DB2-9E9F-EB2F50D2B5EF}"/>
+              </a:ext>
+            </a:extLst>
+          </p:cNvPr>
+          <p:cNvSpPr txBox="1"/>
+          <p:nvPr/>
+        </p:nvSpPr>
+        <p:spPr>
+          <a:xfrm>
+            <a:off x="3479256" y="4462967"/>
+            <a:ext cx="854057" cy="369332"/>
+          </a:xfrm>
+          <a:prstGeom prst="rect">
+            <a:avLst/>
+          </a:prstGeom>
+          <a:noFill/>
+        </p:spPr>
+        <p:txBody>
+          <a:bodyPr wrap="square" rtlCol="0">
+            <a:spAutoFit/>
+          </a:bodyPr>
+          <a:lstStyle/>
+          <a:p>
+            <a:pPr algn="ctr"/>
+            <a:r>
+              <a:rPr lang="en-US" sz="600" dirty="0">
+                <a:solidFill>
+                  <a:schemeClr val="bg1">
+                    <a:lumMod val="65000"/>
+                  </a:schemeClr>
+                </a:solidFill>
+              </a:rPr>
+              <a:t>Launched “BitInfoCoin” Android App</a:t>
+            </a:r>
+          </a:p>
+        </p:txBody>
+      </p:sp>
+      <p:pic>
+        <p:nvPicPr>
+          <p:cNvPr id="180" name="Picture 2" descr="MentorrBuddy">
+            <a:extLst>
+              <a:ext uri="{FF2B5EF4-FFF2-40B4-BE49-F238E27FC236}">
+                <a16:creationId xmlns:a16="http://schemas.microsoft.com/office/drawing/2014/main" id="{7ED1E882-141F-4356-9961-1F705DB2FF5C}"/>
+              </a:ext>
+            </a:extLst>
+          </p:cNvPr>
+          <p:cNvPicPr>
+            <a:picLocks noChangeAspect="1" noChangeArrowheads="1"/>
+          </p:cNvPicPr>
+          <p:nvPr/>
+        </p:nvPicPr>
+        <p:blipFill>
+          <a:blip r:embed="rId38" cstate="print">
+            <a:duotone>
+              <a:prstClr val="black"/>
+              <a:schemeClr val="tx2">
+                <a:tint val="45000"/>
+                <a:satMod val="400000"/>
+              </a:schemeClr>
+            </a:duotone>
+            <a:extLst>
+              <a:ext uri="{28A0092B-C50C-407E-A947-70E740481C1C}">
+                <a14:useLocalDpi xmlns:a14="http://schemas.microsoft.com/office/drawing/2010/main" val="0"/>
+              </a:ext>
+            </a:extLst>
+          </a:blip>
+          <a:srcRect/>
+          <a:stretch>
+            <a:fillRect/>
+          </a:stretch>
+        </p:blipFill>
+        <p:spPr bwMode="auto">
+          <a:xfrm>
+            <a:off x="1876367" y="717356"/>
+            <a:ext cx="497954" cy="497954"/>
+          </a:xfrm>
+          <a:prstGeom prst="rect">
+            <a:avLst/>
+          </a:prstGeom>
+          <a:noFill/>
+          <a:ln>
+            <a:noFill/>
+          </a:ln>
+          <a:extLst>
+            <a:ext uri="{909E8E84-426E-40DD-AFC4-6F175D3DCCD1}">
+              <a14:hiddenFill xmlns:a14="http://schemas.microsoft.com/office/drawing/2010/main">
+                <a:solidFill>
+                  <a:srgbClr val="FFFFFF"/>
+                </a:solidFill>
+              </a14:hiddenFill>
+            </a:ext>
+          </a:extLst>
+        </p:spPr>
+      </p:pic>
+      <p:sp>
+        <p:nvSpPr>
+          <p:cNvPr id="6" name="Rectangle 5">
+            <a:extLst>
+              <a:ext uri="{FF2B5EF4-FFF2-40B4-BE49-F238E27FC236}">
+                <a16:creationId xmlns:a16="http://schemas.microsoft.com/office/drawing/2014/main" id="{0F66FFA6-F8B2-4112-BE04-166187FB5BC6}"/>
+              </a:ext>
+            </a:extLst>
+          </p:cNvPr>
+          <p:cNvSpPr/>
+          <p:nvPr/>
+        </p:nvSpPr>
+        <p:spPr>
+          <a:xfrm>
+            <a:off x="1964659" y="844628"/>
+            <a:ext cx="320246" cy="251844"/>
+          </a:xfrm>
+          <a:prstGeom prst="rect">
+            <a:avLst/>
+          </a:prstGeom>
+          <a:solidFill>
+            <a:schemeClr val="tx2">
+              <a:lumMod val="60000"/>
+              <a:lumOff val="40000"/>
+            </a:schemeClr>
+          </a:solidFill>
+          <a:ln>
+            <a:noFill/>
+          </a:ln>
+        </p:spPr>
+        <p:style>
+          <a:lnRef idx="2">
+            <a:schemeClr val="accent1">
+              <a:shade val="50000"/>
+            </a:schemeClr>
+          </a:lnRef>
+          <a:fillRef idx="1">
+            <a:schemeClr val="accent1"/>
+          </a:fillRef>
+          <a:effectRef idx="0">
+            <a:schemeClr val="accent1"/>
+          </a:effectRef>
+          <a:fontRef idx="minor">
+            <a:schemeClr val="lt1"/>
+          </a:fontRef>
+        </p:style>
+        <p:txBody>
+          <a:bodyPr rtlCol="0" anchor="ctr"/>
+          <a:lstStyle/>
+          <a:p>
+            <a:pPr algn="ctr"/>
+            <a:endParaRPr lang="en-US"/>
+          </a:p>
+        </p:txBody>
+      </p:sp>
+      <p:pic>
+        <p:nvPicPr>
+          <p:cNvPr id="204" name="Picture 203">
+            <a:extLst>
+              <a:ext uri="{FF2B5EF4-FFF2-40B4-BE49-F238E27FC236}">
+                <a16:creationId xmlns:a16="http://schemas.microsoft.com/office/drawing/2014/main" id="{1AD7C44D-4FB6-42D6-A88C-110798DFEF7F}"/>
+              </a:ext>
+            </a:extLst>
+          </p:cNvPr>
+          <p:cNvPicPr>
+            <a:picLocks noChangeAspect="1"/>
+          </p:cNvPicPr>
+          <p:nvPr/>
+        </p:nvPicPr>
+        <p:blipFill>
+          <a:blip r:embed="rId41">
+            <a:extLst>
+              <a:ext uri="{28A0092B-C50C-407E-A947-70E740481C1C}">
+                <a14:useLocalDpi xmlns:a14="http://schemas.microsoft.com/office/drawing/2010/main" val="0"/>
+              </a:ext>
+              <a:ext uri="{837473B0-CC2E-450A-ABE3-18F120FF3D39}">
+                <a1611:picAttrSrcUrl xmlns:a1611="http://schemas.microsoft.com/office/drawing/2016/11/main" r:id="rId42"/>
+              </a:ext>
+            </a:extLst>
+          </a:blip>
+          <a:stretch>
+            <a:fillRect/>
+          </a:stretch>
+        </p:blipFill>
+        <p:spPr>
+          <a:xfrm>
+            <a:off x="1988474" y="847437"/>
+            <a:ext cx="274692" cy="274692"/>
+          </a:xfrm>
+          <a:prstGeom prst="rect">
+            <a:avLst/>
+          </a:prstGeom>
+        </p:spPr>
+      </p:pic>
     </p:spTree>
     <p:extLst>
       <p:ext uri="{BB962C8B-B14F-4D97-AF65-F5344CB8AC3E}">
-        <p14:creationId xmlns:p14="http://schemas.microsoft.com/office/powerpoint/2010/main" xmlns="" val="4262250697"/>
+        <p14:creationId xmlns:p14="http://schemas.microsoft.com/office/powerpoint/2010/main" val="4262250697"/>
       </p:ext>
     </p:extLst>
   </p:cSld>
@@ -16152,7 +16055,7 @@
           <p:cNvPr id="86" name="Text Placeholder 271">
             <a:extLst>
               <a:ext uri="{FF2B5EF4-FFF2-40B4-BE49-F238E27FC236}">
-                <a16:creationId xmlns:a16="http://schemas.microsoft.com/office/drawing/2014/main" xmlns="" id="{28787771-BA44-4BBB-966F-4567BBA3E8DA}"/>
+                <a16:creationId xmlns:a16="http://schemas.microsoft.com/office/drawing/2014/main" id="{28787771-BA44-4BBB-966F-4567BBA3E8DA}"/>
               </a:ext>
             </a:extLst>
           </p:cNvPr>
@@ -16163,7 +16066,7 @@
         </p:nvSpPr>
         <p:spPr>
           <a:xfrm>
-            <a:off x="407835" y="169258"/>
+            <a:off x="407835" y="372458"/>
             <a:ext cx="1461605" cy="237142"/>
           </a:xfrm>
           <a:prstGeom prst="rect">
@@ -16351,7 +16254,7 @@
           <p:cNvPr id="1026" name="Picture 2" descr="Experience Expert icon PNG and SVG Vector Free Download">
             <a:extLst>
               <a:ext uri="{FF2B5EF4-FFF2-40B4-BE49-F238E27FC236}">
-                <a16:creationId xmlns:a16="http://schemas.microsoft.com/office/drawing/2014/main" xmlns="" id="{B279D6DF-1D8F-42C1-97A0-2C0C389B3838}"/>
+                <a16:creationId xmlns:a16="http://schemas.microsoft.com/office/drawing/2014/main" id="{B279D6DF-1D8F-42C1-97A0-2C0C389B3838}"/>
               </a:ext>
             </a:extLst>
           </p:cNvPr>
@@ -16371,7 +16274,7 @@
             </a:duotone>
             <a:extLst>
               <a:ext uri="{28A0092B-C50C-407E-A947-70E740481C1C}">
-                <a14:useLocalDpi xmlns:a14="http://schemas.microsoft.com/office/drawing/2010/main" xmlns="" val="0"/>
+                <a14:useLocalDpi xmlns:a14="http://schemas.microsoft.com/office/drawing/2010/main" val="0"/>
               </a:ext>
             </a:extLst>
           </a:blip>
@@ -16382,7 +16285,7 @@
         </p:blipFill>
         <p:spPr bwMode="auto">
           <a:xfrm>
-            <a:off x="168489" y="192704"/>
+            <a:off x="168489" y="395904"/>
             <a:ext cx="248920" cy="243086"/>
           </a:xfrm>
           <a:prstGeom prst="rect">
@@ -16398,7 +16301,7 @@
           <p:cNvPr id="87" name="TextBox 86">
             <a:extLst>
               <a:ext uri="{FF2B5EF4-FFF2-40B4-BE49-F238E27FC236}">
-                <a16:creationId xmlns:a16="http://schemas.microsoft.com/office/drawing/2014/main" xmlns="" id="{C7CF1DF8-8606-4A40-97BB-AC76DC18C1E2}"/>
+                <a16:creationId xmlns:a16="http://schemas.microsoft.com/office/drawing/2014/main" id="{C7CF1DF8-8606-4A40-97BB-AC76DC18C1E2}"/>
               </a:ext>
             </a:extLst>
           </p:cNvPr>
@@ -16407,7 +16310,7 @@
         </p:nvSpPr>
         <p:spPr>
           <a:xfrm>
-            <a:off x="542981" y="632750"/>
+            <a:off x="542981" y="928545"/>
             <a:ext cx="1188719" cy="338554"/>
           </a:xfrm>
           <a:prstGeom prst="rect">
@@ -16440,7 +16343,7 @@
           <p:cNvPr id="88" name="TextBox 87">
             <a:extLst>
               <a:ext uri="{FF2B5EF4-FFF2-40B4-BE49-F238E27FC236}">
-                <a16:creationId xmlns:a16="http://schemas.microsoft.com/office/drawing/2014/main" xmlns="" id="{D9F6ECCC-FA81-44A3-BCAF-AF527CE8B81E}"/>
+                <a16:creationId xmlns:a16="http://schemas.microsoft.com/office/drawing/2014/main" id="{D9F6ECCC-FA81-44A3-BCAF-AF527CE8B81E}"/>
               </a:ext>
             </a:extLst>
           </p:cNvPr>
@@ -16449,8 +16352,8 @@
         </p:nvSpPr>
         <p:spPr>
           <a:xfrm>
-            <a:off x="299720" y="1154628"/>
-            <a:ext cx="6258560" cy="8105296"/>
+            <a:off x="299720" y="1450423"/>
+            <a:ext cx="6258560" cy="6459589"/>
           </a:xfrm>
           <a:prstGeom prst="rect">
             <a:avLst/>
@@ -17035,35 +16938,7 @@
                 <a:ea typeface="Calibri" panose="020F0502020204030204" pitchFamily="34" charset="0"/>
                 <a:cs typeface="Mangal" panose="02040503050203030202" pitchFamily="18" charset="0"/>
               </a:rPr>
-              <a:t>Created a Tipping Bot with smart contracts integrated within. Using this Bot, any person can deposit/withdraw/send/receive crypto </a:t>
-            </a:r>
-            <a:r>
-              <a:rPr lang="en-IN" sz="1100" dirty="0" smtClean="0">
-                <a:solidFill>
-                  <a:schemeClr val="bg1">
-                    <a:lumMod val="85000"/>
-                  </a:schemeClr>
-                </a:solidFill>
-                <a:effectLst/>
-                <a:latin typeface="Calibri" panose="020F0502020204030204" pitchFamily="34" charset="0"/>
-                <a:ea typeface="Calibri" panose="020F0502020204030204" pitchFamily="34" charset="0"/>
-                <a:cs typeface="Mangal" panose="02040503050203030202" pitchFamily="18" charset="0"/>
-              </a:rPr>
-              <a:t>token(s) </a:t>
-            </a:r>
-            <a:r>
-              <a:rPr lang="en-IN" sz="1100" dirty="0">
-                <a:solidFill>
-                  <a:schemeClr val="bg1">
-                    <a:lumMod val="85000"/>
-                  </a:schemeClr>
-                </a:solidFill>
-                <a:effectLst/>
-                <a:latin typeface="Calibri" panose="020F0502020204030204" pitchFamily="34" charset="0"/>
-                <a:ea typeface="Calibri" panose="020F0502020204030204" pitchFamily="34" charset="0"/>
-                <a:cs typeface="Mangal" panose="02040503050203030202" pitchFamily="18" charset="0"/>
-              </a:rPr>
-              <a:t>worldwide with just Telegram user ID. Wallet with multiple token storage feature is built-in within the Bot for each user. </a:t>
+              <a:t>Created a Tipping Bot with smart contracts integrated within. Using this Bot, any person can deposit/withdraw/send/receive crypto token(s) worldwide with just Telegram user ID. Wallet with multiple token storage feature is built-in within the Bot for each user. </a:t>
             </a:r>
             <a:r>
               <a:rPr lang="en-IN" sz="1100" u="sng" dirty="0">
@@ -17131,63 +17006,7 @@
                 <a:ea typeface="Calibri" panose="020F0502020204030204" pitchFamily="34" charset="0"/>
                 <a:cs typeface="Mangal" panose="02040503050203030202" pitchFamily="18" charset="0"/>
               </a:rPr>
-              <a:t>Developed a Blockchain-based KYC Bot with smart contracts integrated, where a user gets to upload personal data like name, address, ID document, selfie, </a:t>
-            </a:r>
-            <a:r>
-              <a:rPr lang="en-IN" sz="1100" dirty="0" smtClean="0">
-                <a:solidFill>
-                  <a:schemeClr val="bg1">
-                    <a:lumMod val="85000"/>
-                  </a:schemeClr>
-                </a:solidFill>
-                <a:effectLst/>
-                <a:latin typeface="Calibri" panose="020F0502020204030204" pitchFamily="34" charset="0"/>
-                <a:ea typeface="Calibri" panose="020F0502020204030204" pitchFamily="34" charset="0"/>
-                <a:cs typeface="Mangal" panose="02040503050203030202" pitchFamily="18" charset="0"/>
-              </a:rPr>
-              <a:t>that gets </a:t>
-            </a:r>
-            <a:r>
-              <a:rPr lang="en-IN" sz="1100" dirty="0">
-                <a:solidFill>
-                  <a:schemeClr val="bg1">
-                    <a:lumMod val="85000"/>
-                  </a:schemeClr>
-                </a:solidFill>
-                <a:effectLst/>
-                <a:latin typeface="Calibri" panose="020F0502020204030204" pitchFamily="34" charset="0"/>
-                <a:ea typeface="Calibri" panose="020F0502020204030204" pitchFamily="34" charset="0"/>
-                <a:cs typeface="Mangal" panose="02040503050203030202" pitchFamily="18" charset="0"/>
-              </a:rPr>
-              <a:t>hashed and validated via Blockchain to securely maintain privacy. And then stored into the most competent database storage </a:t>
-            </a:r>
-            <a:r>
-              <a:rPr lang="en-IN" sz="1100" dirty="0" smtClean="0">
-                <a:solidFill>
-                  <a:schemeClr val="bg1">
-                    <a:lumMod val="85000"/>
-                  </a:schemeClr>
-                </a:solidFill>
-                <a:effectLst/>
-                <a:latin typeface="Calibri" panose="020F0502020204030204" pitchFamily="34" charset="0"/>
-                <a:ea typeface="Calibri" panose="020F0502020204030204" pitchFamily="34" charset="0"/>
-                <a:cs typeface="Mangal" panose="02040503050203030202" pitchFamily="18" charset="0"/>
-              </a:rPr>
-              <a:t>cloud – </a:t>
-            </a:r>
-            <a:r>
-              <a:rPr lang="en-IN" sz="1100" dirty="0">
-                <a:solidFill>
-                  <a:schemeClr val="bg1">
-                    <a:lumMod val="85000"/>
-                  </a:schemeClr>
-                </a:solidFill>
-                <a:effectLst/>
-                <a:latin typeface="Calibri" panose="020F0502020204030204" pitchFamily="34" charset="0"/>
-                <a:ea typeface="Calibri" panose="020F0502020204030204" pitchFamily="34" charset="0"/>
-                <a:cs typeface="Mangal" panose="02040503050203030202" pitchFamily="18" charset="0"/>
-              </a:rPr>
-              <a:t>Redis. Here, the document, selfie gets stored/downloaded in bytes &amp; then encoded/decoded respectively. </a:t>
+              <a:t>Developed a Blockchain-based KYC Bot with smart contracts integrated, where a user gets to upload personal data like name, address, ID document, selfie, that gets hashed and validated via Blockchain to securely maintain privacy. And then stored into the most competent database storage cloud – Redis. Here, the document, selfie gets stored/downloaded in bytes &amp; then encoded/decoded respectively. </a:t>
             </a:r>
             <a:r>
               <a:rPr lang="en-IN" sz="1100" u="sng" dirty="0">
@@ -17217,148 +17036,13 @@
               </a:rPr>
               <a:t>: C/C++, Bash, Python, Markdown.</a:t>
             </a:r>
-            <a:endParaRPr lang="en-US" sz="1100" dirty="0">
-              <a:solidFill>
-                <a:schemeClr val="bg1">
-                  <a:lumMod val="85000"/>
-                </a:schemeClr>
-              </a:solidFill>
-              <a:effectLst/>
-              <a:latin typeface="Calibri" panose="020F0502020204030204" pitchFamily="34" charset="0"/>
-              <a:ea typeface="Calibri" panose="020F0502020204030204" pitchFamily="34" charset="0"/>
-              <a:cs typeface="Mangal" panose="02040503050203030202" pitchFamily="18" charset="0"/>
-            </a:endParaRPr>
-          </a:p>
-          <a:p>
-            <a:pPr marL="342900" marR="0" lvl="0" indent="-342900" algn="just">
-              <a:lnSpc>
-                <a:spcPct val="115000"/>
-              </a:lnSpc>
-              <a:spcBef>
-                <a:spcPts val="0"/>
-              </a:spcBef>
-              <a:spcAft>
-                <a:spcPts val="600"/>
-              </a:spcAft>
-              <a:buFont typeface="Symbol" panose="05050102010706020507" pitchFamily="18" charset="2"/>
-              <a:buChar char=""/>
-            </a:pPr>
-            <a:r>
-              <a:rPr lang="en-IN" sz="1100" dirty="0">
-                <a:solidFill>
-                  <a:schemeClr val="bg1">
-                    <a:lumMod val="85000"/>
-                  </a:schemeClr>
-                </a:solidFill>
-                <a:effectLst/>
-                <a:latin typeface="Calibri" panose="020F0502020204030204" pitchFamily="34" charset="0"/>
-                <a:ea typeface="Calibri" panose="020F0502020204030204" pitchFamily="34" charset="0"/>
-                <a:cs typeface="Mangal" panose="02040503050203030202" pitchFamily="18" charset="0"/>
-              </a:rPr>
-              <a:t>Currently, developing a giant platform called OYA – the NFT marketplace for all categories like Painting, Music, Movies, Automobiles, Properties with easy payment modes using national currency. All the files remain locked in IPFS Cloud and could only be unlocked by the owners &amp; buyers. The MVP is in form of a Chatbot with elegant UI/UX. As of now, the Smart contracts have been written &amp; the entire product of MVP-level is 70% complete. It also features </a:t>
-            </a:r>
-            <a:r>
-              <a:rPr lang="en-IN" sz="1100" dirty="0" err="1">
-                <a:solidFill>
-                  <a:schemeClr val="bg1">
-                    <a:lumMod val="85000"/>
-                  </a:schemeClr>
-                </a:solidFill>
-                <a:effectLst/>
-                <a:latin typeface="Calibri" panose="020F0502020204030204" pitchFamily="34" charset="0"/>
-                <a:ea typeface="Calibri" panose="020F0502020204030204" pitchFamily="34" charset="0"/>
-                <a:cs typeface="Mangal" panose="02040503050203030202" pitchFamily="18" charset="0"/>
-              </a:rPr>
-              <a:t>DeFi</a:t>
-            </a:r>
-            <a:r>
-              <a:rPr lang="en-IN" sz="1100" dirty="0">
-                <a:solidFill>
-                  <a:schemeClr val="bg1">
-                    <a:lumMod val="85000"/>
-                  </a:schemeClr>
-                </a:solidFill>
-                <a:effectLst/>
-                <a:latin typeface="Calibri" panose="020F0502020204030204" pitchFamily="34" charset="0"/>
-                <a:ea typeface="Calibri" panose="020F0502020204030204" pitchFamily="34" charset="0"/>
-                <a:cs typeface="Mangal" panose="02040503050203030202" pitchFamily="18" charset="0"/>
-              </a:rPr>
-              <a:t> as an option for funding, if required by the NFT owners for asset development. Also, doing R&amp;D on cross-chain asset ownership transfer using script </a:t>
-            </a:r>
-            <a:r>
-              <a:rPr lang="en-IN" sz="1100" dirty="0" smtClean="0">
-                <a:solidFill>
-                  <a:schemeClr val="bg1">
-                    <a:lumMod val="85000"/>
-                  </a:schemeClr>
-                </a:solidFill>
-                <a:effectLst/>
-                <a:latin typeface="Calibri" panose="020F0502020204030204" pitchFamily="34" charset="0"/>
-                <a:ea typeface="Calibri" panose="020F0502020204030204" pitchFamily="34" charset="0"/>
-                <a:cs typeface="Mangal" panose="02040503050203030202" pitchFamily="18" charset="0"/>
-              </a:rPr>
-              <a:t>triggered </a:t>
-            </a:r>
-            <a:r>
-              <a:rPr lang="en-IN" sz="1100" dirty="0">
-                <a:solidFill>
-                  <a:schemeClr val="bg1">
-                    <a:lumMod val="85000"/>
-                  </a:schemeClr>
-                </a:solidFill>
-                <a:effectLst/>
-                <a:latin typeface="Calibri" panose="020F0502020204030204" pitchFamily="34" charset="0"/>
-                <a:ea typeface="Calibri" panose="020F0502020204030204" pitchFamily="34" charset="0"/>
-                <a:cs typeface="Mangal" panose="02040503050203030202" pitchFamily="18" charset="0"/>
-              </a:rPr>
-              <a:t>Smart contracts design methodology. </a:t>
-            </a:r>
-            <a:r>
-              <a:rPr lang="en-IN" sz="1100" u="sng" dirty="0">
-                <a:solidFill>
-                  <a:schemeClr val="bg1">
-                    <a:lumMod val="85000"/>
-                  </a:schemeClr>
-                </a:solidFill>
-                <a:effectLst/>
-                <a:latin typeface="Calibri" panose="020F0502020204030204" pitchFamily="34" charset="0"/>
-                <a:ea typeface="Calibri" panose="020F0502020204030204" pitchFamily="34" charset="0"/>
-                <a:cs typeface="Mangal" panose="02040503050203030202" pitchFamily="18" charset="0"/>
-              </a:rPr>
-              <a:t>Language used</a:t>
-            </a:r>
-            <a:r>
-              <a:rPr lang="en-IN" sz="1100" dirty="0">
-                <a:solidFill>
-                  <a:schemeClr val="bg1">
-                    <a:lumMod val="85000"/>
-                  </a:schemeClr>
-                </a:solidFill>
-                <a:effectLst/>
-                <a:latin typeface="Calibri" panose="020F0502020204030204" pitchFamily="34" charset="0"/>
-                <a:ea typeface="Calibri" panose="020F0502020204030204" pitchFamily="34" charset="0"/>
-                <a:cs typeface="Mangal" panose="02040503050203030202" pitchFamily="18" charset="0"/>
-              </a:rPr>
-              <a:t>: C/C++, Bash, Python, Markdown, Emoji.</a:t>
-            </a:r>
-            <a:endParaRPr lang="en-US" sz="1100" dirty="0">
-              <a:solidFill>
-                <a:schemeClr val="bg1">
-                  <a:lumMod val="85000"/>
-                </a:schemeClr>
-              </a:solidFill>
-              <a:effectLst/>
-              <a:latin typeface="Calibri" panose="020F0502020204030204" pitchFamily="34" charset="0"/>
-              <a:ea typeface="Calibri" panose="020F0502020204030204" pitchFamily="34" charset="0"/>
-              <a:cs typeface="Mangal" panose="02040503050203030202" pitchFamily="18" charset="0"/>
-            </a:endParaRPr>
           </a:p>
         </p:txBody>
       </p:sp>
     </p:spTree>
     <p:extLst>
       <p:ext uri="{BB962C8B-B14F-4D97-AF65-F5344CB8AC3E}">
-        <p14:creationId xmlns:p14="http://schemas.microsoft.com/office/powerpoint/2010/main" xmlns="" val="3209659820"/>
+        <p14:creationId xmlns:p14="http://schemas.microsoft.com/office/powerpoint/2010/main" val="3209659820"/>
       </p:ext>
     </p:extLst>
   </p:cSld>
@@ -17398,7 +17082,7 @@
           <p:cNvPr id="3" name="TextBox 2">
             <a:extLst>
               <a:ext uri="{FF2B5EF4-FFF2-40B4-BE49-F238E27FC236}">
-                <a16:creationId xmlns:a16="http://schemas.microsoft.com/office/drawing/2014/main" xmlns="" id="{F67E3FE9-B788-48EB-AF51-AD8AEDBD8B38}"/>
+                <a16:creationId xmlns:a16="http://schemas.microsoft.com/office/drawing/2014/main" id="{F67E3FE9-B788-48EB-AF51-AD8AEDBD8B38}"/>
               </a:ext>
             </a:extLst>
           </p:cNvPr>
@@ -17407,8 +17091,8 @@
         </p:nvSpPr>
         <p:spPr>
           <a:xfrm>
-            <a:off x="375920" y="416560"/>
-            <a:ext cx="6126480" cy="2633541"/>
+            <a:off x="375920" y="182098"/>
+            <a:ext cx="6126480" cy="4206088"/>
           </a:xfrm>
           <a:prstGeom prst="rect">
             <a:avLst/>
@@ -17420,6 +17104,88 @@
             <a:spAutoFit/>
           </a:bodyPr>
           <a:lstStyle/>
+          <a:p>
+            <a:pPr marL="342900" indent="-342900" algn="just">
+              <a:lnSpc>
+                <a:spcPct val="115000"/>
+              </a:lnSpc>
+              <a:spcAft>
+                <a:spcPts val="600"/>
+              </a:spcAft>
+              <a:buFont typeface="Symbol" panose="05050102010706020507" pitchFamily="18" charset="2"/>
+              <a:buChar char=""/>
+            </a:pPr>
+            <a:r>
+              <a:rPr lang="en-IN" sz="1100" dirty="0">
+                <a:solidFill>
+                  <a:schemeClr val="bg1">
+                    <a:lumMod val="85000"/>
+                  </a:schemeClr>
+                </a:solidFill>
+                <a:effectLst/>
+                <a:latin typeface="Calibri" panose="020F0502020204030204" pitchFamily="34" charset="0"/>
+                <a:ea typeface="Calibri" panose="020F0502020204030204" pitchFamily="34" charset="0"/>
+                <a:cs typeface="Mangal" panose="02040503050203030202" pitchFamily="18" charset="0"/>
+              </a:rPr>
+              <a:t>Currently, developing a giant platform called OYA – the NFT marketplace for all categories like Painting, Music, Movies, Automobiles, Properties with easy payment modes using national currency. All the files remain locked in IPFS Cloud and could only be unlocked by the owners &amp; buyers. The MVP is in form of a Chatbot with elegant UI/UX. As of now, the Smart contracts have been written &amp; the entire product of MVP-level is 70% complete. It also features </a:t>
+            </a:r>
+            <a:r>
+              <a:rPr lang="en-IN" sz="1100" dirty="0" err="1">
+                <a:solidFill>
+                  <a:schemeClr val="bg1">
+                    <a:lumMod val="85000"/>
+                  </a:schemeClr>
+                </a:solidFill>
+                <a:effectLst/>
+                <a:latin typeface="Calibri" panose="020F0502020204030204" pitchFamily="34" charset="0"/>
+                <a:ea typeface="Calibri" panose="020F0502020204030204" pitchFamily="34" charset="0"/>
+                <a:cs typeface="Mangal" panose="02040503050203030202" pitchFamily="18" charset="0"/>
+              </a:rPr>
+              <a:t>DeFi</a:t>
+            </a:r>
+            <a:r>
+              <a:rPr lang="en-IN" sz="1100" dirty="0">
+                <a:solidFill>
+                  <a:schemeClr val="bg1">
+                    <a:lumMod val="85000"/>
+                  </a:schemeClr>
+                </a:solidFill>
+                <a:effectLst/>
+                <a:latin typeface="Calibri" panose="020F0502020204030204" pitchFamily="34" charset="0"/>
+                <a:ea typeface="Calibri" panose="020F0502020204030204" pitchFamily="34" charset="0"/>
+                <a:cs typeface="Mangal" panose="02040503050203030202" pitchFamily="18" charset="0"/>
+              </a:rPr>
+              <a:t> as an option for funding, if required by the NFT owners for asset development. Also, doing R&amp;D on cross-chain asset ownership transfer using script triggered Smart contracts design methodology. </a:t>
+            </a:r>
+            <a:r>
+              <a:rPr lang="en-IN" sz="1100" u="sng" dirty="0">
+                <a:solidFill>
+                  <a:schemeClr val="bg1">
+                    <a:lumMod val="85000"/>
+                  </a:schemeClr>
+                </a:solidFill>
+                <a:effectLst/>
+                <a:latin typeface="Calibri" panose="020F0502020204030204" pitchFamily="34" charset="0"/>
+                <a:ea typeface="Calibri" panose="020F0502020204030204" pitchFamily="34" charset="0"/>
+                <a:cs typeface="Mangal" panose="02040503050203030202" pitchFamily="18" charset="0"/>
+              </a:rPr>
+              <a:t>Language used</a:t>
+            </a:r>
+            <a:r>
+              <a:rPr lang="en-IN" sz="1100" dirty="0">
+                <a:solidFill>
+                  <a:schemeClr val="bg1">
+                    <a:lumMod val="85000"/>
+                  </a:schemeClr>
+                </a:solidFill>
+                <a:effectLst/>
+                <a:latin typeface="Calibri" panose="020F0502020204030204" pitchFamily="34" charset="0"/>
+                <a:ea typeface="Calibri" panose="020F0502020204030204" pitchFamily="34" charset="0"/>
+                <a:cs typeface="Mangal" panose="02040503050203030202" pitchFamily="18" charset="0"/>
+              </a:rPr>
+              <a:t>: C/C++, Bash, Python, Markdown, Emoji.</a:t>
+            </a:r>
+          </a:p>
           <a:p>
             <a:pPr marL="342900" marR="0" lvl="0" indent="-342900" algn="just">
               <a:lnSpc>
@@ -17668,119 +17434,7 @@
                 <a:ea typeface="Calibri" panose="020F0502020204030204" pitchFamily="34" charset="0"/>
                 <a:cs typeface="Mangal" panose="02040503050203030202" pitchFamily="18" charset="0"/>
               </a:rPr>
-              <a:t> Blockchain. It was about bringing together the travel </a:t>
-            </a:r>
-            <a:r>
-              <a:rPr lang="en-IN" sz="1100" dirty="0" smtClean="0">
-                <a:solidFill>
-                  <a:schemeClr val="bg1">
-                    <a:lumMod val="85000"/>
-                  </a:schemeClr>
-                </a:solidFill>
-                <a:effectLst/>
-                <a:latin typeface="Calibri" panose="020F0502020204030204" pitchFamily="34" charset="0"/>
-                <a:ea typeface="Calibri" panose="020F0502020204030204" pitchFamily="34" charset="0"/>
-                <a:cs typeface="Mangal" panose="02040503050203030202" pitchFamily="18" charset="0"/>
-              </a:rPr>
-              <a:t>&amp; tourism community </a:t>
-            </a:r>
-            <a:r>
-              <a:rPr lang="en-IN" sz="1100" dirty="0">
-                <a:solidFill>
-                  <a:schemeClr val="bg1">
-                    <a:lumMod val="85000"/>
-                  </a:schemeClr>
-                </a:solidFill>
-                <a:effectLst/>
-                <a:latin typeface="Calibri" panose="020F0502020204030204" pitchFamily="34" charset="0"/>
-                <a:ea typeface="Calibri" panose="020F0502020204030204" pitchFamily="34" charset="0"/>
-                <a:cs typeface="Mangal" panose="02040503050203030202" pitchFamily="18" charset="0"/>
-              </a:rPr>
-              <a:t>where they </a:t>
-            </a:r>
-            <a:r>
-              <a:rPr lang="en-IN" sz="1100" dirty="0" smtClean="0">
-                <a:solidFill>
-                  <a:schemeClr val="bg1">
-                    <a:lumMod val="85000"/>
-                  </a:schemeClr>
-                </a:solidFill>
-                <a:effectLst/>
-                <a:latin typeface="Calibri" panose="020F0502020204030204" pitchFamily="34" charset="0"/>
-                <a:ea typeface="Calibri" panose="020F0502020204030204" pitchFamily="34" charset="0"/>
-                <a:cs typeface="Mangal" panose="02040503050203030202" pitchFamily="18" charset="0"/>
-              </a:rPr>
-              <a:t>can post </a:t>
-            </a:r>
-            <a:r>
-              <a:rPr lang="en-IN" sz="1100" dirty="0">
-                <a:solidFill>
-                  <a:schemeClr val="bg1">
-                    <a:lumMod val="85000"/>
-                  </a:schemeClr>
-                </a:solidFill>
-                <a:effectLst/>
-                <a:latin typeface="Calibri" panose="020F0502020204030204" pitchFamily="34" charset="0"/>
-                <a:ea typeface="Calibri" panose="020F0502020204030204" pitchFamily="34" charset="0"/>
-                <a:cs typeface="Mangal" panose="02040503050203030202" pitchFamily="18" charset="0"/>
-              </a:rPr>
-              <a:t>content (in articles, photos, videos) &amp; </a:t>
-            </a:r>
-            <a:r>
-              <a:rPr lang="en-IN" sz="1100" dirty="0" smtClean="0">
-                <a:solidFill>
-                  <a:schemeClr val="bg1">
-                    <a:lumMod val="85000"/>
-                  </a:schemeClr>
-                </a:solidFill>
-                <a:effectLst/>
-                <a:latin typeface="Calibri" panose="020F0502020204030204" pitchFamily="34" charset="0"/>
-                <a:ea typeface="Calibri" panose="020F0502020204030204" pitchFamily="34" charset="0"/>
-                <a:cs typeface="Mangal" panose="02040503050203030202" pitchFamily="18" charset="0"/>
-              </a:rPr>
-              <a:t>instead they get </a:t>
-            </a:r>
-            <a:r>
-              <a:rPr lang="en-IN" sz="1100" dirty="0">
-                <a:solidFill>
-                  <a:schemeClr val="bg1">
-                    <a:lumMod val="85000"/>
-                  </a:schemeClr>
-                </a:solidFill>
-                <a:effectLst/>
-                <a:latin typeface="Calibri" panose="020F0502020204030204" pitchFamily="34" charset="0"/>
-                <a:ea typeface="Calibri" panose="020F0502020204030204" pitchFamily="34" charset="0"/>
-                <a:cs typeface="Mangal" panose="02040503050203030202" pitchFamily="18" charset="0"/>
-              </a:rPr>
-              <a:t>incentivized in STEEM tokens based on creativity (with no plagiarism) </a:t>
-            </a:r>
-            <a:r>
-              <a:rPr lang="en-IN" sz="1100" dirty="0" smtClean="0">
-                <a:solidFill>
-                  <a:schemeClr val="bg1">
-                    <a:lumMod val="85000"/>
-                  </a:schemeClr>
-                </a:solidFill>
-                <a:effectLst/>
-                <a:latin typeface="Calibri" panose="020F0502020204030204" pitchFamily="34" charset="0"/>
-                <a:ea typeface="Calibri" panose="020F0502020204030204" pitchFamily="34" charset="0"/>
-                <a:cs typeface="Mangal" panose="02040503050203030202" pitchFamily="18" charset="0"/>
-              </a:rPr>
-              <a:t>evaluated by an AI-based </a:t>
-            </a:r>
-            <a:r>
-              <a:rPr lang="en-IN" sz="1100" dirty="0">
-                <a:solidFill>
-                  <a:schemeClr val="bg1">
-                    <a:lumMod val="85000"/>
-                  </a:schemeClr>
-                </a:solidFill>
-                <a:effectLst/>
-                <a:latin typeface="Calibri" panose="020F0502020204030204" pitchFamily="34" charset="0"/>
-                <a:ea typeface="Calibri" panose="020F0502020204030204" pitchFamily="34" charset="0"/>
-                <a:cs typeface="Mangal" panose="02040503050203030202" pitchFamily="18" charset="0"/>
-              </a:rPr>
-              <a:t>community Bot. </a:t>
+              <a:t> Blockchain. It was about bringing together the travel &amp; tourism community where they can post content (in articles, photos, videos) &amp; instead they get incentivized in STEEM tokens based on creativity (with no plagiarism) evaluated by an AI-based community Bot. </a:t>
             </a:r>
             <a:r>
               <a:rPr lang="en-IN" sz="1100" u="sng" dirty="0">
@@ -17825,7 +17479,7 @@
           <p:cNvPr id="4" name="TextBox 3">
             <a:extLst>
               <a:ext uri="{FF2B5EF4-FFF2-40B4-BE49-F238E27FC236}">
-                <a16:creationId xmlns:a16="http://schemas.microsoft.com/office/drawing/2014/main" xmlns="" id="{56354908-5321-4022-B98B-4084640D6F32}"/>
+                <a16:creationId xmlns:a16="http://schemas.microsoft.com/office/drawing/2014/main" id="{56354908-5321-4022-B98B-4084640D6F32}"/>
               </a:ext>
             </a:extLst>
           </p:cNvPr>
@@ -17834,7 +17488,7 @@
         </p:nvSpPr>
         <p:spPr>
           <a:xfrm>
-            <a:off x="477224" y="3101602"/>
+            <a:off x="375920" y="4622648"/>
             <a:ext cx="1340002" cy="338554"/>
           </a:xfrm>
           <a:prstGeom prst="rect">
@@ -17866,7 +17520,7 @@
           <p:cNvPr id="6" name="TextBox 5">
             <a:extLst>
               <a:ext uri="{FF2B5EF4-FFF2-40B4-BE49-F238E27FC236}">
-                <a16:creationId xmlns:a16="http://schemas.microsoft.com/office/drawing/2014/main" xmlns="" id="{5C56EA74-887C-4DC0-A111-D2C7A6E90508}"/>
+                <a16:creationId xmlns:a16="http://schemas.microsoft.com/office/drawing/2014/main" id="{5C56EA74-887C-4DC0-A111-D2C7A6E90508}"/>
               </a:ext>
             </a:extLst>
           </p:cNvPr>
@@ -17875,7 +17529,7 @@
         </p:nvSpPr>
         <p:spPr>
           <a:xfrm>
-            <a:off x="375921" y="3579052"/>
+            <a:off x="375920" y="5092891"/>
             <a:ext cx="6126480" cy="4051109"/>
           </a:xfrm>
           <a:prstGeom prst="rect">
@@ -17939,35 +17593,7 @@
                 <a:ea typeface="Calibri" panose="020F0502020204030204" pitchFamily="34" charset="0"/>
                 <a:cs typeface="Mangal" panose="02040503050203030202" pitchFamily="18" charset="0"/>
               </a:rPr>
-              <a:t>’ for generating interactive plots (with hovering feature) automatically from the big data maintained in Excel and reduced the time from 30 mins (earlier) to 3 seconds (now). Also, created a </a:t>
-            </a:r>
-            <a:r>
-              <a:rPr lang="en-IN" sz="1100" dirty="0" smtClean="0">
-                <a:solidFill>
-                  <a:schemeClr val="bg1">
-                    <a:lumMod val="85000"/>
-                  </a:schemeClr>
-                </a:solidFill>
-                <a:effectLst/>
-                <a:latin typeface="Calibri" panose="020F0502020204030204" pitchFamily="34" charset="0"/>
-                <a:ea typeface="Calibri" panose="020F0502020204030204" pitchFamily="34" charset="0"/>
-                <a:cs typeface="Mangal" panose="02040503050203030202" pitchFamily="18" charset="0"/>
-              </a:rPr>
-              <a:t>corresponding dashboard for data analytics on </a:t>
-            </a:r>
-            <a:r>
-              <a:rPr lang="en-IN" sz="1100" dirty="0">
-                <a:solidFill>
-                  <a:schemeClr val="bg1">
-                    <a:lumMod val="85000"/>
-                  </a:schemeClr>
-                </a:solidFill>
-                <a:effectLst/>
-                <a:latin typeface="Calibri" panose="020F0502020204030204" pitchFamily="34" charset="0"/>
-                <a:ea typeface="Calibri" panose="020F0502020204030204" pitchFamily="34" charset="0"/>
-                <a:cs typeface="Mangal" panose="02040503050203030202" pitchFamily="18" charset="0"/>
-              </a:rPr>
-              <a:t>web browser. </a:t>
+              <a:t>’ for generating interactive plots (with hovering feature) automatically from the big data maintained in Excel and reduced the time from 30 mins (earlier) to 3 seconds (now). Also, created a corresponding dashboard for data analytics on web browser. </a:t>
             </a:r>
             <a:r>
               <a:rPr lang="en-IN" sz="1100" u="sng" dirty="0">
@@ -17995,21 +17621,7 @@
                 <a:ea typeface="Calibri" panose="020F0502020204030204" pitchFamily="34" charset="0"/>
                 <a:cs typeface="Mangal" panose="02040503050203030202" pitchFamily="18" charset="0"/>
               </a:rPr>
-              <a:t>: Python, VBA, Bash, Batch</a:t>
-            </a:r>
-            <a:r>
-              <a:rPr lang="en-IN" sz="1100" dirty="0" smtClean="0">
-                <a:solidFill>
-                  <a:schemeClr val="bg1">
-                    <a:lumMod val="85000"/>
-                  </a:schemeClr>
-                </a:solidFill>
-                <a:effectLst/>
-                <a:latin typeface="Calibri" panose="020F0502020204030204" pitchFamily="34" charset="0"/>
-                <a:ea typeface="Calibri" panose="020F0502020204030204" pitchFamily="34" charset="0"/>
-                <a:cs typeface="Mangal" panose="02040503050203030202" pitchFamily="18" charset="0"/>
-              </a:rPr>
-              <a:t>.</a:t>
+              <a:t>: Python, VBA, Bash, Batch.</a:t>
             </a:r>
           </a:p>
           <a:p>
@@ -18021,7 +17633,7 @@
               <a:buChar char=""/>
             </a:pPr>
             <a:r>
-              <a:rPr lang="en-IN" sz="1100" dirty="0" smtClean="0">
+              <a:rPr lang="en-IN" sz="1100" dirty="0">
                 <a:solidFill>
                   <a:schemeClr val="bg1">
                     <a:lumMod val="85000"/>
@@ -18034,7 +17646,7 @@
               <a:t>Automatic rent agreements (Deposit Deduction, Rent Increase) generation for different tenants data (like name, </a:t>
             </a:r>
             <a:r>
-              <a:rPr lang="en-IN" sz="1100" dirty="0" err="1" smtClean="0">
+              <a:rPr lang="en-IN" sz="1100" dirty="0" err="1">
                 <a:solidFill>
                   <a:schemeClr val="bg1">
                     <a:lumMod val="85000"/>
@@ -18047,7 +17659,7 @@
               <a:t>startdate</a:t>
             </a:r>
             <a:r>
-              <a:rPr lang="en-IN" sz="1100" dirty="0" smtClean="0">
+              <a:rPr lang="en-IN" sz="1100" dirty="0">
                 <a:solidFill>
                   <a:schemeClr val="bg1">
                     <a:lumMod val="85000"/>
@@ -18060,7 +17672,7 @@
               <a:t>, address, postcode) from Excel data . </a:t>
             </a:r>
             <a:r>
-              <a:rPr lang="en-IN" sz="1100" u="sng" dirty="0" smtClean="0">
+              <a:rPr lang="en-IN" sz="1100" u="sng" dirty="0">
                 <a:solidFill>
                   <a:schemeClr val="bg1">
                     <a:lumMod val="85000"/>
@@ -18073,7 +17685,7 @@
               <a:t>Language used</a:t>
             </a:r>
             <a:r>
-              <a:rPr lang="en-IN" sz="1100" dirty="0" smtClean="0">
+              <a:rPr lang="en-IN" sz="1100" dirty="0">
                 <a:solidFill>
                   <a:schemeClr val="bg1">
                     <a:lumMod val="85000"/>
@@ -18083,20 +17695,7 @@
                 <a:ea typeface="Calibri" panose="020F0502020204030204" pitchFamily="34" charset="0"/>
                 <a:cs typeface="Mangal" panose="02040503050203030202" pitchFamily="18" charset="0"/>
               </a:rPr>
-              <a:t>: Python, Bash, Batch</a:t>
-            </a:r>
-            <a:r>
-              <a:rPr lang="en-IN" sz="1100" dirty="0" smtClean="0">
-                <a:solidFill>
-                  <a:schemeClr val="bg1">
-                    <a:lumMod val="85000"/>
-                  </a:schemeClr>
-                </a:solidFill>
-                <a:latin typeface="Calibri" panose="020F0502020204030204" pitchFamily="34" charset="0"/>
-                <a:ea typeface="Calibri" panose="020F0502020204030204" pitchFamily="34" charset="0"/>
-                <a:cs typeface="Mangal" panose="02040503050203030202" pitchFamily="18" charset="0"/>
-              </a:rPr>
-              <a:t>.</a:t>
+              <a:t>: Python, Bash, Batch.</a:t>
             </a:r>
           </a:p>
           <a:p>
@@ -18108,7 +17707,7 @@
               <a:buChar char=""/>
             </a:pPr>
             <a:r>
-              <a:rPr lang="en-IN" sz="1100" dirty="0" smtClean="0">
+              <a:rPr lang="en-IN" sz="1100" dirty="0">
                 <a:solidFill>
                   <a:schemeClr val="bg1">
                     <a:lumMod val="85000"/>
@@ -18121,7 +17720,7 @@
               <a:t>Renaming thousands of files based on 5 parameters available inside the file at a particular directory. </a:t>
             </a:r>
             <a:r>
-              <a:rPr lang="en-IN" sz="1100" u="sng" dirty="0" smtClean="0">
+              <a:rPr lang="en-IN" sz="1100" u="sng" dirty="0">
                 <a:solidFill>
                   <a:schemeClr val="bg1">
                     <a:lumMod val="85000"/>
@@ -18134,7 +17733,7 @@
               <a:t>Language used</a:t>
             </a:r>
             <a:r>
-              <a:rPr lang="en-IN" sz="1100" dirty="0" smtClean="0">
+              <a:rPr lang="en-IN" sz="1100" dirty="0">
                 <a:solidFill>
                   <a:schemeClr val="bg1">
                     <a:lumMod val="85000"/>
@@ -18144,20 +17743,7 @@
                 <a:ea typeface="Calibri" panose="020F0502020204030204" pitchFamily="34" charset="0"/>
                 <a:cs typeface="Mangal" panose="02040503050203030202" pitchFamily="18" charset="0"/>
               </a:rPr>
-              <a:t>: Python</a:t>
-            </a:r>
-            <a:r>
-              <a:rPr lang="en-IN" sz="1100" dirty="0" smtClean="0">
-                <a:solidFill>
-                  <a:schemeClr val="bg1">
-                    <a:lumMod val="85000"/>
-                  </a:schemeClr>
-                </a:solidFill>
-                <a:latin typeface="Calibri" panose="020F0502020204030204" pitchFamily="34" charset="0"/>
-                <a:ea typeface="Calibri" panose="020F0502020204030204" pitchFamily="34" charset="0"/>
-                <a:cs typeface="Mangal" panose="02040503050203030202" pitchFamily="18" charset="0"/>
-              </a:rPr>
-              <a:t>.</a:t>
+              <a:t>: Python.</a:t>
             </a:r>
           </a:p>
           <a:p>
@@ -18169,7 +17755,7 @@
               <a:buChar char=""/>
             </a:pPr>
             <a:r>
-              <a:rPr lang="en-IN" sz="1100" dirty="0" smtClean="0">
+              <a:rPr lang="en-IN" sz="1100" dirty="0">
                 <a:solidFill>
                   <a:schemeClr val="bg1">
                     <a:lumMod val="85000"/>
@@ -18182,7 +17768,7 @@
               <a:t>Extract a specific data from a file (format: </a:t>
             </a:r>
             <a:r>
-              <a:rPr lang="en-IN" sz="1100" dirty="0" err="1" smtClean="0">
+              <a:rPr lang="en-IN" sz="1100" dirty="0" err="1">
                 <a:solidFill>
                   <a:schemeClr val="bg1">
                     <a:lumMod val="85000"/>
@@ -18195,7 +17781,7 @@
               <a:t>msr</a:t>
             </a:r>
             <a:r>
-              <a:rPr lang="en-IN" sz="1100" dirty="0" smtClean="0">
+              <a:rPr lang="en-IN" sz="1100" dirty="0">
                 <a:solidFill>
                   <a:schemeClr val="bg1">
                     <a:lumMod val="85000"/>
@@ -18208,7 +17794,7 @@
               <a:t>) and replace a specific line in another file (format: .001). Replace coordinates in a file with a desired value and repeat the same for thousands of files present in a directory. </a:t>
             </a:r>
             <a:r>
-              <a:rPr lang="en-IN" sz="1100" u="sng" dirty="0" smtClean="0">
+              <a:rPr lang="en-IN" sz="1100" u="sng" dirty="0">
                 <a:solidFill>
                   <a:schemeClr val="bg1">
                     <a:lumMod val="85000"/>
@@ -18221,7 +17807,7 @@
               <a:t>Language used</a:t>
             </a:r>
             <a:r>
-              <a:rPr lang="en-IN" sz="1100" dirty="0" smtClean="0">
+              <a:rPr lang="en-IN" sz="1100" dirty="0">
                 <a:solidFill>
                   <a:schemeClr val="bg1">
                     <a:lumMod val="85000"/>
@@ -18231,20 +17817,7 @@
                 <a:ea typeface="Calibri" panose="020F0502020204030204" pitchFamily="34" charset="0"/>
                 <a:cs typeface="Mangal" panose="02040503050203030202" pitchFamily="18" charset="0"/>
               </a:rPr>
-              <a:t>: Python</a:t>
-            </a:r>
-            <a:r>
-              <a:rPr lang="en-IN" sz="1100" dirty="0" smtClean="0">
-                <a:solidFill>
-                  <a:schemeClr val="bg1">
-                    <a:lumMod val="85000"/>
-                  </a:schemeClr>
-                </a:solidFill>
-                <a:latin typeface="Calibri" panose="020F0502020204030204" pitchFamily="34" charset="0"/>
-                <a:ea typeface="Calibri" panose="020F0502020204030204" pitchFamily="34" charset="0"/>
-                <a:cs typeface="Mangal" panose="02040503050203030202" pitchFamily="18" charset="0"/>
-              </a:rPr>
-              <a:t>.</a:t>
+              <a:t>: Python.</a:t>
             </a:r>
           </a:p>
           <a:p>
@@ -18256,7 +17829,7 @@
               <a:buChar char=""/>
             </a:pPr>
             <a:r>
-              <a:rPr lang="en-IN" sz="1100" dirty="0" smtClean="0">
+              <a:rPr lang="en-IN" sz="1100" dirty="0">
                 <a:solidFill>
                   <a:schemeClr val="bg1">
                     <a:lumMod val="85000"/>
@@ -18269,7 +17842,7 @@
               <a:t>Fetching of accounts &amp; timestamp of Twitter posts with tag </a:t>
             </a:r>
             <a:r>
-              <a:rPr lang="en-IN" sz="1100" i="1" dirty="0" smtClean="0">
+              <a:rPr lang="en-IN" sz="1100" i="1" dirty="0">
                 <a:solidFill>
                   <a:schemeClr val="bg1">
                     <a:lumMod val="85000"/>
@@ -18282,7 +17855,7 @@
               <a:t>#</a:t>
             </a:r>
             <a:r>
-              <a:rPr lang="en-IN" sz="1100" i="1" dirty="0" err="1" smtClean="0">
+              <a:rPr lang="en-IN" sz="1100" i="1" dirty="0" err="1">
                 <a:solidFill>
                   <a:schemeClr val="bg1">
                     <a:lumMod val="85000"/>
@@ -18295,7 +17868,7 @@
               <a:t>libya</a:t>
             </a:r>
             <a:r>
-              <a:rPr lang="en-IN" sz="1100" dirty="0" smtClean="0">
+              <a:rPr lang="en-IN" sz="1100" dirty="0">
                 <a:solidFill>
                   <a:schemeClr val="bg1">
                     <a:lumMod val="85000"/>
@@ -18308,7 +17881,7 @@
               <a:t>. </a:t>
             </a:r>
             <a:r>
-              <a:rPr lang="en-IN" sz="1100" u="sng" dirty="0" smtClean="0">
+              <a:rPr lang="en-IN" sz="1100" u="sng" dirty="0">
                 <a:solidFill>
                   <a:schemeClr val="bg1">
                     <a:lumMod val="85000"/>
@@ -18321,7 +17894,7 @@
               <a:t>Language used</a:t>
             </a:r>
             <a:r>
-              <a:rPr lang="en-IN" sz="1100" dirty="0" smtClean="0">
+              <a:rPr lang="en-IN" sz="1100" dirty="0">
                 <a:solidFill>
                   <a:schemeClr val="bg1">
                     <a:lumMod val="85000"/>
@@ -18331,20 +17904,7 @@
                 <a:ea typeface="Calibri" panose="020F0502020204030204" pitchFamily="34" charset="0"/>
                 <a:cs typeface="Mangal" panose="02040503050203030202" pitchFamily="18" charset="0"/>
               </a:rPr>
-              <a:t>: Python</a:t>
-            </a:r>
-            <a:r>
-              <a:rPr lang="en-IN" sz="1100" dirty="0" smtClean="0">
-                <a:solidFill>
-                  <a:schemeClr val="bg1">
-                    <a:lumMod val="85000"/>
-                  </a:schemeClr>
-                </a:solidFill>
-                <a:latin typeface="Calibri" panose="020F0502020204030204" pitchFamily="34" charset="0"/>
-                <a:ea typeface="Calibri" panose="020F0502020204030204" pitchFamily="34" charset="0"/>
-                <a:cs typeface="Mangal" panose="02040503050203030202" pitchFamily="18" charset="0"/>
-              </a:rPr>
-              <a:t>.</a:t>
+              <a:t>: Python.</a:t>
             </a:r>
             <a:endParaRPr lang="en-US" sz="1100" dirty="0">
               <a:solidFill>
@@ -18373,7 +17933,7 @@
               <a:buChar char=""/>
             </a:pPr>
             <a:r>
-              <a:rPr lang="en-IN" sz="1100" dirty="0" smtClean="0">
+              <a:rPr lang="en-IN" sz="1100" dirty="0">
                 <a:solidFill>
                   <a:schemeClr val="bg1">
                     <a:lumMod val="85000"/>
@@ -18384,21 +17944,7 @@
                 <a:ea typeface="Calibri" panose="020F0502020204030204" pitchFamily="34" charset="0"/>
                 <a:cs typeface="Mangal" panose="02040503050203030202" pitchFamily="18" charset="0"/>
               </a:rPr>
-              <a:t>Prepared </a:t>
-            </a:r>
-            <a:r>
-              <a:rPr lang="en-IN" sz="1100" dirty="0">
-                <a:solidFill>
-                  <a:schemeClr val="bg1">
-                    <a:lumMod val="85000"/>
-                  </a:schemeClr>
-                </a:solidFill>
-                <a:effectLst/>
-                <a:latin typeface="Calibri" panose="020F0502020204030204" pitchFamily="34" charset="0"/>
-                <a:ea typeface="Calibri" panose="020F0502020204030204" pitchFamily="34" charset="0"/>
-                <a:cs typeface="Mangal" panose="02040503050203030202" pitchFamily="18" charset="0"/>
-              </a:rPr>
-              <a:t>a data analysis report on updating an Excel form from datasets fetched from Outlook mail. </a:t>
+              <a:t>Prepared a data analysis report on updating an Excel form from datasets fetched from Outlook mail. </a:t>
             </a:r>
             <a:r>
               <a:rPr lang="en-IN" sz="1100" u="sng" dirty="0">
@@ -18522,21 +18068,7 @@
                 <a:ea typeface="Calibri" panose="020F0502020204030204" pitchFamily="34" charset="0"/>
                 <a:cs typeface="Mangal" panose="02040503050203030202" pitchFamily="18" charset="0"/>
               </a:rPr>
-              <a:t>: Python</a:t>
-            </a:r>
-            <a:r>
-              <a:rPr lang="en-IN" sz="1100" dirty="0" smtClean="0">
-                <a:solidFill>
-                  <a:schemeClr val="bg1">
-                    <a:lumMod val="85000"/>
-                  </a:schemeClr>
-                </a:solidFill>
-                <a:effectLst/>
-                <a:latin typeface="Calibri" panose="020F0502020204030204" pitchFamily="34" charset="0"/>
-                <a:ea typeface="Calibri" panose="020F0502020204030204" pitchFamily="34" charset="0"/>
-                <a:cs typeface="Mangal" panose="02040503050203030202" pitchFamily="18" charset="0"/>
-              </a:rPr>
-              <a:t>.</a:t>
+              <a:t>: Python.</a:t>
             </a:r>
           </a:p>
           <a:p>
@@ -18551,7 +18083,7 @@
               <a:buChar char=""/>
             </a:pPr>
             <a:r>
-              <a:rPr lang="en-IN" sz="1100" dirty="0" smtClean="0">
+              <a:rPr lang="en-IN" sz="1100" dirty="0">
                 <a:solidFill>
                   <a:schemeClr val="bg1">
                     <a:lumMod val="85000"/>
@@ -18561,36 +18093,10 @@
                 <a:ea typeface="Calibri" panose="020F0502020204030204" pitchFamily="34" charset="0"/>
                 <a:cs typeface="Mangal" panose="02040503050203030202" pitchFamily="18" charset="0"/>
               </a:rPr>
-              <a:t>Created a custom 3D Plot for data analytics related to Semiconductor devices with yield, which is </a:t>
-            </a:r>
-            <a:r>
-              <a:rPr lang="en-IN" sz="1100" dirty="0" err="1" smtClean="0">
-                <a:solidFill>
-                  <a:schemeClr val="bg1">
-                    <a:lumMod val="85000"/>
-                  </a:schemeClr>
-                </a:solidFill>
-                <a:latin typeface="Calibri" panose="020F0502020204030204" pitchFamily="34" charset="0"/>
-                <a:ea typeface="Calibri" panose="020F0502020204030204" pitchFamily="34" charset="0"/>
-                <a:cs typeface="Mangal" panose="02040503050203030202" pitchFamily="18" charset="0"/>
-              </a:rPr>
-              <a:t>visualizable</a:t>
-            </a:r>
-            <a:r>
-              <a:rPr lang="en-IN" sz="1100" dirty="0" smtClean="0">
-                <a:solidFill>
-                  <a:schemeClr val="bg1">
-                    <a:lumMod val="85000"/>
-                  </a:schemeClr>
-                </a:solidFill>
-                <a:latin typeface="Calibri" panose="020F0502020204030204" pitchFamily="34" charset="0"/>
-                <a:ea typeface="Calibri" panose="020F0502020204030204" pitchFamily="34" charset="0"/>
-                <a:cs typeface="Mangal" panose="02040503050203030202" pitchFamily="18" charset="0"/>
-              </a:rPr>
-              <a:t> with interactive modern-UI level. </a:t>
-            </a:r>
-            <a:r>
-              <a:rPr lang="en-IN" sz="1100" u="sng" dirty="0" smtClean="0">
+              <a:t>Created a custom 3D Plot for data analytics related to Semiconductor devices with yield, which is visualizable with interactive modern-UI level. </a:t>
+            </a:r>
+            <a:r>
+              <a:rPr lang="en-IN" sz="1100" u="sng" dirty="0">
                 <a:solidFill>
                   <a:schemeClr val="bg1">
                     <a:lumMod val="85000"/>
@@ -18603,7 +18109,7 @@
               <a:t>Language used</a:t>
             </a:r>
             <a:r>
-              <a:rPr lang="en-IN" sz="1100" dirty="0" smtClean="0">
+              <a:rPr lang="en-IN" sz="1100" dirty="0">
                 <a:solidFill>
                   <a:schemeClr val="bg1">
                     <a:lumMod val="85000"/>
@@ -18613,20 +18119,7 @@
                 <a:ea typeface="Calibri" panose="020F0502020204030204" pitchFamily="34" charset="0"/>
                 <a:cs typeface="Mangal" panose="02040503050203030202" pitchFamily="18" charset="0"/>
               </a:rPr>
-              <a:t>: Python, VBA</a:t>
-            </a:r>
-            <a:r>
-              <a:rPr lang="en-IN" sz="1100" dirty="0" smtClean="0">
-                <a:solidFill>
-                  <a:schemeClr val="bg1">
-                    <a:lumMod val="85000"/>
-                  </a:schemeClr>
-                </a:solidFill>
-                <a:latin typeface="Calibri" panose="020F0502020204030204" pitchFamily="34" charset="0"/>
-                <a:ea typeface="Calibri" panose="020F0502020204030204" pitchFamily="34" charset="0"/>
-                <a:cs typeface="Mangal" panose="02040503050203030202" pitchFamily="18" charset="0"/>
-              </a:rPr>
-              <a:t>.</a:t>
+              <a:t>: Python, VBA.</a:t>
             </a:r>
             <a:endParaRPr lang="en-US" sz="1100" dirty="0">
               <a:solidFill>
@@ -18651,170 +18144,10 @@
           </a:p>
         </p:txBody>
       </p:sp>
-      <p:sp>
-        <p:nvSpPr>
-          <p:cNvPr id="7" name="TextBox 6">
-            <a:extLst>
-              <a:ext uri="{FF2B5EF4-FFF2-40B4-BE49-F238E27FC236}">
-                <a16:creationId xmlns:a16="http://schemas.microsoft.com/office/drawing/2014/main" xmlns="" id="{D297B876-29F4-4695-89A2-01751CF19191}"/>
-              </a:ext>
-            </a:extLst>
-          </p:cNvPr>
-          <p:cNvSpPr txBox="1"/>
-          <p:nvPr/>
-        </p:nvSpPr>
-        <p:spPr>
-          <a:xfrm>
-            <a:off x="477224" y="7364589"/>
-            <a:ext cx="518199" cy="338554"/>
-          </a:xfrm>
-          <a:prstGeom prst="rect">
-            <a:avLst/>
-          </a:prstGeom>
-          <a:solidFill>
-            <a:srgbClr val="EBAB0B"/>
-          </a:solidFill>
-        </p:spPr>
-        <p:txBody>
-          <a:bodyPr wrap="square" rtlCol="0">
-            <a:spAutoFit/>
-          </a:bodyPr>
-          <a:lstStyle/>
-          <a:p>
-            <a:pPr algn="ctr"/>
-            <a:r>
-              <a:rPr lang="en-US" sz="1600" dirty="0"/>
-              <a:t>Bot</a:t>
-            </a:r>
-          </a:p>
-        </p:txBody>
-      </p:sp>
-      <p:sp>
-        <p:nvSpPr>
-          <p:cNvPr id="5" name="TextBox 4">
-            <a:extLst>
-              <a:ext uri="{FF2B5EF4-FFF2-40B4-BE49-F238E27FC236}">
-                <a16:creationId xmlns:a16="http://schemas.microsoft.com/office/drawing/2014/main" xmlns="" id="{1B62DBBE-3B90-4D81-98C8-1D20C4DE6D11}"/>
-              </a:ext>
-            </a:extLst>
-          </p:cNvPr>
-          <p:cNvSpPr txBox="1"/>
-          <p:nvPr/>
-        </p:nvSpPr>
-        <p:spPr>
-          <a:xfrm>
-            <a:off x="472440" y="7820660"/>
-            <a:ext cx="6029960" cy="664926"/>
-          </a:xfrm>
-          <a:prstGeom prst="rect">
-            <a:avLst/>
-          </a:prstGeom>
-          <a:noFill/>
-        </p:spPr>
-        <p:txBody>
-          <a:bodyPr wrap="square" rtlCol="0">
-            <a:spAutoFit/>
-          </a:bodyPr>
-          <a:lstStyle/>
-          <a:p>
-            <a:pPr marL="342900" indent="-342900" algn="just">
-              <a:lnSpc>
-                <a:spcPct val="115000"/>
-              </a:lnSpc>
-              <a:spcAft>
-                <a:spcPts val="600"/>
-              </a:spcAft>
-              <a:buFont typeface="Symbol" panose="05050102010706020507" pitchFamily="18" charset="2"/>
-              <a:buChar char=""/>
-            </a:pPr>
-            <a:r>
-              <a:rPr lang="en-IN" sz="1100" dirty="0">
-                <a:solidFill>
-                  <a:schemeClr val="bg1">
-                    <a:lumMod val="85000"/>
-                  </a:schemeClr>
-                </a:solidFill>
-                <a:effectLst/>
-                <a:latin typeface="Calibri" panose="020F0502020204030204" pitchFamily="34" charset="0"/>
-                <a:ea typeface="Calibri" panose="020F0502020204030204" pitchFamily="34" charset="0"/>
-                <a:cs typeface="Mangal" panose="02040503050203030202" pitchFamily="18" charset="0"/>
-              </a:rPr>
-              <a:t>Built a Key Generator Bot called ‘</a:t>
-            </a:r>
-            <a:r>
-              <a:rPr lang="en-IN" sz="1100" dirty="0" err="1">
-                <a:solidFill>
-                  <a:schemeClr val="bg1">
-                    <a:lumMod val="85000"/>
-                  </a:schemeClr>
-                </a:solidFill>
-                <a:effectLst/>
-                <a:latin typeface="Calibri" panose="020F0502020204030204" pitchFamily="34" charset="0"/>
-                <a:ea typeface="Calibri" panose="020F0502020204030204" pitchFamily="34" charset="0"/>
-                <a:cs typeface="Mangal" panose="02040503050203030202" pitchFamily="18" charset="0"/>
-              </a:rPr>
-              <a:t>KeyHub</a:t>
-            </a:r>
-            <a:r>
-              <a:rPr lang="en-IN" sz="1100" dirty="0">
-                <a:solidFill>
-                  <a:schemeClr val="bg1">
-                    <a:lumMod val="85000"/>
-                  </a:schemeClr>
-                </a:solidFill>
-                <a:effectLst/>
-                <a:latin typeface="Calibri" panose="020F0502020204030204" pitchFamily="34" charset="0"/>
-                <a:ea typeface="Calibri" panose="020F0502020204030204" pitchFamily="34" charset="0"/>
-                <a:cs typeface="Mangal" panose="02040503050203030202" pitchFamily="18" charset="0"/>
-              </a:rPr>
-              <a:t>’, where a user can buy license key for a set of products. The key usage is continuously monitored along with exact location obtained through reverse-geocoding of coordinates. </a:t>
-            </a:r>
-            <a:r>
-              <a:rPr lang="en-IN" sz="1100" u="sng" dirty="0">
-                <a:solidFill>
-                  <a:schemeClr val="bg1">
-                    <a:lumMod val="85000"/>
-                  </a:schemeClr>
-                </a:solidFill>
-                <a:effectLst/>
-                <a:latin typeface="Calibri" panose="020F0502020204030204" pitchFamily="34" charset="0"/>
-                <a:ea typeface="Calibri" panose="020F0502020204030204" pitchFamily="34" charset="0"/>
-                <a:cs typeface="Mangal" panose="02040503050203030202" pitchFamily="18" charset="0"/>
-              </a:rPr>
-              <a:t>Language used</a:t>
-            </a:r>
-            <a:r>
-              <a:rPr lang="en-IN" sz="1100" dirty="0">
-                <a:solidFill>
-                  <a:schemeClr val="bg1">
-                    <a:lumMod val="85000"/>
-                  </a:schemeClr>
-                </a:solidFill>
-                <a:effectLst/>
-                <a:latin typeface="Calibri" panose="020F0502020204030204" pitchFamily="34" charset="0"/>
-                <a:ea typeface="Calibri" panose="020F0502020204030204" pitchFamily="34" charset="0"/>
-                <a:cs typeface="Mangal" panose="02040503050203030202" pitchFamily="18" charset="0"/>
-              </a:rPr>
-              <a:t>: Python, Bash.</a:t>
-            </a:r>
-            <a:endParaRPr lang="en-US" sz="1100" dirty="0">
-              <a:solidFill>
-                <a:schemeClr val="bg1">
-                  <a:lumMod val="85000"/>
-                </a:schemeClr>
-              </a:solidFill>
-              <a:effectLst/>
-              <a:latin typeface="Calibri" panose="020F0502020204030204" pitchFamily="34" charset="0"/>
-              <a:ea typeface="Calibri" panose="020F0502020204030204" pitchFamily="34" charset="0"/>
-              <a:cs typeface="Mangal" panose="02040503050203030202" pitchFamily="18" charset="0"/>
-            </a:endParaRPr>
-          </a:p>
-        </p:txBody>
-      </p:sp>
     </p:spTree>
     <p:extLst>
       <p:ext uri="{BB962C8B-B14F-4D97-AF65-F5344CB8AC3E}">
-        <p14:creationId xmlns:p14="http://schemas.microsoft.com/office/powerpoint/2010/main" xmlns="" val="1956419084"/>
+        <p14:creationId xmlns:p14="http://schemas.microsoft.com/office/powerpoint/2010/main" val="1956419084"/>
       </p:ext>
     </p:extLst>
   </p:cSld>
@@ -18854,7 +18187,7 @@
           <p:cNvPr id="87" name="TextBox 86">
             <a:extLst>
               <a:ext uri="{FF2B5EF4-FFF2-40B4-BE49-F238E27FC236}">
-                <a16:creationId xmlns:a16="http://schemas.microsoft.com/office/drawing/2014/main" xmlns="" id="{3345A600-23F1-48FB-94E7-63E15A069412}"/>
+                <a16:creationId xmlns:a16="http://schemas.microsoft.com/office/drawing/2014/main" id="{3345A600-23F1-48FB-94E7-63E15A069412}"/>
               </a:ext>
             </a:extLst>
           </p:cNvPr>
@@ -18863,8 +18196,8 @@
         </p:nvSpPr>
         <p:spPr>
           <a:xfrm>
-            <a:off x="434340" y="283966"/>
-            <a:ext cx="5989320" cy="1571841"/>
+            <a:off x="434340" y="748104"/>
+            <a:ext cx="5989320" cy="2181495"/>
           </a:xfrm>
           <a:prstGeom prst="rect">
             <a:avLst/>
@@ -18899,10 +18232,10 @@
                 <a:ea typeface="Calibri" panose="020F0502020204030204" pitchFamily="34" charset="0"/>
                 <a:cs typeface="Mangal" panose="02040503050203030202" pitchFamily="18" charset="0"/>
               </a:rPr>
-              <a:t>Created a Bot called ‘LEO’ which allows a user to </a:t>
-            </a:r>
-            <a:r>
-              <a:rPr lang="en-IN" sz="1100" dirty="0" smtClean="0">
+              <a:t>Built a Key Generator Bot called ‘</a:t>
+            </a:r>
+            <a:r>
+              <a:rPr lang="en-IN" sz="1100" dirty="0" err="1">
                 <a:solidFill>
                   <a:schemeClr val="bg1">
                     <a:lumMod val="85000"/>
@@ -18913,7 +18246,7 @@
                 <a:ea typeface="Calibri" panose="020F0502020204030204" pitchFamily="34" charset="0"/>
                 <a:cs typeface="Mangal" panose="02040503050203030202" pitchFamily="18" charset="0"/>
               </a:rPr>
-              <a:t>get dog </a:t>
+              <a:t>KeyHub</a:t>
             </a:r>
             <a:r>
               <a:rPr lang="en-IN" sz="1100" dirty="0">
@@ -18927,10 +18260,10 @@
                 <a:ea typeface="Calibri" panose="020F0502020204030204" pitchFamily="34" charset="0"/>
                 <a:cs typeface="Mangal" panose="02040503050203030202" pitchFamily="18" charset="0"/>
               </a:rPr>
-              <a:t>images based on their saved breed as preference </a:t>
-            </a:r>
-            <a:r>
-              <a:rPr lang="en-IN" sz="1100" dirty="0" smtClean="0">
+              <a:t>’, where a user can buy license key for a set of products. The key usage is continuously monitored along with exact location obtained through reverse-geocoding of coordinates. </a:t>
+            </a:r>
+            <a:r>
+              <a:rPr lang="en-IN" sz="1100" u="sng" dirty="0">
                 <a:solidFill>
                   <a:schemeClr val="bg1">
                     <a:lumMod val="85000"/>
@@ -18941,7 +18274,7 @@
                 <a:ea typeface="Calibri" panose="020F0502020204030204" pitchFamily="34" charset="0"/>
                 <a:cs typeface="Mangal" panose="02040503050203030202" pitchFamily="18" charset="0"/>
               </a:rPr>
-              <a:t>or to </a:t>
+              <a:t>Language used</a:t>
             </a:r>
             <a:r>
               <a:rPr lang="en-IN" sz="1100" dirty="0">
@@ -18955,7 +18288,33 @@
                 <a:ea typeface="Calibri" panose="020F0502020204030204" pitchFamily="34" charset="0"/>
                 <a:cs typeface="Mangal" panose="02040503050203030202" pitchFamily="18" charset="0"/>
               </a:rPr>
-              <a:t>load random dog images. A donation programme feature was also added which then allowed dog lovers to donate money directly to the Dog Welfare centres. </a:t>
+              <a:t>: Python, Bash.</a:t>
+            </a:r>
+          </a:p>
+          <a:p>
+            <a:pPr marL="342900" indent="-342900" algn="just">
+              <a:lnSpc>
+                <a:spcPct val="115000"/>
+              </a:lnSpc>
+              <a:spcAft>
+                <a:spcPts val="600"/>
+              </a:spcAft>
+              <a:buFont typeface="Symbol" panose="05050102010706020507" pitchFamily="18" charset="2"/>
+              <a:buChar char=""/>
+            </a:pPr>
+            <a:r>
+              <a:rPr lang="en-IN" sz="1100" dirty="0">
+                <a:solidFill>
+                  <a:schemeClr val="bg1">
+                    <a:lumMod val="85000"/>
+                  </a:schemeClr>
+                </a:solidFill>
+                <a:effectLst/>
+                <a:latin typeface="Calibri" panose="020F0502020204030204" pitchFamily="34" charset="0"/>
+                <a:ea typeface="Calibri" panose="020F0502020204030204" pitchFamily="34" charset="0"/>
+                <a:cs typeface="Mangal" panose="02040503050203030202" pitchFamily="18" charset="0"/>
+              </a:rPr>
+              <a:t>Created a Bot called ‘LEO’ which allows a user to get dog images based on their saved breed as preference or to load random dog images. A donation programme feature was also added which then allowed dog lovers to donate money directly to the Dog Welfare centres. </a:t>
             </a:r>
             <a:r>
               <a:rPr lang="en-IN" sz="1100" u="sng" dirty="0">
@@ -19009,175 +18368,7 @@
                 <a:ea typeface="Calibri" panose="020F0502020204030204" pitchFamily="34" charset="0"/>
                 <a:cs typeface="Mangal" panose="02040503050203030202" pitchFamily="18" charset="0"/>
               </a:rPr>
-              <a:t>Created a general purpose Quiz bot with </a:t>
-            </a:r>
-            <a:r>
-              <a:rPr lang="en-IN" sz="1100" dirty="0" smtClean="0">
-                <a:solidFill>
-                  <a:schemeClr val="bg1">
-                    <a:lumMod val="85000"/>
-                  </a:schemeClr>
-                </a:solidFill>
-                <a:effectLst/>
-                <a:latin typeface="Calibri" panose="020F0502020204030204" pitchFamily="34" charset="0"/>
-                <a:ea typeface="Calibri" panose="020F0502020204030204" pitchFamily="34" charset="0"/>
-                <a:cs typeface="Mangal" panose="02040503050203030202" pitchFamily="18" charset="0"/>
-              </a:rPr>
-              <a:t>types - MCQ, </a:t>
-            </a:r>
-            <a:r>
-              <a:rPr lang="en-IN" sz="1100" dirty="0">
-                <a:solidFill>
-                  <a:schemeClr val="bg1">
-                    <a:lumMod val="85000"/>
-                  </a:schemeClr>
-                </a:solidFill>
-                <a:effectLst/>
-                <a:latin typeface="Calibri" panose="020F0502020204030204" pitchFamily="34" charset="0"/>
-                <a:ea typeface="Calibri" panose="020F0502020204030204" pitchFamily="34" charset="0"/>
-                <a:cs typeface="Mangal" panose="02040503050203030202" pitchFamily="18" charset="0"/>
-              </a:rPr>
-              <a:t>Image, Audio, GIF, </a:t>
-            </a:r>
-            <a:r>
-              <a:rPr lang="en-IN" sz="1100" dirty="0" smtClean="0">
-                <a:solidFill>
-                  <a:schemeClr val="bg1">
-                    <a:lumMod val="85000"/>
-                  </a:schemeClr>
-                </a:solidFill>
-                <a:effectLst/>
-                <a:latin typeface="Calibri" panose="020F0502020204030204" pitchFamily="34" charset="0"/>
-                <a:ea typeface="Calibri" panose="020F0502020204030204" pitchFamily="34" charset="0"/>
-                <a:cs typeface="Mangal" panose="02040503050203030202" pitchFamily="18" charset="0"/>
-              </a:rPr>
-              <a:t>Video for </a:t>
-            </a:r>
-            <a:r>
-              <a:rPr lang="en-IN" sz="1100" dirty="0">
-                <a:solidFill>
-                  <a:schemeClr val="bg1">
-                    <a:lumMod val="85000"/>
-                  </a:schemeClr>
-                </a:solidFill>
-                <a:effectLst/>
-                <a:latin typeface="Calibri" panose="020F0502020204030204" pitchFamily="34" charset="0"/>
-                <a:ea typeface="Calibri" panose="020F0502020204030204" pitchFamily="34" charset="0"/>
-                <a:cs typeface="Mangal" panose="02040503050203030202" pitchFamily="18" charset="0"/>
-              </a:rPr>
-              <a:t>any topic where a teacher/School/College can conduct </a:t>
-            </a:r>
-            <a:r>
-              <a:rPr lang="en-IN" sz="1100" dirty="0" smtClean="0">
-                <a:solidFill>
-                  <a:schemeClr val="bg1">
-                    <a:lumMod val="85000"/>
-                  </a:schemeClr>
-                </a:solidFill>
-                <a:effectLst/>
-                <a:latin typeface="Calibri" panose="020F0502020204030204" pitchFamily="34" charset="0"/>
-                <a:ea typeface="Calibri" panose="020F0502020204030204" pitchFamily="34" charset="0"/>
-                <a:cs typeface="Mangal" panose="02040503050203030202" pitchFamily="18" charset="0"/>
-              </a:rPr>
-              <a:t>online exams </a:t>
-            </a:r>
-            <a:r>
-              <a:rPr lang="en-IN" sz="1100" dirty="0">
-                <a:solidFill>
-                  <a:schemeClr val="bg1">
-                    <a:lumMod val="85000"/>
-                  </a:schemeClr>
-                </a:solidFill>
-                <a:effectLst/>
-                <a:latin typeface="Calibri" panose="020F0502020204030204" pitchFamily="34" charset="0"/>
-                <a:ea typeface="Calibri" panose="020F0502020204030204" pitchFamily="34" charset="0"/>
-                <a:cs typeface="Mangal" panose="02040503050203030202" pitchFamily="18" charset="0"/>
-              </a:rPr>
-              <a:t>for their </a:t>
-            </a:r>
-            <a:r>
-              <a:rPr lang="en-IN" sz="1100" dirty="0" smtClean="0">
-                <a:solidFill>
-                  <a:schemeClr val="bg1">
-                    <a:lumMod val="85000"/>
-                  </a:schemeClr>
-                </a:solidFill>
-                <a:effectLst/>
-                <a:latin typeface="Calibri" panose="020F0502020204030204" pitchFamily="34" charset="0"/>
-                <a:ea typeface="Calibri" panose="020F0502020204030204" pitchFamily="34" charset="0"/>
-                <a:cs typeface="Mangal" panose="02040503050203030202" pitchFamily="18" charset="0"/>
-              </a:rPr>
-              <a:t>students. </a:t>
-            </a:r>
-            <a:r>
-              <a:rPr lang="en-IN" sz="1100" dirty="0">
-                <a:solidFill>
-                  <a:schemeClr val="bg1">
-                    <a:lumMod val="85000"/>
-                  </a:schemeClr>
-                </a:solidFill>
-                <a:effectLst/>
-                <a:latin typeface="Calibri" panose="020F0502020204030204" pitchFamily="34" charset="0"/>
-                <a:ea typeface="Calibri" panose="020F0502020204030204" pitchFamily="34" charset="0"/>
-                <a:cs typeface="Mangal" panose="02040503050203030202" pitchFamily="18" charset="0"/>
-              </a:rPr>
-              <a:t>Addition of proper </a:t>
-            </a:r>
-            <a:r>
-              <a:rPr lang="en-IN" sz="1100" dirty="0" smtClean="0">
-                <a:solidFill>
-                  <a:schemeClr val="bg1">
-                    <a:lumMod val="85000"/>
-                  </a:schemeClr>
-                </a:solidFill>
-                <a:effectLst/>
-                <a:latin typeface="Calibri" panose="020F0502020204030204" pitchFamily="34" charset="0"/>
-                <a:ea typeface="Calibri" panose="020F0502020204030204" pitchFamily="34" charset="0"/>
-                <a:cs typeface="Mangal" panose="02040503050203030202" pitchFamily="18" charset="0"/>
-              </a:rPr>
-              <a:t>evaluation of </a:t>
-            </a:r>
-            <a:r>
-              <a:rPr lang="en-IN" sz="1100" dirty="0">
-                <a:solidFill>
-                  <a:schemeClr val="bg1">
-                    <a:lumMod val="85000"/>
-                  </a:schemeClr>
-                </a:solidFill>
-                <a:effectLst/>
-                <a:latin typeface="Calibri" panose="020F0502020204030204" pitchFamily="34" charset="0"/>
-                <a:ea typeface="Calibri" panose="020F0502020204030204" pitchFamily="34" charset="0"/>
-                <a:cs typeface="Mangal" panose="02040503050203030202" pitchFamily="18" charset="0"/>
-              </a:rPr>
-              <a:t>subjective </a:t>
-            </a:r>
-            <a:r>
-              <a:rPr lang="en-IN" sz="1100" dirty="0" smtClean="0">
-                <a:solidFill>
-                  <a:schemeClr val="bg1">
-                    <a:lumMod val="85000"/>
-                  </a:schemeClr>
-                </a:solidFill>
-                <a:effectLst/>
-                <a:latin typeface="Calibri" panose="020F0502020204030204" pitchFamily="34" charset="0"/>
-                <a:ea typeface="Calibri" panose="020F0502020204030204" pitchFamily="34" charset="0"/>
-                <a:cs typeface="Mangal" panose="02040503050203030202" pitchFamily="18" charset="0"/>
-              </a:rPr>
-              <a:t>types of exam is </a:t>
-            </a:r>
-            <a:r>
-              <a:rPr lang="en-IN" sz="1100" dirty="0">
-                <a:solidFill>
-                  <a:schemeClr val="bg1">
-                    <a:lumMod val="85000"/>
-                  </a:schemeClr>
-                </a:solidFill>
-                <a:effectLst/>
-                <a:latin typeface="Calibri" panose="020F0502020204030204" pitchFamily="34" charset="0"/>
-                <a:ea typeface="Calibri" panose="020F0502020204030204" pitchFamily="34" charset="0"/>
-                <a:cs typeface="Mangal" panose="02040503050203030202" pitchFamily="18" charset="0"/>
-              </a:rPr>
-              <a:t>to be added into the Bot. </a:t>
+              <a:t>Created a general purpose Quiz bot with types - MCQ, Image, Audio, GIF, Video for any topic where a teacher/School/College can conduct online exams for their students. Addition of proper evaluation of subjective types of exam is to be added into the Bot. </a:t>
             </a:r>
             <a:r>
               <a:rPr lang="en-IN" sz="1100" u="sng" dirty="0">
@@ -19226,7 +18417,7 @@
           <p:cNvPr id="1026" name="Picture 2" descr="Download Leadership Icon -01 - Vector Graphics - Full Size PNG Image -  PNGkit">
             <a:extLst>
               <a:ext uri="{FF2B5EF4-FFF2-40B4-BE49-F238E27FC236}">
-                <a16:creationId xmlns:a16="http://schemas.microsoft.com/office/drawing/2014/main" xmlns="" id="{78051027-B91A-4FA3-A448-BA08656672CE}"/>
+                <a16:creationId xmlns:a16="http://schemas.microsoft.com/office/drawing/2014/main" id="{78051027-B91A-4FA3-A448-BA08656672CE}"/>
               </a:ext>
             </a:extLst>
           </p:cNvPr>
@@ -19239,7 +18430,7 @@
           <a:blip r:embed="rId2" cstate="print">
             <a:extLst>
               <a:ext uri="{28A0092B-C50C-407E-A947-70E740481C1C}">
-                <a14:useLocalDpi xmlns:a14="http://schemas.microsoft.com/office/drawing/2010/main" xmlns="" val="0"/>
+                <a14:useLocalDpi xmlns:a14="http://schemas.microsoft.com/office/drawing/2010/main" val="0"/>
               </a:ext>
             </a:extLst>
           </a:blip>
@@ -19250,7 +18441,7 @@
         </p:blipFill>
         <p:spPr bwMode="auto">
           <a:xfrm>
-            <a:off x="127901" y="2309539"/>
+            <a:off x="197351" y="3246492"/>
             <a:ext cx="330095" cy="273933"/>
           </a:xfrm>
           <a:prstGeom prst="rect">
@@ -19259,7 +18450,7 @@
           <a:noFill/>
           <a:extLst>
             <a:ext uri="{909E8E84-426E-40DD-AFC4-6F175D3DCCD1}">
-              <a14:hiddenFill xmlns:a14="http://schemas.microsoft.com/office/drawing/2010/main" xmlns="">
+              <a14:hiddenFill xmlns:a14="http://schemas.microsoft.com/office/drawing/2010/main">
                 <a:solidFill>
                   <a:srgbClr val="FFFFFF"/>
                 </a:solidFill>
@@ -19273,7 +18464,7 @@
           <p:cNvPr id="91" name="Text Placeholder 271">
             <a:extLst>
               <a:ext uri="{FF2B5EF4-FFF2-40B4-BE49-F238E27FC236}">
-                <a16:creationId xmlns:a16="http://schemas.microsoft.com/office/drawing/2014/main" xmlns="" id="{AE20E69B-2CD0-410F-8AEB-7FA4E8C1C9F2}"/>
+                <a16:creationId xmlns:a16="http://schemas.microsoft.com/office/drawing/2014/main" id="{AE20E69B-2CD0-410F-8AEB-7FA4E8C1C9F2}"/>
               </a:ext>
             </a:extLst>
           </p:cNvPr>
@@ -19284,7 +18475,7 @@
         </p:nvSpPr>
         <p:spPr>
           <a:xfrm>
-            <a:off x="457996" y="2309538"/>
+            <a:off x="527446" y="3246491"/>
             <a:ext cx="3390104" cy="273933"/>
           </a:xfrm>
           <a:prstGeom prst="rect">
@@ -19472,7 +18663,7 @@
           <p:cNvPr id="93" name="TextBox 92">
             <a:extLst>
               <a:ext uri="{FF2B5EF4-FFF2-40B4-BE49-F238E27FC236}">
-                <a16:creationId xmlns:a16="http://schemas.microsoft.com/office/drawing/2014/main" xmlns="" id="{1ABBE481-1DE0-4DE9-ACD9-A68542739D92}"/>
+                <a16:creationId xmlns:a16="http://schemas.microsoft.com/office/drawing/2014/main" id="{1ABBE481-1DE0-4DE9-ACD9-A68542739D92}"/>
               </a:ext>
             </a:extLst>
           </p:cNvPr>
@@ -19481,7 +18672,7 @@
         </p:nvSpPr>
         <p:spPr>
           <a:xfrm>
-            <a:off x="434340" y="2682241"/>
+            <a:off x="434340" y="3698416"/>
             <a:ext cx="5989320" cy="6395340"/>
           </a:xfrm>
           <a:prstGeom prst="rect">
@@ -19576,7 +18767,7 @@
                 <a:hlinkClick r:id="rId3">
                   <a:extLst>
                     <a:ext uri="{A12FA001-AC4F-418D-AE19-62706E023703}">
-                      <ahyp:hlinkClr xmlns:ahyp="http://schemas.microsoft.com/office/drawing/2018/hyperlinkcolor" xmlns="" val="tx"/>
+                      <ahyp:hlinkClr xmlns:ahyp="http://schemas.microsoft.com/office/drawing/2018/hyperlinkcolor" val="tx"/>
                     </a:ext>
                   </a:extLst>
                 </a:hlinkClick>
@@ -19611,7 +18802,7 @@
                 <a:hlinkClick r:id="rId4">
                   <a:extLst>
                     <a:ext uri="{A12FA001-AC4F-418D-AE19-62706E023703}">
-                      <ahyp:hlinkClr xmlns:ahyp="http://schemas.microsoft.com/office/drawing/2018/hyperlinkcolor" xmlns="" val="tx"/>
+                      <ahyp:hlinkClr xmlns:ahyp="http://schemas.microsoft.com/office/drawing/2018/hyperlinkcolor" val="tx"/>
                     </a:ext>
                   </a:extLst>
                 </a:hlinkClick>
@@ -19686,7 +18877,7 @@
                 <a:hlinkClick r:id="rId5">
                   <a:extLst>
                     <a:ext uri="{A12FA001-AC4F-418D-AE19-62706E023703}">
-                      <ahyp:hlinkClr xmlns:ahyp="http://schemas.microsoft.com/office/drawing/2018/hyperlinkcolor" xmlns="" val="tx"/>
+                      <ahyp:hlinkClr xmlns:ahyp="http://schemas.microsoft.com/office/drawing/2018/hyperlinkcolor" val="tx"/>
                     </a:ext>
                   </a:extLst>
                 </a:hlinkClick>
@@ -19705,35 +18896,7 @@
                 <a:ea typeface="Calibri" panose="020F0502020204030204" pitchFamily="34" charset="0"/>
                 <a:cs typeface="Mangal" panose="02040503050203030202" pitchFamily="18" charset="0"/>
               </a:rPr>
-              <a:t>. In future, a blockchain-based Chatbot – ‘SEMION’ with customized user experience, is promised to be released on Telegram and </a:t>
-            </a:r>
-            <a:r>
-              <a:rPr lang="en-IN" sz="1100" dirty="0" smtClean="0">
-                <a:solidFill>
-                  <a:schemeClr val="bg1">
-                    <a:lumMod val="85000"/>
-                  </a:schemeClr>
-                </a:solidFill>
-                <a:effectLst/>
-                <a:latin typeface="Calibri" panose="020F0502020204030204" pitchFamily="34" charset="0"/>
-                <a:ea typeface="Calibri" panose="020F0502020204030204" pitchFamily="34" charset="0"/>
-                <a:cs typeface="Mangal" panose="02040503050203030202" pitchFamily="18" charset="0"/>
-              </a:rPr>
-              <a:t>a subscription fee will be charged for which feedbacks is taken </a:t>
-            </a:r>
-            <a:r>
-              <a:rPr lang="en-IN" sz="1100" dirty="0">
-                <a:solidFill>
-                  <a:schemeClr val="bg1">
-                    <a:lumMod val="85000"/>
-                  </a:schemeClr>
-                </a:solidFill>
-                <a:effectLst/>
-                <a:latin typeface="Calibri" panose="020F0502020204030204" pitchFamily="34" charset="0"/>
-                <a:ea typeface="Calibri" panose="020F0502020204030204" pitchFamily="34" charset="0"/>
-                <a:cs typeface="Mangal" panose="02040503050203030202" pitchFamily="18" charset="0"/>
-              </a:rPr>
-              <a:t>via polls conducted within the community.</a:t>
+              <a:t>. In future, a blockchain-based Chatbot – ‘SEMION’ with customized user experience, is promised to be released on Telegram and a subscription fee will be charged for which feedbacks is taken via polls conducted within the community.</a:t>
             </a:r>
             <a:endParaRPr lang="en-US" sz="1100" dirty="0">
               <a:solidFill>
@@ -19787,7 +18950,7 @@
                 <a:hlinkClick r:id="rId6">
                   <a:extLst>
                     <a:ext uri="{A12FA001-AC4F-418D-AE19-62706E023703}">
-                      <ahyp:hlinkClr xmlns:ahyp="http://schemas.microsoft.com/office/drawing/2018/hyperlinkcolor" xmlns="" val="tx"/>
+                      <ahyp:hlinkClr xmlns:ahyp="http://schemas.microsoft.com/office/drawing/2018/hyperlinkcolor" val="tx"/>
                     </a:ext>
                   </a:extLst>
                 </a:hlinkClick>
@@ -19808,7 +18971,7 @@
                 <a:hlinkClick r:id="rId6">
                   <a:extLst>
                     <a:ext uri="{A12FA001-AC4F-418D-AE19-62706E023703}">
-                      <ahyp:hlinkClr xmlns:ahyp="http://schemas.microsoft.com/office/drawing/2018/hyperlinkcolor" xmlns="" val="tx"/>
+                      <ahyp:hlinkClr xmlns:ahyp="http://schemas.microsoft.com/office/drawing/2018/hyperlinkcolor" val="tx"/>
                     </a:ext>
                   </a:extLst>
                 </a:hlinkClick>
@@ -19827,21 +18990,7 @@
                 <a:ea typeface="Calibri" panose="020F0502020204030204" pitchFamily="34" charset="0"/>
                 <a:cs typeface="Mangal" panose="02040503050203030202" pitchFamily="18" charset="0"/>
               </a:rPr>
-              <a:t> which has a total of 170 students enrolled for 4 </a:t>
-            </a:r>
-            <a:r>
-              <a:rPr lang="en-IN" sz="1100" dirty="0" smtClean="0">
-                <a:solidFill>
-                  <a:schemeClr val="bg1">
-                    <a:lumMod val="85000"/>
-                  </a:schemeClr>
-                </a:solidFill>
-                <a:effectLst/>
-                <a:latin typeface="Calibri" panose="020F0502020204030204" pitchFamily="34" charset="0"/>
-                <a:ea typeface="Calibri" panose="020F0502020204030204" pitchFamily="34" charset="0"/>
-                <a:cs typeface="Mangal" panose="02040503050203030202" pitchFamily="18" charset="0"/>
-              </a:rPr>
-              <a:t>courses to date.</a:t>
+              <a:t> which has a total of 170 students enrolled for 4 courses to date.</a:t>
             </a:r>
             <a:endParaRPr lang="en-US" sz="1100" dirty="0">
               <a:solidFill>
@@ -19925,7 +19074,7 @@
                 <a:hlinkClick r:id="rId7">
                   <a:extLst>
                     <a:ext uri="{A12FA001-AC4F-418D-AE19-62706E023703}">
-                      <ahyp:hlinkClr xmlns:ahyp="http://schemas.microsoft.com/office/drawing/2018/hyperlinkcolor" xmlns="" val="tx"/>
+                      <ahyp:hlinkClr xmlns:ahyp="http://schemas.microsoft.com/office/drawing/2018/hyperlinkcolor" val="tx"/>
                     </a:ext>
                   </a:extLst>
                 </a:hlinkClick>
@@ -20028,7 +19177,7 @@
                 <a:hlinkClick r:id="rId8">
                   <a:extLst>
                     <a:ext uri="{A12FA001-AC4F-418D-AE19-62706E023703}">
-                      <ahyp:hlinkClr xmlns:ahyp="http://schemas.microsoft.com/office/drawing/2018/hyperlinkcolor" xmlns="" val="tx"/>
+                      <ahyp:hlinkClr xmlns:ahyp="http://schemas.microsoft.com/office/drawing/2018/hyperlinkcolor" val="tx"/>
                     </a:ext>
                   </a:extLst>
                 </a:hlinkClick>
@@ -20089,7 +19238,7 @@
                 <a:hlinkClick r:id="rId9">
                   <a:extLst>
                     <a:ext uri="{A12FA001-AC4F-418D-AE19-62706E023703}">
-                      <ahyp:hlinkClr xmlns:ahyp="http://schemas.microsoft.com/office/drawing/2018/hyperlinkcolor" xmlns="" val="tx"/>
+                      <ahyp:hlinkClr xmlns:ahyp="http://schemas.microsoft.com/office/drawing/2018/hyperlinkcolor" val="tx"/>
                     </a:ext>
                   </a:extLst>
                 </a:hlinkClick>
@@ -20150,7 +19299,7 @@
                 <a:hlinkClick r:id="rId10">
                   <a:extLst>
                     <a:ext uri="{A12FA001-AC4F-418D-AE19-62706E023703}">
-                      <ahyp:hlinkClr xmlns:ahyp="http://schemas.microsoft.com/office/drawing/2018/hyperlinkcolor" xmlns="" val="tx"/>
+                      <ahyp:hlinkClr xmlns:ahyp="http://schemas.microsoft.com/office/drawing/2018/hyperlinkcolor" val="tx"/>
                     </a:ext>
                   </a:extLst>
                 </a:hlinkClick>
@@ -20185,7 +19334,7 @@
                 <a:hlinkClick r:id="rId11">
                   <a:extLst>
                     <a:ext uri="{A12FA001-AC4F-418D-AE19-62706E023703}">
-                      <ahyp:hlinkClr xmlns:ahyp="http://schemas.microsoft.com/office/drawing/2018/hyperlinkcolor" xmlns="" val="tx"/>
+                      <ahyp:hlinkClr xmlns:ahyp="http://schemas.microsoft.com/office/drawing/2018/hyperlinkcolor" val="tx"/>
                     </a:ext>
                   </a:extLst>
                 </a:hlinkClick>
@@ -20220,7 +19369,7 @@
                 <a:hlinkClick r:id="rId12">
                   <a:extLst>
                     <a:ext uri="{A12FA001-AC4F-418D-AE19-62706E023703}">
-                      <ahyp:hlinkClr xmlns:ahyp="http://schemas.microsoft.com/office/drawing/2018/hyperlinkcolor" xmlns="" val="tx"/>
+                      <ahyp:hlinkClr xmlns:ahyp="http://schemas.microsoft.com/office/drawing/2018/hyperlinkcolor" val="tx"/>
                     </a:ext>
                   </a:extLst>
                 </a:hlinkClick>
@@ -20416,10 +19565,48 @@
           </a:p>
         </p:txBody>
       </p:sp>
+      <p:sp>
+        <p:nvSpPr>
+          <p:cNvPr id="6" name="TextBox 5">
+            <a:extLst>
+              <a:ext uri="{FF2B5EF4-FFF2-40B4-BE49-F238E27FC236}">
+                <a16:creationId xmlns:a16="http://schemas.microsoft.com/office/drawing/2014/main" id="{2A96A551-2CCA-4BAB-91A5-5405D7DA908B}"/>
+              </a:ext>
+            </a:extLst>
+          </p:cNvPr>
+          <p:cNvSpPr txBox="1"/>
+          <p:nvPr/>
+        </p:nvSpPr>
+        <p:spPr>
+          <a:xfrm>
+            <a:off x="457997" y="312516"/>
+            <a:ext cx="687897" cy="338554"/>
+          </a:xfrm>
+          <a:prstGeom prst="rect">
+            <a:avLst/>
+          </a:prstGeom>
+          <a:solidFill>
+            <a:srgbClr val="EBAB0B"/>
+          </a:solidFill>
+        </p:spPr>
+        <p:txBody>
+          <a:bodyPr wrap="square" rtlCol="0">
+            <a:spAutoFit/>
+          </a:bodyPr>
+          <a:lstStyle/>
+          <a:p>
+            <a:pPr algn="ctr"/>
+            <a:r>
+              <a:rPr lang="en-US" sz="1600" dirty="0"/>
+              <a:t>Bot</a:t>
+            </a:r>
+          </a:p>
+        </p:txBody>
+      </p:sp>
     </p:spTree>
     <p:extLst>
       <p:ext uri="{BB962C8B-B14F-4D97-AF65-F5344CB8AC3E}">
-        <p14:creationId xmlns:p14="http://schemas.microsoft.com/office/powerpoint/2010/main" xmlns="" val="3728625744"/>
+        <p14:creationId xmlns:p14="http://schemas.microsoft.com/office/powerpoint/2010/main" val="3728625744"/>
       </p:ext>
     </p:extLst>
   </p:cSld>
@@ -20657,7 +19844,7 @@
   <a:extraClrSchemeLst/>
   <a:extLst>
     <a:ext uri="{05A4C25C-085E-4340-85A3-A5531E510DB2}">
-      <thm15:themeFamily xmlns:thm15="http://schemas.microsoft.com/office/thememl/2012/main" xmlns="" name="INFO Resume 02_MO - v3" id="{9229F7CD-3406-4BD9-B8B8-839158D1C30B}" vid="{CA214F82-F6BD-4CC4-B385-F1D2024745E8}"/>
+      <thm15:themeFamily xmlns:thm15="http://schemas.microsoft.com/office/thememl/2012/main" name="INFO Resume 02_MO - v3" id="{9229F7CD-3406-4BD9-B8B8-839158D1C30B}" vid="{CA214F82-F6BD-4CC4-B385-F1D2024745E8}"/>
     </a:ext>
   </a:extLst>
 </a:theme>
@@ -20952,7 +20139,7 @@
   <a:extraClrSchemeLst/>
   <a:extLst>
     <a:ext uri="{05A4C25C-085E-4340-85A3-A5531E510DB2}">
-      <thm15:themeFamily xmlns:thm15="http://schemas.microsoft.com/office/thememl/2012/main" xmlns="" name="Office Theme" id="{62F939B6-93AF-4DB8-9C6B-D6C7DFDC589F}" vid="{4A3C46E8-61CC-4603-A589-7422A47A8E4A}"/>
+      <thm15:themeFamily xmlns:thm15="http://schemas.microsoft.com/office/thememl/2012/main" name="Office Theme" id="{62F939B6-93AF-4DB8-9C6B-D6C7DFDC589F}" vid="{4A3C46E8-61CC-4603-A589-7422A47A8E4A}"/>
     </a:ext>
   </a:extLst>
 </a:theme>

--- a/my_resume.pptx
+++ b/my_resume.pptx
@@ -9630,14 +9630,19 @@
             <p:ph type="body" sz="quarter" idx="66"/>
           </p:nvPr>
         </p:nvSpPr>
-        <p:spPr/>
+        <p:spPr>
+          <a:xfrm>
+            <a:off x="3610049" y="8471476"/>
+            <a:ext cx="709391" cy="263473"/>
+          </a:xfrm>
+        </p:spPr>
         <p:txBody>
           <a:bodyPr/>
           <a:lstStyle/>
           <a:p>
             <a:r>
               <a:rPr lang="en-US" dirty="0"/>
-              <a:t>Mobile</a:t>
+              <a:t>Data Science</a:t>
             </a:r>
           </a:p>
         </p:txBody>
@@ -17488,7 +17493,7 @@
         </p:nvSpPr>
         <p:spPr>
           <a:xfrm>
-            <a:off x="375920" y="4622648"/>
+            <a:off x="542981" y="4613661"/>
             <a:ext cx="1340002" cy="338554"/>
           </a:xfrm>
           <a:prstGeom prst="rect">
@@ -19579,7 +19584,7 @@
         </p:nvSpPr>
         <p:spPr>
           <a:xfrm>
-            <a:off x="457997" y="312516"/>
+            <a:off x="525085" y="261934"/>
             <a:ext cx="687897" cy="338554"/>
           </a:xfrm>
           <a:prstGeom prst="rect">
@@ -20146,6 +20151,23 @@
 </file>
 
 <file path=customXml/item1.xml><?xml version="1.0" encoding="utf-8"?>
+<p:properties xmlns:p="http://schemas.microsoft.com/office/2006/metadata/properties" xmlns:xsi="http://www.w3.org/2001/XMLSchema-instance" xmlns:pc="http://schemas.microsoft.com/office/infopath/2007/PartnerControls">
+  <documentManagement>
+    <MediaServiceKeyPoints xmlns="ef88797d-310b-4d46-ad9c-0c23fa0c8d45" xsi:nil="true"/>
+  </documentManagement>
+</p:properties>
+</file>
+
+<file path=customXml/item2.xml><?xml version="1.0" encoding="utf-8"?>
+<?mso-contentType ?>
+<FormTemplates xmlns="http://schemas.microsoft.com/sharepoint/v3/contenttype/forms">
+  <Display>DocumentLibraryForm</Display>
+  <Edit>DocumentLibraryForm</Edit>
+  <New>DocumentLibraryForm</New>
+</FormTemplates>
+</file>
+
+<file path=customXml/item3.xml><?xml version="1.0" encoding="utf-8"?>
 <ct:contentTypeSchema xmlns:ct="http://schemas.microsoft.com/office/2006/metadata/contentType" xmlns:ma="http://schemas.microsoft.com/office/2006/metadata/properties/metaAttributes" ct:_="" ma:_="" ma:contentTypeName="Document" ma:contentTypeID="0x0101005F02E0EF7D44C04B9FA644DBFF45FF6A" ma:contentTypeVersion="13" ma:contentTypeDescription="Create a new document." ma:contentTypeScope="" ma:versionID="206b9469efed5238e3299da57cdc015e">
   <xsd:schema xmlns:xsd="http://www.w3.org/2001/XMLSchema" xmlns:xs="http://www.w3.org/2001/XMLSchema" xmlns:p="http://schemas.microsoft.com/office/2006/metadata/properties" xmlns:ns2="876de33e-aaa5-4507-9b92-b84e676ded0d" xmlns:ns3="ef88797d-310b-4d46-ad9c-0c23fa0c8d45" targetNamespace="http://schemas.microsoft.com/office/2006/metadata/properties" ma:root="true" ma:fieldsID="281ed500249cd3fe925a7af84a8b56c4" ns2:_="" ns3:_="">
     <xsd:import namespace="876de33e-aaa5-4507-9b92-b84e676ded0d"/>
@@ -20368,24 +20390,25 @@
 </ct:contentTypeSchema>
 </file>
 
-<file path=customXml/item2.xml><?xml version="1.0" encoding="utf-8"?>
-<?mso-contentType ?>
-<FormTemplates xmlns="http://schemas.microsoft.com/sharepoint/v3/contenttype/forms">
-  <Display>DocumentLibraryForm</Display>
-  <Edit>DocumentLibraryForm</Edit>
-  <New>DocumentLibraryForm</New>
-</FormTemplates>
+<file path=customXml/itemProps1.xml><?xml version="1.0" encoding="utf-8"?>
+<ds:datastoreItem xmlns:ds="http://schemas.openxmlformats.org/officeDocument/2006/customXml" ds:itemID="{578389EB-672F-420D-AB19-CDFA657C66F4}">
+  <ds:schemaRefs>
+    <ds:schemaRef ds:uri="http://schemas.microsoft.com/office/2006/metadata/properties"/>
+    <ds:schemaRef ds:uri="http://schemas.microsoft.com/office/infopath/2007/PartnerControls"/>
+    <ds:schemaRef ds:uri="ef88797d-310b-4d46-ad9c-0c23fa0c8d45"/>
+  </ds:schemaRefs>
+</ds:datastoreItem>
 </file>
 
-<file path=customXml/item3.xml><?xml version="1.0" encoding="utf-8"?>
-<p:properties xmlns:p="http://schemas.microsoft.com/office/2006/metadata/properties" xmlns:xsi="http://www.w3.org/2001/XMLSchema-instance" xmlns:pc="http://schemas.microsoft.com/office/infopath/2007/PartnerControls">
-  <documentManagement>
-    <MediaServiceKeyPoints xmlns="ef88797d-310b-4d46-ad9c-0c23fa0c8d45" xsi:nil="true"/>
-  </documentManagement>
-</p:properties>
+<file path=customXml/itemProps2.xml><?xml version="1.0" encoding="utf-8"?>
+<ds:datastoreItem xmlns:ds="http://schemas.openxmlformats.org/officeDocument/2006/customXml" ds:itemID="{20056241-EAE4-4EAF-8B0E-8651A3DCDE25}">
+  <ds:schemaRefs>
+    <ds:schemaRef ds:uri="http://schemas.microsoft.com/sharepoint/v3/contenttype/forms"/>
+  </ds:schemaRefs>
+</ds:datastoreItem>
 </file>
 
-<file path=customXml/itemProps1.xml><?xml version="1.0" encoding="utf-8"?>
+<file path=customXml/itemProps3.xml><?xml version="1.0" encoding="utf-8"?>
 <ds:datastoreItem xmlns:ds="http://schemas.openxmlformats.org/officeDocument/2006/customXml" ds:itemID="{E6CD0737-DDCD-4506-85C0-A3C2836F70A4}">
   <ds:schemaRefs>
     <ds:schemaRef ds:uri="http://schemas.microsoft.com/office/2006/metadata/contentType"/>
@@ -20402,22 +20425,4 @@
     <ds:schemaRef ds:uri="http://schemas.microsoft.com/internal/obd"/>
   </ds:schemaRefs>
 </ds:datastoreItem>
-</file>
-
-<file path=customXml/itemProps2.xml><?xml version="1.0" encoding="utf-8"?>
-<ds:datastoreItem xmlns:ds="http://schemas.openxmlformats.org/officeDocument/2006/customXml" ds:itemID="{20056241-EAE4-4EAF-8B0E-8651A3DCDE25}">
-  <ds:schemaRefs>
-    <ds:schemaRef ds:uri="http://schemas.microsoft.com/sharepoint/v3/contenttype/forms"/>
-  </ds:schemaRefs>
-</ds:datastoreItem>
-</file>
-
-<file path=customXml/itemProps3.xml><?xml version="1.0" encoding="utf-8"?>
-<ds:datastoreItem xmlns:ds="http://schemas.openxmlformats.org/officeDocument/2006/customXml" ds:itemID="{578389EB-672F-420D-AB19-CDFA657C66F4}">
-  <ds:schemaRefs>
-    <ds:schemaRef ds:uri="http://schemas.microsoft.com/office/2006/metadata/properties"/>
-    <ds:schemaRef ds:uri="http://schemas.microsoft.com/office/infopath/2007/PartnerControls"/>
-    <ds:schemaRef ds:uri="ef88797d-310b-4d46-ad9c-0c23fa0c8d45"/>
-  </ds:schemaRefs>
-</ds:datastoreItem>
 </file>
--- a/my_resume.pptx
+++ b/my_resume.pptx
@@ -239,7 +239,7 @@
             <a:fld id="{F126DA7F-2AB4-430D-8B2A-97731DDF23A1}" type="datetimeFigureOut">
               <a:rPr lang="en-US" smtClean="0"/>
               <a:pPr/>
-              <a:t>20-Jun-21</a:t>
+              <a:t>21-Jun-21</a:t>
             </a:fld>
             <a:endParaRPr lang="en-US" dirty="0"/>
           </a:p>
@@ -337,7 +337,7 @@
 
 <file path=ppt/slideLayouts/slideLayout1.xml><?xml version="1.0" encoding="utf-8"?>
 <p:sldLayout xmlns:a="http://schemas.openxmlformats.org/drawingml/2006/main" xmlns:r="http://schemas.openxmlformats.org/officeDocument/2006/relationships" xmlns:p="http://schemas.openxmlformats.org/presentationml/2006/main" preserve="1" userDrawn="1">
-  <p:cSld name="Title Slide">
+  <p:cSld name="Resume - Abhijit Roy">
     <p:spTree>
       <p:nvGrpSpPr>
         <p:cNvPr id="1" name=""/>
@@ -759,7 +759,7 @@
           <a:p>
             <a:r>
               <a:rPr lang="en-US" dirty="0"/>
-              <a:t>MIRA KARLSOON</a:t>
+              <a:t>R</a:t>
             </a:r>
           </a:p>
         </p:txBody>
@@ -7198,7 +7198,7 @@
             <a:fld id="{902AD433-F5B6-43A3-8DE6-1382B3149F77}" type="datetimeFigureOut">
               <a:rPr lang="en-US" smtClean="0"/>
               <a:pPr/>
-              <a:t>20-Jun-21</a:t>
+              <a:t>21-Jun-21</a:t>
             </a:fld>
             <a:endParaRPr lang="en-US" dirty="0"/>
           </a:p>
@@ -8894,7 +8894,7 @@
         <p:spPr>
           <a:xfrm>
             <a:off x="1870475" y="1880505"/>
-            <a:ext cx="2829334" cy="1138091"/>
+            <a:ext cx="2962906" cy="1138091"/>
           </a:xfrm>
         </p:spPr>
         <p:txBody>
@@ -8903,7 +8903,7 @@
           <a:p>
             <a:r>
               <a:rPr lang="en-US" dirty="0"/>
-              <a:t>I am a talented, ambitious and hardworking individual. I am a tech entrepreneur who always thinks how to solve real life problems using high-end technology. I am committed to make the society free from problems by making every possible business with inherent features – Transparency, Incentivization &amp; Decision-making rights.</a:t>
+              <a:t>I am a talented, ambitious, and hardworking individual. I am a tech entrepreneur who always thinks about how to solve real-life problems using high-end technology. I am committed to making society free from problems by making every possible business with inherent features – Transparency, Incentivization &amp; Decision-making rights. </a:t>
             </a:r>
           </a:p>
         </p:txBody>
@@ -19622,7 +19622,7 @@
 </file>
 
 <file path=ppt/theme/theme1.xml><?xml version="1.0" encoding="utf-8"?>
-<a:theme xmlns:a="http://schemas.openxmlformats.org/drawingml/2006/main" name="Office Theme">
+<a:theme xmlns:a="http://schemas.openxmlformats.org/drawingml/2006/main" name="MyResume">
   <a:themeElements>
     <a:clrScheme name="Resume colors">
       <a:dk1>
@@ -20151,23 +20151,6 @@
 </file>
 
 <file path=customXml/item1.xml><?xml version="1.0" encoding="utf-8"?>
-<p:properties xmlns:p="http://schemas.microsoft.com/office/2006/metadata/properties" xmlns:xsi="http://www.w3.org/2001/XMLSchema-instance" xmlns:pc="http://schemas.microsoft.com/office/infopath/2007/PartnerControls">
-  <documentManagement>
-    <MediaServiceKeyPoints xmlns="ef88797d-310b-4d46-ad9c-0c23fa0c8d45" xsi:nil="true"/>
-  </documentManagement>
-</p:properties>
-</file>
-
-<file path=customXml/item2.xml><?xml version="1.0" encoding="utf-8"?>
-<?mso-contentType ?>
-<FormTemplates xmlns="http://schemas.microsoft.com/sharepoint/v3/contenttype/forms">
-  <Display>DocumentLibraryForm</Display>
-  <Edit>DocumentLibraryForm</Edit>
-  <New>DocumentLibraryForm</New>
-</FormTemplates>
-</file>
-
-<file path=customXml/item3.xml><?xml version="1.0" encoding="utf-8"?>
 <ct:contentTypeSchema xmlns:ct="http://schemas.microsoft.com/office/2006/metadata/contentType" xmlns:ma="http://schemas.microsoft.com/office/2006/metadata/properties/metaAttributes" ct:_="" ma:_="" ma:contentTypeName="Document" ma:contentTypeID="0x0101005F02E0EF7D44C04B9FA644DBFF45FF6A" ma:contentTypeVersion="13" ma:contentTypeDescription="Create a new document." ma:contentTypeScope="" ma:versionID="206b9469efed5238e3299da57cdc015e">
   <xsd:schema xmlns:xsd="http://www.w3.org/2001/XMLSchema" xmlns:xs="http://www.w3.org/2001/XMLSchema" xmlns:p="http://schemas.microsoft.com/office/2006/metadata/properties" xmlns:ns2="876de33e-aaa5-4507-9b92-b84e676ded0d" xmlns:ns3="ef88797d-310b-4d46-ad9c-0c23fa0c8d45" targetNamespace="http://schemas.microsoft.com/office/2006/metadata/properties" ma:root="true" ma:fieldsID="281ed500249cd3fe925a7af84a8b56c4" ns2:_="" ns3:_="">
     <xsd:import namespace="876de33e-aaa5-4507-9b92-b84e676ded0d"/>
@@ -20390,25 +20373,24 @@
 </ct:contentTypeSchema>
 </file>
 
-<file path=customXml/itemProps1.xml><?xml version="1.0" encoding="utf-8"?>
-<ds:datastoreItem xmlns:ds="http://schemas.openxmlformats.org/officeDocument/2006/customXml" ds:itemID="{578389EB-672F-420D-AB19-CDFA657C66F4}">
-  <ds:schemaRefs>
-    <ds:schemaRef ds:uri="http://schemas.microsoft.com/office/2006/metadata/properties"/>
-    <ds:schemaRef ds:uri="http://schemas.microsoft.com/office/infopath/2007/PartnerControls"/>
-    <ds:schemaRef ds:uri="ef88797d-310b-4d46-ad9c-0c23fa0c8d45"/>
-  </ds:schemaRefs>
-</ds:datastoreItem>
+<file path=customXml/item2.xml><?xml version="1.0" encoding="utf-8"?>
+<?mso-contentType ?>
+<FormTemplates xmlns="http://schemas.microsoft.com/sharepoint/v3/contenttype/forms">
+  <Display>DocumentLibraryForm</Display>
+  <Edit>DocumentLibraryForm</Edit>
+  <New>DocumentLibraryForm</New>
+</FormTemplates>
 </file>
 
-<file path=customXml/itemProps2.xml><?xml version="1.0" encoding="utf-8"?>
-<ds:datastoreItem xmlns:ds="http://schemas.openxmlformats.org/officeDocument/2006/customXml" ds:itemID="{20056241-EAE4-4EAF-8B0E-8651A3DCDE25}">
-  <ds:schemaRefs>
-    <ds:schemaRef ds:uri="http://schemas.microsoft.com/sharepoint/v3/contenttype/forms"/>
-  </ds:schemaRefs>
-</ds:datastoreItem>
+<file path=customXml/item3.xml><?xml version="1.0" encoding="utf-8"?>
+<p:properties xmlns:p="http://schemas.microsoft.com/office/2006/metadata/properties" xmlns:xsi="http://www.w3.org/2001/XMLSchema-instance" xmlns:pc="http://schemas.microsoft.com/office/infopath/2007/PartnerControls">
+  <documentManagement>
+    <MediaServiceKeyPoints xmlns="ef88797d-310b-4d46-ad9c-0c23fa0c8d45" xsi:nil="true"/>
+  </documentManagement>
+</p:properties>
 </file>
 
-<file path=customXml/itemProps3.xml><?xml version="1.0" encoding="utf-8"?>
+<file path=customXml/itemProps1.xml><?xml version="1.0" encoding="utf-8"?>
 <ds:datastoreItem xmlns:ds="http://schemas.openxmlformats.org/officeDocument/2006/customXml" ds:itemID="{E6CD0737-DDCD-4506-85C0-A3C2836F70A4}">
   <ds:schemaRefs>
     <ds:schemaRef ds:uri="http://schemas.microsoft.com/office/2006/metadata/contentType"/>
@@ -20425,4 +20407,22 @@
     <ds:schemaRef ds:uri="http://schemas.microsoft.com/internal/obd"/>
   </ds:schemaRefs>
 </ds:datastoreItem>
+</file>
+
+<file path=customXml/itemProps2.xml><?xml version="1.0" encoding="utf-8"?>
+<ds:datastoreItem xmlns:ds="http://schemas.openxmlformats.org/officeDocument/2006/customXml" ds:itemID="{20056241-EAE4-4EAF-8B0E-8651A3DCDE25}">
+  <ds:schemaRefs>
+    <ds:schemaRef ds:uri="http://schemas.microsoft.com/sharepoint/v3/contenttype/forms"/>
+  </ds:schemaRefs>
+</ds:datastoreItem>
+</file>
+
+<file path=customXml/itemProps3.xml><?xml version="1.0" encoding="utf-8"?>
+<ds:datastoreItem xmlns:ds="http://schemas.openxmlformats.org/officeDocument/2006/customXml" ds:itemID="{578389EB-672F-420D-AB19-CDFA657C66F4}">
+  <ds:schemaRefs>
+    <ds:schemaRef ds:uri="http://schemas.microsoft.com/office/2006/metadata/properties"/>
+    <ds:schemaRef ds:uri="http://schemas.microsoft.com/office/infopath/2007/PartnerControls"/>
+    <ds:schemaRef ds:uri="ef88797d-310b-4d46-ad9c-0c23fa0c8d45"/>
+  </ds:schemaRefs>
+</ds:datastoreItem>
 </file>
--- a/my_resume.pptx
+++ b/my_resume.pptx
@@ -239,7 +239,7 @@
             <a:fld id="{F126DA7F-2AB4-430D-8B2A-97731DDF23A1}" type="datetimeFigureOut">
               <a:rPr lang="en-US" smtClean="0"/>
               <a:pPr/>
-              <a:t>21-Jun-21</a:t>
+              <a:t>19-Jul-21</a:t>
             </a:fld>
             <a:endParaRPr lang="en-US" dirty="0"/>
           </a:p>
@@ -7198,7 +7198,7 @@
             <a:fld id="{902AD433-F5B6-43A3-8DE6-1382B3149F77}" type="datetimeFigureOut">
               <a:rPr lang="en-US" smtClean="0"/>
               <a:pPr/>
-              <a:t>21-Jun-21</a:t>
+              <a:t>19-Jul-21</a:t>
             </a:fld>
             <a:endParaRPr lang="en-US" dirty="0"/>
           </a:p>
@@ -7623,8 +7623,8 @@
         </p:nvSpPr>
         <p:spPr>
           <a:xfrm>
-            <a:off x="2000433" y="5624448"/>
-            <a:ext cx="4520465" cy="504000"/>
+            <a:off x="1870893" y="5624448"/>
+            <a:ext cx="4560387" cy="504000"/>
           </a:xfrm>
           <a:prstGeom prst="rect">
             <a:avLst/>
@@ -7954,8 +7954,8 @@
         </p:nvSpPr>
         <p:spPr>
           <a:xfrm>
-            <a:off x="3285744" y="5172751"/>
-            <a:ext cx="3225388" cy="280107"/>
+            <a:off x="3156203" y="5172751"/>
+            <a:ext cx="3464315" cy="280107"/>
           </a:xfrm>
           <a:prstGeom prst="rect">
             <a:avLst/>
@@ -8125,8 +8125,8 @@
         </p:nvSpPr>
         <p:spPr>
           <a:xfrm>
-            <a:off x="2000434" y="5438768"/>
-            <a:ext cx="4520465" cy="190800"/>
+            <a:off x="1870894" y="5438768"/>
+            <a:ext cx="4749625" cy="190800"/>
           </a:xfrm>
           <a:prstGeom prst="rect">
             <a:avLst/>
@@ -8181,7 +8181,7 @@
         </p:nvCxnSpPr>
         <p:spPr>
           <a:xfrm>
-            <a:off x="4708143" y="4836109"/>
+            <a:off x="4578603" y="4836109"/>
             <a:ext cx="0" cy="260347"/>
           </a:xfrm>
           <a:prstGeom prst="line">
@@ -8239,7 +8239,7 @@
         </p:blipFill>
         <p:spPr>
           <a:xfrm>
-            <a:off x="4650969" y="4723360"/>
+            <a:off x="4521429" y="4723360"/>
             <a:ext cx="118800" cy="118800"/>
           </a:xfrm>
           <a:prstGeom prst="rect">
@@ -9058,7 +9058,7 @@
         </p:nvSpPr>
         <p:spPr>
           <a:xfrm>
-            <a:off x="1962187" y="5438767"/>
+            <a:off x="1832647" y="5438767"/>
             <a:ext cx="402035" cy="209381"/>
           </a:xfrm>
         </p:spPr>
@@ -9091,7 +9091,7 @@
         </p:nvSpPr>
         <p:spPr>
           <a:xfrm>
-            <a:off x="2508138" y="5438767"/>
+            <a:off x="2378598" y="5438767"/>
             <a:ext cx="402035" cy="209381"/>
           </a:xfrm>
         </p:spPr>
@@ -9124,7 +9124,7 @@
         </p:nvSpPr>
         <p:spPr>
           <a:xfrm>
-            <a:off x="3116778" y="5438767"/>
+            <a:off x="2987238" y="5438767"/>
             <a:ext cx="402035" cy="209381"/>
           </a:xfrm>
         </p:spPr>
@@ -9157,7 +9157,7 @@
         </p:nvSpPr>
         <p:spPr>
           <a:xfrm>
-            <a:off x="3679121" y="5438767"/>
+            <a:off x="3549581" y="5438767"/>
             <a:ext cx="402035" cy="209381"/>
           </a:xfrm>
         </p:spPr>
@@ -9190,7 +9190,7 @@
         </p:nvSpPr>
         <p:spPr>
           <a:xfrm>
-            <a:off x="4218313" y="5438767"/>
+            <a:off x="4088773" y="5438767"/>
             <a:ext cx="402035" cy="209381"/>
           </a:xfrm>
         </p:spPr>
@@ -9223,7 +9223,7 @@
         </p:nvSpPr>
         <p:spPr>
           <a:xfrm>
-            <a:off x="4815382" y="5438767"/>
+            <a:off x="4685842" y="5438767"/>
             <a:ext cx="402035" cy="209381"/>
           </a:xfrm>
         </p:spPr>
@@ -9256,7 +9256,7 @@
         </p:nvSpPr>
         <p:spPr>
           <a:xfrm>
-            <a:off x="5331426" y="5438767"/>
+            <a:off x="5201886" y="5438767"/>
             <a:ext cx="402035" cy="209381"/>
           </a:xfrm>
         </p:spPr>
@@ -9289,7 +9289,7 @@
         </p:nvSpPr>
         <p:spPr>
           <a:xfrm>
-            <a:off x="5928493" y="5438767"/>
+            <a:off x="5798953" y="5438767"/>
             <a:ext cx="402035" cy="209381"/>
           </a:xfrm>
         </p:spPr>
@@ -9322,7 +9322,7 @@
         </p:nvSpPr>
         <p:spPr>
           <a:xfrm>
-            <a:off x="3285744" y="5202755"/>
+            <a:off x="3156204" y="5202755"/>
             <a:ext cx="3210980" cy="213403"/>
           </a:xfrm>
         </p:spPr>
@@ -9355,7 +9355,7 @@
         </p:nvSpPr>
         <p:spPr>
           <a:xfrm>
-            <a:off x="3105043" y="5901930"/>
+            <a:off x="2975503" y="5901930"/>
             <a:ext cx="2411738" cy="132055"/>
           </a:xfrm>
         </p:spPr>
@@ -9388,7 +9388,7 @@
         </p:nvSpPr>
         <p:spPr>
           <a:xfrm>
-            <a:off x="3192542" y="5709641"/>
+            <a:off x="3063002" y="5709641"/>
             <a:ext cx="2219364" cy="190800"/>
           </a:xfrm>
         </p:spPr>
@@ -15519,7 +15519,7 @@
                   </a:schemeClr>
                 </a:solidFill>
               </a:rPr>
-              <a:t>C, C++, Python, Java, Bash, Batch, Markdown, HTML, </a:t>
+              <a:t>C, C++, Python, Java, Solidity, Bash, Batch, Markdown, HTML, </a:t>
             </a:r>
           </a:p>
         </p:txBody>
@@ -15538,7 +15538,7 @@
         </p:nvSpPr>
         <p:spPr>
           <a:xfrm>
-            <a:off x="4394938" y="4573802"/>
+            <a:off x="4265398" y="4573802"/>
             <a:ext cx="680599" cy="184666"/>
           </a:xfrm>
           <a:prstGeom prst="rect">
@@ -15580,7 +15580,7 @@
         </p:nvSpPr>
         <p:spPr>
           <a:xfrm rot="16200000">
-            <a:off x="4688320" y="4888260"/>
+            <a:off x="4558780" y="4888260"/>
             <a:ext cx="59791" cy="477046"/>
           </a:xfrm>
           <a:prstGeom prst="rightBracket">
@@ -15634,7 +15634,7 @@
         </p:nvCxnSpPr>
         <p:spPr>
           <a:xfrm>
-            <a:off x="5075047" y="4354012"/>
+            <a:off x="4945507" y="4354012"/>
             <a:ext cx="0" cy="821492"/>
           </a:xfrm>
           <a:prstGeom prst="line">
@@ -15692,7 +15692,7 @@
         </p:blipFill>
         <p:spPr>
           <a:xfrm>
-            <a:off x="5015647" y="4354012"/>
+            <a:off x="4886107" y="4354012"/>
             <a:ext cx="118800" cy="118800"/>
           </a:xfrm>
           <a:prstGeom prst="rect">
@@ -15714,7 +15714,7 @@
         </p:nvSpPr>
         <p:spPr>
           <a:xfrm>
-            <a:off x="4638131" y="4105210"/>
+            <a:off x="4508591" y="4105210"/>
             <a:ext cx="878650" cy="276999"/>
           </a:xfrm>
           <a:prstGeom prst="rect">
@@ -15758,7 +15758,7 @@
         </p:nvCxnSpPr>
         <p:spPr>
           <a:xfrm>
-            <a:off x="3915663" y="4919929"/>
+            <a:off x="3786123" y="4919929"/>
             <a:ext cx="0" cy="260347"/>
           </a:xfrm>
           <a:prstGeom prst="line">
@@ -15816,7 +15816,7 @@
         </p:blipFill>
         <p:spPr>
           <a:xfrm>
-            <a:off x="3858489" y="4807180"/>
+            <a:off x="3728949" y="4807180"/>
             <a:ext cx="118800" cy="118800"/>
           </a:xfrm>
           <a:prstGeom prst="rect">
@@ -15838,7 +15838,7 @@
         </p:nvSpPr>
         <p:spPr>
           <a:xfrm>
-            <a:off x="3479256" y="4462967"/>
+            <a:off x="3349716" y="4462967"/>
             <a:ext cx="854057" cy="369332"/>
           </a:xfrm>
           <a:prstGeom prst="rect">
@@ -16017,6 +16017,194 @@
           </a:prstGeom>
         </p:spPr>
       </p:pic>
+      <p:sp>
+        <p:nvSpPr>
+          <p:cNvPr id="181" name="Right Bracket 180">
+            <a:extLst>
+              <a:ext uri="{FF2B5EF4-FFF2-40B4-BE49-F238E27FC236}">
+                <a16:creationId xmlns:a16="http://schemas.microsoft.com/office/drawing/2014/main" id="{F3BAFA71-9AAF-4048-90BE-02BE8D47BC33}"/>
+              </a:ext>
+            </a:extLst>
+          </p:cNvPr>
+          <p:cNvSpPr/>
+          <p:nvPr/>
+        </p:nvSpPr>
+        <p:spPr>
+          <a:xfrm rot="16200000">
+            <a:off x="6507778" y="5062762"/>
+            <a:ext cx="68889" cy="156594"/>
+          </a:xfrm>
+          <a:prstGeom prst="rightBracket">
+            <a:avLst/>
+          </a:prstGeom>
+          <a:ln>
+            <a:solidFill>
+              <a:schemeClr val="bg1">
+                <a:lumMod val="85000"/>
+              </a:schemeClr>
+            </a:solidFill>
+          </a:ln>
+        </p:spPr>
+        <p:style>
+          <a:lnRef idx="1">
+            <a:schemeClr val="accent5"/>
+          </a:lnRef>
+          <a:fillRef idx="0">
+            <a:schemeClr val="accent5"/>
+          </a:fillRef>
+          <a:effectRef idx="0">
+            <a:schemeClr val="accent5"/>
+          </a:effectRef>
+          <a:fontRef idx="minor">
+            <a:schemeClr val="tx1"/>
+          </a:fontRef>
+        </p:style>
+        <p:txBody>
+          <a:bodyPr rtlCol="0" anchor="ctr"/>
+          <a:lstStyle/>
+          <a:p>
+            <a:pPr algn="ctr"/>
+            <a:endParaRPr lang="en-US"/>
+          </a:p>
+        </p:txBody>
+      </p:sp>
+      <p:cxnSp>
+        <p:nvCxnSpPr>
+          <p:cNvPr id="182" name="Straight Connector 181">
+            <a:extLst>
+              <a:ext uri="{FF2B5EF4-FFF2-40B4-BE49-F238E27FC236}">
+                <a16:creationId xmlns:a16="http://schemas.microsoft.com/office/drawing/2014/main" id="{483504D4-6E31-4522-96D9-C976CA336D50}"/>
+              </a:ext>
+            </a:extLst>
+          </p:cNvPr>
+          <p:cNvCxnSpPr>
+            <a:cxnSpLocks/>
+          </p:cNvCxnSpPr>
+          <p:nvPr/>
+        </p:nvCxnSpPr>
+        <p:spPr>
+          <a:xfrm>
+            <a:off x="6536943" y="4836109"/>
+            <a:ext cx="0" cy="260347"/>
+          </a:xfrm>
+          <a:prstGeom prst="line">
+            <a:avLst/>
+          </a:prstGeom>
+          <a:ln w="12700">
+            <a:solidFill>
+              <a:schemeClr val="bg2"/>
+            </a:solidFill>
+          </a:ln>
+        </p:spPr>
+        <p:style>
+          <a:lnRef idx="1">
+            <a:schemeClr val="accent1"/>
+          </a:lnRef>
+          <a:fillRef idx="0">
+            <a:schemeClr val="accent1"/>
+          </a:fillRef>
+          <a:effectRef idx="0">
+            <a:schemeClr val="accent1"/>
+          </a:effectRef>
+          <a:fontRef idx="minor">
+            <a:schemeClr val="tx1"/>
+          </a:fontRef>
+        </p:style>
+      </p:cxnSp>
+      <p:pic>
+        <p:nvPicPr>
+          <p:cNvPr id="183" name="Graphic 182">
+            <a:extLst>
+              <a:ext uri="{FF2B5EF4-FFF2-40B4-BE49-F238E27FC236}">
+                <a16:creationId xmlns:a16="http://schemas.microsoft.com/office/drawing/2014/main" id="{D08EF85F-DADC-4D64-B50F-32A12304EEEF}"/>
+              </a:ext>
+              <a:ext uri="{C183D7F6-B498-43B3-948B-1728B52AA6E4}">
+                <adec:decorative xmlns:adec="http://schemas.microsoft.com/office/drawing/2017/decorative" val="1"/>
+              </a:ext>
+            </a:extLst>
+          </p:cNvPr>
+          <p:cNvPicPr>
+            <a:picLocks noChangeAspect="1"/>
+          </p:cNvPicPr>
+          <p:nvPr/>
+        </p:nvPicPr>
+        <p:blipFill>
+          <a:blip r:embed="rId39" cstate="print">
+            <a:extLst>
+              <a:ext uri="{96DAC541-7B7A-43D3-8B79-37D633B846F1}">
+                <asvg:svgBlip xmlns:asvg="http://schemas.microsoft.com/office/drawing/2016/SVG/main" r:embed="rId40"/>
+              </a:ext>
+            </a:extLst>
+          </a:blip>
+          <a:stretch>
+            <a:fillRect/>
+          </a:stretch>
+        </p:blipFill>
+        <p:spPr>
+          <a:xfrm>
+            <a:off x="6479769" y="4723360"/>
+            <a:ext cx="118800" cy="118800"/>
+          </a:xfrm>
+          <a:prstGeom prst="rect">
+            <a:avLst/>
+          </a:prstGeom>
+        </p:spPr>
+      </p:pic>
+      <p:sp>
+        <p:nvSpPr>
+          <p:cNvPr id="184" name="TextBox 183">
+            <a:extLst>
+              <a:ext uri="{FF2B5EF4-FFF2-40B4-BE49-F238E27FC236}">
+                <a16:creationId xmlns:a16="http://schemas.microsoft.com/office/drawing/2014/main" id="{FFDF177B-9AFA-44E5-99AB-81849B9871CC}"/>
+              </a:ext>
+            </a:extLst>
+          </p:cNvPr>
+          <p:cNvSpPr txBox="1"/>
+          <p:nvPr/>
+        </p:nvSpPr>
+        <p:spPr>
+          <a:xfrm>
+            <a:off x="5925579" y="4472319"/>
+            <a:ext cx="982151" cy="276999"/>
+          </a:xfrm>
+          <a:prstGeom prst="rect">
+            <a:avLst/>
+          </a:prstGeom>
+          <a:noFill/>
+        </p:spPr>
+        <p:txBody>
+          <a:bodyPr wrap="square" rtlCol="0">
+            <a:spAutoFit/>
+          </a:bodyPr>
+          <a:lstStyle/>
+          <a:p>
+            <a:pPr algn="ctr"/>
+            <a:r>
+              <a:rPr lang="en-US" sz="600" dirty="0">
+                <a:solidFill>
+                  <a:schemeClr val="bg1">
+                    <a:lumMod val="65000"/>
+                  </a:schemeClr>
+                </a:solidFill>
+              </a:rPr>
+              <a:t>Lead Blockchain Dev </a:t>
+            </a:r>
+          </a:p>
+          <a:p>
+            <a:pPr algn="ctr"/>
+            <a:r>
+              <a:rPr lang="en-US" sz="600" dirty="0">
+                <a:solidFill>
+                  <a:schemeClr val="bg1">
+                    <a:lumMod val="65000"/>
+                  </a:schemeClr>
+                </a:solidFill>
+              </a:rPr>
+              <a:t>@ BOOT Finance</a:t>
+            </a:r>
+          </a:p>
+        </p:txBody>
+      </p:sp>
     </p:spTree>
     <p:extLst>
       <p:ext uri="{BB962C8B-B14F-4D97-AF65-F5344CB8AC3E}">
@@ -16358,7 +16546,7 @@
         <p:spPr>
           <a:xfrm>
             <a:off x="299720" y="1450423"/>
-            <a:ext cx="6258560" cy="6459589"/>
+            <a:ext cx="6258560" cy="7392152"/>
           </a:xfrm>
           <a:prstGeom prst="rect">
             <a:avLst/>
@@ -16672,6 +16860,88 @@
                 <a:cs typeface="Mangal" panose="02040503050203030202" pitchFamily="18" charset="0"/>
               </a:rPr>
               <a:t> Algorithm. </a:t>
+            </a:r>
+            <a:r>
+              <a:rPr lang="en-IN" sz="1100" u="sng" dirty="0">
+                <a:solidFill>
+                  <a:schemeClr val="bg1">
+                    <a:lumMod val="85000"/>
+                  </a:schemeClr>
+                </a:solidFill>
+                <a:effectLst/>
+                <a:latin typeface="Calibri" panose="020F0502020204030204" pitchFamily="34" charset="0"/>
+                <a:ea typeface="Calibri" panose="020F0502020204030204" pitchFamily="34" charset="0"/>
+                <a:cs typeface="Mangal" panose="02040503050203030202" pitchFamily="18" charset="0"/>
+              </a:rPr>
+              <a:t>Language used</a:t>
+            </a:r>
+            <a:r>
+              <a:rPr lang="en-IN" sz="1100" dirty="0">
+                <a:solidFill>
+                  <a:schemeClr val="bg1">
+                    <a:lumMod val="85000"/>
+                  </a:schemeClr>
+                </a:solidFill>
+                <a:effectLst/>
+                <a:latin typeface="Calibri" panose="020F0502020204030204" pitchFamily="34" charset="0"/>
+                <a:ea typeface="Calibri" panose="020F0502020204030204" pitchFamily="34" charset="0"/>
+                <a:cs typeface="Mangal" panose="02040503050203030202" pitchFamily="18" charset="0"/>
+              </a:rPr>
+              <a:t>: C/C++, Bash, Markdown.</a:t>
+            </a:r>
+          </a:p>
+          <a:p>
+            <a:pPr marL="342900" indent="-342900" algn="just">
+              <a:lnSpc>
+                <a:spcPct val="115000"/>
+              </a:lnSpc>
+              <a:spcAft>
+                <a:spcPts val="600"/>
+              </a:spcAft>
+              <a:buFont typeface="Symbol" panose="05050102010706020507" pitchFamily="18" charset="2"/>
+              <a:buChar char=""/>
+            </a:pPr>
+            <a:r>
+              <a:rPr lang="en-IN" sz="1100" dirty="0">
+                <a:solidFill>
+                  <a:schemeClr val="bg1">
+                    <a:lumMod val="85000"/>
+                  </a:schemeClr>
+                </a:solidFill>
+                <a:effectLst/>
+                <a:latin typeface="Calibri" panose="020F0502020204030204" pitchFamily="34" charset="0"/>
+                <a:ea typeface="Calibri" panose="020F0502020204030204" pitchFamily="34" charset="0"/>
+                <a:cs typeface="Mangal" panose="02040503050203030202" pitchFamily="18" charset="0"/>
+              </a:rPr>
+              <a:t>Participated &amp; ranked 2</a:t>
+            </a:r>
+            <a:r>
+              <a:rPr lang="en-IN" sz="1100" baseline="30000" dirty="0">
+                <a:solidFill>
+                  <a:schemeClr val="bg1">
+                    <a:lumMod val="85000"/>
+                  </a:schemeClr>
+                </a:solidFill>
+                <a:effectLst/>
+                <a:latin typeface="Calibri" panose="020F0502020204030204" pitchFamily="34" charset="0"/>
+                <a:ea typeface="Calibri" panose="020F0502020204030204" pitchFamily="34" charset="0"/>
+                <a:cs typeface="Mangal" panose="02040503050203030202" pitchFamily="18" charset="0"/>
+              </a:rPr>
+              <a:t>nd</a:t>
+            </a:r>
+            <a:r>
+              <a:rPr lang="en-IN" sz="1100" dirty="0">
+                <a:solidFill>
+                  <a:schemeClr val="bg1">
+                    <a:lumMod val="85000"/>
+                  </a:schemeClr>
+                </a:solidFill>
+                <a:effectLst/>
+                <a:latin typeface="Calibri" panose="020F0502020204030204" pitchFamily="34" charset="0"/>
+                <a:ea typeface="Calibri" panose="020F0502020204030204" pitchFamily="34" charset="0"/>
+                <a:cs typeface="Mangal" panose="02040503050203030202" pitchFamily="18" charset="0"/>
+              </a:rPr>
+              <a:t> in a Hackathon – “SNI Hack 21” for a project on “Providing a digital identity for parks to enable humans to interact with and take care of them”, where I created the smart contract. </a:t>
             </a:r>
             <a:r>
               <a:rPr lang="en-IN" sz="1100" u="sng" dirty="0">
@@ -20151,6 +20421,23 @@
 </file>
 
 <file path=customXml/item1.xml><?xml version="1.0" encoding="utf-8"?>
+<p:properties xmlns:p="http://schemas.microsoft.com/office/2006/metadata/properties" xmlns:xsi="http://www.w3.org/2001/XMLSchema-instance" xmlns:pc="http://schemas.microsoft.com/office/infopath/2007/PartnerControls">
+  <documentManagement>
+    <MediaServiceKeyPoints xmlns="ef88797d-310b-4d46-ad9c-0c23fa0c8d45" xsi:nil="true"/>
+  </documentManagement>
+</p:properties>
+</file>
+
+<file path=customXml/item2.xml><?xml version="1.0" encoding="utf-8"?>
+<?mso-contentType ?>
+<FormTemplates xmlns="http://schemas.microsoft.com/sharepoint/v3/contenttype/forms">
+  <Display>DocumentLibraryForm</Display>
+  <Edit>DocumentLibraryForm</Edit>
+  <New>DocumentLibraryForm</New>
+</FormTemplates>
+</file>
+
+<file path=customXml/item3.xml><?xml version="1.0" encoding="utf-8"?>
 <ct:contentTypeSchema xmlns:ct="http://schemas.microsoft.com/office/2006/metadata/contentType" xmlns:ma="http://schemas.microsoft.com/office/2006/metadata/properties/metaAttributes" ct:_="" ma:_="" ma:contentTypeName="Document" ma:contentTypeID="0x0101005F02E0EF7D44C04B9FA644DBFF45FF6A" ma:contentTypeVersion="13" ma:contentTypeDescription="Create a new document." ma:contentTypeScope="" ma:versionID="206b9469efed5238e3299da57cdc015e">
   <xsd:schema xmlns:xsd="http://www.w3.org/2001/XMLSchema" xmlns:xs="http://www.w3.org/2001/XMLSchema" xmlns:p="http://schemas.microsoft.com/office/2006/metadata/properties" xmlns:ns2="876de33e-aaa5-4507-9b92-b84e676ded0d" xmlns:ns3="ef88797d-310b-4d46-ad9c-0c23fa0c8d45" targetNamespace="http://schemas.microsoft.com/office/2006/metadata/properties" ma:root="true" ma:fieldsID="281ed500249cd3fe925a7af84a8b56c4" ns2:_="" ns3:_="">
     <xsd:import namespace="876de33e-aaa5-4507-9b92-b84e676ded0d"/>
@@ -20373,24 +20660,25 @@
 </ct:contentTypeSchema>
 </file>
 
-<file path=customXml/item2.xml><?xml version="1.0" encoding="utf-8"?>
-<?mso-contentType ?>
-<FormTemplates xmlns="http://schemas.microsoft.com/sharepoint/v3/contenttype/forms">
-  <Display>DocumentLibraryForm</Display>
-  <Edit>DocumentLibraryForm</Edit>
-  <New>DocumentLibraryForm</New>
-</FormTemplates>
+<file path=customXml/itemProps1.xml><?xml version="1.0" encoding="utf-8"?>
+<ds:datastoreItem xmlns:ds="http://schemas.openxmlformats.org/officeDocument/2006/customXml" ds:itemID="{578389EB-672F-420D-AB19-CDFA657C66F4}">
+  <ds:schemaRefs>
+    <ds:schemaRef ds:uri="http://schemas.microsoft.com/office/2006/metadata/properties"/>
+    <ds:schemaRef ds:uri="http://schemas.microsoft.com/office/infopath/2007/PartnerControls"/>
+    <ds:schemaRef ds:uri="ef88797d-310b-4d46-ad9c-0c23fa0c8d45"/>
+  </ds:schemaRefs>
+</ds:datastoreItem>
 </file>
 
-<file path=customXml/item3.xml><?xml version="1.0" encoding="utf-8"?>
-<p:properties xmlns:p="http://schemas.microsoft.com/office/2006/metadata/properties" xmlns:xsi="http://www.w3.org/2001/XMLSchema-instance" xmlns:pc="http://schemas.microsoft.com/office/infopath/2007/PartnerControls">
-  <documentManagement>
-    <MediaServiceKeyPoints xmlns="ef88797d-310b-4d46-ad9c-0c23fa0c8d45" xsi:nil="true"/>
-  </documentManagement>
-</p:properties>
+<file path=customXml/itemProps2.xml><?xml version="1.0" encoding="utf-8"?>
+<ds:datastoreItem xmlns:ds="http://schemas.openxmlformats.org/officeDocument/2006/customXml" ds:itemID="{20056241-EAE4-4EAF-8B0E-8651A3DCDE25}">
+  <ds:schemaRefs>
+    <ds:schemaRef ds:uri="http://schemas.microsoft.com/sharepoint/v3/contenttype/forms"/>
+  </ds:schemaRefs>
+</ds:datastoreItem>
 </file>
 
-<file path=customXml/itemProps1.xml><?xml version="1.0" encoding="utf-8"?>
+<file path=customXml/itemProps3.xml><?xml version="1.0" encoding="utf-8"?>
 <ds:datastoreItem xmlns:ds="http://schemas.openxmlformats.org/officeDocument/2006/customXml" ds:itemID="{E6CD0737-DDCD-4506-85C0-A3C2836F70A4}">
   <ds:schemaRefs>
     <ds:schemaRef ds:uri="http://schemas.microsoft.com/office/2006/metadata/contentType"/>
@@ -20407,22 +20695,4 @@
     <ds:schemaRef ds:uri="http://schemas.microsoft.com/internal/obd"/>
   </ds:schemaRefs>
 </ds:datastoreItem>
-</file>
-
-<file path=customXml/itemProps2.xml><?xml version="1.0" encoding="utf-8"?>
-<ds:datastoreItem xmlns:ds="http://schemas.openxmlformats.org/officeDocument/2006/customXml" ds:itemID="{20056241-EAE4-4EAF-8B0E-8651A3DCDE25}">
-  <ds:schemaRefs>
-    <ds:schemaRef ds:uri="http://schemas.microsoft.com/sharepoint/v3/contenttype/forms"/>
-  </ds:schemaRefs>
-</ds:datastoreItem>
-</file>
-
-<file path=customXml/itemProps3.xml><?xml version="1.0" encoding="utf-8"?>
-<ds:datastoreItem xmlns:ds="http://schemas.openxmlformats.org/officeDocument/2006/customXml" ds:itemID="{578389EB-672F-420D-AB19-CDFA657C66F4}">
-  <ds:schemaRefs>
-    <ds:schemaRef ds:uri="http://schemas.microsoft.com/office/2006/metadata/properties"/>
-    <ds:schemaRef ds:uri="http://schemas.microsoft.com/office/infopath/2007/PartnerControls"/>
-    <ds:schemaRef ds:uri="ef88797d-310b-4d46-ad9c-0c23fa0c8d45"/>
-  </ds:schemaRefs>
-</ds:datastoreItem>
 </file>
--- a/my_resume.pptx
+++ b/my_resume.pptx
@@ -239,7 +239,7 @@
             <a:fld id="{F126DA7F-2AB4-430D-8B2A-97731DDF23A1}" type="datetimeFigureOut">
               <a:rPr lang="en-US" smtClean="0"/>
               <a:pPr/>
-              <a:t>19-Jul-21</a:t>
+              <a:t>14-Aug-21</a:t>
             </a:fld>
             <a:endParaRPr lang="en-US" dirty="0"/>
           </a:p>
@@ -7198,7 +7198,7 @@
             <a:fld id="{902AD433-F5B6-43A3-8DE6-1382B3149F77}" type="datetimeFigureOut">
               <a:rPr lang="en-US" smtClean="0"/>
               <a:pPr/>
-              <a:t>19-Jul-21</a:t>
+              <a:t>14-Aug-21</a:t>
             </a:fld>
             <a:endParaRPr lang="en-US" dirty="0"/>
           </a:p>
@@ -8893,8 +8893,8 @@
         </p:nvSpPr>
         <p:spPr>
           <a:xfrm>
-            <a:off x="1870475" y="1880505"/>
-            <a:ext cx="2962906" cy="1138091"/>
+            <a:off x="1870474" y="1880505"/>
+            <a:ext cx="2920580" cy="1138091"/>
           </a:xfrm>
         </p:spPr>
         <p:txBody>
@@ -8903,7 +8903,7 @@
           <a:p>
             <a:r>
               <a:rPr lang="en-US" dirty="0"/>
-              <a:t>I am a talented, ambitious, and hardworking individual. I am a tech entrepreneur who always thinks about how to solve real-life problems using high-end technology. I am committed to making society free from problems by making every possible business with inherent features – Transparency, Incentivization &amp; Decision-making rights. </a:t>
+              <a:t>I am an avid, ambitious, and hardworking individual. I am a tech entrepreneur who always thinks about how to solve real-life problems using high-end technology. I am committed to making society free from problems by making every possible business with inherent features – Transparency, Incentivization &amp; Decision-making rights. </a:t>
             </a:r>
           </a:p>
         </p:txBody>
@@ -20421,23 +20421,6 @@
 </file>
 
 <file path=customXml/item1.xml><?xml version="1.0" encoding="utf-8"?>
-<p:properties xmlns:p="http://schemas.microsoft.com/office/2006/metadata/properties" xmlns:xsi="http://www.w3.org/2001/XMLSchema-instance" xmlns:pc="http://schemas.microsoft.com/office/infopath/2007/PartnerControls">
-  <documentManagement>
-    <MediaServiceKeyPoints xmlns="ef88797d-310b-4d46-ad9c-0c23fa0c8d45" xsi:nil="true"/>
-  </documentManagement>
-</p:properties>
-</file>
-
-<file path=customXml/item2.xml><?xml version="1.0" encoding="utf-8"?>
-<?mso-contentType ?>
-<FormTemplates xmlns="http://schemas.microsoft.com/sharepoint/v3/contenttype/forms">
-  <Display>DocumentLibraryForm</Display>
-  <Edit>DocumentLibraryForm</Edit>
-  <New>DocumentLibraryForm</New>
-</FormTemplates>
-</file>
-
-<file path=customXml/item3.xml><?xml version="1.0" encoding="utf-8"?>
 <ct:contentTypeSchema xmlns:ct="http://schemas.microsoft.com/office/2006/metadata/contentType" xmlns:ma="http://schemas.microsoft.com/office/2006/metadata/properties/metaAttributes" ct:_="" ma:_="" ma:contentTypeName="Document" ma:contentTypeID="0x0101005F02E0EF7D44C04B9FA644DBFF45FF6A" ma:contentTypeVersion="13" ma:contentTypeDescription="Create a new document." ma:contentTypeScope="" ma:versionID="206b9469efed5238e3299da57cdc015e">
   <xsd:schema xmlns:xsd="http://www.w3.org/2001/XMLSchema" xmlns:xs="http://www.w3.org/2001/XMLSchema" xmlns:p="http://schemas.microsoft.com/office/2006/metadata/properties" xmlns:ns2="876de33e-aaa5-4507-9b92-b84e676ded0d" xmlns:ns3="ef88797d-310b-4d46-ad9c-0c23fa0c8d45" targetNamespace="http://schemas.microsoft.com/office/2006/metadata/properties" ma:root="true" ma:fieldsID="281ed500249cd3fe925a7af84a8b56c4" ns2:_="" ns3:_="">
     <xsd:import namespace="876de33e-aaa5-4507-9b92-b84e676ded0d"/>
@@ -20660,25 +20643,24 @@
 </ct:contentTypeSchema>
 </file>
 
-<file path=customXml/itemProps1.xml><?xml version="1.0" encoding="utf-8"?>
-<ds:datastoreItem xmlns:ds="http://schemas.openxmlformats.org/officeDocument/2006/customXml" ds:itemID="{578389EB-672F-420D-AB19-CDFA657C66F4}">
-  <ds:schemaRefs>
-    <ds:schemaRef ds:uri="http://schemas.microsoft.com/office/2006/metadata/properties"/>
-    <ds:schemaRef ds:uri="http://schemas.microsoft.com/office/infopath/2007/PartnerControls"/>
-    <ds:schemaRef ds:uri="ef88797d-310b-4d46-ad9c-0c23fa0c8d45"/>
-  </ds:schemaRefs>
-</ds:datastoreItem>
+<file path=customXml/item2.xml><?xml version="1.0" encoding="utf-8"?>
+<?mso-contentType ?>
+<FormTemplates xmlns="http://schemas.microsoft.com/sharepoint/v3/contenttype/forms">
+  <Display>DocumentLibraryForm</Display>
+  <Edit>DocumentLibraryForm</Edit>
+  <New>DocumentLibraryForm</New>
+</FormTemplates>
 </file>
 
-<file path=customXml/itemProps2.xml><?xml version="1.0" encoding="utf-8"?>
-<ds:datastoreItem xmlns:ds="http://schemas.openxmlformats.org/officeDocument/2006/customXml" ds:itemID="{20056241-EAE4-4EAF-8B0E-8651A3DCDE25}">
-  <ds:schemaRefs>
-    <ds:schemaRef ds:uri="http://schemas.microsoft.com/sharepoint/v3/contenttype/forms"/>
-  </ds:schemaRefs>
-</ds:datastoreItem>
+<file path=customXml/item3.xml><?xml version="1.0" encoding="utf-8"?>
+<p:properties xmlns:p="http://schemas.microsoft.com/office/2006/metadata/properties" xmlns:xsi="http://www.w3.org/2001/XMLSchema-instance" xmlns:pc="http://schemas.microsoft.com/office/infopath/2007/PartnerControls">
+  <documentManagement>
+    <MediaServiceKeyPoints xmlns="ef88797d-310b-4d46-ad9c-0c23fa0c8d45" xsi:nil="true"/>
+  </documentManagement>
+</p:properties>
 </file>
 
-<file path=customXml/itemProps3.xml><?xml version="1.0" encoding="utf-8"?>
+<file path=customXml/itemProps1.xml><?xml version="1.0" encoding="utf-8"?>
 <ds:datastoreItem xmlns:ds="http://schemas.openxmlformats.org/officeDocument/2006/customXml" ds:itemID="{E6CD0737-DDCD-4506-85C0-A3C2836F70A4}">
   <ds:schemaRefs>
     <ds:schemaRef ds:uri="http://schemas.microsoft.com/office/2006/metadata/contentType"/>
@@ -20695,4 +20677,22 @@
     <ds:schemaRef ds:uri="http://schemas.microsoft.com/internal/obd"/>
   </ds:schemaRefs>
 </ds:datastoreItem>
+</file>
+
+<file path=customXml/itemProps2.xml><?xml version="1.0" encoding="utf-8"?>
+<ds:datastoreItem xmlns:ds="http://schemas.openxmlformats.org/officeDocument/2006/customXml" ds:itemID="{20056241-EAE4-4EAF-8B0E-8651A3DCDE25}">
+  <ds:schemaRefs>
+    <ds:schemaRef ds:uri="http://schemas.microsoft.com/sharepoint/v3/contenttype/forms"/>
+  </ds:schemaRefs>
+</ds:datastoreItem>
+</file>
+
+<file path=customXml/itemProps3.xml><?xml version="1.0" encoding="utf-8"?>
+<ds:datastoreItem xmlns:ds="http://schemas.openxmlformats.org/officeDocument/2006/customXml" ds:itemID="{578389EB-672F-420D-AB19-CDFA657C66F4}">
+  <ds:schemaRefs>
+    <ds:schemaRef ds:uri="http://schemas.microsoft.com/office/2006/metadata/properties"/>
+    <ds:schemaRef ds:uri="http://schemas.microsoft.com/office/infopath/2007/PartnerControls"/>
+    <ds:schemaRef ds:uri="ef88797d-310b-4d46-ad9c-0c23fa0c8d45"/>
+  </ds:schemaRefs>
+</ds:datastoreItem>
 </file>
--- a/my_resume.pptx
+++ b/my_resume.pptx
@@ -16442,53 +16442,6 @@
           </a:p>
         </p:txBody>
       </p:sp>
-      <p:pic>
-        <p:nvPicPr>
-          <p:cNvPr id="1026" name="Picture 2" descr="Experience Expert icon PNG and SVG Vector Free Download">
-            <a:extLst>
-              <a:ext uri="{FF2B5EF4-FFF2-40B4-BE49-F238E27FC236}">
-                <a16:creationId xmlns:a16="http://schemas.microsoft.com/office/drawing/2014/main" id="{B279D6DF-1D8F-42C1-97A0-2C0C389B3838}"/>
-              </a:ext>
-            </a:extLst>
-          </p:cNvPr>
-          <p:cNvPicPr>
-            <a:picLocks noChangeAspect="1" noChangeArrowheads="1"/>
-          </p:cNvPicPr>
-          <p:nvPr/>
-        </p:nvPicPr>
-        <p:blipFill>
-          <a:blip r:embed="rId2" cstate="print">
-            <a:duotone>
-              <a:schemeClr val="accent4">
-                <a:shade val="45000"/>
-                <a:satMod val="135000"/>
-              </a:schemeClr>
-              <a:prstClr val="white"/>
-            </a:duotone>
-            <a:extLst>
-              <a:ext uri="{28A0092B-C50C-407E-A947-70E740481C1C}">
-                <a14:useLocalDpi xmlns:a14="http://schemas.microsoft.com/office/drawing/2010/main" val="0"/>
-              </a:ext>
-            </a:extLst>
-          </a:blip>
-          <a:srcRect/>
-          <a:stretch>
-            <a:fillRect/>
-          </a:stretch>
-        </p:blipFill>
-        <p:spPr bwMode="auto">
-          <a:xfrm>
-            <a:off x="168489" y="395904"/>
-            <a:ext cx="248920" cy="243086"/>
-          </a:xfrm>
-          <a:prstGeom prst="rect">
-            <a:avLst/>
-          </a:prstGeom>
-          <a:solidFill>
-            <a:schemeClr val="tx2"/>
-          </a:solidFill>
-        </p:spPr>
-      </p:pic>
       <p:sp>
         <p:nvSpPr>
           <p:cNvPr id="87" name="TextBox 86">
@@ -17314,6 +17267,53 @@
           </a:p>
         </p:txBody>
       </p:sp>
+      <p:pic>
+        <p:nvPicPr>
+          <p:cNvPr id="6" name="Picture 2" descr="Experience Expert icon PNG and SVG Vector Free Download">
+            <a:extLst>
+              <a:ext uri="{FF2B5EF4-FFF2-40B4-BE49-F238E27FC236}">
+                <a16:creationId xmlns:a16="http://schemas.microsoft.com/office/drawing/2014/main" id="{150BDAE5-A317-4A79-AA12-78F017E5A161}"/>
+              </a:ext>
+            </a:extLst>
+          </p:cNvPr>
+          <p:cNvPicPr>
+            <a:picLocks noChangeAspect="1" noChangeArrowheads="1"/>
+          </p:cNvPicPr>
+          <p:nvPr/>
+        </p:nvPicPr>
+        <p:blipFill>
+          <a:blip r:embed="rId2" cstate="print">
+            <a:duotone>
+              <a:schemeClr val="bg2">
+                <a:shade val="45000"/>
+                <a:satMod val="135000"/>
+              </a:schemeClr>
+              <a:prstClr val="white"/>
+            </a:duotone>
+            <a:extLst>
+              <a:ext uri="{28A0092B-C50C-407E-A947-70E740481C1C}">
+                <a14:useLocalDpi xmlns:a14="http://schemas.microsoft.com/office/drawing/2010/main" val="0"/>
+              </a:ext>
+            </a:extLst>
+          </a:blip>
+          <a:srcRect/>
+          <a:stretch>
+            <a:fillRect/>
+          </a:stretch>
+        </p:blipFill>
+        <p:spPr bwMode="auto">
+          <a:xfrm>
+            <a:off x="168489" y="395904"/>
+            <a:ext cx="248920" cy="243086"/>
+          </a:xfrm>
+          <a:prstGeom prst="rect">
+            <a:avLst/>
+          </a:prstGeom>
+          <a:solidFill>
+            <a:schemeClr val="tx2"/>
+          </a:solidFill>
+        </p:spPr>
+      </p:pic>
     </p:spTree>
     <p:extLst>
       <p:ext uri="{BB962C8B-B14F-4D97-AF65-F5344CB8AC3E}">
@@ -20644,20 +20644,20 @@
 </file>
 
 <file path=customXml/item2.xml><?xml version="1.0" encoding="utf-8"?>
+<p:properties xmlns:p="http://schemas.microsoft.com/office/2006/metadata/properties" xmlns:xsi="http://www.w3.org/2001/XMLSchema-instance" xmlns:pc="http://schemas.microsoft.com/office/infopath/2007/PartnerControls">
+  <documentManagement>
+    <MediaServiceKeyPoints xmlns="ef88797d-310b-4d46-ad9c-0c23fa0c8d45" xsi:nil="true"/>
+  </documentManagement>
+</p:properties>
+</file>
+
+<file path=customXml/item3.xml><?xml version="1.0" encoding="utf-8"?>
 <?mso-contentType ?>
 <FormTemplates xmlns="http://schemas.microsoft.com/sharepoint/v3/contenttype/forms">
   <Display>DocumentLibraryForm</Display>
   <Edit>DocumentLibraryForm</Edit>
   <New>DocumentLibraryForm</New>
 </FormTemplates>
-</file>
-
-<file path=customXml/item3.xml><?xml version="1.0" encoding="utf-8"?>
-<p:properties xmlns:p="http://schemas.microsoft.com/office/2006/metadata/properties" xmlns:xsi="http://www.w3.org/2001/XMLSchema-instance" xmlns:pc="http://schemas.microsoft.com/office/infopath/2007/PartnerControls">
-  <documentManagement>
-    <MediaServiceKeyPoints xmlns="ef88797d-310b-4d46-ad9c-0c23fa0c8d45" xsi:nil="true"/>
-  </documentManagement>
-</p:properties>
 </file>
 
 <file path=customXml/itemProps1.xml><?xml version="1.0" encoding="utf-8"?>
@@ -20680,14 +20680,6 @@
 </file>
 
 <file path=customXml/itemProps2.xml><?xml version="1.0" encoding="utf-8"?>
-<ds:datastoreItem xmlns:ds="http://schemas.openxmlformats.org/officeDocument/2006/customXml" ds:itemID="{20056241-EAE4-4EAF-8B0E-8651A3DCDE25}">
-  <ds:schemaRefs>
-    <ds:schemaRef ds:uri="http://schemas.microsoft.com/sharepoint/v3/contenttype/forms"/>
-  </ds:schemaRefs>
-</ds:datastoreItem>
-</file>
-
-<file path=customXml/itemProps3.xml><?xml version="1.0" encoding="utf-8"?>
 <ds:datastoreItem xmlns:ds="http://schemas.openxmlformats.org/officeDocument/2006/customXml" ds:itemID="{578389EB-672F-420D-AB19-CDFA657C66F4}">
   <ds:schemaRefs>
     <ds:schemaRef ds:uri="http://schemas.microsoft.com/office/2006/metadata/properties"/>
@@ -20695,4 +20687,12 @@
     <ds:schemaRef ds:uri="ef88797d-310b-4d46-ad9c-0c23fa0c8d45"/>
   </ds:schemaRefs>
 </ds:datastoreItem>
+</file>
+
+<file path=customXml/itemProps3.xml><?xml version="1.0" encoding="utf-8"?>
+<ds:datastoreItem xmlns:ds="http://schemas.openxmlformats.org/officeDocument/2006/customXml" ds:itemID="{20056241-EAE4-4EAF-8B0E-8651A3DCDE25}">
+  <ds:schemaRefs>
+    <ds:schemaRef ds:uri="http://schemas.microsoft.com/sharepoint/v3/contenttype/forms"/>
+  </ds:schemaRefs>
+</ds:datastoreItem>
 </file>
--- a/my_resume.pptx
+++ b/my_resume.pptx
@@ -239,7 +239,7 @@
             <a:fld id="{F126DA7F-2AB4-430D-8B2A-97731DDF23A1}" type="datetimeFigureOut">
               <a:rPr lang="en-US" smtClean="0"/>
               <a:pPr/>
-              <a:t>14-Aug-21</a:t>
+              <a:t>16-Aug-21</a:t>
             </a:fld>
             <a:endParaRPr lang="en-US" dirty="0"/>
           </a:p>
@@ -7198,7 +7198,7 @@
             <a:fld id="{902AD433-F5B6-43A3-8DE6-1382B3149F77}" type="datetimeFigureOut">
               <a:rPr lang="en-US" smtClean="0"/>
               <a:pPr/>
-              <a:t>14-Aug-21</a:t>
+              <a:t>16-Aug-21</a:t>
             </a:fld>
             <a:endParaRPr lang="en-US" dirty="0"/>
           </a:p>
@@ -15519,7 +15519,7 @@
                   </a:schemeClr>
                 </a:solidFill>
               </a:rPr>
-              <a:t>C, C++, Python, Java, Solidity, Bash, Batch, Markdown, HTML, </a:t>
+              <a:t>C, C++, Python, Solidity, Vyper, Java, Bash, Batch, Markdown, HTML, </a:t>
             </a:r>
           </a:p>
         </p:txBody>
@@ -16164,8 +16164,8 @@
         </p:nvSpPr>
         <p:spPr>
           <a:xfrm>
-            <a:off x="5925579" y="4472319"/>
-            <a:ext cx="982151" cy="276999"/>
+            <a:off x="5965932" y="4381380"/>
+            <a:ext cx="930696" cy="369332"/>
           </a:xfrm>
           <a:prstGeom prst="rect">
             <a:avLst/>
@@ -16187,7 +16187,7 @@
                   </a:schemeClr>
                 </a:solidFill>
               </a:rPr>
-              <a:t>Lead Blockchain Dev </a:t>
+              <a:t>Lead Blockchain Dev &amp; Architect </a:t>
             </a:r>
           </a:p>
           <a:p>
@@ -16499,7 +16499,7 @@
         <p:spPr>
           <a:xfrm>
             <a:off x="299720" y="1450423"/>
-            <a:ext cx="6258560" cy="7392152"/>
+            <a:ext cx="6258560" cy="7586821"/>
           </a:xfrm>
           <a:prstGeom prst="rect">
             <a:avLst/>
@@ -16537,7 +16537,7 @@
                 <a:ea typeface="Calibri" panose="020F0502020204030204" pitchFamily="34" charset="0"/>
                 <a:cs typeface="Mangal" panose="02040503050203030202" pitchFamily="18" charset="0"/>
               </a:rPr>
-              <a:t>Designed &amp; Developed an All-in-One Android App – ‘</a:t>
+              <a:t>Working as Lead Blockchain Developer &amp; Architect for upcoming </a:t>
             </a:r>
             <a:r>
               <a:rPr lang="en-IN" sz="1100" dirty="0" err="1">
@@ -16551,7 +16551,7 @@
                 <a:ea typeface="Calibri" panose="020F0502020204030204" pitchFamily="34" charset="0"/>
                 <a:cs typeface="Mangal" panose="02040503050203030202" pitchFamily="18" charset="0"/>
               </a:rPr>
-              <a:t>BitInfoCoin</a:t>
+              <a:t>DeFi</a:t>
             </a:r>
             <a:r>
               <a:rPr lang="en-IN" sz="1100" dirty="0">
@@ -16565,7 +16565,63 @@
                 <a:ea typeface="Calibri" panose="020F0502020204030204" pitchFamily="34" charset="0"/>
                 <a:cs typeface="Mangal" panose="02040503050203030202" pitchFamily="18" charset="0"/>
               </a:rPr>
-              <a:t>’ for Crypto Industry in 2017, which attained a stupendous figure of 10,000 users in a month. </a:t>
+              <a:t> protocol Boot Finance with an already existing crypto </a:t>
+            </a:r>
+            <a:r>
+              <a:rPr lang="en-IN" sz="1100" dirty="0" err="1">
+                <a:solidFill>
+                  <a:schemeClr val="bg1">
+                    <a:lumMod val="85000"/>
+                  </a:schemeClr>
+                </a:solidFill>
+                <a:effectLst/>
+                <a:latin typeface="Calibri" panose="020F0502020204030204" pitchFamily="34" charset="0"/>
+                <a:ea typeface="Calibri" panose="020F0502020204030204" pitchFamily="34" charset="0"/>
+                <a:cs typeface="Mangal" panose="02040503050203030202" pitchFamily="18" charset="0"/>
+              </a:rPr>
+              <a:t>marketcap</a:t>
+            </a:r>
+            <a:r>
+              <a:rPr lang="en-IN" sz="1100" dirty="0">
+                <a:solidFill>
+                  <a:schemeClr val="bg1">
+                    <a:lumMod val="85000"/>
+                  </a:schemeClr>
+                </a:solidFill>
+                <a:effectLst/>
+                <a:latin typeface="Calibri" panose="020F0502020204030204" pitchFamily="34" charset="0"/>
+                <a:ea typeface="Calibri" panose="020F0502020204030204" pitchFamily="34" charset="0"/>
+                <a:cs typeface="Mangal" panose="02040503050203030202" pitchFamily="18" charset="0"/>
+              </a:rPr>
+              <a:t> of 6M USD. I have familiarity with projects like </a:t>
+            </a:r>
+            <a:r>
+              <a:rPr lang="en-IN" sz="1100" dirty="0" err="1">
+                <a:solidFill>
+                  <a:schemeClr val="bg1">
+                    <a:lumMod val="85000"/>
+                  </a:schemeClr>
+                </a:solidFill>
+                <a:effectLst/>
+                <a:latin typeface="Calibri" panose="020F0502020204030204" pitchFamily="34" charset="0"/>
+                <a:ea typeface="Calibri" panose="020F0502020204030204" pitchFamily="34" charset="0"/>
+                <a:cs typeface="Mangal" panose="02040503050203030202" pitchFamily="18" charset="0"/>
+              </a:rPr>
+              <a:t>Uniswap</a:t>
+            </a:r>
+            <a:r>
+              <a:rPr lang="en-IN" sz="1100" dirty="0">
+                <a:solidFill>
+                  <a:schemeClr val="bg1">
+                    <a:lumMod val="85000"/>
+                  </a:schemeClr>
+                </a:solidFill>
+                <a:effectLst/>
+                <a:latin typeface="Calibri" panose="020F0502020204030204" pitchFamily="34" charset="0"/>
+                <a:ea typeface="Calibri" panose="020F0502020204030204" pitchFamily="34" charset="0"/>
+                <a:cs typeface="Mangal" panose="02040503050203030202" pitchFamily="18" charset="0"/>
+              </a:rPr>
+              <a:t>, Curve, Saddle, Swerve. </a:t>
             </a:r>
             <a:r>
               <a:rPr lang="en-IN" sz="1100" u="sng" dirty="0">
@@ -16593,18 +16649,36 @@
                 <a:ea typeface="Calibri" panose="020F0502020204030204" pitchFamily="34" charset="0"/>
                 <a:cs typeface="Mangal" panose="02040503050203030202" pitchFamily="18" charset="0"/>
               </a:rPr>
-              <a:t>: XML, Java.</a:t>
-            </a:r>
-            <a:endParaRPr lang="en-US" sz="1100" dirty="0">
-              <a:solidFill>
-                <a:schemeClr val="bg1">
-                  <a:lumMod val="85000"/>
-                </a:schemeClr>
-              </a:solidFill>
-              <a:latin typeface="Calibri" panose="020F0502020204030204" pitchFamily="34" charset="0"/>
-              <a:ea typeface="Calibri" panose="020F0502020204030204" pitchFamily="34" charset="0"/>
-              <a:cs typeface="Mangal" panose="02040503050203030202" pitchFamily="18" charset="0"/>
-            </a:endParaRPr>
+              <a:t>: Solidity, </a:t>
+            </a:r>
+            <a:r>
+              <a:rPr lang="en-IN" sz="1100" dirty="0" err="1">
+                <a:solidFill>
+                  <a:schemeClr val="bg1">
+                    <a:lumMod val="85000"/>
+                  </a:schemeClr>
+                </a:solidFill>
+                <a:effectLst/>
+                <a:latin typeface="Calibri" panose="020F0502020204030204" pitchFamily="34" charset="0"/>
+                <a:ea typeface="Calibri" panose="020F0502020204030204" pitchFamily="34" charset="0"/>
+                <a:cs typeface="Mangal" panose="02040503050203030202" pitchFamily="18" charset="0"/>
+              </a:rPr>
+              <a:t>Vyper</a:t>
+            </a:r>
+            <a:r>
+              <a:rPr lang="en-IN" sz="1100" dirty="0">
+                <a:solidFill>
+                  <a:schemeClr val="bg1">
+                    <a:lumMod val="85000"/>
+                  </a:schemeClr>
+                </a:solidFill>
+                <a:effectLst/>
+                <a:latin typeface="Calibri" panose="020F0502020204030204" pitchFamily="34" charset="0"/>
+                <a:ea typeface="Calibri" panose="020F0502020204030204" pitchFamily="34" charset="0"/>
+                <a:cs typeface="Mangal" panose="02040503050203030202" pitchFamily="18" charset="0"/>
+              </a:rPr>
+              <a:t>, Python.</a:t>
+            </a:r>
           </a:p>
           <a:p>
             <a:pPr marL="342900" marR="0" lvl="0" indent="-342900" algn="just">
@@ -16627,12 +16701,11 @@
                     <a:lumMod val="85000"/>
                   </a:schemeClr>
                 </a:solidFill>
-                <a:effectLst/>
                 <a:latin typeface="Calibri" panose="020F0502020204030204" pitchFamily="34" charset="0"/>
                 <a:ea typeface="Calibri" panose="020F0502020204030204" pitchFamily="34" charset="0"/>
                 <a:cs typeface="Mangal" panose="02040503050203030202" pitchFamily="18" charset="0"/>
               </a:rPr>
-              <a:t>Designed the Smart Contract Architecture with Incentivized staking model for a Ride Sharing </a:t>
+              <a:t>Working on a </a:t>
             </a:r>
             <a:r>
               <a:rPr lang="en-IN" sz="1100" dirty="0" err="1">
@@ -16641,12 +16714,11 @@
                     <a:lumMod val="85000"/>
                   </a:schemeClr>
                 </a:solidFill>
-                <a:effectLst/>
                 <a:latin typeface="Calibri" panose="020F0502020204030204" pitchFamily="34" charset="0"/>
                 <a:ea typeface="Calibri" panose="020F0502020204030204" pitchFamily="34" charset="0"/>
                 <a:cs typeface="Mangal" panose="02040503050203030202" pitchFamily="18" charset="0"/>
               </a:rPr>
-              <a:t>DApp</a:t>
+              <a:t>DeFi</a:t>
             </a:r>
             <a:r>
               <a:rPr lang="en-IN" sz="1100" dirty="0">
@@ -16655,12 +16727,49 @@
                     <a:lumMod val="85000"/>
                   </a:schemeClr>
                 </a:solidFill>
-                <a:effectLst/>
                 <a:latin typeface="Calibri" panose="020F0502020204030204" pitchFamily="34" charset="0"/>
                 <a:ea typeface="Calibri" panose="020F0502020204030204" pitchFamily="34" charset="0"/>
                 <a:cs typeface="Mangal" panose="02040503050203030202" pitchFamily="18" charset="0"/>
               </a:rPr>
-              <a:t> Start-up - ‘DRIFE’. Also wrote the Technical whitepaper with each modules, components illustrated in detail. </a:t>
+              <a:t> Chatbot – </a:t>
+            </a:r>
+            <a:r>
+              <a:rPr lang="en-IN" sz="1100" dirty="0" err="1">
+                <a:solidFill>
+                  <a:schemeClr val="bg1">
+                    <a:lumMod val="85000"/>
+                  </a:schemeClr>
+                </a:solidFill>
+                <a:latin typeface="Calibri" panose="020F0502020204030204" pitchFamily="34" charset="0"/>
+                <a:ea typeface="Calibri" panose="020F0502020204030204" pitchFamily="34" charset="0"/>
+                <a:cs typeface="Mangal" panose="02040503050203030202" pitchFamily="18" charset="0"/>
+              </a:rPr>
+              <a:t>ProFi</a:t>
+            </a:r>
+            <a:r>
+              <a:rPr lang="en-IN" sz="1100" dirty="0">
+                <a:solidFill>
+                  <a:schemeClr val="bg1">
+                    <a:lumMod val="85000"/>
+                  </a:schemeClr>
+                </a:solidFill>
+                <a:latin typeface="Calibri" panose="020F0502020204030204" pitchFamily="34" charset="0"/>
+                <a:ea typeface="Calibri" panose="020F0502020204030204" pitchFamily="34" charset="0"/>
+                <a:cs typeface="Mangal" panose="02040503050203030202" pitchFamily="18" charset="0"/>
+              </a:rPr>
+              <a:t>, </a:t>
+            </a:r>
+            <a:r>
+              <a:rPr lang="en-US" sz="1100" dirty="0">
+                <a:solidFill>
+                  <a:schemeClr val="bg1">
+                    <a:lumMod val="85000"/>
+                  </a:schemeClr>
+                </a:solidFill>
+                <a:latin typeface="Calibri" panose="020F0502020204030204" pitchFamily="34" charset="0"/>
+                <a:cs typeface="Mangal" panose="02040503050203030202" pitchFamily="18" charset="0"/>
+              </a:rPr>
+              <a:t>which gives Analytical visual charts with modern UI/UX inside the chat room. It is aimed at enabling non-crypto users connect to the decentralized Banking services with earning interests via investment in liquidity providing without IL, lending/borrowing at a competitive rate. </a:t>
             </a:r>
             <a:r>
               <a:rPr lang="en-IN" sz="1100" u="sng" dirty="0">
@@ -16688,17 +16797,43 @@
                 <a:ea typeface="Calibri" panose="020F0502020204030204" pitchFamily="34" charset="0"/>
                 <a:cs typeface="Mangal" panose="02040503050203030202" pitchFamily="18" charset="0"/>
               </a:rPr>
-              <a:t>: C/C++, Bash, Markdown.</a:t>
-            </a:r>
-            <a:endParaRPr lang="en-US" sz="1100" dirty="0">
+              <a:t>: Solidity, </a:t>
+            </a:r>
+            <a:r>
+              <a:rPr lang="en-IN" sz="1100" dirty="0" err="1">
+                <a:solidFill>
+                  <a:schemeClr val="bg1">
+                    <a:lumMod val="85000"/>
+                  </a:schemeClr>
+                </a:solidFill>
+                <a:effectLst/>
+                <a:latin typeface="Calibri" panose="020F0502020204030204" pitchFamily="34" charset="0"/>
+                <a:ea typeface="Calibri" panose="020F0502020204030204" pitchFamily="34" charset="0"/>
+                <a:cs typeface="Mangal" panose="02040503050203030202" pitchFamily="18" charset="0"/>
+              </a:rPr>
+              <a:t>Vyper</a:t>
+            </a:r>
+            <a:r>
+              <a:rPr lang="en-IN" sz="1100" dirty="0">
+                <a:solidFill>
+                  <a:schemeClr val="bg1">
+                    <a:lumMod val="85000"/>
+                  </a:schemeClr>
+                </a:solidFill>
+                <a:effectLst/>
+                <a:latin typeface="Calibri" panose="020F0502020204030204" pitchFamily="34" charset="0"/>
+                <a:ea typeface="Calibri" panose="020F0502020204030204" pitchFamily="34" charset="0"/>
+                <a:cs typeface="Mangal" panose="02040503050203030202" pitchFamily="18" charset="0"/>
+              </a:rPr>
+              <a:t>, Python, Bash.</a:t>
+            </a:r>
+            <a:endParaRPr lang="en-IN" sz="1100" dirty="0">
               <a:solidFill>
                 <a:schemeClr val="bg1">
                   <a:lumMod val="85000"/>
                 </a:schemeClr>
               </a:solidFill>
-              <a:effectLst/>
               <a:latin typeface="Calibri" panose="020F0502020204030204" pitchFamily="34" charset="0"/>
-              <a:ea typeface="Calibri" panose="020F0502020204030204" pitchFamily="34" charset="0"/>
               <a:cs typeface="Mangal" panose="02040503050203030202" pitchFamily="18" charset="0"/>
             </a:endParaRPr>
           </a:p>
@@ -16728,7 +16863,7 @@
                 <a:ea typeface="Calibri" panose="020F0502020204030204" pitchFamily="34" charset="0"/>
                 <a:cs typeface="Mangal" panose="02040503050203030202" pitchFamily="18" charset="0"/>
               </a:rPr>
-              <a:t>All modules of Smart Contracts programmed &amp; tested successfully for Ride Sharing </a:t>
+              <a:t>Designed &amp; Developed an All-in-One Android App – ‘</a:t>
             </a:r>
             <a:r>
               <a:rPr lang="en-IN" sz="1100" dirty="0" err="1">
@@ -16742,7 +16877,7 @@
                 <a:ea typeface="Calibri" panose="020F0502020204030204" pitchFamily="34" charset="0"/>
                 <a:cs typeface="Mangal" panose="02040503050203030202" pitchFamily="18" charset="0"/>
               </a:rPr>
-              <a:t>DApp</a:t>
+              <a:t>BitInfoCoin</a:t>
             </a:r>
             <a:r>
               <a:rPr lang="en-IN" sz="1100" dirty="0">
@@ -16756,63 +16891,7 @@
                 <a:ea typeface="Calibri" panose="020F0502020204030204" pitchFamily="34" charset="0"/>
                 <a:cs typeface="Mangal" panose="02040503050203030202" pitchFamily="18" charset="0"/>
               </a:rPr>
-              <a:t> - TOE, deployable on EOSIO based Blockchain(s) using C/C++ language. Also, featured a “free Rides“ buy/sell AMM based marketplace with all-time liquidity using </a:t>
-            </a:r>
-            <a:r>
-              <a:rPr lang="en-IN" sz="1100" dirty="0" err="1">
-                <a:solidFill>
-                  <a:schemeClr val="bg1">
-                    <a:lumMod val="85000"/>
-                  </a:schemeClr>
-                </a:solidFill>
-                <a:effectLst/>
-                <a:latin typeface="Calibri" panose="020F0502020204030204" pitchFamily="34" charset="0"/>
-                <a:ea typeface="Calibri" panose="020F0502020204030204" pitchFamily="34" charset="0"/>
-                <a:cs typeface="Mangal" panose="02040503050203030202" pitchFamily="18" charset="0"/>
-              </a:rPr>
-              <a:t>DeFi’s</a:t>
-            </a:r>
-            <a:r>
-              <a:rPr lang="en-IN" sz="1100" dirty="0">
-                <a:solidFill>
-                  <a:schemeClr val="bg1">
-                    <a:lumMod val="85000"/>
-                  </a:schemeClr>
-                </a:solidFill>
-                <a:effectLst/>
-                <a:latin typeface="Calibri" panose="020F0502020204030204" pitchFamily="34" charset="0"/>
-                <a:ea typeface="Calibri" panose="020F0502020204030204" pitchFamily="34" charset="0"/>
-                <a:cs typeface="Mangal" panose="02040503050203030202" pitchFamily="18" charset="0"/>
-              </a:rPr>
-              <a:t> </a:t>
-            </a:r>
-            <a:r>
-              <a:rPr lang="en-IN" sz="1100" dirty="0" err="1">
-                <a:solidFill>
-                  <a:schemeClr val="bg1">
-                    <a:lumMod val="85000"/>
-                  </a:schemeClr>
-                </a:solidFill>
-                <a:effectLst/>
-                <a:latin typeface="Calibri" panose="020F0502020204030204" pitchFamily="34" charset="0"/>
-                <a:ea typeface="Calibri" panose="020F0502020204030204" pitchFamily="34" charset="0"/>
-                <a:cs typeface="Mangal" panose="02040503050203030202" pitchFamily="18" charset="0"/>
-              </a:rPr>
-              <a:t>Bancor</a:t>
-            </a:r>
-            <a:r>
-              <a:rPr lang="en-IN" sz="1100" dirty="0">
-                <a:solidFill>
-                  <a:schemeClr val="bg1">
-                    <a:lumMod val="85000"/>
-                  </a:schemeClr>
-                </a:solidFill>
-                <a:effectLst/>
-                <a:latin typeface="Calibri" panose="020F0502020204030204" pitchFamily="34" charset="0"/>
-                <a:ea typeface="Calibri" panose="020F0502020204030204" pitchFamily="34" charset="0"/>
-                <a:cs typeface="Mangal" panose="02040503050203030202" pitchFamily="18" charset="0"/>
-              </a:rPr>
-              <a:t> Algorithm. </a:t>
+              <a:t>’ for Crypto Industry in 2017, which attained a stupendous figure of 10,000 users in a month. </a:t>
             </a:r>
             <a:r>
               <a:rPr lang="en-IN" sz="1100" u="sng" dirty="0">
@@ -16840,89 +16919,7 @@
                 <a:ea typeface="Calibri" panose="020F0502020204030204" pitchFamily="34" charset="0"/>
                 <a:cs typeface="Mangal" panose="02040503050203030202" pitchFamily="18" charset="0"/>
               </a:rPr>
-              <a:t>: C/C++, Bash, Markdown.</a:t>
-            </a:r>
-          </a:p>
-          <a:p>
-            <a:pPr marL="342900" indent="-342900" algn="just">
-              <a:lnSpc>
-                <a:spcPct val="115000"/>
-              </a:lnSpc>
-              <a:spcAft>
-                <a:spcPts val="600"/>
-              </a:spcAft>
-              <a:buFont typeface="Symbol" panose="05050102010706020507" pitchFamily="18" charset="2"/>
-              <a:buChar char=""/>
-            </a:pPr>
-            <a:r>
-              <a:rPr lang="en-IN" sz="1100" dirty="0">
-                <a:solidFill>
-                  <a:schemeClr val="bg1">
-                    <a:lumMod val="85000"/>
-                  </a:schemeClr>
-                </a:solidFill>
-                <a:effectLst/>
-                <a:latin typeface="Calibri" panose="020F0502020204030204" pitchFamily="34" charset="0"/>
-                <a:ea typeface="Calibri" panose="020F0502020204030204" pitchFamily="34" charset="0"/>
-                <a:cs typeface="Mangal" panose="02040503050203030202" pitchFamily="18" charset="0"/>
-              </a:rPr>
-              <a:t>Participated &amp; ranked 2</a:t>
-            </a:r>
-            <a:r>
-              <a:rPr lang="en-IN" sz="1100" baseline="30000" dirty="0">
-                <a:solidFill>
-                  <a:schemeClr val="bg1">
-                    <a:lumMod val="85000"/>
-                  </a:schemeClr>
-                </a:solidFill>
-                <a:effectLst/>
-                <a:latin typeface="Calibri" panose="020F0502020204030204" pitchFamily="34" charset="0"/>
-                <a:ea typeface="Calibri" panose="020F0502020204030204" pitchFamily="34" charset="0"/>
-                <a:cs typeface="Mangal" panose="02040503050203030202" pitchFamily="18" charset="0"/>
-              </a:rPr>
-              <a:t>nd</a:t>
-            </a:r>
-            <a:r>
-              <a:rPr lang="en-IN" sz="1100" dirty="0">
-                <a:solidFill>
-                  <a:schemeClr val="bg1">
-                    <a:lumMod val="85000"/>
-                  </a:schemeClr>
-                </a:solidFill>
-                <a:effectLst/>
-                <a:latin typeface="Calibri" panose="020F0502020204030204" pitchFamily="34" charset="0"/>
-                <a:ea typeface="Calibri" panose="020F0502020204030204" pitchFamily="34" charset="0"/>
-                <a:cs typeface="Mangal" panose="02040503050203030202" pitchFamily="18" charset="0"/>
-              </a:rPr>
-              <a:t> in a Hackathon – “SNI Hack 21” for a project on “Providing a digital identity for parks to enable humans to interact with and take care of them”, where I created the smart contract. </a:t>
-            </a:r>
-            <a:r>
-              <a:rPr lang="en-IN" sz="1100" u="sng" dirty="0">
-                <a:solidFill>
-                  <a:schemeClr val="bg1">
-                    <a:lumMod val="85000"/>
-                  </a:schemeClr>
-                </a:solidFill>
-                <a:effectLst/>
-                <a:latin typeface="Calibri" panose="020F0502020204030204" pitchFamily="34" charset="0"/>
-                <a:ea typeface="Calibri" panose="020F0502020204030204" pitchFamily="34" charset="0"/>
-                <a:cs typeface="Mangal" panose="02040503050203030202" pitchFamily="18" charset="0"/>
-              </a:rPr>
-              <a:t>Language used</a:t>
-            </a:r>
-            <a:r>
-              <a:rPr lang="en-IN" sz="1100" dirty="0">
-                <a:solidFill>
-                  <a:schemeClr val="bg1">
-                    <a:lumMod val="85000"/>
-                  </a:schemeClr>
-                </a:solidFill>
-                <a:effectLst/>
-                <a:latin typeface="Calibri" panose="020F0502020204030204" pitchFamily="34" charset="0"/>
-                <a:ea typeface="Calibri" panose="020F0502020204030204" pitchFamily="34" charset="0"/>
-                <a:cs typeface="Mangal" panose="02040503050203030202" pitchFamily="18" charset="0"/>
-              </a:rPr>
-              <a:t>: C/C++, Bash, Markdown.</a:t>
+              <a:t>: XML, Java.</a:t>
             </a:r>
             <a:endParaRPr lang="en-US" sz="1100" dirty="0">
               <a:solidFill>
@@ -16930,7 +16927,6 @@
                   <a:lumMod val="85000"/>
                 </a:schemeClr>
               </a:solidFill>
-              <a:effectLst/>
               <a:latin typeface="Calibri" panose="020F0502020204030204" pitchFamily="34" charset="0"/>
               <a:ea typeface="Calibri" panose="020F0502020204030204" pitchFamily="34" charset="0"/>
               <a:cs typeface="Mangal" panose="02040503050203030202" pitchFamily="18" charset="0"/>
@@ -16962,7 +16958,35 @@
                 <a:ea typeface="Calibri" panose="020F0502020204030204" pitchFamily="34" charset="0"/>
                 <a:cs typeface="Mangal" panose="02040503050203030202" pitchFamily="18" charset="0"/>
               </a:rPr>
-              <a:t>Smart Contracts along with a native cryptocurrency built for ICO conduct for a Bangalore-based Company. Estimated running cost with resources like on-chain RAM, CPU, NET for the ICO was calculated for both Testnet &amp; Mainnet. </a:t>
+              <a:t>Designed the Smart Contract Architecture with Incentivized staking model for a Ride Sharing </a:t>
+            </a:r>
+            <a:r>
+              <a:rPr lang="en-IN" sz="1100" dirty="0" err="1">
+                <a:solidFill>
+                  <a:schemeClr val="bg1">
+                    <a:lumMod val="85000"/>
+                  </a:schemeClr>
+                </a:solidFill>
+                <a:effectLst/>
+                <a:latin typeface="Calibri" panose="020F0502020204030204" pitchFamily="34" charset="0"/>
+                <a:ea typeface="Calibri" panose="020F0502020204030204" pitchFamily="34" charset="0"/>
+                <a:cs typeface="Mangal" panose="02040503050203030202" pitchFamily="18" charset="0"/>
+              </a:rPr>
+              <a:t>DApp</a:t>
+            </a:r>
+            <a:r>
+              <a:rPr lang="en-IN" sz="1100" dirty="0">
+                <a:solidFill>
+                  <a:schemeClr val="bg1">
+                    <a:lumMod val="85000"/>
+                  </a:schemeClr>
+                </a:solidFill>
+                <a:effectLst/>
+                <a:latin typeface="Calibri" panose="020F0502020204030204" pitchFamily="34" charset="0"/>
+                <a:ea typeface="Calibri" panose="020F0502020204030204" pitchFamily="34" charset="0"/>
+                <a:cs typeface="Mangal" panose="02040503050203030202" pitchFamily="18" charset="0"/>
+              </a:rPr>
+              <a:t> Start-up - ‘DRIFE’. Also wrote the Technical whitepaper with each modules, components illustrated in detail. </a:t>
             </a:r>
             <a:r>
               <a:rPr lang="en-IN" sz="1100" u="sng" dirty="0">
@@ -17030,7 +17054,173 @@
                 <a:ea typeface="Calibri" panose="020F0502020204030204" pitchFamily="34" charset="0"/>
                 <a:cs typeface="Mangal" panose="02040503050203030202" pitchFamily="18" charset="0"/>
               </a:rPr>
-              <a:t>Built architecture &amp; wrote its smart contracts – ICO, Stake, Token for a project related to medical field in which a patient can join customized Rehabilitation programme monitored by doctor(s) &amp; the payment disbursal to bi-party is fully automatic using EOSIO’s speedy smart contracts based on whether the programme is successfully completed. </a:t>
+              <a:t>All modules of Smart Contracts programmed &amp; tested successfully for Ride Sharing </a:t>
+            </a:r>
+            <a:r>
+              <a:rPr lang="en-IN" sz="1100" dirty="0" err="1">
+                <a:solidFill>
+                  <a:schemeClr val="bg1">
+                    <a:lumMod val="85000"/>
+                  </a:schemeClr>
+                </a:solidFill>
+                <a:effectLst/>
+                <a:latin typeface="Calibri" panose="020F0502020204030204" pitchFamily="34" charset="0"/>
+                <a:ea typeface="Calibri" panose="020F0502020204030204" pitchFamily="34" charset="0"/>
+                <a:cs typeface="Mangal" panose="02040503050203030202" pitchFamily="18" charset="0"/>
+              </a:rPr>
+              <a:t>DApp</a:t>
+            </a:r>
+            <a:r>
+              <a:rPr lang="en-IN" sz="1100" dirty="0">
+                <a:solidFill>
+                  <a:schemeClr val="bg1">
+                    <a:lumMod val="85000"/>
+                  </a:schemeClr>
+                </a:solidFill>
+                <a:effectLst/>
+                <a:latin typeface="Calibri" panose="020F0502020204030204" pitchFamily="34" charset="0"/>
+                <a:ea typeface="Calibri" panose="020F0502020204030204" pitchFamily="34" charset="0"/>
+                <a:cs typeface="Mangal" panose="02040503050203030202" pitchFamily="18" charset="0"/>
+              </a:rPr>
+              <a:t> - TOE, deployable on EOSIO based Blockchain(s) using C/C++ language. Also, featured a “free Rides“ buy/sell AMM based marketplace with all-time liquidity using </a:t>
+            </a:r>
+            <a:r>
+              <a:rPr lang="en-IN" sz="1100" dirty="0" err="1">
+                <a:solidFill>
+                  <a:schemeClr val="bg1">
+                    <a:lumMod val="85000"/>
+                  </a:schemeClr>
+                </a:solidFill>
+                <a:effectLst/>
+                <a:latin typeface="Calibri" panose="020F0502020204030204" pitchFamily="34" charset="0"/>
+                <a:ea typeface="Calibri" panose="020F0502020204030204" pitchFamily="34" charset="0"/>
+                <a:cs typeface="Mangal" panose="02040503050203030202" pitchFamily="18" charset="0"/>
+              </a:rPr>
+              <a:t>DeFi’s</a:t>
+            </a:r>
+            <a:r>
+              <a:rPr lang="en-IN" sz="1100" dirty="0">
+                <a:solidFill>
+                  <a:schemeClr val="bg1">
+                    <a:lumMod val="85000"/>
+                  </a:schemeClr>
+                </a:solidFill>
+                <a:effectLst/>
+                <a:latin typeface="Calibri" panose="020F0502020204030204" pitchFamily="34" charset="0"/>
+                <a:ea typeface="Calibri" panose="020F0502020204030204" pitchFamily="34" charset="0"/>
+                <a:cs typeface="Mangal" panose="02040503050203030202" pitchFamily="18" charset="0"/>
+              </a:rPr>
+              <a:t> </a:t>
+            </a:r>
+            <a:r>
+              <a:rPr lang="en-IN" sz="1100" dirty="0" err="1">
+                <a:solidFill>
+                  <a:schemeClr val="bg1">
+                    <a:lumMod val="85000"/>
+                  </a:schemeClr>
+                </a:solidFill>
+                <a:effectLst/>
+                <a:latin typeface="Calibri" panose="020F0502020204030204" pitchFamily="34" charset="0"/>
+                <a:ea typeface="Calibri" panose="020F0502020204030204" pitchFamily="34" charset="0"/>
+                <a:cs typeface="Mangal" panose="02040503050203030202" pitchFamily="18" charset="0"/>
+              </a:rPr>
+              <a:t>Bancor</a:t>
+            </a:r>
+            <a:r>
+              <a:rPr lang="en-IN" sz="1100" dirty="0">
+                <a:solidFill>
+                  <a:schemeClr val="bg1">
+                    <a:lumMod val="85000"/>
+                  </a:schemeClr>
+                </a:solidFill>
+                <a:effectLst/>
+                <a:latin typeface="Calibri" panose="020F0502020204030204" pitchFamily="34" charset="0"/>
+                <a:ea typeface="Calibri" panose="020F0502020204030204" pitchFamily="34" charset="0"/>
+                <a:cs typeface="Mangal" panose="02040503050203030202" pitchFamily="18" charset="0"/>
+              </a:rPr>
+              <a:t> Algorithm. </a:t>
+            </a:r>
+            <a:r>
+              <a:rPr lang="en-IN" sz="1100" u="sng" dirty="0">
+                <a:solidFill>
+                  <a:schemeClr val="bg1">
+                    <a:lumMod val="85000"/>
+                  </a:schemeClr>
+                </a:solidFill>
+                <a:effectLst/>
+                <a:latin typeface="Calibri" panose="020F0502020204030204" pitchFamily="34" charset="0"/>
+                <a:ea typeface="Calibri" panose="020F0502020204030204" pitchFamily="34" charset="0"/>
+                <a:cs typeface="Mangal" panose="02040503050203030202" pitchFamily="18" charset="0"/>
+              </a:rPr>
+              <a:t>Language used</a:t>
+            </a:r>
+            <a:r>
+              <a:rPr lang="en-IN" sz="1100" dirty="0">
+                <a:solidFill>
+                  <a:schemeClr val="bg1">
+                    <a:lumMod val="85000"/>
+                  </a:schemeClr>
+                </a:solidFill>
+                <a:effectLst/>
+                <a:latin typeface="Calibri" panose="020F0502020204030204" pitchFamily="34" charset="0"/>
+                <a:ea typeface="Calibri" panose="020F0502020204030204" pitchFamily="34" charset="0"/>
+                <a:cs typeface="Mangal" panose="02040503050203030202" pitchFamily="18" charset="0"/>
+              </a:rPr>
+              <a:t>: C/C++, Bash, Markdown.</a:t>
+            </a:r>
+          </a:p>
+          <a:p>
+            <a:pPr marL="342900" indent="-342900" algn="just">
+              <a:lnSpc>
+                <a:spcPct val="115000"/>
+              </a:lnSpc>
+              <a:spcAft>
+                <a:spcPts val="600"/>
+              </a:spcAft>
+              <a:buFont typeface="Symbol" panose="05050102010706020507" pitchFamily="18" charset="2"/>
+              <a:buChar char=""/>
+            </a:pPr>
+            <a:r>
+              <a:rPr lang="en-IN" sz="1100" dirty="0">
+                <a:solidFill>
+                  <a:schemeClr val="bg1">
+                    <a:lumMod val="85000"/>
+                  </a:schemeClr>
+                </a:solidFill>
+                <a:effectLst/>
+                <a:latin typeface="Calibri" panose="020F0502020204030204" pitchFamily="34" charset="0"/>
+                <a:ea typeface="Calibri" panose="020F0502020204030204" pitchFamily="34" charset="0"/>
+                <a:cs typeface="Mangal" panose="02040503050203030202" pitchFamily="18" charset="0"/>
+              </a:rPr>
+              <a:t>Participated &amp; ranked 2</a:t>
+            </a:r>
+            <a:r>
+              <a:rPr lang="en-IN" sz="1100" baseline="30000" dirty="0">
+                <a:solidFill>
+                  <a:schemeClr val="bg1">
+                    <a:lumMod val="85000"/>
+                  </a:schemeClr>
+                </a:solidFill>
+                <a:effectLst/>
+                <a:latin typeface="Calibri" panose="020F0502020204030204" pitchFamily="34" charset="0"/>
+                <a:ea typeface="Calibri" panose="020F0502020204030204" pitchFamily="34" charset="0"/>
+                <a:cs typeface="Mangal" panose="02040503050203030202" pitchFamily="18" charset="0"/>
+              </a:rPr>
+              <a:t>nd</a:t>
+            </a:r>
+            <a:r>
+              <a:rPr lang="en-IN" sz="1100" dirty="0">
+                <a:solidFill>
+                  <a:schemeClr val="bg1">
+                    <a:lumMod val="85000"/>
+                  </a:schemeClr>
+                </a:solidFill>
+                <a:effectLst/>
+                <a:latin typeface="Calibri" panose="020F0502020204030204" pitchFamily="34" charset="0"/>
+                <a:ea typeface="Calibri" panose="020F0502020204030204" pitchFamily="34" charset="0"/>
+                <a:cs typeface="Mangal" panose="02040503050203030202" pitchFamily="18" charset="0"/>
+              </a:rPr>
+              <a:t> in a Hackathon – “SNI Hack 21” for a project on “Providing a digital identity for parks to enable humans to interact with and take care of them”, where I created the smart contract. </a:t>
             </a:r>
             <a:r>
               <a:rPr lang="en-IN" sz="1100" u="sng" dirty="0">
@@ -17098,7 +17288,7 @@
                 <a:ea typeface="Calibri" panose="020F0502020204030204" pitchFamily="34" charset="0"/>
                 <a:cs typeface="Mangal" panose="02040503050203030202" pitchFamily="18" charset="0"/>
               </a:rPr>
-              <a:t>Built Smart Contracts – Escrow, Game along with the architecture for a Betting Game – ‘GPK.Battles’ on WAX Blockchain. Both the players get to choose 3 cards (2A, 1B or 1A, 2B) &amp; the winner gains 1 card from the loser. There is a shuffle among the loser’s cards. Also, the random number generation for the game based on which the winner is declared, is fully transparent which ensures a fair game throughout the process. </a:t>
+              <a:t>Smart Contracts along with a native cryptocurrency built for ICO conduct for a Bangalore-based Company. Estimated running cost with resources like on-chain RAM, CPU, NET for the ICO was calculated for both Testnet &amp; Mainnet. </a:t>
             </a:r>
             <a:r>
               <a:rPr lang="en-IN" sz="1100" u="sng" dirty="0">
@@ -17166,7 +17356,7 @@
                 <a:ea typeface="Calibri" panose="020F0502020204030204" pitchFamily="34" charset="0"/>
                 <a:cs typeface="Mangal" panose="02040503050203030202" pitchFamily="18" charset="0"/>
               </a:rPr>
-              <a:t>Created a Tipping Bot with smart contracts integrated within. Using this Bot, any person can deposit/withdraw/send/receive crypto token(s) worldwide with just Telegram user ID. Wallet with multiple token storage feature is built-in within the Bot for each user. </a:t>
+              <a:t>Built architecture &amp; wrote its smart contracts – ICO, Stake, Token for a project related to medical field in which a patient can join customized Rehabilitation programme monitored by doctor(s) &amp; the payment disbursal to bi-party is fully automatic using EOSIO’s speedy smart contracts based on whether the programme is successfully completed. </a:t>
             </a:r>
             <a:r>
               <a:rPr lang="en-IN" sz="1100" u="sng" dirty="0">
@@ -17194,7 +17384,7 @@
                 <a:ea typeface="Calibri" panose="020F0502020204030204" pitchFamily="34" charset="0"/>
                 <a:cs typeface="Mangal" panose="02040503050203030202" pitchFamily="18" charset="0"/>
               </a:rPr>
-              <a:t>: C/C++, Bash, Python, Markdown.</a:t>
+              <a:t>: C/C++, Bash, Markdown.</a:t>
             </a:r>
             <a:endParaRPr lang="en-US" sz="1100" dirty="0">
               <a:solidFill>
@@ -17234,7 +17424,7 @@
                 <a:ea typeface="Calibri" panose="020F0502020204030204" pitchFamily="34" charset="0"/>
                 <a:cs typeface="Mangal" panose="02040503050203030202" pitchFamily="18" charset="0"/>
               </a:rPr>
-              <a:t>Developed a Blockchain-based KYC Bot with smart contracts integrated, where a user gets to upload personal data like name, address, ID document, selfie, that gets hashed and validated via Blockchain to securely maintain privacy. And then stored into the most competent database storage cloud – Redis. Here, the document, selfie gets stored/downloaded in bytes &amp; then encoded/decoded respectively. </a:t>
+              <a:t>Built Smart Contracts – Escrow, Game along with the architecture for a Betting Game – ‘GPK.Battles’ on WAX Blockchain. Both the players get to choose 3 cards (2A, 1B or 1A, 2B) &amp; the winner gains 1 card from the loser. There is a shuffle among the loser’s cards. Also, the random number generation for the game based on which the winner is declared, is fully transparent which ensures a fair game throughout the process. </a:t>
             </a:r>
             <a:r>
               <a:rPr lang="en-IN" sz="1100" u="sng" dirty="0">
@@ -17262,8 +17452,87 @@
                 <a:ea typeface="Calibri" panose="020F0502020204030204" pitchFamily="34" charset="0"/>
                 <a:cs typeface="Mangal" panose="02040503050203030202" pitchFamily="18" charset="0"/>
               </a:rPr>
+              <a:t>: C/C++, Bash, Markdown.</a:t>
+            </a:r>
+            <a:endParaRPr lang="en-US" sz="1100" dirty="0">
+              <a:solidFill>
+                <a:schemeClr val="bg1">
+                  <a:lumMod val="85000"/>
+                </a:schemeClr>
+              </a:solidFill>
+              <a:effectLst/>
+              <a:latin typeface="Calibri" panose="020F0502020204030204" pitchFamily="34" charset="0"/>
+              <a:ea typeface="Calibri" panose="020F0502020204030204" pitchFamily="34" charset="0"/>
+              <a:cs typeface="Mangal" panose="02040503050203030202" pitchFamily="18" charset="0"/>
+            </a:endParaRPr>
+          </a:p>
+          <a:p>
+            <a:pPr marL="342900" marR="0" lvl="0" indent="-342900" algn="just">
+              <a:lnSpc>
+                <a:spcPct val="115000"/>
+              </a:lnSpc>
+              <a:spcBef>
+                <a:spcPts val="0"/>
+              </a:spcBef>
+              <a:spcAft>
+                <a:spcPts val="600"/>
+              </a:spcAft>
+              <a:buFont typeface="Symbol" panose="05050102010706020507" pitchFamily="18" charset="2"/>
+              <a:buChar char=""/>
+            </a:pPr>
+            <a:r>
+              <a:rPr lang="en-IN" sz="1100" dirty="0">
+                <a:solidFill>
+                  <a:schemeClr val="bg1">
+                    <a:lumMod val="85000"/>
+                  </a:schemeClr>
+                </a:solidFill>
+                <a:effectLst/>
+                <a:latin typeface="Calibri" panose="020F0502020204030204" pitchFamily="34" charset="0"/>
+                <a:ea typeface="Calibri" panose="020F0502020204030204" pitchFamily="34" charset="0"/>
+                <a:cs typeface="Mangal" panose="02040503050203030202" pitchFamily="18" charset="0"/>
+              </a:rPr>
+              <a:t>Created a Tipping Bot with smart contracts integrated within. Using this Bot, any person can deposit/withdraw/send/receive crypto token(s) worldwide with just Telegram user ID. Wallet with multiple token storage feature is built-in within the Bot for each user. </a:t>
+            </a:r>
+            <a:r>
+              <a:rPr lang="en-IN" sz="1100" u="sng" dirty="0">
+                <a:solidFill>
+                  <a:schemeClr val="bg1">
+                    <a:lumMod val="85000"/>
+                  </a:schemeClr>
+                </a:solidFill>
+                <a:effectLst/>
+                <a:latin typeface="Calibri" panose="020F0502020204030204" pitchFamily="34" charset="0"/>
+                <a:ea typeface="Calibri" panose="020F0502020204030204" pitchFamily="34" charset="0"/>
+                <a:cs typeface="Mangal" panose="02040503050203030202" pitchFamily="18" charset="0"/>
+              </a:rPr>
+              <a:t>Language used</a:t>
+            </a:r>
+            <a:r>
+              <a:rPr lang="en-IN" sz="1100" dirty="0">
+                <a:solidFill>
+                  <a:schemeClr val="bg1">
+                    <a:lumMod val="85000"/>
+                  </a:schemeClr>
+                </a:solidFill>
+                <a:effectLst/>
+                <a:latin typeface="Calibri" panose="020F0502020204030204" pitchFamily="34" charset="0"/>
+                <a:ea typeface="Calibri" panose="020F0502020204030204" pitchFamily="34" charset="0"/>
+                <a:cs typeface="Mangal" panose="02040503050203030202" pitchFamily="18" charset="0"/>
+              </a:rPr>
               <a:t>: C/C++, Bash, Python, Markdown.</a:t>
             </a:r>
+            <a:endParaRPr lang="en-US" sz="1100" dirty="0">
+              <a:solidFill>
+                <a:schemeClr val="bg1">
+                  <a:lumMod val="85000"/>
+                </a:schemeClr>
+              </a:solidFill>
+              <a:effectLst/>
+              <a:latin typeface="Calibri" panose="020F0502020204030204" pitchFamily="34" charset="0"/>
+              <a:ea typeface="Calibri" panose="020F0502020204030204" pitchFamily="34" charset="0"/>
+              <a:cs typeface="Mangal" panose="02040503050203030202" pitchFamily="18" charset="0"/>
+            </a:endParaRPr>
           </a:p>
         </p:txBody>
       </p:sp>
@@ -17367,7 +17636,7 @@
         <p:spPr>
           <a:xfrm>
             <a:off x="375920" y="182098"/>
-            <a:ext cx="6126480" cy="4206088"/>
+            <a:ext cx="6126480" cy="4867038"/>
           </a:xfrm>
           <a:prstGeom prst="rect">
             <a:avLst/>
@@ -17402,7 +17671,61 @@
                 <a:ea typeface="Calibri" panose="020F0502020204030204" pitchFamily="34" charset="0"/>
                 <a:cs typeface="Mangal" panose="02040503050203030202" pitchFamily="18" charset="0"/>
               </a:rPr>
-              <a:t>Currently, developing a giant platform called OYA – the NFT marketplace for all categories like Painting, Music, Movies, Automobiles, Properties with easy payment modes using national currency. All the files remain locked in IPFS Cloud and could only be unlocked by the owners &amp; buyers. The MVP is in form of a Chatbot with elegant UI/UX. As of now, the Smart contracts have been written &amp; the entire product of MVP-level is 70% complete. It also features </a:t>
+              <a:t>Developed a Blockchain-based KYC Bot with smart contracts integrated, where a user gets to upload personal data like name, address, ID document, selfie, that gets hashed and validated via Blockchain to securely maintain privacy. And then stored into the most competent database storage cloud – Redis. Here, the document, selfie gets stored/downloaded in bytes &amp; then encoded/decoded respectively. </a:t>
+            </a:r>
+            <a:r>
+              <a:rPr lang="en-IN" sz="1100" u="sng" dirty="0">
+                <a:solidFill>
+                  <a:schemeClr val="bg1">
+                    <a:lumMod val="85000"/>
+                  </a:schemeClr>
+                </a:solidFill>
+                <a:effectLst/>
+                <a:latin typeface="Calibri" panose="020F0502020204030204" pitchFamily="34" charset="0"/>
+                <a:ea typeface="Calibri" panose="020F0502020204030204" pitchFamily="34" charset="0"/>
+                <a:cs typeface="Mangal" panose="02040503050203030202" pitchFamily="18" charset="0"/>
+              </a:rPr>
+              <a:t>Language used</a:t>
+            </a:r>
+            <a:r>
+              <a:rPr lang="en-IN" sz="1100" dirty="0">
+                <a:solidFill>
+                  <a:schemeClr val="bg1">
+                    <a:lumMod val="85000"/>
+                  </a:schemeClr>
+                </a:solidFill>
+                <a:effectLst/>
+                <a:latin typeface="Calibri" panose="020F0502020204030204" pitchFamily="34" charset="0"/>
+                <a:ea typeface="Calibri" panose="020F0502020204030204" pitchFamily="34" charset="0"/>
+                <a:cs typeface="Mangal" panose="02040503050203030202" pitchFamily="18" charset="0"/>
+              </a:rPr>
+              <a:t>: C/C++, Bash, Python, Markdown.</a:t>
+            </a:r>
+          </a:p>
+          <a:p>
+            <a:pPr marL="342900" indent="-342900" algn="just">
+              <a:lnSpc>
+                <a:spcPct val="115000"/>
+              </a:lnSpc>
+              <a:spcAft>
+                <a:spcPts val="600"/>
+              </a:spcAft>
+              <a:buFont typeface="Symbol" panose="05050102010706020507" pitchFamily="18" charset="2"/>
+              <a:buChar char=""/>
+            </a:pPr>
+            <a:r>
+              <a:rPr lang="en-IN" sz="1100" dirty="0">
+                <a:solidFill>
+                  <a:schemeClr val="bg1">
+                    <a:lumMod val="85000"/>
+                  </a:schemeClr>
+                </a:solidFill>
+                <a:effectLst/>
+                <a:latin typeface="Calibri" panose="020F0502020204030204" pitchFamily="34" charset="0"/>
+                <a:ea typeface="Calibri" panose="020F0502020204030204" pitchFamily="34" charset="0"/>
+                <a:cs typeface="Mangal" panose="02040503050203030202" pitchFamily="18" charset="0"/>
+              </a:rPr>
+              <a:t>Worked on building a giant platform called OYA – the NFT marketplace for all categories like Painting, Music, Movies, Automobiles, Properties with easy payment modes using national/fiat currency. All the files remain locked in IPFS Cloud and could only be unlocked by the owners &amp; buyers. The MVP is in form of a Chatbot with elegant UI/UX. It features NFTs as offering along with </a:t>
             </a:r>
             <a:r>
               <a:rPr lang="en-IN" sz="1100" dirty="0" err="1">
@@ -17430,7 +17753,7 @@
                 <a:ea typeface="Calibri" panose="020F0502020204030204" pitchFamily="34" charset="0"/>
                 <a:cs typeface="Mangal" panose="02040503050203030202" pitchFamily="18" charset="0"/>
               </a:rPr>
-              <a:t> as an option for funding, if required by the NFT owners for asset development. Also, doing R&amp;D on cross-chain asset ownership transfer using script triggered Smart contracts design methodology. </a:t>
+              <a:t> as an option for funding project(s) for asset development. Also, doing R&amp;D on cross-chain functionality for asset ownership transfer using script triggered Smart contracts design methodology. </a:t>
             </a:r>
             <a:r>
               <a:rPr lang="en-IN" sz="1100" u="sng" dirty="0">
@@ -17487,7 +17810,7 @@
                 <a:ea typeface="Calibri" panose="020F0502020204030204" pitchFamily="34" charset="0"/>
                 <a:cs typeface="Mangal" panose="02040503050203030202" pitchFamily="18" charset="0"/>
               </a:rPr>
-              <a:t>Working on an </a:t>
+              <a:t>Worked on </a:t>
             </a:r>
             <a:r>
               <a:rPr lang="en-IN" sz="1100" dirty="0" err="1">
@@ -17515,7 +17838,35 @@
                 <a:ea typeface="Calibri" panose="020F0502020204030204" pitchFamily="34" charset="0"/>
                 <a:cs typeface="Mangal" panose="02040503050203030202" pitchFamily="18" charset="0"/>
               </a:rPr>
-              <a:t> project for end-to-end buy/sell of foods – fruits &amp; vegetables without any conventional middleman-based mechanism and also features user’s on-demand crop farming tracking system. Incentivization on home gardening results in fulfilling peer-to-peer food requirements in these limited space society. All these is done using Blockchain Technology and Machine Learning.</a:t>
+              <a:t> project for end-to-end buy/sell of foods – fruits &amp; vegetables without any conventional middleman-based mechanism and also features user’s on-demand crop farming tracking system. Incentivization on home gardening </a:t>
+            </a:r>
+            <a:r>
+              <a:rPr lang="en-IN" sz="1100" dirty="0" err="1">
+                <a:solidFill>
+                  <a:schemeClr val="bg1">
+                    <a:lumMod val="85000"/>
+                  </a:schemeClr>
+                </a:solidFill>
+                <a:effectLst/>
+                <a:latin typeface="Calibri" panose="020F0502020204030204" pitchFamily="34" charset="0"/>
+                <a:ea typeface="Calibri" panose="020F0502020204030204" pitchFamily="34" charset="0"/>
+                <a:cs typeface="Mangal" panose="02040503050203030202" pitchFamily="18" charset="0"/>
+              </a:rPr>
+              <a:t>resultting</a:t>
+            </a:r>
+            <a:r>
+              <a:rPr lang="en-IN" sz="1100" dirty="0">
+                <a:solidFill>
+                  <a:schemeClr val="bg1">
+                    <a:lumMod val="85000"/>
+                  </a:schemeClr>
+                </a:solidFill>
+                <a:effectLst/>
+                <a:latin typeface="Calibri" panose="020F0502020204030204" pitchFamily="34" charset="0"/>
+                <a:ea typeface="Calibri" panose="020F0502020204030204" pitchFamily="34" charset="0"/>
+                <a:cs typeface="Mangal" panose="02040503050203030202" pitchFamily="18" charset="0"/>
+              </a:rPr>
+              <a:t> in fulfilment of peer-to-peer food requirements in this limited space society. All these is done using Blockchain Technology and AI.</a:t>
             </a:r>
             <a:endParaRPr lang="en-US" sz="1100" dirty="0">
               <a:solidFill>
@@ -17763,7 +18114,7 @@
         </p:nvSpPr>
         <p:spPr>
           <a:xfrm>
-            <a:off x="542981" y="4613661"/>
+            <a:off x="375920" y="5138225"/>
             <a:ext cx="1340002" cy="338554"/>
           </a:xfrm>
           <a:prstGeom prst="rect">
@@ -17804,8 +18155,8 @@
         </p:nvSpPr>
         <p:spPr>
           <a:xfrm>
-            <a:off x="375920" y="5092891"/>
-            <a:ext cx="6126480" cy="4051109"/>
+            <a:off x="365760" y="5565869"/>
+            <a:ext cx="6126480" cy="3584828"/>
           </a:xfrm>
           <a:prstGeom prst="rect">
             <a:avLst/>
@@ -18345,68 +18696,6 @@
               </a:rPr>
               <a:t>: Python.</a:t>
             </a:r>
-          </a:p>
-          <a:p>
-            <a:pPr marL="342900" indent="-342900" algn="just">
-              <a:lnSpc>
-                <a:spcPct val="115000"/>
-              </a:lnSpc>
-              <a:spcAft>
-                <a:spcPts val="600"/>
-              </a:spcAft>
-              <a:buFont typeface="Symbol" panose="05050102010706020507" pitchFamily="18" charset="2"/>
-              <a:buChar char=""/>
-            </a:pPr>
-            <a:r>
-              <a:rPr lang="en-IN" sz="1100" dirty="0">
-                <a:solidFill>
-                  <a:schemeClr val="bg1">
-                    <a:lumMod val="85000"/>
-                  </a:schemeClr>
-                </a:solidFill>
-                <a:latin typeface="Calibri" panose="020F0502020204030204" pitchFamily="34" charset="0"/>
-                <a:ea typeface="Calibri" panose="020F0502020204030204" pitchFamily="34" charset="0"/>
-                <a:cs typeface="Mangal" panose="02040503050203030202" pitchFamily="18" charset="0"/>
-              </a:rPr>
-              <a:t>Created a custom 3D Plot for data analytics related to Semiconductor devices with yield, which is visualizable with interactive modern-UI level. </a:t>
-            </a:r>
-            <a:r>
-              <a:rPr lang="en-IN" sz="1100" u="sng" dirty="0">
-                <a:solidFill>
-                  <a:schemeClr val="bg1">
-                    <a:lumMod val="85000"/>
-                  </a:schemeClr>
-                </a:solidFill>
-                <a:latin typeface="Calibri" panose="020F0502020204030204" pitchFamily="34" charset="0"/>
-                <a:ea typeface="Calibri" panose="020F0502020204030204" pitchFamily="34" charset="0"/>
-                <a:cs typeface="Mangal" panose="02040503050203030202" pitchFamily="18" charset="0"/>
-              </a:rPr>
-              <a:t>Language used</a:t>
-            </a:r>
-            <a:r>
-              <a:rPr lang="en-IN" sz="1100" dirty="0">
-                <a:solidFill>
-                  <a:schemeClr val="bg1">
-                    <a:lumMod val="85000"/>
-                  </a:schemeClr>
-                </a:solidFill>
-                <a:latin typeface="Calibri" panose="020F0502020204030204" pitchFamily="34" charset="0"/>
-                <a:ea typeface="Calibri" panose="020F0502020204030204" pitchFamily="34" charset="0"/>
-                <a:cs typeface="Mangal" panose="02040503050203030202" pitchFamily="18" charset="0"/>
-              </a:rPr>
-              <a:t>: Python, VBA.</a:t>
-            </a:r>
-            <a:endParaRPr lang="en-US" sz="1100" dirty="0">
-              <a:solidFill>
-                <a:schemeClr val="bg1">
-                  <a:lumMod val="85000"/>
-                </a:schemeClr>
-              </a:solidFill>
-              <a:effectLst/>
-              <a:latin typeface="Calibri" panose="020F0502020204030204" pitchFamily="34" charset="0"/>
-              <a:ea typeface="Calibri" panose="020F0502020204030204" pitchFamily="34" charset="0"/>
-              <a:cs typeface="Mangal" panose="02040503050203030202" pitchFamily="18" charset="0"/>
-            </a:endParaRPr>
           </a:p>
           <a:p>
             <a:endParaRPr lang="en-US" sz="1100" dirty="0">
@@ -18471,7 +18760,7 @@
         </p:nvSpPr>
         <p:spPr>
           <a:xfrm>
-            <a:off x="434340" y="748104"/>
+            <a:off x="434340" y="1234245"/>
             <a:ext cx="5989320" cy="2181495"/>
           </a:xfrm>
           <a:prstGeom prst="rect">
@@ -18716,7 +19005,7 @@
         </p:blipFill>
         <p:spPr bwMode="auto">
           <a:xfrm>
-            <a:off x="197351" y="3246492"/>
+            <a:off x="197351" y="3640031"/>
             <a:ext cx="330095" cy="273933"/>
           </a:xfrm>
           <a:prstGeom prst="rect">
@@ -18750,7 +19039,7 @@
         </p:nvSpPr>
         <p:spPr>
           <a:xfrm>
-            <a:off x="527446" y="3246491"/>
+            <a:off x="527446" y="3640030"/>
             <a:ext cx="3390104" cy="273933"/>
           </a:xfrm>
           <a:prstGeom prst="rect">
@@ -18947,8 +19236,8 @@
         </p:nvSpPr>
         <p:spPr>
           <a:xfrm>
-            <a:off x="434340" y="3698416"/>
-            <a:ext cx="5989320" cy="6395340"/>
+            <a:off x="434340" y="3987783"/>
+            <a:ext cx="5989320" cy="6993581"/>
           </a:xfrm>
           <a:prstGeom prst="rect">
             <a:avLst/>
@@ -18960,6 +19249,91 @@
             <a:spAutoFit/>
           </a:bodyPr>
           <a:lstStyle/>
+          <a:p>
+            <a:pPr marL="342900" marR="0" lvl="0" indent="-342900" algn="just">
+              <a:lnSpc>
+                <a:spcPct val="115000"/>
+              </a:lnSpc>
+              <a:spcBef>
+                <a:spcPts val="0"/>
+              </a:spcBef>
+              <a:spcAft>
+                <a:spcPts val="600"/>
+              </a:spcAft>
+              <a:buFont typeface="Symbol" panose="05050102010706020507" pitchFamily="18" charset="2"/>
+              <a:buChar char=""/>
+            </a:pPr>
+            <a:r>
+              <a:rPr lang="en-IN" sz="1100" dirty="0">
+                <a:solidFill>
+                  <a:schemeClr val="bg1">
+                    <a:lumMod val="85000"/>
+                  </a:schemeClr>
+                </a:solidFill>
+                <a:effectLst/>
+                <a:latin typeface="Calibri" panose="020F0502020204030204" pitchFamily="34" charset="0"/>
+                <a:ea typeface="Calibri" panose="020F0502020204030204" pitchFamily="34" charset="0"/>
+                <a:cs typeface="Mangal" panose="02040503050203030202" pitchFamily="18" charset="0"/>
+              </a:rPr>
+              <a:t>Bagged the 2</a:t>
+            </a:r>
+            <a:r>
+              <a:rPr lang="en-IN" sz="1100" baseline="30000" dirty="0">
+                <a:solidFill>
+                  <a:schemeClr val="bg1">
+                    <a:lumMod val="85000"/>
+                  </a:schemeClr>
+                </a:solidFill>
+                <a:effectLst/>
+                <a:latin typeface="Calibri" panose="020F0502020204030204" pitchFamily="34" charset="0"/>
+                <a:ea typeface="Calibri" panose="020F0502020204030204" pitchFamily="34" charset="0"/>
+                <a:cs typeface="Mangal" panose="02040503050203030202" pitchFamily="18" charset="0"/>
+              </a:rPr>
+              <a:t>nd</a:t>
+            </a:r>
+            <a:r>
+              <a:rPr lang="en-IN" sz="1100" dirty="0">
+                <a:solidFill>
+                  <a:schemeClr val="bg1">
+                    <a:lumMod val="85000"/>
+                  </a:schemeClr>
+                </a:solidFill>
+                <a:effectLst/>
+                <a:latin typeface="Calibri" panose="020F0502020204030204" pitchFamily="34" charset="0"/>
+                <a:ea typeface="Calibri" panose="020F0502020204030204" pitchFamily="34" charset="0"/>
+                <a:cs typeface="Mangal" panose="02040503050203030202" pitchFamily="18" charset="0"/>
+              </a:rPr>
+              <a:t> rank in SNI Hack 2021 competition as a EOSIO Blockchain Developer for a project “</a:t>
+            </a:r>
+            <a:r>
+              <a:rPr lang="en-IN" sz="1100" dirty="0" err="1">
+                <a:solidFill>
+                  <a:schemeClr val="bg1">
+                    <a:lumMod val="85000"/>
+                  </a:schemeClr>
+                </a:solidFill>
+                <a:effectLst/>
+                <a:latin typeface="Calibri" panose="020F0502020204030204" pitchFamily="34" charset="0"/>
+                <a:ea typeface="Calibri" panose="020F0502020204030204" pitchFamily="34" charset="0"/>
+                <a:cs typeface="Mangal" panose="02040503050203030202" pitchFamily="18" charset="0"/>
+              </a:rPr>
+              <a:t>Ceven.Parks</a:t>
+            </a:r>
+            <a:r>
+              <a:rPr lang="en-IN" sz="1100" dirty="0">
+                <a:solidFill>
+                  <a:schemeClr val="bg1">
+                    <a:lumMod val="85000"/>
+                  </a:schemeClr>
+                </a:solidFill>
+                <a:effectLst/>
+                <a:latin typeface="Calibri" panose="020F0502020204030204" pitchFamily="34" charset="0"/>
+                <a:ea typeface="Calibri" panose="020F0502020204030204" pitchFamily="34" charset="0"/>
+                <a:cs typeface="Mangal" panose="02040503050203030202" pitchFamily="18" charset="0"/>
+              </a:rPr>
+              <a:t>”, which provides a digital identity for parks to enable humans to interact with and take care of them.</a:t>
+            </a:r>
+          </a:p>
           <a:p>
             <a:pPr marL="342900" marR="0" lvl="0" indent="-342900" algn="just">
               <a:lnSpc>
@@ -19854,7 +20228,7 @@
         </p:nvSpPr>
         <p:spPr>
           <a:xfrm>
-            <a:off x="525085" y="261934"/>
+            <a:off x="527446" y="755490"/>
             <a:ext cx="687897" cy="338554"/>
           </a:xfrm>
           <a:prstGeom prst="rect">
@@ -19875,6 +20249,109 @@
               <a:rPr lang="en-US" sz="1600" dirty="0"/>
               <a:t>Bot</a:t>
             </a:r>
+          </a:p>
+        </p:txBody>
+      </p:sp>
+      <p:sp>
+        <p:nvSpPr>
+          <p:cNvPr id="8" name="TextBox 7">
+            <a:extLst>
+              <a:ext uri="{FF2B5EF4-FFF2-40B4-BE49-F238E27FC236}">
+                <a16:creationId xmlns:a16="http://schemas.microsoft.com/office/drawing/2014/main" id="{F847355D-A63E-4651-92DE-BA8C756D28F5}"/>
+              </a:ext>
+            </a:extLst>
+          </p:cNvPr>
+          <p:cNvSpPr txBox="1"/>
+          <p:nvPr/>
+        </p:nvSpPr>
+        <p:spPr>
+          <a:xfrm>
+            <a:off x="434340" y="118451"/>
+            <a:ext cx="6126480" cy="1168781"/>
+          </a:xfrm>
+          <a:prstGeom prst="rect">
+            <a:avLst/>
+          </a:prstGeom>
+          <a:noFill/>
+        </p:spPr>
+        <p:txBody>
+          <a:bodyPr wrap="square" rtlCol="0">
+            <a:spAutoFit/>
+          </a:bodyPr>
+          <a:lstStyle/>
+          <a:p>
+            <a:pPr marL="342900" marR="0" lvl="0" indent="-342900" algn="just">
+              <a:lnSpc>
+                <a:spcPct val="115000"/>
+              </a:lnSpc>
+              <a:spcBef>
+                <a:spcPts val="0"/>
+              </a:spcBef>
+              <a:spcAft>
+                <a:spcPts val="600"/>
+              </a:spcAft>
+              <a:buFont typeface="Symbol" panose="05050102010706020507" pitchFamily="18" charset="2"/>
+              <a:buChar char=""/>
+            </a:pPr>
+            <a:r>
+              <a:rPr lang="en-IN" sz="1100" dirty="0">
+                <a:solidFill>
+                  <a:schemeClr val="bg1">
+                    <a:lumMod val="85000"/>
+                  </a:schemeClr>
+                </a:solidFill>
+                <a:latin typeface="Calibri" panose="020F0502020204030204" pitchFamily="34" charset="0"/>
+                <a:cs typeface="Mangal" panose="02040503050203030202" pitchFamily="18" charset="0"/>
+              </a:rPr>
+              <a:t>Created a custom 3D Plot for data analytics related to Semiconductor devices with yield, which is visualizable with interactive modern-UI level. Language used: Python, VBA.</a:t>
+            </a:r>
+            <a:endParaRPr lang="en-US" sz="1100" dirty="0">
+              <a:solidFill>
+                <a:schemeClr val="bg1">
+                  <a:lumMod val="85000"/>
+                </a:schemeClr>
+              </a:solidFill>
+              <a:latin typeface="Calibri" panose="020F0502020204030204" pitchFamily="34" charset="0"/>
+              <a:cs typeface="Mangal" panose="02040503050203030202" pitchFamily="18" charset="0"/>
+            </a:endParaRPr>
+          </a:p>
+          <a:p>
+            <a:endParaRPr lang="en-US" sz="1100" dirty="0"/>
+          </a:p>
+          <a:p>
+            <a:pPr marL="342900" marR="0" lvl="0" indent="-342900" algn="just">
+              <a:lnSpc>
+                <a:spcPct val="115000"/>
+              </a:lnSpc>
+              <a:spcBef>
+                <a:spcPts val="0"/>
+              </a:spcBef>
+              <a:spcAft>
+                <a:spcPts val="600"/>
+              </a:spcAft>
+              <a:buFont typeface="Symbol" panose="05050102010706020507" pitchFamily="18" charset="2"/>
+              <a:buChar char=""/>
+            </a:pPr>
+            <a:endParaRPr lang="en-IN" sz="1100" dirty="0">
+              <a:solidFill>
+                <a:schemeClr val="bg1">
+                  <a:lumMod val="85000"/>
+                </a:schemeClr>
+              </a:solidFill>
+              <a:effectLst/>
+              <a:latin typeface="Calibri" panose="020F0502020204030204" pitchFamily="34" charset="0"/>
+              <a:ea typeface="Calibri" panose="020F0502020204030204" pitchFamily="34" charset="0"/>
+              <a:cs typeface="Mangal" panose="02040503050203030202" pitchFamily="18" charset="0"/>
+            </a:endParaRPr>
+          </a:p>
+          <a:p>
+            <a:endParaRPr lang="en-US" sz="1100" dirty="0">
+              <a:solidFill>
+                <a:schemeClr val="bg1">
+                  <a:lumMod val="85000"/>
+                </a:schemeClr>
+              </a:solidFill>
+            </a:endParaRPr>
           </a:p>
         </p:txBody>
       </p:sp>
@@ -20421,6 +20898,23 @@
 </file>
 
 <file path=customXml/item1.xml><?xml version="1.0" encoding="utf-8"?>
+<?mso-contentType ?>
+<FormTemplates xmlns="http://schemas.microsoft.com/sharepoint/v3/contenttype/forms">
+  <Display>DocumentLibraryForm</Display>
+  <Edit>DocumentLibraryForm</Edit>
+  <New>DocumentLibraryForm</New>
+</FormTemplates>
+</file>
+
+<file path=customXml/item2.xml><?xml version="1.0" encoding="utf-8"?>
+<p:properties xmlns:p="http://schemas.microsoft.com/office/2006/metadata/properties" xmlns:xsi="http://www.w3.org/2001/XMLSchema-instance" xmlns:pc="http://schemas.microsoft.com/office/infopath/2007/PartnerControls">
+  <documentManagement>
+    <MediaServiceKeyPoints xmlns="ef88797d-310b-4d46-ad9c-0c23fa0c8d45" xsi:nil="true"/>
+  </documentManagement>
+</p:properties>
+</file>
+
+<file path=customXml/item3.xml><?xml version="1.0" encoding="utf-8"?>
 <ct:contentTypeSchema xmlns:ct="http://schemas.microsoft.com/office/2006/metadata/contentType" xmlns:ma="http://schemas.microsoft.com/office/2006/metadata/properties/metaAttributes" ct:_="" ma:_="" ma:contentTypeName="Document" ma:contentTypeID="0x0101005F02E0EF7D44C04B9FA644DBFF45FF6A" ma:contentTypeVersion="13" ma:contentTypeDescription="Create a new document." ma:contentTypeScope="" ma:versionID="206b9469efed5238e3299da57cdc015e">
   <xsd:schema xmlns:xsd="http://www.w3.org/2001/XMLSchema" xmlns:xs="http://www.w3.org/2001/XMLSchema" xmlns:p="http://schemas.microsoft.com/office/2006/metadata/properties" xmlns:ns2="876de33e-aaa5-4507-9b92-b84e676ded0d" xmlns:ns3="ef88797d-310b-4d46-ad9c-0c23fa0c8d45" targetNamespace="http://schemas.microsoft.com/office/2006/metadata/properties" ma:root="true" ma:fieldsID="281ed500249cd3fe925a7af84a8b56c4" ns2:_="" ns3:_="">
     <xsd:import namespace="876de33e-aaa5-4507-9b92-b84e676ded0d"/>
@@ -20643,24 +21137,25 @@
 </ct:contentTypeSchema>
 </file>
 
-<file path=customXml/item2.xml><?xml version="1.0" encoding="utf-8"?>
-<p:properties xmlns:p="http://schemas.microsoft.com/office/2006/metadata/properties" xmlns:xsi="http://www.w3.org/2001/XMLSchema-instance" xmlns:pc="http://schemas.microsoft.com/office/infopath/2007/PartnerControls">
-  <documentManagement>
-    <MediaServiceKeyPoints xmlns="ef88797d-310b-4d46-ad9c-0c23fa0c8d45" xsi:nil="true"/>
-  </documentManagement>
-</p:properties>
+<file path=customXml/itemProps1.xml><?xml version="1.0" encoding="utf-8"?>
+<ds:datastoreItem xmlns:ds="http://schemas.openxmlformats.org/officeDocument/2006/customXml" ds:itemID="{20056241-EAE4-4EAF-8B0E-8651A3DCDE25}">
+  <ds:schemaRefs>
+    <ds:schemaRef ds:uri="http://schemas.microsoft.com/sharepoint/v3/contenttype/forms"/>
+  </ds:schemaRefs>
+</ds:datastoreItem>
 </file>
 
-<file path=customXml/item3.xml><?xml version="1.0" encoding="utf-8"?>
-<?mso-contentType ?>
-<FormTemplates xmlns="http://schemas.microsoft.com/sharepoint/v3/contenttype/forms">
-  <Display>DocumentLibraryForm</Display>
-  <Edit>DocumentLibraryForm</Edit>
-  <New>DocumentLibraryForm</New>
-</FormTemplates>
+<file path=customXml/itemProps2.xml><?xml version="1.0" encoding="utf-8"?>
+<ds:datastoreItem xmlns:ds="http://schemas.openxmlformats.org/officeDocument/2006/customXml" ds:itemID="{578389EB-672F-420D-AB19-CDFA657C66F4}">
+  <ds:schemaRefs>
+    <ds:schemaRef ds:uri="http://schemas.microsoft.com/office/2006/metadata/properties"/>
+    <ds:schemaRef ds:uri="http://schemas.microsoft.com/office/infopath/2007/PartnerControls"/>
+    <ds:schemaRef ds:uri="ef88797d-310b-4d46-ad9c-0c23fa0c8d45"/>
+  </ds:schemaRefs>
+</ds:datastoreItem>
 </file>
 
-<file path=customXml/itemProps1.xml><?xml version="1.0" encoding="utf-8"?>
+<file path=customXml/itemProps3.xml><?xml version="1.0" encoding="utf-8"?>
 <ds:datastoreItem xmlns:ds="http://schemas.openxmlformats.org/officeDocument/2006/customXml" ds:itemID="{E6CD0737-DDCD-4506-85C0-A3C2836F70A4}">
   <ds:schemaRefs>
     <ds:schemaRef ds:uri="http://schemas.microsoft.com/office/2006/metadata/contentType"/>
@@ -20677,22 +21172,4 @@
     <ds:schemaRef ds:uri="http://schemas.microsoft.com/internal/obd"/>
   </ds:schemaRefs>
 </ds:datastoreItem>
-</file>
-
-<file path=customXml/itemProps2.xml><?xml version="1.0" encoding="utf-8"?>
-<ds:datastoreItem xmlns:ds="http://schemas.openxmlformats.org/officeDocument/2006/customXml" ds:itemID="{578389EB-672F-420D-AB19-CDFA657C66F4}">
-  <ds:schemaRefs>
-    <ds:schemaRef ds:uri="http://schemas.microsoft.com/office/2006/metadata/properties"/>
-    <ds:schemaRef ds:uri="http://schemas.microsoft.com/office/infopath/2007/PartnerControls"/>
-    <ds:schemaRef ds:uri="ef88797d-310b-4d46-ad9c-0c23fa0c8d45"/>
-  </ds:schemaRefs>
-</ds:datastoreItem>
-</file>
-
-<file path=customXml/itemProps3.xml><?xml version="1.0" encoding="utf-8"?>
-<ds:datastoreItem xmlns:ds="http://schemas.openxmlformats.org/officeDocument/2006/customXml" ds:itemID="{20056241-EAE4-4EAF-8B0E-8651A3DCDE25}">
-  <ds:schemaRefs>
-    <ds:schemaRef ds:uri="http://schemas.microsoft.com/sharepoint/v3/contenttype/forms"/>
-  </ds:schemaRefs>
-</ds:datastoreItem>
 </file>
--- a/my_resume.pptx
+++ b/my_resume.pptx
@@ -11,7 +11,7 @@
     <p:sldId id="256" r:id="rId5"/>
     <p:sldId id="257" r:id="rId6"/>
     <p:sldId id="258" r:id="rId7"/>
-    <p:sldId id="259" r:id="rId8"/>
+    <p:sldId id="260" r:id="rId8"/>
   </p:sldIdLst>
   <p:sldSz cx="6858000" cy="9144000" type="letter"/>
   <p:notesSz cx="6858000" cy="9144000"/>
@@ -239,7 +239,7 @@
             <a:fld id="{F126DA7F-2AB4-430D-8B2A-97731DDF23A1}" type="datetimeFigureOut">
               <a:rPr lang="en-US" smtClean="0"/>
               <a:pPr/>
-              <a:t>16-Aug-21</a:t>
+              <a:t>01-Oct-21</a:t>
             </a:fld>
             <a:endParaRPr lang="en-US" dirty="0"/>
           </a:p>
@@ -7198,7 +7198,7 @@
             <a:fld id="{902AD433-F5B6-43A3-8DE6-1382B3149F77}" type="datetimeFigureOut">
               <a:rPr lang="en-US" smtClean="0"/>
               <a:pPr/>
-              <a:t>16-Aug-21</a:t>
+              <a:t>01-Oct-21</a:t>
             </a:fld>
             <a:endParaRPr lang="en-US" dirty="0"/>
           </a:p>
@@ -7606,61 +7606,6 @@
           <a:chExt cx="0" cy="0"/>
         </a:xfrm>
       </p:grpSpPr>
-      <p:sp>
-        <p:nvSpPr>
-          <p:cNvPr id="472" name="Rectangle 471">
-            <a:extLst>
-              <a:ext uri="{FF2B5EF4-FFF2-40B4-BE49-F238E27FC236}">
-                <a16:creationId xmlns:a16="http://schemas.microsoft.com/office/drawing/2014/main" id="{F162A0A5-A648-4660-B0BB-A363DFAB5225}"/>
-              </a:ext>
-              <a:ext uri="{C183D7F6-B498-43B3-948B-1728B52AA6E4}">
-                <adec:decorative xmlns:adec="http://schemas.microsoft.com/office/drawing/2017/decorative" val="1"/>
-              </a:ext>
-            </a:extLst>
-          </p:cNvPr>
-          <p:cNvSpPr/>
-          <p:nvPr/>
-        </p:nvSpPr>
-        <p:spPr>
-          <a:xfrm>
-            <a:off x="1870893" y="5624448"/>
-            <a:ext cx="4560387" cy="504000"/>
-          </a:xfrm>
-          <a:prstGeom prst="rect">
-            <a:avLst/>
-          </a:prstGeom>
-          <a:solidFill>
-            <a:schemeClr val="accent4"/>
-          </a:solidFill>
-          <a:ln>
-            <a:noFill/>
-          </a:ln>
-        </p:spPr>
-        <p:style>
-          <a:lnRef idx="2">
-            <a:schemeClr val="accent1">
-              <a:shade val="50000"/>
-            </a:schemeClr>
-          </a:lnRef>
-          <a:fillRef idx="1">
-            <a:schemeClr val="accent1"/>
-          </a:fillRef>
-          <a:effectRef idx="0">
-            <a:schemeClr val="accent1"/>
-          </a:effectRef>
-          <a:fontRef idx="minor">
-            <a:schemeClr val="lt1"/>
-          </a:fontRef>
-        </p:style>
-        <p:txBody>
-          <a:bodyPr rtlCol="0" anchor="ctr"/>
-          <a:lstStyle/>
-          <a:p>
-            <a:pPr algn="ctr"/>
-            <a:endParaRPr lang="en-US" dirty="0"/>
-          </a:p>
-        </p:txBody>
-      </p:sp>
       <p:cxnSp>
         <p:nvCxnSpPr>
           <p:cNvPr id="474" name="Straight Connector 473">
@@ -7708,290 +7653,6 @@
           </a:fontRef>
         </p:style>
       </p:cxnSp>
-      <p:sp>
-        <p:nvSpPr>
-          <p:cNvPr id="475" name="Oval 474">
-            <a:extLst>
-              <a:ext uri="{FF2B5EF4-FFF2-40B4-BE49-F238E27FC236}">
-                <a16:creationId xmlns:a16="http://schemas.microsoft.com/office/drawing/2014/main" id="{E3901148-098C-4991-9FF6-D700013EC2C4}"/>
-              </a:ext>
-              <a:ext uri="{C183D7F6-B498-43B3-948B-1728B52AA6E4}">
-                <adec:decorative xmlns:adec="http://schemas.microsoft.com/office/drawing/2017/decorative" val="1"/>
-              </a:ext>
-            </a:extLst>
-          </p:cNvPr>
-          <p:cNvSpPr/>
-          <p:nvPr/>
-        </p:nvSpPr>
-        <p:spPr>
-          <a:xfrm>
-            <a:off x="3597026" y="8081673"/>
-            <a:ext cx="716400" cy="716400"/>
-          </a:xfrm>
-          <a:prstGeom prst="ellipse">
-            <a:avLst/>
-          </a:prstGeom>
-          <a:solidFill>
-            <a:schemeClr val="bg1">
-              <a:alpha val="30000"/>
-            </a:schemeClr>
-          </a:solidFill>
-          <a:ln>
-            <a:noFill/>
-          </a:ln>
-        </p:spPr>
-        <p:style>
-          <a:lnRef idx="2">
-            <a:schemeClr val="accent1">
-              <a:shade val="50000"/>
-            </a:schemeClr>
-          </a:lnRef>
-          <a:fillRef idx="1">
-            <a:schemeClr val="accent1"/>
-          </a:fillRef>
-          <a:effectRef idx="0">
-            <a:schemeClr val="accent1"/>
-          </a:effectRef>
-          <a:fontRef idx="minor">
-            <a:schemeClr val="lt1"/>
-          </a:fontRef>
-        </p:style>
-        <p:txBody>
-          <a:bodyPr rtlCol="0" anchor="ctr"/>
-          <a:lstStyle/>
-          <a:p>
-            <a:pPr algn="ctr"/>
-            <a:endParaRPr lang="en-US" dirty="0"/>
-          </a:p>
-        </p:txBody>
-      </p:sp>
-      <p:sp>
-        <p:nvSpPr>
-          <p:cNvPr id="476" name="Oval 475">
-            <a:extLst>
-              <a:ext uri="{FF2B5EF4-FFF2-40B4-BE49-F238E27FC236}">
-                <a16:creationId xmlns:a16="http://schemas.microsoft.com/office/drawing/2014/main" id="{E0A55CCA-CB9E-4D01-B9CD-018CCDEAB374}"/>
-              </a:ext>
-              <a:ext uri="{C183D7F6-B498-43B3-948B-1728B52AA6E4}">
-                <adec:decorative xmlns:adec="http://schemas.microsoft.com/office/drawing/2017/decorative" val="1"/>
-              </a:ext>
-            </a:extLst>
-          </p:cNvPr>
-          <p:cNvSpPr/>
-          <p:nvPr/>
-        </p:nvSpPr>
-        <p:spPr>
-          <a:xfrm>
-            <a:off x="1985296" y="7865167"/>
-            <a:ext cx="955829" cy="896345"/>
-          </a:xfrm>
-          <a:prstGeom prst="ellipse">
-            <a:avLst/>
-          </a:prstGeom>
-          <a:solidFill>
-            <a:schemeClr val="accent4">
-              <a:alpha val="80000"/>
-            </a:schemeClr>
-          </a:solidFill>
-          <a:ln>
-            <a:noFill/>
-          </a:ln>
-        </p:spPr>
-        <p:style>
-          <a:lnRef idx="2">
-            <a:schemeClr val="accent1">
-              <a:shade val="50000"/>
-            </a:schemeClr>
-          </a:lnRef>
-          <a:fillRef idx="1">
-            <a:schemeClr val="accent1"/>
-          </a:fillRef>
-          <a:effectRef idx="0">
-            <a:schemeClr val="accent1"/>
-          </a:effectRef>
-          <a:fontRef idx="minor">
-            <a:schemeClr val="lt1"/>
-          </a:fontRef>
-        </p:style>
-        <p:txBody>
-          <a:bodyPr rtlCol="0" anchor="ctr"/>
-          <a:lstStyle/>
-          <a:p>
-            <a:pPr algn="ctr"/>
-            <a:endParaRPr lang="en-US" dirty="0"/>
-          </a:p>
-        </p:txBody>
-      </p:sp>
-      <p:sp>
-        <p:nvSpPr>
-          <p:cNvPr id="477" name="Oval 476">
-            <a:extLst>
-              <a:ext uri="{FF2B5EF4-FFF2-40B4-BE49-F238E27FC236}">
-                <a16:creationId xmlns:a16="http://schemas.microsoft.com/office/drawing/2014/main" id="{649258D8-16E5-42DF-8F24-F85332A8572F}"/>
-              </a:ext>
-              <a:ext uri="{C183D7F6-B498-43B3-948B-1728B52AA6E4}">
-                <adec:decorative xmlns:adec="http://schemas.microsoft.com/office/drawing/2017/decorative" val="1"/>
-              </a:ext>
-            </a:extLst>
-          </p:cNvPr>
-          <p:cNvSpPr/>
-          <p:nvPr/>
-        </p:nvSpPr>
-        <p:spPr>
-          <a:xfrm>
-            <a:off x="2185835" y="6926265"/>
-            <a:ext cx="1661519" cy="1580286"/>
-          </a:xfrm>
-          <a:prstGeom prst="ellipse">
-            <a:avLst/>
-          </a:prstGeom>
-          <a:solidFill>
-            <a:schemeClr val="tx2">
-              <a:alpha val="50000"/>
-            </a:schemeClr>
-          </a:solidFill>
-          <a:ln>
-            <a:noFill/>
-          </a:ln>
-        </p:spPr>
-        <p:style>
-          <a:lnRef idx="2">
-            <a:schemeClr val="accent1">
-              <a:shade val="50000"/>
-            </a:schemeClr>
-          </a:lnRef>
-          <a:fillRef idx="1">
-            <a:schemeClr val="accent1"/>
-          </a:fillRef>
-          <a:effectRef idx="0">
-            <a:schemeClr val="accent1"/>
-          </a:effectRef>
-          <a:fontRef idx="minor">
-            <a:schemeClr val="lt1"/>
-          </a:fontRef>
-        </p:style>
-        <p:txBody>
-          <a:bodyPr rtlCol="0" anchor="ctr"/>
-          <a:lstStyle/>
-          <a:p>
-            <a:pPr algn="ctr"/>
-            <a:endParaRPr lang="en-US" dirty="0"/>
-          </a:p>
-        </p:txBody>
-      </p:sp>
-      <p:sp>
-        <p:nvSpPr>
-          <p:cNvPr id="478" name="Oval 477">
-            <a:extLst>
-              <a:ext uri="{FF2B5EF4-FFF2-40B4-BE49-F238E27FC236}">
-                <a16:creationId xmlns:a16="http://schemas.microsoft.com/office/drawing/2014/main" id="{822BED2B-385D-45D9-BFD9-52A10BBCD4FC}"/>
-              </a:ext>
-              <a:ext uri="{C183D7F6-B498-43B3-948B-1728B52AA6E4}">
-                <adec:decorative xmlns:adec="http://schemas.microsoft.com/office/drawing/2017/decorative" val="1"/>
-              </a:ext>
-            </a:extLst>
-          </p:cNvPr>
-          <p:cNvSpPr/>
-          <p:nvPr/>
-        </p:nvSpPr>
-        <p:spPr>
-          <a:xfrm>
-            <a:off x="3685602" y="7013264"/>
-            <a:ext cx="756000" cy="756000"/>
-          </a:xfrm>
-          <a:prstGeom prst="ellipse">
-            <a:avLst/>
-          </a:prstGeom>
-          <a:solidFill>
-            <a:schemeClr val="bg1">
-              <a:lumMod val="50000"/>
-              <a:alpha val="70000"/>
-            </a:schemeClr>
-          </a:solidFill>
-          <a:ln>
-            <a:noFill/>
-          </a:ln>
-        </p:spPr>
-        <p:style>
-          <a:lnRef idx="2">
-            <a:schemeClr val="accent1">
-              <a:shade val="50000"/>
-            </a:schemeClr>
-          </a:lnRef>
-          <a:fillRef idx="1">
-            <a:schemeClr val="accent1"/>
-          </a:fillRef>
-          <a:effectRef idx="0">
-            <a:schemeClr val="accent1"/>
-          </a:effectRef>
-          <a:fontRef idx="minor">
-            <a:schemeClr val="lt1"/>
-          </a:fontRef>
-        </p:style>
-        <p:txBody>
-          <a:bodyPr rtlCol="0" anchor="ctr"/>
-          <a:lstStyle/>
-          <a:p>
-            <a:pPr algn="ctr"/>
-            <a:endParaRPr lang="en-US" dirty="0"/>
-          </a:p>
-        </p:txBody>
-      </p:sp>
-      <p:sp>
-        <p:nvSpPr>
-          <p:cNvPr id="479" name="Rectangle 478">
-            <a:extLst>
-              <a:ext uri="{FF2B5EF4-FFF2-40B4-BE49-F238E27FC236}">
-                <a16:creationId xmlns:a16="http://schemas.microsoft.com/office/drawing/2014/main" id="{C22FDB23-5756-47B5-BEC0-A117F81D5574}"/>
-              </a:ext>
-              <a:ext uri="{C183D7F6-B498-43B3-948B-1728B52AA6E4}">
-                <adec:decorative xmlns:adec="http://schemas.microsoft.com/office/drawing/2017/decorative" val="1"/>
-              </a:ext>
-            </a:extLst>
-          </p:cNvPr>
-          <p:cNvSpPr/>
-          <p:nvPr/>
-        </p:nvSpPr>
-        <p:spPr>
-          <a:xfrm>
-            <a:off x="3156203" y="5172751"/>
-            <a:ext cx="3464315" cy="280107"/>
-          </a:xfrm>
-          <a:prstGeom prst="rect">
-            <a:avLst/>
-          </a:prstGeom>
-          <a:solidFill>
-            <a:schemeClr val="accent3"/>
-          </a:solidFill>
-          <a:ln>
-            <a:noFill/>
-          </a:ln>
-        </p:spPr>
-        <p:style>
-          <a:lnRef idx="2">
-            <a:schemeClr val="accent1">
-              <a:shade val="50000"/>
-            </a:schemeClr>
-          </a:lnRef>
-          <a:fillRef idx="1">
-            <a:schemeClr val="accent1"/>
-          </a:fillRef>
-          <a:effectRef idx="0">
-            <a:schemeClr val="accent1"/>
-          </a:effectRef>
-          <a:fontRef idx="minor">
-            <a:schemeClr val="lt1"/>
-          </a:fontRef>
-        </p:style>
-        <p:txBody>
-          <a:bodyPr rtlCol="0" anchor="ctr"/>
-          <a:lstStyle/>
-          <a:p>
-            <a:pPr algn="ctr"/>
-            <a:endParaRPr lang="en-US" dirty="0"/>
-          </a:p>
-        </p:txBody>
-      </p:sp>
       <p:pic>
         <p:nvPicPr>
           <p:cNvPr id="481" name="Graphic 480">
@@ -8108,112 +7769,12 @@
           </a:prstGeom>
         </p:spPr>
       </p:pic>
-      <p:sp>
-        <p:nvSpPr>
-          <p:cNvPr id="489" name="Rectangle 488">
-            <a:extLst>
-              <a:ext uri="{FF2B5EF4-FFF2-40B4-BE49-F238E27FC236}">
-                <a16:creationId xmlns:a16="http://schemas.microsoft.com/office/drawing/2014/main" id="{EE520458-D50C-424E-9F43-6280ECAC4AE3}"/>
-              </a:ext>
-              <a:ext uri="{C183D7F6-B498-43B3-948B-1728B52AA6E4}">
-                <adec:decorative xmlns:adec="http://schemas.microsoft.com/office/drawing/2017/decorative" val="1"/>
-              </a:ext>
-            </a:extLst>
-          </p:cNvPr>
-          <p:cNvSpPr/>
-          <p:nvPr/>
-        </p:nvSpPr>
-        <p:spPr>
-          <a:xfrm>
-            <a:off x="1870894" y="5438768"/>
-            <a:ext cx="4749625" cy="190800"/>
-          </a:xfrm>
-          <a:prstGeom prst="rect">
-            <a:avLst/>
-          </a:prstGeom>
-          <a:solidFill>
-            <a:schemeClr val="tx2">
-              <a:alpha val="50000"/>
-            </a:schemeClr>
-          </a:solidFill>
-          <a:ln>
-            <a:noFill/>
-          </a:ln>
-        </p:spPr>
-        <p:style>
-          <a:lnRef idx="2">
-            <a:schemeClr val="accent1">
-              <a:shade val="50000"/>
-            </a:schemeClr>
-          </a:lnRef>
-          <a:fillRef idx="1">
-            <a:schemeClr val="accent1"/>
-          </a:fillRef>
-          <a:effectRef idx="0">
-            <a:schemeClr val="accent1"/>
-          </a:effectRef>
-          <a:fontRef idx="minor">
-            <a:schemeClr val="lt1"/>
-          </a:fontRef>
-        </p:style>
-        <p:txBody>
-          <a:bodyPr rtlCol="0" anchor="ctr"/>
-          <a:lstStyle/>
-          <a:p>
-            <a:pPr algn="ctr"/>
-            <a:endParaRPr lang="en-US" dirty="0"/>
-          </a:p>
-        </p:txBody>
-      </p:sp>
-      <p:cxnSp>
-        <p:nvCxnSpPr>
-          <p:cNvPr id="491" name="Straight Connector 490">
-            <a:extLst>
-              <a:ext uri="{FF2B5EF4-FFF2-40B4-BE49-F238E27FC236}">
-                <a16:creationId xmlns:a16="http://schemas.microsoft.com/office/drawing/2014/main" id="{C7A41420-A625-489C-8137-02028547EE1F}"/>
-              </a:ext>
-            </a:extLst>
-          </p:cNvPr>
-          <p:cNvCxnSpPr>
-            <a:cxnSpLocks/>
-          </p:cNvCxnSpPr>
-          <p:nvPr/>
-        </p:nvCxnSpPr>
-        <p:spPr>
-          <a:xfrm>
-            <a:off x="4578603" y="4836109"/>
-            <a:ext cx="0" cy="260347"/>
-          </a:xfrm>
-          <a:prstGeom prst="line">
-            <a:avLst/>
-          </a:prstGeom>
-          <a:ln w="12700">
-            <a:solidFill>
-              <a:schemeClr val="bg2"/>
-            </a:solidFill>
-          </a:ln>
-        </p:spPr>
-        <p:style>
-          <a:lnRef idx="1">
-            <a:schemeClr val="accent1"/>
-          </a:lnRef>
-          <a:fillRef idx="0">
-            <a:schemeClr val="accent1"/>
-          </a:fillRef>
-          <a:effectRef idx="0">
-            <a:schemeClr val="accent1"/>
-          </a:effectRef>
-          <a:fontRef idx="minor">
-            <a:schemeClr val="tx1"/>
-          </a:fontRef>
-        </p:style>
-      </p:cxnSp>
       <p:pic>
         <p:nvPicPr>
-          <p:cNvPr id="492" name="Graphic 491">
-            <a:extLst>
-              <a:ext uri="{FF2B5EF4-FFF2-40B4-BE49-F238E27FC236}">
-                <a16:creationId xmlns:a16="http://schemas.microsoft.com/office/drawing/2014/main" id="{85C2B050-C6EA-4357-9F63-18670C13B812}"/>
+          <p:cNvPr id="495" name="Graphic 494">
+            <a:extLst>
+              <a:ext uri="{FF2B5EF4-FFF2-40B4-BE49-F238E27FC236}">
+                <a16:creationId xmlns:a16="http://schemas.microsoft.com/office/drawing/2014/main" id="{0172C8C3-E8EE-4230-BA68-88C5EE899508}"/>
               </a:ext>
               <a:ext uri="{C183D7F6-B498-43B3-948B-1728B52AA6E4}">
                 <adec:decorative xmlns:adec="http://schemas.microsoft.com/office/drawing/2017/decorative" val="1"/>
@@ -8230,45 +7791,6 @@
             <a:extLst>
               <a:ext uri="{96DAC541-7B7A-43D3-8B79-37D633B846F1}">
                 <asvg:svgBlip xmlns:asvg="http://schemas.microsoft.com/office/drawing/2016/SVG/main" r:embed="rId9"/>
-              </a:ext>
-            </a:extLst>
-          </a:blip>
-          <a:stretch>
-            <a:fillRect/>
-          </a:stretch>
-        </p:blipFill>
-        <p:spPr>
-          <a:xfrm>
-            <a:off x="4521429" y="4723360"/>
-            <a:ext cx="118800" cy="118800"/>
-          </a:xfrm>
-          <a:prstGeom prst="rect">
-            <a:avLst/>
-          </a:prstGeom>
-        </p:spPr>
-      </p:pic>
-      <p:pic>
-        <p:nvPicPr>
-          <p:cNvPr id="495" name="Graphic 494">
-            <a:extLst>
-              <a:ext uri="{FF2B5EF4-FFF2-40B4-BE49-F238E27FC236}">
-                <a16:creationId xmlns:a16="http://schemas.microsoft.com/office/drawing/2014/main" id="{0172C8C3-E8EE-4230-BA68-88C5EE899508}"/>
-              </a:ext>
-              <a:ext uri="{C183D7F6-B498-43B3-948B-1728B52AA6E4}">
-                <adec:decorative xmlns:adec="http://schemas.microsoft.com/office/drawing/2017/decorative" val="1"/>
-              </a:ext>
-            </a:extLst>
-          </p:cNvPr>
-          <p:cNvPicPr>
-            <a:picLocks noChangeAspect="1"/>
-          </p:cNvPicPr>
-          <p:nvPr/>
-        </p:nvPicPr>
-        <p:blipFill>
-          <a:blip r:embed="rId10" cstate="print">
-            <a:extLst>
-              <a:ext uri="{96DAC541-7B7A-43D3-8B79-37D633B846F1}">
-                <asvg:svgBlip xmlns:asvg="http://schemas.microsoft.com/office/drawing/2016/SVG/main" r:embed="rId11"/>
               </a:ext>
             </a:extLst>
           </a:blip>
@@ -8304,10 +7826,10 @@
           <p:nvPr/>
         </p:nvPicPr>
         <p:blipFill>
-          <a:blip r:embed="rId12" cstate="print">
+          <a:blip r:embed="rId10" cstate="print">
             <a:extLst>
               <a:ext uri="{96DAC541-7B7A-43D3-8B79-37D633B846F1}">
-                <asvg:svgBlip xmlns:asvg="http://schemas.microsoft.com/office/drawing/2016/SVG/main" r:embed="rId13"/>
+                <asvg:svgBlip xmlns:asvg="http://schemas.microsoft.com/office/drawing/2016/SVG/main" r:embed="rId11"/>
               </a:ext>
             </a:extLst>
           </a:blip>
@@ -8435,10 +7957,10 @@
           <p:nvPr/>
         </p:nvPicPr>
         <p:blipFill>
-          <a:blip r:embed="rId14" cstate="print">
+          <a:blip r:embed="rId12" cstate="print">
             <a:extLst>
               <a:ext uri="{96DAC541-7B7A-43D3-8B79-37D633B846F1}">
-                <asvg:svgBlip xmlns:asvg="http://schemas.microsoft.com/office/drawing/2016/SVG/main" r:embed="rId15"/>
+                <asvg:svgBlip xmlns:asvg="http://schemas.microsoft.com/office/drawing/2016/SVG/main" r:embed="rId13"/>
               </a:ext>
             </a:extLst>
           </a:blip>
@@ -8612,10 +8134,10 @@
           <p:nvPr/>
         </p:nvPicPr>
         <p:blipFill>
-          <a:blip r:embed="rId16" cstate="print">
+          <a:blip r:embed="rId14" cstate="print">
             <a:extLst>
               <a:ext uri="{96DAC541-7B7A-43D3-8B79-37D633B846F1}">
-                <asvg:svgBlip xmlns:asvg="http://schemas.microsoft.com/office/drawing/2016/SVG/main" r:embed="rId17"/>
+                <asvg:svgBlip xmlns:asvg="http://schemas.microsoft.com/office/drawing/2016/SVG/main" r:embed="rId15"/>
               </a:ext>
             </a:extLst>
           </a:blip>
@@ -8651,10 +8173,10 @@
           <p:nvPr/>
         </p:nvPicPr>
         <p:blipFill>
-          <a:blip r:embed="rId18" cstate="print">
+          <a:blip r:embed="rId16" cstate="print">
             <a:extLst>
               <a:ext uri="{96DAC541-7B7A-43D3-8B79-37D633B846F1}">
-                <asvg:svgBlip xmlns:asvg="http://schemas.microsoft.com/office/drawing/2016/SVG/main" r:embed="rId19"/>
+                <asvg:svgBlip xmlns:asvg="http://schemas.microsoft.com/office/drawing/2016/SVG/main" r:embed="rId17"/>
               </a:ext>
             </a:extLst>
           </a:blip>
@@ -8690,10 +8212,10 @@
           <p:nvPr/>
         </p:nvPicPr>
         <p:blipFill>
-          <a:blip r:embed="rId20" cstate="print">
+          <a:blip r:embed="rId18" cstate="print">
             <a:extLst>
               <a:ext uri="{96DAC541-7B7A-43D3-8B79-37D633B846F1}">
-                <asvg:svgBlip xmlns:asvg="http://schemas.microsoft.com/office/drawing/2016/SVG/main" r:embed="rId21"/>
+                <asvg:svgBlip xmlns:asvg="http://schemas.microsoft.com/office/drawing/2016/SVG/main" r:embed="rId19"/>
               </a:ext>
             </a:extLst>
           </a:blip>
@@ -8729,10 +8251,10 @@
           <p:nvPr/>
         </p:nvPicPr>
         <p:blipFill>
-          <a:blip r:embed="rId22" cstate="print">
+          <a:blip r:embed="rId20" cstate="print">
             <a:extLst>
               <a:ext uri="{96DAC541-7B7A-43D3-8B79-37D633B846F1}">
-                <asvg:svgBlip xmlns:asvg="http://schemas.microsoft.com/office/drawing/2016/SVG/main" r:embed="rId23"/>
+                <asvg:svgBlip xmlns:asvg="http://schemas.microsoft.com/office/drawing/2016/SVG/main" r:embed="rId21"/>
               </a:ext>
             </a:extLst>
           </a:blip>
@@ -8893,8 +8415,8 @@
         </p:nvSpPr>
         <p:spPr>
           <a:xfrm>
-            <a:off x="1870474" y="1880505"/>
-            <a:ext cx="2920580" cy="1138091"/>
+            <a:off x="1871201" y="1927622"/>
+            <a:ext cx="2767463" cy="1138091"/>
           </a:xfrm>
         </p:spPr>
         <p:txBody>
@@ -8902,9 +8424,48 @@
           <a:lstStyle/>
           <a:p>
             <a:r>
-              <a:rPr lang="en-US" dirty="0"/>
-              <a:t>I am an avid, ambitious, and hardworking individual. I am a tech entrepreneur who always thinks about how to solve real-life problems using high-end technology. I am committed to making society free from problems by making every possible business with inherent features – Transparency, Incentivization &amp; Decision-making rights. </a:t>
-            </a:r>
+              <a:rPr lang="en-US" b="0" i="0" dirty="0">
+                <a:solidFill>
+                  <a:schemeClr val="bg1">
+                    <a:lumMod val="75000"/>
+                  </a:schemeClr>
+                </a:solidFill>
+                <a:effectLst/>
+                <a:latin typeface="Whitney"/>
+              </a:rPr>
+              <a:t>I am a Blockchain Developer with 6 years of experience as CTO, Lead Smart contract Developer in multiple crypto startups, projects related to NFT, </a:t>
+            </a:r>
+            <a:r>
+              <a:rPr lang="en-US" b="0" i="0" dirty="0" err="1">
+                <a:solidFill>
+                  <a:schemeClr val="bg1">
+                    <a:lumMod val="75000"/>
+                  </a:schemeClr>
+                </a:solidFill>
+                <a:effectLst/>
+                <a:latin typeface="Whitney"/>
+              </a:rPr>
+              <a:t>DeFi</a:t>
+            </a:r>
+            <a:r>
+              <a:rPr lang="en-US" b="0" i="0" dirty="0">
+                <a:solidFill>
+                  <a:schemeClr val="bg1">
+                    <a:lumMod val="75000"/>
+                  </a:schemeClr>
+                </a:solidFill>
+                <a:effectLst/>
+                <a:latin typeface="Whitney"/>
+              </a:rPr>
+              <a:t>, Betting game and also in utility category. I hold multi-chain experience with leading Blockchain protocols like EOSIO, EVM. </a:t>
+            </a:r>
+            <a:endParaRPr lang="en-US" dirty="0">
+              <a:solidFill>
+                <a:schemeClr val="bg1">
+                  <a:lumMod val="75000"/>
+                </a:schemeClr>
+              </a:solidFill>
+            </a:endParaRPr>
           </a:p>
         </p:txBody>
       </p:sp>
@@ -9042,369 +8603,6 @@
       </p:sp>
       <p:sp>
         <p:nvSpPr>
-          <p:cNvPr id="294" name="Text Placeholder 293">
-            <a:extLst>
-              <a:ext uri="{FF2B5EF4-FFF2-40B4-BE49-F238E27FC236}">
-                <a16:creationId xmlns:a16="http://schemas.microsoft.com/office/drawing/2014/main" id="{5EFE88A3-A2A5-4E07-B36C-2C20CD679075}"/>
-              </a:ext>
-            </a:extLst>
-          </p:cNvPr>
-          <p:cNvSpPr>
-            <a:spLocks noGrp="1"/>
-          </p:cNvSpPr>
-          <p:nvPr>
-            <p:ph type="body" sz="quarter" idx="37"/>
-          </p:nvPr>
-        </p:nvSpPr>
-        <p:spPr>
-          <a:xfrm>
-            <a:off x="1832647" y="5438767"/>
-            <a:ext cx="402035" cy="209381"/>
-          </a:xfrm>
-        </p:spPr>
-        <p:txBody>
-          <a:bodyPr/>
-          <a:lstStyle/>
-          <a:p>
-            <a:r>
-              <a:rPr lang="en-US" dirty="0"/>
-              <a:t>2014</a:t>
-            </a:r>
-          </a:p>
-        </p:txBody>
-      </p:sp>
-      <p:sp>
-        <p:nvSpPr>
-          <p:cNvPr id="296" name="Text Placeholder 295">
-            <a:extLst>
-              <a:ext uri="{FF2B5EF4-FFF2-40B4-BE49-F238E27FC236}">
-                <a16:creationId xmlns:a16="http://schemas.microsoft.com/office/drawing/2014/main" id="{F664C713-F589-4B7A-AC1A-6D597E44B701}"/>
-              </a:ext>
-            </a:extLst>
-          </p:cNvPr>
-          <p:cNvSpPr>
-            <a:spLocks noGrp="1"/>
-          </p:cNvSpPr>
-          <p:nvPr>
-            <p:ph type="body" sz="quarter" idx="39"/>
-          </p:nvPr>
-        </p:nvSpPr>
-        <p:spPr>
-          <a:xfrm>
-            <a:off x="2378598" y="5438767"/>
-            <a:ext cx="402035" cy="209381"/>
-          </a:xfrm>
-        </p:spPr>
-        <p:txBody>
-          <a:bodyPr/>
-          <a:lstStyle/>
-          <a:p>
-            <a:r>
-              <a:rPr lang="en-US" dirty="0"/>
-              <a:t>2015</a:t>
-            </a:r>
-          </a:p>
-        </p:txBody>
-      </p:sp>
-      <p:sp>
-        <p:nvSpPr>
-          <p:cNvPr id="297" name="Text Placeholder 296">
-            <a:extLst>
-              <a:ext uri="{FF2B5EF4-FFF2-40B4-BE49-F238E27FC236}">
-                <a16:creationId xmlns:a16="http://schemas.microsoft.com/office/drawing/2014/main" id="{14BCC41B-70D1-4570-96BA-754EA7EB2C4A}"/>
-              </a:ext>
-            </a:extLst>
-          </p:cNvPr>
-          <p:cNvSpPr>
-            <a:spLocks noGrp="1"/>
-          </p:cNvSpPr>
-          <p:nvPr>
-            <p:ph type="body" sz="quarter" idx="40"/>
-          </p:nvPr>
-        </p:nvSpPr>
-        <p:spPr>
-          <a:xfrm>
-            <a:off x="2987238" y="5438767"/>
-            <a:ext cx="402035" cy="209381"/>
-          </a:xfrm>
-        </p:spPr>
-        <p:txBody>
-          <a:bodyPr/>
-          <a:lstStyle/>
-          <a:p>
-            <a:r>
-              <a:rPr lang="en-US" dirty="0"/>
-              <a:t>2016</a:t>
-            </a:r>
-          </a:p>
-        </p:txBody>
-      </p:sp>
-      <p:sp>
-        <p:nvSpPr>
-          <p:cNvPr id="298" name="Text Placeholder 297">
-            <a:extLst>
-              <a:ext uri="{FF2B5EF4-FFF2-40B4-BE49-F238E27FC236}">
-                <a16:creationId xmlns:a16="http://schemas.microsoft.com/office/drawing/2014/main" id="{F18C77C8-D80E-4C4D-9C8A-AC1CE40AF61A}"/>
-              </a:ext>
-            </a:extLst>
-          </p:cNvPr>
-          <p:cNvSpPr>
-            <a:spLocks noGrp="1"/>
-          </p:cNvSpPr>
-          <p:nvPr>
-            <p:ph type="body" sz="quarter" idx="41"/>
-          </p:nvPr>
-        </p:nvSpPr>
-        <p:spPr>
-          <a:xfrm>
-            <a:off x="3549581" y="5438767"/>
-            <a:ext cx="402035" cy="209381"/>
-          </a:xfrm>
-        </p:spPr>
-        <p:txBody>
-          <a:bodyPr/>
-          <a:lstStyle/>
-          <a:p>
-            <a:r>
-              <a:rPr lang="en-US" dirty="0"/>
-              <a:t>2017</a:t>
-            </a:r>
-          </a:p>
-        </p:txBody>
-      </p:sp>
-      <p:sp>
-        <p:nvSpPr>
-          <p:cNvPr id="299" name="Text Placeholder 298">
-            <a:extLst>
-              <a:ext uri="{FF2B5EF4-FFF2-40B4-BE49-F238E27FC236}">
-                <a16:creationId xmlns:a16="http://schemas.microsoft.com/office/drawing/2014/main" id="{FCC16DE4-084C-42CC-AABB-36D2DDF39269}"/>
-              </a:ext>
-            </a:extLst>
-          </p:cNvPr>
-          <p:cNvSpPr>
-            <a:spLocks noGrp="1"/>
-          </p:cNvSpPr>
-          <p:nvPr>
-            <p:ph type="body" sz="quarter" idx="42"/>
-          </p:nvPr>
-        </p:nvSpPr>
-        <p:spPr>
-          <a:xfrm>
-            <a:off x="4088773" y="5438767"/>
-            <a:ext cx="402035" cy="209381"/>
-          </a:xfrm>
-        </p:spPr>
-        <p:txBody>
-          <a:bodyPr/>
-          <a:lstStyle/>
-          <a:p>
-            <a:r>
-              <a:rPr lang="en-US" dirty="0"/>
-              <a:t>2018</a:t>
-            </a:r>
-          </a:p>
-        </p:txBody>
-      </p:sp>
-      <p:sp>
-        <p:nvSpPr>
-          <p:cNvPr id="300" name="Text Placeholder 299">
-            <a:extLst>
-              <a:ext uri="{FF2B5EF4-FFF2-40B4-BE49-F238E27FC236}">
-                <a16:creationId xmlns:a16="http://schemas.microsoft.com/office/drawing/2014/main" id="{7113EE21-E62E-4A37-BF8D-89DB2ADF25E9}"/>
-              </a:ext>
-            </a:extLst>
-          </p:cNvPr>
-          <p:cNvSpPr>
-            <a:spLocks noGrp="1"/>
-          </p:cNvSpPr>
-          <p:nvPr>
-            <p:ph type="body" sz="quarter" idx="43"/>
-          </p:nvPr>
-        </p:nvSpPr>
-        <p:spPr>
-          <a:xfrm>
-            <a:off x="4685842" y="5438767"/>
-            <a:ext cx="402035" cy="209381"/>
-          </a:xfrm>
-        </p:spPr>
-        <p:txBody>
-          <a:bodyPr/>
-          <a:lstStyle/>
-          <a:p>
-            <a:r>
-              <a:rPr lang="en-US" dirty="0"/>
-              <a:t>2019</a:t>
-            </a:r>
-          </a:p>
-        </p:txBody>
-      </p:sp>
-      <p:sp>
-        <p:nvSpPr>
-          <p:cNvPr id="301" name="Text Placeholder 300">
-            <a:extLst>
-              <a:ext uri="{FF2B5EF4-FFF2-40B4-BE49-F238E27FC236}">
-                <a16:creationId xmlns:a16="http://schemas.microsoft.com/office/drawing/2014/main" id="{0BADFAA7-1DF4-4C05-B287-481C739E56B0}"/>
-              </a:ext>
-            </a:extLst>
-          </p:cNvPr>
-          <p:cNvSpPr>
-            <a:spLocks noGrp="1"/>
-          </p:cNvSpPr>
-          <p:nvPr>
-            <p:ph type="body" sz="quarter" idx="44"/>
-          </p:nvPr>
-        </p:nvSpPr>
-        <p:spPr>
-          <a:xfrm>
-            <a:off x="5201886" y="5438767"/>
-            <a:ext cx="402035" cy="209381"/>
-          </a:xfrm>
-        </p:spPr>
-        <p:txBody>
-          <a:bodyPr/>
-          <a:lstStyle/>
-          <a:p>
-            <a:r>
-              <a:rPr lang="en-US" dirty="0"/>
-              <a:t>2020</a:t>
-            </a:r>
-          </a:p>
-        </p:txBody>
-      </p:sp>
-      <p:sp>
-        <p:nvSpPr>
-          <p:cNvPr id="302" name="Text Placeholder 301">
-            <a:extLst>
-              <a:ext uri="{FF2B5EF4-FFF2-40B4-BE49-F238E27FC236}">
-                <a16:creationId xmlns:a16="http://schemas.microsoft.com/office/drawing/2014/main" id="{2F047CDD-1EFE-44AD-AA28-CBFAA8C18A50}"/>
-              </a:ext>
-            </a:extLst>
-          </p:cNvPr>
-          <p:cNvSpPr>
-            <a:spLocks noGrp="1"/>
-          </p:cNvSpPr>
-          <p:nvPr>
-            <p:ph type="body" sz="quarter" idx="45"/>
-          </p:nvPr>
-        </p:nvSpPr>
-        <p:spPr>
-          <a:xfrm>
-            <a:off x="5798953" y="5438767"/>
-            <a:ext cx="402035" cy="209381"/>
-          </a:xfrm>
-        </p:spPr>
-        <p:txBody>
-          <a:bodyPr/>
-          <a:lstStyle/>
-          <a:p>
-            <a:r>
-              <a:rPr lang="en-US" dirty="0"/>
-              <a:t>2021</a:t>
-            </a:r>
-          </a:p>
-        </p:txBody>
-      </p:sp>
-      <p:sp>
-        <p:nvSpPr>
-          <p:cNvPr id="304" name="Text Placeholder 303">
-            <a:extLst>
-              <a:ext uri="{FF2B5EF4-FFF2-40B4-BE49-F238E27FC236}">
-                <a16:creationId xmlns:a16="http://schemas.microsoft.com/office/drawing/2014/main" id="{5D0E4F81-2C6D-40AF-8794-E6B46A64E74C}"/>
-              </a:ext>
-            </a:extLst>
-          </p:cNvPr>
-          <p:cNvSpPr>
-            <a:spLocks noGrp="1"/>
-          </p:cNvSpPr>
-          <p:nvPr>
-            <p:ph type="body" sz="quarter" idx="47"/>
-          </p:nvPr>
-        </p:nvSpPr>
-        <p:spPr>
-          <a:xfrm>
-            <a:off x="3156204" y="5202755"/>
-            <a:ext cx="3210980" cy="213403"/>
-          </a:xfrm>
-        </p:spPr>
-        <p:txBody>
-          <a:bodyPr/>
-          <a:lstStyle/>
-          <a:p>
-            <a:r>
-              <a:rPr lang="en-US" dirty="0"/>
-              <a:t>Blockchain Developer</a:t>
-            </a:r>
-          </a:p>
-        </p:txBody>
-      </p:sp>
-      <p:sp>
-        <p:nvSpPr>
-          <p:cNvPr id="310" name="Text Placeholder 309">
-            <a:extLst>
-              <a:ext uri="{FF2B5EF4-FFF2-40B4-BE49-F238E27FC236}">
-                <a16:creationId xmlns:a16="http://schemas.microsoft.com/office/drawing/2014/main" id="{16FC99BB-7F63-43D0-B247-628D41F5C0BF}"/>
-              </a:ext>
-            </a:extLst>
-          </p:cNvPr>
-          <p:cNvSpPr>
-            <a:spLocks noGrp="1"/>
-          </p:cNvSpPr>
-          <p:nvPr>
-            <p:ph type="body" sz="quarter" idx="53"/>
-          </p:nvPr>
-        </p:nvSpPr>
-        <p:spPr>
-          <a:xfrm>
-            <a:off x="2975503" y="5901930"/>
-            <a:ext cx="2411738" cy="132055"/>
-          </a:xfrm>
-        </p:spPr>
-        <p:txBody>
-          <a:bodyPr/>
-          <a:lstStyle/>
-          <a:p>
-            <a:r>
-              <a:rPr lang="en-US" dirty="0"/>
-              <a:t>Scientist/Engineer ‘SD’, Data Scientist</a:t>
-            </a:r>
-          </a:p>
-        </p:txBody>
-      </p:sp>
-      <p:sp>
-        <p:nvSpPr>
-          <p:cNvPr id="311" name="Text Placeholder 310">
-            <a:extLst>
-              <a:ext uri="{FF2B5EF4-FFF2-40B4-BE49-F238E27FC236}">
-                <a16:creationId xmlns:a16="http://schemas.microsoft.com/office/drawing/2014/main" id="{1F593137-3E09-42CE-89A2-DA077A30DF26}"/>
-              </a:ext>
-            </a:extLst>
-          </p:cNvPr>
-          <p:cNvSpPr>
-            <a:spLocks noGrp="1"/>
-          </p:cNvSpPr>
-          <p:nvPr>
-            <p:ph type="body" sz="quarter" idx="54"/>
-          </p:nvPr>
-        </p:nvSpPr>
-        <p:spPr>
-          <a:xfrm>
-            <a:off x="3063002" y="5709641"/>
-            <a:ext cx="2219364" cy="190800"/>
-          </a:xfrm>
-        </p:spPr>
-        <p:txBody>
-          <a:bodyPr/>
-          <a:lstStyle/>
-          <a:p>
-            <a:r>
-              <a:rPr lang="en-US" dirty="0"/>
-              <a:t>Semiconductor Laboratory, ISRO</a:t>
-            </a:r>
-          </a:p>
-        </p:txBody>
-      </p:sp>
-      <p:sp>
-        <p:nvSpPr>
           <p:cNvPr id="316" name="Text Placeholder 315">
             <a:extLst>
               <a:ext uri="{FF2B5EF4-FFF2-40B4-BE49-F238E27FC236}">
@@ -9455,250 +8653,6 @@
             <a:r>
               <a:rPr lang="en-US" dirty="0"/>
               <a:t>SKILLS</a:t>
-            </a:r>
-          </a:p>
-        </p:txBody>
-      </p:sp>
-      <p:sp>
-        <p:nvSpPr>
-          <p:cNvPr id="318" name="Text Placeholder 317">
-            <a:extLst>
-              <a:ext uri="{FF2B5EF4-FFF2-40B4-BE49-F238E27FC236}">
-                <a16:creationId xmlns:a16="http://schemas.microsoft.com/office/drawing/2014/main" id="{5FA9AC6A-5C5B-4A61-9403-F15C565735CC}"/>
-              </a:ext>
-            </a:extLst>
-          </p:cNvPr>
-          <p:cNvSpPr>
-            <a:spLocks noGrp="1"/>
-          </p:cNvSpPr>
-          <p:nvPr>
-            <p:ph type="body" sz="quarter" idx="61"/>
-          </p:nvPr>
-        </p:nvSpPr>
-        <p:spPr/>
-        <p:txBody>
-          <a:bodyPr/>
-          <a:lstStyle/>
-          <a:p>
-            <a:r>
-              <a:rPr lang="en-US" dirty="0"/>
-              <a:t>70</a:t>
-            </a:r>
-          </a:p>
-        </p:txBody>
-      </p:sp>
-      <p:sp>
-        <p:nvSpPr>
-          <p:cNvPr id="319" name="Text Placeholder 318">
-            <a:extLst>
-              <a:ext uri="{FF2B5EF4-FFF2-40B4-BE49-F238E27FC236}">
-                <a16:creationId xmlns:a16="http://schemas.microsoft.com/office/drawing/2014/main" id="{35BABFC2-4A18-4F93-8CFE-DEBB7EAD5BE8}"/>
-              </a:ext>
-            </a:extLst>
-          </p:cNvPr>
-          <p:cNvSpPr>
-            <a:spLocks noGrp="1"/>
-          </p:cNvSpPr>
-          <p:nvPr>
-            <p:ph type="body" sz="quarter" idx="62"/>
-          </p:nvPr>
-        </p:nvSpPr>
-        <p:spPr>
-          <a:xfrm>
-            <a:off x="2778282" y="7613222"/>
-            <a:ext cx="818372" cy="433003"/>
-          </a:xfrm>
-        </p:spPr>
-        <p:txBody>
-          <a:bodyPr/>
-          <a:lstStyle/>
-          <a:p>
-            <a:r>
-              <a:rPr lang="en-US" dirty="0"/>
-              <a:t>Blockchain</a:t>
-            </a:r>
-          </a:p>
-        </p:txBody>
-      </p:sp>
-      <p:sp>
-        <p:nvSpPr>
-          <p:cNvPr id="320" name="Text Placeholder 319">
-            <a:extLst>
-              <a:ext uri="{FF2B5EF4-FFF2-40B4-BE49-F238E27FC236}">
-                <a16:creationId xmlns:a16="http://schemas.microsoft.com/office/drawing/2014/main" id="{09EE285B-7A2E-43D4-91E9-F62CE0DEEE42}"/>
-              </a:ext>
-            </a:extLst>
-          </p:cNvPr>
-          <p:cNvSpPr>
-            <a:spLocks noGrp="1"/>
-          </p:cNvSpPr>
-          <p:nvPr>
-            <p:ph type="body" sz="quarter" idx="63"/>
-          </p:nvPr>
-        </p:nvSpPr>
-        <p:spPr>
-          <a:xfrm>
-            <a:off x="3719746" y="6977551"/>
-            <a:ext cx="600008" cy="433003"/>
-          </a:xfrm>
-        </p:spPr>
-        <p:txBody>
-          <a:bodyPr/>
-          <a:lstStyle/>
-          <a:p>
-            <a:r>
-              <a:rPr lang="en-US" dirty="0"/>
-              <a:t>5</a:t>
-            </a:r>
-          </a:p>
-        </p:txBody>
-      </p:sp>
-      <p:sp>
-        <p:nvSpPr>
-          <p:cNvPr id="321" name="Text Placeholder 320">
-            <a:extLst>
-              <a:ext uri="{FF2B5EF4-FFF2-40B4-BE49-F238E27FC236}">
-                <a16:creationId xmlns:a16="http://schemas.microsoft.com/office/drawing/2014/main" id="{E5427A6A-EEE3-4912-BDAE-52AC53E7C5C7}"/>
-              </a:ext>
-            </a:extLst>
-          </p:cNvPr>
-          <p:cNvSpPr>
-            <a:spLocks noGrp="1"/>
-          </p:cNvSpPr>
-          <p:nvPr>
-            <p:ph type="body" sz="quarter" idx="64"/>
-          </p:nvPr>
-        </p:nvSpPr>
-        <p:spPr>
-          <a:xfrm>
-            <a:off x="3747564" y="7274926"/>
-            <a:ext cx="732129" cy="240123"/>
-          </a:xfrm>
-        </p:spPr>
-        <p:txBody>
-          <a:bodyPr/>
-          <a:lstStyle/>
-          <a:p>
-            <a:r>
-              <a:rPr lang="en-US" dirty="0"/>
-              <a:t>Cross-Platform App Dev</a:t>
-            </a:r>
-          </a:p>
-        </p:txBody>
-      </p:sp>
-      <p:sp>
-        <p:nvSpPr>
-          <p:cNvPr id="322" name="Text Placeholder 321">
-            <a:extLst>
-              <a:ext uri="{FF2B5EF4-FFF2-40B4-BE49-F238E27FC236}">
-                <a16:creationId xmlns:a16="http://schemas.microsoft.com/office/drawing/2014/main" id="{1A25A281-38A4-440A-BE2F-D7604793E94B}"/>
-              </a:ext>
-            </a:extLst>
-          </p:cNvPr>
-          <p:cNvSpPr>
-            <a:spLocks noGrp="1"/>
-          </p:cNvSpPr>
-          <p:nvPr>
-            <p:ph type="body" sz="quarter" idx="65"/>
-          </p:nvPr>
-        </p:nvSpPr>
-        <p:spPr/>
-        <p:txBody>
-          <a:bodyPr/>
-          <a:lstStyle/>
-          <a:p>
-            <a:r>
-              <a:rPr lang="en-US" dirty="0"/>
-              <a:t>15</a:t>
-            </a:r>
-          </a:p>
-        </p:txBody>
-      </p:sp>
-      <p:sp>
-        <p:nvSpPr>
-          <p:cNvPr id="323" name="Text Placeholder 322">
-            <a:extLst>
-              <a:ext uri="{FF2B5EF4-FFF2-40B4-BE49-F238E27FC236}">
-                <a16:creationId xmlns:a16="http://schemas.microsoft.com/office/drawing/2014/main" id="{12A65C3D-E470-4A21-AA1D-E60C165A52C6}"/>
-              </a:ext>
-            </a:extLst>
-          </p:cNvPr>
-          <p:cNvSpPr>
-            <a:spLocks noGrp="1"/>
-          </p:cNvSpPr>
-          <p:nvPr>
-            <p:ph type="body" sz="quarter" idx="66"/>
-          </p:nvPr>
-        </p:nvSpPr>
-        <p:spPr>
-          <a:xfrm>
-            <a:off x="3610049" y="8471476"/>
-            <a:ext cx="709391" cy="263473"/>
-          </a:xfrm>
-        </p:spPr>
-        <p:txBody>
-          <a:bodyPr/>
-          <a:lstStyle/>
-          <a:p>
-            <a:r>
-              <a:rPr lang="en-US" dirty="0"/>
-              <a:t>Data Science</a:t>
-            </a:r>
-          </a:p>
-        </p:txBody>
-      </p:sp>
-      <p:sp>
-        <p:nvSpPr>
-          <p:cNvPr id="324" name="Text Placeholder 323">
-            <a:extLst>
-              <a:ext uri="{FF2B5EF4-FFF2-40B4-BE49-F238E27FC236}">
-                <a16:creationId xmlns:a16="http://schemas.microsoft.com/office/drawing/2014/main" id="{46BACFD7-92FA-4310-80D7-3A3CD2D3A802}"/>
-              </a:ext>
-            </a:extLst>
-          </p:cNvPr>
-          <p:cNvSpPr>
-            <a:spLocks noGrp="1"/>
-          </p:cNvSpPr>
-          <p:nvPr>
-            <p:ph type="body" sz="quarter" idx="67"/>
-          </p:nvPr>
-        </p:nvSpPr>
-        <p:spPr/>
-        <p:txBody>
-          <a:bodyPr/>
-          <a:lstStyle/>
-          <a:p>
-            <a:r>
-              <a:rPr lang="en-US" dirty="0"/>
-              <a:t>10</a:t>
-            </a:r>
-          </a:p>
-        </p:txBody>
-      </p:sp>
-      <p:sp>
-        <p:nvSpPr>
-          <p:cNvPr id="325" name="Text Placeholder 324">
-            <a:extLst>
-              <a:ext uri="{FF2B5EF4-FFF2-40B4-BE49-F238E27FC236}">
-                <a16:creationId xmlns:a16="http://schemas.microsoft.com/office/drawing/2014/main" id="{364F0AC9-FB9F-414E-B6B7-172A3DB70FE1}"/>
-              </a:ext>
-            </a:extLst>
-          </p:cNvPr>
-          <p:cNvSpPr>
-            <a:spLocks noGrp="1"/>
-          </p:cNvSpPr>
-          <p:nvPr>
-            <p:ph type="body" sz="quarter" idx="68"/>
-          </p:nvPr>
-        </p:nvSpPr>
-        <p:spPr/>
-        <p:txBody>
-          <a:bodyPr/>
-          <a:lstStyle/>
-          <a:p>
-            <a:r>
-              <a:rPr lang="en-US" dirty="0"/>
-              <a:t>Bot</a:t>
             </a:r>
           </a:p>
         </p:txBody>
@@ -9764,7 +8718,7 @@
           <a:p>
             <a:r>
               <a:rPr lang="en-US" dirty="0"/>
-              <a:t>MS EXCEL AUTOMATION</a:t>
+              <a:t>SOLIDITY Language</a:t>
             </a:r>
           </a:p>
         </p:txBody>
@@ -9830,7 +8784,7 @@
           <a:p>
             <a:r>
               <a:rPr lang="en-US" dirty="0"/>
-              <a:t>UI/UX DESIGN TOOLS</a:t>
+              <a:t>EOSIO C/C++  </a:t>
             </a:r>
           </a:p>
         </p:txBody>
@@ -9863,7 +8817,7 @@
           <a:p>
             <a:r>
               <a:rPr lang="en-US" dirty="0"/>
-              <a:t>MS POWERPOINT ANIMATION</a:t>
+              <a:t>PYTHON</a:t>
             </a:r>
           </a:p>
         </p:txBody>
@@ -10209,7 +9163,7 @@
           <a:p>
             <a:r>
               <a:rPr lang="en-US" sz="1000" spc="-30" dirty="0">
-                <a:hlinkClick r:id="rId24">
+                <a:hlinkClick r:id="rId22">
                   <a:extLst>
                     <a:ext uri="{A12FA001-AC4F-418D-AE19-62706E023703}">
                       <ahyp:hlinkClr xmlns:ahyp="http://schemas.microsoft.com/office/drawing/2018/hyperlinkcolor" val="tx"/>
@@ -10302,7 +9256,7 @@
           <a:p>
             <a:r>
               <a:rPr lang="en-US" sz="1000" dirty="0">
-                <a:hlinkClick r:id="rId25">
+                <a:hlinkClick r:id="rId23">
                   <a:extLst>
                     <a:ext uri="{A12FA001-AC4F-418D-AE19-62706E023703}">
                       <ahyp:hlinkClr xmlns:ahyp="http://schemas.microsoft.com/office/drawing/2018/hyperlinkcolor" val="tx"/>
@@ -11920,7 +10874,7 @@
               <a:avLst/>
             </a:prstGeom>
             <a:solidFill>
-              <a:schemeClr val="tx2"/>
+              <a:schemeClr val="accent3"/>
             </a:solidFill>
             <a:ln>
               <a:noFill/>
@@ -13098,7 +12052,7 @@
               <a:avLst/>
             </a:prstGeom>
             <a:solidFill>
-              <a:schemeClr val="accent3"/>
+              <a:schemeClr val="tx2"/>
             </a:solidFill>
             <a:ln>
               <a:noFill/>
@@ -13632,7 +12586,7 @@
               <a:avLst/>
             </a:prstGeom>
             <a:solidFill>
-              <a:schemeClr val="accent3"/>
+              <a:schemeClr val="tx2"/>
             </a:solidFill>
             <a:ln>
               <a:noFill/>
@@ -13800,7 +12754,7 @@
           </p:nvPr>
         </p:nvPicPr>
         <p:blipFill>
-          <a:blip r:embed="rId26" cstate="print">
+          <a:blip r:embed="rId24" cstate="print">
             <a:extLst>
               <a:ext uri="{28A0092B-C50C-407E-A947-70E740481C1C}">
                 <a14:useLocalDpi xmlns:a14="http://schemas.microsoft.com/office/drawing/2010/main" val="0"/>
@@ -13834,7 +12788,7 @@
           <p:nvPr/>
         </p:nvPicPr>
         <p:blipFill>
-          <a:blip r:embed="rId27" cstate="print">
+          <a:blip r:embed="rId25" cstate="print">
             <a:lum bright="70000" contrast="-70000"/>
             <a:extLst>
               <a:ext uri="{28A0092B-C50C-407E-A947-70E740481C1C}">
@@ -13882,14 +12836,14 @@
           <p:nvPr/>
         </p:nvPicPr>
         <p:blipFill>
-          <a:blip r:embed="rId28" cstate="print">
+          <a:blip r:embed="rId26" cstate="print">
             <a:lum bright="70000" contrast="-70000"/>
             <a:extLst>
               <a:ext uri="{28A0092B-C50C-407E-A947-70E740481C1C}">
                 <a14:useLocalDpi xmlns:a14="http://schemas.microsoft.com/office/drawing/2010/main" val="0"/>
               </a:ext>
               <a:ext uri="{837473B0-CC2E-450A-ABE3-18F120FF3D39}">
-                <a1611:picAttrSrcUrl xmlns:a1611="http://schemas.microsoft.com/office/drawing/2016/11/main" r:id="rId29"/>
+                <a1611:picAttrSrcUrl xmlns:a1611="http://schemas.microsoft.com/office/drawing/2016/11/main" r:id="rId27"/>
               </a:ext>
             </a:extLst>
           </a:blip>
@@ -13922,14 +12876,14 @@
           <p:nvPr/>
         </p:nvPicPr>
         <p:blipFill>
-          <a:blip r:embed="rId30" cstate="print">
+          <a:blip r:embed="rId28" cstate="print">
             <a:lum bright="70000" contrast="-70000"/>
             <a:extLst>
               <a:ext uri="{28A0092B-C50C-407E-A947-70E740481C1C}">
                 <a14:useLocalDpi xmlns:a14="http://schemas.microsoft.com/office/drawing/2010/main" val="0"/>
               </a:ext>
               <a:ext uri="{837473B0-CC2E-450A-ABE3-18F120FF3D39}">
-                <a1611:picAttrSrcUrl xmlns:a1611="http://schemas.microsoft.com/office/drawing/2016/11/main" r:id="rId31"/>
+                <a1611:picAttrSrcUrl xmlns:a1611="http://schemas.microsoft.com/office/drawing/2016/11/main" r:id="rId29"/>
               </a:ext>
             </a:extLst>
           </a:blip>
@@ -13962,7 +12916,7 @@
           <p:nvPr/>
         </p:nvPicPr>
         <p:blipFill>
-          <a:blip r:embed="rId32" cstate="print">
+          <a:blip r:embed="rId30" cstate="print">
             <a:duotone>
               <a:srgbClr val="003C87">
                 <a:shade val="45000"/>
@@ -13975,7 +12929,7 @@
                 <a14:useLocalDpi xmlns:a14="http://schemas.microsoft.com/office/drawing/2010/main" val="0"/>
               </a:ext>
               <a:ext uri="{837473B0-CC2E-450A-ABE3-18F120FF3D39}">
-                <a1611:picAttrSrcUrl xmlns:a1611="http://schemas.microsoft.com/office/drawing/2016/11/main" r:id="rId33"/>
+                <a1611:picAttrSrcUrl xmlns:a1611="http://schemas.microsoft.com/office/drawing/2016/11/main" r:id="rId31"/>
               </a:ext>
             </a:extLst>
           </a:blip>
@@ -14030,10 +12984,10 @@
           <p:nvPr/>
         </p:nvPicPr>
         <p:blipFill>
-          <a:blip r:embed="rId34" cstate="print">
+          <a:blip r:embed="rId32" cstate="print">
             <a:extLst>
               <a:ext uri="{96DAC541-7B7A-43D3-8B79-37D633B846F1}">
-                <asvg:svgBlip xmlns:asvg="http://schemas.microsoft.com/office/drawing/2016/SVG/main" r:embed="rId35"/>
+                <asvg:svgBlip xmlns:asvg="http://schemas.microsoft.com/office/drawing/2016/SVG/main" r:embed="rId33"/>
               </a:ext>
             </a:extLst>
           </a:blip>
@@ -14072,7 +13026,7 @@
             <a:avLst/>
           </a:prstGeom>
           <a:solidFill>
-            <a:schemeClr val="accent3"/>
+            <a:schemeClr val="tx2"/>
           </a:solidFill>
           <a:ln>
             <a:noFill/>
@@ -14129,7 +13083,7 @@
             <a:avLst/>
           </a:prstGeom>
           <a:solidFill>
-            <a:schemeClr val="accent3"/>
+            <a:schemeClr val="tx2"/>
           </a:solidFill>
           <a:ln>
             <a:noFill/>
@@ -14359,7 +13313,7 @@
           <a:p>
             <a:r>
               <a:rPr lang="en-US" dirty="0"/>
-              <a:t>MS WORD AUTOMATION</a:t>
+              <a:t>TYPESCRIPT</a:t>
             </a:r>
           </a:p>
         </p:txBody>
@@ -14690,7 +13644,7 @@
               <a:avLst/>
             </a:prstGeom>
             <a:solidFill>
-              <a:schemeClr val="accent3"/>
+              <a:schemeClr val="tx2"/>
             </a:solidFill>
             <a:ln>
               <a:noFill/>
@@ -14747,7 +13701,7 @@
               <a:avLst/>
             </a:prstGeom>
             <a:solidFill>
-              <a:schemeClr val="accent3"/>
+              <a:schemeClr val="tx2"/>
             </a:solidFill>
             <a:ln>
               <a:noFill/>
@@ -14973,10 +13927,10 @@
           <p:nvPr/>
         </p:nvPicPr>
         <p:blipFill>
-          <a:blip r:embed="rId36" cstate="print">
+          <a:blip r:embed="rId34" cstate="print">
             <a:extLst>
               <a:ext uri="{96DAC541-7B7A-43D3-8B79-37D633B846F1}">
-                <asvg:svgBlip xmlns:asvg="http://schemas.microsoft.com/office/drawing/2016/SVG/main" r:embed="rId37"/>
+                <asvg:svgBlip xmlns:asvg="http://schemas.microsoft.com/office/drawing/2016/SVG/main" r:embed="rId35"/>
               </a:ext>
             </a:extLst>
           </a:blip>
@@ -14986,7 +13940,7 @@
         </p:blipFill>
         <p:spPr>
           <a:xfrm>
-            <a:off x="1929796" y="3875349"/>
+            <a:off x="1929796" y="4058229"/>
             <a:ext cx="187200" cy="187200"/>
           </a:xfrm>
           <a:prstGeom prst="rect">
@@ -15010,7 +13964,7 @@
         </p:nvSpPr>
         <p:spPr>
           <a:xfrm>
-            <a:off x="2110458" y="3823807"/>
+            <a:off x="2110458" y="4006687"/>
             <a:ext cx="2041508" cy="242888"/>
           </a:xfrm>
           <a:prstGeom prst="rect">
@@ -15244,7 +14198,7 @@
           <p:nvPr/>
         </p:nvPicPr>
         <p:blipFill>
-          <a:blip r:embed="rId38" cstate="print">
+          <a:blip r:embed="rId36" cstate="print">
             <a:duotone>
               <a:prstClr val="black"/>
               <a:schemeClr val="tx2">
@@ -15524,348 +14478,6 @@
           </a:p>
         </p:txBody>
       </p:sp>
-      <p:sp>
-        <p:nvSpPr>
-          <p:cNvPr id="23" name="TextBox 22">
-            <a:extLst>
-              <a:ext uri="{FF2B5EF4-FFF2-40B4-BE49-F238E27FC236}">
-                <a16:creationId xmlns:a16="http://schemas.microsoft.com/office/drawing/2014/main" id="{B5576387-8EE6-4B8E-A0DB-D72A171F02A0}"/>
-              </a:ext>
-            </a:extLst>
-          </p:cNvPr>
-          <p:cNvSpPr txBox="1"/>
-          <p:nvPr/>
-        </p:nvSpPr>
-        <p:spPr>
-          <a:xfrm>
-            <a:off x="4265398" y="4573802"/>
-            <a:ext cx="680599" cy="184666"/>
-          </a:xfrm>
-          <a:prstGeom prst="rect">
-            <a:avLst/>
-          </a:prstGeom>
-          <a:noFill/>
-        </p:spPr>
-        <p:txBody>
-          <a:bodyPr wrap="square" rtlCol="0">
-            <a:spAutoFit/>
-          </a:bodyPr>
-          <a:lstStyle/>
-          <a:p>
-            <a:pPr algn="ctr"/>
-            <a:r>
-              <a:rPr lang="en-US" sz="600" dirty="0">
-                <a:solidFill>
-                  <a:schemeClr val="bg1">
-                    <a:lumMod val="65000"/>
-                  </a:schemeClr>
-                </a:solidFill>
-              </a:rPr>
-              <a:t>CTO @ DRIFE</a:t>
-            </a:r>
-          </a:p>
-        </p:txBody>
-      </p:sp>
-      <p:sp>
-        <p:nvSpPr>
-          <p:cNvPr id="25" name="Right Bracket 24">
-            <a:extLst>
-              <a:ext uri="{FF2B5EF4-FFF2-40B4-BE49-F238E27FC236}">
-                <a16:creationId xmlns:a16="http://schemas.microsoft.com/office/drawing/2014/main" id="{965BC28A-F674-410F-AE1D-11FD62223B41}"/>
-              </a:ext>
-            </a:extLst>
-          </p:cNvPr>
-          <p:cNvSpPr/>
-          <p:nvPr/>
-        </p:nvSpPr>
-        <p:spPr>
-          <a:xfrm rot="16200000">
-            <a:off x="4558780" y="4888260"/>
-            <a:ext cx="59791" cy="477046"/>
-          </a:xfrm>
-          <a:prstGeom prst="rightBracket">
-            <a:avLst/>
-          </a:prstGeom>
-          <a:ln>
-            <a:solidFill>
-              <a:schemeClr val="bg1">
-                <a:lumMod val="85000"/>
-              </a:schemeClr>
-            </a:solidFill>
-          </a:ln>
-        </p:spPr>
-        <p:style>
-          <a:lnRef idx="1">
-            <a:schemeClr val="accent5"/>
-          </a:lnRef>
-          <a:fillRef idx="0">
-            <a:schemeClr val="accent5"/>
-          </a:fillRef>
-          <a:effectRef idx="0">
-            <a:schemeClr val="accent5"/>
-          </a:effectRef>
-          <a:fontRef idx="minor">
-            <a:schemeClr val="tx1"/>
-          </a:fontRef>
-        </p:style>
-        <p:txBody>
-          <a:bodyPr rtlCol="0" anchor="ctr"/>
-          <a:lstStyle/>
-          <a:p>
-            <a:pPr algn="ctr"/>
-            <a:endParaRPr lang="en-US"/>
-          </a:p>
-        </p:txBody>
-      </p:sp>
-      <p:cxnSp>
-        <p:nvCxnSpPr>
-          <p:cNvPr id="219" name="Straight Connector 218">
-            <a:extLst>
-              <a:ext uri="{FF2B5EF4-FFF2-40B4-BE49-F238E27FC236}">
-                <a16:creationId xmlns:a16="http://schemas.microsoft.com/office/drawing/2014/main" id="{B8EA5B1E-3BA1-4987-98A4-A5C234EBC80B}"/>
-              </a:ext>
-            </a:extLst>
-          </p:cNvPr>
-          <p:cNvCxnSpPr>
-            <a:cxnSpLocks/>
-            <a:stCxn id="220" idx="0"/>
-          </p:cNvCxnSpPr>
-          <p:nvPr/>
-        </p:nvCxnSpPr>
-        <p:spPr>
-          <a:xfrm>
-            <a:off x="4945507" y="4354012"/>
-            <a:ext cx="0" cy="821492"/>
-          </a:xfrm>
-          <a:prstGeom prst="line">
-            <a:avLst/>
-          </a:prstGeom>
-          <a:ln w="12700">
-            <a:solidFill>
-              <a:schemeClr val="bg2"/>
-            </a:solidFill>
-          </a:ln>
-        </p:spPr>
-        <p:style>
-          <a:lnRef idx="1">
-            <a:schemeClr val="accent1"/>
-          </a:lnRef>
-          <a:fillRef idx="0">
-            <a:schemeClr val="accent1"/>
-          </a:fillRef>
-          <a:effectRef idx="0">
-            <a:schemeClr val="accent1"/>
-          </a:effectRef>
-          <a:fontRef idx="minor">
-            <a:schemeClr val="tx1"/>
-          </a:fontRef>
-        </p:style>
-      </p:cxnSp>
-      <p:pic>
-        <p:nvPicPr>
-          <p:cNvPr id="220" name="Graphic 219">
-            <a:extLst>
-              <a:ext uri="{FF2B5EF4-FFF2-40B4-BE49-F238E27FC236}">
-                <a16:creationId xmlns:a16="http://schemas.microsoft.com/office/drawing/2014/main" id="{69A733E3-4342-4FC4-9E56-E7BD94980228}"/>
-              </a:ext>
-              <a:ext uri="{C183D7F6-B498-43B3-948B-1728B52AA6E4}">
-                <adec:decorative xmlns:adec="http://schemas.microsoft.com/office/drawing/2017/decorative" val="1"/>
-              </a:ext>
-            </a:extLst>
-          </p:cNvPr>
-          <p:cNvPicPr>
-            <a:picLocks noChangeAspect="1"/>
-          </p:cNvPicPr>
-          <p:nvPr/>
-        </p:nvPicPr>
-        <p:blipFill>
-          <a:blip r:embed="rId39" cstate="print">
-            <a:extLst>
-              <a:ext uri="{96DAC541-7B7A-43D3-8B79-37D633B846F1}">
-                <asvg:svgBlip xmlns:asvg="http://schemas.microsoft.com/office/drawing/2016/SVG/main" r:embed="rId40"/>
-              </a:ext>
-            </a:extLst>
-          </a:blip>
-          <a:stretch>
-            <a:fillRect/>
-          </a:stretch>
-        </p:blipFill>
-        <p:spPr>
-          <a:xfrm>
-            <a:off x="4886107" y="4354012"/>
-            <a:ext cx="118800" cy="118800"/>
-          </a:xfrm>
-          <a:prstGeom prst="rect">
-            <a:avLst/>
-          </a:prstGeom>
-        </p:spPr>
-      </p:pic>
-      <p:sp>
-        <p:nvSpPr>
-          <p:cNvPr id="221" name="TextBox 220">
-            <a:extLst>
-              <a:ext uri="{FF2B5EF4-FFF2-40B4-BE49-F238E27FC236}">
-                <a16:creationId xmlns:a16="http://schemas.microsoft.com/office/drawing/2014/main" id="{3DBC0E31-70CC-4A5B-942E-6520D5914F6E}"/>
-              </a:ext>
-            </a:extLst>
-          </p:cNvPr>
-          <p:cNvSpPr txBox="1"/>
-          <p:nvPr/>
-        </p:nvSpPr>
-        <p:spPr>
-          <a:xfrm>
-            <a:off x="4508591" y="4105210"/>
-            <a:ext cx="878650" cy="276999"/>
-          </a:xfrm>
-          <a:prstGeom prst="rect">
-            <a:avLst/>
-          </a:prstGeom>
-          <a:noFill/>
-        </p:spPr>
-        <p:txBody>
-          <a:bodyPr wrap="square" rtlCol="0">
-            <a:spAutoFit/>
-          </a:bodyPr>
-          <a:lstStyle/>
-          <a:p>
-            <a:pPr algn="ctr"/>
-            <a:r>
-              <a:rPr lang="en-US" sz="600" dirty="0">
-                <a:solidFill>
-                  <a:schemeClr val="bg1">
-                    <a:lumMod val="65000"/>
-                  </a:schemeClr>
-                </a:solidFill>
-              </a:rPr>
-              <a:t>Started as Educator @ UDEMY</a:t>
-            </a:r>
-          </a:p>
-        </p:txBody>
-      </p:sp>
-      <p:cxnSp>
-        <p:nvCxnSpPr>
-          <p:cNvPr id="228" name="Straight Connector 227">
-            <a:extLst>
-              <a:ext uri="{FF2B5EF4-FFF2-40B4-BE49-F238E27FC236}">
-                <a16:creationId xmlns:a16="http://schemas.microsoft.com/office/drawing/2014/main" id="{FC8BF248-0ECA-4890-93D0-8156925F1859}"/>
-              </a:ext>
-            </a:extLst>
-          </p:cNvPr>
-          <p:cNvCxnSpPr>
-            <a:cxnSpLocks/>
-          </p:cNvCxnSpPr>
-          <p:nvPr/>
-        </p:nvCxnSpPr>
-        <p:spPr>
-          <a:xfrm>
-            <a:off x="3786123" y="4919929"/>
-            <a:ext cx="0" cy="260347"/>
-          </a:xfrm>
-          <a:prstGeom prst="line">
-            <a:avLst/>
-          </a:prstGeom>
-          <a:ln w="12700">
-            <a:solidFill>
-              <a:schemeClr val="bg2"/>
-            </a:solidFill>
-          </a:ln>
-        </p:spPr>
-        <p:style>
-          <a:lnRef idx="1">
-            <a:schemeClr val="accent1"/>
-          </a:lnRef>
-          <a:fillRef idx="0">
-            <a:schemeClr val="accent1"/>
-          </a:fillRef>
-          <a:effectRef idx="0">
-            <a:schemeClr val="accent1"/>
-          </a:effectRef>
-          <a:fontRef idx="minor">
-            <a:schemeClr val="tx1"/>
-          </a:fontRef>
-        </p:style>
-      </p:cxnSp>
-      <p:pic>
-        <p:nvPicPr>
-          <p:cNvPr id="229" name="Graphic 228">
-            <a:extLst>
-              <a:ext uri="{FF2B5EF4-FFF2-40B4-BE49-F238E27FC236}">
-                <a16:creationId xmlns:a16="http://schemas.microsoft.com/office/drawing/2014/main" id="{67283042-1C4F-44C3-B7F5-7AD297FA163C}"/>
-              </a:ext>
-              <a:ext uri="{C183D7F6-B498-43B3-948B-1728B52AA6E4}">
-                <adec:decorative xmlns:adec="http://schemas.microsoft.com/office/drawing/2017/decorative" val="1"/>
-              </a:ext>
-            </a:extLst>
-          </p:cNvPr>
-          <p:cNvPicPr>
-            <a:picLocks noChangeAspect="1"/>
-          </p:cNvPicPr>
-          <p:nvPr/>
-        </p:nvPicPr>
-        <p:blipFill>
-          <a:blip r:embed="rId39" cstate="print">
-            <a:extLst>
-              <a:ext uri="{96DAC541-7B7A-43D3-8B79-37D633B846F1}">
-                <asvg:svgBlip xmlns:asvg="http://schemas.microsoft.com/office/drawing/2016/SVG/main" r:embed="rId40"/>
-              </a:ext>
-            </a:extLst>
-          </a:blip>
-          <a:stretch>
-            <a:fillRect/>
-          </a:stretch>
-        </p:blipFill>
-        <p:spPr>
-          <a:xfrm>
-            <a:off x="3728949" y="4807180"/>
-            <a:ext cx="118800" cy="118800"/>
-          </a:xfrm>
-          <a:prstGeom prst="rect">
-            <a:avLst/>
-          </a:prstGeom>
-        </p:spPr>
-      </p:pic>
-      <p:sp>
-        <p:nvSpPr>
-          <p:cNvPr id="230" name="TextBox 229">
-            <a:extLst>
-              <a:ext uri="{FF2B5EF4-FFF2-40B4-BE49-F238E27FC236}">
-                <a16:creationId xmlns:a16="http://schemas.microsoft.com/office/drawing/2014/main" id="{A135F298-E667-4DB2-9E9F-EB2F50D2B5EF}"/>
-              </a:ext>
-            </a:extLst>
-          </p:cNvPr>
-          <p:cNvSpPr txBox="1"/>
-          <p:nvPr/>
-        </p:nvSpPr>
-        <p:spPr>
-          <a:xfrm>
-            <a:off x="3349716" y="4462967"/>
-            <a:ext cx="854057" cy="369332"/>
-          </a:xfrm>
-          <a:prstGeom prst="rect">
-            <a:avLst/>
-          </a:prstGeom>
-          <a:noFill/>
-        </p:spPr>
-        <p:txBody>
-          <a:bodyPr wrap="square" rtlCol="0">
-            <a:spAutoFit/>
-          </a:bodyPr>
-          <a:lstStyle/>
-          <a:p>
-            <a:pPr algn="ctr"/>
-            <a:r>
-              <a:rPr lang="en-US" sz="600" dirty="0">
-                <a:solidFill>
-                  <a:schemeClr val="bg1">
-                    <a:lumMod val="65000"/>
-                  </a:schemeClr>
-                </a:solidFill>
-              </a:rPr>
-              <a:t>Launched “BitInfoCoin” Android App</a:t>
-            </a:r>
-          </a:p>
-        </p:txBody>
-      </p:sp>
       <p:pic>
         <p:nvPicPr>
           <p:cNvPr id="180" name="Picture 2" descr="MentorrBuddy">
@@ -15881,7 +14493,7 @@
           <p:nvPr/>
         </p:nvPicPr>
         <p:blipFill>
-          <a:blip r:embed="rId38" cstate="print">
+          <a:blip r:embed="rId36" cstate="print">
             <a:duotone>
               <a:prstClr val="black"/>
               <a:schemeClr val="tx2">
@@ -15993,13 +14605,13 @@
           <p:nvPr/>
         </p:nvPicPr>
         <p:blipFill>
-          <a:blip r:embed="rId41">
+          <a:blip r:embed="rId37">
             <a:extLst>
               <a:ext uri="{28A0092B-C50C-407E-A947-70E740481C1C}">
                 <a14:useLocalDpi xmlns:a14="http://schemas.microsoft.com/office/drawing/2010/main" val="0"/>
               </a:ext>
               <a:ext uri="{837473B0-CC2E-450A-ABE3-18F120FF3D39}">
-                <a1611:picAttrSrcUrl xmlns:a1611="http://schemas.microsoft.com/office/drawing/2016/11/main" r:id="rId42"/>
+                <a1611:picAttrSrcUrl xmlns:a1611="http://schemas.microsoft.com/office/drawing/2016/11/main" r:id="rId38"/>
               </a:ext>
             </a:extLst>
           </a:blip>
@@ -16019,10 +14631,428 @@
       </p:pic>
       <p:sp>
         <p:nvSpPr>
-          <p:cNvPr id="181" name="Right Bracket 180">
-            <a:extLst>
-              <a:ext uri="{FF2B5EF4-FFF2-40B4-BE49-F238E27FC236}">
-                <a16:creationId xmlns:a16="http://schemas.microsoft.com/office/drawing/2014/main" id="{F3BAFA71-9AAF-4048-90BE-02BE8D47BC33}"/>
+          <p:cNvPr id="12" name="TextBox 11">
+            <a:extLst>
+              <a:ext uri="{FF2B5EF4-FFF2-40B4-BE49-F238E27FC236}">
+                <a16:creationId xmlns:a16="http://schemas.microsoft.com/office/drawing/2014/main" id="{87ACBC56-A24A-4EEA-BFDC-AD6360C193B4}"/>
+              </a:ext>
+            </a:extLst>
+          </p:cNvPr>
+          <p:cNvSpPr txBox="1"/>
+          <p:nvPr/>
+        </p:nvSpPr>
+        <p:spPr>
+          <a:xfrm>
+            <a:off x="1964659" y="4337373"/>
+            <a:ext cx="4247657" cy="1916230"/>
+          </a:xfrm>
+          <a:prstGeom prst="rect">
+            <a:avLst/>
+          </a:prstGeom>
+          <a:noFill/>
+        </p:spPr>
+        <p:txBody>
+          <a:bodyPr wrap="square" rtlCol="0">
+            <a:spAutoFit/>
+          </a:bodyPr>
+          <a:lstStyle/>
+          <a:p>
+            <a:pPr marL="171450" indent="-171450">
+              <a:lnSpc>
+                <a:spcPct val="150000"/>
+              </a:lnSpc>
+              <a:buFont typeface="Arial" panose="020B0604020202020204" pitchFamily="34" charset="0"/>
+              <a:buChar char="•"/>
+            </a:pPr>
+            <a:r>
+              <a:rPr lang="en-US" sz="1000" dirty="0">
+                <a:solidFill>
+                  <a:schemeClr val="bg1">
+                    <a:lumMod val="75000"/>
+                  </a:schemeClr>
+                </a:solidFill>
+                <a:latin typeface="Whitney"/>
+              </a:rPr>
+              <a:t>2016-2017: Full-stack development of an All-in-One Android App – “</a:t>
+            </a:r>
+            <a:r>
+              <a:rPr lang="en-US" sz="1000" dirty="0" err="1">
+                <a:solidFill>
+                  <a:schemeClr val="bg1">
+                    <a:lumMod val="75000"/>
+                  </a:schemeClr>
+                </a:solidFill>
+                <a:latin typeface="Whitney"/>
+              </a:rPr>
+              <a:t>BitInfoCoin</a:t>
+            </a:r>
+            <a:r>
+              <a:rPr lang="en-US" sz="1000" dirty="0">
+                <a:solidFill>
+                  <a:schemeClr val="bg1">
+                    <a:lumMod val="75000"/>
+                  </a:schemeClr>
+                </a:solidFill>
+                <a:latin typeface="Whitney"/>
+              </a:rPr>
+              <a:t>”.</a:t>
+            </a:r>
+          </a:p>
+          <a:p>
+            <a:pPr marL="171450" indent="-171450">
+              <a:lnSpc>
+                <a:spcPct val="150000"/>
+              </a:lnSpc>
+              <a:buFont typeface="Arial" panose="020B0604020202020204" pitchFamily="34" charset="0"/>
+              <a:buChar char="•"/>
+            </a:pPr>
+            <a:r>
+              <a:rPr lang="en-US" sz="1000" dirty="0">
+                <a:solidFill>
+                  <a:schemeClr val="bg1">
+                    <a:lumMod val="75000"/>
+                  </a:schemeClr>
+                </a:solidFill>
+                <a:latin typeface="Whitney"/>
+              </a:rPr>
+              <a:t>2017-2021: Blockchain Developer with multiple roles and projects.</a:t>
+            </a:r>
+          </a:p>
+          <a:p>
+            <a:pPr marL="171450" indent="-171450">
+              <a:lnSpc>
+                <a:spcPct val="150000"/>
+              </a:lnSpc>
+              <a:buFont typeface="Arial" panose="020B0604020202020204" pitchFamily="34" charset="0"/>
+              <a:buChar char="•"/>
+            </a:pPr>
+            <a:r>
+              <a:rPr lang="en-US" sz="1000" dirty="0">
+                <a:solidFill>
+                  <a:schemeClr val="bg1">
+                    <a:lumMod val="75000"/>
+                  </a:schemeClr>
+                </a:solidFill>
+                <a:latin typeface="Whitney"/>
+              </a:rPr>
+              <a:t>2018-2019: Founding CTO for a start-up DRIFE.</a:t>
+            </a:r>
+          </a:p>
+          <a:p>
+            <a:pPr marL="171450" indent="-171450">
+              <a:lnSpc>
+                <a:spcPct val="150000"/>
+              </a:lnSpc>
+              <a:buFont typeface="Arial" panose="020B0604020202020204" pitchFamily="34" charset="0"/>
+              <a:buChar char="•"/>
+            </a:pPr>
+            <a:r>
+              <a:rPr lang="en-US" sz="1000" dirty="0">
+                <a:solidFill>
+                  <a:schemeClr val="bg1">
+                    <a:lumMod val="75000"/>
+                  </a:schemeClr>
+                </a:solidFill>
+                <a:latin typeface="Whitney"/>
+              </a:rPr>
+              <a:t>2019-2020: Freelancing projects done with multiple clients.</a:t>
+            </a:r>
+          </a:p>
+          <a:p>
+            <a:pPr marL="171450" indent="-171450">
+              <a:lnSpc>
+                <a:spcPct val="150000"/>
+              </a:lnSpc>
+              <a:buFont typeface="Arial" panose="020B0604020202020204" pitchFamily="34" charset="0"/>
+              <a:buChar char="•"/>
+            </a:pPr>
+            <a:r>
+              <a:rPr lang="en-US" sz="1000" dirty="0">
+                <a:solidFill>
+                  <a:schemeClr val="bg1">
+                    <a:lumMod val="75000"/>
+                  </a:schemeClr>
+                </a:solidFill>
+                <a:latin typeface="Whitney"/>
+              </a:rPr>
+              <a:t>2021: Lead Blockchain Developer for 3 months in </a:t>
+            </a:r>
+            <a:r>
+              <a:rPr lang="en-US" sz="1000" dirty="0" err="1">
+                <a:solidFill>
+                  <a:schemeClr val="bg1">
+                    <a:lumMod val="75000"/>
+                  </a:schemeClr>
+                </a:solidFill>
+                <a:latin typeface="Whitney"/>
+              </a:rPr>
+              <a:t>DeFi</a:t>
+            </a:r>
+            <a:r>
+              <a:rPr lang="en-US" sz="1000" dirty="0">
+                <a:solidFill>
+                  <a:schemeClr val="bg1">
+                    <a:lumMod val="75000"/>
+                  </a:schemeClr>
+                </a:solidFill>
+                <a:latin typeface="Whitney"/>
+              </a:rPr>
+              <a:t> start-up - “Boot Finance”.</a:t>
+            </a:r>
+          </a:p>
+          <a:p>
+            <a:pPr marL="171450" indent="-171450">
+              <a:lnSpc>
+                <a:spcPct val="150000"/>
+              </a:lnSpc>
+              <a:buFont typeface="Arial" panose="020B0604020202020204" pitchFamily="34" charset="0"/>
+              <a:buChar char="•"/>
+            </a:pPr>
+            <a:endParaRPr lang="en-US" sz="1000" dirty="0">
+              <a:solidFill>
+                <a:schemeClr val="bg1">
+                  <a:lumMod val="85000"/>
+                </a:schemeClr>
+              </a:solidFill>
+            </a:endParaRPr>
+          </a:p>
+        </p:txBody>
+      </p:sp>
+      <p:grpSp>
+        <p:nvGrpSpPr>
+          <p:cNvPr id="250" name="Group 249">
+            <a:extLst>
+              <a:ext uri="{FF2B5EF4-FFF2-40B4-BE49-F238E27FC236}">
+                <a16:creationId xmlns:a16="http://schemas.microsoft.com/office/drawing/2014/main" id="{0E917996-007C-423F-A92F-0F595A487830}"/>
+              </a:ext>
+            </a:extLst>
+          </p:cNvPr>
+          <p:cNvGrpSpPr/>
+          <p:nvPr/>
+        </p:nvGrpSpPr>
+        <p:grpSpPr>
+          <a:xfrm>
+            <a:off x="2635937" y="7034942"/>
+            <a:ext cx="1778343" cy="1402752"/>
+            <a:chOff x="2635937" y="7034942"/>
+            <a:chExt cx="1778343" cy="1402752"/>
+          </a:xfrm>
+        </p:grpSpPr>
+        <p:sp>
+          <p:nvSpPr>
+            <p:cNvPr id="246" name="Rectangle 245">
+              <a:extLst>
+                <a:ext uri="{FF2B5EF4-FFF2-40B4-BE49-F238E27FC236}">
+                  <a16:creationId xmlns:a16="http://schemas.microsoft.com/office/drawing/2014/main" id="{2113A916-5680-4AC1-A382-BC4D3ABB1832}"/>
+                </a:ext>
+              </a:extLst>
+            </p:cNvPr>
+            <p:cNvSpPr/>
+            <p:nvPr/>
+          </p:nvSpPr>
+          <p:spPr>
+            <a:xfrm>
+              <a:off x="2635937" y="7963652"/>
+              <a:ext cx="305877" cy="242889"/>
+            </a:xfrm>
+            <a:prstGeom prst="rect">
+              <a:avLst/>
+            </a:prstGeom>
+            <a:solidFill>
+              <a:schemeClr val="accent1"/>
+            </a:solidFill>
+            <a:ln>
+              <a:noFill/>
+            </a:ln>
+          </p:spPr>
+          <p:style>
+            <a:lnRef idx="2">
+              <a:schemeClr val="accent1">
+                <a:shade val="50000"/>
+              </a:schemeClr>
+            </a:lnRef>
+            <a:fillRef idx="1">
+              <a:schemeClr val="accent1"/>
+            </a:fillRef>
+            <a:effectRef idx="0">
+              <a:schemeClr val="accent1"/>
+            </a:effectRef>
+            <a:fontRef idx="minor">
+              <a:schemeClr val="lt1"/>
+            </a:fontRef>
+          </p:style>
+          <p:txBody>
+            <a:bodyPr rtlCol="0" anchor="ctr"/>
+            <a:lstStyle/>
+            <a:p>
+              <a:pPr algn="ctr"/>
+              <a:endParaRPr lang="en-US"/>
+            </a:p>
+          </p:txBody>
+        </p:sp>
+        <p:sp>
+          <p:nvSpPr>
+            <p:cNvPr id="247" name="Rectangle 246">
+              <a:extLst>
+                <a:ext uri="{FF2B5EF4-FFF2-40B4-BE49-F238E27FC236}">
+                  <a16:creationId xmlns:a16="http://schemas.microsoft.com/office/drawing/2014/main" id="{60B9DAEF-7D9D-4581-8430-5D77F67EDCAA}"/>
+                </a:ext>
+              </a:extLst>
+            </p:cNvPr>
+            <p:cNvSpPr/>
+            <p:nvPr/>
+          </p:nvSpPr>
+          <p:spPr>
+            <a:xfrm>
+              <a:off x="3213670" y="7291066"/>
+              <a:ext cx="305877" cy="242889"/>
+            </a:xfrm>
+            <a:prstGeom prst="rect">
+              <a:avLst/>
+            </a:prstGeom>
+            <a:solidFill>
+              <a:schemeClr val="accent1"/>
+            </a:solidFill>
+            <a:ln>
+              <a:noFill/>
+            </a:ln>
+          </p:spPr>
+          <p:style>
+            <a:lnRef idx="2">
+              <a:schemeClr val="accent1">
+                <a:shade val="50000"/>
+              </a:schemeClr>
+            </a:lnRef>
+            <a:fillRef idx="1">
+              <a:schemeClr val="accent1"/>
+            </a:fillRef>
+            <a:effectRef idx="0">
+              <a:schemeClr val="accent1"/>
+            </a:effectRef>
+            <a:fontRef idx="minor">
+              <a:schemeClr val="lt1"/>
+            </a:fontRef>
+          </p:style>
+          <p:txBody>
+            <a:bodyPr rtlCol="0" anchor="ctr"/>
+            <a:lstStyle/>
+            <a:p>
+              <a:pPr algn="ctr"/>
+              <a:endParaRPr lang="en-US"/>
+            </a:p>
+          </p:txBody>
+        </p:sp>
+        <p:sp>
+          <p:nvSpPr>
+            <p:cNvPr id="248" name="Rectangle 247">
+              <a:extLst>
+                <a:ext uri="{FF2B5EF4-FFF2-40B4-BE49-F238E27FC236}">
+                  <a16:creationId xmlns:a16="http://schemas.microsoft.com/office/drawing/2014/main" id="{202B1B89-8161-4AE1-8A74-1A95522D546C}"/>
+                </a:ext>
+              </a:extLst>
+            </p:cNvPr>
+            <p:cNvSpPr/>
+            <p:nvPr/>
+          </p:nvSpPr>
+          <p:spPr>
+            <a:xfrm>
+              <a:off x="4108403" y="7034942"/>
+              <a:ext cx="305877" cy="242889"/>
+            </a:xfrm>
+            <a:prstGeom prst="rect">
+              <a:avLst/>
+            </a:prstGeom>
+            <a:solidFill>
+              <a:schemeClr val="accent1"/>
+            </a:solidFill>
+            <a:ln>
+              <a:noFill/>
+            </a:ln>
+          </p:spPr>
+          <p:style>
+            <a:lnRef idx="2">
+              <a:schemeClr val="accent1">
+                <a:shade val="50000"/>
+              </a:schemeClr>
+            </a:lnRef>
+            <a:fillRef idx="1">
+              <a:schemeClr val="accent1"/>
+            </a:fillRef>
+            <a:effectRef idx="0">
+              <a:schemeClr val="accent1"/>
+            </a:effectRef>
+            <a:fontRef idx="minor">
+              <a:schemeClr val="lt1"/>
+            </a:fontRef>
+          </p:style>
+          <p:txBody>
+            <a:bodyPr rtlCol="0" anchor="ctr"/>
+            <a:lstStyle/>
+            <a:p>
+              <a:pPr algn="ctr"/>
+              <a:endParaRPr lang="en-US"/>
+            </a:p>
+          </p:txBody>
+        </p:sp>
+        <p:sp>
+          <p:nvSpPr>
+            <p:cNvPr id="249" name="Rectangle 248">
+              <a:extLst>
+                <a:ext uri="{FF2B5EF4-FFF2-40B4-BE49-F238E27FC236}">
+                  <a16:creationId xmlns:a16="http://schemas.microsoft.com/office/drawing/2014/main" id="{4D2D7375-EF0F-41F2-8A9E-13C329912B8C}"/>
+                </a:ext>
+              </a:extLst>
+            </p:cNvPr>
+            <p:cNvSpPr/>
+            <p:nvPr/>
+          </p:nvSpPr>
+          <p:spPr>
+            <a:xfrm>
+              <a:off x="3910554" y="8194805"/>
+              <a:ext cx="305877" cy="242889"/>
+            </a:xfrm>
+            <a:prstGeom prst="rect">
+              <a:avLst/>
+            </a:prstGeom>
+            <a:solidFill>
+              <a:schemeClr val="accent1"/>
+            </a:solidFill>
+            <a:ln>
+              <a:noFill/>
+            </a:ln>
+          </p:spPr>
+          <p:style>
+            <a:lnRef idx="2">
+              <a:schemeClr val="accent1">
+                <a:shade val="50000"/>
+              </a:schemeClr>
+            </a:lnRef>
+            <a:fillRef idx="1">
+              <a:schemeClr val="accent1"/>
+            </a:fillRef>
+            <a:effectRef idx="0">
+              <a:schemeClr val="accent1"/>
+            </a:effectRef>
+            <a:fontRef idx="minor">
+              <a:schemeClr val="lt1"/>
+            </a:fontRef>
+          </p:style>
+          <p:txBody>
+            <a:bodyPr rtlCol="0" anchor="ctr"/>
+            <a:lstStyle/>
+            <a:p>
+              <a:pPr algn="ctr"/>
+              <a:endParaRPr lang="en-US"/>
+            </a:p>
+          </p:txBody>
+        </p:sp>
+      </p:grpSp>
+      <p:sp>
+        <p:nvSpPr>
+          <p:cNvPr id="449" name="Rectangle 448">
+            <a:extLst>
+              <a:ext uri="{FF2B5EF4-FFF2-40B4-BE49-F238E27FC236}">
+                <a16:creationId xmlns:a16="http://schemas.microsoft.com/office/drawing/2014/main" id="{C9856179-2883-4C66-B6F9-D95E8CFC1AFA}"/>
               </a:ext>
             </a:extLst>
           </p:cNvPr>
@@ -16030,33 +15060,34 @@
           <p:nvPr/>
         </p:nvSpPr>
         <p:spPr>
-          <a:xfrm rot="16200000">
-            <a:off x="6507778" y="5062762"/>
-            <a:ext cx="68889" cy="156594"/>
+          <a:xfrm>
+            <a:off x="2080714" y="6904739"/>
+            <a:ext cx="2411565" cy="654826"/>
           </a:xfrm>
-          <a:prstGeom prst="rightBracket">
+          <a:prstGeom prst="rect">
             <a:avLst/>
           </a:prstGeom>
+          <a:solidFill>
+            <a:srgbClr val="7030A0"/>
+          </a:solidFill>
           <a:ln>
-            <a:solidFill>
-              <a:schemeClr val="bg1">
-                <a:lumMod val="85000"/>
-              </a:schemeClr>
-            </a:solidFill>
+            <a:noFill/>
           </a:ln>
         </p:spPr>
         <p:style>
-          <a:lnRef idx="1">
-            <a:schemeClr val="accent5"/>
+          <a:lnRef idx="2">
+            <a:schemeClr val="accent1">
+              <a:shade val="50000"/>
+            </a:schemeClr>
           </a:lnRef>
-          <a:fillRef idx="0">
-            <a:schemeClr val="accent5"/>
+          <a:fillRef idx="1">
+            <a:schemeClr val="accent1"/>
           </a:fillRef>
           <a:effectRef idx="0">
-            <a:schemeClr val="accent5"/>
+            <a:schemeClr val="accent1"/>
           </a:effectRef>
           <a:fontRef idx="minor">
-            <a:schemeClr val="tx1"/>
+            <a:schemeClr val="lt1"/>
           </a:fontRef>
         </p:style>
         <p:txBody>
@@ -16064,16 +15095,123 @@
           <a:lstStyle/>
           <a:p>
             <a:pPr algn="ctr"/>
-            <a:endParaRPr lang="en-US"/>
+            <a:endParaRPr lang="en-US" sz="1100" dirty="0"/>
+          </a:p>
+        </p:txBody>
+      </p:sp>
+      <p:sp>
+        <p:nvSpPr>
+          <p:cNvPr id="256" name="Rectangle 255">
+            <a:extLst>
+              <a:ext uri="{FF2B5EF4-FFF2-40B4-BE49-F238E27FC236}">
+                <a16:creationId xmlns:a16="http://schemas.microsoft.com/office/drawing/2014/main" id="{A1771284-169E-4367-8E69-5719FA293DD6}"/>
+              </a:ext>
+            </a:extLst>
+          </p:cNvPr>
+          <p:cNvSpPr/>
+          <p:nvPr/>
+        </p:nvSpPr>
+        <p:spPr>
+          <a:xfrm>
+            <a:off x="4079841" y="6898699"/>
+            <a:ext cx="412202" cy="660341"/>
+          </a:xfrm>
+          <a:prstGeom prst="rect">
+            <a:avLst/>
+          </a:prstGeom>
+          <a:solidFill>
+            <a:srgbClr val="FFC000"/>
+          </a:solidFill>
+          <a:ln>
+            <a:noFill/>
+          </a:ln>
+        </p:spPr>
+        <p:style>
+          <a:lnRef idx="2">
+            <a:schemeClr val="accent1">
+              <a:shade val="50000"/>
+            </a:schemeClr>
+          </a:lnRef>
+          <a:fillRef idx="1">
+            <a:schemeClr val="accent1"/>
+          </a:fillRef>
+          <a:effectRef idx="0">
+            <a:schemeClr val="accent1"/>
+          </a:effectRef>
+          <a:fontRef idx="minor">
+            <a:schemeClr val="lt1"/>
+          </a:fontRef>
+        </p:style>
+        <p:txBody>
+          <a:bodyPr rtlCol="0" anchor="ctr"/>
+          <a:lstStyle/>
+          <a:p>
+            <a:pPr algn="ctr"/>
+            <a:endParaRPr lang="en-US" sz="1100" dirty="0"/>
+          </a:p>
+        </p:txBody>
+      </p:sp>
+      <p:sp>
+        <p:nvSpPr>
+          <p:cNvPr id="257" name="Rectangle 256">
+            <a:extLst>
+              <a:ext uri="{FF2B5EF4-FFF2-40B4-BE49-F238E27FC236}">
+                <a16:creationId xmlns:a16="http://schemas.microsoft.com/office/drawing/2014/main" id="{2B1C9F6E-0791-4FCA-83A7-B63B510E6C3A}"/>
+              </a:ext>
+            </a:extLst>
+          </p:cNvPr>
+          <p:cNvSpPr/>
+          <p:nvPr/>
+        </p:nvSpPr>
+        <p:spPr>
+          <a:xfrm>
+            <a:off x="3519547" y="6898699"/>
+            <a:ext cx="560294" cy="660863"/>
+          </a:xfrm>
+          <a:prstGeom prst="rect">
+            <a:avLst/>
+          </a:prstGeom>
+          <a:solidFill>
+            <a:schemeClr val="accent6">
+              <a:lumMod val="75000"/>
+              <a:lumOff val="25000"/>
+            </a:schemeClr>
+          </a:solidFill>
+          <a:ln>
+            <a:noFill/>
+          </a:ln>
+        </p:spPr>
+        <p:style>
+          <a:lnRef idx="2">
+            <a:schemeClr val="accent1">
+              <a:shade val="50000"/>
+            </a:schemeClr>
+          </a:lnRef>
+          <a:fillRef idx="1">
+            <a:schemeClr val="accent1"/>
+          </a:fillRef>
+          <a:effectRef idx="0">
+            <a:schemeClr val="accent1"/>
+          </a:effectRef>
+          <a:fontRef idx="minor">
+            <a:schemeClr val="lt1"/>
+          </a:fontRef>
+        </p:style>
+        <p:txBody>
+          <a:bodyPr rtlCol="0" anchor="ctr"/>
+          <a:lstStyle/>
+          <a:p>
+            <a:pPr algn="ctr"/>
+            <a:endParaRPr lang="en-US" sz="1100" dirty="0"/>
           </a:p>
         </p:txBody>
       </p:sp>
       <p:cxnSp>
         <p:nvCxnSpPr>
-          <p:cNvPr id="182" name="Straight Connector 181">
-            <a:extLst>
-              <a:ext uri="{FF2B5EF4-FFF2-40B4-BE49-F238E27FC236}">
-                <a16:creationId xmlns:a16="http://schemas.microsoft.com/office/drawing/2014/main" id="{483504D4-6E31-4522-96D9-C976CA336D50}"/>
+          <p:cNvPr id="451" name="Straight Connector 450">
+            <a:extLst>
+              <a:ext uri="{FF2B5EF4-FFF2-40B4-BE49-F238E27FC236}">
+                <a16:creationId xmlns:a16="http://schemas.microsoft.com/office/drawing/2014/main" id="{C4A2215E-B2D9-494E-B97E-351AF73DAF43}"/>
               </a:ext>
             </a:extLst>
           </p:cNvPr>
@@ -16084,15 +15222,18 @@
         </p:nvCxnSpPr>
         <p:spPr>
           <a:xfrm>
-            <a:off x="6536943" y="4836109"/>
-            <a:ext cx="0" cy="260347"/>
+            <a:off x="2670076" y="7559562"/>
+            <a:ext cx="1" cy="654304"/>
           </a:xfrm>
           <a:prstGeom prst="line">
             <a:avLst/>
           </a:prstGeom>
-          <a:ln w="12700">
+          <a:ln>
             <a:solidFill>
-              <a:schemeClr val="bg2"/>
+              <a:schemeClr val="tx2">
+                <a:lumMod val="40000"/>
+                <a:lumOff val="60000"/>
+              </a:schemeClr>
             </a:solidFill>
           </a:ln>
         </p:spPr>
@@ -16111,51 +15252,12 @@
           </a:fontRef>
         </p:style>
       </p:cxnSp>
-      <p:pic>
-        <p:nvPicPr>
-          <p:cNvPr id="183" name="Graphic 182">
-            <a:extLst>
-              <a:ext uri="{FF2B5EF4-FFF2-40B4-BE49-F238E27FC236}">
-                <a16:creationId xmlns:a16="http://schemas.microsoft.com/office/drawing/2014/main" id="{D08EF85F-DADC-4D64-B50F-32A12304EEEF}"/>
-              </a:ext>
-              <a:ext uri="{C183D7F6-B498-43B3-948B-1728B52AA6E4}">
-                <adec:decorative xmlns:adec="http://schemas.microsoft.com/office/drawing/2017/decorative" val="1"/>
-              </a:ext>
-            </a:extLst>
-          </p:cNvPr>
-          <p:cNvPicPr>
-            <a:picLocks noChangeAspect="1"/>
-          </p:cNvPicPr>
-          <p:nvPr/>
-        </p:nvPicPr>
-        <p:blipFill>
-          <a:blip r:embed="rId39" cstate="print">
-            <a:extLst>
-              <a:ext uri="{96DAC541-7B7A-43D3-8B79-37D633B846F1}">
-                <asvg:svgBlip xmlns:asvg="http://schemas.microsoft.com/office/drawing/2016/SVG/main" r:embed="rId40"/>
-              </a:ext>
-            </a:extLst>
-          </a:blip>
-          <a:stretch>
-            <a:fillRect/>
-          </a:stretch>
-        </p:blipFill>
-        <p:spPr>
-          <a:xfrm>
-            <a:off x="6479769" y="4723360"/>
-            <a:ext cx="118800" cy="118800"/>
-          </a:xfrm>
-          <a:prstGeom prst="rect">
-            <a:avLst/>
-          </a:prstGeom>
-        </p:spPr>
-      </p:pic>
       <p:sp>
         <p:nvSpPr>
-          <p:cNvPr id="184" name="TextBox 183">
-            <a:extLst>
-              <a:ext uri="{FF2B5EF4-FFF2-40B4-BE49-F238E27FC236}">
-                <a16:creationId xmlns:a16="http://schemas.microsoft.com/office/drawing/2014/main" id="{FFDF177B-9AFA-44E5-99AB-81849B9871CC}"/>
+          <p:cNvPr id="457" name="TextBox 456">
+            <a:extLst>
+              <a:ext uri="{FF2B5EF4-FFF2-40B4-BE49-F238E27FC236}">
+                <a16:creationId xmlns:a16="http://schemas.microsoft.com/office/drawing/2014/main" id="{37D45678-B77B-4C41-B39F-5122EA3DE668}"/>
               </a:ext>
             </a:extLst>
           </p:cNvPr>
@@ -16164,8 +15266,8 @@
         </p:nvSpPr>
         <p:spPr>
           <a:xfrm>
-            <a:off x="5965932" y="4381380"/>
-            <a:ext cx="930696" cy="369332"/>
+            <a:off x="2304451" y="8290488"/>
+            <a:ext cx="911665" cy="261610"/>
           </a:xfrm>
           <a:prstGeom prst="rect">
             <a:avLst/>
@@ -16178,29 +15280,348 @@
           </a:bodyPr>
           <a:lstStyle/>
           <a:p>
+            <a:r>
+              <a:rPr lang="en-US" sz="1100" dirty="0">
+                <a:solidFill>
+                  <a:schemeClr val="bg1">
+                    <a:lumMod val="75000"/>
+                  </a:schemeClr>
+                </a:solidFill>
+              </a:rPr>
+              <a:t>Blockchain</a:t>
+            </a:r>
+          </a:p>
+        </p:txBody>
+      </p:sp>
+      <p:sp>
+        <p:nvSpPr>
+          <p:cNvPr id="458" name="Oval 457">
+            <a:extLst>
+              <a:ext uri="{FF2B5EF4-FFF2-40B4-BE49-F238E27FC236}">
+                <a16:creationId xmlns:a16="http://schemas.microsoft.com/office/drawing/2014/main" id="{71E1119B-5D4B-4D62-87B2-CB834410B962}"/>
+              </a:ext>
+            </a:extLst>
+          </p:cNvPr>
+          <p:cNvSpPr/>
+          <p:nvPr/>
+        </p:nvSpPr>
+        <p:spPr>
+          <a:xfrm>
+            <a:off x="2610188" y="8201721"/>
+            <a:ext cx="127756" cy="118800"/>
+          </a:xfrm>
+          <a:prstGeom prst="ellipse">
+            <a:avLst/>
+          </a:prstGeom>
+          <a:solidFill>
+            <a:schemeClr val="tx2"/>
+          </a:solidFill>
+          <a:ln>
+            <a:noFill/>
+          </a:ln>
+        </p:spPr>
+        <p:style>
+          <a:lnRef idx="2">
+            <a:schemeClr val="accent1">
+              <a:shade val="50000"/>
+            </a:schemeClr>
+          </a:lnRef>
+          <a:fillRef idx="1">
+            <a:schemeClr val="accent1"/>
+          </a:fillRef>
+          <a:effectRef idx="0">
+            <a:schemeClr val="accent1"/>
+          </a:effectRef>
+          <a:fontRef idx="minor">
+            <a:schemeClr val="lt1"/>
+          </a:fontRef>
+        </p:style>
+        <p:txBody>
+          <a:bodyPr rtlCol="0" anchor="ctr"/>
+          <a:lstStyle/>
+          <a:p>
             <a:pPr algn="ctr"/>
-            <a:r>
-              <a:rPr lang="en-US" sz="600" dirty="0">
+            <a:endParaRPr lang="en-US"/>
+          </a:p>
+        </p:txBody>
+      </p:sp>
+      <p:cxnSp>
+        <p:nvCxnSpPr>
+          <p:cNvPr id="258" name="Straight Connector 257">
+            <a:extLst>
+              <a:ext uri="{FF2B5EF4-FFF2-40B4-BE49-F238E27FC236}">
+                <a16:creationId xmlns:a16="http://schemas.microsoft.com/office/drawing/2014/main" id="{47803F94-2879-449A-92F7-EC2F70117A8E}"/>
+              </a:ext>
+            </a:extLst>
+          </p:cNvPr>
+          <p:cNvCxnSpPr>
+            <a:cxnSpLocks/>
+          </p:cNvCxnSpPr>
+          <p:nvPr/>
+        </p:nvCxnSpPr>
+        <p:spPr>
+          <a:xfrm>
+            <a:off x="3804392" y="7559562"/>
+            <a:ext cx="1" cy="654304"/>
+          </a:xfrm>
+          <a:prstGeom prst="line">
+            <a:avLst/>
+          </a:prstGeom>
+          <a:ln>
+            <a:solidFill>
+              <a:schemeClr val="tx2">
+                <a:lumMod val="40000"/>
+                <a:lumOff val="60000"/>
+              </a:schemeClr>
+            </a:solidFill>
+          </a:ln>
+        </p:spPr>
+        <p:style>
+          <a:lnRef idx="1">
+            <a:schemeClr val="accent1"/>
+          </a:lnRef>
+          <a:fillRef idx="0">
+            <a:schemeClr val="accent1"/>
+          </a:fillRef>
+          <a:effectRef idx="0">
+            <a:schemeClr val="accent1"/>
+          </a:effectRef>
+          <a:fontRef idx="minor">
+            <a:schemeClr val="tx1"/>
+          </a:fontRef>
+        </p:style>
+      </p:cxnSp>
+      <p:sp>
+        <p:nvSpPr>
+          <p:cNvPr id="259" name="TextBox 258">
+            <a:extLst>
+              <a:ext uri="{FF2B5EF4-FFF2-40B4-BE49-F238E27FC236}">
+                <a16:creationId xmlns:a16="http://schemas.microsoft.com/office/drawing/2014/main" id="{E871ECBC-7A88-4BE5-A991-8354F2B10CC9}"/>
+              </a:ext>
+            </a:extLst>
+          </p:cNvPr>
+          <p:cNvSpPr txBox="1"/>
+          <p:nvPr/>
+        </p:nvSpPr>
+        <p:spPr>
+          <a:xfrm>
+            <a:off x="3379465" y="8283638"/>
+            <a:ext cx="911665" cy="430887"/>
+          </a:xfrm>
+          <a:prstGeom prst="rect">
+            <a:avLst/>
+          </a:prstGeom>
+          <a:noFill/>
+        </p:spPr>
+        <p:txBody>
+          <a:bodyPr wrap="square" rtlCol="0">
+            <a:spAutoFit/>
+          </a:bodyPr>
+          <a:lstStyle/>
+          <a:p>
+            <a:pPr algn="ctr"/>
+            <a:r>
+              <a:rPr lang="en-US" sz="1100" dirty="0">
                 <a:solidFill>
                   <a:schemeClr val="bg1">
-                    <a:lumMod val="65000"/>
+                    <a:lumMod val="75000"/>
                   </a:schemeClr>
                 </a:solidFill>
               </a:rPr>
-              <a:t>Lead Blockchain Dev &amp; Architect </a:t>
-            </a:r>
-          </a:p>
+              <a:t>Data Science</a:t>
+            </a:r>
+          </a:p>
+        </p:txBody>
+      </p:sp>
+      <p:sp>
+        <p:nvSpPr>
+          <p:cNvPr id="260" name="Oval 259">
+            <a:extLst>
+              <a:ext uri="{FF2B5EF4-FFF2-40B4-BE49-F238E27FC236}">
+                <a16:creationId xmlns:a16="http://schemas.microsoft.com/office/drawing/2014/main" id="{C900A374-8DD9-4E50-A74E-658993011218}"/>
+              </a:ext>
+            </a:extLst>
+          </p:cNvPr>
+          <p:cNvSpPr/>
+          <p:nvPr/>
+        </p:nvSpPr>
+        <p:spPr>
+          <a:xfrm>
+            <a:off x="3744504" y="8201721"/>
+            <a:ext cx="127756" cy="118800"/>
+          </a:xfrm>
+          <a:prstGeom prst="ellipse">
+            <a:avLst/>
+          </a:prstGeom>
+          <a:solidFill>
+            <a:schemeClr val="tx2"/>
+          </a:solidFill>
+          <a:ln>
+            <a:noFill/>
+          </a:ln>
+        </p:spPr>
+        <p:style>
+          <a:lnRef idx="2">
+            <a:schemeClr val="accent1">
+              <a:shade val="50000"/>
+            </a:schemeClr>
+          </a:lnRef>
+          <a:fillRef idx="1">
+            <a:schemeClr val="accent1"/>
+          </a:fillRef>
+          <a:effectRef idx="0">
+            <a:schemeClr val="accent1"/>
+          </a:effectRef>
+          <a:fontRef idx="minor">
+            <a:schemeClr val="lt1"/>
+          </a:fontRef>
+        </p:style>
+        <p:txBody>
+          <a:bodyPr rtlCol="0" anchor="ctr"/>
+          <a:lstStyle/>
           <a:p>
             <a:pPr algn="ctr"/>
-            <a:r>
-              <a:rPr lang="en-US" sz="600" dirty="0">
+            <a:endParaRPr lang="en-US"/>
+          </a:p>
+        </p:txBody>
+      </p:sp>
+      <p:cxnSp>
+        <p:nvCxnSpPr>
+          <p:cNvPr id="261" name="Straight Connector 260">
+            <a:extLst>
+              <a:ext uri="{FF2B5EF4-FFF2-40B4-BE49-F238E27FC236}">
+                <a16:creationId xmlns:a16="http://schemas.microsoft.com/office/drawing/2014/main" id="{82CD0EA7-CB0C-44DB-8E39-28E4A117DC0F}"/>
+              </a:ext>
+            </a:extLst>
+          </p:cNvPr>
+          <p:cNvCxnSpPr>
+            <a:cxnSpLocks/>
+            <a:endCxn id="262" idx="0"/>
+          </p:cNvCxnSpPr>
+          <p:nvPr/>
+        </p:nvCxnSpPr>
+        <p:spPr>
+          <a:xfrm>
+            <a:off x="4271940" y="7559040"/>
+            <a:ext cx="5522" cy="1100156"/>
+          </a:xfrm>
+          <a:prstGeom prst="line">
+            <a:avLst/>
+          </a:prstGeom>
+          <a:ln>
+            <a:solidFill>
+              <a:schemeClr val="tx2">
+                <a:lumMod val="40000"/>
+                <a:lumOff val="60000"/>
+              </a:schemeClr>
+            </a:solidFill>
+          </a:ln>
+        </p:spPr>
+        <p:style>
+          <a:lnRef idx="1">
+            <a:schemeClr val="accent1"/>
+          </a:lnRef>
+          <a:fillRef idx="0">
+            <a:schemeClr val="accent1"/>
+          </a:fillRef>
+          <a:effectRef idx="0">
+            <a:schemeClr val="accent1"/>
+          </a:effectRef>
+          <a:fontRef idx="minor">
+            <a:schemeClr val="tx1"/>
+          </a:fontRef>
+        </p:style>
+      </p:cxnSp>
+      <p:sp>
+        <p:nvSpPr>
+          <p:cNvPr id="262" name="Oval 261">
+            <a:extLst>
+              <a:ext uri="{FF2B5EF4-FFF2-40B4-BE49-F238E27FC236}">
+                <a16:creationId xmlns:a16="http://schemas.microsoft.com/office/drawing/2014/main" id="{DCCAD178-1F1E-4B01-9416-176C7910091E}"/>
+              </a:ext>
+            </a:extLst>
+          </p:cNvPr>
+          <p:cNvSpPr/>
+          <p:nvPr/>
+        </p:nvSpPr>
+        <p:spPr>
+          <a:xfrm>
+            <a:off x="4213584" y="8659196"/>
+            <a:ext cx="127756" cy="118800"/>
+          </a:xfrm>
+          <a:prstGeom prst="ellipse">
+            <a:avLst/>
+          </a:prstGeom>
+          <a:solidFill>
+            <a:schemeClr val="tx2"/>
+          </a:solidFill>
+          <a:ln>
+            <a:noFill/>
+          </a:ln>
+        </p:spPr>
+        <p:style>
+          <a:lnRef idx="2">
+            <a:schemeClr val="accent1">
+              <a:shade val="50000"/>
+            </a:schemeClr>
+          </a:lnRef>
+          <a:fillRef idx="1">
+            <a:schemeClr val="accent1"/>
+          </a:fillRef>
+          <a:effectRef idx="0">
+            <a:schemeClr val="accent1"/>
+          </a:effectRef>
+          <a:fontRef idx="minor">
+            <a:schemeClr val="lt1"/>
+          </a:fontRef>
+        </p:style>
+        <p:txBody>
+          <a:bodyPr rtlCol="0" anchor="ctr"/>
+          <a:lstStyle/>
+          <a:p>
+            <a:pPr algn="ctr"/>
+            <a:endParaRPr lang="en-US"/>
+          </a:p>
+        </p:txBody>
+      </p:sp>
+      <p:sp>
+        <p:nvSpPr>
+          <p:cNvPr id="265" name="TextBox 264">
+            <a:extLst>
+              <a:ext uri="{FF2B5EF4-FFF2-40B4-BE49-F238E27FC236}">
+                <a16:creationId xmlns:a16="http://schemas.microsoft.com/office/drawing/2014/main" id="{6BDB7D3F-4917-41B2-B302-DE8ED9725FF1}"/>
+              </a:ext>
+            </a:extLst>
+          </p:cNvPr>
+          <p:cNvSpPr txBox="1"/>
+          <p:nvPr/>
+        </p:nvSpPr>
+        <p:spPr>
+          <a:xfrm>
+            <a:off x="3850392" y="8773144"/>
+            <a:ext cx="911665" cy="261610"/>
+          </a:xfrm>
+          <a:prstGeom prst="rect">
+            <a:avLst/>
+          </a:prstGeom>
+          <a:noFill/>
+        </p:spPr>
+        <p:txBody>
+          <a:bodyPr wrap="square" rtlCol="0">
+            <a:spAutoFit/>
+          </a:bodyPr>
+          <a:lstStyle/>
+          <a:p>
+            <a:pPr algn="ctr"/>
+            <a:r>
+              <a:rPr lang="en-US" sz="1100" dirty="0">
                 <a:solidFill>
                   <a:schemeClr val="bg1">
-                    <a:lumMod val="65000"/>
+                    <a:lumMod val="75000"/>
                   </a:schemeClr>
                 </a:solidFill>
               </a:rPr>
-              <a:t>@ BOOT Finance</a:t>
+              <a:t>Product</a:t>
             </a:r>
           </a:p>
         </p:txBody>
@@ -16499,7 +15920,7 @@
         <p:spPr>
           <a:xfrm>
             <a:off x="299720" y="1450423"/>
-            <a:ext cx="6258560" cy="7586821"/>
+            <a:ext cx="6258560" cy="6454972"/>
           </a:xfrm>
           <a:prstGeom prst="rect">
             <a:avLst/>
@@ -16537,7 +15958,7 @@
                 <a:ea typeface="Calibri" panose="020F0502020204030204" pitchFamily="34" charset="0"/>
                 <a:cs typeface="Mangal" panose="02040503050203030202" pitchFamily="18" charset="0"/>
               </a:rPr>
-              <a:t>Working as Lead Blockchain Developer &amp; Architect for upcoming </a:t>
+              <a:t>Worked as Lead Blockchain Developer &amp; Architect for a </a:t>
             </a:r>
             <a:r>
               <a:rPr lang="en-IN" sz="1100" dirty="0" err="1">
@@ -16565,35 +15986,7 @@
                 <a:ea typeface="Calibri" panose="020F0502020204030204" pitchFamily="34" charset="0"/>
                 <a:cs typeface="Mangal" panose="02040503050203030202" pitchFamily="18" charset="0"/>
               </a:rPr>
-              <a:t> protocol Boot Finance with an already existing crypto </a:t>
-            </a:r>
-            <a:r>
-              <a:rPr lang="en-IN" sz="1100" dirty="0" err="1">
-                <a:solidFill>
-                  <a:schemeClr val="bg1">
-                    <a:lumMod val="85000"/>
-                  </a:schemeClr>
-                </a:solidFill>
-                <a:effectLst/>
-                <a:latin typeface="Calibri" panose="020F0502020204030204" pitchFamily="34" charset="0"/>
-                <a:ea typeface="Calibri" panose="020F0502020204030204" pitchFamily="34" charset="0"/>
-                <a:cs typeface="Mangal" panose="02040503050203030202" pitchFamily="18" charset="0"/>
-              </a:rPr>
-              <a:t>marketcap</a:t>
-            </a:r>
-            <a:r>
-              <a:rPr lang="en-IN" sz="1100" dirty="0">
-                <a:solidFill>
-                  <a:schemeClr val="bg1">
-                    <a:lumMod val="85000"/>
-                  </a:schemeClr>
-                </a:solidFill>
-                <a:effectLst/>
-                <a:latin typeface="Calibri" panose="020F0502020204030204" pitchFamily="34" charset="0"/>
-                <a:ea typeface="Calibri" panose="020F0502020204030204" pitchFamily="34" charset="0"/>
-                <a:cs typeface="Mangal" panose="02040503050203030202" pitchFamily="18" charset="0"/>
-              </a:rPr>
-              <a:t> of 6M USD. I have familiarity with projects like </a:t>
+              <a:t> protocol and also familiar with projects like </a:t>
             </a:r>
             <a:r>
               <a:rPr lang="en-IN" sz="1100" dirty="0" err="1">
@@ -16624,7 +16017,72 @@
               <a:t>, Curve, Saddle, Swerve. </a:t>
             </a:r>
             <a:r>
-              <a:rPr lang="en-IN" sz="1100" u="sng" dirty="0">
+              <a:rPr lang="en-IN" sz="1100" dirty="0">
+                <a:solidFill>
+                  <a:schemeClr val="bg1">
+                    <a:lumMod val="85000"/>
+                  </a:schemeClr>
+                </a:solidFill>
+                <a:latin typeface="Calibri" panose="020F0502020204030204" pitchFamily="34" charset="0"/>
+                <a:ea typeface="Calibri" panose="020F0502020204030204" pitchFamily="34" charset="0"/>
+                <a:cs typeface="Mangal" panose="02040503050203030202" pitchFamily="18" charset="0"/>
+              </a:rPr>
+              <a:t>Also worked on Cross-chain Bridge for implementation of token &amp; vesting contracts with </a:t>
+            </a:r>
+            <a:r>
+              <a:rPr lang="en-IN" sz="1100" dirty="0" err="1">
+                <a:solidFill>
+                  <a:schemeClr val="bg1">
+                    <a:lumMod val="85000"/>
+                  </a:schemeClr>
+                </a:solidFill>
+                <a:latin typeface="Calibri" panose="020F0502020204030204" pitchFamily="34" charset="0"/>
+                <a:ea typeface="Calibri" panose="020F0502020204030204" pitchFamily="34" charset="0"/>
+                <a:cs typeface="Mangal" panose="02040503050203030202" pitchFamily="18" charset="0"/>
+              </a:rPr>
+              <a:t>timelock</a:t>
+            </a:r>
+            <a:r>
+              <a:rPr lang="en-IN" sz="1100" dirty="0">
+                <a:solidFill>
+                  <a:schemeClr val="bg1">
+                    <a:lumMod val="85000"/>
+                  </a:schemeClr>
+                </a:solidFill>
+                <a:latin typeface="Calibri" panose="020F0502020204030204" pitchFamily="34" charset="0"/>
+                <a:ea typeface="Calibri" panose="020F0502020204030204" pitchFamily="34" charset="0"/>
+                <a:cs typeface="Mangal" panose="02040503050203030202" pitchFamily="18" charset="0"/>
+              </a:rPr>
+              <a:t> functionality for the tokens transferred from </a:t>
+            </a:r>
+            <a:r>
+              <a:rPr lang="en-IN" sz="1100" dirty="0" err="1">
+                <a:solidFill>
+                  <a:schemeClr val="bg1">
+                    <a:lumMod val="85000"/>
+                  </a:schemeClr>
+                </a:solidFill>
+                <a:latin typeface="Calibri" panose="020F0502020204030204" pitchFamily="34" charset="0"/>
+                <a:ea typeface="Calibri" panose="020F0502020204030204" pitchFamily="34" charset="0"/>
+                <a:cs typeface="Mangal" panose="02040503050203030202" pitchFamily="18" charset="0"/>
+              </a:rPr>
+              <a:t>DeFi</a:t>
+            </a:r>
+            <a:r>
+              <a:rPr lang="en-IN" sz="1100" dirty="0">
+                <a:solidFill>
+                  <a:schemeClr val="bg1">
+                    <a:lumMod val="85000"/>
+                  </a:schemeClr>
+                </a:solidFill>
+                <a:latin typeface="Calibri" panose="020F0502020204030204" pitchFamily="34" charset="0"/>
+                <a:ea typeface="Calibri" panose="020F0502020204030204" pitchFamily="34" charset="0"/>
+                <a:cs typeface="Mangal" panose="02040503050203030202" pitchFamily="18" charset="0"/>
+              </a:rPr>
+              <a:t> protocols during swap</a:t>
+            </a:r>
+            <a:r>
+              <a:rPr lang="en-IN" sz="1100" dirty="0">
                 <a:solidFill>
                   <a:schemeClr val="bg1">
                     <a:lumMod val="85000"/>
@@ -16635,49 +16093,7 @@
                 <a:ea typeface="Calibri" panose="020F0502020204030204" pitchFamily="34" charset="0"/>
                 <a:cs typeface="Mangal" panose="02040503050203030202" pitchFamily="18" charset="0"/>
               </a:rPr>
-              <a:t>Language used</a:t>
-            </a:r>
-            <a:r>
-              <a:rPr lang="en-IN" sz="1100" dirty="0">
-                <a:solidFill>
-                  <a:schemeClr val="bg1">
-                    <a:lumMod val="85000"/>
-                  </a:schemeClr>
-                </a:solidFill>
-                <a:effectLst/>
-                <a:latin typeface="Calibri" panose="020F0502020204030204" pitchFamily="34" charset="0"/>
-                <a:ea typeface="Calibri" panose="020F0502020204030204" pitchFamily="34" charset="0"/>
-                <a:cs typeface="Mangal" panose="02040503050203030202" pitchFamily="18" charset="0"/>
-              </a:rPr>
-              <a:t>: Solidity, </a:t>
-            </a:r>
-            <a:r>
-              <a:rPr lang="en-IN" sz="1100" dirty="0" err="1">
-                <a:solidFill>
-                  <a:schemeClr val="bg1">
-                    <a:lumMod val="85000"/>
-                  </a:schemeClr>
-                </a:solidFill>
-                <a:effectLst/>
-                <a:latin typeface="Calibri" panose="020F0502020204030204" pitchFamily="34" charset="0"/>
-                <a:ea typeface="Calibri" panose="020F0502020204030204" pitchFamily="34" charset="0"/>
-                <a:cs typeface="Mangal" panose="02040503050203030202" pitchFamily="18" charset="0"/>
-              </a:rPr>
-              <a:t>Vyper</a:t>
-            </a:r>
-            <a:r>
-              <a:rPr lang="en-IN" sz="1100" dirty="0">
-                <a:solidFill>
-                  <a:schemeClr val="bg1">
-                    <a:lumMod val="85000"/>
-                  </a:schemeClr>
-                </a:solidFill>
-                <a:effectLst/>
-                <a:latin typeface="Calibri" panose="020F0502020204030204" pitchFamily="34" charset="0"/>
-                <a:ea typeface="Calibri" panose="020F0502020204030204" pitchFamily="34" charset="0"/>
-                <a:cs typeface="Mangal" panose="02040503050203030202" pitchFamily="18" charset="0"/>
-              </a:rPr>
-              <a:t>, Python.</a:t>
+              <a:t>.</a:t>
             </a:r>
           </a:p>
           <a:p>
@@ -16701,92 +16117,15 @@
                     <a:lumMod val="85000"/>
                   </a:schemeClr>
                 </a:solidFill>
-                <a:latin typeface="Calibri" panose="020F0502020204030204" pitchFamily="34" charset="0"/>
-                <a:ea typeface="Calibri" panose="020F0502020204030204" pitchFamily="34" charset="0"/>
-                <a:cs typeface="Mangal" panose="02040503050203030202" pitchFamily="18" charset="0"/>
-              </a:rPr>
-              <a:t>Working on a </a:t>
-            </a:r>
-            <a:r>
-              <a:rPr lang="en-IN" sz="1100" dirty="0" err="1">
-                <a:solidFill>
-                  <a:schemeClr val="bg1">
-                    <a:lumMod val="85000"/>
-                  </a:schemeClr>
-                </a:solidFill>
-                <a:latin typeface="Calibri" panose="020F0502020204030204" pitchFamily="34" charset="0"/>
-                <a:ea typeface="Calibri" panose="020F0502020204030204" pitchFamily="34" charset="0"/>
-                <a:cs typeface="Mangal" panose="02040503050203030202" pitchFamily="18" charset="0"/>
-              </a:rPr>
-              <a:t>DeFi</a:t>
-            </a:r>
-            <a:r>
-              <a:rPr lang="en-IN" sz="1100" dirty="0">
-                <a:solidFill>
-                  <a:schemeClr val="bg1">
-                    <a:lumMod val="85000"/>
-                  </a:schemeClr>
-                </a:solidFill>
-                <a:latin typeface="Calibri" panose="020F0502020204030204" pitchFamily="34" charset="0"/>
-                <a:ea typeface="Calibri" panose="020F0502020204030204" pitchFamily="34" charset="0"/>
-                <a:cs typeface="Mangal" panose="02040503050203030202" pitchFamily="18" charset="0"/>
-              </a:rPr>
-              <a:t> Chatbot – </a:t>
-            </a:r>
-            <a:r>
-              <a:rPr lang="en-IN" sz="1100" dirty="0" err="1">
-                <a:solidFill>
-                  <a:schemeClr val="bg1">
-                    <a:lumMod val="85000"/>
-                  </a:schemeClr>
-                </a:solidFill>
-                <a:latin typeface="Calibri" panose="020F0502020204030204" pitchFamily="34" charset="0"/>
-                <a:ea typeface="Calibri" panose="020F0502020204030204" pitchFamily="34" charset="0"/>
-                <a:cs typeface="Mangal" panose="02040503050203030202" pitchFamily="18" charset="0"/>
-              </a:rPr>
-              <a:t>ProFi</a:t>
-            </a:r>
-            <a:r>
-              <a:rPr lang="en-IN" sz="1100" dirty="0">
-                <a:solidFill>
-                  <a:schemeClr val="bg1">
-                    <a:lumMod val="85000"/>
-                  </a:schemeClr>
-                </a:solidFill>
-                <a:latin typeface="Calibri" panose="020F0502020204030204" pitchFamily="34" charset="0"/>
-                <a:ea typeface="Calibri" panose="020F0502020204030204" pitchFamily="34" charset="0"/>
-                <a:cs typeface="Mangal" panose="02040503050203030202" pitchFamily="18" charset="0"/>
-              </a:rPr>
-              <a:t>, </a:t>
-            </a:r>
-            <a:r>
-              <a:rPr lang="en-US" sz="1100" dirty="0">
-                <a:solidFill>
-                  <a:schemeClr val="bg1">
-                    <a:lumMod val="85000"/>
-                  </a:schemeClr>
-                </a:solidFill>
-                <a:latin typeface="Calibri" panose="020F0502020204030204" pitchFamily="34" charset="0"/>
-                <a:cs typeface="Mangal" panose="02040503050203030202" pitchFamily="18" charset="0"/>
-              </a:rPr>
-              <a:t>which gives Analytical visual charts with modern UI/UX inside the chat room. It is aimed at enabling non-crypto users connect to the decentralized Banking services with earning interests via investment in liquidity providing without IL, lending/borrowing at a competitive rate. </a:t>
-            </a:r>
-            <a:r>
-              <a:rPr lang="en-IN" sz="1100" u="sng" dirty="0">
-                <a:solidFill>
-                  <a:schemeClr val="bg1">
-                    <a:lumMod val="85000"/>
-                  </a:schemeClr>
-                </a:solidFill>
                 <a:effectLst/>
                 <a:latin typeface="Calibri" panose="020F0502020204030204" pitchFamily="34" charset="0"/>
                 <a:ea typeface="Calibri" panose="020F0502020204030204" pitchFamily="34" charset="0"/>
                 <a:cs typeface="Mangal" panose="02040503050203030202" pitchFamily="18" charset="0"/>
               </a:rPr>
-              <a:t>Language used</a:t>
-            </a:r>
-            <a:r>
-              <a:rPr lang="en-IN" sz="1100" dirty="0">
+              <a:t>Full Stack development of a product App – ‘</a:t>
+            </a:r>
+            <a:r>
+              <a:rPr lang="en-IN" sz="1100" dirty="0" err="1">
                 <a:solidFill>
                   <a:schemeClr val="bg1">
                     <a:lumMod val="85000"/>
@@ -16797,10 +16136,10 @@
                 <a:ea typeface="Calibri" panose="020F0502020204030204" pitchFamily="34" charset="0"/>
                 <a:cs typeface="Mangal" panose="02040503050203030202" pitchFamily="18" charset="0"/>
               </a:rPr>
-              <a:t>: Solidity, </a:t>
-            </a:r>
-            <a:r>
-              <a:rPr lang="en-IN" sz="1100" dirty="0" err="1">
+              <a:t>BitInfoCoin</a:t>
+            </a:r>
+            <a:r>
+              <a:rPr lang="en-IN" sz="1100" dirty="0">
                 <a:solidFill>
                   <a:schemeClr val="bg1">
                     <a:lumMod val="85000"/>
@@ -16811,29 +16150,16 @@
                 <a:ea typeface="Calibri" panose="020F0502020204030204" pitchFamily="34" charset="0"/>
                 <a:cs typeface="Mangal" panose="02040503050203030202" pitchFamily="18" charset="0"/>
               </a:rPr>
-              <a:t>Vyper</a:t>
-            </a:r>
-            <a:r>
-              <a:rPr lang="en-IN" sz="1100" dirty="0">
-                <a:solidFill>
-                  <a:schemeClr val="bg1">
-                    <a:lumMod val="85000"/>
-                  </a:schemeClr>
-                </a:solidFill>
-                <a:effectLst/>
-                <a:latin typeface="Calibri" panose="020F0502020204030204" pitchFamily="34" charset="0"/>
-                <a:ea typeface="Calibri" panose="020F0502020204030204" pitchFamily="34" charset="0"/>
-                <a:cs typeface="Mangal" panose="02040503050203030202" pitchFamily="18" charset="0"/>
-              </a:rPr>
-              <a:t>, Python, Bash.</a:t>
-            </a:r>
-            <a:endParaRPr lang="en-IN" sz="1100" dirty="0">
+              <a:t>’ in Crypto space.</a:t>
+            </a:r>
+            <a:endParaRPr lang="en-US" sz="1100" dirty="0">
               <a:solidFill>
                 <a:schemeClr val="bg1">
                   <a:lumMod val="85000"/>
                 </a:schemeClr>
               </a:solidFill>
               <a:latin typeface="Calibri" panose="020F0502020204030204" pitchFamily="34" charset="0"/>
+              <a:ea typeface="Calibri" panose="020F0502020204030204" pitchFamily="34" charset="0"/>
               <a:cs typeface="Mangal" panose="02040503050203030202" pitchFamily="18" charset="0"/>
             </a:endParaRPr>
           </a:p>
@@ -16863,7 +16189,7 @@
                 <a:ea typeface="Calibri" panose="020F0502020204030204" pitchFamily="34" charset="0"/>
                 <a:cs typeface="Mangal" panose="02040503050203030202" pitchFamily="18" charset="0"/>
               </a:rPr>
-              <a:t>Designed &amp; Developed an All-in-One Android App – ‘</a:t>
+              <a:t>Designed &amp; Developed the Smart Contract System Design with suite of smart contracts for a Ride Sharing </a:t>
             </a:r>
             <a:r>
               <a:rPr lang="en-IN" sz="1100" dirty="0" err="1">
@@ -16877,7 +16203,7 @@
                 <a:ea typeface="Calibri" panose="020F0502020204030204" pitchFamily="34" charset="0"/>
                 <a:cs typeface="Mangal" panose="02040503050203030202" pitchFamily="18" charset="0"/>
               </a:rPr>
-              <a:t>BitInfoCoin</a:t>
+              <a:t>DApp</a:t>
             </a:r>
             <a:r>
               <a:rPr lang="en-IN" sz="1100" dirty="0">
@@ -16891,35 +16217,72 @@
                 <a:ea typeface="Calibri" panose="020F0502020204030204" pitchFamily="34" charset="0"/>
                 <a:cs typeface="Mangal" panose="02040503050203030202" pitchFamily="18" charset="0"/>
               </a:rPr>
-              <a:t>’ for Crypto Industry in 2017, which attained a stupendous figure of 10,000 users in a month. </a:t>
-            </a:r>
-            <a:r>
-              <a:rPr lang="en-IN" sz="1100" u="sng" dirty="0">
+              <a:t> and wrote the technical whitepaper. Thi</a:t>
+            </a:r>
+            <a:r>
+              <a:rPr lang="en-IN" sz="1100" dirty="0">
                 <a:solidFill>
                   <a:schemeClr val="bg1">
                     <a:lumMod val="85000"/>
                   </a:schemeClr>
                 </a:solidFill>
-                <a:effectLst/>
                 <a:latin typeface="Calibri" panose="020F0502020204030204" pitchFamily="34" charset="0"/>
                 <a:ea typeface="Calibri" panose="020F0502020204030204" pitchFamily="34" charset="0"/>
                 <a:cs typeface="Mangal" panose="02040503050203030202" pitchFamily="18" charset="0"/>
               </a:rPr>
-              <a:t>Language used</a:t>
-            </a:r>
-            <a:r>
-              <a:rPr lang="en-IN" sz="1100" dirty="0">
+              <a:t>s also featured a ‘free Rides’ trade AMM based marketplace with all-time liquidity using </a:t>
+            </a:r>
+            <a:r>
+              <a:rPr lang="en-IN" sz="1100" dirty="0" err="1">
                 <a:solidFill>
                   <a:schemeClr val="bg1">
                     <a:lumMod val="85000"/>
                   </a:schemeClr>
                 </a:solidFill>
-                <a:effectLst/>
                 <a:latin typeface="Calibri" panose="020F0502020204030204" pitchFamily="34" charset="0"/>
                 <a:ea typeface="Calibri" panose="020F0502020204030204" pitchFamily="34" charset="0"/>
                 <a:cs typeface="Mangal" panose="02040503050203030202" pitchFamily="18" charset="0"/>
               </a:rPr>
-              <a:t>: XML, Java.</a:t>
+              <a:t>DeFi’s</a:t>
+            </a:r>
+            <a:r>
+              <a:rPr lang="en-IN" sz="1100" dirty="0">
+                <a:solidFill>
+                  <a:schemeClr val="bg1">
+                    <a:lumMod val="85000"/>
+                  </a:schemeClr>
+                </a:solidFill>
+                <a:latin typeface="Calibri" panose="020F0502020204030204" pitchFamily="34" charset="0"/>
+                <a:ea typeface="Calibri" panose="020F0502020204030204" pitchFamily="34" charset="0"/>
+                <a:cs typeface="Mangal" panose="02040503050203030202" pitchFamily="18" charset="0"/>
+              </a:rPr>
+              <a:t> </a:t>
+            </a:r>
+            <a:r>
+              <a:rPr lang="en-IN" sz="1100" dirty="0" err="1">
+                <a:solidFill>
+                  <a:schemeClr val="bg1">
+                    <a:lumMod val="85000"/>
+                  </a:schemeClr>
+                </a:solidFill>
+                <a:latin typeface="Calibri" panose="020F0502020204030204" pitchFamily="34" charset="0"/>
+                <a:ea typeface="Calibri" panose="020F0502020204030204" pitchFamily="34" charset="0"/>
+                <a:cs typeface="Mangal" panose="02040503050203030202" pitchFamily="18" charset="0"/>
+              </a:rPr>
+              <a:t>Bancor</a:t>
+            </a:r>
+            <a:r>
+              <a:rPr lang="en-IN" sz="1100" dirty="0">
+                <a:solidFill>
+                  <a:schemeClr val="bg1">
+                    <a:lumMod val="85000"/>
+                  </a:schemeClr>
+                </a:solidFill>
+                <a:latin typeface="Calibri" panose="020F0502020204030204" pitchFamily="34" charset="0"/>
+                <a:ea typeface="Calibri" panose="020F0502020204030204" pitchFamily="34" charset="0"/>
+                <a:cs typeface="Mangal" panose="02040503050203030202" pitchFamily="18" charset="0"/>
+              </a:rPr>
+              <a:t> Algorithm.</a:t>
             </a:r>
             <a:endParaRPr lang="en-US" sz="1100" dirty="0">
               <a:solidFill>
@@ -16927,6 +16290,44 @@
                   <a:lumMod val="85000"/>
                 </a:schemeClr>
               </a:solidFill>
+              <a:effectLst/>
+              <a:latin typeface="Calibri" panose="020F0502020204030204" pitchFamily="34" charset="0"/>
+              <a:ea typeface="Calibri" panose="020F0502020204030204" pitchFamily="34" charset="0"/>
+              <a:cs typeface="Mangal" panose="02040503050203030202" pitchFamily="18" charset="0"/>
+            </a:endParaRPr>
+          </a:p>
+          <a:p>
+            <a:pPr marL="342900" indent="-342900" algn="just">
+              <a:lnSpc>
+                <a:spcPct val="115000"/>
+              </a:lnSpc>
+              <a:spcAft>
+                <a:spcPts val="600"/>
+              </a:spcAft>
+              <a:buFont typeface="Symbol" panose="05050102010706020507" pitchFamily="18" charset="2"/>
+              <a:buChar char=""/>
+            </a:pPr>
+            <a:r>
+              <a:rPr lang="en-IN" sz="1100" dirty="0">
+                <a:solidFill>
+                  <a:schemeClr val="bg1">
+                    <a:lumMod val="85000"/>
+                  </a:schemeClr>
+                </a:solidFill>
+                <a:effectLst/>
+                <a:latin typeface="Calibri" panose="020F0502020204030204" pitchFamily="34" charset="0"/>
+                <a:ea typeface="Calibri" panose="020F0502020204030204" pitchFamily="34" charset="0"/>
+                <a:cs typeface="Mangal" panose="02040503050203030202" pitchFamily="18" charset="0"/>
+              </a:rPr>
+              <a:t>Worked on smart contracts for a project “Providing a digital identity for parks to enable humans to interact with and take care of them”.</a:t>
+            </a:r>
+            <a:endParaRPr lang="en-US" sz="1100" dirty="0">
+              <a:solidFill>
+                <a:schemeClr val="bg1">
+                  <a:lumMod val="85000"/>
+                </a:schemeClr>
+              </a:solidFill>
+              <a:effectLst/>
               <a:latin typeface="Calibri" panose="020F0502020204030204" pitchFamily="34" charset="0"/>
               <a:ea typeface="Calibri" panose="020F0502020204030204" pitchFamily="34" charset="0"/>
               <a:cs typeface="Mangal" panose="02040503050203030202" pitchFamily="18" charset="0"/>
@@ -16958,75 +16359,8 @@
                 <a:ea typeface="Calibri" panose="020F0502020204030204" pitchFamily="34" charset="0"/>
                 <a:cs typeface="Mangal" panose="02040503050203030202" pitchFamily="18" charset="0"/>
               </a:rPr>
-              <a:t>Designed the Smart Contract Architecture with Incentivized staking model for a Ride Sharing </a:t>
-            </a:r>
-            <a:r>
-              <a:rPr lang="en-IN" sz="1100" dirty="0" err="1">
-                <a:solidFill>
-                  <a:schemeClr val="bg1">
-                    <a:lumMod val="85000"/>
-                  </a:schemeClr>
-                </a:solidFill>
-                <a:effectLst/>
-                <a:latin typeface="Calibri" panose="020F0502020204030204" pitchFamily="34" charset="0"/>
-                <a:ea typeface="Calibri" panose="020F0502020204030204" pitchFamily="34" charset="0"/>
-                <a:cs typeface="Mangal" panose="02040503050203030202" pitchFamily="18" charset="0"/>
-              </a:rPr>
-              <a:t>DApp</a:t>
-            </a:r>
-            <a:r>
-              <a:rPr lang="en-IN" sz="1100" dirty="0">
-                <a:solidFill>
-                  <a:schemeClr val="bg1">
-                    <a:lumMod val="85000"/>
-                  </a:schemeClr>
-                </a:solidFill>
-                <a:effectLst/>
-                <a:latin typeface="Calibri" panose="020F0502020204030204" pitchFamily="34" charset="0"/>
-                <a:ea typeface="Calibri" panose="020F0502020204030204" pitchFamily="34" charset="0"/>
-                <a:cs typeface="Mangal" panose="02040503050203030202" pitchFamily="18" charset="0"/>
-              </a:rPr>
-              <a:t> Start-up - ‘DRIFE’. Also wrote the Technical whitepaper with each modules, components illustrated in detail. </a:t>
-            </a:r>
-            <a:r>
-              <a:rPr lang="en-IN" sz="1100" u="sng" dirty="0">
-                <a:solidFill>
-                  <a:schemeClr val="bg1">
-                    <a:lumMod val="85000"/>
-                  </a:schemeClr>
-                </a:solidFill>
-                <a:effectLst/>
-                <a:latin typeface="Calibri" panose="020F0502020204030204" pitchFamily="34" charset="0"/>
-                <a:ea typeface="Calibri" panose="020F0502020204030204" pitchFamily="34" charset="0"/>
-                <a:cs typeface="Mangal" panose="02040503050203030202" pitchFamily="18" charset="0"/>
-              </a:rPr>
-              <a:t>Language used</a:t>
-            </a:r>
-            <a:r>
-              <a:rPr lang="en-IN" sz="1100" dirty="0">
-                <a:solidFill>
-                  <a:schemeClr val="bg1">
-                    <a:lumMod val="85000"/>
-                  </a:schemeClr>
-                </a:solidFill>
-                <a:effectLst/>
-                <a:latin typeface="Calibri" panose="020F0502020204030204" pitchFamily="34" charset="0"/>
-                <a:ea typeface="Calibri" panose="020F0502020204030204" pitchFamily="34" charset="0"/>
-                <a:cs typeface="Mangal" panose="02040503050203030202" pitchFamily="18" charset="0"/>
-              </a:rPr>
-              <a:t>: C/C++, Bash, Markdown.</a:t>
-            </a:r>
-            <a:endParaRPr lang="en-US" sz="1100" dirty="0">
-              <a:solidFill>
-                <a:schemeClr val="bg1">
-                  <a:lumMod val="85000"/>
-                </a:schemeClr>
-              </a:solidFill>
-              <a:effectLst/>
-              <a:latin typeface="Calibri" panose="020F0502020204030204" pitchFamily="34" charset="0"/>
-              <a:ea typeface="Calibri" panose="020F0502020204030204" pitchFamily="34" charset="0"/>
-              <a:cs typeface="Mangal" panose="02040503050203030202" pitchFamily="18" charset="0"/>
-            </a:endParaRPr>
+              <a:t>Worked on smart contracts for ICO along with a report on estimated running cost of resources like on-chain RAM, CPU, NET for both Testnet &amp; Mainnet. </a:t>
+            </a:r>
           </a:p>
           <a:p>
             <a:pPr marL="342900" marR="0" lvl="0" indent="-342900" algn="just">
@@ -17054,10 +16388,23 @@
                 <a:ea typeface="Calibri" panose="020F0502020204030204" pitchFamily="34" charset="0"/>
                 <a:cs typeface="Mangal" panose="02040503050203030202" pitchFamily="18" charset="0"/>
               </a:rPr>
-              <a:t>All modules of Smart Contracts programmed &amp; tested successfully for Ride Sharing </a:t>
-            </a:r>
-            <a:r>
-              <a:rPr lang="en-IN" sz="1100" dirty="0" err="1">
+              <a:t>Built architecture &amp; wrote smart contracts – ICO, Stake, Token for a project on “Automatic payment disbursal to </a:t>
+            </a:r>
+            <a:r>
+              <a:rPr lang="en-IN" sz="1100" dirty="0">
+                <a:solidFill>
+                  <a:schemeClr val="bg1">
+                    <a:lumMod val="85000"/>
+                  </a:schemeClr>
+                </a:solidFill>
+                <a:latin typeface="Calibri" panose="020F0502020204030204" pitchFamily="34" charset="0"/>
+                <a:ea typeface="Calibri" panose="020F0502020204030204" pitchFamily="34" charset="0"/>
+                <a:cs typeface="Mangal" panose="02040503050203030202" pitchFamily="18" charset="0"/>
+              </a:rPr>
+              <a:t>Patient/Doctor </a:t>
+            </a:r>
+            <a:r>
+              <a:rPr lang="en-IN" sz="1100" dirty="0">
                 <a:solidFill>
                   <a:schemeClr val="bg1">
                     <a:lumMod val="85000"/>
@@ -17068,105 +16415,7 @@
                 <a:ea typeface="Calibri" panose="020F0502020204030204" pitchFamily="34" charset="0"/>
                 <a:cs typeface="Mangal" panose="02040503050203030202" pitchFamily="18" charset="0"/>
               </a:rPr>
-              <a:t>DApp</a:t>
-            </a:r>
-            <a:r>
-              <a:rPr lang="en-IN" sz="1100" dirty="0">
-                <a:solidFill>
-                  <a:schemeClr val="bg1">
-                    <a:lumMod val="85000"/>
-                  </a:schemeClr>
-                </a:solidFill>
-                <a:effectLst/>
-                <a:latin typeface="Calibri" panose="020F0502020204030204" pitchFamily="34" charset="0"/>
-                <a:ea typeface="Calibri" panose="020F0502020204030204" pitchFamily="34" charset="0"/>
-                <a:cs typeface="Mangal" panose="02040503050203030202" pitchFamily="18" charset="0"/>
-              </a:rPr>
-              <a:t> - TOE, deployable on EOSIO based Blockchain(s) using C/C++ language. Also, featured a “free Rides“ buy/sell AMM based marketplace with all-time liquidity using </a:t>
-            </a:r>
-            <a:r>
-              <a:rPr lang="en-IN" sz="1100" dirty="0" err="1">
-                <a:solidFill>
-                  <a:schemeClr val="bg1">
-                    <a:lumMod val="85000"/>
-                  </a:schemeClr>
-                </a:solidFill>
-                <a:effectLst/>
-                <a:latin typeface="Calibri" panose="020F0502020204030204" pitchFamily="34" charset="0"/>
-                <a:ea typeface="Calibri" panose="020F0502020204030204" pitchFamily="34" charset="0"/>
-                <a:cs typeface="Mangal" panose="02040503050203030202" pitchFamily="18" charset="0"/>
-              </a:rPr>
-              <a:t>DeFi’s</a:t>
-            </a:r>
-            <a:r>
-              <a:rPr lang="en-IN" sz="1100" dirty="0">
-                <a:solidFill>
-                  <a:schemeClr val="bg1">
-                    <a:lumMod val="85000"/>
-                  </a:schemeClr>
-                </a:solidFill>
-                <a:effectLst/>
-                <a:latin typeface="Calibri" panose="020F0502020204030204" pitchFamily="34" charset="0"/>
-                <a:ea typeface="Calibri" panose="020F0502020204030204" pitchFamily="34" charset="0"/>
-                <a:cs typeface="Mangal" panose="02040503050203030202" pitchFamily="18" charset="0"/>
-              </a:rPr>
-              <a:t> </a:t>
-            </a:r>
-            <a:r>
-              <a:rPr lang="en-IN" sz="1100" dirty="0" err="1">
-                <a:solidFill>
-                  <a:schemeClr val="bg1">
-                    <a:lumMod val="85000"/>
-                  </a:schemeClr>
-                </a:solidFill>
-                <a:effectLst/>
-                <a:latin typeface="Calibri" panose="020F0502020204030204" pitchFamily="34" charset="0"/>
-                <a:ea typeface="Calibri" panose="020F0502020204030204" pitchFamily="34" charset="0"/>
-                <a:cs typeface="Mangal" panose="02040503050203030202" pitchFamily="18" charset="0"/>
-              </a:rPr>
-              <a:t>Bancor</a:t>
-            </a:r>
-            <a:r>
-              <a:rPr lang="en-IN" sz="1100" dirty="0">
-                <a:solidFill>
-                  <a:schemeClr val="bg1">
-                    <a:lumMod val="85000"/>
-                  </a:schemeClr>
-                </a:solidFill>
-                <a:effectLst/>
-                <a:latin typeface="Calibri" panose="020F0502020204030204" pitchFamily="34" charset="0"/>
-                <a:ea typeface="Calibri" panose="020F0502020204030204" pitchFamily="34" charset="0"/>
-                <a:cs typeface="Mangal" panose="02040503050203030202" pitchFamily="18" charset="0"/>
-              </a:rPr>
-              <a:t> Algorithm. </a:t>
-            </a:r>
-            <a:r>
-              <a:rPr lang="en-IN" sz="1100" u="sng" dirty="0">
-                <a:solidFill>
-                  <a:schemeClr val="bg1">
-                    <a:lumMod val="85000"/>
-                  </a:schemeClr>
-                </a:solidFill>
-                <a:effectLst/>
-                <a:latin typeface="Calibri" panose="020F0502020204030204" pitchFamily="34" charset="0"/>
-                <a:ea typeface="Calibri" panose="020F0502020204030204" pitchFamily="34" charset="0"/>
-                <a:cs typeface="Mangal" panose="02040503050203030202" pitchFamily="18" charset="0"/>
-              </a:rPr>
-              <a:t>Language used</a:t>
-            </a:r>
-            <a:r>
-              <a:rPr lang="en-IN" sz="1100" dirty="0">
-                <a:solidFill>
-                  <a:schemeClr val="bg1">
-                    <a:lumMod val="85000"/>
-                  </a:schemeClr>
-                </a:solidFill>
-                <a:effectLst/>
-                <a:latin typeface="Calibri" panose="020F0502020204030204" pitchFamily="34" charset="0"/>
-                <a:ea typeface="Calibri" panose="020F0502020204030204" pitchFamily="34" charset="0"/>
-                <a:cs typeface="Mangal" panose="02040503050203030202" pitchFamily="18" charset="0"/>
-              </a:rPr>
-              <a:t>: C/C++, Bash, Markdown.</a:t>
+              <a:t>for Rehabilitation Programme(s)”.</a:t>
             </a:r>
           </a:p>
           <a:p>
@@ -17192,75 +16441,8 @@
                 <a:ea typeface="Calibri" panose="020F0502020204030204" pitchFamily="34" charset="0"/>
                 <a:cs typeface="Mangal" panose="02040503050203030202" pitchFamily="18" charset="0"/>
               </a:rPr>
-              <a:t>Participated &amp; ranked 2</a:t>
-            </a:r>
-            <a:r>
-              <a:rPr lang="en-IN" sz="1100" baseline="30000" dirty="0">
-                <a:solidFill>
-                  <a:schemeClr val="bg1">
-                    <a:lumMod val="85000"/>
-                  </a:schemeClr>
-                </a:solidFill>
-                <a:effectLst/>
-                <a:latin typeface="Calibri" panose="020F0502020204030204" pitchFamily="34" charset="0"/>
-                <a:ea typeface="Calibri" panose="020F0502020204030204" pitchFamily="34" charset="0"/>
-                <a:cs typeface="Mangal" panose="02040503050203030202" pitchFamily="18" charset="0"/>
-              </a:rPr>
-              <a:t>nd</a:t>
-            </a:r>
-            <a:r>
-              <a:rPr lang="en-IN" sz="1100" dirty="0">
-                <a:solidFill>
-                  <a:schemeClr val="bg1">
-                    <a:lumMod val="85000"/>
-                  </a:schemeClr>
-                </a:solidFill>
-                <a:effectLst/>
-                <a:latin typeface="Calibri" panose="020F0502020204030204" pitchFamily="34" charset="0"/>
-                <a:ea typeface="Calibri" panose="020F0502020204030204" pitchFamily="34" charset="0"/>
-                <a:cs typeface="Mangal" panose="02040503050203030202" pitchFamily="18" charset="0"/>
-              </a:rPr>
-              <a:t> in a Hackathon – “SNI Hack 21” for a project on “Providing a digital identity for parks to enable humans to interact with and take care of them”, where I created the smart contract. </a:t>
-            </a:r>
-            <a:r>
-              <a:rPr lang="en-IN" sz="1100" u="sng" dirty="0">
-                <a:solidFill>
-                  <a:schemeClr val="bg1">
-                    <a:lumMod val="85000"/>
-                  </a:schemeClr>
-                </a:solidFill>
-                <a:effectLst/>
-                <a:latin typeface="Calibri" panose="020F0502020204030204" pitchFamily="34" charset="0"/>
-                <a:ea typeface="Calibri" panose="020F0502020204030204" pitchFamily="34" charset="0"/>
-                <a:cs typeface="Mangal" panose="02040503050203030202" pitchFamily="18" charset="0"/>
-              </a:rPr>
-              <a:t>Language used</a:t>
-            </a:r>
-            <a:r>
-              <a:rPr lang="en-IN" sz="1100" dirty="0">
-                <a:solidFill>
-                  <a:schemeClr val="bg1">
-                    <a:lumMod val="85000"/>
-                  </a:schemeClr>
-                </a:solidFill>
-                <a:effectLst/>
-                <a:latin typeface="Calibri" panose="020F0502020204030204" pitchFamily="34" charset="0"/>
-                <a:ea typeface="Calibri" panose="020F0502020204030204" pitchFamily="34" charset="0"/>
-                <a:cs typeface="Mangal" panose="02040503050203030202" pitchFamily="18" charset="0"/>
-              </a:rPr>
-              <a:t>: C/C++, Bash, Markdown.</a:t>
-            </a:r>
-            <a:endParaRPr lang="en-US" sz="1100" dirty="0">
-              <a:solidFill>
-                <a:schemeClr val="bg1">
-                  <a:lumMod val="85000"/>
-                </a:schemeClr>
-              </a:solidFill>
-              <a:effectLst/>
-              <a:latin typeface="Calibri" panose="020F0502020204030204" pitchFamily="34" charset="0"/>
-              <a:ea typeface="Calibri" panose="020F0502020204030204" pitchFamily="34" charset="0"/>
-              <a:cs typeface="Mangal" panose="02040503050203030202" pitchFamily="18" charset="0"/>
-            </a:endParaRPr>
+              <a:t>Built Smart Contracts – Escrow, Game along with the architecture for a Betting Game – ‘GPK.Battles’ on WAX (EOSIO) Blockchain.</a:t>
+            </a:r>
           </a:p>
           <a:p>
             <a:pPr marL="342900" marR="0" lvl="0" indent="-342900" algn="just">
@@ -17288,10 +16470,23 @@
                 <a:ea typeface="Calibri" panose="020F0502020204030204" pitchFamily="34" charset="0"/>
                 <a:cs typeface="Mangal" panose="02040503050203030202" pitchFamily="18" charset="0"/>
               </a:rPr>
-              <a:t>Smart Contracts along with a native cryptocurrency built for ICO conduct for a Bangalore-based Company. Estimated running cost with resources like on-chain RAM, CPU, NET for the ICO was calculated for both Testnet &amp; Mainnet. </a:t>
-            </a:r>
-            <a:r>
-              <a:rPr lang="en-IN" sz="1100" u="sng" dirty="0">
+              <a:t>Created a Tipping Bot with smart contracts integrated within using which any person can deposit/withdraw/send/receive </a:t>
+            </a:r>
+            <a:r>
+              <a:rPr lang="en-IN" sz="1100" dirty="0">
+                <a:solidFill>
+                  <a:schemeClr val="bg1">
+                    <a:lumMod val="85000"/>
+                  </a:schemeClr>
+                </a:solidFill>
+                <a:latin typeface="Calibri" panose="020F0502020204030204" pitchFamily="34" charset="0"/>
+                <a:ea typeface="Calibri" panose="020F0502020204030204" pitchFamily="34" charset="0"/>
+                <a:cs typeface="Mangal" panose="02040503050203030202" pitchFamily="18" charset="0"/>
+              </a:rPr>
+              <a:t>multiple </a:t>
+            </a:r>
+            <a:r>
+              <a:rPr lang="en-IN" sz="1100" dirty="0">
                 <a:solidFill>
                   <a:schemeClr val="bg1">
                     <a:lumMod val="85000"/>
@@ -17302,33 +16497,8 @@
                 <a:ea typeface="Calibri" panose="020F0502020204030204" pitchFamily="34" charset="0"/>
                 <a:cs typeface="Mangal" panose="02040503050203030202" pitchFamily="18" charset="0"/>
               </a:rPr>
-              <a:t>Language used</a:t>
-            </a:r>
-            <a:r>
-              <a:rPr lang="en-IN" sz="1100" dirty="0">
-                <a:solidFill>
-                  <a:schemeClr val="bg1">
-                    <a:lumMod val="85000"/>
-                  </a:schemeClr>
-                </a:solidFill>
-                <a:effectLst/>
-                <a:latin typeface="Calibri" panose="020F0502020204030204" pitchFamily="34" charset="0"/>
-                <a:ea typeface="Calibri" panose="020F0502020204030204" pitchFamily="34" charset="0"/>
-                <a:cs typeface="Mangal" panose="02040503050203030202" pitchFamily="18" charset="0"/>
-              </a:rPr>
-              <a:t>: C/C++, Bash, Markdown.</a:t>
-            </a:r>
-            <a:endParaRPr lang="en-US" sz="1100" dirty="0">
-              <a:solidFill>
-                <a:schemeClr val="bg1">
-                  <a:lumMod val="85000"/>
-                </a:schemeClr>
-              </a:solidFill>
-              <a:effectLst/>
-              <a:latin typeface="Calibri" panose="020F0502020204030204" pitchFamily="34" charset="0"/>
-              <a:ea typeface="Calibri" panose="020F0502020204030204" pitchFamily="34" charset="0"/>
-              <a:cs typeface="Mangal" panose="02040503050203030202" pitchFamily="18" charset="0"/>
-            </a:endParaRPr>
+              <a:t>crypto token worldwide with just Telegram user ID.</a:t>
+            </a:r>
           </a:p>
           <a:p>
             <a:pPr marL="342900" marR="0" lvl="0" indent="-342900" algn="just">
@@ -17351,42 +16521,13 @@
                     <a:lumMod val="85000"/>
                   </a:schemeClr>
                 </a:solidFill>
-                <a:effectLst/>
                 <a:latin typeface="Calibri" panose="020F0502020204030204" pitchFamily="34" charset="0"/>
                 <a:ea typeface="Calibri" panose="020F0502020204030204" pitchFamily="34" charset="0"/>
                 <a:cs typeface="Mangal" panose="02040503050203030202" pitchFamily="18" charset="0"/>
               </a:rPr>
-              <a:t>Built architecture &amp; wrote its smart contracts – ICO, Stake, Token for a project related to medical field in which a patient can join customized Rehabilitation programme monitored by doctor(s) &amp; the payment disbursal to bi-party is fully automatic using EOSIO’s speedy smart contracts based on whether the programme is successfully completed. </a:t>
-            </a:r>
-            <a:r>
-              <a:rPr lang="en-IN" sz="1100" u="sng" dirty="0">
-                <a:solidFill>
-                  <a:schemeClr val="bg1">
-                    <a:lumMod val="85000"/>
-                  </a:schemeClr>
-                </a:solidFill>
-                <a:effectLst/>
-                <a:latin typeface="Calibri" panose="020F0502020204030204" pitchFamily="34" charset="0"/>
-                <a:ea typeface="Calibri" panose="020F0502020204030204" pitchFamily="34" charset="0"/>
-                <a:cs typeface="Mangal" panose="02040503050203030202" pitchFamily="18" charset="0"/>
-              </a:rPr>
-              <a:t>Language used</a:t>
-            </a:r>
-            <a:r>
-              <a:rPr lang="en-IN" sz="1100" dirty="0">
-                <a:solidFill>
-                  <a:schemeClr val="bg1">
-                    <a:lumMod val="85000"/>
-                  </a:schemeClr>
-                </a:solidFill>
-                <a:effectLst/>
-                <a:latin typeface="Calibri" panose="020F0502020204030204" pitchFamily="34" charset="0"/>
-                <a:ea typeface="Calibri" panose="020F0502020204030204" pitchFamily="34" charset="0"/>
-                <a:cs typeface="Mangal" panose="02040503050203030202" pitchFamily="18" charset="0"/>
-              </a:rPr>
-              <a:t>: C/C++, Bash, Markdown.</a:t>
-            </a:r>
-            <a:endParaRPr lang="en-US" sz="1100" dirty="0">
+              <a:t>Developed a KYC Bot with Blockchain and Cloud integration for personal data like name, address selfie (stored in bytes) and validation of hashed sensitive data.</a:t>
+            </a:r>
+            <a:endParaRPr lang="en-IN" sz="1100" dirty="0">
               <a:solidFill>
                 <a:schemeClr val="bg1">
                   <a:lumMod val="85000"/>
@@ -17419,15 +16560,175 @@
                     <a:lumMod val="85000"/>
                   </a:schemeClr>
                 </a:solidFill>
+                <a:latin typeface="Calibri" panose="020F0502020204030204" pitchFamily="34" charset="0"/>
+                <a:ea typeface="Calibri" panose="020F0502020204030204" pitchFamily="34" charset="0"/>
+                <a:cs typeface="Mangal" panose="02040503050203030202" pitchFamily="18" charset="0"/>
+              </a:rPr>
+              <a:t>Found an issue related to excessive on-chain RAM usage in </a:t>
+            </a:r>
+            <a:r>
+              <a:rPr lang="en-IN" sz="1100" dirty="0" err="1">
+                <a:solidFill>
+                  <a:schemeClr val="bg1">
+                    <a:lumMod val="85000"/>
+                  </a:schemeClr>
+                </a:solidFill>
+                <a:latin typeface="Calibri" panose="020F0502020204030204" pitchFamily="34" charset="0"/>
+                <a:ea typeface="Calibri" panose="020F0502020204030204" pitchFamily="34" charset="0"/>
+                <a:cs typeface="Mangal" panose="02040503050203030202" pitchFamily="18" charset="0"/>
+              </a:rPr>
+              <a:t>Atomichub</a:t>
+            </a:r>
+            <a:r>
+              <a:rPr lang="en-IN" sz="1100" dirty="0">
+                <a:solidFill>
+                  <a:schemeClr val="bg1">
+                    <a:lumMod val="85000"/>
+                  </a:schemeClr>
+                </a:solidFill>
+                <a:latin typeface="Calibri" panose="020F0502020204030204" pitchFamily="34" charset="0"/>
+                <a:ea typeface="Calibri" panose="020F0502020204030204" pitchFamily="34" charset="0"/>
+                <a:cs typeface="Mangal" panose="02040503050203030202" pitchFamily="18" charset="0"/>
+              </a:rPr>
+              <a:t> NFT protocol. Thereafter created an NFT protocol – OYA with smart contracts.</a:t>
+            </a:r>
+          </a:p>
+          <a:p>
+            <a:pPr marL="342900" indent="-342900" algn="just">
+              <a:lnSpc>
+                <a:spcPct val="115000"/>
+              </a:lnSpc>
+              <a:spcAft>
+                <a:spcPts val="600"/>
+              </a:spcAft>
+              <a:buFont typeface="Symbol" panose="05050102010706020507" pitchFamily="18" charset="2"/>
+              <a:buChar char=""/>
+            </a:pPr>
+            <a:r>
+              <a:rPr lang="en-IN" sz="1100" dirty="0">
+                <a:solidFill>
+                  <a:schemeClr val="bg1">
+                    <a:lumMod val="85000"/>
+                  </a:schemeClr>
+                </a:solidFill>
+                <a:latin typeface="Calibri" panose="020F0502020204030204" pitchFamily="34" charset="0"/>
+                <a:ea typeface="Calibri" panose="020F0502020204030204" pitchFamily="34" charset="0"/>
+                <a:cs typeface="Mangal" panose="02040503050203030202" pitchFamily="18" charset="0"/>
+              </a:rPr>
+              <a:t>Working on a </a:t>
+            </a:r>
+            <a:r>
+              <a:rPr lang="en-IN" sz="1100" dirty="0" err="1">
+                <a:solidFill>
+                  <a:schemeClr val="bg1">
+                    <a:lumMod val="85000"/>
+                  </a:schemeClr>
+                </a:solidFill>
+                <a:latin typeface="Calibri" panose="020F0502020204030204" pitchFamily="34" charset="0"/>
+                <a:ea typeface="Calibri" panose="020F0502020204030204" pitchFamily="34" charset="0"/>
+                <a:cs typeface="Mangal" panose="02040503050203030202" pitchFamily="18" charset="0"/>
+              </a:rPr>
+              <a:t>DeFi</a:t>
+            </a:r>
+            <a:r>
+              <a:rPr lang="en-IN" sz="1100" dirty="0">
+                <a:solidFill>
+                  <a:schemeClr val="bg1">
+                    <a:lumMod val="85000"/>
+                  </a:schemeClr>
+                </a:solidFill>
+                <a:latin typeface="Calibri" panose="020F0502020204030204" pitchFamily="34" charset="0"/>
+                <a:ea typeface="Calibri" panose="020F0502020204030204" pitchFamily="34" charset="0"/>
+                <a:cs typeface="Mangal" panose="02040503050203030202" pitchFamily="18" charset="0"/>
+              </a:rPr>
+              <a:t> Chatbot – </a:t>
+            </a:r>
+            <a:r>
+              <a:rPr lang="en-IN" sz="1100" dirty="0" err="1">
+                <a:solidFill>
+                  <a:schemeClr val="bg1">
+                    <a:lumMod val="85000"/>
+                  </a:schemeClr>
+                </a:solidFill>
+                <a:latin typeface="Calibri" panose="020F0502020204030204" pitchFamily="34" charset="0"/>
+                <a:ea typeface="Calibri" panose="020F0502020204030204" pitchFamily="34" charset="0"/>
+                <a:cs typeface="Mangal" panose="02040503050203030202" pitchFamily="18" charset="0"/>
+              </a:rPr>
+              <a:t>ProFi</a:t>
+            </a:r>
+            <a:r>
+              <a:rPr lang="en-IN" sz="1100" dirty="0">
+                <a:solidFill>
+                  <a:schemeClr val="bg1">
+                    <a:lumMod val="85000"/>
+                  </a:schemeClr>
+                </a:solidFill>
+                <a:latin typeface="Calibri" panose="020F0502020204030204" pitchFamily="34" charset="0"/>
+                <a:ea typeface="Calibri" panose="020F0502020204030204" pitchFamily="34" charset="0"/>
+                <a:cs typeface="Mangal" panose="02040503050203030202" pitchFamily="18" charset="0"/>
+              </a:rPr>
+              <a:t>, </a:t>
+            </a:r>
+            <a:r>
+              <a:rPr lang="en-US" sz="1100" dirty="0">
+                <a:solidFill>
+                  <a:schemeClr val="bg1">
+                    <a:lumMod val="85000"/>
+                  </a:schemeClr>
+                </a:solidFill>
+                <a:latin typeface="Calibri" panose="020F0502020204030204" pitchFamily="34" charset="0"/>
+                <a:cs typeface="Mangal" panose="02040503050203030202" pitchFamily="18" charset="0"/>
+              </a:rPr>
+              <a:t>which gives Analytical visual charts for maximizing yield in fiat money using different cryptocurrencies in multiple liquidity pools.</a:t>
+            </a:r>
+          </a:p>
+          <a:p>
+            <a:pPr marL="342900" indent="-342900" algn="just">
+              <a:lnSpc>
+                <a:spcPct val="115000"/>
+              </a:lnSpc>
+              <a:spcAft>
+                <a:spcPts val="600"/>
+              </a:spcAft>
+              <a:buFont typeface="Symbol" panose="05050102010706020507" pitchFamily="18" charset="2"/>
+              <a:buChar char=""/>
+            </a:pPr>
+            <a:r>
+              <a:rPr lang="en-IN" sz="1100" dirty="0">
+                <a:solidFill>
+                  <a:schemeClr val="bg1">
+                    <a:lumMod val="85000"/>
+                  </a:schemeClr>
+                </a:solidFill>
                 <a:effectLst/>
                 <a:latin typeface="Calibri" panose="020F0502020204030204" pitchFamily="34" charset="0"/>
                 <a:ea typeface="Calibri" panose="020F0502020204030204" pitchFamily="34" charset="0"/>
                 <a:cs typeface="Mangal" panose="02040503050203030202" pitchFamily="18" charset="0"/>
               </a:rPr>
-              <a:t>Built Smart Contracts – Escrow, Game along with the architecture for a Betting Game – ‘GPK.Battles’ on WAX Blockchain. Both the players get to choose 3 cards (2A, 1B or 1A, 2B) &amp; the winner gains 1 card from the loser. There is a shuffle among the loser’s cards. Also, the random number generation for the game based on which the winner is declared, is fully transparent which ensures a fair game throughout the process. </a:t>
-            </a:r>
-            <a:r>
-              <a:rPr lang="en-IN" sz="1100" u="sng" dirty="0">
+              <a:t>Contributed in creating a guide – “</a:t>
+            </a:r>
+            <a:r>
+              <a:rPr lang="en-IN" sz="1100" dirty="0">
+                <a:solidFill>
+                  <a:schemeClr val="bg1">
+                    <a:lumMod val="75000"/>
+                  </a:schemeClr>
+                </a:solidFill>
+                <a:latin typeface="Calibri" panose="020F0502020204030204" pitchFamily="34" charset="0"/>
+                <a:ea typeface="Calibri" panose="020F0502020204030204" pitchFamily="34" charset="0"/>
+                <a:cs typeface="Mangal" panose="02040503050203030202" pitchFamily="18" charset="0"/>
+                <a:hlinkClick r:id="rId2">
+                  <a:extLst>
+                    <a:ext uri="{A12FA001-AC4F-418D-AE19-62706E023703}">
+                      <ahyp:hlinkClr xmlns:ahyp="http://schemas.microsoft.com/office/drawing/2018/hyperlinkcolor" val="tx"/>
+                    </a:ext>
+                  </a:extLst>
+                </a:hlinkClick>
+              </a:rPr>
+              <a:t>Setting up Telos Validator Nodes</a:t>
+            </a:r>
+            <a:r>
+              <a:rPr lang="en-IN" sz="1100" dirty="0">
                 <a:solidFill>
                   <a:schemeClr val="bg1">
                     <a:lumMod val="85000"/>
@@ -17438,7 +16739,20 @@
                 <a:ea typeface="Calibri" panose="020F0502020204030204" pitchFamily="34" charset="0"/>
                 <a:cs typeface="Mangal" panose="02040503050203030202" pitchFamily="18" charset="0"/>
               </a:rPr>
-              <a:t>Language used</a:t>
+              <a:t>”</a:t>
+            </a:r>
+            <a:r>
+              <a:rPr lang="en-US" sz="1100" dirty="0">
+                <a:solidFill>
+                  <a:schemeClr val="bg1">
+                    <a:lumMod val="85000"/>
+                  </a:schemeClr>
+                </a:solidFill>
+                <a:latin typeface="Calibri" panose="020F0502020204030204" pitchFamily="34" charset="0"/>
+                <a:ea typeface="Calibri" panose="020F0502020204030204" pitchFamily="34" charset="0"/>
+                <a:cs typeface="Mangal" panose="02040503050203030202" pitchFamily="18" charset="0"/>
+              </a:rPr>
+              <a:t> </a:t>
             </a:r>
             <a:r>
               <a:rPr lang="en-IN" sz="1100" dirty="0">
@@ -17452,7 +16766,58 @@
                 <a:ea typeface="Calibri" panose="020F0502020204030204" pitchFamily="34" charset="0"/>
                 <a:cs typeface="Mangal" panose="02040503050203030202" pitchFamily="18" charset="0"/>
               </a:rPr>
-              <a:t>: C/C++, Bash, Markdown.</a:t>
+              <a:t>for Validators for the Telos  (EOSIO) Blockchain.</a:t>
+            </a:r>
+          </a:p>
+          <a:p>
+            <a:pPr marL="342900" indent="-342900" algn="just">
+              <a:lnSpc>
+                <a:spcPct val="115000"/>
+              </a:lnSpc>
+              <a:spcAft>
+                <a:spcPts val="600"/>
+              </a:spcAft>
+              <a:buFont typeface="Symbol" panose="05050102010706020507" pitchFamily="18" charset="2"/>
+              <a:buChar char=""/>
+            </a:pPr>
+            <a:r>
+              <a:rPr lang="en-IN" sz="1100" dirty="0">
+                <a:solidFill>
+                  <a:schemeClr val="bg1">
+                    <a:lumMod val="85000"/>
+                  </a:schemeClr>
+                </a:solidFill>
+                <a:latin typeface="Calibri" panose="020F0502020204030204" pitchFamily="34" charset="0"/>
+                <a:ea typeface="Calibri" panose="020F0502020204030204" pitchFamily="34" charset="0"/>
+                <a:cs typeface="Mangal" panose="02040503050203030202" pitchFamily="18" charset="0"/>
+              </a:rPr>
+              <a:t>Designed the architecture for an incentivized travel platform with activity-dependent AI community Bot on </a:t>
+            </a:r>
+            <a:r>
+              <a:rPr lang="en-IN" sz="1100" dirty="0" err="1">
+                <a:solidFill>
+                  <a:schemeClr val="bg1">
+                    <a:lumMod val="85000"/>
+                  </a:schemeClr>
+                </a:solidFill>
+                <a:latin typeface="Calibri" panose="020F0502020204030204" pitchFamily="34" charset="0"/>
+                <a:ea typeface="Calibri" panose="020F0502020204030204" pitchFamily="34" charset="0"/>
+                <a:cs typeface="Mangal" panose="02040503050203030202" pitchFamily="18" charset="0"/>
+              </a:rPr>
+              <a:t>Steem</a:t>
+            </a:r>
+            <a:r>
+              <a:rPr lang="en-IN" sz="1100" dirty="0">
+                <a:solidFill>
+                  <a:schemeClr val="bg1">
+                    <a:lumMod val="85000"/>
+                  </a:schemeClr>
+                </a:solidFill>
+                <a:latin typeface="Calibri" panose="020F0502020204030204" pitchFamily="34" charset="0"/>
+                <a:ea typeface="Calibri" panose="020F0502020204030204" pitchFamily="34" charset="0"/>
+                <a:cs typeface="Mangal" panose="02040503050203030202" pitchFamily="18" charset="0"/>
+              </a:rPr>
+              <a:t>/Hive Blockchain.</a:t>
             </a:r>
             <a:endParaRPr lang="en-US" sz="1100" dirty="0">
               <a:solidFill>
@@ -17466,74 +16831,6 @@
               <a:cs typeface="Mangal" panose="02040503050203030202" pitchFamily="18" charset="0"/>
             </a:endParaRPr>
           </a:p>
-          <a:p>
-            <a:pPr marL="342900" marR="0" lvl="0" indent="-342900" algn="just">
-              <a:lnSpc>
-                <a:spcPct val="115000"/>
-              </a:lnSpc>
-              <a:spcBef>
-                <a:spcPts val="0"/>
-              </a:spcBef>
-              <a:spcAft>
-                <a:spcPts val="600"/>
-              </a:spcAft>
-              <a:buFont typeface="Symbol" panose="05050102010706020507" pitchFamily="18" charset="2"/>
-              <a:buChar char=""/>
-            </a:pPr>
-            <a:r>
-              <a:rPr lang="en-IN" sz="1100" dirty="0">
-                <a:solidFill>
-                  <a:schemeClr val="bg1">
-                    <a:lumMod val="85000"/>
-                  </a:schemeClr>
-                </a:solidFill>
-                <a:effectLst/>
-                <a:latin typeface="Calibri" panose="020F0502020204030204" pitchFamily="34" charset="0"/>
-                <a:ea typeface="Calibri" panose="020F0502020204030204" pitchFamily="34" charset="0"/>
-                <a:cs typeface="Mangal" panose="02040503050203030202" pitchFamily="18" charset="0"/>
-              </a:rPr>
-              <a:t>Created a Tipping Bot with smart contracts integrated within. Using this Bot, any person can deposit/withdraw/send/receive crypto token(s) worldwide with just Telegram user ID. Wallet with multiple token storage feature is built-in within the Bot for each user. </a:t>
-            </a:r>
-            <a:r>
-              <a:rPr lang="en-IN" sz="1100" u="sng" dirty="0">
-                <a:solidFill>
-                  <a:schemeClr val="bg1">
-                    <a:lumMod val="85000"/>
-                  </a:schemeClr>
-                </a:solidFill>
-                <a:effectLst/>
-                <a:latin typeface="Calibri" panose="020F0502020204030204" pitchFamily="34" charset="0"/>
-                <a:ea typeface="Calibri" panose="020F0502020204030204" pitchFamily="34" charset="0"/>
-                <a:cs typeface="Mangal" panose="02040503050203030202" pitchFamily="18" charset="0"/>
-              </a:rPr>
-              <a:t>Language used</a:t>
-            </a:r>
-            <a:r>
-              <a:rPr lang="en-IN" sz="1100" dirty="0">
-                <a:solidFill>
-                  <a:schemeClr val="bg1">
-                    <a:lumMod val="85000"/>
-                  </a:schemeClr>
-                </a:solidFill>
-                <a:effectLst/>
-                <a:latin typeface="Calibri" panose="020F0502020204030204" pitchFamily="34" charset="0"/>
-                <a:ea typeface="Calibri" panose="020F0502020204030204" pitchFamily="34" charset="0"/>
-                <a:cs typeface="Mangal" panose="02040503050203030202" pitchFamily="18" charset="0"/>
-              </a:rPr>
-              <a:t>: C/C++, Bash, Python, Markdown.</a:t>
-            </a:r>
-            <a:endParaRPr lang="en-US" sz="1100" dirty="0">
-              <a:solidFill>
-                <a:schemeClr val="bg1">
-                  <a:lumMod val="85000"/>
-                </a:schemeClr>
-              </a:solidFill>
-              <a:effectLst/>
-              <a:latin typeface="Calibri" panose="020F0502020204030204" pitchFamily="34" charset="0"/>
-              <a:ea typeface="Calibri" panose="020F0502020204030204" pitchFamily="34" charset="0"/>
-              <a:cs typeface="Mangal" panose="02040503050203030202" pitchFamily="18" charset="0"/>
-            </a:endParaRPr>
-          </a:p>
         </p:txBody>
       </p:sp>
       <p:pic>
@@ -17551,7 +16848,7 @@
           <p:nvPr/>
         </p:nvPicPr>
         <p:blipFill>
-          <a:blip r:embed="rId2" cstate="print">
+          <a:blip r:embed="rId3" cstate="print">
             <a:duotone>
               <a:schemeClr val="bg2">
                 <a:shade val="45000"/>
@@ -17623,10 +16920,10 @@
       </p:grpSpPr>
       <p:sp>
         <p:nvSpPr>
-          <p:cNvPr id="3" name="TextBox 2">
-            <a:extLst>
-              <a:ext uri="{FF2B5EF4-FFF2-40B4-BE49-F238E27FC236}">
-                <a16:creationId xmlns:a16="http://schemas.microsoft.com/office/drawing/2014/main" id="{F67E3FE9-B788-48EB-AF51-AD8AEDBD8B38}"/>
+          <p:cNvPr id="4" name="TextBox 3">
+            <a:extLst>
+              <a:ext uri="{FF2B5EF4-FFF2-40B4-BE49-F238E27FC236}">
+                <a16:creationId xmlns:a16="http://schemas.microsoft.com/office/drawing/2014/main" id="{56354908-5321-4022-B98B-4084640D6F32}"/>
               </a:ext>
             </a:extLst>
           </p:cNvPr>
@@ -17635,486 +16932,7 @@
         </p:nvSpPr>
         <p:spPr>
           <a:xfrm>
-            <a:off x="375920" y="182098"/>
-            <a:ext cx="6126480" cy="4867038"/>
-          </a:xfrm>
-          <a:prstGeom prst="rect">
-            <a:avLst/>
-          </a:prstGeom>
-          <a:noFill/>
-        </p:spPr>
-        <p:txBody>
-          <a:bodyPr wrap="square">
-            <a:spAutoFit/>
-          </a:bodyPr>
-          <a:lstStyle/>
-          <a:p>
-            <a:pPr marL="342900" indent="-342900" algn="just">
-              <a:lnSpc>
-                <a:spcPct val="115000"/>
-              </a:lnSpc>
-              <a:spcAft>
-                <a:spcPts val="600"/>
-              </a:spcAft>
-              <a:buFont typeface="Symbol" panose="05050102010706020507" pitchFamily="18" charset="2"/>
-              <a:buChar char=""/>
-            </a:pPr>
-            <a:r>
-              <a:rPr lang="en-IN" sz="1100" dirty="0">
-                <a:solidFill>
-                  <a:schemeClr val="bg1">
-                    <a:lumMod val="85000"/>
-                  </a:schemeClr>
-                </a:solidFill>
-                <a:effectLst/>
-                <a:latin typeface="Calibri" panose="020F0502020204030204" pitchFamily="34" charset="0"/>
-                <a:ea typeface="Calibri" panose="020F0502020204030204" pitchFamily="34" charset="0"/>
-                <a:cs typeface="Mangal" panose="02040503050203030202" pitchFamily="18" charset="0"/>
-              </a:rPr>
-              <a:t>Developed a Blockchain-based KYC Bot with smart contracts integrated, where a user gets to upload personal data like name, address, ID document, selfie, that gets hashed and validated via Blockchain to securely maintain privacy. And then stored into the most competent database storage cloud – Redis. Here, the document, selfie gets stored/downloaded in bytes &amp; then encoded/decoded respectively. </a:t>
-            </a:r>
-            <a:r>
-              <a:rPr lang="en-IN" sz="1100" u="sng" dirty="0">
-                <a:solidFill>
-                  <a:schemeClr val="bg1">
-                    <a:lumMod val="85000"/>
-                  </a:schemeClr>
-                </a:solidFill>
-                <a:effectLst/>
-                <a:latin typeface="Calibri" panose="020F0502020204030204" pitchFamily="34" charset="0"/>
-                <a:ea typeface="Calibri" panose="020F0502020204030204" pitchFamily="34" charset="0"/>
-                <a:cs typeface="Mangal" panose="02040503050203030202" pitchFamily="18" charset="0"/>
-              </a:rPr>
-              <a:t>Language used</a:t>
-            </a:r>
-            <a:r>
-              <a:rPr lang="en-IN" sz="1100" dirty="0">
-                <a:solidFill>
-                  <a:schemeClr val="bg1">
-                    <a:lumMod val="85000"/>
-                  </a:schemeClr>
-                </a:solidFill>
-                <a:effectLst/>
-                <a:latin typeface="Calibri" panose="020F0502020204030204" pitchFamily="34" charset="0"/>
-                <a:ea typeface="Calibri" panose="020F0502020204030204" pitchFamily="34" charset="0"/>
-                <a:cs typeface="Mangal" panose="02040503050203030202" pitchFamily="18" charset="0"/>
-              </a:rPr>
-              <a:t>: C/C++, Bash, Python, Markdown.</a:t>
-            </a:r>
-          </a:p>
-          <a:p>
-            <a:pPr marL="342900" indent="-342900" algn="just">
-              <a:lnSpc>
-                <a:spcPct val="115000"/>
-              </a:lnSpc>
-              <a:spcAft>
-                <a:spcPts val="600"/>
-              </a:spcAft>
-              <a:buFont typeface="Symbol" panose="05050102010706020507" pitchFamily="18" charset="2"/>
-              <a:buChar char=""/>
-            </a:pPr>
-            <a:r>
-              <a:rPr lang="en-IN" sz="1100" dirty="0">
-                <a:solidFill>
-                  <a:schemeClr val="bg1">
-                    <a:lumMod val="85000"/>
-                  </a:schemeClr>
-                </a:solidFill>
-                <a:effectLst/>
-                <a:latin typeface="Calibri" panose="020F0502020204030204" pitchFamily="34" charset="0"/>
-                <a:ea typeface="Calibri" panose="020F0502020204030204" pitchFamily="34" charset="0"/>
-                <a:cs typeface="Mangal" panose="02040503050203030202" pitchFamily="18" charset="0"/>
-              </a:rPr>
-              <a:t>Worked on building a giant platform called OYA – the NFT marketplace for all categories like Painting, Music, Movies, Automobiles, Properties with easy payment modes using national/fiat currency. All the files remain locked in IPFS Cloud and could only be unlocked by the owners &amp; buyers. The MVP is in form of a Chatbot with elegant UI/UX. It features NFTs as offering along with </a:t>
-            </a:r>
-            <a:r>
-              <a:rPr lang="en-IN" sz="1100" dirty="0" err="1">
-                <a:solidFill>
-                  <a:schemeClr val="bg1">
-                    <a:lumMod val="85000"/>
-                  </a:schemeClr>
-                </a:solidFill>
-                <a:effectLst/>
-                <a:latin typeface="Calibri" panose="020F0502020204030204" pitchFamily="34" charset="0"/>
-                <a:ea typeface="Calibri" panose="020F0502020204030204" pitchFamily="34" charset="0"/>
-                <a:cs typeface="Mangal" panose="02040503050203030202" pitchFamily="18" charset="0"/>
-              </a:rPr>
-              <a:t>DeFi</a:t>
-            </a:r>
-            <a:r>
-              <a:rPr lang="en-IN" sz="1100" dirty="0">
-                <a:solidFill>
-                  <a:schemeClr val="bg1">
-                    <a:lumMod val="85000"/>
-                  </a:schemeClr>
-                </a:solidFill>
-                <a:effectLst/>
-                <a:latin typeface="Calibri" panose="020F0502020204030204" pitchFamily="34" charset="0"/>
-                <a:ea typeface="Calibri" panose="020F0502020204030204" pitchFamily="34" charset="0"/>
-                <a:cs typeface="Mangal" panose="02040503050203030202" pitchFamily="18" charset="0"/>
-              </a:rPr>
-              <a:t> as an option for funding project(s) for asset development. Also, doing R&amp;D on cross-chain functionality for asset ownership transfer using script triggered Smart contracts design methodology. </a:t>
-            </a:r>
-            <a:r>
-              <a:rPr lang="en-IN" sz="1100" u="sng" dirty="0">
-                <a:solidFill>
-                  <a:schemeClr val="bg1">
-                    <a:lumMod val="85000"/>
-                  </a:schemeClr>
-                </a:solidFill>
-                <a:effectLst/>
-                <a:latin typeface="Calibri" panose="020F0502020204030204" pitchFamily="34" charset="0"/>
-                <a:ea typeface="Calibri" panose="020F0502020204030204" pitchFamily="34" charset="0"/>
-                <a:cs typeface="Mangal" panose="02040503050203030202" pitchFamily="18" charset="0"/>
-              </a:rPr>
-              <a:t>Language used</a:t>
-            </a:r>
-            <a:r>
-              <a:rPr lang="en-IN" sz="1100" dirty="0">
-                <a:solidFill>
-                  <a:schemeClr val="bg1">
-                    <a:lumMod val="85000"/>
-                  </a:schemeClr>
-                </a:solidFill>
-                <a:effectLst/>
-                <a:latin typeface="Calibri" panose="020F0502020204030204" pitchFamily="34" charset="0"/>
-                <a:ea typeface="Calibri" panose="020F0502020204030204" pitchFamily="34" charset="0"/>
-                <a:cs typeface="Mangal" panose="02040503050203030202" pitchFamily="18" charset="0"/>
-              </a:rPr>
-              <a:t>: C/C++, Bash, Python, Markdown, Emoji.</a:t>
-            </a:r>
-          </a:p>
-          <a:p>
-            <a:pPr marL="342900" marR="0" lvl="0" indent="-342900" algn="just">
-              <a:lnSpc>
-                <a:spcPct val="115000"/>
-              </a:lnSpc>
-              <a:spcBef>
-                <a:spcPts val="0"/>
-              </a:spcBef>
-              <a:spcAft>
-                <a:spcPts val="600"/>
-              </a:spcAft>
-              <a:buFont typeface="Symbol" panose="05050102010706020507" pitchFamily="18" charset="2"/>
-              <a:buChar char=""/>
-            </a:pPr>
-            <a:r>
-              <a:rPr lang="en-IN" sz="1100" dirty="0">
-                <a:solidFill>
-                  <a:schemeClr val="bg1">
-                    <a:lumMod val="85000"/>
-                  </a:schemeClr>
-                </a:solidFill>
-                <a:effectLst/>
-                <a:latin typeface="Calibri" panose="020F0502020204030204" pitchFamily="34" charset="0"/>
-                <a:ea typeface="Calibri" panose="020F0502020204030204" pitchFamily="34" charset="0"/>
-                <a:cs typeface="Mangal" panose="02040503050203030202" pitchFamily="18" charset="0"/>
-              </a:rPr>
-              <a:t>Worked on </a:t>
-            </a:r>
-            <a:r>
-              <a:rPr lang="en-IN" sz="1100" dirty="0" err="1">
-                <a:solidFill>
-                  <a:schemeClr val="bg1">
-                    <a:lumMod val="85000"/>
-                  </a:schemeClr>
-                </a:solidFill>
-                <a:effectLst/>
-                <a:latin typeface="Calibri" panose="020F0502020204030204" pitchFamily="34" charset="0"/>
-                <a:ea typeface="Calibri" panose="020F0502020204030204" pitchFamily="34" charset="0"/>
-                <a:cs typeface="Mangal" panose="02040503050203030202" pitchFamily="18" charset="0"/>
-              </a:rPr>
-              <a:t>AgriTech</a:t>
-            </a:r>
-            <a:r>
-              <a:rPr lang="en-IN" sz="1100" dirty="0">
-                <a:solidFill>
-                  <a:schemeClr val="bg1">
-                    <a:lumMod val="85000"/>
-                  </a:schemeClr>
-                </a:solidFill>
-                <a:effectLst/>
-                <a:latin typeface="Calibri" panose="020F0502020204030204" pitchFamily="34" charset="0"/>
-                <a:ea typeface="Calibri" panose="020F0502020204030204" pitchFamily="34" charset="0"/>
-                <a:cs typeface="Mangal" panose="02040503050203030202" pitchFamily="18" charset="0"/>
-              </a:rPr>
-              <a:t> project for end-to-end buy/sell of foods – fruits &amp; vegetables without any conventional middleman-based mechanism and also features user’s on-demand crop farming tracking system. Incentivization on home gardening </a:t>
-            </a:r>
-            <a:r>
-              <a:rPr lang="en-IN" sz="1100" dirty="0" err="1">
-                <a:solidFill>
-                  <a:schemeClr val="bg1">
-                    <a:lumMod val="85000"/>
-                  </a:schemeClr>
-                </a:solidFill>
-                <a:effectLst/>
-                <a:latin typeface="Calibri" panose="020F0502020204030204" pitchFamily="34" charset="0"/>
-                <a:ea typeface="Calibri" panose="020F0502020204030204" pitchFamily="34" charset="0"/>
-                <a:cs typeface="Mangal" panose="02040503050203030202" pitchFamily="18" charset="0"/>
-              </a:rPr>
-              <a:t>resultting</a:t>
-            </a:r>
-            <a:r>
-              <a:rPr lang="en-IN" sz="1100" dirty="0">
-                <a:solidFill>
-                  <a:schemeClr val="bg1">
-                    <a:lumMod val="85000"/>
-                  </a:schemeClr>
-                </a:solidFill>
-                <a:effectLst/>
-                <a:latin typeface="Calibri" panose="020F0502020204030204" pitchFamily="34" charset="0"/>
-                <a:ea typeface="Calibri" panose="020F0502020204030204" pitchFamily="34" charset="0"/>
-                <a:cs typeface="Mangal" panose="02040503050203030202" pitchFamily="18" charset="0"/>
-              </a:rPr>
-              <a:t> in fulfilment of peer-to-peer food requirements in this limited space society. All these is done using Blockchain Technology and AI.</a:t>
-            </a:r>
-            <a:endParaRPr lang="en-US" sz="1100" dirty="0">
-              <a:solidFill>
-                <a:schemeClr val="bg1">
-                  <a:lumMod val="85000"/>
-                </a:schemeClr>
-              </a:solidFill>
-              <a:effectLst/>
-              <a:latin typeface="Calibri" panose="020F0502020204030204" pitchFamily="34" charset="0"/>
-              <a:ea typeface="Calibri" panose="020F0502020204030204" pitchFamily="34" charset="0"/>
-              <a:cs typeface="Mangal" panose="02040503050203030202" pitchFamily="18" charset="0"/>
-            </a:endParaRPr>
-          </a:p>
-          <a:p>
-            <a:pPr marL="342900" marR="0" lvl="0" indent="-342900" algn="just">
-              <a:lnSpc>
-                <a:spcPct val="115000"/>
-              </a:lnSpc>
-              <a:spcBef>
-                <a:spcPts val="0"/>
-              </a:spcBef>
-              <a:spcAft>
-                <a:spcPts val="600"/>
-              </a:spcAft>
-              <a:buFont typeface="Symbol" panose="05050102010706020507" pitchFamily="18" charset="2"/>
-              <a:buChar char=""/>
-            </a:pPr>
-            <a:r>
-              <a:rPr lang="en-IN" sz="1100" dirty="0">
-                <a:solidFill>
-                  <a:schemeClr val="bg1">
-                    <a:lumMod val="85000"/>
-                  </a:schemeClr>
-                </a:solidFill>
-                <a:effectLst/>
-                <a:latin typeface="Calibri" panose="020F0502020204030204" pitchFamily="34" charset="0"/>
-                <a:ea typeface="Calibri" panose="020F0502020204030204" pitchFamily="34" charset="0"/>
-                <a:cs typeface="Mangal" panose="02040503050203030202" pitchFamily="18" charset="0"/>
-              </a:rPr>
-              <a:t>I am one of the core developers of Telos Blockchain, where I contributed in writing a documentation on </a:t>
-            </a:r>
-            <a:r>
-              <a:rPr lang="en-IN" sz="1100" dirty="0">
-                <a:solidFill>
-                  <a:schemeClr val="bg1">
-                    <a:lumMod val="85000"/>
-                  </a:schemeClr>
-                </a:solidFill>
-                <a:latin typeface="Calibri" panose="020F0502020204030204" pitchFamily="34" charset="0"/>
-                <a:ea typeface="Calibri" panose="020F0502020204030204" pitchFamily="34" charset="0"/>
-                <a:cs typeface="Mangal" panose="02040503050203030202" pitchFamily="18" charset="0"/>
-                <a:hlinkClick r:id="rId2"/>
-              </a:rPr>
-              <a:t>“Setting up Telos Validator Nodes”</a:t>
-            </a:r>
-            <a:r>
-              <a:rPr lang="en-IN" sz="1100" dirty="0">
-                <a:solidFill>
-                  <a:schemeClr val="bg1">
-                    <a:lumMod val="85000"/>
-                  </a:schemeClr>
-                </a:solidFill>
-                <a:latin typeface="Calibri" panose="020F0502020204030204" pitchFamily="34" charset="0"/>
-                <a:ea typeface="Calibri" panose="020F0502020204030204" pitchFamily="34" charset="0"/>
-                <a:cs typeface="Mangal" panose="02040503050203030202" pitchFamily="18" charset="0"/>
-              </a:rPr>
-              <a:t>, </a:t>
-            </a:r>
-            <a:r>
-              <a:rPr lang="en-IN" sz="1100" dirty="0">
-                <a:solidFill>
-                  <a:schemeClr val="bg1">
-                    <a:lumMod val="85000"/>
-                  </a:schemeClr>
-                </a:solidFill>
-                <a:effectLst/>
-                <a:latin typeface="Calibri" panose="020F0502020204030204" pitchFamily="34" charset="0"/>
-                <a:ea typeface="Calibri" panose="020F0502020204030204" pitchFamily="34" charset="0"/>
-                <a:cs typeface="Mangal" panose="02040503050203030202" pitchFamily="18" charset="0"/>
-              </a:rPr>
-              <a:t>which is used as a guide by many aspiring Block producers for EOSIO Blockchains. </a:t>
-            </a:r>
-            <a:r>
-              <a:rPr lang="en-IN" sz="1100" u="sng" dirty="0">
-                <a:solidFill>
-                  <a:schemeClr val="bg1">
-                    <a:lumMod val="85000"/>
-                  </a:schemeClr>
-                </a:solidFill>
-                <a:effectLst/>
-                <a:latin typeface="Calibri" panose="020F0502020204030204" pitchFamily="34" charset="0"/>
-                <a:ea typeface="Calibri" panose="020F0502020204030204" pitchFamily="34" charset="0"/>
-                <a:cs typeface="Mangal" panose="02040503050203030202" pitchFamily="18" charset="0"/>
-              </a:rPr>
-              <a:t>Language used</a:t>
-            </a:r>
-            <a:r>
-              <a:rPr lang="en-IN" sz="1100" dirty="0">
-                <a:solidFill>
-                  <a:schemeClr val="bg1">
-                    <a:lumMod val="85000"/>
-                  </a:schemeClr>
-                </a:solidFill>
-                <a:effectLst/>
-                <a:latin typeface="Calibri" panose="020F0502020204030204" pitchFamily="34" charset="0"/>
-                <a:ea typeface="Calibri" panose="020F0502020204030204" pitchFamily="34" charset="0"/>
-                <a:cs typeface="Mangal" panose="02040503050203030202" pitchFamily="18" charset="0"/>
-              </a:rPr>
-              <a:t>: Markdown.</a:t>
-            </a:r>
-          </a:p>
-          <a:p>
-            <a:pPr marL="342900" marR="0" lvl="0" indent="-342900" algn="just">
-              <a:lnSpc>
-                <a:spcPct val="115000"/>
-              </a:lnSpc>
-              <a:spcBef>
-                <a:spcPts val="0"/>
-              </a:spcBef>
-              <a:spcAft>
-                <a:spcPts val="1000"/>
-              </a:spcAft>
-              <a:buFont typeface="Symbol" panose="05050102010706020507" pitchFamily="18" charset="2"/>
-              <a:buChar char=""/>
-            </a:pPr>
-            <a:r>
-              <a:rPr lang="en-IN" sz="1100" dirty="0">
-                <a:solidFill>
-                  <a:schemeClr val="bg1">
-                    <a:lumMod val="85000"/>
-                  </a:schemeClr>
-                </a:solidFill>
-                <a:effectLst/>
-                <a:latin typeface="Calibri" panose="020F0502020204030204" pitchFamily="34" charset="0"/>
-                <a:ea typeface="Calibri" panose="020F0502020204030204" pitchFamily="34" charset="0"/>
-                <a:cs typeface="Mangal" panose="02040503050203030202" pitchFamily="18" charset="0"/>
-              </a:rPr>
-              <a:t>I have worked on a project called – ‘</a:t>
-            </a:r>
-            <a:r>
-              <a:rPr lang="en-IN" sz="1100" dirty="0" err="1">
-                <a:solidFill>
-                  <a:schemeClr val="bg1">
-                    <a:lumMod val="85000"/>
-                  </a:schemeClr>
-                </a:solidFill>
-                <a:effectLst/>
-                <a:latin typeface="Calibri" panose="020F0502020204030204" pitchFamily="34" charset="0"/>
-                <a:ea typeface="Calibri" panose="020F0502020204030204" pitchFamily="34" charset="0"/>
-                <a:cs typeface="Mangal" panose="02040503050203030202" pitchFamily="18" charset="0"/>
-              </a:rPr>
-              <a:t>TripZo</a:t>
-            </a:r>
-            <a:r>
-              <a:rPr lang="en-IN" sz="1100" dirty="0">
-                <a:solidFill>
-                  <a:schemeClr val="bg1">
-                    <a:lumMod val="85000"/>
-                  </a:schemeClr>
-                </a:solidFill>
-                <a:effectLst/>
-                <a:latin typeface="Calibri" panose="020F0502020204030204" pitchFamily="34" charset="0"/>
-                <a:ea typeface="Calibri" panose="020F0502020204030204" pitchFamily="34" charset="0"/>
-                <a:cs typeface="Mangal" panose="02040503050203030202" pitchFamily="18" charset="0"/>
-              </a:rPr>
-              <a:t>’ on </a:t>
-            </a:r>
-            <a:r>
-              <a:rPr lang="en-IN" sz="1100" dirty="0" err="1">
-                <a:solidFill>
-                  <a:schemeClr val="bg1">
-                    <a:lumMod val="85000"/>
-                  </a:schemeClr>
-                </a:solidFill>
-                <a:effectLst/>
-                <a:latin typeface="Calibri" panose="020F0502020204030204" pitchFamily="34" charset="0"/>
-                <a:ea typeface="Calibri" panose="020F0502020204030204" pitchFamily="34" charset="0"/>
-                <a:cs typeface="Mangal" panose="02040503050203030202" pitchFamily="18" charset="0"/>
-              </a:rPr>
-              <a:t>Steem</a:t>
-            </a:r>
-            <a:r>
-              <a:rPr lang="en-IN" sz="1100" dirty="0">
-                <a:solidFill>
-                  <a:schemeClr val="bg1">
-                    <a:lumMod val="85000"/>
-                  </a:schemeClr>
-                </a:solidFill>
-                <a:effectLst/>
-                <a:latin typeface="Calibri" panose="020F0502020204030204" pitchFamily="34" charset="0"/>
-                <a:ea typeface="Calibri" panose="020F0502020204030204" pitchFamily="34" charset="0"/>
-                <a:cs typeface="Mangal" panose="02040503050203030202" pitchFamily="18" charset="0"/>
-              </a:rPr>
-              <a:t> Blockchain. It was about bringing together the travel &amp; tourism community where they can post content (in articles, photos, videos) &amp; instead they get incentivized in STEEM tokens based on creativity (with no plagiarism) evaluated by an AI-based community Bot. </a:t>
-            </a:r>
-            <a:r>
-              <a:rPr lang="en-IN" sz="1100" u="sng" dirty="0">
-                <a:solidFill>
-                  <a:schemeClr val="bg1">
-                    <a:lumMod val="85000"/>
-                  </a:schemeClr>
-                </a:solidFill>
-                <a:effectLst/>
-                <a:latin typeface="Calibri" panose="020F0502020204030204" pitchFamily="34" charset="0"/>
-                <a:ea typeface="Calibri" panose="020F0502020204030204" pitchFamily="34" charset="0"/>
-                <a:cs typeface="Mangal" panose="02040503050203030202" pitchFamily="18" charset="0"/>
-              </a:rPr>
-              <a:t>Language used</a:t>
-            </a:r>
-            <a:r>
-              <a:rPr lang="en-IN" sz="1100" dirty="0">
-                <a:solidFill>
-                  <a:schemeClr val="bg1">
-                    <a:lumMod val="85000"/>
-                  </a:schemeClr>
-                </a:solidFill>
-                <a:effectLst/>
-                <a:latin typeface="Calibri" panose="020F0502020204030204" pitchFamily="34" charset="0"/>
-                <a:ea typeface="Calibri" panose="020F0502020204030204" pitchFamily="34" charset="0"/>
-                <a:cs typeface="Mangal" panose="02040503050203030202" pitchFamily="18" charset="0"/>
-              </a:rPr>
-              <a:t>: Markdown, Python.</a:t>
-            </a:r>
-            <a:endParaRPr lang="en-US" sz="1100" dirty="0">
-              <a:solidFill>
-                <a:schemeClr val="bg1">
-                  <a:lumMod val="85000"/>
-                </a:schemeClr>
-              </a:solidFill>
-            </a:endParaRPr>
-          </a:p>
-        </p:txBody>
-      </p:sp>
-      <p:sp>
-        <p:nvSpPr>
-          <p:cNvPr id="4" name="TextBox 3">
-            <a:extLst>
-              <a:ext uri="{FF2B5EF4-FFF2-40B4-BE49-F238E27FC236}">
-                <a16:creationId xmlns:a16="http://schemas.microsoft.com/office/drawing/2014/main" id="{56354908-5321-4022-B98B-4084640D6F32}"/>
-              </a:ext>
-            </a:extLst>
-          </p:cNvPr>
-          <p:cNvSpPr txBox="1"/>
-          <p:nvPr/>
-        </p:nvSpPr>
-        <p:spPr>
-          <a:xfrm>
-            <a:off x="375920" y="5138225"/>
+            <a:off x="375920" y="560129"/>
             <a:ext cx="1340002" cy="338554"/>
           </a:xfrm>
           <a:prstGeom prst="rect">
@@ -18155,8 +16973,8 @@
         </p:nvSpPr>
         <p:spPr>
           <a:xfrm>
-            <a:off x="365760" y="5565869"/>
-            <a:ext cx="6126480" cy="3584828"/>
+            <a:off x="365760" y="987773"/>
+            <a:ext cx="6126480" cy="3712555"/>
           </a:xfrm>
           <a:prstGeom prst="rect">
             <a:avLst/>
@@ -18221,33 +17039,81 @@
               </a:rPr>
               <a:t>’ for generating interactive plots (with hovering feature) automatically from the big data maintained in Excel and reduced the time from 30 mins (earlier) to 3 seconds (now). Also, created a corresponding dashboard for data analytics on web browser. </a:t>
             </a:r>
-            <a:r>
-              <a:rPr lang="en-IN" sz="1100" u="sng" dirty="0">
+          </a:p>
+          <a:p>
+            <a:pPr marL="342900" marR="0" lvl="0" indent="-342900" algn="just">
+              <a:spcBef>
+                <a:spcPts val="0"/>
+              </a:spcBef>
+              <a:spcAft>
+                <a:spcPts val="600"/>
+              </a:spcAft>
+              <a:buFont typeface="Symbol" panose="05050102010706020507" pitchFamily="18" charset="2"/>
+              <a:buChar char=""/>
+            </a:pPr>
+            <a:r>
+              <a:rPr lang="en-IN" sz="1100" dirty="0">
                 <a:solidFill>
                   <a:schemeClr val="bg1">
                     <a:lumMod val="85000"/>
                   </a:schemeClr>
                 </a:solidFill>
-                <a:effectLst/>
                 <a:latin typeface="Calibri" panose="020F0502020204030204" pitchFamily="34" charset="0"/>
                 <a:ea typeface="Calibri" panose="020F0502020204030204" pitchFamily="34" charset="0"/>
                 <a:cs typeface="Mangal" panose="02040503050203030202" pitchFamily="18" charset="0"/>
               </a:rPr>
-              <a:t>Language used</a:t>
-            </a:r>
-            <a:r>
-              <a:rPr lang="en-IN" sz="1100" dirty="0">
+              <a:t>Automatic rent agreements (Deposit Deduction, Rent Increase) generation for different tenants data (like name, </a:t>
+            </a:r>
+            <a:r>
+              <a:rPr lang="en-IN" sz="1100" dirty="0" err="1">
                 <a:solidFill>
                   <a:schemeClr val="bg1">
                     <a:lumMod val="85000"/>
                   </a:schemeClr>
                 </a:solidFill>
-                <a:effectLst/>
                 <a:latin typeface="Calibri" panose="020F0502020204030204" pitchFamily="34" charset="0"/>
                 <a:ea typeface="Calibri" panose="020F0502020204030204" pitchFamily="34" charset="0"/>
                 <a:cs typeface="Mangal" panose="02040503050203030202" pitchFamily="18" charset="0"/>
               </a:rPr>
-              <a:t>: Python, VBA, Bash, Batch.</a:t>
+              <a:t>startdate</a:t>
+            </a:r>
+            <a:r>
+              <a:rPr lang="en-IN" sz="1100" dirty="0">
+                <a:solidFill>
+                  <a:schemeClr val="bg1">
+                    <a:lumMod val="85000"/>
+                  </a:schemeClr>
+                </a:solidFill>
+                <a:latin typeface="Calibri" panose="020F0502020204030204" pitchFamily="34" charset="0"/>
+                <a:ea typeface="Calibri" panose="020F0502020204030204" pitchFamily="34" charset="0"/>
+                <a:cs typeface="Mangal" panose="02040503050203030202" pitchFamily="18" charset="0"/>
+              </a:rPr>
+              <a:t>, address, postcode) from Excel data. </a:t>
+            </a:r>
+          </a:p>
+          <a:p>
+            <a:pPr marL="342900" marR="0" lvl="0" indent="-342900" algn="just">
+              <a:spcBef>
+                <a:spcPts val="0"/>
+              </a:spcBef>
+              <a:spcAft>
+                <a:spcPts val="600"/>
+              </a:spcAft>
+              <a:buFont typeface="Symbol" panose="05050102010706020507" pitchFamily="18" charset="2"/>
+              <a:buChar char=""/>
+            </a:pPr>
+            <a:r>
+              <a:rPr lang="en-IN" sz="1100" dirty="0">
+                <a:solidFill>
+                  <a:schemeClr val="bg1">
+                    <a:lumMod val="85000"/>
+                  </a:schemeClr>
+                </a:solidFill>
+                <a:latin typeface="Calibri" panose="020F0502020204030204" pitchFamily="34" charset="0"/>
+                <a:ea typeface="Calibri" panose="020F0502020204030204" pitchFamily="34" charset="0"/>
+                <a:cs typeface="Mangal" panose="02040503050203030202" pitchFamily="18" charset="0"/>
+              </a:rPr>
+              <a:t>Renaming thousands of files based on 5 parameters available inside the file at a particular directory.</a:t>
             </a:r>
           </a:p>
           <a:p>
@@ -18269,7 +17135,7 @@
                 <a:ea typeface="Calibri" panose="020F0502020204030204" pitchFamily="34" charset="0"/>
                 <a:cs typeface="Mangal" panose="02040503050203030202" pitchFamily="18" charset="0"/>
               </a:rPr>
-              <a:t>Automatic rent agreements (Deposit Deduction, Rent Increase) generation for different tenants data (like name, </a:t>
+              <a:t>Extract a specific data from a file (format: </a:t>
             </a:r>
             <a:r>
               <a:rPr lang="en-IN" sz="1100" dirty="0" err="1">
@@ -18282,7 +17148,7 @@
                 <a:ea typeface="Calibri" panose="020F0502020204030204" pitchFamily="34" charset="0"/>
                 <a:cs typeface="Mangal" panose="02040503050203030202" pitchFamily="18" charset="0"/>
               </a:rPr>
-              <a:t>startdate</a:t>
+              <a:t>msr</a:t>
             </a:r>
             <a:r>
               <a:rPr lang="en-IN" sz="1100" dirty="0">
@@ -18295,81 +17161,7 @@
                 <a:ea typeface="Calibri" panose="020F0502020204030204" pitchFamily="34" charset="0"/>
                 <a:cs typeface="Mangal" panose="02040503050203030202" pitchFamily="18" charset="0"/>
               </a:rPr>
-              <a:t>, address, postcode) from Excel data . </a:t>
-            </a:r>
-            <a:r>
-              <a:rPr lang="en-IN" sz="1100" u="sng" dirty="0">
-                <a:solidFill>
-                  <a:schemeClr val="bg1">
-                    <a:lumMod val="85000"/>
-                  </a:schemeClr>
-                </a:solidFill>
-                <a:latin typeface="Calibri" panose="020F0502020204030204" pitchFamily="34" charset="0"/>
-                <a:ea typeface="Calibri" panose="020F0502020204030204" pitchFamily="34" charset="0"/>
-                <a:cs typeface="Mangal" panose="02040503050203030202" pitchFamily="18" charset="0"/>
-              </a:rPr>
-              <a:t>Language used</a:t>
-            </a:r>
-            <a:r>
-              <a:rPr lang="en-IN" sz="1100" dirty="0">
-                <a:solidFill>
-                  <a:schemeClr val="bg1">
-                    <a:lumMod val="85000"/>
-                  </a:schemeClr>
-                </a:solidFill>
-                <a:latin typeface="Calibri" panose="020F0502020204030204" pitchFamily="34" charset="0"/>
-                <a:ea typeface="Calibri" panose="020F0502020204030204" pitchFamily="34" charset="0"/>
-                <a:cs typeface="Mangal" panose="02040503050203030202" pitchFamily="18" charset="0"/>
-              </a:rPr>
-              <a:t>: Python, Bash, Batch.</a:t>
-            </a:r>
-          </a:p>
-          <a:p>
-            <a:pPr marL="342900" lvl="0" indent="-342900" algn="just">
-              <a:spcAft>
-                <a:spcPts val="600"/>
-              </a:spcAft>
-              <a:buFont typeface="Symbol" panose="05050102010706020507" pitchFamily="18" charset="2"/>
-              <a:buChar char=""/>
-            </a:pPr>
-            <a:r>
-              <a:rPr lang="en-IN" sz="1100" dirty="0">
-                <a:solidFill>
-                  <a:schemeClr val="bg1">
-                    <a:lumMod val="85000"/>
-                  </a:schemeClr>
-                </a:solidFill>
-                <a:latin typeface="Calibri" panose="020F0502020204030204" pitchFamily="34" charset="0"/>
-                <a:ea typeface="Calibri" panose="020F0502020204030204" pitchFamily="34" charset="0"/>
-                <a:cs typeface="Mangal" panose="02040503050203030202" pitchFamily="18" charset="0"/>
-              </a:rPr>
-              <a:t>Renaming thousands of files based on 5 parameters available inside the file at a particular directory. </a:t>
-            </a:r>
-            <a:r>
-              <a:rPr lang="en-IN" sz="1100" u="sng" dirty="0">
-                <a:solidFill>
-                  <a:schemeClr val="bg1">
-                    <a:lumMod val="85000"/>
-                  </a:schemeClr>
-                </a:solidFill>
-                <a:latin typeface="Calibri" panose="020F0502020204030204" pitchFamily="34" charset="0"/>
-                <a:ea typeface="Calibri" panose="020F0502020204030204" pitchFamily="34" charset="0"/>
-                <a:cs typeface="Mangal" panose="02040503050203030202" pitchFamily="18" charset="0"/>
-              </a:rPr>
-              <a:t>Language used</a:t>
-            </a:r>
-            <a:r>
-              <a:rPr lang="en-IN" sz="1100" dirty="0">
-                <a:solidFill>
-                  <a:schemeClr val="bg1">
-                    <a:lumMod val="85000"/>
-                  </a:schemeClr>
-                </a:solidFill>
-                <a:latin typeface="Calibri" panose="020F0502020204030204" pitchFamily="34" charset="0"/>
-                <a:ea typeface="Calibri" panose="020F0502020204030204" pitchFamily="34" charset="0"/>
-                <a:cs typeface="Mangal" panose="02040503050203030202" pitchFamily="18" charset="0"/>
-              </a:rPr>
-              <a:t>: Python.</a:t>
+              <a:t>) and replace a specific line in another file (format: .001). Replace coordinates in a file with a desired value and repeat the same for thousands of files present in a directory.</a:t>
             </a:r>
           </a:p>
           <a:p>
@@ -18391,10 +17183,10 @@
                 <a:ea typeface="Calibri" panose="020F0502020204030204" pitchFamily="34" charset="0"/>
                 <a:cs typeface="Mangal" panose="02040503050203030202" pitchFamily="18" charset="0"/>
               </a:rPr>
-              <a:t>Extract a specific data from a file (format: </a:t>
-            </a:r>
-            <a:r>
-              <a:rPr lang="en-IN" sz="1100" dirty="0" err="1">
+              <a:t>Fetching of accounts &amp; timestamp of Twitter posts with tag </a:t>
+            </a:r>
+            <a:r>
+              <a:rPr lang="en-IN" sz="1100" i="1" dirty="0">
                 <a:solidFill>
                   <a:schemeClr val="bg1">
                     <a:lumMod val="85000"/>
@@ -18404,7 +17196,7 @@
                 <a:ea typeface="Calibri" panose="020F0502020204030204" pitchFamily="34" charset="0"/>
                 <a:cs typeface="Mangal" panose="02040503050203030202" pitchFamily="18" charset="0"/>
               </a:rPr>
-              <a:t>msr</a:t>
+              <a:t>#libya</a:t>
             </a:r>
             <a:r>
               <a:rPr lang="en-IN" sz="1100" dirty="0">
@@ -18417,120 +17209,7 @@
                 <a:ea typeface="Calibri" panose="020F0502020204030204" pitchFamily="34" charset="0"/>
                 <a:cs typeface="Mangal" panose="02040503050203030202" pitchFamily="18" charset="0"/>
               </a:rPr>
-              <a:t>) and replace a specific line in another file (format: .001). Replace coordinates in a file with a desired value and repeat the same for thousands of files present in a directory. </a:t>
-            </a:r>
-            <a:r>
-              <a:rPr lang="en-IN" sz="1100" u="sng" dirty="0">
-                <a:solidFill>
-                  <a:schemeClr val="bg1">
-                    <a:lumMod val="85000"/>
-                  </a:schemeClr>
-                </a:solidFill>
-                <a:latin typeface="Calibri" panose="020F0502020204030204" pitchFamily="34" charset="0"/>
-                <a:ea typeface="Calibri" panose="020F0502020204030204" pitchFamily="34" charset="0"/>
-                <a:cs typeface="Mangal" panose="02040503050203030202" pitchFamily="18" charset="0"/>
-              </a:rPr>
-              <a:t>Language used</a:t>
-            </a:r>
-            <a:r>
-              <a:rPr lang="en-IN" sz="1100" dirty="0">
-                <a:solidFill>
-                  <a:schemeClr val="bg1">
-                    <a:lumMod val="85000"/>
-                  </a:schemeClr>
-                </a:solidFill>
-                <a:latin typeface="Calibri" panose="020F0502020204030204" pitchFamily="34" charset="0"/>
-                <a:ea typeface="Calibri" panose="020F0502020204030204" pitchFamily="34" charset="0"/>
-                <a:cs typeface="Mangal" panose="02040503050203030202" pitchFamily="18" charset="0"/>
-              </a:rPr>
-              <a:t>: Python.</a:t>
-            </a:r>
-          </a:p>
-          <a:p>
-            <a:pPr marL="342900" lvl="0" indent="-342900" algn="just">
-              <a:spcAft>
-                <a:spcPts val="600"/>
-              </a:spcAft>
-              <a:buFont typeface="Symbol" panose="05050102010706020507" pitchFamily="18" charset="2"/>
-              <a:buChar char=""/>
-            </a:pPr>
-            <a:r>
-              <a:rPr lang="en-IN" sz="1100" dirty="0">
-                <a:solidFill>
-                  <a:schemeClr val="bg1">
-                    <a:lumMod val="85000"/>
-                  </a:schemeClr>
-                </a:solidFill>
-                <a:latin typeface="Calibri" panose="020F0502020204030204" pitchFamily="34" charset="0"/>
-                <a:ea typeface="Calibri" panose="020F0502020204030204" pitchFamily="34" charset="0"/>
-                <a:cs typeface="Mangal" panose="02040503050203030202" pitchFamily="18" charset="0"/>
-              </a:rPr>
-              <a:t>Fetching of accounts &amp; timestamp of Twitter posts with tag </a:t>
-            </a:r>
-            <a:r>
-              <a:rPr lang="en-IN" sz="1100" i="1" dirty="0">
-                <a:solidFill>
-                  <a:schemeClr val="bg1">
-                    <a:lumMod val="85000"/>
-                  </a:schemeClr>
-                </a:solidFill>
-                <a:latin typeface="Calibri" panose="020F0502020204030204" pitchFamily="34" charset="0"/>
-                <a:ea typeface="Calibri" panose="020F0502020204030204" pitchFamily="34" charset="0"/>
-                <a:cs typeface="Mangal" panose="02040503050203030202" pitchFamily="18" charset="0"/>
-              </a:rPr>
-              <a:t>#</a:t>
-            </a:r>
-            <a:r>
-              <a:rPr lang="en-IN" sz="1100" i="1" dirty="0" err="1">
-                <a:solidFill>
-                  <a:schemeClr val="bg1">
-                    <a:lumMod val="85000"/>
-                  </a:schemeClr>
-                </a:solidFill>
-                <a:latin typeface="Calibri" panose="020F0502020204030204" pitchFamily="34" charset="0"/>
-                <a:ea typeface="Calibri" panose="020F0502020204030204" pitchFamily="34" charset="0"/>
-                <a:cs typeface="Mangal" panose="02040503050203030202" pitchFamily="18" charset="0"/>
-              </a:rPr>
-              <a:t>libya</a:t>
-            </a:r>
-            <a:r>
-              <a:rPr lang="en-IN" sz="1100" dirty="0">
-                <a:solidFill>
-                  <a:schemeClr val="bg1">
-                    <a:lumMod val="85000"/>
-                  </a:schemeClr>
-                </a:solidFill>
-                <a:latin typeface="Calibri" panose="020F0502020204030204" pitchFamily="34" charset="0"/>
-                <a:ea typeface="Calibri" panose="020F0502020204030204" pitchFamily="34" charset="0"/>
-                <a:cs typeface="Mangal" panose="02040503050203030202" pitchFamily="18" charset="0"/>
-              </a:rPr>
-              <a:t>. </a:t>
-            </a:r>
-            <a:r>
-              <a:rPr lang="en-IN" sz="1100" u="sng" dirty="0">
-                <a:solidFill>
-                  <a:schemeClr val="bg1">
-                    <a:lumMod val="85000"/>
-                  </a:schemeClr>
-                </a:solidFill>
-                <a:latin typeface="Calibri" panose="020F0502020204030204" pitchFamily="34" charset="0"/>
-                <a:ea typeface="Calibri" panose="020F0502020204030204" pitchFamily="34" charset="0"/>
-                <a:cs typeface="Mangal" panose="02040503050203030202" pitchFamily="18" charset="0"/>
-              </a:rPr>
-              <a:t>Language used</a:t>
-            </a:r>
-            <a:r>
-              <a:rPr lang="en-IN" sz="1100" dirty="0">
-                <a:solidFill>
-                  <a:schemeClr val="bg1">
-                    <a:lumMod val="85000"/>
-                  </a:schemeClr>
-                </a:solidFill>
-                <a:latin typeface="Calibri" panose="020F0502020204030204" pitchFamily="34" charset="0"/>
-                <a:ea typeface="Calibri" panose="020F0502020204030204" pitchFamily="34" charset="0"/>
-                <a:cs typeface="Mangal" panose="02040503050203030202" pitchFamily="18" charset="0"/>
-              </a:rPr>
-              <a:t>: Python.</a:t>
+              <a:t>.</a:t>
             </a:r>
             <a:endParaRPr lang="en-US" sz="1100" dirty="0">
               <a:solidFill>
@@ -18570,35 +17249,7 @@
                 <a:ea typeface="Calibri" panose="020F0502020204030204" pitchFamily="34" charset="0"/>
                 <a:cs typeface="Mangal" panose="02040503050203030202" pitchFamily="18" charset="0"/>
               </a:rPr>
-              <a:t>Prepared a data analysis report on updating an Excel form from datasets fetched from Outlook mail. </a:t>
-            </a:r>
-            <a:r>
-              <a:rPr lang="en-IN" sz="1100" u="sng" dirty="0">
-                <a:solidFill>
-                  <a:schemeClr val="bg1">
-                    <a:lumMod val="85000"/>
-                  </a:schemeClr>
-                </a:solidFill>
-                <a:effectLst/>
-                <a:latin typeface="Calibri" panose="020F0502020204030204" pitchFamily="34" charset="0"/>
-                <a:ea typeface="Calibri" panose="020F0502020204030204" pitchFamily="34" charset="0"/>
-                <a:cs typeface="Mangal" panose="02040503050203030202" pitchFamily="18" charset="0"/>
-              </a:rPr>
-              <a:t>Language used</a:t>
-            </a:r>
-            <a:r>
-              <a:rPr lang="en-IN" sz="1100" dirty="0">
-                <a:solidFill>
-                  <a:schemeClr val="bg1">
-                    <a:lumMod val="85000"/>
-                  </a:schemeClr>
-                </a:solidFill>
-                <a:effectLst/>
-                <a:latin typeface="Calibri" panose="020F0502020204030204" pitchFamily="34" charset="0"/>
-                <a:ea typeface="Calibri" panose="020F0502020204030204" pitchFamily="34" charset="0"/>
-                <a:cs typeface="Mangal" panose="02040503050203030202" pitchFamily="18" charset="0"/>
-              </a:rPr>
-              <a:t>: Python.</a:t>
+              <a:t>Prepared a data analysis report on updating an Excel form from datasets fetched from Outlook mail.</a:t>
             </a:r>
             <a:endParaRPr lang="en-US" sz="1100" dirty="0">
               <a:solidFill>
@@ -18666,36 +17317,43 @@
                 <a:ea typeface="Calibri" panose="020F0502020204030204" pitchFamily="34" charset="0"/>
                 <a:cs typeface="Mangal" panose="02040503050203030202" pitchFamily="18" charset="0"/>
               </a:rPr>
-              <a:t>) generation from fetched data in Excel file. </a:t>
-            </a:r>
-            <a:r>
-              <a:rPr lang="en-IN" sz="1100" u="sng" dirty="0">
+              <a:t>) generation from fetched data in Excel file.</a:t>
+            </a:r>
+          </a:p>
+          <a:p>
+            <a:pPr marL="342900" indent="-342900" algn="just">
+              <a:lnSpc>
+                <a:spcPct val="115000"/>
+              </a:lnSpc>
+              <a:spcAft>
+                <a:spcPts val="600"/>
+              </a:spcAft>
+              <a:buFont typeface="Symbol" panose="05050102010706020507" pitchFamily="18" charset="2"/>
+              <a:buChar char=""/>
+            </a:pPr>
+            <a:r>
+              <a:rPr lang="en-IN" sz="1100" dirty="0">
                 <a:solidFill>
                   <a:schemeClr val="bg1">
                     <a:lumMod val="85000"/>
                   </a:schemeClr>
                 </a:solidFill>
-                <a:effectLst/>
                 <a:latin typeface="Calibri" panose="020F0502020204030204" pitchFamily="34" charset="0"/>
-                <a:ea typeface="Calibri" panose="020F0502020204030204" pitchFamily="34" charset="0"/>
                 <a:cs typeface="Mangal" panose="02040503050203030202" pitchFamily="18" charset="0"/>
               </a:rPr>
-              <a:t>Language used</a:t>
-            </a:r>
-            <a:r>
-              <a:rPr lang="en-IN" sz="1100" dirty="0">
-                <a:solidFill>
-                  <a:schemeClr val="bg1">
-                    <a:lumMod val="85000"/>
-                  </a:schemeClr>
-                </a:solidFill>
-                <a:effectLst/>
-                <a:latin typeface="Calibri" panose="020F0502020204030204" pitchFamily="34" charset="0"/>
-                <a:ea typeface="Calibri" panose="020F0502020204030204" pitchFamily="34" charset="0"/>
-                <a:cs typeface="Mangal" panose="02040503050203030202" pitchFamily="18" charset="0"/>
-              </a:rPr>
-              <a:t>: Python.</a:t>
-            </a:r>
+              <a:t>Created a custom 3D Plot for data analytics related to Semiconductor devices with yield, which is visualizable with interactive modern-UI level.</a:t>
+            </a:r>
+            <a:endParaRPr lang="en-IN" sz="1100" dirty="0">
+              <a:solidFill>
+                <a:schemeClr val="bg1">
+                  <a:lumMod val="85000"/>
+                </a:schemeClr>
+              </a:solidFill>
+              <a:effectLst/>
+              <a:latin typeface="Calibri" panose="020F0502020204030204" pitchFamily="34" charset="0"/>
+              <a:ea typeface="Calibri" panose="020F0502020204030204" pitchFamily="34" charset="0"/>
+              <a:cs typeface="Mangal" panose="02040503050203030202" pitchFamily="18" charset="0"/>
+            </a:endParaRPr>
           </a:p>
           <a:p>
             <a:endParaRPr lang="en-US" sz="1100" dirty="0">
@@ -18705,6 +17363,190 @@
                 </a:schemeClr>
               </a:solidFill>
             </a:endParaRPr>
+          </a:p>
+        </p:txBody>
+      </p:sp>
+      <p:sp>
+        <p:nvSpPr>
+          <p:cNvPr id="5" name="TextBox 4">
+            <a:extLst>
+              <a:ext uri="{FF2B5EF4-FFF2-40B4-BE49-F238E27FC236}">
+                <a16:creationId xmlns:a16="http://schemas.microsoft.com/office/drawing/2014/main" id="{A662612E-8139-4704-A7E5-B3087F75D883}"/>
+              </a:ext>
+            </a:extLst>
+          </p:cNvPr>
+          <p:cNvSpPr txBox="1"/>
+          <p:nvPr/>
+        </p:nvSpPr>
+        <p:spPr>
+          <a:xfrm>
+            <a:off x="434340" y="5794526"/>
+            <a:ext cx="5989320" cy="1986826"/>
+          </a:xfrm>
+          <a:prstGeom prst="rect">
+            <a:avLst/>
+          </a:prstGeom>
+          <a:noFill/>
+        </p:spPr>
+        <p:txBody>
+          <a:bodyPr wrap="square">
+            <a:spAutoFit/>
+          </a:bodyPr>
+          <a:lstStyle/>
+          <a:p>
+            <a:pPr marL="342900" indent="-342900" algn="just">
+              <a:lnSpc>
+                <a:spcPct val="115000"/>
+              </a:lnSpc>
+              <a:spcAft>
+                <a:spcPts val="600"/>
+              </a:spcAft>
+              <a:buFont typeface="Symbol" panose="05050102010706020507" pitchFamily="18" charset="2"/>
+              <a:buChar char=""/>
+            </a:pPr>
+            <a:r>
+              <a:rPr lang="en-IN" sz="1100" dirty="0">
+                <a:solidFill>
+                  <a:schemeClr val="bg1">
+                    <a:lumMod val="85000"/>
+                  </a:schemeClr>
+                </a:solidFill>
+                <a:effectLst/>
+                <a:latin typeface="Calibri" panose="020F0502020204030204" pitchFamily="34" charset="0"/>
+                <a:ea typeface="Calibri" panose="020F0502020204030204" pitchFamily="34" charset="0"/>
+                <a:cs typeface="Mangal" panose="02040503050203030202" pitchFamily="18" charset="0"/>
+              </a:rPr>
+              <a:t>Built a Key Generator Bot called ‘</a:t>
+            </a:r>
+            <a:r>
+              <a:rPr lang="en-IN" sz="1100" dirty="0" err="1">
+                <a:solidFill>
+                  <a:schemeClr val="bg1">
+                    <a:lumMod val="85000"/>
+                  </a:schemeClr>
+                </a:solidFill>
+                <a:effectLst/>
+                <a:latin typeface="Calibri" panose="020F0502020204030204" pitchFamily="34" charset="0"/>
+                <a:ea typeface="Calibri" panose="020F0502020204030204" pitchFamily="34" charset="0"/>
+                <a:cs typeface="Mangal" panose="02040503050203030202" pitchFamily="18" charset="0"/>
+              </a:rPr>
+              <a:t>KeyHub</a:t>
+            </a:r>
+            <a:r>
+              <a:rPr lang="en-IN" sz="1100" dirty="0">
+                <a:solidFill>
+                  <a:schemeClr val="bg1">
+                    <a:lumMod val="85000"/>
+                  </a:schemeClr>
+                </a:solidFill>
+                <a:effectLst/>
+                <a:latin typeface="Calibri" panose="020F0502020204030204" pitchFamily="34" charset="0"/>
+                <a:ea typeface="Calibri" panose="020F0502020204030204" pitchFamily="34" charset="0"/>
+                <a:cs typeface="Mangal" panose="02040503050203030202" pitchFamily="18" charset="0"/>
+              </a:rPr>
+              <a:t>’, where a user can buy license key for a set of products. The key usage is continuously monitored along with exact location obtained through reverse-geocoding of coordinates.</a:t>
+            </a:r>
+          </a:p>
+          <a:p>
+            <a:pPr marL="342900" indent="-342900" algn="just">
+              <a:lnSpc>
+                <a:spcPct val="115000"/>
+              </a:lnSpc>
+              <a:spcAft>
+                <a:spcPts val="600"/>
+              </a:spcAft>
+              <a:buFont typeface="Symbol" panose="05050102010706020507" pitchFamily="18" charset="2"/>
+              <a:buChar char=""/>
+            </a:pPr>
+            <a:r>
+              <a:rPr lang="en-IN" sz="1100" dirty="0">
+                <a:solidFill>
+                  <a:schemeClr val="bg1">
+                    <a:lumMod val="85000"/>
+                  </a:schemeClr>
+                </a:solidFill>
+                <a:effectLst/>
+                <a:latin typeface="Calibri" panose="020F0502020204030204" pitchFamily="34" charset="0"/>
+                <a:ea typeface="Calibri" panose="020F0502020204030204" pitchFamily="34" charset="0"/>
+                <a:cs typeface="Mangal" panose="02040503050203030202" pitchFamily="18" charset="0"/>
+              </a:rPr>
+              <a:t>Created a Bot called ‘LEO’ which allows a user to get dog images based on their saved breed as preference or to load random dog images. A donation programme feature was also added which then allowed dog lovers to donate money directly to the Dog Welfare centres. </a:t>
+            </a:r>
+          </a:p>
+          <a:p>
+            <a:pPr marL="342900" indent="-342900" algn="just">
+              <a:lnSpc>
+                <a:spcPct val="115000"/>
+              </a:lnSpc>
+              <a:spcAft>
+                <a:spcPts val="1000"/>
+              </a:spcAft>
+              <a:buFont typeface="Symbol" panose="05050102010706020507" pitchFamily="18" charset="2"/>
+              <a:buChar char=""/>
+            </a:pPr>
+            <a:r>
+              <a:rPr lang="en-IN" sz="1100" dirty="0">
+                <a:solidFill>
+                  <a:schemeClr val="bg1">
+                    <a:lumMod val="85000"/>
+                  </a:schemeClr>
+                </a:solidFill>
+                <a:effectLst/>
+                <a:latin typeface="Calibri" panose="020F0502020204030204" pitchFamily="34" charset="0"/>
+                <a:ea typeface="Calibri" panose="020F0502020204030204" pitchFamily="34" charset="0"/>
+                <a:cs typeface="Mangal" panose="02040503050203030202" pitchFamily="18" charset="0"/>
+              </a:rPr>
+              <a:t>Created a general purpose Quiz bot with types - MCQ, Image, Audio, GIF, Video for any topic where a teacher/School/College can conduct online exams for their students. Addition of proper evaluation of subjective types of exam is to be added into the Bot.  </a:t>
+            </a:r>
+            <a:endParaRPr lang="en-US" sz="1100" dirty="0">
+              <a:solidFill>
+                <a:schemeClr val="bg1">
+                  <a:lumMod val="85000"/>
+                </a:schemeClr>
+              </a:solidFill>
+              <a:effectLst/>
+              <a:latin typeface="Calibri" panose="020F0502020204030204" pitchFamily="34" charset="0"/>
+              <a:ea typeface="Calibri" panose="020F0502020204030204" pitchFamily="34" charset="0"/>
+              <a:cs typeface="Mangal" panose="02040503050203030202" pitchFamily="18" charset="0"/>
+            </a:endParaRPr>
+          </a:p>
+        </p:txBody>
+      </p:sp>
+      <p:sp>
+        <p:nvSpPr>
+          <p:cNvPr id="7" name="TextBox 6">
+            <a:extLst>
+              <a:ext uri="{FF2B5EF4-FFF2-40B4-BE49-F238E27FC236}">
+                <a16:creationId xmlns:a16="http://schemas.microsoft.com/office/drawing/2014/main" id="{E727AC20-FC21-497B-A1B7-68483800DDEB}"/>
+              </a:ext>
+            </a:extLst>
+          </p:cNvPr>
+          <p:cNvSpPr txBox="1"/>
+          <p:nvPr/>
+        </p:nvSpPr>
+        <p:spPr>
+          <a:xfrm>
+            <a:off x="527446" y="5315771"/>
+            <a:ext cx="687897" cy="338554"/>
+          </a:xfrm>
+          <a:prstGeom prst="rect">
+            <a:avLst/>
+          </a:prstGeom>
+          <a:solidFill>
+            <a:srgbClr val="EBAB0B"/>
+          </a:solidFill>
+        </p:spPr>
+        <p:txBody>
+          <a:bodyPr wrap="square" rtlCol="0">
+            <a:spAutoFit/>
+          </a:bodyPr>
+          <a:lstStyle/>
+          <a:p>
+            <a:pPr algn="ctr"/>
+            <a:r>
+              <a:rPr lang="en-US" sz="1600" dirty="0"/>
+              <a:t>Bot</a:t>
+            </a:r>
           </a:p>
         </p:txBody>
       </p:sp>
@@ -18746,236 +17588,6 @@
           <a:chExt cx="0" cy="0"/>
         </a:xfrm>
       </p:grpSpPr>
-      <p:sp>
-        <p:nvSpPr>
-          <p:cNvPr id="87" name="TextBox 86">
-            <a:extLst>
-              <a:ext uri="{FF2B5EF4-FFF2-40B4-BE49-F238E27FC236}">
-                <a16:creationId xmlns:a16="http://schemas.microsoft.com/office/drawing/2014/main" id="{3345A600-23F1-48FB-94E7-63E15A069412}"/>
-              </a:ext>
-            </a:extLst>
-          </p:cNvPr>
-          <p:cNvSpPr txBox="1"/>
-          <p:nvPr/>
-        </p:nvSpPr>
-        <p:spPr>
-          <a:xfrm>
-            <a:off x="434340" y="1234245"/>
-            <a:ext cx="5989320" cy="2181495"/>
-          </a:xfrm>
-          <a:prstGeom prst="rect">
-            <a:avLst/>
-          </a:prstGeom>
-          <a:noFill/>
-        </p:spPr>
-        <p:txBody>
-          <a:bodyPr wrap="square">
-            <a:spAutoFit/>
-          </a:bodyPr>
-          <a:lstStyle/>
-          <a:p>
-            <a:pPr marL="342900" indent="-342900" algn="just">
-              <a:lnSpc>
-                <a:spcPct val="115000"/>
-              </a:lnSpc>
-              <a:spcAft>
-                <a:spcPts val="600"/>
-              </a:spcAft>
-              <a:buFont typeface="Symbol" panose="05050102010706020507" pitchFamily="18" charset="2"/>
-              <a:buChar char=""/>
-            </a:pPr>
-            <a:r>
-              <a:rPr lang="en-IN" sz="1100" dirty="0">
-                <a:solidFill>
-                  <a:schemeClr val="bg1">
-                    <a:lumMod val="85000"/>
-                  </a:schemeClr>
-                </a:solidFill>
-                <a:effectLst/>
-                <a:latin typeface="Calibri" panose="020F0502020204030204" pitchFamily="34" charset="0"/>
-                <a:ea typeface="Calibri" panose="020F0502020204030204" pitchFamily="34" charset="0"/>
-                <a:cs typeface="Mangal" panose="02040503050203030202" pitchFamily="18" charset="0"/>
-              </a:rPr>
-              <a:t>Built a Key Generator Bot called ‘</a:t>
-            </a:r>
-            <a:r>
-              <a:rPr lang="en-IN" sz="1100" dirty="0" err="1">
-                <a:solidFill>
-                  <a:schemeClr val="bg1">
-                    <a:lumMod val="85000"/>
-                  </a:schemeClr>
-                </a:solidFill>
-                <a:effectLst/>
-                <a:latin typeface="Calibri" panose="020F0502020204030204" pitchFamily="34" charset="0"/>
-                <a:ea typeface="Calibri" panose="020F0502020204030204" pitchFamily="34" charset="0"/>
-                <a:cs typeface="Mangal" panose="02040503050203030202" pitchFamily="18" charset="0"/>
-              </a:rPr>
-              <a:t>KeyHub</a:t>
-            </a:r>
-            <a:r>
-              <a:rPr lang="en-IN" sz="1100" dirty="0">
-                <a:solidFill>
-                  <a:schemeClr val="bg1">
-                    <a:lumMod val="85000"/>
-                  </a:schemeClr>
-                </a:solidFill>
-                <a:effectLst/>
-                <a:latin typeface="Calibri" panose="020F0502020204030204" pitchFamily="34" charset="0"/>
-                <a:ea typeface="Calibri" panose="020F0502020204030204" pitchFamily="34" charset="0"/>
-                <a:cs typeface="Mangal" panose="02040503050203030202" pitchFamily="18" charset="0"/>
-              </a:rPr>
-              <a:t>’, where a user can buy license key for a set of products. The key usage is continuously monitored along with exact location obtained through reverse-geocoding of coordinates. </a:t>
-            </a:r>
-            <a:r>
-              <a:rPr lang="en-IN" sz="1100" u="sng" dirty="0">
-                <a:solidFill>
-                  <a:schemeClr val="bg1">
-                    <a:lumMod val="85000"/>
-                  </a:schemeClr>
-                </a:solidFill>
-                <a:effectLst/>
-                <a:latin typeface="Calibri" panose="020F0502020204030204" pitchFamily="34" charset="0"/>
-                <a:ea typeface="Calibri" panose="020F0502020204030204" pitchFamily="34" charset="0"/>
-                <a:cs typeface="Mangal" panose="02040503050203030202" pitchFamily="18" charset="0"/>
-              </a:rPr>
-              <a:t>Language used</a:t>
-            </a:r>
-            <a:r>
-              <a:rPr lang="en-IN" sz="1100" dirty="0">
-                <a:solidFill>
-                  <a:schemeClr val="bg1">
-                    <a:lumMod val="85000"/>
-                  </a:schemeClr>
-                </a:solidFill>
-                <a:effectLst/>
-                <a:latin typeface="Calibri" panose="020F0502020204030204" pitchFamily="34" charset="0"/>
-                <a:ea typeface="Calibri" panose="020F0502020204030204" pitchFamily="34" charset="0"/>
-                <a:cs typeface="Mangal" panose="02040503050203030202" pitchFamily="18" charset="0"/>
-              </a:rPr>
-              <a:t>: Python, Bash.</a:t>
-            </a:r>
-          </a:p>
-          <a:p>
-            <a:pPr marL="342900" indent="-342900" algn="just">
-              <a:lnSpc>
-                <a:spcPct val="115000"/>
-              </a:lnSpc>
-              <a:spcAft>
-                <a:spcPts val="600"/>
-              </a:spcAft>
-              <a:buFont typeface="Symbol" panose="05050102010706020507" pitchFamily="18" charset="2"/>
-              <a:buChar char=""/>
-            </a:pPr>
-            <a:r>
-              <a:rPr lang="en-IN" sz="1100" dirty="0">
-                <a:solidFill>
-                  <a:schemeClr val="bg1">
-                    <a:lumMod val="85000"/>
-                  </a:schemeClr>
-                </a:solidFill>
-                <a:effectLst/>
-                <a:latin typeface="Calibri" panose="020F0502020204030204" pitchFamily="34" charset="0"/>
-                <a:ea typeface="Calibri" panose="020F0502020204030204" pitchFamily="34" charset="0"/>
-                <a:cs typeface="Mangal" panose="02040503050203030202" pitchFamily="18" charset="0"/>
-              </a:rPr>
-              <a:t>Created a Bot called ‘LEO’ which allows a user to get dog images based on their saved breed as preference or to load random dog images. A donation programme feature was also added which then allowed dog lovers to donate money directly to the Dog Welfare centres. </a:t>
-            </a:r>
-            <a:r>
-              <a:rPr lang="en-IN" sz="1100" u="sng" dirty="0">
-                <a:solidFill>
-                  <a:schemeClr val="bg1">
-                    <a:lumMod val="85000"/>
-                  </a:schemeClr>
-                </a:solidFill>
-                <a:effectLst/>
-                <a:latin typeface="Calibri" panose="020F0502020204030204" pitchFamily="34" charset="0"/>
-                <a:ea typeface="Calibri" panose="020F0502020204030204" pitchFamily="34" charset="0"/>
-                <a:cs typeface="Mangal" panose="02040503050203030202" pitchFamily="18" charset="0"/>
-              </a:rPr>
-              <a:t>Language used</a:t>
-            </a:r>
-            <a:r>
-              <a:rPr lang="en-IN" sz="1100" dirty="0">
-                <a:solidFill>
-                  <a:schemeClr val="bg1">
-                    <a:lumMod val="85000"/>
-                  </a:schemeClr>
-                </a:solidFill>
-                <a:effectLst/>
-                <a:latin typeface="Calibri" panose="020F0502020204030204" pitchFamily="34" charset="0"/>
-                <a:ea typeface="Calibri" panose="020F0502020204030204" pitchFamily="34" charset="0"/>
-                <a:cs typeface="Mangal" panose="02040503050203030202" pitchFamily="18" charset="0"/>
-              </a:rPr>
-              <a:t>: Python, Bash. </a:t>
-            </a:r>
-          </a:p>
-          <a:p>
-            <a:pPr marL="342900" indent="-342900" algn="just">
-              <a:lnSpc>
-                <a:spcPct val="115000"/>
-              </a:lnSpc>
-              <a:spcAft>
-                <a:spcPts val="1000"/>
-              </a:spcAft>
-              <a:buFont typeface="Symbol" panose="05050102010706020507" pitchFamily="18" charset="2"/>
-              <a:buChar char=""/>
-            </a:pPr>
-            <a:r>
-              <a:rPr lang="en-IN" sz="1100" dirty="0">
-                <a:solidFill>
-                  <a:schemeClr val="bg1">
-                    <a:lumMod val="85000"/>
-                  </a:schemeClr>
-                </a:solidFill>
-                <a:effectLst/>
-                <a:latin typeface="Calibri" panose="020F0502020204030204" pitchFamily="34" charset="0"/>
-                <a:ea typeface="Calibri" panose="020F0502020204030204" pitchFamily="34" charset="0"/>
-                <a:cs typeface="Mangal" panose="02040503050203030202" pitchFamily="18" charset="0"/>
-              </a:rPr>
-              <a:t>Created a general purpose Quiz bot with types - MCQ, Image, Audio, GIF, Video for any topic where a teacher/School/College can conduct online exams for their students. Addition of proper evaluation of subjective types of exam is to be added into the Bot. </a:t>
-            </a:r>
-            <a:r>
-              <a:rPr lang="en-IN" sz="1100" u="sng" dirty="0">
-                <a:solidFill>
-                  <a:schemeClr val="bg1">
-                    <a:lumMod val="85000"/>
-                  </a:schemeClr>
-                </a:solidFill>
-                <a:effectLst/>
-                <a:latin typeface="Calibri" panose="020F0502020204030204" pitchFamily="34" charset="0"/>
-                <a:ea typeface="Calibri" panose="020F0502020204030204" pitchFamily="34" charset="0"/>
-                <a:cs typeface="Mangal" panose="02040503050203030202" pitchFamily="18" charset="0"/>
-              </a:rPr>
-              <a:t>Language used</a:t>
-            </a:r>
-            <a:r>
-              <a:rPr lang="en-IN" sz="1100" dirty="0">
-                <a:solidFill>
-                  <a:schemeClr val="bg1">
-                    <a:lumMod val="85000"/>
-                  </a:schemeClr>
-                </a:solidFill>
-                <a:effectLst/>
-                <a:latin typeface="Calibri" panose="020F0502020204030204" pitchFamily="34" charset="0"/>
-                <a:ea typeface="Calibri" panose="020F0502020204030204" pitchFamily="34" charset="0"/>
-                <a:cs typeface="Mangal" panose="02040503050203030202" pitchFamily="18" charset="0"/>
-              </a:rPr>
-              <a:t>: Python, Bash.  </a:t>
-            </a:r>
-            <a:endParaRPr lang="en-US" sz="1100" dirty="0">
-              <a:solidFill>
-                <a:schemeClr val="bg1">
-                  <a:lumMod val="85000"/>
-                </a:schemeClr>
-              </a:solidFill>
-              <a:effectLst/>
-              <a:latin typeface="Calibri" panose="020F0502020204030204" pitchFamily="34" charset="0"/>
-              <a:ea typeface="Calibri" panose="020F0502020204030204" pitchFamily="34" charset="0"/>
-              <a:cs typeface="Mangal" panose="02040503050203030202" pitchFamily="18" charset="0"/>
-            </a:endParaRPr>
-          </a:p>
-        </p:txBody>
-      </p:sp>
       <p:pic>
         <p:nvPicPr>
           <p:cNvPr id="1026" name="Picture 2" descr="Download Leadership Icon -01 - Vector Graphics - Full Size PNG Image -  PNGkit">
@@ -19005,7 +17617,7 @@
         </p:blipFill>
         <p:spPr bwMode="auto">
           <a:xfrm>
-            <a:off x="197351" y="3640031"/>
+            <a:off x="197351" y="252061"/>
             <a:ext cx="330095" cy="273933"/>
           </a:xfrm>
           <a:prstGeom prst="rect">
@@ -19039,7 +17651,7 @@
         </p:nvSpPr>
         <p:spPr>
           <a:xfrm>
-            <a:off x="527446" y="3640030"/>
+            <a:off x="527446" y="252060"/>
             <a:ext cx="3390104" cy="273933"/>
           </a:xfrm>
           <a:prstGeom prst="rect">
@@ -19236,7 +17848,7 @@
         </p:nvSpPr>
         <p:spPr>
           <a:xfrm>
-            <a:off x="434340" y="3987783"/>
+            <a:off x="434340" y="599813"/>
             <a:ext cx="5989320" cy="6993581"/>
           </a:xfrm>
           <a:prstGeom prst="rect">
@@ -20214,151 +18826,10 @@
           </a:p>
         </p:txBody>
       </p:sp>
-      <p:sp>
-        <p:nvSpPr>
-          <p:cNvPr id="6" name="TextBox 5">
-            <a:extLst>
-              <a:ext uri="{FF2B5EF4-FFF2-40B4-BE49-F238E27FC236}">
-                <a16:creationId xmlns:a16="http://schemas.microsoft.com/office/drawing/2014/main" id="{2A96A551-2CCA-4BAB-91A5-5405D7DA908B}"/>
-              </a:ext>
-            </a:extLst>
-          </p:cNvPr>
-          <p:cNvSpPr txBox="1"/>
-          <p:nvPr/>
-        </p:nvSpPr>
-        <p:spPr>
-          <a:xfrm>
-            <a:off x="527446" y="755490"/>
-            <a:ext cx="687897" cy="338554"/>
-          </a:xfrm>
-          <a:prstGeom prst="rect">
-            <a:avLst/>
-          </a:prstGeom>
-          <a:solidFill>
-            <a:srgbClr val="EBAB0B"/>
-          </a:solidFill>
-        </p:spPr>
-        <p:txBody>
-          <a:bodyPr wrap="square" rtlCol="0">
-            <a:spAutoFit/>
-          </a:bodyPr>
-          <a:lstStyle/>
-          <a:p>
-            <a:pPr algn="ctr"/>
-            <a:r>
-              <a:rPr lang="en-US" sz="1600" dirty="0"/>
-              <a:t>Bot</a:t>
-            </a:r>
-          </a:p>
-        </p:txBody>
-      </p:sp>
-      <p:sp>
-        <p:nvSpPr>
-          <p:cNvPr id="8" name="TextBox 7">
-            <a:extLst>
-              <a:ext uri="{FF2B5EF4-FFF2-40B4-BE49-F238E27FC236}">
-                <a16:creationId xmlns:a16="http://schemas.microsoft.com/office/drawing/2014/main" id="{F847355D-A63E-4651-92DE-BA8C756D28F5}"/>
-              </a:ext>
-            </a:extLst>
-          </p:cNvPr>
-          <p:cNvSpPr txBox="1"/>
-          <p:nvPr/>
-        </p:nvSpPr>
-        <p:spPr>
-          <a:xfrm>
-            <a:off x="434340" y="118451"/>
-            <a:ext cx="6126480" cy="1168781"/>
-          </a:xfrm>
-          <a:prstGeom prst="rect">
-            <a:avLst/>
-          </a:prstGeom>
-          <a:noFill/>
-        </p:spPr>
-        <p:txBody>
-          <a:bodyPr wrap="square" rtlCol="0">
-            <a:spAutoFit/>
-          </a:bodyPr>
-          <a:lstStyle/>
-          <a:p>
-            <a:pPr marL="342900" marR="0" lvl="0" indent="-342900" algn="just">
-              <a:lnSpc>
-                <a:spcPct val="115000"/>
-              </a:lnSpc>
-              <a:spcBef>
-                <a:spcPts val="0"/>
-              </a:spcBef>
-              <a:spcAft>
-                <a:spcPts val="600"/>
-              </a:spcAft>
-              <a:buFont typeface="Symbol" panose="05050102010706020507" pitchFamily="18" charset="2"/>
-              <a:buChar char=""/>
-            </a:pPr>
-            <a:r>
-              <a:rPr lang="en-IN" sz="1100" dirty="0">
-                <a:solidFill>
-                  <a:schemeClr val="bg1">
-                    <a:lumMod val="85000"/>
-                  </a:schemeClr>
-                </a:solidFill>
-                <a:latin typeface="Calibri" panose="020F0502020204030204" pitchFamily="34" charset="0"/>
-                <a:cs typeface="Mangal" panose="02040503050203030202" pitchFamily="18" charset="0"/>
-              </a:rPr>
-              <a:t>Created a custom 3D Plot for data analytics related to Semiconductor devices with yield, which is visualizable with interactive modern-UI level. Language used: Python, VBA.</a:t>
-            </a:r>
-            <a:endParaRPr lang="en-US" sz="1100" dirty="0">
-              <a:solidFill>
-                <a:schemeClr val="bg1">
-                  <a:lumMod val="85000"/>
-                </a:schemeClr>
-              </a:solidFill>
-              <a:latin typeface="Calibri" panose="020F0502020204030204" pitchFamily="34" charset="0"/>
-              <a:cs typeface="Mangal" panose="02040503050203030202" pitchFamily="18" charset="0"/>
-            </a:endParaRPr>
-          </a:p>
-          <a:p>
-            <a:endParaRPr lang="en-US" sz="1100" dirty="0"/>
-          </a:p>
-          <a:p>
-            <a:pPr marL="342900" marR="0" lvl="0" indent="-342900" algn="just">
-              <a:lnSpc>
-                <a:spcPct val="115000"/>
-              </a:lnSpc>
-              <a:spcBef>
-                <a:spcPts val="0"/>
-              </a:spcBef>
-              <a:spcAft>
-                <a:spcPts val="600"/>
-              </a:spcAft>
-              <a:buFont typeface="Symbol" panose="05050102010706020507" pitchFamily="18" charset="2"/>
-              <a:buChar char=""/>
-            </a:pPr>
-            <a:endParaRPr lang="en-IN" sz="1100" dirty="0">
-              <a:solidFill>
-                <a:schemeClr val="bg1">
-                  <a:lumMod val="85000"/>
-                </a:schemeClr>
-              </a:solidFill>
-              <a:effectLst/>
-              <a:latin typeface="Calibri" panose="020F0502020204030204" pitchFamily="34" charset="0"/>
-              <a:ea typeface="Calibri" panose="020F0502020204030204" pitchFamily="34" charset="0"/>
-              <a:cs typeface="Mangal" panose="02040503050203030202" pitchFamily="18" charset="0"/>
-            </a:endParaRPr>
-          </a:p>
-          <a:p>
-            <a:endParaRPr lang="en-US" sz="1100" dirty="0">
-              <a:solidFill>
-                <a:schemeClr val="bg1">
-                  <a:lumMod val="85000"/>
-                </a:schemeClr>
-              </a:solidFill>
-            </a:endParaRPr>
-          </a:p>
-        </p:txBody>
-      </p:sp>
     </p:spTree>
     <p:extLst>
       <p:ext uri="{BB962C8B-B14F-4D97-AF65-F5344CB8AC3E}">
-        <p14:creationId xmlns:p14="http://schemas.microsoft.com/office/powerpoint/2010/main" val="3728625744"/>
+        <p14:creationId xmlns:p14="http://schemas.microsoft.com/office/powerpoint/2010/main" val="2062135843"/>
       </p:ext>
     </p:extLst>
   </p:cSld>

--- a/my_resume.pptx
+++ b/my_resume.pptx
@@ -239,7 +239,7 @@
             <a:fld id="{F126DA7F-2AB4-430D-8B2A-97731DDF23A1}" type="datetimeFigureOut">
               <a:rPr lang="en-US" smtClean="0"/>
               <a:pPr/>
-              <a:t>01-Oct-21</a:t>
+              <a:t>02-Oct-21</a:t>
             </a:fld>
             <a:endParaRPr lang="en-US" dirty="0"/>
           </a:p>
@@ -7198,7 +7198,7 @@
             <a:fld id="{902AD433-F5B6-43A3-8DE6-1382B3149F77}" type="datetimeFigureOut">
               <a:rPr lang="en-US" smtClean="0"/>
               <a:pPr/>
-              <a:t>01-Oct-21</a:t>
+              <a:t>02-Oct-21</a:t>
             </a:fld>
             <a:endParaRPr lang="en-US" dirty="0"/>
           </a:p>
@@ -14735,7 +14735,7 @@
                 </a:solidFill>
                 <a:latin typeface="Whitney"/>
               </a:rPr>
-              <a:t>2018-2019: Founding CTO for a start-up DRIFE.</a:t>
+              <a:t>2018: Founding CTO for a start-up DRIFE.</a:t>
             </a:r>
           </a:p>
           <a:p>
@@ -19369,23 +19369,6 @@
 </file>
 
 <file path=customXml/item1.xml><?xml version="1.0" encoding="utf-8"?>
-<?mso-contentType ?>
-<FormTemplates xmlns="http://schemas.microsoft.com/sharepoint/v3/contenttype/forms">
-  <Display>DocumentLibraryForm</Display>
-  <Edit>DocumentLibraryForm</Edit>
-  <New>DocumentLibraryForm</New>
-</FormTemplates>
-</file>
-
-<file path=customXml/item2.xml><?xml version="1.0" encoding="utf-8"?>
-<p:properties xmlns:p="http://schemas.microsoft.com/office/2006/metadata/properties" xmlns:xsi="http://www.w3.org/2001/XMLSchema-instance" xmlns:pc="http://schemas.microsoft.com/office/infopath/2007/PartnerControls">
-  <documentManagement>
-    <MediaServiceKeyPoints xmlns="ef88797d-310b-4d46-ad9c-0c23fa0c8d45" xsi:nil="true"/>
-  </documentManagement>
-</p:properties>
-</file>
-
-<file path=customXml/item3.xml><?xml version="1.0" encoding="utf-8"?>
 <ct:contentTypeSchema xmlns:ct="http://schemas.microsoft.com/office/2006/metadata/contentType" xmlns:ma="http://schemas.microsoft.com/office/2006/metadata/properties/metaAttributes" ct:_="" ma:_="" ma:contentTypeName="Document" ma:contentTypeID="0x0101005F02E0EF7D44C04B9FA644DBFF45FF6A" ma:contentTypeVersion="13" ma:contentTypeDescription="Create a new document." ma:contentTypeScope="" ma:versionID="206b9469efed5238e3299da57cdc015e">
   <xsd:schema xmlns:xsd="http://www.w3.org/2001/XMLSchema" xmlns:xs="http://www.w3.org/2001/XMLSchema" xmlns:p="http://schemas.microsoft.com/office/2006/metadata/properties" xmlns:ns2="876de33e-aaa5-4507-9b92-b84e676ded0d" xmlns:ns3="ef88797d-310b-4d46-ad9c-0c23fa0c8d45" targetNamespace="http://schemas.microsoft.com/office/2006/metadata/properties" ma:root="true" ma:fieldsID="281ed500249cd3fe925a7af84a8b56c4" ns2:_="" ns3:_="">
     <xsd:import namespace="876de33e-aaa5-4507-9b92-b84e676ded0d"/>
@@ -19608,25 +19591,24 @@
 </ct:contentTypeSchema>
 </file>
 
-<file path=customXml/itemProps1.xml><?xml version="1.0" encoding="utf-8"?>
-<ds:datastoreItem xmlns:ds="http://schemas.openxmlformats.org/officeDocument/2006/customXml" ds:itemID="{20056241-EAE4-4EAF-8B0E-8651A3DCDE25}">
-  <ds:schemaRefs>
-    <ds:schemaRef ds:uri="http://schemas.microsoft.com/sharepoint/v3/contenttype/forms"/>
-  </ds:schemaRefs>
-</ds:datastoreItem>
+<file path=customXml/item2.xml><?xml version="1.0" encoding="utf-8"?>
+<p:properties xmlns:p="http://schemas.microsoft.com/office/2006/metadata/properties" xmlns:xsi="http://www.w3.org/2001/XMLSchema-instance" xmlns:pc="http://schemas.microsoft.com/office/infopath/2007/PartnerControls">
+  <documentManagement>
+    <MediaServiceKeyPoints xmlns="ef88797d-310b-4d46-ad9c-0c23fa0c8d45" xsi:nil="true"/>
+  </documentManagement>
+</p:properties>
 </file>
 
-<file path=customXml/itemProps2.xml><?xml version="1.0" encoding="utf-8"?>
-<ds:datastoreItem xmlns:ds="http://schemas.openxmlformats.org/officeDocument/2006/customXml" ds:itemID="{578389EB-672F-420D-AB19-CDFA657C66F4}">
-  <ds:schemaRefs>
-    <ds:schemaRef ds:uri="http://schemas.microsoft.com/office/2006/metadata/properties"/>
-    <ds:schemaRef ds:uri="http://schemas.microsoft.com/office/infopath/2007/PartnerControls"/>
-    <ds:schemaRef ds:uri="ef88797d-310b-4d46-ad9c-0c23fa0c8d45"/>
-  </ds:schemaRefs>
-</ds:datastoreItem>
+<file path=customXml/item3.xml><?xml version="1.0" encoding="utf-8"?>
+<?mso-contentType ?>
+<FormTemplates xmlns="http://schemas.microsoft.com/sharepoint/v3/contenttype/forms">
+  <Display>DocumentLibraryForm</Display>
+  <Edit>DocumentLibraryForm</Edit>
+  <New>DocumentLibraryForm</New>
+</FormTemplates>
 </file>
 
-<file path=customXml/itemProps3.xml><?xml version="1.0" encoding="utf-8"?>
+<file path=customXml/itemProps1.xml><?xml version="1.0" encoding="utf-8"?>
 <ds:datastoreItem xmlns:ds="http://schemas.openxmlformats.org/officeDocument/2006/customXml" ds:itemID="{E6CD0737-DDCD-4506-85C0-A3C2836F70A4}">
   <ds:schemaRefs>
     <ds:schemaRef ds:uri="http://schemas.microsoft.com/office/2006/metadata/contentType"/>
@@ -19643,4 +19625,22 @@
     <ds:schemaRef ds:uri="http://schemas.microsoft.com/internal/obd"/>
   </ds:schemaRefs>
 </ds:datastoreItem>
+</file>
+
+<file path=customXml/itemProps2.xml><?xml version="1.0" encoding="utf-8"?>
+<ds:datastoreItem xmlns:ds="http://schemas.openxmlformats.org/officeDocument/2006/customXml" ds:itemID="{578389EB-672F-420D-AB19-CDFA657C66F4}">
+  <ds:schemaRefs>
+    <ds:schemaRef ds:uri="http://schemas.microsoft.com/office/2006/metadata/properties"/>
+    <ds:schemaRef ds:uri="http://schemas.microsoft.com/office/infopath/2007/PartnerControls"/>
+    <ds:schemaRef ds:uri="ef88797d-310b-4d46-ad9c-0c23fa0c8d45"/>
+  </ds:schemaRefs>
+</ds:datastoreItem>
+</file>
+
+<file path=customXml/itemProps3.xml><?xml version="1.0" encoding="utf-8"?>
+<ds:datastoreItem xmlns:ds="http://schemas.openxmlformats.org/officeDocument/2006/customXml" ds:itemID="{20056241-EAE4-4EAF-8B0E-8651A3DCDE25}">
+  <ds:schemaRefs>
+    <ds:schemaRef ds:uri="http://schemas.microsoft.com/sharepoint/v3/contenttype/forms"/>
+  </ds:schemaRefs>
+</ds:datastoreItem>
 </file>
--- a/my_resume.pptx
+++ b/my_resume.pptx
@@ -239,7 +239,7 @@
             <a:fld id="{F126DA7F-2AB4-430D-8B2A-97731DDF23A1}" type="datetimeFigureOut">
               <a:rPr lang="en-US" smtClean="0"/>
               <a:pPr/>
-              <a:t>02-Oct-21</a:t>
+              <a:t>06-Oct-21</a:t>
             </a:fld>
             <a:endParaRPr lang="en-US" dirty="0"/>
           </a:p>
@@ -7198,7 +7198,7 @@
             <a:fld id="{902AD433-F5B6-43A3-8DE6-1382B3149F77}" type="datetimeFigureOut">
               <a:rPr lang="en-US" smtClean="0"/>
               <a:pPr/>
-              <a:t>02-Oct-21</a:t>
+              <a:t>06-Oct-21</a:t>
             </a:fld>
             <a:endParaRPr lang="en-US" dirty="0"/>
           </a:p>
@@ -14450,8 +14450,8 @@
         </p:nvSpPr>
         <p:spPr>
           <a:xfrm>
-            <a:off x="3998561" y="3267777"/>
-            <a:ext cx="2512851" cy="400110"/>
+            <a:off x="3744504" y="3266492"/>
+            <a:ext cx="2991866" cy="400110"/>
           </a:xfrm>
           <a:prstGeom prst="rect">
             <a:avLst/>
@@ -14473,7 +14473,27 @@
                   </a:schemeClr>
                 </a:solidFill>
               </a:rPr>
-              <a:t>C, C++, Python, Solidity, Vyper, Java, Bash, Batch, Markdown, HTML, </a:t>
+              <a:t>C, C++, Python, Solidity, Vyper, </a:t>
+            </a:r>
+            <a:r>
+              <a:rPr lang="en-US" sz="1000" dirty="0" err="1">
+                <a:solidFill>
+                  <a:schemeClr val="bg1">
+                    <a:lumMod val="85000"/>
+                  </a:schemeClr>
+                </a:solidFill>
+              </a:rPr>
+              <a:t>Javascript</a:t>
+            </a:r>
+            <a:r>
+              <a:rPr lang="en-US" sz="1000" dirty="0">
+                <a:solidFill>
+                  <a:schemeClr val="bg1">
+                    <a:lumMod val="85000"/>
+                  </a:schemeClr>
+                </a:solidFill>
+              </a:rPr>
+              <a:t>, Typescript, Java, Bash, Batch, Markdown, HTML, </a:t>
             </a:r>
           </a:p>
         </p:txBody>
@@ -15920,7 +15940,7 @@
         <p:spPr>
           <a:xfrm>
             <a:off x="299720" y="1450423"/>
-            <a:ext cx="6258560" cy="6454972"/>
+            <a:ext cx="6258560" cy="6921254"/>
           </a:xfrm>
           <a:prstGeom prst="rect">
             <a:avLst/>
@@ -16027,7 +16047,7 @@
                 <a:ea typeface="Calibri" panose="020F0502020204030204" pitchFamily="34" charset="0"/>
                 <a:cs typeface="Mangal" panose="02040503050203030202" pitchFamily="18" charset="0"/>
               </a:rPr>
-              <a:t>Also worked on Cross-chain Bridge for implementation of token &amp; vesting contracts with </a:t>
+              <a:t>Also worked on Cross-chain Bridge for implementation of token &amp; presale, vesting contracts with </a:t>
             </a:r>
             <a:r>
               <a:rPr lang="en-IN" sz="1100" dirty="0" err="1">
@@ -16093,7 +16113,64 @@
                 <a:ea typeface="Calibri" panose="020F0502020204030204" pitchFamily="34" charset="0"/>
                 <a:cs typeface="Mangal" panose="02040503050203030202" pitchFamily="18" charset="0"/>
               </a:rPr>
-              <a:t>.</a:t>
+              <a:t>. </a:t>
+            </a:r>
+          </a:p>
+          <a:p>
+            <a:pPr marL="342900" marR="0" lvl="0" indent="-342900" algn="just">
+              <a:lnSpc>
+                <a:spcPct val="115000"/>
+              </a:lnSpc>
+              <a:spcBef>
+                <a:spcPts val="0"/>
+              </a:spcBef>
+              <a:spcAft>
+                <a:spcPts val="600"/>
+              </a:spcAft>
+              <a:buFont typeface="Symbol" panose="05050102010706020507" pitchFamily="18" charset="2"/>
+              <a:buChar char=""/>
+            </a:pPr>
+            <a:r>
+              <a:rPr lang="en-IN" sz="1100" dirty="0">
+                <a:solidFill>
+                  <a:schemeClr val="bg1">
+                    <a:lumMod val="85000"/>
+                  </a:schemeClr>
+                </a:solidFill>
+                <a:effectLst/>
+                <a:latin typeface="Calibri" panose="020F0502020204030204" pitchFamily="34" charset="0"/>
+                <a:ea typeface="Calibri" panose="020F0502020204030204" pitchFamily="34" charset="0"/>
+                <a:cs typeface="Mangal" panose="02040503050203030202" pitchFamily="18" charset="0"/>
+              </a:rPr>
+              <a:t>Unit testing of smart contracts using Hardhat, Truffle with </a:t>
+            </a:r>
+            <a:r>
+              <a:rPr lang="en-IN" sz="1100" dirty="0" err="1">
+                <a:solidFill>
+                  <a:schemeClr val="bg1">
+                    <a:lumMod val="85000"/>
+                  </a:schemeClr>
+                </a:solidFill>
+                <a:effectLst/>
+                <a:latin typeface="Calibri" panose="020F0502020204030204" pitchFamily="34" charset="0"/>
+                <a:ea typeface="Calibri" panose="020F0502020204030204" pitchFamily="34" charset="0"/>
+                <a:cs typeface="Mangal" panose="02040503050203030202" pitchFamily="18" charset="0"/>
+              </a:rPr>
+              <a:t>Javascript</a:t>
+            </a:r>
+            <a:r>
+              <a:rPr lang="en-IN" sz="1100" dirty="0">
+                <a:solidFill>
+                  <a:schemeClr val="bg1">
+                    <a:lumMod val="85000"/>
+                  </a:schemeClr>
+                </a:solidFill>
+                <a:effectLst/>
+                <a:latin typeface="Calibri" panose="020F0502020204030204" pitchFamily="34" charset="0"/>
+                <a:ea typeface="Calibri" panose="020F0502020204030204" pitchFamily="34" charset="0"/>
+                <a:cs typeface="Mangal" panose="02040503050203030202" pitchFamily="18" charset="0"/>
+              </a:rPr>
+              <a:t>/Typescript. Also, familiarity with Slither to find contract vulnerabilities and monitor the gas consumption for each contract methods.</a:t>
             </a:r>
           </a:p>
           <a:p>
@@ -19369,6 +19446,23 @@
 </file>
 
 <file path=customXml/item1.xml><?xml version="1.0" encoding="utf-8"?>
+<?mso-contentType ?>
+<FormTemplates xmlns="http://schemas.microsoft.com/sharepoint/v3/contenttype/forms">
+  <Display>DocumentLibraryForm</Display>
+  <Edit>DocumentLibraryForm</Edit>
+  <New>DocumentLibraryForm</New>
+</FormTemplates>
+</file>
+
+<file path=customXml/item2.xml><?xml version="1.0" encoding="utf-8"?>
+<p:properties xmlns:p="http://schemas.microsoft.com/office/2006/metadata/properties" xmlns:xsi="http://www.w3.org/2001/XMLSchema-instance" xmlns:pc="http://schemas.microsoft.com/office/infopath/2007/PartnerControls">
+  <documentManagement>
+    <MediaServiceKeyPoints xmlns="ef88797d-310b-4d46-ad9c-0c23fa0c8d45" xsi:nil="true"/>
+  </documentManagement>
+</p:properties>
+</file>
+
+<file path=customXml/item3.xml><?xml version="1.0" encoding="utf-8"?>
 <ct:contentTypeSchema xmlns:ct="http://schemas.microsoft.com/office/2006/metadata/contentType" xmlns:ma="http://schemas.microsoft.com/office/2006/metadata/properties/metaAttributes" ct:_="" ma:_="" ma:contentTypeName="Document" ma:contentTypeID="0x0101005F02E0EF7D44C04B9FA644DBFF45FF6A" ma:contentTypeVersion="13" ma:contentTypeDescription="Create a new document." ma:contentTypeScope="" ma:versionID="206b9469efed5238e3299da57cdc015e">
   <xsd:schema xmlns:xsd="http://www.w3.org/2001/XMLSchema" xmlns:xs="http://www.w3.org/2001/XMLSchema" xmlns:p="http://schemas.microsoft.com/office/2006/metadata/properties" xmlns:ns2="876de33e-aaa5-4507-9b92-b84e676ded0d" xmlns:ns3="ef88797d-310b-4d46-ad9c-0c23fa0c8d45" targetNamespace="http://schemas.microsoft.com/office/2006/metadata/properties" ma:root="true" ma:fieldsID="281ed500249cd3fe925a7af84a8b56c4" ns2:_="" ns3:_="">
     <xsd:import namespace="876de33e-aaa5-4507-9b92-b84e676ded0d"/>
@@ -19591,24 +19685,25 @@
 </ct:contentTypeSchema>
 </file>
 
-<file path=customXml/item2.xml><?xml version="1.0" encoding="utf-8"?>
-<p:properties xmlns:p="http://schemas.microsoft.com/office/2006/metadata/properties" xmlns:xsi="http://www.w3.org/2001/XMLSchema-instance" xmlns:pc="http://schemas.microsoft.com/office/infopath/2007/PartnerControls">
-  <documentManagement>
-    <MediaServiceKeyPoints xmlns="ef88797d-310b-4d46-ad9c-0c23fa0c8d45" xsi:nil="true"/>
-  </documentManagement>
-</p:properties>
+<file path=customXml/itemProps1.xml><?xml version="1.0" encoding="utf-8"?>
+<ds:datastoreItem xmlns:ds="http://schemas.openxmlformats.org/officeDocument/2006/customXml" ds:itemID="{20056241-EAE4-4EAF-8B0E-8651A3DCDE25}">
+  <ds:schemaRefs>
+    <ds:schemaRef ds:uri="http://schemas.microsoft.com/sharepoint/v3/contenttype/forms"/>
+  </ds:schemaRefs>
+</ds:datastoreItem>
 </file>
 
-<file path=customXml/item3.xml><?xml version="1.0" encoding="utf-8"?>
-<?mso-contentType ?>
-<FormTemplates xmlns="http://schemas.microsoft.com/sharepoint/v3/contenttype/forms">
-  <Display>DocumentLibraryForm</Display>
-  <Edit>DocumentLibraryForm</Edit>
-  <New>DocumentLibraryForm</New>
-</FormTemplates>
+<file path=customXml/itemProps2.xml><?xml version="1.0" encoding="utf-8"?>
+<ds:datastoreItem xmlns:ds="http://schemas.openxmlformats.org/officeDocument/2006/customXml" ds:itemID="{578389EB-672F-420D-AB19-CDFA657C66F4}">
+  <ds:schemaRefs>
+    <ds:schemaRef ds:uri="http://schemas.microsoft.com/office/2006/metadata/properties"/>
+    <ds:schemaRef ds:uri="http://schemas.microsoft.com/office/infopath/2007/PartnerControls"/>
+    <ds:schemaRef ds:uri="ef88797d-310b-4d46-ad9c-0c23fa0c8d45"/>
+  </ds:schemaRefs>
+</ds:datastoreItem>
 </file>
 
-<file path=customXml/itemProps1.xml><?xml version="1.0" encoding="utf-8"?>
+<file path=customXml/itemProps3.xml><?xml version="1.0" encoding="utf-8"?>
 <ds:datastoreItem xmlns:ds="http://schemas.openxmlformats.org/officeDocument/2006/customXml" ds:itemID="{E6CD0737-DDCD-4506-85C0-A3C2836F70A4}">
   <ds:schemaRefs>
     <ds:schemaRef ds:uri="http://schemas.microsoft.com/office/2006/metadata/contentType"/>
@@ -19625,22 +19720,4 @@
     <ds:schemaRef ds:uri="http://schemas.microsoft.com/internal/obd"/>
   </ds:schemaRefs>
 </ds:datastoreItem>
-</file>
-
-<file path=customXml/itemProps2.xml><?xml version="1.0" encoding="utf-8"?>
-<ds:datastoreItem xmlns:ds="http://schemas.openxmlformats.org/officeDocument/2006/customXml" ds:itemID="{578389EB-672F-420D-AB19-CDFA657C66F4}">
-  <ds:schemaRefs>
-    <ds:schemaRef ds:uri="http://schemas.microsoft.com/office/2006/metadata/properties"/>
-    <ds:schemaRef ds:uri="http://schemas.microsoft.com/office/infopath/2007/PartnerControls"/>
-    <ds:schemaRef ds:uri="ef88797d-310b-4d46-ad9c-0c23fa0c8d45"/>
-  </ds:schemaRefs>
-</ds:datastoreItem>
-</file>
-
-<file path=customXml/itemProps3.xml><?xml version="1.0" encoding="utf-8"?>
-<ds:datastoreItem xmlns:ds="http://schemas.openxmlformats.org/officeDocument/2006/customXml" ds:itemID="{20056241-EAE4-4EAF-8B0E-8651A3DCDE25}">
-  <ds:schemaRefs>
-    <ds:schemaRef ds:uri="http://schemas.microsoft.com/sharepoint/v3/contenttype/forms"/>
-  </ds:schemaRefs>
-</ds:datastoreItem>
 </file>
--- a/my_resume.pptx
+++ b/my_resume.pptx
@@ -239,7 +239,7 @@
             <a:fld id="{F126DA7F-2AB4-430D-8B2A-97731DDF23A1}" type="datetimeFigureOut">
               <a:rPr lang="en-US" smtClean="0"/>
               <a:pPr/>
-              <a:t>06-Oct-21</a:t>
+              <a:t>11/7/21</a:t>
             </a:fld>
             <a:endParaRPr lang="en-US" dirty="0"/>
           </a:p>
@@ -7198,7 +7198,7 @@
             <a:fld id="{902AD433-F5B6-43A3-8DE6-1382B3149F77}" type="datetimeFigureOut">
               <a:rPr lang="en-US" smtClean="0"/>
               <a:pPr/>
-              <a:t>06-Oct-21</a:t>
+              <a:t>11/7/21</a:t>
             </a:fld>
             <a:endParaRPr lang="en-US" dirty="0"/>
           </a:p>
@@ -8457,7 +8457,7 @@
                 <a:effectLst/>
                 <a:latin typeface="Whitney"/>
               </a:rPr>
-              <a:t>, Betting game and also in utility category. I hold multi-chain experience with leading Blockchain protocols like EOSIO, EVM. </a:t>
+              <a:t>, Betting game and in utility category. I hold multi-chain experience with leading Blockchain protocols like EOSIO, EVM. </a:t>
             </a:r>
             <a:endParaRPr lang="en-US" dirty="0">
               <a:solidFill>
@@ -10855,63 +10855,6 @@
         </p:sp>
         <p:sp>
           <p:nvSpPr>
-            <p:cNvPr id="380" name="Oval 379">
-              <a:extLst>
-                <a:ext uri="{FF2B5EF4-FFF2-40B4-BE49-F238E27FC236}">
-                  <a16:creationId xmlns:a16="http://schemas.microsoft.com/office/drawing/2014/main" id="{88C8F79A-C0CF-4443-8679-0DFD26C9BFD1}"/>
-                </a:ext>
-              </a:extLst>
-            </p:cNvPr>
-            <p:cNvSpPr/>
-            <p:nvPr/>
-          </p:nvSpPr>
-          <p:spPr>
-            <a:xfrm>
-              <a:off x="6211400" y="7060017"/>
-              <a:ext cx="118800" cy="118800"/>
-            </a:xfrm>
-            <a:prstGeom prst="ellipse">
-              <a:avLst/>
-            </a:prstGeom>
-            <a:solidFill>
-              <a:schemeClr val="accent3"/>
-            </a:solidFill>
-            <a:ln>
-              <a:noFill/>
-            </a:ln>
-          </p:spPr>
-          <p:style>
-            <a:lnRef idx="2">
-              <a:schemeClr val="accent1">
-                <a:shade val="50000"/>
-              </a:schemeClr>
-            </a:lnRef>
-            <a:fillRef idx="1">
-              <a:schemeClr val="accent1"/>
-            </a:fillRef>
-            <a:effectRef idx="0">
-              <a:schemeClr val="accent1"/>
-            </a:effectRef>
-            <a:fontRef idx="minor">
-              <a:schemeClr val="lt1"/>
-            </a:fontRef>
-          </p:style>
-          <p:txBody>
-            <a:bodyPr rot="0" spcFirstLastPara="0" vertOverflow="overflow" horzOverflow="overflow" vert="horz" wrap="square" lIns="91440" tIns="45720" rIns="91440" bIns="45720" numCol="1" spcCol="0" rtlCol="0" fromWordArt="0" anchor="ctr" anchorCtr="0" forceAA="0" compatLnSpc="1">
-              <a:prstTxWarp prst="textNoShape">
-                <a:avLst/>
-              </a:prstTxWarp>
-              <a:noAutofit/>
-            </a:bodyPr>
-            <a:lstStyle/>
-            <a:p>
-              <a:pPr algn="ctr"/>
-              <a:endParaRPr lang="en-US" dirty="0"/>
-            </a:p>
-          </p:txBody>
-        </p:sp>
-        <p:sp>
-          <p:nvSpPr>
             <p:cNvPr id="381" name="Oval 380">
               <a:extLst>
                 <a:ext uri="{FF2B5EF4-FFF2-40B4-BE49-F238E27FC236}">
@@ -14473,7 +14416,7 @@
                   </a:schemeClr>
                 </a:solidFill>
               </a:rPr>
-              <a:t>C, C++, Python, Solidity, Vyper, </a:t>
+              <a:t>C, C++, Solidity, Python, </a:t>
             </a:r>
             <a:r>
               <a:rPr lang="en-US" sz="1000" dirty="0" err="1">
@@ -14483,7 +14426,7 @@
                   </a:schemeClr>
                 </a:solidFill>
               </a:rPr>
-              <a:t>Javascript</a:t>
+              <a:t>Vyper</a:t>
             </a:r>
             <a:r>
               <a:rPr lang="en-US" sz="1000" dirty="0">
@@ -14493,7 +14436,27 @@
                   </a:schemeClr>
                 </a:solidFill>
               </a:rPr>
-              <a:t>, Typescript, Java, Bash, Batch, Markdown, HTML, </a:t>
+              <a:t>, </a:t>
+            </a:r>
+            <a:r>
+              <a:rPr lang="en-US" sz="1000" dirty="0" err="1">
+                <a:solidFill>
+                  <a:schemeClr val="bg1">
+                    <a:lumMod val="85000"/>
+                  </a:schemeClr>
+                </a:solidFill>
+              </a:rPr>
+              <a:t>Javascript</a:t>
+            </a:r>
+            <a:r>
+              <a:rPr lang="en-US" sz="1000" dirty="0">
+                <a:solidFill>
+                  <a:schemeClr val="bg1">
+                    <a:lumMod val="85000"/>
+                  </a:schemeClr>
+                </a:solidFill>
+              </a:rPr>
+              <a:t>, Typescript, Java, Bash, Batch, Markdown </a:t>
             </a:r>
           </a:p>
         </p:txBody>
@@ -15646,6 +15609,63 @@
           </a:p>
         </p:txBody>
       </p:sp>
+      <p:sp>
+        <p:nvSpPr>
+          <p:cNvPr id="163" name="Oval 162">
+            <a:extLst>
+              <a:ext uri="{FF2B5EF4-FFF2-40B4-BE49-F238E27FC236}">
+                <a16:creationId xmlns:a16="http://schemas.microsoft.com/office/drawing/2014/main" id="{DC83F98F-41E1-584C-9C46-596247E36001}"/>
+              </a:ext>
+            </a:extLst>
+          </p:cNvPr>
+          <p:cNvSpPr/>
+          <p:nvPr/>
+        </p:nvSpPr>
+        <p:spPr>
+          <a:xfrm>
+            <a:off x="6208044" y="7400122"/>
+            <a:ext cx="118800" cy="118800"/>
+          </a:xfrm>
+          <a:prstGeom prst="ellipse">
+            <a:avLst/>
+          </a:prstGeom>
+          <a:solidFill>
+            <a:schemeClr val="tx2"/>
+          </a:solidFill>
+          <a:ln>
+            <a:noFill/>
+          </a:ln>
+        </p:spPr>
+        <p:style>
+          <a:lnRef idx="2">
+            <a:schemeClr val="accent1">
+              <a:shade val="50000"/>
+            </a:schemeClr>
+          </a:lnRef>
+          <a:fillRef idx="1">
+            <a:schemeClr val="accent1"/>
+          </a:fillRef>
+          <a:effectRef idx="0">
+            <a:schemeClr val="accent1"/>
+          </a:effectRef>
+          <a:fontRef idx="minor">
+            <a:schemeClr val="lt1"/>
+          </a:fontRef>
+        </p:style>
+        <p:txBody>
+          <a:bodyPr rot="0" spcFirstLastPara="0" vertOverflow="overflow" horzOverflow="overflow" vert="horz" wrap="square" lIns="91440" tIns="45720" rIns="91440" bIns="45720" numCol="1" spcCol="0" rtlCol="0" fromWordArt="0" anchor="ctr" anchorCtr="0" forceAA="0" compatLnSpc="1">
+            <a:prstTxWarp prst="textNoShape">
+              <a:avLst/>
+            </a:prstTxWarp>
+            <a:noAutofit/>
+          </a:bodyPr>
+          <a:lstStyle/>
+          <a:p>
+            <a:pPr algn="ctr"/>
+            <a:endParaRPr lang="en-US" dirty="0"/>
+          </a:p>
+        </p:txBody>
+      </p:sp>
     </p:spTree>
     <p:extLst>
       <p:ext uri="{BB962C8B-B14F-4D97-AF65-F5344CB8AC3E}">
@@ -15940,7 +15960,7 @@
         <p:spPr>
           <a:xfrm>
             <a:off x="299720" y="1450423"/>
-            <a:ext cx="6258560" cy="6921254"/>
+            <a:ext cx="6258560" cy="7387472"/>
           </a:xfrm>
           <a:prstGeom prst="rect">
             <a:avLst/>
@@ -16006,7 +16026,35 @@
                 <a:ea typeface="Calibri" panose="020F0502020204030204" pitchFamily="34" charset="0"/>
                 <a:cs typeface="Mangal" panose="02040503050203030202" pitchFamily="18" charset="0"/>
               </a:rPr>
-              <a:t> protocol and also familiar with projects like </a:t>
+              <a:t> </a:t>
+            </a:r>
+            <a:r>
+              <a:rPr lang="en-IN" sz="1100" dirty="0" err="1">
+                <a:solidFill>
+                  <a:schemeClr val="bg1">
+                    <a:lumMod val="85000"/>
+                  </a:schemeClr>
+                </a:solidFill>
+                <a:effectLst/>
+                <a:latin typeface="Calibri" panose="020F0502020204030204" pitchFamily="34" charset="0"/>
+                <a:ea typeface="Calibri" panose="020F0502020204030204" pitchFamily="34" charset="0"/>
+                <a:cs typeface="Mangal" panose="02040503050203030202" pitchFamily="18" charset="0"/>
+              </a:rPr>
+              <a:t>startup</a:t>
+            </a:r>
+            <a:r>
+              <a:rPr lang="en-IN" sz="1100" dirty="0">
+                <a:solidFill>
+                  <a:schemeClr val="bg1">
+                    <a:lumMod val="85000"/>
+                  </a:schemeClr>
+                </a:solidFill>
+                <a:effectLst/>
+                <a:latin typeface="Calibri" panose="020F0502020204030204" pitchFamily="34" charset="0"/>
+                <a:ea typeface="Calibri" panose="020F0502020204030204" pitchFamily="34" charset="0"/>
+                <a:cs typeface="Mangal" panose="02040503050203030202" pitchFamily="18" charset="0"/>
+              </a:rPr>
+              <a:t> and also familiar with projects like </a:t>
             </a:r>
             <a:r>
               <a:rPr lang="en-IN" sz="1100" dirty="0" err="1">
@@ -16113,7 +16161,7 @@
                 <a:ea typeface="Calibri" panose="020F0502020204030204" pitchFamily="34" charset="0"/>
                 <a:cs typeface="Mangal" panose="02040503050203030202" pitchFamily="18" charset="0"/>
               </a:rPr>
-              <a:t>. </a:t>
+              <a:t>.</a:t>
             </a:r>
           </a:p>
           <a:p>
@@ -16137,12 +16185,11 @@
                     <a:lumMod val="85000"/>
                   </a:schemeClr>
                 </a:solidFill>
-                <a:effectLst/>
                 <a:latin typeface="Calibri" panose="020F0502020204030204" pitchFamily="34" charset="0"/>
                 <a:ea typeface="Calibri" panose="020F0502020204030204" pitchFamily="34" charset="0"/>
                 <a:cs typeface="Mangal" panose="02040503050203030202" pitchFamily="18" charset="0"/>
               </a:rPr>
-              <a:t>Unit testing of smart contracts using Hardhat, Truffle with </a:t>
+              <a:t>Worked on contracts based on Escrow, Staking, </a:t>
             </a:r>
             <a:r>
               <a:rPr lang="en-IN" sz="1100" dirty="0" err="1">
@@ -16151,12 +16198,11 @@
                     <a:lumMod val="85000"/>
                   </a:schemeClr>
                 </a:solidFill>
-                <a:effectLst/>
                 <a:latin typeface="Calibri" panose="020F0502020204030204" pitchFamily="34" charset="0"/>
                 <a:ea typeface="Calibri" panose="020F0502020204030204" pitchFamily="34" charset="0"/>
                 <a:cs typeface="Mangal" panose="02040503050203030202" pitchFamily="18" charset="0"/>
               </a:rPr>
-              <a:t>Javascript</a:t>
+              <a:t>DeFi</a:t>
             </a:r>
             <a:r>
               <a:rPr lang="en-IN" sz="1100" dirty="0">
@@ -16165,13 +16211,23 @@
                     <a:lumMod val="85000"/>
                   </a:schemeClr>
                 </a:solidFill>
-                <a:effectLst/>
                 <a:latin typeface="Calibri" panose="020F0502020204030204" pitchFamily="34" charset="0"/>
                 <a:ea typeface="Calibri" panose="020F0502020204030204" pitchFamily="34" charset="0"/>
                 <a:cs typeface="Mangal" panose="02040503050203030202" pitchFamily="18" charset="0"/>
               </a:rPr>
-              <a:t>/Typescript. Also, familiarity with Slither to find contract vulnerabilities and monitor the gas consumption for each contract methods.</a:t>
-            </a:r>
+              <a:t> token’s average price, Token vault.</a:t>
+            </a:r>
+            <a:endParaRPr lang="en-IN" sz="1100" dirty="0">
+              <a:solidFill>
+                <a:schemeClr val="bg1">
+                  <a:lumMod val="85000"/>
+                </a:schemeClr>
+              </a:solidFill>
+              <a:effectLst/>
+              <a:latin typeface="Calibri" panose="020F0502020204030204" pitchFamily="34" charset="0"/>
+              <a:ea typeface="Calibri" panose="020F0502020204030204" pitchFamily="34" charset="0"/>
+              <a:cs typeface="Mangal" panose="02040503050203030202" pitchFamily="18" charset="0"/>
+            </a:endParaRPr>
           </a:p>
           <a:p>
             <a:pPr marL="342900" marR="0" lvl="0" indent="-342900" algn="just">
@@ -16199,6 +16255,76 @@
                 <a:ea typeface="Calibri" panose="020F0502020204030204" pitchFamily="34" charset="0"/>
                 <a:cs typeface="Mangal" panose="02040503050203030202" pitchFamily="18" charset="0"/>
               </a:rPr>
+              <a:t>Unit testing of smart contracts using Hardhat, Truffle with </a:t>
+            </a:r>
+            <a:r>
+              <a:rPr lang="en-IN" sz="1100" dirty="0" err="1">
+                <a:solidFill>
+                  <a:schemeClr val="bg1">
+                    <a:lumMod val="85000"/>
+                  </a:schemeClr>
+                </a:solidFill>
+                <a:effectLst/>
+                <a:latin typeface="Calibri" panose="020F0502020204030204" pitchFamily="34" charset="0"/>
+                <a:ea typeface="Calibri" panose="020F0502020204030204" pitchFamily="34" charset="0"/>
+                <a:cs typeface="Mangal" panose="02040503050203030202" pitchFamily="18" charset="0"/>
+              </a:rPr>
+              <a:t>Javascript</a:t>
+            </a:r>
+            <a:r>
+              <a:rPr lang="en-IN" sz="1100" dirty="0">
+                <a:solidFill>
+                  <a:schemeClr val="bg1">
+                    <a:lumMod val="85000"/>
+                  </a:schemeClr>
+                </a:solidFill>
+                <a:latin typeface="Calibri" panose="020F0502020204030204" pitchFamily="34" charset="0"/>
+                <a:ea typeface="Calibri" panose="020F0502020204030204" pitchFamily="34" charset="0"/>
+                <a:cs typeface="Mangal" panose="02040503050203030202" pitchFamily="18" charset="0"/>
+              </a:rPr>
+              <a:t> or </a:t>
+            </a:r>
+            <a:r>
+              <a:rPr lang="en-IN" sz="1100" dirty="0">
+                <a:solidFill>
+                  <a:schemeClr val="bg1">
+                    <a:lumMod val="85000"/>
+                  </a:schemeClr>
+                </a:solidFill>
+                <a:effectLst/>
+                <a:latin typeface="Calibri" panose="020F0502020204030204" pitchFamily="34" charset="0"/>
+                <a:ea typeface="Calibri" panose="020F0502020204030204" pitchFamily="34" charset="0"/>
+                <a:cs typeface="Mangal" panose="02040503050203030202" pitchFamily="18" charset="0"/>
+              </a:rPr>
+              <a:t>Typescript. Also, familiarity with Slither to find contract vulnerabilities and monitor the gas consumption for each contract methods.</a:t>
+            </a:r>
+          </a:p>
+          <a:p>
+            <a:pPr marL="342900" marR="0" lvl="0" indent="-342900" algn="just">
+              <a:lnSpc>
+                <a:spcPct val="115000"/>
+              </a:lnSpc>
+              <a:spcBef>
+                <a:spcPts val="0"/>
+              </a:spcBef>
+              <a:spcAft>
+                <a:spcPts val="600"/>
+              </a:spcAft>
+              <a:buFont typeface="Symbol" panose="05050102010706020507" pitchFamily="18" charset="2"/>
+              <a:buChar char=""/>
+            </a:pPr>
+            <a:r>
+              <a:rPr lang="en-IN" sz="1100" dirty="0">
+                <a:solidFill>
+                  <a:schemeClr val="bg1">
+                    <a:lumMod val="85000"/>
+                  </a:schemeClr>
+                </a:solidFill>
+                <a:effectLst/>
+                <a:latin typeface="Calibri" panose="020F0502020204030204" pitchFamily="34" charset="0"/>
+                <a:ea typeface="Calibri" panose="020F0502020204030204" pitchFamily="34" charset="0"/>
+                <a:cs typeface="Mangal" panose="02040503050203030202" pitchFamily="18" charset="0"/>
+              </a:rPr>
               <a:t>Full Stack development of a product App – ‘</a:t>
             </a:r>
             <a:r>
@@ -16227,7 +16353,7 @@
                 <a:ea typeface="Calibri" panose="020F0502020204030204" pitchFamily="34" charset="0"/>
                 <a:cs typeface="Mangal" panose="02040503050203030202" pitchFamily="18" charset="0"/>
               </a:rPr>
-              <a:t>’ in Crypto space.</a:t>
+              <a:t>’ in Crypto users.</a:t>
             </a:r>
             <a:endParaRPr lang="en-US" sz="1100" dirty="0">
               <a:solidFill>
@@ -19446,23 +19572,6 @@
 </file>
 
 <file path=customXml/item1.xml><?xml version="1.0" encoding="utf-8"?>
-<?mso-contentType ?>
-<FormTemplates xmlns="http://schemas.microsoft.com/sharepoint/v3/contenttype/forms">
-  <Display>DocumentLibraryForm</Display>
-  <Edit>DocumentLibraryForm</Edit>
-  <New>DocumentLibraryForm</New>
-</FormTemplates>
-</file>
-
-<file path=customXml/item2.xml><?xml version="1.0" encoding="utf-8"?>
-<p:properties xmlns:p="http://schemas.microsoft.com/office/2006/metadata/properties" xmlns:xsi="http://www.w3.org/2001/XMLSchema-instance" xmlns:pc="http://schemas.microsoft.com/office/infopath/2007/PartnerControls">
-  <documentManagement>
-    <MediaServiceKeyPoints xmlns="ef88797d-310b-4d46-ad9c-0c23fa0c8d45" xsi:nil="true"/>
-  </documentManagement>
-</p:properties>
-</file>
-
-<file path=customXml/item3.xml><?xml version="1.0" encoding="utf-8"?>
 <ct:contentTypeSchema xmlns:ct="http://schemas.microsoft.com/office/2006/metadata/contentType" xmlns:ma="http://schemas.microsoft.com/office/2006/metadata/properties/metaAttributes" ct:_="" ma:_="" ma:contentTypeName="Document" ma:contentTypeID="0x0101005F02E0EF7D44C04B9FA644DBFF45FF6A" ma:contentTypeVersion="13" ma:contentTypeDescription="Create a new document." ma:contentTypeScope="" ma:versionID="206b9469efed5238e3299da57cdc015e">
   <xsd:schema xmlns:xsd="http://www.w3.org/2001/XMLSchema" xmlns:xs="http://www.w3.org/2001/XMLSchema" xmlns:p="http://schemas.microsoft.com/office/2006/metadata/properties" xmlns:ns2="876de33e-aaa5-4507-9b92-b84e676ded0d" xmlns:ns3="ef88797d-310b-4d46-ad9c-0c23fa0c8d45" targetNamespace="http://schemas.microsoft.com/office/2006/metadata/properties" ma:root="true" ma:fieldsID="281ed500249cd3fe925a7af84a8b56c4" ns2:_="" ns3:_="">
     <xsd:import namespace="876de33e-aaa5-4507-9b92-b84e676ded0d"/>
@@ -19685,25 +19794,24 @@
 </ct:contentTypeSchema>
 </file>
 
-<file path=customXml/itemProps1.xml><?xml version="1.0" encoding="utf-8"?>
-<ds:datastoreItem xmlns:ds="http://schemas.openxmlformats.org/officeDocument/2006/customXml" ds:itemID="{20056241-EAE4-4EAF-8B0E-8651A3DCDE25}">
-  <ds:schemaRefs>
-    <ds:schemaRef ds:uri="http://schemas.microsoft.com/sharepoint/v3/contenttype/forms"/>
-  </ds:schemaRefs>
-</ds:datastoreItem>
+<file path=customXml/item2.xml><?xml version="1.0" encoding="utf-8"?>
+<p:properties xmlns:p="http://schemas.microsoft.com/office/2006/metadata/properties" xmlns:xsi="http://www.w3.org/2001/XMLSchema-instance" xmlns:pc="http://schemas.microsoft.com/office/infopath/2007/PartnerControls">
+  <documentManagement>
+    <MediaServiceKeyPoints xmlns="ef88797d-310b-4d46-ad9c-0c23fa0c8d45" xsi:nil="true"/>
+  </documentManagement>
+</p:properties>
 </file>
 
-<file path=customXml/itemProps2.xml><?xml version="1.0" encoding="utf-8"?>
-<ds:datastoreItem xmlns:ds="http://schemas.openxmlformats.org/officeDocument/2006/customXml" ds:itemID="{578389EB-672F-420D-AB19-CDFA657C66F4}">
-  <ds:schemaRefs>
-    <ds:schemaRef ds:uri="http://schemas.microsoft.com/office/2006/metadata/properties"/>
-    <ds:schemaRef ds:uri="http://schemas.microsoft.com/office/infopath/2007/PartnerControls"/>
-    <ds:schemaRef ds:uri="ef88797d-310b-4d46-ad9c-0c23fa0c8d45"/>
-  </ds:schemaRefs>
-</ds:datastoreItem>
+<file path=customXml/item3.xml><?xml version="1.0" encoding="utf-8"?>
+<?mso-contentType ?>
+<FormTemplates xmlns="http://schemas.microsoft.com/sharepoint/v3/contenttype/forms">
+  <Display>DocumentLibraryForm</Display>
+  <Edit>DocumentLibraryForm</Edit>
+  <New>DocumentLibraryForm</New>
+</FormTemplates>
 </file>
 
-<file path=customXml/itemProps3.xml><?xml version="1.0" encoding="utf-8"?>
+<file path=customXml/itemProps1.xml><?xml version="1.0" encoding="utf-8"?>
 <ds:datastoreItem xmlns:ds="http://schemas.openxmlformats.org/officeDocument/2006/customXml" ds:itemID="{E6CD0737-DDCD-4506-85C0-A3C2836F70A4}">
   <ds:schemaRefs>
     <ds:schemaRef ds:uri="http://schemas.microsoft.com/office/2006/metadata/contentType"/>
@@ -19720,4 +19828,22 @@
     <ds:schemaRef ds:uri="http://schemas.microsoft.com/internal/obd"/>
   </ds:schemaRefs>
 </ds:datastoreItem>
+</file>
+
+<file path=customXml/itemProps2.xml><?xml version="1.0" encoding="utf-8"?>
+<ds:datastoreItem xmlns:ds="http://schemas.openxmlformats.org/officeDocument/2006/customXml" ds:itemID="{578389EB-672F-420D-AB19-CDFA657C66F4}">
+  <ds:schemaRefs>
+    <ds:schemaRef ds:uri="http://schemas.microsoft.com/office/2006/metadata/properties"/>
+    <ds:schemaRef ds:uri="http://schemas.microsoft.com/office/infopath/2007/PartnerControls"/>
+    <ds:schemaRef ds:uri="ef88797d-310b-4d46-ad9c-0c23fa0c8d45"/>
+  </ds:schemaRefs>
+</ds:datastoreItem>
+</file>
+
+<file path=customXml/itemProps3.xml><?xml version="1.0" encoding="utf-8"?>
+<ds:datastoreItem xmlns:ds="http://schemas.openxmlformats.org/officeDocument/2006/customXml" ds:itemID="{20056241-EAE4-4EAF-8B0E-8651A3DCDE25}">
+  <ds:schemaRefs>
+    <ds:schemaRef ds:uri="http://schemas.microsoft.com/sharepoint/v3/contenttype/forms"/>
+  </ds:schemaRefs>
+</ds:datastoreItem>
 </file>
--- a/my_resume.pptx
+++ b/my_resume.pptx
@@ -239,7 +239,7 @@
             <a:fld id="{F126DA7F-2AB4-430D-8B2A-97731DDF23A1}" type="datetimeFigureOut">
               <a:rPr lang="en-US" smtClean="0"/>
               <a:pPr/>
-              <a:t>11/7/21</a:t>
+              <a:t>11/17/21</a:t>
             </a:fld>
             <a:endParaRPr lang="en-US" dirty="0"/>
           </a:p>
@@ -7198,7 +7198,7 @@
             <a:fld id="{902AD433-F5B6-43A3-8DE6-1382B3149F77}" type="datetimeFigureOut">
               <a:rPr lang="en-US" smtClean="0"/>
               <a:pPr/>
-              <a:t>11/7/21</a:t>
+              <a:t>11/17/21</a:t>
             </a:fld>
             <a:endParaRPr lang="en-US" dirty="0"/>
           </a:p>
@@ -14627,7 +14627,7 @@
         <p:spPr>
           <a:xfrm>
             <a:off x="1964659" y="4337373"/>
-            <a:ext cx="4247657" cy="1916230"/>
+            <a:ext cx="4247657" cy="1685398"/>
           </a:xfrm>
           <a:prstGeom prst="rect">
             <a:avLst/>
@@ -14758,7 +14758,7 @@
                 </a:solidFill>
                 <a:latin typeface="Whitney"/>
               </a:rPr>
-              <a:t>2021: Lead Blockchain Developer for 3 months in </a:t>
+              <a:t>2021: Lead Blockchain Developer in </a:t>
             </a:r>
             <a:r>
               <a:rPr lang="en-US" sz="1000" dirty="0" err="1">
@@ -15959,8 +15959,8 @@
         </p:nvSpPr>
         <p:spPr>
           <a:xfrm>
-            <a:off x="299720" y="1450423"/>
-            <a:ext cx="6258560" cy="7387472"/>
+            <a:off x="299720" y="1363333"/>
+            <a:ext cx="6258560" cy="7582140"/>
           </a:xfrm>
           <a:prstGeom prst="rect">
             <a:avLst/>
@@ -16189,7 +16189,7 @@
                 <a:ea typeface="Calibri" panose="020F0502020204030204" pitchFamily="34" charset="0"/>
                 <a:cs typeface="Mangal" panose="02040503050203030202" pitchFamily="18" charset="0"/>
               </a:rPr>
-              <a:t>Worked on contracts based on Escrow, Staking, </a:t>
+              <a:t>Worked on upgradeable contracts based on Escrow, Staking with reward issue, </a:t>
             </a:r>
             <a:r>
               <a:rPr lang="en-IN" sz="1100" dirty="0" err="1">
@@ -19572,6 +19572,23 @@
 </file>
 
 <file path=customXml/item1.xml><?xml version="1.0" encoding="utf-8"?>
+<?mso-contentType ?>
+<FormTemplates xmlns="http://schemas.microsoft.com/sharepoint/v3/contenttype/forms">
+  <Display>DocumentLibraryForm</Display>
+  <Edit>DocumentLibraryForm</Edit>
+  <New>DocumentLibraryForm</New>
+</FormTemplates>
+</file>
+
+<file path=customXml/item2.xml><?xml version="1.0" encoding="utf-8"?>
+<p:properties xmlns:p="http://schemas.microsoft.com/office/2006/metadata/properties" xmlns:xsi="http://www.w3.org/2001/XMLSchema-instance" xmlns:pc="http://schemas.microsoft.com/office/infopath/2007/PartnerControls">
+  <documentManagement>
+    <MediaServiceKeyPoints xmlns="ef88797d-310b-4d46-ad9c-0c23fa0c8d45" xsi:nil="true"/>
+  </documentManagement>
+</p:properties>
+</file>
+
+<file path=customXml/item3.xml><?xml version="1.0" encoding="utf-8"?>
 <ct:contentTypeSchema xmlns:ct="http://schemas.microsoft.com/office/2006/metadata/contentType" xmlns:ma="http://schemas.microsoft.com/office/2006/metadata/properties/metaAttributes" ct:_="" ma:_="" ma:contentTypeName="Document" ma:contentTypeID="0x0101005F02E0EF7D44C04B9FA644DBFF45FF6A" ma:contentTypeVersion="13" ma:contentTypeDescription="Create a new document." ma:contentTypeScope="" ma:versionID="206b9469efed5238e3299da57cdc015e">
   <xsd:schema xmlns:xsd="http://www.w3.org/2001/XMLSchema" xmlns:xs="http://www.w3.org/2001/XMLSchema" xmlns:p="http://schemas.microsoft.com/office/2006/metadata/properties" xmlns:ns2="876de33e-aaa5-4507-9b92-b84e676ded0d" xmlns:ns3="ef88797d-310b-4d46-ad9c-0c23fa0c8d45" targetNamespace="http://schemas.microsoft.com/office/2006/metadata/properties" ma:root="true" ma:fieldsID="281ed500249cd3fe925a7af84a8b56c4" ns2:_="" ns3:_="">
     <xsd:import namespace="876de33e-aaa5-4507-9b92-b84e676ded0d"/>
@@ -19794,24 +19811,25 @@
 </ct:contentTypeSchema>
 </file>
 
-<file path=customXml/item2.xml><?xml version="1.0" encoding="utf-8"?>
-<p:properties xmlns:p="http://schemas.microsoft.com/office/2006/metadata/properties" xmlns:xsi="http://www.w3.org/2001/XMLSchema-instance" xmlns:pc="http://schemas.microsoft.com/office/infopath/2007/PartnerControls">
-  <documentManagement>
-    <MediaServiceKeyPoints xmlns="ef88797d-310b-4d46-ad9c-0c23fa0c8d45" xsi:nil="true"/>
-  </documentManagement>
-</p:properties>
+<file path=customXml/itemProps1.xml><?xml version="1.0" encoding="utf-8"?>
+<ds:datastoreItem xmlns:ds="http://schemas.openxmlformats.org/officeDocument/2006/customXml" ds:itemID="{20056241-EAE4-4EAF-8B0E-8651A3DCDE25}">
+  <ds:schemaRefs>
+    <ds:schemaRef ds:uri="http://schemas.microsoft.com/sharepoint/v3/contenttype/forms"/>
+  </ds:schemaRefs>
+</ds:datastoreItem>
 </file>
 
-<file path=customXml/item3.xml><?xml version="1.0" encoding="utf-8"?>
-<?mso-contentType ?>
-<FormTemplates xmlns="http://schemas.microsoft.com/sharepoint/v3/contenttype/forms">
-  <Display>DocumentLibraryForm</Display>
-  <Edit>DocumentLibraryForm</Edit>
-  <New>DocumentLibraryForm</New>
-</FormTemplates>
+<file path=customXml/itemProps2.xml><?xml version="1.0" encoding="utf-8"?>
+<ds:datastoreItem xmlns:ds="http://schemas.openxmlformats.org/officeDocument/2006/customXml" ds:itemID="{578389EB-672F-420D-AB19-CDFA657C66F4}">
+  <ds:schemaRefs>
+    <ds:schemaRef ds:uri="http://schemas.microsoft.com/office/2006/metadata/properties"/>
+    <ds:schemaRef ds:uri="http://schemas.microsoft.com/office/infopath/2007/PartnerControls"/>
+    <ds:schemaRef ds:uri="ef88797d-310b-4d46-ad9c-0c23fa0c8d45"/>
+  </ds:schemaRefs>
+</ds:datastoreItem>
 </file>
 
-<file path=customXml/itemProps1.xml><?xml version="1.0" encoding="utf-8"?>
+<file path=customXml/itemProps3.xml><?xml version="1.0" encoding="utf-8"?>
 <ds:datastoreItem xmlns:ds="http://schemas.openxmlformats.org/officeDocument/2006/customXml" ds:itemID="{E6CD0737-DDCD-4506-85C0-A3C2836F70A4}">
   <ds:schemaRefs>
     <ds:schemaRef ds:uri="http://schemas.microsoft.com/office/2006/metadata/contentType"/>
@@ -19828,22 +19846,4 @@
     <ds:schemaRef ds:uri="http://schemas.microsoft.com/internal/obd"/>
   </ds:schemaRefs>
 </ds:datastoreItem>
-</file>
-
-<file path=customXml/itemProps2.xml><?xml version="1.0" encoding="utf-8"?>
-<ds:datastoreItem xmlns:ds="http://schemas.openxmlformats.org/officeDocument/2006/customXml" ds:itemID="{578389EB-672F-420D-AB19-CDFA657C66F4}">
-  <ds:schemaRefs>
-    <ds:schemaRef ds:uri="http://schemas.microsoft.com/office/2006/metadata/properties"/>
-    <ds:schemaRef ds:uri="http://schemas.microsoft.com/office/infopath/2007/PartnerControls"/>
-    <ds:schemaRef ds:uri="ef88797d-310b-4d46-ad9c-0c23fa0c8d45"/>
-  </ds:schemaRefs>
-</ds:datastoreItem>
-</file>
-
-<file path=customXml/itemProps3.xml><?xml version="1.0" encoding="utf-8"?>
-<ds:datastoreItem xmlns:ds="http://schemas.openxmlformats.org/officeDocument/2006/customXml" ds:itemID="{20056241-EAE4-4EAF-8B0E-8651A3DCDE25}">
-  <ds:schemaRefs>
-    <ds:schemaRef ds:uri="http://schemas.microsoft.com/sharepoint/v3/contenttype/forms"/>
-  </ds:schemaRefs>
-</ds:datastoreItem>
 </file>
--- a/my_resume.pptx
+++ b/my_resume.pptx
@@ -239,7 +239,7 @@
             <a:fld id="{F126DA7F-2AB4-430D-8B2A-97731DDF23A1}" type="datetimeFigureOut">
               <a:rPr lang="en-US" smtClean="0"/>
               <a:pPr/>
-              <a:t>11/17/21</a:t>
+              <a:t>2/7/22</a:t>
             </a:fld>
             <a:endParaRPr lang="en-US" dirty="0"/>
           </a:p>
@@ -7198,7 +7198,7 @@
             <a:fld id="{902AD433-F5B6-43A3-8DE6-1382B3149F77}" type="datetimeFigureOut">
               <a:rPr lang="en-US" smtClean="0"/>
               <a:pPr/>
-              <a:t>11/17/21</a:t>
+              <a:t>2/7/22</a:t>
             </a:fld>
             <a:endParaRPr lang="en-US" dirty="0"/>
           </a:p>
@@ -8433,7 +8433,7 @@
                 <a:effectLst/>
                 <a:latin typeface="Whitney"/>
               </a:rPr>
-              <a:t>I am a Blockchain Developer with 6 years of experience as CTO, Lead Smart contract Developer in multiple crypto startups, projects related to NFT, </a:t>
+              <a:t>I am a Blockchain Developer with 6 years of experience as CTO, Lead/Senior Smart contract Developer in multiple crypto startups, projects related to NFT, </a:t>
             </a:r>
             <a:r>
               <a:rPr lang="en-US" b="0" i="0" dirty="0" err="1">
@@ -8457,7 +8457,7 @@
                 <a:effectLst/>
                 <a:latin typeface="Whitney"/>
               </a:rPr>
-              <a:t>, Betting game and in utility category. I hold multi-chain experience with leading Blockchain protocols like EOSIO, EVM. </a:t>
+              <a:t>, Betting game and in utility category. I hold multi-chain experience with leading Blockchain protocols like EOSIO, EVM, Solana. </a:t>
             </a:r>
             <a:endParaRPr lang="en-US" dirty="0">
               <a:solidFill>
@@ -13256,7 +13256,7 @@
           <a:p>
             <a:r>
               <a:rPr lang="en-US" dirty="0"/>
-              <a:t>TYPESCRIPT</a:t>
+              <a:t>MIRO</a:t>
             </a:r>
           </a:p>
         </p:txBody>
@@ -13701,7 +13701,7 @@
               <a:avLst/>
             </a:prstGeom>
             <a:solidFill>
-              <a:schemeClr val="accent3"/>
+              <a:schemeClr val="tx2"/>
             </a:solidFill>
             <a:ln>
               <a:noFill/>
@@ -13758,7 +13758,7 @@
               <a:avLst/>
             </a:prstGeom>
             <a:solidFill>
-              <a:schemeClr val="accent3"/>
+              <a:schemeClr val="tx2"/>
             </a:solidFill>
             <a:ln>
               <a:noFill/>
@@ -14416,7 +14416,7 @@
                   </a:schemeClr>
                 </a:solidFill>
               </a:rPr>
-              <a:t>C, C++, Solidity, Python, </a:t>
+              <a:t>C, C++, Solidity, Rust, Python, </a:t>
             </a:r>
             <a:r>
               <a:rPr lang="en-US" sz="1000" dirty="0" err="1">
@@ -14627,7 +14627,7 @@
         <p:spPr>
           <a:xfrm>
             <a:off x="1964659" y="4337373"/>
-            <a:ext cx="4247657" cy="1685398"/>
+            <a:ext cx="4247657" cy="2147063"/>
           </a:xfrm>
           <a:prstGeom prst="rect">
             <a:avLst/>
@@ -14781,6 +14781,68 @@
                 <a:latin typeface="Whitney"/>
               </a:rPr>
               <a:t> start-up - “Boot Finance”.</a:t>
+            </a:r>
+          </a:p>
+          <a:p>
+            <a:pPr marL="171450" indent="-171450">
+              <a:lnSpc>
+                <a:spcPct val="150000"/>
+              </a:lnSpc>
+              <a:buFont typeface="Arial" panose="020B0604020202020204" pitchFamily="34" charset="0"/>
+              <a:buChar char="•"/>
+            </a:pPr>
+            <a:r>
+              <a:rPr lang="en-US" sz="1000" dirty="0">
+                <a:solidFill>
+                  <a:schemeClr val="bg1">
+                    <a:lumMod val="75000"/>
+                  </a:schemeClr>
+                </a:solidFill>
+                <a:latin typeface="Whitney"/>
+              </a:rPr>
+              <a:t>2021: Senior Blockchain Developer in Master Ventures</a:t>
+            </a:r>
+          </a:p>
+          <a:p>
+            <a:pPr marL="171450" indent="-171450">
+              <a:lnSpc>
+                <a:spcPct val="150000"/>
+              </a:lnSpc>
+              <a:buFont typeface="Arial" panose="020B0604020202020204" pitchFamily="34" charset="0"/>
+              <a:buChar char="•"/>
+            </a:pPr>
+            <a:r>
+              <a:rPr lang="en-US" sz="1000" dirty="0">
+                <a:solidFill>
+                  <a:schemeClr val="bg1">
+                    <a:lumMod val="75000"/>
+                  </a:schemeClr>
+                </a:solidFill>
+                <a:latin typeface="Whitney"/>
+              </a:rPr>
+              <a:t>2021-2022: CTO at </a:t>
+            </a:r>
+            <a:r>
+              <a:rPr lang="en-US" sz="1000" dirty="0" err="1">
+                <a:solidFill>
+                  <a:schemeClr val="bg1">
+                    <a:lumMod val="75000"/>
+                  </a:schemeClr>
+                </a:solidFill>
+                <a:latin typeface="Whitney"/>
+              </a:rPr>
+              <a:t>DeFi</a:t>
+            </a:r>
+            <a:r>
+              <a:rPr lang="en-US" sz="1000" dirty="0">
+                <a:solidFill>
+                  <a:schemeClr val="bg1">
+                    <a:lumMod val="75000"/>
+                  </a:schemeClr>
+                </a:solidFill>
+                <a:latin typeface="Whitney"/>
+              </a:rPr>
+              <a:t> + NFT start-up</a:t>
             </a:r>
           </a:p>
           <a:p>
@@ -15998,7 +16060,35 @@
                 <a:ea typeface="Calibri" panose="020F0502020204030204" pitchFamily="34" charset="0"/>
                 <a:cs typeface="Mangal" panose="02040503050203030202" pitchFamily="18" charset="0"/>
               </a:rPr>
-              <a:t>Worked as Lead Blockchain Developer &amp; Architect for a </a:t>
+              <a:t>Worked as CTO in a </a:t>
+            </a:r>
+            <a:r>
+              <a:rPr lang="en-IN" sz="1100" dirty="0" err="1">
+                <a:solidFill>
+                  <a:schemeClr val="bg1">
+                    <a:lumMod val="85000"/>
+                  </a:schemeClr>
+                </a:solidFill>
+                <a:effectLst/>
+                <a:latin typeface="Calibri" panose="020F0502020204030204" pitchFamily="34" charset="0"/>
+                <a:ea typeface="Calibri" panose="020F0502020204030204" pitchFamily="34" charset="0"/>
+                <a:cs typeface="Mangal" panose="02040503050203030202" pitchFamily="18" charset="0"/>
+              </a:rPr>
+              <a:t>startup</a:t>
+            </a:r>
+            <a:r>
+              <a:rPr lang="en-IN" sz="1100" dirty="0">
+                <a:solidFill>
+                  <a:schemeClr val="bg1">
+                    <a:lumMod val="85000"/>
+                  </a:schemeClr>
+                </a:solidFill>
+                <a:effectLst/>
+                <a:latin typeface="Calibri" panose="020F0502020204030204" pitchFamily="34" charset="0"/>
+                <a:ea typeface="Calibri" panose="020F0502020204030204" pitchFamily="34" charset="0"/>
+                <a:cs typeface="Mangal" panose="02040503050203030202" pitchFamily="18" charset="0"/>
+              </a:rPr>
+              <a:t> which worked with Crowdfunding 2.0 via </a:t>
             </a:r>
             <a:r>
               <a:rPr lang="en-IN" sz="1100" dirty="0" err="1">
@@ -16026,142 +16116,7 @@
                 <a:ea typeface="Calibri" panose="020F0502020204030204" pitchFamily="34" charset="0"/>
                 <a:cs typeface="Mangal" panose="02040503050203030202" pitchFamily="18" charset="0"/>
               </a:rPr>
-              <a:t> </a:t>
-            </a:r>
-            <a:r>
-              <a:rPr lang="en-IN" sz="1100" dirty="0" err="1">
-                <a:solidFill>
-                  <a:schemeClr val="bg1">
-                    <a:lumMod val="85000"/>
-                  </a:schemeClr>
-                </a:solidFill>
-                <a:effectLst/>
-                <a:latin typeface="Calibri" panose="020F0502020204030204" pitchFamily="34" charset="0"/>
-                <a:ea typeface="Calibri" panose="020F0502020204030204" pitchFamily="34" charset="0"/>
-                <a:cs typeface="Mangal" panose="02040503050203030202" pitchFamily="18" charset="0"/>
-              </a:rPr>
-              <a:t>startup</a:t>
-            </a:r>
-            <a:r>
-              <a:rPr lang="en-IN" sz="1100" dirty="0">
-                <a:solidFill>
-                  <a:schemeClr val="bg1">
-                    <a:lumMod val="85000"/>
-                  </a:schemeClr>
-                </a:solidFill>
-                <a:effectLst/>
-                <a:latin typeface="Calibri" panose="020F0502020204030204" pitchFamily="34" charset="0"/>
-                <a:ea typeface="Calibri" panose="020F0502020204030204" pitchFamily="34" charset="0"/>
-                <a:cs typeface="Mangal" panose="02040503050203030202" pitchFamily="18" charset="0"/>
-              </a:rPr>
-              <a:t> and also familiar with projects like </a:t>
-            </a:r>
-            <a:r>
-              <a:rPr lang="en-IN" sz="1100" dirty="0" err="1">
-                <a:solidFill>
-                  <a:schemeClr val="bg1">
-                    <a:lumMod val="85000"/>
-                  </a:schemeClr>
-                </a:solidFill>
-                <a:effectLst/>
-                <a:latin typeface="Calibri" panose="020F0502020204030204" pitchFamily="34" charset="0"/>
-                <a:ea typeface="Calibri" panose="020F0502020204030204" pitchFamily="34" charset="0"/>
-                <a:cs typeface="Mangal" panose="02040503050203030202" pitchFamily="18" charset="0"/>
-              </a:rPr>
-              <a:t>Uniswap</a:t>
-            </a:r>
-            <a:r>
-              <a:rPr lang="en-IN" sz="1100" dirty="0">
-                <a:solidFill>
-                  <a:schemeClr val="bg1">
-                    <a:lumMod val="85000"/>
-                  </a:schemeClr>
-                </a:solidFill>
-                <a:effectLst/>
-                <a:latin typeface="Calibri" panose="020F0502020204030204" pitchFamily="34" charset="0"/>
-                <a:ea typeface="Calibri" panose="020F0502020204030204" pitchFamily="34" charset="0"/>
-                <a:cs typeface="Mangal" panose="02040503050203030202" pitchFamily="18" charset="0"/>
-              </a:rPr>
-              <a:t>, Curve, Saddle, Swerve. </a:t>
-            </a:r>
-            <a:r>
-              <a:rPr lang="en-IN" sz="1100" dirty="0">
-                <a:solidFill>
-                  <a:schemeClr val="bg1">
-                    <a:lumMod val="85000"/>
-                  </a:schemeClr>
-                </a:solidFill>
-                <a:latin typeface="Calibri" panose="020F0502020204030204" pitchFamily="34" charset="0"/>
-                <a:ea typeface="Calibri" panose="020F0502020204030204" pitchFamily="34" charset="0"/>
-                <a:cs typeface="Mangal" panose="02040503050203030202" pitchFamily="18" charset="0"/>
-              </a:rPr>
-              <a:t>Also worked on Cross-chain Bridge for implementation of token &amp; presale, vesting contracts with </a:t>
-            </a:r>
-            <a:r>
-              <a:rPr lang="en-IN" sz="1100" dirty="0" err="1">
-                <a:solidFill>
-                  <a:schemeClr val="bg1">
-                    <a:lumMod val="85000"/>
-                  </a:schemeClr>
-                </a:solidFill>
-                <a:latin typeface="Calibri" panose="020F0502020204030204" pitchFamily="34" charset="0"/>
-                <a:ea typeface="Calibri" panose="020F0502020204030204" pitchFamily="34" charset="0"/>
-                <a:cs typeface="Mangal" panose="02040503050203030202" pitchFamily="18" charset="0"/>
-              </a:rPr>
-              <a:t>timelock</a:t>
-            </a:r>
-            <a:r>
-              <a:rPr lang="en-IN" sz="1100" dirty="0">
-                <a:solidFill>
-                  <a:schemeClr val="bg1">
-                    <a:lumMod val="85000"/>
-                  </a:schemeClr>
-                </a:solidFill>
-                <a:latin typeface="Calibri" panose="020F0502020204030204" pitchFamily="34" charset="0"/>
-                <a:ea typeface="Calibri" panose="020F0502020204030204" pitchFamily="34" charset="0"/>
-                <a:cs typeface="Mangal" panose="02040503050203030202" pitchFamily="18" charset="0"/>
-              </a:rPr>
-              <a:t> functionality for the tokens transferred from </a:t>
-            </a:r>
-            <a:r>
-              <a:rPr lang="en-IN" sz="1100" dirty="0" err="1">
-                <a:solidFill>
-                  <a:schemeClr val="bg1">
-                    <a:lumMod val="85000"/>
-                  </a:schemeClr>
-                </a:solidFill>
-                <a:latin typeface="Calibri" panose="020F0502020204030204" pitchFamily="34" charset="0"/>
-                <a:ea typeface="Calibri" panose="020F0502020204030204" pitchFamily="34" charset="0"/>
-                <a:cs typeface="Mangal" panose="02040503050203030202" pitchFamily="18" charset="0"/>
-              </a:rPr>
-              <a:t>DeFi</a:t>
-            </a:r>
-            <a:r>
-              <a:rPr lang="en-IN" sz="1100" dirty="0">
-                <a:solidFill>
-                  <a:schemeClr val="bg1">
-                    <a:lumMod val="85000"/>
-                  </a:schemeClr>
-                </a:solidFill>
-                <a:latin typeface="Calibri" panose="020F0502020204030204" pitchFamily="34" charset="0"/>
-                <a:ea typeface="Calibri" panose="020F0502020204030204" pitchFamily="34" charset="0"/>
-                <a:cs typeface="Mangal" panose="02040503050203030202" pitchFamily="18" charset="0"/>
-              </a:rPr>
-              <a:t> protocols during swap</a:t>
-            </a:r>
-            <a:r>
-              <a:rPr lang="en-IN" sz="1100" dirty="0">
-                <a:solidFill>
-                  <a:schemeClr val="bg1">
-                    <a:lumMod val="85000"/>
-                  </a:schemeClr>
-                </a:solidFill>
-                <a:effectLst/>
-                <a:latin typeface="Calibri" panose="020F0502020204030204" pitchFamily="34" charset="0"/>
-                <a:ea typeface="Calibri" panose="020F0502020204030204" pitchFamily="34" charset="0"/>
-                <a:cs typeface="Mangal" panose="02040503050203030202" pitchFamily="18" charset="0"/>
-              </a:rPr>
-              <a:t>.</a:t>
+              <a:t> AMM. Also, build the architecture in sports-based Metaverse using player, stadium NFT cards with play-to-earn gamification model in Miro board.</a:t>
             </a:r>
           </a:p>
           <a:p>
@@ -16189,7 +16144,7 @@
                 <a:ea typeface="Calibri" panose="020F0502020204030204" pitchFamily="34" charset="0"/>
                 <a:cs typeface="Mangal" panose="02040503050203030202" pitchFamily="18" charset="0"/>
               </a:rPr>
-              <a:t>Worked on upgradeable contracts based on Escrow, Staking with reward issue, </a:t>
+              <a:t>Worked as Senior Blockchain Developer on </a:t>
             </a:r>
             <a:r>
               <a:rPr lang="en-IN" sz="1100" dirty="0" err="1">
@@ -16202,7 +16157,7 @@
                 <a:ea typeface="Calibri" panose="020F0502020204030204" pitchFamily="34" charset="0"/>
                 <a:cs typeface="Mangal" panose="02040503050203030202" pitchFamily="18" charset="0"/>
               </a:rPr>
-              <a:t>DeFi</a:t>
+              <a:t>crowdsale</a:t>
             </a:r>
             <a:r>
               <a:rPr lang="en-IN" sz="1100" dirty="0">
@@ -16215,7 +16170,7 @@
                 <a:ea typeface="Calibri" panose="020F0502020204030204" pitchFamily="34" charset="0"/>
                 <a:cs typeface="Mangal" panose="02040503050203030202" pitchFamily="18" charset="0"/>
               </a:rPr>
-              <a:t> token’s average price, Token vault.</a:t>
+              <a:t> program codebase over Solana Blockchain.</a:t>
             </a:r>
             <a:endParaRPr lang="en-IN" sz="1100" dirty="0">
               <a:solidFill>
@@ -16255,7 +16210,7 @@
                 <a:ea typeface="Calibri" panose="020F0502020204030204" pitchFamily="34" charset="0"/>
                 <a:cs typeface="Mangal" panose="02040503050203030202" pitchFamily="18" charset="0"/>
               </a:rPr>
-              <a:t>Unit testing of smart contracts using Hardhat, Truffle with </a:t>
+              <a:t>Worked as Lead Blockchain Developer &amp; Architect for a </a:t>
             </a:r>
             <a:r>
               <a:rPr lang="en-IN" sz="1100" dirty="0" err="1">
@@ -16269,20 +16224,7 @@
                 <a:ea typeface="Calibri" panose="020F0502020204030204" pitchFamily="34" charset="0"/>
                 <a:cs typeface="Mangal" panose="02040503050203030202" pitchFamily="18" charset="0"/>
               </a:rPr>
-              <a:t>Javascript</a:t>
-            </a:r>
-            <a:r>
-              <a:rPr lang="en-IN" sz="1100" dirty="0">
-                <a:solidFill>
-                  <a:schemeClr val="bg1">
-                    <a:lumMod val="85000"/>
-                  </a:schemeClr>
-                </a:solidFill>
-                <a:latin typeface="Calibri" panose="020F0502020204030204" pitchFamily="34" charset="0"/>
-                <a:ea typeface="Calibri" panose="020F0502020204030204" pitchFamily="34" charset="0"/>
-                <a:cs typeface="Mangal" panose="02040503050203030202" pitchFamily="18" charset="0"/>
-              </a:rPr>
-              <a:t> or </a:t>
+              <a:t>DeFi</a:t>
             </a:r>
             <a:r>
               <a:rPr lang="en-IN" sz="1100" dirty="0">
@@ -16296,7 +16238,142 @@
                 <a:ea typeface="Calibri" panose="020F0502020204030204" pitchFamily="34" charset="0"/>
                 <a:cs typeface="Mangal" panose="02040503050203030202" pitchFamily="18" charset="0"/>
               </a:rPr>
-              <a:t>Typescript. Also, familiarity with Slither to find contract vulnerabilities and monitor the gas consumption for each contract methods.</a:t>
+              <a:t> </a:t>
+            </a:r>
+            <a:r>
+              <a:rPr lang="en-IN" sz="1100" dirty="0" err="1">
+                <a:solidFill>
+                  <a:schemeClr val="bg1">
+                    <a:lumMod val="85000"/>
+                  </a:schemeClr>
+                </a:solidFill>
+                <a:effectLst/>
+                <a:latin typeface="Calibri" panose="020F0502020204030204" pitchFamily="34" charset="0"/>
+                <a:ea typeface="Calibri" panose="020F0502020204030204" pitchFamily="34" charset="0"/>
+                <a:cs typeface="Mangal" panose="02040503050203030202" pitchFamily="18" charset="0"/>
+              </a:rPr>
+              <a:t>startup</a:t>
+            </a:r>
+            <a:r>
+              <a:rPr lang="en-IN" sz="1100" dirty="0">
+                <a:solidFill>
+                  <a:schemeClr val="bg1">
+                    <a:lumMod val="85000"/>
+                  </a:schemeClr>
+                </a:solidFill>
+                <a:effectLst/>
+                <a:latin typeface="Calibri" panose="020F0502020204030204" pitchFamily="34" charset="0"/>
+                <a:ea typeface="Calibri" panose="020F0502020204030204" pitchFamily="34" charset="0"/>
+                <a:cs typeface="Mangal" panose="02040503050203030202" pitchFamily="18" charset="0"/>
+              </a:rPr>
+              <a:t> and also familiar with projects like </a:t>
+            </a:r>
+            <a:r>
+              <a:rPr lang="en-IN" sz="1100" dirty="0" err="1">
+                <a:solidFill>
+                  <a:schemeClr val="bg1">
+                    <a:lumMod val="85000"/>
+                  </a:schemeClr>
+                </a:solidFill>
+                <a:effectLst/>
+                <a:latin typeface="Calibri" panose="020F0502020204030204" pitchFamily="34" charset="0"/>
+                <a:ea typeface="Calibri" panose="020F0502020204030204" pitchFamily="34" charset="0"/>
+                <a:cs typeface="Mangal" panose="02040503050203030202" pitchFamily="18" charset="0"/>
+              </a:rPr>
+              <a:t>Uniswap</a:t>
+            </a:r>
+            <a:r>
+              <a:rPr lang="en-IN" sz="1100" dirty="0">
+                <a:solidFill>
+                  <a:schemeClr val="bg1">
+                    <a:lumMod val="85000"/>
+                  </a:schemeClr>
+                </a:solidFill>
+                <a:effectLst/>
+                <a:latin typeface="Calibri" panose="020F0502020204030204" pitchFamily="34" charset="0"/>
+                <a:ea typeface="Calibri" panose="020F0502020204030204" pitchFamily="34" charset="0"/>
+                <a:cs typeface="Mangal" panose="02040503050203030202" pitchFamily="18" charset="0"/>
+              </a:rPr>
+              <a:t>, Curve, Saddle, Swerve. </a:t>
+            </a:r>
+            <a:r>
+              <a:rPr lang="en-IN" sz="1100" dirty="0">
+                <a:solidFill>
+                  <a:schemeClr val="bg1">
+                    <a:lumMod val="85000"/>
+                  </a:schemeClr>
+                </a:solidFill>
+                <a:latin typeface="Calibri" panose="020F0502020204030204" pitchFamily="34" charset="0"/>
+                <a:ea typeface="Calibri" panose="020F0502020204030204" pitchFamily="34" charset="0"/>
+                <a:cs typeface="Mangal" panose="02040503050203030202" pitchFamily="18" charset="0"/>
+              </a:rPr>
+              <a:t>Also worked on Cross-chain Bridge for implementation of token &amp; presale, vesting contracts with </a:t>
+            </a:r>
+            <a:r>
+              <a:rPr lang="en-IN" sz="1100" dirty="0" err="1">
+                <a:solidFill>
+                  <a:schemeClr val="bg1">
+                    <a:lumMod val="85000"/>
+                  </a:schemeClr>
+                </a:solidFill>
+                <a:latin typeface="Calibri" panose="020F0502020204030204" pitchFamily="34" charset="0"/>
+                <a:ea typeface="Calibri" panose="020F0502020204030204" pitchFamily="34" charset="0"/>
+                <a:cs typeface="Mangal" panose="02040503050203030202" pitchFamily="18" charset="0"/>
+              </a:rPr>
+              <a:t>timelock</a:t>
+            </a:r>
+            <a:r>
+              <a:rPr lang="en-IN" sz="1100" dirty="0">
+                <a:solidFill>
+                  <a:schemeClr val="bg1">
+                    <a:lumMod val="85000"/>
+                  </a:schemeClr>
+                </a:solidFill>
+                <a:latin typeface="Calibri" panose="020F0502020204030204" pitchFamily="34" charset="0"/>
+                <a:ea typeface="Calibri" panose="020F0502020204030204" pitchFamily="34" charset="0"/>
+                <a:cs typeface="Mangal" panose="02040503050203030202" pitchFamily="18" charset="0"/>
+              </a:rPr>
+              <a:t> functionality for the tokens transferred from </a:t>
+            </a:r>
+            <a:r>
+              <a:rPr lang="en-IN" sz="1100" dirty="0" err="1">
+                <a:solidFill>
+                  <a:schemeClr val="bg1">
+                    <a:lumMod val="85000"/>
+                  </a:schemeClr>
+                </a:solidFill>
+                <a:latin typeface="Calibri" panose="020F0502020204030204" pitchFamily="34" charset="0"/>
+                <a:ea typeface="Calibri" panose="020F0502020204030204" pitchFamily="34" charset="0"/>
+                <a:cs typeface="Mangal" panose="02040503050203030202" pitchFamily="18" charset="0"/>
+              </a:rPr>
+              <a:t>DeFi</a:t>
+            </a:r>
+            <a:r>
+              <a:rPr lang="en-IN" sz="1100" dirty="0">
+                <a:solidFill>
+                  <a:schemeClr val="bg1">
+                    <a:lumMod val="85000"/>
+                  </a:schemeClr>
+                </a:solidFill>
+                <a:latin typeface="Calibri" panose="020F0502020204030204" pitchFamily="34" charset="0"/>
+                <a:ea typeface="Calibri" panose="020F0502020204030204" pitchFamily="34" charset="0"/>
+                <a:cs typeface="Mangal" panose="02040503050203030202" pitchFamily="18" charset="0"/>
+              </a:rPr>
+              <a:t> protocols during swap</a:t>
+            </a:r>
+            <a:r>
+              <a:rPr lang="en-IN" sz="1100" dirty="0">
+                <a:solidFill>
+                  <a:schemeClr val="bg1">
+                    <a:lumMod val="85000"/>
+                  </a:schemeClr>
+                </a:solidFill>
+                <a:effectLst/>
+                <a:latin typeface="Calibri" panose="020F0502020204030204" pitchFamily="34" charset="0"/>
+                <a:ea typeface="Calibri" panose="020F0502020204030204" pitchFamily="34" charset="0"/>
+                <a:cs typeface="Mangal" panose="02040503050203030202" pitchFamily="18" charset="0"/>
+              </a:rPr>
+              <a:t>.</a:t>
             </a:r>
           </a:p>
           <a:p>
@@ -16320,12 +16397,11 @@
                     <a:lumMod val="85000"/>
                   </a:schemeClr>
                 </a:solidFill>
-                <a:effectLst/>
                 <a:latin typeface="Calibri" panose="020F0502020204030204" pitchFamily="34" charset="0"/>
                 <a:ea typeface="Calibri" panose="020F0502020204030204" pitchFamily="34" charset="0"/>
                 <a:cs typeface="Mangal" panose="02040503050203030202" pitchFamily="18" charset="0"/>
               </a:rPr>
-              <a:t>Full Stack development of a product App – ‘</a:t>
+              <a:t>Worked on upgradeable contracts based on Escrow, Staking with reward issue, </a:t>
             </a:r>
             <a:r>
               <a:rPr lang="en-IN" sz="1100" dirty="0" err="1">
@@ -16334,12 +16410,11 @@
                     <a:lumMod val="85000"/>
                   </a:schemeClr>
                 </a:solidFill>
-                <a:effectLst/>
                 <a:latin typeface="Calibri" panose="020F0502020204030204" pitchFamily="34" charset="0"/>
                 <a:ea typeface="Calibri" panose="020F0502020204030204" pitchFamily="34" charset="0"/>
                 <a:cs typeface="Mangal" panose="02040503050203030202" pitchFamily="18" charset="0"/>
               </a:rPr>
-              <a:t>BitInfoCoin</a:t>
+              <a:t>DeFi</a:t>
             </a:r>
             <a:r>
               <a:rPr lang="en-IN" sz="1100" dirty="0">
@@ -16348,19 +16423,19 @@
                     <a:lumMod val="85000"/>
                   </a:schemeClr>
                 </a:solidFill>
-                <a:effectLst/>
                 <a:latin typeface="Calibri" panose="020F0502020204030204" pitchFamily="34" charset="0"/>
                 <a:ea typeface="Calibri" panose="020F0502020204030204" pitchFamily="34" charset="0"/>
                 <a:cs typeface="Mangal" panose="02040503050203030202" pitchFamily="18" charset="0"/>
               </a:rPr>
-              <a:t>’ in Crypto users.</a:t>
-            </a:r>
-            <a:endParaRPr lang="en-US" sz="1100" dirty="0">
+              <a:t> token’s average price, Token vault.</a:t>
+            </a:r>
+            <a:endParaRPr lang="en-IN" sz="1100" dirty="0">
               <a:solidFill>
                 <a:schemeClr val="bg1">
                   <a:lumMod val="85000"/>
                 </a:schemeClr>
               </a:solidFill>
+              <a:effectLst/>
               <a:latin typeface="Calibri" panose="020F0502020204030204" pitchFamily="34" charset="0"/>
               <a:ea typeface="Calibri" panose="020F0502020204030204" pitchFamily="34" charset="0"/>
               <a:cs typeface="Mangal" panose="02040503050203030202" pitchFamily="18" charset="0"/>
@@ -16392,7 +16467,7 @@
                 <a:ea typeface="Calibri" panose="020F0502020204030204" pitchFamily="34" charset="0"/>
                 <a:cs typeface="Mangal" panose="02040503050203030202" pitchFamily="18" charset="0"/>
               </a:rPr>
-              <a:t>Designed &amp; Developed the Smart Contract System Design with suite of smart contracts for a Ride Sharing </a:t>
+              <a:t>Unit testing of smart contracts using Hardhat, Truffle with </a:t>
             </a:r>
             <a:r>
               <a:rPr lang="en-IN" sz="1100" dirty="0" err="1">
@@ -16406,7 +16481,20 @@
                 <a:ea typeface="Calibri" panose="020F0502020204030204" pitchFamily="34" charset="0"/>
                 <a:cs typeface="Mangal" panose="02040503050203030202" pitchFamily="18" charset="0"/>
               </a:rPr>
-              <a:t>DApp</a:t>
+              <a:t>Javascript</a:t>
+            </a:r>
+            <a:r>
+              <a:rPr lang="en-IN" sz="1100" dirty="0">
+                <a:solidFill>
+                  <a:schemeClr val="bg1">
+                    <a:lumMod val="85000"/>
+                  </a:schemeClr>
+                </a:solidFill>
+                <a:latin typeface="Calibri" panose="020F0502020204030204" pitchFamily="34" charset="0"/>
+                <a:ea typeface="Calibri" panose="020F0502020204030204" pitchFamily="34" charset="0"/>
+                <a:cs typeface="Mangal" panose="02040503050203030202" pitchFamily="18" charset="0"/>
+              </a:rPr>
+              <a:t> or </a:t>
             </a:r>
             <a:r>
               <a:rPr lang="en-IN" sz="1100" dirty="0">
@@ -16420,121 +16508,8 @@
                 <a:ea typeface="Calibri" panose="020F0502020204030204" pitchFamily="34" charset="0"/>
                 <a:cs typeface="Mangal" panose="02040503050203030202" pitchFamily="18" charset="0"/>
               </a:rPr>
-              <a:t> and wrote the technical whitepaper. Thi</a:t>
-            </a:r>
-            <a:r>
-              <a:rPr lang="en-IN" sz="1100" dirty="0">
-                <a:solidFill>
-                  <a:schemeClr val="bg1">
-                    <a:lumMod val="85000"/>
-                  </a:schemeClr>
-                </a:solidFill>
-                <a:latin typeface="Calibri" panose="020F0502020204030204" pitchFamily="34" charset="0"/>
-                <a:ea typeface="Calibri" panose="020F0502020204030204" pitchFamily="34" charset="0"/>
-                <a:cs typeface="Mangal" panose="02040503050203030202" pitchFamily="18" charset="0"/>
-              </a:rPr>
-              <a:t>s also featured a ‘free Rides’ trade AMM based marketplace with all-time liquidity using </a:t>
-            </a:r>
-            <a:r>
-              <a:rPr lang="en-IN" sz="1100" dirty="0" err="1">
-                <a:solidFill>
-                  <a:schemeClr val="bg1">
-                    <a:lumMod val="85000"/>
-                  </a:schemeClr>
-                </a:solidFill>
-                <a:latin typeface="Calibri" panose="020F0502020204030204" pitchFamily="34" charset="0"/>
-                <a:ea typeface="Calibri" panose="020F0502020204030204" pitchFamily="34" charset="0"/>
-                <a:cs typeface="Mangal" panose="02040503050203030202" pitchFamily="18" charset="0"/>
-              </a:rPr>
-              <a:t>DeFi’s</a:t>
-            </a:r>
-            <a:r>
-              <a:rPr lang="en-IN" sz="1100" dirty="0">
-                <a:solidFill>
-                  <a:schemeClr val="bg1">
-                    <a:lumMod val="85000"/>
-                  </a:schemeClr>
-                </a:solidFill>
-                <a:latin typeface="Calibri" panose="020F0502020204030204" pitchFamily="34" charset="0"/>
-                <a:ea typeface="Calibri" panose="020F0502020204030204" pitchFamily="34" charset="0"/>
-                <a:cs typeface="Mangal" panose="02040503050203030202" pitchFamily="18" charset="0"/>
-              </a:rPr>
-              <a:t> </a:t>
-            </a:r>
-            <a:r>
-              <a:rPr lang="en-IN" sz="1100" dirty="0" err="1">
-                <a:solidFill>
-                  <a:schemeClr val="bg1">
-                    <a:lumMod val="85000"/>
-                  </a:schemeClr>
-                </a:solidFill>
-                <a:latin typeface="Calibri" panose="020F0502020204030204" pitchFamily="34" charset="0"/>
-                <a:ea typeface="Calibri" panose="020F0502020204030204" pitchFamily="34" charset="0"/>
-                <a:cs typeface="Mangal" panose="02040503050203030202" pitchFamily="18" charset="0"/>
-              </a:rPr>
-              <a:t>Bancor</a:t>
-            </a:r>
-            <a:r>
-              <a:rPr lang="en-IN" sz="1100" dirty="0">
-                <a:solidFill>
-                  <a:schemeClr val="bg1">
-                    <a:lumMod val="85000"/>
-                  </a:schemeClr>
-                </a:solidFill>
-                <a:latin typeface="Calibri" panose="020F0502020204030204" pitchFamily="34" charset="0"/>
-                <a:ea typeface="Calibri" panose="020F0502020204030204" pitchFamily="34" charset="0"/>
-                <a:cs typeface="Mangal" panose="02040503050203030202" pitchFamily="18" charset="0"/>
-              </a:rPr>
-              <a:t> Algorithm.</a:t>
-            </a:r>
-            <a:endParaRPr lang="en-US" sz="1100" dirty="0">
-              <a:solidFill>
-                <a:schemeClr val="bg1">
-                  <a:lumMod val="85000"/>
-                </a:schemeClr>
-              </a:solidFill>
-              <a:effectLst/>
-              <a:latin typeface="Calibri" panose="020F0502020204030204" pitchFamily="34" charset="0"/>
-              <a:ea typeface="Calibri" panose="020F0502020204030204" pitchFamily="34" charset="0"/>
-              <a:cs typeface="Mangal" panose="02040503050203030202" pitchFamily="18" charset="0"/>
-            </a:endParaRPr>
-          </a:p>
-          <a:p>
-            <a:pPr marL="342900" indent="-342900" algn="just">
-              <a:lnSpc>
-                <a:spcPct val="115000"/>
-              </a:lnSpc>
-              <a:spcAft>
-                <a:spcPts val="600"/>
-              </a:spcAft>
-              <a:buFont typeface="Symbol" panose="05050102010706020507" pitchFamily="18" charset="2"/>
-              <a:buChar char=""/>
-            </a:pPr>
-            <a:r>
-              <a:rPr lang="en-IN" sz="1100" dirty="0">
-                <a:solidFill>
-                  <a:schemeClr val="bg1">
-                    <a:lumMod val="85000"/>
-                  </a:schemeClr>
-                </a:solidFill>
-                <a:effectLst/>
-                <a:latin typeface="Calibri" panose="020F0502020204030204" pitchFamily="34" charset="0"/>
-                <a:ea typeface="Calibri" panose="020F0502020204030204" pitchFamily="34" charset="0"/>
-                <a:cs typeface="Mangal" panose="02040503050203030202" pitchFamily="18" charset="0"/>
-              </a:rPr>
-              <a:t>Worked on smart contracts for a project “Providing a digital identity for parks to enable humans to interact with and take care of them”.</a:t>
-            </a:r>
-            <a:endParaRPr lang="en-US" sz="1100" dirty="0">
-              <a:solidFill>
-                <a:schemeClr val="bg1">
-                  <a:lumMod val="85000"/>
-                </a:schemeClr>
-              </a:solidFill>
-              <a:effectLst/>
-              <a:latin typeface="Calibri" panose="020F0502020204030204" pitchFamily="34" charset="0"/>
-              <a:ea typeface="Calibri" panose="020F0502020204030204" pitchFamily="34" charset="0"/>
-              <a:cs typeface="Mangal" panose="02040503050203030202" pitchFamily="18" charset="0"/>
-            </a:endParaRPr>
+              <a:t>Typescript. Also, familiarity with Slither to find contract vulnerabilities and monitor the gas consumption for each contract methods.</a:t>
+            </a:r>
           </a:p>
           <a:p>
             <a:pPr marL="342900" marR="0" lvl="0" indent="-342900" algn="just">
@@ -16562,8 +16537,46 @@
                 <a:ea typeface="Calibri" panose="020F0502020204030204" pitchFamily="34" charset="0"/>
                 <a:cs typeface="Mangal" panose="02040503050203030202" pitchFamily="18" charset="0"/>
               </a:rPr>
-              <a:t>Worked on smart contracts for ICO along with a report on estimated running cost of resources like on-chain RAM, CPU, NET for both Testnet &amp; Mainnet. </a:t>
-            </a:r>
+              <a:t>Full Stack development of a product App – ‘</a:t>
+            </a:r>
+            <a:r>
+              <a:rPr lang="en-IN" sz="1100" dirty="0" err="1">
+                <a:solidFill>
+                  <a:schemeClr val="bg1">
+                    <a:lumMod val="85000"/>
+                  </a:schemeClr>
+                </a:solidFill>
+                <a:effectLst/>
+                <a:latin typeface="Calibri" panose="020F0502020204030204" pitchFamily="34" charset="0"/>
+                <a:ea typeface="Calibri" panose="020F0502020204030204" pitchFamily="34" charset="0"/>
+                <a:cs typeface="Mangal" panose="02040503050203030202" pitchFamily="18" charset="0"/>
+              </a:rPr>
+              <a:t>BitInfoCoin</a:t>
+            </a:r>
+            <a:r>
+              <a:rPr lang="en-IN" sz="1100" dirty="0">
+                <a:solidFill>
+                  <a:schemeClr val="bg1">
+                    <a:lumMod val="85000"/>
+                  </a:schemeClr>
+                </a:solidFill>
+                <a:effectLst/>
+                <a:latin typeface="Calibri" panose="020F0502020204030204" pitchFamily="34" charset="0"/>
+                <a:ea typeface="Calibri" panose="020F0502020204030204" pitchFamily="34" charset="0"/>
+                <a:cs typeface="Mangal" panose="02040503050203030202" pitchFamily="18" charset="0"/>
+              </a:rPr>
+              <a:t>’ in Crypto users.</a:t>
+            </a:r>
+            <a:endParaRPr lang="en-US" sz="1100" dirty="0">
+              <a:solidFill>
+                <a:schemeClr val="bg1">
+                  <a:lumMod val="85000"/>
+                </a:schemeClr>
+              </a:solidFill>
+              <a:latin typeface="Calibri" panose="020F0502020204030204" pitchFamily="34" charset="0"/>
+              <a:ea typeface="Calibri" panose="020F0502020204030204" pitchFamily="34" charset="0"/>
+              <a:cs typeface="Mangal" panose="02040503050203030202" pitchFamily="18" charset="0"/>
+            </a:endParaRPr>
           </a:p>
           <a:p>
             <a:pPr marL="342900" marR="0" lvl="0" indent="-342900" algn="just">
@@ -16591,23 +16604,10 @@
                 <a:ea typeface="Calibri" panose="020F0502020204030204" pitchFamily="34" charset="0"/>
                 <a:cs typeface="Mangal" panose="02040503050203030202" pitchFamily="18" charset="0"/>
               </a:rPr>
-              <a:t>Built architecture &amp; wrote smart contracts – ICO, Stake, Token for a project on “Automatic payment disbursal to </a:t>
-            </a:r>
-            <a:r>
-              <a:rPr lang="en-IN" sz="1100" dirty="0">
-                <a:solidFill>
-                  <a:schemeClr val="bg1">
-                    <a:lumMod val="85000"/>
-                  </a:schemeClr>
-                </a:solidFill>
-                <a:latin typeface="Calibri" panose="020F0502020204030204" pitchFamily="34" charset="0"/>
-                <a:ea typeface="Calibri" panose="020F0502020204030204" pitchFamily="34" charset="0"/>
-                <a:cs typeface="Mangal" panose="02040503050203030202" pitchFamily="18" charset="0"/>
-              </a:rPr>
-              <a:t>Patient/Doctor </a:t>
-            </a:r>
-            <a:r>
-              <a:rPr lang="en-IN" sz="1100" dirty="0">
+              <a:t>Designed &amp; Developed the Smart Contract System Design with suite of smart contracts for a Ride Sharing </a:t>
+            </a:r>
+            <a:r>
+              <a:rPr lang="en-IN" sz="1100" dirty="0" err="1">
                 <a:solidFill>
                   <a:schemeClr val="bg1">
                     <a:lumMod val="85000"/>
@@ -16618,8 +16618,98 @@
                 <a:ea typeface="Calibri" panose="020F0502020204030204" pitchFamily="34" charset="0"/>
                 <a:cs typeface="Mangal" panose="02040503050203030202" pitchFamily="18" charset="0"/>
               </a:rPr>
-              <a:t>for Rehabilitation Programme(s)”.</a:t>
-            </a:r>
+              <a:t>DApp</a:t>
+            </a:r>
+            <a:r>
+              <a:rPr lang="en-IN" sz="1100" dirty="0">
+                <a:solidFill>
+                  <a:schemeClr val="bg1">
+                    <a:lumMod val="85000"/>
+                  </a:schemeClr>
+                </a:solidFill>
+                <a:effectLst/>
+                <a:latin typeface="Calibri" panose="020F0502020204030204" pitchFamily="34" charset="0"/>
+                <a:ea typeface="Calibri" panose="020F0502020204030204" pitchFamily="34" charset="0"/>
+                <a:cs typeface="Mangal" panose="02040503050203030202" pitchFamily="18" charset="0"/>
+              </a:rPr>
+              <a:t> and wrote the technical whitepaper. Thi</a:t>
+            </a:r>
+            <a:r>
+              <a:rPr lang="en-IN" sz="1100" dirty="0">
+                <a:solidFill>
+                  <a:schemeClr val="bg1">
+                    <a:lumMod val="85000"/>
+                  </a:schemeClr>
+                </a:solidFill>
+                <a:latin typeface="Calibri" panose="020F0502020204030204" pitchFamily="34" charset="0"/>
+                <a:ea typeface="Calibri" panose="020F0502020204030204" pitchFamily="34" charset="0"/>
+                <a:cs typeface="Mangal" panose="02040503050203030202" pitchFamily="18" charset="0"/>
+              </a:rPr>
+              <a:t>s also featured a ‘free Rides’ trade AMM based marketplace with all-time liquidity using </a:t>
+            </a:r>
+            <a:r>
+              <a:rPr lang="en-IN" sz="1100" dirty="0" err="1">
+                <a:solidFill>
+                  <a:schemeClr val="bg1">
+                    <a:lumMod val="85000"/>
+                  </a:schemeClr>
+                </a:solidFill>
+                <a:latin typeface="Calibri" panose="020F0502020204030204" pitchFamily="34" charset="0"/>
+                <a:ea typeface="Calibri" panose="020F0502020204030204" pitchFamily="34" charset="0"/>
+                <a:cs typeface="Mangal" panose="02040503050203030202" pitchFamily="18" charset="0"/>
+              </a:rPr>
+              <a:t>DeFi’s</a:t>
+            </a:r>
+            <a:r>
+              <a:rPr lang="en-IN" sz="1100" dirty="0">
+                <a:solidFill>
+                  <a:schemeClr val="bg1">
+                    <a:lumMod val="85000"/>
+                  </a:schemeClr>
+                </a:solidFill>
+                <a:latin typeface="Calibri" panose="020F0502020204030204" pitchFamily="34" charset="0"/>
+                <a:ea typeface="Calibri" panose="020F0502020204030204" pitchFamily="34" charset="0"/>
+                <a:cs typeface="Mangal" panose="02040503050203030202" pitchFamily="18" charset="0"/>
+              </a:rPr>
+              <a:t> </a:t>
+            </a:r>
+            <a:r>
+              <a:rPr lang="en-IN" sz="1100" dirty="0" err="1">
+                <a:solidFill>
+                  <a:schemeClr val="bg1">
+                    <a:lumMod val="85000"/>
+                  </a:schemeClr>
+                </a:solidFill>
+                <a:latin typeface="Calibri" panose="020F0502020204030204" pitchFamily="34" charset="0"/>
+                <a:ea typeface="Calibri" panose="020F0502020204030204" pitchFamily="34" charset="0"/>
+                <a:cs typeface="Mangal" panose="02040503050203030202" pitchFamily="18" charset="0"/>
+              </a:rPr>
+              <a:t>Bancor</a:t>
+            </a:r>
+            <a:r>
+              <a:rPr lang="en-IN" sz="1100" dirty="0">
+                <a:solidFill>
+                  <a:schemeClr val="bg1">
+                    <a:lumMod val="85000"/>
+                  </a:schemeClr>
+                </a:solidFill>
+                <a:latin typeface="Calibri" panose="020F0502020204030204" pitchFamily="34" charset="0"/>
+                <a:ea typeface="Calibri" panose="020F0502020204030204" pitchFamily="34" charset="0"/>
+                <a:cs typeface="Mangal" panose="02040503050203030202" pitchFamily="18" charset="0"/>
+              </a:rPr>
+              <a:t> Algorithm.</a:t>
+            </a:r>
+            <a:endParaRPr lang="en-US" sz="1100" dirty="0">
+              <a:solidFill>
+                <a:schemeClr val="bg1">
+                  <a:lumMod val="85000"/>
+                </a:schemeClr>
+              </a:solidFill>
+              <a:effectLst/>
+              <a:latin typeface="Calibri" panose="020F0502020204030204" pitchFamily="34" charset="0"/>
+              <a:ea typeface="Calibri" panose="020F0502020204030204" pitchFamily="34" charset="0"/>
+              <a:cs typeface="Mangal" panose="02040503050203030202" pitchFamily="18" charset="0"/>
+            </a:endParaRPr>
           </a:p>
           <a:p>
             <a:pPr marL="342900" indent="-342900" algn="just">
@@ -16644,8 +16734,19 @@
                 <a:ea typeface="Calibri" panose="020F0502020204030204" pitchFamily="34" charset="0"/>
                 <a:cs typeface="Mangal" panose="02040503050203030202" pitchFamily="18" charset="0"/>
               </a:rPr>
-              <a:t>Built Smart Contracts – Escrow, Game along with the architecture for a Betting Game – ‘GPK.Battles’ on WAX (EOSIO) Blockchain.</a:t>
-            </a:r>
+              <a:t>Worked on smart contracts for a project “Providing a digital identity for parks to enable humans to interact with and take care of them”.</a:t>
+            </a:r>
+            <a:endParaRPr lang="en-US" sz="1100" dirty="0">
+              <a:solidFill>
+                <a:schemeClr val="bg1">
+                  <a:lumMod val="85000"/>
+                </a:schemeClr>
+              </a:solidFill>
+              <a:effectLst/>
+              <a:latin typeface="Calibri" panose="020F0502020204030204" pitchFamily="34" charset="0"/>
+              <a:ea typeface="Calibri" panose="020F0502020204030204" pitchFamily="34" charset="0"/>
+              <a:cs typeface="Mangal" panose="02040503050203030202" pitchFamily="18" charset="0"/>
+            </a:endParaRPr>
           </a:p>
           <a:p>
             <a:pPr marL="342900" marR="0" lvl="0" indent="-342900" algn="just">
@@ -16673,34 +16774,7 @@
                 <a:ea typeface="Calibri" panose="020F0502020204030204" pitchFamily="34" charset="0"/>
                 <a:cs typeface="Mangal" panose="02040503050203030202" pitchFamily="18" charset="0"/>
               </a:rPr>
-              <a:t>Created a Tipping Bot with smart contracts integrated within using which any person can deposit/withdraw/send/receive </a:t>
-            </a:r>
-            <a:r>
-              <a:rPr lang="en-IN" sz="1100" dirty="0">
-                <a:solidFill>
-                  <a:schemeClr val="bg1">
-                    <a:lumMod val="85000"/>
-                  </a:schemeClr>
-                </a:solidFill>
-                <a:latin typeface="Calibri" panose="020F0502020204030204" pitchFamily="34" charset="0"/>
-                <a:ea typeface="Calibri" panose="020F0502020204030204" pitchFamily="34" charset="0"/>
-                <a:cs typeface="Mangal" panose="02040503050203030202" pitchFamily="18" charset="0"/>
-              </a:rPr>
-              <a:t>multiple </a:t>
-            </a:r>
-            <a:r>
-              <a:rPr lang="en-IN" sz="1100" dirty="0">
-                <a:solidFill>
-                  <a:schemeClr val="bg1">
-                    <a:lumMod val="85000"/>
-                  </a:schemeClr>
-                </a:solidFill>
-                <a:effectLst/>
-                <a:latin typeface="Calibri" panose="020F0502020204030204" pitchFamily="34" charset="0"/>
-                <a:ea typeface="Calibri" panose="020F0502020204030204" pitchFamily="34" charset="0"/>
-                <a:cs typeface="Mangal" panose="02040503050203030202" pitchFamily="18" charset="0"/>
-              </a:rPr>
-              <a:t>crypto token worldwide with just Telegram user ID.</a:t>
+              <a:t>Worked on smart contracts for ICO along with a report on estimated running cost of resources like on-chain RAM, CPU, NET for both Testnet &amp; Mainnet. </a:t>
             </a:r>
           </a:p>
           <a:p>
@@ -16724,23 +16798,66 @@
                     <a:lumMod val="85000"/>
                   </a:schemeClr>
                 </a:solidFill>
+                <a:effectLst/>
                 <a:latin typeface="Calibri" panose="020F0502020204030204" pitchFamily="34" charset="0"/>
                 <a:ea typeface="Calibri" panose="020F0502020204030204" pitchFamily="34" charset="0"/>
                 <a:cs typeface="Mangal" panose="02040503050203030202" pitchFamily="18" charset="0"/>
               </a:rPr>
-              <a:t>Developed a KYC Bot with Blockchain and Cloud integration for personal data like name, address selfie (stored in bytes) and validation of hashed sensitive data.</a:t>
-            </a:r>
-            <a:endParaRPr lang="en-IN" sz="1100" dirty="0">
-              <a:solidFill>
-                <a:schemeClr val="bg1">
-                  <a:lumMod val="85000"/>
-                </a:schemeClr>
-              </a:solidFill>
-              <a:effectLst/>
-              <a:latin typeface="Calibri" panose="020F0502020204030204" pitchFamily="34" charset="0"/>
-              <a:ea typeface="Calibri" panose="020F0502020204030204" pitchFamily="34" charset="0"/>
-              <a:cs typeface="Mangal" panose="02040503050203030202" pitchFamily="18" charset="0"/>
-            </a:endParaRPr>
+              <a:t>Built architecture &amp; wrote smart contracts – ICO, Stake, Token for a project on “Automatic payment disbursal to </a:t>
+            </a:r>
+            <a:r>
+              <a:rPr lang="en-IN" sz="1100" dirty="0">
+                <a:solidFill>
+                  <a:schemeClr val="bg1">
+                    <a:lumMod val="85000"/>
+                  </a:schemeClr>
+                </a:solidFill>
+                <a:latin typeface="Calibri" panose="020F0502020204030204" pitchFamily="34" charset="0"/>
+                <a:ea typeface="Calibri" panose="020F0502020204030204" pitchFamily="34" charset="0"/>
+                <a:cs typeface="Mangal" panose="02040503050203030202" pitchFamily="18" charset="0"/>
+              </a:rPr>
+              <a:t>Patient/Doctor </a:t>
+            </a:r>
+            <a:r>
+              <a:rPr lang="en-IN" sz="1100" dirty="0">
+                <a:solidFill>
+                  <a:schemeClr val="bg1">
+                    <a:lumMod val="85000"/>
+                  </a:schemeClr>
+                </a:solidFill>
+                <a:effectLst/>
+                <a:latin typeface="Calibri" panose="020F0502020204030204" pitchFamily="34" charset="0"/>
+                <a:ea typeface="Calibri" panose="020F0502020204030204" pitchFamily="34" charset="0"/>
+                <a:cs typeface="Mangal" panose="02040503050203030202" pitchFamily="18" charset="0"/>
+              </a:rPr>
+              <a:t>for Rehabilitation Programme(s)”.</a:t>
+            </a:r>
+          </a:p>
+          <a:p>
+            <a:pPr marL="342900" indent="-342900" algn="just">
+              <a:lnSpc>
+                <a:spcPct val="115000"/>
+              </a:lnSpc>
+              <a:spcAft>
+                <a:spcPts val="600"/>
+              </a:spcAft>
+              <a:buFont typeface="Symbol" panose="05050102010706020507" pitchFamily="18" charset="2"/>
+              <a:buChar char=""/>
+            </a:pPr>
+            <a:r>
+              <a:rPr lang="en-IN" sz="1100" dirty="0">
+                <a:solidFill>
+                  <a:schemeClr val="bg1">
+                    <a:lumMod val="85000"/>
+                  </a:schemeClr>
+                </a:solidFill>
+                <a:effectLst/>
+                <a:latin typeface="Calibri" panose="020F0502020204030204" pitchFamily="34" charset="0"/>
+                <a:ea typeface="Calibri" panose="020F0502020204030204" pitchFamily="34" charset="0"/>
+                <a:cs typeface="Mangal" panose="02040503050203030202" pitchFamily="18" charset="0"/>
+              </a:rPr>
+              <a:t>Built Smart Contracts – Escrow, Game along with the architecture for a Betting Game – ‘GPK.Battles’ on WAX (EOSIO) Blockchain.</a:t>
+            </a:r>
           </a:p>
           <a:p>
             <a:pPr marL="342900" marR="0" lvl="0" indent="-342900" algn="just">
@@ -16763,6 +16880,101 @@
                     <a:lumMod val="85000"/>
                   </a:schemeClr>
                 </a:solidFill>
+                <a:effectLst/>
+                <a:latin typeface="Calibri" panose="020F0502020204030204" pitchFamily="34" charset="0"/>
+                <a:ea typeface="Calibri" panose="020F0502020204030204" pitchFamily="34" charset="0"/>
+                <a:cs typeface="Mangal" panose="02040503050203030202" pitchFamily="18" charset="0"/>
+              </a:rPr>
+              <a:t>Created a Tipping Bot with smart contracts integrated within using which any person can deposit/withdraw/send/receive </a:t>
+            </a:r>
+            <a:r>
+              <a:rPr lang="en-IN" sz="1100" dirty="0">
+                <a:solidFill>
+                  <a:schemeClr val="bg1">
+                    <a:lumMod val="85000"/>
+                  </a:schemeClr>
+                </a:solidFill>
+                <a:latin typeface="Calibri" panose="020F0502020204030204" pitchFamily="34" charset="0"/>
+                <a:ea typeface="Calibri" panose="020F0502020204030204" pitchFamily="34" charset="0"/>
+                <a:cs typeface="Mangal" panose="02040503050203030202" pitchFamily="18" charset="0"/>
+              </a:rPr>
+              <a:t>multiple </a:t>
+            </a:r>
+            <a:r>
+              <a:rPr lang="en-IN" sz="1100" dirty="0">
+                <a:solidFill>
+                  <a:schemeClr val="bg1">
+                    <a:lumMod val="85000"/>
+                  </a:schemeClr>
+                </a:solidFill>
+                <a:effectLst/>
+                <a:latin typeface="Calibri" panose="020F0502020204030204" pitchFamily="34" charset="0"/>
+                <a:ea typeface="Calibri" panose="020F0502020204030204" pitchFamily="34" charset="0"/>
+                <a:cs typeface="Mangal" panose="02040503050203030202" pitchFamily="18" charset="0"/>
+              </a:rPr>
+              <a:t>crypto token worldwide with just Telegram user ID.</a:t>
+            </a:r>
+          </a:p>
+          <a:p>
+            <a:pPr marL="342900" marR="0" lvl="0" indent="-342900" algn="just">
+              <a:lnSpc>
+                <a:spcPct val="115000"/>
+              </a:lnSpc>
+              <a:spcBef>
+                <a:spcPts val="0"/>
+              </a:spcBef>
+              <a:spcAft>
+                <a:spcPts val="600"/>
+              </a:spcAft>
+              <a:buFont typeface="Symbol" panose="05050102010706020507" pitchFamily="18" charset="2"/>
+              <a:buChar char=""/>
+            </a:pPr>
+            <a:r>
+              <a:rPr lang="en-IN" sz="1100" dirty="0">
+                <a:solidFill>
+                  <a:schemeClr val="bg1">
+                    <a:lumMod val="85000"/>
+                  </a:schemeClr>
+                </a:solidFill>
+                <a:latin typeface="Calibri" panose="020F0502020204030204" pitchFamily="34" charset="0"/>
+                <a:ea typeface="Calibri" panose="020F0502020204030204" pitchFamily="34" charset="0"/>
+                <a:cs typeface="Mangal" panose="02040503050203030202" pitchFamily="18" charset="0"/>
+              </a:rPr>
+              <a:t>Developed a KYC Bot with Blockchain and Cloud integration for personal data like name, address selfie (stored in bytes) and validation of hashed sensitive data.</a:t>
+            </a:r>
+            <a:endParaRPr lang="en-IN" sz="1100" dirty="0">
+              <a:solidFill>
+                <a:schemeClr val="bg1">
+                  <a:lumMod val="85000"/>
+                </a:schemeClr>
+              </a:solidFill>
+              <a:effectLst/>
+              <a:latin typeface="Calibri" panose="020F0502020204030204" pitchFamily="34" charset="0"/>
+              <a:ea typeface="Calibri" panose="020F0502020204030204" pitchFamily="34" charset="0"/>
+              <a:cs typeface="Mangal" panose="02040503050203030202" pitchFamily="18" charset="0"/>
+            </a:endParaRPr>
+          </a:p>
+          <a:p>
+            <a:pPr marL="342900" marR="0" lvl="0" indent="-342900" algn="just">
+              <a:lnSpc>
+                <a:spcPct val="115000"/>
+              </a:lnSpc>
+              <a:spcBef>
+                <a:spcPts val="0"/>
+              </a:spcBef>
+              <a:spcAft>
+                <a:spcPts val="600"/>
+              </a:spcAft>
+              <a:buFont typeface="Symbol" panose="05050102010706020507" pitchFamily="18" charset="2"/>
+              <a:buChar char=""/>
+            </a:pPr>
+            <a:r>
+              <a:rPr lang="en-IN" sz="1100" dirty="0">
+                <a:solidFill>
+                  <a:schemeClr val="bg1">
+                    <a:lumMod val="85000"/>
+                  </a:schemeClr>
+                </a:solidFill>
                 <a:latin typeface="Calibri" panose="020F0502020204030204" pitchFamily="34" charset="0"/>
                 <a:ea typeface="Calibri" panose="020F0502020204030204" pitchFamily="34" charset="0"/>
                 <a:cs typeface="Mangal" panose="02040503050203030202" pitchFamily="18" charset="0"/>
@@ -16885,155 +17097,6 @@
               <a:t>which gives Analytical visual charts for maximizing yield in fiat money using different cryptocurrencies in multiple liquidity pools.</a:t>
             </a:r>
           </a:p>
-          <a:p>
-            <a:pPr marL="342900" indent="-342900" algn="just">
-              <a:lnSpc>
-                <a:spcPct val="115000"/>
-              </a:lnSpc>
-              <a:spcAft>
-                <a:spcPts val="600"/>
-              </a:spcAft>
-              <a:buFont typeface="Symbol" panose="05050102010706020507" pitchFamily="18" charset="2"/>
-              <a:buChar char=""/>
-            </a:pPr>
-            <a:r>
-              <a:rPr lang="en-IN" sz="1100" dirty="0">
-                <a:solidFill>
-                  <a:schemeClr val="bg1">
-                    <a:lumMod val="85000"/>
-                  </a:schemeClr>
-                </a:solidFill>
-                <a:effectLst/>
-                <a:latin typeface="Calibri" panose="020F0502020204030204" pitchFamily="34" charset="0"/>
-                <a:ea typeface="Calibri" panose="020F0502020204030204" pitchFamily="34" charset="0"/>
-                <a:cs typeface="Mangal" panose="02040503050203030202" pitchFamily="18" charset="0"/>
-              </a:rPr>
-              <a:t>Contributed in creating a guide – “</a:t>
-            </a:r>
-            <a:r>
-              <a:rPr lang="en-IN" sz="1100" dirty="0">
-                <a:solidFill>
-                  <a:schemeClr val="bg1">
-                    <a:lumMod val="75000"/>
-                  </a:schemeClr>
-                </a:solidFill>
-                <a:latin typeface="Calibri" panose="020F0502020204030204" pitchFamily="34" charset="0"/>
-                <a:ea typeface="Calibri" panose="020F0502020204030204" pitchFamily="34" charset="0"/>
-                <a:cs typeface="Mangal" panose="02040503050203030202" pitchFamily="18" charset="0"/>
-                <a:hlinkClick r:id="rId2">
-                  <a:extLst>
-                    <a:ext uri="{A12FA001-AC4F-418D-AE19-62706E023703}">
-                      <ahyp:hlinkClr xmlns:ahyp="http://schemas.microsoft.com/office/drawing/2018/hyperlinkcolor" val="tx"/>
-                    </a:ext>
-                  </a:extLst>
-                </a:hlinkClick>
-              </a:rPr>
-              <a:t>Setting up Telos Validator Nodes</a:t>
-            </a:r>
-            <a:r>
-              <a:rPr lang="en-IN" sz="1100" dirty="0">
-                <a:solidFill>
-                  <a:schemeClr val="bg1">
-                    <a:lumMod val="85000"/>
-                  </a:schemeClr>
-                </a:solidFill>
-                <a:effectLst/>
-                <a:latin typeface="Calibri" panose="020F0502020204030204" pitchFamily="34" charset="0"/>
-                <a:ea typeface="Calibri" panose="020F0502020204030204" pitchFamily="34" charset="0"/>
-                <a:cs typeface="Mangal" panose="02040503050203030202" pitchFamily="18" charset="0"/>
-              </a:rPr>
-              <a:t>”</a:t>
-            </a:r>
-            <a:r>
-              <a:rPr lang="en-US" sz="1100" dirty="0">
-                <a:solidFill>
-                  <a:schemeClr val="bg1">
-                    <a:lumMod val="85000"/>
-                  </a:schemeClr>
-                </a:solidFill>
-                <a:latin typeface="Calibri" panose="020F0502020204030204" pitchFamily="34" charset="0"/>
-                <a:ea typeface="Calibri" panose="020F0502020204030204" pitchFamily="34" charset="0"/>
-                <a:cs typeface="Mangal" panose="02040503050203030202" pitchFamily="18" charset="0"/>
-              </a:rPr>
-              <a:t> </a:t>
-            </a:r>
-            <a:r>
-              <a:rPr lang="en-IN" sz="1100" dirty="0">
-                <a:solidFill>
-                  <a:schemeClr val="bg1">
-                    <a:lumMod val="85000"/>
-                  </a:schemeClr>
-                </a:solidFill>
-                <a:effectLst/>
-                <a:latin typeface="Calibri" panose="020F0502020204030204" pitchFamily="34" charset="0"/>
-                <a:ea typeface="Calibri" panose="020F0502020204030204" pitchFamily="34" charset="0"/>
-                <a:cs typeface="Mangal" panose="02040503050203030202" pitchFamily="18" charset="0"/>
-              </a:rPr>
-              <a:t>for Validators for the Telos  (EOSIO) Blockchain.</a:t>
-            </a:r>
-          </a:p>
-          <a:p>
-            <a:pPr marL="342900" indent="-342900" algn="just">
-              <a:lnSpc>
-                <a:spcPct val="115000"/>
-              </a:lnSpc>
-              <a:spcAft>
-                <a:spcPts val="600"/>
-              </a:spcAft>
-              <a:buFont typeface="Symbol" panose="05050102010706020507" pitchFamily="18" charset="2"/>
-              <a:buChar char=""/>
-            </a:pPr>
-            <a:r>
-              <a:rPr lang="en-IN" sz="1100" dirty="0">
-                <a:solidFill>
-                  <a:schemeClr val="bg1">
-                    <a:lumMod val="85000"/>
-                  </a:schemeClr>
-                </a:solidFill>
-                <a:latin typeface="Calibri" panose="020F0502020204030204" pitchFamily="34" charset="0"/>
-                <a:ea typeface="Calibri" panose="020F0502020204030204" pitchFamily="34" charset="0"/>
-                <a:cs typeface="Mangal" panose="02040503050203030202" pitchFamily="18" charset="0"/>
-              </a:rPr>
-              <a:t>Designed the architecture for an incentivized travel platform with activity-dependent AI community Bot on </a:t>
-            </a:r>
-            <a:r>
-              <a:rPr lang="en-IN" sz="1100" dirty="0" err="1">
-                <a:solidFill>
-                  <a:schemeClr val="bg1">
-                    <a:lumMod val="85000"/>
-                  </a:schemeClr>
-                </a:solidFill>
-                <a:latin typeface="Calibri" panose="020F0502020204030204" pitchFamily="34" charset="0"/>
-                <a:ea typeface="Calibri" panose="020F0502020204030204" pitchFamily="34" charset="0"/>
-                <a:cs typeface="Mangal" panose="02040503050203030202" pitchFamily="18" charset="0"/>
-              </a:rPr>
-              <a:t>Steem</a:t>
-            </a:r>
-            <a:r>
-              <a:rPr lang="en-IN" sz="1100" dirty="0">
-                <a:solidFill>
-                  <a:schemeClr val="bg1">
-                    <a:lumMod val="85000"/>
-                  </a:schemeClr>
-                </a:solidFill>
-                <a:latin typeface="Calibri" panose="020F0502020204030204" pitchFamily="34" charset="0"/>
-                <a:ea typeface="Calibri" panose="020F0502020204030204" pitchFamily="34" charset="0"/>
-                <a:cs typeface="Mangal" panose="02040503050203030202" pitchFamily="18" charset="0"/>
-              </a:rPr>
-              <a:t>/Hive Blockchain.</a:t>
-            </a:r>
-            <a:endParaRPr lang="en-US" sz="1100" dirty="0">
-              <a:solidFill>
-                <a:schemeClr val="bg1">
-                  <a:lumMod val="85000"/>
-                </a:schemeClr>
-              </a:solidFill>
-              <a:effectLst/>
-              <a:latin typeface="Calibri" panose="020F0502020204030204" pitchFamily="34" charset="0"/>
-              <a:ea typeface="Calibri" panose="020F0502020204030204" pitchFamily="34" charset="0"/>
-              <a:cs typeface="Mangal" panose="02040503050203030202" pitchFamily="18" charset="0"/>
-            </a:endParaRPr>
-          </a:p>
         </p:txBody>
       </p:sp>
       <p:pic>
@@ -17051,7 +17114,7 @@
           <p:nvPr/>
         </p:nvPicPr>
         <p:blipFill>
-          <a:blip r:embed="rId3" cstate="print">
+          <a:blip r:embed="rId2" cstate="print">
             <a:duotone>
               <a:schemeClr val="bg2">
                 <a:shade val="45000"/>
@@ -17135,7 +17198,7 @@
         </p:nvSpPr>
         <p:spPr>
           <a:xfrm>
-            <a:off x="375920" y="560129"/>
+            <a:off x="375920" y="1703990"/>
             <a:ext cx="1340002" cy="338554"/>
           </a:xfrm>
           <a:prstGeom prst="rect">
@@ -17176,8 +17239,8 @@
         </p:nvSpPr>
         <p:spPr>
           <a:xfrm>
-            <a:off x="365760" y="987773"/>
-            <a:ext cx="6126480" cy="3712555"/>
+            <a:off x="365760" y="2413574"/>
+            <a:ext cx="6126480" cy="3454857"/>
           </a:xfrm>
           <a:prstGeom prst="rect">
             <a:avLst/>
@@ -17558,15 +17621,6 @@
               <a:cs typeface="Mangal" panose="02040503050203030202" pitchFamily="18" charset="0"/>
             </a:endParaRPr>
           </a:p>
-          <a:p>
-            <a:endParaRPr lang="en-US" sz="1100" dirty="0">
-              <a:solidFill>
-                <a:schemeClr val="bg1">
-                  <a:lumMod val="85000"/>
-                </a:schemeClr>
-              </a:solidFill>
-            </a:endParaRPr>
-          </a:p>
         </p:txBody>
       </p:sp>
       <p:sp>
@@ -17583,7 +17637,7 @@
         </p:nvSpPr>
         <p:spPr>
           <a:xfrm>
-            <a:off x="434340" y="5794526"/>
+            <a:off x="434340" y="6818813"/>
             <a:ext cx="5989320" cy="1986826"/>
           </a:xfrm>
           <a:prstGeom prst="rect">
@@ -17729,7 +17783,7 @@
         </p:nvSpPr>
         <p:spPr>
           <a:xfrm>
-            <a:off x="527446" y="5315771"/>
+            <a:off x="527446" y="6294338"/>
             <a:ext cx="687897" cy="338554"/>
           </a:xfrm>
           <a:prstGeom prst="rect">
@@ -17750,6 +17804,206 @@
               <a:rPr lang="en-US" sz="1600" dirty="0"/>
               <a:t>Bot</a:t>
             </a:r>
+          </a:p>
+        </p:txBody>
+      </p:sp>
+      <p:sp>
+        <p:nvSpPr>
+          <p:cNvPr id="8" name="TextBox 7">
+            <a:extLst>
+              <a:ext uri="{FF2B5EF4-FFF2-40B4-BE49-F238E27FC236}">
+                <a16:creationId xmlns:a16="http://schemas.microsoft.com/office/drawing/2014/main" id="{52789B5A-E2C6-644B-8B22-47D1827EF64B}"/>
+              </a:ext>
+            </a:extLst>
+          </p:cNvPr>
+          <p:cNvSpPr txBox="1"/>
+          <p:nvPr/>
+        </p:nvSpPr>
+        <p:spPr>
+          <a:xfrm>
+            <a:off x="375920" y="274960"/>
+            <a:ext cx="6258560" cy="1208088"/>
+          </a:xfrm>
+          <a:prstGeom prst="rect">
+            <a:avLst/>
+          </a:prstGeom>
+          <a:noFill/>
+        </p:spPr>
+        <p:txBody>
+          <a:bodyPr wrap="square" rtlCol="0">
+            <a:spAutoFit/>
+          </a:bodyPr>
+          <a:lstStyle/>
+          <a:p>
+            <a:pPr marL="342900" indent="-342900" algn="just">
+              <a:lnSpc>
+                <a:spcPct val="115000"/>
+              </a:lnSpc>
+              <a:spcAft>
+                <a:spcPts val="600"/>
+              </a:spcAft>
+              <a:buFont typeface="Symbol" panose="05050102010706020507" pitchFamily="18" charset="2"/>
+              <a:buChar char=""/>
+            </a:pPr>
+            <a:r>
+              <a:rPr lang="en-IN" sz="1100" dirty="0">
+                <a:solidFill>
+                  <a:schemeClr val="bg1">
+                    <a:lumMod val="85000"/>
+                  </a:schemeClr>
+                </a:solidFill>
+                <a:latin typeface="Calibri" panose="020F0502020204030204" pitchFamily="34" charset="0"/>
+                <a:ea typeface="Calibri" panose="020F0502020204030204" pitchFamily="34" charset="0"/>
+                <a:cs typeface="Mangal" panose="02040503050203030202" pitchFamily="18" charset="0"/>
+              </a:rPr>
+              <a:t>Contributed in creating a guide – “</a:t>
+            </a:r>
+            <a:r>
+              <a:rPr lang="en-IN" sz="1100" dirty="0">
+                <a:solidFill>
+                  <a:schemeClr val="bg1">
+                    <a:lumMod val="75000"/>
+                  </a:schemeClr>
+                </a:solidFill>
+                <a:latin typeface="Calibri" panose="020F0502020204030204" pitchFamily="34" charset="0"/>
+                <a:ea typeface="Calibri" panose="020F0502020204030204" pitchFamily="34" charset="0"/>
+                <a:cs typeface="Mangal" panose="02040503050203030202" pitchFamily="18" charset="0"/>
+                <a:hlinkClick r:id="rId2">
+                  <a:extLst>
+                    <a:ext uri="{A12FA001-AC4F-418D-AE19-62706E023703}">
+                      <ahyp:hlinkClr xmlns:ahyp="http://schemas.microsoft.com/office/drawing/2018/hyperlinkcolor" val="tx"/>
+                    </a:ext>
+                  </a:extLst>
+                </a:hlinkClick>
+              </a:rPr>
+              <a:t>Setting up Telos Validator Nodes</a:t>
+            </a:r>
+            <a:r>
+              <a:rPr lang="en-IN" sz="1100" dirty="0">
+                <a:solidFill>
+                  <a:schemeClr val="bg1">
+                    <a:lumMod val="85000"/>
+                  </a:schemeClr>
+                </a:solidFill>
+                <a:latin typeface="Calibri" panose="020F0502020204030204" pitchFamily="34" charset="0"/>
+                <a:ea typeface="Calibri" panose="020F0502020204030204" pitchFamily="34" charset="0"/>
+                <a:cs typeface="Mangal" panose="02040503050203030202" pitchFamily="18" charset="0"/>
+              </a:rPr>
+              <a:t>”</a:t>
+            </a:r>
+            <a:r>
+              <a:rPr lang="en-US" sz="1100" dirty="0">
+                <a:solidFill>
+                  <a:schemeClr val="bg1">
+                    <a:lumMod val="85000"/>
+                  </a:schemeClr>
+                </a:solidFill>
+                <a:latin typeface="Calibri" panose="020F0502020204030204" pitchFamily="34" charset="0"/>
+                <a:ea typeface="Calibri" panose="020F0502020204030204" pitchFamily="34" charset="0"/>
+                <a:cs typeface="Mangal" panose="02040503050203030202" pitchFamily="18" charset="0"/>
+              </a:rPr>
+              <a:t> </a:t>
+            </a:r>
+            <a:r>
+              <a:rPr lang="en-IN" sz="1100" dirty="0">
+                <a:solidFill>
+                  <a:schemeClr val="bg1">
+                    <a:lumMod val="85000"/>
+                  </a:schemeClr>
+                </a:solidFill>
+                <a:latin typeface="Calibri" panose="020F0502020204030204" pitchFamily="34" charset="0"/>
+                <a:ea typeface="Calibri" panose="020F0502020204030204" pitchFamily="34" charset="0"/>
+                <a:cs typeface="Mangal" panose="02040503050203030202" pitchFamily="18" charset="0"/>
+              </a:rPr>
+              <a:t>for Validators for the Telos  (EOSIO) Blockchain.</a:t>
+            </a:r>
+          </a:p>
+          <a:p>
+            <a:pPr marL="342900" indent="-342900" algn="just">
+              <a:lnSpc>
+                <a:spcPct val="115000"/>
+              </a:lnSpc>
+              <a:spcAft>
+                <a:spcPts val="600"/>
+              </a:spcAft>
+              <a:buFont typeface="Symbol" panose="05050102010706020507" pitchFamily="18" charset="2"/>
+              <a:buChar char=""/>
+            </a:pPr>
+            <a:r>
+              <a:rPr lang="en-IN" sz="1100" dirty="0">
+                <a:solidFill>
+                  <a:schemeClr val="bg1">
+                    <a:lumMod val="85000"/>
+                  </a:schemeClr>
+                </a:solidFill>
+                <a:latin typeface="Calibri" panose="020F0502020204030204" pitchFamily="34" charset="0"/>
+                <a:ea typeface="Calibri" panose="020F0502020204030204" pitchFamily="34" charset="0"/>
+                <a:cs typeface="Mangal" panose="02040503050203030202" pitchFamily="18" charset="0"/>
+              </a:rPr>
+              <a:t>Designed the architecture for an incentivized travel platform with activity-dependent AI community Bot on </a:t>
+            </a:r>
+            <a:r>
+              <a:rPr lang="en-IN" sz="1100" dirty="0" err="1">
+                <a:solidFill>
+                  <a:schemeClr val="bg1">
+                    <a:lumMod val="85000"/>
+                  </a:schemeClr>
+                </a:solidFill>
+                <a:latin typeface="Calibri" panose="020F0502020204030204" pitchFamily="34" charset="0"/>
+                <a:ea typeface="Calibri" panose="020F0502020204030204" pitchFamily="34" charset="0"/>
+                <a:cs typeface="Mangal" panose="02040503050203030202" pitchFamily="18" charset="0"/>
+              </a:rPr>
+              <a:t>Steem</a:t>
+            </a:r>
+            <a:r>
+              <a:rPr lang="en-IN" sz="1100" dirty="0">
+                <a:solidFill>
+                  <a:schemeClr val="bg1">
+                    <a:lumMod val="85000"/>
+                  </a:schemeClr>
+                </a:solidFill>
+                <a:latin typeface="Calibri" panose="020F0502020204030204" pitchFamily="34" charset="0"/>
+                <a:ea typeface="Calibri" panose="020F0502020204030204" pitchFamily="34" charset="0"/>
+                <a:cs typeface="Mangal" panose="02040503050203030202" pitchFamily="18" charset="0"/>
+              </a:rPr>
+              <a:t>/Hive Blockchain.</a:t>
+            </a:r>
+            <a:endParaRPr lang="en-US" sz="1100" dirty="0">
+              <a:solidFill>
+                <a:schemeClr val="bg1">
+                  <a:lumMod val="85000"/>
+                </a:schemeClr>
+              </a:solidFill>
+              <a:latin typeface="Calibri" panose="020F0502020204030204" pitchFamily="34" charset="0"/>
+              <a:ea typeface="Calibri" panose="020F0502020204030204" pitchFamily="34" charset="0"/>
+              <a:cs typeface="Mangal" panose="02040503050203030202" pitchFamily="18" charset="0"/>
+            </a:endParaRPr>
+          </a:p>
+          <a:p>
+            <a:pPr marL="342900" marR="0" lvl="0" indent="-342900" algn="just">
+              <a:lnSpc>
+                <a:spcPct val="115000"/>
+              </a:lnSpc>
+              <a:spcBef>
+                <a:spcPts val="0"/>
+              </a:spcBef>
+              <a:spcAft>
+                <a:spcPts val="600"/>
+              </a:spcAft>
+              <a:buFont typeface="Symbol" panose="05050102010706020507" pitchFamily="18" charset="2"/>
+              <a:buChar char=""/>
+            </a:pPr>
+            <a:endParaRPr lang="en-US" sz="1100" dirty="0">
+              <a:solidFill>
+                <a:schemeClr val="bg1">
+                  <a:lumMod val="85000"/>
+                </a:schemeClr>
+              </a:solidFill>
+              <a:effectLst/>
+              <a:latin typeface="Calibri" panose="020F0502020204030204" pitchFamily="34" charset="0"/>
+              <a:ea typeface="Calibri" panose="020F0502020204030204" pitchFamily="34" charset="0"/>
+              <a:cs typeface="Mangal" panose="02040503050203030202" pitchFamily="18" charset="0"/>
+            </a:endParaRPr>
           </a:p>
         </p:txBody>
       </p:sp>
@@ -19572,20 +19826,20 @@
 </file>
 
 <file path=customXml/item1.xml><?xml version="1.0" encoding="utf-8"?>
+<p:properties xmlns:p="http://schemas.microsoft.com/office/2006/metadata/properties" xmlns:xsi="http://www.w3.org/2001/XMLSchema-instance" xmlns:pc="http://schemas.microsoft.com/office/infopath/2007/PartnerControls">
+  <documentManagement>
+    <MediaServiceKeyPoints xmlns="ef88797d-310b-4d46-ad9c-0c23fa0c8d45" xsi:nil="true"/>
+  </documentManagement>
+</p:properties>
+</file>
+
+<file path=customXml/item2.xml><?xml version="1.0" encoding="utf-8"?>
 <?mso-contentType ?>
 <FormTemplates xmlns="http://schemas.microsoft.com/sharepoint/v3/contenttype/forms">
   <Display>DocumentLibraryForm</Display>
   <Edit>DocumentLibraryForm</Edit>
   <New>DocumentLibraryForm</New>
 </FormTemplates>
-</file>
-
-<file path=customXml/item2.xml><?xml version="1.0" encoding="utf-8"?>
-<p:properties xmlns:p="http://schemas.microsoft.com/office/2006/metadata/properties" xmlns:xsi="http://www.w3.org/2001/XMLSchema-instance" xmlns:pc="http://schemas.microsoft.com/office/infopath/2007/PartnerControls">
-  <documentManagement>
-    <MediaServiceKeyPoints xmlns="ef88797d-310b-4d46-ad9c-0c23fa0c8d45" xsi:nil="true"/>
-  </documentManagement>
-</p:properties>
 </file>
 
 <file path=customXml/item3.xml><?xml version="1.0" encoding="utf-8"?>
@@ -19812,19 +20066,19 @@
 </file>
 
 <file path=customXml/itemProps1.xml><?xml version="1.0" encoding="utf-8"?>
-<ds:datastoreItem xmlns:ds="http://schemas.openxmlformats.org/officeDocument/2006/customXml" ds:itemID="{20056241-EAE4-4EAF-8B0E-8651A3DCDE25}">
+<ds:datastoreItem xmlns:ds="http://schemas.openxmlformats.org/officeDocument/2006/customXml" ds:itemID="{578389EB-672F-420D-AB19-CDFA657C66F4}">
   <ds:schemaRefs>
-    <ds:schemaRef ds:uri="http://schemas.microsoft.com/sharepoint/v3/contenttype/forms"/>
+    <ds:schemaRef ds:uri="http://schemas.microsoft.com/office/2006/metadata/properties"/>
+    <ds:schemaRef ds:uri="http://schemas.microsoft.com/office/infopath/2007/PartnerControls"/>
+    <ds:schemaRef ds:uri="ef88797d-310b-4d46-ad9c-0c23fa0c8d45"/>
   </ds:schemaRefs>
 </ds:datastoreItem>
 </file>
 
 <file path=customXml/itemProps2.xml><?xml version="1.0" encoding="utf-8"?>
-<ds:datastoreItem xmlns:ds="http://schemas.openxmlformats.org/officeDocument/2006/customXml" ds:itemID="{578389EB-672F-420D-AB19-CDFA657C66F4}">
+<ds:datastoreItem xmlns:ds="http://schemas.openxmlformats.org/officeDocument/2006/customXml" ds:itemID="{20056241-EAE4-4EAF-8B0E-8651A3DCDE25}">
   <ds:schemaRefs>
-    <ds:schemaRef ds:uri="http://schemas.microsoft.com/office/2006/metadata/properties"/>
-    <ds:schemaRef ds:uri="http://schemas.microsoft.com/office/infopath/2007/PartnerControls"/>
-    <ds:schemaRef ds:uri="ef88797d-310b-4d46-ad9c-0c23fa0c8d45"/>
+    <ds:schemaRef ds:uri="http://schemas.microsoft.com/sharepoint/v3/contenttype/forms"/>
   </ds:schemaRefs>
 </ds:datastoreItem>
 </file>

--- a/my_resume.pptx
+++ b/my_resume.pptx
@@ -239,7 +239,7 @@
             <a:fld id="{F126DA7F-2AB4-430D-8B2A-97731DDF23A1}" type="datetimeFigureOut">
               <a:rPr lang="en-US" smtClean="0"/>
               <a:pPr/>
-              <a:t>2/7/22</a:t>
+              <a:t>3/22/22</a:t>
             </a:fld>
             <a:endParaRPr lang="en-US" dirty="0"/>
           </a:p>
@@ -7198,7 +7198,7 @@
             <a:fld id="{902AD433-F5B6-43A3-8DE6-1382B3149F77}" type="datetimeFigureOut">
               <a:rPr lang="en-US" smtClean="0"/>
               <a:pPr/>
-              <a:t>2/7/22</a:t>
+              <a:t>3/22/22</a:t>
             </a:fld>
             <a:endParaRPr lang="en-US" dirty="0"/>
           </a:p>
@@ -9023,7 +9023,7 @@
           <a:p>
             <a:r>
               <a:rPr lang="en-US" dirty="0"/>
-              <a:t>6 years</a:t>
+              <a:t>6+ years</a:t>
             </a:r>
           </a:p>
         </p:txBody>
@@ -14627,7 +14627,7 @@
         <p:spPr>
           <a:xfrm>
             <a:off x="1964659" y="4337373"/>
-            <a:ext cx="4247657" cy="2147063"/>
+            <a:ext cx="4247657" cy="1684307"/>
           </a:xfrm>
           <a:prstGeom prst="rect">
             <a:avLst/>
@@ -14718,7 +14718,7 @@
                 </a:solidFill>
                 <a:latin typeface="Whitney"/>
               </a:rPr>
-              <a:t>2018: Founding CTO for a start-up DRIFE.</a:t>
+              <a:t>2018: Founding CTO at DRIFE.</a:t>
             </a:r>
           </a:p>
           <a:p>
@@ -14758,7 +14758,7 @@
                 </a:solidFill>
                 <a:latin typeface="Whitney"/>
               </a:rPr>
-              <a:t>2021: Lead Blockchain Developer in </a:t>
+              <a:t>2021: Lead Blockchain Developer at </a:t>
             </a:r>
             <a:r>
               <a:rPr lang="en-US" sz="1000" dirty="0" err="1">
@@ -14800,66 +14800,8 @@
                 </a:solidFill>
                 <a:latin typeface="Whitney"/>
               </a:rPr>
-              <a:t>2021: Senior Blockchain Developer in Master Ventures</a:t>
-            </a:r>
-          </a:p>
-          <a:p>
-            <a:pPr marL="171450" indent="-171450">
-              <a:lnSpc>
-                <a:spcPct val="150000"/>
-              </a:lnSpc>
-              <a:buFont typeface="Arial" panose="020B0604020202020204" pitchFamily="34" charset="0"/>
-              <a:buChar char="•"/>
-            </a:pPr>
-            <a:r>
-              <a:rPr lang="en-US" sz="1000" dirty="0">
-                <a:solidFill>
-                  <a:schemeClr val="bg1">
-                    <a:lumMod val="75000"/>
-                  </a:schemeClr>
-                </a:solidFill>
-                <a:latin typeface="Whitney"/>
-              </a:rPr>
-              <a:t>2021-2022: CTO at </a:t>
-            </a:r>
-            <a:r>
-              <a:rPr lang="en-US" sz="1000" dirty="0" err="1">
-                <a:solidFill>
-                  <a:schemeClr val="bg1">
-                    <a:lumMod val="75000"/>
-                  </a:schemeClr>
-                </a:solidFill>
-                <a:latin typeface="Whitney"/>
-              </a:rPr>
-              <a:t>DeFi</a:t>
-            </a:r>
-            <a:r>
-              <a:rPr lang="en-US" sz="1000" dirty="0">
-                <a:solidFill>
-                  <a:schemeClr val="bg1">
-                    <a:lumMod val="75000"/>
-                  </a:schemeClr>
-                </a:solidFill>
-                <a:latin typeface="Whitney"/>
-              </a:rPr>
-              <a:t> + NFT start-up</a:t>
-            </a:r>
-          </a:p>
-          <a:p>
-            <a:pPr marL="171450" indent="-171450">
-              <a:lnSpc>
-                <a:spcPct val="150000"/>
-              </a:lnSpc>
-              <a:buFont typeface="Arial" panose="020B0604020202020204" pitchFamily="34" charset="0"/>
-              <a:buChar char="•"/>
-            </a:pPr>
-            <a:endParaRPr lang="en-US" sz="1000" dirty="0">
-              <a:solidFill>
-                <a:schemeClr val="bg1">
-                  <a:lumMod val="85000"/>
-                </a:schemeClr>
-              </a:solidFill>
-            </a:endParaRPr>
+              <a:t>2021-2022: Senior Blockchain Engineer at Master Ventures</a:t>
+            </a:r>
           </a:p>
         </p:txBody>
       </p:sp>
@@ -16022,7 +15964,7 @@
         <p:spPr>
           <a:xfrm>
             <a:off x="299720" y="1363333"/>
-            <a:ext cx="6258560" cy="7582140"/>
+            <a:ext cx="6258560" cy="7776809"/>
           </a:xfrm>
           <a:prstGeom prst="rect">
             <a:avLst/>
@@ -16060,35 +16002,7 @@
                 <a:ea typeface="Calibri" panose="020F0502020204030204" pitchFamily="34" charset="0"/>
                 <a:cs typeface="Mangal" panose="02040503050203030202" pitchFamily="18" charset="0"/>
               </a:rPr>
-              <a:t>Worked as CTO in a </a:t>
-            </a:r>
-            <a:r>
-              <a:rPr lang="en-IN" sz="1100" dirty="0" err="1">
-                <a:solidFill>
-                  <a:schemeClr val="bg1">
-                    <a:lumMod val="85000"/>
-                  </a:schemeClr>
-                </a:solidFill>
-                <a:effectLst/>
-                <a:latin typeface="Calibri" panose="020F0502020204030204" pitchFamily="34" charset="0"/>
-                <a:ea typeface="Calibri" panose="020F0502020204030204" pitchFamily="34" charset="0"/>
-                <a:cs typeface="Mangal" panose="02040503050203030202" pitchFamily="18" charset="0"/>
-              </a:rPr>
-              <a:t>startup</a:t>
-            </a:r>
-            <a:r>
-              <a:rPr lang="en-IN" sz="1100" dirty="0">
-                <a:solidFill>
-                  <a:schemeClr val="bg1">
-                    <a:lumMod val="85000"/>
-                  </a:schemeClr>
-                </a:solidFill>
-                <a:effectLst/>
-                <a:latin typeface="Calibri" panose="020F0502020204030204" pitchFamily="34" charset="0"/>
-                <a:ea typeface="Calibri" panose="020F0502020204030204" pitchFamily="34" charset="0"/>
-                <a:cs typeface="Mangal" panose="02040503050203030202" pitchFamily="18" charset="0"/>
-              </a:rPr>
-              <a:t> which worked with Crowdfunding 2.0 via </a:t>
+              <a:t>Worked on Crowdfunding 2.0 via </a:t>
             </a:r>
             <a:r>
               <a:rPr lang="en-IN" sz="1100" dirty="0" err="1">
@@ -16116,7 +16030,7 @@
                 <a:ea typeface="Calibri" panose="020F0502020204030204" pitchFamily="34" charset="0"/>
                 <a:cs typeface="Mangal" panose="02040503050203030202" pitchFamily="18" charset="0"/>
               </a:rPr>
-              <a:t> AMM. Also, build the architecture in sports-based Metaverse using player, stadium NFT cards with play-to-earn gamification model in Miro board.</a:t>
+              <a:t> AMM with Diamond standard. Also, build the architecture in sports-based Metaverse using player, stadium NFT cards with play-to-earn gamification model in Miro board.</a:t>
             </a:r>
           </a:p>
           <a:p>
@@ -16170,7 +16084,85 @@
                 <a:ea typeface="Calibri" panose="020F0502020204030204" pitchFamily="34" charset="0"/>
                 <a:cs typeface="Mangal" panose="02040503050203030202" pitchFamily="18" charset="0"/>
               </a:rPr>
-              <a:t> program codebase over Solana Blockchain.</a:t>
+              <a:t> program codebase over Solana Blockchain. Also, worked in launching </a:t>
+            </a:r>
+            <a:r>
+              <a:rPr lang="en-IN" sz="1100" dirty="0" err="1">
+                <a:solidFill>
+                  <a:schemeClr val="bg1">
+                    <a:lumMod val="85000"/>
+                  </a:schemeClr>
+                </a:solidFill>
+                <a:latin typeface="Calibri" panose="020F0502020204030204" pitchFamily="34" charset="0"/>
+                <a:ea typeface="Calibri" panose="020F0502020204030204" pitchFamily="34" charset="0"/>
+                <a:cs typeface="Mangal" panose="02040503050203030202" pitchFamily="18" charset="0"/>
+              </a:rPr>
+              <a:t>parachain</a:t>
+            </a:r>
+            <a:r>
+              <a:rPr lang="en-IN" sz="1100" dirty="0">
+                <a:solidFill>
+                  <a:schemeClr val="bg1">
+                    <a:lumMod val="85000"/>
+                  </a:schemeClr>
+                </a:solidFill>
+                <a:latin typeface="Calibri" panose="020F0502020204030204" pitchFamily="34" charset="0"/>
+                <a:ea typeface="Calibri" panose="020F0502020204030204" pitchFamily="34" charset="0"/>
+                <a:cs typeface="Mangal" panose="02040503050203030202" pitchFamily="18" charset="0"/>
+              </a:rPr>
+              <a:t> via CLI on </a:t>
+            </a:r>
+            <a:r>
+              <a:rPr lang="en-IN" sz="1100" dirty="0" err="1">
+                <a:solidFill>
+                  <a:schemeClr val="bg1">
+                    <a:lumMod val="85000"/>
+                  </a:schemeClr>
+                </a:solidFill>
+                <a:latin typeface="Calibri" panose="020F0502020204030204" pitchFamily="34" charset="0"/>
+                <a:ea typeface="Calibri" panose="020F0502020204030204" pitchFamily="34" charset="0"/>
+                <a:cs typeface="Mangal" panose="02040503050203030202" pitchFamily="18" charset="0"/>
+              </a:rPr>
+              <a:t>Polkadot</a:t>
+            </a:r>
+            <a:r>
+              <a:rPr lang="en-IN" sz="1100" dirty="0">
+                <a:solidFill>
+                  <a:schemeClr val="bg1">
+                    <a:lumMod val="85000"/>
+                  </a:schemeClr>
+                </a:solidFill>
+                <a:latin typeface="Calibri" panose="020F0502020204030204" pitchFamily="34" charset="0"/>
+                <a:ea typeface="Calibri" panose="020F0502020204030204" pitchFamily="34" charset="0"/>
+                <a:cs typeface="Mangal" panose="02040503050203030202" pitchFamily="18" charset="0"/>
+              </a:rPr>
+              <a:t> </a:t>
+            </a:r>
+            <a:r>
+              <a:rPr lang="en-IN" sz="1100" dirty="0" err="1">
+                <a:solidFill>
+                  <a:schemeClr val="bg1">
+                    <a:lumMod val="85000"/>
+                  </a:schemeClr>
+                </a:solidFill>
+                <a:latin typeface="Calibri" panose="020F0502020204030204" pitchFamily="34" charset="0"/>
+                <a:ea typeface="Calibri" panose="020F0502020204030204" pitchFamily="34" charset="0"/>
+                <a:cs typeface="Mangal" panose="02040503050203030202" pitchFamily="18" charset="0"/>
+              </a:rPr>
+              <a:t>relaychain</a:t>
+            </a:r>
+            <a:r>
+              <a:rPr lang="en-IN" sz="1100" dirty="0">
+                <a:solidFill>
+                  <a:schemeClr val="bg1">
+                    <a:lumMod val="85000"/>
+                  </a:schemeClr>
+                </a:solidFill>
+                <a:latin typeface="Calibri" panose="020F0502020204030204" pitchFamily="34" charset="0"/>
+                <a:ea typeface="Calibri" panose="020F0502020204030204" pitchFamily="34" charset="0"/>
+                <a:cs typeface="Mangal" panose="02040503050203030202" pitchFamily="18" charset="0"/>
+              </a:rPr>
+              <a:t>.</a:t>
             </a:r>
             <a:endParaRPr lang="en-IN" sz="1100" dirty="0">
               <a:solidFill>
@@ -19826,20 +19818,20 @@
 </file>
 
 <file path=customXml/item1.xml><?xml version="1.0" encoding="utf-8"?>
-<p:properties xmlns:p="http://schemas.microsoft.com/office/2006/metadata/properties" xmlns:xsi="http://www.w3.org/2001/XMLSchema-instance" xmlns:pc="http://schemas.microsoft.com/office/infopath/2007/PartnerControls">
-  <documentManagement>
-    <MediaServiceKeyPoints xmlns="ef88797d-310b-4d46-ad9c-0c23fa0c8d45" xsi:nil="true"/>
-  </documentManagement>
-</p:properties>
-</file>
-
-<file path=customXml/item2.xml><?xml version="1.0" encoding="utf-8"?>
 <?mso-contentType ?>
 <FormTemplates xmlns="http://schemas.microsoft.com/sharepoint/v3/contenttype/forms">
   <Display>DocumentLibraryForm</Display>
   <Edit>DocumentLibraryForm</Edit>
   <New>DocumentLibraryForm</New>
 </FormTemplates>
+</file>
+
+<file path=customXml/item2.xml><?xml version="1.0" encoding="utf-8"?>
+<p:properties xmlns:p="http://schemas.microsoft.com/office/2006/metadata/properties" xmlns:xsi="http://www.w3.org/2001/XMLSchema-instance" xmlns:pc="http://schemas.microsoft.com/office/infopath/2007/PartnerControls">
+  <documentManagement>
+    <MediaServiceKeyPoints xmlns="ef88797d-310b-4d46-ad9c-0c23fa0c8d45" xsi:nil="true"/>
+  </documentManagement>
+</p:properties>
 </file>
 
 <file path=customXml/item3.xml><?xml version="1.0" encoding="utf-8"?>
@@ -20066,19 +20058,19 @@
 </file>
 
 <file path=customXml/itemProps1.xml><?xml version="1.0" encoding="utf-8"?>
+<ds:datastoreItem xmlns:ds="http://schemas.openxmlformats.org/officeDocument/2006/customXml" ds:itemID="{20056241-EAE4-4EAF-8B0E-8651A3DCDE25}">
+  <ds:schemaRefs>
+    <ds:schemaRef ds:uri="http://schemas.microsoft.com/sharepoint/v3/contenttype/forms"/>
+  </ds:schemaRefs>
+</ds:datastoreItem>
+</file>
+
+<file path=customXml/itemProps2.xml><?xml version="1.0" encoding="utf-8"?>
 <ds:datastoreItem xmlns:ds="http://schemas.openxmlformats.org/officeDocument/2006/customXml" ds:itemID="{578389EB-672F-420D-AB19-CDFA657C66F4}">
   <ds:schemaRefs>
     <ds:schemaRef ds:uri="http://schemas.microsoft.com/office/2006/metadata/properties"/>
     <ds:schemaRef ds:uri="http://schemas.microsoft.com/office/infopath/2007/PartnerControls"/>
     <ds:schemaRef ds:uri="ef88797d-310b-4d46-ad9c-0c23fa0c8d45"/>
-  </ds:schemaRefs>
-</ds:datastoreItem>
-</file>
-
-<file path=customXml/itemProps2.xml><?xml version="1.0" encoding="utf-8"?>
-<ds:datastoreItem xmlns:ds="http://schemas.openxmlformats.org/officeDocument/2006/customXml" ds:itemID="{20056241-EAE4-4EAF-8B0E-8651A3DCDE25}">
-  <ds:schemaRefs>
-    <ds:schemaRef ds:uri="http://schemas.microsoft.com/sharepoint/v3/contenttype/forms"/>
   </ds:schemaRefs>
 </ds:datastoreItem>
 </file>

--- a/my_resume.pptx
+++ b/my_resume.pptx
@@ -239,7 +239,7 @@
             <a:fld id="{F126DA7F-2AB4-430D-8B2A-97731DDF23A1}" type="datetimeFigureOut">
               <a:rPr lang="en-US" smtClean="0"/>
               <a:pPr/>
-              <a:t>3/22/22</a:t>
+              <a:t>4/13/22</a:t>
             </a:fld>
             <a:endParaRPr lang="en-US" dirty="0"/>
           </a:p>
@@ -7198,7 +7198,7 @@
             <a:fld id="{902AD433-F5B6-43A3-8DE6-1382B3149F77}" type="datetimeFigureOut">
               <a:rPr lang="en-US" smtClean="0"/>
               <a:pPr/>
-              <a:t>3/22/22</a:t>
+              <a:t>4/13/22</a:t>
             </a:fld>
             <a:endParaRPr lang="en-US" dirty="0"/>
           </a:p>
@@ -15964,7 +15964,7 @@
         <p:spPr>
           <a:xfrm>
             <a:off x="299720" y="1363333"/>
-            <a:ext cx="6258560" cy="7776809"/>
+            <a:ext cx="6258560" cy="6649577"/>
           </a:xfrm>
           <a:prstGeom prst="rect">
             <a:avLst/>
@@ -16002,7 +16002,7 @@
                 <a:ea typeface="Calibri" panose="020F0502020204030204" pitchFamily="34" charset="0"/>
                 <a:cs typeface="Mangal" panose="02040503050203030202" pitchFamily="18" charset="0"/>
               </a:rPr>
-              <a:t>Worked on Crowdfunding 2.0 via </a:t>
+              <a:t>Worked on different types of NFT smart contract with generative &amp; manual art on IPFS, </a:t>
             </a:r>
             <a:r>
               <a:rPr lang="en-IN" sz="1100" dirty="0" err="1">
@@ -16016,7 +16016,7 @@
                 <a:ea typeface="Calibri" panose="020F0502020204030204" pitchFamily="34" charset="0"/>
                 <a:cs typeface="Mangal" panose="02040503050203030202" pitchFamily="18" charset="0"/>
               </a:rPr>
-              <a:t>DeFi</a:t>
+              <a:t>Arweave</a:t>
             </a:r>
             <a:r>
               <a:rPr lang="en-IN" sz="1100" dirty="0">
@@ -16030,7 +16030,7 @@
                 <a:ea typeface="Calibri" panose="020F0502020204030204" pitchFamily="34" charset="0"/>
                 <a:cs typeface="Mangal" panose="02040503050203030202" pitchFamily="18" charset="0"/>
               </a:rPr>
-              <a:t> AMM with Diamond standard. Also, build the architecture in sports-based Metaverse using player, stadium NFT cards with play-to-earn gamification model in Miro board.</a:t>
+              <a:t>.</a:t>
             </a:r>
           </a:p>
           <a:p>
@@ -16054,11 +16054,12 @@
                     <a:lumMod val="85000"/>
                   </a:schemeClr>
                 </a:solidFill>
+                <a:effectLst/>
                 <a:latin typeface="Calibri" panose="020F0502020204030204" pitchFamily="34" charset="0"/>
                 <a:ea typeface="Calibri" panose="020F0502020204030204" pitchFamily="34" charset="0"/>
                 <a:cs typeface="Mangal" panose="02040503050203030202" pitchFamily="18" charset="0"/>
               </a:rPr>
-              <a:t>Worked as Senior Blockchain Developer on </a:t>
+              <a:t>Worked on Crowdfunding 2.0 via </a:t>
             </a:r>
             <a:r>
               <a:rPr lang="en-IN" sz="1100" dirty="0" err="1">
@@ -16067,11 +16068,12 @@
                     <a:lumMod val="85000"/>
                   </a:schemeClr>
                 </a:solidFill>
+                <a:effectLst/>
                 <a:latin typeface="Calibri" panose="020F0502020204030204" pitchFamily="34" charset="0"/>
                 <a:ea typeface="Calibri" panose="020F0502020204030204" pitchFamily="34" charset="0"/>
                 <a:cs typeface="Mangal" panose="02040503050203030202" pitchFamily="18" charset="0"/>
               </a:rPr>
-              <a:t>crowdsale</a:t>
+              <a:t>DeFi</a:t>
             </a:r>
             <a:r>
               <a:rPr lang="en-IN" sz="1100" dirty="0">
@@ -16080,101 +16082,13 @@
                     <a:lumMod val="85000"/>
                   </a:schemeClr>
                 </a:solidFill>
+                <a:effectLst/>
                 <a:latin typeface="Calibri" panose="020F0502020204030204" pitchFamily="34" charset="0"/>
                 <a:ea typeface="Calibri" panose="020F0502020204030204" pitchFamily="34" charset="0"/>
                 <a:cs typeface="Mangal" panose="02040503050203030202" pitchFamily="18" charset="0"/>
               </a:rPr>
-              <a:t> program codebase over Solana Blockchain. Also, worked in launching </a:t>
-            </a:r>
-            <a:r>
-              <a:rPr lang="en-IN" sz="1100" dirty="0" err="1">
-                <a:solidFill>
-                  <a:schemeClr val="bg1">
-                    <a:lumMod val="85000"/>
-                  </a:schemeClr>
-                </a:solidFill>
-                <a:latin typeface="Calibri" panose="020F0502020204030204" pitchFamily="34" charset="0"/>
-                <a:ea typeface="Calibri" panose="020F0502020204030204" pitchFamily="34" charset="0"/>
-                <a:cs typeface="Mangal" panose="02040503050203030202" pitchFamily="18" charset="0"/>
-              </a:rPr>
-              <a:t>parachain</a:t>
-            </a:r>
-            <a:r>
-              <a:rPr lang="en-IN" sz="1100" dirty="0">
-                <a:solidFill>
-                  <a:schemeClr val="bg1">
-                    <a:lumMod val="85000"/>
-                  </a:schemeClr>
-                </a:solidFill>
-                <a:latin typeface="Calibri" panose="020F0502020204030204" pitchFamily="34" charset="0"/>
-                <a:ea typeface="Calibri" panose="020F0502020204030204" pitchFamily="34" charset="0"/>
-                <a:cs typeface="Mangal" panose="02040503050203030202" pitchFamily="18" charset="0"/>
-              </a:rPr>
-              <a:t> via CLI on </a:t>
-            </a:r>
-            <a:r>
-              <a:rPr lang="en-IN" sz="1100" dirty="0" err="1">
-                <a:solidFill>
-                  <a:schemeClr val="bg1">
-                    <a:lumMod val="85000"/>
-                  </a:schemeClr>
-                </a:solidFill>
-                <a:latin typeface="Calibri" panose="020F0502020204030204" pitchFamily="34" charset="0"/>
-                <a:ea typeface="Calibri" panose="020F0502020204030204" pitchFamily="34" charset="0"/>
-                <a:cs typeface="Mangal" panose="02040503050203030202" pitchFamily="18" charset="0"/>
-              </a:rPr>
-              <a:t>Polkadot</a:t>
-            </a:r>
-            <a:r>
-              <a:rPr lang="en-IN" sz="1100" dirty="0">
-                <a:solidFill>
-                  <a:schemeClr val="bg1">
-                    <a:lumMod val="85000"/>
-                  </a:schemeClr>
-                </a:solidFill>
-                <a:latin typeface="Calibri" panose="020F0502020204030204" pitchFamily="34" charset="0"/>
-                <a:ea typeface="Calibri" panose="020F0502020204030204" pitchFamily="34" charset="0"/>
-                <a:cs typeface="Mangal" panose="02040503050203030202" pitchFamily="18" charset="0"/>
-              </a:rPr>
-              <a:t> </a:t>
-            </a:r>
-            <a:r>
-              <a:rPr lang="en-IN" sz="1100" dirty="0" err="1">
-                <a:solidFill>
-                  <a:schemeClr val="bg1">
-                    <a:lumMod val="85000"/>
-                  </a:schemeClr>
-                </a:solidFill>
-                <a:latin typeface="Calibri" panose="020F0502020204030204" pitchFamily="34" charset="0"/>
-                <a:ea typeface="Calibri" panose="020F0502020204030204" pitchFamily="34" charset="0"/>
-                <a:cs typeface="Mangal" panose="02040503050203030202" pitchFamily="18" charset="0"/>
-              </a:rPr>
-              <a:t>relaychain</a:t>
-            </a:r>
-            <a:r>
-              <a:rPr lang="en-IN" sz="1100" dirty="0">
-                <a:solidFill>
-                  <a:schemeClr val="bg1">
-                    <a:lumMod val="85000"/>
-                  </a:schemeClr>
-                </a:solidFill>
-                <a:latin typeface="Calibri" panose="020F0502020204030204" pitchFamily="34" charset="0"/>
-                <a:ea typeface="Calibri" panose="020F0502020204030204" pitchFamily="34" charset="0"/>
-                <a:cs typeface="Mangal" panose="02040503050203030202" pitchFamily="18" charset="0"/>
-              </a:rPr>
-              <a:t>.</a:t>
-            </a:r>
-            <a:endParaRPr lang="en-IN" sz="1100" dirty="0">
-              <a:solidFill>
-                <a:schemeClr val="bg1">
-                  <a:lumMod val="85000"/>
-                </a:schemeClr>
-              </a:solidFill>
-              <a:effectLst/>
-              <a:latin typeface="Calibri" panose="020F0502020204030204" pitchFamily="34" charset="0"/>
-              <a:ea typeface="Calibri" panose="020F0502020204030204" pitchFamily="34" charset="0"/>
-              <a:cs typeface="Mangal" panose="02040503050203030202" pitchFamily="18" charset="0"/>
-            </a:endParaRPr>
+              <a:t> AMM with Diamond standard. Also, build the architecture in sports-based Metaverse using player, stadium NFT cards with play-to-earn gamification model in Miro board.</a:t>
+            </a:r>
           </a:p>
           <a:p>
             <a:pPr marL="342900" marR="0" lvl="0" indent="-342900" algn="just">
@@ -16197,12 +16111,11 @@
                     <a:lumMod val="85000"/>
                   </a:schemeClr>
                 </a:solidFill>
-                <a:effectLst/>
                 <a:latin typeface="Calibri" panose="020F0502020204030204" pitchFamily="34" charset="0"/>
                 <a:ea typeface="Calibri" panose="020F0502020204030204" pitchFamily="34" charset="0"/>
                 <a:cs typeface="Mangal" panose="02040503050203030202" pitchFamily="18" charset="0"/>
               </a:rPr>
-              <a:t>Worked as Lead Blockchain Developer &amp; Architect for a </a:t>
+              <a:t>Worked as Senior Blockchain Developer on </a:t>
             </a:r>
             <a:r>
               <a:rPr lang="en-IN" sz="1100" dirty="0" err="1">
@@ -16211,12 +16124,11 @@
                     <a:lumMod val="85000"/>
                   </a:schemeClr>
                 </a:solidFill>
-                <a:effectLst/>
                 <a:latin typeface="Calibri" panose="020F0502020204030204" pitchFamily="34" charset="0"/>
                 <a:ea typeface="Calibri" panose="020F0502020204030204" pitchFamily="34" charset="0"/>
                 <a:cs typeface="Mangal" panose="02040503050203030202" pitchFamily="18" charset="0"/>
               </a:rPr>
-              <a:t>DeFi</a:t>
+              <a:t>crowdsale</a:t>
             </a:r>
             <a:r>
               <a:rPr lang="en-IN" sz="1100" dirty="0">
@@ -16225,7 +16137,58 @@
                     <a:lumMod val="85000"/>
                   </a:schemeClr>
                 </a:solidFill>
-                <a:effectLst/>
+                <a:latin typeface="Calibri" panose="020F0502020204030204" pitchFamily="34" charset="0"/>
+                <a:ea typeface="Calibri" panose="020F0502020204030204" pitchFamily="34" charset="0"/>
+                <a:cs typeface="Mangal" panose="02040503050203030202" pitchFamily="18" charset="0"/>
+              </a:rPr>
+              <a:t> program codebase over Solana Blockchain. Also, worked in launching </a:t>
+            </a:r>
+            <a:r>
+              <a:rPr lang="en-IN" sz="1100" dirty="0" err="1">
+                <a:solidFill>
+                  <a:schemeClr val="bg1">
+                    <a:lumMod val="85000"/>
+                  </a:schemeClr>
+                </a:solidFill>
+                <a:latin typeface="Calibri" panose="020F0502020204030204" pitchFamily="34" charset="0"/>
+                <a:ea typeface="Calibri" panose="020F0502020204030204" pitchFamily="34" charset="0"/>
+                <a:cs typeface="Mangal" panose="02040503050203030202" pitchFamily="18" charset="0"/>
+              </a:rPr>
+              <a:t>parachain</a:t>
+            </a:r>
+            <a:r>
+              <a:rPr lang="en-IN" sz="1100" dirty="0">
+                <a:solidFill>
+                  <a:schemeClr val="bg1">
+                    <a:lumMod val="85000"/>
+                  </a:schemeClr>
+                </a:solidFill>
+                <a:latin typeface="Calibri" panose="020F0502020204030204" pitchFamily="34" charset="0"/>
+                <a:ea typeface="Calibri" panose="020F0502020204030204" pitchFamily="34" charset="0"/>
+                <a:cs typeface="Mangal" panose="02040503050203030202" pitchFamily="18" charset="0"/>
+              </a:rPr>
+              <a:t> via CLI on </a:t>
+            </a:r>
+            <a:r>
+              <a:rPr lang="en-IN" sz="1100" dirty="0" err="1">
+                <a:solidFill>
+                  <a:schemeClr val="bg1">
+                    <a:lumMod val="85000"/>
+                  </a:schemeClr>
+                </a:solidFill>
+                <a:latin typeface="Calibri" panose="020F0502020204030204" pitchFamily="34" charset="0"/>
+                <a:ea typeface="Calibri" panose="020F0502020204030204" pitchFamily="34" charset="0"/>
+                <a:cs typeface="Mangal" panose="02040503050203030202" pitchFamily="18" charset="0"/>
+              </a:rPr>
+              <a:t>Polkadot</a:t>
+            </a:r>
+            <a:r>
+              <a:rPr lang="en-IN" sz="1100" dirty="0">
+                <a:solidFill>
+                  <a:schemeClr val="bg1">
+                    <a:lumMod val="85000"/>
+                  </a:schemeClr>
+                </a:solidFill>
                 <a:latin typeface="Calibri" panose="020F0502020204030204" pitchFamily="34" charset="0"/>
                 <a:ea typeface="Calibri" panose="020F0502020204030204" pitchFamily="34" charset="0"/>
                 <a:cs typeface="Mangal" panose="02040503050203030202" pitchFamily="18" charset="0"/>
@@ -16239,12 +16202,11 @@
                     <a:lumMod val="85000"/>
                   </a:schemeClr>
                 </a:solidFill>
-                <a:effectLst/>
                 <a:latin typeface="Calibri" panose="020F0502020204030204" pitchFamily="34" charset="0"/>
                 <a:ea typeface="Calibri" panose="020F0502020204030204" pitchFamily="34" charset="0"/>
                 <a:cs typeface="Mangal" panose="02040503050203030202" pitchFamily="18" charset="0"/>
               </a:rPr>
-              <a:t>startup</a:t>
+              <a:t>relaychain</a:t>
             </a:r>
             <a:r>
               <a:rPr lang="en-IN" sz="1100" dirty="0">
@@ -16253,120 +16215,23 @@
                     <a:lumMod val="85000"/>
                   </a:schemeClr>
                 </a:solidFill>
-                <a:effectLst/>
-                <a:latin typeface="Calibri" panose="020F0502020204030204" pitchFamily="34" charset="0"/>
-                <a:ea typeface="Calibri" panose="020F0502020204030204" pitchFamily="34" charset="0"/>
-                <a:cs typeface="Mangal" panose="02040503050203030202" pitchFamily="18" charset="0"/>
-              </a:rPr>
-              <a:t> and also familiar with projects like </a:t>
-            </a:r>
-            <a:r>
-              <a:rPr lang="en-IN" sz="1100" dirty="0" err="1">
-                <a:solidFill>
-                  <a:schemeClr val="bg1">
-                    <a:lumMod val="85000"/>
-                  </a:schemeClr>
-                </a:solidFill>
-                <a:effectLst/>
-                <a:latin typeface="Calibri" panose="020F0502020204030204" pitchFamily="34" charset="0"/>
-                <a:ea typeface="Calibri" panose="020F0502020204030204" pitchFamily="34" charset="0"/>
-                <a:cs typeface="Mangal" panose="02040503050203030202" pitchFamily="18" charset="0"/>
-              </a:rPr>
-              <a:t>Uniswap</a:t>
-            </a:r>
-            <a:r>
-              <a:rPr lang="en-IN" sz="1100" dirty="0">
-                <a:solidFill>
-                  <a:schemeClr val="bg1">
-                    <a:lumMod val="85000"/>
-                  </a:schemeClr>
-                </a:solidFill>
-                <a:effectLst/>
-                <a:latin typeface="Calibri" panose="020F0502020204030204" pitchFamily="34" charset="0"/>
-                <a:ea typeface="Calibri" panose="020F0502020204030204" pitchFamily="34" charset="0"/>
-                <a:cs typeface="Mangal" panose="02040503050203030202" pitchFamily="18" charset="0"/>
-              </a:rPr>
-              <a:t>, Curve, Saddle, Swerve. </a:t>
-            </a:r>
-            <a:r>
-              <a:rPr lang="en-IN" sz="1100" dirty="0">
-                <a:solidFill>
-                  <a:schemeClr val="bg1">
-                    <a:lumMod val="85000"/>
-                  </a:schemeClr>
-                </a:solidFill>
-                <a:latin typeface="Calibri" panose="020F0502020204030204" pitchFamily="34" charset="0"/>
-                <a:ea typeface="Calibri" panose="020F0502020204030204" pitchFamily="34" charset="0"/>
-                <a:cs typeface="Mangal" panose="02040503050203030202" pitchFamily="18" charset="0"/>
-              </a:rPr>
-              <a:t>Also worked on Cross-chain Bridge for implementation of token &amp; presale, vesting contracts with </a:t>
-            </a:r>
-            <a:r>
-              <a:rPr lang="en-IN" sz="1100" dirty="0" err="1">
-                <a:solidFill>
-                  <a:schemeClr val="bg1">
-                    <a:lumMod val="85000"/>
-                  </a:schemeClr>
-                </a:solidFill>
-                <a:latin typeface="Calibri" panose="020F0502020204030204" pitchFamily="34" charset="0"/>
-                <a:ea typeface="Calibri" panose="020F0502020204030204" pitchFamily="34" charset="0"/>
-                <a:cs typeface="Mangal" panose="02040503050203030202" pitchFamily="18" charset="0"/>
-              </a:rPr>
-              <a:t>timelock</a:t>
-            </a:r>
-            <a:r>
-              <a:rPr lang="en-IN" sz="1100" dirty="0">
-                <a:solidFill>
-                  <a:schemeClr val="bg1">
-                    <a:lumMod val="85000"/>
-                  </a:schemeClr>
-                </a:solidFill>
-                <a:latin typeface="Calibri" panose="020F0502020204030204" pitchFamily="34" charset="0"/>
-                <a:ea typeface="Calibri" panose="020F0502020204030204" pitchFamily="34" charset="0"/>
-                <a:cs typeface="Mangal" panose="02040503050203030202" pitchFamily="18" charset="0"/>
-              </a:rPr>
-              <a:t> functionality for the tokens transferred from </a:t>
-            </a:r>
-            <a:r>
-              <a:rPr lang="en-IN" sz="1100" dirty="0" err="1">
-                <a:solidFill>
-                  <a:schemeClr val="bg1">
-                    <a:lumMod val="85000"/>
-                  </a:schemeClr>
-                </a:solidFill>
-                <a:latin typeface="Calibri" panose="020F0502020204030204" pitchFamily="34" charset="0"/>
-                <a:ea typeface="Calibri" panose="020F0502020204030204" pitchFamily="34" charset="0"/>
-                <a:cs typeface="Mangal" panose="02040503050203030202" pitchFamily="18" charset="0"/>
-              </a:rPr>
-              <a:t>DeFi</a:t>
-            </a:r>
-            <a:r>
-              <a:rPr lang="en-IN" sz="1100" dirty="0">
-                <a:solidFill>
-                  <a:schemeClr val="bg1">
-                    <a:lumMod val="85000"/>
-                  </a:schemeClr>
-                </a:solidFill>
-                <a:latin typeface="Calibri" panose="020F0502020204030204" pitchFamily="34" charset="0"/>
-                <a:ea typeface="Calibri" panose="020F0502020204030204" pitchFamily="34" charset="0"/>
-                <a:cs typeface="Mangal" panose="02040503050203030202" pitchFamily="18" charset="0"/>
-              </a:rPr>
-              <a:t> protocols during swap</a:t>
-            </a:r>
-            <a:r>
-              <a:rPr lang="en-IN" sz="1100" dirty="0">
-                <a:solidFill>
-                  <a:schemeClr val="bg1">
-                    <a:lumMod val="85000"/>
-                  </a:schemeClr>
-                </a:solidFill>
-                <a:effectLst/>
                 <a:latin typeface="Calibri" panose="020F0502020204030204" pitchFamily="34" charset="0"/>
                 <a:ea typeface="Calibri" panose="020F0502020204030204" pitchFamily="34" charset="0"/>
                 <a:cs typeface="Mangal" panose="02040503050203030202" pitchFamily="18" charset="0"/>
               </a:rPr>
               <a:t>.</a:t>
             </a:r>
+            <a:endParaRPr lang="en-IN" sz="1100" dirty="0">
+              <a:solidFill>
+                <a:schemeClr val="bg1">
+                  <a:lumMod val="85000"/>
+                </a:schemeClr>
+              </a:solidFill>
+              <a:effectLst/>
+              <a:latin typeface="Calibri" panose="020F0502020204030204" pitchFamily="34" charset="0"/>
+              <a:ea typeface="Calibri" panose="020F0502020204030204" pitchFamily="34" charset="0"/>
+              <a:cs typeface="Mangal" panose="02040503050203030202" pitchFamily="18" charset="0"/>
+            </a:endParaRPr>
           </a:p>
           <a:p>
             <a:pPr marL="342900" marR="0" lvl="0" indent="-342900" algn="just">
@@ -16389,11 +16254,12 @@
                     <a:lumMod val="85000"/>
                   </a:schemeClr>
                 </a:solidFill>
+                <a:effectLst/>
                 <a:latin typeface="Calibri" panose="020F0502020204030204" pitchFamily="34" charset="0"/>
                 <a:ea typeface="Calibri" panose="020F0502020204030204" pitchFamily="34" charset="0"/>
                 <a:cs typeface="Mangal" panose="02040503050203030202" pitchFamily="18" charset="0"/>
               </a:rPr>
-              <a:t>Worked on upgradeable contracts based on Escrow, Staking with reward issue, </a:t>
+              <a:t>Worked as Lead Blockchain Developer &amp; Architect for a </a:t>
             </a:r>
             <a:r>
               <a:rPr lang="en-IN" sz="1100" dirty="0" err="1">
@@ -16402,6 +16268,7 @@
                     <a:lumMod val="85000"/>
                   </a:schemeClr>
                 </a:solidFill>
+                <a:effectLst/>
                 <a:latin typeface="Calibri" panose="020F0502020204030204" pitchFamily="34" charset="0"/>
                 <a:ea typeface="Calibri" panose="020F0502020204030204" pitchFamily="34" charset="0"/>
                 <a:cs typeface="Mangal" panose="02040503050203030202" pitchFamily="18" charset="0"/>
@@ -16415,23 +16282,148 @@
                     <a:lumMod val="85000"/>
                   </a:schemeClr>
                 </a:solidFill>
+                <a:effectLst/>
                 <a:latin typeface="Calibri" panose="020F0502020204030204" pitchFamily="34" charset="0"/>
                 <a:ea typeface="Calibri" panose="020F0502020204030204" pitchFamily="34" charset="0"/>
                 <a:cs typeface="Mangal" panose="02040503050203030202" pitchFamily="18" charset="0"/>
               </a:rPr>
-              <a:t> token’s average price, Token vault.</a:t>
-            </a:r>
-            <a:endParaRPr lang="en-IN" sz="1100" dirty="0">
-              <a:solidFill>
-                <a:schemeClr val="bg1">
-                  <a:lumMod val="85000"/>
-                </a:schemeClr>
-              </a:solidFill>
-              <a:effectLst/>
-              <a:latin typeface="Calibri" panose="020F0502020204030204" pitchFamily="34" charset="0"/>
-              <a:ea typeface="Calibri" panose="020F0502020204030204" pitchFamily="34" charset="0"/>
-              <a:cs typeface="Mangal" panose="02040503050203030202" pitchFamily="18" charset="0"/>
-            </a:endParaRPr>
+              <a:t> </a:t>
+            </a:r>
+            <a:r>
+              <a:rPr lang="en-IN" sz="1100" dirty="0" err="1">
+                <a:solidFill>
+                  <a:schemeClr val="bg1">
+                    <a:lumMod val="85000"/>
+                  </a:schemeClr>
+                </a:solidFill>
+                <a:effectLst/>
+                <a:latin typeface="Calibri" panose="020F0502020204030204" pitchFamily="34" charset="0"/>
+                <a:ea typeface="Calibri" panose="020F0502020204030204" pitchFamily="34" charset="0"/>
+                <a:cs typeface="Mangal" panose="02040503050203030202" pitchFamily="18" charset="0"/>
+              </a:rPr>
+              <a:t>startup</a:t>
+            </a:r>
+            <a:r>
+              <a:rPr lang="en-IN" sz="1100" dirty="0">
+                <a:solidFill>
+                  <a:schemeClr val="bg1">
+                    <a:lumMod val="85000"/>
+                  </a:schemeClr>
+                </a:solidFill>
+                <a:effectLst/>
+                <a:latin typeface="Calibri" panose="020F0502020204030204" pitchFamily="34" charset="0"/>
+                <a:ea typeface="Calibri" panose="020F0502020204030204" pitchFamily="34" charset="0"/>
+                <a:cs typeface="Mangal" panose="02040503050203030202" pitchFamily="18" charset="0"/>
+              </a:rPr>
+              <a:t> and also familiar with projects like </a:t>
+            </a:r>
+            <a:r>
+              <a:rPr lang="en-IN" sz="1100" dirty="0" err="1">
+                <a:solidFill>
+                  <a:schemeClr val="bg1">
+                    <a:lumMod val="85000"/>
+                  </a:schemeClr>
+                </a:solidFill>
+                <a:effectLst/>
+                <a:latin typeface="Calibri" panose="020F0502020204030204" pitchFamily="34" charset="0"/>
+                <a:ea typeface="Calibri" panose="020F0502020204030204" pitchFamily="34" charset="0"/>
+                <a:cs typeface="Mangal" panose="02040503050203030202" pitchFamily="18" charset="0"/>
+              </a:rPr>
+              <a:t>Uniswap</a:t>
+            </a:r>
+            <a:r>
+              <a:rPr lang="en-IN" sz="1100" dirty="0">
+                <a:solidFill>
+                  <a:schemeClr val="bg1">
+                    <a:lumMod val="85000"/>
+                  </a:schemeClr>
+                </a:solidFill>
+                <a:effectLst/>
+                <a:latin typeface="Calibri" panose="020F0502020204030204" pitchFamily="34" charset="0"/>
+                <a:ea typeface="Calibri" panose="020F0502020204030204" pitchFamily="34" charset="0"/>
+                <a:cs typeface="Mangal" panose="02040503050203030202" pitchFamily="18" charset="0"/>
+              </a:rPr>
+              <a:t>, Curve, Saddle, Swerve. </a:t>
+            </a:r>
+            <a:r>
+              <a:rPr lang="en-IN" sz="1100" dirty="0">
+                <a:solidFill>
+                  <a:schemeClr val="bg1">
+                    <a:lumMod val="85000"/>
+                  </a:schemeClr>
+                </a:solidFill>
+                <a:latin typeface="Calibri" panose="020F0502020204030204" pitchFamily="34" charset="0"/>
+                <a:ea typeface="Calibri" panose="020F0502020204030204" pitchFamily="34" charset="0"/>
+                <a:cs typeface="Mangal" panose="02040503050203030202" pitchFamily="18" charset="0"/>
+              </a:rPr>
+              <a:t>Also worked on Cross-chain Bridge for implementation of token &amp; presale, vesting contracts with </a:t>
+            </a:r>
+            <a:r>
+              <a:rPr lang="en-IN" sz="1100" dirty="0" err="1">
+                <a:solidFill>
+                  <a:schemeClr val="bg1">
+                    <a:lumMod val="85000"/>
+                  </a:schemeClr>
+                </a:solidFill>
+                <a:latin typeface="Calibri" panose="020F0502020204030204" pitchFamily="34" charset="0"/>
+                <a:ea typeface="Calibri" panose="020F0502020204030204" pitchFamily="34" charset="0"/>
+                <a:cs typeface="Mangal" panose="02040503050203030202" pitchFamily="18" charset="0"/>
+              </a:rPr>
+              <a:t>timelock</a:t>
+            </a:r>
+            <a:r>
+              <a:rPr lang="en-IN" sz="1100" dirty="0">
+                <a:solidFill>
+                  <a:schemeClr val="bg1">
+                    <a:lumMod val="85000"/>
+                  </a:schemeClr>
+                </a:solidFill>
+                <a:latin typeface="Calibri" panose="020F0502020204030204" pitchFamily="34" charset="0"/>
+                <a:ea typeface="Calibri" panose="020F0502020204030204" pitchFamily="34" charset="0"/>
+                <a:cs typeface="Mangal" panose="02040503050203030202" pitchFamily="18" charset="0"/>
+              </a:rPr>
+              <a:t> functionality for the tokens transferred from </a:t>
+            </a:r>
+            <a:r>
+              <a:rPr lang="en-IN" sz="1100" dirty="0" err="1">
+                <a:solidFill>
+                  <a:schemeClr val="bg1">
+                    <a:lumMod val="85000"/>
+                  </a:schemeClr>
+                </a:solidFill>
+                <a:latin typeface="Calibri" panose="020F0502020204030204" pitchFamily="34" charset="0"/>
+                <a:ea typeface="Calibri" panose="020F0502020204030204" pitchFamily="34" charset="0"/>
+                <a:cs typeface="Mangal" panose="02040503050203030202" pitchFamily="18" charset="0"/>
+              </a:rPr>
+              <a:t>DeFi</a:t>
+            </a:r>
+            <a:r>
+              <a:rPr lang="en-IN" sz="1100" dirty="0">
+                <a:solidFill>
+                  <a:schemeClr val="bg1">
+                    <a:lumMod val="85000"/>
+                  </a:schemeClr>
+                </a:solidFill>
+                <a:latin typeface="Calibri" panose="020F0502020204030204" pitchFamily="34" charset="0"/>
+                <a:ea typeface="Calibri" panose="020F0502020204030204" pitchFamily="34" charset="0"/>
+                <a:cs typeface="Mangal" panose="02040503050203030202" pitchFamily="18" charset="0"/>
+              </a:rPr>
+              <a:t> protocols during swap</a:t>
+            </a:r>
+            <a:r>
+              <a:rPr lang="en-IN" sz="1100" dirty="0">
+                <a:solidFill>
+                  <a:schemeClr val="bg1">
+                    <a:lumMod val="85000"/>
+                  </a:schemeClr>
+                </a:solidFill>
+                <a:effectLst/>
+                <a:latin typeface="Calibri" panose="020F0502020204030204" pitchFamily="34" charset="0"/>
+                <a:ea typeface="Calibri" panose="020F0502020204030204" pitchFamily="34" charset="0"/>
+                <a:cs typeface="Mangal" panose="02040503050203030202" pitchFamily="18" charset="0"/>
+              </a:rPr>
+              <a:t>.</a:t>
+            </a:r>
           </a:p>
           <a:p>
             <a:pPr marL="342900" marR="0" lvl="0" indent="-342900" algn="just">
@@ -16454,12 +16446,11 @@
                     <a:lumMod val="85000"/>
                   </a:schemeClr>
                 </a:solidFill>
-                <a:effectLst/>
                 <a:latin typeface="Calibri" panose="020F0502020204030204" pitchFamily="34" charset="0"/>
                 <a:ea typeface="Calibri" panose="020F0502020204030204" pitchFamily="34" charset="0"/>
                 <a:cs typeface="Mangal" panose="02040503050203030202" pitchFamily="18" charset="0"/>
               </a:rPr>
-              <a:t>Unit testing of smart contracts using Hardhat, Truffle with </a:t>
+              <a:t>Worked on upgradeable contracts based on Escrow, Staking with reward issue, </a:t>
             </a:r>
             <a:r>
               <a:rPr lang="en-IN" sz="1100" dirty="0" err="1">
@@ -16468,12 +16459,11 @@
                     <a:lumMod val="85000"/>
                   </a:schemeClr>
                 </a:solidFill>
-                <a:effectLst/>
                 <a:latin typeface="Calibri" panose="020F0502020204030204" pitchFamily="34" charset="0"/>
                 <a:ea typeface="Calibri" panose="020F0502020204030204" pitchFamily="34" charset="0"/>
                 <a:cs typeface="Mangal" panose="02040503050203030202" pitchFamily="18" charset="0"/>
               </a:rPr>
-              <a:t>Javascript</a:t>
+              <a:t>DeFi</a:t>
             </a:r>
             <a:r>
               <a:rPr lang="en-IN" sz="1100" dirty="0">
@@ -16486,22 +16476,19 @@
                 <a:ea typeface="Calibri" panose="020F0502020204030204" pitchFamily="34" charset="0"/>
                 <a:cs typeface="Mangal" panose="02040503050203030202" pitchFamily="18" charset="0"/>
               </a:rPr>
-              <a:t> or </a:t>
-            </a:r>
-            <a:r>
-              <a:rPr lang="en-IN" sz="1100" dirty="0">
-                <a:solidFill>
-                  <a:schemeClr val="bg1">
-                    <a:lumMod val="85000"/>
-                  </a:schemeClr>
-                </a:solidFill>
-                <a:effectLst/>
-                <a:latin typeface="Calibri" panose="020F0502020204030204" pitchFamily="34" charset="0"/>
-                <a:ea typeface="Calibri" panose="020F0502020204030204" pitchFamily="34" charset="0"/>
-                <a:cs typeface="Mangal" panose="02040503050203030202" pitchFamily="18" charset="0"/>
-              </a:rPr>
-              <a:t>Typescript. Also, familiarity with Slither to find contract vulnerabilities and monitor the gas consumption for each contract methods.</a:t>
-            </a:r>
+              <a:t> token’s average price, Token vault.</a:t>
+            </a:r>
+            <a:endParaRPr lang="en-IN" sz="1100" dirty="0">
+              <a:solidFill>
+                <a:schemeClr val="bg1">
+                  <a:lumMod val="85000"/>
+                </a:schemeClr>
+              </a:solidFill>
+              <a:effectLst/>
+              <a:latin typeface="Calibri" panose="020F0502020204030204" pitchFamily="34" charset="0"/>
+              <a:ea typeface="Calibri" panose="020F0502020204030204" pitchFamily="34" charset="0"/>
+              <a:cs typeface="Mangal" panose="02040503050203030202" pitchFamily="18" charset="0"/>
+            </a:endParaRPr>
           </a:p>
           <a:p>
             <a:pPr marL="342900" marR="0" lvl="0" indent="-342900" algn="just">
@@ -16529,7 +16516,7 @@
                 <a:ea typeface="Calibri" panose="020F0502020204030204" pitchFamily="34" charset="0"/>
                 <a:cs typeface="Mangal" panose="02040503050203030202" pitchFamily="18" charset="0"/>
               </a:rPr>
-              <a:t>Full Stack development of a product App – ‘</a:t>
+              <a:t>Unit testing of smart contracts using Hardhat, Truffle with </a:t>
             </a:r>
             <a:r>
               <a:rPr lang="en-IN" sz="1100" dirty="0" err="1">
@@ -16543,7 +16530,20 @@
                 <a:ea typeface="Calibri" panose="020F0502020204030204" pitchFamily="34" charset="0"/>
                 <a:cs typeface="Mangal" panose="02040503050203030202" pitchFamily="18" charset="0"/>
               </a:rPr>
-              <a:t>BitInfoCoin</a:t>
+              <a:t>Javascript</a:t>
+            </a:r>
+            <a:r>
+              <a:rPr lang="en-IN" sz="1100" dirty="0">
+                <a:solidFill>
+                  <a:schemeClr val="bg1">
+                    <a:lumMod val="85000"/>
+                  </a:schemeClr>
+                </a:solidFill>
+                <a:latin typeface="Calibri" panose="020F0502020204030204" pitchFamily="34" charset="0"/>
+                <a:ea typeface="Calibri" panose="020F0502020204030204" pitchFamily="34" charset="0"/>
+                <a:cs typeface="Mangal" panose="02040503050203030202" pitchFamily="18" charset="0"/>
+              </a:rPr>
+              <a:t> or </a:t>
             </a:r>
             <a:r>
               <a:rPr lang="en-IN" sz="1100" dirty="0">
@@ -16557,18 +16557,8 @@
                 <a:ea typeface="Calibri" panose="020F0502020204030204" pitchFamily="34" charset="0"/>
                 <a:cs typeface="Mangal" panose="02040503050203030202" pitchFamily="18" charset="0"/>
               </a:rPr>
-              <a:t>’ in Crypto users.</a:t>
-            </a:r>
-            <a:endParaRPr lang="en-US" sz="1100" dirty="0">
-              <a:solidFill>
-                <a:schemeClr val="bg1">
-                  <a:lumMod val="85000"/>
-                </a:schemeClr>
-              </a:solidFill>
-              <a:latin typeface="Calibri" panose="020F0502020204030204" pitchFamily="34" charset="0"/>
-              <a:ea typeface="Calibri" panose="020F0502020204030204" pitchFamily="34" charset="0"/>
-              <a:cs typeface="Mangal" panose="02040503050203030202" pitchFamily="18" charset="0"/>
-            </a:endParaRPr>
+              <a:t>Typescript. Also, familiarity with Slither to find contract vulnerabilities and monitor the gas consumption for each contract methods.</a:t>
+            </a:r>
           </a:p>
           <a:p>
             <a:pPr marL="342900" marR="0" lvl="0" indent="-342900" algn="just">
@@ -16596,7 +16586,7 @@
                 <a:ea typeface="Calibri" panose="020F0502020204030204" pitchFamily="34" charset="0"/>
                 <a:cs typeface="Mangal" panose="02040503050203030202" pitchFamily="18" charset="0"/>
               </a:rPr>
-              <a:t>Designed &amp; Developed the Smart Contract System Design with suite of smart contracts for a Ride Sharing </a:t>
+              <a:t>Full Stack development of a product App – ‘</a:t>
             </a:r>
             <a:r>
               <a:rPr lang="en-IN" sz="1100" dirty="0" err="1">
@@ -16610,7 +16600,7 @@
                 <a:ea typeface="Calibri" panose="020F0502020204030204" pitchFamily="34" charset="0"/>
                 <a:cs typeface="Mangal" panose="02040503050203030202" pitchFamily="18" charset="0"/>
               </a:rPr>
-              <a:t>DApp</a:t>
+              <a:t>BitInfoCoin</a:t>
             </a:r>
             <a:r>
               <a:rPr lang="en-IN" sz="1100" dirty="0">
@@ -16624,72 +16614,7 @@
                 <a:ea typeface="Calibri" panose="020F0502020204030204" pitchFamily="34" charset="0"/>
                 <a:cs typeface="Mangal" panose="02040503050203030202" pitchFamily="18" charset="0"/>
               </a:rPr>
-              <a:t> and wrote the technical whitepaper. Thi</a:t>
-            </a:r>
-            <a:r>
-              <a:rPr lang="en-IN" sz="1100" dirty="0">
-                <a:solidFill>
-                  <a:schemeClr val="bg1">
-                    <a:lumMod val="85000"/>
-                  </a:schemeClr>
-                </a:solidFill>
-                <a:latin typeface="Calibri" panose="020F0502020204030204" pitchFamily="34" charset="0"/>
-                <a:ea typeface="Calibri" panose="020F0502020204030204" pitchFamily="34" charset="0"/>
-                <a:cs typeface="Mangal" panose="02040503050203030202" pitchFamily="18" charset="0"/>
-              </a:rPr>
-              <a:t>s also featured a ‘free Rides’ trade AMM based marketplace with all-time liquidity using </a:t>
-            </a:r>
-            <a:r>
-              <a:rPr lang="en-IN" sz="1100" dirty="0" err="1">
-                <a:solidFill>
-                  <a:schemeClr val="bg1">
-                    <a:lumMod val="85000"/>
-                  </a:schemeClr>
-                </a:solidFill>
-                <a:latin typeface="Calibri" panose="020F0502020204030204" pitchFamily="34" charset="0"/>
-                <a:ea typeface="Calibri" panose="020F0502020204030204" pitchFamily="34" charset="0"/>
-                <a:cs typeface="Mangal" panose="02040503050203030202" pitchFamily="18" charset="0"/>
-              </a:rPr>
-              <a:t>DeFi’s</a:t>
-            </a:r>
-            <a:r>
-              <a:rPr lang="en-IN" sz="1100" dirty="0">
-                <a:solidFill>
-                  <a:schemeClr val="bg1">
-                    <a:lumMod val="85000"/>
-                  </a:schemeClr>
-                </a:solidFill>
-                <a:latin typeface="Calibri" panose="020F0502020204030204" pitchFamily="34" charset="0"/>
-                <a:ea typeface="Calibri" panose="020F0502020204030204" pitchFamily="34" charset="0"/>
-                <a:cs typeface="Mangal" panose="02040503050203030202" pitchFamily="18" charset="0"/>
-              </a:rPr>
-              <a:t> </a:t>
-            </a:r>
-            <a:r>
-              <a:rPr lang="en-IN" sz="1100" dirty="0" err="1">
-                <a:solidFill>
-                  <a:schemeClr val="bg1">
-                    <a:lumMod val="85000"/>
-                  </a:schemeClr>
-                </a:solidFill>
-                <a:latin typeface="Calibri" panose="020F0502020204030204" pitchFamily="34" charset="0"/>
-                <a:ea typeface="Calibri" panose="020F0502020204030204" pitchFamily="34" charset="0"/>
-                <a:cs typeface="Mangal" panose="02040503050203030202" pitchFamily="18" charset="0"/>
-              </a:rPr>
-              <a:t>Bancor</a:t>
-            </a:r>
-            <a:r>
-              <a:rPr lang="en-IN" sz="1100" dirty="0">
-                <a:solidFill>
-                  <a:schemeClr val="bg1">
-                    <a:lumMod val="85000"/>
-                  </a:schemeClr>
-                </a:solidFill>
-                <a:latin typeface="Calibri" panose="020F0502020204030204" pitchFamily="34" charset="0"/>
-                <a:ea typeface="Calibri" panose="020F0502020204030204" pitchFamily="34" charset="0"/>
-                <a:cs typeface="Mangal" panose="02040503050203030202" pitchFamily="18" charset="0"/>
-              </a:rPr>
-              <a:t> Algorithm.</a:t>
+              <a:t>’ in Crypto users.</a:t>
             </a:r>
             <a:endParaRPr lang="en-US" sz="1100" dirty="0">
               <a:solidFill>
@@ -16697,44 +16622,6 @@
                   <a:lumMod val="85000"/>
                 </a:schemeClr>
               </a:solidFill>
-              <a:effectLst/>
-              <a:latin typeface="Calibri" panose="020F0502020204030204" pitchFamily="34" charset="0"/>
-              <a:ea typeface="Calibri" panose="020F0502020204030204" pitchFamily="34" charset="0"/>
-              <a:cs typeface="Mangal" panose="02040503050203030202" pitchFamily="18" charset="0"/>
-            </a:endParaRPr>
-          </a:p>
-          <a:p>
-            <a:pPr marL="342900" indent="-342900" algn="just">
-              <a:lnSpc>
-                <a:spcPct val="115000"/>
-              </a:lnSpc>
-              <a:spcAft>
-                <a:spcPts val="600"/>
-              </a:spcAft>
-              <a:buFont typeface="Symbol" panose="05050102010706020507" pitchFamily="18" charset="2"/>
-              <a:buChar char=""/>
-            </a:pPr>
-            <a:r>
-              <a:rPr lang="en-IN" sz="1100" dirty="0">
-                <a:solidFill>
-                  <a:schemeClr val="bg1">
-                    <a:lumMod val="85000"/>
-                  </a:schemeClr>
-                </a:solidFill>
-                <a:effectLst/>
-                <a:latin typeface="Calibri" panose="020F0502020204030204" pitchFamily="34" charset="0"/>
-                <a:ea typeface="Calibri" panose="020F0502020204030204" pitchFamily="34" charset="0"/>
-                <a:cs typeface="Mangal" panose="02040503050203030202" pitchFamily="18" charset="0"/>
-              </a:rPr>
-              <a:t>Worked on smart contracts for a project “Providing a digital identity for parks to enable humans to interact with and take care of them”.</a:t>
-            </a:r>
-            <a:endParaRPr lang="en-US" sz="1100" dirty="0">
-              <a:solidFill>
-                <a:schemeClr val="bg1">
-                  <a:lumMod val="85000"/>
-                </a:schemeClr>
-              </a:solidFill>
-              <a:effectLst/>
               <a:latin typeface="Calibri" panose="020F0502020204030204" pitchFamily="34" charset="0"/>
               <a:ea typeface="Calibri" panose="020F0502020204030204" pitchFamily="34" charset="0"/>
               <a:cs typeface="Mangal" panose="02040503050203030202" pitchFamily="18" charset="0"/>
@@ -16766,8 +16653,149 @@
                 <a:ea typeface="Calibri" panose="020F0502020204030204" pitchFamily="34" charset="0"/>
                 <a:cs typeface="Mangal" panose="02040503050203030202" pitchFamily="18" charset="0"/>
               </a:rPr>
-              <a:t>Worked on smart contracts for ICO along with a report on estimated running cost of resources like on-chain RAM, CPU, NET for both Testnet &amp; Mainnet. </a:t>
-            </a:r>
+              <a:t>Designed &amp; Developed the Smart Contract System Design with suite of smart contracts for a Ride Sharing </a:t>
+            </a:r>
+            <a:r>
+              <a:rPr lang="en-IN" sz="1100" dirty="0" err="1">
+                <a:solidFill>
+                  <a:schemeClr val="bg1">
+                    <a:lumMod val="85000"/>
+                  </a:schemeClr>
+                </a:solidFill>
+                <a:effectLst/>
+                <a:latin typeface="Calibri" panose="020F0502020204030204" pitchFamily="34" charset="0"/>
+                <a:ea typeface="Calibri" panose="020F0502020204030204" pitchFamily="34" charset="0"/>
+                <a:cs typeface="Mangal" panose="02040503050203030202" pitchFamily="18" charset="0"/>
+              </a:rPr>
+              <a:t>DApp</a:t>
+            </a:r>
+            <a:r>
+              <a:rPr lang="en-IN" sz="1100" dirty="0">
+                <a:solidFill>
+                  <a:schemeClr val="bg1">
+                    <a:lumMod val="85000"/>
+                  </a:schemeClr>
+                </a:solidFill>
+                <a:effectLst/>
+                <a:latin typeface="Calibri" panose="020F0502020204030204" pitchFamily="34" charset="0"/>
+                <a:ea typeface="Calibri" panose="020F0502020204030204" pitchFamily="34" charset="0"/>
+                <a:cs typeface="Mangal" panose="02040503050203030202" pitchFamily="18" charset="0"/>
+              </a:rPr>
+              <a:t> and wrote the technical whitepaper. Thi</a:t>
+            </a:r>
+            <a:r>
+              <a:rPr lang="en-IN" sz="1100" dirty="0">
+                <a:solidFill>
+                  <a:schemeClr val="bg1">
+                    <a:lumMod val="85000"/>
+                  </a:schemeClr>
+                </a:solidFill>
+                <a:latin typeface="Calibri" panose="020F0502020204030204" pitchFamily="34" charset="0"/>
+                <a:ea typeface="Calibri" panose="020F0502020204030204" pitchFamily="34" charset="0"/>
+                <a:cs typeface="Mangal" panose="02040503050203030202" pitchFamily="18" charset="0"/>
+              </a:rPr>
+              <a:t>s also featured a ‘free Rides’ trade AMM based marketplace with all-time liquidity using </a:t>
+            </a:r>
+            <a:r>
+              <a:rPr lang="en-IN" sz="1100" dirty="0" err="1">
+                <a:solidFill>
+                  <a:schemeClr val="bg1">
+                    <a:lumMod val="85000"/>
+                  </a:schemeClr>
+                </a:solidFill>
+                <a:latin typeface="Calibri" panose="020F0502020204030204" pitchFamily="34" charset="0"/>
+                <a:ea typeface="Calibri" panose="020F0502020204030204" pitchFamily="34" charset="0"/>
+                <a:cs typeface="Mangal" panose="02040503050203030202" pitchFamily="18" charset="0"/>
+              </a:rPr>
+              <a:t>DeFi’s</a:t>
+            </a:r>
+            <a:r>
+              <a:rPr lang="en-IN" sz="1100" dirty="0">
+                <a:solidFill>
+                  <a:schemeClr val="bg1">
+                    <a:lumMod val="85000"/>
+                  </a:schemeClr>
+                </a:solidFill>
+                <a:latin typeface="Calibri" panose="020F0502020204030204" pitchFamily="34" charset="0"/>
+                <a:ea typeface="Calibri" panose="020F0502020204030204" pitchFamily="34" charset="0"/>
+                <a:cs typeface="Mangal" panose="02040503050203030202" pitchFamily="18" charset="0"/>
+              </a:rPr>
+              <a:t> </a:t>
+            </a:r>
+            <a:r>
+              <a:rPr lang="en-IN" sz="1100" dirty="0" err="1">
+                <a:solidFill>
+                  <a:schemeClr val="bg1">
+                    <a:lumMod val="85000"/>
+                  </a:schemeClr>
+                </a:solidFill>
+                <a:latin typeface="Calibri" panose="020F0502020204030204" pitchFamily="34" charset="0"/>
+                <a:ea typeface="Calibri" panose="020F0502020204030204" pitchFamily="34" charset="0"/>
+                <a:cs typeface="Mangal" panose="02040503050203030202" pitchFamily="18" charset="0"/>
+              </a:rPr>
+              <a:t>Bancor</a:t>
+            </a:r>
+            <a:r>
+              <a:rPr lang="en-IN" sz="1100" dirty="0">
+                <a:solidFill>
+                  <a:schemeClr val="bg1">
+                    <a:lumMod val="85000"/>
+                  </a:schemeClr>
+                </a:solidFill>
+                <a:latin typeface="Calibri" panose="020F0502020204030204" pitchFamily="34" charset="0"/>
+                <a:ea typeface="Calibri" panose="020F0502020204030204" pitchFamily="34" charset="0"/>
+                <a:cs typeface="Mangal" panose="02040503050203030202" pitchFamily="18" charset="0"/>
+              </a:rPr>
+              <a:t> Algorithm.</a:t>
+            </a:r>
+            <a:endParaRPr lang="en-US" sz="1100" dirty="0">
+              <a:solidFill>
+                <a:schemeClr val="bg1">
+                  <a:lumMod val="85000"/>
+                </a:schemeClr>
+              </a:solidFill>
+              <a:effectLst/>
+              <a:latin typeface="Calibri" panose="020F0502020204030204" pitchFamily="34" charset="0"/>
+              <a:ea typeface="Calibri" panose="020F0502020204030204" pitchFamily="34" charset="0"/>
+              <a:cs typeface="Mangal" panose="02040503050203030202" pitchFamily="18" charset="0"/>
+            </a:endParaRPr>
+          </a:p>
+          <a:p>
+            <a:pPr marL="342900" indent="-342900" algn="just">
+              <a:lnSpc>
+                <a:spcPct val="115000"/>
+              </a:lnSpc>
+              <a:spcAft>
+                <a:spcPts val="600"/>
+              </a:spcAft>
+              <a:buFont typeface="Symbol" panose="05050102010706020507" pitchFamily="18" charset="2"/>
+              <a:buChar char=""/>
+            </a:pPr>
+            <a:r>
+              <a:rPr lang="en-IN" sz="1100" dirty="0">
+                <a:solidFill>
+                  <a:schemeClr val="bg1">
+                    <a:lumMod val="85000"/>
+                  </a:schemeClr>
+                </a:solidFill>
+                <a:effectLst/>
+                <a:latin typeface="Calibri" panose="020F0502020204030204" pitchFamily="34" charset="0"/>
+                <a:ea typeface="Calibri" panose="020F0502020204030204" pitchFamily="34" charset="0"/>
+                <a:cs typeface="Mangal" panose="02040503050203030202" pitchFamily="18" charset="0"/>
+              </a:rPr>
+              <a:t>Worked on smart contracts for a project “Providing a digital identity for parks to enable humans to interact with and take care of them”.</a:t>
+            </a:r>
+            <a:endParaRPr lang="en-US" sz="1100" dirty="0">
+              <a:solidFill>
+                <a:schemeClr val="bg1">
+                  <a:lumMod val="85000"/>
+                </a:schemeClr>
+              </a:solidFill>
+              <a:effectLst/>
+              <a:latin typeface="Calibri" panose="020F0502020204030204" pitchFamily="34" charset="0"/>
+              <a:ea typeface="Calibri" panose="020F0502020204030204" pitchFamily="34" charset="0"/>
+              <a:cs typeface="Mangal" panose="02040503050203030202" pitchFamily="18" charset="0"/>
+            </a:endParaRPr>
           </a:p>
           <a:p>
             <a:pPr marL="342900" marR="0" lvl="0" indent="-342900" algn="just">
@@ -16795,60 +16823,7 @@
                 <a:ea typeface="Calibri" panose="020F0502020204030204" pitchFamily="34" charset="0"/>
                 <a:cs typeface="Mangal" panose="02040503050203030202" pitchFamily="18" charset="0"/>
               </a:rPr>
-              <a:t>Built architecture &amp; wrote smart contracts – ICO, Stake, Token for a project on “Automatic payment disbursal to </a:t>
-            </a:r>
-            <a:r>
-              <a:rPr lang="en-IN" sz="1100" dirty="0">
-                <a:solidFill>
-                  <a:schemeClr val="bg1">
-                    <a:lumMod val="85000"/>
-                  </a:schemeClr>
-                </a:solidFill>
-                <a:latin typeface="Calibri" panose="020F0502020204030204" pitchFamily="34" charset="0"/>
-                <a:ea typeface="Calibri" panose="020F0502020204030204" pitchFamily="34" charset="0"/>
-                <a:cs typeface="Mangal" panose="02040503050203030202" pitchFamily="18" charset="0"/>
-              </a:rPr>
-              <a:t>Patient/Doctor </a:t>
-            </a:r>
-            <a:r>
-              <a:rPr lang="en-IN" sz="1100" dirty="0">
-                <a:solidFill>
-                  <a:schemeClr val="bg1">
-                    <a:lumMod val="85000"/>
-                  </a:schemeClr>
-                </a:solidFill>
-                <a:effectLst/>
-                <a:latin typeface="Calibri" panose="020F0502020204030204" pitchFamily="34" charset="0"/>
-                <a:ea typeface="Calibri" panose="020F0502020204030204" pitchFamily="34" charset="0"/>
-                <a:cs typeface="Mangal" panose="02040503050203030202" pitchFamily="18" charset="0"/>
-              </a:rPr>
-              <a:t>for Rehabilitation Programme(s)”.</a:t>
-            </a:r>
-          </a:p>
-          <a:p>
-            <a:pPr marL="342900" indent="-342900" algn="just">
-              <a:lnSpc>
-                <a:spcPct val="115000"/>
-              </a:lnSpc>
-              <a:spcAft>
-                <a:spcPts val="600"/>
-              </a:spcAft>
-              <a:buFont typeface="Symbol" panose="05050102010706020507" pitchFamily="18" charset="2"/>
-              <a:buChar char=""/>
-            </a:pPr>
-            <a:r>
-              <a:rPr lang="en-IN" sz="1100" dirty="0">
-                <a:solidFill>
-                  <a:schemeClr val="bg1">
-                    <a:lumMod val="85000"/>
-                  </a:schemeClr>
-                </a:solidFill>
-                <a:effectLst/>
-                <a:latin typeface="Calibri" panose="020F0502020204030204" pitchFamily="34" charset="0"/>
-                <a:ea typeface="Calibri" panose="020F0502020204030204" pitchFamily="34" charset="0"/>
-                <a:cs typeface="Mangal" panose="02040503050203030202" pitchFamily="18" charset="0"/>
-              </a:rPr>
-              <a:t>Built Smart Contracts – Escrow, Game along with the architecture for a Betting Game – ‘GPK.Battles’ on WAX (EOSIO) Blockchain.</a:t>
+              <a:t>Worked on smart contracts for ICO along with a report on estimated running cost of resources like on-chain RAM, CPU, NET for both Testnet &amp; Mainnet. </a:t>
             </a:r>
           </a:p>
           <a:p>
@@ -16877,7 +16852,7 @@
                 <a:ea typeface="Calibri" panose="020F0502020204030204" pitchFamily="34" charset="0"/>
                 <a:cs typeface="Mangal" panose="02040503050203030202" pitchFamily="18" charset="0"/>
               </a:rPr>
-              <a:t>Created a Tipping Bot with smart contracts integrated within using which any person can deposit/withdraw/send/receive </a:t>
+              <a:t>Built architecture &amp; wrote smart contracts – ICO, Stake, Token for a project on “Automatic payment disbursal to </a:t>
             </a:r>
             <a:r>
               <a:rPr lang="en-IN" sz="1100" dirty="0">
@@ -16890,7 +16865,7 @@
                 <a:ea typeface="Calibri" panose="020F0502020204030204" pitchFamily="34" charset="0"/>
                 <a:cs typeface="Mangal" panose="02040503050203030202" pitchFamily="18" charset="0"/>
               </a:rPr>
-              <a:t>multiple </a:t>
+              <a:t>Patient/Doctor </a:t>
             </a:r>
             <a:r>
               <a:rPr lang="en-IN" sz="1100" dirty="0">
@@ -16904,7 +16879,33 @@
                 <a:ea typeface="Calibri" panose="020F0502020204030204" pitchFamily="34" charset="0"/>
                 <a:cs typeface="Mangal" panose="02040503050203030202" pitchFamily="18" charset="0"/>
               </a:rPr>
-              <a:t>crypto token worldwide with just Telegram user ID.</a:t>
+              <a:t>for Rehabilitation Programme(s)”.</a:t>
+            </a:r>
+          </a:p>
+          <a:p>
+            <a:pPr marL="342900" indent="-342900" algn="just">
+              <a:lnSpc>
+                <a:spcPct val="115000"/>
+              </a:lnSpc>
+              <a:spcAft>
+                <a:spcPts val="600"/>
+              </a:spcAft>
+              <a:buFont typeface="Symbol" panose="05050102010706020507" pitchFamily="18" charset="2"/>
+              <a:buChar char=""/>
+            </a:pPr>
+            <a:r>
+              <a:rPr lang="en-IN" sz="1100" dirty="0">
+                <a:solidFill>
+                  <a:schemeClr val="bg1">
+                    <a:lumMod val="85000"/>
+                  </a:schemeClr>
+                </a:solidFill>
+                <a:effectLst/>
+                <a:latin typeface="Calibri" panose="020F0502020204030204" pitchFamily="34" charset="0"/>
+                <a:ea typeface="Calibri" panose="020F0502020204030204" pitchFamily="34" charset="0"/>
+                <a:cs typeface="Mangal" panose="02040503050203030202" pitchFamily="18" charset="0"/>
+              </a:rPr>
+              <a:t>Built Smart Contracts – Escrow, Game along with the architecture for a Betting Game – ‘GPK.Battles’ on WAX (EOSIO) Blockchain.</a:t>
             </a:r>
           </a:p>
           <a:p>
@@ -16928,38 +16929,13 @@
                     <a:lumMod val="85000"/>
                   </a:schemeClr>
                 </a:solidFill>
+                <a:effectLst/>
                 <a:latin typeface="Calibri" panose="020F0502020204030204" pitchFamily="34" charset="0"/>
                 <a:ea typeface="Calibri" panose="020F0502020204030204" pitchFamily="34" charset="0"/>
                 <a:cs typeface="Mangal" panose="02040503050203030202" pitchFamily="18" charset="0"/>
               </a:rPr>
-              <a:t>Developed a KYC Bot with Blockchain and Cloud integration for personal data like name, address selfie (stored in bytes) and validation of hashed sensitive data.</a:t>
-            </a:r>
-            <a:endParaRPr lang="en-IN" sz="1100" dirty="0">
-              <a:solidFill>
-                <a:schemeClr val="bg1">
-                  <a:lumMod val="85000"/>
-                </a:schemeClr>
-              </a:solidFill>
-              <a:effectLst/>
-              <a:latin typeface="Calibri" panose="020F0502020204030204" pitchFamily="34" charset="0"/>
-              <a:ea typeface="Calibri" panose="020F0502020204030204" pitchFamily="34" charset="0"/>
-              <a:cs typeface="Mangal" panose="02040503050203030202" pitchFamily="18" charset="0"/>
-            </a:endParaRPr>
-          </a:p>
-          <a:p>
-            <a:pPr marL="342900" marR="0" lvl="0" indent="-342900" algn="just">
-              <a:lnSpc>
-                <a:spcPct val="115000"/>
-              </a:lnSpc>
-              <a:spcBef>
-                <a:spcPts val="0"/>
-              </a:spcBef>
-              <a:spcAft>
-                <a:spcPts val="600"/>
-              </a:spcAft>
-              <a:buFont typeface="Symbol" panose="05050102010706020507" pitchFamily="18" charset="2"/>
-              <a:buChar char=""/>
-            </a:pPr>
+              <a:t>Created a Tipping Bot with smart contracts integrated within using which any person can deposit/withdraw/send/receive </a:t>
+            </a:r>
             <a:r>
               <a:rPr lang="en-IN" sz="1100" dirty="0">
                 <a:solidFill>
@@ -16971,122 +16947,21 @@
                 <a:ea typeface="Calibri" panose="020F0502020204030204" pitchFamily="34" charset="0"/>
                 <a:cs typeface="Mangal" panose="02040503050203030202" pitchFamily="18" charset="0"/>
               </a:rPr>
-              <a:t>Found an issue related to excessive on-chain RAM usage in </a:t>
-            </a:r>
-            <a:r>
-              <a:rPr lang="en-IN" sz="1100" dirty="0" err="1">
+              <a:t>multiple </a:t>
+            </a:r>
+            <a:r>
+              <a:rPr lang="en-IN" sz="1100" dirty="0">
                 <a:solidFill>
                   <a:schemeClr val="bg1">
                     <a:lumMod val="85000"/>
                   </a:schemeClr>
                 </a:solidFill>
+                <a:effectLst/>
                 <a:latin typeface="Calibri" panose="020F0502020204030204" pitchFamily="34" charset="0"/>
                 <a:ea typeface="Calibri" panose="020F0502020204030204" pitchFamily="34" charset="0"/>
                 <a:cs typeface="Mangal" panose="02040503050203030202" pitchFamily="18" charset="0"/>
               </a:rPr>
-              <a:t>Atomichub</a:t>
-            </a:r>
-            <a:r>
-              <a:rPr lang="en-IN" sz="1100" dirty="0">
-                <a:solidFill>
-                  <a:schemeClr val="bg1">
-                    <a:lumMod val="85000"/>
-                  </a:schemeClr>
-                </a:solidFill>
-                <a:latin typeface="Calibri" panose="020F0502020204030204" pitchFamily="34" charset="0"/>
-                <a:ea typeface="Calibri" panose="020F0502020204030204" pitchFamily="34" charset="0"/>
-                <a:cs typeface="Mangal" panose="02040503050203030202" pitchFamily="18" charset="0"/>
-              </a:rPr>
-              <a:t> NFT protocol. Thereafter created an NFT protocol – OYA with smart contracts.</a:t>
-            </a:r>
-          </a:p>
-          <a:p>
-            <a:pPr marL="342900" indent="-342900" algn="just">
-              <a:lnSpc>
-                <a:spcPct val="115000"/>
-              </a:lnSpc>
-              <a:spcAft>
-                <a:spcPts val="600"/>
-              </a:spcAft>
-              <a:buFont typeface="Symbol" panose="05050102010706020507" pitchFamily="18" charset="2"/>
-              <a:buChar char=""/>
-            </a:pPr>
-            <a:r>
-              <a:rPr lang="en-IN" sz="1100" dirty="0">
-                <a:solidFill>
-                  <a:schemeClr val="bg1">
-                    <a:lumMod val="85000"/>
-                  </a:schemeClr>
-                </a:solidFill>
-                <a:latin typeface="Calibri" panose="020F0502020204030204" pitchFamily="34" charset="0"/>
-                <a:ea typeface="Calibri" panose="020F0502020204030204" pitchFamily="34" charset="0"/>
-                <a:cs typeface="Mangal" panose="02040503050203030202" pitchFamily="18" charset="0"/>
-              </a:rPr>
-              <a:t>Working on a </a:t>
-            </a:r>
-            <a:r>
-              <a:rPr lang="en-IN" sz="1100" dirty="0" err="1">
-                <a:solidFill>
-                  <a:schemeClr val="bg1">
-                    <a:lumMod val="85000"/>
-                  </a:schemeClr>
-                </a:solidFill>
-                <a:latin typeface="Calibri" panose="020F0502020204030204" pitchFamily="34" charset="0"/>
-                <a:ea typeface="Calibri" panose="020F0502020204030204" pitchFamily="34" charset="0"/>
-                <a:cs typeface="Mangal" panose="02040503050203030202" pitchFamily="18" charset="0"/>
-              </a:rPr>
-              <a:t>DeFi</a:t>
-            </a:r>
-            <a:r>
-              <a:rPr lang="en-IN" sz="1100" dirty="0">
-                <a:solidFill>
-                  <a:schemeClr val="bg1">
-                    <a:lumMod val="85000"/>
-                  </a:schemeClr>
-                </a:solidFill>
-                <a:latin typeface="Calibri" panose="020F0502020204030204" pitchFamily="34" charset="0"/>
-                <a:ea typeface="Calibri" panose="020F0502020204030204" pitchFamily="34" charset="0"/>
-                <a:cs typeface="Mangal" panose="02040503050203030202" pitchFamily="18" charset="0"/>
-              </a:rPr>
-              <a:t> Chatbot – </a:t>
-            </a:r>
-            <a:r>
-              <a:rPr lang="en-IN" sz="1100" dirty="0" err="1">
-                <a:solidFill>
-                  <a:schemeClr val="bg1">
-                    <a:lumMod val="85000"/>
-                  </a:schemeClr>
-                </a:solidFill>
-                <a:latin typeface="Calibri" panose="020F0502020204030204" pitchFamily="34" charset="0"/>
-                <a:ea typeface="Calibri" panose="020F0502020204030204" pitchFamily="34" charset="0"/>
-                <a:cs typeface="Mangal" panose="02040503050203030202" pitchFamily="18" charset="0"/>
-              </a:rPr>
-              <a:t>ProFi</a:t>
-            </a:r>
-            <a:r>
-              <a:rPr lang="en-IN" sz="1100" dirty="0">
-                <a:solidFill>
-                  <a:schemeClr val="bg1">
-                    <a:lumMod val="85000"/>
-                  </a:schemeClr>
-                </a:solidFill>
-                <a:latin typeface="Calibri" panose="020F0502020204030204" pitchFamily="34" charset="0"/>
-                <a:ea typeface="Calibri" panose="020F0502020204030204" pitchFamily="34" charset="0"/>
-                <a:cs typeface="Mangal" panose="02040503050203030202" pitchFamily="18" charset="0"/>
-              </a:rPr>
-              <a:t>, </a:t>
-            </a:r>
-            <a:r>
-              <a:rPr lang="en-US" sz="1100" dirty="0">
-                <a:solidFill>
-                  <a:schemeClr val="bg1">
-                    <a:lumMod val="85000"/>
-                  </a:schemeClr>
-                </a:solidFill>
-                <a:latin typeface="Calibri" panose="020F0502020204030204" pitchFamily="34" charset="0"/>
-                <a:cs typeface="Mangal" panose="02040503050203030202" pitchFamily="18" charset="0"/>
-              </a:rPr>
-              <a:t>which gives Analytical visual charts for maximizing yield in fiat money using different cryptocurrencies in multiple liquidity pools.</a:t>
+              <a:t>crypto token worldwide with just Telegram user ID.</a:t>
             </a:r>
           </a:p>
         </p:txBody>
@@ -17190,7 +17065,7 @@
         </p:nvSpPr>
         <p:spPr>
           <a:xfrm>
-            <a:off x="375920" y="1703990"/>
+            <a:off x="375920" y="4016881"/>
             <a:ext cx="1340002" cy="338554"/>
           </a:xfrm>
           <a:prstGeom prst="rect">
@@ -17231,7 +17106,7 @@
         </p:nvSpPr>
         <p:spPr>
           <a:xfrm>
-            <a:off x="365760" y="2413574"/>
+            <a:off x="365760" y="4726465"/>
             <a:ext cx="6126480" cy="3454857"/>
           </a:xfrm>
           <a:prstGeom prst="rect">
@@ -17617,190 +17492,6 @@
       </p:sp>
       <p:sp>
         <p:nvSpPr>
-          <p:cNvPr id="5" name="TextBox 4">
-            <a:extLst>
-              <a:ext uri="{FF2B5EF4-FFF2-40B4-BE49-F238E27FC236}">
-                <a16:creationId xmlns:a16="http://schemas.microsoft.com/office/drawing/2014/main" id="{A662612E-8139-4704-A7E5-B3087F75D883}"/>
-              </a:ext>
-            </a:extLst>
-          </p:cNvPr>
-          <p:cNvSpPr txBox="1"/>
-          <p:nvPr/>
-        </p:nvSpPr>
-        <p:spPr>
-          <a:xfrm>
-            <a:off x="434340" y="6818813"/>
-            <a:ext cx="5989320" cy="1986826"/>
-          </a:xfrm>
-          <a:prstGeom prst="rect">
-            <a:avLst/>
-          </a:prstGeom>
-          <a:noFill/>
-        </p:spPr>
-        <p:txBody>
-          <a:bodyPr wrap="square">
-            <a:spAutoFit/>
-          </a:bodyPr>
-          <a:lstStyle/>
-          <a:p>
-            <a:pPr marL="342900" indent="-342900" algn="just">
-              <a:lnSpc>
-                <a:spcPct val="115000"/>
-              </a:lnSpc>
-              <a:spcAft>
-                <a:spcPts val="600"/>
-              </a:spcAft>
-              <a:buFont typeface="Symbol" panose="05050102010706020507" pitchFamily="18" charset="2"/>
-              <a:buChar char=""/>
-            </a:pPr>
-            <a:r>
-              <a:rPr lang="en-IN" sz="1100" dirty="0">
-                <a:solidFill>
-                  <a:schemeClr val="bg1">
-                    <a:lumMod val="85000"/>
-                  </a:schemeClr>
-                </a:solidFill>
-                <a:effectLst/>
-                <a:latin typeface="Calibri" panose="020F0502020204030204" pitchFamily="34" charset="0"/>
-                <a:ea typeface="Calibri" panose="020F0502020204030204" pitchFamily="34" charset="0"/>
-                <a:cs typeface="Mangal" panose="02040503050203030202" pitchFamily="18" charset="0"/>
-              </a:rPr>
-              <a:t>Built a Key Generator Bot called ‘</a:t>
-            </a:r>
-            <a:r>
-              <a:rPr lang="en-IN" sz="1100" dirty="0" err="1">
-                <a:solidFill>
-                  <a:schemeClr val="bg1">
-                    <a:lumMod val="85000"/>
-                  </a:schemeClr>
-                </a:solidFill>
-                <a:effectLst/>
-                <a:latin typeface="Calibri" panose="020F0502020204030204" pitchFamily="34" charset="0"/>
-                <a:ea typeface="Calibri" panose="020F0502020204030204" pitchFamily="34" charset="0"/>
-                <a:cs typeface="Mangal" panose="02040503050203030202" pitchFamily="18" charset="0"/>
-              </a:rPr>
-              <a:t>KeyHub</a:t>
-            </a:r>
-            <a:r>
-              <a:rPr lang="en-IN" sz="1100" dirty="0">
-                <a:solidFill>
-                  <a:schemeClr val="bg1">
-                    <a:lumMod val="85000"/>
-                  </a:schemeClr>
-                </a:solidFill>
-                <a:effectLst/>
-                <a:latin typeface="Calibri" panose="020F0502020204030204" pitchFamily="34" charset="0"/>
-                <a:ea typeface="Calibri" panose="020F0502020204030204" pitchFamily="34" charset="0"/>
-                <a:cs typeface="Mangal" panose="02040503050203030202" pitchFamily="18" charset="0"/>
-              </a:rPr>
-              <a:t>’, where a user can buy license key for a set of products. The key usage is continuously monitored along with exact location obtained through reverse-geocoding of coordinates.</a:t>
-            </a:r>
-          </a:p>
-          <a:p>
-            <a:pPr marL="342900" indent="-342900" algn="just">
-              <a:lnSpc>
-                <a:spcPct val="115000"/>
-              </a:lnSpc>
-              <a:spcAft>
-                <a:spcPts val="600"/>
-              </a:spcAft>
-              <a:buFont typeface="Symbol" panose="05050102010706020507" pitchFamily="18" charset="2"/>
-              <a:buChar char=""/>
-            </a:pPr>
-            <a:r>
-              <a:rPr lang="en-IN" sz="1100" dirty="0">
-                <a:solidFill>
-                  <a:schemeClr val="bg1">
-                    <a:lumMod val="85000"/>
-                  </a:schemeClr>
-                </a:solidFill>
-                <a:effectLst/>
-                <a:latin typeface="Calibri" panose="020F0502020204030204" pitchFamily="34" charset="0"/>
-                <a:ea typeface="Calibri" panose="020F0502020204030204" pitchFamily="34" charset="0"/>
-                <a:cs typeface="Mangal" panose="02040503050203030202" pitchFamily="18" charset="0"/>
-              </a:rPr>
-              <a:t>Created a Bot called ‘LEO’ which allows a user to get dog images based on their saved breed as preference or to load random dog images. A donation programme feature was also added which then allowed dog lovers to donate money directly to the Dog Welfare centres. </a:t>
-            </a:r>
-          </a:p>
-          <a:p>
-            <a:pPr marL="342900" indent="-342900" algn="just">
-              <a:lnSpc>
-                <a:spcPct val="115000"/>
-              </a:lnSpc>
-              <a:spcAft>
-                <a:spcPts val="1000"/>
-              </a:spcAft>
-              <a:buFont typeface="Symbol" panose="05050102010706020507" pitchFamily="18" charset="2"/>
-              <a:buChar char=""/>
-            </a:pPr>
-            <a:r>
-              <a:rPr lang="en-IN" sz="1100" dirty="0">
-                <a:solidFill>
-                  <a:schemeClr val="bg1">
-                    <a:lumMod val="85000"/>
-                  </a:schemeClr>
-                </a:solidFill>
-                <a:effectLst/>
-                <a:latin typeface="Calibri" panose="020F0502020204030204" pitchFamily="34" charset="0"/>
-                <a:ea typeface="Calibri" panose="020F0502020204030204" pitchFamily="34" charset="0"/>
-                <a:cs typeface="Mangal" panose="02040503050203030202" pitchFamily="18" charset="0"/>
-              </a:rPr>
-              <a:t>Created a general purpose Quiz bot with types - MCQ, Image, Audio, GIF, Video for any topic where a teacher/School/College can conduct online exams for their students. Addition of proper evaluation of subjective types of exam is to be added into the Bot.  </a:t>
-            </a:r>
-            <a:endParaRPr lang="en-US" sz="1100" dirty="0">
-              <a:solidFill>
-                <a:schemeClr val="bg1">
-                  <a:lumMod val="85000"/>
-                </a:schemeClr>
-              </a:solidFill>
-              <a:effectLst/>
-              <a:latin typeface="Calibri" panose="020F0502020204030204" pitchFamily="34" charset="0"/>
-              <a:ea typeface="Calibri" panose="020F0502020204030204" pitchFamily="34" charset="0"/>
-              <a:cs typeface="Mangal" panose="02040503050203030202" pitchFamily="18" charset="0"/>
-            </a:endParaRPr>
-          </a:p>
-        </p:txBody>
-      </p:sp>
-      <p:sp>
-        <p:nvSpPr>
-          <p:cNvPr id="7" name="TextBox 6">
-            <a:extLst>
-              <a:ext uri="{FF2B5EF4-FFF2-40B4-BE49-F238E27FC236}">
-                <a16:creationId xmlns:a16="http://schemas.microsoft.com/office/drawing/2014/main" id="{E727AC20-FC21-497B-A1B7-68483800DDEB}"/>
-              </a:ext>
-            </a:extLst>
-          </p:cNvPr>
-          <p:cNvSpPr txBox="1"/>
-          <p:nvPr/>
-        </p:nvSpPr>
-        <p:spPr>
-          <a:xfrm>
-            <a:off x="527446" y="6294338"/>
-            <a:ext cx="687897" cy="338554"/>
-          </a:xfrm>
-          <a:prstGeom prst="rect">
-            <a:avLst/>
-          </a:prstGeom>
-          <a:solidFill>
-            <a:srgbClr val="EBAB0B"/>
-          </a:solidFill>
-        </p:spPr>
-        <p:txBody>
-          <a:bodyPr wrap="square" rtlCol="0">
-            <a:spAutoFit/>
-          </a:bodyPr>
-          <a:lstStyle/>
-          <a:p>
-            <a:pPr algn="ctr"/>
-            <a:r>
-              <a:rPr lang="en-US" sz="1600" dirty="0"/>
-              <a:t>Bot</a:t>
-            </a:r>
-          </a:p>
-        </p:txBody>
-      </p:sp>
-      <p:sp>
-        <p:nvSpPr>
           <p:cNvPr id="8" name="TextBox 7">
             <a:extLst>
               <a:ext uri="{FF2B5EF4-FFF2-40B4-BE49-F238E27FC236}">
@@ -17814,7 +17505,7 @@
         <p:spPr>
           <a:xfrm>
             <a:off x="375920" y="274960"/>
-            <a:ext cx="6258560" cy="1208088"/>
+            <a:ext cx="6258560" cy="2606932"/>
           </a:xfrm>
           <a:prstGeom prst="rect">
             <a:avLst/>
@@ -17826,6 +17517,187 @@
             <a:spAutoFit/>
           </a:bodyPr>
           <a:lstStyle/>
+          <a:p>
+            <a:pPr marL="342900" marR="0" lvl="0" indent="-342900" algn="just">
+              <a:lnSpc>
+                <a:spcPct val="115000"/>
+              </a:lnSpc>
+              <a:spcBef>
+                <a:spcPts val="0"/>
+              </a:spcBef>
+              <a:spcAft>
+                <a:spcPts val="600"/>
+              </a:spcAft>
+              <a:buFont typeface="Symbol" panose="05050102010706020507" pitchFamily="18" charset="2"/>
+              <a:buChar char=""/>
+            </a:pPr>
+            <a:r>
+              <a:rPr lang="en-IN" sz="1100" dirty="0">
+                <a:solidFill>
+                  <a:schemeClr val="bg1">
+                    <a:lumMod val="85000"/>
+                  </a:schemeClr>
+                </a:solidFill>
+                <a:latin typeface="Calibri" panose="020F0502020204030204" pitchFamily="34" charset="0"/>
+                <a:ea typeface="Calibri" panose="020F0502020204030204" pitchFamily="34" charset="0"/>
+                <a:cs typeface="Mangal" panose="02040503050203030202" pitchFamily="18" charset="0"/>
+              </a:rPr>
+              <a:t>Developed a KYC Bot with Blockchain and Cloud integration for personal data like name, address selfie (stored in bytes) and validation of hashed sensitive data.</a:t>
+            </a:r>
+          </a:p>
+          <a:p>
+            <a:pPr marL="342900" marR="0" lvl="0" indent="-342900" algn="just">
+              <a:lnSpc>
+                <a:spcPct val="115000"/>
+              </a:lnSpc>
+              <a:spcBef>
+                <a:spcPts val="0"/>
+              </a:spcBef>
+              <a:spcAft>
+                <a:spcPts val="600"/>
+              </a:spcAft>
+              <a:buFont typeface="Symbol" panose="05050102010706020507" pitchFamily="18" charset="2"/>
+              <a:buChar char=""/>
+            </a:pPr>
+            <a:r>
+              <a:rPr lang="en-IN" sz="1100" dirty="0">
+                <a:solidFill>
+                  <a:schemeClr val="bg1">
+                    <a:lumMod val="85000"/>
+                  </a:schemeClr>
+                </a:solidFill>
+                <a:latin typeface="Calibri" panose="020F0502020204030204" pitchFamily="34" charset="0"/>
+                <a:ea typeface="Calibri" panose="020F0502020204030204" pitchFamily="34" charset="0"/>
+                <a:cs typeface="Mangal" panose="02040503050203030202" pitchFamily="18" charset="0"/>
+              </a:rPr>
+              <a:t>Found an issue related to excessive on-chain RAM usage in </a:t>
+            </a:r>
+            <a:r>
+              <a:rPr lang="en-IN" sz="1100" dirty="0" err="1">
+                <a:solidFill>
+                  <a:schemeClr val="bg1">
+                    <a:lumMod val="85000"/>
+                  </a:schemeClr>
+                </a:solidFill>
+                <a:latin typeface="Calibri" panose="020F0502020204030204" pitchFamily="34" charset="0"/>
+                <a:ea typeface="Calibri" panose="020F0502020204030204" pitchFamily="34" charset="0"/>
+                <a:cs typeface="Mangal" panose="02040503050203030202" pitchFamily="18" charset="0"/>
+              </a:rPr>
+              <a:t>Atomichub</a:t>
+            </a:r>
+            <a:r>
+              <a:rPr lang="en-IN" sz="1100" dirty="0">
+                <a:solidFill>
+                  <a:schemeClr val="bg1">
+                    <a:lumMod val="85000"/>
+                  </a:schemeClr>
+                </a:solidFill>
+                <a:latin typeface="Calibri" panose="020F0502020204030204" pitchFamily="34" charset="0"/>
+                <a:ea typeface="Calibri" panose="020F0502020204030204" pitchFamily="34" charset="0"/>
+                <a:cs typeface="Mangal" panose="02040503050203030202" pitchFamily="18" charset="0"/>
+              </a:rPr>
+              <a:t> NFT protocol. Thereafter created an NFT protocol – OYA with smart contracts.</a:t>
+            </a:r>
+          </a:p>
+          <a:p>
+            <a:pPr marL="342900" indent="-342900" algn="just">
+              <a:lnSpc>
+                <a:spcPct val="115000"/>
+              </a:lnSpc>
+              <a:spcAft>
+                <a:spcPts val="600"/>
+              </a:spcAft>
+              <a:buFont typeface="Symbol" panose="05050102010706020507" pitchFamily="18" charset="2"/>
+              <a:buChar char=""/>
+            </a:pPr>
+            <a:r>
+              <a:rPr lang="en-IN" sz="1100" dirty="0">
+                <a:solidFill>
+                  <a:schemeClr val="bg1">
+                    <a:lumMod val="85000"/>
+                  </a:schemeClr>
+                </a:solidFill>
+                <a:latin typeface="Calibri" panose="020F0502020204030204" pitchFamily="34" charset="0"/>
+                <a:ea typeface="Calibri" panose="020F0502020204030204" pitchFamily="34" charset="0"/>
+                <a:cs typeface="Mangal" panose="02040503050203030202" pitchFamily="18" charset="0"/>
+              </a:rPr>
+              <a:t>Working on a </a:t>
+            </a:r>
+            <a:r>
+              <a:rPr lang="en-IN" sz="1100" dirty="0" err="1">
+                <a:solidFill>
+                  <a:schemeClr val="bg1">
+                    <a:lumMod val="85000"/>
+                  </a:schemeClr>
+                </a:solidFill>
+                <a:latin typeface="Calibri" panose="020F0502020204030204" pitchFamily="34" charset="0"/>
+                <a:ea typeface="Calibri" panose="020F0502020204030204" pitchFamily="34" charset="0"/>
+                <a:cs typeface="Mangal" panose="02040503050203030202" pitchFamily="18" charset="0"/>
+              </a:rPr>
+              <a:t>DeFi</a:t>
+            </a:r>
+            <a:r>
+              <a:rPr lang="en-IN" sz="1100" dirty="0">
+                <a:solidFill>
+                  <a:schemeClr val="bg1">
+                    <a:lumMod val="85000"/>
+                  </a:schemeClr>
+                </a:solidFill>
+                <a:latin typeface="Calibri" panose="020F0502020204030204" pitchFamily="34" charset="0"/>
+                <a:ea typeface="Calibri" panose="020F0502020204030204" pitchFamily="34" charset="0"/>
+                <a:cs typeface="Mangal" panose="02040503050203030202" pitchFamily="18" charset="0"/>
+              </a:rPr>
+              <a:t> Chatbot – </a:t>
+            </a:r>
+            <a:r>
+              <a:rPr lang="en-IN" sz="1100" dirty="0" err="1">
+                <a:solidFill>
+                  <a:schemeClr val="bg1">
+                    <a:lumMod val="85000"/>
+                  </a:schemeClr>
+                </a:solidFill>
+                <a:latin typeface="Calibri" panose="020F0502020204030204" pitchFamily="34" charset="0"/>
+                <a:ea typeface="Calibri" panose="020F0502020204030204" pitchFamily="34" charset="0"/>
+                <a:cs typeface="Mangal" panose="02040503050203030202" pitchFamily="18" charset="0"/>
+              </a:rPr>
+              <a:t>ProFi</a:t>
+            </a:r>
+            <a:r>
+              <a:rPr lang="en-IN" sz="1100" dirty="0">
+                <a:solidFill>
+                  <a:schemeClr val="bg1">
+                    <a:lumMod val="85000"/>
+                  </a:schemeClr>
+                </a:solidFill>
+                <a:latin typeface="Calibri" panose="020F0502020204030204" pitchFamily="34" charset="0"/>
+                <a:ea typeface="Calibri" panose="020F0502020204030204" pitchFamily="34" charset="0"/>
+                <a:cs typeface="Mangal" panose="02040503050203030202" pitchFamily="18" charset="0"/>
+              </a:rPr>
+              <a:t>, </a:t>
+            </a:r>
+            <a:r>
+              <a:rPr lang="en-US" sz="1100" dirty="0">
+                <a:solidFill>
+                  <a:schemeClr val="bg1">
+                    <a:lumMod val="85000"/>
+                  </a:schemeClr>
+                </a:solidFill>
+                <a:latin typeface="Calibri" panose="020F0502020204030204" pitchFamily="34" charset="0"/>
+                <a:cs typeface="Mangal" panose="02040503050203030202" pitchFamily="18" charset="0"/>
+              </a:rPr>
+              <a:t>which gives Analytical visual charts for maximizing yield in fiat money using different cryptocurrencies in multiple liquidity pools.</a:t>
+            </a:r>
+            <a:endParaRPr lang="en-IN" sz="1100" dirty="0">
+              <a:solidFill>
+                <a:schemeClr val="bg1">
+                  <a:lumMod val="85000"/>
+                </a:schemeClr>
+              </a:solidFill>
+              <a:latin typeface="Calibri" panose="020F0502020204030204" pitchFamily="34" charset="0"/>
+              <a:ea typeface="Calibri" panose="020F0502020204030204" pitchFamily="34" charset="0"/>
+              <a:cs typeface="Mangal" panose="02040503050203030202" pitchFamily="18" charset="0"/>
+            </a:endParaRPr>
+          </a:p>
           <a:p>
             <a:pPr marL="342900" indent="-342900" algn="just">
               <a:lnSpc>
@@ -18066,7 +17938,7 @@
         </p:blipFill>
         <p:spPr bwMode="auto">
           <a:xfrm>
-            <a:off x="197351" y="252061"/>
+            <a:off x="197351" y="3102827"/>
             <a:ext cx="330095" cy="273933"/>
           </a:xfrm>
           <a:prstGeom prst="rect">
@@ -18100,7 +17972,7 @@
         </p:nvSpPr>
         <p:spPr>
           <a:xfrm>
-            <a:off x="527446" y="252060"/>
+            <a:off x="527446" y="3102826"/>
             <a:ext cx="3390104" cy="273933"/>
           </a:xfrm>
           <a:prstGeom prst="rect">
@@ -18297,7 +18169,7 @@
         </p:nvSpPr>
         <p:spPr>
           <a:xfrm>
-            <a:off x="434340" y="599813"/>
+            <a:off x="434340" y="3450579"/>
             <a:ext cx="5989320" cy="6993581"/>
           </a:xfrm>
           <a:prstGeom prst="rect">
@@ -19272,6 +19144,190 @@
               <a:ea typeface="Calibri" panose="020F0502020204030204" pitchFamily="34" charset="0"/>
               <a:cs typeface="Mangal" panose="02040503050203030202" pitchFamily="18" charset="0"/>
             </a:endParaRPr>
+          </a:p>
+        </p:txBody>
+      </p:sp>
+      <p:sp>
+        <p:nvSpPr>
+          <p:cNvPr id="5" name="TextBox 4">
+            <a:extLst>
+              <a:ext uri="{FF2B5EF4-FFF2-40B4-BE49-F238E27FC236}">
+                <a16:creationId xmlns:a16="http://schemas.microsoft.com/office/drawing/2014/main" id="{B2BB07BE-E38A-F947-ABB2-FBC38A738A07}"/>
+              </a:ext>
+            </a:extLst>
+          </p:cNvPr>
+          <p:cNvSpPr txBox="1"/>
+          <p:nvPr/>
+        </p:nvSpPr>
+        <p:spPr>
+          <a:xfrm>
+            <a:off x="434340" y="794533"/>
+            <a:ext cx="5989320" cy="1986826"/>
+          </a:xfrm>
+          <a:prstGeom prst="rect">
+            <a:avLst/>
+          </a:prstGeom>
+          <a:noFill/>
+        </p:spPr>
+        <p:txBody>
+          <a:bodyPr wrap="square">
+            <a:spAutoFit/>
+          </a:bodyPr>
+          <a:lstStyle/>
+          <a:p>
+            <a:pPr marL="342900" indent="-342900" algn="just">
+              <a:lnSpc>
+                <a:spcPct val="115000"/>
+              </a:lnSpc>
+              <a:spcAft>
+                <a:spcPts val="600"/>
+              </a:spcAft>
+              <a:buFont typeface="Symbol" panose="05050102010706020507" pitchFamily="18" charset="2"/>
+              <a:buChar char=""/>
+            </a:pPr>
+            <a:r>
+              <a:rPr lang="en-IN" sz="1100" dirty="0">
+                <a:solidFill>
+                  <a:schemeClr val="bg1">
+                    <a:lumMod val="85000"/>
+                  </a:schemeClr>
+                </a:solidFill>
+                <a:effectLst/>
+                <a:latin typeface="Calibri" panose="020F0502020204030204" pitchFamily="34" charset="0"/>
+                <a:ea typeface="Calibri" panose="020F0502020204030204" pitchFamily="34" charset="0"/>
+                <a:cs typeface="Mangal" panose="02040503050203030202" pitchFamily="18" charset="0"/>
+              </a:rPr>
+              <a:t>Built a Key Generator Bot called ‘</a:t>
+            </a:r>
+            <a:r>
+              <a:rPr lang="en-IN" sz="1100" dirty="0" err="1">
+                <a:solidFill>
+                  <a:schemeClr val="bg1">
+                    <a:lumMod val="85000"/>
+                  </a:schemeClr>
+                </a:solidFill>
+                <a:effectLst/>
+                <a:latin typeface="Calibri" panose="020F0502020204030204" pitchFamily="34" charset="0"/>
+                <a:ea typeface="Calibri" panose="020F0502020204030204" pitchFamily="34" charset="0"/>
+                <a:cs typeface="Mangal" panose="02040503050203030202" pitchFamily="18" charset="0"/>
+              </a:rPr>
+              <a:t>KeyHub</a:t>
+            </a:r>
+            <a:r>
+              <a:rPr lang="en-IN" sz="1100" dirty="0">
+                <a:solidFill>
+                  <a:schemeClr val="bg1">
+                    <a:lumMod val="85000"/>
+                  </a:schemeClr>
+                </a:solidFill>
+                <a:effectLst/>
+                <a:latin typeface="Calibri" panose="020F0502020204030204" pitchFamily="34" charset="0"/>
+                <a:ea typeface="Calibri" panose="020F0502020204030204" pitchFamily="34" charset="0"/>
+                <a:cs typeface="Mangal" panose="02040503050203030202" pitchFamily="18" charset="0"/>
+              </a:rPr>
+              <a:t>’, where a user can buy license key for a set of products. The key usage is continuously monitored along with exact location obtained through reverse-geocoding of coordinates.</a:t>
+            </a:r>
+          </a:p>
+          <a:p>
+            <a:pPr marL="342900" indent="-342900" algn="just">
+              <a:lnSpc>
+                <a:spcPct val="115000"/>
+              </a:lnSpc>
+              <a:spcAft>
+                <a:spcPts val="600"/>
+              </a:spcAft>
+              <a:buFont typeface="Symbol" panose="05050102010706020507" pitchFamily="18" charset="2"/>
+              <a:buChar char=""/>
+            </a:pPr>
+            <a:r>
+              <a:rPr lang="en-IN" sz="1100" dirty="0">
+                <a:solidFill>
+                  <a:schemeClr val="bg1">
+                    <a:lumMod val="85000"/>
+                  </a:schemeClr>
+                </a:solidFill>
+                <a:effectLst/>
+                <a:latin typeface="Calibri" panose="020F0502020204030204" pitchFamily="34" charset="0"/>
+                <a:ea typeface="Calibri" panose="020F0502020204030204" pitchFamily="34" charset="0"/>
+                <a:cs typeface="Mangal" panose="02040503050203030202" pitchFamily="18" charset="0"/>
+              </a:rPr>
+              <a:t>Created a Bot called ‘LEO’ which allows a user to get dog images based on their saved breed as preference or to load random dog images. A donation programme feature was also added which then allowed dog lovers to donate money directly to the Dog Welfare centres. </a:t>
+            </a:r>
+          </a:p>
+          <a:p>
+            <a:pPr marL="342900" indent="-342900" algn="just">
+              <a:lnSpc>
+                <a:spcPct val="115000"/>
+              </a:lnSpc>
+              <a:spcAft>
+                <a:spcPts val="1000"/>
+              </a:spcAft>
+              <a:buFont typeface="Symbol" panose="05050102010706020507" pitchFamily="18" charset="2"/>
+              <a:buChar char=""/>
+            </a:pPr>
+            <a:r>
+              <a:rPr lang="en-IN" sz="1100" dirty="0">
+                <a:solidFill>
+                  <a:schemeClr val="bg1">
+                    <a:lumMod val="85000"/>
+                  </a:schemeClr>
+                </a:solidFill>
+                <a:effectLst/>
+                <a:latin typeface="Calibri" panose="020F0502020204030204" pitchFamily="34" charset="0"/>
+                <a:ea typeface="Calibri" panose="020F0502020204030204" pitchFamily="34" charset="0"/>
+                <a:cs typeface="Mangal" panose="02040503050203030202" pitchFamily="18" charset="0"/>
+              </a:rPr>
+              <a:t>Created a general purpose Quiz bot with types - MCQ, Image, Audio, GIF, Video for any topic where a teacher/School/College can conduct online exams for their students. Addition of proper evaluation of subjective types of exam is to be added into the Bot.  </a:t>
+            </a:r>
+            <a:endParaRPr lang="en-US" sz="1100" dirty="0">
+              <a:solidFill>
+                <a:schemeClr val="bg1">
+                  <a:lumMod val="85000"/>
+                </a:schemeClr>
+              </a:solidFill>
+              <a:effectLst/>
+              <a:latin typeface="Calibri" panose="020F0502020204030204" pitchFamily="34" charset="0"/>
+              <a:ea typeface="Calibri" panose="020F0502020204030204" pitchFamily="34" charset="0"/>
+              <a:cs typeface="Mangal" panose="02040503050203030202" pitchFamily="18" charset="0"/>
+            </a:endParaRPr>
+          </a:p>
+        </p:txBody>
+      </p:sp>
+      <p:sp>
+        <p:nvSpPr>
+          <p:cNvPr id="6" name="TextBox 5">
+            <a:extLst>
+              <a:ext uri="{FF2B5EF4-FFF2-40B4-BE49-F238E27FC236}">
+                <a16:creationId xmlns:a16="http://schemas.microsoft.com/office/drawing/2014/main" id="{F684491D-B669-134F-BEB6-E23F42DEE745}"/>
+              </a:ext>
+            </a:extLst>
+          </p:cNvPr>
+          <p:cNvSpPr txBox="1"/>
+          <p:nvPr/>
+        </p:nvSpPr>
+        <p:spPr>
+          <a:xfrm>
+            <a:off x="527446" y="270058"/>
+            <a:ext cx="687897" cy="338554"/>
+          </a:xfrm>
+          <a:prstGeom prst="rect">
+            <a:avLst/>
+          </a:prstGeom>
+          <a:solidFill>
+            <a:srgbClr val="EBAB0B"/>
+          </a:solidFill>
+        </p:spPr>
+        <p:txBody>
+          <a:bodyPr wrap="square" rtlCol="0">
+            <a:spAutoFit/>
+          </a:bodyPr>
+          <a:lstStyle/>
+          <a:p>
+            <a:pPr algn="ctr"/>
+            <a:r>
+              <a:rPr lang="en-US" sz="1600" dirty="0"/>
+              <a:t>Bot</a:t>
+            </a:r>
           </a:p>
         </p:txBody>
       </p:sp>
@@ -19818,20 +19874,20 @@
 </file>
 
 <file path=customXml/item1.xml><?xml version="1.0" encoding="utf-8"?>
+<p:properties xmlns:p="http://schemas.microsoft.com/office/2006/metadata/properties" xmlns:xsi="http://www.w3.org/2001/XMLSchema-instance" xmlns:pc="http://schemas.microsoft.com/office/infopath/2007/PartnerControls">
+  <documentManagement>
+    <MediaServiceKeyPoints xmlns="ef88797d-310b-4d46-ad9c-0c23fa0c8d45" xsi:nil="true"/>
+  </documentManagement>
+</p:properties>
+</file>
+
+<file path=customXml/item2.xml><?xml version="1.0" encoding="utf-8"?>
 <?mso-contentType ?>
 <FormTemplates xmlns="http://schemas.microsoft.com/sharepoint/v3/contenttype/forms">
   <Display>DocumentLibraryForm</Display>
   <Edit>DocumentLibraryForm</Edit>
   <New>DocumentLibraryForm</New>
 </FormTemplates>
-</file>
-
-<file path=customXml/item2.xml><?xml version="1.0" encoding="utf-8"?>
-<p:properties xmlns:p="http://schemas.microsoft.com/office/2006/metadata/properties" xmlns:xsi="http://www.w3.org/2001/XMLSchema-instance" xmlns:pc="http://schemas.microsoft.com/office/infopath/2007/PartnerControls">
-  <documentManagement>
-    <MediaServiceKeyPoints xmlns="ef88797d-310b-4d46-ad9c-0c23fa0c8d45" xsi:nil="true"/>
-  </documentManagement>
-</p:properties>
 </file>
 
 <file path=customXml/item3.xml><?xml version="1.0" encoding="utf-8"?>
@@ -20058,19 +20114,19 @@
 </file>
 
 <file path=customXml/itemProps1.xml><?xml version="1.0" encoding="utf-8"?>
-<ds:datastoreItem xmlns:ds="http://schemas.openxmlformats.org/officeDocument/2006/customXml" ds:itemID="{20056241-EAE4-4EAF-8B0E-8651A3DCDE25}">
+<ds:datastoreItem xmlns:ds="http://schemas.openxmlformats.org/officeDocument/2006/customXml" ds:itemID="{578389EB-672F-420D-AB19-CDFA657C66F4}">
   <ds:schemaRefs>
-    <ds:schemaRef ds:uri="http://schemas.microsoft.com/sharepoint/v3/contenttype/forms"/>
+    <ds:schemaRef ds:uri="http://schemas.microsoft.com/office/2006/metadata/properties"/>
+    <ds:schemaRef ds:uri="http://schemas.microsoft.com/office/infopath/2007/PartnerControls"/>
+    <ds:schemaRef ds:uri="ef88797d-310b-4d46-ad9c-0c23fa0c8d45"/>
   </ds:schemaRefs>
 </ds:datastoreItem>
 </file>
 
 <file path=customXml/itemProps2.xml><?xml version="1.0" encoding="utf-8"?>
-<ds:datastoreItem xmlns:ds="http://schemas.openxmlformats.org/officeDocument/2006/customXml" ds:itemID="{578389EB-672F-420D-AB19-CDFA657C66F4}">
+<ds:datastoreItem xmlns:ds="http://schemas.openxmlformats.org/officeDocument/2006/customXml" ds:itemID="{20056241-EAE4-4EAF-8B0E-8651A3DCDE25}">
   <ds:schemaRefs>
-    <ds:schemaRef ds:uri="http://schemas.microsoft.com/office/2006/metadata/properties"/>
-    <ds:schemaRef ds:uri="http://schemas.microsoft.com/office/infopath/2007/PartnerControls"/>
-    <ds:schemaRef ds:uri="ef88797d-310b-4d46-ad9c-0c23fa0c8d45"/>
+    <ds:schemaRef ds:uri="http://schemas.microsoft.com/sharepoint/v3/contenttype/forms"/>
   </ds:schemaRefs>
 </ds:datastoreItem>
 </file>

--- a/my_resume.pptx
+++ b/my_resume.pptx
@@ -239,7 +239,7 @@
             <a:fld id="{F126DA7F-2AB4-430D-8B2A-97731DDF23A1}" type="datetimeFigureOut">
               <a:rPr lang="en-US" smtClean="0"/>
               <a:pPr/>
-              <a:t>4/13/22</a:t>
+              <a:t>6/13/22</a:t>
             </a:fld>
             <a:endParaRPr lang="en-US" dirty="0"/>
           </a:p>
@@ -7198,7 +7198,7 @@
             <a:fld id="{902AD433-F5B6-43A3-8DE6-1382B3149F77}" type="datetimeFigureOut">
               <a:rPr lang="en-US" smtClean="0"/>
               <a:pPr/>
-              <a:t>4/13/22</a:t>
+              <a:t>6/13/22</a:t>
             </a:fld>
             <a:endParaRPr lang="en-US" dirty="0"/>
           </a:p>
@@ -8433,7 +8433,7 @@
                 <a:effectLst/>
                 <a:latin typeface="Whitney"/>
               </a:rPr>
-              <a:t>I am a Blockchain Developer with 6 years of experience as CTO, Lead/Senior Smart contract Developer in multiple crypto startups, projects related to NFT, </a:t>
+              <a:t>I am a Blockchain Developer with 6+ years of experience as CTO, Lead/Senior Smart contract Developer in multiple crypto startups, projects related to NFT, </a:t>
             </a:r>
             <a:r>
               <a:rPr lang="en-US" b="0" i="0" dirty="0" err="1">
@@ -8457,7 +8457,7 @@
                 <a:effectLst/>
                 <a:latin typeface="Whitney"/>
               </a:rPr>
-              <a:t>, Betting game and in utility category. I hold multi-chain experience with leading Blockchain protocols like EOSIO, EVM, Solana. </a:t>
+              <a:t>, Betting game and in utility category. I hold multi-chain development experience with leading Blockchain protocols like EVM, EOSIO, Solana. </a:t>
             </a:r>
             <a:endParaRPr lang="en-US" dirty="0">
               <a:solidFill>
@@ -8751,7 +8751,7 @@
           <a:p>
             <a:r>
               <a:rPr lang="en-US" dirty="0"/>
-              <a:t>TECHNICAL DOCUMENTATION</a:t>
+              <a:t>Technical DOCUMENTATION</a:t>
             </a:r>
           </a:p>
         </p:txBody>
@@ -14627,7 +14627,7 @@
         <p:spPr>
           <a:xfrm>
             <a:off x="1964659" y="4337373"/>
-            <a:ext cx="4247657" cy="1684307"/>
+            <a:ext cx="4247657" cy="1915140"/>
           </a:xfrm>
           <a:prstGeom prst="rect">
             <a:avLst/>
@@ -14801,6 +14801,26 @@
                 <a:latin typeface="Whitney"/>
               </a:rPr>
               <a:t>2021-2022: Senior Blockchain Engineer at Master Ventures</a:t>
+            </a:r>
+          </a:p>
+          <a:p>
+            <a:pPr marL="171450" indent="-171450">
+              <a:lnSpc>
+                <a:spcPct val="150000"/>
+              </a:lnSpc>
+              <a:buFont typeface="Arial" panose="020B0604020202020204" pitchFamily="34" charset="0"/>
+              <a:buChar char="•"/>
+            </a:pPr>
+            <a:r>
+              <a:rPr lang="en-US" sz="1000" dirty="0">
+                <a:solidFill>
+                  <a:schemeClr val="bg1">
+                    <a:lumMod val="75000"/>
+                  </a:schemeClr>
+                </a:solidFill>
+                <a:latin typeface="Whitney"/>
+              </a:rPr>
+              <a:t>2022: CTO at Theia Labs</a:t>
             </a:r>
           </a:p>
         </p:txBody>
@@ -15152,8 +15172,8 @@
         </p:nvSpPr>
         <p:spPr>
           <a:xfrm>
-            <a:off x="3519547" y="6898699"/>
-            <a:ext cx="560294" cy="660863"/>
+            <a:off x="3676849" y="6898699"/>
+            <a:ext cx="402991" cy="660863"/>
           </a:xfrm>
           <a:prstGeom prst="rect">
             <a:avLst/>
@@ -16059,7 +16079,7 @@
                 <a:ea typeface="Calibri" panose="020F0502020204030204" pitchFamily="34" charset="0"/>
                 <a:cs typeface="Mangal" panose="02040503050203030202" pitchFamily="18" charset="0"/>
               </a:rPr>
-              <a:t>Worked on Crowdfunding 2.0 via </a:t>
+              <a:t>Worked on a Crowdfunding 2.0 project via </a:t>
             </a:r>
             <a:r>
               <a:rPr lang="en-IN" sz="1100" dirty="0" err="1">
@@ -16087,7 +16107,7 @@
                 <a:ea typeface="Calibri" panose="020F0502020204030204" pitchFamily="34" charset="0"/>
                 <a:cs typeface="Mangal" panose="02040503050203030202" pitchFamily="18" charset="0"/>
               </a:rPr>
-              <a:t> AMM with Diamond standard. Also, build the architecture in sports-based Metaverse using player, stadium NFT cards with play-to-earn gamification model in Miro board.</a:t>
+              <a:t> AMM with ‘Diamond standard’. Also, build the architecture in sports-based Metaverse using player, stadium NFT cards with play-to-earn gamification model in Miro board.</a:t>
             </a:r>
           </a:p>
           <a:p>
@@ -16167,7 +16187,7 @@
                 <a:ea typeface="Calibri" panose="020F0502020204030204" pitchFamily="34" charset="0"/>
                 <a:cs typeface="Mangal" panose="02040503050203030202" pitchFamily="18" charset="0"/>
               </a:rPr>
-              <a:t> via CLI on </a:t>
+              <a:t> with Substrate via CLI on </a:t>
             </a:r>
             <a:r>
               <a:rPr lang="en-IN" sz="1100" dirty="0" err="1">
@@ -16343,7 +16363,35 @@
                 <a:ea typeface="Calibri" panose="020F0502020204030204" pitchFamily="34" charset="0"/>
                 <a:cs typeface="Mangal" panose="02040503050203030202" pitchFamily="18" charset="0"/>
               </a:rPr>
-              <a:t>, Curve, Saddle, Swerve. </a:t>
+              <a:t>, Curve, Saddle, Swerve, </a:t>
+            </a:r>
+            <a:r>
+              <a:rPr lang="en-IN" sz="1100" dirty="0" err="1">
+                <a:solidFill>
+                  <a:schemeClr val="bg1">
+                    <a:lumMod val="85000"/>
+                  </a:schemeClr>
+                </a:solidFill>
+                <a:effectLst/>
+                <a:latin typeface="Calibri" panose="020F0502020204030204" pitchFamily="34" charset="0"/>
+                <a:ea typeface="Calibri" panose="020F0502020204030204" pitchFamily="34" charset="0"/>
+                <a:cs typeface="Mangal" panose="02040503050203030202" pitchFamily="18" charset="0"/>
+              </a:rPr>
+              <a:t>Liquity</a:t>
+            </a:r>
+            <a:r>
+              <a:rPr lang="en-IN" sz="1100" dirty="0">
+                <a:solidFill>
+                  <a:schemeClr val="bg1">
+                    <a:lumMod val="85000"/>
+                  </a:schemeClr>
+                </a:solidFill>
+                <a:effectLst/>
+                <a:latin typeface="Calibri" panose="020F0502020204030204" pitchFamily="34" charset="0"/>
+                <a:ea typeface="Calibri" panose="020F0502020204030204" pitchFamily="34" charset="0"/>
+                <a:cs typeface="Mangal" panose="02040503050203030202" pitchFamily="18" charset="0"/>
+              </a:rPr>
+              <a:t>, Yeti. </a:t>
             </a:r>
             <a:r>
               <a:rPr lang="en-IN" sz="1100" dirty="0">
@@ -16516,7 +16564,7 @@
                 <a:ea typeface="Calibri" panose="020F0502020204030204" pitchFamily="34" charset="0"/>
                 <a:cs typeface="Mangal" panose="02040503050203030202" pitchFamily="18" charset="0"/>
               </a:rPr>
-              <a:t>Unit testing of smart contracts using Hardhat, Truffle with </a:t>
+              <a:t>Unit testing, Deployment, Flattening, Verification, Get contract size of smart contracts using Hardhat, Truffle with </a:t>
             </a:r>
             <a:r>
               <a:rPr lang="en-IN" sz="1100" dirty="0" err="1">
@@ -16557,7 +16605,7 @@
                 <a:ea typeface="Calibri" panose="020F0502020204030204" pitchFamily="34" charset="0"/>
                 <a:cs typeface="Mangal" panose="02040503050203030202" pitchFamily="18" charset="0"/>
               </a:rPr>
-              <a:t>Typescript. Also, familiarity with Slither to find contract vulnerabilities and monitor the gas consumption for each contract methods.</a:t>
+              <a:t>Typescript. Also, familiar with Slither to find contract vulnerabilities and monitor the gas consumption for each contract methods.</a:t>
             </a:r>
           </a:p>
           <a:p>
@@ -16586,7 +16634,7 @@
                 <a:ea typeface="Calibri" panose="020F0502020204030204" pitchFamily="34" charset="0"/>
                 <a:cs typeface="Mangal" panose="02040503050203030202" pitchFamily="18" charset="0"/>
               </a:rPr>
-              <a:t>Full Stack development of a product App – ‘</a:t>
+              <a:t>Full Stack development of a product App (Android) – ‘</a:t>
             </a:r>
             <a:r>
               <a:rPr lang="en-IN" sz="1100" dirty="0" err="1">
@@ -16681,7 +16729,7 @@
                 <a:ea typeface="Calibri" panose="020F0502020204030204" pitchFamily="34" charset="0"/>
                 <a:cs typeface="Mangal" panose="02040503050203030202" pitchFamily="18" charset="0"/>
               </a:rPr>
-              <a:t> and wrote the technical whitepaper. Thi</a:t>
+              <a:t> and wrote the technical whitepaper. Also incorporated </a:t>
             </a:r>
             <a:r>
               <a:rPr lang="en-IN" sz="1100" dirty="0">
@@ -16694,7 +16742,7 @@
                 <a:ea typeface="Calibri" panose="020F0502020204030204" pitchFamily="34" charset="0"/>
                 <a:cs typeface="Mangal" panose="02040503050203030202" pitchFamily="18" charset="0"/>
               </a:rPr>
-              <a:t>s also featured a ‘free Rides’ trade AMM based marketplace with all-time liquidity using </a:t>
+              <a:t>a ‘free Rides’ trading AMM based marketplace with all-time liquidity using </a:t>
             </a:r>
             <a:r>
               <a:rPr lang="en-IN" sz="1100" dirty="0" err="1">
@@ -17596,7 +17644,7 @@
                 <a:ea typeface="Calibri" panose="020F0502020204030204" pitchFamily="34" charset="0"/>
                 <a:cs typeface="Mangal" panose="02040503050203030202" pitchFamily="18" charset="0"/>
               </a:rPr>
-              <a:t> NFT protocol. Thereafter created an NFT protocol – OYA with smart contracts.</a:t>
+              <a:t> NFT protocol. Thereafter initiated a NFT protocol project – OYA with smart contracts.</a:t>
             </a:r>
           </a:p>
           <a:p>
@@ -18170,7 +18218,7 @@
         <p:spPr>
           <a:xfrm>
             <a:off x="434340" y="3450579"/>
-            <a:ext cx="5989320" cy="6993581"/>
+            <a:ext cx="5989320" cy="7265130"/>
           </a:xfrm>
           <a:prstGeom prst="rect">
             <a:avLst/>
@@ -18903,7 +18951,7 @@
               <a:t> on </a:t>
             </a:r>
             <a:r>
-              <a:rPr lang="en-IN" sz="1100" u="sng" dirty="0" err="1">
+              <a:rPr lang="en-IN" sz="1100" u="sng" dirty="0">
                 <a:solidFill>
                   <a:schemeClr val="bg1">
                     <a:lumMod val="85000"/>
@@ -18938,7 +18986,7 @@
               <a:t>– An incentivized social platform on </a:t>
             </a:r>
             <a:r>
-              <a:rPr lang="en-IN" sz="1100" u="sng" dirty="0" err="1">
+              <a:rPr lang="en-IN" sz="1100" u="sng" dirty="0">
                 <a:solidFill>
                   <a:schemeClr val="bg1">
                     <a:lumMod val="85000"/>
@@ -18971,6 +19019,87 @@
                 <a:cs typeface="Mangal" panose="02040503050203030202" pitchFamily="18" charset="0"/>
               </a:rPr>
               <a:t> Blockchain.</a:t>
+            </a:r>
+          </a:p>
+          <a:p>
+            <a:pPr marL="342900" marR="0" lvl="0" indent="-342900" algn="just">
+              <a:lnSpc>
+                <a:spcPct val="115000"/>
+              </a:lnSpc>
+              <a:spcBef>
+                <a:spcPts val="0"/>
+              </a:spcBef>
+              <a:spcAft>
+                <a:spcPts val="600"/>
+              </a:spcAft>
+              <a:buFont typeface="Symbol" panose="05050102010706020507" pitchFamily="18" charset="2"/>
+              <a:buChar char=""/>
+            </a:pPr>
+            <a:r>
+              <a:rPr lang="en-IN" sz="1100" dirty="0">
+                <a:solidFill>
+                  <a:schemeClr val="bg1">
+                    <a:lumMod val="85000"/>
+                  </a:schemeClr>
+                </a:solidFill>
+                <a:latin typeface="Calibri" panose="020F0502020204030204" pitchFamily="34" charset="0"/>
+                <a:ea typeface="Calibri" panose="020F0502020204030204" pitchFamily="34" charset="0"/>
+                <a:cs typeface="Mangal" panose="02040503050203030202" pitchFamily="18" charset="0"/>
+              </a:rPr>
+              <a:t>Contributed to </a:t>
+            </a:r>
+            <a:r>
+              <a:rPr lang="en-IN" sz="1100" dirty="0" err="1">
+                <a:solidFill>
+                  <a:schemeClr val="bg1">
+                    <a:lumMod val="85000"/>
+                  </a:schemeClr>
+                </a:solidFill>
+                <a:latin typeface="Calibri" panose="020F0502020204030204" pitchFamily="34" charset="0"/>
+                <a:ea typeface="Calibri" panose="020F0502020204030204" pitchFamily="34" charset="0"/>
+                <a:cs typeface="Mangal" panose="02040503050203030202" pitchFamily="18" charset="0"/>
+              </a:rPr>
+              <a:t>Uniswap</a:t>
+            </a:r>
+            <a:r>
+              <a:rPr lang="en-IN" sz="1100" dirty="0">
+                <a:solidFill>
+                  <a:schemeClr val="bg1">
+                    <a:lumMod val="85000"/>
+                  </a:schemeClr>
+                </a:solidFill>
+                <a:latin typeface="Calibri" panose="020F0502020204030204" pitchFamily="34" charset="0"/>
+                <a:ea typeface="Calibri" panose="020F0502020204030204" pitchFamily="34" charset="0"/>
+                <a:cs typeface="Mangal" panose="02040503050203030202" pitchFamily="18" charset="0"/>
+              </a:rPr>
+              <a:t> v2 </a:t>
+            </a:r>
+            <a:r>
+              <a:rPr lang="en-IN" sz="1100" dirty="0">
+                <a:solidFill>
+                  <a:schemeClr val="bg1">
+                    <a:lumMod val="85000"/>
+                  </a:schemeClr>
+                </a:solidFill>
+                <a:latin typeface="Calibri" panose="020F0502020204030204" pitchFamily="34" charset="0"/>
+                <a:ea typeface="Calibri" panose="020F0502020204030204" pitchFamily="34" charset="0"/>
+                <a:cs typeface="Mangal" panose="02040503050203030202" pitchFamily="18" charset="0"/>
+                <a:hlinkClick r:id="rId13"/>
+              </a:rPr>
+              <a:t>here</a:t>
+            </a:r>
+            <a:r>
+              <a:rPr lang="en-IN" sz="1100" dirty="0">
+                <a:solidFill>
+                  <a:schemeClr val="bg1">
+                    <a:lumMod val="85000"/>
+                  </a:schemeClr>
+                </a:solidFill>
+                <a:latin typeface="Calibri" panose="020F0502020204030204" pitchFamily="34" charset="0"/>
+                <a:ea typeface="Calibri" panose="020F0502020204030204" pitchFamily="34" charset="0"/>
+                <a:cs typeface="Mangal" panose="02040503050203030202" pitchFamily="18" charset="0"/>
+              </a:rPr>
+              <a:t>.</a:t>
             </a:r>
             <a:endParaRPr lang="en-US" sz="1100" dirty="0">
               <a:solidFill>
@@ -19874,20 +20003,20 @@
 </file>
 
 <file path=customXml/item1.xml><?xml version="1.0" encoding="utf-8"?>
-<p:properties xmlns:p="http://schemas.microsoft.com/office/2006/metadata/properties" xmlns:xsi="http://www.w3.org/2001/XMLSchema-instance" xmlns:pc="http://schemas.microsoft.com/office/infopath/2007/PartnerControls">
-  <documentManagement>
-    <MediaServiceKeyPoints xmlns="ef88797d-310b-4d46-ad9c-0c23fa0c8d45" xsi:nil="true"/>
-  </documentManagement>
-</p:properties>
-</file>
-
-<file path=customXml/item2.xml><?xml version="1.0" encoding="utf-8"?>
 <?mso-contentType ?>
 <FormTemplates xmlns="http://schemas.microsoft.com/sharepoint/v3/contenttype/forms">
   <Display>DocumentLibraryForm</Display>
   <Edit>DocumentLibraryForm</Edit>
   <New>DocumentLibraryForm</New>
 </FormTemplates>
+</file>
+
+<file path=customXml/item2.xml><?xml version="1.0" encoding="utf-8"?>
+<p:properties xmlns:p="http://schemas.microsoft.com/office/2006/metadata/properties" xmlns:xsi="http://www.w3.org/2001/XMLSchema-instance" xmlns:pc="http://schemas.microsoft.com/office/infopath/2007/PartnerControls">
+  <documentManagement>
+    <MediaServiceKeyPoints xmlns="ef88797d-310b-4d46-ad9c-0c23fa0c8d45" xsi:nil="true"/>
+  </documentManagement>
+</p:properties>
 </file>
 
 <file path=customXml/item3.xml><?xml version="1.0" encoding="utf-8"?>
@@ -20114,19 +20243,19 @@
 </file>
 
 <file path=customXml/itemProps1.xml><?xml version="1.0" encoding="utf-8"?>
+<ds:datastoreItem xmlns:ds="http://schemas.openxmlformats.org/officeDocument/2006/customXml" ds:itemID="{20056241-EAE4-4EAF-8B0E-8651A3DCDE25}">
+  <ds:schemaRefs>
+    <ds:schemaRef ds:uri="http://schemas.microsoft.com/sharepoint/v3/contenttype/forms"/>
+  </ds:schemaRefs>
+</ds:datastoreItem>
+</file>
+
+<file path=customXml/itemProps2.xml><?xml version="1.0" encoding="utf-8"?>
 <ds:datastoreItem xmlns:ds="http://schemas.openxmlformats.org/officeDocument/2006/customXml" ds:itemID="{578389EB-672F-420D-AB19-CDFA657C66F4}">
   <ds:schemaRefs>
     <ds:schemaRef ds:uri="http://schemas.microsoft.com/office/2006/metadata/properties"/>
     <ds:schemaRef ds:uri="http://schemas.microsoft.com/office/infopath/2007/PartnerControls"/>
     <ds:schemaRef ds:uri="ef88797d-310b-4d46-ad9c-0c23fa0c8d45"/>
-  </ds:schemaRefs>
-</ds:datastoreItem>
-</file>
-
-<file path=customXml/itemProps2.xml><?xml version="1.0" encoding="utf-8"?>
-<ds:datastoreItem xmlns:ds="http://schemas.openxmlformats.org/officeDocument/2006/customXml" ds:itemID="{20056241-EAE4-4EAF-8B0E-8651A3DCDE25}">
-  <ds:schemaRefs>
-    <ds:schemaRef ds:uri="http://schemas.microsoft.com/sharepoint/v3/contenttype/forms"/>
   </ds:schemaRefs>
 </ds:datastoreItem>
 </file>

--- a/my_resume.pptx
+++ b/my_resume.pptx
@@ -4,8 +4,11 @@
   <p:sldMasterIdLst>
     <p:sldMasterId id="2147483648" r:id="rId4"/>
   </p:sldMasterIdLst>
+  <p:notesMasterIdLst>
+    <p:notesMasterId r:id="rId9"/>
+  </p:notesMasterIdLst>
   <p:handoutMasterIdLst>
-    <p:handoutMasterId r:id="rId9"/>
+    <p:handoutMasterId r:id="rId10"/>
   </p:handoutMasterIdLst>
   <p:sldIdLst>
     <p:sldId id="256" r:id="rId5"/>
@@ -239,7 +242,7 @@
             <a:fld id="{F126DA7F-2AB4-430D-8B2A-97731DDF23A1}" type="datetimeFigureOut">
               <a:rPr lang="en-US" smtClean="0"/>
               <a:pPr/>
-              <a:t>6/13/22</a:t>
+              <a:t>7/1/22</a:t>
             </a:fld>
             <a:endParaRPr lang="en-US" dirty="0"/>
           </a:p>
@@ -333,6 +336,500 @@
   </p:cSld>
   <p:clrMap bg1="lt1" tx1="dk1" bg2="lt2" tx2="dk2" accent1="accent1" accent2="accent2" accent3="accent3" accent4="accent4" accent5="accent5" accent6="accent6" hlink="hlink" folHlink="folHlink"/>
 </p:handoutMaster>
+</file>
+
+<file path=ppt/notesMasters/notesMaster1.xml><?xml version="1.0" encoding="utf-8"?>
+<p:notesMaster xmlns:a="http://schemas.openxmlformats.org/drawingml/2006/main" xmlns:r="http://schemas.openxmlformats.org/officeDocument/2006/relationships" xmlns:p="http://schemas.openxmlformats.org/presentationml/2006/main">
+  <p:cSld>
+    <p:bg>
+      <p:bgRef idx="1001">
+        <a:schemeClr val="bg1"/>
+      </p:bgRef>
+    </p:bg>
+    <p:spTree>
+      <p:nvGrpSpPr>
+        <p:cNvPr id="1" name=""/>
+        <p:cNvGrpSpPr/>
+        <p:nvPr/>
+      </p:nvGrpSpPr>
+      <p:grpSpPr>
+        <a:xfrm>
+          <a:off x="0" y="0"/>
+          <a:ext cx="0" cy="0"/>
+          <a:chOff x="0" y="0"/>
+          <a:chExt cx="0" cy="0"/>
+        </a:xfrm>
+      </p:grpSpPr>
+      <p:sp>
+        <p:nvSpPr>
+          <p:cNvPr id="2" name="Header Placeholder 1"/>
+          <p:cNvSpPr>
+            <a:spLocks noGrp="1"/>
+          </p:cNvSpPr>
+          <p:nvPr>
+            <p:ph type="hdr" sz="quarter"/>
+          </p:nvPr>
+        </p:nvSpPr>
+        <p:spPr>
+          <a:xfrm>
+            <a:off x="0" y="0"/>
+            <a:ext cx="2971800" cy="458788"/>
+          </a:xfrm>
+          <a:prstGeom prst="rect">
+            <a:avLst/>
+          </a:prstGeom>
+        </p:spPr>
+        <p:txBody>
+          <a:bodyPr vert="horz" lIns="91440" tIns="45720" rIns="91440" bIns="45720" rtlCol="0"/>
+          <a:lstStyle>
+            <a:lvl1pPr algn="l">
+              <a:defRPr sz="1200"/>
+            </a:lvl1pPr>
+          </a:lstStyle>
+          <a:p>
+            <a:endParaRPr lang="en-US"/>
+          </a:p>
+        </p:txBody>
+      </p:sp>
+      <p:sp>
+        <p:nvSpPr>
+          <p:cNvPr id="3" name="Date Placeholder 2"/>
+          <p:cNvSpPr>
+            <a:spLocks noGrp="1"/>
+          </p:cNvSpPr>
+          <p:nvPr>
+            <p:ph type="dt" idx="1"/>
+          </p:nvPr>
+        </p:nvSpPr>
+        <p:spPr>
+          <a:xfrm>
+            <a:off x="3884613" y="0"/>
+            <a:ext cx="2971800" cy="458788"/>
+          </a:xfrm>
+          <a:prstGeom prst="rect">
+            <a:avLst/>
+          </a:prstGeom>
+        </p:spPr>
+        <p:txBody>
+          <a:bodyPr vert="horz" lIns="91440" tIns="45720" rIns="91440" bIns="45720" rtlCol="0"/>
+          <a:lstStyle>
+            <a:lvl1pPr algn="r">
+              <a:defRPr sz="1200"/>
+            </a:lvl1pPr>
+          </a:lstStyle>
+          <a:p>
+            <a:fld id="{F3D4E210-CAF8-2E4C-A367-F074B973C260}" type="datetimeFigureOut">
+              <a:rPr lang="en-US" smtClean="0"/>
+              <a:t>7/1/22</a:t>
+            </a:fld>
+            <a:endParaRPr lang="en-US"/>
+          </a:p>
+        </p:txBody>
+      </p:sp>
+      <p:sp>
+        <p:nvSpPr>
+          <p:cNvPr id="4" name="Slide Image Placeholder 3"/>
+          <p:cNvSpPr>
+            <a:spLocks noGrp="1" noRot="1" noChangeAspect="1"/>
+          </p:cNvSpPr>
+          <p:nvPr>
+            <p:ph type="sldImg" idx="2"/>
+          </p:nvPr>
+        </p:nvSpPr>
+        <p:spPr>
+          <a:xfrm>
+            <a:off x="2271713" y="1143000"/>
+            <a:ext cx="2314575" cy="3086100"/>
+          </a:xfrm>
+          <a:prstGeom prst="rect">
+            <a:avLst/>
+          </a:prstGeom>
+          <a:noFill/>
+          <a:ln w="12700">
+            <a:solidFill>
+              <a:prstClr val="black"/>
+            </a:solidFill>
+          </a:ln>
+        </p:spPr>
+        <p:txBody>
+          <a:bodyPr vert="horz" lIns="91440" tIns="45720" rIns="91440" bIns="45720" rtlCol="0" anchor="ctr"/>
+          <a:lstStyle/>
+          <a:p>
+            <a:endParaRPr lang="en-US"/>
+          </a:p>
+        </p:txBody>
+      </p:sp>
+      <p:sp>
+        <p:nvSpPr>
+          <p:cNvPr id="5" name="Notes Placeholder 4"/>
+          <p:cNvSpPr>
+            <a:spLocks noGrp="1"/>
+          </p:cNvSpPr>
+          <p:nvPr>
+            <p:ph type="body" sz="quarter" idx="3"/>
+          </p:nvPr>
+        </p:nvSpPr>
+        <p:spPr>
+          <a:xfrm>
+            <a:off x="685800" y="4400550"/>
+            <a:ext cx="5486400" cy="3600450"/>
+          </a:xfrm>
+          <a:prstGeom prst="rect">
+            <a:avLst/>
+          </a:prstGeom>
+        </p:spPr>
+        <p:txBody>
+          <a:bodyPr vert="horz" lIns="91440" tIns="45720" rIns="91440" bIns="45720" rtlCol="0"/>
+          <a:lstStyle/>
+          <a:p>
+            <a:pPr lvl="0"/>
+            <a:r>
+              <a:rPr lang="en-GB"/>
+              <a:t>Click to edit Master text styles</a:t>
+            </a:r>
+          </a:p>
+          <a:p>
+            <a:pPr lvl="1"/>
+            <a:r>
+              <a:rPr lang="en-GB"/>
+              <a:t>Second level</a:t>
+            </a:r>
+          </a:p>
+          <a:p>
+            <a:pPr lvl="2"/>
+            <a:r>
+              <a:rPr lang="en-GB"/>
+              <a:t>Third level</a:t>
+            </a:r>
+          </a:p>
+          <a:p>
+            <a:pPr lvl="3"/>
+            <a:r>
+              <a:rPr lang="en-GB"/>
+              <a:t>Fourth level</a:t>
+            </a:r>
+          </a:p>
+          <a:p>
+            <a:pPr lvl="4"/>
+            <a:r>
+              <a:rPr lang="en-GB"/>
+              <a:t>Fifth level</a:t>
+            </a:r>
+            <a:endParaRPr lang="en-US"/>
+          </a:p>
+        </p:txBody>
+      </p:sp>
+      <p:sp>
+        <p:nvSpPr>
+          <p:cNvPr id="6" name="Footer Placeholder 5"/>
+          <p:cNvSpPr>
+            <a:spLocks noGrp="1"/>
+          </p:cNvSpPr>
+          <p:nvPr>
+            <p:ph type="ftr" sz="quarter" idx="4"/>
+          </p:nvPr>
+        </p:nvSpPr>
+        <p:spPr>
+          <a:xfrm>
+            <a:off x="0" y="8685213"/>
+            <a:ext cx="2971800" cy="458787"/>
+          </a:xfrm>
+          <a:prstGeom prst="rect">
+            <a:avLst/>
+          </a:prstGeom>
+        </p:spPr>
+        <p:txBody>
+          <a:bodyPr vert="horz" lIns="91440" tIns="45720" rIns="91440" bIns="45720" rtlCol="0" anchor="b"/>
+          <a:lstStyle>
+            <a:lvl1pPr algn="l">
+              <a:defRPr sz="1200"/>
+            </a:lvl1pPr>
+          </a:lstStyle>
+          <a:p>
+            <a:endParaRPr lang="en-US"/>
+          </a:p>
+        </p:txBody>
+      </p:sp>
+      <p:sp>
+        <p:nvSpPr>
+          <p:cNvPr id="7" name="Slide Number Placeholder 6"/>
+          <p:cNvSpPr>
+            <a:spLocks noGrp="1"/>
+          </p:cNvSpPr>
+          <p:nvPr>
+            <p:ph type="sldNum" sz="quarter" idx="5"/>
+          </p:nvPr>
+        </p:nvSpPr>
+        <p:spPr>
+          <a:xfrm>
+            <a:off x="3884613" y="8685213"/>
+            <a:ext cx="2971800" cy="458787"/>
+          </a:xfrm>
+          <a:prstGeom prst="rect">
+            <a:avLst/>
+          </a:prstGeom>
+        </p:spPr>
+        <p:txBody>
+          <a:bodyPr vert="horz" lIns="91440" tIns="45720" rIns="91440" bIns="45720" rtlCol="0" anchor="b"/>
+          <a:lstStyle>
+            <a:lvl1pPr algn="r">
+              <a:defRPr sz="1200"/>
+            </a:lvl1pPr>
+          </a:lstStyle>
+          <a:p>
+            <a:fld id="{43C356E9-0D86-734E-9131-947959AB34BF}" type="slidenum">
+              <a:rPr lang="en-US" smtClean="0"/>
+              <a:t>‹#›</a:t>
+            </a:fld>
+            <a:endParaRPr lang="en-US"/>
+          </a:p>
+        </p:txBody>
+      </p:sp>
+    </p:spTree>
+    <p:extLst>
+      <p:ext uri="{BB962C8B-B14F-4D97-AF65-F5344CB8AC3E}">
+        <p14:creationId xmlns:p14="http://schemas.microsoft.com/office/powerpoint/2010/main" val="1575118776"/>
+      </p:ext>
+    </p:extLst>
+  </p:cSld>
+  <p:clrMap bg1="lt1" tx1="dk1" bg2="lt2" tx2="dk2" accent1="accent1" accent2="accent2" accent3="accent3" accent4="accent4" accent5="accent5" accent6="accent6" hlink="hlink" folHlink="folHlink"/>
+  <p:notesStyle>
+    <a:lvl1pPr marL="0" algn="l" defTabSz="914400" rtl="0" eaLnBrk="1" latinLnBrk="0" hangingPunct="1">
+      <a:defRPr sz="1200" kern="1200">
+        <a:solidFill>
+          <a:schemeClr val="tx1"/>
+        </a:solidFill>
+        <a:latin typeface="+mn-lt"/>
+        <a:ea typeface="+mn-ea"/>
+        <a:cs typeface="+mn-cs"/>
+      </a:defRPr>
+    </a:lvl1pPr>
+    <a:lvl2pPr marL="457200" algn="l" defTabSz="914400" rtl="0" eaLnBrk="1" latinLnBrk="0" hangingPunct="1">
+      <a:defRPr sz="1200" kern="1200">
+        <a:solidFill>
+          <a:schemeClr val="tx1"/>
+        </a:solidFill>
+        <a:latin typeface="+mn-lt"/>
+        <a:ea typeface="+mn-ea"/>
+        <a:cs typeface="+mn-cs"/>
+      </a:defRPr>
+    </a:lvl2pPr>
+    <a:lvl3pPr marL="914400" algn="l" defTabSz="914400" rtl="0" eaLnBrk="1" latinLnBrk="0" hangingPunct="1">
+      <a:defRPr sz="1200" kern="1200">
+        <a:solidFill>
+          <a:schemeClr val="tx1"/>
+        </a:solidFill>
+        <a:latin typeface="+mn-lt"/>
+        <a:ea typeface="+mn-ea"/>
+        <a:cs typeface="+mn-cs"/>
+      </a:defRPr>
+    </a:lvl3pPr>
+    <a:lvl4pPr marL="1371600" algn="l" defTabSz="914400" rtl="0" eaLnBrk="1" latinLnBrk="0" hangingPunct="1">
+      <a:defRPr sz="1200" kern="1200">
+        <a:solidFill>
+          <a:schemeClr val="tx1"/>
+        </a:solidFill>
+        <a:latin typeface="+mn-lt"/>
+        <a:ea typeface="+mn-ea"/>
+        <a:cs typeface="+mn-cs"/>
+      </a:defRPr>
+    </a:lvl4pPr>
+    <a:lvl5pPr marL="1828800" algn="l" defTabSz="914400" rtl="0" eaLnBrk="1" latinLnBrk="0" hangingPunct="1">
+      <a:defRPr sz="1200" kern="1200">
+        <a:solidFill>
+          <a:schemeClr val="tx1"/>
+        </a:solidFill>
+        <a:latin typeface="+mn-lt"/>
+        <a:ea typeface="+mn-ea"/>
+        <a:cs typeface="+mn-cs"/>
+      </a:defRPr>
+    </a:lvl5pPr>
+    <a:lvl6pPr marL="2286000" algn="l" defTabSz="914400" rtl="0" eaLnBrk="1" latinLnBrk="0" hangingPunct="1">
+      <a:defRPr sz="1200" kern="1200">
+        <a:solidFill>
+          <a:schemeClr val="tx1"/>
+        </a:solidFill>
+        <a:latin typeface="+mn-lt"/>
+        <a:ea typeface="+mn-ea"/>
+        <a:cs typeface="+mn-cs"/>
+      </a:defRPr>
+    </a:lvl6pPr>
+    <a:lvl7pPr marL="2743200" algn="l" defTabSz="914400" rtl="0" eaLnBrk="1" latinLnBrk="0" hangingPunct="1">
+      <a:defRPr sz="1200" kern="1200">
+        <a:solidFill>
+          <a:schemeClr val="tx1"/>
+        </a:solidFill>
+        <a:latin typeface="+mn-lt"/>
+        <a:ea typeface="+mn-ea"/>
+        <a:cs typeface="+mn-cs"/>
+      </a:defRPr>
+    </a:lvl7pPr>
+    <a:lvl8pPr marL="3200400" algn="l" defTabSz="914400" rtl="0" eaLnBrk="1" latinLnBrk="0" hangingPunct="1">
+      <a:defRPr sz="1200" kern="1200">
+        <a:solidFill>
+          <a:schemeClr val="tx1"/>
+        </a:solidFill>
+        <a:latin typeface="+mn-lt"/>
+        <a:ea typeface="+mn-ea"/>
+        <a:cs typeface="+mn-cs"/>
+      </a:defRPr>
+    </a:lvl8pPr>
+    <a:lvl9pPr marL="3657600" algn="l" defTabSz="914400" rtl="0" eaLnBrk="1" latinLnBrk="0" hangingPunct="1">
+      <a:defRPr sz="1200" kern="1200">
+        <a:solidFill>
+          <a:schemeClr val="tx1"/>
+        </a:solidFill>
+        <a:latin typeface="+mn-lt"/>
+        <a:ea typeface="+mn-ea"/>
+        <a:cs typeface="+mn-cs"/>
+      </a:defRPr>
+    </a:lvl9pPr>
+  </p:notesStyle>
+</p:notesMaster>
+</file>
+
+<file path=ppt/notesSlides/notesSlide1.xml><?xml version="1.0" encoding="utf-8"?>
+<p:notes xmlns:a="http://schemas.openxmlformats.org/drawingml/2006/main" xmlns:r="http://schemas.openxmlformats.org/officeDocument/2006/relationships" xmlns:p="http://schemas.openxmlformats.org/presentationml/2006/main">
+  <p:cSld>
+    <p:spTree>
+      <p:nvGrpSpPr>
+        <p:cNvPr id="1" name=""/>
+        <p:cNvGrpSpPr/>
+        <p:nvPr/>
+      </p:nvGrpSpPr>
+      <p:grpSpPr>
+        <a:xfrm>
+          <a:off x="0" y="0"/>
+          <a:ext cx="0" cy="0"/>
+          <a:chOff x="0" y="0"/>
+          <a:chExt cx="0" cy="0"/>
+        </a:xfrm>
+      </p:grpSpPr>
+      <p:sp>
+        <p:nvSpPr>
+          <p:cNvPr id="2" name="Slide Image Placeholder 1"/>
+          <p:cNvSpPr>
+            <a:spLocks noGrp="1" noRot="1" noChangeAspect="1"/>
+          </p:cNvSpPr>
+          <p:nvPr>
+            <p:ph type="sldImg"/>
+          </p:nvPr>
+        </p:nvSpPr>
+        <p:spPr/>
+      </p:sp>
+      <p:sp>
+        <p:nvSpPr>
+          <p:cNvPr id="3" name="Notes Placeholder 2"/>
+          <p:cNvSpPr>
+            <a:spLocks noGrp="1"/>
+          </p:cNvSpPr>
+          <p:nvPr>
+            <p:ph type="body" idx="1"/>
+          </p:nvPr>
+        </p:nvSpPr>
+        <p:spPr/>
+        <p:txBody>
+          <a:bodyPr/>
+          <a:lstStyle/>
+          <a:p>
+            <a:r>
+              <a:rPr lang="en-US" dirty="0"/>
+              <a:t>## Smart Contract</a:t>
+            </a:r>
+          </a:p>
+          <a:p>
+            <a:r>
+              <a:rPr lang="en-US" dirty="0"/>
+              <a:t>Combine </a:t>
+            </a:r>
+            <a:r>
+              <a:rPr lang="en-US" dirty="0" err="1"/>
+              <a:t>eosio</a:t>
+            </a:r>
+            <a:r>
+              <a:rPr lang="en-US" dirty="0"/>
+              <a:t>, </a:t>
+            </a:r>
+            <a:r>
+              <a:rPr lang="en-US" dirty="0" err="1"/>
+              <a:t>evm</a:t>
+            </a:r>
+            <a:endParaRPr lang="en-US" dirty="0"/>
+          </a:p>
+          <a:p>
+            <a:pPr marL="0" marR="0" lvl="0" indent="0" algn="l" defTabSz="914400" rtl="0" eaLnBrk="1" fontAlgn="auto" latinLnBrk="0" hangingPunct="1">
+              <a:lnSpc>
+                <a:spcPct val="100000"/>
+              </a:lnSpc>
+              <a:spcBef>
+                <a:spcPts val="0"/>
+              </a:spcBef>
+              <a:spcAft>
+                <a:spcPts val="0"/>
+              </a:spcAft>
+              <a:buClrTx/>
+              <a:buSzTx/>
+              <a:buFontTx/>
+              <a:buNone/>
+              <a:tabLst/>
+              <a:defRPr/>
+            </a:pPr>
+            <a:r>
+              <a:rPr lang="en-US" dirty="0"/>
+              <a:t>Substrate Blockchains</a:t>
+            </a:r>
+          </a:p>
+          <a:p>
+            <a:endParaRPr lang="en-US" dirty="0"/>
+          </a:p>
+          <a:p>
+            <a:r>
+              <a:rPr lang="en-US" dirty="0"/>
+              <a:t>### Open-Source Contributions</a:t>
+            </a:r>
+          </a:p>
+          <a:p>
+            <a:r>
+              <a:rPr lang="en-US" dirty="0"/>
+              <a:t>## Product</a:t>
+            </a:r>
+          </a:p>
+        </p:txBody>
+      </p:sp>
+      <p:sp>
+        <p:nvSpPr>
+          <p:cNvPr id="4" name="Slide Number Placeholder 3"/>
+          <p:cNvSpPr>
+            <a:spLocks noGrp="1"/>
+          </p:cNvSpPr>
+          <p:nvPr>
+            <p:ph type="sldNum" sz="quarter" idx="5"/>
+          </p:nvPr>
+        </p:nvSpPr>
+        <p:spPr/>
+        <p:txBody>
+          <a:bodyPr/>
+          <a:lstStyle/>
+          <a:p>
+            <a:fld id="{43C356E9-0D86-734E-9131-947959AB34BF}" type="slidenum">
+              <a:rPr lang="en-US" smtClean="0"/>
+              <a:t>2</a:t>
+            </a:fld>
+            <a:endParaRPr lang="en-US"/>
+          </a:p>
+        </p:txBody>
+      </p:sp>
+    </p:spTree>
+    <p:extLst>
+      <p:ext uri="{BB962C8B-B14F-4D97-AF65-F5344CB8AC3E}">
+        <p14:creationId xmlns:p14="http://schemas.microsoft.com/office/powerpoint/2010/main" val="2989342924"/>
+      </p:ext>
+    </p:extLst>
+  </p:cSld>
+  <p:clrMapOvr>
+    <a:masterClrMapping/>
+  </p:clrMapOvr>
+</p:notes>
 </file>
 
 <file path=ppt/slideLayouts/slideLayout1.xml><?xml version="1.0" encoding="utf-8"?>
@@ -7198,7 +7695,7 @@
             <a:fld id="{902AD433-F5B6-43A3-8DE6-1382B3149F77}" type="datetimeFigureOut">
               <a:rPr lang="en-US" smtClean="0"/>
               <a:pPr/>
-              <a:t>6/13/22</a:t>
+              <a:t>7/1/22</a:t>
             </a:fld>
             <a:endParaRPr lang="en-US" dirty="0"/>
           </a:p>
@@ -7800,7 +8297,7 @@
         </p:blipFill>
         <p:spPr>
           <a:xfrm>
-            <a:off x="2000433" y="6574528"/>
+            <a:off x="2000433" y="6536820"/>
             <a:ext cx="168480" cy="194400"/>
           </a:xfrm>
           <a:prstGeom prst="rect">
@@ -7839,7 +8336,7 @@
         </p:blipFill>
         <p:spPr>
           <a:xfrm>
-            <a:off x="4784614" y="6586488"/>
+            <a:off x="4784614" y="6548780"/>
             <a:ext cx="176400" cy="176400"/>
           </a:xfrm>
           <a:prstGeom prst="rect">
@@ -7995,7 +8492,7 @@
         </p:nvCxnSpPr>
         <p:spPr>
           <a:xfrm>
-            <a:off x="191497" y="4913381"/>
+            <a:off x="191497" y="4762549"/>
             <a:ext cx="1278000" cy="0"/>
           </a:xfrm>
           <a:prstGeom prst="line">
@@ -8041,7 +8538,7 @@
         </p:nvCxnSpPr>
         <p:spPr>
           <a:xfrm>
-            <a:off x="191497" y="5374035"/>
+            <a:off x="191497" y="5223203"/>
             <a:ext cx="1278000" cy="0"/>
           </a:xfrm>
           <a:prstGeom prst="line">
@@ -8087,7 +8584,7 @@
         </p:nvCxnSpPr>
         <p:spPr>
           <a:xfrm>
-            <a:off x="195596" y="5830204"/>
+            <a:off x="195596" y="5679372"/>
             <a:ext cx="1278000" cy="0"/>
           </a:xfrm>
           <a:prstGeom prst="line">
@@ -8147,7 +8644,7 @@
         </p:blipFill>
         <p:spPr>
           <a:xfrm>
-            <a:off x="201636" y="4003588"/>
+            <a:off x="201636" y="3852756"/>
             <a:ext cx="216000" cy="152471"/>
           </a:xfrm>
           <a:prstGeom prst="rect">
@@ -8357,10 +8854,9 @@
           <a:lstStyle/>
           <a:p>
             <a:r>
-              <a:rPr lang="en-US"/>
-              <a:t>Chandigarh, India</a:t>
-            </a:r>
-            <a:endParaRPr lang="en-US" dirty="0"/>
+              <a:rPr lang="en-US" dirty="0"/>
+              <a:t>Kolkata, India</a:t>
+            </a:r>
           </a:p>
         </p:txBody>
       </p:sp>
@@ -8617,7 +9113,12 @@
             <p:ph type="body" sz="quarter" idx="59"/>
           </p:nvPr>
         </p:nvSpPr>
-        <p:spPr/>
+        <p:spPr>
+          <a:xfrm>
+            <a:off x="2181097" y="6482292"/>
+            <a:ext cx="2041508" cy="242888"/>
+          </a:xfrm>
+        </p:spPr>
         <p:txBody>
           <a:bodyPr/>
           <a:lstStyle/>
@@ -8645,7 +9146,12 @@
             <p:ph type="body" sz="quarter" idx="60"/>
           </p:nvPr>
         </p:nvSpPr>
-        <p:spPr/>
+        <p:spPr>
+          <a:xfrm>
+            <a:off x="4969448" y="6482292"/>
+            <a:ext cx="1662631" cy="242888"/>
+          </a:xfrm>
+        </p:spPr>
         <p:txBody>
           <a:bodyPr/>
           <a:lstStyle/>
@@ -8675,7 +9181,7 @@
         </p:nvSpPr>
         <p:spPr>
           <a:xfrm>
-            <a:off x="4687618" y="6806530"/>
+            <a:off x="4687618" y="6768822"/>
             <a:ext cx="1414816" cy="190800"/>
           </a:xfrm>
         </p:spPr>
@@ -8708,7 +9214,7 @@
         </p:nvSpPr>
         <p:spPr>
           <a:xfrm>
-            <a:off x="4687618" y="7195666"/>
+            <a:off x="4687618" y="7157958"/>
             <a:ext cx="1414816" cy="190800"/>
           </a:xfrm>
         </p:spPr>
@@ -8718,7 +9224,7 @@
           <a:p>
             <a:r>
               <a:rPr lang="en-US" dirty="0"/>
-              <a:t>SOLIDITY Language</a:t>
+              <a:t>EVM SOLIDITY Language</a:t>
             </a:r>
           </a:p>
         </p:txBody>
@@ -8741,7 +9247,7 @@
         </p:nvSpPr>
         <p:spPr>
           <a:xfrm>
-            <a:off x="4687617" y="7580361"/>
+            <a:off x="4687617" y="7542653"/>
             <a:ext cx="1556199" cy="142383"/>
           </a:xfrm>
         </p:spPr>
@@ -8774,7 +9280,7 @@
         </p:nvSpPr>
         <p:spPr>
           <a:xfrm>
-            <a:off x="4687618" y="7963652"/>
+            <a:off x="4687618" y="7925944"/>
             <a:ext cx="1414816" cy="190800"/>
           </a:xfrm>
         </p:spPr>
@@ -8807,7 +9313,7 @@
         </p:nvSpPr>
         <p:spPr>
           <a:xfrm>
-            <a:off x="4687617" y="8352619"/>
+            <a:off x="4687617" y="8314911"/>
             <a:ext cx="1525269" cy="190800"/>
           </a:xfrm>
         </p:spPr>
@@ -8962,12 +9468,8 @@
           <a:lstStyle/>
           <a:p>
             <a:r>
-              <a:rPr lang="en-US"/>
-              <a:t>28 </a:t>
-            </a:r>
-            <a:r>
               <a:rPr lang="en-US" dirty="0"/>
-              <a:t>March 1993</a:t>
+              <a:t>28 March 1993</a:t>
             </a:r>
           </a:p>
         </p:txBody>
@@ -9023,7 +9525,7 @@
           <a:p>
             <a:r>
               <a:rPr lang="en-US" dirty="0"/>
-              <a:t>6+ years</a:t>
+              <a:t>~7 years</a:t>
             </a:r>
           </a:p>
         </p:txBody>
@@ -9044,7 +9546,12 @@
             <p:ph type="body" sz="quarter" idx="81"/>
           </p:nvPr>
         </p:nvSpPr>
-        <p:spPr/>
+        <p:spPr>
+          <a:xfrm>
+            <a:off x="103142" y="4343131"/>
+            <a:ext cx="1337835" cy="187199"/>
+          </a:xfrm>
+        </p:spPr>
         <p:txBody>
           <a:bodyPr/>
           <a:lstStyle/>
@@ -9072,7 +9579,12 @@
             <p:ph type="body" sz="quarter" idx="82"/>
           </p:nvPr>
         </p:nvSpPr>
-        <p:spPr/>
+        <p:spPr>
+          <a:xfrm>
+            <a:off x="103142" y="4813107"/>
+            <a:ext cx="1337835" cy="187199"/>
+          </a:xfrm>
+        </p:spPr>
         <p:txBody>
           <a:bodyPr/>
           <a:lstStyle/>
@@ -9100,7 +9612,12 @@
             <p:ph type="body" sz="quarter" idx="83"/>
           </p:nvPr>
         </p:nvSpPr>
-        <p:spPr/>
+        <p:spPr>
+          <a:xfrm>
+            <a:off x="103142" y="5283082"/>
+            <a:ext cx="1337835" cy="187199"/>
+          </a:xfrm>
+        </p:spPr>
         <p:txBody>
           <a:bodyPr/>
           <a:lstStyle/>
@@ -9128,7 +9645,12 @@
             <p:ph type="body" sz="quarter" idx="84"/>
           </p:nvPr>
         </p:nvSpPr>
-        <p:spPr/>
+        <p:spPr>
+          <a:xfrm>
+            <a:off x="104828" y="4458376"/>
+            <a:ext cx="1321339" cy="226901"/>
+          </a:xfrm>
+        </p:spPr>
         <p:txBody>
           <a:bodyPr/>
           <a:lstStyle/>
@@ -9156,7 +9678,12 @@
             <p:ph type="body" sz="quarter" idx="85"/>
           </p:nvPr>
         </p:nvSpPr>
-        <p:spPr/>
+        <p:spPr>
+          <a:xfrm>
+            <a:off x="104828" y="4927089"/>
+            <a:ext cx="1321339" cy="226901"/>
+          </a:xfrm>
+        </p:spPr>
         <p:txBody>
           <a:bodyPr/>
           <a:lstStyle/>
@@ -9193,7 +9720,12 @@
             <p:ph type="body" sz="quarter" idx="86"/>
           </p:nvPr>
         </p:nvSpPr>
-        <p:spPr/>
+        <p:spPr>
+          <a:xfrm>
+            <a:off x="104828" y="5395802"/>
+            <a:ext cx="1549248" cy="226901"/>
+          </a:xfrm>
+        </p:spPr>
         <p:txBody>
           <a:bodyPr/>
           <a:lstStyle/>
@@ -9221,7 +9753,12 @@
             <p:ph type="body" sz="quarter" idx="87"/>
           </p:nvPr>
         </p:nvSpPr>
-        <p:spPr/>
+        <p:spPr>
+          <a:xfrm>
+            <a:off x="107241" y="5752129"/>
+            <a:ext cx="1337835" cy="187199"/>
+          </a:xfrm>
+        </p:spPr>
         <p:txBody>
           <a:bodyPr/>
           <a:lstStyle/>
@@ -9249,7 +9786,12 @@
             <p:ph type="body" sz="quarter" idx="88"/>
           </p:nvPr>
         </p:nvSpPr>
-        <p:spPr/>
+        <p:spPr>
+          <a:xfrm>
+            <a:off x="108927" y="5864849"/>
+            <a:ext cx="1549248" cy="226901"/>
+          </a:xfrm>
+        </p:spPr>
         <p:txBody>
           <a:bodyPr/>
           <a:lstStyle/>
@@ -9286,7 +9828,12 @@
             <p:ph type="body" sz="quarter" idx="89"/>
           </p:nvPr>
         </p:nvSpPr>
-        <p:spPr/>
+        <p:spPr>
+          <a:xfrm>
+            <a:off x="359861" y="3768583"/>
+            <a:ext cx="1321339" cy="535165"/>
+          </a:xfrm>
+        </p:spPr>
         <p:txBody>
           <a:bodyPr/>
           <a:lstStyle/>
@@ -9800,7 +10347,7 @@
         </p:nvGrpSpPr>
         <p:grpSpPr>
           <a:xfrm>
-            <a:off x="4777287" y="7011249"/>
+            <a:off x="4777287" y="6973541"/>
             <a:ext cx="1733846" cy="118800"/>
             <a:chOff x="4775800" y="7060017"/>
             <a:chExt cx="1733846" cy="118800"/>
@@ -10264,63 +10811,6 @@
         </p:sp>
         <p:sp>
           <p:nvSpPr>
-            <p:cNvPr id="369" name="Oval 368">
-              <a:extLst>
-                <a:ext uri="{FF2B5EF4-FFF2-40B4-BE49-F238E27FC236}">
-                  <a16:creationId xmlns:a16="http://schemas.microsoft.com/office/drawing/2014/main" id="{6A40DC52-F058-4C07-BB90-A35980C528E9}"/>
-                </a:ext>
-              </a:extLst>
-            </p:cNvPr>
-            <p:cNvSpPr/>
-            <p:nvPr/>
-          </p:nvSpPr>
-          <p:spPr>
-            <a:xfrm>
-              <a:off x="6211400" y="7060017"/>
-              <a:ext cx="118800" cy="118800"/>
-            </a:xfrm>
-            <a:prstGeom prst="ellipse">
-              <a:avLst/>
-            </a:prstGeom>
-            <a:solidFill>
-              <a:schemeClr val="accent3"/>
-            </a:solidFill>
-            <a:ln>
-              <a:noFill/>
-            </a:ln>
-          </p:spPr>
-          <p:style>
-            <a:lnRef idx="2">
-              <a:schemeClr val="accent1">
-                <a:shade val="50000"/>
-              </a:schemeClr>
-            </a:lnRef>
-            <a:fillRef idx="1">
-              <a:schemeClr val="accent1"/>
-            </a:fillRef>
-            <a:effectRef idx="0">
-              <a:schemeClr val="accent1"/>
-            </a:effectRef>
-            <a:fontRef idx="minor">
-              <a:schemeClr val="lt1"/>
-            </a:fontRef>
-          </p:style>
-          <p:txBody>
-            <a:bodyPr rot="0" spcFirstLastPara="0" vertOverflow="overflow" horzOverflow="overflow" vert="horz" wrap="square" lIns="91440" tIns="45720" rIns="91440" bIns="45720" numCol="1" spcCol="0" rtlCol="0" fromWordArt="0" anchor="ctr" anchorCtr="0" forceAA="0" compatLnSpc="1">
-              <a:prstTxWarp prst="textNoShape">
-                <a:avLst/>
-              </a:prstTxWarp>
-              <a:noAutofit/>
-            </a:bodyPr>
-            <a:lstStyle/>
-            <a:p>
-              <a:pPr algn="ctr"/>
-              <a:endParaRPr lang="en-US" dirty="0"/>
-            </a:p>
-          </p:txBody>
-        </p:sp>
-        <p:sp>
-          <p:nvSpPr>
             <p:cNvPr id="370" name="Oval 369">
               <a:extLst>
                 <a:ext uri="{FF2B5EF4-FFF2-40B4-BE49-F238E27FC236}">
@@ -10391,7 +10881,7 @@
         </p:nvGrpSpPr>
         <p:grpSpPr>
           <a:xfrm>
-            <a:off x="4777287" y="7398062"/>
+            <a:off x="4777287" y="7360354"/>
             <a:ext cx="1733846" cy="118800"/>
             <a:chOff x="4775800" y="7060017"/>
             <a:chExt cx="1733846" cy="118800"/>
@@ -10925,7 +11415,7 @@
         </p:nvGrpSpPr>
         <p:grpSpPr>
           <a:xfrm>
-            <a:off x="4777287" y="7784875"/>
+            <a:off x="4777287" y="7747167"/>
             <a:ext cx="1733846" cy="118800"/>
             <a:chOff x="4775800" y="7060017"/>
             <a:chExt cx="1733846" cy="118800"/>
@@ -11516,7 +12006,7 @@
         </p:nvGrpSpPr>
         <p:grpSpPr>
           <a:xfrm>
-            <a:off x="4777287" y="8171688"/>
+            <a:off x="4777287" y="8133980"/>
             <a:ext cx="1733846" cy="118800"/>
             <a:chOff x="4775800" y="7060017"/>
             <a:chExt cx="1733846" cy="118800"/>
@@ -12103,7 +12593,7 @@
         </p:nvGrpSpPr>
         <p:grpSpPr>
           <a:xfrm>
-            <a:off x="4777287" y="8558500"/>
+            <a:off x="4777287" y="8520792"/>
             <a:ext cx="1733846" cy="118800"/>
             <a:chOff x="4775800" y="7060017"/>
             <a:chExt cx="1733846" cy="118800"/>
@@ -12940,7 +13430,7 @@
         </p:blipFill>
         <p:spPr>
           <a:xfrm>
-            <a:off x="5601267" y="257374"/>
+            <a:off x="5924923" y="515287"/>
             <a:ext cx="95727" cy="140399"/>
           </a:xfrm>
           <a:prstGeom prst="rect">
@@ -12962,7 +13452,7 @@
         </p:nvSpPr>
         <p:spPr>
           <a:xfrm>
-            <a:off x="5859319" y="8171688"/>
+            <a:off x="5859319" y="8133980"/>
             <a:ext cx="118800" cy="118800"/>
           </a:xfrm>
           <a:prstGeom prst="ellipse">
@@ -13019,7 +13509,7 @@
         </p:nvSpPr>
         <p:spPr>
           <a:xfrm>
-            <a:off x="6038765" y="8171688"/>
+            <a:off x="6038765" y="8133980"/>
             <a:ext cx="118800" cy="118800"/>
           </a:xfrm>
           <a:prstGeom prst="ellipse">
@@ -13078,7 +13568,7 @@
         </p:nvSpPr>
         <p:spPr>
           <a:xfrm>
-            <a:off x="4699809" y="8669611"/>
+            <a:off x="4699809" y="8631903"/>
             <a:ext cx="1525269" cy="190800"/>
           </a:xfrm>
           <a:prstGeom prst="rect">
@@ -13275,7 +13765,7 @@
         </p:nvGrpSpPr>
         <p:grpSpPr>
           <a:xfrm>
-            <a:off x="4789479" y="8875492"/>
+            <a:off x="4789479" y="8837784"/>
             <a:ext cx="1733846" cy="118800"/>
             <a:chOff x="4775800" y="7060017"/>
             <a:chExt cx="1733846" cy="118800"/>
@@ -13883,7 +14373,7 @@
         </p:blipFill>
         <p:spPr>
           <a:xfrm>
-            <a:off x="1929796" y="4058229"/>
+            <a:off x="1929796" y="3972504"/>
             <a:ext cx="187200" cy="187200"/>
           </a:xfrm>
           <a:prstGeom prst="rect">
@@ -13907,7 +14397,7 @@
         </p:nvSpPr>
         <p:spPr>
           <a:xfrm>
-            <a:off x="2110458" y="4006687"/>
+            <a:off x="2110458" y="3920962"/>
             <a:ext cx="2041508" cy="242888"/>
           </a:xfrm>
           <a:prstGeom prst="rect">
@@ -14416,7 +14906,7 @@
                   </a:schemeClr>
                 </a:solidFill>
               </a:rPr>
-              <a:t>C, C++, Solidity, Rust, Python, </a:t>
+              <a:t>Solidity, C/C++, Rust, Python, </a:t>
             </a:r>
             <a:r>
               <a:rPr lang="en-US" sz="1000" dirty="0" err="1">
@@ -14626,8 +15116,8 @@
         </p:nvSpPr>
         <p:spPr>
           <a:xfrm>
-            <a:off x="1964659" y="4337373"/>
-            <a:ext cx="4247657" cy="1915140"/>
+            <a:off x="1956011" y="4163850"/>
+            <a:ext cx="4247657" cy="2145972"/>
           </a:xfrm>
           <a:prstGeom prst="rect">
             <a:avLst/>
@@ -14820,7 +15310,49 @@
                 </a:solidFill>
                 <a:latin typeface="Whitney"/>
               </a:rPr>
-              <a:t>2022: CTO at Theia Labs</a:t>
+              <a:t>2021-2022: CTO at Theia Labs</a:t>
+            </a:r>
+          </a:p>
+          <a:p>
+            <a:pPr marL="171450" indent="-171450">
+              <a:lnSpc>
+                <a:spcPct val="150000"/>
+              </a:lnSpc>
+              <a:buFont typeface="Arial" panose="020B0604020202020204" pitchFamily="34" charset="0"/>
+              <a:buChar char="•"/>
+            </a:pPr>
+            <a:r>
+              <a:rPr lang="en-US" sz="1000" dirty="0">
+                <a:solidFill>
+                  <a:schemeClr val="bg1">
+                    <a:lumMod val="75000"/>
+                  </a:schemeClr>
+                </a:solidFill>
+                <a:latin typeface="Whitney"/>
+              </a:rPr>
+              <a:t>2022: Lead Blockchain Developer at Mojo, Polygon’s native </a:t>
+            </a:r>
+            <a:r>
+              <a:rPr lang="en-US" sz="1000" dirty="0" err="1">
+                <a:solidFill>
+                  <a:schemeClr val="bg1">
+                    <a:lumMod val="75000"/>
+                  </a:schemeClr>
+                </a:solidFill>
+                <a:latin typeface="Whitney"/>
+              </a:rPr>
+              <a:t>stablecoin</a:t>
+            </a:r>
+            <a:r>
+              <a:rPr lang="en-US" sz="1000" dirty="0">
+                <a:solidFill>
+                  <a:schemeClr val="bg1">
+                    <a:lumMod val="75000"/>
+                  </a:schemeClr>
+                </a:solidFill>
+                <a:latin typeface="Whitney"/>
+              </a:rPr>
+              <a:t>.</a:t>
             </a:r>
           </a:p>
         </p:txBody>
@@ -14839,7 +15371,7 @@
         </p:nvGrpSpPr>
         <p:grpSpPr>
           <a:xfrm>
-            <a:off x="2635937" y="7034942"/>
+            <a:off x="2635937" y="6997234"/>
             <a:ext cx="1778343" cy="1402752"/>
             <a:chOff x="2635937" y="7034942"/>
             <a:chExt cx="1778343" cy="1402752"/>
@@ -15068,7 +15600,7 @@
         </p:nvSpPr>
         <p:spPr>
           <a:xfrm>
-            <a:off x="2080714" y="6904739"/>
+            <a:off x="2080714" y="6867031"/>
             <a:ext cx="2411565" cy="654826"/>
           </a:xfrm>
           <a:prstGeom prst="rect">
@@ -15120,7 +15652,7 @@
         </p:nvSpPr>
         <p:spPr>
           <a:xfrm>
-            <a:off x="4079841" y="6898699"/>
+            <a:off x="4079841" y="6860991"/>
             <a:ext cx="412202" cy="660341"/>
           </a:xfrm>
           <a:prstGeom prst="rect">
@@ -15172,7 +15704,7 @@
         </p:nvSpPr>
         <p:spPr>
           <a:xfrm>
-            <a:off x="3676849" y="6898699"/>
+            <a:off x="3676849" y="6860991"/>
             <a:ext cx="402991" cy="660863"/>
           </a:xfrm>
           <a:prstGeom prst="rect">
@@ -15229,7 +15761,7 @@
         </p:nvCxnSpPr>
         <p:spPr>
           <a:xfrm>
-            <a:off x="2670076" y="7559562"/>
+            <a:off x="2670076" y="7521854"/>
             <a:ext cx="1" cy="654304"/>
           </a:xfrm>
           <a:prstGeom prst="line">
@@ -15273,7 +15805,7 @@
         </p:nvSpPr>
         <p:spPr>
           <a:xfrm>
-            <a:off x="2304451" y="8290488"/>
+            <a:off x="2304451" y="8252780"/>
             <a:ext cx="911665" cy="261610"/>
           </a:xfrm>
           <a:prstGeom prst="rect">
@@ -15314,7 +15846,7 @@
         </p:nvSpPr>
         <p:spPr>
           <a:xfrm>
-            <a:off x="2610188" y="8201721"/>
+            <a:off x="2610188" y="8164013"/>
             <a:ext cx="127756" cy="118800"/>
           </a:xfrm>
           <a:prstGeom prst="ellipse">
@@ -15368,7 +15900,7 @@
         </p:nvCxnSpPr>
         <p:spPr>
           <a:xfrm>
-            <a:off x="3804392" y="7559562"/>
+            <a:off x="3804392" y="7521854"/>
             <a:ext cx="1" cy="654304"/>
           </a:xfrm>
           <a:prstGeom prst="line">
@@ -15412,7 +15944,7 @@
         </p:nvSpPr>
         <p:spPr>
           <a:xfrm>
-            <a:off x="3379465" y="8283638"/>
+            <a:off x="3379465" y="8245930"/>
             <a:ext cx="911665" cy="430887"/>
           </a:xfrm>
           <a:prstGeom prst="rect">
@@ -15454,7 +15986,7 @@
         </p:nvSpPr>
         <p:spPr>
           <a:xfrm>
-            <a:off x="3744504" y="8201721"/>
+            <a:off x="3744504" y="8164013"/>
             <a:ext cx="127756" cy="118800"/>
           </a:xfrm>
           <a:prstGeom prst="ellipse">
@@ -15509,7 +16041,7 @@
         </p:nvCxnSpPr>
         <p:spPr>
           <a:xfrm>
-            <a:off x="4271940" y="7559040"/>
+            <a:off x="4271940" y="7521332"/>
             <a:ext cx="5522" cy="1100156"/>
           </a:xfrm>
           <a:prstGeom prst="line">
@@ -15553,7 +16085,7 @@
         </p:nvSpPr>
         <p:spPr>
           <a:xfrm>
-            <a:off x="4213584" y="8659196"/>
+            <a:off x="4213584" y="8621488"/>
             <a:ext cx="127756" cy="118800"/>
           </a:xfrm>
           <a:prstGeom prst="ellipse">
@@ -15605,7 +16137,7 @@
         </p:nvSpPr>
         <p:spPr>
           <a:xfrm>
-            <a:off x="3850392" y="8773144"/>
+            <a:off x="3850392" y="8735436"/>
             <a:ext cx="911665" cy="261610"/>
           </a:xfrm>
           <a:prstGeom prst="rect">
@@ -15647,7 +16179,7 @@
         </p:nvSpPr>
         <p:spPr>
           <a:xfrm>
-            <a:off x="6208044" y="7400122"/>
+            <a:off x="6208044" y="7362414"/>
             <a:ext cx="118800" cy="118800"/>
           </a:xfrm>
           <a:prstGeom prst="ellipse">
@@ -15687,6 +16219,530 @@
           <a:p>
             <a:pPr algn="ctr"/>
             <a:endParaRPr lang="en-US" dirty="0"/>
+          </a:p>
+        </p:txBody>
+      </p:sp>
+      <p:sp>
+        <p:nvSpPr>
+          <p:cNvPr id="164" name="Oval 163">
+            <a:extLst>
+              <a:ext uri="{FF2B5EF4-FFF2-40B4-BE49-F238E27FC236}">
+                <a16:creationId xmlns:a16="http://schemas.microsoft.com/office/drawing/2014/main" id="{7FFC118C-9A31-C309-260E-F6BEA470F94D}"/>
+              </a:ext>
+            </a:extLst>
+          </p:cNvPr>
+          <p:cNvSpPr/>
+          <p:nvPr/>
+        </p:nvSpPr>
+        <p:spPr>
+          <a:xfrm>
+            <a:off x="6203668" y="6976364"/>
+            <a:ext cx="118800" cy="118800"/>
+          </a:xfrm>
+          <a:prstGeom prst="ellipse">
+            <a:avLst/>
+          </a:prstGeom>
+          <a:solidFill>
+            <a:schemeClr val="tx2"/>
+          </a:solidFill>
+          <a:ln>
+            <a:noFill/>
+          </a:ln>
+        </p:spPr>
+        <p:style>
+          <a:lnRef idx="2">
+            <a:schemeClr val="accent1">
+              <a:shade val="50000"/>
+            </a:schemeClr>
+          </a:lnRef>
+          <a:fillRef idx="1">
+            <a:schemeClr val="accent1"/>
+          </a:fillRef>
+          <a:effectRef idx="0">
+            <a:schemeClr val="accent1"/>
+          </a:effectRef>
+          <a:fontRef idx="minor">
+            <a:schemeClr val="lt1"/>
+          </a:fontRef>
+        </p:style>
+        <p:txBody>
+          <a:bodyPr rot="0" spcFirstLastPara="0" vertOverflow="overflow" horzOverflow="overflow" vert="horz" wrap="square" lIns="91440" tIns="45720" rIns="91440" bIns="45720" numCol="1" spcCol="0" rtlCol="0" fromWordArt="0" anchor="ctr" anchorCtr="0" forceAA="0" compatLnSpc="1">
+            <a:prstTxWarp prst="textNoShape">
+              <a:avLst/>
+            </a:prstTxWarp>
+            <a:noAutofit/>
+          </a:bodyPr>
+          <a:lstStyle/>
+          <a:p>
+            <a:pPr algn="ctr"/>
+            <a:endParaRPr lang="en-US" dirty="0"/>
+          </a:p>
+        </p:txBody>
+      </p:sp>
+      <p:cxnSp>
+        <p:nvCxnSpPr>
+          <p:cNvPr id="165" name="Straight Connector 164">
+            <a:extLst>
+              <a:ext uri="{FF2B5EF4-FFF2-40B4-BE49-F238E27FC236}">
+                <a16:creationId xmlns:a16="http://schemas.microsoft.com/office/drawing/2014/main" id="{4751546E-06C8-F916-2B8B-6E6A784E29CD}"/>
+              </a:ext>
+              <a:ext uri="{C183D7F6-B498-43B3-948B-1728B52AA6E4}">
+                <adec:decorative xmlns:adec="http://schemas.microsoft.com/office/drawing/2017/decorative" val="1"/>
+              </a:ext>
+            </a:extLst>
+          </p:cNvPr>
+          <p:cNvCxnSpPr/>
+          <p:nvPr/>
+        </p:nvCxnSpPr>
+        <p:spPr>
+          <a:xfrm>
+            <a:off x="198355" y="6106658"/>
+            <a:ext cx="1278000" cy="0"/>
+          </a:xfrm>
+          <a:prstGeom prst="line">
+            <a:avLst/>
+          </a:prstGeom>
+          <a:ln w="12700">
+            <a:solidFill>
+              <a:schemeClr val="bg1">
+                <a:lumMod val="65000"/>
+              </a:schemeClr>
+            </a:solidFill>
+          </a:ln>
+        </p:spPr>
+        <p:style>
+          <a:lnRef idx="1">
+            <a:schemeClr val="accent1"/>
+          </a:lnRef>
+          <a:fillRef idx="0">
+            <a:schemeClr val="accent1"/>
+          </a:fillRef>
+          <a:effectRef idx="0">
+            <a:schemeClr val="accent1"/>
+          </a:effectRef>
+          <a:fontRef idx="minor">
+            <a:schemeClr val="tx1"/>
+          </a:fontRef>
+        </p:style>
+      </p:cxnSp>
+      <p:sp>
+        <p:nvSpPr>
+          <p:cNvPr id="166" name="Text Placeholder 343">
+            <a:extLst>
+              <a:ext uri="{FF2B5EF4-FFF2-40B4-BE49-F238E27FC236}">
+                <a16:creationId xmlns:a16="http://schemas.microsoft.com/office/drawing/2014/main" id="{8CC218DC-8241-5C65-28B7-359F7EA9B441}"/>
+              </a:ext>
+            </a:extLst>
+          </p:cNvPr>
+          <p:cNvSpPr txBox="1">
+            <a:spLocks/>
+          </p:cNvSpPr>
+          <p:nvPr/>
+        </p:nvSpPr>
+        <p:spPr>
+          <a:xfrm>
+            <a:off x="110000" y="6138319"/>
+            <a:ext cx="1337835" cy="187199"/>
+          </a:xfrm>
+          <a:prstGeom prst="rect">
+            <a:avLst/>
+          </a:prstGeom>
+        </p:spPr>
+        <p:txBody>
+          <a:bodyPr vert="horz" lIns="91440" tIns="45720" rIns="91440" bIns="45720" rtlCol="0">
+            <a:noAutofit/>
+          </a:bodyPr>
+          <a:lstStyle>
+            <a:lvl1pPr marL="0" indent="0" algn="l" defTabSz="514350" rtl="0" eaLnBrk="1" latinLnBrk="0" hangingPunct="1">
+              <a:lnSpc>
+                <a:spcPct val="90000"/>
+              </a:lnSpc>
+              <a:spcBef>
+                <a:spcPts val="563"/>
+              </a:spcBef>
+              <a:buFont typeface="Arial" panose="020B0604020202020204" pitchFamily="34" charset="0"/>
+              <a:buNone/>
+              <a:defRPr sz="700" kern="1200">
+                <a:solidFill>
+                  <a:schemeClr val="bg1">
+                    <a:lumMod val="50000"/>
+                  </a:schemeClr>
+                </a:solidFill>
+                <a:latin typeface="+mj-lt"/>
+                <a:ea typeface="+mn-ea"/>
+                <a:cs typeface="+mn-cs"/>
+              </a:defRPr>
+            </a:lvl1pPr>
+            <a:lvl2pPr marL="385763" indent="-128588" algn="l" defTabSz="514350" rtl="0" eaLnBrk="1" latinLnBrk="0" hangingPunct="1">
+              <a:lnSpc>
+                <a:spcPct val="90000"/>
+              </a:lnSpc>
+              <a:spcBef>
+                <a:spcPts val="281"/>
+              </a:spcBef>
+              <a:buFont typeface="Arial" panose="020B0604020202020204" pitchFamily="34" charset="0"/>
+              <a:buChar char="•"/>
+              <a:defRPr sz="1600" kern="1200">
+                <a:solidFill>
+                  <a:schemeClr val="bg1"/>
+                </a:solidFill>
+                <a:latin typeface="+mj-lt"/>
+                <a:ea typeface="+mn-ea"/>
+                <a:cs typeface="+mn-cs"/>
+              </a:defRPr>
+            </a:lvl2pPr>
+            <a:lvl3pPr marL="642938" indent="-128588" algn="l" defTabSz="514350" rtl="0" eaLnBrk="1" latinLnBrk="0" hangingPunct="1">
+              <a:lnSpc>
+                <a:spcPct val="90000"/>
+              </a:lnSpc>
+              <a:spcBef>
+                <a:spcPts val="281"/>
+              </a:spcBef>
+              <a:buFont typeface="Arial" panose="020B0604020202020204" pitchFamily="34" charset="0"/>
+              <a:buChar char="•"/>
+              <a:defRPr sz="1600" kern="1200">
+                <a:solidFill>
+                  <a:schemeClr val="bg1"/>
+                </a:solidFill>
+                <a:latin typeface="+mj-lt"/>
+                <a:ea typeface="+mn-ea"/>
+                <a:cs typeface="+mn-cs"/>
+              </a:defRPr>
+            </a:lvl3pPr>
+            <a:lvl4pPr marL="900113" indent="-128588" algn="l" defTabSz="514350" rtl="0" eaLnBrk="1" latinLnBrk="0" hangingPunct="1">
+              <a:lnSpc>
+                <a:spcPct val="90000"/>
+              </a:lnSpc>
+              <a:spcBef>
+                <a:spcPts val="281"/>
+              </a:spcBef>
+              <a:buFont typeface="Arial" panose="020B0604020202020204" pitchFamily="34" charset="0"/>
+              <a:buChar char="•"/>
+              <a:defRPr sz="1600" kern="1200">
+                <a:solidFill>
+                  <a:schemeClr val="bg1"/>
+                </a:solidFill>
+                <a:latin typeface="+mj-lt"/>
+                <a:ea typeface="+mn-ea"/>
+                <a:cs typeface="+mn-cs"/>
+              </a:defRPr>
+            </a:lvl4pPr>
+            <a:lvl5pPr marL="1157288" indent="-128588" algn="l" defTabSz="514350" rtl="0" eaLnBrk="1" latinLnBrk="0" hangingPunct="1">
+              <a:lnSpc>
+                <a:spcPct val="90000"/>
+              </a:lnSpc>
+              <a:spcBef>
+                <a:spcPts val="281"/>
+              </a:spcBef>
+              <a:buFont typeface="Arial" panose="020B0604020202020204" pitchFamily="34" charset="0"/>
+              <a:buChar char="•"/>
+              <a:defRPr sz="1600" kern="1200">
+                <a:solidFill>
+                  <a:schemeClr val="bg1"/>
+                </a:solidFill>
+                <a:latin typeface="+mj-lt"/>
+                <a:ea typeface="+mn-ea"/>
+                <a:cs typeface="+mn-cs"/>
+              </a:defRPr>
+            </a:lvl5pPr>
+            <a:lvl6pPr marL="1414463" indent="-128588" algn="l" defTabSz="514350" rtl="0" eaLnBrk="1" latinLnBrk="0" hangingPunct="1">
+              <a:lnSpc>
+                <a:spcPct val="90000"/>
+              </a:lnSpc>
+              <a:spcBef>
+                <a:spcPts val="281"/>
+              </a:spcBef>
+              <a:buFont typeface="Arial" panose="020B0604020202020204" pitchFamily="34" charset="0"/>
+              <a:buChar char="•"/>
+              <a:defRPr sz="1013" kern="1200">
+                <a:solidFill>
+                  <a:schemeClr val="tx1"/>
+                </a:solidFill>
+                <a:latin typeface="+mn-lt"/>
+                <a:ea typeface="+mn-ea"/>
+                <a:cs typeface="+mn-cs"/>
+              </a:defRPr>
+            </a:lvl6pPr>
+            <a:lvl7pPr marL="1671638" indent="-128588" algn="l" defTabSz="514350" rtl="0" eaLnBrk="1" latinLnBrk="0" hangingPunct="1">
+              <a:lnSpc>
+                <a:spcPct val="90000"/>
+              </a:lnSpc>
+              <a:spcBef>
+                <a:spcPts val="281"/>
+              </a:spcBef>
+              <a:buFont typeface="Arial" panose="020B0604020202020204" pitchFamily="34" charset="0"/>
+              <a:buChar char="•"/>
+              <a:defRPr sz="1013" kern="1200">
+                <a:solidFill>
+                  <a:schemeClr val="tx1"/>
+                </a:solidFill>
+                <a:latin typeface="+mn-lt"/>
+                <a:ea typeface="+mn-ea"/>
+                <a:cs typeface="+mn-cs"/>
+              </a:defRPr>
+            </a:lvl7pPr>
+            <a:lvl8pPr marL="1928813" indent="-128588" algn="l" defTabSz="514350" rtl="0" eaLnBrk="1" latinLnBrk="0" hangingPunct="1">
+              <a:lnSpc>
+                <a:spcPct val="90000"/>
+              </a:lnSpc>
+              <a:spcBef>
+                <a:spcPts val="281"/>
+              </a:spcBef>
+              <a:buFont typeface="Arial" panose="020B0604020202020204" pitchFamily="34" charset="0"/>
+              <a:buChar char="•"/>
+              <a:defRPr sz="1013" kern="1200">
+                <a:solidFill>
+                  <a:schemeClr val="tx1"/>
+                </a:solidFill>
+                <a:latin typeface="+mn-lt"/>
+                <a:ea typeface="+mn-ea"/>
+                <a:cs typeface="+mn-cs"/>
+              </a:defRPr>
+            </a:lvl8pPr>
+            <a:lvl9pPr marL="2185988" indent="-128588" algn="l" defTabSz="514350" rtl="0" eaLnBrk="1" latinLnBrk="0" hangingPunct="1">
+              <a:lnSpc>
+                <a:spcPct val="90000"/>
+              </a:lnSpc>
+              <a:spcBef>
+                <a:spcPts val="281"/>
+              </a:spcBef>
+              <a:buFont typeface="Arial" panose="020B0604020202020204" pitchFamily="34" charset="0"/>
+              <a:buChar char="•"/>
+              <a:defRPr sz="1013" kern="1200">
+                <a:solidFill>
+                  <a:schemeClr val="tx1"/>
+                </a:solidFill>
+                <a:latin typeface="+mn-lt"/>
+                <a:ea typeface="+mn-ea"/>
+                <a:cs typeface="+mn-cs"/>
+              </a:defRPr>
+            </a:lvl9pPr>
+          </a:lstStyle>
+          <a:p>
+            <a:r>
+              <a:rPr lang="en-US" dirty="0"/>
+              <a:t>Medium</a:t>
+            </a:r>
+          </a:p>
+        </p:txBody>
+      </p:sp>
+      <p:sp>
+        <p:nvSpPr>
+          <p:cNvPr id="167" name="Text Placeholder 344">
+            <a:extLst>
+              <a:ext uri="{FF2B5EF4-FFF2-40B4-BE49-F238E27FC236}">
+                <a16:creationId xmlns:a16="http://schemas.microsoft.com/office/drawing/2014/main" id="{BBBD31BE-2D6D-462B-60C4-41FCE215180E}"/>
+              </a:ext>
+            </a:extLst>
+          </p:cNvPr>
+          <p:cNvSpPr txBox="1">
+            <a:spLocks/>
+          </p:cNvSpPr>
+          <p:nvPr/>
+        </p:nvSpPr>
+        <p:spPr>
+          <a:xfrm>
+            <a:off x="111686" y="6251039"/>
+            <a:ext cx="1549248" cy="226901"/>
+          </a:xfrm>
+          <a:prstGeom prst="rect">
+            <a:avLst/>
+          </a:prstGeom>
+        </p:spPr>
+        <p:txBody>
+          <a:bodyPr vert="horz" lIns="91440" tIns="45720" rIns="91440" bIns="45720" rtlCol="0">
+            <a:noAutofit/>
+          </a:bodyPr>
+          <a:lstStyle>
+            <a:lvl1pPr marL="0" indent="0" algn="l" defTabSz="514350" rtl="0" eaLnBrk="1" latinLnBrk="0" hangingPunct="1">
+              <a:lnSpc>
+                <a:spcPct val="90000"/>
+              </a:lnSpc>
+              <a:spcBef>
+                <a:spcPts val="563"/>
+              </a:spcBef>
+              <a:buFont typeface="Arial" panose="020B0604020202020204" pitchFamily="34" charset="0"/>
+              <a:buNone/>
+              <a:defRPr lang="en-US" sz="1200" b="0" kern="1200" spc="-30" baseline="0" dirty="0">
+                <a:solidFill>
+                  <a:schemeClr val="accent3"/>
+                </a:solidFill>
+                <a:latin typeface="+mn-lt"/>
+                <a:ea typeface="+mn-ea"/>
+                <a:cs typeface="+mn-cs"/>
+              </a:defRPr>
+            </a:lvl1pPr>
+            <a:lvl2pPr marL="385763" indent="-128588" algn="l" defTabSz="514350" rtl="0" eaLnBrk="1" latinLnBrk="0" hangingPunct="1">
+              <a:lnSpc>
+                <a:spcPct val="90000"/>
+              </a:lnSpc>
+              <a:spcBef>
+                <a:spcPts val="281"/>
+              </a:spcBef>
+              <a:buFont typeface="Arial" panose="020B0604020202020204" pitchFamily="34" charset="0"/>
+              <a:buChar char="•"/>
+              <a:defRPr sz="1600" kern="1200">
+                <a:solidFill>
+                  <a:schemeClr val="bg1"/>
+                </a:solidFill>
+                <a:latin typeface="+mj-lt"/>
+                <a:ea typeface="+mn-ea"/>
+                <a:cs typeface="+mn-cs"/>
+              </a:defRPr>
+            </a:lvl2pPr>
+            <a:lvl3pPr marL="642938" indent="-128588" algn="l" defTabSz="514350" rtl="0" eaLnBrk="1" latinLnBrk="0" hangingPunct="1">
+              <a:lnSpc>
+                <a:spcPct val="90000"/>
+              </a:lnSpc>
+              <a:spcBef>
+                <a:spcPts val="281"/>
+              </a:spcBef>
+              <a:buFont typeface="Arial" panose="020B0604020202020204" pitchFamily="34" charset="0"/>
+              <a:buChar char="•"/>
+              <a:defRPr sz="1600" kern="1200">
+                <a:solidFill>
+                  <a:schemeClr val="bg1"/>
+                </a:solidFill>
+                <a:latin typeface="+mj-lt"/>
+                <a:ea typeface="+mn-ea"/>
+                <a:cs typeface="+mn-cs"/>
+              </a:defRPr>
+            </a:lvl3pPr>
+            <a:lvl4pPr marL="900113" indent="-128588" algn="l" defTabSz="514350" rtl="0" eaLnBrk="1" latinLnBrk="0" hangingPunct="1">
+              <a:lnSpc>
+                <a:spcPct val="90000"/>
+              </a:lnSpc>
+              <a:spcBef>
+                <a:spcPts val="281"/>
+              </a:spcBef>
+              <a:buFont typeface="Arial" panose="020B0604020202020204" pitchFamily="34" charset="0"/>
+              <a:buChar char="•"/>
+              <a:defRPr sz="1600" kern="1200">
+                <a:solidFill>
+                  <a:schemeClr val="bg1"/>
+                </a:solidFill>
+                <a:latin typeface="+mj-lt"/>
+                <a:ea typeface="+mn-ea"/>
+                <a:cs typeface="+mn-cs"/>
+              </a:defRPr>
+            </a:lvl4pPr>
+            <a:lvl5pPr marL="1157288" indent="-128588" algn="l" defTabSz="514350" rtl="0" eaLnBrk="1" latinLnBrk="0" hangingPunct="1">
+              <a:lnSpc>
+                <a:spcPct val="90000"/>
+              </a:lnSpc>
+              <a:spcBef>
+                <a:spcPts val="281"/>
+              </a:spcBef>
+              <a:buFont typeface="Arial" panose="020B0604020202020204" pitchFamily="34" charset="0"/>
+              <a:buChar char="•"/>
+              <a:defRPr sz="1600" kern="1200">
+                <a:solidFill>
+                  <a:schemeClr val="bg1"/>
+                </a:solidFill>
+                <a:latin typeface="+mj-lt"/>
+                <a:ea typeface="+mn-ea"/>
+                <a:cs typeface="+mn-cs"/>
+              </a:defRPr>
+            </a:lvl5pPr>
+            <a:lvl6pPr marL="1414463" indent="-128588" algn="l" defTabSz="514350" rtl="0" eaLnBrk="1" latinLnBrk="0" hangingPunct="1">
+              <a:lnSpc>
+                <a:spcPct val="90000"/>
+              </a:lnSpc>
+              <a:spcBef>
+                <a:spcPts val="281"/>
+              </a:spcBef>
+              <a:buFont typeface="Arial" panose="020B0604020202020204" pitchFamily="34" charset="0"/>
+              <a:buChar char="•"/>
+              <a:defRPr sz="1013" kern="1200">
+                <a:solidFill>
+                  <a:schemeClr val="tx1"/>
+                </a:solidFill>
+                <a:latin typeface="+mn-lt"/>
+                <a:ea typeface="+mn-ea"/>
+                <a:cs typeface="+mn-cs"/>
+              </a:defRPr>
+            </a:lvl6pPr>
+            <a:lvl7pPr marL="1671638" indent="-128588" algn="l" defTabSz="514350" rtl="0" eaLnBrk="1" latinLnBrk="0" hangingPunct="1">
+              <a:lnSpc>
+                <a:spcPct val="90000"/>
+              </a:lnSpc>
+              <a:spcBef>
+                <a:spcPts val="281"/>
+              </a:spcBef>
+              <a:buFont typeface="Arial" panose="020B0604020202020204" pitchFamily="34" charset="0"/>
+              <a:buChar char="•"/>
+              <a:defRPr sz="1013" kern="1200">
+                <a:solidFill>
+                  <a:schemeClr val="tx1"/>
+                </a:solidFill>
+                <a:latin typeface="+mn-lt"/>
+                <a:ea typeface="+mn-ea"/>
+                <a:cs typeface="+mn-cs"/>
+              </a:defRPr>
+            </a:lvl7pPr>
+            <a:lvl8pPr marL="1928813" indent="-128588" algn="l" defTabSz="514350" rtl="0" eaLnBrk="1" latinLnBrk="0" hangingPunct="1">
+              <a:lnSpc>
+                <a:spcPct val="90000"/>
+              </a:lnSpc>
+              <a:spcBef>
+                <a:spcPts val="281"/>
+              </a:spcBef>
+              <a:buFont typeface="Arial" panose="020B0604020202020204" pitchFamily="34" charset="0"/>
+              <a:buChar char="•"/>
+              <a:defRPr sz="1013" kern="1200">
+                <a:solidFill>
+                  <a:schemeClr val="tx1"/>
+                </a:solidFill>
+                <a:latin typeface="+mn-lt"/>
+                <a:ea typeface="+mn-ea"/>
+                <a:cs typeface="+mn-cs"/>
+              </a:defRPr>
+            </a:lvl8pPr>
+            <a:lvl9pPr marL="2185988" indent="-128588" algn="l" defTabSz="514350" rtl="0" eaLnBrk="1" latinLnBrk="0" hangingPunct="1">
+              <a:lnSpc>
+                <a:spcPct val="90000"/>
+              </a:lnSpc>
+              <a:spcBef>
+                <a:spcPts val="281"/>
+              </a:spcBef>
+              <a:buFont typeface="Arial" panose="020B0604020202020204" pitchFamily="34" charset="0"/>
+              <a:buChar char="•"/>
+              <a:defRPr sz="1013" kern="1200">
+                <a:solidFill>
+                  <a:schemeClr val="tx1"/>
+                </a:solidFill>
+                <a:latin typeface="+mn-lt"/>
+                <a:ea typeface="+mn-ea"/>
+                <a:cs typeface="+mn-cs"/>
+              </a:defRPr>
+            </a:lvl9pPr>
+          </a:lstStyle>
+          <a:p>
+            <a:r>
+              <a:rPr lang="en-IN" sz="1000" dirty="0">
+                <a:hlinkClick r:id="rId39">
+                  <a:extLst>
+                    <a:ext uri="{A12FA001-AC4F-418D-AE19-62706E023703}">
+                      <ahyp:hlinkClr xmlns:ahyp="http://schemas.microsoft.com/office/drawing/2018/hyperlinkcolor" val="tx"/>
+                    </a:ext>
+                  </a:extLst>
+                </a:hlinkClick>
+              </a:rPr>
+              <a:t>abhi3700</a:t>
+            </a:r>
+            <a:r>
+              <a:rPr lang="en-IN" sz="1000" dirty="0">
+                <a:hlinkClick r:id="rId23">
+                  <a:extLst>
+                    <a:ext uri="{A12FA001-AC4F-418D-AE19-62706E023703}">
+                      <ahyp:hlinkClr xmlns:ahyp="http://schemas.microsoft.com/office/drawing/2018/hyperlinkcolor" val="tx"/>
+                    </a:ext>
+                  </a:extLst>
+                </a:hlinkClick>
+              </a:rPr>
+              <a:t> </a:t>
+            </a:r>
+            <a:endParaRPr lang="en-IN" sz="1000" dirty="0"/>
           </a:p>
         </p:txBody>
       </p:sp>
@@ -15941,8 +16997,8 @@
         </p:nvSpPr>
         <p:spPr>
           <a:xfrm>
-            <a:off x="542981" y="928545"/>
-            <a:ext cx="1188719" cy="338554"/>
+            <a:off x="302687" y="881410"/>
+            <a:ext cx="1461605" cy="369332"/>
           </a:xfrm>
           <a:prstGeom prst="rect">
             <a:avLst/>
@@ -15959,1057 +17015,14 @@
           <a:p>
             <a:pPr algn="ctr"/>
             <a:r>
-              <a:rPr lang="en-US" sz="1600" dirty="0">
-                <a:solidFill>
-                  <a:schemeClr val="bg1"/>
+              <a:rPr lang="en-US" b="1" dirty="0">
+                <a:solidFill>
+                  <a:schemeClr val="bg1">
+                    <a:lumMod val="85000"/>
+                  </a:schemeClr>
                 </a:solidFill>
               </a:rPr>
               <a:t>Blockchain</a:t>
-            </a:r>
-          </a:p>
-        </p:txBody>
-      </p:sp>
-      <p:sp>
-        <p:nvSpPr>
-          <p:cNvPr id="88" name="TextBox 87">
-            <a:extLst>
-              <a:ext uri="{FF2B5EF4-FFF2-40B4-BE49-F238E27FC236}">
-                <a16:creationId xmlns:a16="http://schemas.microsoft.com/office/drawing/2014/main" id="{D9F6ECCC-FA81-44A3-BCAF-AF527CE8B81E}"/>
-              </a:ext>
-            </a:extLst>
-          </p:cNvPr>
-          <p:cNvSpPr txBox="1"/>
-          <p:nvPr/>
-        </p:nvSpPr>
-        <p:spPr>
-          <a:xfrm>
-            <a:off x="299720" y="1363333"/>
-            <a:ext cx="6258560" cy="6649577"/>
-          </a:xfrm>
-          <a:prstGeom prst="rect">
-            <a:avLst/>
-          </a:prstGeom>
-          <a:noFill/>
-        </p:spPr>
-        <p:txBody>
-          <a:bodyPr wrap="square" rtlCol="0">
-            <a:spAutoFit/>
-          </a:bodyPr>
-          <a:lstStyle/>
-          <a:p>
-            <a:pPr marL="342900" marR="0" lvl="0" indent="-342900" algn="just">
-              <a:lnSpc>
-                <a:spcPct val="115000"/>
-              </a:lnSpc>
-              <a:spcBef>
-                <a:spcPts val="0"/>
-              </a:spcBef>
-              <a:spcAft>
-                <a:spcPts val="600"/>
-              </a:spcAft>
-              <a:buFont typeface="Symbol" panose="05050102010706020507" pitchFamily="18" charset="2"/>
-              <a:buChar char=""/>
-            </a:pPr>
-            <a:r>
-              <a:rPr lang="en-IN" sz="1100" dirty="0">
-                <a:solidFill>
-                  <a:schemeClr val="bg1">
-                    <a:lumMod val="85000"/>
-                  </a:schemeClr>
-                </a:solidFill>
-                <a:effectLst/>
-                <a:latin typeface="Calibri" panose="020F0502020204030204" pitchFamily="34" charset="0"/>
-                <a:ea typeface="Calibri" panose="020F0502020204030204" pitchFamily="34" charset="0"/>
-                <a:cs typeface="Mangal" panose="02040503050203030202" pitchFamily="18" charset="0"/>
-              </a:rPr>
-              <a:t>Worked on different types of NFT smart contract with generative &amp; manual art on IPFS, </a:t>
-            </a:r>
-            <a:r>
-              <a:rPr lang="en-IN" sz="1100" dirty="0" err="1">
-                <a:solidFill>
-                  <a:schemeClr val="bg1">
-                    <a:lumMod val="85000"/>
-                  </a:schemeClr>
-                </a:solidFill>
-                <a:effectLst/>
-                <a:latin typeface="Calibri" panose="020F0502020204030204" pitchFamily="34" charset="0"/>
-                <a:ea typeface="Calibri" panose="020F0502020204030204" pitchFamily="34" charset="0"/>
-                <a:cs typeface="Mangal" panose="02040503050203030202" pitchFamily="18" charset="0"/>
-              </a:rPr>
-              <a:t>Arweave</a:t>
-            </a:r>
-            <a:r>
-              <a:rPr lang="en-IN" sz="1100" dirty="0">
-                <a:solidFill>
-                  <a:schemeClr val="bg1">
-                    <a:lumMod val="85000"/>
-                  </a:schemeClr>
-                </a:solidFill>
-                <a:effectLst/>
-                <a:latin typeface="Calibri" panose="020F0502020204030204" pitchFamily="34" charset="0"/>
-                <a:ea typeface="Calibri" panose="020F0502020204030204" pitchFamily="34" charset="0"/>
-                <a:cs typeface="Mangal" panose="02040503050203030202" pitchFamily="18" charset="0"/>
-              </a:rPr>
-              <a:t>.</a:t>
-            </a:r>
-          </a:p>
-          <a:p>
-            <a:pPr marL="342900" marR="0" lvl="0" indent="-342900" algn="just">
-              <a:lnSpc>
-                <a:spcPct val="115000"/>
-              </a:lnSpc>
-              <a:spcBef>
-                <a:spcPts val="0"/>
-              </a:spcBef>
-              <a:spcAft>
-                <a:spcPts val="600"/>
-              </a:spcAft>
-              <a:buFont typeface="Symbol" panose="05050102010706020507" pitchFamily="18" charset="2"/>
-              <a:buChar char=""/>
-            </a:pPr>
-            <a:r>
-              <a:rPr lang="en-IN" sz="1100" dirty="0">
-                <a:solidFill>
-                  <a:schemeClr val="bg1">
-                    <a:lumMod val="85000"/>
-                  </a:schemeClr>
-                </a:solidFill>
-                <a:effectLst/>
-                <a:latin typeface="Calibri" panose="020F0502020204030204" pitchFamily="34" charset="0"/>
-                <a:ea typeface="Calibri" panose="020F0502020204030204" pitchFamily="34" charset="0"/>
-                <a:cs typeface="Mangal" panose="02040503050203030202" pitchFamily="18" charset="0"/>
-              </a:rPr>
-              <a:t>Worked on a Crowdfunding 2.0 project via </a:t>
-            </a:r>
-            <a:r>
-              <a:rPr lang="en-IN" sz="1100" dirty="0" err="1">
-                <a:solidFill>
-                  <a:schemeClr val="bg1">
-                    <a:lumMod val="85000"/>
-                  </a:schemeClr>
-                </a:solidFill>
-                <a:effectLst/>
-                <a:latin typeface="Calibri" panose="020F0502020204030204" pitchFamily="34" charset="0"/>
-                <a:ea typeface="Calibri" panose="020F0502020204030204" pitchFamily="34" charset="0"/>
-                <a:cs typeface="Mangal" panose="02040503050203030202" pitchFamily="18" charset="0"/>
-              </a:rPr>
-              <a:t>DeFi</a:t>
-            </a:r>
-            <a:r>
-              <a:rPr lang="en-IN" sz="1100" dirty="0">
-                <a:solidFill>
-                  <a:schemeClr val="bg1">
-                    <a:lumMod val="85000"/>
-                  </a:schemeClr>
-                </a:solidFill>
-                <a:effectLst/>
-                <a:latin typeface="Calibri" panose="020F0502020204030204" pitchFamily="34" charset="0"/>
-                <a:ea typeface="Calibri" panose="020F0502020204030204" pitchFamily="34" charset="0"/>
-                <a:cs typeface="Mangal" panose="02040503050203030202" pitchFamily="18" charset="0"/>
-              </a:rPr>
-              <a:t> AMM with ‘Diamond standard’. Also, build the architecture in sports-based Metaverse using player, stadium NFT cards with play-to-earn gamification model in Miro board.</a:t>
-            </a:r>
-          </a:p>
-          <a:p>
-            <a:pPr marL="342900" marR="0" lvl="0" indent="-342900" algn="just">
-              <a:lnSpc>
-                <a:spcPct val="115000"/>
-              </a:lnSpc>
-              <a:spcBef>
-                <a:spcPts val="0"/>
-              </a:spcBef>
-              <a:spcAft>
-                <a:spcPts val="600"/>
-              </a:spcAft>
-              <a:buFont typeface="Symbol" panose="05050102010706020507" pitchFamily="18" charset="2"/>
-              <a:buChar char=""/>
-            </a:pPr>
-            <a:r>
-              <a:rPr lang="en-IN" sz="1100" dirty="0">
-                <a:solidFill>
-                  <a:schemeClr val="bg1">
-                    <a:lumMod val="85000"/>
-                  </a:schemeClr>
-                </a:solidFill>
-                <a:latin typeface="Calibri" panose="020F0502020204030204" pitchFamily="34" charset="0"/>
-                <a:ea typeface="Calibri" panose="020F0502020204030204" pitchFamily="34" charset="0"/>
-                <a:cs typeface="Mangal" panose="02040503050203030202" pitchFamily="18" charset="0"/>
-              </a:rPr>
-              <a:t>Worked as Senior Blockchain Developer on </a:t>
-            </a:r>
-            <a:r>
-              <a:rPr lang="en-IN" sz="1100" dirty="0" err="1">
-                <a:solidFill>
-                  <a:schemeClr val="bg1">
-                    <a:lumMod val="85000"/>
-                  </a:schemeClr>
-                </a:solidFill>
-                <a:latin typeface="Calibri" panose="020F0502020204030204" pitchFamily="34" charset="0"/>
-                <a:ea typeface="Calibri" panose="020F0502020204030204" pitchFamily="34" charset="0"/>
-                <a:cs typeface="Mangal" panose="02040503050203030202" pitchFamily="18" charset="0"/>
-              </a:rPr>
-              <a:t>crowdsale</a:t>
-            </a:r>
-            <a:r>
-              <a:rPr lang="en-IN" sz="1100" dirty="0">
-                <a:solidFill>
-                  <a:schemeClr val="bg1">
-                    <a:lumMod val="85000"/>
-                  </a:schemeClr>
-                </a:solidFill>
-                <a:latin typeface="Calibri" panose="020F0502020204030204" pitchFamily="34" charset="0"/>
-                <a:ea typeface="Calibri" panose="020F0502020204030204" pitchFamily="34" charset="0"/>
-                <a:cs typeface="Mangal" panose="02040503050203030202" pitchFamily="18" charset="0"/>
-              </a:rPr>
-              <a:t> program codebase over Solana Blockchain. Also, worked in launching </a:t>
-            </a:r>
-            <a:r>
-              <a:rPr lang="en-IN" sz="1100" dirty="0" err="1">
-                <a:solidFill>
-                  <a:schemeClr val="bg1">
-                    <a:lumMod val="85000"/>
-                  </a:schemeClr>
-                </a:solidFill>
-                <a:latin typeface="Calibri" panose="020F0502020204030204" pitchFamily="34" charset="0"/>
-                <a:ea typeface="Calibri" panose="020F0502020204030204" pitchFamily="34" charset="0"/>
-                <a:cs typeface="Mangal" panose="02040503050203030202" pitchFamily="18" charset="0"/>
-              </a:rPr>
-              <a:t>parachain</a:t>
-            </a:r>
-            <a:r>
-              <a:rPr lang="en-IN" sz="1100" dirty="0">
-                <a:solidFill>
-                  <a:schemeClr val="bg1">
-                    <a:lumMod val="85000"/>
-                  </a:schemeClr>
-                </a:solidFill>
-                <a:latin typeface="Calibri" panose="020F0502020204030204" pitchFamily="34" charset="0"/>
-                <a:ea typeface="Calibri" panose="020F0502020204030204" pitchFamily="34" charset="0"/>
-                <a:cs typeface="Mangal" panose="02040503050203030202" pitchFamily="18" charset="0"/>
-              </a:rPr>
-              <a:t> with Substrate via CLI on </a:t>
-            </a:r>
-            <a:r>
-              <a:rPr lang="en-IN" sz="1100" dirty="0" err="1">
-                <a:solidFill>
-                  <a:schemeClr val="bg1">
-                    <a:lumMod val="85000"/>
-                  </a:schemeClr>
-                </a:solidFill>
-                <a:latin typeface="Calibri" panose="020F0502020204030204" pitchFamily="34" charset="0"/>
-                <a:ea typeface="Calibri" panose="020F0502020204030204" pitchFamily="34" charset="0"/>
-                <a:cs typeface="Mangal" panose="02040503050203030202" pitchFamily="18" charset="0"/>
-              </a:rPr>
-              <a:t>Polkadot</a:t>
-            </a:r>
-            <a:r>
-              <a:rPr lang="en-IN" sz="1100" dirty="0">
-                <a:solidFill>
-                  <a:schemeClr val="bg1">
-                    <a:lumMod val="85000"/>
-                  </a:schemeClr>
-                </a:solidFill>
-                <a:latin typeface="Calibri" panose="020F0502020204030204" pitchFamily="34" charset="0"/>
-                <a:ea typeface="Calibri" panose="020F0502020204030204" pitchFamily="34" charset="0"/>
-                <a:cs typeface="Mangal" panose="02040503050203030202" pitchFamily="18" charset="0"/>
-              </a:rPr>
-              <a:t> </a:t>
-            </a:r>
-            <a:r>
-              <a:rPr lang="en-IN" sz="1100" dirty="0" err="1">
-                <a:solidFill>
-                  <a:schemeClr val="bg1">
-                    <a:lumMod val="85000"/>
-                  </a:schemeClr>
-                </a:solidFill>
-                <a:latin typeface="Calibri" panose="020F0502020204030204" pitchFamily="34" charset="0"/>
-                <a:ea typeface="Calibri" panose="020F0502020204030204" pitchFamily="34" charset="0"/>
-                <a:cs typeface="Mangal" panose="02040503050203030202" pitchFamily="18" charset="0"/>
-              </a:rPr>
-              <a:t>relaychain</a:t>
-            </a:r>
-            <a:r>
-              <a:rPr lang="en-IN" sz="1100" dirty="0">
-                <a:solidFill>
-                  <a:schemeClr val="bg1">
-                    <a:lumMod val="85000"/>
-                  </a:schemeClr>
-                </a:solidFill>
-                <a:latin typeface="Calibri" panose="020F0502020204030204" pitchFamily="34" charset="0"/>
-                <a:ea typeface="Calibri" panose="020F0502020204030204" pitchFamily="34" charset="0"/>
-                <a:cs typeface="Mangal" panose="02040503050203030202" pitchFamily="18" charset="0"/>
-              </a:rPr>
-              <a:t>.</a:t>
-            </a:r>
-            <a:endParaRPr lang="en-IN" sz="1100" dirty="0">
-              <a:solidFill>
-                <a:schemeClr val="bg1">
-                  <a:lumMod val="85000"/>
-                </a:schemeClr>
-              </a:solidFill>
-              <a:effectLst/>
-              <a:latin typeface="Calibri" panose="020F0502020204030204" pitchFamily="34" charset="0"/>
-              <a:ea typeface="Calibri" panose="020F0502020204030204" pitchFamily="34" charset="0"/>
-              <a:cs typeface="Mangal" panose="02040503050203030202" pitchFamily="18" charset="0"/>
-            </a:endParaRPr>
-          </a:p>
-          <a:p>
-            <a:pPr marL="342900" marR="0" lvl="0" indent="-342900" algn="just">
-              <a:lnSpc>
-                <a:spcPct val="115000"/>
-              </a:lnSpc>
-              <a:spcBef>
-                <a:spcPts val="0"/>
-              </a:spcBef>
-              <a:spcAft>
-                <a:spcPts val="600"/>
-              </a:spcAft>
-              <a:buFont typeface="Symbol" panose="05050102010706020507" pitchFamily="18" charset="2"/>
-              <a:buChar char=""/>
-            </a:pPr>
-            <a:r>
-              <a:rPr lang="en-IN" sz="1100" dirty="0">
-                <a:solidFill>
-                  <a:schemeClr val="bg1">
-                    <a:lumMod val="85000"/>
-                  </a:schemeClr>
-                </a:solidFill>
-                <a:effectLst/>
-                <a:latin typeface="Calibri" panose="020F0502020204030204" pitchFamily="34" charset="0"/>
-                <a:ea typeface="Calibri" panose="020F0502020204030204" pitchFamily="34" charset="0"/>
-                <a:cs typeface="Mangal" panose="02040503050203030202" pitchFamily="18" charset="0"/>
-              </a:rPr>
-              <a:t>Worked as Lead Blockchain Developer &amp; Architect for a </a:t>
-            </a:r>
-            <a:r>
-              <a:rPr lang="en-IN" sz="1100" dirty="0" err="1">
-                <a:solidFill>
-                  <a:schemeClr val="bg1">
-                    <a:lumMod val="85000"/>
-                  </a:schemeClr>
-                </a:solidFill>
-                <a:effectLst/>
-                <a:latin typeface="Calibri" panose="020F0502020204030204" pitchFamily="34" charset="0"/>
-                <a:ea typeface="Calibri" panose="020F0502020204030204" pitchFamily="34" charset="0"/>
-                <a:cs typeface="Mangal" panose="02040503050203030202" pitchFamily="18" charset="0"/>
-              </a:rPr>
-              <a:t>DeFi</a:t>
-            </a:r>
-            <a:r>
-              <a:rPr lang="en-IN" sz="1100" dirty="0">
-                <a:solidFill>
-                  <a:schemeClr val="bg1">
-                    <a:lumMod val="85000"/>
-                  </a:schemeClr>
-                </a:solidFill>
-                <a:effectLst/>
-                <a:latin typeface="Calibri" panose="020F0502020204030204" pitchFamily="34" charset="0"/>
-                <a:ea typeface="Calibri" panose="020F0502020204030204" pitchFamily="34" charset="0"/>
-                <a:cs typeface="Mangal" panose="02040503050203030202" pitchFamily="18" charset="0"/>
-              </a:rPr>
-              <a:t> </a:t>
-            </a:r>
-            <a:r>
-              <a:rPr lang="en-IN" sz="1100" dirty="0" err="1">
-                <a:solidFill>
-                  <a:schemeClr val="bg1">
-                    <a:lumMod val="85000"/>
-                  </a:schemeClr>
-                </a:solidFill>
-                <a:effectLst/>
-                <a:latin typeface="Calibri" panose="020F0502020204030204" pitchFamily="34" charset="0"/>
-                <a:ea typeface="Calibri" panose="020F0502020204030204" pitchFamily="34" charset="0"/>
-                <a:cs typeface="Mangal" panose="02040503050203030202" pitchFamily="18" charset="0"/>
-              </a:rPr>
-              <a:t>startup</a:t>
-            </a:r>
-            <a:r>
-              <a:rPr lang="en-IN" sz="1100" dirty="0">
-                <a:solidFill>
-                  <a:schemeClr val="bg1">
-                    <a:lumMod val="85000"/>
-                  </a:schemeClr>
-                </a:solidFill>
-                <a:effectLst/>
-                <a:latin typeface="Calibri" panose="020F0502020204030204" pitchFamily="34" charset="0"/>
-                <a:ea typeface="Calibri" panose="020F0502020204030204" pitchFamily="34" charset="0"/>
-                <a:cs typeface="Mangal" panose="02040503050203030202" pitchFamily="18" charset="0"/>
-              </a:rPr>
-              <a:t> and also familiar with projects like </a:t>
-            </a:r>
-            <a:r>
-              <a:rPr lang="en-IN" sz="1100" dirty="0" err="1">
-                <a:solidFill>
-                  <a:schemeClr val="bg1">
-                    <a:lumMod val="85000"/>
-                  </a:schemeClr>
-                </a:solidFill>
-                <a:effectLst/>
-                <a:latin typeface="Calibri" panose="020F0502020204030204" pitchFamily="34" charset="0"/>
-                <a:ea typeface="Calibri" panose="020F0502020204030204" pitchFamily="34" charset="0"/>
-                <a:cs typeface="Mangal" panose="02040503050203030202" pitchFamily="18" charset="0"/>
-              </a:rPr>
-              <a:t>Uniswap</a:t>
-            </a:r>
-            <a:r>
-              <a:rPr lang="en-IN" sz="1100" dirty="0">
-                <a:solidFill>
-                  <a:schemeClr val="bg1">
-                    <a:lumMod val="85000"/>
-                  </a:schemeClr>
-                </a:solidFill>
-                <a:effectLst/>
-                <a:latin typeface="Calibri" panose="020F0502020204030204" pitchFamily="34" charset="0"/>
-                <a:ea typeface="Calibri" panose="020F0502020204030204" pitchFamily="34" charset="0"/>
-                <a:cs typeface="Mangal" panose="02040503050203030202" pitchFamily="18" charset="0"/>
-              </a:rPr>
-              <a:t>, Curve, Saddle, Swerve, </a:t>
-            </a:r>
-            <a:r>
-              <a:rPr lang="en-IN" sz="1100" dirty="0" err="1">
-                <a:solidFill>
-                  <a:schemeClr val="bg1">
-                    <a:lumMod val="85000"/>
-                  </a:schemeClr>
-                </a:solidFill>
-                <a:effectLst/>
-                <a:latin typeface="Calibri" panose="020F0502020204030204" pitchFamily="34" charset="0"/>
-                <a:ea typeface="Calibri" panose="020F0502020204030204" pitchFamily="34" charset="0"/>
-                <a:cs typeface="Mangal" panose="02040503050203030202" pitchFamily="18" charset="0"/>
-              </a:rPr>
-              <a:t>Liquity</a:t>
-            </a:r>
-            <a:r>
-              <a:rPr lang="en-IN" sz="1100" dirty="0">
-                <a:solidFill>
-                  <a:schemeClr val="bg1">
-                    <a:lumMod val="85000"/>
-                  </a:schemeClr>
-                </a:solidFill>
-                <a:effectLst/>
-                <a:latin typeface="Calibri" panose="020F0502020204030204" pitchFamily="34" charset="0"/>
-                <a:ea typeface="Calibri" panose="020F0502020204030204" pitchFamily="34" charset="0"/>
-                <a:cs typeface="Mangal" panose="02040503050203030202" pitchFamily="18" charset="0"/>
-              </a:rPr>
-              <a:t>, Yeti. </a:t>
-            </a:r>
-            <a:r>
-              <a:rPr lang="en-IN" sz="1100" dirty="0">
-                <a:solidFill>
-                  <a:schemeClr val="bg1">
-                    <a:lumMod val="85000"/>
-                  </a:schemeClr>
-                </a:solidFill>
-                <a:latin typeface="Calibri" panose="020F0502020204030204" pitchFamily="34" charset="0"/>
-                <a:ea typeface="Calibri" panose="020F0502020204030204" pitchFamily="34" charset="0"/>
-                <a:cs typeface="Mangal" panose="02040503050203030202" pitchFamily="18" charset="0"/>
-              </a:rPr>
-              <a:t>Also worked on Cross-chain Bridge for implementation of token &amp; presale, vesting contracts with </a:t>
-            </a:r>
-            <a:r>
-              <a:rPr lang="en-IN" sz="1100" dirty="0" err="1">
-                <a:solidFill>
-                  <a:schemeClr val="bg1">
-                    <a:lumMod val="85000"/>
-                  </a:schemeClr>
-                </a:solidFill>
-                <a:latin typeface="Calibri" panose="020F0502020204030204" pitchFamily="34" charset="0"/>
-                <a:ea typeface="Calibri" panose="020F0502020204030204" pitchFamily="34" charset="0"/>
-                <a:cs typeface="Mangal" panose="02040503050203030202" pitchFamily="18" charset="0"/>
-              </a:rPr>
-              <a:t>timelock</a:t>
-            </a:r>
-            <a:r>
-              <a:rPr lang="en-IN" sz="1100" dirty="0">
-                <a:solidFill>
-                  <a:schemeClr val="bg1">
-                    <a:lumMod val="85000"/>
-                  </a:schemeClr>
-                </a:solidFill>
-                <a:latin typeface="Calibri" panose="020F0502020204030204" pitchFamily="34" charset="0"/>
-                <a:ea typeface="Calibri" panose="020F0502020204030204" pitchFamily="34" charset="0"/>
-                <a:cs typeface="Mangal" panose="02040503050203030202" pitchFamily="18" charset="0"/>
-              </a:rPr>
-              <a:t> functionality for the tokens transferred from </a:t>
-            </a:r>
-            <a:r>
-              <a:rPr lang="en-IN" sz="1100" dirty="0" err="1">
-                <a:solidFill>
-                  <a:schemeClr val="bg1">
-                    <a:lumMod val="85000"/>
-                  </a:schemeClr>
-                </a:solidFill>
-                <a:latin typeface="Calibri" panose="020F0502020204030204" pitchFamily="34" charset="0"/>
-                <a:ea typeface="Calibri" panose="020F0502020204030204" pitchFamily="34" charset="0"/>
-                <a:cs typeface="Mangal" panose="02040503050203030202" pitchFamily="18" charset="0"/>
-              </a:rPr>
-              <a:t>DeFi</a:t>
-            </a:r>
-            <a:r>
-              <a:rPr lang="en-IN" sz="1100" dirty="0">
-                <a:solidFill>
-                  <a:schemeClr val="bg1">
-                    <a:lumMod val="85000"/>
-                  </a:schemeClr>
-                </a:solidFill>
-                <a:latin typeface="Calibri" panose="020F0502020204030204" pitchFamily="34" charset="0"/>
-                <a:ea typeface="Calibri" panose="020F0502020204030204" pitchFamily="34" charset="0"/>
-                <a:cs typeface="Mangal" panose="02040503050203030202" pitchFamily="18" charset="0"/>
-              </a:rPr>
-              <a:t> protocols during swap</a:t>
-            </a:r>
-            <a:r>
-              <a:rPr lang="en-IN" sz="1100" dirty="0">
-                <a:solidFill>
-                  <a:schemeClr val="bg1">
-                    <a:lumMod val="85000"/>
-                  </a:schemeClr>
-                </a:solidFill>
-                <a:effectLst/>
-                <a:latin typeface="Calibri" panose="020F0502020204030204" pitchFamily="34" charset="0"/>
-                <a:ea typeface="Calibri" panose="020F0502020204030204" pitchFamily="34" charset="0"/>
-                <a:cs typeface="Mangal" panose="02040503050203030202" pitchFamily="18" charset="0"/>
-              </a:rPr>
-              <a:t>.</a:t>
-            </a:r>
-          </a:p>
-          <a:p>
-            <a:pPr marL="342900" marR="0" lvl="0" indent="-342900" algn="just">
-              <a:lnSpc>
-                <a:spcPct val="115000"/>
-              </a:lnSpc>
-              <a:spcBef>
-                <a:spcPts val="0"/>
-              </a:spcBef>
-              <a:spcAft>
-                <a:spcPts val="600"/>
-              </a:spcAft>
-              <a:buFont typeface="Symbol" panose="05050102010706020507" pitchFamily="18" charset="2"/>
-              <a:buChar char=""/>
-            </a:pPr>
-            <a:r>
-              <a:rPr lang="en-IN" sz="1100" dirty="0">
-                <a:solidFill>
-                  <a:schemeClr val="bg1">
-                    <a:lumMod val="85000"/>
-                  </a:schemeClr>
-                </a:solidFill>
-                <a:latin typeface="Calibri" panose="020F0502020204030204" pitchFamily="34" charset="0"/>
-                <a:ea typeface="Calibri" panose="020F0502020204030204" pitchFamily="34" charset="0"/>
-                <a:cs typeface="Mangal" panose="02040503050203030202" pitchFamily="18" charset="0"/>
-              </a:rPr>
-              <a:t>Worked on upgradeable contracts based on Escrow, Staking with reward issue, </a:t>
-            </a:r>
-            <a:r>
-              <a:rPr lang="en-IN" sz="1100" dirty="0" err="1">
-                <a:solidFill>
-                  <a:schemeClr val="bg1">
-                    <a:lumMod val="85000"/>
-                  </a:schemeClr>
-                </a:solidFill>
-                <a:latin typeface="Calibri" panose="020F0502020204030204" pitchFamily="34" charset="0"/>
-                <a:ea typeface="Calibri" panose="020F0502020204030204" pitchFamily="34" charset="0"/>
-                <a:cs typeface="Mangal" panose="02040503050203030202" pitchFamily="18" charset="0"/>
-              </a:rPr>
-              <a:t>DeFi</a:t>
-            </a:r>
-            <a:r>
-              <a:rPr lang="en-IN" sz="1100" dirty="0">
-                <a:solidFill>
-                  <a:schemeClr val="bg1">
-                    <a:lumMod val="85000"/>
-                  </a:schemeClr>
-                </a:solidFill>
-                <a:latin typeface="Calibri" panose="020F0502020204030204" pitchFamily="34" charset="0"/>
-                <a:ea typeface="Calibri" panose="020F0502020204030204" pitchFamily="34" charset="0"/>
-                <a:cs typeface="Mangal" panose="02040503050203030202" pitchFamily="18" charset="0"/>
-              </a:rPr>
-              <a:t> token’s average price, Token vault.</a:t>
-            </a:r>
-            <a:endParaRPr lang="en-IN" sz="1100" dirty="0">
-              <a:solidFill>
-                <a:schemeClr val="bg1">
-                  <a:lumMod val="85000"/>
-                </a:schemeClr>
-              </a:solidFill>
-              <a:effectLst/>
-              <a:latin typeface="Calibri" panose="020F0502020204030204" pitchFamily="34" charset="0"/>
-              <a:ea typeface="Calibri" panose="020F0502020204030204" pitchFamily="34" charset="0"/>
-              <a:cs typeface="Mangal" panose="02040503050203030202" pitchFamily="18" charset="0"/>
-            </a:endParaRPr>
-          </a:p>
-          <a:p>
-            <a:pPr marL="342900" marR="0" lvl="0" indent="-342900" algn="just">
-              <a:lnSpc>
-                <a:spcPct val="115000"/>
-              </a:lnSpc>
-              <a:spcBef>
-                <a:spcPts val="0"/>
-              </a:spcBef>
-              <a:spcAft>
-                <a:spcPts val="600"/>
-              </a:spcAft>
-              <a:buFont typeface="Symbol" panose="05050102010706020507" pitchFamily="18" charset="2"/>
-              <a:buChar char=""/>
-            </a:pPr>
-            <a:r>
-              <a:rPr lang="en-IN" sz="1100" dirty="0">
-                <a:solidFill>
-                  <a:schemeClr val="bg1">
-                    <a:lumMod val="85000"/>
-                  </a:schemeClr>
-                </a:solidFill>
-                <a:effectLst/>
-                <a:latin typeface="Calibri" panose="020F0502020204030204" pitchFamily="34" charset="0"/>
-                <a:ea typeface="Calibri" panose="020F0502020204030204" pitchFamily="34" charset="0"/>
-                <a:cs typeface="Mangal" panose="02040503050203030202" pitchFamily="18" charset="0"/>
-              </a:rPr>
-              <a:t>Unit testing, Deployment, Flattening, Verification, Get contract size of smart contracts using Hardhat, Truffle with </a:t>
-            </a:r>
-            <a:r>
-              <a:rPr lang="en-IN" sz="1100" dirty="0" err="1">
-                <a:solidFill>
-                  <a:schemeClr val="bg1">
-                    <a:lumMod val="85000"/>
-                  </a:schemeClr>
-                </a:solidFill>
-                <a:effectLst/>
-                <a:latin typeface="Calibri" panose="020F0502020204030204" pitchFamily="34" charset="0"/>
-                <a:ea typeface="Calibri" panose="020F0502020204030204" pitchFamily="34" charset="0"/>
-                <a:cs typeface="Mangal" panose="02040503050203030202" pitchFamily="18" charset="0"/>
-              </a:rPr>
-              <a:t>Javascript</a:t>
-            </a:r>
-            <a:r>
-              <a:rPr lang="en-IN" sz="1100" dirty="0">
-                <a:solidFill>
-                  <a:schemeClr val="bg1">
-                    <a:lumMod val="85000"/>
-                  </a:schemeClr>
-                </a:solidFill>
-                <a:latin typeface="Calibri" panose="020F0502020204030204" pitchFamily="34" charset="0"/>
-                <a:ea typeface="Calibri" panose="020F0502020204030204" pitchFamily="34" charset="0"/>
-                <a:cs typeface="Mangal" panose="02040503050203030202" pitchFamily="18" charset="0"/>
-              </a:rPr>
-              <a:t> or </a:t>
-            </a:r>
-            <a:r>
-              <a:rPr lang="en-IN" sz="1100" dirty="0">
-                <a:solidFill>
-                  <a:schemeClr val="bg1">
-                    <a:lumMod val="85000"/>
-                  </a:schemeClr>
-                </a:solidFill>
-                <a:effectLst/>
-                <a:latin typeface="Calibri" panose="020F0502020204030204" pitchFamily="34" charset="0"/>
-                <a:ea typeface="Calibri" panose="020F0502020204030204" pitchFamily="34" charset="0"/>
-                <a:cs typeface="Mangal" panose="02040503050203030202" pitchFamily="18" charset="0"/>
-              </a:rPr>
-              <a:t>Typescript. Also, familiar with Slither to find contract vulnerabilities and monitor the gas consumption for each contract methods.</a:t>
-            </a:r>
-          </a:p>
-          <a:p>
-            <a:pPr marL="342900" marR="0" lvl="0" indent="-342900" algn="just">
-              <a:lnSpc>
-                <a:spcPct val="115000"/>
-              </a:lnSpc>
-              <a:spcBef>
-                <a:spcPts val="0"/>
-              </a:spcBef>
-              <a:spcAft>
-                <a:spcPts val="600"/>
-              </a:spcAft>
-              <a:buFont typeface="Symbol" panose="05050102010706020507" pitchFamily="18" charset="2"/>
-              <a:buChar char=""/>
-            </a:pPr>
-            <a:r>
-              <a:rPr lang="en-IN" sz="1100" dirty="0">
-                <a:solidFill>
-                  <a:schemeClr val="bg1">
-                    <a:lumMod val="85000"/>
-                  </a:schemeClr>
-                </a:solidFill>
-                <a:effectLst/>
-                <a:latin typeface="Calibri" panose="020F0502020204030204" pitchFamily="34" charset="0"/>
-                <a:ea typeface="Calibri" panose="020F0502020204030204" pitchFamily="34" charset="0"/>
-                <a:cs typeface="Mangal" panose="02040503050203030202" pitchFamily="18" charset="0"/>
-              </a:rPr>
-              <a:t>Full Stack development of a product App (Android) – ‘</a:t>
-            </a:r>
-            <a:r>
-              <a:rPr lang="en-IN" sz="1100" dirty="0" err="1">
-                <a:solidFill>
-                  <a:schemeClr val="bg1">
-                    <a:lumMod val="85000"/>
-                  </a:schemeClr>
-                </a:solidFill>
-                <a:effectLst/>
-                <a:latin typeface="Calibri" panose="020F0502020204030204" pitchFamily="34" charset="0"/>
-                <a:ea typeface="Calibri" panose="020F0502020204030204" pitchFamily="34" charset="0"/>
-                <a:cs typeface="Mangal" panose="02040503050203030202" pitchFamily="18" charset="0"/>
-              </a:rPr>
-              <a:t>BitInfoCoin</a:t>
-            </a:r>
-            <a:r>
-              <a:rPr lang="en-IN" sz="1100" dirty="0">
-                <a:solidFill>
-                  <a:schemeClr val="bg1">
-                    <a:lumMod val="85000"/>
-                  </a:schemeClr>
-                </a:solidFill>
-                <a:effectLst/>
-                <a:latin typeface="Calibri" panose="020F0502020204030204" pitchFamily="34" charset="0"/>
-                <a:ea typeface="Calibri" panose="020F0502020204030204" pitchFamily="34" charset="0"/>
-                <a:cs typeface="Mangal" panose="02040503050203030202" pitchFamily="18" charset="0"/>
-              </a:rPr>
-              <a:t>’ in Crypto users.</a:t>
-            </a:r>
-            <a:endParaRPr lang="en-US" sz="1100" dirty="0">
-              <a:solidFill>
-                <a:schemeClr val="bg1">
-                  <a:lumMod val="85000"/>
-                </a:schemeClr>
-              </a:solidFill>
-              <a:latin typeface="Calibri" panose="020F0502020204030204" pitchFamily="34" charset="0"/>
-              <a:ea typeface="Calibri" panose="020F0502020204030204" pitchFamily="34" charset="0"/>
-              <a:cs typeface="Mangal" panose="02040503050203030202" pitchFamily="18" charset="0"/>
-            </a:endParaRPr>
-          </a:p>
-          <a:p>
-            <a:pPr marL="342900" marR="0" lvl="0" indent="-342900" algn="just">
-              <a:lnSpc>
-                <a:spcPct val="115000"/>
-              </a:lnSpc>
-              <a:spcBef>
-                <a:spcPts val="0"/>
-              </a:spcBef>
-              <a:spcAft>
-                <a:spcPts val="600"/>
-              </a:spcAft>
-              <a:buFont typeface="Symbol" panose="05050102010706020507" pitchFamily="18" charset="2"/>
-              <a:buChar char=""/>
-            </a:pPr>
-            <a:r>
-              <a:rPr lang="en-IN" sz="1100" dirty="0">
-                <a:solidFill>
-                  <a:schemeClr val="bg1">
-                    <a:lumMod val="85000"/>
-                  </a:schemeClr>
-                </a:solidFill>
-                <a:effectLst/>
-                <a:latin typeface="Calibri" panose="020F0502020204030204" pitchFamily="34" charset="0"/>
-                <a:ea typeface="Calibri" panose="020F0502020204030204" pitchFamily="34" charset="0"/>
-                <a:cs typeface="Mangal" panose="02040503050203030202" pitchFamily="18" charset="0"/>
-              </a:rPr>
-              <a:t>Designed &amp; Developed the Smart Contract System Design with suite of smart contracts for a Ride Sharing </a:t>
-            </a:r>
-            <a:r>
-              <a:rPr lang="en-IN" sz="1100" dirty="0" err="1">
-                <a:solidFill>
-                  <a:schemeClr val="bg1">
-                    <a:lumMod val="85000"/>
-                  </a:schemeClr>
-                </a:solidFill>
-                <a:effectLst/>
-                <a:latin typeface="Calibri" panose="020F0502020204030204" pitchFamily="34" charset="0"/>
-                <a:ea typeface="Calibri" panose="020F0502020204030204" pitchFamily="34" charset="0"/>
-                <a:cs typeface="Mangal" panose="02040503050203030202" pitchFamily="18" charset="0"/>
-              </a:rPr>
-              <a:t>DApp</a:t>
-            </a:r>
-            <a:r>
-              <a:rPr lang="en-IN" sz="1100" dirty="0">
-                <a:solidFill>
-                  <a:schemeClr val="bg1">
-                    <a:lumMod val="85000"/>
-                  </a:schemeClr>
-                </a:solidFill>
-                <a:effectLst/>
-                <a:latin typeface="Calibri" panose="020F0502020204030204" pitchFamily="34" charset="0"/>
-                <a:ea typeface="Calibri" panose="020F0502020204030204" pitchFamily="34" charset="0"/>
-                <a:cs typeface="Mangal" panose="02040503050203030202" pitchFamily="18" charset="0"/>
-              </a:rPr>
-              <a:t> and wrote the technical whitepaper. Also incorporated </a:t>
-            </a:r>
-            <a:r>
-              <a:rPr lang="en-IN" sz="1100" dirty="0">
-                <a:solidFill>
-                  <a:schemeClr val="bg1">
-                    <a:lumMod val="85000"/>
-                  </a:schemeClr>
-                </a:solidFill>
-                <a:latin typeface="Calibri" panose="020F0502020204030204" pitchFamily="34" charset="0"/>
-                <a:ea typeface="Calibri" panose="020F0502020204030204" pitchFamily="34" charset="0"/>
-                <a:cs typeface="Mangal" panose="02040503050203030202" pitchFamily="18" charset="0"/>
-              </a:rPr>
-              <a:t>a ‘free Rides’ trading AMM based marketplace with all-time liquidity using </a:t>
-            </a:r>
-            <a:r>
-              <a:rPr lang="en-IN" sz="1100" dirty="0" err="1">
-                <a:solidFill>
-                  <a:schemeClr val="bg1">
-                    <a:lumMod val="85000"/>
-                  </a:schemeClr>
-                </a:solidFill>
-                <a:latin typeface="Calibri" panose="020F0502020204030204" pitchFamily="34" charset="0"/>
-                <a:ea typeface="Calibri" panose="020F0502020204030204" pitchFamily="34" charset="0"/>
-                <a:cs typeface="Mangal" panose="02040503050203030202" pitchFamily="18" charset="0"/>
-              </a:rPr>
-              <a:t>DeFi’s</a:t>
-            </a:r>
-            <a:r>
-              <a:rPr lang="en-IN" sz="1100" dirty="0">
-                <a:solidFill>
-                  <a:schemeClr val="bg1">
-                    <a:lumMod val="85000"/>
-                  </a:schemeClr>
-                </a:solidFill>
-                <a:latin typeface="Calibri" panose="020F0502020204030204" pitchFamily="34" charset="0"/>
-                <a:ea typeface="Calibri" panose="020F0502020204030204" pitchFamily="34" charset="0"/>
-                <a:cs typeface="Mangal" panose="02040503050203030202" pitchFamily="18" charset="0"/>
-              </a:rPr>
-              <a:t> </a:t>
-            </a:r>
-            <a:r>
-              <a:rPr lang="en-IN" sz="1100" dirty="0" err="1">
-                <a:solidFill>
-                  <a:schemeClr val="bg1">
-                    <a:lumMod val="85000"/>
-                  </a:schemeClr>
-                </a:solidFill>
-                <a:latin typeface="Calibri" panose="020F0502020204030204" pitchFamily="34" charset="0"/>
-                <a:ea typeface="Calibri" panose="020F0502020204030204" pitchFamily="34" charset="0"/>
-                <a:cs typeface="Mangal" panose="02040503050203030202" pitchFamily="18" charset="0"/>
-              </a:rPr>
-              <a:t>Bancor</a:t>
-            </a:r>
-            <a:r>
-              <a:rPr lang="en-IN" sz="1100" dirty="0">
-                <a:solidFill>
-                  <a:schemeClr val="bg1">
-                    <a:lumMod val="85000"/>
-                  </a:schemeClr>
-                </a:solidFill>
-                <a:latin typeface="Calibri" panose="020F0502020204030204" pitchFamily="34" charset="0"/>
-                <a:ea typeface="Calibri" panose="020F0502020204030204" pitchFamily="34" charset="0"/>
-                <a:cs typeface="Mangal" panose="02040503050203030202" pitchFamily="18" charset="0"/>
-              </a:rPr>
-              <a:t> Algorithm.</a:t>
-            </a:r>
-            <a:endParaRPr lang="en-US" sz="1100" dirty="0">
-              <a:solidFill>
-                <a:schemeClr val="bg1">
-                  <a:lumMod val="85000"/>
-                </a:schemeClr>
-              </a:solidFill>
-              <a:effectLst/>
-              <a:latin typeface="Calibri" panose="020F0502020204030204" pitchFamily="34" charset="0"/>
-              <a:ea typeface="Calibri" panose="020F0502020204030204" pitchFamily="34" charset="0"/>
-              <a:cs typeface="Mangal" panose="02040503050203030202" pitchFamily="18" charset="0"/>
-            </a:endParaRPr>
-          </a:p>
-          <a:p>
-            <a:pPr marL="342900" indent="-342900" algn="just">
-              <a:lnSpc>
-                <a:spcPct val="115000"/>
-              </a:lnSpc>
-              <a:spcAft>
-                <a:spcPts val="600"/>
-              </a:spcAft>
-              <a:buFont typeface="Symbol" panose="05050102010706020507" pitchFamily="18" charset="2"/>
-              <a:buChar char=""/>
-            </a:pPr>
-            <a:r>
-              <a:rPr lang="en-IN" sz="1100" dirty="0">
-                <a:solidFill>
-                  <a:schemeClr val="bg1">
-                    <a:lumMod val="85000"/>
-                  </a:schemeClr>
-                </a:solidFill>
-                <a:effectLst/>
-                <a:latin typeface="Calibri" panose="020F0502020204030204" pitchFamily="34" charset="0"/>
-                <a:ea typeface="Calibri" panose="020F0502020204030204" pitchFamily="34" charset="0"/>
-                <a:cs typeface="Mangal" panose="02040503050203030202" pitchFamily="18" charset="0"/>
-              </a:rPr>
-              <a:t>Worked on smart contracts for a project “Providing a digital identity for parks to enable humans to interact with and take care of them”.</a:t>
-            </a:r>
-            <a:endParaRPr lang="en-US" sz="1100" dirty="0">
-              <a:solidFill>
-                <a:schemeClr val="bg1">
-                  <a:lumMod val="85000"/>
-                </a:schemeClr>
-              </a:solidFill>
-              <a:effectLst/>
-              <a:latin typeface="Calibri" panose="020F0502020204030204" pitchFamily="34" charset="0"/>
-              <a:ea typeface="Calibri" panose="020F0502020204030204" pitchFamily="34" charset="0"/>
-              <a:cs typeface="Mangal" panose="02040503050203030202" pitchFamily="18" charset="0"/>
-            </a:endParaRPr>
-          </a:p>
-          <a:p>
-            <a:pPr marL="342900" marR="0" lvl="0" indent="-342900" algn="just">
-              <a:lnSpc>
-                <a:spcPct val="115000"/>
-              </a:lnSpc>
-              <a:spcBef>
-                <a:spcPts val="0"/>
-              </a:spcBef>
-              <a:spcAft>
-                <a:spcPts val="600"/>
-              </a:spcAft>
-              <a:buFont typeface="Symbol" panose="05050102010706020507" pitchFamily="18" charset="2"/>
-              <a:buChar char=""/>
-            </a:pPr>
-            <a:r>
-              <a:rPr lang="en-IN" sz="1100" dirty="0">
-                <a:solidFill>
-                  <a:schemeClr val="bg1">
-                    <a:lumMod val="85000"/>
-                  </a:schemeClr>
-                </a:solidFill>
-                <a:effectLst/>
-                <a:latin typeface="Calibri" panose="020F0502020204030204" pitchFamily="34" charset="0"/>
-                <a:ea typeface="Calibri" panose="020F0502020204030204" pitchFamily="34" charset="0"/>
-                <a:cs typeface="Mangal" panose="02040503050203030202" pitchFamily="18" charset="0"/>
-              </a:rPr>
-              <a:t>Worked on smart contracts for ICO along with a report on estimated running cost of resources like on-chain RAM, CPU, NET for both Testnet &amp; Mainnet. </a:t>
-            </a:r>
-          </a:p>
-          <a:p>
-            <a:pPr marL="342900" marR="0" lvl="0" indent="-342900" algn="just">
-              <a:lnSpc>
-                <a:spcPct val="115000"/>
-              </a:lnSpc>
-              <a:spcBef>
-                <a:spcPts val="0"/>
-              </a:spcBef>
-              <a:spcAft>
-                <a:spcPts val="600"/>
-              </a:spcAft>
-              <a:buFont typeface="Symbol" panose="05050102010706020507" pitchFamily="18" charset="2"/>
-              <a:buChar char=""/>
-            </a:pPr>
-            <a:r>
-              <a:rPr lang="en-IN" sz="1100" dirty="0">
-                <a:solidFill>
-                  <a:schemeClr val="bg1">
-                    <a:lumMod val="85000"/>
-                  </a:schemeClr>
-                </a:solidFill>
-                <a:effectLst/>
-                <a:latin typeface="Calibri" panose="020F0502020204030204" pitchFamily="34" charset="0"/>
-                <a:ea typeface="Calibri" panose="020F0502020204030204" pitchFamily="34" charset="0"/>
-                <a:cs typeface="Mangal" panose="02040503050203030202" pitchFamily="18" charset="0"/>
-              </a:rPr>
-              <a:t>Built architecture &amp; wrote smart contracts – ICO, Stake, Token for a project on “Automatic payment disbursal to </a:t>
-            </a:r>
-            <a:r>
-              <a:rPr lang="en-IN" sz="1100" dirty="0">
-                <a:solidFill>
-                  <a:schemeClr val="bg1">
-                    <a:lumMod val="85000"/>
-                  </a:schemeClr>
-                </a:solidFill>
-                <a:latin typeface="Calibri" panose="020F0502020204030204" pitchFamily="34" charset="0"/>
-                <a:ea typeface="Calibri" panose="020F0502020204030204" pitchFamily="34" charset="0"/>
-                <a:cs typeface="Mangal" panose="02040503050203030202" pitchFamily="18" charset="0"/>
-              </a:rPr>
-              <a:t>Patient/Doctor </a:t>
-            </a:r>
-            <a:r>
-              <a:rPr lang="en-IN" sz="1100" dirty="0">
-                <a:solidFill>
-                  <a:schemeClr val="bg1">
-                    <a:lumMod val="85000"/>
-                  </a:schemeClr>
-                </a:solidFill>
-                <a:effectLst/>
-                <a:latin typeface="Calibri" panose="020F0502020204030204" pitchFamily="34" charset="0"/>
-                <a:ea typeface="Calibri" panose="020F0502020204030204" pitchFamily="34" charset="0"/>
-                <a:cs typeface="Mangal" panose="02040503050203030202" pitchFamily="18" charset="0"/>
-              </a:rPr>
-              <a:t>for Rehabilitation Programme(s)”.</a:t>
-            </a:r>
-          </a:p>
-          <a:p>
-            <a:pPr marL="342900" indent="-342900" algn="just">
-              <a:lnSpc>
-                <a:spcPct val="115000"/>
-              </a:lnSpc>
-              <a:spcAft>
-                <a:spcPts val="600"/>
-              </a:spcAft>
-              <a:buFont typeface="Symbol" panose="05050102010706020507" pitchFamily="18" charset="2"/>
-              <a:buChar char=""/>
-            </a:pPr>
-            <a:r>
-              <a:rPr lang="en-IN" sz="1100" dirty="0">
-                <a:solidFill>
-                  <a:schemeClr val="bg1">
-                    <a:lumMod val="85000"/>
-                  </a:schemeClr>
-                </a:solidFill>
-                <a:effectLst/>
-                <a:latin typeface="Calibri" panose="020F0502020204030204" pitchFamily="34" charset="0"/>
-                <a:ea typeface="Calibri" panose="020F0502020204030204" pitchFamily="34" charset="0"/>
-                <a:cs typeface="Mangal" panose="02040503050203030202" pitchFamily="18" charset="0"/>
-              </a:rPr>
-              <a:t>Built Smart Contracts – Escrow, Game along with the architecture for a Betting Game – ‘GPK.Battles’ on WAX (EOSIO) Blockchain.</a:t>
-            </a:r>
-          </a:p>
-          <a:p>
-            <a:pPr marL="342900" marR="0" lvl="0" indent="-342900" algn="just">
-              <a:lnSpc>
-                <a:spcPct val="115000"/>
-              </a:lnSpc>
-              <a:spcBef>
-                <a:spcPts val="0"/>
-              </a:spcBef>
-              <a:spcAft>
-                <a:spcPts val="600"/>
-              </a:spcAft>
-              <a:buFont typeface="Symbol" panose="05050102010706020507" pitchFamily="18" charset="2"/>
-              <a:buChar char=""/>
-            </a:pPr>
-            <a:r>
-              <a:rPr lang="en-IN" sz="1100" dirty="0">
-                <a:solidFill>
-                  <a:schemeClr val="bg1">
-                    <a:lumMod val="85000"/>
-                  </a:schemeClr>
-                </a:solidFill>
-                <a:effectLst/>
-                <a:latin typeface="Calibri" panose="020F0502020204030204" pitchFamily="34" charset="0"/>
-                <a:ea typeface="Calibri" panose="020F0502020204030204" pitchFamily="34" charset="0"/>
-                <a:cs typeface="Mangal" panose="02040503050203030202" pitchFamily="18" charset="0"/>
-              </a:rPr>
-              <a:t>Created a Tipping Bot with smart contracts integrated within using which any person can deposit/withdraw/send/receive </a:t>
-            </a:r>
-            <a:r>
-              <a:rPr lang="en-IN" sz="1100" dirty="0">
-                <a:solidFill>
-                  <a:schemeClr val="bg1">
-                    <a:lumMod val="85000"/>
-                  </a:schemeClr>
-                </a:solidFill>
-                <a:latin typeface="Calibri" panose="020F0502020204030204" pitchFamily="34" charset="0"/>
-                <a:ea typeface="Calibri" panose="020F0502020204030204" pitchFamily="34" charset="0"/>
-                <a:cs typeface="Mangal" panose="02040503050203030202" pitchFamily="18" charset="0"/>
-              </a:rPr>
-              <a:t>multiple </a:t>
-            </a:r>
-            <a:r>
-              <a:rPr lang="en-IN" sz="1100" dirty="0">
-                <a:solidFill>
-                  <a:schemeClr val="bg1">
-                    <a:lumMod val="85000"/>
-                  </a:schemeClr>
-                </a:solidFill>
-                <a:effectLst/>
-                <a:latin typeface="Calibri" panose="020F0502020204030204" pitchFamily="34" charset="0"/>
-                <a:ea typeface="Calibri" panose="020F0502020204030204" pitchFamily="34" charset="0"/>
-                <a:cs typeface="Mangal" panose="02040503050203030202" pitchFamily="18" charset="0"/>
-              </a:rPr>
-              <a:t>crypto token worldwide with just Telegram user ID.</a:t>
             </a:r>
           </a:p>
         </p:txBody>
@@ -17029,7 +17042,7 @@
           <p:nvPr/>
         </p:nvPicPr>
         <p:blipFill>
-          <a:blip r:embed="rId2" cstate="print">
+          <a:blip r:embed="rId3" cstate="print">
             <a:duotone>
               <a:schemeClr val="bg2">
                 <a:shade val="45000"/>
@@ -17061,6 +17074,1485 @@
           </a:solidFill>
         </p:spPr>
       </p:pic>
+      <p:sp>
+        <p:nvSpPr>
+          <p:cNvPr id="7" name="TextBox 6">
+            <a:extLst>
+              <a:ext uri="{FF2B5EF4-FFF2-40B4-BE49-F238E27FC236}">
+                <a16:creationId xmlns:a16="http://schemas.microsoft.com/office/drawing/2014/main" id="{0A9807B6-7A0B-4110-161A-1A55B37B89F5}"/>
+              </a:ext>
+            </a:extLst>
+          </p:cNvPr>
+          <p:cNvSpPr txBox="1"/>
+          <p:nvPr/>
+        </p:nvSpPr>
+        <p:spPr>
+          <a:xfrm>
+            <a:off x="449592" y="1399383"/>
+            <a:ext cx="2500998" cy="307777"/>
+          </a:xfrm>
+          <a:prstGeom prst="rect">
+            <a:avLst/>
+          </a:prstGeom>
+          <a:solidFill>
+            <a:schemeClr val="accent4">
+              <a:lumMod val="10000"/>
+              <a:lumOff val="90000"/>
+            </a:schemeClr>
+          </a:solidFill>
+        </p:spPr>
+        <p:txBody>
+          <a:bodyPr wrap="square" rtlCol="0">
+            <a:spAutoFit/>
+          </a:bodyPr>
+          <a:lstStyle/>
+          <a:p>
+            <a:pPr algn="ctr"/>
+            <a:r>
+              <a:rPr lang="en-US" sz="1400" dirty="0"/>
+              <a:t>Smart Contract Development</a:t>
+            </a:r>
+          </a:p>
+        </p:txBody>
+      </p:sp>
+      <p:sp>
+        <p:nvSpPr>
+          <p:cNvPr id="9" name="TextBox 8">
+            <a:extLst>
+              <a:ext uri="{FF2B5EF4-FFF2-40B4-BE49-F238E27FC236}">
+                <a16:creationId xmlns:a16="http://schemas.microsoft.com/office/drawing/2014/main" id="{2D4978E4-471D-14F7-76C6-D9C9359EB4E8}"/>
+              </a:ext>
+            </a:extLst>
+          </p:cNvPr>
+          <p:cNvSpPr txBox="1"/>
+          <p:nvPr/>
+        </p:nvSpPr>
+        <p:spPr>
+          <a:xfrm>
+            <a:off x="449592" y="1749204"/>
+            <a:ext cx="6258560" cy="7192803"/>
+          </a:xfrm>
+          <a:prstGeom prst="rect">
+            <a:avLst/>
+          </a:prstGeom>
+          <a:noFill/>
+        </p:spPr>
+        <p:txBody>
+          <a:bodyPr wrap="square" rtlCol="0">
+            <a:spAutoFit/>
+          </a:bodyPr>
+          <a:lstStyle/>
+          <a:p>
+            <a:pPr marL="342900" indent="-342900" algn="just">
+              <a:lnSpc>
+                <a:spcPct val="115000"/>
+              </a:lnSpc>
+              <a:spcAft>
+                <a:spcPts val="600"/>
+              </a:spcAft>
+              <a:buFont typeface="Symbol" panose="05050102010706020507" pitchFamily="18" charset="2"/>
+              <a:buChar char=""/>
+            </a:pPr>
+            <a:r>
+              <a:rPr lang="en-IN" sz="1100" dirty="0">
+                <a:solidFill>
+                  <a:schemeClr val="bg1">
+                    <a:lumMod val="85000"/>
+                  </a:schemeClr>
+                </a:solidFill>
+                <a:latin typeface="Calibri" panose="020F0502020204030204" pitchFamily="34" charset="0"/>
+                <a:cs typeface="Mangal" panose="02040503050203030202" pitchFamily="18" charset="0"/>
+              </a:rPr>
+              <a:t>Worked on a </a:t>
+            </a:r>
+            <a:r>
+              <a:rPr lang="en-IN" sz="1100" dirty="0">
+                <a:solidFill>
+                  <a:schemeClr val="bg1">
+                    <a:lumMod val="85000"/>
+                  </a:schemeClr>
+                </a:solidFill>
+                <a:latin typeface="Calibri" panose="020F0502020204030204" pitchFamily="34" charset="0"/>
+                <a:cs typeface="Mangal" panose="02040503050203030202" pitchFamily="18" charset="0"/>
+                <a:hlinkClick r:id="rId4">
+                  <a:extLst>
+                    <a:ext uri="{A12FA001-AC4F-418D-AE19-62706E023703}">
+                      <ahyp:hlinkClr xmlns:ahyp="http://schemas.microsoft.com/office/drawing/2018/hyperlinkcolor" val="tx"/>
+                    </a:ext>
+                  </a:extLst>
+                </a:hlinkClick>
+              </a:rPr>
+              <a:t>CDP based stablecoin</a:t>
+            </a:r>
+            <a:r>
+              <a:rPr lang="en-IN" sz="1100" dirty="0">
+                <a:solidFill>
+                  <a:schemeClr val="bg1">
+                    <a:lumMod val="85000"/>
+                  </a:schemeClr>
+                </a:solidFill>
+                <a:latin typeface="Calibri" panose="020F0502020204030204" pitchFamily="34" charset="0"/>
+                <a:cs typeface="Mangal" panose="02040503050203030202" pitchFamily="18" charset="0"/>
+              </a:rPr>
+              <a:t> using Diamond Standard at Mojo, inspired from </a:t>
+            </a:r>
+            <a:r>
+              <a:rPr lang="en-IN" sz="1100" dirty="0" err="1">
+                <a:solidFill>
+                  <a:schemeClr val="bg1">
+                    <a:lumMod val="85000"/>
+                  </a:schemeClr>
+                </a:solidFill>
+                <a:latin typeface="Calibri" panose="020F0502020204030204" pitchFamily="34" charset="0"/>
+                <a:cs typeface="Mangal" panose="02040503050203030202" pitchFamily="18" charset="0"/>
+              </a:rPr>
+              <a:t>Liquity</a:t>
+            </a:r>
+            <a:r>
+              <a:rPr lang="en-IN" sz="1100" dirty="0">
+                <a:solidFill>
+                  <a:schemeClr val="bg1">
+                    <a:lumMod val="85000"/>
+                  </a:schemeClr>
+                </a:solidFill>
+                <a:latin typeface="Calibri" panose="020F0502020204030204" pitchFamily="34" charset="0"/>
+                <a:cs typeface="Mangal" panose="02040503050203030202" pitchFamily="18" charset="0"/>
+              </a:rPr>
+              <a:t>, Yeti Finance projects.</a:t>
+            </a:r>
+            <a:endParaRPr lang="en-IN" sz="1100" dirty="0">
+              <a:solidFill>
+                <a:schemeClr val="bg1">
+                  <a:lumMod val="85000"/>
+                </a:schemeClr>
+              </a:solidFill>
+              <a:latin typeface="Calibri" panose="020F0502020204030204" pitchFamily="34" charset="0"/>
+              <a:cs typeface="Mangal" panose="02040503050203030202" pitchFamily="18" charset="0"/>
+              <a:hlinkClick r:id="rId5">
+                <a:extLst>
+                  <a:ext uri="{A12FA001-AC4F-418D-AE19-62706E023703}">
+                    <ahyp:hlinkClr xmlns:ahyp="http://schemas.microsoft.com/office/drawing/2018/hyperlinkcolor" val="tx"/>
+                  </a:ext>
+                </a:extLst>
+              </a:hlinkClick>
+            </a:endParaRPr>
+          </a:p>
+          <a:p>
+            <a:pPr marL="342900" indent="-342900" algn="just">
+              <a:lnSpc>
+                <a:spcPct val="115000"/>
+              </a:lnSpc>
+              <a:spcAft>
+                <a:spcPts val="600"/>
+              </a:spcAft>
+              <a:buFont typeface="Symbol" panose="05050102010706020507" pitchFamily="18" charset="2"/>
+              <a:buChar char=""/>
+            </a:pPr>
+            <a:r>
+              <a:rPr lang="en-IN" sz="1100" dirty="0">
+                <a:solidFill>
+                  <a:schemeClr val="bg1">
+                    <a:lumMod val="85000"/>
+                  </a:schemeClr>
+                </a:solidFill>
+                <a:latin typeface="Calibri" panose="020F0502020204030204" pitchFamily="34" charset="0"/>
+                <a:cs typeface="Mangal" panose="02040503050203030202" pitchFamily="18" charset="0"/>
+                <a:hlinkClick r:id="rId5">
+                  <a:extLst>
+                    <a:ext uri="{A12FA001-AC4F-418D-AE19-62706E023703}">
+                      <ahyp:hlinkClr xmlns:ahyp="http://schemas.microsoft.com/office/drawing/2018/hyperlinkcolor" val="tx"/>
+                    </a:ext>
+                  </a:extLst>
+                </a:hlinkClick>
+              </a:rPr>
+              <a:t>Created a Vault contract with Deposit &amp; Reward tokens with custom APY for EVM Blockchain</a:t>
+            </a:r>
+            <a:r>
+              <a:rPr lang="en-IN" sz="1100" dirty="0">
+                <a:solidFill>
+                  <a:schemeClr val="bg1">
+                    <a:lumMod val="85000"/>
+                  </a:schemeClr>
+                </a:solidFill>
+                <a:latin typeface="Calibri" panose="020F0502020204030204" pitchFamily="34" charset="0"/>
+                <a:cs typeface="Mangal" panose="02040503050203030202" pitchFamily="18" charset="0"/>
+              </a:rPr>
+              <a:t>.</a:t>
+            </a:r>
+          </a:p>
+          <a:p>
+            <a:pPr marL="342900" indent="-342900" algn="just">
+              <a:lnSpc>
+                <a:spcPct val="115000"/>
+              </a:lnSpc>
+              <a:spcAft>
+                <a:spcPts val="600"/>
+              </a:spcAft>
+              <a:buFont typeface="Symbol" panose="05050102010706020507" pitchFamily="18" charset="2"/>
+              <a:buChar char=""/>
+            </a:pPr>
+            <a:r>
+              <a:rPr lang="en-IN" sz="1100" dirty="0">
+                <a:solidFill>
+                  <a:schemeClr val="bg1">
+                    <a:lumMod val="85000"/>
+                  </a:schemeClr>
+                </a:solidFill>
+                <a:latin typeface="Calibri" panose="020F0502020204030204" pitchFamily="34" charset="0"/>
+                <a:cs typeface="Mangal" panose="02040503050203030202" pitchFamily="18" charset="0"/>
+              </a:rPr>
+              <a:t>Worked as a CTO on Crowdfunding platform </a:t>
+            </a:r>
+            <a:r>
+              <a:rPr lang="en-IN" sz="1100" dirty="0">
+                <a:solidFill>
+                  <a:schemeClr val="bg1">
+                    <a:lumMod val="85000"/>
+                  </a:schemeClr>
+                </a:solidFill>
+                <a:latin typeface="Calibri" panose="020F0502020204030204" pitchFamily="34" charset="0"/>
+                <a:cs typeface="Mangal" panose="02040503050203030202" pitchFamily="18" charset="0"/>
+                <a:hlinkClick r:id="rId6">
+                  <a:extLst>
+                    <a:ext uri="{A12FA001-AC4F-418D-AE19-62706E023703}">
+                      <ahyp:hlinkClr xmlns:ahyp="http://schemas.microsoft.com/office/drawing/2018/hyperlinkcolor" val="tx"/>
+                    </a:ext>
+                  </a:extLst>
+                </a:hlinkClick>
+              </a:rPr>
+              <a:t>v1</a:t>
+            </a:r>
+            <a:r>
+              <a:rPr lang="en-IN" sz="1100" dirty="0">
+                <a:solidFill>
+                  <a:schemeClr val="bg1">
+                    <a:lumMod val="85000"/>
+                  </a:schemeClr>
+                </a:solidFill>
+                <a:latin typeface="Calibri" panose="020F0502020204030204" pitchFamily="34" charset="0"/>
+                <a:cs typeface="Mangal" panose="02040503050203030202" pitchFamily="18" charset="0"/>
+              </a:rPr>
+              <a:t>, </a:t>
+            </a:r>
+            <a:r>
+              <a:rPr lang="en-IN" sz="1100" dirty="0">
+                <a:solidFill>
+                  <a:schemeClr val="bg1">
+                    <a:lumMod val="85000"/>
+                  </a:schemeClr>
+                </a:solidFill>
+                <a:latin typeface="Calibri" panose="020F0502020204030204" pitchFamily="34" charset="0"/>
+                <a:cs typeface="Mangal" panose="02040503050203030202" pitchFamily="18" charset="0"/>
+                <a:hlinkClick r:id="rId7">
+                  <a:extLst>
+                    <a:ext uri="{A12FA001-AC4F-418D-AE19-62706E023703}">
+                      <ahyp:hlinkClr xmlns:ahyp="http://schemas.microsoft.com/office/drawing/2018/hyperlinkcolor" val="tx"/>
+                    </a:ext>
+                  </a:extLst>
+                </a:hlinkClick>
+              </a:rPr>
+              <a:t>v2</a:t>
+            </a:r>
+            <a:r>
+              <a:rPr lang="en-IN" sz="1100" dirty="0">
+                <a:solidFill>
+                  <a:schemeClr val="bg1">
+                    <a:lumMod val="85000"/>
+                  </a:schemeClr>
+                </a:solidFill>
+                <a:latin typeface="Calibri" panose="020F0502020204030204" pitchFamily="34" charset="0"/>
+                <a:cs typeface="Mangal" panose="02040503050203030202" pitchFamily="18" charset="0"/>
+              </a:rPr>
+              <a:t>, based on </a:t>
+            </a:r>
+            <a:r>
+              <a:rPr lang="en-IN" sz="1100" dirty="0" err="1">
+                <a:solidFill>
+                  <a:schemeClr val="bg1">
+                    <a:lumMod val="85000"/>
+                  </a:schemeClr>
+                </a:solidFill>
+                <a:latin typeface="Calibri" panose="020F0502020204030204" pitchFamily="34" charset="0"/>
+                <a:cs typeface="Mangal" panose="02040503050203030202" pitchFamily="18" charset="0"/>
+              </a:rPr>
+              <a:t>DeFi</a:t>
+            </a:r>
+            <a:r>
+              <a:rPr lang="en-IN" sz="1100" dirty="0">
+                <a:solidFill>
+                  <a:schemeClr val="bg1">
+                    <a:lumMod val="85000"/>
+                  </a:schemeClr>
+                </a:solidFill>
+                <a:latin typeface="Calibri" panose="020F0502020204030204" pitchFamily="34" charset="0"/>
+                <a:cs typeface="Mangal" panose="02040503050203030202" pitchFamily="18" charset="0"/>
+              </a:rPr>
+              <a:t> AMM curve at </a:t>
+            </a:r>
+            <a:r>
+              <a:rPr lang="en-IN" sz="1100" dirty="0">
+                <a:solidFill>
+                  <a:schemeClr val="bg1">
+                    <a:lumMod val="85000"/>
+                  </a:schemeClr>
+                </a:solidFill>
+                <a:latin typeface="Calibri" panose="020F0502020204030204" pitchFamily="34" charset="0"/>
+                <a:cs typeface="Mangal" panose="02040503050203030202" pitchFamily="18" charset="0"/>
+                <a:hlinkClick r:id="rId8">
+                  <a:extLst>
+                    <a:ext uri="{A12FA001-AC4F-418D-AE19-62706E023703}">
+                      <ahyp:hlinkClr xmlns:ahyp="http://schemas.microsoft.com/office/drawing/2018/hyperlinkcolor" val="tx"/>
+                    </a:ext>
+                  </a:extLst>
+                </a:hlinkClick>
+              </a:rPr>
+              <a:t>Theia Labs</a:t>
+            </a:r>
+            <a:r>
+              <a:rPr lang="en-IN" sz="1100" dirty="0">
+                <a:solidFill>
+                  <a:schemeClr val="bg1">
+                    <a:lumMod val="85000"/>
+                  </a:schemeClr>
+                </a:solidFill>
+                <a:latin typeface="Calibri" panose="020F0502020204030204" pitchFamily="34" charset="0"/>
+                <a:cs typeface="Mangal" panose="02040503050203030202" pitchFamily="18" charset="0"/>
+              </a:rPr>
+              <a:t>. Developed the upgradeable EVM smart contracts using Diamond Standard &amp; also released the two versions there as a product.</a:t>
+            </a:r>
+          </a:p>
+          <a:p>
+            <a:pPr marL="342900" marR="0" lvl="0" indent="-342900" algn="just">
+              <a:lnSpc>
+                <a:spcPct val="115000"/>
+              </a:lnSpc>
+              <a:spcBef>
+                <a:spcPts val="0"/>
+              </a:spcBef>
+              <a:spcAft>
+                <a:spcPts val="600"/>
+              </a:spcAft>
+              <a:buFont typeface="Symbol" panose="05050102010706020507" pitchFamily="18" charset="2"/>
+              <a:buChar char=""/>
+            </a:pPr>
+            <a:r>
+              <a:rPr lang="en-IN" sz="1100" dirty="0">
+                <a:solidFill>
+                  <a:schemeClr val="bg1">
+                    <a:lumMod val="85000"/>
+                  </a:schemeClr>
+                </a:solidFill>
+                <a:latin typeface="Calibri" panose="020F0502020204030204" pitchFamily="34" charset="0"/>
+                <a:cs typeface="Mangal" panose="02040503050203030202" pitchFamily="18" charset="0"/>
+                <a:hlinkClick r:id="rId9">
+                  <a:extLst>
+                    <a:ext uri="{A12FA001-AC4F-418D-AE19-62706E023703}">
+                      <ahyp:hlinkClr xmlns:ahyp="http://schemas.microsoft.com/office/drawing/2018/hyperlinkcolor" val="tx"/>
+                    </a:ext>
+                  </a:extLst>
+                </a:hlinkClick>
+              </a:rPr>
+              <a:t>Written NodeJS scripts for automatic deployment of Generative &amp; Manual art on IPFS (Pinata), Arweave</a:t>
+            </a:r>
+            <a:r>
+              <a:rPr lang="en-IN" sz="1100" dirty="0">
+                <a:solidFill>
+                  <a:schemeClr val="bg1">
+                    <a:lumMod val="85000"/>
+                  </a:schemeClr>
+                </a:solidFill>
+                <a:latin typeface="Calibri" panose="020F0502020204030204" pitchFamily="34" charset="0"/>
+                <a:cs typeface="Mangal" panose="02040503050203030202" pitchFamily="18" charset="0"/>
+              </a:rPr>
+              <a:t>.</a:t>
+            </a:r>
+          </a:p>
+          <a:p>
+            <a:pPr marL="342900" marR="0" lvl="0" indent="-342900" algn="just">
+              <a:lnSpc>
+                <a:spcPct val="115000"/>
+              </a:lnSpc>
+              <a:spcBef>
+                <a:spcPts val="0"/>
+              </a:spcBef>
+              <a:spcAft>
+                <a:spcPts val="600"/>
+              </a:spcAft>
+              <a:buFont typeface="Symbol" panose="05050102010706020507" pitchFamily="18" charset="2"/>
+              <a:buChar char=""/>
+            </a:pPr>
+            <a:r>
+              <a:rPr lang="en-IN" sz="1100" dirty="0">
+                <a:solidFill>
+                  <a:schemeClr val="bg1">
+                    <a:lumMod val="85000"/>
+                  </a:schemeClr>
+                </a:solidFill>
+                <a:latin typeface="Calibri" panose="020F0502020204030204" pitchFamily="34" charset="0"/>
+                <a:cs typeface="Mangal" panose="02040503050203030202" pitchFamily="18" charset="0"/>
+              </a:rPr>
+              <a:t>Worked on </a:t>
+            </a:r>
+            <a:r>
+              <a:rPr lang="en-IN" sz="1100" dirty="0">
+                <a:solidFill>
+                  <a:schemeClr val="bg1">
+                    <a:lumMod val="85000"/>
+                  </a:schemeClr>
+                </a:solidFill>
+                <a:latin typeface="Calibri" panose="020F0502020204030204" pitchFamily="34" charset="0"/>
+                <a:cs typeface="Mangal" panose="02040503050203030202" pitchFamily="18" charset="0"/>
+                <a:hlinkClick r:id="rId10">
+                  <a:extLst>
+                    <a:ext uri="{A12FA001-AC4F-418D-AE19-62706E023703}">
+                      <ahyp:hlinkClr xmlns:ahyp="http://schemas.microsoft.com/office/drawing/2018/hyperlinkcolor" val="tx"/>
+                    </a:ext>
+                  </a:extLst>
+                </a:hlinkClick>
+              </a:rPr>
+              <a:t>Escrow contract with payer, payee, releaser</a:t>
+            </a:r>
+            <a:r>
+              <a:rPr lang="en-IN" sz="1100" dirty="0">
+                <a:solidFill>
+                  <a:schemeClr val="bg1">
+                    <a:lumMod val="85000"/>
+                  </a:schemeClr>
+                </a:solidFill>
+                <a:latin typeface="Calibri" panose="020F0502020204030204" pitchFamily="34" charset="0"/>
+                <a:cs typeface="Mangal" panose="02040503050203030202" pitchFamily="18" charset="0"/>
+              </a:rPr>
+              <a:t>, Staking (with </a:t>
+            </a:r>
+            <a:r>
+              <a:rPr lang="en-IN" sz="1100" dirty="0">
+                <a:solidFill>
+                  <a:schemeClr val="bg1">
+                    <a:lumMod val="85000"/>
+                  </a:schemeClr>
+                </a:solidFill>
+                <a:latin typeface="Calibri" panose="020F0502020204030204" pitchFamily="34" charset="0"/>
+                <a:cs typeface="Mangal" panose="02040503050203030202" pitchFamily="18" charset="0"/>
+                <a:hlinkClick r:id="rId11">
+                  <a:extLst>
+                    <a:ext uri="{A12FA001-AC4F-418D-AE19-62706E023703}">
+                      <ahyp:hlinkClr xmlns:ahyp="http://schemas.microsoft.com/office/drawing/2018/hyperlinkcolor" val="tx"/>
+                    </a:ext>
+                  </a:extLst>
+                </a:hlinkClick>
+              </a:rPr>
+              <a:t>single</a:t>
+            </a:r>
+            <a:r>
+              <a:rPr lang="en-IN" sz="1100" dirty="0">
+                <a:solidFill>
+                  <a:schemeClr val="bg1">
+                    <a:lumMod val="85000"/>
+                  </a:schemeClr>
+                </a:solidFill>
+                <a:latin typeface="Calibri" panose="020F0502020204030204" pitchFamily="34" charset="0"/>
+                <a:cs typeface="Mangal" panose="02040503050203030202" pitchFamily="18" charset="0"/>
+              </a:rPr>
+              <a:t>, </a:t>
+            </a:r>
+            <a:r>
+              <a:rPr lang="en-IN" sz="1100" dirty="0">
+                <a:solidFill>
+                  <a:schemeClr val="bg1">
+                    <a:lumMod val="85000"/>
+                  </a:schemeClr>
+                </a:solidFill>
+                <a:latin typeface="Calibri" panose="020F0502020204030204" pitchFamily="34" charset="0"/>
+                <a:cs typeface="Mangal" panose="02040503050203030202" pitchFamily="18" charset="0"/>
+                <a:hlinkClick r:id="rId12">
+                  <a:extLst>
+                    <a:ext uri="{A12FA001-AC4F-418D-AE19-62706E023703}">
+                      <ahyp:hlinkClr xmlns:ahyp="http://schemas.microsoft.com/office/drawing/2018/hyperlinkcolor" val="tx"/>
+                    </a:ext>
+                  </a:extLst>
+                </a:hlinkClick>
+              </a:rPr>
+              <a:t>multiple</a:t>
+            </a:r>
+            <a:r>
+              <a:rPr lang="en-IN" sz="1100" dirty="0">
+                <a:solidFill>
+                  <a:schemeClr val="bg1">
+                    <a:lumMod val="85000"/>
+                  </a:schemeClr>
+                </a:solidFill>
+                <a:latin typeface="Calibri" panose="020F0502020204030204" pitchFamily="34" charset="0"/>
+                <a:cs typeface="Mangal" panose="02040503050203030202" pitchFamily="18" charset="0"/>
+              </a:rPr>
+              <a:t> tokens) contract, </a:t>
+            </a:r>
+            <a:r>
+              <a:rPr lang="en-IN" sz="1100" dirty="0">
+                <a:solidFill>
+                  <a:schemeClr val="bg1">
+                    <a:lumMod val="85000"/>
+                  </a:schemeClr>
+                </a:solidFill>
+                <a:latin typeface="Calibri" panose="020F0502020204030204" pitchFamily="34" charset="0"/>
+                <a:cs typeface="Mangal" panose="02040503050203030202" pitchFamily="18" charset="0"/>
+                <a:hlinkClick r:id="rId13">
+                  <a:extLst>
+                    <a:ext uri="{A12FA001-AC4F-418D-AE19-62706E023703}">
+                      <ahyp:hlinkClr xmlns:ahyp="http://schemas.microsoft.com/office/drawing/2018/hyperlinkcolor" val="tx"/>
+                    </a:ext>
+                  </a:extLst>
+                </a:hlinkClick>
+              </a:rPr>
+              <a:t>Vault contract with deposit/withdraw of ETH &amp; mint/burn of native tokens</a:t>
+            </a:r>
+            <a:r>
+              <a:rPr lang="en-IN" sz="1100" dirty="0">
+                <a:solidFill>
+                  <a:schemeClr val="bg1">
+                    <a:lumMod val="85000"/>
+                  </a:schemeClr>
+                </a:solidFill>
+                <a:latin typeface="Calibri" panose="020F0502020204030204" pitchFamily="34" charset="0"/>
+                <a:cs typeface="Mangal" panose="02040503050203030202" pitchFamily="18" charset="0"/>
+              </a:rPr>
+              <a:t>, </a:t>
+            </a:r>
+            <a:r>
+              <a:rPr lang="en-IN" sz="1100" dirty="0">
+                <a:solidFill>
+                  <a:schemeClr val="bg1">
+                    <a:lumMod val="85000"/>
+                  </a:schemeClr>
+                </a:solidFill>
+                <a:latin typeface="Calibri" panose="020F0502020204030204" pitchFamily="34" charset="0"/>
+                <a:cs typeface="Mangal" panose="02040503050203030202" pitchFamily="18" charset="0"/>
+                <a:hlinkClick r:id="rId14">
+                  <a:extLst>
+                    <a:ext uri="{A12FA001-AC4F-418D-AE19-62706E023703}">
+                      <ahyp:hlinkClr xmlns:ahyp="http://schemas.microsoft.com/office/drawing/2018/hyperlinkcolor" val="tx"/>
+                    </a:ext>
+                  </a:extLst>
+                </a:hlinkClick>
+              </a:rPr>
+              <a:t>Computationally efficient contract for calculating on-chain average token price for DeFi protocols</a:t>
+            </a:r>
+            <a:r>
+              <a:rPr lang="en-IN" sz="1100" dirty="0">
+                <a:solidFill>
+                  <a:schemeClr val="bg1">
+                    <a:lumMod val="85000"/>
+                  </a:schemeClr>
+                </a:solidFill>
+                <a:latin typeface="Calibri" panose="020F0502020204030204" pitchFamily="34" charset="0"/>
+                <a:cs typeface="Mangal" panose="02040503050203030202" pitchFamily="18" charset="0"/>
+              </a:rPr>
+              <a:t> for EVM Blockchains.</a:t>
+            </a:r>
+          </a:p>
+          <a:p>
+            <a:pPr marL="342900" marR="0" lvl="0" indent="-342900" algn="just">
+              <a:lnSpc>
+                <a:spcPct val="115000"/>
+              </a:lnSpc>
+              <a:spcBef>
+                <a:spcPts val="0"/>
+              </a:spcBef>
+              <a:spcAft>
+                <a:spcPts val="600"/>
+              </a:spcAft>
+              <a:buFont typeface="Symbol" panose="05050102010706020507" pitchFamily="18" charset="2"/>
+              <a:buChar char=""/>
+            </a:pPr>
+            <a:r>
+              <a:rPr lang="en-IN" sz="1100" dirty="0">
+                <a:solidFill>
+                  <a:schemeClr val="bg1">
+                    <a:lumMod val="85000"/>
+                  </a:schemeClr>
+                </a:solidFill>
+                <a:latin typeface="Calibri" panose="020F0502020204030204" pitchFamily="34" charset="0"/>
+                <a:cs typeface="Mangal" panose="02040503050203030202" pitchFamily="18" charset="0"/>
+              </a:rPr>
+              <a:t>Contributed to open-source projects – </a:t>
+            </a:r>
+            <a:r>
+              <a:rPr lang="en-IN" sz="1100" dirty="0">
+                <a:solidFill>
+                  <a:schemeClr val="bg1">
+                    <a:lumMod val="85000"/>
+                  </a:schemeClr>
+                </a:solidFill>
+                <a:latin typeface="Calibri" panose="020F0502020204030204" pitchFamily="34" charset="0"/>
+                <a:cs typeface="Mangal" panose="02040503050203030202" pitchFamily="18" charset="0"/>
+                <a:hlinkClick r:id="rId15">
+                  <a:extLst>
+                    <a:ext uri="{A12FA001-AC4F-418D-AE19-62706E023703}">
+                      <ahyp:hlinkClr xmlns:ahyp="http://schemas.microsoft.com/office/drawing/2018/hyperlinkcolor" val="tx"/>
+                    </a:ext>
+                  </a:extLst>
+                </a:hlinkClick>
+              </a:rPr>
+              <a:t>OpenZeppelin</a:t>
+            </a:r>
+            <a:r>
+              <a:rPr lang="en-IN" sz="1100" dirty="0">
+                <a:solidFill>
+                  <a:schemeClr val="bg1">
+                    <a:lumMod val="85000"/>
+                  </a:schemeClr>
+                </a:solidFill>
+                <a:latin typeface="Calibri" panose="020F0502020204030204" pitchFamily="34" charset="0"/>
+                <a:cs typeface="Mangal" panose="02040503050203030202" pitchFamily="18" charset="0"/>
+              </a:rPr>
+              <a:t>, </a:t>
+            </a:r>
+            <a:r>
+              <a:rPr lang="en-IN" sz="1100" dirty="0">
+                <a:solidFill>
+                  <a:schemeClr val="bg1">
+                    <a:lumMod val="85000"/>
+                  </a:schemeClr>
+                </a:solidFill>
+                <a:latin typeface="Calibri" panose="020F0502020204030204" pitchFamily="34" charset="0"/>
+                <a:cs typeface="Mangal" panose="02040503050203030202" pitchFamily="18" charset="0"/>
+                <a:hlinkClick r:id="rId16">
+                  <a:extLst>
+                    <a:ext uri="{A12FA001-AC4F-418D-AE19-62706E023703}">
+                      <ahyp:hlinkClr xmlns:ahyp="http://schemas.microsoft.com/office/drawing/2018/hyperlinkcolor" val="tx"/>
+                    </a:ext>
+                  </a:extLst>
+                </a:hlinkClick>
+              </a:rPr>
+              <a:t>Uniswap v2</a:t>
+            </a:r>
+            <a:r>
+              <a:rPr lang="en-IN" sz="1100" dirty="0">
+                <a:solidFill>
+                  <a:schemeClr val="bg1">
+                    <a:lumMod val="85000"/>
+                  </a:schemeClr>
+                </a:solidFill>
+                <a:latin typeface="Calibri" panose="020F0502020204030204" pitchFamily="34" charset="0"/>
+                <a:cs typeface="Mangal" panose="02040503050203030202" pitchFamily="18" charset="0"/>
+              </a:rPr>
+              <a:t>.</a:t>
+            </a:r>
+          </a:p>
+          <a:p>
+            <a:pPr marL="342900" indent="-342900" algn="just">
+              <a:lnSpc>
+                <a:spcPct val="115000"/>
+              </a:lnSpc>
+              <a:spcAft>
+                <a:spcPts val="600"/>
+              </a:spcAft>
+              <a:buFont typeface="Symbol" panose="05050102010706020507" pitchFamily="18" charset="2"/>
+              <a:buChar char=""/>
+            </a:pPr>
+            <a:r>
+              <a:rPr lang="en-IN" sz="1100" dirty="0">
+                <a:solidFill>
+                  <a:schemeClr val="bg1">
+                    <a:lumMod val="85000"/>
+                  </a:schemeClr>
+                </a:solidFill>
+                <a:latin typeface="Calibri" panose="020F0502020204030204" pitchFamily="34" charset="0"/>
+                <a:cs typeface="Mangal" panose="02040503050203030202" pitchFamily="18" charset="0"/>
+              </a:rPr>
+              <a:t>Also worked on Cross-chain Bridge for implementation of </a:t>
+            </a:r>
+            <a:r>
+              <a:rPr lang="en-IN" sz="1100" dirty="0">
+                <a:solidFill>
+                  <a:schemeClr val="bg1">
+                    <a:lumMod val="85000"/>
+                  </a:schemeClr>
+                </a:solidFill>
+                <a:latin typeface="Calibri" panose="020F0502020204030204" pitchFamily="34" charset="0"/>
+                <a:cs typeface="Mangal" panose="02040503050203030202" pitchFamily="18" charset="0"/>
+                <a:hlinkClick r:id="rId17">
+                  <a:extLst>
+                    <a:ext uri="{A12FA001-AC4F-418D-AE19-62706E023703}">
+                      <ahyp:hlinkClr xmlns:ahyp="http://schemas.microsoft.com/office/drawing/2018/hyperlinkcolor" val="tx"/>
+                    </a:ext>
+                  </a:extLst>
+                </a:hlinkClick>
+              </a:rPr>
+              <a:t>token</a:t>
+            </a:r>
+            <a:r>
+              <a:rPr lang="en-IN" sz="1100" dirty="0">
+                <a:solidFill>
+                  <a:schemeClr val="bg1">
+                    <a:lumMod val="85000"/>
+                  </a:schemeClr>
+                </a:solidFill>
+                <a:latin typeface="Calibri" panose="020F0502020204030204" pitchFamily="34" charset="0"/>
+                <a:cs typeface="Mangal" panose="02040503050203030202" pitchFamily="18" charset="0"/>
+              </a:rPr>
+              <a:t> &amp; vesting (</a:t>
+            </a:r>
+            <a:r>
+              <a:rPr lang="en-IN" sz="1100" dirty="0">
+                <a:solidFill>
+                  <a:schemeClr val="bg1">
+                    <a:lumMod val="85000"/>
+                  </a:schemeClr>
+                </a:solidFill>
+                <a:latin typeface="Calibri" panose="020F0502020204030204" pitchFamily="34" charset="0"/>
+                <a:cs typeface="Mangal" panose="02040503050203030202" pitchFamily="18" charset="0"/>
+                <a:hlinkClick r:id="rId18">
+                  <a:extLst>
+                    <a:ext uri="{A12FA001-AC4F-418D-AE19-62706E023703}">
+                      <ahyp:hlinkClr xmlns:ahyp="http://schemas.microsoft.com/office/drawing/2018/hyperlinkcolor" val="tx"/>
+                    </a:ext>
+                  </a:extLst>
+                </a:hlinkClick>
+              </a:rPr>
+              <a:t>single</a:t>
+            </a:r>
+            <a:r>
+              <a:rPr lang="en-IN" sz="1100" dirty="0">
+                <a:solidFill>
+                  <a:schemeClr val="bg1">
+                    <a:lumMod val="85000"/>
+                  </a:schemeClr>
+                </a:solidFill>
+                <a:latin typeface="Calibri" panose="020F0502020204030204" pitchFamily="34" charset="0"/>
+                <a:cs typeface="Mangal" panose="02040503050203030202" pitchFamily="18" charset="0"/>
+              </a:rPr>
+              <a:t>, </a:t>
+            </a:r>
+            <a:r>
+              <a:rPr lang="en-IN" sz="1100" dirty="0">
+                <a:solidFill>
+                  <a:schemeClr val="bg1">
+                    <a:lumMod val="85000"/>
+                  </a:schemeClr>
+                </a:solidFill>
+                <a:latin typeface="Calibri" panose="020F0502020204030204" pitchFamily="34" charset="0"/>
+                <a:cs typeface="Mangal" panose="02040503050203030202" pitchFamily="18" charset="0"/>
+                <a:hlinkClick r:id="rId19">
+                  <a:extLst>
+                    <a:ext uri="{A12FA001-AC4F-418D-AE19-62706E023703}">
+                      <ahyp:hlinkClr xmlns:ahyp="http://schemas.microsoft.com/office/drawing/2018/hyperlinkcolor" val="tx"/>
+                    </a:ext>
+                  </a:extLst>
+                </a:hlinkClick>
+              </a:rPr>
+              <a:t>multiple</a:t>
+            </a:r>
+            <a:r>
+              <a:rPr lang="en-IN" sz="1100" dirty="0">
+                <a:solidFill>
+                  <a:schemeClr val="bg1">
+                    <a:lumMod val="85000"/>
+                  </a:schemeClr>
+                </a:solidFill>
+                <a:latin typeface="Calibri" panose="020F0502020204030204" pitchFamily="34" charset="0"/>
+                <a:cs typeface="Mangal" panose="02040503050203030202" pitchFamily="18" charset="0"/>
+              </a:rPr>
+              <a:t>) contracts with </a:t>
+            </a:r>
+            <a:r>
+              <a:rPr lang="en-IN" sz="1100" dirty="0" err="1">
+                <a:solidFill>
+                  <a:schemeClr val="bg1">
+                    <a:lumMod val="85000"/>
+                  </a:schemeClr>
+                </a:solidFill>
+                <a:latin typeface="Calibri" panose="020F0502020204030204" pitchFamily="34" charset="0"/>
+                <a:cs typeface="Mangal" panose="02040503050203030202" pitchFamily="18" charset="0"/>
+              </a:rPr>
+              <a:t>timelock</a:t>
+            </a:r>
+            <a:r>
+              <a:rPr lang="en-IN" sz="1100" dirty="0">
+                <a:solidFill>
+                  <a:schemeClr val="bg1">
+                    <a:lumMod val="85000"/>
+                  </a:schemeClr>
+                </a:solidFill>
+                <a:latin typeface="Calibri" panose="020F0502020204030204" pitchFamily="34" charset="0"/>
+                <a:cs typeface="Mangal" panose="02040503050203030202" pitchFamily="18" charset="0"/>
+              </a:rPr>
+              <a:t> functionality for the tokens transferred from DEX during swap.</a:t>
+            </a:r>
+          </a:p>
+          <a:p>
+            <a:pPr marL="342900" indent="-342900" algn="just">
+              <a:lnSpc>
+                <a:spcPct val="115000"/>
+              </a:lnSpc>
+              <a:spcAft>
+                <a:spcPts val="600"/>
+              </a:spcAft>
+              <a:buFont typeface="Symbol" panose="05050102010706020507" pitchFamily="18" charset="2"/>
+              <a:buChar char=""/>
+            </a:pPr>
+            <a:r>
+              <a:rPr lang="en-IN" sz="1100" dirty="0">
+                <a:solidFill>
+                  <a:schemeClr val="bg1">
+                    <a:lumMod val="85000"/>
+                  </a:schemeClr>
+                </a:solidFill>
+                <a:latin typeface="Calibri" panose="020F0502020204030204" pitchFamily="34" charset="0"/>
+                <a:cs typeface="Mangal" panose="02040503050203030202" pitchFamily="18" charset="0"/>
+              </a:rPr>
+              <a:t>Other than writing contracts, I am experienced with Unit testing, Deployment, Flattening, Verification, Get contract size of smart contracts using Hardhat, Truffle with </a:t>
+            </a:r>
+            <a:r>
+              <a:rPr lang="en-IN" sz="1100" dirty="0" err="1">
+                <a:solidFill>
+                  <a:schemeClr val="bg1">
+                    <a:lumMod val="85000"/>
+                  </a:schemeClr>
+                </a:solidFill>
+                <a:latin typeface="Calibri" panose="020F0502020204030204" pitchFamily="34" charset="0"/>
+                <a:cs typeface="Mangal" panose="02040503050203030202" pitchFamily="18" charset="0"/>
+              </a:rPr>
+              <a:t>Javascript</a:t>
+            </a:r>
+            <a:r>
+              <a:rPr lang="en-IN" sz="1100" dirty="0">
+                <a:solidFill>
+                  <a:schemeClr val="bg1">
+                    <a:lumMod val="85000"/>
+                  </a:schemeClr>
+                </a:solidFill>
+                <a:latin typeface="Calibri" panose="020F0502020204030204" pitchFamily="34" charset="0"/>
+                <a:cs typeface="Mangal" panose="02040503050203030202" pitchFamily="18" charset="0"/>
+              </a:rPr>
+              <a:t> or Typescript. Also, familiar with Slither to find contract vulnerabilities and monitor the gas consumption for each contract methods.</a:t>
+            </a:r>
+          </a:p>
+          <a:p>
+            <a:pPr marL="342900" indent="-342900" algn="just">
+              <a:lnSpc>
+                <a:spcPct val="115000"/>
+              </a:lnSpc>
+              <a:spcAft>
+                <a:spcPts val="600"/>
+              </a:spcAft>
+              <a:buFont typeface="Symbol" panose="05050102010706020507" pitchFamily="18" charset="2"/>
+              <a:buChar char=""/>
+            </a:pPr>
+            <a:r>
+              <a:rPr lang="en-IN" sz="1100" dirty="0">
+                <a:solidFill>
+                  <a:schemeClr val="bg1">
+                    <a:lumMod val="85000"/>
+                  </a:schemeClr>
+                </a:solidFill>
+                <a:latin typeface="Calibri" panose="020F0502020204030204" pitchFamily="34" charset="0"/>
+                <a:cs typeface="Mangal" panose="02040503050203030202" pitchFamily="18" charset="0"/>
+              </a:rPr>
+              <a:t>Worked as Lead Blockchain Developer at </a:t>
+            </a:r>
+            <a:r>
+              <a:rPr lang="en-IN" sz="1100" dirty="0">
+                <a:solidFill>
+                  <a:schemeClr val="bg1">
+                    <a:lumMod val="85000"/>
+                  </a:schemeClr>
+                </a:solidFill>
+                <a:latin typeface="Calibri" panose="020F0502020204030204" pitchFamily="34" charset="0"/>
+                <a:cs typeface="Mangal" panose="02040503050203030202" pitchFamily="18" charset="0"/>
+                <a:hlinkClick r:id="rId20">
+                  <a:extLst>
+                    <a:ext uri="{A12FA001-AC4F-418D-AE19-62706E023703}">
+                      <ahyp:hlinkClr xmlns:ahyp="http://schemas.microsoft.com/office/drawing/2018/hyperlinkcolor" val="tx"/>
+                    </a:ext>
+                  </a:extLst>
+                </a:hlinkClick>
+              </a:rPr>
+              <a:t>Boot Finance</a:t>
+            </a:r>
+            <a:r>
+              <a:rPr lang="en-IN" sz="1100" dirty="0">
+                <a:solidFill>
+                  <a:schemeClr val="bg1">
+                    <a:lumMod val="85000"/>
+                  </a:schemeClr>
+                </a:solidFill>
+                <a:latin typeface="Calibri" panose="020F0502020204030204" pitchFamily="34" charset="0"/>
+                <a:cs typeface="Mangal" panose="02040503050203030202" pitchFamily="18" charset="0"/>
+              </a:rPr>
+              <a:t> on writing contracts for DEX, inspired from Curve, Saddle protocol with custom-swap AMM.</a:t>
+            </a:r>
+          </a:p>
+          <a:p>
+            <a:pPr marL="342900" indent="-342900" algn="just">
+              <a:lnSpc>
+                <a:spcPct val="115000"/>
+              </a:lnSpc>
+              <a:spcAft>
+                <a:spcPts val="600"/>
+              </a:spcAft>
+              <a:buFont typeface="Symbol" panose="05050102010706020507" pitchFamily="18" charset="2"/>
+              <a:buChar char=""/>
+            </a:pPr>
+            <a:r>
+              <a:rPr lang="en-IN" sz="1100" dirty="0">
+                <a:solidFill>
+                  <a:schemeClr val="bg1">
+                    <a:lumMod val="85000"/>
+                  </a:schemeClr>
+                </a:solidFill>
+                <a:latin typeface="Calibri" panose="020F0502020204030204" pitchFamily="34" charset="0"/>
+                <a:cs typeface="Mangal" panose="02040503050203030202" pitchFamily="18" charset="0"/>
+              </a:rPr>
+              <a:t>Designed &amp; Developed the Smart Contract System Design with </a:t>
+            </a:r>
+            <a:r>
+              <a:rPr lang="en-IN" sz="1100" dirty="0">
+                <a:solidFill>
+                  <a:schemeClr val="bg1">
+                    <a:lumMod val="85000"/>
+                  </a:schemeClr>
+                </a:solidFill>
+                <a:latin typeface="Calibri" panose="020F0502020204030204" pitchFamily="34" charset="0"/>
+                <a:cs typeface="Mangal" panose="02040503050203030202" pitchFamily="18" charset="0"/>
+                <a:hlinkClick r:id="rId21">
+                  <a:extLst>
+                    <a:ext uri="{A12FA001-AC4F-418D-AE19-62706E023703}">
+                      <ahyp:hlinkClr xmlns:ahyp="http://schemas.microsoft.com/office/drawing/2018/hyperlinkcolor" val="tx"/>
+                    </a:ext>
+                  </a:extLst>
+                </a:hlinkClick>
+              </a:rPr>
+              <a:t>suite of smart contracts</a:t>
+            </a:r>
+            <a:r>
+              <a:rPr lang="en-IN" sz="1100" dirty="0">
+                <a:solidFill>
+                  <a:schemeClr val="bg1">
+                    <a:lumMod val="85000"/>
+                  </a:schemeClr>
+                </a:solidFill>
+                <a:latin typeface="Calibri" panose="020F0502020204030204" pitchFamily="34" charset="0"/>
+                <a:cs typeface="Mangal" panose="02040503050203030202" pitchFamily="18" charset="0"/>
+              </a:rPr>
+              <a:t> for a Ride Sharing </a:t>
+            </a:r>
+            <a:r>
+              <a:rPr lang="en-IN" sz="1100" dirty="0" err="1">
+                <a:solidFill>
+                  <a:schemeClr val="bg1">
+                    <a:lumMod val="85000"/>
+                  </a:schemeClr>
+                </a:solidFill>
+                <a:latin typeface="Calibri" panose="020F0502020204030204" pitchFamily="34" charset="0"/>
+                <a:cs typeface="Mangal" panose="02040503050203030202" pitchFamily="18" charset="0"/>
+              </a:rPr>
+              <a:t>DApp</a:t>
+            </a:r>
+            <a:r>
+              <a:rPr lang="en-IN" sz="1100" dirty="0">
+                <a:solidFill>
+                  <a:schemeClr val="bg1">
+                    <a:lumMod val="85000"/>
+                  </a:schemeClr>
+                </a:solidFill>
+                <a:latin typeface="Calibri" panose="020F0502020204030204" pitchFamily="34" charset="0"/>
+                <a:cs typeface="Mangal" panose="02040503050203030202" pitchFamily="18" charset="0"/>
+              </a:rPr>
+              <a:t> – “TOE” and wrote the technical whitepaper at </a:t>
+            </a:r>
+            <a:r>
+              <a:rPr lang="en-IN" sz="1100" dirty="0">
+                <a:solidFill>
+                  <a:schemeClr val="bg1">
+                    <a:lumMod val="85000"/>
+                  </a:schemeClr>
+                </a:solidFill>
+                <a:latin typeface="Calibri" panose="020F0502020204030204" pitchFamily="34" charset="0"/>
+                <a:cs typeface="Mangal" panose="02040503050203030202" pitchFamily="18" charset="0"/>
+                <a:hlinkClick r:id="rId22">
+                  <a:extLst>
+                    <a:ext uri="{A12FA001-AC4F-418D-AE19-62706E023703}">
+                      <ahyp:hlinkClr xmlns:ahyp="http://schemas.microsoft.com/office/drawing/2018/hyperlinkcolor" val="tx"/>
+                    </a:ext>
+                  </a:extLst>
+                </a:hlinkClick>
+              </a:rPr>
+              <a:t>DRIFE</a:t>
+            </a:r>
+            <a:r>
+              <a:rPr lang="en-IN" sz="1100" dirty="0">
+                <a:solidFill>
+                  <a:schemeClr val="bg1">
+                    <a:lumMod val="85000"/>
+                  </a:schemeClr>
+                </a:solidFill>
+                <a:latin typeface="Calibri" panose="020F0502020204030204" pitchFamily="34" charset="0"/>
+                <a:cs typeface="Mangal" panose="02040503050203030202" pitchFamily="18" charset="0"/>
+              </a:rPr>
+              <a:t>. Also incorporated a ‘free Rides’ trading AMM based marketplace with all-time liquidity using </a:t>
+            </a:r>
+            <a:r>
+              <a:rPr lang="en-IN" sz="1100" dirty="0" err="1">
+                <a:solidFill>
+                  <a:schemeClr val="bg1">
+                    <a:lumMod val="85000"/>
+                  </a:schemeClr>
+                </a:solidFill>
+                <a:latin typeface="Calibri" panose="020F0502020204030204" pitchFamily="34" charset="0"/>
+                <a:cs typeface="Mangal" panose="02040503050203030202" pitchFamily="18" charset="0"/>
+              </a:rPr>
+              <a:t>DeFi’s</a:t>
+            </a:r>
+            <a:r>
+              <a:rPr lang="en-IN" sz="1100" dirty="0">
+                <a:solidFill>
+                  <a:schemeClr val="bg1">
+                    <a:lumMod val="85000"/>
+                  </a:schemeClr>
+                </a:solidFill>
+                <a:latin typeface="Calibri" panose="020F0502020204030204" pitchFamily="34" charset="0"/>
+                <a:cs typeface="Mangal" panose="02040503050203030202" pitchFamily="18" charset="0"/>
+              </a:rPr>
+              <a:t> </a:t>
+            </a:r>
+            <a:r>
+              <a:rPr lang="en-IN" sz="1100" dirty="0" err="1">
+                <a:solidFill>
+                  <a:schemeClr val="bg1">
+                    <a:lumMod val="85000"/>
+                  </a:schemeClr>
+                </a:solidFill>
+                <a:latin typeface="Calibri" panose="020F0502020204030204" pitchFamily="34" charset="0"/>
+                <a:cs typeface="Mangal" panose="02040503050203030202" pitchFamily="18" charset="0"/>
+              </a:rPr>
+              <a:t>Bancor</a:t>
+            </a:r>
+            <a:r>
+              <a:rPr lang="en-IN" sz="1100" dirty="0">
+                <a:solidFill>
+                  <a:schemeClr val="bg1">
+                    <a:lumMod val="85000"/>
+                  </a:schemeClr>
+                </a:solidFill>
+                <a:latin typeface="Calibri" panose="020F0502020204030204" pitchFamily="34" charset="0"/>
+                <a:cs typeface="Mangal" panose="02040503050203030202" pitchFamily="18" charset="0"/>
+              </a:rPr>
+              <a:t> Algorithm.</a:t>
+            </a:r>
+            <a:endParaRPr lang="en-US" sz="1100" dirty="0">
+              <a:solidFill>
+                <a:schemeClr val="bg1">
+                  <a:lumMod val="85000"/>
+                </a:schemeClr>
+              </a:solidFill>
+              <a:latin typeface="Calibri" panose="020F0502020204030204" pitchFamily="34" charset="0"/>
+              <a:cs typeface="Mangal" panose="02040503050203030202" pitchFamily="18" charset="0"/>
+            </a:endParaRPr>
+          </a:p>
+          <a:p>
+            <a:pPr marL="342900" indent="-342900" algn="just">
+              <a:lnSpc>
+                <a:spcPct val="115000"/>
+              </a:lnSpc>
+              <a:spcAft>
+                <a:spcPts val="600"/>
+              </a:spcAft>
+              <a:buFont typeface="Symbol" panose="05050102010706020507" pitchFamily="18" charset="2"/>
+              <a:buChar char=""/>
+            </a:pPr>
+            <a:r>
+              <a:rPr lang="en-IN" sz="1100" dirty="0">
+                <a:solidFill>
+                  <a:schemeClr val="bg1">
+                    <a:lumMod val="85000"/>
+                  </a:schemeClr>
+                </a:solidFill>
+                <a:latin typeface="Calibri" panose="020F0502020204030204" pitchFamily="34" charset="0"/>
+                <a:cs typeface="Mangal" panose="02040503050203030202" pitchFamily="18" charset="0"/>
+              </a:rPr>
+              <a:t>Worked on a </a:t>
+            </a:r>
+            <a:r>
+              <a:rPr lang="en-IN" sz="1100" dirty="0">
+                <a:solidFill>
+                  <a:schemeClr val="bg1">
+                    <a:lumMod val="85000"/>
+                  </a:schemeClr>
+                </a:solidFill>
+                <a:latin typeface="Calibri" panose="020F0502020204030204" pitchFamily="34" charset="0"/>
+                <a:cs typeface="Mangal" panose="02040503050203030202" pitchFamily="18" charset="0"/>
+                <a:hlinkClick r:id="rId23">
+                  <a:extLst>
+                    <a:ext uri="{A12FA001-AC4F-418D-AE19-62706E023703}">
+                      <ahyp:hlinkClr xmlns:ahyp="http://schemas.microsoft.com/office/drawing/2018/hyperlinkcolor" val="tx"/>
+                    </a:ext>
+                  </a:extLst>
+                </a:hlinkClick>
+              </a:rPr>
+              <a:t>smart contract</a:t>
+            </a:r>
+            <a:r>
+              <a:rPr lang="en-IN" sz="1100" dirty="0">
+                <a:solidFill>
+                  <a:schemeClr val="bg1">
+                    <a:lumMod val="85000"/>
+                  </a:schemeClr>
+                </a:solidFill>
+                <a:latin typeface="Calibri" panose="020F0502020204030204" pitchFamily="34" charset="0"/>
+                <a:cs typeface="Mangal" panose="02040503050203030202" pitchFamily="18" charset="0"/>
+              </a:rPr>
+              <a:t> for a project “Providing a digital identity for parks to enable humans to interact with and take care of them” in SNI Hackathon.</a:t>
+            </a:r>
+          </a:p>
+          <a:p>
+            <a:pPr marL="342900" indent="-342900" algn="just">
+              <a:lnSpc>
+                <a:spcPct val="115000"/>
+              </a:lnSpc>
+              <a:spcAft>
+                <a:spcPts val="600"/>
+              </a:spcAft>
+              <a:buFont typeface="Symbol" panose="05050102010706020507" pitchFamily="18" charset="2"/>
+              <a:buChar char=""/>
+            </a:pPr>
+            <a:r>
+              <a:rPr lang="en-IN" sz="1100" dirty="0">
+                <a:solidFill>
+                  <a:schemeClr val="bg1">
+                    <a:lumMod val="85000"/>
+                  </a:schemeClr>
+                </a:solidFill>
+                <a:latin typeface="Calibri" panose="020F0502020204030204" pitchFamily="34" charset="0"/>
+                <a:cs typeface="Mangal" panose="02040503050203030202" pitchFamily="18" charset="0"/>
+              </a:rPr>
+              <a:t>Built </a:t>
+            </a:r>
+            <a:r>
+              <a:rPr lang="en-IN" sz="1100" dirty="0">
+                <a:solidFill>
+                  <a:schemeClr val="bg1">
+                    <a:lumMod val="85000"/>
+                  </a:schemeClr>
+                </a:solidFill>
+                <a:latin typeface="Calibri" panose="020F0502020204030204" pitchFamily="34" charset="0"/>
+                <a:cs typeface="Mangal" panose="02040503050203030202" pitchFamily="18" charset="0"/>
+                <a:hlinkClick r:id="rId24">
+                  <a:extLst>
+                    <a:ext uri="{A12FA001-AC4F-418D-AE19-62706E023703}">
+                      <ahyp:hlinkClr xmlns:ahyp="http://schemas.microsoft.com/office/drawing/2018/hyperlinkcolor" val="tx"/>
+                    </a:ext>
+                  </a:extLst>
+                </a:hlinkClick>
+              </a:rPr>
+              <a:t>Escrow</a:t>
+            </a:r>
+            <a:r>
+              <a:rPr lang="en-IN" sz="1100" dirty="0">
+                <a:solidFill>
+                  <a:schemeClr val="bg1">
+                    <a:lumMod val="85000"/>
+                  </a:schemeClr>
+                </a:solidFill>
+                <a:latin typeface="Calibri" panose="020F0502020204030204" pitchFamily="34" charset="0"/>
+                <a:cs typeface="Mangal" panose="02040503050203030202" pitchFamily="18" charset="0"/>
+              </a:rPr>
+              <a:t>, </a:t>
+            </a:r>
+            <a:r>
+              <a:rPr lang="en-IN" sz="1100" dirty="0">
+                <a:solidFill>
+                  <a:schemeClr val="bg1">
+                    <a:lumMod val="85000"/>
+                  </a:schemeClr>
+                </a:solidFill>
+                <a:latin typeface="Calibri" panose="020F0502020204030204" pitchFamily="34" charset="0"/>
+                <a:cs typeface="Mangal" panose="02040503050203030202" pitchFamily="18" charset="0"/>
+                <a:hlinkClick r:id="rId25">
+                  <a:extLst>
+                    <a:ext uri="{A12FA001-AC4F-418D-AE19-62706E023703}">
+                      <ahyp:hlinkClr xmlns:ahyp="http://schemas.microsoft.com/office/drawing/2018/hyperlinkcolor" val="tx"/>
+                    </a:ext>
+                  </a:extLst>
+                </a:hlinkClick>
+              </a:rPr>
+              <a:t>Game</a:t>
+            </a:r>
+            <a:r>
+              <a:rPr lang="en-IN" sz="1100" dirty="0">
+                <a:solidFill>
+                  <a:schemeClr val="bg1">
+                    <a:lumMod val="85000"/>
+                  </a:schemeClr>
+                </a:solidFill>
+                <a:latin typeface="Calibri" panose="020F0502020204030204" pitchFamily="34" charset="0"/>
+                <a:cs typeface="Mangal" panose="02040503050203030202" pitchFamily="18" charset="0"/>
+              </a:rPr>
+              <a:t> contracts (featured with Oracle RNG service for end result) along with the architecture developed for a Betting Game – ‘</a:t>
+            </a:r>
+            <a:r>
+              <a:rPr lang="en-IN" sz="1100" dirty="0">
+                <a:solidFill>
+                  <a:schemeClr val="bg1">
+                    <a:lumMod val="85000"/>
+                  </a:schemeClr>
+                </a:solidFill>
+                <a:latin typeface="Calibri" panose="020F0502020204030204" pitchFamily="34" charset="0"/>
+                <a:cs typeface="Mangal" panose="02040503050203030202" pitchFamily="18" charset="0"/>
+                <a:hlinkClick r:id="rId26">
+                  <a:extLst>
+                    <a:ext uri="{A12FA001-AC4F-418D-AE19-62706E023703}">
+                      <ahyp:hlinkClr xmlns:ahyp="http://schemas.microsoft.com/office/drawing/2018/hyperlinkcolor" val="tx"/>
+                    </a:ext>
+                  </a:extLst>
+                </a:hlinkClick>
+              </a:rPr>
+              <a:t>GPK.Battles</a:t>
+            </a:r>
+            <a:r>
+              <a:rPr lang="en-IN" sz="1100" dirty="0">
+                <a:solidFill>
+                  <a:schemeClr val="bg1">
+                    <a:lumMod val="85000"/>
+                  </a:schemeClr>
+                </a:solidFill>
+                <a:latin typeface="Calibri" panose="020F0502020204030204" pitchFamily="34" charset="0"/>
+                <a:cs typeface="Mangal" panose="02040503050203030202" pitchFamily="18" charset="0"/>
+              </a:rPr>
+              <a:t>’ on WAX Blockchain.</a:t>
+            </a:r>
+          </a:p>
+          <a:p>
+            <a:pPr marL="342900" marR="0" lvl="0" indent="-342900" algn="just">
+              <a:lnSpc>
+                <a:spcPct val="115000"/>
+              </a:lnSpc>
+              <a:spcBef>
+                <a:spcPts val="0"/>
+              </a:spcBef>
+              <a:spcAft>
+                <a:spcPts val="600"/>
+              </a:spcAft>
+              <a:buFont typeface="Symbol" panose="05050102010706020507" pitchFamily="18" charset="2"/>
+              <a:buChar char=""/>
+            </a:pPr>
+            <a:r>
+              <a:rPr lang="en-IN" sz="1100" dirty="0">
+                <a:solidFill>
+                  <a:schemeClr val="bg1">
+                    <a:lumMod val="85000"/>
+                  </a:schemeClr>
+                </a:solidFill>
+                <a:latin typeface="Calibri" panose="020F0502020204030204" pitchFamily="34" charset="0"/>
+                <a:cs typeface="Mangal" panose="02040503050203030202" pitchFamily="18" charset="0"/>
+              </a:rPr>
+              <a:t>Built contracts – ICO (</a:t>
+            </a:r>
+            <a:r>
+              <a:rPr lang="en-IN" sz="1100" dirty="0">
+                <a:solidFill>
+                  <a:schemeClr val="bg1">
+                    <a:lumMod val="85000"/>
+                  </a:schemeClr>
+                </a:solidFill>
+                <a:latin typeface="Calibri" panose="020F0502020204030204" pitchFamily="34" charset="0"/>
+                <a:cs typeface="Mangal" panose="02040503050203030202" pitchFamily="18" charset="0"/>
+                <a:hlinkClick r:id="rId27">
+                  <a:extLst>
+                    <a:ext uri="{A12FA001-AC4F-418D-AE19-62706E023703}">
+                      <ahyp:hlinkClr xmlns:ahyp="http://schemas.microsoft.com/office/drawing/2018/hyperlinkcolor" val="tx"/>
+                    </a:ext>
+                  </a:extLst>
+                </a:hlinkClick>
+              </a:rPr>
+              <a:t>single</a:t>
+            </a:r>
+            <a:r>
+              <a:rPr lang="en-IN" sz="1100" dirty="0">
+                <a:solidFill>
+                  <a:schemeClr val="bg1">
+                    <a:lumMod val="85000"/>
+                  </a:schemeClr>
+                </a:solidFill>
+                <a:latin typeface="Calibri" panose="020F0502020204030204" pitchFamily="34" charset="0"/>
+                <a:cs typeface="Mangal" panose="02040503050203030202" pitchFamily="18" charset="0"/>
+              </a:rPr>
+              <a:t>, </a:t>
+            </a:r>
+            <a:r>
+              <a:rPr lang="en-IN" sz="1100" dirty="0">
+                <a:solidFill>
+                  <a:schemeClr val="bg1">
+                    <a:lumMod val="85000"/>
+                  </a:schemeClr>
+                </a:solidFill>
+                <a:latin typeface="Calibri" panose="020F0502020204030204" pitchFamily="34" charset="0"/>
+                <a:cs typeface="Mangal" panose="02040503050203030202" pitchFamily="18" charset="0"/>
+                <a:hlinkClick r:id="rId28">
+                  <a:extLst>
+                    <a:ext uri="{A12FA001-AC4F-418D-AE19-62706E023703}">
+                      <ahyp:hlinkClr xmlns:ahyp="http://schemas.microsoft.com/office/drawing/2018/hyperlinkcolor" val="tx"/>
+                    </a:ext>
+                  </a:extLst>
+                </a:hlinkClick>
+              </a:rPr>
+              <a:t>multi</a:t>
+            </a:r>
+            <a:r>
+              <a:rPr lang="en-IN" sz="1100" dirty="0">
+                <a:solidFill>
+                  <a:schemeClr val="bg1">
+                    <a:lumMod val="85000"/>
+                  </a:schemeClr>
+                </a:solidFill>
+                <a:latin typeface="Calibri" panose="020F0502020204030204" pitchFamily="34" charset="0"/>
+                <a:cs typeface="Mangal" panose="02040503050203030202" pitchFamily="18" charset="0"/>
+              </a:rPr>
+              <a:t> phase), </a:t>
+            </a:r>
+            <a:r>
+              <a:rPr lang="en-IN" sz="1100" dirty="0">
+                <a:solidFill>
+                  <a:schemeClr val="bg1">
+                    <a:lumMod val="85000"/>
+                  </a:schemeClr>
+                </a:solidFill>
+                <a:latin typeface="Calibri" panose="020F0502020204030204" pitchFamily="34" charset="0"/>
+                <a:cs typeface="Mangal" panose="02040503050203030202" pitchFamily="18" charset="0"/>
+                <a:hlinkClick r:id="rId29">
+                  <a:extLst>
+                    <a:ext uri="{A12FA001-AC4F-418D-AE19-62706E023703}">
+                      <ahyp:hlinkClr xmlns:ahyp="http://schemas.microsoft.com/office/drawing/2018/hyperlinkcolor" val="tx"/>
+                    </a:ext>
+                  </a:extLst>
+                </a:hlinkClick>
+              </a:rPr>
+              <a:t>Staking</a:t>
+            </a:r>
+            <a:r>
+              <a:rPr lang="en-IN" sz="1100" dirty="0">
+                <a:solidFill>
+                  <a:schemeClr val="bg1">
+                    <a:lumMod val="85000"/>
+                  </a:schemeClr>
+                </a:solidFill>
+                <a:latin typeface="Calibri" panose="020F0502020204030204" pitchFamily="34" charset="0"/>
+                <a:cs typeface="Mangal" panose="02040503050203030202" pitchFamily="18" charset="0"/>
+              </a:rPr>
+              <a:t>, </a:t>
+            </a:r>
+            <a:r>
+              <a:rPr lang="en-IN" sz="1100" dirty="0">
+                <a:solidFill>
+                  <a:schemeClr val="bg1">
+                    <a:lumMod val="85000"/>
+                  </a:schemeClr>
+                </a:solidFill>
+                <a:latin typeface="Calibri" panose="020F0502020204030204" pitchFamily="34" charset="0"/>
+                <a:cs typeface="Mangal" panose="02040503050203030202" pitchFamily="18" charset="0"/>
+                <a:hlinkClick r:id="rId30">
+                  <a:extLst>
+                    <a:ext uri="{A12FA001-AC4F-418D-AE19-62706E023703}">
+                      <ahyp:hlinkClr xmlns:ahyp="http://schemas.microsoft.com/office/drawing/2018/hyperlinkcolor" val="tx"/>
+                    </a:ext>
+                  </a:extLst>
+                </a:hlinkClick>
+              </a:rPr>
+              <a:t>Token</a:t>
+            </a:r>
+            <a:r>
+              <a:rPr lang="en-IN" sz="1100" dirty="0">
+                <a:solidFill>
+                  <a:schemeClr val="bg1">
+                    <a:lumMod val="85000"/>
+                  </a:schemeClr>
+                </a:solidFill>
+                <a:latin typeface="Calibri" panose="020F0502020204030204" pitchFamily="34" charset="0"/>
+                <a:cs typeface="Mangal" panose="02040503050203030202" pitchFamily="18" charset="0"/>
+              </a:rPr>
+              <a:t> for EOSIO Blockchains.</a:t>
+            </a:r>
+          </a:p>
+          <a:p>
+            <a:pPr marL="342900" indent="-342900" algn="just">
+              <a:lnSpc>
+                <a:spcPct val="115000"/>
+              </a:lnSpc>
+              <a:spcAft>
+                <a:spcPts val="600"/>
+              </a:spcAft>
+              <a:buFont typeface="Symbol" panose="05050102010706020507" pitchFamily="18" charset="2"/>
+              <a:buChar char=""/>
+            </a:pPr>
+            <a:r>
+              <a:rPr lang="en-IN" sz="1100" dirty="0">
+                <a:solidFill>
+                  <a:schemeClr val="bg1">
+                    <a:lumMod val="85000"/>
+                  </a:schemeClr>
+                </a:solidFill>
+                <a:latin typeface="Calibri" panose="020F0502020204030204" pitchFamily="34" charset="0"/>
+                <a:cs typeface="Mangal" panose="02040503050203030202" pitchFamily="18" charset="0"/>
+              </a:rPr>
+              <a:t>Contributed to documentation titled – “</a:t>
+            </a:r>
+            <a:r>
+              <a:rPr lang="en-IN" sz="1100" dirty="0">
+                <a:solidFill>
+                  <a:schemeClr val="bg1">
+                    <a:lumMod val="85000"/>
+                  </a:schemeClr>
+                </a:solidFill>
+                <a:latin typeface="Calibri" panose="020F0502020204030204" pitchFamily="34" charset="0"/>
+                <a:cs typeface="Mangal" panose="02040503050203030202" pitchFamily="18" charset="0"/>
+                <a:hlinkClick r:id="rId31">
+                  <a:extLst>
+                    <a:ext uri="{A12FA001-AC4F-418D-AE19-62706E023703}">
+                      <ahyp:hlinkClr xmlns:ahyp="http://schemas.microsoft.com/office/drawing/2018/hyperlinkcolor" val="tx"/>
+                    </a:ext>
+                  </a:extLst>
+                </a:hlinkClick>
+              </a:rPr>
+              <a:t>Setting up Telos Validator Nodes</a:t>
+            </a:r>
+            <a:r>
+              <a:rPr lang="en-IN" sz="1100" dirty="0">
+                <a:solidFill>
+                  <a:schemeClr val="bg1">
+                    <a:lumMod val="85000"/>
+                  </a:schemeClr>
+                </a:solidFill>
+                <a:latin typeface="Calibri" panose="020F0502020204030204" pitchFamily="34" charset="0"/>
+                <a:cs typeface="Mangal" panose="02040503050203030202" pitchFamily="18" charset="0"/>
+              </a:rPr>
+              <a:t>”</a:t>
+            </a:r>
+            <a:r>
+              <a:rPr lang="en-US" sz="1100" dirty="0">
+                <a:solidFill>
+                  <a:schemeClr val="bg1">
+                    <a:lumMod val="85000"/>
+                  </a:schemeClr>
+                </a:solidFill>
+                <a:latin typeface="Calibri" panose="020F0502020204030204" pitchFamily="34" charset="0"/>
+                <a:cs typeface="Mangal" panose="02040503050203030202" pitchFamily="18" charset="0"/>
+              </a:rPr>
+              <a:t> </a:t>
+            </a:r>
+            <a:r>
+              <a:rPr lang="en-IN" sz="1100" dirty="0">
+                <a:solidFill>
+                  <a:schemeClr val="bg1">
+                    <a:lumMod val="85000"/>
+                  </a:schemeClr>
+                </a:solidFill>
+                <a:latin typeface="Calibri" panose="020F0502020204030204" pitchFamily="34" charset="0"/>
+                <a:cs typeface="Mangal" panose="02040503050203030202" pitchFamily="18" charset="0"/>
+              </a:rPr>
+              <a:t>for Validators for the Telos  (EOSIO) Blockchain.</a:t>
+            </a:r>
+          </a:p>
+        </p:txBody>
+      </p:sp>
     </p:spTree>
     <p:extLst>
       <p:ext uri="{BB962C8B-B14F-4D97-AF65-F5344CB8AC3E}">
@@ -17113,8 +18605,8 @@
         </p:nvSpPr>
         <p:spPr>
           <a:xfrm>
-            <a:off x="375920" y="4016881"/>
-            <a:ext cx="1340002" cy="338554"/>
+            <a:off x="280656" y="4840690"/>
+            <a:ext cx="1434029" cy="338554"/>
           </a:xfrm>
           <a:prstGeom prst="rect">
             <a:avLst/>
@@ -17134,7 +18626,7 @@
           <a:p>
             <a:pPr algn="ctr"/>
             <a:r>
-              <a:rPr lang="en-US" sz="1600" dirty="0"/>
+              <a:rPr lang="en-US" sz="1600" b="1" dirty="0"/>
               <a:t>Data Science</a:t>
             </a:r>
           </a:p>
@@ -17154,7 +18646,7 @@
         </p:nvSpPr>
         <p:spPr>
           <a:xfrm>
-            <a:off x="365760" y="4726465"/>
+            <a:off x="365760" y="5292074"/>
             <a:ext cx="6126480" cy="3454857"/>
           </a:xfrm>
           <a:prstGeom prst="rect">
@@ -17185,9 +18677,7 @@
                     <a:lumMod val="85000"/>
                   </a:schemeClr>
                 </a:solidFill>
-                <a:effectLst/>
                 <a:latin typeface="Calibri" panose="020F0502020204030204" pitchFamily="34" charset="0"/>
-                <a:ea typeface="Calibri" panose="020F0502020204030204" pitchFamily="34" charset="0"/>
                 <a:cs typeface="Mangal" panose="02040503050203030202" pitchFamily="18" charset="0"/>
               </a:rPr>
               <a:t>Created a software called ‘</a:t>
@@ -17199,10 +18689,15 @@
                     <a:lumMod val="85000"/>
                   </a:schemeClr>
                 </a:solidFill>
-                <a:effectLst/>
                 <a:latin typeface="Calibri" panose="020F0502020204030204" pitchFamily="34" charset="0"/>
-                <a:ea typeface="Calibri" panose="020F0502020204030204" pitchFamily="34" charset="0"/>
                 <a:cs typeface="Mangal" panose="02040503050203030202" pitchFamily="18" charset="0"/>
+                <a:hlinkClick r:id="rId2">
+                  <a:extLst>
+                    <a:ext uri="{A12FA001-AC4F-418D-AE19-62706E023703}">
+                      <ahyp:hlinkClr xmlns:ahyp="http://schemas.microsoft.com/office/drawing/2018/hyperlinkcolor" val="tx"/>
+                    </a:ext>
+                  </a:extLst>
+                </a:hlinkClick>
               </a:rPr>
               <a:t>AutoPlot</a:t>
             </a:r>
@@ -17213,9 +18708,7 @@
                     <a:lumMod val="85000"/>
                   </a:schemeClr>
                 </a:solidFill>
-                <a:effectLst/>
                 <a:latin typeface="Calibri" panose="020F0502020204030204" pitchFamily="34" charset="0"/>
-                <a:ea typeface="Calibri" panose="020F0502020204030204" pitchFamily="34" charset="0"/>
                 <a:cs typeface="Mangal" panose="02040503050203030202" pitchFamily="18" charset="0"/>
               </a:rPr>
               <a:t>’ for generating interactive plots (with hovering feature) automatically from the big data maintained in Excel and reduced the time from 30 mins (earlier) to 3 seconds (now). Also, created a corresponding dashboard for data analytics on web browser. </a:t>
@@ -17240,10 +18733,9 @@
                   </a:schemeClr>
                 </a:solidFill>
                 <a:latin typeface="Calibri" panose="020F0502020204030204" pitchFamily="34" charset="0"/>
-                <a:ea typeface="Calibri" panose="020F0502020204030204" pitchFamily="34" charset="0"/>
                 <a:cs typeface="Mangal" panose="02040503050203030202" pitchFamily="18" charset="0"/>
               </a:rPr>
-              <a:t>Automatic rent agreements (Deposit Deduction, Rent Increase) generation for different tenants data (like name, </a:t>
+              <a:t>Automatic rent agreements (Deposit Deduction, Rent Increase) generation for different tenant's data (like name, </a:t>
             </a:r>
             <a:r>
               <a:rPr lang="en-IN" sz="1100" dirty="0" err="1">
@@ -17253,7 +18745,6 @@
                   </a:schemeClr>
                 </a:solidFill>
                 <a:latin typeface="Calibri" panose="020F0502020204030204" pitchFamily="34" charset="0"/>
-                <a:ea typeface="Calibri" panose="020F0502020204030204" pitchFamily="34" charset="0"/>
                 <a:cs typeface="Mangal" panose="02040503050203030202" pitchFamily="18" charset="0"/>
               </a:rPr>
               <a:t>startdate</a:t>
@@ -17266,7 +18757,6 @@
                   </a:schemeClr>
                 </a:solidFill>
                 <a:latin typeface="Calibri" panose="020F0502020204030204" pitchFamily="34" charset="0"/>
-                <a:ea typeface="Calibri" panose="020F0502020204030204" pitchFamily="34" charset="0"/>
                 <a:cs typeface="Mangal" panose="02040503050203030202" pitchFamily="18" charset="0"/>
               </a:rPr>
               <a:t>, address, postcode) from Excel data. </a:t>
@@ -17291,7 +18781,6 @@
                   </a:schemeClr>
                 </a:solidFill>
                 <a:latin typeface="Calibri" panose="020F0502020204030204" pitchFamily="34" charset="0"/>
-                <a:ea typeface="Calibri" panose="020F0502020204030204" pitchFamily="34" charset="0"/>
                 <a:cs typeface="Mangal" panose="02040503050203030202" pitchFamily="18" charset="0"/>
               </a:rPr>
               <a:t>Renaming thousands of files based on 5 parameters available inside the file at a particular directory.</a:t>
@@ -17313,7 +18802,6 @@
                   </a:schemeClr>
                 </a:solidFill>
                 <a:latin typeface="Calibri" panose="020F0502020204030204" pitchFamily="34" charset="0"/>
-                <a:ea typeface="Calibri" panose="020F0502020204030204" pitchFamily="34" charset="0"/>
                 <a:cs typeface="Mangal" panose="02040503050203030202" pitchFamily="18" charset="0"/>
               </a:rPr>
               <a:t>Extract a specific data from a file (format: </a:t>
@@ -17326,7 +18814,6 @@
                   </a:schemeClr>
                 </a:solidFill>
                 <a:latin typeface="Calibri" panose="020F0502020204030204" pitchFamily="34" charset="0"/>
-                <a:ea typeface="Calibri" panose="020F0502020204030204" pitchFamily="34" charset="0"/>
                 <a:cs typeface="Mangal" panose="02040503050203030202" pitchFamily="18" charset="0"/>
               </a:rPr>
               <a:t>msr</a:t>
@@ -17339,7 +18826,6 @@
                   </a:schemeClr>
                 </a:solidFill>
                 <a:latin typeface="Calibri" panose="020F0502020204030204" pitchFamily="34" charset="0"/>
-                <a:ea typeface="Calibri" panose="020F0502020204030204" pitchFamily="34" charset="0"/>
                 <a:cs typeface="Mangal" panose="02040503050203030202" pitchFamily="18" charset="0"/>
               </a:rPr>
               <a:t>) and replace a specific line in another file (format: .001). Replace coordinates in a file with a desired value and repeat the same for thousands of files present in a directory.</a:t>
@@ -17361,23 +18847,21 @@
                   </a:schemeClr>
                 </a:solidFill>
                 <a:latin typeface="Calibri" panose="020F0502020204030204" pitchFamily="34" charset="0"/>
-                <a:ea typeface="Calibri" panose="020F0502020204030204" pitchFamily="34" charset="0"/>
                 <a:cs typeface="Mangal" panose="02040503050203030202" pitchFamily="18" charset="0"/>
               </a:rPr>
-              <a:t>Fetching of accounts &amp; timestamp of Twitter posts with tag </a:t>
-            </a:r>
-            <a:r>
-              <a:rPr lang="en-IN" sz="1100" i="1" dirty="0">
+              <a:t>Fetching of accounts &amp; timestamp of Twitter posts with tag #</a:t>
+            </a:r>
+            <a:r>
+              <a:rPr lang="en-IN" sz="1100" dirty="0" err="1">
                 <a:solidFill>
                   <a:schemeClr val="bg1">
                     <a:lumMod val="85000"/>
                   </a:schemeClr>
                 </a:solidFill>
                 <a:latin typeface="Calibri" panose="020F0502020204030204" pitchFamily="34" charset="0"/>
-                <a:ea typeface="Calibri" panose="020F0502020204030204" pitchFamily="34" charset="0"/>
                 <a:cs typeface="Mangal" panose="02040503050203030202" pitchFamily="18" charset="0"/>
               </a:rPr>
-              <a:t>#libya</a:t>
+              <a:t>libya</a:t>
             </a:r>
             <a:r>
               <a:rPr lang="en-IN" sz="1100" dirty="0">
@@ -17387,7 +18871,6 @@
                   </a:schemeClr>
                 </a:solidFill>
                 <a:latin typeface="Calibri" panose="020F0502020204030204" pitchFamily="34" charset="0"/>
-                <a:ea typeface="Calibri" panose="020F0502020204030204" pitchFamily="34" charset="0"/>
                 <a:cs typeface="Mangal" panose="02040503050203030202" pitchFamily="18" charset="0"/>
               </a:rPr>
               <a:t>.</a:t>
@@ -17398,9 +18881,7 @@
                   <a:lumMod val="85000"/>
                 </a:schemeClr>
               </a:solidFill>
-              <a:effectLst/>
               <a:latin typeface="Calibri" panose="020F0502020204030204" pitchFamily="34" charset="0"/>
-              <a:ea typeface="Calibri" panose="020F0502020204030204" pitchFamily="34" charset="0"/>
               <a:cs typeface="Mangal" panose="02040503050203030202" pitchFamily="18" charset="0"/>
             </a:endParaRPr>
           </a:p>
@@ -17425,9 +18906,7 @@
                     <a:lumMod val="85000"/>
                   </a:schemeClr>
                 </a:solidFill>
-                <a:effectLst/>
                 <a:latin typeface="Calibri" panose="020F0502020204030204" pitchFamily="34" charset="0"/>
-                <a:ea typeface="Calibri" panose="020F0502020204030204" pitchFamily="34" charset="0"/>
                 <a:cs typeface="Mangal" panose="02040503050203030202" pitchFamily="18" charset="0"/>
               </a:rPr>
               <a:t>Prepared a data analysis report on updating an Excel form from datasets fetched from Outlook mail.</a:t>
@@ -17438,9 +18917,7 @@
                   <a:lumMod val="85000"/>
                 </a:schemeClr>
               </a:solidFill>
-              <a:effectLst/>
               <a:latin typeface="Calibri" panose="020F0502020204030204" pitchFamily="34" charset="0"/>
-              <a:ea typeface="Calibri" panose="020F0502020204030204" pitchFamily="34" charset="0"/>
               <a:cs typeface="Mangal" panose="02040503050203030202" pitchFamily="18" charset="0"/>
             </a:endParaRPr>
           </a:p>
@@ -17465,9 +18942,7 @@
                     <a:lumMod val="85000"/>
                   </a:schemeClr>
                 </a:solidFill>
-                <a:effectLst/>
                 <a:latin typeface="Calibri" panose="020F0502020204030204" pitchFamily="34" charset="0"/>
-                <a:ea typeface="Calibri" panose="020F0502020204030204" pitchFamily="34" charset="0"/>
                 <a:cs typeface="Mangal" panose="02040503050203030202" pitchFamily="18" charset="0"/>
               </a:rPr>
               <a:t>Image files (formats: dot, </a:t>
@@ -17479,9 +18954,7 @@
                     <a:lumMod val="85000"/>
                   </a:schemeClr>
                 </a:solidFill>
-                <a:effectLst/>
                 <a:latin typeface="Calibri" panose="020F0502020204030204" pitchFamily="34" charset="0"/>
-                <a:ea typeface="Calibri" panose="020F0502020204030204" pitchFamily="34" charset="0"/>
                 <a:cs typeface="Mangal" panose="02040503050203030202" pitchFamily="18" charset="0"/>
               </a:rPr>
               <a:t>png</a:t>
@@ -17493,9 +18966,7 @@
                     <a:lumMod val="85000"/>
                   </a:schemeClr>
                 </a:solidFill>
-                <a:effectLst/>
                 <a:latin typeface="Calibri" panose="020F0502020204030204" pitchFamily="34" charset="0"/>
-                <a:ea typeface="Calibri" panose="020F0502020204030204" pitchFamily="34" charset="0"/>
                 <a:cs typeface="Mangal" panose="02040503050203030202" pitchFamily="18" charset="0"/>
               </a:rPr>
               <a:t>) generation from fetched data in Excel file.</a:t>
@@ -17524,26 +18995,15 @@
               </a:rPr>
               <a:t>Created a custom 3D Plot for data analytics related to Semiconductor devices with yield, which is visualizable with interactive modern-UI level.</a:t>
             </a:r>
-            <a:endParaRPr lang="en-IN" sz="1100" dirty="0">
-              <a:solidFill>
-                <a:schemeClr val="bg1">
-                  <a:lumMod val="85000"/>
-                </a:schemeClr>
-              </a:solidFill>
-              <a:effectLst/>
-              <a:latin typeface="Calibri" panose="020F0502020204030204" pitchFamily="34" charset="0"/>
-              <a:ea typeface="Calibri" panose="020F0502020204030204" pitchFamily="34" charset="0"/>
-              <a:cs typeface="Mangal" panose="02040503050203030202" pitchFamily="18" charset="0"/>
-            </a:endParaRPr>
           </a:p>
         </p:txBody>
       </p:sp>
       <p:sp>
         <p:nvSpPr>
-          <p:cNvPr id="8" name="TextBox 7">
-            <a:extLst>
-              <a:ext uri="{FF2B5EF4-FFF2-40B4-BE49-F238E27FC236}">
-                <a16:creationId xmlns:a16="http://schemas.microsoft.com/office/drawing/2014/main" id="{52789B5A-E2C6-644B-8B22-47D1827EF64B}"/>
+          <p:cNvPr id="5" name="TextBox 4">
+            <a:extLst>
+              <a:ext uri="{FF2B5EF4-FFF2-40B4-BE49-F238E27FC236}">
+                <a16:creationId xmlns:a16="http://schemas.microsoft.com/office/drawing/2014/main" id="{6D4B895F-F6C5-60FD-6DCE-212C353F875B}"/>
               </a:ext>
             </a:extLst>
           </p:cNvPr>
@@ -17552,8 +19012,49 @@
         </p:nvSpPr>
         <p:spPr>
           <a:xfrm>
-            <a:off x="375920" y="274960"/>
-            <a:ext cx="6258560" cy="2606932"/>
+            <a:off x="507162" y="1057691"/>
+            <a:ext cx="981019" cy="307777"/>
+          </a:xfrm>
+          <a:prstGeom prst="rect">
+            <a:avLst/>
+          </a:prstGeom>
+          <a:solidFill>
+            <a:schemeClr val="accent4">
+              <a:lumMod val="10000"/>
+              <a:lumOff val="90000"/>
+            </a:schemeClr>
+          </a:solidFill>
+        </p:spPr>
+        <p:txBody>
+          <a:bodyPr wrap="square" rtlCol="0">
+            <a:spAutoFit/>
+          </a:bodyPr>
+          <a:lstStyle/>
+          <a:p>
+            <a:pPr algn="ctr"/>
+            <a:r>
+              <a:rPr lang="en-US" sz="1400" dirty="0"/>
+              <a:t>Product</a:t>
+            </a:r>
+          </a:p>
+        </p:txBody>
+      </p:sp>
+      <p:sp>
+        <p:nvSpPr>
+          <p:cNvPr id="7" name="TextBox 6">
+            <a:extLst>
+              <a:ext uri="{FF2B5EF4-FFF2-40B4-BE49-F238E27FC236}">
+                <a16:creationId xmlns:a16="http://schemas.microsoft.com/office/drawing/2014/main" id="{E87296A6-F190-3924-67FF-64CDDAAF8A39}"/>
+              </a:ext>
+            </a:extLst>
+          </p:cNvPr>
+          <p:cNvSpPr txBox="1"/>
+          <p:nvPr/>
+        </p:nvSpPr>
+        <p:spPr>
+          <a:xfrm>
+            <a:off x="507162" y="1478298"/>
+            <a:ext cx="6258560" cy="2801601"/>
           </a:xfrm>
           <a:prstGeom prst="rect">
             <a:avLst/>
@@ -17566,88 +19067,6 @@
           </a:bodyPr>
           <a:lstStyle/>
           <a:p>
-            <a:pPr marL="342900" marR="0" lvl="0" indent="-342900" algn="just">
-              <a:lnSpc>
-                <a:spcPct val="115000"/>
-              </a:lnSpc>
-              <a:spcBef>
-                <a:spcPts val="0"/>
-              </a:spcBef>
-              <a:spcAft>
-                <a:spcPts val="600"/>
-              </a:spcAft>
-              <a:buFont typeface="Symbol" panose="05050102010706020507" pitchFamily="18" charset="2"/>
-              <a:buChar char=""/>
-            </a:pPr>
-            <a:r>
-              <a:rPr lang="en-IN" sz="1100" dirty="0">
-                <a:solidFill>
-                  <a:schemeClr val="bg1">
-                    <a:lumMod val="85000"/>
-                  </a:schemeClr>
-                </a:solidFill>
-                <a:latin typeface="Calibri" panose="020F0502020204030204" pitchFamily="34" charset="0"/>
-                <a:ea typeface="Calibri" panose="020F0502020204030204" pitchFamily="34" charset="0"/>
-                <a:cs typeface="Mangal" panose="02040503050203030202" pitchFamily="18" charset="0"/>
-              </a:rPr>
-              <a:t>Developed a KYC Bot with Blockchain and Cloud integration for personal data like name, address selfie (stored in bytes) and validation of hashed sensitive data.</a:t>
-            </a:r>
-          </a:p>
-          <a:p>
-            <a:pPr marL="342900" marR="0" lvl="0" indent="-342900" algn="just">
-              <a:lnSpc>
-                <a:spcPct val="115000"/>
-              </a:lnSpc>
-              <a:spcBef>
-                <a:spcPts val="0"/>
-              </a:spcBef>
-              <a:spcAft>
-                <a:spcPts val="600"/>
-              </a:spcAft>
-              <a:buFont typeface="Symbol" panose="05050102010706020507" pitchFamily="18" charset="2"/>
-              <a:buChar char=""/>
-            </a:pPr>
-            <a:r>
-              <a:rPr lang="en-IN" sz="1100" dirty="0">
-                <a:solidFill>
-                  <a:schemeClr val="bg1">
-                    <a:lumMod val="85000"/>
-                  </a:schemeClr>
-                </a:solidFill>
-                <a:latin typeface="Calibri" panose="020F0502020204030204" pitchFamily="34" charset="0"/>
-                <a:ea typeface="Calibri" panose="020F0502020204030204" pitchFamily="34" charset="0"/>
-                <a:cs typeface="Mangal" panose="02040503050203030202" pitchFamily="18" charset="0"/>
-              </a:rPr>
-              <a:t>Found an issue related to excessive on-chain RAM usage in </a:t>
-            </a:r>
-            <a:r>
-              <a:rPr lang="en-IN" sz="1100" dirty="0" err="1">
-                <a:solidFill>
-                  <a:schemeClr val="bg1">
-                    <a:lumMod val="85000"/>
-                  </a:schemeClr>
-                </a:solidFill>
-                <a:latin typeface="Calibri" panose="020F0502020204030204" pitchFamily="34" charset="0"/>
-                <a:ea typeface="Calibri" panose="020F0502020204030204" pitchFamily="34" charset="0"/>
-                <a:cs typeface="Mangal" panose="02040503050203030202" pitchFamily="18" charset="0"/>
-              </a:rPr>
-              <a:t>Atomichub</a:t>
-            </a:r>
-            <a:r>
-              <a:rPr lang="en-IN" sz="1100" dirty="0">
-                <a:solidFill>
-                  <a:schemeClr val="bg1">
-                    <a:lumMod val="85000"/>
-                  </a:schemeClr>
-                </a:solidFill>
-                <a:latin typeface="Calibri" panose="020F0502020204030204" pitchFamily="34" charset="0"/>
-                <a:ea typeface="Calibri" panose="020F0502020204030204" pitchFamily="34" charset="0"/>
-                <a:cs typeface="Mangal" panose="02040503050203030202" pitchFamily="18" charset="0"/>
-              </a:rPr>
-              <a:t> NFT protocol. Thereafter initiated a NFT protocol project – OYA with smart contracts.</a:t>
-            </a:r>
-          </a:p>
-          <a:p>
             <a:pPr marL="342900" indent="-342900" algn="just">
               <a:lnSpc>
                 <a:spcPct val="115000"/>
@@ -17666,65 +19085,31 @@
                   </a:schemeClr>
                 </a:solidFill>
                 <a:latin typeface="Calibri" panose="020F0502020204030204" pitchFamily="34" charset="0"/>
-                <a:ea typeface="Calibri" panose="020F0502020204030204" pitchFamily="34" charset="0"/>
                 <a:cs typeface="Mangal" panose="02040503050203030202" pitchFamily="18" charset="0"/>
               </a:rPr>
-              <a:t>Working on a </a:t>
-            </a:r>
-            <a:r>
-              <a:rPr lang="en-IN" sz="1100" dirty="0" err="1">
+              <a:t>Worked on a NFT project – “</a:t>
+            </a:r>
+            <a:r>
+              <a:rPr lang="en-IN" sz="1100" dirty="0">
                 <a:solidFill>
                   <a:schemeClr val="bg1">
                     <a:lumMod val="85000"/>
                   </a:schemeClr>
                 </a:solidFill>
                 <a:latin typeface="Calibri" panose="020F0502020204030204" pitchFamily="34" charset="0"/>
-                <a:ea typeface="Calibri" panose="020F0502020204030204" pitchFamily="34" charset="0"/>
                 <a:cs typeface="Mangal" panose="02040503050203030202" pitchFamily="18" charset="0"/>
+                <a:hlinkClick r:id="rId3">
+                  <a:extLst>
+                    <a:ext uri="{A12FA001-AC4F-418D-AE19-62706E023703}">
+                      <ahyp:hlinkClr xmlns:ahyp="http://schemas.microsoft.com/office/drawing/2018/hyperlinkcolor" val="tx"/>
+                    </a:ext>
+                  </a:extLst>
+                </a:hlinkClick>
               </a:rPr>
-              <a:t>DeFi</a:t>
+              <a:t>Bowled</a:t>
             </a:r>
             <a:r>
               <a:rPr lang="en-IN" sz="1100" dirty="0">
-                <a:solidFill>
-                  <a:schemeClr val="bg1">
-                    <a:lumMod val="85000"/>
-                  </a:schemeClr>
-                </a:solidFill>
-                <a:latin typeface="Calibri" panose="020F0502020204030204" pitchFamily="34" charset="0"/>
-                <a:ea typeface="Calibri" panose="020F0502020204030204" pitchFamily="34" charset="0"/>
-                <a:cs typeface="Mangal" panose="02040503050203030202" pitchFamily="18" charset="0"/>
-              </a:rPr>
-              <a:t> Chatbot – </a:t>
-            </a:r>
-            <a:r>
-              <a:rPr lang="en-IN" sz="1100" dirty="0" err="1">
-                <a:solidFill>
-                  <a:schemeClr val="bg1">
-                    <a:lumMod val="85000"/>
-                  </a:schemeClr>
-                </a:solidFill>
-                <a:latin typeface="Calibri" panose="020F0502020204030204" pitchFamily="34" charset="0"/>
-                <a:ea typeface="Calibri" panose="020F0502020204030204" pitchFamily="34" charset="0"/>
-                <a:cs typeface="Mangal" panose="02040503050203030202" pitchFamily="18" charset="0"/>
-              </a:rPr>
-              <a:t>ProFi</a:t>
-            </a:r>
-            <a:r>
-              <a:rPr lang="en-IN" sz="1100" dirty="0">
-                <a:solidFill>
-                  <a:schemeClr val="bg1">
-                    <a:lumMod val="85000"/>
-                  </a:schemeClr>
-                </a:solidFill>
-                <a:latin typeface="Calibri" panose="020F0502020204030204" pitchFamily="34" charset="0"/>
-                <a:ea typeface="Calibri" panose="020F0502020204030204" pitchFamily="34" charset="0"/>
-                <a:cs typeface="Mangal" panose="02040503050203030202" pitchFamily="18" charset="0"/>
-              </a:rPr>
-              <a:t>, </a:t>
-            </a:r>
-            <a:r>
-              <a:rPr lang="en-US" sz="1100" dirty="0">
                 <a:solidFill>
                   <a:schemeClr val="bg1">
                     <a:lumMod val="85000"/>
@@ -17733,18 +19118,8 @@
                 <a:latin typeface="Calibri" panose="020F0502020204030204" pitchFamily="34" charset="0"/>
                 <a:cs typeface="Mangal" panose="02040503050203030202" pitchFamily="18" charset="0"/>
               </a:rPr>
-              <a:t>which gives Analytical visual charts for maximizing yield in fiat money using different cryptocurrencies in multiple liquidity pools.</a:t>
-            </a:r>
-            <a:endParaRPr lang="en-IN" sz="1100" dirty="0">
-              <a:solidFill>
-                <a:schemeClr val="bg1">
-                  <a:lumMod val="85000"/>
-                </a:schemeClr>
-              </a:solidFill>
-              <a:latin typeface="Calibri" panose="020F0502020204030204" pitchFamily="34" charset="0"/>
-              <a:ea typeface="Calibri" panose="020F0502020204030204" pitchFamily="34" charset="0"/>
-              <a:cs typeface="Mangal" panose="02040503050203030202" pitchFamily="18" charset="0"/>
-            </a:endParaRPr>
+              <a:t>” where I build the architecture for their sports-based Metaverse with play-to-earn gamification model using player, stadium card types.</a:t>
+            </a:r>
           </a:p>
           <a:p>
             <a:pPr marL="342900" indent="-342900" algn="just">
@@ -17765,22 +19140,20 @@
                   </a:schemeClr>
                 </a:solidFill>
                 <a:latin typeface="Calibri" panose="020F0502020204030204" pitchFamily="34" charset="0"/>
-                <a:ea typeface="Calibri" panose="020F0502020204030204" pitchFamily="34" charset="0"/>
                 <a:cs typeface="Mangal" panose="02040503050203030202" pitchFamily="18" charset="0"/>
               </a:rPr>
-              <a:t>Contributed in creating a guide – “</a:t>
+              <a:t>Created a </a:t>
             </a:r>
             <a:r>
               <a:rPr lang="en-IN" sz="1100" dirty="0">
                 <a:solidFill>
                   <a:schemeClr val="bg1">
-                    <a:lumMod val="75000"/>
+                    <a:lumMod val="85000"/>
                   </a:schemeClr>
                 </a:solidFill>
                 <a:latin typeface="Calibri" panose="020F0502020204030204" pitchFamily="34" charset="0"/>
-                <a:ea typeface="Calibri" panose="020F0502020204030204" pitchFamily="34" charset="0"/>
                 <a:cs typeface="Mangal" panose="02040503050203030202" pitchFamily="18" charset="0"/>
-                <a:hlinkClick r:id="rId2">
+                <a:hlinkClick r:id="rId4">
                   <a:extLst>
                     <a:ext uri="{A12FA001-AC4F-418D-AE19-62706E023703}">
                       <ahyp:hlinkClr xmlns:ahyp="http://schemas.microsoft.com/office/drawing/2018/hyperlinkcolor" val="tx"/>
@@ -17788,7 +19161,7 @@
                   </a:extLst>
                 </a:hlinkClick>
               </a:rPr>
-              <a:t>Setting up Telos Validator Nodes</a:t>
+              <a:t>Tipping Bot </a:t>
             </a:r>
             <a:r>
               <a:rPr lang="en-IN" sz="1100" dirty="0">
@@ -17798,36 +19171,64 @@
                   </a:schemeClr>
                 </a:solidFill>
                 <a:latin typeface="Calibri" panose="020F0502020204030204" pitchFamily="34" charset="0"/>
-                <a:ea typeface="Calibri" panose="020F0502020204030204" pitchFamily="34" charset="0"/>
-                <a:cs typeface="Mangal" panose="02040503050203030202" pitchFamily="18" charset="0"/>
-              </a:rPr>
-              <a:t>”</a:t>
-            </a:r>
-            <a:r>
-              <a:rPr lang="en-US" sz="1100" dirty="0">
-                <a:solidFill>
-                  <a:schemeClr val="bg1">
-                    <a:lumMod val="85000"/>
-                  </a:schemeClr>
-                </a:solidFill>
-                <a:latin typeface="Calibri" panose="020F0502020204030204" pitchFamily="34" charset="0"/>
-                <a:ea typeface="Calibri" panose="020F0502020204030204" pitchFamily="34" charset="0"/>
                 <a:cs typeface="Mangal" panose="02040503050203030202" pitchFamily="18" charset="0"/>
               </a:rPr>
               <a:t> </a:t>
             </a:r>
             <a:r>
-              <a:rPr lang="en-IN" sz="1100" dirty="0">
+              <a:rPr lang="en-IN" sz="1100" dirty="0" err="1">
                 <a:solidFill>
                   <a:schemeClr val="bg1">
                     <a:lumMod val="85000"/>
                   </a:schemeClr>
                 </a:solidFill>
                 <a:latin typeface="Calibri" panose="020F0502020204030204" pitchFamily="34" charset="0"/>
-                <a:ea typeface="Calibri" panose="020F0502020204030204" pitchFamily="34" charset="0"/>
                 <a:cs typeface="Mangal" panose="02040503050203030202" pitchFamily="18" charset="0"/>
               </a:rPr>
-              <a:t>for Validators for the Telos  (EOSIO) Blockchain.</a:t>
+              <a:t>Dapp</a:t>
+            </a:r>
+            <a:r>
+              <a:rPr lang="en-IN" sz="1100" dirty="0">
+                <a:solidFill>
+                  <a:schemeClr val="bg1">
+                    <a:lumMod val="85000"/>
+                  </a:schemeClr>
+                </a:solidFill>
+                <a:latin typeface="Calibri" panose="020F0502020204030204" pitchFamily="34" charset="0"/>
+                <a:cs typeface="Mangal" panose="02040503050203030202" pitchFamily="18" charset="0"/>
+              </a:rPr>
+              <a:t>, integrated with EOSIO </a:t>
+            </a:r>
+            <a:r>
+              <a:rPr lang="en-IN" sz="1100" dirty="0">
+                <a:solidFill>
+                  <a:schemeClr val="bg1">
+                    <a:lumMod val="85000"/>
+                  </a:schemeClr>
+                </a:solidFill>
+                <a:latin typeface="Calibri" panose="020F0502020204030204" pitchFamily="34" charset="0"/>
+                <a:cs typeface="Mangal" panose="02040503050203030202" pitchFamily="18" charset="0"/>
+                <a:hlinkClick r:id="rId5">
+                  <a:extLst>
+                    <a:ext uri="{A12FA001-AC4F-418D-AE19-62706E023703}">
+                      <ahyp:hlinkClr xmlns:ahyp="http://schemas.microsoft.com/office/drawing/2018/hyperlinkcolor" val="tx"/>
+                    </a:ext>
+                  </a:extLst>
+                </a:hlinkClick>
+              </a:rPr>
+              <a:t>tipper contract </a:t>
+            </a:r>
+            <a:r>
+              <a:rPr lang="en-IN" sz="1100" dirty="0">
+                <a:solidFill>
+                  <a:schemeClr val="bg1">
+                    <a:lumMod val="85000"/>
+                  </a:schemeClr>
+                </a:solidFill>
+                <a:latin typeface="Calibri" panose="020F0502020204030204" pitchFamily="34" charset="0"/>
+                <a:cs typeface="Mangal" panose="02040503050203030202" pitchFamily="18" charset="0"/>
+              </a:rPr>
+              <a:t>for handling p2p token transfer with just Telegram user ID.</a:t>
             </a:r>
           </a:p>
           <a:p>
@@ -17849,10 +19250,28 @@
                   </a:schemeClr>
                 </a:solidFill>
                 <a:latin typeface="Calibri" panose="020F0502020204030204" pitchFamily="34" charset="0"/>
-                <a:ea typeface="Calibri" panose="020F0502020204030204" pitchFamily="34" charset="0"/>
                 <a:cs typeface="Mangal" panose="02040503050203030202" pitchFamily="18" charset="0"/>
               </a:rPr>
-              <a:t>Designed the architecture for an incentivized travel platform with activity-dependent AI community Bot on </a:t>
+              <a:t>Developed a </a:t>
+            </a:r>
+            <a:r>
+              <a:rPr lang="en-IN" sz="1100" dirty="0">
+                <a:solidFill>
+                  <a:schemeClr val="bg1">
+                    <a:lumMod val="85000"/>
+                  </a:schemeClr>
+                </a:solidFill>
+                <a:latin typeface="Calibri" panose="020F0502020204030204" pitchFamily="34" charset="0"/>
+                <a:cs typeface="Mangal" panose="02040503050203030202" pitchFamily="18" charset="0"/>
+                <a:hlinkClick r:id="rId6">
+                  <a:extLst>
+                    <a:ext uri="{A12FA001-AC4F-418D-AE19-62706E023703}">
+                      <ahyp:hlinkClr xmlns:ahyp="http://schemas.microsoft.com/office/drawing/2018/hyperlinkcolor" val="tx"/>
+                    </a:ext>
+                  </a:extLst>
+                </a:hlinkClick>
+              </a:rPr>
+              <a:t>KYC Bot </a:t>
             </a:r>
             <a:r>
               <a:rPr lang="en-IN" sz="1100" dirty="0" err="1">
@@ -17862,10 +19281,9 @@
                   </a:schemeClr>
                 </a:solidFill>
                 <a:latin typeface="Calibri" panose="020F0502020204030204" pitchFamily="34" charset="0"/>
-                <a:ea typeface="Calibri" panose="020F0502020204030204" pitchFamily="34" charset="0"/>
                 <a:cs typeface="Mangal" panose="02040503050203030202" pitchFamily="18" charset="0"/>
               </a:rPr>
-              <a:t>Steem</a:t>
+              <a:t>Dapp</a:t>
             </a:r>
             <a:r>
               <a:rPr lang="en-IN" sz="1100" dirty="0">
@@ -17875,47 +19293,439 @@
                   </a:schemeClr>
                 </a:solidFill>
                 <a:latin typeface="Calibri" panose="020F0502020204030204" pitchFamily="34" charset="0"/>
-                <a:ea typeface="Calibri" panose="020F0502020204030204" pitchFamily="34" charset="0"/>
                 <a:cs typeface="Mangal" panose="02040503050203030202" pitchFamily="18" charset="0"/>
               </a:rPr>
-              <a:t>/Hive Blockchain.</a:t>
-            </a:r>
-            <a:endParaRPr lang="en-US" sz="1100" dirty="0">
-              <a:solidFill>
-                <a:schemeClr val="bg1">
-                  <a:lumMod val="85000"/>
-                </a:schemeClr>
-              </a:solidFill>
-              <a:latin typeface="Calibri" panose="020F0502020204030204" pitchFamily="34" charset="0"/>
-              <a:ea typeface="Calibri" panose="020F0502020204030204" pitchFamily="34" charset="0"/>
-              <a:cs typeface="Mangal" panose="02040503050203030202" pitchFamily="18" charset="0"/>
-            </a:endParaRPr>
-          </a:p>
-          <a:p>
-            <a:pPr marL="342900" marR="0" lvl="0" indent="-342900" algn="just">
+              <a:t>, integrated with EOSIO </a:t>
+            </a:r>
+            <a:r>
+              <a:rPr lang="en-IN" sz="1100" dirty="0">
+                <a:solidFill>
+                  <a:schemeClr val="bg1">
+                    <a:lumMod val="85000"/>
+                  </a:schemeClr>
+                </a:solidFill>
+                <a:latin typeface="Calibri" panose="020F0502020204030204" pitchFamily="34" charset="0"/>
+                <a:cs typeface="Mangal" panose="02040503050203030202" pitchFamily="18" charset="0"/>
+                <a:hlinkClick r:id="rId7">
+                  <a:extLst>
+                    <a:ext uri="{A12FA001-AC4F-418D-AE19-62706E023703}">
+                      <ahyp:hlinkClr xmlns:ahyp="http://schemas.microsoft.com/office/drawing/2018/hyperlinkcolor" val="tx"/>
+                    </a:ext>
+                  </a:extLst>
+                </a:hlinkClick>
+              </a:rPr>
+              <a:t>kyc contract </a:t>
+            </a:r>
+            <a:r>
+              <a:rPr lang="en-IN" sz="1100" dirty="0">
+                <a:solidFill>
+                  <a:schemeClr val="bg1">
+                    <a:lumMod val="85000"/>
+                  </a:schemeClr>
+                </a:solidFill>
+                <a:latin typeface="Calibri" panose="020F0502020204030204" pitchFamily="34" charset="0"/>
+                <a:cs typeface="Mangal" panose="02040503050203030202" pitchFamily="18" charset="0"/>
+              </a:rPr>
+              <a:t>along with the hybrid storage model (Blockchain + Cloud) for submission of personal data and validation through its cryptographic hash.</a:t>
+            </a:r>
+          </a:p>
+          <a:p>
+            <a:pPr marL="342900" indent="-342900" algn="just">
               <a:lnSpc>
                 <a:spcPct val="115000"/>
               </a:lnSpc>
-              <a:spcBef>
-                <a:spcPts val="0"/>
-              </a:spcBef>
               <a:spcAft>
                 <a:spcPts val="600"/>
               </a:spcAft>
               <a:buFont typeface="Symbol" panose="05050102010706020507" pitchFamily="18" charset="2"/>
               <a:buChar char=""/>
             </a:pPr>
-            <a:endParaRPr lang="en-US" sz="1100" dirty="0">
-              <a:solidFill>
-                <a:schemeClr val="bg1">
-                  <a:lumMod val="85000"/>
-                </a:schemeClr>
-              </a:solidFill>
-              <a:effectLst/>
-              <a:latin typeface="Calibri" panose="020F0502020204030204" pitchFamily="34" charset="0"/>
-              <a:ea typeface="Calibri" panose="020F0502020204030204" pitchFamily="34" charset="0"/>
-              <a:cs typeface="Mangal" panose="02040503050203030202" pitchFamily="18" charset="0"/>
-            </a:endParaRPr>
+            <a:r>
+              <a:rPr lang="en-IN" sz="1100" dirty="0">
+                <a:solidFill>
+                  <a:schemeClr val="bg1">
+                    <a:lumMod val="85000"/>
+                  </a:schemeClr>
+                </a:solidFill>
+                <a:latin typeface="Calibri" panose="020F0502020204030204" pitchFamily="34" charset="0"/>
+                <a:cs typeface="Mangal" panose="02040503050203030202" pitchFamily="18" charset="0"/>
+              </a:rPr>
+              <a:t>Full Stack development of an Android App – ‘</a:t>
+            </a:r>
+            <a:r>
+              <a:rPr lang="en-IN" sz="1100" dirty="0">
+                <a:solidFill>
+                  <a:schemeClr val="bg1">
+                    <a:lumMod val="85000"/>
+                  </a:schemeClr>
+                </a:solidFill>
+                <a:latin typeface="Calibri" panose="020F0502020204030204" pitchFamily="34" charset="0"/>
+                <a:cs typeface="Mangal" panose="02040503050203030202" pitchFamily="18" charset="0"/>
+                <a:hlinkClick r:id="rId8">
+                  <a:extLst>
+                    <a:ext uri="{A12FA001-AC4F-418D-AE19-62706E023703}">
+                      <ahyp:hlinkClr xmlns:ahyp="http://schemas.microsoft.com/office/drawing/2018/hyperlinkcolor" val="tx"/>
+                    </a:ext>
+                  </a:extLst>
+                </a:hlinkClick>
+              </a:rPr>
+              <a:t>BitInfoCoin</a:t>
+            </a:r>
+            <a:r>
+              <a:rPr lang="en-IN" sz="1100" dirty="0">
+                <a:solidFill>
+                  <a:schemeClr val="bg1">
+                    <a:lumMod val="85000"/>
+                  </a:schemeClr>
+                </a:solidFill>
+                <a:latin typeface="Calibri" panose="020F0502020204030204" pitchFamily="34" charset="0"/>
+                <a:cs typeface="Mangal" panose="02040503050203030202" pitchFamily="18" charset="0"/>
+              </a:rPr>
+              <a:t>’ (now delisted on </a:t>
+            </a:r>
+            <a:r>
+              <a:rPr lang="en-IN" sz="1100" dirty="0" err="1">
+                <a:solidFill>
+                  <a:schemeClr val="bg1">
+                    <a:lumMod val="85000"/>
+                  </a:schemeClr>
+                </a:solidFill>
+                <a:latin typeface="Calibri" panose="020F0502020204030204" pitchFamily="34" charset="0"/>
+                <a:cs typeface="Mangal" panose="02040503050203030202" pitchFamily="18" charset="0"/>
+              </a:rPr>
+              <a:t>playstore</a:t>
+            </a:r>
+            <a:r>
+              <a:rPr lang="en-IN" sz="1100" dirty="0">
+                <a:solidFill>
+                  <a:schemeClr val="bg1">
+                    <a:lumMod val="85000"/>
+                  </a:schemeClr>
+                </a:solidFill>
+                <a:latin typeface="Calibri" panose="020F0502020204030204" pitchFamily="34" charset="0"/>
+                <a:cs typeface="Mangal" panose="02040503050203030202" pitchFamily="18" charset="0"/>
+              </a:rPr>
+              <a:t>) for Crypto users.</a:t>
+            </a:r>
+          </a:p>
+          <a:p>
+            <a:pPr marL="342900" indent="-342900" algn="just">
+              <a:lnSpc>
+                <a:spcPct val="115000"/>
+              </a:lnSpc>
+              <a:spcAft>
+                <a:spcPts val="600"/>
+              </a:spcAft>
+              <a:buFont typeface="Symbol" panose="05050102010706020507" pitchFamily="18" charset="2"/>
+              <a:buChar char=""/>
+            </a:pPr>
+            <a:r>
+              <a:rPr lang="en-IN" sz="1100" dirty="0">
+                <a:solidFill>
+                  <a:schemeClr val="bg1">
+                    <a:lumMod val="85000"/>
+                  </a:schemeClr>
+                </a:solidFill>
+                <a:latin typeface="Calibri" panose="020F0502020204030204" pitchFamily="34" charset="0"/>
+                <a:cs typeface="Mangal" panose="02040503050203030202" pitchFamily="18" charset="0"/>
+              </a:rPr>
+              <a:t>Worked on a </a:t>
+            </a:r>
+            <a:r>
+              <a:rPr lang="en-IN" sz="1100" dirty="0" err="1">
+                <a:solidFill>
+                  <a:schemeClr val="bg1">
+                    <a:lumMod val="85000"/>
+                  </a:schemeClr>
+                </a:solidFill>
+                <a:latin typeface="Calibri" panose="020F0502020204030204" pitchFamily="34" charset="0"/>
+                <a:cs typeface="Mangal" panose="02040503050203030202" pitchFamily="18" charset="0"/>
+              </a:rPr>
+              <a:t>DeFi</a:t>
+            </a:r>
+            <a:r>
+              <a:rPr lang="en-IN" sz="1100" dirty="0">
+                <a:solidFill>
+                  <a:schemeClr val="bg1">
+                    <a:lumMod val="85000"/>
+                  </a:schemeClr>
+                </a:solidFill>
+                <a:latin typeface="Calibri" panose="020F0502020204030204" pitchFamily="34" charset="0"/>
+                <a:cs typeface="Mangal" panose="02040503050203030202" pitchFamily="18" charset="0"/>
+              </a:rPr>
+              <a:t> Chatbot – </a:t>
+            </a:r>
+            <a:r>
+              <a:rPr lang="en-IN" sz="1100" dirty="0">
+                <a:solidFill>
+                  <a:schemeClr val="bg1">
+                    <a:lumMod val="85000"/>
+                  </a:schemeClr>
+                </a:solidFill>
+                <a:latin typeface="Calibri" panose="020F0502020204030204" pitchFamily="34" charset="0"/>
+                <a:cs typeface="Mangal" panose="02040503050203030202" pitchFamily="18" charset="0"/>
+                <a:hlinkClick r:id="rId9">
+                  <a:extLst>
+                    <a:ext uri="{A12FA001-AC4F-418D-AE19-62706E023703}">
+                      <ahyp:hlinkClr xmlns:ahyp="http://schemas.microsoft.com/office/drawing/2018/hyperlinkcolor" val="tx"/>
+                    </a:ext>
+                  </a:extLst>
+                </a:hlinkClick>
+              </a:rPr>
+              <a:t>ProFi</a:t>
+            </a:r>
+            <a:r>
+              <a:rPr lang="en-IN" sz="1100" dirty="0">
+                <a:solidFill>
+                  <a:schemeClr val="bg1">
+                    <a:lumMod val="85000"/>
+                  </a:schemeClr>
+                </a:solidFill>
+                <a:latin typeface="Calibri" panose="020F0502020204030204" pitchFamily="34" charset="0"/>
+                <a:cs typeface="Mangal" panose="02040503050203030202" pitchFamily="18" charset="0"/>
+              </a:rPr>
+              <a:t>, </a:t>
+            </a:r>
+            <a:r>
+              <a:rPr lang="en-US" sz="1100" dirty="0">
+                <a:solidFill>
+                  <a:schemeClr val="bg1">
+                    <a:lumMod val="85000"/>
+                  </a:schemeClr>
+                </a:solidFill>
+                <a:latin typeface="Calibri" panose="020F0502020204030204" pitchFamily="34" charset="0"/>
+                <a:cs typeface="Mangal" panose="02040503050203030202" pitchFamily="18" charset="0"/>
+              </a:rPr>
+              <a:t>which gives Analytical visual charts for maximizing yield in fiat currency using different cryptocurrencies in multiple liquidity pools.</a:t>
+            </a:r>
+          </a:p>
+          <a:p>
+            <a:pPr marL="342900" indent="-342900" algn="just">
+              <a:lnSpc>
+                <a:spcPct val="115000"/>
+              </a:lnSpc>
+              <a:spcAft>
+                <a:spcPts val="600"/>
+              </a:spcAft>
+              <a:buFont typeface="Symbol" panose="05050102010706020507" pitchFamily="18" charset="2"/>
+              <a:buChar char=""/>
+            </a:pPr>
+            <a:r>
+              <a:rPr lang="en-IN" sz="1100" dirty="0">
+                <a:solidFill>
+                  <a:schemeClr val="bg1">
+                    <a:lumMod val="85000"/>
+                  </a:schemeClr>
+                </a:solidFill>
+                <a:latin typeface="Calibri" panose="020F0502020204030204" pitchFamily="34" charset="0"/>
+                <a:cs typeface="Mangal" panose="02040503050203030202" pitchFamily="18" charset="0"/>
+              </a:rPr>
+              <a:t>Designed the architecture for an incentivized travel platform with activity-dependent AI community Bot on </a:t>
+            </a:r>
+            <a:r>
+              <a:rPr lang="en-IN" sz="1100" dirty="0" err="1">
+                <a:solidFill>
+                  <a:schemeClr val="bg1">
+                    <a:lumMod val="85000"/>
+                  </a:schemeClr>
+                </a:solidFill>
+                <a:latin typeface="Calibri" panose="020F0502020204030204" pitchFamily="34" charset="0"/>
+                <a:cs typeface="Mangal" panose="02040503050203030202" pitchFamily="18" charset="0"/>
+              </a:rPr>
+              <a:t>Steem</a:t>
+            </a:r>
+            <a:r>
+              <a:rPr lang="en-IN" sz="1100" dirty="0">
+                <a:solidFill>
+                  <a:schemeClr val="bg1">
+                    <a:lumMod val="85000"/>
+                  </a:schemeClr>
+                </a:solidFill>
+                <a:latin typeface="Calibri" panose="020F0502020204030204" pitchFamily="34" charset="0"/>
+                <a:cs typeface="Mangal" panose="02040503050203030202" pitchFamily="18" charset="0"/>
+              </a:rPr>
+              <a:t>/Hive Blockchain.</a:t>
+            </a:r>
+          </a:p>
+        </p:txBody>
+      </p:sp>
+      <p:sp>
+        <p:nvSpPr>
+          <p:cNvPr id="11" name="TextBox 10">
+            <a:extLst>
+              <a:ext uri="{FF2B5EF4-FFF2-40B4-BE49-F238E27FC236}">
+                <a16:creationId xmlns:a16="http://schemas.microsoft.com/office/drawing/2014/main" id="{ED23A05E-EC56-3AAF-2A68-F40ABA24B7F8}"/>
+              </a:ext>
+            </a:extLst>
+          </p:cNvPr>
+          <p:cNvSpPr txBox="1"/>
+          <p:nvPr/>
+        </p:nvSpPr>
+        <p:spPr>
+          <a:xfrm>
+            <a:off x="507162" y="231026"/>
+            <a:ext cx="6258560" cy="664862"/>
+          </a:xfrm>
+          <a:prstGeom prst="rect">
+            <a:avLst/>
+          </a:prstGeom>
+          <a:noFill/>
+        </p:spPr>
+        <p:txBody>
+          <a:bodyPr wrap="square" rtlCol="0">
+            <a:spAutoFit/>
+          </a:bodyPr>
+          <a:lstStyle/>
+          <a:p>
+            <a:pPr marL="342900" indent="-342900" algn="just">
+              <a:lnSpc>
+                <a:spcPct val="115000"/>
+              </a:lnSpc>
+              <a:spcAft>
+                <a:spcPts val="600"/>
+              </a:spcAft>
+              <a:buFont typeface="Symbol" panose="05050102010706020507" pitchFamily="18" charset="2"/>
+              <a:buChar char=""/>
+            </a:pPr>
+            <a:r>
+              <a:rPr lang="en-IN" sz="1100" dirty="0">
+                <a:solidFill>
+                  <a:schemeClr val="bg1">
+                    <a:lumMod val="85000"/>
+                  </a:schemeClr>
+                </a:solidFill>
+                <a:latin typeface="Calibri" panose="020F0502020204030204" pitchFamily="34" charset="0"/>
+                <a:cs typeface="Mangal" panose="02040503050203030202" pitchFamily="18" charset="0"/>
+              </a:rPr>
+              <a:t>Worked as Senior Blockchain Developer at </a:t>
+            </a:r>
+            <a:r>
+              <a:rPr lang="en-IN" sz="1100" dirty="0">
+                <a:solidFill>
+                  <a:schemeClr val="bg1">
+                    <a:lumMod val="85000"/>
+                  </a:schemeClr>
+                </a:solidFill>
+                <a:latin typeface="Calibri" panose="020F0502020204030204" pitchFamily="34" charset="0"/>
+                <a:cs typeface="Mangal" panose="02040503050203030202" pitchFamily="18" charset="0"/>
+                <a:hlinkClick r:id="rId10">
+                  <a:extLst>
+                    <a:ext uri="{A12FA001-AC4F-418D-AE19-62706E023703}">
+                      <ahyp:hlinkClr xmlns:ahyp="http://schemas.microsoft.com/office/drawing/2018/hyperlinkcolor" val="tx"/>
+                    </a:ext>
+                  </a:extLst>
+                </a:hlinkClick>
+              </a:rPr>
+              <a:t>Master Ventures</a:t>
+            </a:r>
+            <a:r>
+              <a:rPr lang="en-IN" sz="1100" dirty="0">
+                <a:solidFill>
+                  <a:schemeClr val="bg1">
+                    <a:lumMod val="85000"/>
+                  </a:schemeClr>
+                </a:solidFill>
+                <a:latin typeface="Calibri" panose="020F0502020204030204" pitchFamily="34" charset="0"/>
+                <a:cs typeface="Mangal" panose="02040503050203030202" pitchFamily="18" charset="0"/>
+              </a:rPr>
+              <a:t> on </a:t>
+            </a:r>
+            <a:r>
+              <a:rPr lang="en-IN" sz="1100" dirty="0" err="1">
+                <a:solidFill>
+                  <a:schemeClr val="bg1">
+                    <a:lumMod val="85000"/>
+                  </a:schemeClr>
+                </a:solidFill>
+                <a:latin typeface="Calibri" panose="020F0502020204030204" pitchFamily="34" charset="0"/>
+                <a:cs typeface="Mangal" panose="02040503050203030202" pitchFamily="18" charset="0"/>
+              </a:rPr>
+              <a:t>crowdsale</a:t>
+            </a:r>
+            <a:r>
+              <a:rPr lang="en-IN" sz="1100" dirty="0">
+                <a:solidFill>
+                  <a:schemeClr val="bg1">
+                    <a:lumMod val="85000"/>
+                  </a:schemeClr>
+                </a:solidFill>
+                <a:latin typeface="Calibri" panose="020F0502020204030204" pitchFamily="34" charset="0"/>
+                <a:cs typeface="Mangal" panose="02040503050203030202" pitchFamily="18" charset="0"/>
+              </a:rPr>
+              <a:t> program codebase (using Rust) on Solana Blockchain. Also, worked in launching </a:t>
+            </a:r>
+            <a:r>
+              <a:rPr lang="en-IN" sz="1100" dirty="0" err="1">
+                <a:solidFill>
+                  <a:schemeClr val="bg1">
+                    <a:lumMod val="85000"/>
+                  </a:schemeClr>
+                </a:solidFill>
+                <a:latin typeface="Calibri" panose="020F0502020204030204" pitchFamily="34" charset="0"/>
+                <a:cs typeface="Mangal" panose="02040503050203030202" pitchFamily="18" charset="0"/>
+              </a:rPr>
+              <a:t>parachain</a:t>
+            </a:r>
+            <a:r>
+              <a:rPr lang="en-IN" sz="1100" dirty="0">
+                <a:solidFill>
+                  <a:schemeClr val="bg1">
+                    <a:lumMod val="85000"/>
+                  </a:schemeClr>
+                </a:solidFill>
+                <a:latin typeface="Calibri" panose="020F0502020204030204" pitchFamily="34" charset="0"/>
+                <a:cs typeface="Mangal" panose="02040503050203030202" pitchFamily="18" charset="0"/>
+              </a:rPr>
+              <a:t> with Substrate via CLI on </a:t>
+            </a:r>
+            <a:r>
+              <a:rPr lang="en-IN" sz="1100" dirty="0" err="1">
+                <a:solidFill>
+                  <a:schemeClr val="bg1">
+                    <a:lumMod val="85000"/>
+                  </a:schemeClr>
+                </a:solidFill>
+                <a:latin typeface="Calibri" panose="020F0502020204030204" pitchFamily="34" charset="0"/>
+                <a:cs typeface="Mangal" panose="02040503050203030202" pitchFamily="18" charset="0"/>
+              </a:rPr>
+              <a:t>Polkadot</a:t>
+            </a:r>
+            <a:r>
+              <a:rPr lang="en-IN" sz="1100" dirty="0">
+                <a:solidFill>
+                  <a:schemeClr val="bg1">
+                    <a:lumMod val="85000"/>
+                  </a:schemeClr>
+                </a:solidFill>
+                <a:latin typeface="Calibri" panose="020F0502020204030204" pitchFamily="34" charset="0"/>
+                <a:cs typeface="Mangal" panose="02040503050203030202" pitchFamily="18" charset="0"/>
+              </a:rPr>
+              <a:t> </a:t>
+            </a:r>
+            <a:r>
+              <a:rPr lang="en-IN" sz="1100" dirty="0" err="1">
+                <a:solidFill>
+                  <a:schemeClr val="bg1">
+                    <a:lumMod val="85000"/>
+                  </a:schemeClr>
+                </a:solidFill>
+                <a:latin typeface="Calibri" panose="020F0502020204030204" pitchFamily="34" charset="0"/>
+                <a:cs typeface="Mangal" panose="02040503050203030202" pitchFamily="18" charset="0"/>
+              </a:rPr>
+              <a:t>relaychain</a:t>
+            </a:r>
+            <a:r>
+              <a:rPr lang="en-IN" sz="1100" dirty="0">
+                <a:solidFill>
+                  <a:schemeClr val="bg1">
+                    <a:lumMod val="85000"/>
+                  </a:schemeClr>
+                </a:solidFill>
+                <a:latin typeface="Calibri" panose="020F0502020204030204" pitchFamily="34" charset="0"/>
+                <a:cs typeface="Mangal" panose="02040503050203030202" pitchFamily="18" charset="0"/>
+              </a:rPr>
+              <a:t>. Honestly, I have got beginner level experience with Rust for Solana, Substrate now.</a:t>
+            </a:r>
           </a:p>
         </p:txBody>
       </p:sp>
@@ -18020,12 +19830,19 @@
         </p:nvSpPr>
         <p:spPr>
           <a:xfrm>
-            <a:off x="527446" y="3102826"/>
+            <a:off x="565154" y="3102826"/>
             <a:ext cx="3390104" cy="273933"/>
           </a:xfrm>
           <a:prstGeom prst="rect">
             <a:avLst/>
           </a:prstGeom>
+          <a:ln>
+            <a:solidFill>
+              <a:schemeClr val="bg1">
+                <a:lumMod val="95000"/>
+              </a:schemeClr>
+            </a:solidFill>
+          </a:ln>
         </p:spPr>
         <p:txBody>
           <a:bodyPr vert="horz" lIns="91440" tIns="45720" rIns="91440" bIns="45720" rtlCol="0">
@@ -18197,7 +20014,13 @@
           </a:lstStyle>
           <a:p>
             <a:r>
-              <a:rPr lang="en-US" dirty="0"/>
+              <a:rPr lang="en-US" b="1" dirty="0">
+                <a:solidFill>
+                  <a:schemeClr val="bg1">
+                    <a:lumMod val="95000"/>
+                  </a:schemeClr>
+                </a:solidFill>
+              </a:rPr>
               <a:t>LEADERSHIP AND ACHIEVEMENTS </a:t>
             </a:r>
           </a:p>
@@ -18218,7 +20041,7 @@
         <p:spPr>
           <a:xfrm>
             <a:off x="434340" y="3450579"/>
-            <a:ext cx="5989320" cy="7265130"/>
+            <a:ext cx="5989320" cy="4784451"/>
           </a:xfrm>
           <a:prstGeom prst="rect">
             <a:avLst/>
@@ -18251,52 +20074,27 @@
                     <a:lumMod val="85000"/>
                   </a:schemeClr>
                 </a:solidFill>
-                <a:effectLst/>
                 <a:latin typeface="Calibri" panose="020F0502020204030204" pitchFamily="34" charset="0"/>
-                <a:ea typeface="Calibri" panose="020F0502020204030204" pitchFamily="34" charset="0"/>
                 <a:cs typeface="Mangal" panose="02040503050203030202" pitchFamily="18" charset="0"/>
               </a:rPr>
-              <a:t>Bagged the 2</a:t>
-            </a:r>
-            <a:r>
-              <a:rPr lang="en-IN" sz="1100" baseline="30000" dirty="0">
+              <a:t>Bagged the 2nd rank in SNI Hack 2021 competition as a EOSIO Blockchain Developer for a project “</a:t>
+            </a:r>
+            <a:r>
+              <a:rPr lang="en-IN" sz="1100" dirty="0" err="1">
                 <a:solidFill>
                   <a:schemeClr val="bg1">
                     <a:lumMod val="85000"/>
                   </a:schemeClr>
                 </a:solidFill>
-                <a:effectLst/>
                 <a:latin typeface="Calibri" panose="020F0502020204030204" pitchFamily="34" charset="0"/>
-                <a:ea typeface="Calibri" panose="020F0502020204030204" pitchFamily="34" charset="0"/>
                 <a:cs typeface="Mangal" panose="02040503050203030202" pitchFamily="18" charset="0"/>
-              </a:rPr>
-              <a:t>nd</a:t>
-            </a:r>
-            <a:r>
-              <a:rPr lang="en-IN" sz="1100" dirty="0">
-                <a:solidFill>
-                  <a:schemeClr val="bg1">
-                    <a:lumMod val="85000"/>
-                  </a:schemeClr>
-                </a:solidFill>
-                <a:effectLst/>
-                <a:latin typeface="Calibri" panose="020F0502020204030204" pitchFamily="34" charset="0"/>
-                <a:ea typeface="Calibri" panose="020F0502020204030204" pitchFamily="34" charset="0"/>
-                <a:cs typeface="Mangal" panose="02040503050203030202" pitchFamily="18" charset="0"/>
-              </a:rPr>
-              <a:t> rank in SNI Hack 2021 competition as a EOSIO Blockchain Developer for a project “</a:t>
-            </a:r>
-            <a:r>
-              <a:rPr lang="en-IN" sz="1100" dirty="0" err="1">
-                <a:solidFill>
-                  <a:schemeClr val="bg1">
-                    <a:lumMod val="85000"/>
-                  </a:schemeClr>
-                </a:solidFill>
-                <a:effectLst/>
-                <a:latin typeface="Calibri" panose="020F0502020204030204" pitchFamily="34" charset="0"/>
-                <a:ea typeface="Calibri" panose="020F0502020204030204" pitchFamily="34" charset="0"/>
-                <a:cs typeface="Mangal" panose="02040503050203030202" pitchFamily="18" charset="0"/>
+                <a:hlinkClick r:id="rId3">
+                  <a:extLst>
+                    <a:ext uri="{A12FA001-AC4F-418D-AE19-62706E023703}">
+                      <ahyp:hlinkClr xmlns:ahyp="http://schemas.microsoft.com/office/drawing/2018/hyperlinkcolor" val="tx"/>
+                    </a:ext>
+                  </a:extLst>
+                </a:hlinkClick>
               </a:rPr>
               <a:t>Ceven.Parks</a:t>
             </a:r>
@@ -18307,9 +20105,7 @@
                     <a:lumMod val="85000"/>
                   </a:schemeClr>
                 </a:solidFill>
-                <a:effectLst/>
                 <a:latin typeface="Calibri" panose="020F0502020204030204" pitchFamily="34" charset="0"/>
-                <a:ea typeface="Calibri" panose="020F0502020204030204" pitchFamily="34" charset="0"/>
                 <a:cs typeface="Mangal" panose="02040503050203030202" pitchFamily="18" charset="0"/>
               </a:rPr>
               <a:t>”, which provides a digital identity for parks to enable humans to interact with and take care of them.</a:t>
@@ -18336,9 +20132,7 @@
                     <a:lumMod val="85000"/>
                   </a:schemeClr>
                 </a:solidFill>
-                <a:effectLst/>
                 <a:latin typeface="Calibri" panose="020F0502020204030204" pitchFamily="34" charset="0"/>
-                <a:ea typeface="Calibri" panose="020F0502020204030204" pitchFamily="34" charset="0"/>
                 <a:cs typeface="Mangal" panose="02040503050203030202" pitchFamily="18" charset="0"/>
               </a:rPr>
               <a:t>In 2018, I was the founding team member as CTO of a blockchain-based mobility platform that seeks to decentralize the ride-hailing ecosystem. I managed 10 core team members with developers, designers, content writers successfully.</a:t>
@@ -18349,9 +20143,7 @@
                   <a:lumMod val="85000"/>
                 </a:schemeClr>
               </a:solidFill>
-              <a:effectLst/>
               <a:latin typeface="Calibri" panose="020F0502020204030204" pitchFamily="34" charset="0"/>
-              <a:ea typeface="Calibri" panose="020F0502020204030204" pitchFamily="34" charset="0"/>
               <a:cs typeface="Mangal" panose="02040503050203030202" pitchFamily="18" charset="0"/>
             </a:endParaRPr>
           </a:p>
@@ -18376,58 +20168,19 @@
                     <a:lumMod val="85000"/>
                   </a:schemeClr>
                 </a:solidFill>
-                <a:effectLst/>
                 <a:latin typeface="Calibri" panose="020F0502020204030204" pitchFamily="34" charset="0"/>
-                <a:ea typeface="Calibri" panose="020F0502020204030204" pitchFamily="34" charset="0"/>
                 <a:cs typeface="Mangal" panose="02040503050203030202" pitchFamily="18" charset="0"/>
               </a:rPr>
               <a:t>I was sponsored to represent </a:t>
             </a:r>
             <a:r>
-              <a:rPr lang="en-IN" sz="1100" u="sng" dirty="0">
+              <a:rPr lang="en-IN" sz="1100" dirty="0">
                 <a:solidFill>
                   <a:schemeClr val="bg1">
                     <a:lumMod val="85000"/>
                   </a:schemeClr>
                 </a:solidFill>
-                <a:effectLst/>
                 <a:latin typeface="Calibri" panose="020F0502020204030204" pitchFamily="34" charset="0"/>
-                <a:ea typeface="Calibri" panose="020F0502020204030204" pitchFamily="34" charset="0"/>
-                <a:cs typeface="Mangal" panose="02040503050203030202" pitchFamily="18" charset="0"/>
-                <a:hlinkClick r:id="rId3">
-                  <a:extLst>
-                    <a:ext uri="{A12FA001-AC4F-418D-AE19-62706E023703}">
-                      <ahyp:hlinkClr xmlns:ahyp="http://schemas.microsoft.com/office/drawing/2018/hyperlinkcolor" val="tx"/>
-                    </a:ext>
-                  </a:extLst>
-                </a:hlinkClick>
-              </a:rPr>
-              <a:t>DRIFE</a:t>
-            </a:r>
-            <a:r>
-              <a:rPr lang="en-IN" sz="1100" dirty="0">
-                <a:solidFill>
-                  <a:schemeClr val="bg1">
-                    <a:lumMod val="85000"/>
-                  </a:schemeClr>
-                </a:solidFill>
-                <a:effectLst/>
-                <a:latin typeface="Calibri" panose="020F0502020204030204" pitchFamily="34" charset="0"/>
-                <a:ea typeface="Calibri" panose="020F0502020204030204" pitchFamily="34" charset="0"/>
-                <a:cs typeface="Mangal" panose="02040503050203030202" pitchFamily="18" charset="0"/>
-              </a:rPr>
-              <a:t> as CTO in </a:t>
-            </a:r>
-            <a:r>
-              <a:rPr lang="en-IN" sz="1100" u="sng" dirty="0">
-                <a:solidFill>
-                  <a:schemeClr val="bg1">
-                    <a:lumMod val="85000"/>
-                  </a:schemeClr>
-                </a:solidFill>
-                <a:effectLst/>
-                <a:latin typeface="Calibri" panose="020F0502020204030204" pitchFamily="34" charset="0"/>
-                <a:ea typeface="Calibri" panose="020F0502020204030204" pitchFamily="34" charset="0"/>
                 <a:cs typeface="Mangal" panose="02040503050203030202" pitchFamily="18" charset="0"/>
                 <a:hlinkClick r:id="rId4">
                   <a:extLst>
@@ -18437,7 +20190,7 @@
                   </a:extLst>
                 </a:hlinkClick>
               </a:rPr>
-              <a:t>World Blockchain Summit</a:t>
+              <a:t>DRIFE</a:t>
             </a:r>
             <a:r>
               <a:rPr lang="en-IN" sz="1100" dirty="0">
@@ -18446,12 +20199,41 @@
                     <a:lumMod val="85000"/>
                   </a:schemeClr>
                 </a:solidFill>
-                <a:effectLst/>
                 <a:latin typeface="Calibri" panose="020F0502020204030204" pitchFamily="34" charset="0"/>
-                <a:ea typeface="Calibri" panose="020F0502020204030204" pitchFamily="34" charset="0"/>
                 <a:cs typeface="Mangal" panose="02040503050203030202" pitchFamily="18" charset="0"/>
               </a:rPr>
-              <a:t> (WBS) held at Dubai in October, 2018, where I pitched to around 35 investors from worldwide and ranked as the best start-up in utility tokens category.</a:t>
+              <a:t> as CTO in </a:t>
+            </a:r>
+            <a:r>
+              <a:rPr lang="en-IN" sz="1100" dirty="0">
+                <a:solidFill>
+                  <a:schemeClr val="bg1">
+                    <a:lumMod val="85000"/>
+                  </a:schemeClr>
+                </a:solidFill>
+                <a:latin typeface="Calibri" panose="020F0502020204030204" pitchFamily="34" charset="0"/>
+                <a:cs typeface="Mangal" panose="02040503050203030202" pitchFamily="18" charset="0"/>
+                <a:hlinkClick r:id="rId5">
+                  <a:extLst>
+                    <a:ext uri="{A12FA001-AC4F-418D-AE19-62706E023703}">
+                      <ahyp:hlinkClr xmlns:ahyp="http://schemas.microsoft.com/office/drawing/2018/hyperlinkcolor" val="tx"/>
+                    </a:ext>
+                  </a:extLst>
+                </a:hlinkClick>
+              </a:rPr>
+              <a:t>World Blockchain Summit</a:t>
+            </a:r>
+            <a:r>
+              <a:rPr lang="en-IN" sz="1100" dirty="0">
+                <a:solidFill>
+                  <a:schemeClr val="bg1">
+                    <a:lumMod val="85000"/>
+                  </a:schemeClr>
+                </a:solidFill>
+                <a:latin typeface="Calibri" panose="020F0502020204030204" pitchFamily="34" charset="0"/>
+                <a:cs typeface="Mangal" panose="02040503050203030202" pitchFamily="18" charset="0"/>
+              </a:rPr>
+              <a:t> (WBS) held at Dubai in October 2018, where I pitched to around 35 investors from worldwide and ranked as the best start-up in utility tokens category.</a:t>
             </a:r>
             <a:endParaRPr lang="en-US" sz="1100" dirty="0">
               <a:solidFill>
@@ -18459,9 +20241,7 @@
                   <a:lumMod val="85000"/>
                 </a:schemeClr>
               </a:solidFill>
-              <a:effectLst/>
               <a:latin typeface="Calibri" panose="020F0502020204030204" pitchFamily="34" charset="0"/>
-              <a:ea typeface="Calibri" panose="020F0502020204030204" pitchFamily="34" charset="0"/>
               <a:cs typeface="Mangal" panose="02040503050203030202" pitchFamily="18" charset="0"/>
             </a:endParaRPr>
           </a:p>
@@ -18486,25 +20266,21 @@
                     <a:lumMod val="85000"/>
                   </a:schemeClr>
                 </a:solidFill>
-                <a:effectLst/>
                 <a:latin typeface="Calibri" panose="020F0502020204030204" pitchFamily="34" charset="0"/>
-                <a:ea typeface="Calibri" panose="020F0502020204030204" pitchFamily="34" charset="0"/>
                 <a:cs typeface="Mangal" panose="02040503050203030202" pitchFamily="18" charset="0"/>
               </a:rPr>
               <a:t>I am managing the largest Semiconductor community over Telegram via a </a:t>
             </a:r>
             <a:r>
-              <a:rPr lang="en-IN" sz="1100" u="sng" dirty="0">
+              <a:rPr lang="en-IN" sz="1100" dirty="0">
                 <a:solidFill>
                   <a:schemeClr val="bg1">
                     <a:lumMod val="85000"/>
                   </a:schemeClr>
                 </a:solidFill>
-                <a:effectLst/>
                 <a:latin typeface="Calibri" panose="020F0502020204030204" pitchFamily="34" charset="0"/>
-                <a:ea typeface="Calibri" panose="020F0502020204030204" pitchFamily="34" charset="0"/>
                 <a:cs typeface="Mangal" panose="02040503050203030202" pitchFamily="18" charset="0"/>
-                <a:hlinkClick r:id="rId5">
+                <a:hlinkClick r:id="rId6">
                   <a:extLst>
                     <a:ext uri="{A12FA001-AC4F-418D-AE19-62706E023703}">
                       <ahyp:hlinkClr xmlns:ahyp="http://schemas.microsoft.com/office/drawing/2018/hyperlinkcolor" val="tx"/>
@@ -18521,9 +20297,7 @@
                     <a:lumMod val="85000"/>
                   </a:schemeClr>
                 </a:solidFill>
-                <a:effectLst/>
                 <a:latin typeface="Calibri" panose="020F0502020204030204" pitchFamily="34" charset="0"/>
-                <a:ea typeface="Calibri" panose="020F0502020204030204" pitchFamily="34" charset="0"/>
                 <a:cs typeface="Mangal" panose="02040503050203030202" pitchFamily="18" charset="0"/>
               </a:rPr>
               <a:t>. In future, a blockchain-based Chatbot – ‘SEMION’ with customized user experience, is promised to be released on Telegram and a subscription fee will be charged for which feedbacks is taken via polls conducted within the community.</a:t>
@@ -18534,9 +20308,7 @@
                   <a:lumMod val="85000"/>
                 </a:schemeClr>
               </a:solidFill>
-              <a:effectLst/>
               <a:latin typeface="Calibri" panose="020F0502020204030204" pitchFamily="34" charset="0"/>
-              <a:ea typeface="Calibri" panose="020F0502020204030204" pitchFamily="34" charset="0"/>
               <a:cs typeface="Mangal" panose="02040503050203030202" pitchFamily="18" charset="0"/>
             </a:endParaRPr>
           </a:p>
@@ -18561,23 +20333,21 @@
                     <a:lumMod val="85000"/>
                   </a:schemeClr>
                 </a:solidFill>
-                <a:effectLst/>
                 <a:latin typeface="Calibri" panose="020F0502020204030204" pitchFamily="34" charset="0"/>
-                <a:ea typeface="Calibri" panose="020F0502020204030204" pitchFamily="34" charset="0"/>
                 <a:cs typeface="Mangal" panose="02040503050203030202" pitchFamily="18" charset="0"/>
               </a:rPr>
               <a:t>I provide online education services through my Udemy account – </a:t>
             </a:r>
             <a:r>
-              <a:rPr lang="en-IN" sz="1100" u="sng" dirty="0" err="1">
-                <a:solidFill>
-                  <a:srgbClr val="FFFFFF"/>
-                </a:solidFill>
-                <a:effectLst/>
+              <a:rPr lang="en-IN" sz="1100" dirty="0">
+                <a:solidFill>
+                  <a:schemeClr val="bg1">
+                    <a:lumMod val="85000"/>
+                  </a:schemeClr>
+                </a:solidFill>
                 <a:latin typeface="Calibri" panose="020F0502020204030204" pitchFamily="34" charset="0"/>
-                <a:ea typeface="Calibri" panose="020F0502020204030204" pitchFamily="34" charset="0"/>
                 <a:cs typeface="Mangal" panose="02040503050203030202" pitchFamily="18" charset="0"/>
-                <a:hlinkClick r:id="rId6">
+                <a:hlinkClick r:id="rId7">
                   <a:extLst>
                     <a:ext uri="{A12FA001-AC4F-418D-AE19-62706E023703}">
                       <ahyp:hlinkClr xmlns:ahyp="http://schemas.microsoft.com/office/drawing/2018/hyperlinkcolor" val="tx"/>
@@ -18585,39 +20355,16 @@
                   </a:extLst>
                 </a:hlinkClick>
               </a:rPr>
-              <a:t>Block.Hub</a:t>
-            </a:r>
-            <a:r>
-              <a:rPr lang="en-IN" sz="1100" u="sng" dirty="0">
+              <a:t>Block.Hub Academy</a:t>
+            </a:r>
+            <a:r>
+              <a:rPr lang="en-IN" sz="1100" dirty="0">
                 <a:solidFill>
                   <a:schemeClr val="bg1">
                     <a:lumMod val="85000"/>
                   </a:schemeClr>
                 </a:solidFill>
-                <a:effectLst/>
                 <a:latin typeface="Calibri" panose="020F0502020204030204" pitchFamily="34" charset="0"/>
-                <a:ea typeface="Calibri" panose="020F0502020204030204" pitchFamily="34" charset="0"/>
-                <a:cs typeface="Mangal" panose="02040503050203030202" pitchFamily="18" charset="0"/>
-                <a:hlinkClick r:id="rId6">
-                  <a:extLst>
-                    <a:ext uri="{A12FA001-AC4F-418D-AE19-62706E023703}">
-                      <ahyp:hlinkClr xmlns:ahyp="http://schemas.microsoft.com/office/drawing/2018/hyperlinkcolor" val="tx"/>
-                    </a:ext>
-                  </a:extLst>
-                </a:hlinkClick>
-              </a:rPr>
-              <a:t> Academy</a:t>
-            </a:r>
-            <a:r>
-              <a:rPr lang="en-IN" sz="1100" dirty="0">
-                <a:solidFill>
-                  <a:schemeClr val="bg1">
-                    <a:lumMod val="85000"/>
-                  </a:schemeClr>
-                </a:solidFill>
-                <a:effectLst/>
-                <a:latin typeface="Calibri" panose="020F0502020204030204" pitchFamily="34" charset="0"/>
-                <a:ea typeface="Calibri" panose="020F0502020204030204" pitchFamily="34" charset="0"/>
                 <a:cs typeface="Mangal" panose="02040503050203030202" pitchFamily="18" charset="0"/>
               </a:rPr>
               <a:t> which has a total of 170 students enrolled for 4 courses to date.</a:t>
@@ -18628,9 +20375,7 @@
                   <a:lumMod val="85000"/>
                 </a:schemeClr>
               </a:solidFill>
-              <a:effectLst/>
               <a:latin typeface="Calibri" panose="020F0502020204030204" pitchFamily="34" charset="0"/>
-              <a:ea typeface="Calibri" panose="020F0502020204030204" pitchFamily="34" charset="0"/>
               <a:cs typeface="Mangal" panose="02040503050203030202" pitchFamily="18" charset="0"/>
             </a:endParaRPr>
           </a:p>
@@ -18655,9 +20400,7 @@
                     <a:lumMod val="85000"/>
                   </a:schemeClr>
                 </a:solidFill>
-                <a:effectLst/>
                 <a:latin typeface="Calibri" panose="020F0502020204030204" pitchFamily="34" charset="0"/>
-                <a:ea typeface="Calibri" panose="020F0502020204030204" pitchFamily="34" charset="0"/>
                 <a:cs typeface="Mangal" panose="02040503050203030202" pitchFamily="18" charset="0"/>
               </a:rPr>
               <a:t>I am also available as a mentor for topics related to Blockchain (EOS, NFT, </a:t>
@@ -18669,9 +20412,7 @@
                     <a:lumMod val="85000"/>
                   </a:schemeClr>
                 </a:solidFill>
-                <a:effectLst/>
                 <a:latin typeface="Calibri" panose="020F0502020204030204" pitchFamily="34" charset="0"/>
-                <a:ea typeface="Calibri" panose="020F0502020204030204" pitchFamily="34" charset="0"/>
                 <a:cs typeface="Mangal" panose="02040503050203030202" pitchFamily="18" charset="0"/>
               </a:rPr>
               <a:t>DeFi</a:t>
@@ -18683,25 +20424,21 @@
                     <a:lumMod val="85000"/>
                   </a:schemeClr>
                 </a:solidFill>
-                <a:effectLst/>
                 <a:latin typeface="Calibri" panose="020F0502020204030204" pitchFamily="34" charset="0"/>
-                <a:ea typeface="Calibri" panose="020F0502020204030204" pitchFamily="34" charset="0"/>
                 <a:cs typeface="Mangal" panose="02040503050203030202" pitchFamily="18" charset="0"/>
               </a:rPr>
               <a:t>, Ethereum) via </a:t>
             </a:r>
             <a:r>
-              <a:rPr lang="en-IN" sz="1100" u="sng" dirty="0">
+              <a:rPr lang="en-IN" sz="1100" dirty="0">
                 <a:solidFill>
                   <a:schemeClr val="bg1">
                     <a:lumMod val="85000"/>
                   </a:schemeClr>
                 </a:solidFill>
-                <a:effectLst/>
                 <a:latin typeface="Calibri" panose="020F0502020204030204" pitchFamily="34" charset="0"/>
-                <a:ea typeface="Calibri" panose="020F0502020204030204" pitchFamily="34" charset="0"/>
                 <a:cs typeface="Mangal" panose="02040503050203030202" pitchFamily="18" charset="0"/>
-                <a:hlinkClick r:id="rId7">
+                <a:hlinkClick r:id="rId8">
                   <a:extLst>
                     <a:ext uri="{A12FA001-AC4F-418D-AE19-62706E023703}">
                       <ahyp:hlinkClr xmlns:ahyp="http://schemas.microsoft.com/office/drawing/2018/hyperlinkcolor" val="tx"/>
@@ -18718,9 +20455,7 @@
                     <a:lumMod val="85000"/>
                   </a:schemeClr>
                 </a:solidFill>
-                <a:effectLst/>
                 <a:latin typeface="Calibri" panose="020F0502020204030204" pitchFamily="34" charset="0"/>
-                <a:ea typeface="Calibri" panose="020F0502020204030204" pitchFamily="34" charset="0"/>
                 <a:cs typeface="Mangal" panose="02040503050203030202" pitchFamily="18" charset="0"/>
               </a:rPr>
               <a:t> for 4 people as of now.</a:t>
@@ -18731,9 +20466,7 @@
                   <a:lumMod val="85000"/>
                 </a:schemeClr>
               </a:solidFill>
-              <a:effectLst/>
               <a:latin typeface="Calibri" panose="020F0502020204030204" pitchFamily="34" charset="0"/>
-              <a:ea typeface="Calibri" panose="020F0502020204030204" pitchFamily="34" charset="0"/>
               <a:cs typeface="Mangal" panose="02040503050203030202" pitchFamily="18" charset="0"/>
             </a:endParaRPr>
           </a:p>
@@ -18758,53 +20491,21 @@
                     <a:lumMod val="85000"/>
                   </a:schemeClr>
                 </a:solidFill>
-                <a:effectLst/>
                 <a:latin typeface="Calibri" panose="020F0502020204030204" pitchFamily="34" charset="0"/>
-                <a:ea typeface="Calibri" panose="020F0502020204030204" pitchFamily="34" charset="0"/>
                 <a:cs typeface="Mangal" panose="02040503050203030202" pitchFamily="18" charset="0"/>
               </a:rPr>
-              <a:t>Maintain one of the highest starred </a:t>
-            </a:r>
-            <a:r>
-              <a:rPr lang="en-IN" sz="1100" dirty="0" err="1">
+              <a:t>Maintain one of the highest starred GitHub repositories in EOSIO Ecosystem. </a:t>
+            </a:r>
+            <a:r>
+              <a:rPr lang="en-IN" sz="1100" dirty="0">
                 <a:solidFill>
                   <a:schemeClr val="bg1">
                     <a:lumMod val="85000"/>
                   </a:schemeClr>
                 </a:solidFill>
-                <a:effectLst/>
                 <a:latin typeface="Calibri" panose="020F0502020204030204" pitchFamily="34" charset="0"/>
-                <a:ea typeface="Calibri" panose="020F0502020204030204" pitchFamily="34" charset="0"/>
                 <a:cs typeface="Mangal" panose="02040503050203030202" pitchFamily="18" charset="0"/>
-              </a:rPr>
-              <a:t>Github</a:t>
-            </a:r>
-            <a:r>
-              <a:rPr lang="en-IN" sz="1100" dirty="0">
-                <a:solidFill>
-                  <a:schemeClr val="bg1">
-                    <a:lumMod val="85000"/>
-                  </a:schemeClr>
-                </a:solidFill>
-                <a:effectLst/>
-                <a:latin typeface="Calibri" panose="020F0502020204030204" pitchFamily="34" charset="0"/>
-                <a:ea typeface="Calibri" panose="020F0502020204030204" pitchFamily="34" charset="0"/>
-                <a:cs typeface="Mangal" panose="02040503050203030202" pitchFamily="18" charset="0"/>
-              </a:rPr>
-              <a:t> repositories in EOSIO Ecosystem. </a:t>
-            </a:r>
-            <a:r>
-              <a:rPr lang="en-IN" sz="1100" u="sng" dirty="0">
-                <a:solidFill>
-                  <a:schemeClr val="bg1">
-                    <a:lumMod val="85000"/>
-                  </a:schemeClr>
-                </a:solidFill>
-                <a:effectLst/>
-                <a:latin typeface="Calibri" panose="020F0502020204030204" pitchFamily="34" charset="0"/>
-                <a:ea typeface="Calibri" panose="020F0502020204030204" pitchFamily="34" charset="0"/>
-                <a:cs typeface="Mangal" panose="02040503050203030202" pitchFamily="18" charset="0"/>
-                <a:hlinkClick r:id="rId8">
+                <a:hlinkClick r:id="rId9">
                   <a:extLst>
                     <a:ext uri="{A12FA001-AC4F-418D-AE19-62706E023703}">
                       <ahyp:hlinkClr xmlns:ahyp="http://schemas.microsoft.com/office/drawing/2018/hyperlinkcolor" val="tx"/>
@@ -18820,9 +20521,7 @@
                   <a:lumMod val="85000"/>
                 </a:schemeClr>
               </a:solidFill>
-              <a:effectLst/>
               <a:latin typeface="Calibri" panose="020F0502020204030204" pitchFamily="34" charset="0"/>
-              <a:ea typeface="Calibri" panose="020F0502020204030204" pitchFamily="34" charset="0"/>
               <a:cs typeface="Mangal" panose="02040503050203030202" pitchFamily="18" charset="0"/>
             </a:endParaRPr>
           </a:p>
@@ -18847,25 +20546,21 @@
                     <a:lumMod val="85000"/>
                   </a:schemeClr>
                 </a:solidFill>
-                <a:effectLst/>
                 <a:latin typeface="Calibri" panose="020F0502020204030204" pitchFamily="34" charset="0"/>
-                <a:ea typeface="Calibri" panose="020F0502020204030204" pitchFamily="34" charset="0"/>
                 <a:cs typeface="Mangal" panose="02040503050203030202" pitchFamily="18" charset="0"/>
               </a:rPr>
               <a:t>I have published many thoughtful articles related to Blockchain, Data Science on </a:t>
             </a:r>
             <a:r>
-              <a:rPr lang="en-IN" sz="1100" u="sng" dirty="0">
+              <a:rPr lang="en-IN" sz="1100" dirty="0">
                 <a:solidFill>
                   <a:schemeClr val="bg1">
                     <a:lumMod val="85000"/>
                   </a:schemeClr>
                 </a:solidFill>
-                <a:effectLst/>
                 <a:latin typeface="Calibri" panose="020F0502020204030204" pitchFamily="34" charset="0"/>
-                <a:ea typeface="Calibri" panose="020F0502020204030204" pitchFamily="34" charset="0"/>
                 <a:cs typeface="Mangal" panose="02040503050203030202" pitchFamily="18" charset="0"/>
-                <a:hlinkClick r:id="rId9">
+                <a:hlinkClick r:id="rId10">
                   <a:extLst>
                     <a:ext uri="{A12FA001-AC4F-418D-AE19-62706E023703}">
                       <ahyp:hlinkClr xmlns:ahyp="http://schemas.microsoft.com/office/drawing/2018/hyperlinkcolor" val="tx"/>
@@ -18881,9 +20576,7 @@
                   <a:lumMod val="85000"/>
                 </a:schemeClr>
               </a:solidFill>
-              <a:effectLst/>
               <a:latin typeface="Calibri" panose="020F0502020204030204" pitchFamily="34" charset="0"/>
-              <a:ea typeface="Calibri" panose="020F0502020204030204" pitchFamily="34" charset="0"/>
               <a:cs typeface="Mangal" panose="02040503050203030202" pitchFamily="18" charset="0"/>
             </a:endParaRPr>
           </a:p>
@@ -18908,58 +20601,19 @@
                     <a:lumMod val="85000"/>
                   </a:schemeClr>
                 </a:solidFill>
-                <a:effectLst/>
                 <a:latin typeface="Calibri" panose="020F0502020204030204" pitchFamily="34" charset="0"/>
-                <a:ea typeface="Calibri" panose="020F0502020204030204" pitchFamily="34" charset="0"/>
                 <a:cs typeface="Mangal" panose="02040503050203030202" pitchFamily="18" charset="0"/>
               </a:rPr>
               <a:t>I was a regular technical content creator for a community called </a:t>
             </a:r>
             <a:r>
-              <a:rPr lang="en-IN" sz="1100" u="sng" dirty="0">
+              <a:rPr lang="en-IN" sz="1100" dirty="0">
                 <a:solidFill>
                   <a:schemeClr val="bg1">
                     <a:lumMod val="85000"/>
                   </a:schemeClr>
                 </a:solidFill>
-                <a:effectLst/>
                 <a:latin typeface="Calibri" panose="020F0502020204030204" pitchFamily="34" charset="0"/>
-                <a:ea typeface="Calibri" panose="020F0502020204030204" pitchFamily="34" charset="0"/>
-                <a:cs typeface="Mangal" panose="02040503050203030202" pitchFamily="18" charset="0"/>
-                <a:hlinkClick r:id="rId10">
-                  <a:extLst>
-                    <a:ext uri="{A12FA001-AC4F-418D-AE19-62706E023703}">
-                      <ahyp:hlinkClr xmlns:ahyp="http://schemas.microsoft.com/office/drawing/2018/hyperlinkcolor" val="tx"/>
-                    </a:ext>
-                  </a:extLst>
-                </a:hlinkClick>
-              </a:rPr>
-              <a:t>Utopian</a:t>
-            </a:r>
-            <a:r>
-              <a:rPr lang="en-IN" sz="1100" dirty="0">
-                <a:solidFill>
-                  <a:schemeClr val="bg1">
-                    <a:lumMod val="85000"/>
-                  </a:schemeClr>
-                </a:solidFill>
-                <a:effectLst/>
-                <a:latin typeface="Calibri" panose="020F0502020204030204" pitchFamily="34" charset="0"/>
-                <a:ea typeface="Calibri" panose="020F0502020204030204" pitchFamily="34" charset="0"/>
-                <a:cs typeface="Mangal" panose="02040503050203030202" pitchFamily="18" charset="0"/>
-              </a:rPr>
-              <a:t> on </a:t>
-            </a:r>
-            <a:r>
-              <a:rPr lang="en-IN" sz="1100" u="sng" dirty="0">
-                <a:solidFill>
-                  <a:schemeClr val="bg1">
-                    <a:lumMod val="85000"/>
-                  </a:schemeClr>
-                </a:solidFill>
-                <a:effectLst/>
-                <a:latin typeface="Calibri" panose="020F0502020204030204" pitchFamily="34" charset="0"/>
-                <a:ea typeface="Calibri" panose="020F0502020204030204" pitchFamily="34" charset="0"/>
                 <a:cs typeface="Mangal" panose="02040503050203030202" pitchFamily="18" charset="0"/>
                 <a:hlinkClick r:id="rId11">
                   <a:extLst>
@@ -18969,7 +20623,7 @@
                   </a:extLst>
                 </a:hlinkClick>
               </a:rPr>
-              <a:t>Steemit</a:t>
+              <a:t>Utopian</a:t>
             </a:r>
             <a:r>
               <a:rPr lang="en-IN" sz="1100" dirty="0">
@@ -18978,23 +20632,19 @@
                     <a:lumMod val="85000"/>
                   </a:schemeClr>
                 </a:solidFill>
-                <a:effectLst/>
                 <a:latin typeface="Calibri" panose="020F0502020204030204" pitchFamily="34" charset="0"/>
-                <a:ea typeface="Calibri" panose="020F0502020204030204" pitchFamily="34" charset="0"/>
                 <a:cs typeface="Mangal" panose="02040503050203030202" pitchFamily="18" charset="0"/>
               </a:rPr>
-              <a:t>– An incentivized social platform on </a:t>
-            </a:r>
-            <a:r>
-              <a:rPr lang="en-IN" sz="1100" u="sng" dirty="0">
+              <a:t> on </a:t>
+            </a:r>
+            <a:r>
+              <a:rPr lang="en-IN" sz="1100" dirty="0">
                 <a:solidFill>
                   <a:schemeClr val="bg1">
                     <a:lumMod val="85000"/>
                   </a:schemeClr>
                 </a:solidFill>
-                <a:effectLst/>
                 <a:latin typeface="Calibri" panose="020F0502020204030204" pitchFamily="34" charset="0"/>
-                <a:ea typeface="Calibri" panose="020F0502020204030204" pitchFamily="34" charset="0"/>
                 <a:cs typeface="Mangal" panose="02040503050203030202" pitchFamily="18" charset="0"/>
                 <a:hlinkClick r:id="rId12">
                   <a:extLst>
@@ -19004,6 +20654,37 @@
                   </a:extLst>
                 </a:hlinkClick>
               </a:rPr>
+              <a:t>Steemit</a:t>
+            </a:r>
+            <a:r>
+              <a:rPr lang="en-IN" sz="1100" dirty="0">
+                <a:solidFill>
+                  <a:schemeClr val="bg1">
+                    <a:lumMod val="85000"/>
+                  </a:schemeClr>
+                </a:solidFill>
+                <a:latin typeface="Calibri" panose="020F0502020204030204" pitchFamily="34" charset="0"/>
+                <a:cs typeface="Mangal" panose="02040503050203030202" pitchFamily="18" charset="0"/>
+              </a:rPr>
+              <a:t>– An incentivized social platform on </a:t>
+            </a:r>
+            <a:r>
+              <a:rPr lang="en-IN" sz="1100" dirty="0">
+                <a:solidFill>
+                  <a:schemeClr val="bg1">
+                    <a:lumMod val="85000"/>
+                  </a:schemeClr>
+                </a:solidFill>
+                <a:latin typeface="Calibri" panose="020F0502020204030204" pitchFamily="34" charset="0"/>
+                <a:cs typeface="Mangal" panose="02040503050203030202" pitchFamily="18" charset="0"/>
+                <a:hlinkClick r:id="rId13">
+                  <a:extLst>
+                    <a:ext uri="{A12FA001-AC4F-418D-AE19-62706E023703}">
+                      <ahyp:hlinkClr xmlns:ahyp="http://schemas.microsoft.com/office/drawing/2018/hyperlinkcolor" val="tx"/>
+                    </a:ext>
+                  </a:extLst>
+                </a:hlinkClick>
+              </a:rPr>
               <a:t>Steem</a:t>
             </a:r>
             <a:r>
@@ -19013,93 +20694,10 @@
                     <a:lumMod val="85000"/>
                   </a:schemeClr>
                 </a:solidFill>
-                <a:effectLst/>
                 <a:latin typeface="Calibri" panose="020F0502020204030204" pitchFamily="34" charset="0"/>
-                <a:ea typeface="Calibri" panose="020F0502020204030204" pitchFamily="34" charset="0"/>
                 <a:cs typeface="Mangal" panose="02040503050203030202" pitchFamily="18" charset="0"/>
               </a:rPr>
               <a:t> Blockchain.</a:t>
-            </a:r>
-          </a:p>
-          <a:p>
-            <a:pPr marL="342900" marR="0" lvl="0" indent="-342900" algn="just">
-              <a:lnSpc>
-                <a:spcPct val="115000"/>
-              </a:lnSpc>
-              <a:spcBef>
-                <a:spcPts val="0"/>
-              </a:spcBef>
-              <a:spcAft>
-                <a:spcPts val="600"/>
-              </a:spcAft>
-              <a:buFont typeface="Symbol" panose="05050102010706020507" pitchFamily="18" charset="2"/>
-              <a:buChar char=""/>
-            </a:pPr>
-            <a:r>
-              <a:rPr lang="en-IN" sz="1100" dirty="0">
-                <a:solidFill>
-                  <a:schemeClr val="bg1">
-                    <a:lumMod val="85000"/>
-                  </a:schemeClr>
-                </a:solidFill>
-                <a:latin typeface="Calibri" panose="020F0502020204030204" pitchFamily="34" charset="0"/>
-                <a:ea typeface="Calibri" panose="020F0502020204030204" pitchFamily="34" charset="0"/>
-                <a:cs typeface="Mangal" panose="02040503050203030202" pitchFamily="18" charset="0"/>
-              </a:rPr>
-              <a:t>Contributed to </a:t>
-            </a:r>
-            <a:r>
-              <a:rPr lang="en-IN" sz="1100" dirty="0" err="1">
-                <a:solidFill>
-                  <a:schemeClr val="bg1">
-                    <a:lumMod val="85000"/>
-                  </a:schemeClr>
-                </a:solidFill>
-                <a:latin typeface="Calibri" panose="020F0502020204030204" pitchFamily="34" charset="0"/>
-                <a:ea typeface="Calibri" panose="020F0502020204030204" pitchFamily="34" charset="0"/>
-                <a:cs typeface="Mangal" panose="02040503050203030202" pitchFamily="18" charset="0"/>
-              </a:rPr>
-              <a:t>Uniswap</a:t>
-            </a:r>
-            <a:r>
-              <a:rPr lang="en-IN" sz="1100" dirty="0">
-                <a:solidFill>
-                  <a:schemeClr val="bg1">
-                    <a:lumMod val="85000"/>
-                  </a:schemeClr>
-                </a:solidFill>
-                <a:latin typeface="Calibri" panose="020F0502020204030204" pitchFamily="34" charset="0"/>
-                <a:ea typeface="Calibri" panose="020F0502020204030204" pitchFamily="34" charset="0"/>
-                <a:cs typeface="Mangal" panose="02040503050203030202" pitchFamily="18" charset="0"/>
-              </a:rPr>
-              <a:t> v2 </a:t>
-            </a:r>
-            <a:r>
-              <a:rPr lang="en-IN" sz="1100" dirty="0">
-                <a:solidFill>
-                  <a:schemeClr val="bg1">
-                    <a:lumMod val="85000"/>
-                  </a:schemeClr>
-                </a:solidFill>
-                <a:latin typeface="Calibri" panose="020F0502020204030204" pitchFamily="34" charset="0"/>
-                <a:ea typeface="Calibri" panose="020F0502020204030204" pitchFamily="34" charset="0"/>
-                <a:cs typeface="Mangal" panose="02040503050203030202" pitchFamily="18" charset="0"/>
-                <a:hlinkClick r:id="rId13"/>
-              </a:rPr>
-              <a:t>here</a:t>
-            </a:r>
-            <a:r>
-              <a:rPr lang="en-IN" sz="1100" dirty="0">
-                <a:solidFill>
-                  <a:schemeClr val="bg1">
-                    <a:lumMod val="85000"/>
-                  </a:schemeClr>
-                </a:solidFill>
-                <a:latin typeface="Calibri" panose="020F0502020204030204" pitchFamily="34" charset="0"/>
-                <a:ea typeface="Calibri" panose="020F0502020204030204" pitchFamily="34" charset="0"/>
-                <a:cs typeface="Mangal" panose="02040503050203030202" pitchFamily="18" charset="0"/>
-              </a:rPr>
-              <a:t>.</a:t>
             </a:r>
             <a:endParaRPr lang="en-US" sz="1100" dirty="0">
               <a:solidFill>
@@ -19107,170 +20705,7 @@
                   <a:lumMod val="85000"/>
                 </a:schemeClr>
               </a:solidFill>
-              <a:effectLst/>
               <a:latin typeface="Calibri" panose="020F0502020204030204" pitchFamily="34" charset="0"/>
-              <a:ea typeface="Calibri" panose="020F0502020204030204" pitchFamily="34" charset="0"/>
-              <a:cs typeface="Mangal" panose="02040503050203030202" pitchFamily="18" charset="0"/>
-            </a:endParaRPr>
-          </a:p>
-          <a:p>
-            <a:pPr marL="342900" indent="-342900" algn="just">
-              <a:lnSpc>
-                <a:spcPct val="115000"/>
-              </a:lnSpc>
-              <a:spcAft>
-                <a:spcPts val="1000"/>
-              </a:spcAft>
-              <a:buFont typeface="Symbol" panose="05050102010706020507" pitchFamily="18" charset="2"/>
-              <a:buChar char=""/>
-            </a:pPr>
-            <a:endParaRPr lang="en-US" sz="1100" dirty="0">
-              <a:solidFill>
-                <a:schemeClr val="bg1">
-                  <a:lumMod val="85000"/>
-                </a:schemeClr>
-              </a:solidFill>
-              <a:effectLst/>
-              <a:latin typeface="Calibri" panose="020F0502020204030204" pitchFamily="34" charset="0"/>
-              <a:ea typeface="Calibri" panose="020F0502020204030204" pitchFamily="34" charset="0"/>
-              <a:cs typeface="Mangal" panose="02040503050203030202" pitchFamily="18" charset="0"/>
-            </a:endParaRPr>
-          </a:p>
-          <a:p>
-            <a:pPr marL="342900" indent="-342900" algn="just">
-              <a:lnSpc>
-                <a:spcPct val="115000"/>
-              </a:lnSpc>
-              <a:spcAft>
-                <a:spcPts val="1000"/>
-              </a:spcAft>
-              <a:buFont typeface="Symbol" panose="05050102010706020507" pitchFamily="18" charset="2"/>
-              <a:buChar char=""/>
-            </a:pPr>
-            <a:endParaRPr lang="en-US" sz="1100" dirty="0">
-              <a:solidFill>
-                <a:schemeClr val="bg1">
-                  <a:lumMod val="85000"/>
-                </a:schemeClr>
-              </a:solidFill>
-              <a:effectLst/>
-              <a:latin typeface="Calibri" panose="020F0502020204030204" pitchFamily="34" charset="0"/>
-              <a:ea typeface="Calibri" panose="020F0502020204030204" pitchFamily="34" charset="0"/>
-              <a:cs typeface="Mangal" panose="02040503050203030202" pitchFamily="18" charset="0"/>
-            </a:endParaRPr>
-          </a:p>
-          <a:p>
-            <a:pPr marL="342900" indent="-342900" algn="just">
-              <a:lnSpc>
-                <a:spcPct val="115000"/>
-              </a:lnSpc>
-              <a:spcAft>
-                <a:spcPts val="1000"/>
-              </a:spcAft>
-              <a:buFont typeface="Symbol" panose="05050102010706020507" pitchFamily="18" charset="2"/>
-              <a:buChar char=""/>
-            </a:pPr>
-            <a:endParaRPr lang="en-US" sz="1100" dirty="0">
-              <a:solidFill>
-                <a:schemeClr val="bg1">
-                  <a:lumMod val="85000"/>
-                </a:schemeClr>
-              </a:solidFill>
-              <a:effectLst/>
-              <a:latin typeface="Calibri" panose="020F0502020204030204" pitchFamily="34" charset="0"/>
-              <a:ea typeface="Calibri" panose="020F0502020204030204" pitchFamily="34" charset="0"/>
-              <a:cs typeface="Mangal" panose="02040503050203030202" pitchFamily="18" charset="0"/>
-            </a:endParaRPr>
-          </a:p>
-          <a:p>
-            <a:pPr marL="342900" indent="-342900" algn="just">
-              <a:lnSpc>
-                <a:spcPct val="115000"/>
-              </a:lnSpc>
-              <a:spcAft>
-                <a:spcPts val="1000"/>
-              </a:spcAft>
-              <a:buFont typeface="Symbol" panose="05050102010706020507" pitchFamily="18" charset="2"/>
-              <a:buChar char=""/>
-            </a:pPr>
-            <a:endParaRPr lang="en-US" sz="1100" dirty="0">
-              <a:solidFill>
-                <a:schemeClr val="bg1">
-                  <a:lumMod val="85000"/>
-                </a:schemeClr>
-              </a:solidFill>
-              <a:effectLst/>
-              <a:latin typeface="Calibri" panose="020F0502020204030204" pitchFamily="34" charset="0"/>
-              <a:ea typeface="Calibri" panose="020F0502020204030204" pitchFamily="34" charset="0"/>
-              <a:cs typeface="Mangal" panose="02040503050203030202" pitchFamily="18" charset="0"/>
-            </a:endParaRPr>
-          </a:p>
-          <a:p>
-            <a:pPr marL="342900" indent="-342900" algn="just">
-              <a:lnSpc>
-                <a:spcPct val="115000"/>
-              </a:lnSpc>
-              <a:spcAft>
-                <a:spcPts val="1000"/>
-              </a:spcAft>
-              <a:buFont typeface="Symbol" panose="05050102010706020507" pitchFamily="18" charset="2"/>
-              <a:buChar char=""/>
-            </a:pPr>
-            <a:endParaRPr lang="en-US" sz="1100" dirty="0">
-              <a:solidFill>
-                <a:schemeClr val="bg1">
-                  <a:lumMod val="85000"/>
-                </a:schemeClr>
-              </a:solidFill>
-              <a:effectLst/>
-              <a:latin typeface="Calibri" panose="020F0502020204030204" pitchFamily="34" charset="0"/>
-              <a:ea typeface="Calibri" panose="020F0502020204030204" pitchFamily="34" charset="0"/>
-              <a:cs typeface="Mangal" panose="02040503050203030202" pitchFamily="18" charset="0"/>
-            </a:endParaRPr>
-          </a:p>
-          <a:p>
-            <a:pPr marL="342900" indent="-342900" algn="just">
-              <a:lnSpc>
-                <a:spcPct val="115000"/>
-              </a:lnSpc>
-              <a:spcAft>
-                <a:spcPts val="1000"/>
-              </a:spcAft>
-              <a:buFont typeface="Symbol" panose="05050102010706020507" pitchFamily="18" charset="2"/>
-              <a:buChar char=""/>
-            </a:pPr>
-            <a:endParaRPr lang="en-US" sz="1100" dirty="0">
-              <a:solidFill>
-                <a:schemeClr val="bg1">
-                  <a:lumMod val="85000"/>
-                </a:schemeClr>
-              </a:solidFill>
-              <a:effectLst/>
-              <a:latin typeface="Calibri" panose="020F0502020204030204" pitchFamily="34" charset="0"/>
-              <a:ea typeface="Calibri" panose="020F0502020204030204" pitchFamily="34" charset="0"/>
-              <a:cs typeface="Mangal" panose="02040503050203030202" pitchFamily="18" charset="0"/>
-            </a:endParaRPr>
-          </a:p>
-          <a:p>
-            <a:pPr marL="342900" indent="-342900" algn="just">
-              <a:lnSpc>
-                <a:spcPct val="115000"/>
-              </a:lnSpc>
-              <a:spcAft>
-                <a:spcPts val="1000"/>
-              </a:spcAft>
-              <a:buFont typeface="Symbol" panose="05050102010706020507" pitchFamily="18" charset="2"/>
-              <a:buChar char=""/>
-            </a:pPr>
-            <a:endParaRPr lang="en-US" sz="1100" dirty="0">
-              <a:solidFill>
-                <a:schemeClr val="bg1">
-                  <a:lumMod val="85000"/>
-                </a:schemeClr>
-              </a:solidFill>
-              <a:effectLst/>
-              <a:latin typeface="Calibri" panose="020F0502020204030204" pitchFamily="34" charset="0"/>
-              <a:ea typeface="Calibri" panose="020F0502020204030204" pitchFamily="34" charset="0"/>
               <a:cs typeface="Mangal" panose="02040503050203030202" pitchFamily="18" charset="0"/>
             </a:endParaRPr>
           </a:p>
@@ -19321,12 +20756,41 @@
                     <a:lumMod val="85000"/>
                   </a:schemeClr>
                 </a:solidFill>
-                <a:effectLst/>
                 <a:latin typeface="Calibri" panose="020F0502020204030204" pitchFamily="34" charset="0"/>
-                <a:ea typeface="Calibri" panose="020F0502020204030204" pitchFamily="34" charset="0"/>
                 <a:cs typeface="Mangal" panose="02040503050203030202" pitchFamily="18" charset="0"/>
               </a:rPr>
-              <a:t>Built a Key Generator Bot called ‘</a:t>
+              <a:t>Built a </a:t>
+            </a:r>
+            <a:r>
+              <a:rPr lang="en-IN" sz="1100" dirty="0">
+                <a:solidFill>
+                  <a:schemeClr val="bg1">
+                    <a:lumMod val="85000"/>
+                  </a:schemeClr>
+                </a:solidFill>
+                <a:latin typeface="Calibri" panose="020F0502020204030204" pitchFamily="34" charset="0"/>
+                <a:cs typeface="Mangal" panose="02040503050203030202" pitchFamily="18" charset="0"/>
+                <a:hlinkClick r:id="rId14">
+                  <a:extLst>
+                    <a:ext uri="{A12FA001-AC4F-418D-AE19-62706E023703}">
+                      <ahyp:hlinkClr xmlns:ahyp="http://schemas.microsoft.com/office/drawing/2018/hyperlinkcolor" val="tx"/>
+                    </a:ext>
+                  </a:extLst>
+                </a:hlinkClick>
+              </a:rPr>
+              <a:t>Key Generator Bot</a:t>
+            </a:r>
+            <a:r>
+              <a:rPr lang="en-IN" sz="1100" dirty="0">
+                <a:solidFill>
+                  <a:schemeClr val="bg1">
+                    <a:lumMod val="85000"/>
+                  </a:schemeClr>
+                </a:solidFill>
+                <a:latin typeface="Calibri" panose="020F0502020204030204" pitchFamily="34" charset="0"/>
+                <a:cs typeface="Mangal" panose="02040503050203030202" pitchFamily="18" charset="0"/>
+              </a:rPr>
+              <a:t> called ‘</a:t>
             </a:r>
             <a:r>
               <a:rPr lang="en-IN" sz="1100" dirty="0" err="1">
@@ -19335,9 +20799,7 @@
                     <a:lumMod val="85000"/>
                   </a:schemeClr>
                 </a:solidFill>
-                <a:effectLst/>
                 <a:latin typeface="Calibri" panose="020F0502020204030204" pitchFamily="34" charset="0"/>
-                <a:ea typeface="Calibri" panose="020F0502020204030204" pitchFamily="34" charset="0"/>
                 <a:cs typeface="Mangal" panose="02040503050203030202" pitchFamily="18" charset="0"/>
               </a:rPr>
               <a:t>KeyHub</a:t>
@@ -19349,9 +20811,7 @@
                     <a:lumMod val="85000"/>
                   </a:schemeClr>
                 </a:solidFill>
-                <a:effectLst/>
                 <a:latin typeface="Calibri" panose="020F0502020204030204" pitchFamily="34" charset="0"/>
-                <a:ea typeface="Calibri" panose="020F0502020204030204" pitchFamily="34" charset="0"/>
                 <a:cs typeface="Mangal" panose="02040503050203030202" pitchFamily="18" charset="0"/>
               </a:rPr>
               <a:t>’, where a user can buy license key for a set of products. The key usage is continuously monitored along with exact location obtained through reverse-geocoding of coordinates.</a:t>
@@ -19375,12 +20835,41 @@
                     <a:lumMod val="85000"/>
                   </a:schemeClr>
                 </a:solidFill>
-                <a:effectLst/>
                 <a:latin typeface="Calibri" panose="020F0502020204030204" pitchFamily="34" charset="0"/>
-                <a:ea typeface="Calibri" panose="020F0502020204030204" pitchFamily="34" charset="0"/>
                 <a:cs typeface="Mangal" panose="02040503050203030202" pitchFamily="18" charset="0"/>
               </a:rPr>
-              <a:t>Created a Bot called ‘LEO’ which allows a user to get dog images based on their saved breed as preference or to load random dog images. A donation programme feature was also added which then allowed dog lovers to donate money directly to the Dog Welfare centres. </a:t>
+              <a:t>Created a </a:t>
+            </a:r>
+            <a:r>
+              <a:rPr lang="en-IN" sz="1100" dirty="0">
+                <a:solidFill>
+                  <a:schemeClr val="bg1">
+                    <a:lumMod val="85000"/>
+                  </a:schemeClr>
+                </a:solidFill>
+                <a:latin typeface="Calibri" panose="020F0502020204030204" pitchFamily="34" charset="0"/>
+                <a:cs typeface="Mangal" panose="02040503050203030202" pitchFamily="18" charset="0"/>
+                <a:hlinkClick r:id="rId15">
+                  <a:extLst>
+                    <a:ext uri="{A12FA001-AC4F-418D-AE19-62706E023703}">
+                      <ahyp:hlinkClr xmlns:ahyp="http://schemas.microsoft.com/office/drawing/2018/hyperlinkcolor" val="tx"/>
+                    </a:ext>
+                  </a:extLst>
+                </a:hlinkClick>
+              </a:rPr>
+              <a:t>Bot</a:t>
+            </a:r>
+            <a:r>
+              <a:rPr lang="en-IN" sz="1100" dirty="0">
+                <a:solidFill>
+                  <a:schemeClr val="bg1">
+                    <a:lumMod val="85000"/>
+                  </a:schemeClr>
+                </a:solidFill>
+                <a:latin typeface="Calibri" panose="020F0502020204030204" pitchFamily="34" charset="0"/>
+                <a:cs typeface="Mangal" panose="02040503050203030202" pitchFamily="18" charset="0"/>
+              </a:rPr>
+              <a:t> called ‘LEO’ which allows a user to get dog images based on their saved breed as preference or to load random dog images. A donation programme feature was also added which then allowed dog lovers to donate money directly to the Dog Welfare centres. </a:t>
             </a:r>
           </a:p>
           <a:p>
@@ -19401,12 +20890,41 @@
                     <a:lumMod val="85000"/>
                   </a:schemeClr>
                 </a:solidFill>
-                <a:effectLst/>
                 <a:latin typeface="Calibri" panose="020F0502020204030204" pitchFamily="34" charset="0"/>
-                <a:ea typeface="Calibri" panose="020F0502020204030204" pitchFamily="34" charset="0"/>
                 <a:cs typeface="Mangal" panose="02040503050203030202" pitchFamily="18" charset="0"/>
               </a:rPr>
-              <a:t>Created a general purpose Quiz bot with types - MCQ, Image, Audio, GIF, Video for any topic where a teacher/School/College can conduct online exams for their students. Addition of proper evaluation of subjective types of exam is to be added into the Bot.  </a:t>
+              <a:t>Created a general-purpose </a:t>
+            </a:r>
+            <a:r>
+              <a:rPr lang="en-IN" sz="1100" dirty="0">
+                <a:solidFill>
+                  <a:schemeClr val="bg1">
+                    <a:lumMod val="85000"/>
+                  </a:schemeClr>
+                </a:solidFill>
+                <a:latin typeface="Calibri" panose="020F0502020204030204" pitchFamily="34" charset="0"/>
+                <a:cs typeface="Mangal" panose="02040503050203030202" pitchFamily="18" charset="0"/>
+                <a:hlinkClick r:id="rId16">
+                  <a:extLst>
+                    <a:ext uri="{A12FA001-AC4F-418D-AE19-62706E023703}">
+                      <ahyp:hlinkClr xmlns:ahyp="http://schemas.microsoft.com/office/drawing/2018/hyperlinkcolor" val="tx"/>
+                    </a:ext>
+                  </a:extLst>
+                </a:hlinkClick>
+              </a:rPr>
+              <a:t>Quiz bot </a:t>
+            </a:r>
+            <a:r>
+              <a:rPr lang="en-IN" sz="1100" dirty="0">
+                <a:solidFill>
+                  <a:schemeClr val="bg1">
+                    <a:lumMod val="85000"/>
+                  </a:schemeClr>
+                </a:solidFill>
+                <a:latin typeface="Calibri" panose="020F0502020204030204" pitchFamily="34" charset="0"/>
+                <a:cs typeface="Mangal" panose="02040503050203030202" pitchFamily="18" charset="0"/>
+              </a:rPr>
+              <a:t>with types - MCQ, Image, Audio, GIF, Video for any topic where a teacher/School/College can conduct online exams for their students. Addition of proper evaluation of subjective types of exam is to be added into the Bot.  </a:t>
             </a:r>
             <a:endParaRPr lang="en-US" sz="1100" dirty="0">
               <a:solidFill>
@@ -19414,9 +20932,7 @@
                   <a:lumMod val="85000"/>
                 </a:schemeClr>
               </a:solidFill>
-              <a:effectLst/>
               <a:latin typeface="Calibri" panose="020F0502020204030204" pitchFamily="34" charset="0"/>
-              <a:ea typeface="Calibri" panose="020F0502020204030204" pitchFamily="34" charset="0"/>
               <a:cs typeface="Mangal" panose="02040503050203030202" pitchFamily="18" charset="0"/>
             </a:endParaRPr>
           </a:p>
@@ -19436,7 +20952,7 @@
         </p:nvSpPr>
         <p:spPr>
           <a:xfrm>
-            <a:off x="527446" y="270058"/>
+            <a:off x="362398" y="259046"/>
             <a:ext cx="687897" cy="338554"/>
           </a:xfrm>
           <a:prstGeom prst="rect">
@@ -19454,7 +20970,7 @@
           <a:p>
             <a:pPr algn="ctr"/>
             <a:r>
-              <a:rPr lang="en-US" sz="1600" dirty="0"/>
+              <a:rPr lang="en-US" sz="1600" b="1" dirty="0"/>
               <a:t>Bot</a:t>
             </a:r>
           </a:p>
@@ -19708,6 +21224,301 @@
 </file>
 
 <file path=ppt/theme/theme2.xml><?xml version="1.0" encoding="utf-8"?>
+<a:theme xmlns:a="http://schemas.openxmlformats.org/drawingml/2006/main" name="Office Theme">
+  <a:themeElements>
+    <a:clrScheme name="Office">
+      <a:dk1>
+        <a:sysClr val="windowText" lastClr="000000"/>
+      </a:dk1>
+      <a:lt1>
+        <a:sysClr val="window" lastClr="FFFFFF"/>
+      </a:lt1>
+      <a:dk2>
+        <a:srgbClr val="44546A"/>
+      </a:dk2>
+      <a:lt2>
+        <a:srgbClr val="E7E6E6"/>
+      </a:lt2>
+      <a:accent1>
+        <a:srgbClr val="4472C4"/>
+      </a:accent1>
+      <a:accent2>
+        <a:srgbClr val="ED7D31"/>
+      </a:accent2>
+      <a:accent3>
+        <a:srgbClr val="A5A5A5"/>
+      </a:accent3>
+      <a:accent4>
+        <a:srgbClr val="FFC000"/>
+      </a:accent4>
+      <a:accent5>
+        <a:srgbClr val="5B9BD5"/>
+      </a:accent5>
+      <a:accent6>
+        <a:srgbClr val="70AD47"/>
+      </a:accent6>
+      <a:hlink>
+        <a:srgbClr val="0563C1"/>
+      </a:hlink>
+      <a:folHlink>
+        <a:srgbClr val="954F72"/>
+      </a:folHlink>
+    </a:clrScheme>
+    <a:fontScheme name="Office">
+      <a:majorFont>
+        <a:latin typeface="Calibri Light" panose="020F0302020204030204"/>
+        <a:ea typeface=""/>
+        <a:cs typeface=""/>
+        <a:font script="Jpan" typeface="游ゴシック Light"/>
+        <a:font script="Hang" typeface="맑은 고딕"/>
+        <a:font script="Hans" typeface="等线 Light"/>
+        <a:font script="Hant" typeface="新細明體"/>
+        <a:font script="Arab" typeface="Times New Roman"/>
+        <a:font script="Hebr" typeface="Times New Roman"/>
+        <a:font script="Thai" typeface="Angsana New"/>
+        <a:font script="Ethi" typeface="Nyala"/>
+        <a:font script="Beng" typeface="Vrinda"/>
+        <a:font script="Gujr" typeface="Shruti"/>
+        <a:font script="Khmr" typeface="MoolBoran"/>
+        <a:font script="Knda" typeface="Tunga"/>
+        <a:font script="Guru" typeface="Raavi"/>
+        <a:font script="Cans" typeface="Euphemia"/>
+        <a:font script="Cher" typeface="Plantagenet Cherokee"/>
+        <a:font script="Yiii" typeface="Microsoft Yi Baiti"/>
+        <a:font script="Tibt" typeface="Microsoft Himalaya"/>
+        <a:font script="Thaa" typeface="MV Boli"/>
+        <a:font script="Deva" typeface="Mangal"/>
+        <a:font script="Telu" typeface="Gautami"/>
+        <a:font script="Taml" typeface="Latha"/>
+        <a:font script="Syrc" typeface="Estrangelo Edessa"/>
+        <a:font script="Orya" typeface="Kalinga"/>
+        <a:font script="Mlym" typeface="Kartika"/>
+        <a:font script="Laoo" typeface="DokChampa"/>
+        <a:font script="Sinh" typeface="Iskoola Pota"/>
+        <a:font script="Mong" typeface="Mongolian Baiti"/>
+        <a:font script="Viet" typeface="Times New Roman"/>
+        <a:font script="Uigh" typeface="Microsoft Uighur"/>
+        <a:font script="Geor" typeface="Sylfaen"/>
+        <a:font script="Armn" typeface="Arial"/>
+        <a:font script="Bugi" typeface="Leelawadee UI"/>
+        <a:font script="Bopo" typeface="Microsoft JhengHei"/>
+        <a:font script="Java" typeface="Javanese Text"/>
+        <a:font script="Lisu" typeface="Segoe UI"/>
+        <a:font script="Mymr" typeface="Myanmar Text"/>
+        <a:font script="Nkoo" typeface="Ebrima"/>
+        <a:font script="Olck" typeface="Nirmala UI"/>
+        <a:font script="Osma" typeface="Ebrima"/>
+        <a:font script="Phag" typeface="Phagspa"/>
+        <a:font script="Syrn" typeface="Estrangelo Edessa"/>
+        <a:font script="Syrj" typeface="Estrangelo Edessa"/>
+        <a:font script="Syre" typeface="Estrangelo Edessa"/>
+        <a:font script="Sora" typeface="Nirmala UI"/>
+        <a:font script="Tale" typeface="Microsoft Tai Le"/>
+        <a:font script="Talu" typeface="Microsoft New Tai Lue"/>
+        <a:font script="Tfng" typeface="Ebrima"/>
+      </a:majorFont>
+      <a:minorFont>
+        <a:latin typeface="Calibri" panose="020F0502020204030204"/>
+        <a:ea typeface=""/>
+        <a:cs typeface=""/>
+        <a:font script="Jpan" typeface="游ゴシック"/>
+        <a:font script="Hang" typeface="맑은 고딕"/>
+        <a:font script="Hans" typeface="等线"/>
+        <a:font script="Hant" typeface="新細明體"/>
+        <a:font script="Arab" typeface="Arial"/>
+        <a:font script="Hebr" typeface="Arial"/>
+        <a:font script="Thai" typeface="Cordia New"/>
+        <a:font script="Ethi" typeface="Nyala"/>
+        <a:font script="Beng" typeface="Vrinda"/>
+        <a:font script="Gujr" typeface="Shruti"/>
+        <a:font script="Khmr" typeface="DaunPenh"/>
+        <a:font script="Knda" typeface="Tunga"/>
+        <a:font script="Guru" typeface="Raavi"/>
+        <a:font script="Cans" typeface="Euphemia"/>
+        <a:font script="Cher" typeface="Plantagenet Cherokee"/>
+        <a:font script="Yiii" typeface="Microsoft Yi Baiti"/>
+        <a:font script="Tibt" typeface="Microsoft Himalaya"/>
+        <a:font script="Thaa" typeface="MV Boli"/>
+        <a:font script="Deva" typeface="Mangal"/>
+        <a:font script="Telu" typeface="Gautami"/>
+        <a:font script="Taml" typeface="Latha"/>
+        <a:font script="Syrc" typeface="Estrangelo Edessa"/>
+        <a:font script="Orya" typeface="Kalinga"/>
+        <a:font script="Mlym" typeface="Kartika"/>
+        <a:font script="Laoo" typeface="DokChampa"/>
+        <a:font script="Sinh" typeface="Iskoola Pota"/>
+        <a:font script="Mong" typeface="Mongolian Baiti"/>
+        <a:font script="Viet" typeface="Arial"/>
+        <a:font script="Uigh" typeface="Microsoft Uighur"/>
+        <a:font script="Geor" typeface="Sylfaen"/>
+        <a:font script="Armn" typeface="Arial"/>
+        <a:font script="Bugi" typeface="Leelawadee UI"/>
+        <a:font script="Bopo" typeface="Microsoft JhengHei"/>
+        <a:font script="Java" typeface="Javanese Text"/>
+        <a:font script="Lisu" typeface="Segoe UI"/>
+        <a:font script="Mymr" typeface="Myanmar Text"/>
+        <a:font script="Nkoo" typeface="Ebrima"/>
+        <a:font script="Olck" typeface="Nirmala UI"/>
+        <a:font script="Osma" typeface="Ebrima"/>
+        <a:font script="Phag" typeface="Phagspa"/>
+        <a:font script="Syrn" typeface="Estrangelo Edessa"/>
+        <a:font script="Syrj" typeface="Estrangelo Edessa"/>
+        <a:font script="Syre" typeface="Estrangelo Edessa"/>
+        <a:font script="Sora" typeface="Nirmala UI"/>
+        <a:font script="Tale" typeface="Microsoft Tai Le"/>
+        <a:font script="Talu" typeface="Microsoft New Tai Lue"/>
+        <a:font script="Tfng" typeface="Ebrima"/>
+      </a:minorFont>
+    </a:fontScheme>
+    <a:fmtScheme name="Office">
+      <a:fillStyleLst>
+        <a:solidFill>
+          <a:schemeClr val="phClr"/>
+        </a:solidFill>
+        <a:gradFill rotWithShape="1">
+          <a:gsLst>
+            <a:gs pos="0">
+              <a:schemeClr val="phClr">
+                <a:lumMod val="110000"/>
+                <a:satMod val="105000"/>
+                <a:tint val="67000"/>
+              </a:schemeClr>
+            </a:gs>
+            <a:gs pos="50000">
+              <a:schemeClr val="phClr">
+                <a:lumMod val="105000"/>
+                <a:satMod val="103000"/>
+                <a:tint val="73000"/>
+              </a:schemeClr>
+            </a:gs>
+            <a:gs pos="100000">
+              <a:schemeClr val="phClr">
+                <a:lumMod val="105000"/>
+                <a:satMod val="109000"/>
+                <a:tint val="81000"/>
+              </a:schemeClr>
+            </a:gs>
+          </a:gsLst>
+          <a:lin ang="5400000" scaled="0"/>
+        </a:gradFill>
+        <a:gradFill rotWithShape="1">
+          <a:gsLst>
+            <a:gs pos="0">
+              <a:schemeClr val="phClr">
+                <a:satMod val="103000"/>
+                <a:lumMod val="102000"/>
+                <a:tint val="94000"/>
+              </a:schemeClr>
+            </a:gs>
+            <a:gs pos="50000">
+              <a:schemeClr val="phClr">
+                <a:satMod val="110000"/>
+                <a:lumMod val="100000"/>
+                <a:shade val="100000"/>
+              </a:schemeClr>
+            </a:gs>
+            <a:gs pos="100000">
+              <a:schemeClr val="phClr">
+                <a:lumMod val="99000"/>
+                <a:satMod val="120000"/>
+                <a:shade val="78000"/>
+              </a:schemeClr>
+            </a:gs>
+          </a:gsLst>
+          <a:lin ang="5400000" scaled="0"/>
+        </a:gradFill>
+      </a:fillStyleLst>
+      <a:lnStyleLst>
+        <a:ln w="6350" cap="flat" cmpd="sng" algn="ctr">
+          <a:solidFill>
+            <a:schemeClr val="phClr"/>
+          </a:solidFill>
+          <a:prstDash val="solid"/>
+          <a:miter lim="800000"/>
+        </a:ln>
+        <a:ln w="12700" cap="flat" cmpd="sng" algn="ctr">
+          <a:solidFill>
+            <a:schemeClr val="phClr"/>
+          </a:solidFill>
+          <a:prstDash val="solid"/>
+          <a:miter lim="800000"/>
+        </a:ln>
+        <a:ln w="19050" cap="flat" cmpd="sng" algn="ctr">
+          <a:solidFill>
+            <a:schemeClr val="phClr"/>
+          </a:solidFill>
+          <a:prstDash val="solid"/>
+          <a:miter lim="800000"/>
+        </a:ln>
+      </a:lnStyleLst>
+      <a:effectStyleLst>
+        <a:effectStyle>
+          <a:effectLst/>
+        </a:effectStyle>
+        <a:effectStyle>
+          <a:effectLst/>
+        </a:effectStyle>
+        <a:effectStyle>
+          <a:effectLst>
+            <a:outerShdw blurRad="57150" dist="19050" dir="5400000" algn="ctr" rotWithShape="0">
+              <a:srgbClr val="000000">
+                <a:alpha val="63000"/>
+              </a:srgbClr>
+            </a:outerShdw>
+          </a:effectLst>
+        </a:effectStyle>
+      </a:effectStyleLst>
+      <a:bgFillStyleLst>
+        <a:solidFill>
+          <a:schemeClr val="phClr"/>
+        </a:solidFill>
+        <a:solidFill>
+          <a:schemeClr val="phClr">
+            <a:tint val="95000"/>
+            <a:satMod val="170000"/>
+          </a:schemeClr>
+        </a:solidFill>
+        <a:gradFill rotWithShape="1">
+          <a:gsLst>
+            <a:gs pos="0">
+              <a:schemeClr val="phClr">
+                <a:tint val="93000"/>
+                <a:satMod val="150000"/>
+                <a:shade val="98000"/>
+                <a:lumMod val="102000"/>
+              </a:schemeClr>
+            </a:gs>
+            <a:gs pos="50000">
+              <a:schemeClr val="phClr">
+                <a:tint val="98000"/>
+                <a:satMod val="130000"/>
+                <a:shade val="90000"/>
+                <a:lumMod val="103000"/>
+              </a:schemeClr>
+            </a:gs>
+            <a:gs pos="100000">
+              <a:schemeClr val="phClr">
+                <a:shade val="63000"/>
+                <a:satMod val="120000"/>
+              </a:schemeClr>
+            </a:gs>
+          </a:gsLst>
+          <a:lin ang="5400000" scaled="0"/>
+        </a:gradFill>
+      </a:bgFillStyleLst>
+    </a:fmtScheme>
+  </a:themeElements>
+  <a:objectDefaults/>
+  <a:extraClrSchemeLst/>
+  <a:extLst>
+    <a:ext uri="{05A4C25C-085E-4340-85A3-A5531E510DB2}">
+      <thm15:themeFamily xmlns:thm15="http://schemas.microsoft.com/office/thememl/2012/main" name="Office Theme" id="{62F939B6-93AF-4DB8-9C6B-D6C7DFDC589F}" vid="{4A3C46E8-61CC-4603-A589-7422A47A8E4A}"/>
+    </a:ext>
+  </a:extLst>
+</a:theme>
+</file>
+
+<file path=ppt/theme/theme3.xml><?xml version="1.0" encoding="utf-8"?>
 <a:theme xmlns:a="http://schemas.openxmlformats.org/drawingml/2006/main" name="Office Theme">
   <a:themeElements>
     <a:clrScheme name="Office">
@@ -20003,20 +21814,20 @@
 </file>
 
 <file path=customXml/item1.xml><?xml version="1.0" encoding="utf-8"?>
+<p:properties xmlns:p="http://schemas.microsoft.com/office/2006/metadata/properties" xmlns:xsi="http://www.w3.org/2001/XMLSchema-instance" xmlns:pc="http://schemas.microsoft.com/office/infopath/2007/PartnerControls">
+  <documentManagement>
+    <MediaServiceKeyPoints xmlns="ef88797d-310b-4d46-ad9c-0c23fa0c8d45" xsi:nil="true"/>
+  </documentManagement>
+</p:properties>
+</file>
+
+<file path=customXml/item2.xml><?xml version="1.0" encoding="utf-8"?>
 <?mso-contentType ?>
 <FormTemplates xmlns="http://schemas.microsoft.com/sharepoint/v3/contenttype/forms">
   <Display>DocumentLibraryForm</Display>
   <Edit>DocumentLibraryForm</Edit>
   <New>DocumentLibraryForm</New>
 </FormTemplates>
-</file>
-
-<file path=customXml/item2.xml><?xml version="1.0" encoding="utf-8"?>
-<p:properties xmlns:p="http://schemas.microsoft.com/office/2006/metadata/properties" xmlns:xsi="http://www.w3.org/2001/XMLSchema-instance" xmlns:pc="http://schemas.microsoft.com/office/infopath/2007/PartnerControls">
-  <documentManagement>
-    <MediaServiceKeyPoints xmlns="ef88797d-310b-4d46-ad9c-0c23fa0c8d45" xsi:nil="true"/>
-  </documentManagement>
-</p:properties>
 </file>
 
 <file path=customXml/item3.xml><?xml version="1.0" encoding="utf-8"?>
@@ -20243,19 +22054,19 @@
 </file>
 
 <file path=customXml/itemProps1.xml><?xml version="1.0" encoding="utf-8"?>
-<ds:datastoreItem xmlns:ds="http://schemas.openxmlformats.org/officeDocument/2006/customXml" ds:itemID="{20056241-EAE4-4EAF-8B0E-8651A3DCDE25}">
+<ds:datastoreItem xmlns:ds="http://schemas.openxmlformats.org/officeDocument/2006/customXml" ds:itemID="{578389EB-672F-420D-AB19-CDFA657C66F4}">
   <ds:schemaRefs>
-    <ds:schemaRef ds:uri="http://schemas.microsoft.com/sharepoint/v3/contenttype/forms"/>
+    <ds:schemaRef ds:uri="http://schemas.microsoft.com/office/2006/metadata/properties"/>
+    <ds:schemaRef ds:uri="http://schemas.microsoft.com/office/infopath/2007/PartnerControls"/>
+    <ds:schemaRef ds:uri="ef88797d-310b-4d46-ad9c-0c23fa0c8d45"/>
   </ds:schemaRefs>
 </ds:datastoreItem>
 </file>
 
 <file path=customXml/itemProps2.xml><?xml version="1.0" encoding="utf-8"?>
-<ds:datastoreItem xmlns:ds="http://schemas.openxmlformats.org/officeDocument/2006/customXml" ds:itemID="{578389EB-672F-420D-AB19-CDFA657C66F4}">
+<ds:datastoreItem xmlns:ds="http://schemas.openxmlformats.org/officeDocument/2006/customXml" ds:itemID="{20056241-EAE4-4EAF-8B0E-8651A3DCDE25}">
   <ds:schemaRefs>
-    <ds:schemaRef ds:uri="http://schemas.microsoft.com/office/2006/metadata/properties"/>
-    <ds:schemaRef ds:uri="http://schemas.microsoft.com/office/infopath/2007/PartnerControls"/>
-    <ds:schemaRef ds:uri="ef88797d-310b-4d46-ad9c-0c23fa0c8d45"/>
+    <ds:schemaRef ds:uri="http://schemas.microsoft.com/sharepoint/v3/contenttype/forms"/>
   </ds:schemaRefs>
 </ds:datastoreItem>
 </file>

--- a/my_resume.pptx
+++ b/my_resume.pptx
@@ -242,7 +242,7 @@
             <a:fld id="{F126DA7F-2AB4-430D-8B2A-97731DDF23A1}" type="datetimeFigureOut">
               <a:rPr lang="en-US" smtClean="0"/>
               <a:pPr/>
-              <a:t>7/1/22</a:t>
+              <a:t>7/4/22</a:t>
             </a:fld>
             <a:endParaRPr lang="en-US" dirty="0"/>
           </a:p>
@@ -420,7 +420,7 @@
           <a:p>
             <a:fld id="{F3D4E210-CAF8-2E4C-A367-F074B973C260}" type="datetimeFigureOut">
               <a:rPr lang="en-US" smtClean="0"/>
-              <a:t>7/1/22</a:t>
+              <a:t>7/4/22</a:t>
             </a:fld>
             <a:endParaRPr lang="en-US"/>
           </a:p>
@@ -7695,7 +7695,7 @@
             <a:fld id="{902AD433-F5B6-43A3-8DE6-1382B3149F77}" type="datetimeFigureOut">
               <a:rPr lang="en-US" smtClean="0"/>
               <a:pPr/>
-              <a:t>7/1/22</a:t>
+              <a:t>7/4/22</a:t>
             </a:fld>
             <a:endParaRPr lang="en-US" dirty="0"/>
           </a:p>
@@ -19054,7 +19054,7 @@
         <p:spPr>
           <a:xfrm>
             <a:off x="507162" y="1478298"/>
-            <a:ext cx="6258560" cy="2801601"/>
+            <a:ext cx="6258560" cy="2996269"/>
           </a:xfrm>
           <a:prstGeom prst="rect">
             <a:avLst/>
@@ -19326,7 +19326,7 @@
                 <a:latin typeface="Calibri" panose="020F0502020204030204" pitchFamily="34" charset="0"/>
                 <a:cs typeface="Mangal" panose="02040503050203030202" pitchFamily="18" charset="0"/>
               </a:rPr>
-              <a:t>along with the hybrid storage model (Blockchain + Cloud) for submission of personal data and validation through its cryptographic hash.</a:t>
+              <a:t>along with the hybrid storage model (Blockchain + Redis Cloud DB) for submission of personal data and validation through its cryptographic hash.</a:t>
             </a:r>
           </a:p>
           <a:p>
@@ -21814,20 +21814,20 @@
 </file>
 
 <file path=customXml/item1.xml><?xml version="1.0" encoding="utf-8"?>
-<p:properties xmlns:p="http://schemas.microsoft.com/office/2006/metadata/properties" xmlns:xsi="http://www.w3.org/2001/XMLSchema-instance" xmlns:pc="http://schemas.microsoft.com/office/infopath/2007/PartnerControls">
-  <documentManagement>
-    <MediaServiceKeyPoints xmlns="ef88797d-310b-4d46-ad9c-0c23fa0c8d45" xsi:nil="true"/>
-  </documentManagement>
-</p:properties>
-</file>
-
-<file path=customXml/item2.xml><?xml version="1.0" encoding="utf-8"?>
 <?mso-contentType ?>
 <FormTemplates xmlns="http://schemas.microsoft.com/sharepoint/v3/contenttype/forms">
   <Display>DocumentLibraryForm</Display>
   <Edit>DocumentLibraryForm</Edit>
   <New>DocumentLibraryForm</New>
 </FormTemplates>
+</file>
+
+<file path=customXml/item2.xml><?xml version="1.0" encoding="utf-8"?>
+<p:properties xmlns:p="http://schemas.microsoft.com/office/2006/metadata/properties" xmlns:xsi="http://www.w3.org/2001/XMLSchema-instance" xmlns:pc="http://schemas.microsoft.com/office/infopath/2007/PartnerControls">
+  <documentManagement>
+    <MediaServiceKeyPoints xmlns="ef88797d-310b-4d46-ad9c-0c23fa0c8d45" xsi:nil="true"/>
+  </documentManagement>
+</p:properties>
 </file>
 
 <file path=customXml/item3.xml><?xml version="1.0" encoding="utf-8"?>
@@ -22054,19 +22054,19 @@
 </file>
 
 <file path=customXml/itemProps1.xml><?xml version="1.0" encoding="utf-8"?>
+<ds:datastoreItem xmlns:ds="http://schemas.openxmlformats.org/officeDocument/2006/customXml" ds:itemID="{20056241-EAE4-4EAF-8B0E-8651A3DCDE25}">
+  <ds:schemaRefs>
+    <ds:schemaRef ds:uri="http://schemas.microsoft.com/sharepoint/v3/contenttype/forms"/>
+  </ds:schemaRefs>
+</ds:datastoreItem>
+</file>
+
+<file path=customXml/itemProps2.xml><?xml version="1.0" encoding="utf-8"?>
 <ds:datastoreItem xmlns:ds="http://schemas.openxmlformats.org/officeDocument/2006/customXml" ds:itemID="{578389EB-672F-420D-AB19-CDFA657C66F4}">
   <ds:schemaRefs>
     <ds:schemaRef ds:uri="http://schemas.microsoft.com/office/2006/metadata/properties"/>
     <ds:schemaRef ds:uri="http://schemas.microsoft.com/office/infopath/2007/PartnerControls"/>
     <ds:schemaRef ds:uri="ef88797d-310b-4d46-ad9c-0c23fa0c8d45"/>
-  </ds:schemaRefs>
-</ds:datastoreItem>
-</file>
-
-<file path=customXml/itemProps2.xml><?xml version="1.0" encoding="utf-8"?>
-<ds:datastoreItem xmlns:ds="http://schemas.openxmlformats.org/officeDocument/2006/customXml" ds:itemID="{20056241-EAE4-4EAF-8B0E-8651A3DCDE25}">
-  <ds:schemaRefs>
-    <ds:schemaRef ds:uri="http://schemas.microsoft.com/sharepoint/v3/contenttype/forms"/>
   </ds:schemaRefs>
 </ds:datastoreItem>
 </file>

--- a/my_resume.pptx
+++ b/my_resume.pptx
@@ -198,7 +198,7 @@
           <a:p>
             <a:fld id="{060BEAD1-672E-E841-95FA-08B9B35A46D7}" type="datetimeFigureOut">
               <a:rPr lang="en-US" smtClean="0"/>
-              <a:t>10/7/22</a:t>
+              <a:t>10/12/22</a:t>
             </a:fld>
             <a:endParaRPr lang="en-US"/>
           </a:p>
@@ -765,7 +765,7 @@
           <a:p>
             <a:fld id="{A417C049-F611-094D-8104-5764D8D04213}" type="datetimeFigureOut">
               <a:rPr lang="en-US" smtClean="0"/>
-              <a:t>10/7/22</a:t>
+              <a:t>10/12/22</a:t>
             </a:fld>
             <a:endParaRPr lang="en-US"/>
           </a:p>
@@ -935,7 +935,7 @@
           <a:p>
             <a:fld id="{A417C049-F611-094D-8104-5764D8D04213}" type="datetimeFigureOut">
               <a:rPr lang="en-US" smtClean="0"/>
-              <a:t>10/7/22</a:t>
+              <a:t>10/12/22</a:t>
             </a:fld>
             <a:endParaRPr lang="en-US"/>
           </a:p>
@@ -1115,7 +1115,7 @@
           <a:p>
             <a:fld id="{A417C049-F611-094D-8104-5764D8D04213}" type="datetimeFigureOut">
               <a:rPr lang="en-US" smtClean="0"/>
-              <a:t>10/7/22</a:t>
+              <a:t>10/12/22</a:t>
             </a:fld>
             <a:endParaRPr lang="en-US"/>
           </a:p>
@@ -1285,7 +1285,7 @@
           <a:p>
             <a:fld id="{A417C049-F611-094D-8104-5764D8D04213}" type="datetimeFigureOut">
               <a:rPr lang="en-US" smtClean="0"/>
-              <a:t>10/7/22</a:t>
+              <a:t>10/12/22</a:t>
             </a:fld>
             <a:endParaRPr lang="en-US"/>
           </a:p>
@@ -1529,7 +1529,7 @@
           <a:p>
             <a:fld id="{A417C049-F611-094D-8104-5764D8D04213}" type="datetimeFigureOut">
               <a:rPr lang="en-US" smtClean="0"/>
-              <a:t>10/7/22</a:t>
+              <a:t>10/12/22</a:t>
             </a:fld>
             <a:endParaRPr lang="en-US"/>
           </a:p>
@@ -1761,7 +1761,7 @@
           <a:p>
             <a:fld id="{A417C049-F611-094D-8104-5764D8D04213}" type="datetimeFigureOut">
               <a:rPr lang="en-US" smtClean="0"/>
-              <a:t>10/7/22</a:t>
+              <a:t>10/12/22</a:t>
             </a:fld>
             <a:endParaRPr lang="en-US"/>
           </a:p>
@@ -2128,7 +2128,7 @@
           <a:p>
             <a:fld id="{A417C049-F611-094D-8104-5764D8D04213}" type="datetimeFigureOut">
               <a:rPr lang="en-US" smtClean="0"/>
-              <a:t>10/7/22</a:t>
+              <a:t>10/12/22</a:t>
             </a:fld>
             <a:endParaRPr lang="en-US"/>
           </a:p>
@@ -2246,7 +2246,7 @@
           <a:p>
             <a:fld id="{A417C049-F611-094D-8104-5764D8D04213}" type="datetimeFigureOut">
               <a:rPr lang="en-US" smtClean="0"/>
-              <a:t>10/7/22</a:t>
+              <a:t>10/12/22</a:t>
             </a:fld>
             <a:endParaRPr lang="en-US"/>
           </a:p>
@@ -2341,7 +2341,7 @@
           <a:p>
             <a:fld id="{A417C049-F611-094D-8104-5764D8D04213}" type="datetimeFigureOut">
               <a:rPr lang="en-US" smtClean="0"/>
-              <a:t>10/7/22</a:t>
+              <a:t>10/12/22</a:t>
             </a:fld>
             <a:endParaRPr lang="en-US"/>
           </a:p>
@@ -2618,7 +2618,7 @@
           <a:p>
             <a:fld id="{A417C049-F611-094D-8104-5764D8D04213}" type="datetimeFigureOut">
               <a:rPr lang="en-US" smtClean="0"/>
-              <a:t>10/7/22</a:t>
+              <a:t>10/12/22</a:t>
             </a:fld>
             <a:endParaRPr lang="en-US"/>
           </a:p>
@@ -2875,7 +2875,7 @@
           <a:p>
             <a:fld id="{A417C049-F611-094D-8104-5764D8D04213}" type="datetimeFigureOut">
               <a:rPr lang="en-US" smtClean="0"/>
-              <a:t>10/7/22</a:t>
+              <a:t>10/12/22</a:t>
             </a:fld>
             <a:endParaRPr lang="en-US"/>
           </a:p>
@@ -3093,7 +3093,7 @@
           <a:p>
             <a:fld id="{A417C049-F611-094D-8104-5764D8D04213}" type="datetimeFigureOut">
               <a:rPr lang="en-US" smtClean="0"/>
-              <a:t>10/7/22</a:t>
+              <a:t>10/12/22</a:t>
             </a:fld>
             <a:endParaRPr lang="en-US"/>
           </a:p>
@@ -4559,7 +4559,7 @@
                 <a:effectLst/>
                 <a:latin typeface="Whitney"/>
               </a:rPr>
-              <a:t>I am a Software Developer with 6+ years of experience as CTO, Lead/Senior Blockchain Developer in multiple Web3 startups, projects related to </a:t>
+              <a:t>I am a Software Developer with 6+ years of experience as CTO, Lead/Senior Blockchain Developer in various Web3 startups, projects related to </a:t>
             </a:r>
             <a:r>
               <a:rPr lang="en-US" sz="1000" dirty="0">
@@ -4571,7 +4571,7 @@
                 </a:solidFill>
                 <a:latin typeface="Whitney"/>
               </a:rPr>
-              <a:t>Smart contract development, Back-end in </a:t>
+              <a:t>Smart contract &amp; Back-end development in </a:t>
             </a:r>
             <a:r>
               <a:rPr lang="en-US" sz="1000" b="0" i="0" dirty="0">
@@ -4682,7 +4682,7 @@
         </p:nvSpPr>
         <p:spPr>
           <a:xfrm>
-            <a:off x="94315" y="7458612"/>
+            <a:off x="94315" y="7876299"/>
             <a:ext cx="3917917" cy="1054135"/>
           </a:xfrm>
           <a:prstGeom prst="rect">
@@ -4734,7 +4734,29 @@
                   </a:schemeClr>
                 </a:solidFill>
               </a:rPr>
-              <a:t> API routing for a blockchain based contract deployment project.</a:t>
+              <a:t> API (REST, </a:t>
+            </a:r>
+            <a:r>
+              <a:rPr lang="en-US" sz="1000" dirty="0" err="1">
+                <a:solidFill>
+                  <a:schemeClr val="tx1">
+                    <a:lumMod val="75000"/>
+                    <a:lumOff val="25000"/>
+                  </a:schemeClr>
+                </a:solidFill>
+              </a:rPr>
+              <a:t>GraphQL</a:t>
+            </a:r>
+            <a:r>
+              <a:rPr lang="en-US" sz="1000" dirty="0">
+                <a:solidFill>
+                  <a:schemeClr val="tx1">
+                    <a:lumMod val="75000"/>
+                    <a:lumOff val="25000"/>
+                  </a:schemeClr>
+                </a:solidFill>
+              </a:rPr>
+              <a:t>) routing for a web3 project i.e., automated contract deployment.</a:t>
             </a:r>
           </a:p>
           <a:p>
@@ -4754,7 +4776,7 @@
                   </a:schemeClr>
                 </a:solidFill>
               </a:rPr>
-              <a:t>Have experience with Firebase’s </a:t>
+              <a:t>Having experience with Firebase’s </a:t>
             </a:r>
             <a:r>
               <a:rPr lang="en-US" sz="1000" dirty="0" err="1">
@@ -4776,7 +4798,7 @@
                   </a:schemeClr>
                 </a:solidFill>
               </a:rPr>
-              <a:t>, Redis, PostgreSQL Databases for data storage.</a:t>
+              <a:t>, Redis, PostgreSQL, MongoDB Databases for data storage on Google Cloud, Heroku.</a:t>
             </a:r>
           </a:p>
           <a:p>
@@ -4832,7 +4854,7 @@
         </p:nvGrpSpPr>
         <p:grpSpPr>
           <a:xfrm>
-            <a:off x="120073" y="7188667"/>
+            <a:off x="120073" y="7606354"/>
             <a:ext cx="1055498" cy="320656"/>
             <a:chOff x="106735" y="2999656"/>
             <a:chExt cx="1055498" cy="320656"/>
@@ -4999,7 +5021,7 @@
         </p:nvCxnSpPr>
         <p:spPr>
           <a:xfrm>
-            <a:off x="0" y="7131585"/>
+            <a:off x="0" y="7560562"/>
             <a:ext cx="4011812" cy="17100"/>
           </a:xfrm>
           <a:prstGeom prst="line">
@@ -5042,8 +5064,8 @@
         </p:nvSpPr>
         <p:spPr>
           <a:xfrm>
-            <a:off x="90298" y="3336439"/>
-            <a:ext cx="3841844" cy="3747180"/>
+            <a:off x="120073" y="3338886"/>
+            <a:ext cx="3841844" cy="4067780"/>
           </a:xfrm>
           <a:prstGeom prst="rect">
             <a:avLst/>
@@ -5128,15 +5150,103 @@
               <a:buChar char="•"/>
             </a:pPr>
             <a:r>
-              <a:rPr lang="en-US" sz="1000" dirty="0">
-                <a:solidFill>
-                  <a:schemeClr val="tx1">
-                    <a:lumMod val="75000"/>
-                    <a:lumOff val="25000"/>
-                  </a:schemeClr>
-                </a:solidFill>
-              </a:rPr>
-              <a:t>Worked on multiple smart contract projects related to Token, Vault, Staking, ERC721, ERC1155, NFT Marketplace for EVM chains.</a:t>
+              <a:rPr lang="en-IN" sz="1000" dirty="0">
+                <a:solidFill>
+                  <a:schemeClr val="tx1">
+                    <a:lumMod val="75000"/>
+                    <a:lumOff val="25000"/>
+                  </a:schemeClr>
+                </a:solidFill>
+              </a:rPr>
+              <a:t>Experienced with popular </a:t>
+            </a:r>
+            <a:r>
+              <a:rPr lang="en-IN" sz="1000" dirty="0" err="1">
+                <a:solidFill>
+                  <a:schemeClr val="tx1">
+                    <a:lumMod val="75000"/>
+                    <a:lumOff val="25000"/>
+                  </a:schemeClr>
+                </a:solidFill>
+              </a:rPr>
+              <a:t>DeFi</a:t>
+            </a:r>
+            <a:r>
+              <a:rPr lang="en-IN" sz="1000" dirty="0">
+                <a:solidFill>
+                  <a:schemeClr val="tx1">
+                    <a:lumMod val="75000"/>
+                    <a:lumOff val="25000"/>
+                  </a:schemeClr>
+                </a:solidFill>
+              </a:rPr>
+              <a:t> codebases like </a:t>
+            </a:r>
+            <a:r>
+              <a:rPr lang="en-IN" sz="1000" dirty="0" err="1">
+                <a:solidFill>
+                  <a:schemeClr val="tx1">
+                    <a:lumMod val="75000"/>
+                    <a:lumOff val="25000"/>
+                  </a:schemeClr>
+                </a:solidFill>
+              </a:rPr>
+              <a:t>Uniswap</a:t>
+            </a:r>
+            <a:r>
+              <a:rPr lang="en-IN" sz="1000" dirty="0">
+                <a:solidFill>
+                  <a:schemeClr val="tx1">
+                    <a:lumMod val="75000"/>
+                    <a:lumOff val="25000"/>
+                  </a:schemeClr>
+                </a:solidFill>
+              </a:rPr>
+              <a:t>, Curve, Saddle, </a:t>
+            </a:r>
+            <a:r>
+              <a:rPr lang="en-IN" sz="1000" dirty="0" err="1">
+                <a:solidFill>
+                  <a:schemeClr val="tx1">
+                    <a:lumMod val="75000"/>
+                    <a:lumOff val="25000"/>
+                  </a:schemeClr>
+                </a:solidFill>
+              </a:rPr>
+              <a:t>MakerDAO</a:t>
+            </a:r>
+            <a:r>
+              <a:rPr lang="en-IN" sz="1000" dirty="0">
+                <a:solidFill>
+                  <a:schemeClr val="tx1">
+                    <a:lumMod val="75000"/>
+                    <a:lumOff val="25000"/>
+                  </a:schemeClr>
+                </a:solidFill>
+              </a:rPr>
+              <a:t>, </a:t>
+            </a:r>
+            <a:r>
+              <a:rPr lang="en-IN" sz="1000" dirty="0" err="1">
+                <a:solidFill>
+                  <a:schemeClr val="tx1">
+                    <a:lumMod val="75000"/>
+                    <a:lumOff val="25000"/>
+                  </a:schemeClr>
+                </a:solidFill>
+              </a:rPr>
+              <a:t>Liquity</a:t>
+            </a:r>
+            <a:r>
+              <a:rPr lang="en-IN" sz="1000" dirty="0">
+                <a:solidFill>
+                  <a:schemeClr val="tx1">
+                    <a:lumMod val="75000"/>
+                    <a:lumOff val="25000"/>
+                  </a:schemeClr>
+                </a:solidFill>
+              </a:rPr>
+              <a:t>, Yeti.</a:t>
             </a:r>
           </a:p>
           <a:p>
@@ -5156,29 +5266,7 @@
                   </a:schemeClr>
                 </a:solidFill>
               </a:rPr>
-              <a:t>Have experience with Diamond standard &amp; </a:t>
-            </a:r>
-            <a:r>
-              <a:rPr lang="en-US" sz="1000" dirty="0" err="1">
-                <a:solidFill>
-                  <a:schemeClr val="tx1">
-                    <a:lumMod val="75000"/>
-                    <a:lumOff val="25000"/>
-                  </a:schemeClr>
-                </a:solidFill>
-              </a:rPr>
-              <a:t>Openzeppelin</a:t>
-            </a:r>
-            <a:r>
-              <a:rPr lang="en-US" sz="1000" dirty="0">
-                <a:solidFill>
-                  <a:schemeClr val="tx1">
-                    <a:lumMod val="75000"/>
-                    <a:lumOff val="25000"/>
-                  </a:schemeClr>
-                </a:solidFill>
-              </a:rPr>
-              <a:t> proxy patterns for EVM upgradeable contracts.</a:t>
+              <a:t>Worked on multiple smart contract projects related to Token, Vault, Staking, ERC721, ERC1155, NFT Marketplace for EVM chains.</a:t>
             </a:r>
           </a:p>
           <a:p>
@@ -5190,81 +5278,37 @@
               <a:buChar char="•"/>
             </a:pPr>
             <a:r>
-              <a:rPr lang="en-IN" sz="1000" dirty="0">
-                <a:solidFill>
-                  <a:schemeClr val="tx1">
-                    <a:lumMod val="75000"/>
-                    <a:lumOff val="25000"/>
-                  </a:schemeClr>
-                </a:solidFill>
-              </a:rPr>
-              <a:t>Worked on smart contracts like Token, Vesting, Staking with auditors from </a:t>
-            </a:r>
-            <a:r>
-              <a:rPr lang="en-IN" sz="1000" dirty="0" err="1">
-                <a:solidFill>
-                  <a:schemeClr val="tx1">
-                    <a:lumMod val="75000"/>
-                    <a:lumOff val="25000"/>
-                  </a:schemeClr>
-                </a:solidFill>
-              </a:rPr>
-              <a:t>Quantstamp</a:t>
-            </a:r>
-            <a:r>
-              <a:rPr lang="en-IN" sz="1000" dirty="0">
-                <a:solidFill>
-                  <a:schemeClr val="tx1">
-                    <a:lumMod val="75000"/>
-                    <a:lumOff val="25000"/>
-                  </a:schemeClr>
-                </a:solidFill>
-              </a:rPr>
-              <a:t>, </a:t>
-            </a:r>
-            <a:r>
-              <a:rPr lang="en-IN" sz="1000" dirty="0" err="1">
-                <a:solidFill>
-                  <a:schemeClr val="tx1">
-                    <a:lumMod val="75000"/>
-                    <a:lumOff val="25000"/>
-                  </a:schemeClr>
-                </a:solidFill>
-              </a:rPr>
-              <a:t>Certik</a:t>
-            </a:r>
-            <a:r>
-              <a:rPr lang="en-IN" sz="1000" dirty="0">
-                <a:solidFill>
-                  <a:schemeClr val="tx1">
-                    <a:lumMod val="75000"/>
-                    <a:lumOff val="25000"/>
-                  </a:schemeClr>
-                </a:solidFill>
-              </a:rPr>
-              <a:t>, </a:t>
-            </a:r>
-            <a:r>
-              <a:rPr lang="en-IN" sz="1000" dirty="0" err="1">
-                <a:solidFill>
-                  <a:schemeClr val="tx1">
-                    <a:lumMod val="75000"/>
-                    <a:lumOff val="25000"/>
-                  </a:schemeClr>
-                </a:solidFill>
-              </a:rPr>
-              <a:t>Omniscia</a:t>
-            </a:r>
-            <a:r>
-              <a:rPr lang="en-IN" sz="1000" dirty="0">
-                <a:solidFill>
-                  <a:schemeClr val="tx1">
-                    <a:lumMod val="75000"/>
-                    <a:lumOff val="25000"/>
-                  </a:schemeClr>
-                </a:solidFill>
-              </a:rPr>
-              <a:t>, etc. at Upside.</a:t>
+              <a:rPr lang="en-US" sz="1000" dirty="0">
+                <a:solidFill>
+                  <a:schemeClr val="tx1">
+                    <a:lumMod val="75000"/>
+                    <a:lumOff val="25000"/>
+                  </a:schemeClr>
+                </a:solidFill>
+              </a:rPr>
+              <a:t>Have experience with Diamond standard &amp; </a:t>
+            </a:r>
+            <a:r>
+              <a:rPr lang="en-US" sz="1000" dirty="0" err="1">
+                <a:solidFill>
+                  <a:schemeClr val="tx1">
+                    <a:lumMod val="75000"/>
+                    <a:lumOff val="25000"/>
+                  </a:schemeClr>
+                </a:solidFill>
+              </a:rPr>
+              <a:t>Openzeppelin</a:t>
+            </a:r>
+            <a:r>
+              <a:rPr lang="en-US" sz="1000" dirty="0">
+                <a:solidFill>
+                  <a:schemeClr val="tx1">
+                    <a:lumMod val="75000"/>
+                    <a:lumOff val="25000"/>
+                  </a:schemeClr>
+                </a:solidFill>
+              </a:rPr>
+              <a:t> proxy patterns for EVM upgradeable contracts.</a:t>
             </a:r>
           </a:p>
           <a:p>
@@ -5284,7 +5328,7 @@
                   </a:schemeClr>
                 </a:solidFill>
               </a:rPr>
-              <a:t>Worked on large scale contract projects like Polygon's </a:t>
+              <a:t>Worked on smart contracts like Token, Vesting, Staking with auditors from </a:t>
             </a:r>
             <a:r>
               <a:rPr lang="en-IN" sz="1000" dirty="0" err="1">
@@ -5295,7 +5339,7 @@
                   </a:schemeClr>
                 </a:solidFill>
               </a:rPr>
-              <a:t>stablecoin</a:t>
+              <a:t>Quantstamp</a:t>
             </a:r>
             <a:r>
               <a:rPr lang="en-IN" sz="1000" dirty="0">
@@ -5306,7 +5350,7 @@
                   </a:schemeClr>
                 </a:solidFill>
               </a:rPr>
-              <a:t>, Free energy backed AMM DEX, Bonding curve based crowdfunding platform with DAO, </a:t>
+              <a:t>, </a:t>
             </a:r>
             <a:r>
               <a:rPr lang="en-IN" sz="1000" dirty="0" err="1">
@@ -5317,7 +5361,7 @@
                   </a:schemeClr>
                 </a:solidFill>
               </a:rPr>
-              <a:t>Ceven.Parks</a:t>
+              <a:t>Certik</a:t>
             </a:r>
             <a:r>
               <a:rPr lang="en-IN" sz="1000" dirty="0">
@@ -5328,7 +5372,29 @@
                   </a:schemeClr>
                 </a:solidFill>
               </a:rPr>
-              <a:t>.</a:t>
+              <a:t>, </a:t>
+            </a:r>
+            <a:r>
+              <a:rPr lang="en-IN" sz="1000" dirty="0" err="1">
+                <a:solidFill>
+                  <a:schemeClr val="tx1">
+                    <a:lumMod val="75000"/>
+                    <a:lumOff val="25000"/>
+                  </a:schemeClr>
+                </a:solidFill>
+              </a:rPr>
+              <a:t>Omniscia</a:t>
+            </a:r>
+            <a:r>
+              <a:rPr lang="en-IN" sz="1000" dirty="0">
+                <a:solidFill>
+                  <a:schemeClr val="tx1">
+                    <a:lumMod val="75000"/>
+                    <a:lumOff val="25000"/>
+                  </a:schemeClr>
+                </a:solidFill>
+              </a:rPr>
+              <a:t>, etc. at Upside.</a:t>
             </a:r>
           </a:p>
           <a:p>
@@ -5348,7 +5414,51 @@
                   </a:schemeClr>
                 </a:solidFill>
               </a:rPr>
-              <a:t>Have experience in testing, deployment, flattening, verification, get contract-size of smart contracts using Truffle, Hardhat, Foundry toolkits.</a:t>
+              <a:t>Worked on large scale contract projects like Polygon's </a:t>
+            </a:r>
+            <a:r>
+              <a:rPr lang="en-IN" sz="1000" dirty="0" err="1">
+                <a:solidFill>
+                  <a:schemeClr val="tx1">
+                    <a:lumMod val="75000"/>
+                    <a:lumOff val="25000"/>
+                  </a:schemeClr>
+                </a:solidFill>
+              </a:rPr>
+              <a:t>stablecoin</a:t>
+            </a:r>
+            <a:r>
+              <a:rPr lang="en-IN" sz="1000" dirty="0">
+                <a:solidFill>
+                  <a:schemeClr val="tx1">
+                    <a:lumMod val="75000"/>
+                    <a:lumOff val="25000"/>
+                  </a:schemeClr>
+                </a:solidFill>
+              </a:rPr>
+              <a:t>, Free energy backed AMM DEX, Bonding curve based crowdfunding platform with DAO, </a:t>
+            </a:r>
+            <a:r>
+              <a:rPr lang="en-IN" sz="1000" dirty="0" err="1">
+                <a:solidFill>
+                  <a:schemeClr val="tx1">
+                    <a:lumMod val="75000"/>
+                    <a:lumOff val="25000"/>
+                  </a:schemeClr>
+                </a:solidFill>
+              </a:rPr>
+              <a:t>Ceven.Parks</a:t>
+            </a:r>
+            <a:r>
+              <a:rPr lang="en-IN" sz="1000" dirty="0">
+                <a:solidFill>
+                  <a:schemeClr val="tx1">
+                    <a:lumMod val="75000"/>
+                    <a:lumOff val="25000"/>
+                  </a:schemeClr>
+                </a:solidFill>
+              </a:rPr>
+              <a:t>.</a:t>
             </a:r>
           </a:p>
           <a:p>
@@ -5368,51 +5478,7 @@
                   </a:schemeClr>
                 </a:solidFill>
               </a:rPr>
-              <a:t>Worked on multiple EOSIO smart contract projects like Ride sharing </a:t>
-            </a:r>
-            <a:r>
-              <a:rPr lang="en-IN" sz="1000" dirty="0" err="1">
-                <a:solidFill>
-                  <a:schemeClr val="tx1">
-                    <a:lumMod val="75000"/>
-                    <a:lumOff val="25000"/>
-                  </a:schemeClr>
-                </a:solidFill>
-              </a:rPr>
-              <a:t>DApp</a:t>
-            </a:r>
-            <a:r>
-              <a:rPr lang="en-IN" sz="1000" dirty="0">
-                <a:solidFill>
-                  <a:schemeClr val="tx1">
-                    <a:lumMod val="75000"/>
-                    <a:lumOff val="25000"/>
-                  </a:schemeClr>
-                </a:solidFill>
-              </a:rPr>
-              <a:t>, </a:t>
-            </a:r>
-            <a:r>
-              <a:rPr lang="en-IN" sz="1000" dirty="0" err="1">
-                <a:solidFill>
-                  <a:schemeClr val="tx1">
-                    <a:lumMod val="75000"/>
-                    <a:lumOff val="25000"/>
-                  </a:schemeClr>
-                </a:solidFill>
-              </a:rPr>
-              <a:t>GPK.Battles</a:t>
-            </a:r>
-            <a:r>
-              <a:rPr lang="en-IN" sz="1000" dirty="0">
-                <a:solidFill>
-                  <a:schemeClr val="tx1">
-                    <a:lumMod val="75000"/>
-                    <a:lumOff val="25000"/>
-                  </a:schemeClr>
-                </a:solidFill>
-              </a:rPr>
-              <a:t> (Betting game with RNG Oracle), Tipping, ICO (single/multi phases).....using C/C++.</a:t>
+              <a:t>Have experience in testing, deployment, flattening, verification, get contract-size of smart contracts using Truffle, Hardhat, Foundry toolkits.</a:t>
             </a:r>
           </a:p>
           <a:p>
@@ -5432,7 +5498,7 @@
                   </a:schemeClr>
                 </a:solidFill>
               </a:rPr>
-              <a:t>Have experience in NFT projects’ assets deployment into IPFS, </a:t>
+              <a:t>Worked on multiple EOSIO smart contract projects like Ride sharing </a:t>
             </a:r>
             <a:r>
               <a:rPr lang="en-IN" sz="1000" dirty="0" err="1">
@@ -5443,7 +5509,7 @@
                   </a:schemeClr>
                 </a:solidFill>
               </a:rPr>
-              <a:t>Arweave</a:t>
+              <a:t>DApp</a:t>
             </a:r>
             <a:r>
               <a:rPr lang="en-IN" sz="1000" dirty="0">
@@ -5454,7 +5520,29 @@
                   </a:schemeClr>
                 </a:solidFill>
               </a:rPr>
-              <a:t>.</a:t>
+              <a:t>, </a:t>
+            </a:r>
+            <a:r>
+              <a:rPr lang="en-IN" sz="1000" dirty="0" err="1">
+                <a:solidFill>
+                  <a:schemeClr val="tx1">
+                    <a:lumMod val="75000"/>
+                    <a:lumOff val="25000"/>
+                  </a:schemeClr>
+                </a:solidFill>
+              </a:rPr>
+              <a:t>GPK.Battles</a:t>
+            </a:r>
+            <a:r>
+              <a:rPr lang="en-IN" sz="1000" dirty="0">
+                <a:solidFill>
+                  <a:schemeClr val="tx1">
+                    <a:lumMod val="75000"/>
+                    <a:lumOff val="25000"/>
+                  </a:schemeClr>
+                </a:solidFill>
+              </a:rPr>
+              <a:t> (Betting game with RNG Oracle), Tipping, ICO (single/multi phases).....using C/C++.</a:t>
             </a:r>
           </a:p>
           <a:p>
@@ -5474,6 +5562,48 @@
                   </a:schemeClr>
                 </a:solidFill>
               </a:rPr>
+              <a:t>Have experience in NFT projects’ assets deployment into IPFS, </a:t>
+            </a:r>
+            <a:r>
+              <a:rPr lang="en-IN" sz="1000" dirty="0" err="1">
+                <a:solidFill>
+                  <a:schemeClr val="tx1">
+                    <a:lumMod val="75000"/>
+                    <a:lumOff val="25000"/>
+                  </a:schemeClr>
+                </a:solidFill>
+              </a:rPr>
+              <a:t>Arweave</a:t>
+            </a:r>
+            <a:r>
+              <a:rPr lang="en-IN" sz="1000" dirty="0">
+                <a:solidFill>
+                  <a:schemeClr val="tx1">
+                    <a:lumMod val="75000"/>
+                    <a:lumOff val="25000"/>
+                  </a:schemeClr>
+                </a:solidFill>
+              </a:rPr>
+              <a:t>.</a:t>
+            </a:r>
+          </a:p>
+          <a:p>
+            <a:pPr marL="171450" indent="-171450">
+              <a:spcAft>
+                <a:spcPts val="125"/>
+              </a:spcAft>
+              <a:buFont typeface="Arial" panose="020B0604020202020204" pitchFamily="34" charset="0"/>
+              <a:buChar char="•"/>
+            </a:pPr>
+            <a:r>
+              <a:rPr lang="en-IN" sz="1000" dirty="0">
+                <a:solidFill>
+                  <a:schemeClr val="tx1">
+                    <a:lumMod val="75000"/>
+                    <a:lumOff val="25000"/>
+                  </a:schemeClr>
+                </a:solidFill>
+              </a:rPr>
               <a:t>At Master Ventures, I worked on </a:t>
             </a:r>
             <a:r>
@@ -5518,7 +5648,7 @@
                   </a:schemeClr>
                 </a:solidFill>
               </a:rPr>
-              <a:t> using CLI.</a:t>
+              <a:t> using Rust, CLI.</a:t>
             </a:r>
           </a:p>
           <a:p>

--- a/my_resume.pptx
+++ b/my_resume.pptx
@@ -198,7 +198,7 @@
           <a:p>
             <a:fld id="{060BEAD1-672E-E841-95FA-08B9B35A46D7}" type="datetimeFigureOut">
               <a:rPr lang="en-US" smtClean="0"/>
-              <a:t>10/12/22</a:t>
+              <a:t>10/14/22</a:t>
             </a:fld>
             <a:endParaRPr lang="en-US"/>
           </a:p>
@@ -765,7 +765,7 @@
           <a:p>
             <a:fld id="{A417C049-F611-094D-8104-5764D8D04213}" type="datetimeFigureOut">
               <a:rPr lang="en-US" smtClean="0"/>
-              <a:t>10/12/22</a:t>
+              <a:t>10/14/22</a:t>
             </a:fld>
             <a:endParaRPr lang="en-US"/>
           </a:p>
@@ -935,7 +935,7 @@
           <a:p>
             <a:fld id="{A417C049-F611-094D-8104-5764D8D04213}" type="datetimeFigureOut">
               <a:rPr lang="en-US" smtClean="0"/>
-              <a:t>10/12/22</a:t>
+              <a:t>10/14/22</a:t>
             </a:fld>
             <a:endParaRPr lang="en-US"/>
           </a:p>
@@ -1115,7 +1115,7 @@
           <a:p>
             <a:fld id="{A417C049-F611-094D-8104-5764D8D04213}" type="datetimeFigureOut">
               <a:rPr lang="en-US" smtClean="0"/>
-              <a:t>10/12/22</a:t>
+              <a:t>10/14/22</a:t>
             </a:fld>
             <a:endParaRPr lang="en-US"/>
           </a:p>
@@ -1285,7 +1285,7 @@
           <a:p>
             <a:fld id="{A417C049-F611-094D-8104-5764D8D04213}" type="datetimeFigureOut">
               <a:rPr lang="en-US" smtClean="0"/>
-              <a:t>10/12/22</a:t>
+              <a:t>10/14/22</a:t>
             </a:fld>
             <a:endParaRPr lang="en-US"/>
           </a:p>
@@ -1529,7 +1529,7 @@
           <a:p>
             <a:fld id="{A417C049-F611-094D-8104-5764D8D04213}" type="datetimeFigureOut">
               <a:rPr lang="en-US" smtClean="0"/>
-              <a:t>10/12/22</a:t>
+              <a:t>10/14/22</a:t>
             </a:fld>
             <a:endParaRPr lang="en-US"/>
           </a:p>
@@ -1761,7 +1761,7 @@
           <a:p>
             <a:fld id="{A417C049-F611-094D-8104-5764D8D04213}" type="datetimeFigureOut">
               <a:rPr lang="en-US" smtClean="0"/>
-              <a:t>10/12/22</a:t>
+              <a:t>10/14/22</a:t>
             </a:fld>
             <a:endParaRPr lang="en-US"/>
           </a:p>
@@ -2128,7 +2128,7 @@
           <a:p>
             <a:fld id="{A417C049-F611-094D-8104-5764D8D04213}" type="datetimeFigureOut">
               <a:rPr lang="en-US" smtClean="0"/>
-              <a:t>10/12/22</a:t>
+              <a:t>10/14/22</a:t>
             </a:fld>
             <a:endParaRPr lang="en-US"/>
           </a:p>
@@ -2246,7 +2246,7 @@
           <a:p>
             <a:fld id="{A417C049-F611-094D-8104-5764D8D04213}" type="datetimeFigureOut">
               <a:rPr lang="en-US" smtClean="0"/>
-              <a:t>10/12/22</a:t>
+              <a:t>10/14/22</a:t>
             </a:fld>
             <a:endParaRPr lang="en-US"/>
           </a:p>
@@ -2341,7 +2341,7 @@
           <a:p>
             <a:fld id="{A417C049-F611-094D-8104-5764D8D04213}" type="datetimeFigureOut">
               <a:rPr lang="en-US" smtClean="0"/>
-              <a:t>10/12/22</a:t>
+              <a:t>10/14/22</a:t>
             </a:fld>
             <a:endParaRPr lang="en-US"/>
           </a:p>
@@ -2618,7 +2618,7 @@
           <a:p>
             <a:fld id="{A417C049-F611-094D-8104-5764D8D04213}" type="datetimeFigureOut">
               <a:rPr lang="en-US" smtClean="0"/>
-              <a:t>10/12/22</a:t>
+              <a:t>10/14/22</a:t>
             </a:fld>
             <a:endParaRPr lang="en-US"/>
           </a:p>
@@ -2875,7 +2875,7 @@
           <a:p>
             <a:fld id="{A417C049-F611-094D-8104-5764D8D04213}" type="datetimeFigureOut">
               <a:rPr lang="en-US" smtClean="0"/>
-              <a:t>10/12/22</a:t>
+              <a:t>10/14/22</a:t>
             </a:fld>
             <a:endParaRPr lang="en-US"/>
           </a:p>
@@ -3093,7 +3093,7 @@
           <a:p>
             <a:fld id="{A417C049-F611-094D-8104-5764D8D04213}" type="datetimeFigureOut">
               <a:rPr lang="en-US" smtClean="0"/>
-              <a:t>10/12/22</a:t>
+              <a:t>10/14/22</a:t>
             </a:fld>
             <a:endParaRPr lang="en-US"/>
           </a:p>
@@ -5542,7 +5542,7 @@
                   </a:schemeClr>
                 </a:solidFill>
               </a:rPr>
-              <a:t> (Betting game with RNG Oracle), Tipping, ICO (single/multi phases).....using C/C++.</a:t>
+              <a:t> (Betting game with RNG Oracle), Tipping, ICO (single/multi phases), Staking, Vault using C/C++, JS/TS.</a:t>
             </a:r>
           </a:p>
           <a:p>

--- a/my_resume.pptx
+++ b/my_resume.pptx
@@ -198,7 +198,7 @@
           <a:p>
             <a:fld id="{060BEAD1-672E-E841-95FA-08B9B35A46D7}" type="datetimeFigureOut">
               <a:rPr lang="en-US" smtClean="0"/>
-              <a:t>10/14/22</a:t>
+              <a:t>10/15/22</a:t>
             </a:fld>
             <a:endParaRPr lang="en-US"/>
           </a:p>
@@ -765,7 +765,7 @@
           <a:p>
             <a:fld id="{A417C049-F611-094D-8104-5764D8D04213}" type="datetimeFigureOut">
               <a:rPr lang="en-US" smtClean="0"/>
-              <a:t>10/14/22</a:t>
+              <a:t>10/15/22</a:t>
             </a:fld>
             <a:endParaRPr lang="en-US"/>
           </a:p>
@@ -935,7 +935,7 @@
           <a:p>
             <a:fld id="{A417C049-F611-094D-8104-5764D8D04213}" type="datetimeFigureOut">
               <a:rPr lang="en-US" smtClean="0"/>
-              <a:t>10/14/22</a:t>
+              <a:t>10/15/22</a:t>
             </a:fld>
             <a:endParaRPr lang="en-US"/>
           </a:p>
@@ -1115,7 +1115,7 @@
           <a:p>
             <a:fld id="{A417C049-F611-094D-8104-5764D8D04213}" type="datetimeFigureOut">
               <a:rPr lang="en-US" smtClean="0"/>
-              <a:t>10/14/22</a:t>
+              <a:t>10/15/22</a:t>
             </a:fld>
             <a:endParaRPr lang="en-US"/>
           </a:p>
@@ -1285,7 +1285,7 @@
           <a:p>
             <a:fld id="{A417C049-F611-094D-8104-5764D8D04213}" type="datetimeFigureOut">
               <a:rPr lang="en-US" smtClean="0"/>
-              <a:t>10/14/22</a:t>
+              <a:t>10/15/22</a:t>
             </a:fld>
             <a:endParaRPr lang="en-US"/>
           </a:p>
@@ -1529,7 +1529,7 @@
           <a:p>
             <a:fld id="{A417C049-F611-094D-8104-5764D8D04213}" type="datetimeFigureOut">
               <a:rPr lang="en-US" smtClean="0"/>
-              <a:t>10/14/22</a:t>
+              <a:t>10/15/22</a:t>
             </a:fld>
             <a:endParaRPr lang="en-US"/>
           </a:p>
@@ -1761,7 +1761,7 @@
           <a:p>
             <a:fld id="{A417C049-F611-094D-8104-5764D8D04213}" type="datetimeFigureOut">
               <a:rPr lang="en-US" smtClean="0"/>
-              <a:t>10/14/22</a:t>
+              <a:t>10/15/22</a:t>
             </a:fld>
             <a:endParaRPr lang="en-US"/>
           </a:p>
@@ -2128,7 +2128,7 @@
           <a:p>
             <a:fld id="{A417C049-F611-094D-8104-5764D8D04213}" type="datetimeFigureOut">
               <a:rPr lang="en-US" smtClean="0"/>
-              <a:t>10/14/22</a:t>
+              <a:t>10/15/22</a:t>
             </a:fld>
             <a:endParaRPr lang="en-US"/>
           </a:p>
@@ -2246,7 +2246,7 @@
           <a:p>
             <a:fld id="{A417C049-F611-094D-8104-5764D8D04213}" type="datetimeFigureOut">
               <a:rPr lang="en-US" smtClean="0"/>
-              <a:t>10/14/22</a:t>
+              <a:t>10/15/22</a:t>
             </a:fld>
             <a:endParaRPr lang="en-US"/>
           </a:p>
@@ -2341,7 +2341,7 @@
           <a:p>
             <a:fld id="{A417C049-F611-094D-8104-5764D8D04213}" type="datetimeFigureOut">
               <a:rPr lang="en-US" smtClean="0"/>
-              <a:t>10/14/22</a:t>
+              <a:t>10/15/22</a:t>
             </a:fld>
             <a:endParaRPr lang="en-US"/>
           </a:p>
@@ -2618,7 +2618,7 @@
           <a:p>
             <a:fld id="{A417C049-F611-094D-8104-5764D8D04213}" type="datetimeFigureOut">
               <a:rPr lang="en-US" smtClean="0"/>
-              <a:t>10/14/22</a:t>
+              <a:t>10/15/22</a:t>
             </a:fld>
             <a:endParaRPr lang="en-US"/>
           </a:p>
@@ -2875,7 +2875,7 @@
           <a:p>
             <a:fld id="{A417C049-F611-094D-8104-5764D8D04213}" type="datetimeFigureOut">
               <a:rPr lang="en-US" smtClean="0"/>
-              <a:t>10/14/22</a:t>
+              <a:t>10/15/22</a:t>
             </a:fld>
             <a:endParaRPr lang="en-US"/>
           </a:p>
@@ -3093,7 +3093,7 @@
           <a:p>
             <a:fld id="{A417C049-F611-094D-8104-5764D8D04213}" type="datetimeFigureOut">
               <a:rPr lang="en-US" smtClean="0"/>
-              <a:t>10/14/22</a:t>
+              <a:t>10/15/22</a:t>
             </a:fld>
             <a:endParaRPr lang="en-US"/>
           </a:p>
@@ -4682,8 +4682,8 @@
         </p:nvSpPr>
         <p:spPr>
           <a:xfrm>
-            <a:off x="94315" y="7876299"/>
-            <a:ext cx="3917917" cy="1054135"/>
+            <a:off x="95741" y="8395804"/>
+            <a:ext cx="3921934" cy="1054135"/>
           </a:xfrm>
           <a:prstGeom prst="rect">
             <a:avLst/>
@@ -4854,7 +4854,7 @@
         </p:nvGrpSpPr>
         <p:grpSpPr>
           <a:xfrm>
-            <a:off x="120073" y="7606354"/>
+            <a:off x="120073" y="8122056"/>
             <a:ext cx="1055498" cy="320656"/>
             <a:chOff x="106735" y="2999656"/>
             <a:chExt cx="1055498" cy="320656"/>
@@ -5021,7 +5021,7 @@
         </p:nvCxnSpPr>
         <p:spPr>
           <a:xfrm>
-            <a:off x="0" y="7560562"/>
+            <a:off x="0" y="7939941"/>
             <a:ext cx="4011812" cy="17100"/>
           </a:xfrm>
           <a:prstGeom prst="line">
@@ -5064,8 +5064,8 @@
         </p:nvSpPr>
         <p:spPr>
           <a:xfrm>
-            <a:off x="120073" y="3338886"/>
-            <a:ext cx="3841844" cy="4067780"/>
+            <a:off x="120073" y="3364786"/>
+            <a:ext cx="3841844" cy="4542269"/>
           </a:xfrm>
           <a:prstGeom prst="rect">
             <a:avLst/>
@@ -5266,7 +5266,27 @@
                   </a:schemeClr>
                 </a:solidFill>
               </a:rPr>
-              <a:t>Worked on multiple smart contract projects related to Token, Vault, Staking, ERC721, ERC1155, NFT Marketplace for EVM chains.</a:t>
+              <a:t>Worked on multiple smart contract projects related to Token, Vault, Staking, NFT Marketplace for EVM chains.</a:t>
+            </a:r>
+          </a:p>
+          <a:p>
+            <a:pPr marL="171450" indent="-171450">
+              <a:spcAft>
+                <a:spcPts val="125"/>
+              </a:spcAft>
+              <a:buFont typeface="Arial" panose="020B0604020202020204" pitchFamily="34" charset="0"/>
+              <a:buChar char="•"/>
+            </a:pPr>
+            <a:r>
+              <a:rPr lang="en-US" sz="1000" dirty="0">
+                <a:solidFill>
+                  <a:schemeClr val="tx1">
+                    <a:lumMod val="75000"/>
+                    <a:lumOff val="25000"/>
+                  </a:schemeClr>
+                </a:solidFill>
+              </a:rPr>
+              <a:t>Worked on projects related to on-chain, off-chain NFT projects with ERC721, ERC1155 standards, along with multiple generative, manual asset generation using NodeJS, Solidity, Hardhat.</a:t>
             </a:r>
           </a:p>
           <a:p>
@@ -9854,7 +9874,7 @@
                   </a:schemeClr>
                 </a:solidFill>
               </a:rPr>
-              <a:t> which has a total of 170 students enrolled for 4 courses to date.</a:t>
+              <a:t> which has a total of 224 students enrolled for 4 courses to date.</a:t>
             </a:r>
             <a:endParaRPr lang="en-US" sz="1000" dirty="0">
               <a:solidFill>

--- a/my_resume.pptx
+++ b/my_resume.pptx
@@ -198,7 +198,7 @@
           <a:p>
             <a:fld id="{060BEAD1-672E-E841-95FA-08B9B35A46D7}" type="datetimeFigureOut">
               <a:rPr lang="en-US" smtClean="0"/>
-              <a:t>10/15/22</a:t>
+              <a:t>10/25/22</a:t>
             </a:fld>
             <a:endParaRPr lang="en-US"/>
           </a:p>
@@ -765,7 +765,7 @@
           <a:p>
             <a:fld id="{A417C049-F611-094D-8104-5764D8D04213}" type="datetimeFigureOut">
               <a:rPr lang="en-US" smtClean="0"/>
-              <a:t>10/15/22</a:t>
+              <a:t>10/25/22</a:t>
             </a:fld>
             <a:endParaRPr lang="en-US"/>
           </a:p>
@@ -935,7 +935,7 @@
           <a:p>
             <a:fld id="{A417C049-F611-094D-8104-5764D8D04213}" type="datetimeFigureOut">
               <a:rPr lang="en-US" smtClean="0"/>
-              <a:t>10/15/22</a:t>
+              <a:t>10/25/22</a:t>
             </a:fld>
             <a:endParaRPr lang="en-US"/>
           </a:p>
@@ -1115,7 +1115,7 @@
           <a:p>
             <a:fld id="{A417C049-F611-094D-8104-5764D8D04213}" type="datetimeFigureOut">
               <a:rPr lang="en-US" smtClean="0"/>
-              <a:t>10/15/22</a:t>
+              <a:t>10/25/22</a:t>
             </a:fld>
             <a:endParaRPr lang="en-US"/>
           </a:p>
@@ -1285,7 +1285,7 @@
           <a:p>
             <a:fld id="{A417C049-F611-094D-8104-5764D8D04213}" type="datetimeFigureOut">
               <a:rPr lang="en-US" smtClean="0"/>
-              <a:t>10/15/22</a:t>
+              <a:t>10/25/22</a:t>
             </a:fld>
             <a:endParaRPr lang="en-US"/>
           </a:p>
@@ -1529,7 +1529,7 @@
           <a:p>
             <a:fld id="{A417C049-F611-094D-8104-5764D8D04213}" type="datetimeFigureOut">
               <a:rPr lang="en-US" smtClean="0"/>
-              <a:t>10/15/22</a:t>
+              <a:t>10/25/22</a:t>
             </a:fld>
             <a:endParaRPr lang="en-US"/>
           </a:p>
@@ -1761,7 +1761,7 @@
           <a:p>
             <a:fld id="{A417C049-F611-094D-8104-5764D8D04213}" type="datetimeFigureOut">
               <a:rPr lang="en-US" smtClean="0"/>
-              <a:t>10/15/22</a:t>
+              <a:t>10/25/22</a:t>
             </a:fld>
             <a:endParaRPr lang="en-US"/>
           </a:p>
@@ -2128,7 +2128,7 @@
           <a:p>
             <a:fld id="{A417C049-F611-094D-8104-5764D8D04213}" type="datetimeFigureOut">
               <a:rPr lang="en-US" smtClean="0"/>
-              <a:t>10/15/22</a:t>
+              <a:t>10/25/22</a:t>
             </a:fld>
             <a:endParaRPr lang="en-US"/>
           </a:p>
@@ -2246,7 +2246,7 @@
           <a:p>
             <a:fld id="{A417C049-F611-094D-8104-5764D8D04213}" type="datetimeFigureOut">
               <a:rPr lang="en-US" smtClean="0"/>
-              <a:t>10/15/22</a:t>
+              <a:t>10/25/22</a:t>
             </a:fld>
             <a:endParaRPr lang="en-US"/>
           </a:p>
@@ -2341,7 +2341,7 @@
           <a:p>
             <a:fld id="{A417C049-F611-094D-8104-5764D8D04213}" type="datetimeFigureOut">
               <a:rPr lang="en-US" smtClean="0"/>
-              <a:t>10/15/22</a:t>
+              <a:t>10/25/22</a:t>
             </a:fld>
             <a:endParaRPr lang="en-US"/>
           </a:p>
@@ -2618,7 +2618,7 @@
           <a:p>
             <a:fld id="{A417C049-F611-094D-8104-5764D8D04213}" type="datetimeFigureOut">
               <a:rPr lang="en-US" smtClean="0"/>
-              <a:t>10/15/22</a:t>
+              <a:t>10/25/22</a:t>
             </a:fld>
             <a:endParaRPr lang="en-US"/>
           </a:p>
@@ -2875,7 +2875,7 @@
           <a:p>
             <a:fld id="{A417C049-F611-094D-8104-5764D8D04213}" type="datetimeFigureOut">
               <a:rPr lang="en-US" smtClean="0"/>
-              <a:t>10/15/22</a:t>
+              <a:t>10/25/22</a:t>
             </a:fld>
             <a:endParaRPr lang="en-US"/>
           </a:p>
@@ -3093,7 +3093,7 @@
           <a:p>
             <a:fld id="{A417C049-F611-094D-8104-5764D8D04213}" type="datetimeFigureOut">
               <a:rPr lang="en-US" smtClean="0"/>
-              <a:t>10/15/22</a:t>
+              <a:t>10/25/22</a:t>
             </a:fld>
             <a:endParaRPr lang="en-US"/>
           </a:p>
@@ -3604,7 +3604,7 @@
         </p:nvSpPr>
         <p:spPr>
           <a:xfrm>
-            <a:off x="2656111" y="832872"/>
+            <a:off x="2656111" y="823541"/>
             <a:ext cx="1545772" cy="344128"/>
           </a:xfrm>
           <a:prstGeom prst="roundRect">
@@ -4682,8 +4682,8 @@
         </p:nvSpPr>
         <p:spPr>
           <a:xfrm>
-            <a:off x="95741" y="8395804"/>
-            <a:ext cx="3921934" cy="1054135"/>
+            <a:off x="95741" y="8266369"/>
+            <a:ext cx="3921934" cy="1182375"/>
           </a:xfrm>
           <a:prstGeom prst="rect">
             <a:avLst/>
@@ -4695,6 +4695,84 @@
             <a:spAutoFit/>
           </a:bodyPr>
           <a:lstStyle/>
+          <a:p>
+            <a:pPr marL="171450" indent="-171450">
+              <a:buFont typeface="Arial" panose="020B0604020202020204" pitchFamily="34" charset="0"/>
+              <a:buChar char="•"/>
+            </a:pPr>
+            <a:r>
+              <a:rPr lang="en-IN" sz="1000" dirty="0">
+                <a:solidFill>
+                  <a:schemeClr val="tx1">
+                    <a:lumMod val="75000"/>
+                    <a:lumOff val="25000"/>
+                  </a:schemeClr>
+                </a:solidFill>
+              </a:rPr>
+              <a:t>Developed REST, </a:t>
+            </a:r>
+            <a:r>
+              <a:rPr lang="en-IN" sz="1000" dirty="0" err="1">
+                <a:solidFill>
+                  <a:schemeClr val="tx1">
+                    <a:lumMod val="75000"/>
+                    <a:lumOff val="25000"/>
+                  </a:schemeClr>
+                </a:solidFill>
+              </a:rPr>
+              <a:t>GraphQL</a:t>
+            </a:r>
+            <a:r>
+              <a:rPr lang="en-IN" sz="1000" dirty="0">
+                <a:solidFill>
+                  <a:schemeClr val="tx1">
+                    <a:lumMod val="75000"/>
+                    <a:lumOff val="25000"/>
+                  </a:schemeClr>
+                </a:solidFill>
+              </a:rPr>
+              <a:t> API backend using </a:t>
+            </a:r>
+            <a:r>
+              <a:rPr lang="en-IN" sz="1000" dirty="0" err="1">
+                <a:solidFill>
+                  <a:schemeClr val="tx1">
+                    <a:lumMod val="75000"/>
+                    <a:lumOff val="25000"/>
+                  </a:schemeClr>
+                </a:solidFill>
+              </a:rPr>
+              <a:t>NextJS</a:t>
+            </a:r>
+            <a:r>
+              <a:rPr lang="en-IN" sz="1000" dirty="0">
+                <a:solidFill>
+                  <a:schemeClr val="tx1">
+                    <a:lumMod val="75000"/>
+                    <a:lumOff val="25000"/>
+                  </a:schemeClr>
+                </a:solidFill>
+              </a:rPr>
+              <a:t> API routing for a web3 based automated token, vesting tool.</a:t>
+            </a:r>
+          </a:p>
+          <a:p>
+            <a:pPr marL="171450" indent="-171450">
+              <a:buFont typeface="Arial" panose="020B0604020202020204" pitchFamily="34" charset="0"/>
+              <a:buChar char="•"/>
+            </a:pPr>
+            <a:r>
+              <a:rPr lang="en-IN" sz="1000" dirty="0">
+                <a:solidFill>
+                  <a:schemeClr val="tx1">
+                    <a:lumMod val="75000"/>
+                    <a:lumOff val="25000"/>
+                  </a:schemeClr>
+                </a:solidFill>
+              </a:rPr>
+              <a:t>Fair experience with React, Redux tools.</a:t>
+            </a:r>
+          </a:p>
           <a:p>
             <a:pPr marL="171450" indent="-171450">
               <a:spcAft>
@@ -4712,7 +4790,7 @@
                   </a:schemeClr>
                 </a:solidFill>
               </a:rPr>
-              <a:t>Developed REST API backend using </a:t>
+              <a:t>Having experience with Databases like Firebase’s </a:t>
             </a:r>
             <a:r>
               <a:rPr lang="en-US" sz="1000" dirty="0" err="1">
@@ -4723,7 +4801,7 @@
                   </a:schemeClr>
                 </a:solidFill>
               </a:rPr>
-              <a:t>NextJS</a:t>
+              <a:t>Firestore</a:t>
             </a:r>
             <a:r>
               <a:rPr lang="en-US" sz="1000" dirty="0">
@@ -4734,29 +4812,7 @@
                   </a:schemeClr>
                 </a:solidFill>
               </a:rPr>
-              <a:t> API (REST, </a:t>
-            </a:r>
-            <a:r>
-              <a:rPr lang="en-US" sz="1000" dirty="0" err="1">
-                <a:solidFill>
-                  <a:schemeClr val="tx1">
-                    <a:lumMod val="75000"/>
-                    <a:lumOff val="25000"/>
-                  </a:schemeClr>
-                </a:solidFill>
-              </a:rPr>
-              <a:t>GraphQL</a:t>
-            </a:r>
-            <a:r>
-              <a:rPr lang="en-US" sz="1000" dirty="0">
-                <a:solidFill>
-                  <a:schemeClr val="tx1">
-                    <a:lumMod val="75000"/>
-                    <a:lumOff val="25000"/>
-                  </a:schemeClr>
-                </a:solidFill>
-              </a:rPr>
-              <a:t>) routing for a web3 project i.e., automated contract deployment.</a:t>
+              <a:t>, Redis, PostgreSQL, MongoDB for data storage on Google Cloud, Heroku.</a:t>
             </a:r>
           </a:p>
           <a:p>
@@ -4776,7 +4832,7 @@
                   </a:schemeClr>
                 </a:solidFill>
               </a:rPr>
-              <a:t>Having experience with Firebase’s </a:t>
+              <a:t>Setup CI/CD in </a:t>
             </a:r>
             <a:r>
               <a:rPr lang="en-US" sz="1000" dirty="0" err="1">
@@ -4787,7 +4843,7 @@
                   </a:schemeClr>
                 </a:solidFill>
               </a:rPr>
-              <a:t>Firestore</a:t>
+              <a:t>Github</a:t>
             </a:r>
             <a:r>
               <a:rPr lang="en-US" sz="1000" dirty="0">
@@ -4798,45 +4854,8 @@
                   </a:schemeClr>
                 </a:solidFill>
               </a:rPr>
-              <a:t>, Redis, PostgreSQL, MongoDB Databases for data storage on Google Cloud, Heroku.</a:t>
-            </a:r>
-          </a:p>
-          <a:p>
-            <a:pPr marL="171450" indent="-171450">
-              <a:spcAft>
-                <a:spcPts val="125"/>
-              </a:spcAft>
-              <a:buFont typeface="Arial" panose="020B0604020202020204" pitchFamily="34" charset="0"/>
-              <a:buChar char="•"/>
-            </a:pPr>
-            <a:r>
-              <a:rPr lang="en-US" sz="1000" dirty="0">
-                <a:solidFill>
-                  <a:schemeClr val="tx1">
-                    <a:lumMod val="75000"/>
-                    <a:lumOff val="25000"/>
-                  </a:schemeClr>
-                </a:solidFill>
-              </a:rPr>
-              <a:t>Setup with CI/CD in Github Action for automated testing of a repo.</a:t>
-            </a:r>
-          </a:p>
-          <a:p>
-            <a:pPr marL="171450" indent="-171450">
-              <a:spcAft>
-                <a:spcPts val="125"/>
-              </a:spcAft>
-              <a:buFont typeface="Arial" panose="020B0604020202020204" pitchFamily="34" charset="0"/>
-              <a:buChar char="•"/>
-            </a:pPr>
-            <a:endParaRPr lang="en-US" sz="1000" dirty="0">
-              <a:solidFill>
-                <a:schemeClr val="tx1">
-                  <a:lumMod val="75000"/>
-                  <a:lumOff val="25000"/>
-                </a:schemeClr>
-              </a:solidFill>
-            </a:endParaRPr>
+              <a:t> Action, Docker for automated testing, packaging of a repo.</a:t>
+            </a:r>
           </a:p>
         </p:txBody>
       </p:sp>
@@ -4854,7 +4873,7 @@
         </p:nvGrpSpPr>
         <p:grpSpPr>
           <a:xfrm>
-            <a:off x="120073" y="8122056"/>
+            <a:off x="120073" y="8000755"/>
             <a:ext cx="1055498" cy="320656"/>
             <a:chOff x="106735" y="2999656"/>
             <a:chExt cx="1055498" cy="320656"/>
@@ -5021,7 +5040,7 @@
         </p:nvCxnSpPr>
         <p:spPr>
           <a:xfrm>
-            <a:off x="0" y="7939941"/>
+            <a:off x="0" y="7977265"/>
             <a:ext cx="4011812" cy="17100"/>
           </a:xfrm>
           <a:prstGeom prst="line">
@@ -5266,7 +5285,7 @@
                   </a:schemeClr>
                 </a:solidFill>
               </a:rPr>
-              <a:t>Worked on multiple smart contract projects related to Token, Vault, Staking, NFT Marketplace for EVM chains.</a:t>
+              <a:t>Worked on multiple smart contract projects related to ERC20 Token, Vault, Staking, NFT Marketplace for EVM chains.</a:t>
             </a:r>
           </a:p>
           <a:p>
@@ -5306,7 +5325,7 @@
                   </a:schemeClr>
                 </a:solidFill>
               </a:rPr>
-              <a:t>Have experience with Diamond standard &amp; </a:t>
+              <a:t>Have experience with ERC-2535 Diamond standard &amp; </a:t>
             </a:r>
             <a:r>
               <a:rPr lang="en-US" sz="1000" dirty="0" err="1">
@@ -5328,7 +5347,7 @@
                   </a:schemeClr>
                 </a:solidFill>
               </a:rPr>
-              <a:t> proxy patterns for EVM upgradeable contracts.</a:t>
+              <a:t> transparent, UUPS patterns for EVM upgradeable contracts.</a:t>
             </a:r>
           </a:p>
           <a:p>
@@ -5498,7 +5517,7 @@
                   </a:schemeClr>
                 </a:solidFill>
               </a:rPr>
-              <a:t>Have experience in testing, deployment, flattening, verification, get contract-size of smart contracts using Truffle, Hardhat, Foundry toolkits.</a:t>
+              <a:t>Have experience in testing, deployment, flattening, verification, fuzzy-testing, gas optimization (using Yul, Solidity), get contract-size of smart contracts using Truffle, Hardhat, Foundry toolkits.</a:t>
             </a:r>
           </a:p>
           <a:p>

--- a/my_resume.pptx
+++ b/my_resume.pptx
@@ -198,7 +198,7 @@
           <a:p>
             <a:fld id="{060BEAD1-672E-E841-95FA-08B9B35A46D7}" type="datetimeFigureOut">
               <a:rPr lang="en-US" smtClean="0"/>
-              <a:t>10/25/22</a:t>
+              <a:t>11/2/22</a:t>
             </a:fld>
             <a:endParaRPr lang="en-US"/>
           </a:p>
@@ -765,7 +765,7 @@
           <a:p>
             <a:fld id="{A417C049-F611-094D-8104-5764D8D04213}" type="datetimeFigureOut">
               <a:rPr lang="en-US" smtClean="0"/>
-              <a:t>10/25/22</a:t>
+              <a:t>11/2/22</a:t>
             </a:fld>
             <a:endParaRPr lang="en-US"/>
           </a:p>
@@ -935,7 +935,7 @@
           <a:p>
             <a:fld id="{A417C049-F611-094D-8104-5764D8D04213}" type="datetimeFigureOut">
               <a:rPr lang="en-US" smtClean="0"/>
-              <a:t>10/25/22</a:t>
+              <a:t>11/2/22</a:t>
             </a:fld>
             <a:endParaRPr lang="en-US"/>
           </a:p>
@@ -1115,7 +1115,7 @@
           <a:p>
             <a:fld id="{A417C049-F611-094D-8104-5764D8D04213}" type="datetimeFigureOut">
               <a:rPr lang="en-US" smtClean="0"/>
-              <a:t>10/25/22</a:t>
+              <a:t>11/2/22</a:t>
             </a:fld>
             <a:endParaRPr lang="en-US"/>
           </a:p>
@@ -1285,7 +1285,7 @@
           <a:p>
             <a:fld id="{A417C049-F611-094D-8104-5764D8D04213}" type="datetimeFigureOut">
               <a:rPr lang="en-US" smtClean="0"/>
-              <a:t>10/25/22</a:t>
+              <a:t>11/2/22</a:t>
             </a:fld>
             <a:endParaRPr lang="en-US"/>
           </a:p>
@@ -1529,7 +1529,7 @@
           <a:p>
             <a:fld id="{A417C049-F611-094D-8104-5764D8D04213}" type="datetimeFigureOut">
               <a:rPr lang="en-US" smtClean="0"/>
-              <a:t>10/25/22</a:t>
+              <a:t>11/2/22</a:t>
             </a:fld>
             <a:endParaRPr lang="en-US"/>
           </a:p>
@@ -1761,7 +1761,7 @@
           <a:p>
             <a:fld id="{A417C049-F611-094D-8104-5764D8D04213}" type="datetimeFigureOut">
               <a:rPr lang="en-US" smtClean="0"/>
-              <a:t>10/25/22</a:t>
+              <a:t>11/2/22</a:t>
             </a:fld>
             <a:endParaRPr lang="en-US"/>
           </a:p>
@@ -2128,7 +2128,7 @@
           <a:p>
             <a:fld id="{A417C049-F611-094D-8104-5764D8D04213}" type="datetimeFigureOut">
               <a:rPr lang="en-US" smtClean="0"/>
-              <a:t>10/25/22</a:t>
+              <a:t>11/2/22</a:t>
             </a:fld>
             <a:endParaRPr lang="en-US"/>
           </a:p>
@@ -2246,7 +2246,7 @@
           <a:p>
             <a:fld id="{A417C049-F611-094D-8104-5764D8D04213}" type="datetimeFigureOut">
               <a:rPr lang="en-US" smtClean="0"/>
-              <a:t>10/25/22</a:t>
+              <a:t>11/2/22</a:t>
             </a:fld>
             <a:endParaRPr lang="en-US"/>
           </a:p>
@@ -2341,7 +2341,7 @@
           <a:p>
             <a:fld id="{A417C049-F611-094D-8104-5764D8D04213}" type="datetimeFigureOut">
               <a:rPr lang="en-US" smtClean="0"/>
-              <a:t>10/25/22</a:t>
+              <a:t>11/2/22</a:t>
             </a:fld>
             <a:endParaRPr lang="en-US"/>
           </a:p>
@@ -2618,7 +2618,7 @@
           <a:p>
             <a:fld id="{A417C049-F611-094D-8104-5764D8D04213}" type="datetimeFigureOut">
               <a:rPr lang="en-US" smtClean="0"/>
-              <a:t>10/25/22</a:t>
+              <a:t>11/2/22</a:t>
             </a:fld>
             <a:endParaRPr lang="en-US"/>
           </a:p>
@@ -2875,7 +2875,7 @@
           <a:p>
             <a:fld id="{A417C049-F611-094D-8104-5764D8D04213}" type="datetimeFigureOut">
               <a:rPr lang="en-US" smtClean="0"/>
-              <a:t>10/25/22</a:t>
+              <a:t>11/2/22</a:t>
             </a:fld>
             <a:endParaRPr lang="en-US"/>
           </a:p>
@@ -3093,7 +3093,7 @@
           <a:p>
             <a:fld id="{A417C049-F611-094D-8104-5764D8D04213}" type="datetimeFigureOut">
               <a:rPr lang="en-US" smtClean="0"/>
-              <a:t>10/25/22</a:t>
+              <a:t>11/2/22</a:t>
             </a:fld>
             <a:endParaRPr lang="en-US"/>
           </a:p>
@@ -5285,7 +5285,7 @@
                   </a:schemeClr>
                 </a:solidFill>
               </a:rPr>
-              <a:t>Worked on multiple smart contract projects related to ERC20 Token, Vault, Staking, NFT Marketplace for EVM chains.</a:t>
+              <a:t>Worked on multiple smart contract projects related to ERC20 Token, Vault, Staking, NFT Marketplace, Auction for EVM chains.</a:t>
             </a:r>
           </a:p>
           <a:p>

--- a/my_resume.pptx
+++ b/my_resume.pptx
@@ -198,7 +198,7 @@
           <a:p>
             <a:fld id="{060BEAD1-672E-E841-95FA-08B9B35A46D7}" type="datetimeFigureOut">
               <a:rPr lang="en-US" smtClean="0"/>
-              <a:t>11/2/22</a:t>
+              <a:t>1/17/23</a:t>
             </a:fld>
             <a:endParaRPr lang="en-US"/>
           </a:p>
@@ -765,7 +765,7 @@
           <a:p>
             <a:fld id="{A417C049-F611-094D-8104-5764D8D04213}" type="datetimeFigureOut">
               <a:rPr lang="en-US" smtClean="0"/>
-              <a:t>11/2/22</a:t>
+              <a:t>1/17/23</a:t>
             </a:fld>
             <a:endParaRPr lang="en-US"/>
           </a:p>
@@ -935,7 +935,7 @@
           <a:p>
             <a:fld id="{A417C049-F611-094D-8104-5764D8D04213}" type="datetimeFigureOut">
               <a:rPr lang="en-US" smtClean="0"/>
-              <a:t>11/2/22</a:t>
+              <a:t>1/17/23</a:t>
             </a:fld>
             <a:endParaRPr lang="en-US"/>
           </a:p>
@@ -1115,7 +1115,7 @@
           <a:p>
             <a:fld id="{A417C049-F611-094D-8104-5764D8D04213}" type="datetimeFigureOut">
               <a:rPr lang="en-US" smtClean="0"/>
-              <a:t>11/2/22</a:t>
+              <a:t>1/17/23</a:t>
             </a:fld>
             <a:endParaRPr lang="en-US"/>
           </a:p>
@@ -1285,7 +1285,7 @@
           <a:p>
             <a:fld id="{A417C049-F611-094D-8104-5764D8D04213}" type="datetimeFigureOut">
               <a:rPr lang="en-US" smtClean="0"/>
-              <a:t>11/2/22</a:t>
+              <a:t>1/17/23</a:t>
             </a:fld>
             <a:endParaRPr lang="en-US"/>
           </a:p>
@@ -1529,7 +1529,7 @@
           <a:p>
             <a:fld id="{A417C049-F611-094D-8104-5764D8D04213}" type="datetimeFigureOut">
               <a:rPr lang="en-US" smtClean="0"/>
-              <a:t>11/2/22</a:t>
+              <a:t>1/17/23</a:t>
             </a:fld>
             <a:endParaRPr lang="en-US"/>
           </a:p>
@@ -1761,7 +1761,7 @@
           <a:p>
             <a:fld id="{A417C049-F611-094D-8104-5764D8D04213}" type="datetimeFigureOut">
               <a:rPr lang="en-US" smtClean="0"/>
-              <a:t>11/2/22</a:t>
+              <a:t>1/17/23</a:t>
             </a:fld>
             <a:endParaRPr lang="en-US"/>
           </a:p>
@@ -2128,7 +2128,7 @@
           <a:p>
             <a:fld id="{A417C049-F611-094D-8104-5764D8D04213}" type="datetimeFigureOut">
               <a:rPr lang="en-US" smtClean="0"/>
-              <a:t>11/2/22</a:t>
+              <a:t>1/17/23</a:t>
             </a:fld>
             <a:endParaRPr lang="en-US"/>
           </a:p>
@@ -2246,7 +2246,7 @@
           <a:p>
             <a:fld id="{A417C049-F611-094D-8104-5764D8D04213}" type="datetimeFigureOut">
               <a:rPr lang="en-US" smtClean="0"/>
-              <a:t>11/2/22</a:t>
+              <a:t>1/17/23</a:t>
             </a:fld>
             <a:endParaRPr lang="en-US"/>
           </a:p>
@@ -2341,7 +2341,7 @@
           <a:p>
             <a:fld id="{A417C049-F611-094D-8104-5764D8D04213}" type="datetimeFigureOut">
               <a:rPr lang="en-US" smtClean="0"/>
-              <a:t>11/2/22</a:t>
+              <a:t>1/17/23</a:t>
             </a:fld>
             <a:endParaRPr lang="en-US"/>
           </a:p>
@@ -2618,7 +2618,7 @@
           <a:p>
             <a:fld id="{A417C049-F611-094D-8104-5764D8D04213}" type="datetimeFigureOut">
               <a:rPr lang="en-US" smtClean="0"/>
-              <a:t>11/2/22</a:t>
+              <a:t>1/17/23</a:t>
             </a:fld>
             <a:endParaRPr lang="en-US"/>
           </a:p>
@@ -2875,7 +2875,7 @@
           <a:p>
             <a:fld id="{A417C049-F611-094D-8104-5764D8D04213}" type="datetimeFigureOut">
               <a:rPr lang="en-US" smtClean="0"/>
-              <a:t>11/2/22</a:t>
+              <a:t>1/17/23</a:t>
             </a:fld>
             <a:endParaRPr lang="en-US"/>
           </a:p>
@@ -3093,7 +3093,7 @@
           <a:p>
             <a:fld id="{A417C049-F611-094D-8104-5764D8D04213}" type="datetimeFigureOut">
               <a:rPr lang="en-US" smtClean="0"/>
-              <a:t>11/2/22</a:t>
+              <a:t>1/17/23</a:t>
             </a:fld>
             <a:endParaRPr lang="en-US"/>
           </a:p>
@@ -3512,8 +3512,8 @@
         </p:nvSpPr>
         <p:spPr>
           <a:xfrm>
-            <a:off x="0" y="1"/>
-            <a:ext cx="6858000" cy="1004934"/>
+            <a:off x="0" y="2"/>
+            <a:ext cx="6858000" cy="430046"/>
           </a:xfrm>
           <a:prstGeom prst="rect">
             <a:avLst/>
@@ -3553,43 +3553,6 @@
           </a:p>
         </p:txBody>
       </p:sp>
-      <p:pic>
-        <p:nvPicPr>
-          <p:cNvPr id="4" name="Picture Placeholder 6">
-            <a:extLst>
-              <a:ext uri="{FF2B5EF4-FFF2-40B4-BE49-F238E27FC236}">
-                <a16:creationId xmlns:a16="http://schemas.microsoft.com/office/drawing/2014/main" id="{E3B20661-1B05-43C8-98D1-74F974202CE9}"/>
-              </a:ext>
-            </a:extLst>
-          </p:cNvPr>
-          <p:cNvPicPr>
-            <a:picLocks noChangeAspect="1"/>
-          </p:cNvPicPr>
-          <p:nvPr/>
-        </p:nvPicPr>
-        <p:blipFill>
-          <a:blip r:embed="rId3" cstate="print">
-            <a:extLst>
-              <a:ext uri="{28A0092B-C50C-407E-A947-70E740481C1C}">
-                <a14:useLocalDpi xmlns:a14="http://schemas.microsoft.com/office/drawing/2010/main" val="0"/>
-              </a:ext>
-            </a:extLst>
-          </a:blip>
-          <a:srcRect/>
-          <a:stretch>
-            <a:fillRect/>
-          </a:stretch>
-        </p:blipFill>
-        <p:spPr>
-          <a:xfrm rot="21398828">
-            <a:off x="3138321" y="122808"/>
-            <a:ext cx="581352" cy="581352"/>
-          </a:xfrm>
-          <a:prstGeom prst="ellipse">
-            <a:avLst/>
-          </a:prstGeom>
-        </p:spPr>
-      </p:pic>
       <p:sp>
         <p:nvSpPr>
           <p:cNvPr id="3" name="Rounded Rectangle 2">
@@ -3604,7 +3567,7 @@
         </p:nvSpPr>
         <p:spPr>
           <a:xfrm>
-            <a:off x="2656111" y="823541"/>
+            <a:off x="2656114" y="235397"/>
             <a:ext cx="1545772" cy="344128"/>
           </a:xfrm>
           <a:prstGeom prst="roundRect">
@@ -3664,7 +3627,7 @@
         </p:nvCxnSpPr>
         <p:spPr>
           <a:xfrm>
-            <a:off x="426048" y="1522721"/>
+            <a:off x="400309" y="889030"/>
             <a:ext cx="5987270" cy="0"/>
           </a:xfrm>
           <a:prstGeom prst="line">
@@ -3708,7 +3671,7 @@
         </p:nvSpPr>
         <p:spPr>
           <a:xfrm>
-            <a:off x="426048" y="1214315"/>
+            <a:off x="400309" y="580624"/>
             <a:ext cx="893414" cy="246221"/>
           </a:xfrm>
           <a:prstGeom prst="rect">
@@ -3753,7 +3716,7 @@
         </p:nvCxnSpPr>
         <p:spPr>
           <a:xfrm>
-            <a:off x="1293344" y="1214315"/>
+            <a:off x="1267605" y="580624"/>
             <a:ext cx="0" cy="246221"/>
           </a:xfrm>
           <a:prstGeom prst="line">
@@ -3789,7 +3752,7 @@
         </p:nvSpPr>
         <p:spPr>
           <a:xfrm>
-            <a:off x="1258222" y="1216142"/>
+            <a:off x="1232483" y="582451"/>
             <a:ext cx="1109869" cy="246220"/>
           </a:xfrm>
           <a:prstGeom prst="rect">
@@ -3834,7 +3797,7 @@
         </p:nvCxnSpPr>
         <p:spPr>
           <a:xfrm>
-            <a:off x="2313870" y="1214315"/>
+            <a:off x="2288131" y="580624"/>
             <a:ext cx="0" cy="246221"/>
           </a:xfrm>
           <a:prstGeom prst="line">
@@ -3870,7 +3833,7 @@
         </p:nvSpPr>
         <p:spPr>
           <a:xfrm>
-            <a:off x="2284305" y="1221703"/>
+            <a:off x="2258566" y="588012"/>
             <a:ext cx="1494965" cy="246221"/>
           </a:xfrm>
           <a:prstGeom prst="rect">
@@ -3915,7 +3878,7 @@
         </p:nvCxnSpPr>
         <p:spPr>
           <a:xfrm>
-            <a:off x="3731243" y="1221702"/>
+            <a:off x="3705504" y="588011"/>
             <a:ext cx="0" cy="246221"/>
           </a:xfrm>
           <a:prstGeom prst="line">
@@ -3953,7 +3916,7 @@
         </p:nvCxnSpPr>
         <p:spPr>
           <a:xfrm>
-            <a:off x="4718661" y="1214314"/>
+            <a:off x="4692922" y="580623"/>
             <a:ext cx="0" cy="246221"/>
           </a:xfrm>
           <a:prstGeom prst="line">
@@ -3991,7 +3954,7 @@
         </p:nvCxnSpPr>
         <p:spPr>
           <a:xfrm>
-            <a:off x="4171100" y="1221702"/>
+            <a:off x="4145361" y="588011"/>
             <a:ext cx="0" cy="246221"/>
           </a:xfrm>
           <a:prstGeom prst="line">
@@ -4027,7 +3990,7 @@
         </p:nvSpPr>
         <p:spPr>
           <a:xfrm>
-            <a:off x="3666492" y="1221825"/>
+            <a:off x="3640753" y="588134"/>
             <a:ext cx="563402" cy="246221"/>
           </a:xfrm>
           <a:prstGeom prst="rect">
@@ -4050,7 +4013,7 @@
                     <a:lumOff val="35000"/>
                   </a:schemeClr>
                 </a:solidFill>
-                <a:hlinkClick r:id="rId4">
+                <a:hlinkClick r:id="rId3">
                   <a:extLst>
                     <a:ext uri="{A12FA001-AC4F-418D-AE19-62706E023703}">
                       <ahyp:hlinkClr xmlns:ahyp="http://schemas.microsoft.com/office/drawing/2018/hyperlinkcolor" val="tx"/>
@@ -4085,7 +4048,7 @@
         </p:nvSpPr>
         <p:spPr>
           <a:xfrm>
-            <a:off x="4656223" y="1216603"/>
+            <a:off x="4630484" y="582912"/>
             <a:ext cx="674131" cy="246221"/>
           </a:xfrm>
           <a:prstGeom prst="rect">
@@ -4108,7 +4071,7 @@
                     <a:lumOff val="35000"/>
                   </a:schemeClr>
                 </a:solidFill>
-                <a:hlinkClick r:id="rId5">
+                <a:hlinkClick r:id="rId4">
                   <a:extLst>
                     <a:ext uri="{A12FA001-AC4F-418D-AE19-62706E023703}">
                       <ahyp:hlinkClr xmlns:ahyp="http://schemas.microsoft.com/office/drawing/2018/hyperlinkcolor" val="tx"/>
@@ -4145,7 +4108,7 @@
         </p:nvCxnSpPr>
         <p:spPr>
           <a:xfrm>
-            <a:off x="5839068" y="1214314"/>
+            <a:off x="5813329" y="580623"/>
             <a:ext cx="0" cy="246221"/>
           </a:xfrm>
           <a:prstGeom prst="line">
@@ -4183,7 +4146,7 @@
         </p:nvCxnSpPr>
         <p:spPr>
           <a:xfrm>
-            <a:off x="5264268" y="1214314"/>
+            <a:off x="5238529" y="580623"/>
             <a:ext cx="0" cy="246221"/>
           </a:xfrm>
           <a:prstGeom prst="line">
@@ -4219,7 +4182,7 @@
         </p:nvSpPr>
         <p:spPr>
           <a:xfrm>
-            <a:off x="5217311" y="1221702"/>
+            <a:off x="5191572" y="588011"/>
             <a:ext cx="674131" cy="246221"/>
           </a:xfrm>
           <a:prstGeom prst="rect">
@@ -4242,7 +4205,7 @@
                     <a:lumOff val="35000"/>
                   </a:schemeClr>
                 </a:solidFill>
-                <a:hlinkClick r:id="rId6">
+                <a:hlinkClick r:id="rId5">
                   <a:extLst>
                     <a:ext uri="{A12FA001-AC4F-418D-AE19-62706E023703}">
                       <ahyp:hlinkClr xmlns:ahyp="http://schemas.microsoft.com/office/drawing/2018/hyperlinkcolor" val="tx"/>
@@ -4277,7 +4240,7 @@
         </p:nvSpPr>
         <p:spPr>
           <a:xfrm>
-            <a:off x="5739187" y="1221702"/>
+            <a:off x="5713448" y="588011"/>
             <a:ext cx="674131" cy="246221"/>
           </a:xfrm>
           <a:prstGeom prst="rect">
@@ -4300,7 +4263,7 @@
                     <a:lumOff val="35000"/>
                   </a:schemeClr>
                 </a:solidFill>
-                <a:hlinkClick r:id="rId7">
+                <a:hlinkClick r:id="rId6">
                   <a:extLst>
                     <a:ext uri="{A12FA001-AC4F-418D-AE19-62706E023703}">
                       <ahyp:hlinkClr xmlns:ahyp="http://schemas.microsoft.com/office/drawing/2018/hyperlinkcolor" val="tx"/>
@@ -4335,7 +4298,7 @@
         </p:nvSpPr>
         <p:spPr>
           <a:xfrm>
-            <a:off x="4106047" y="1223666"/>
+            <a:off x="4080308" y="589975"/>
             <a:ext cx="674131" cy="246221"/>
           </a:xfrm>
           <a:prstGeom prst="rect">
@@ -4358,7 +4321,7 @@
                     <a:lumOff val="35000"/>
                   </a:schemeClr>
                 </a:solidFill>
-                <a:hlinkClick r:id="rId8">
+                <a:hlinkClick r:id="rId7">
                   <a:extLst>
                     <a:ext uri="{A12FA001-AC4F-418D-AE19-62706E023703}">
                       <ahyp:hlinkClr xmlns:ahyp="http://schemas.microsoft.com/office/drawing/2018/hyperlinkcolor" val="tx"/>
@@ -4395,8 +4358,8 @@
         </p:nvCxnSpPr>
         <p:spPr>
           <a:xfrm>
-            <a:off x="3998894" y="1522721"/>
-            <a:ext cx="18780" cy="8383279"/>
+            <a:off x="3998894" y="846065"/>
+            <a:ext cx="12918" cy="9059935"/>
           </a:xfrm>
           <a:prstGeom prst="line">
             <a:avLst/>
@@ -4438,7 +4401,7 @@
         </p:nvGrpSpPr>
         <p:grpSpPr>
           <a:xfrm>
-            <a:off x="157051" y="1623616"/>
+            <a:off x="157051" y="946960"/>
             <a:ext cx="930917" cy="307777"/>
             <a:chOff x="388545" y="1629624"/>
             <a:chExt cx="930917" cy="307777"/>
@@ -4462,10 +4425,10 @@
             <p:nvPr/>
           </p:nvPicPr>
           <p:blipFill>
-            <a:blip r:embed="rId9" cstate="print">
+            <a:blip r:embed="rId8" cstate="print">
               <a:extLst>
                 <a:ext uri="{96DAC541-7B7A-43D3-8B79-37D633B846F1}">
-                  <asvg:svgBlip xmlns:asvg="http://schemas.microsoft.com/office/drawing/2016/SVG/main" r:embed="rId10"/>
+                  <asvg:svgBlip xmlns:asvg="http://schemas.microsoft.com/office/drawing/2016/SVG/main" r:embed="rId9"/>
                 </a:ext>
               </a:extLst>
             </a:blip>
@@ -4534,7 +4497,7 @@
         </p:nvSpPr>
         <p:spPr>
           <a:xfrm>
-            <a:off x="94315" y="1873271"/>
+            <a:off x="94315" y="1196615"/>
             <a:ext cx="3904579" cy="861774"/>
           </a:xfrm>
           <a:prstGeom prst="rect">
@@ -4639,7 +4602,7 @@
         </p:nvCxnSpPr>
         <p:spPr>
           <a:xfrm>
-            <a:off x="-1436" y="2927768"/>
+            <a:off x="-1436" y="2251112"/>
             <a:ext cx="3948193" cy="0"/>
           </a:xfrm>
           <a:prstGeom prst="line">
@@ -4682,7 +4645,7 @@
         </p:nvSpPr>
         <p:spPr>
           <a:xfrm>
-            <a:off x="95741" y="8266369"/>
+            <a:off x="95741" y="8317848"/>
             <a:ext cx="3921934" cy="1182375"/>
           </a:xfrm>
           <a:prstGeom prst="rect">
@@ -4873,7 +4836,7 @@
         </p:nvGrpSpPr>
         <p:grpSpPr>
           <a:xfrm>
-            <a:off x="120073" y="8000755"/>
+            <a:off x="120073" y="8052234"/>
             <a:ext cx="1055498" cy="320656"/>
             <a:chOff x="106735" y="2999656"/>
             <a:chExt cx="1055498" cy="320656"/>
@@ -4894,10 +4857,10 @@
             <p:nvPr/>
           </p:nvPicPr>
           <p:blipFill>
-            <a:blip r:embed="rId11">
+            <a:blip r:embed="rId10">
               <a:extLst>
                 <a:ext uri="{96DAC541-7B7A-43D3-8B79-37D633B846F1}">
-                  <asvg:svgBlip xmlns:asvg="http://schemas.microsoft.com/office/drawing/2016/SVG/main" r:embed="rId12"/>
+                  <asvg:svgBlip xmlns:asvg="http://schemas.microsoft.com/office/drawing/2016/SVG/main" r:embed="rId11"/>
                 </a:ext>
               </a:extLst>
             </a:blip>
@@ -4967,10 +4930,10 @@
           <p:nvPr/>
         </p:nvPicPr>
         <p:blipFill>
-          <a:blip r:embed="rId13">
+          <a:blip r:embed="rId12">
             <a:extLst>
               <a:ext uri="{96DAC541-7B7A-43D3-8B79-37D633B846F1}">
-                <asvg:svgBlip xmlns:asvg="http://schemas.microsoft.com/office/drawing/2016/SVG/main" r:embed="rId14"/>
+                <asvg:svgBlip xmlns:asvg="http://schemas.microsoft.com/office/drawing/2016/SVG/main" r:embed="rId13"/>
               </a:ext>
             </a:extLst>
           </a:blip>
@@ -4980,7 +4943,7 @@
         </p:blipFill>
         <p:spPr>
           <a:xfrm>
-            <a:off x="90298" y="3028662"/>
+            <a:off x="90298" y="2352006"/>
             <a:ext cx="305211" cy="305211"/>
           </a:xfrm>
           <a:prstGeom prst="rect">
@@ -5002,7 +4965,7 @@
         </p:nvSpPr>
         <p:spPr>
           <a:xfrm>
-            <a:off x="320587" y="3024708"/>
+            <a:off x="320587" y="2348052"/>
             <a:ext cx="1046642" cy="307777"/>
           </a:xfrm>
           <a:prstGeom prst="rect">
@@ -5040,7 +5003,7 @@
         </p:nvCxnSpPr>
         <p:spPr>
           <a:xfrm>
-            <a:off x="0" y="7977265"/>
+            <a:off x="0" y="8028744"/>
             <a:ext cx="4011812" cy="17100"/>
           </a:xfrm>
           <a:prstGeom prst="line">
@@ -5083,8 +5046,8 @@
         </p:nvSpPr>
         <p:spPr>
           <a:xfrm>
-            <a:off x="120073" y="3364786"/>
-            <a:ext cx="3841844" cy="4542269"/>
+            <a:off x="93862" y="2662219"/>
+            <a:ext cx="3841844" cy="5183470"/>
           </a:xfrm>
           <a:prstGeom prst="rect">
             <a:avLst/>
@@ -5157,7 +5120,7 @@
                   </a:schemeClr>
                 </a:solidFill>
               </a:rPr>
-              <a:t>, Telos Blockchain.</a:t>
+              <a:t>, Telos Blockchain, Substrate ink.</a:t>
             </a:r>
           </a:p>
           <a:p>
@@ -5177,6 +5140,26 @@
                   </a:schemeClr>
                 </a:solidFill>
               </a:rPr>
+              <a:t>Familiarity with Zero-Knowledge Proof SNARK, STARK, groth16 arithmetic circuits, Tornado Cash like use case.</a:t>
+            </a:r>
+          </a:p>
+          <a:p>
+            <a:pPr marL="171450" indent="-171450">
+              <a:spcAft>
+                <a:spcPts val="125"/>
+              </a:spcAft>
+              <a:buFont typeface="Arial" panose="020B0604020202020204" pitchFamily="34" charset="0"/>
+              <a:buChar char="•"/>
+            </a:pPr>
+            <a:r>
+              <a:rPr lang="en-IN" sz="1000" dirty="0">
+                <a:solidFill>
+                  <a:schemeClr val="tx1">
+                    <a:lumMod val="75000"/>
+                    <a:lumOff val="25000"/>
+                  </a:schemeClr>
+                </a:solidFill>
+              </a:rPr>
               <a:t>Experienced with popular </a:t>
             </a:r>
             <a:r>
@@ -5265,7 +5248,49 @@
                   </a:schemeClr>
                 </a:solidFill>
               </a:rPr>
-              <a:t>, Yeti.</a:t>
+              <a:t>, Yeti, </a:t>
+            </a:r>
+            <a:r>
+              <a:rPr lang="en-IN" sz="1000" dirty="0" err="1">
+                <a:solidFill>
+                  <a:schemeClr val="tx1">
+                    <a:lumMod val="75000"/>
+                    <a:lumOff val="25000"/>
+                  </a:schemeClr>
+                </a:solidFill>
+              </a:rPr>
+              <a:t>Aave</a:t>
+            </a:r>
+            <a:r>
+              <a:rPr lang="en-IN" sz="1000" dirty="0">
+                <a:solidFill>
+                  <a:schemeClr val="tx1">
+                    <a:lumMod val="75000"/>
+                    <a:lumOff val="25000"/>
+                  </a:schemeClr>
+                </a:solidFill>
+              </a:rPr>
+              <a:t>.</a:t>
+            </a:r>
+          </a:p>
+          <a:p>
+            <a:pPr marL="171450" indent="-171450">
+              <a:spcAft>
+                <a:spcPts val="125"/>
+              </a:spcAft>
+              <a:buFont typeface="Arial" panose="020B0604020202020204" pitchFamily="34" charset="0"/>
+              <a:buChar char="•"/>
+            </a:pPr>
+            <a:r>
+              <a:rPr lang="en-IN" sz="1000" dirty="0">
+                <a:solidFill>
+                  <a:schemeClr val="tx1">
+                    <a:lumMod val="75000"/>
+                    <a:lumOff val="25000"/>
+                  </a:schemeClr>
+                </a:solidFill>
+              </a:rPr>
+              <a:t>Worked on Token contract, Pallets on Substrate chain, updating the substrate recipes handbook with FRAME v2.</a:t>
             </a:r>
           </a:p>
           <a:p>
@@ -5771,10 +5796,10 @@
           <p:nvPr/>
         </p:nvPicPr>
         <p:blipFill>
-          <a:blip r:embed="rId15">
+          <a:blip r:embed="rId14">
             <a:extLst>
               <a:ext uri="{96DAC541-7B7A-43D3-8B79-37D633B846F1}">
-                <asvg:svgBlip xmlns:asvg="http://schemas.microsoft.com/office/drawing/2016/SVG/main" r:embed="rId16"/>
+                <asvg:svgBlip xmlns:asvg="http://schemas.microsoft.com/office/drawing/2016/SVG/main" r:embed="rId15"/>
               </a:ext>
             </a:extLst>
           </a:blip>
@@ -5784,7 +5809,7 @@
         </p:blipFill>
         <p:spPr>
           <a:xfrm>
-            <a:off x="4084426" y="1685173"/>
+            <a:off x="4084426" y="1008517"/>
             <a:ext cx="270934" cy="270934"/>
           </a:xfrm>
           <a:prstGeom prst="rect">
@@ -5806,7 +5831,7 @@
         </p:nvSpPr>
         <p:spPr>
           <a:xfrm>
-            <a:off x="4307664" y="1661777"/>
+            <a:off x="4307664" y="985121"/>
             <a:ext cx="925561" cy="307777"/>
           </a:xfrm>
           <a:prstGeom prst="rect">
@@ -5842,7 +5867,7 @@
         </p:nvSpPr>
         <p:spPr>
           <a:xfrm>
-            <a:off x="4084426" y="1979503"/>
+            <a:off x="4084426" y="1302847"/>
             <a:ext cx="2105654" cy="400110"/>
           </a:xfrm>
           <a:prstGeom prst="rect">
@@ -5889,7 +5914,7 @@
         </p:nvGrpSpPr>
         <p:grpSpPr>
           <a:xfrm>
-            <a:off x="4100132" y="6626833"/>
+            <a:off x="4100132" y="5950177"/>
             <a:ext cx="746451" cy="307777"/>
             <a:chOff x="4078910" y="4229593"/>
             <a:chExt cx="746451" cy="307777"/>
@@ -5913,10 +5938,10 @@
             <p:nvPr/>
           </p:nvPicPr>
           <p:blipFill>
-            <a:blip r:embed="rId17" cstate="print">
+            <a:blip r:embed="rId16" cstate="print">
               <a:extLst>
                 <a:ext uri="{96DAC541-7B7A-43D3-8B79-37D633B846F1}">
-                  <asvg:svgBlip xmlns:asvg="http://schemas.microsoft.com/office/drawing/2016/SVG/main" r:embed="rId18"/>
+                  <asvg:svgBlip xmlns:asvg="http://schemas.microsoft.com/office/drawing/2016/SVG/main" r:embed="rId17"/>
                 </a:ext>
               </a:extLst>
             </a:blip>
@@ -5989,10 +6014,10 @@
           <p:nvPr/>
         </p:nvPicPr>
         <p:blipFill>
-          <a:blip r:embed="rId19" cstate="print">
+          <a:blip r:embed="rId18" cstate="print">
             <a:extLst>
               <a:ext uri="{96DAC541-7B7A-43D3-8B79-37D633B846F1}">
-                <asvg:svgBlip xmlns:asvg="http://schemas.microsoft.com/office/drawing/2016/SVG/main" r:embed="rId20"/>
+                <asvg:svgBlip xmlns:asvg="http://schemas.microsoft.com/office/drawing/2016/SVG/main" r:embed="rId19"/>
               </a:ext>
             </a:extLst>
           </a:blip>
@@ -6002,7 +6027,7 @@
         </p:blipFill>
         <p:spPr>
           <a:xfrm>
-            <a:off x="4106047" y="2519607"/>
+            <a:off x="4106047" y="1842951"/>
             <a:ext cx="187200" cy="187200"/>
           </a:xfrm>
           <a:prstGeom prst="rect">
@@ -6024,7 +6049,7 @@
         </p:nvSpPr>
         <p:spPr>
           <a:xfrm>
-            <a:off x="4247030" y="2489859"/>
+            <a:off x="4247030" y="1813203"/>
             <a:ext cx="1428551" cy="307777"/>
           </a:xfrm>
           <a:prstGeom prst="rect">
@@ -6060,7 +6085,7 @@
         </p:nvSpPr>
         <p:spPr>
           <a:xfrm>
-            <a:off x="4113967" y="2713813"/>
+            <a:off x="4113967" y="2037157"/>
             <a:ext cx="2645218" cy="3761799"/>
           </a:xfrm>
           <a:prstGeom prst="rect">
@@ -6335,7 +6360,7 @@
         </p:nvSpPr>
         <p:spPr>
           <a:xfrm>
-            <a:off x="4276533" y="7344312"/>
+            <a:off x="4276533" y="6612792"/>
             <a:ext cx="2384618" cy="114300"/>
           </a:xfrm>
           <a:prstGeom prst="rect">
@@ -6390,7 +6415,7 @@
         </p:nvSpPr>
         <p:spPr>
           <a:xfrm>
-            <a:off x="4276533" y="7344312"/>
+            <a:off x="4276533" y="6612792"/>
             <a:ext cx="2366580" cy="114300"/>
           </a:xfrm>
           <a:prstGeom prst="rect">
@@ -6442,7 +6467,7 @@
         </p:nvSpPr>
         <p:spPr>
           <a:xfrm>
-            <a:off x="4188169" y="7091994"/>
+            <a:off x="4188169" y="6415338"/>
             <a:ext cx="881973" cy="253916"/>
           </a:xfrm>
           <a:prstGeom prst="rect">
@@ -6492,7 +6517,7 @@
         </p:nvSpPr>
         <p:spPr>
           <a:xfrm>
-            <a:off x="4058086" y="6900753"/>
+            <a:off x="4058086" y="6224097"/>
             <a:ext cx="1483708" cy="230832"/>
           </a:xfrm>
           <a:prstGeom prst="rect">
@@ -6529,7 +6554,7 @@
         </p:nvSpPr>
         <p:spPr>
           <a:xfrm>
-            <a:off x="4276533" y="7718349"/>
+            <a:off x="4276533" y="6986829"/>
             <a:ext cx="2384618" cy="114300"/>
           </a:xfrm>
           <a:prstGeom prst="rect">
@@ -6584,7 +6609,7 @@
         </p:nvSpPr>
         <p:spPr>
           <a:xfrm>
-            <a:off x="4276533" y="7718349"/>
+            <a:off x="4276533" y="6986829"/>
             <a:ext cx="2384618" cy="114300"/>
           </a:xfrm>
           <a:prstGeom prst="rect">
@@ -6636,7 +6661,7 @@
         </p:nvSpPr>
         <p:spPr>
           <a:xfrm>
-            <a:off x="4188169" y="7466031"/>
+            <a:off x="4188169" y="6789375"/>
             <a:ext cx="1515158" cy="246221"/>
           </a:xfrm>
           <a:prstGeom prst="rect">
@@ -6686,7 +6711,7 @@
         </p:nvSpPr>
         <p:spPr>
           <a:xfrm>
-            <a:off x="4276533" y="8076016"/>
+            <a:off x="4276533" y="7344496"/>
             <a:ext cx="2384618" cy="114300"/>
           </a:xfrm>
           <a:prstGeom prst="rect">
@@ -6741,7 +6766,7 @@
         </p:nvSpPr>
         <p:spPr>
           <a:xfrm>
-            <a:off x="4276532" y="8077338"/>
+            <a:off x="4276532" y="7345818"/>
             <a:ext cx="2271827" cy="112978"/>
           </a:xfrm>
           <a:prstGeom prst="rect">
@@ -6793,7 +6818,7 @@
         </p:nvSpPr>
         <p:spPr>
           <a:xfrm>
-            <a:off x="4188169" y="7823698"/>
+            <a:off x="4188169" y="7147042"/>
             <a:ext cx="434734" cy="246221"/>
           </a:xfrm>
           <a:prstGeom prst="rect">
@@ -6843,7 +6868,7 @@
         </p:nvSpPr>
         <p:spPr>
           <a:xfrm>
-            <a:off x="4276533" y="8450053"/>
+            <a:off x="4276533" y="7718533"/>
             <a:ext cx="2384618" cy="114300"/>
           </a:xfrm>
           <a:prstGeom prst="rect">
@@ -6898,7 +6923,7 @@
         </p:nvSpPr>
         <p:spPr>
           <a:xfrm>
-            <a:off x="4276532" y="8450053"/>
+            <a:off x="4276532" y="7718533"/>
             <a:ext cx="2238611" cy="114300"/>
           </a:xfrm>
           <a:prstGeom prst="rect">
@@ -6950,8 +6975,8 @@
         </p:nvSpPr>
         <p:spPr>
           <a:xfrm>
-            <a:off x="4188169" y="8197735"/>
-            <a:ext cx="742511" cy="246221"/>
+            <a:off x="4188169" y="7521079"/>
+            <a:ext cx="1176925" cy="246221"/>
           </a:xfrm>
           <a:prstGeom prst="rect">
             <a:avLst/>
@@ -6973,7 +6998,18 @@
                   </a:schemeClr>
                 </a:solidFill>
               </a:rPr>
-              <a:t>Jira, Linear</a:t>
+              <a:t>Jira, Linear, </a:t>
+            </a:r>
+            <a:r>
+              <a:rPr lang="en-US" sz="1000" dirty="0" err="1">
+                <a:solidFill>
+                  <a:schemeClr val="tx1">
+                    <a:lumMod val="75000"/>
+                    <a:lumOff val="25000"/>
+                  </a:schemeClr>
+                </a:solidFill>
+              </a:rPr>
+              <a:t>Clickup</a:t>
             </a:r>
             <a:endParaRPr lang="en-US" sz="900" dirty="0">
               <a:solidFill>
@@ -7000,7 +7036,7 @@
         </p:nvSpPr>
         <p:spPr>
           <a:xfrm>
-            <a:off x="4276533" y="8809213"/>
+            <a:off x="4276533" y="8077693"/>
             <a:ext cx="2384618" cy="114300"/>
           </a:xfrm>
           <a:prstGeom prst="rect">
@@ -7055,7 +7091,7 @@
         </p:nvSpPr>
         <p:spPr>
           <a:xfrm>
-            <a:off x="4276533" y="8809213"/>
+            <a:off x="4276533" y="8077693"/>
             <a:ext cx="2305962" cy="114300"/>
           </a:xfrm>
           <a:prstGeom prst="rect">
@@ -7107,7 +7143,7 @@
         </p:nvSpPr>
         <p:spPr>
           <a:xfrm>
-            <a:off x="4188169" y="8556895"/>
+            <a:off x="4188169" y="7880239"/>
             <a:ext cx="779381" cy="230832"/>
           </a:xfrm>
           <a:prstGeom prst="rect">
@@ -7149,7 +7185,7 @@
         </p:nvSpPr>
         <p:spPr>
           <a:xfrm>
-            <a:off x="4276533" y="9166880"/>
+            <a:off x="4276533" y="8435360"/>
             <a:ext cx="2384618" cy="114300"/>
           </a:xfrm>
           <a:prstGeom prst="rect">
@@ -7204,7 +7240,7 @@
         </p:nvSpPr>
         <p:spPr>
           <a:xfrm>
-            <a:off x="4276532" y="9168202"/>
+            <a:off x="4276532" y="8436682"/>
             <a:ext cx="2238611" cy="112978"/>
           </a:xfrm>
           <a:prstGeom prst="rect">
@@ -7256,7 +7292,7 @@
         </p:nvSpPr>
         <p:spPr>
           <a:xfrm>
-            <a:off x="4188169" y="8914562"/>
+            <a:off x="4188169" y="8237906"/>
             <a:ext cx="627095" cy="246221"/>
           </a:xfrm>
           <a:prstGeom prst="rect">
@@ -7306,7 +7342,7 @@
         </p:nvSpPr>
         <p:spPr>
           <a:xfrm>
-            <a:off x="4276533" y="9540917"/>
+            <a:off x="4276533" y="8809397"/>
             <a:ext cx="2384618" cy="114300"/>
           </a:xfrm>
           <a:prstGeom prst="rect">
@@ -7361,7 +7397,7 @@
         </p:nvSpPr>
         <p:spPr>
           <a:xfrm>
-            <a:off x="4276532" y="9540917"/>
+            <a:off x="4276532" y="8809397"/>
             <a:ext cx="2271827" cy="114300"/>
           </a:xfrm>
           <a:prstGeom prst="rect">
@@ -7413,7 +7449,7 @@
         </p:nvSpPr>
         <p:spPr>
           <a:xfrm>
-            <a:off x="4188169" y="9288599"/>
+            <a:off x="4188169" y="8611943"/>
             <a:ext cx="853119" cy="246221"/>
           </a:xfrm>
           <a:prstGeom prst="rect">
@@ -7799,7 +7835,7 @@
                   </a:schemeClr>
                 </a:solidFill>
               </a:rPr>
-              <a:t>Created a Data visualization Software - "</a:t>
+              <a:t>Created a CLI based Data visualization Software - "</a:t>
             </a:r>
             <a:r>
               <a:rPr lang="en-IN" sz="1000" dirty="0" err="1">
@@ -8159,7 +8195,7 @@
         </p:nvSpPr>
         <p:spPr>
           <a:xfrm>
-            <a:off x="4232639" y="850728"/>
+            <a:off x="4232639" y="823296"/>
             <a:ext cx="2384618" cy="114300"/>
           </a:xfrm>
           <a:prstGeom prst="rect">
@@ -8214,7 +8250,7 @@
         </p:nvSpPr>
         <p:spPr>
           <a:xfrm>
-            <a:off x="4232639" y="850728"/>
+            <a:off x="4232639" y="823296"/>
             <a:ext cx="2347058" cy="114300"/>
           </a:xfrm>
           <a:prstGeom prst="rect">
@@ -8353,7 +8389,7 @@
         </p:nvSpPr>
         <p:spPr>
           <a:xfrm>
-            <a:off x="4232639" y="1224765"/>
+            <a:off x="4232639" y="1188189"/>
             <a:ext cx="2384618" cy="114300"/>
           </a:xfrm>
           <a:prstGeom prst="rect">
@@ -8408,7 +8444,7 @@
         </p:nvSpPr>
         <p:spPr>
           <a:xfrm>
-            <a:off x="4232639" y="1224765"/>
+            <a:off x="4232639" y="1188189"/>
             <a:ext cx="2365838" cy="114300"/>
           </a:xfrm>
           <a:prstGeom prst="rect">
@@ -8510,7 +8546,7 @@
         </p:nvSpPr>
         <p:spPr>
           <a:xfrm>
-            <a:off x="4232639" y="1582432"/>
+            <a:off x="4232639" y="1545856"/>
             <a:ext cx="2384618" cy="114300"/>
           </a:xfrm>
           <a:prstGeom prst="rect">
@@ -8565,7 +8601,7 @@
         </p:nvSpPr>
         <p:spPr>
           <a:xfrm>
-            <a:off x="4232638" y="1581320"/>
+            <a:off x="4232638" y="1544744"/>
             <a:ext cx="2305963" cy="115412"/>
           </a:xfrm>
           <a:prstGeom prst="rect">
@@ -8667,7 +8703,7 @@
         </p:nvSpPr>
         <p:spPr>
           <a:xfrm>
-            <a:off x="4232639" y="1956469"/>
+            <a:off x="4232639" y="1910749"/>
             <a:ext cx="2384618" cy="114300"/>
           </a:xfrm>
           <a:prstGeom prst="rect">
@@ -8722,7 +8758,7 @@
         </p:nvSpPr>
         <p:spPr>
           <a:xfrm>
-            <a:off x="4232638" y="1956469"/>
+            <a:off x="4232638" y="1910749"/>
             <a:ext cx="2330087" cy="114300"/>
           </a:xfrm>
           <a:prstGeom prst="rect">
@@ -8824,7 +8860,7 @@
         </p:nvSpPr>
         <p:spPr>
           <a:xfrm>
-            <a:off x="4232639" y="2315629"/>
+            <a:off x="4232639" y="2279053"/>
             <a:ext cx="2384618" cy="114300"/>
           </a:xfrm>
           <a:prstGeom prst="rect">
@@ -8879,7 +8915,7 @@
         </p:nvSpPr>
         <p:spPr>
           <a:xfrm>
-            <a:off x="4232639" y="2315629"/>
+            <a:off x="4232639" y="2279053"/>
             <a:ext cx="2366580" cy="114300"/>
           </a:xfrm>
           <a:prstGeom prst="rect">
@@ -8932,7 +8968,7 @@
         <p:spPr>
           <a:xfrm>
             <a:off x="4144275" y="2063311"/>
-            <a:ext cx="947695" cy="230832"/>
+            <a:ext cx="1024639" cy="246221"/>
           </a:xfrm>
           <a:prstGeom prst="rect">
             <a:avLst/>
@@ -8946,7 +8982,7 @@
           <a:lstStyle/>
           <a:p>
             <a:r>
-              <a:rPr lang="en-US" sz="900" dirty="0">
+              <a:rPr lang="en-US" sz="1000" dirty="0">
                 <a:solidFill>
                   <a:schemeClr val="tx1">
                     <a:lumMod val="75000"/>
@@ -8973,7 +9009,7 @@
         </p:nvSpPr>
         <p:spPr>
           <a:xfrm>
-            <a:off x="4232639" y="2673296"/>
+            <a:off x="4232639" y="2636720"/>
             <a:ext cx="2384618" cy="114300"/>
           </a:xfrm>
           <a:prstGeom prst="rect">
@@ -9028,8 +9064,8 @@
         </p:nvSpPr>
         <p:spPr>
           <a:xfrm>
-            <a:off x="4232638" y="2674618"/>
-            <a:ext cx="2305963" cy="112978"/>
+            <a:off x="4232638" y="2636720"/>
+            <a:ext cx="2305963" cy="114300"/>
           </a:xfrm>
           <a:prstGeom prst="rect">
             <a:avLst/>
@@ -9130,7 +9166,7 @@
         </p:nvSpPr>
         <p:spPr>
           <a:xfrm>
-            <a:off x="4232639" y="3047333"/>
+            <a:off x="4232639" y="3010757"/>
             <a:ext cx="2384618" cy="114300"/>
           </a:xfrm>
           <a:prstGeom prst="rect">
@@ -9185,7 +9221,7 @@
         </p:nvSpPr>
         <p:spPr>
           <a:xfrm>
-            <a:off x="4232638" y="3047333"/>
+            <a:off x="4232638" y="3010757"/>
             <a:ext cx="2330087" cy="114300"/>
           </a:xfrm>
           <a:prstGeom prst="rect">

--- a/my_resume.pptx
+++ b/my_resume.pptx
@@ -198,7 +198,7 @@
           <a:p>
             <a:fld id="{060BEAD1-672E-E841-95FA-08B9B35A46D7}" type="datetimeFigureOut">
               <a:rPr lang="en-US" smtClean="0"/>
-              <a:t>1/17/23</a:t>
+              <a:t>1/23/23</a:t>
             </a:fld>
             <a:endParaRPr lang="en-US"/>
           </a:p>
@@ -765,7 +765,7 @@
           <a:p>
             <a:fld id="{A417C049-F611-094D-8104-5764D8D04213}" type="datetimeFigureOut">
               <a:rPr lang="en-US" smtClean="0"/>
-              <a:t>1/17/23</a:t>
+              <a:t>1/23/23</a:t>
             </a:fld>
             <a:endParaRPr lang="en-US"/>
           </a:p>
@@ -935,7 +935,7 @@
           <a:p>
             <a:fld id="{A417C049-F611-094D-8104-5764D8D04213}" type="datetimeFigureOut">
               <a:rPr lang="en-US" smtClean="0"/>
-              <a:t>1/17/23</a:t>
+              <a:t>1/23/23</a:t>
             </a:fld>
             <a:endParaRPr lang="en-US"/>
           </a:p>
@@ -1115,7 +1115,7 @@
           <a:p>
             <a:fld id="{A417C049-F611-094D-8104-5764D8D04213}" type="datetimeFigureOut">
               <a:rPr lang="en-US" smtClean="0"/>
-              <a:t>1/17/23</a:t>
+              <a:t>1/23/23</a:t>
             </a:fld>
             <a:endParaRPr lang="en-US"/>
           </a:p>
@@ -1285,7 +1285,7 @@
           <a:p>
             <a:fld id="{A417C049-F611-094D-8104-5764D8D04213}" type="datetimeFigureOut">
               <a:rPr lang="en-US" smtClean="0"/>
-              <a:t>1/17/23</a:t>
+              <a:t>1/23/23</a:t>
             </a:fld>
             <a:endParaRPr lang="en-US"/>
           </a:p>
@@ -1529,7 +1529,7 @@
           <a:p>
             <a:fld id="{A417C049-F611-094D-8104-5764D8D04213}" type="datetimeFigureOut">
               <a:rPr lang="en-US" smtClean="0"/>
-              <a:t>1/17/23</a:t>
+              <a:t>1/23/23</a:t>
             </a:fld>
             <a:endParaRPr lang="en-US"/>
           </a:p>
@@ -1761,7 +1761,7 @@
           <a:p>
             <a:fld id="{A417C049-F611-094D-8104-5764D8D04213}" type="datetimeFigureOut">
               <a:rPr lang="en-US" smtClean="0"/>
-              <a:t>1/17/23</a:t>
+              <a:t>1/23/23</a:t>
             </a:fld>
             <a:endParaRPr lang="en-US"/>
           </a:p>
@@ -2128,7 +2128,7 @@
           <a:p>
             <a:fld id="{A417C049-F611-094D-8104-5764D8D04213}" type="datetimeFigureOut">
               <a:rPr lang="en-US" smtClean="0"/>
-              <a:t>1/17/23</a:t>
+              <a:t>1/23/23</a:t>
             </a:fld>
             <a:endParaRPr lang="en-US"/>
           </a:p>
@@ -2246,7 +2246,7 @@
           <a:p>
             <a:fld id="{A417C049-F611-094D-8104-5764D8D04213}" type="datetimeFigureOut">
               <a:rPr lang="en-US" smtClean="0"/>
-              <a:t>1/17/23</a:t>
+              <a:t>1/23/23</a:t>
             </a:fld>
             <a:endParaRPr lang="en-US"/>
           </a:p>
@@ -2341,7 +2341,7 @@
           <a:p>
             <a:fld id="{A417C049-F611-094D-8104-5764D8D04213}" type="datetimeFigureOut">
               <a:rPr lang="en-US" smtClean="0"/>
-              <a:t>1/17/23</a:t>
+              <a:t>1/23/23</a:t>
             </a:fld>
             <a:endParaRPr lang="en-US"/>
           </a:p>
@@ -2618,7 +2618,7 @@
           <a:p>
             <a:fld id="{A417C049-F611-094D-8104-5764D8D04213}" type="datetimeFigureOut">
               <a:rPr lang="en-US" smtClean="0"/>
-              <a:t>1/17/23</a:t>
+              <a:t>1/23/23</a:t>
             </a:fld>
             <a:endParaRPr lang="en-US"/>
           </a:p>
@@ -2875,7 +2875,7 @@
           <a:p>
             <a:fld id="{A417C049-F611-094D-8104-5764D8D04213}" type="datetimeFigureOut">
               <a:rPr lang="en-US" smtClean="0"/>
-              <a:t>1/17/23</a:t>
+              <a:t>1/23/23</a:t>
             </a:fld>
             <a:endParaRPr lang="en-US"/>
           </a:p>
@@ -3093,7 +3093,7 @@
           <a:p>
             <a:fld id="{A417C049-F611-094D-8104-5764D8D04213}" type="datetimeFigureOut">
               <a:rPr lang="en-US" smtClean="0"/>
-              <a:t>1/17/23</a:t>
+              <a:t>1/23/23</a:t>
             </a:fld>
             <a:endParaRPr lang="en-US"/>
           </a:p>
@@ -4522,7 +4522,32 @@
                 <a:effectLst/>
                 <a:latin typeface="Whitney"/>
               </a:rPr>
-              <a:t>I am a Software Developer with 6+ years of experience as CTO, Lead/Senior Blockchain Developer in various Web3 startups, projects related to </a:t>
+              <a:t>I am a Software Developer with </a:t>
+            </a:r>
+            <a:r>
+              <a:rPr lang="en-US" sz="1000" dirty="0">
+                <a:solidFill>
+                  <a:schemeClr val="tx1">
+                    <a:lumMod val="75000"/>
+                    <a:lumOff val="25000"/>
+                  </a:schemeClr>
+                </a:solidFill>
+                <a:latin typeface="Whitney"/>
+              </a:rPr>
+              <a:t>7</a:t>
+            </a:r>
+            <a:r>
+              <a:rPr lang="en-US" sz="1000" b="0" i="0" dirty="0">
+                <a:solidFill>
+                  <a:schemeClr val="tx1">
+                    <a:lumMod val="75000"/>
+                    <a:lumOff val="25000"/>
+                  </a:schemeClr>
+                </a:solidFill>
+                <a:effectLst/>
+                <a:latin typeface="Whitney"/>
+              </a:rPr>
+              <a:t> years of experience as CTO, Lead/Senior Blockchain Developer in various Web3 startups, projects related to </a:t>
             </a:r>
             <a:r>
               <a:rPr lang="en-US" sz="1000" dirty="0">
@@ -5047,7 +5072,7 @@
         <p:spPr>
           <a:xfrm>
             <a:off x="93862" y="2662219"/>
-            <a:ext cx="3841844" cy="5183470"/>
+            <a:ext cx="3841844" cy="5350183"/>
           </a:xfrm>
           <a:prstGeom prst="rect">
             <a:avLst/>
@@ -5160,7 +5185,7 @@
                   </a:schemeClr>
                 </a:solidFill>
               </a:rPr>
-              <a:t>Experienced with popular </a:t>
+              <a:t>Worked on large scale contract projects like Polygon's </a:t>
             </a:r>
             <a:r>
               <a:rPr lang="en-IN" sz="1000" dirty="0" err="1">
@@ -5171,7 +5196,7 @@
                   </a:schemeClr>
                 </a:solidFill>
               </a:rPr>
-              <a:t>DeFi</a:t>
+              <a:t>stablecoin</a:t>
             </a:r>
             <a:r>
               <a:rPr lang="en-IN" sz="1000" dirty="0">
@@ -5182,7 +5207,7 @@
                   </a:schemeClr>
                 </a:solidFill>
               </a:rPr>
-              <a:t> codebases like </a:t>
+              <a:t>, Free energy backed AMM DEX, Bonding curve based crowdfunding platform with DAO, </a:t>
             </a:r>
             <a:r>
               <a:rPr lang="en-IN" sz="1000" dirty="0" err="1">
@@ -5193,73 +5218,7 @@
                   </a:schemeClr>
                 </a:solidFill>
               </a:rPr>
-              <a:t>Uniswap</a:t>
-            </a:r>
-            <a:r>
-              <a:rPr lang="en-IN" sz="1000" dirty="0">
-                <a:solidFill>
-                  <a:schemeClr val="tx1">
-                    <a:lumMod val="75000"/>
-                    <a:lumOff val="25000"/>
-                  </a:schemeClr>
-                </a:solidFill>
-              </a:rPr>
-              <a:t>, Curve, Saddle, </a:t>
-            </a:r>
-            <a:r>
-              <a:rPr lang="en-IN" sz="1000" dirty="0" err="1">
-                <a:solidFill>
-                  <a:schemeClr val="tx1">
-                    <a:lumMod val="75000"/>
-                    <a:lumOff val="25000"/>
-                  </a:schemeClr>
-                </a:solidFill>
-              </a:rPr>
-              <a:t>MakerDAO</a:t>
-            </a:r>
-            <a:r>
-              <a:rPr lang="en-IN" sz="1000" dirty="0">
-                <a:solidFill>
-                  <a:schemeClr val="tx1">
-                    <a:lumMod val="75000"/>
-                    <a:lumOff val="25000"/>
-                  </a:schemeClr>
-                </a:solidFill>
-              </a:rPr>
-              <a:t>, </a:t>
-            </a:r>
-            <a:r>
-              <a:rPr lang="en-IN" sz="1000" dirty="0" err="1">
-                <a:solidFill>
-                  <a:schemeClr val="tx1">
-                    <a:lumMod val="75000"/>
-                    <a:lumOff val="25000"/>
-                  </a:schemeClr>
-                </a:solidFill>
-              </a:rPr>
-              <a:t>Liquity</a:t>
-            </a:r>
-            <a:r>
-              <a:rPr lang="en-IN" sz="1000" dirty="0">
-                <a:solidFill>
-                  <a:schemeClr val="tx1">
-                    <a:lumMod val="75000"/>
-                    <a:lumOff val="25000"/>
-                  </a:schemeClr>
-                </a:solidFill>
-              </a:rPr>
-              <a:t>, Yeti, </a:t>
-            </a:r>
-            <a:r>
-              <a:rPr lang="en-IN" sz="1000" dirty="0" err="1">
-                <a:solidFill>
-                  <a:schemeClr val="tx1">
-                    <a:lumMod val="75000"/>
-                    <a:lumOff val="25000"/>
-                  </a:schemeClr>
-                </a:solidFill>
-              </a:rPr>
-              <a:t>Aave</a:t>
+              <a:t>Ceven.Parks</a:t>
             </a:r>
             <a:r>
               <a:rPr lang="en-IN" sz="1000" dirty="0">
@@ -5290,7 +5249,117 @@
                   </a:schemeClr>
                 </a:solidFill>
               </a:rPr>
-              <a:t>Worked on Token contract, Pallets on Substrate chain, updating the substrate recipes handbook with FRAME v2.</a:t>
+              <a:t>Experienced with popular </a:t>
+            </a:r>
+            <a:r>
+              <a:rPr lang="en-IN" sz="1000" dirty="0" err="1">
+                <a:solidFill>
+                  <a:schemeClr val="tx1">
+                    <a:lumMod val="75000"/>
+                    <a:lumOff val="25000"/>
+                  </a:schemeClr>
+                </a:solidFill>
+              </a:rPr>
+              <a:t>DeFi</a:t>
+            </a:r>
+            <a:r>
+              <a:rPr lang="en-IN" sz="1000" dirty="0">
+                <a:solidFill>
+                  <a:schemeClr val="tx1">
+                    <a:lumMod val="75000"/>
+                    <a:lumOff val="25000"/>
+                  </a:schemeClr>
+                </a:solidFill>
+              </a:rPr>
+              <a:t> codebases like </a:t>
+            </a:r>
+            <a:r>
+              <a:rPr lang="en-IN" sz="1000" dirty="0" err="1">
+                <a:solidFill>
+                  <a:schemeClr val="tx1">
+                    <a:lumMod val="75000"/>
+                    <a:lumOff val="25000"/>
+                  </a:schemeClr>
+                </a:solidFill>
+              </a:rPr>
+              <a:t>Uniswap</a:t>
+            </a:r>
+            <a:r>
+              <a:rPr lang="en-IN" sz="1000" dirty="0">
+                <a:solidFill>
+                  <a:schemeClr val="tx1">
+                    <a:lumMod val="75000"/>
+                    <a:lumOff val="25000"/>
+                  </a:schemeClr>
+                </a:solidFill>
+              </a:rPr>
+              <a:t>, Curve, Saddle, </a:t>
+            </a:r>
+            <a:r>
+              <a:rPr lang="en-IN" sz="1000" dirty="0" err="1">
+                <a:solidFill>
+                  <a:schemeClr val="tx1">
+                    <a:lumMod val="75000"/>
+                    <a:lumOff val="25000"/>
+                  </a:schemeClr>
+                </a:solidFill>
+              </a:rPr>
+              <a:t>MakerDAO</a:t>
+            </a:r>
+            <a:r>
+              <a:rPr lang="en-IN" sz="1000" dirty="0">
+                <a:solidFill>
+                  <a:schemeClr val="tx1">
+                    <a:lumMod val="75000"/>
+                    <a:lumOff val="25000"/>
+                  </a:schemeClr>
+                </a:solidFill>
+              </a:rPr>
+              <a:t>, </a:t>
+            </a:r>
+            <a:r>
+              <a:rPr lang="en-IN" sz="1000" dirty="0" err="1">
+                <a:solidFill>
+                  <a:schemeClr val="tx1">
+                    <a:lumMod val="75000"/>
+                    <a:lumOff val="25000"/>
+                  </a:schemeClr>
+                </a:solidFill>
+              </a:rPr>
+              <a:t>Liquity</a:t>
+            </a:r>
+            <a:r>
+              <a:rPr lang="en-IN" sz="1000" dirty="0">
+                <a:solidFill>
+                  <a:schemeClr val="tx1">
+                    <a:lumMod val="75000"/>
+                    <a:lumOff val="25000"/>
+                  </a:schemeClr>
+                </a:solidFill>
+              </a:rPr>
+              <a:t>, Yeti, </a:t>
+            </a:r>
+            <a:r>
+              <a:rPr lang="en-IN" sz="1000" dirty="0" err="1">
+                <a:solidFill>
+                  <a:schemeClr val="tx1">
+                    <a:lumMod val="75000"/>
+                    <a:lumOff val="25000"/>
+                  </a:schemeClr>
+                </a:solidFill>
+              </a:rPr>
+              <a:t>Aave</a:t>
+            </a:r>
+            <a:r>
+              <a:rPr lang="en-IN" sz="1000" dirty="0">
+                <a:solidFill>
+                  <a:schemeClr val="tx1">
+                    <a:lumMod val="75000"/>
+                    <a:lumOff val="25000"/>
+                  </a:schemeClr>
+                </a:solidFill>
+              </a:rPr>
+              <a:t>.</a:t>
             </a:r>
           </a:p>
           <a:p>
@@ -5302,15 +5371,15 @@
               <a:buChar char="•"/>
             </a:pPr>
             <a:r>
-              <a:rPr lang="en-US" sz="1000" dirty="0">
-                <a:solidFill>
-                  <a:schemeClr val="tx1">
-                    <a:lumMod val="75000"/>
-                    <a:lumOff val="25000"/>
-                  </a:schemeClr>
-                </a:solidFill>
-              </a:rPr>
-              <a:t>Worked on multiple smart contract projects related to ERC20 Token, Vault, Staking, NFT Marketplace, Auction for EVM chains.</a:t>
+              <a:rPr lang="en-IN" sz="1000" dirty="0">
+                <a:solidFill>
+                  <a:schemeClr val="tx1">
+                    <a:lumMod val="75000"/>
+                    <a:lumOff val="25000"/>
+                  </a:schemeClr>
+                </a:solidFill>
+              </a:rPr>
+              <a:t>Worked on Token contract, Pallets on Substrate chain, updating the substrate recipes handbook with FRAME v2.</a:t>
             </a:r>
           </a:p>
           <a:p>
@@ -5330,7 +5399,7 @@
                   </a:schemeClr>
                 </a:solidFill>
               </a:rPr>
-              <a:t>Worked on projects related to on-chain, off-chain NFT projects with ERC721, ERC1155 standards, along with multiple generative, manual asset generation using NodeJS, Solidity, Hardhat.</a:t>
+              <a:t>Worked on multiple smart contract projects related to ERC20 Token, Vault, Staking, NFT Marketplace, Auction for EVM chains.</a:t>
             </a:r>
           </a:p>
           <a:p>
@@ -5350,29 +5419,7 @@
                   </a:schemeClr>
                 </a:solidFill>
               </a:rPr>
-              <a:t>Have experience with ERC-2535 Diamond standard &amp; </a:t>
-            </a:r>
-            <a:r>
-              <a:rPr lang="en-US" sz="1000" dirty="0" err="1">
-                <a:solidFill>
-                  <a:schemeClr val="tx1">
-                    <a:lumMod val="75000"/>
-                    <a:lumOff val="25000"/>
-                  </a:schemeClr>
-                </a:solidFill>
-              </a:rPr>
-              <a:t>Openzeppelin</a:t>
-            </a:r>
-            <a:r>
-              <a:rPr lang="en-US" sz="1000" dirty="0">
-                <a:solidFill>
-                  <a:schemeClr val="tx1">
-                    <a:lumMod val="75000"/>
-                    <a:lumOff val="25000"/>
-                  </a:schemeClr>
-                </a:solidFill>
-              </a:rPr>
-              <a:t> transparent, UUPS patterns for EVM upgradeable contracts.</a:t>
+              <a:t>Worked on projects related to on-chain, off-chain NFT projects with ERC721, ERC1155 standards, along with multiple generative, manual asset generation using NodeJS, Solidity, Hardhat.</a:t>
             </a:r>
           </a:p>
           <a:p>
@@ -5384,81 +5431,37 @@
               <a:buChar char="•"/>
             </a:pPr>
             <a:r>
-              <a:rPr lang="en-IN" sz="1000" dirty="0">
-                <a:solidFill>
-                  <a:schemeClr val="tx1">
-                    <a:lumMod val="75000"/>
-                    <a:lumOff val="25000"/>
-                  </a:schemeClr>
-                </a:solidFill>
-              </a:rPr>
-              <a:t>Worked on smart contracts like Token, Vesting, Staking with auditors from </a:t>
-            </a:r>
-            <a:r>
-              <a:rPr lang="en-IN" sz="1000" dirty="0" err="1">
-                <a:solidFill>
-                  <a:schemeClr val="tx1">
-                    <a:lumMod val="75000"/>
-                    <a:lumOff val="25000"/>
-                  </a:schemeClr>
-                </a:solidFill>
-              </a:rPr>
-              <a:t>Quantstamp</a:t>
-            </a:r>
-            <a:r>
-              <a:rPr lang="en-IN" sz="1000" dirty="0">
-                <a:solidFill>
-                  <a:schemeClr val="tx1">
-                    <a:lumMod val="75000"/>
-                    <a:lumOff val="25000"/>
-                  </a:schemeClr>
-                </a:solidFill>
-              </a:rPr>
-              <a:t>, </a:t>
-            </a:r>
-            <a:r>
-              <a:rPr lang="en-IN" sz="1000" dirty="0" err="1">
-                <a:solidFill>
-                  <a:schemeClr val="tx1">
-                    <a:lumMod val="75000"/>
-                    <a:lumOff val="25000"/>
-                  </a:schemeClr>
-                </a:solidFill>
-              </a:rPr>
-              <a:t>Certik</a:t>
-            </a:r>
-            <a:r>
-              <a:rPr lang="en-IN" sz="1000" dirty="0">
-                <a:solidFill>
-                  <a:schemeClr val="tx1">
-                    <a:lumMod val="75000"/>
-                    <a:lumOff val="25000"/>
-                  </a:schemeClr>
-                </a:solidFill>
-              </a:rPr>
-              <a:t>, </a:t>
-            </a:r>
-            <a:r>
-              <a:rPr lang="en-IN" sz="1000" dirty="0" err="1">
-                <a:solidFill>
-                  <a:schemeClr val="tx1">
-                    <a:lumMod val="75000"/>
-                    <a:lumOff val="25000"/>
-                  </a:schemeClr>
-                </a:solidFill>
-              </a:rPr>
-              <a:t>Omniscia</a:t>
-            </a:r>
-            <a:r>
-              <a:rPr lang="en-IN" sz="1000" dirty="0">
-                <a:solidFill>
-                  <a:schemeClr val="tx1">
-                    <a:lumMod val="75000"/>
-                    <a:lumOff val="25000"/>
-                  </a:schemeClr>
-                </a:solidFill>
-              </a:rPr>
-              <a:t>, etc. at Upside.</a:t>
+              <a:rPr lang="en-US" sz="1000" dirty="0">
+                <a:solidFill>
+                  <a:schemeClr val="tx1">
+                    <a:lumMod val="75000"/>
+                    <a:lumOff val="25000"/>
+                  </a:schemeClr>
+                </a:solidFill>
+              </a:rPr>
+              <a:t>Have experience with ERC-2535 Diamond standard &amp; </a:t>
+            </a:r>
+            <a:r>
+              <a:rPr lang="en-US" sz="1000" dirty="0" err="1">
+                <a:solidFill>
+                  <a:schemeClr val="tx1">
+                    <a:lumMod val="75000"/>
+                    <a:lumOff val="25000"/>
+                  </a:schemeClr>
+                </a:solidFill>
+              </a:rPr>
+              <a:t>Openzeppelin</a:t>
+            </a:r>
+            <a:r>
+              <a:rPr lang="en-US" sz="1000" dirty="0">
+                <a:solidFill>
+                  <a:schemeClr val="tx1">
+                    <a:lumMod val="75000"/>
+                    <a:lumOff val="25000"/>
+                  </a:schemeClr>
+                </a:solidFill>
+              </a:rPr>
+              <a:t> transparent, UUPS patterns for EVM upgradeable contracts.</a:t>
             </a:r>
           </a:p>
           <a:p>
@@ -5478,7 +5481,7 @@
                   </a:schemeClr>
                 </a:solidFill>
               </a:rPr>
-              <a:t>Worked on large scale contract projects like Polygon's </a:t>
+              <a:t>Worked on smart contracts like Token, Vesting, Staking with auditors from </a:t>
             </a:r>
             <a:r>
               <a:rPr lang="en-IN" sz="1000" dirty="0" err="1">
@@ -5489,7 +5492,7 @@
                   </a:schemeClr>
                 </a:solidFill>
               </a:rPr>
-              <a:t>stablecoin</a:t>
+              <a:t>Quantstamp</a:t>
             </a:r>
             <a:r>
               <a:rPr lang="en-IN" sz="1000" dirty="0">
@@ -5500,7 +5503,7 @@
                   </a:schemeClr>
                 </a:solidFill>
               </a:rPr>
-              <a:t>, Free energy backed AMM DEX, Bonding curve based crowdfunding platform with DAO, </a:t>
+              <a:t>, </a:t>
             </a:r>
             <a:r>
               <a:rPr lang="en-IN" sz="1000" dirty="0" err="1">
@@ -5511,7 +5514,7 @@
                   </a:schemeClr>
                 </a:solidFill>
               </a:rPr>
-              <a:t>Ceven.Parks</a:t>
+              <a:t>Certik</a:t>
             </a:r>
             <a:r>
               <a:rPr lang="en-IN" sz="1000" dirty="0">
@@ -5522,7 +5525,29 @@
                   </a:schemeClr>
                 </a:solidFill>
               </a:rPr>
-              <a:t>.</a:t>
+              <a:t>, </a:t>
+            </a:r>
+            <a:r>
+              <a:rPr lang="en-IN" sz="1000" dirty="0" err="1">
+                <a:solidFill>
+                  <a:schemeClr val="tx1">
+                    <a:lumMod val="75000"/>
+                    <a:lumOff val="25000"/>
+                  </a:schemeClr>
+                </a:solidFill>
+              </a:rPr>
+              <a:t>Omniscia</a:t>
+            </a:r>
+            <a:r>
+              <a:rPr lang="en-IN" sz="1000" dirty="0">
+                <a:solidFill>
+                  <a:schemeClr val="tx1">
+                    <a:lumMod val="75000"/>
+                    <a:lumOff val="25000"/>
+                  </a:schemeClr>
+                </a:solidFill>
+              </a:rPr>
+              <a:t>, etc. at Upside.</a:t>
             </a:r>
           </a:p>
           <a:p>
@@ -5809,7 +5834,7 @@
         </p:blipFill>
         <p:spPr>
           <a:xfrm>
-            <a:off x="4084426" y="1008517"/>
+            <a:off x="4084426" y="1571221"/>
             <a:ext cx="270934" cy="270934"/>
           </a:xfrm>
           <a:prstGeom prst="rect">
@@ -5831,7 +5856,7 @@
         </p:nvSpPr>
         <p:spPr>
           <a:xfrm>
-            <a:off x="4307664" y="985121"/>
+            <a:off x="4307664" y="1547825"/>
             <a:ext cx="925561" cy="307777"/>
           </a:xfrm>
           <a:prstGeom prst="rect">
@@ -5867,7 +5892,7 @@
         </p:nvSpPr>
         <p:spPr>
           <a:xfrm>
-            <a:off x="4084426" y="1302847"/>
+            <a:off x="4084426" y="1865551"/>
             <a:ext cx="2105654" cy="400110"/>
           </a:xfrm>
           <a:prstGeom prst="rect">
@@ -5914,7 +5939,7 @@
         </p:nvGrpSpPr>
         <p:grpSpPr>
           <a:xfrm>
-            <a:off x="4100132" y="5950177"/>
+            <a:off x="4100132" y="6444301"/>
             <a:ext cx="746451" cy="307777"/>
             <a:chOff x="4078910" y="4229593"/>
             <a:chExt cx="746451" cy="307777"/>
@@ -6027,7 +6052,7 @@
         </p:blipFill>
         <p:spPr>
           <a:xfrm>
-            <a:off x="4106047" y="1842951"/>
+            <a:off x="4106047" y="2405655"/>
             <a:ext cx="187200" cy="187200"/>
           </a:xfrm>
           <a:prstGeom prst="rect">
@@ -6049,7 +6074,7 @@
         </p:nvSpPr>
         <p:spPr>
           <a:xfrm>
-            <a:off x="4247030" y="1813203"/>
+            <a:off x="4247030" y="2375907"/>
             <a:ext cx="1428551" cy="307777"/>
           </a:xfrm>
           <a:prstGeom prst="rect">
@@ -6085,8 +6110,8 @@
         </p:nvSpPr>
         <p:spPr>
           <a:xfrm>
-            <a:off x="4113967" y="2037157"/>
-            <a:ext cx="2645218" cy="3761799"/>
+            <a:off x="4113967" y="2636383"/>
+            <a:ext cx="2645218" cy="3300134"/>
           </a:xfrm>
           <a:prstGeom prst="rect">
             <a:avLst/>
@@ -6115,29 +6140,7 @@
                   </a:schemeClr>
                 </a:solidFill>
               </a:rPr>
-              <a:t>2016-2017: Full-stack development of an All-in-One Android App – “</a:t>
-            </a:r>
-            <a:r>
-              <a:rPr lang="en-US" sz="1000" dirty="0" err="1">
-                <a:solidFill>
-                  <a:schemeClr val="tx1">
-                    <a:lumMod val="75000"/>
-                    <a:lumOff val="25000"/>
-                  </a:schemeClr>
-                </a:solidFill>
-              </a:rPr>
-              <a:t>BitInfoCoin</a:t>
-            </a:r>
-            <a:r>
-              <a:rPr lang="en-US" sz="1000" dirty="0">
-                <a:solidFill>
-                  <a:schemeClr val="tx1">
-                    <a:lumMod val="75000"/>
-                    <a:lumOff val="25000"/>
-                  </a:schemeClr>
-                </a:solidFill>
-              </a:rPr>
-              <a:t>”.</a:t>
+              <a:t>2016-2017: Full-stack development of an all-in-one crypto app called “BitInfoCoin”.</a:t>
             </a:r>
           </a:p>
           <a:p>
@@ -6157,7 +6160,7 @@
                   </a:schemeClr>
                 </a:solidFill>
               </a:rPr>
-              <a:t>2017-2021: Freelancer in projects related to Blockchain, Data Science.</a:t>
+              <a:t>2018: Founding CTO at DRIFE.</a:t>
             </a:r>
           </a:p>
           <a:p>
@@ -6177,7 +6180,7 @@
                   </a:schemeClr>
                 </a:solidFill>
               </a:rPr>
-              <a:t>2018: Founding CTO at DRIFE.</a:t>
+              <a:t>2019-2020: Freelancing projects done with multiple clients.</a:t>
             </a:r>
           </a:p>
           <a:p>
@@ -6197,7 +6200,29 @@
                   </a:schemeClr>
                 </a:solidFill>
               </a:rPr>
-              <a:t>2019-2020: Freelancing projects done with multiple clients.</a:t>
+              <a:t>2021: Lead Blockchain Developer at </a:t>
+            </a:r>
+            <a:r>
+              <a:rPr lang="en-US" sz="1000" dirty="0" err="1">
+                <a:solidFill>
+                  <a:schemeClr val="tx1">
+                    <a:lumMod val="75000"/>
+                    <a:lumOff val="25000"/>
+                  </a:schemeClr>
+                </a:solidFill>
+              </a:rPr>
+              <a:t>DeFi</a:t>
+            </a:r>
+            <a:r>
+              <a:rPr lang="en-US" sz="1000" dirty="0">
+                <a:solidFill>
+                  <a:schemeClr val="tx1">
+                    <a:lumMod val="75000"/>
+                    <a:lumOff val="25000"/>
+                  </a:schemeClr>
+                </a:solidFill>
+              </a:rPr>
+              <a:t> start-up - “Boot Finance”.</a:t>
             </a:r>
           </a:p>
           <a:p>
@@ -6217,29 +6242,7 @@
                   </a:schemeClr>
                 </a:solidFill>
               </a:rPr>
-              <a:t>2021: Lead Blockchain Developer at </a:t>
-            </a:r>
-            <a:r>
-              <a:rPr lang="en-US" sz="1000" dirty="0" err="1">
-                <a:solidFill>
-                  <a:schemeClr val="tx1">
-                    <a:lumMod val="75000"/>
-                    <a:lumOff val="25000"/>
-                  </a:schemeClr>
-                </a:solidFill>
-              </a:rPr>
-              <a:t>DeFi</a:t>
-            </a:r>
-            <a:r>
-              <a:rPr lang="en-US" sz="1000" dirty="0">
-                <a:solidFill>
-                  <a:schemeClr val="tx1">
-                    <a:lumMod val="75000"/>
-                    <a:lumOff val="25000"/>
-                  </a:schemeClr>
-                </a:solidFill>
-              </a:rPr>
-              <a:t> start-up - “Boot Finance”.</a:t>
+              <a:t>2021-2022: Senior Blockchain Engineer at Master Ventures</a:t>
             </a:r>
           </a:p>
           <a:p>
@@ -6259,7 +6262,7 @@
                   </a:schemeClr>
                 </a:solidFill>
               </a:rPr>
-              <a:t>2021-2022: Senior Blockchain Engineer at Master Ventures</a:t>
+              <a:t>2021-2022: CTO at Theia Labs</a:t>
             </a:r>
           </a:p>
           <a:p>
@@ -6279,7 +6282,29 @@
                   </a:schemeClr>
                 </a:solidFill>
               </a:rPr>
-              <a:t>2021-2022: CTO at Theia Labs</a:t>
+              <a:t>2022: Founding Blockchain Engineer at Mojo, Polygon’s native </a:t>
+            </a:r>
+            <a:r>
+              <a:rPr lang="en-US" sz="1000" dirty="0" err="1">
+                <a:solidFill>
+                  <a:schemeClr val="tx1">
+                    <a:lumMod val="75000"/>
+                    <a:lumOff val="25000"/>
+                  </a:schemeClr>
+                </a:solidFill>
+              </a:rPr>
+              <a:t>stablecoin</a:t>
+            </a:r>
+            <a:r>
+              <a:rPr lang="en-US" sz="1000" dirty="0">
+                <a:solidFill>
+                  <a:schemeClr val="tx1">
+                    <a:lumMod val="75000"/>
+                    <a:lumOff val="25000"/>
+                  </a:schemeClr>
+                </a:solidFill>
+              </a:rPr>
+              <a:t>.</a:t>
             </a:r>
           </a:p>
           <a:p>
@@ -6299,48 +6324,6 @@
                   </a:schemeClr>
                 </a:solidFill>
               </a:rPr>
-              <a:t>2022: Founding Blockchain Engineer at Mojo, Polygon’s native </a:t>
-            </a:r>
-            <a:r>
-              <a:rPr lang="en-US" sz="1000" dirty="0" err="1">
-                <a:solidFill>
-                  <a:schemeClr val="tx1">
-                    <a:lumMod val="75000"/>
-                    <a:lumOff val="25000"/>
-                  </a:schemeClr>
-                </a:solidFill>
-              </a:rPr>
-              <a:t>stablecoin</a:t>
-            </a:r>
-            <a:r>
-              <a:rPr lang="en-US" sz="1000" dirty="0">
-                <a:solidFill>
-                  <a:schemeClr val="tx1">
-                    <a:lumMod val="75000"/>
-                    <a:lumOff val="25000"/>
-                  </a:schemeClr>
-                </a:solidFill>
-              </a:rPr>
-              <a:t>.</a:t>
-            </a:r>
-          </a:p>
-          <a:p>
-            <a:pPr marL="171450" indent="-171450">
-              <a:lnSpc>
-                <a:spcPct val="150000"/>
-              </a:lnSpc>
-              <a:buFont typeface="Arial" panose="020B0604020202020204" pitchFamily="34" charset="0"/>
-              <a:buChar char="•"/>
-            </a:pPr>
-            <a:r>
-              <a:rPr lang="en-US" sz="1000" dirty="0">
-                <a:solidFill>
-                  <a:schemeClr val="tx1">
-                    <a:lumMod val="75000"/>
-                    <a:lumOff val="25000"/>
-                  </a:schemeClr>
-                </a:solidFill>
-              </a:rPr>
               <a:t>2022: Senior Smart Contract Developer with backend at Upside.</a:t>
             </a:r>
           </a:p>
@@ -6360,7 +6343,7 @@
         </p:nvSpPr>
         <p:spPr>
           <a:xfrm>
-            <a:off x="4276533" y="6612792"/>
+            <a:off x="4276533" y="7246520"/>
             <a:ext cx="2384618" cy="114300"/>
           </a:xfrm>
           <a:prstGeom prst="rect">
@@ -6415,7 +6398,7 @@
         </p:nvSpPr>
         <p:spPr>
           <a:xfrm>
-            <a:off x="4276533" y="6612792"/>
+            <a:off x="4276533" y="7246520"/>
             <a:ext cx="2366580" cy="114300"/>
           </a:xfrm>
           <a:prstGeom prst="rect">
@@ -6467,7 +6450,7 @@
         </p:nvSpPr>
         <p:spPr>
           <a:xfrm>
-            <a:off x="4188169" y="6415338"/>
+            <a:off x="4188169" y="7049066"/>
             <a:ext cx="881973" cy="253916"/>
           </a:xfrm>
           <a:prstGeom prst="rect">
@@ -6517,7 +6500,7 @@
         </p:nvSpPr>
         <p:spPr>
           <a:xfrm>
-            <a:off x="4058086" y="6224097"/>
+            <a:off x="4063949" y="6828981"/>
             <a:ext cx="1483708" cy="230832"/>
           </a:xfrm>
           <a:prstGeom prst="rect">
@@ -6554,7 +6537,7 @@
         </p:nvSpPr>
         <p:spPr>
           <a:xfrm>
-            <a:off x="4276533" y="6986829"/>
+            <a:off x="4276533" y="7620557"/>
             <a:ext cx="2384618" cy="114300"/>
           </a:xfrm>
           <a:prstGeom prst="rect">
@@ -6609,7 +6592,7 @@
         </p:nvSpPr>
         <p:spPr>
           <a:xfrm>
-            <a:off x="4276533" y="6986829"/>
+            <a:off x="4276533" y="7620557"/>
             <a:ext cx="2384618" cy="114300"/>
           </a:xfrm>
           <a:prstGeom prst="rect">
@@ -6661,7 +6644,7 @@
         </p:nvSpPr>
         <p:spPr>
           <a:xfrm>
-            <a:off x="4188169" y="6789375"/>
+            <a:off x="4188169" y="7423103"/>
             <a:ext cx="1515158" cy="246221"/>
           </a:xfrm>
           <a:prstGeom prst="rect">
@@ -6711,7 +6694,7 @@
         </p:nvSpPr>
         <p:spPr>
           <a:xfrm>
-            <a:off x="4276533" y="7344496"/>
+            <a:off x="4276533" y="7978224"/>
             <a:ext cx="2384618" cy="114300"/>
           </a:xfrm>
           <a:prstGeom prst="rect">
@@ -6766,7 +6749,7 @@
         </p:nvSpPr>
         <p:spPr>
           <a:xfrm>
-            <a:off x="4276532" y="7345818"/>
+            <a:off x="4276532" y="7979546"/>
             <a:ext cx="2271827" cy="112978"/>
           </a:xfrm>
           <a:prstGeom prst="rect">
@@ -6818,7 +6801,7 @@
         </p:nvSpPr>
         <p:spPr>
           <a:xfrm>
-            <a:off x="4188169" y="7147042"/>
+            <a:off x="4188169" y="7780770"/>
             <a:ext cx="434734" cy="246221"/>
           </a:xfrm>
           <a:prstGeom prst="rect">
@@ -6868,7 +6851,7 @@
         </p:nvSpPr>
         <p:spPr>
           <a:xfrm>
-            <a:off x="4276533" y="7718533"/>
+            <a:off x="4276533" y="8352261"/>
             <a:ext cx="2384618" cy="114300"/>
           </a:xfrm>
           <a:prstGeom prst="rect">
@@ -6923,7 +6906,7 @@
         </p:nvSpPr>
         <p:spPr>
           <a:xfrm>
-            <a:off x="4276532" y="7718533"/>
+            <a:off x="4276532" y="8352261"/>
             <a:ext cx="2238611" cy="114300"/>
           </a:xfrm>
           <a:prstGeom prst="rect">
@@ -6975,7 +6958,7 @@
         </p:nvSpPr>
         <p:spPr>
           <a:xfrm>
-            <a:off x="4188169" y="7521079"/>
+            <a:off x="4188169" y="8154807"/>
             <a:ext cx="1176925" cy="246221"/>
           </a:xfrm>
           <a:prstGeom prst="rect">
@@ -7036,7 +7019,7 @@
         </p:nvSpPr>
         <p:spPr>
           <a:xfrm>
-            <a:off x="4276533" y="8077693"/>
+            <a:off x="4276533" y="8711421"/>
             <a:ext cx="2384618" cy="114300"/>
           </a:xfrm>
           <a:prstGeom prst="rect">
@@ -7091,7 +7074,7 @@
         </p:nvSpPr>
         <p:spPr>
           <a:xfrm>
-            <a:off x="4276533" y="8077693"/>
+            <a:off x="4276533" y="8711421"/>
             <a:ext cx="2305962" cy="114300"/>
           </a:xfrm>
           <a:prstGeom prst="rect">
@@ -7143,7 +7126,7 @@
         </p:nvSpPr>
         <p:spPr>
           <a:xfrm>
-            <a:off x="4188169" y="7880239"/>
+            <a:off x="4188169" y="8513967"/>
             <a:ext cx="779381" cy="230832"/>
           </a:xfrm>
           <a:prstGeom prst="rect">
@@ -7185,7 +7168,7 @@
         </p:nvSpPr>
         <p:spPr>
           <a:xfrm>
-            <a:off x="4276533" y="8435360"/>
+            <a:off x="4276533" y="9069088"/>
             <a:ext cx="2384618" cy="114300"/>
           </a:xfrm>
           <a:prstGeom prst="rect">
@@ -7240,7 +7223,7 @@
         </p:nvSpPr>
         <p:spPr>
           <a:xfrm>
-            <a:off x="4276532" y="8436682"/>
+            <a:off x="4276532" y="9070410"/>
             <a:ext cx="2238611" cy="112978"/>
           </a:xfrm>
           <a:prstGeom prst="rect">
@@ -7292,7 +7275,7 @@
         </p:nvSpPr>
         <p:spPr>
           <a:xfrm>
-            <a:off x="4188169" y="8237906"/>
+            <a:off x="4188169" y="8871634"/>
             <a:ext cx="627095" cy="246221"/>
           </a:xfrm>
           <a:prstGeom prst="rect">
@@ -7342,7 +7325,7 @@
         </p:nvSpPr>
         <p:spPr>
           <a:xfrm>
-            <a:off x="4276533" y="8809397"/>
+            <a:off x="4276533" y="9443125"/>
             <a:ext cx="2384618" cy="114300"/>
           </a:xfrm>
           <a:prstGeom prst="rect">
@@ -7397,7 +7380,7 @@
         </p:nvSpPr>
         <p:spPr>
           <a:xfrm>
-            <a:off x="4276532" y="8809397"/>
+            <a:off x="4276532" y="9443125"/>
             <a:ext cx="2271827" cy="114300"/>
           </a:xfrm>
           <a:prstGeom prst="rect">
@@ -7449,7 +7432,7 @@
         </p:nvSpPr>
         <p:spPr>
           <a:xfrm>
-            <a:off x="4188169" y="8611943"/>
+            <a:off x="4188169" y="9245671"/>
             <a:ext cx="853119" cy="246221"/>
           </a:xfrm>
           <a:prstGeom prst="rect">
@@ -7482,6 +7465,117 @@
                 </a:schemeClr>
               </a:solidFill>
             </a:endParaRPr>
+          </a:p>
+        </p:txBody>
+      </p:sp>
+      <p:pic>
+        <p:nvPicPr>
+          <p:cNvPr id="5" name="Graphic 4" descr="Ui Ux with solid fill">
+            <a:extLst>
+              <a:ext uri="{FF2B5EF4-FFF2-40B4-BE49-F238E27FC236}">
+                <a16:creationId xmlns:a16="http://schemas.microsoft.com/office/drawing/2014/main" id="{E437736C-46A1-E470-9CC3-CEA5A7AB5AA8}"/>
+              </a:ext>
+            </a:extLst>
+          </p:cNvPr>
+          <p:cNvPicPr>
+            <a:picLocks noChangeAspect="1"/>
+          </p:cNvPicPr>
+          <p:nvPr/>
+        </p:nvPicPr>
+        <p:blipFill>
+          <a:blip r:embed="rId20">
+            <a:extLst>
+              <a:ext uri="{96DAC541-7B7A-43D3-8B79-37D633B846F1}">
+                <asvg:svgBlip xmlns:asvg="http://schemas.microsoft.com/office/drawing/2016/SVG/main" r:embed="rId21"/>
+              </a:ext>
+            </a:extLst>
+          </a:blip>
+          <a:stretch>
+            <a:fillRect/>
+          </a:stretch>
+        </p:blipFill>
+        <p:spPr>
+          <a:xfrm>
+            <a:off x="4065854" y="1031686"/>
+            <a:ext cx="267586" cy="267586"/>
+          </a:xfrm>
+          <a:prstGeom prst="rect">
+            <a:avLst/>
+          </a:prstGeom>
+        </p:spPr>
+      </p:pic>
+      <p:sp>
+        <p:nvSpPr>
+          <p:cNvPr id="12" name="TextBox 11">
+            <a:extLst>
+              <a:ext uri="{FF2B5EF4-FFF2-40B4-BE49-F238E27FC236}">
+                <a16:creationId xmlns:a16="http://schemas.microsoft.com/office/drawing/2014/main" id="{853D567B-E384-5DA7-5725-E4407708DC2E}"/>
+              </a:ext>
+            </a:extLst>
+          </p:cNvPr>
+          <p:cNvSpPr txBox="1"/>
+          <p:nvPr/>
+        </p:nvSpPr>
+        <p:spPr>
+          <a:xfrm>
+            <a:off x="4276532" y="988171"/>
+            <a:ext cx="1057430" cy="307777"/>
+          </a:xfrm>
+          <a:prstGeom prst="rect">
+            <a:avLst/>
+          </a:prstGeom>
+          <a:noFill/>
+        </p:spPr>
+        <p:txBody>
+          <a:bodyPr wrap="square" rtlCol="0">
+            <a:spAutoFit/>
+          </a:bodyPr>
+          <a:lstStyle/>
+          <a:p>
+            <a:pPr algn="ctr"/>
+            <a:r>
+              <a:rPr lang="en-US" sz="1400" b="1" dirty="0"/>
+              <a:t>Experience</a:t>
+            </a:r>
+          </a:p>
+        </p:txBody>
+      </p:sp>
+      <p:sp>
+        <p:nvSpPr>
+          <p:cNvPr id="13" name="TextBox 12">
+            <a:extLst>
+              <a:ext uri="{FF2B5EF4-FFF2-40B4-BE49-F238E27FC236}">
+                <a16:creationId xmlns:a16="http://schemas.microsoft.com/office/drawing/2014/main" id="{4F3C2EA2-D8B8-FE37-2FFC-602AB1F4DCDB}"/>
+              </a:ext>
+            </a:extLst>
+          </p:cNvPr>
+          <p:cNvSpPr txBox="1"/>
+          <p:nvPr/>
+        </p:nvSpPr>
+        <p:spPr>
+          <a:xfrm>
+            <a:off x="4075000" y="1271427"/>
+            <a:ext cx="2105654" cy="246221"/>
+          </a:xfrm>
+          <a:prstGeom prst="rect">
+            <a:avLst/>
+          </a:prstGeom>
+          <a:noFill/>
+        </p:spPr>
+        <p:txBody>
+          <a:bodyPr wrap="square" rtlCol="0">
+            <a:spAutoFit/>
+          </a:bodyPr>
+          <a:lstStyle/>
+          <a:p>
+            <a:r>
+              <a:rPr lang="en-US" sz="1000" b="1" dirty="0"/>
+              <a:t>7 </a:t>
+            </a:r>
+            <a:r>
+              <a:rPr lang="en-US" sz="1000" dirty="0"/>
+              <a:t>years</a:t>
+            </a:r>
           </a:p>
         </p:txBody>
       </p:sp>
@@ -7806,7 +7900,7 @@
         <p:spPr>
           <a:xfrm>
             <a:off x="111637" y="714946"/>
-            <a:ext cx="3841844" cy="720710"/>
+            <a:ext cx="3841844" cy="874598"/>
           </a:xfrm>
           <a:prstGeom prst="rect">
             <a:avLst/>
@@ -7857,7 +7951,29 @@
                   </a:schemeClr>
                 </a:solidFill>
               </a:rPr>
-              <a:t>" for excel based data as input and comprehensive analytics as output.</a:t>
+              <a:t>" in </a:t>
+            </a:r>
+            <a:r>
+              <a:rPr lang="en-IN" sz="1000" b="1" dirty="0">
+                <a:solidFill>
+                  <a:schemeClr val="tx1">
+                    <a:lumMod val="75000"/>
+                    <a:lumOff val="25000"/>
+                  </a:schemeClr>
+                </a:solidFill>
+              </a:rPr>
+              <a:t>Indian Space programme</a:t>
+            </a:r>
+            <a:r>
+              <a:rPr lang="en-IN" sz="1000" dirty="0">
+                <a:solidFill>
+                  <a:schemeClr val="tx1">
+                    <a:lumMod val="75000"/>
+                    <a:lumOff val="25000"/>
+                  </a:schemeClr>
+                </a:solidFill>
+              </a:rPr>
+              <a:t>’s requirement where excel based data parsed as input and returned comprehensive analytics as output.</a:t>
             </a:r>
           </a:p>
           <a:p>
@@ -9655,7 +9771,7 @@
         <p:spPr>
           <a:xfrm>
             <a:off x="134573" y="3752958"/>
-            <a:ext cx="3801742" cy="4242059"/>
+            <a:ext cx="3801742" cy="3698320"/>
           </a:xfrm>
           <a:prstGeom prst="rect">
             <a:avLst/>
@@ -9837,7 +9953,7 @@
                   </a:schemeClr>
                 </a:solidFill>
               </a:rPr>
-              <a:t>I am managing the largest Semiconductor community over Telegram via a </a:t>
+              <a:t>I also managed the largest Semiconductor community over Telegram via a </a:t>
             </a:r>
             <a:r>
               <a:rPr lang="en-IN" sz="1000" dirty="0">
@@ -9929,7 +10045,7 @@
                   </a:schemeClr>
                 </a:solidFill>
               </a:rPr>
-              <a:t> which has a total of 224 students enrolled for 4 courses to date.</a:t>
+              <a:t> which has a total of 243 students enrolled for 4 courses to date.</a:t>
             </a:r>
             <a:endParaRPr lang="en-US" sz="1000" dirty="0">
               <a:solidFill>
@@ -9963,7 +10079,7 @@
                   </a:schemeClr>
                 </a:solidFill>
               </a:rPr>
-              <a:t>I also do mentorship for beginner level coders via 1:1 sessions.</a:t>
+              <a:t>I also do mentorship, university talks, workshops via 1:1 sessions.</a:t>
             </a:r>
             <a:endParaRPr lang="en-US" sz="1000" dirty="0">
               <a:solidFill>
@@ -9997,7 +10113,7 @@
                   </a:schemeClr>
                 </a:solidFill>
               </a:rPr>
-              <a:t>Maintain one of the highest starred GitHub repositories in EOSIO Ecosystem. </a:t>
+              <a:t>I have published many thoughtful articles related to Blockchain, Data Science on </a:t>
             </a:r>
             <a:r>
               <a:rPr lang="en-IN" sz="1000" dirty="0">
@@ -10015,7 +10131,7 @@
                   </a:extLst>
                 </a:hlinkClick>
               </a:rPr>
-              <a:t>Repo</a:t>
+              <a:t>Medium</a:t>
             </a:r>
             <a:endParaRPr lang="en-US" sz="1000" dirty="0">
               <a:solidFill>
@@ -10049,7 +10165,7 @@
                   </a:schemeClr>
                 </a:solidFill>
               </a:rPr>
-              <a:t>I have published many thoughtful articles related to Blockchain, Data Science on </a:t>
+              <a:t>I was a claimed technical content creator for a community called </a:t>
             </a:r>
             <a:r>
               <a:rPr lang="en-IN" sz="1000" dirty="0">
@@ -10067,31 +10183,8 @@
                   </a:extLst>
                 </a:hlinkClick>
               </a:rPr>
-              <a:t>Medium</a:t>
-            </a:r>
-            <a:endParaRPr lang="en-US" sz="1000" dirty="0">
-              <a:solidFill>
-                <a:schemeClr val="tx1">
-                  <a:lumMod val="75000"/>
-                  <a:lumOff val="25000"/>
-                </a:schemeClr>
-              </a:solidFill>
-            </a:endParaRPr>
-          </a:p>
-          <a:p>
-            <a:pPr marL="171450" marR="0" lvl="0" indent="-171450">
-              <a:lnSpc>
-                <a:spcPct val="115000"/>
-              </a:lnSpc>
-              <a:spcBef>
-                <a:spcPts val="0"/>
-              </a:spcBef>
-              <a:spcAft>
-                <a:spcPts val="125"/>
-              </a:spcAft>
-              <a:buFont typeface="Arial" panose="020B0604020202020204" pitchFamily="34" charset="0"/>
-              <a:buChar char="•"/>
-            </a:pPr>
+              <a:t>Utopian</a:t>
+            </a:r>
             <a:r>
               <a:rPr lang="en-IN" sz="1000" dirty="0">
                 <a:solidFill>
@@ -10101,7 +10194,7 @@
                   </a:schemeClr>
                 </a:solidFill>
               </a:rPr>
-              <a:t>I was a claimed technical content creator for a community called </a:t>
+              <a:t> on </a:t>
             </a:r>
             <a:r>
               <a:rPr lang="en-IN" sz="1000" dirty="0">
@@ -10119,7 +10212,7 @@
                   </a:extLst>
                 </a:hlinkClick>
               </a:rPr>
-              <a:t>Utopian</a:t>
+              <a:t>Steemit</a:t>
             </a:r>
             <a:r>
               <a:rPr lang="en-IN" sz="1000" dirty="0">
@@ -10130,65 +10223,7 @@
                   </a:schemeClr>
                 </a:solidFill>
               </a:rPr>
-              <a:t> on </a:t>
-            </a:r>
-            <a:r>
-              <a:rPr lang="en-IN" sz="1000" dirty="0">
-                <a:solidFill>
-                  <a:schemeClr val="tx1">
-                    <a:lumMod val="75000"/>
-                    <a:lumOff val="25000"/>
-                  </a:schemeClr>
-                </a:solidFill>
-                <a:hlinkClick r:id="rId28">
-                  <a:extLst>
-                    <a:ext uri="{A12FA001-AC4F-418D-AE19-62706E023703}">
-                      <ahyp:hlinkClr xmlns:ahyp="http://schemas.microsoft.com/office/drawing/2018/hyperlinkcolor" val="tx"/>
-                    </a:ext>
-                  </a:extLst>
-                </a:hlinkClick>
-              </a:rPr>
-              <a:t>Steemit</a:t>
-            </a:r>
-            <a:r>
-              <a:rPr lang="en-IN" sz="1000" dirty="0">
-                <a:solidFill>
-                  <a:schemeClr val="tx1">
-                    <a:lumMod val="75000"/>
-                    <a:lumOff val="25000"/>
-                  </a:schemeClr>
-                </a:solidFill>
-              </a:rPr>
-              <a:t>– An incentivized social platform on </a:t>
-            </a:r>
-            <a:r>
-              <a:rPr lang="en-IN" sz="1000" dirty="0">
-                <a:solidFill>
-                  <a:schemeClr val="tx1">
-                    <a:lumMod val="75000"/>
-                    <a:lumOff val="25000"/>
-                  </a:schemeClr>
-                </a:solidFill>
-                <a:hlinkClick r:id="rId29">
-                  <a:extLst>
-                    <a:ext uri="{A12FA001-AC4F-418D-AE19-62706E023703}">
-                      <ahyp:hlinkClr xmlns:ahyp="http://schemas.microsoft.com/office/drawing/2018/hyperlinkcolor" val="tx"/>
-                    </a:ext>
-                  </a:extLst>
-                </a:hlinkClick>
-              </a:rPr>
-              <a:t>Steem</a:t>
-            </a:r>
-            <a:r>
-              <a:rPr lang="en-IN" sz="1000" dirty="0">
-                <a:solidFill>
-                  <a:schemeClr val="tx1">
-                    <a:lumMod val="75000"/>
-                    <a:lumOff val="25000"/>
-                  </a:schemeClr>
-                </a:solidFill>
-              </a:rPr>
-              <a:t> Blockchain.</a:t>
+              <a:t>.</a:t>
             </a:r>
             <a:endParaRPr lang="en-US" sz="1000" dirty="0">
               <a:solidFill>

--- a/my_resume.pptx
+++ b/my_resume.pptx
@@ -198,7 +198,7 @@
           <a:p>
             <a:fld id="{060BEAD1-672E-E841-95FA-08B9B35A46D7}" type="datetimeFigureOut">
               <a:rPr lang="en-US" smtClean="0"/>
-              <a:t>1/23/23</a:t>
+              <a:t>1/26/23</a:t>
             </a:fld>
             <a:endParaRPr lang="en-US"/>
           </a:p>
@@ -765,7 +765,7 @@
           <a:p>
             <a:fld id="{A417C049-F611-094D-8104-5764D8D04213}" type="datetimeFigureOut">
               <a:rPr lang="en-US" smtClean="0"/>
-              <a:t>1/23/23</a:t>
+              <a:t>1/26/23</a:t>
             </a:fld>
             <a:endParaRPr lang="en-US"/>
           </a:p>
@@ -935,7 +935,7 @@
           <a:p>
             <a:fld id="{A417C049-F611-094D-8104-5764D8D04213}" type="datetimeFigureOut">
               <a:rPr lang="en-US" smtClean="0"/>
-              <a:t>1/23/23</a:t>
+              <a:t>1/26/23</a:t>
             </a:fld>
             <a:endParaRPr lang="en-US"/>
           </a:p>
@@ -1115,7 +1115,7 @@
           <a:p>
             <a:fld id="{A417C049-F611-094D-8104-5764D8D04213}" type="datetimeFigureOut">
               <a:rPr lang="en-US" smtClean="0"/>
-              <a:t>1/23/23</a:t>
+              <a:t>1/26/23</a:t>
             </a:fld>
             <a:endParaRPr lang="en-US"/>
           </a:p>
@@ -1285,7 +1285,7 @@
           <a:p>
             <a:fld id="{A417C049-F611-094D-8104-5764D8D04213}" type="datetimeFigureOut">
               <a:rPr lang="en-US" smtClean="0"/>
-              <a:t>1/23/23</a:t>
+              <a:t>1/26/23</a:t>
             </a:fld>
             <a:endParaRPr lang="en-US"/>
           </a:p>
@@ -1529,7 +1529,7 @@
           <a:p>
             <a:fld id="{A417C049-F611-094D-8104-5764D8D04213}" type="datetimeFigureOut">
               <a:rPr lang="en-US" smtClean="0"/>
-              <a:t>1/23/23</a:t>
+              <a:t>1/26/23</a:t>
             </a:fld>
             <a:endParaRPr lang="en-US"/>
           </a:p>
@@ -1761,7 +1761,7 @@
           <a:p>
             <a:fld id="{A417C049-F611-094D-8104-5764D8D04213}" type="datetimeFigureOut">
               <a:rPr lang="en-US" smtClean="0"/>
-              <a:t>1/23/23</a:t>
+              <a:t>1/26/23</a:t>
             </a:fld>
             <a:endParaRPr lang="en-US"/>
           </a:p>
@@ -2128,7 +2128,7 @@
           <a:p>
             <a:fld id="{A417C049-F611-094D-8104-5764D8D04213}" type="datetimeFigureOut">
               <a:rPr lang="en-US" smtClean="0"/>
-              <a:t>1/23/23</a:t>
+              <a:t>1/26/23</a:t>
             </a:fld>
             <a:endParaRPr lang="en-US"/>
           </a:p>
@@ -2246,7 +2246,7 @@
           <a:p>
             <a:fld id="{A417C049-F611-094D-8104-5764D8D04213}" type="datetimeFigureOut">
               <a:rPr lang="en-US" smtClean="0"/>
-              <a:t>1/23/23</a:t>
+              <a:t>1/26/23</a:t>
             </a:fld>
             <a:endParaRPr lang="en-US"/>
           </a:p>
@@ -2341,7 +2341,7 @@
           <a:p>
             <a:fld id="{A417C049-F611-094D-8104-5764D8D04213}" type="datetimeFigureOut">
               <a:rPr lang="en-US" smtClean="0"/>
-              <a:t>1/23/23</a:t>
+              <a:t>1/26/23</a:t>
             </a:fld>
             <a:endParaRPr lang="en-US"/>
           </a:p>
@@ -2618,7 +2618,7 @@
           <a:p>
             <a:fld id="{A417C049-F611-094D-8104-5764D8D04213}" type="datetimeFigureOut">
               <a:rPr lang="en-US" smtClean="0"/>
-              <a:t>1/23/23</a:t>
+              <a:t>1/26/23</a:t>
             </a:fld>
             <a:endParaRPr lang="en-US"/>
           </a:p>
@@ -2875,7 +2875,7 @@
           <a:p>
             <a:fld id="{A417C049-F611-094D-8104-5764D8D04213}" type="datetimeFigureOut">
               <a:rPr lang="en-US" smtClean="0"/>
-              <a:t>1/23/23</a:t>
+              <a:t>1/26/23</a:t>
             </a:fld>
             <a:endParaRPr lang="en-US"/>
           </a:p>
@@ -3093,7 +3093,7 @@
           <a:p>
             <a:fld id="{A417C049-F611-094D-8104-5764D8D04213}" type="datetimeFigureOut">
               <a:rPr lang="en-US" smtClean="0"/>
-              <a:t>1/23/23</a:t>
+              <a:t>1/26/23</a:t>
             </a:fld>
             <a:endParaRPr lang="en-US"/>
           </a:p>
@@ -4670,7 +4670,7 @@
         </p:nvSpPr>
         <p:spPr>
           <a:xfrm>
-            <a:off x="95741" y="8317848"/>
+            <a:off x="95741" y="8581739"/>
             <a:ext cx="3921934" cy="1182375"/>
           </a:xfrm>
           <a:prstGeom prst="rect">
@@ -4861,7 +4861,7 @@
         </p:nvGrpSpPr>
         <p:grpSpPr>
           <a:xfrm>
-            <a:off x="120073" y="8052234"/>
+            <a:off x="120073" y="8316125"/>
             <a:ext cx="1055498" cy="320656"/>
             <a:chOff x="106735" y="2999656"/>
             <a:chExt cx="1055498" cy="320656"/>
@@ -5028,7 +5028,7 @@
         </p:nvCxnSpPr>
         <p:spPr>
           <a:xfrm>
-            <a:off x="0" y="8028744"/>
+            <a:off x="0" y="8292635"/>
             <a:ext cx="4011812" cy="17100"/>
           </a:xfrm>
           <a:prstGeom prst="line">
@@ -5072,7 +5072,7 @@
         <p:spPr>
           <a:xfrm>
             <a:off x="93862" y="2662219"/>
-            <a:ext cx="3841844" cy="5350183"/>
+            <a:ext cx="3841844" cy="5504071"/>
           </a:xfrm>
           <a:prstGeom prst="rect">
             <a:avLst/>
@@ -5166,6 +5166,48 @@
                 </a:solidFill>
               </a:rPr>
               <a:t>Familiarity with Zero-Knowledge Proof SNARK, STARK, groth16 arithmetic circuits, Tornado Cash like use case.</a:t>
+            </a:r>
+          </a:p>
+          <a:p>
+            <a:pPr marL="171450" indent="-171450">
+              <a:spcAft>
+                <a:spcPts val="125"/>
+              </a:spcAft>
+              <a:buFont typeface="Arial" panose="020B0604020202020204" pitchFamily="34" charset="0"/>
+              <a:buChar char="•"/>
+            </a:pPr>
+            <a:r>
+              <a:rPr lang="en-IN" sz="1000" dirty="0">
+                <a:solidFill>
+                  <a:schemeClr val="tx1">
+                    <a:lumMod val="75000"/>
+                    <a:lumOff val="25000"/>
+                  </a:schemeClr>
+                </a:solidFill>
+              </a:rPr>
+              <a:t>Contributed to </a:t>
+            </a:r>
+            <a:r>
+              <a:rPr lang="en-IN" sz="1000" dirty="0" err="1">
+                <a:solidFill>
+                  <a:schemeClr val="tx1">
+                    <a:lumMod val="75000"/>
+                    <a:lumOff val="25000"/>
+                  </a:schemeClr>
+                </a:solidFill>
+              </a:rPr>
+              <a:t>DeFi</a:t>
+            </a:r>
+            <a:r>
+              <a:rPr lang="en-IN" sz="1000" dirty="0">
+                <a:solidFill>
+                  <a:schemeClr val="tx1">
+                    <a:lumMod val="75000"/>
+                    <a:lumOff val="25000"/>
+                  </a:schemeClr>
+                </a:solidFill>
+              </a:rPr>
+              <a:t> based multi-asset vault management platform – STFX.</a:t>
             </a:r>
           </a:p>
           <a:p>
@@ -5834,7 +5876,7 @@
         </p:blipFill>
         <p:spPr>
           <a:xfrm>
-            <a:off x="4084426" y="1571221"/>
+            <a:off x="4084426" y="1713269"/>
             <a:ext cx="270934" cy="270934"/>
           </a:xfrm>
           <a:prstGeom prst="rect">
@@ -5856,7 +5898,7 @@
         </p:nvSpPr>
         <p:spPr>
           <a:xfrm>
-            <a:off x="4307664" y="1547825"/>
+            <a:off x="4307664" y="1689873"/>
             <a:ext cx="925561" cy="307777"/>
           </a:xfrm>
           <a:prstGeom prst="rect">
@@ -5892,7 +5934,7 @@
         </p:nvSpPr>
         <p:spPr>
           <a:xfrm>
-            <a:off x="4084426" y="1865551"/>
+            <a:off x="4084426" y="2007599"/>
             <a:ext cx="2105654" cy="400110"/>
           </a:xfrm>
           <a:prstGeom prst="rect">
@@ -6052,7 +6094,7 @@
         </p:blipFill>
         <p:spPr>
           <a:xfrm>
-            <a:off x="4106047" y="2405655"/>
+            <a:off x="4106047" y="2627600"/>
             <a:ext cx="187200" cy="187200"/>
           </a:xfrm>
           <a:prstGeom prst="rect">
@@ -6074,7 +6116,7 @@
         </p:nvSpPr>
         <p:spPr>
           <a:xfrm>
-            <a:off x="4247030" y="2375907"/>
+            <a:off x="4247030" y="2597852"/>
             <a:ext cx="1428551" cy="307777"/>
           </a:xfrm>
           <a:prstGeom prst="rect">
@@ -6110,7 +6152,7 @@
         </p:nvSpPr>
         <p:spPr>
           <a:xfrm>
-            <a:off x="4113967" y="2636383"/>
+            <a:off x="4113967" y="2858328"/>
             <a:ext cx="2645218" cy="3300134"/>
           </a:xfrm>
           <a:prstGeom prst="rect">
@@ -6802,7 +6844,7 @@
         <p:spPr>
           <a:xfrm>
             <a:off x="4188169" y="7780770"/>
-            <a:ext cx="434734" cy="246221"/>
+            <a:ext cx="981359" cy="246221"/>
           </a:xfrm>
           <a:prstGeom prst="rect">
             <a:avLst/>
@@ -6824,7 +6866,7 @@
                   </a:schemeClr>
                 </a:solidFill>
               </a:rPr>
-              <a:t>Miro</a:t>
+              <a:t>Miro, Freeform</a:t>
             </a:r>
             <a:endParaRPr lang="en-US" sz="900" dirty="0">
               <a:solidFill>

--- a/my_resume.pptx
+++ b/my_resume.pptx
@@ -198,7 +198,7 @@
           <a:p>
             <a:fld id="{060BEAD1-672E-E841-95FA-08B9B35A46D7}" type="datetimeFigureOut">
               <a:rPr lang="en-US" smtClean="0"/>
-              <a:t>1/26/23</a:t>
+              <a:t>3/16/23</a:t>
             </a:fld>
             <a:endParaRPr lang="en-US"/>
           </a:p>
@@ -765,7 +765,7 @@
           <a:p>
             <a:fld id="{A417C049-F611-094D-8104-5764D8D04213}" type="datetimeFigureOut">
               <a:rPr lang="en-US" smtClean="0"/>
-              <a:t>1/26/23</a:t>
+              <a:t>3/16/23</a:t>
             </a:fld>
             <a:endParaRPr lang="en-US"/>
           </a:p>
@@ -935,7 +935,7 @@
           <a:p>
             <a:fld id="{A417C049-F611-094D-8104-5764D8D04213}" type="datetimeFigureOut">
               <a:rPr lang="en-US" smtClean="0"/>
-              <a:t>1/26/23</a:t>
+              <a:t>3/16/23</a:t>
             </a:fld>
             <a:endParaRPr lang="en-US"/>
           </a:p>
@@ -1115,7 +1115,7 @@
           <a:p>
             <a:fld id="{A417C049-F611-094D-8104-5764D8D04213}" type="datetimeFigureOut">
               <a:rPr lang="en-US" smtClean="0"/>
-              <a:t>1/26/23</a:t>
+              <a:t>3/16/23</a:t>
             </a:fld>
             <a:endParaRPr lang="en-US"/>
           </a:p>
@@ -1285,7 +1285,7 @@
           <a:p>
             <a:fld id="{A417C049-F611-094D-8104-5764D8D04213}" type="datetimeFigureOut">
               <a:rPr lang="en-US" smtClean="0"/>
-              <a:t>1/26/23</a:t>
+              <a:t>3/16/23</a:t>
             </a:fld>
             <a:endParaRPr lang="en-US"/>
           </a:p>
@@ -1529,7 +1529,7 @@
           <a:p>
             <a:fld id="{A417C049-F611-094D-8104-5764D8D04213}" type="datetimeFigureOut">
               <a:rPr lang="en-US" smtClean="0"/>
-              <a:t>1/26/23</a:t>
+              <a:t>3/16/23</a:t>
             </a:fld>
             <a:endParaRPr lang="en-US"/>
           </a:p>
@@ -1761,7 +1761,7 @@
           <a:p>
             <a:fld id="{A417C049-F611-094D-8104-5764D8D04213}" type="datetimeFigureOut">
               <a:rPr lang="en-US" smtClean="0"/>
-              <a:t>1/26/23</a:t>
+              <a:t>3/16/23</a:t>
             </a:fld>
             <a:endParaRPr lang="en-US"/>
           </a:p>
@@ -2128,7 +2128,7 @@
           <a:p>
             <a:fld id="{A417C049-F611-094D-8104-5764D8D04213}" type="datetimeFigureOut">
               <a:rPr lang="en-US" smtClean="0"/>
-              <a:t>1/26/23</a:t>
+              <a:t>3/16/23</a:t>
             </a:fld>
             <a:endParaRPr lang="en-US"/>
           </a:p>
@@ -2246,7 +2246,7 @@
           <a:p>
             <a:fld id="{A417C049-F611-094D-8104-5764D8D04213}" type="datetimeFigureOut">
               <a:rPr lang="en-US" smtClean="0"/>
-              <a:t>1/26/23</a:t>
+              <a:t>3/16/23</a:t>
             </a:fld>
             <a:endParaRPr lang="en-US"/>
           </a:p>
@@ -2341,7 +2341,7 @@
           <a:p>
             <a:fld id="{A417C049-F611-094D-8104-5764D8D04213}" type="datetimeFigureOut">
               <a:rPr lang="en-US" smtClean="0"/>
-              <a:t>1/26/23</a:t>
+              <a:t>3/16/23</a:t>
             </a:fld>
             <a:endParaRPr lang="en-US"/>
           </a:p>
@@ -2618,7 +2618,7 @@
           <a:p>
             <a:fld id="{A417C049-F611-094D-8104-5764D8D04213}" type="datetimeFigureOut">
               <a:rPr lang="en-US" smtClean="0"/>
-              <a:t>1/26/23</a:t>
+              <a:t>3/16/23</a:t>
             </a:fld>
             <a:endParaRPr lang="en-US"/>
           </a:p>
@@ -2875,7 +2875,7 @@
           <a:p>
             <a:fld id="{A417C049-F611-094D-8104-5764D8D04213}" type="datetimeFigureOut">
               <a:rPr lang="en-US" smtClean="0"/>
-              <a:t>1/26/23</a:t>
+              <a:t>3/16/23</a:t>
             </a:fld>
             <a:endParaRPr lang="en-US"/>
           </a:p>
@@ -3093,7 +3093,7 @@
           <a:p>
             <a:fld id="{A417C049-F611-094D-8104-5764D8D04213}" type="datetimeFigureOut">
               <a:rPr lang="en-US" smtClean="0"/>
-              <a:t>1/26/23</a:t>
+              <a:t>3/16/23</a:t>
             </a:fld>
             <a:endParaRPr lang="en-US"/>
           </a:p>
@@ -3567,7 +3567,7 @@
         </p:nvSpPr>
         <p:spPr>
           <a:xfrm>
-            <a:off x="2656114" y="235397"/>
+            <a:off x="2656114" y="183962"/>
             <a:ext cx="1545772" cy="344128"/>
           </a:xfrm>
           <a:prstGeom prst="roundRect">
@@ -4670,8 +4670,8 @@
         </p:nvSpPr>
         <p:spPr>
           <a:xfrm>
-            <a:off x="95741" y="8581739"/>
-            <a:ext cx="3921934" cy="1182375"/>
+            <a:off x="95741" y="8421439"/>
+            <a:ext cx="3921934" cy="1502976"/>
           </a:xfrm>
           <a:prstGeom prst="rect">
             <a:avLst/>
@@ -4845,6 +4845,26 @@
               <a:t> Action, Docker for automated testing, packaging of a repo.</a:t>
             </a:r>
           </a:p>
+          <a:p>
+            <a:pPr marL="171450" indent="-171450">
+              <a:spcAft>
+                <a:spcPts val="125"/>
+              </a:spcAft>
+              <a:buFont typeface="Arial" panose="020B0604020202020204" pitchFamily="34" charset="0"/>
+              <a:buChar char="•"/>
+            </a:pPr>
+            <a:r>
+              <a:rPr lang="en-US" sz="1000" dirty="0">
+                <a:solidFill>
+                  <a:schemeClr val="tx1">
+                    <a:lumMod val="75000"/>
+                    <a:lumOff val="25000"/>
+                  </a:schemeClr>
+                </a:solidFill>
+              </a:rPr>
+              <a:t>Familiarity with System Level Design components related to platform scalability.</a:t>
+            </a:r>
+          </a:p>
         </p:txBody>
       </p:sp>
       <p:grpSp>
@@ -4861,10 +4881,10 @@
         </p:nvGrpSpPr>
         <p:grpSpPr>
           <a:xfrm>
-            <a:off x="120073" y="8316125"/>
-            <a:ext cx="1055498" cy="320656"/>
+            <a:off x="128713" y="8191933"/>
+            <a:ext cx="1247156" cy="320656"/>
             <a:chOff x="106735" y="2999656"/>
-            <a:chExt cx="1055498" cy="320656"/>
+            <a:chExt cx="1247156" cy="320656"/>
           </a:xfrm>
         </p:grpSpPr>
         <p:pic>
@@ -4918,7 +4938,7 @@
           <p:spPr>
             <a:xfrm>
               <a:off x="349602" y="3012535"/>
-              <a:ext cx="812631" cy="307777"/>
+              <a:ext cx="1004289" cy="307777"/>
             </a:xfrm>
             <a:prstGeom prst="rect">
               <a:avLst/>
@@ -4934,7 +4954,7 @@
               <a:pPr algn="ctr"/>
               <a:r>
                 <a:rPr lang="en-US" sz="1400" b="1" dirty="0"/>
-                <a:t>Backend</a:t>
+                <a:t>Full-Stack</a:t>
               </a:r>
             </a:p>
           </p:txBody>
@@ -5028,7 +5048,7 @@
         </p:nvCxnSpPr>
         <p:spPr>
           <a:xfrm>
-            <a:off x="0" y="8292635"/>
+            <a:off x="0" y="8138810"/>
             <a:ext cx="4011812" cy="17100"/>
           </a:xfrm>
           <a:prstGeom prst="line">
@@ -5165,7 +5185,29 @@
                   </a:schemeClr>
                 </a:solidFill>
               </a:rPr>
-              <a:t>Familiarity with Zero-Knowledge Proof SNARK, STARK, groth16 arithmetic circuits, Tornado Cash like use case.</a:t>
+              <a:t>Familiarity with Zero-Knowledge Proof SNARK, STARK, groth16 arithmetic circuits, </a:t>
+            </a:r>
+            <a:r>
+              <a:rPr lang="en-IN" sz="1000" dirty="0" err="1">
+                <a:solidFill>
+                  <a:schemeClr val="tx1">
+                    <a:lumMod val="75000"/>
+                    <a:lumOff val="25000"/>
+                  </a:schemeClr>
+                </a:solidFill>
+              </a:rPr>
+              <a:t>ZoKrates</a:t>
+            </a:r>
+            <a:r>
+              <a:rPr lang="en-IN" sz="1000" dirty="0">
+                <a:solidFill>
+                  <a:schemeClr val="tx1">
+                    <a:lumMod val="75000"/>
+                    <a:lumOff val="25000"/>
+                  </a:schemeClr>
+                </a:solidFill>
+              </a:rPr>
+              <a:t>, Tornado Cash like use case.</a:t>
             </a:r>
           </a:p>
           <a:p>
@@ -5876,7 +5918,7 @@
         </p:blipFill>
         <p:spPr>
           <a:xfrm>
-            <a:off x="4084426" y="1713269"/>
+            <a:off x="4084426" y="1644901"/>
             <a:ext cx="270934" cy="270934"/>
           </a:xfrm>
           <a:prstGeom prst="rect">
@@ -5898,7 +5940,7 @@
         </p:nvSpPr>
         <p:spPr>
           <a:xfrm>
-            <a:off x="4307664" y="1689873"/>
+            <a:off x="4307664" y="1621505"/>
             <a:ext cx="925561" cy="307777"/>
           </a:xfrm>
           <a:prstGeom prst="rect">
@@ -5934,7 +5976,7 @@
         </p:nvSpPr>
         <p:spPr>
           <a:xfrm>
-            <a:off x="4084426" y="2007599"/>
+            <a:off x="4084426" y="1853771"/>
             <a:ext cx="2105654" cy="400110"/>
           </a:xfrm>
           <a:prstGeom prst="rect">
@@ -5981,7 +6023,7 @@
         </p:nvGrpSpPr>
         <p:grpSpPr>
           <a:xfrm>
-            <a:off x="4100132" y="6444301"/>
+            <a:off x="4100132" y="6546852"/>
             <a:ext cx="746451" cy="307777"/>
             <a:chOff x="4078910" y="4229593"/>
             <a:chExt cx="746451" cy="307777"/>
@@ -6094,7 +6136,7 @@
         </p:blipFill>
         <p:spPr>
           <a:xfrm>
-            <a:off x="4106047" y="2627600"/>
+            <a:off x="4106047" y="3148900"/>
             <a:ext cx="187200" cy="187200"/>
           </a:xfrm>
           <a:prstGeom prst="rect">
@@ -6116,7 +6158,7 @@
         </p:nvSpPr>
         <p:spPr>
           <a:xfrm>
-            <a:off x="4247030" y="2597852"/>
+            <a:off x="4247030" y="3119152"/>
             <a:ext cx="1428551" cy="307777"/>
           </a:xfrm>
           <a:prstGeom prst="rect">
@@ -6152,8 +6194,8 @@
         </p:nvSpPr>
         <p:spPr>
           <a:xfrm>
-            <a:off x="4113967" y="2858328"/>
-            <a:ext cx="2645218" cy="3300134"/>
+            <a:off x="4113967" y="3358308"/>
+            <a:ext cx="2645218" cy="3069302"/>
           </a:xfrm>
           <a:prstGeom prst="rect">
             <a:avLst/>
@@ -6366,7 +6408,7 @@
                   </a:schemeClr>
                 </a:solidFill>
               </a:rPr>
-              <a:t>2022: Senior Smart Contract Developer with backend at Upside.</a:t>
+              <a:t>2022: Web3 Full-stack Developer at Upside.</a:t>
             </a:r>
           </a:p>
         </p:txBody>
@@ -7617,6 +7659,127 @@
             <a:r>
               <a:rPr lang="en-US" sz="1000" dirty="0"/>
               <a:t>years</a:t>
+            </a:r>
+          </a:p>
+        </p:txBody>
+      </p:sp>
+      <p:pic>
+        <p:nvPicPr>
+          <p:cNvPr id="17" name="Graphic 16" descr="Remote learning language outline">
+            <a:extLst>
+              <a:ext uri="{FF2B5EF4-FFF2-40B4-BE49-F238E27FC236}">
+                <a16:creationId xmlns:a16="http://schemas.microsoft.com/office/drawing/2014/main" id="{0BCC22B2-15EC-8269-8C49-2CFB79CCAACC}"/>
+              </a:ext>
+            </a:extLst>
+          </p:cNvPr>
+          <p:cNvPicPr>
+            <a:picLocks noChangeAspect="1"/>
+          </p:cNvPicPr>
+          <p:nvPr/>
+        </p:nvPicPr>
+        <p:blipFill>
+          <a:blip r:embed="rId22">
+            <a:extLst>
+              <a:ext uri="{96DAC541-7B7A-43D3-8B79-37D633B846F1}">
+                <asvg:svgBlip xmlns:asvg="http://schemas.microsoft.com/office/drawing/2016/SVG/main" r:embed="rId23"/>
+              </a:ext>
+            </a:extLst>
+          </a:blip>
+          <a:stretch>
+            <a:fillRect/>
+          </a:stretch>
+        </p:blipFill>
+        <p:spPr>
+          <a:xfrm>
+            <a:off x="4084426" y="2391387"/>
+            <a:ext cx="283745" cy="283745"/>
+          </a:xfrm>
+          <a:prstGeom prst="rect">
+            <a:avLst/>
+          </a:prstGeom>
+        </p:spPr>
+      </p:pic>
+      <p:sp>
+        <p:nvSpPr>
+          <p:cNvPr id="18" name="TextBox 17">
+            <a:extLst>
+              <a:ext uri="{FF2B5EF4-FFF2-40B4-BE49-F238E27FC236}">
+                <a16:creationId xmlns:a16="http://schemas.microsoft.com/office/drawing/2014/main" id="{337A1CF6-387C-6D88-BF32-BB149A4E179C}"/>
+              </a:ext>
+            </a:extLst>
+          </p:cNvPr>
+          <p:cNvSpPr txBox="1"/>
+          <p:nvPr/>
+        </p:nvSpPr>
+        <p:spPr>
+          <a:xfrm>
+            <a:off x="4307663" y="2390311"/>
+            <a:ext cx="925561" cy="307777"/>
+          </a:xfrm>
+          <a:prstGeom prst="rect">
+            <a:avLst/>
+          </a:prstGeom>
+          <a:noFill/>
+        </p:spPr>
+        <p:txBody>
+          <a:bodyPr wrap="square" rtlCol="0">
+            <a:spAutoFit/>
+          </a:bodyPr>
+          <a:lstStyle/>
+          <a:p>
+            <a:pPr algn="ctr"/>
+            <a:r>
+              <a:rPr lang="en-US" sz="1400" b="1" dirty="0"/>
+              <a:t>Learning</a:t>
+            </a:r>
+          </a:p>
+        </p:txBody>
+      </p:sp>
+      <p:sp>
+        <p:nvSpPr>
+          <p:cNvPr id="20" name="TextBox 19">
+            <a:extLst>
+              <a:ext uri="{FF2B5EF4-FFF2-40B4-BE49-F238E27FC236}">
+                <a16:creationId xmlns:a16="http://schemas.microsoft.com/office/drawing/2014/main" id="{1F43354A-AA1A-21BE-EA61-8BF5BCD58F29}"/>
+              </a:ext>
+            </a:extLst>
+          </p:cNvPr>
+          <p:cNvSpPr txBox="1"/>
+          <p:nvPr/>
+        </p:nvSpPr>
+        <p:spPr>
+          <a:xfrm>
+            <a:off x="4006244" y="2637414"/>
+            <a:ext cx="2440262" cy="400110"/>
+          </a:xfrm>
+          <a:prstGeom prst="rect">
+            <a:avLst/>
+          </a:prstGeom>
+          <a:noFill/>
+        </p:spPr>
+        <p:txBody>
+          <a:bodyPr wrap="square" rtlCol="0">
+            <a:spAutoFit/>
+          </a:bodyPr>
+          <a:lstStyle/>
+          <a:p>
+            <a:r>
+              <a:rPr lang="en-US" sz="1000" b="1" dirty="0"/>
+              <a:t>Rust</a:t>
+            </a:r>
+            <a:r>
+              <a:rPr lang="en-US" sz="1000" dirty="0"/>
+              <a:t>: Intermediate level</a:t>
+            </a:r>
+          </a:p>
+          <a:p>
+            <a:r>
+              <a:rPr lang="en-US" sz="1000" b="1" dirty="0"/>
+              <a:t>Substrate FRAME</a:t>
+            </a:r>
+            <a:r>
+              <a:rPr lang="en-US" sz="1000" dirty="0"/>
+              <a:t>: Intermediate level</a:t>
             </a:r>
           </a:p>
         </p:txBody>

--- a/my_resume.pptx
+++ b/my_resume.pptx
@@ -6326,7 +6326,29 @@
                   </a:schemeClr>
                 </a:solidFill>
               </a:rPr>
-              <a:t>2021-2022: Senior Blockchain Engineer at Master Ventures</a:t>
+              <a:t>2021-2022: Senior </a:t>
+            </a:r>
+            <a:r>
+              <a:rPr lang="en-US" sz="1000">
+                <a:solidFill>
+                  <a:schemeClr val="tx1">
+                    <a:lumMod val="75000"/>
+                    <a:lumOff val="25000"/>
+                  </a:schemeClr>
+                </a:solidFill>
+              </a:rPr>
+              <a:t>Blockchain Engineer (Rust) </a:t>
+            </a:r>
+            <a:r>
+              <a:rPr lang="en-US" sz="1000" dirty="0">
+                <a:solidFill>
+                  <a:schemeClr val="tx1">
+                    <a:lumMod val="75000"/>
+                    <a:lumOff val="25000"/>
+                  </a:schemeClr>
+                </a:solidFill>
+              </a:rPr>
+              <a:t>at Master Ventures</a:t>
             </a:r>
           </a:p>
           <a:p>

--- a/my_resume.pptx
+++ b/my_resume.pptx
@@ -198,7 +198,7 @@
           <a:p>
             <a:fld id="{060BEAD1-672E-E841-95FA-08B9B35A46D7}" type="datetimeFigureOut">
               <a:rPr lang="en-US" smtClean="0"/>
-              <a:t>3/16/23</a:t>
+              <a:t>4/26/23</a:t>
             </a:fld>
             <a:endParaRPr lang="en-US"/>
           </a:p>
@@ -765,7 +765,7 @@
           <a:p>
             <a:fld id="{A417C049-F611-094D-8104-5764D8D04213}" type="datetimeFigureOut">
               <a:rPr lang="en-US" smtClean="0"/>
-              <a:t>3/16/23</a:t>
+              <a:t>4/26/23</a:t>
             </a:fld>
             <a:endParaRPr lang="en-US"/>
           </a:p>
@@ -935,7 +935,7 @@
           <a:p>
             <a:fld id="{A417C049-F611-094D-8104-5764D8D04213}" type="datetimeFigureOut">
               <a:rPr lang="en-US" smtClean="0"/>
-              <a:t>3/16/23</a:t>
+              <a:t>4/26/23</a:t>
             </a:fld>
             <a:endParaRPr lang="en-US"/>
           </a:p>
@@ -1115,7 +1115,7 @@
           <a:p>
             <a:fld id="{A417C049-F611-094D-8104-5764D8D04213}" type="datetimeFigureOut">
               <a:rPr lang="en-US" smtClean="0"/>
-              <a:t>3/16/23</a:t>
+              <a:t>4/26/23</a:t>
             </a:fld>
             <a:endParaRPr lang="en-US"/>
           </a:p>
@@ -1285,7 +1285,7 @@
           <a:p>
             <a:fld id="{A417C049-F611-094D-8104-5764D8D04213}" type="datetimeFigureOut">
               <a:rPr lang="en-US" smtClean="0"/>
-              <a:t>3/16/23</a:t>
+              <a:t>4/26/23</a:t>
             </a:fld>
             <a:endParaRPr lang="en-US"/>
           </a:p>
@@ -1529,7 +1529,7 @@
           <a:p>
             <a:fld id="{A417C049-F611-094D-8104-5764D8D04213}" type="datetimeFigureOut">
               <a:rPr lang="en-US" smtClean="0"/>
-              <a:t>3/16/23</a:t>
+              <a:t>4/26/23</a:t>
             </a:fld>
             <a:endParaRPr lang="en-US"/>
           </a:p>
@@ -1761,7 +1761,7 @@
           <a:p>
             <a:fld id="{A417C049-F611-094D-8104-5764D8D04213}" type="datetimeFigureOut">
               <a:rPr lang="en-US" smtClean="0"/>
-              <a:t>3/16/23</a:t>
+              <a:t>4/26/23</a:t>
             </a:fld>
             <a:endParaRPr lang="en-US"/>
           </a:p>
@@ -2128,7 +2128,7 @@
           <a:p>
             <a:fld id="{A417C049-F611-094D-8104-5764D8D04213}" type="datetimeFigureOut">
               <a:rPr lang="en-US" smtClean="0"/>
-              <a:t>3/16/23</a:t>
+              <a:t>4/26/23</a:t>
             </a:fld>
             <a:endParaRPr lang="en-US"/>
           </a:p>
@@ -2246,7 +2246,7 @@
           <a:p>
             <a:fld id="{A417C049-F611-094D-8104-5764D8D04213}" type="datetimeFigureOut">
               <a:rPr lang="en-US" smtClean="0"/>
-              <a:t>3/16/23</a:t>
+              <a:t>4/26/23</a:t>
             </a:fld>
             <a:endParaRPr lang="en-US"/>
           </a:p>
@@ -2341,7 +2341,7 @@
           <a:p>
             <a:fld id="{A417C049-F611-094D-8104-5764D8D04213}" type="datetimeFigureOut">
               <a:rPr lang="en-US" smtClean="0"/>
-              <a:t>3/16/23</a:t>
+              <a:t>4/26/23</a:t>
             </a:fld>
             <a:endParaRPr lang="en-US"/>
           </a:p>
@@ -2618,7 +2618,7 @@
           <a:p>
             <a:fld id="{A417C049-F611-094D-8104-5764D8D04213}" type="datetimeFigureOut">
               <a:rPr lang="en-US" smtClean="0"/>
-              <a:t>3/16/23</a:t>
+              <a:t>4/26/23</a:t>
             </a:fld>
             <a:endParaRPr lang="en-US"/>
           </a:p>
@@ -2875,7 +2875,7 @@
           <a:p>
             <a:fld id="{A417C049-F611-094D-8104-5764D8D04213}" type="datetimeFigureOut">
               <a:rPr lang="en-US" smtClean="0"/>
-              <a:t>3/16/23</a:t>
+              <a:t>4/26/23</a:t>
             </a:fld>
             <a:endParaRPr lang="en-US"/>
           </a:p>
@@ -3093,7 +3093,7 @@
           <a:p>
             <a:fld id="{A417C049-F611-094D-8104-5764D8D04213}" type="datetimeFigureOut">
               <a:rPr lang="en-US" smtClean="0"/>
-              <a:t>3/16/23</a:t>
+              <a:t>4/26/23</a:t>
             </a:fld>
             <a:endParaRPr lang="en-US"/>
           </a:p>
@@ -3500,6 +3500,259 @@
       </p:grpSpPr>
       <p:sp>
         <p:nvSpPr>
+          <p:cNvPr id="29" name="TextBox 28">
+            <a:extLst>
+              <a:ext uri="{FF2B5EF4-FFF2-40B4-BE49-F238E27FC236}">
+                <a16:creationId xmlns:a16="http://schemas.microsoft.com/office/drawing/2014/main" id="{9B61EECA-DFB3-6C2A-A5A5-BC164E66073D}"/>
+              </a:ext>
+            </a:extLst>
+          </p:cNvPr>
+          <p:cNvSpPr txBox="1"/>
+          <p:nvPr/>
+        </p:nvSpPr>
+        <p:spPr>
+          <a:xfrm>
+            <a:off x="4113966" y="3056148"/>
+            <a:ext cx="2758393" cy="3358996"/>
+          </a:xfrm>
+          <a:prstGeom prst="rect">
+            <a:avLst/>
+          </a:prstGeom>
+          <a:noFill/>
+        </p:spPr>
+        <p:txBody>
+          <a:bodyPr wrap="square" anchor="ctr">
+            <a:spAutoFit/>
+          </a:bodyPr>
+          <a:lstStyle/>
+          <a:p>
+            <a:pPr marL="171450" indent="-171450">
+              <a:lnSpc>
+                <a:spcPct val="150000"/>
+              </a:lnSpc>
+              <a:buFont typeface="Arial" panose="020B0604020202020204" pitchFamily="34" charset="0"/>
+              <a:buChar char="•"/>
+            </a:pPr>
+            <a:r>
+              <a:rPr lang="en-US" sz="950" dirty="0">
+                <a:solidFill>
+                  <a:schemeClr val="tx1">
+                    <a:lumMod val="75000"/>
+                    <a:lumOff val="25000"/>
+                  </a:schemeClr>
+                </a:solidFill>
+              </a:rPr>
+              <a:t>2016-2017: Full-stack development of an all-in-one crypto app called “BitInfoCoin”.</a:t>
+            </a:r>
+          </a:p>
+          <a:p>
+            <a:pPr marL="171450" indent="-171450">
+              <a:lnSpc>
+                <a:spcPct val="150000"/>
+              </a:lnSpc>
+              <a:buFont typeface="Arial" panose="020B0604020202020204" pitchFamily="34" charset="0"/>
+              <a:buChar char="•"/>
+            </a:pPr>
+            <a:r>
+              <a:rPr lang="en-US" sz="950" dirty="0">
+                <a:solidFill>
+                  <a:schemeClr val="tx1">
+                    <a:lumMod val="75000"/>
+                    <a:lumOff val="25000"/>
+                  </a:schemeClr>
+                </a:solidFill>
+              </a:rPr>
+              <a:t>2018: Founding CTO at DRIFE.</a:t>
+            </a:r>
+          </a:p>
+          <a:p>
+            <a:pPr marL="171450" indent="-171450">
+              <a:lnSpc>
+                <a:spcPct val="150000"/>
+              </a:lnSpc>
+              <a:buFont typeface="Arial" panose="020B0604020202020204" pitchFamily="34" charset="0"/>
+              <a:buChar char="•"/>
+            </a:pPr>
+            <a:r>
+              <a:rPr lang="en-US" sz="950" dirty="0">
+                <a:solidFill>
+                  <a:schemeClr val="tx1">
+                    <a:lumMod val="75000"/>
+                    <a:lumOff val="25000"/>
+                  </a:schemeClr>
+                </a:solidFill>
+              </a:rPr>
+              <a:t>2019-2020: Various Freelancing projects done with multiple clients</a:t>
+            </a:r>
+          </a:p>
+          <a:p>
+            <a:pPr marL="171450" indent="-171450">
+              <a:lnSpc>
+                <a:spcPct val="150000"/>
+              </a:lnSpc>
+              <a:buFont typeface="Arial" panose="020B0604020202020204" pitchFamily="34" charset="0"/>
+              <a:buChar char="•"/>
+            </a:pPr>
+            <a:r>
+              <a:rPr lang="en-US" sz="950" dirty="0">
+                <a:solidFill>
+                  <a:schemeClr val="tx1">
+                    <a:lumMod val="75000"/>
+                    <a:lumOff val="25000"/>
+                  </a:schemeClr>
+                </a:solidFill>
+              </a:rPr>
+              <a:t>2021: Lead Blockchain Developer at </a:t>
+            </a:r>
+            <a:r>
+              <a:rPr lang="en-US" sz="950" dirty="0" err="1">
+                <a:solidFill>
+                  <a:schemeClr val="tx1">
+                    <a:lumMod val="75000"/>
+                    <a:lumOff val="25000"/>
+                  </a:schemeClr>
+                </a:solidFill>
+              </a:rPr>
+              <a:t>DeFi</a:t>
+            </a:r>
+            <a:r>
+              <a:rPr lang="en-US" sz="950" dirty="0">
+                <a:solidFill>
+                  <a:schemeClr val="tx1">
+                    <a:lumMod val="75000"/>
+                    <a:lumOff val="25000"/>
+                  </a:schemeClr>
+                </a:solidFill>
+              </a:rPr>
+              <a:t> start-up - “Boot Finance”.</a:t>
+            </a:r>
+          </a:p>
+          <a:p>
+            <a:pPr marL="171450" indent="-171450">
+              <a:lnSpc>
+                <a:spcPct val="150000"/>
+              </a:lnSpc>
+              <a:buFont typeface="Arial" panose="020B0604020202020204" pitchFamily="34" charset="0"/>
+              <a:buChar char="•"/>
+            </a:pPr>
+            <a:r>
+              <a:rPr lang="en-US" sz="950" dirty="0">
+                <a:solidFill>
+                  <a:schemeClr val="tx1">
+                    <a:lumMod val="75000"/>
+                    <a:lumOff val="25000"/>
+                  </a:schemeClr>
+                </a:solidFill>
+              </a:rPr>
+              <a:t>2021-2022: Senior Blockchain Engineer (Rust) at Master Ventures</a:t>
+            </a:r>
+          </a:p>
+          <a:p>
+            <a:pPr marL="171450" indent="-171450">
+              <a:lnSpc>
+                <a:spcPct val="150000"/>
+              </a:lnSpc>
+              <a:buFont typeface="Arial" panose="020B0604020202020204" pitchFamily="34" charset="0"/>
+              <a:buChar char="•"/>
+            </a:pPr>
+            <a:r>
+              <a:rPr lang="en-US" sz="950" dirty="0">
+                <a:solidFill>
+                  <a:schemeClr val="tx1">
+                    <a:lumMod val="75000"/>
+                    <a:lumOff val="25000"/>
+                  </a:schemeClr>
+                </a:solidFill>
+              </a:rPr>
+              <a:t>2021-2022: Founding CTO at Theia Labs</a:t>
+            </a:r>
+          </a:p>
+          <a:p>
+            <a:pPr marL="171450" indent="-171450">
+              <a:lnSpc>
+                <a:spcPct val="150000"/>
+              </a:lnSpc>
+              <a:buFont typeface="Arial" panose="020B0604020202020204" pitchFamily="34" charset="0"/>
+              <a:buChar char="•"/>
+            </a:pPr>
+            <a:r>
+              <a:rPr lang="en-US" sz="950" dirty="0">
+                <a:solidFill>
+                  <a:schemeClr val="tx1">
+                    <a:lumMod val="75000"/>
+                    <a:lumOff val="25000"/>
+                  </a:schemeClr>
+                </a:solidFill>
+              </a:rPr>
+              <a:t>2022: Founding Blockchain Engineer at Mojo, Polygon’s native </a:t>
+            </a:r>
+            <a:r>
+              <a:rPr lang="en-US" sz="950" dirty="0" err="1">
+                <a:solidFill>
+                  <a:schemeClr val="tx1">
+                    <a:lumMod val="75000"/>
+                    <a:lumOff val="25000"/>
+                  </a:schemeClr>
+                </a:solidFill>
+              </a:rPr>
+              <a:t>stablecoin</a:t>
+            </a:r>
+            <a:r>
+              <a:rPr lang="en-US" sz="950" dirty="0">
+                <a:solidFill>
+                  <a:schemeClr val="tx1">
+                    <a:lumMod val="75000"/>
+                    <a:lumOff val="25000"/>
+                  </a:schemeClr>
+                </a:solidFill>
+              </a:rPr>
+              <a:t>.</a:t>
+            </a:r>
+          </a:p>
+          <a:p>
+            <a:pPr marL="171450" indent="-171450">
+              <a:lnSpc>
+                <a:spcPct val="150000"/>
+              </a:lnSpc>
+              <a:buFont typeface="Arial" panose="020B0604020202020204" pitchFamily="34" charset="0"/>
+              <a:buChar char="•"/>
+            </a:pPr>
+            <a:r>
+              <a:rPr lang="en-US" sz="950" dirty="0">
+                <a:solidFill>
+                  <a:schemeClr val="tx1">
+                    <a:lumMod val="75000"/>
+                    <a:lumOff val="25000"/>
+                  </a:schemeClr>
+                </a:solidFill>
+              </a:rPr>
+              <a:t>2022: Web3 Full-stack Developer at Upside.</a:t>
+            </a:r>
+          </a:p>
+          <a:p>
+            <a:pPr marL="171450" indent="-171450">
+              <a:lnSpc>
+                <a:spcPct val="150000"/>
+              </a:lnSpc>
+              <a:buFont typeface="Arial" panose="020B0604020202020204" pitchFamily="34" charset="0"/>
+              <a:buChar char="•"/>
+            </a:pPr>
+            <a:r>
+              <a:rPr lang="en-US" sz="950" dirty="0">
+                <a:solidFill>
+                  <a:schemeClr val="tx1">
+                    <a:lumMod val="75000"/>
+                    <a:lumOff val="25000"/>
+                  </a:schemeClr>
+                </a:solidFill>
+              </a:rPr>
+              <a:t>2023: Occupied with Rust, Substrate, Solana projects.</a:t>
+            </a:r>
+          </a:p>
+        </p:txBody>
+      </p:sp>
+      <p:sp>
+        <p:nvSpPr>
           <p:cNvPr id="2" name="Rectangle 1">
             <a:extLst>
               <a:ext uri="{FF2B5EF4-FFF2-40B4-BE49-F238E27FC236}">
@@ -4497,8 +4750,8 @@
         </p:nvSpPr>
         <p:spPr>
           <a:xfrm>
-            <a:off x="94315" y="1196615"/>
-            <a:ext cx="3904579" cy="861774"/>
+            <a:off x="94315" y="1204733"/>
+            <a:ext cx="3904579" cy="1015663"/>
           </a:xfrm>
           <a:prstGeom prst="rect">
             <a:avLst/>
@@ -4522,7 +4775,7 @@
                 <a:effectLst/>
                 <a:latin typeface="Whitney"/>
               </a:rPr>
-              <a:t>I am a Software Developer with </a:t>
+              <a:t>I am a Tech Entrepreneur with more than </a:t>
             </a:r>
             <a:r>
               <a:rPr lang="en-US" sz="1000" dirty="0">
@@ -4547,7 +4800,7 @@
                 <a:effectLst/>
                 <a:latin typeface="Whitney"/>
               </a:rPr>
-              <a:t> years of experience as CTO, Lead/Senior Blockchain Developer in various Web3 startups, projects related to </a:t>
+              <a:t> years of experience as CTO, Lead/Senior Blockchain Developer &amp; Open-source contributor in various Web3 startups, projects related to </a:t>
             </a:r>
             <a:r>
               <a:rPr lang="en-US" sz="1000" dirty="0">
@@ -4598,7 +4851,7 @@
                 <a:effectLst/>
                 <a:latin typeface="Whitney"/>
               </a:rPr>
-              <a:t>, Betting game, utility category. I hold multi-chain development experience with leading Blockchain protocols like EVM, EOSIO, Solana, Substrate. </a:t>
+              <a:t>, Betting game, utility category. I hold multi-chain development experience with leading Blockchain protocols like EVM, EOSIO, Solana, Substrate.</a:t>
             </a:r>
             <a:endParaRPr lang="en-US" sz="1000" dirty="0">
               <a:solidFill>
@@ -4627,7 +4880,7 @@
         </p:nvCxnSpPr>
         <p:spPr>
           <a:xfrm>
-            <a:off x="-1436" y="2251112"/>
+            <a:off x="44572" y="2251112"/>
             <a:ext cx="3948193" cy="0"/>
           </a:xfrm>
           <a:prstGeom prst="line">
@@ -4670,7 +4923,7 @@
         </p:nvSpPr>
         <p:spPr>
           <a:xfrm>
-            <a:off x="95741" y="8421439"/>
+            <a:off x="95741" y="8368274"/>
             <a:ext cx="3921934" cy="1502976"/>
           </a:xfrm>
           <a:prstGeom prst="rect">
@@ -4881,7 +5134,7 @@
         </p:nvGrpSpPr>
         <p:grpSpPr>
           <a:xfrm>
-            <a:off x="128713" y="8191933"/>
+            <a:off x="128713" y="8138768"/>
             <a:ext cx="1247156" cy="320656"/>
             <a:chOff x="106735" y="2999656"/>
             <a:chExt cx="1247156" cy="320656"/>
@@ -4988,7 +5241,7 @@
         </p:blipFill>
         <p:spPr>
           <a:xfrm>
-            <a:off x="90298" y="2352006"/>
+            <a:off x="90298" y="2309474"/>
             <a:ext cx="305211" cy="305211"/>
           </a:xfrm>
           <a:prstGeom prst="rect">
@@ -5010,7 +5263,7 @@
         </p:nvSpPr>
         <p:spPr>
           <a:xfrm>
-            <a:off x="320587" y="2348052"/>
+            <a:off x="320587" y="2305520"/>
             <a:ext cx="1046642" cy="307777"/>
           </a:xfrm>
           <a:prstGeom prst="rect">
@@ -5048,7 +5301,7 @@
         </p:nvCxnSpPr>
         <p:spPr>
           <a:xfrm>
-            <a:off x="0" y="8138810"/>
+            <a:off x="0" y="8106911"/>
             <a:ext cx="4011812" cy="17100"/>
           </a:xfrm>
           <a:prstGeom prst="line">
@@ -5091,8 +5344,8 @@
         </p:nvSpPr>
         <p:spPr>
           <a:xfrm>
-            <a:off x="93862" y="2662219"/>
-            <a:ext cx="3841844" cy="5504071"/>
+            <a:off x="93862" y="2619687"/>
+            <a:ext cx="3841844" cy="5657959"/>
           </a:xfrm>
           <a:prstGeom prst="rect">
             <a:avLst/>
@@ -5333,7 +5586,7 @@
                   </a:schemeClr>
                 </a:solidFill>
               </a:rPr>
-              <a:t>Experienced with popular </a:t>
+              <a:t>Have worked on building DEX, products inspired from popular </a:t>
             </a:r>
             <a:r>
               <a:rPr lang="en-IN" sz="1000" dirty="0" err="1">
@@ -5355,7 +5608,7 @@
                   </a:schemeClr>
                 </a:solidFill>
               </a:rPr>
-              <a:t> codebases like </a:t>
+              <a:t> projects like </a:t>
             </a:r>
             <a:r>
               <a:rPr lang="en-IN" sz="1000" dirty="0" err="1">
@@ -5463,7 +5716,7 @@
                   </a:schemeClr>
                 </a:solidFill>
               </a:rPr>
-              <a:t>Worked on Token contract, Pallets on Substrate chain, updating the substrate recipes handbook with FRAME v2.</a:t>
+              <a:t>Worked on Substrate pallets, smart contracts for L0, L1 chains.</a:t>
             </a:r>
           </a:p>
           <a:p>
@@ -5918,7 +6171,7 @@
         </p:blipFill>
         <p:spPr>
           <a:xfrm>
-            <a:off x="4084426" y="1644901"/>
+            <a:off x="4084426" y="1504849"/>
             <a:ext cx="270934" cy="270934"/>
           </a:xfrm>
           <a:prstGeom prst="rect">
@@ -5940,7 +6193,7 @@
         </p:nvSpPr>
         <p:spPr>
           <a:xfrm>
-            <a:off x="4307664" y="1621505"/>
+            <a:off x="4307664" y="1481453"/>
             <a:ext cx="925561" cy="307777"/>
           </a:xfrm>
           <a:prstGeom prst="rect">
@@ -5976,7 +6229,7 @@
         </p:nvSpPr>
         <p:spPr>
           <a:xfrm>
-            <a:off x="4084426" y="1853771"/>
+            <a:off x="4084426" y="1713719"/>
             <a:ext cx="2105654" cy="400110"/>
           </a:xfrm>
           <a:prstGeom prst="rect">
@@ -6023,9 +6276,9 @@
         </p:nvGrpSpPr>
         <p:grpSpPr>
           <a:xfrm>
-            <a:off x="4100132" y="6546852"/>
+            <a:off x="4100132" y="6469872"/>
             <a:ext cx="746451" cy="307777"/>
-            <a:chOff x="4078910" y="4229593"/>
+            <a:chOff x="4078910" y="4249257"/>
             <a:chExt cx="746451" cy="307777"/>
           </a:xfrm>
         </p:grpSpPr>
@@ -6060,7 +6313,7 @@
           </p:blipFill>
           <p:spPr>
             <a:xfrm>
-              <a:off x="4078910" y="4295282"/>
+              <a:off x="4078910" y="4314946"/>
               <a:ext cx="176400" cy="176400"/>
             </a:xfrm>
             <a:prstGeom prst="rect">
@@ -6082,7 +6335,7 @@
           </p:nvSpPr>
           <p:spPr>
             <a:xfrm>
-              <a:off x="4219893" y="4229593"/>
+              <a:off x="4219893" y="4249257"/>
               <a:ext cx="605468" cy="307777"/>
             </a:xfrm>
             <a:prstGeom prst="rect">
@@ -6136,7 +6389,7 @@
         </p:blipFill>
         <p:spPr>
           <a:xfrm>
-            <a:off x="4106047" y="3148900"/>
+            <a:off x="4106047" y="2834275"/>
             <a:ext cx="187200" cy="187200"/>
           </a:xfrm>
           <a:prstGeom prst="rect">
@@ -6158,7 +6411,7 @@
         </p:nvSpPr>
         <p:spPr>
           <a:xfrm>
-            <a:off x="4247030" y="3119152"/>
+            <a:off x="4247030" y="2775031"/>
             <a:ext cx="1428551" cy="307777"/>
           </a:xfrm>
           <a:prstGeom prst="rect">
@@ -6182,261 +6435,6 @@
       </p:sp>
       <p:sp>
         <p:nvSpPr>
-          <p:cNvPr id="29" name="TextBox 28">
-            <a:extLst>
-              <a:ext uri="{FF2B5EF4-FFF2-40B4-BE49-F238E27FC236}">
-                <a16:creationId xmlns:a16="http://schemas.microsoft.com/office/drawing/2014/main" id="{9B61EECA-DFB3-6C2A-A5A5-BC164E66073D}"/>
-              </a:ext>
-            </a:extLst>
-          </p:cNvPr>
-          <p:cNvSpPr txBox="1"/>
-          <p:nvPr/>
-        </p:nvSpPr>
-        <p:spPr>
-          <a:xfrm>
-            <a:off x="4113967" y="3358308"/>
-            <a:ext cx="2645218" cy="3069302"/>
-          </a:xfrm>
-          <a:prstGeom prst="rect">
-            <a:avLst/>
-          </a:prstGeom>
-          <a:noFill/>
-        </p:spPr>
-        <p:txBody>
-          <a:bodyPr wrap="square" anchor="ctr">
-            <a:spAutoFit/>
-          </a:bodyPr>
-          <a:lstStyle/>
-          <a:p>
-            <a:pPr marL="171450" indent="-171450">
-              <a:lnSpc>
-                <a:spcPct val="150000"/>
-              </a:lnSpc>
-              <a:buFont typeface="Arial" panose="020B0604020202020204" pitchFamily="34" charset="0"/>
-              <a:buChar char="•"/>
-            </a:pPr>
-            <a:r>
-              <a:rPr lang="en-US" sz="1000" dirty="0">
-                <a:solidFill>
-                  <a:schemeClr val="tx1">
-                    <a:lumMod val="75000"/>
-                    <a:lumOff val="25000"/>
-                  </a:schemeClr>
-                </a:solidFill>
-              </a:rPr>
-              <a:t>2016-2017: Full-stack development of an all-in-one crypto app called “BitInfoCoin”.</a:t>
-            </a:r>
-          </a:p>
-          <a:p>
-            <a:pPr marL="171450" indent="-171450">
-              <a:lnSpc>
-                <a:spcPct val="150000"/>
-              </a:lnSpc>
-              <a:buFont typeface="Arial" panose="020B0604020202020204" pitchFamily="34" charset="0"/>
-              <a:buChar char="•"/>
-            </a:pPr>
-            <a:r>
-              <a:rPr lang="en-US" sz="1000" dirty="0">
-                <a:solidFill>
-                  <a:schemeClr val="tx1">
-                    <a:lumMod val="75000"/>
-                    <a:lumOff val="25000"/>
-                  </a:schemeClr>
-                </a:solidFill>
-              </a:rPr>
-              <a:t>2018: Founding CTO at DRIFE.</a:t>
-            </a:r>
-          </a:p>
-          <a:p>
-            <a:pPr marL="171450" indent="-171450">
-              <a:lnSpc>
-                <a:spcPct val="150000"/>
-              </a:lnSpc>
-              <a:buFont typeface="Arial" panose="020B0604020202020204" pitchFamily="34" charset="0"/>
-              <a:buChar char="•"/>
-            </a:pPr>
-            <a:r>
-              <a:rPr lang="en-US" sz="1000" dirty="0">
-                <a:solidFill>
-                  <a:schemeClr val="tx1">
-                    <a:lumMod val="75000"/>
-                    <a:lumOff val="25000"/>
-                  </a:schemeClr>
-                </a:solidFill>
-              </a:rPr>
-              <a:t>2019-2020: Freelancing projects done with multiple clients.</a:t>
-            </a:r>
-          </a:p>
-          <a:p>
-            <a:pPr marL="171450" indent="-171450">
-              <a:lnSpc>
-                <a:spcPct val="150000"/>
-              </a:lnSpc>
-              <a:buFont typeface="Arial" panose="020B0604020202020204" pitchFamily="34" charset="0"/>
-              <a:buChar char="•"/>
-            </a:pPr>
-            <a:r>
-              <a:rPr lang="en-US" sz="1000" dirty="0">
-                <a:solidFill>
-                  <a:schemeClr val="tx1">
-                    <a:lumMod val="75000"/>
-                    <a:lumOff val="25000"/>
-                  </a:schemeClr>
-                </a:solidFill>
-              </a:rPr>
-              <a:t>2021: Lead Blockchain Developer at </a:t>
-            </a:r>
-            <a:r>
-              <a:rPr lang="en-US" sz="1000" dirty="0" err="1">
-                <a:solidFill>
-                  <a:schemeClr val="tx1">
-                    <a:lumMod val="75000"/>
-                    <a:lumOff val="25000"/>
-                  </a:schemeClr>
-                </a:solidFill>
-              </a:rPr>
-              <a:t>DeFi</a:t>
-            </a:r>
-            <a:r>
-              <a:rPr lang="en-US" sz="1000" dirty="0">
-                <a:solidFill>
-                  <a:schemeClr val="tx1">
-                    <a:lumMod val="75000"/>
-                    <a:lumOff val="25000"/>
-                  </a:schemeClr>
-                </a:solidFill>
-              </a:rPr>
-              <a:t> start-up - “Boot Finance”.</a:t>
-            </a:r>
-          </a:p>
-          <a:p>
-            <a:pPr marL="171450" indent="-171450">
-              <a:lnSpc>
-                <a:spcPct val="150000"/>
-              </a:lnSpc>
-              <a:buFont typeface="Arial" panose="020B0604020202020204" pitchFamily="34" charset="0"/>
-              <a:buChar char="•"/>
-            </a:pPr>
-            <a:r>
-              <a:rPr lang="en-US" sz="1000" dirty="0">
-                <a:solidFill>
-                  <a:schemeClr val="tx1">
-                    <a:lumMod val="75000"/>
-                    <a:lumOff val="25000"/>
-                  </a:schemeClr>
-                </a:solidFill>
-              </a:rPr>
-              <a:t>2021-2022: Senior </a:t>
-            </a:r>
-            <a:r>
-              <a:rPr lang="en-US" sz="1000">
-                <a:solidFill>
-                  <a:schemeClr val="tx1">
-                    <a:lumMod val="75000"/>
-                    <a:lumOff val="25000"/>
-                  </a:schemeClr>
-                </a:solidFill>
-              </a:rPr>
-              <a:t>Blockchain Engineer (Rust) </a:t>
-            </a:r>
-            <a:r>
-              <a:rPr lang="en-US" sz="1000" dirty="0">
-                <a:solidFill>
-                  <a:schemeClr val="tx1">
-                    <a:lumMod val="75000"/>
-                    <a:lumOff val="25000"/>
-                  </a:schemeClr>
-                </a:solidFill>
-              </a:rPr>
-              <a:t>at Master Ventures</a:t>
-            </a:r>
-          </a:p>
-          <a:p>
-            <a:pPr marL="171450" indent="-171450">
-              <a:lnSpc>
-                <a:spcPct val="150000"/>
-              </a:lnSpc>
-              <a:buFont typeface="Arial" panose="020B0604020202020204" pitchFamily="34" charset="0"/>
-              <a:buChar char="•"/>
-            </a:pPr>
-            <a:r>
-              <a:rPr lang="en-US" sz="1000" dirty="0">
-                <a:solidFill>
-                  <a:schemeClr val="tx1">
-                    <a:lumMod val="75000"/>
-                    <a:lumOff val="25000"/>
-                  </a:schemeClr>
-                </a:solidFill>
-              </a:rPr>
-              <a:t>2021-2022: CTO at Theia Labs</a:t>
-            </a:r>
-          </a:p>
-          <a:p>
-            <a:pPr marL="171450" indent="-171450">
-              <a:lnSpc>
-                <a:spcPct val="150000"/>
-              </a:lnSpc>
-              <a:buFont typeface="Arial" panose="020B0604020202020204" pitchFamily="34" charset="0"/>
-              <a:buChar char="•"/>
-            </a:pPr>
-            <a:r>
-              <a:rPr lang="en-US" sz="1000" dirty="0">
-                <a:solidFill>
-                  <a:schemeClr val="tx1">
-                    <a:lumMod val="75000"/>
-                    <a:lumOff val="25000"/>
-                  </a:schemeClr>
-                </a:solidFill>
-              </a:rPr>
-              <a:t>2022: Founding Blockchain Engineer at Mojo, Polygon’s native </a:t>
-            </a:r>
-            <a:r>
-              <a:rPr lang="en-US" sz="1000" dirty="0" err="1">
-                <a:solidFill>
-                  <a:schemeClr val="tx1">
-                    <a:lumMod val="75000"/>
-                    <a:lumOff val="25000"/>
-                  </a:schemeClr>
-                </a:solidFill>
-              </a:rPr>
-              <a:t>stablecoin</a:t>
-            </a:r>
-            <a:r>
-              <a:rPr lang="en-US" sz="1000" dirty="0">
-                <a:solidFill>
-                  <a:schemeClr val="tx1">
-                    <a:lumMod val="75000"/>
-                    <a:lumOff val="25000"/>
-                  </a:schemeClr>
-                </a:solidFill>
-              </a:rPr>
-              <a:t>.</a:t>
-            </a:r>
-          </a:p>
-          <a:p>
-            <a:pPr marL="171450" indent="-171450">
-              <a:lnSpc>
-                <a:spcPct val="150000"/>
-              </a:lnSpc>
-              <a:buFont typeface="Arial" panose="020B0604020202020204" pitchFamily="34" charset="0"/>
-              <a:buChar char="•"/>
-            </a:pPr>
-            <a:r>
-              <a:rPr lang="en-US" sz="1000" dirty="0">
-                <a:solidFill>
-                  <a:schemeClr val="tx1">
-                    <a:lumMod val="75000"/>
-                    <a:lumOff val="25000"/>
-                  </a:schemeClr>
-                </a:solidFill>
-              </a:rPr>
-              <a:t>2022: Web3 Full-stack Developer at Upside.</a:t>
-            </a:r>
-          </a:p>
-        </p:txBody>
-      </p:sp>
-      <p:sp>
-        <p:nvSpPr>
           <p:cNvPr id="43" name="Rectangle 42">
             <a:extLst>
               <a:ext uri="{FF2B5EF4-FFF2-40B4-BE49-F238E27FC236}">
@@ -6449,7 +6447,7 @@
         </p:nvSpPr>
         <p:spPr>
           <a:xfrm>
-            <a:off x="4276533" y="7246520"/>
+            <a:off x="4276533" y="7149876"/>
             <a:ext cx="2384618" cy="114300"/>
           </a:xfrm>
           <a:prstGeom prst="rect">
@@ -6504,7 +6502,7 @@
         </p:nvSpPr>
         <p:spPr>
           <a:xfrm>
-            <a:off x="4276533" y="7246520"/>
+            <a:off x="4276533" y="7149876"/>
             <a:ext cx="2366580" cy="114300"/>
           </a:xfrm>
           <a:prstGeom prst="rect">
@@ -6556,7 +6554,7 @@
         </p:nvSpPr>
         <p:spPr>
           <a:xfrm>
-            <a:off x="4188169" y="7049066"/>
+            <a:off x="4188169" y="6952422"/>
             <a:ext cx="881973" cy="253916"/>
           </a:xfrm>
           <a:prstGeom prst="rect">
@@ -6606,7 +6604,7 @@
         </p:nvSpPr>
         <p:spPr>
           <a:xfrm>
-            <a:off x="4063949" y="6828981"/>
+            <a:off x="4063949" y="6732337"/>
             <a:ext cx="1483708" cy="230832"/>
           </a:xfrm>
           <a:prstGeom prst="rect">
@@ -6624,7 +6622,7 @@
               <a:rPr lang="en-US" sz="900" b="1" dirty="0">
                 <a:latin typeface="Monaco" pitchFamily="2" charset="77"/>
               </a:rPr>
-              <a:t>- Computer Skills</a:t>
+              <a:t>- Coding Skills</a:t>
             </a:r>
           </a:p>
         </p:txBody>
@@ -6643,7 +6641,7 @@
         </p:nvSpPr>
         <p:spPr>
           <a:xfrm>
-            <a:off x="4276533" y="7620557"/>
+            <a:off x="4276533" y="7523913"/>
             <a:ext cx="2384618" cy="114300"/>
           </a:xfrm>
           <a:prstGeom prst="rect">
@@ -6698,7 +6696,7 @@
         </p:nvSpPr>
         <p:spPr>
           <a:xfrm>
-            <a:off x="4276533" y="7620557"/>
+            <a:off x="4276533" y="7523913"/>
             <a:ext cx="2384618" cy="114300"/>
           </a:xfrm>
           <a:prstGeom prst="rect">
@@ -6750,7 +6748,7 @@
         </p:nvSpPr>
         <p:spPr>
           <a:xfrm>
-            <a:off x="4188169" y="7423103"/>
+            <a:off x="4188169" y="7326459"/>
             <a:ext cx="1515158" cy="246221"/>
           </a:xfrm>
           <a:prstGeom prst="rect">
@@ -6800,7 +6798,7 @@
         </p:nvSpPr>
         <p:spPr>
           <a:xfrm>
-            <a:off x="4276533" y="7978224"/>
+            <a:off x="4276533" y="7881580"/>
             <a:ext cx="2384618" cy="114300"/>
           </a:xfrm>
           <a:prstGeom prst="rect">
@@ -6855,7 +6853,7 @@
         </p:nvSpPr>
         <p:spPr>
           <a:xfrm>
-            <a:off x="4276532" y="7979546"/>
+            <a:off x="4276532" y="7882902"/>
             <a:ext cx="2271827" cy="112978"/>
           </a:xfrm>
           <a:prstGeom prst="rect">
@@ -6907,7 +6905,7 @@
         </p:nvSpPr>
         <p:spPr>
           <a:xfrm>
-            <a:off x="4188169" y="7780770"/>
+            <a:off x="4188169" y="7684126"/>
             <a:ext cx="981359" cy="246221"/>
           </a:xfrm>
           <a:prstGeom prst="rect">
@@ -6957,7 +6955,7 @@
         </p:nvSpPr>
         <p:spPr>
           <a:xfrm>
-            <a:off x="4276533" y="8352261"/>
+            <a:off x="4276533" y="8255617"/>
             <a:ext cx="2384618" cy="114300"/>
           </a:xfrm>
           <a:prstGeom prst="rect">
@@ -7012,7 +7010,7 @@
         </p:nvSpPr>
         <p:spPr>
           <a:xfrm>
-            <a:off x="4276532" y="8352261"/>
+            <a:off x="4276532" y="8255617"/>
             <a:ext cx="2238611" cy="114300"/>
           </a:xfrm>
           <a:prstGeom prst="rect">
@@ -7064,7 +7062,7 @@
         </p:nvSpPr>
         <p:spPr>
           <a:xfrm>
-            <a:off x="4188169" y="8154807"/>
+            <a:off x="4188169" y="8058163"/>
             <a:ext cx="1176925" cy="246221"/>
           </a:xfrm>
           <a:prstGeom prst="rect">
@@ -7125,7 +7123,7 @@
         </p:nvSpPr>
         <p:spPr>
           <a:xfrm>
-            <a:off x="4276533" y="8711421"/>
+            <a:off x="4276533" y="8614777"/>
             <a:ext cx="2384618" cy="114300"/>
           </a:xfrm>
           <a:prstGeom prst="rect">
@@ -7180,7 +7178,7 @@
         </p:nvSpPr>
         <p:spPr>
           <a:xfrm>
-            <a:off x="4276533" y="8711421"/>
+            <a:off x="4276533" y="8614777"/>
             <a:ext cx="2305962" cy="114300"/>
           </a:xfrm>
           <a:prstGeom prst="rect">
@@ -7232,7 +7230,7 @@
         </p:nvSpPr>
         <p:spPr>
           <a:xfrm>
-            <a:off x="4188169" y="8513967"/>
+            <a:off x="4188169" y="8417323"/>
             <a:ext cx="779381" cy="230832"/>
           </a:xfrm>
           <a:prstGeom prst="rect">
@@ -7274,7 +7272,7 @@
         </p:nvSpPr>
         <p:spPr>
           <a:xfrm>
-            <a:off x="4276533" y="9069088"/>
+            <a:off x="4276533" y="8972444"/>
             <a:ext cx="2384618" cy="114300"/>
           </a:xfrm>
           <a:prstGeom prst="rect">
@@ -7329,7 +7327,7 @@
         </p:nvSpPr>
         <p:spPr>
           <a:xfrm>
-            <a:off x="4276532" y="9070410"/>
+            <a:off x="4276532" y="8973766"/>
             <a:ext cx="2238611" cy="112978"/>
           </a:xfrm>
           <a:prstGeom prst="rect">
@@ -7381,7 +7379,7 @@
         </p:nvSpPr>
         <p:spPr>
           <a:xfrm>
-            <a:off x="4188169" y="8871634"/>
+            <a:off x="4188169" y="8774990"/>
             <a:ext cx="627095" cy="246221"/>
           </a:xfrm>
           <a:prstGeom prst="rect">
@@ -7431,7 +7429,7 @@
         </p:nvSpPr>
         <p:spPr>
           <a:xfrm>
-            <a:off x="4276533" y="9443125"/>
+            <a:off x="4276533" y="9346481"/>
             <a:ext cx="2384618" cy="114300"/>
           </a:xfrm>
           <a:prstGeom prst="rect">
@@ -7486,7 +7484,7 @@
         </p:nvSpPr>
         <p:spPr>
           <a:xfrm>
-            <a:off x="4276532" y="9443125"/>
+            <a:off x="4276532" y="9346481"/>
             <a:ext cx="2271827" cy="114300"/>
           </a:xfrm>
           <a:prstGeom prst="rect">
@@ -7538,7 +7536,7 @@
         </p:nvSpPr>
         <p:spPr>
           <a:xfrm>
-            <a:off x="4188169" y="9245671"/>
+            <a:off x="4188169" y="9149027"/>
             <a:ext cx="853119" cy="246221"/>
           </a:xfrm>
           <a:prstGeom prst="rect">
@@ -7602,7 +7600,7 @@
         </p:blipFill>
         <p:spPr>
           <a:xfrm>
-            <a:off x="4065854" y="1031686"/>
+            <a:off x="4065854" y="962860"/>
             <a:ext cx="267586" cy="267586"/>
           </a:xfrm>
           <a:prstGeom prst="rect">
@@ -7624,7 +7622,7 @@
         </p:nvSpPr>
         <p:spPr>
           <a:xfrm>
-            <a:off x="4276532" y="988171"/>
+            <a:off x="4276532" y="919345"/>
             <a:ext cx="1057430" cy="307777"/>
           </a:xfrm>
           <a:prstGeom prst="rect">
@@ -7660,7 +7658,7 @@
         </p:nvSpPr>
         <p:spPr>
           <a:xfrm>
-            <a:off x="4075000" y="1271427"/>
+            <a:off x="4075000" y="1202601"/>
             <a:ext cx="2105654" cy="246221"/>
           </a:xfrm>
           <a:prstGeom prst="rect">
@@ -7676,7 +7674,7 @@
           <a:p>
             <a:r>
               <a:rPr lang="en-US" sz="1000" b="1" dirty="0"/>
-              <a:t>7 </a:t>
+              <a:t>7+ </a:t>
             </a:r>
             <a:r>
               <a:rPr lang="en-US" sz="1000" dirty="0"/>
@@ -7713,7 +7711,7 @@
         </p:blipFill>
         <p:spPr>
           <a:xfrm>
-            <a:off x="4084426" y="2391387"/>
+            <a:off x="4084426" y="2120315"/>
             <a:ext cx="283745" cy="283745"/>
           </a:xfrm>
           <a:prstGeom prst="rect">
@@ -7735,7 +7733,7 @@
         </p:nvSpPr>
         <p:spPr>
           <a:xfrm>
-            <a:off x="4307663" y="2390311"/>
+            <a:off x="4307663" y="2119239"/>
             <a:ext cx="925561" cy="307777"/>
           </a:xfrm>
           <a:prstGeom prst="rect">
@@ -7771,7 +7769,7 @@
         </p:nvSpPr>
         <p:spPr>
           <a:xfrm>
-            <a:off x="4006244" y="2637414"/>
+            <a:off x="4006244" y="2370343"/>
             <a:ext cx="2440262" cy="400110"/>
           </a:xfrm>
           <a:prstGeom prst="rect">
@@ -7806,6 +7804,335 @@
           </a:p>
         </p:txBody>
       </p:sp>
+      <p:cxnSp>
+        <p:nvCxnSpPr>
+          <p:cNvPr id="4" name="Straight Connector 3">
+            <a:extLst>
+              <a:ext uri="{FF2B5EF4-FFF2-40B4-BE49-F238E27FC236}">
+                <a16:creationId xmlns:a16="http://schemas.microsoft.com/office/drawing/2014/main" id="{4248F727-CD5C-338A-BF85-FCF3C80C2D40}"/>
+              </a:ext>
+            </a:extLst>
+          </p:cNvPr>
+          <p:cNvCxnSpPr>
+            <a:cxnSpLocks/>
+          </p:cNvCxnSpPr>
+          <p:nvPr/>
+        </p:nvCxnSpPr>
+        <p:spPr>
+          <a:xfrm>
+            <a:off x="3985242" y="1451211"/>
+            <a:ext cx="2872758" cy="7445"/>
+          </a:xfrm>
+          <a:prstGeom prst="line">
+            <a:avLst/>
+          </a:prstGeom>
+          <a:ln>
+            <a:solidFill>
+              <a:schemeClr val="bg1">
+                <a:lumMod val="75000"/>
+              </a:schemeClr>
+            </a:solidFill>
+          </a:ln>
+        </p:spPr>
+        <p:style>
+          <a:lnRef idx="1">
+            <a:schemeClr val="accent1"/>
+          </a:lnRef>
+          <a:fillRef idx="0">
+            <a:schemeClr val="accent1"/>
+          </a:fillRef>
+          <a:effectRef idx="0">
+            <a:schemeClr val="accent1"/>
+          </a:effectRef>
+          <a:fontRef idx="minor">
+            <a:schemeClr val="tx1"/>
+          </a:fontRef>
+        </p:style>
+      </p:cxnSp>
+      <p:cxnSp>
+        <p:nvCxnSpPr>
+          <p:cNvPr id="33" name="Straight Connector 32">
+            <a:extLst>
+              <a:ext uri="{FF2B5EF4-FFF2-40B4-BE49-F238E27FC236}">
+                <a16:creationId xmlns:a16="http://schemas.microsoft.com/office/drawing/2014/main" id="{DD4B6704-DE60-783B-3EC7-1C8979B5A82B}"/>
+              </a:ext>
+            </a:extLst>
+          </p:cNvPr>
+          <p:cNvCxnSpPr>
+            <a:cxnSpLocks/>
+          </p:cNvCxnSpPr>
+          <p:nvPr/>
+        </p:nvCxnSpPr>
+        <p:spPr>
+          <a:xfrm>
+            <a:off x="3999602" y="2091962"/>
+            <a:ext cx="2872758" cy="7445"/>
+          </a:xfrm>
+          <a:prstGeom prst="line">
+            <a:avLst/>
+          </a:prstGeom>
+          <a:ln>
+            <a:solidFill>
+              <a:schemeClr val="bg1">
+                <a:lumMod val="75000"/>
+              </a:schemeClr>
+            </a:solidFill>
+          </a:ln>
+        </p:spPr>
+        <p:style>
+          <a:lnRef idx="1">
+            <a:schemeClr val="accent1"/>
+          </a:lnRef>
+          <a:fillRef idx="0">
+            <a:schemeClr val="accent1"/>
+          </a:fillRef>
+          <a:effectRef idx="0">
+            <a:schemeClr val="accent1"/>
+          </a:effectRef>
+          <a:fontRef idx="minor">
+            <a:schemeClr val="tx1"/>
+          </a:fontRef>
+        </p:style>
+      </p:cxnSp>
+      <p:cxnSp>
+        <p:nvCxnSpPr>
+          <p:cNvPr id="37" name="Straight Connector 36">
+            <a:extLst>
+              <a:ext uri="{FF2B5EF4-FFF2-40B4-BE49-F238E27FC236}">
+                <a16:creationId xmlns:a16="http://schemas.microsoft.com/office/drawing/2014/main" id="{1FF20DB7-2D19-0665-E2B0-61A4F12C0B65}"/>
+              </a:ext>
+            </a:extLst>
+          </p:cNvPr>
+          <p:cNvCxnSpPr>
+            <a:cxnSpLocks/>
+          </p:cNvCxnSpPr>
+          <p:nvPr/>
+        </p:nvCxnSpPr>
+        <p:spPr>
+          <a:xfrm>
+            <a:off x="3997002" y="2783523"/>
+            <a:ext cx="2872758" cy="7445"/>
+          </a:xfrm>
+          <a:prstGeom prst="line">
+            <a:avLst/>
+          </a:prstGeom>
+          <a:ln>
+            <a:solidFill>
+              <a:schemeClr val="bg1">
+                <a:lumMod val="75000"/>
+              </a:schemeClr>
+            </a:solidFill>
+          </a:ln>
+        </p:spPr>
+        <p:style>
+          <a:lnRef idx="1">
+            <a:schemeClr val="accent1"/>
+          </a:lnRef>
+          <a:fillRef idx="0">
+            <a:schemeClr val="accent1"/>
+          </a:fillRef>
+          <a:effectRef idx="0">
+            <a:schemeClr val="accent1"/>
+          </a:effectRef>
+          <a:fontRef idx="minor">
+            <a:schemeClr val="tx1"/>
+          </a:fontRef>
+        </p:style>
+      </p:cxnSp>
+      <p:sp>
+        <p:nvSpPr>
+          <p:cNvPr id="40" name="Rectangle 39">
+            <a:extLst>
+              <a:ext uri="{FF2B5EF4-FFF2-40B4-BE49-F238E27FC236}">
+                <a16:creationId xmlns:a16="http://schemas.microsoft.com/office/drawing/2014/main" id="{92006EA5-F790-AB01-B75F-056DB346AAA4}"/>
+              </a:ext>
+            </a:extLst>
+          </p:cNvPr>
+          <p:cNvSpPr/>
+          <p:nvPr/>
+        </p:nvSpPr>
+        <p:spPr>
+          <a:xfrm>
+            <a:off x="4276533" y="9709547"/>
+            <a:ext cx="2384618" cy="114300"/>
+          </a:xfrm>
+          <a:prstGeom prst="rect">
+            <a:avLst/>
+          </a:prstGeom>
+          <a:solidFill>
+            <a:schemeClr val="tx1">
+              <a:lumMod val="75000"/>
+              <a:lumOff val="25000"/>
+            </a:schemeClr>
+          </a:solidFill>
+          <a:ln>
+            <a:noFill/>
+          </a:ln>
+        </p:spPr>
+        <p:style>
+          <a:lnRef idx="2">
+            <a:schemeClr val="accent1">
+              <a:shade val="50000"/>
+            </a:schemeClr>
+          </a:lnRef>
+          <a:fillRef idx="1">
+            <a:schemeClr val="accent1"/>
+          </a:fillRef>
+          <a:effectRef idx="0">
+            <a:schemeClr val="accent1"/>
+          </a:effectRef>
+          <a:fontRef idx="minor">
+            <a:schemeClr val="lt1"/>
+          </a:fontRef>
+        </p:style>
+        <p:txBody>
+          <a:bodyPr rtlCol="0" anchor="ctr"/>
+          <a:lstStyle/>
+          <a:p>
+            <a:pPr algn="ctr"/>
+            <a:endParaRPr lang="en-US"/>
+          </a:p>
+        </p:txBody>
+      </p:sp>
+      <p:sp>
+        <p:nvSpPr>
+          <p:cNvPr id="41" name="Rectangle 40">
+            <a:extLst>
+              <a:ext uri="{FF2B5EF4-FFF2-40B4-BE49-F238E27FC236}">
+                <a16:creationId xmlns:a16="http://schemas.microsoft.com/office/drawing/2014/main" id="{3C557DE8-0AF8-284C-BFF0-8AFEECBBAA91}"/>
+              </a:ext>
+            </a:extLst>
+          </p:cNvPr>
+          <p:cNvSpPr/>
+          <p:nvPr/>
+        </p:nvSpPr>
+        <p:spPr>
+          <a:xfrm>
+            <a:off x="4276533" y="9709547"/>
+            <a:ext cx="2333818" cy="114300"/>
+          </a:xfrm>
+          <a:prstGeom prst="rect">
+            <a:avLst/>
+          </a:prstGeom>
+          <a:solidFill>
+            <a:srgbClr val="00B0F0"/>
+          </a:solidFill>
+          <a:ln>
+            <a:noFill/>
+          </a:ln>
+        </p:spPr>
+        <p:style>
+          <a:lnRef idx="2">
+            <a:schemeClr val="accent1">
+              <a:shade val="50000"/>
+            </a:schemeClr>
+          </a:lnRef>
+          <a:fillRef idx="1">
+            <a:schemeClr val="accent1"/>
+          </a:fillRef>
+          <a:effectRef idx="0">
+            <a:schemeClr val="accent1"/>
+          </a:effectRef>
+          <a:fontRef idx="minor">
+            <a:schemeClr val="lt1"/>
+          </a:fontRef>
+        </p:style>
+        <p:txBody>
+          <a:bodyPr rtlCol="0" anchor="ctr"/>
+          <a:lstStyle/>
+          <a:p>
+            <a:pPr algn="ctr"/>
+            <a:endParaRPr lang="en-US"/>
+          </a:p>
+        </p:txBody>
+      </p:sp>
+      <p:sp>
+        <p:nvSpPr>
+          <p:cNvPr id="1029" name="TextBox 1028">
+            <a:extLst>
+              <a:ext uri="{FF2B5EF4-FFF2-40B4-BE49-F238E27FC236}">
+                <a16:creationId xmlns:a16="http://schemas.microsoft.com/office/drawing/2014/main" id="{E33D859E-BB46-5371-AC16-2D3862B5AFEC}"/>
+              </a:ext>
+            </a:extLst>
+          </p:cNvPr>
+          <p:cNvSpPr txBox="1"/>
+          <p:nvPr/>
+        </p:nvSpPr>
+        <p:spPr>
+          <a:xfrm>
+            <a:off x="4188169" y="9512093"/>
+            <a:ext cx="1715534" cy="230832"/>
+          </a:xfrm>
+          <a:prstGeom prst="rect">
+            <a:avLst/>
+          </a:prstGeom>
+          <a:noFill/>
+        </p:spPr>
+        <p:txBody>
+          <a:bodyPr wrap="none" rtlCol="0">
+            <a:spAutoFit/>
+          </a:bodyPr>
+          <a:lstStyle/>
+          <a:p>
+            <a:r>
+              <a:rPr lang="en-US" sz="900" dirty="0">
+                <a:solidFill>
+                  <a:schemeClr val="tx1">
+                    <a:lumMod val="75000"/>
+                    <a:lumOff val="25000"/>
+                  </a:schemeClr>
+                </a:solidFill>
+              </a:rPr>
+              <a:t>Coding with AI: Copilot, ChatGPT</a:t>
+            </a:r>
+          </a:p>
+        </p:txBody>
+      </p:sp>
+      <p:cxnSp>
+        <p:nvCxnSpPr>
+          <p:cNvPr id="23" name="Straight Connector 22">
+            <a:extLst>
+              <a:ext uri="{FF2B5EF4-FFF2-40B4-BE49-F238E27FC236}">
+                <a16:creationId xmlns:a16="http://schemas.microsoft.com/office/drawing/2014/main" id="{55E1B318-CA60-4F36-BC3E-901EAF4C2AE4}"/>
+              </a:ext>
+            </a:extLst>
+          </p:cNvPr>
+          <p:cNvCxnSpPr>
+            <a:cxnSpLocks/>
+          </p:cNvCxnSpPr>
+          <p:nvPr/>
+        </p:nvCxnSpPr>
+        <p:spPr>
+          <a:xfrm>
+            <a:off x="3991279" y="6457140"/>
+            <a:ext cx="2872758" cy="7445"/>
+          </a:xfrm>
+          <a:prstGeom prst="line">
+            <a:avLst/>
+          </a:prstGeom>
+          <a:ln>
+            <a:solidFill>
+              <a:schemeClr val="bg1">
+                <a:lumMod val="75000"/>
+              </a:schemeClr>
+            </a:solidFill>
+          </a:ln>
+        </p:spPr>
+        <p:style>
+          <a:lnRef idx="1">
+            <a:schemeClr val="accent1"/>
+          </a:lnRef>
+          <a:fillRef idx="0">
+            <a:schemeClr val="accent1"/>
+          </a:fillRef>
+          <a:effectRef idx="0">
+            <a:schemeClr val="accent1"/>
+          </a:effectRef>
+          <a:fontRef idx="minor">
+            <a:schemeClr val="tx1"/>
+          </a:fontRef>
+        </p:style>
+      </p:cxnSp>
     </p:spTree>
     <p:extLst>
       <p:ext uri="{BB962C8B-B14F-4D97-AF65-F5344CB8AC3E}">
@@ -8519,7 +8846,7 @@
                   </a:schemeClr>
                 </a:solidFill>
               </a:rPr>
-              <a:t>Solidity, C++, Rust, JavaScript, TypeScript, Python, Java, XML, Markdown</a:t>
+              <a:t>Rust, Solidity, C++, JavaScript, TypeScript, Python, Java, XML, Markdown</a:t>
             </a:r>
           </a:p>
         </p:txBody>

--- a/my_resume.pptx
+++ b/my_resume.pptx
@@ -198,7 +198,7 @@
           <a:p>
             <a:fld id="{060BEAD1-672E-E841-95FA-08B9B35A46D7}" type="datetimeFigureOut">
               <a:rPr lang="en-US" smtClean="0"/>
-              <a:t>4/26/23</a:t>
+              <a:t>5/31/23</a:t>
             </a:fld>
             <a:endParaRPr lang="en-US"/>
           </a:p>
@@ -765,7 +765,7 @@
           <a:p>
             <a:fld id="{A417C049-F611-094D-8104-5764D8D04213}" type="datetimeFigureOut">
               <a:rPr lang="en-US" smtClean="0"/>
-              <a:t>4/26/23</a:t>
+              <a:t>5/31/23</a:t>
             </a:fld>
             <a:endParaRPr lang="en-US"/>
           </a:p>
@@ -935,7 +935,7 @@
           <a:p>
             <a:fld id="{A417C049-F611-094D-8104-5764D8D04213}" type="datetimeFigureOut">
               <a:rPr lang="en-US" smtClean="0"/>
-              <a:t>4/26/23</a:t>
+              <a:t>5/31/23</a:t>
             </a:fld>
             <a:endParaRPr lang="en-US"/>
           </a:p>
@@ -1115,7 +1115,7 @@
           <a:p>
             <a:fld id="{A417C049-F611-094D-8104-5764D8D04213}" type="datetimeFigureOut">
               <a:rPr lang="en-US" smtClean="0"/>
-              <a:t>4/26/23</a:t>
+              <a:t>5/31/23</a:t>
             </a:fld>
             <a:endParaRPr lang="en-US"/>
           </a:p>
@@ -1285,7 +1285,7 @@
           <a:p>
             <a:fld id="{A417C049-F611-094D-8104-5764D8D04213}" type="datetimeFigureOut">
               <a:rPr lang="en-US" smtClean="0"/>
-              <a:t>4/26/23</a:t>
+              <a:t>5/31/23</a:t>
             </a:fld>
             <a:endParaRPr lang="en-US"/>
           </a:p>
@@ -1529,7 +1529,7 @@
           <a:p>
             <a:fld id="{A417C049-F611-094D-8104-5764D8D04213}" type="datetimeFigureOut">
               <a:rPr lang="en-US" smtClean="0"/>
-              <a:t>4/26/23</a:t>
+              <a:t>5/31/23</a:t>
             </a:fld>
             <a:endParaRPr lang="en-US"/>
           </a:p>
@@ -1761,7 +1761,7 @@
           <a:p>
             <a:fld id="{A417C049-F611-094D-8104-5764D8D04213}" type="datetimeFigureOut">
               <a:rPr lang="en-US" smtClean="0"/>
-              <a:t>4/26/23</a:t>
+              <a:t>5/31/23</a:t>
             </a:fld>
             <a:endParaRPr lang="en-US"/>
           </a:p>
@@ -2128,7 +2128,7 @@
           <a:p>
             <a:fld id="{A417C049-F611-094D-8104-5764D8D04213}" type="datetimeFigureOut">
               <a:rPr lang="en-US" smtClean="0"/>
-              <a:t>4/26/23</a:t>
+              <a:t>5/31/23</a:t>
             </a:fld>
             <a:endParaRPr lang="en-US"/>
           </a:p>
@@ -2246,7 +2246,7 @@
           <a:p>
             <a:fld id="{A417C049-F611-094D-8104-5764D8D04213}" type="datetimeFigureOut">
               <a:rPr lang="en-US" smtClean="0"/>
-              <a:t>4/26/23</a:t>
+              <a:t>5/31/23</a:t>
             </a:fld>
             <a:endParaRPr lang="en-US"/>
           </a:p>
@@ -2341,7 +2341,7 @@
           <a:p>
             <a:fld id="{A417C049-F611-094D-8104-5764D8D04213}" type="datetimeFigureOut">
               <a:rPr lang="en-US" smtClean="0"/>
-              <a:t>4/26/23</a:t>
+              <a:t>5/31/23</a:t>
             </a:fld>
             <a:endParaRPr lang="en-US"/>
           </a:p>
@@ -2618,7 +2618,7 @@
           <a:p>
             <a:fld id="{A417C049-F611-094D-8104-5764D8D04213}" type="datetimeFigureOut">
               <a:rPr lang="en-US" smtClean="0"/>
-              <a:t>4/26/23</a:t>
+              <a:t>5/31/23</a:t>
             </a:fld>
             <a:endParaRPr lang="en-US"/>
           </a:p>
@@ -2875,7 +2875,7 @@
           <a:p>
             <a:fld id="{A417C049-F611-094D-8104-5764D8D04213}" type="datetimeFigureOut">
               <a:rPr lang="en-US" smtClean="0"/>
-              <a:t>4/26/23</a:t>
+              <a:t>5/31/23</a:t>
             </a:fld>
             <a:endParaRPr lang="en-US"/>
           </a:p>
@@ -3093,7 +3093,7 @@
           <a:p>
             <a:fld id="{A417C049-F611-094D-8104-5764D8D04213}" type="datetimeFigureOut">
               <a:rPr lang="en-US" smtClean="0"/>
-              <a:t>4/26/23</a:t>
+              <a:t>5/31/23</a:t>
             </a:fld>
             <a:endParaRPr lang="en-US"/>
           </a:p>
@@ -3512,8 +3512,8 @@
         </p:nvSpPr>
         <p:spPr>
           <a:xfrm>
-            <a:off x="4113966" y="3056148"/>
-            <a:ext cx="2758393" cy="3358996"/>
+            <a:off x="4056784" y="2495017"/>
+            <a:ext cx="2758393" cy="2593082"/>
           </a:xfrm>
           <a:prstGeom prst="rect">
             <a:avLst/>
@@ -3528,12 +3528,23 @@
           <a:p>
             <a:pPr marL="171450" indent="-171450">
               <a:lnSpc>
-                <a:spcPct val="150000"/>
+                <a:spcPts val="1440"/>
               </a:lnSpc>
               <a:buFont typeface="Arial" panose="020B0604020202020204" pitchFamily="34" charset="0"/>
               <a:buChar char="•"/>
             </a:pPr>
             <a:r>
+              <a:rPr lang="en-US" sz="950" b="1" dirty="0">
+                <a:solidFill>
+                  <a:schemeClr val="tx1">
+                    <a:lumMod val="75000"/>
+                    <a:lumOff val="25000"/>
+                  </a:schemeClr>
+                </a:solidFill>
+              </a:rPr>
+              <a:t>2016-2017</a:t>
+            </a:r>
+            <a:r>
               <a:rPr lang="en-US" sz="950" dirty="0">
                 <a:solidFill>
                   <a:schemeClr val="tx1">
@@ -3542,18 +3553,29 @@
                   </a:schemeClr>
                 </a:solidFill>
               </a:rPr>
-              <a:t>2016-2017: Full-stack development of an all-in-one crypto app called “BitInfoCoin”.</a:t>
+              <a:t>: Full-stack Android developer of an all-in-one crypto app called “BitInfoCoin”.</a:t>
             </a:r>
           </a:p>
           <a:p>
             <a:pPr marL="171450" indent="-171450">
               <a:lnSpc>
-                <a:spcPct val="150000"/>
+                <a:spcPts val="1440"/>
               </a:lnSpc>
               <a:buFont typeface="Arial" panose="020B0604020202020204" pitchFamily="34" charset="0"/>
               <a:buChar char="•"/>
             </a:pPr>
             <a:r>
+              <a:rPr lang="en-US" sz="950" b="1" dirty="0">
+                <a:solidFill>
+                  <a:schemeClr val="tx1">
+                    <a:lumMod val="75000"/>
+                    <a:lumOff val="25000"/>
+                  </a:schemeClr>
+                </a:solidFill>
+              </a:rPr>
+              <a:t>2018</a:t>
+            </a:r>
+            <a:r>
               <a:rPr lang="en-US" sz="950" dirty="0">
                 <a:solidFill>
                   <a:schemeClr val="tx1">
@@ -3562,18 +3584,29 @@
                   </a:schemeClr>
                 </a:solidFill>
               </a:rPr>
-              <a:t>2018: Founding CTO at DRIFE.</a:t>
+              <a:t>: Founding CTO at DRIFE.</a:t>
             </a:r>
           </a:p>
           <a:p>
             <a:pPr marL="171450" indent="-171450">
               <a:lnSpc>
-                <a:spcPct val="150000"/>
+                <a:spcPts val="1440"/>
               </a:lnSpc>
               <a:buFont typeface="Arial" panose="020B0604020202020204" pitchFamily="34" charset="0"/>
               <a:buChar char="•"/>
             </a:pPr>
             <a:r>
+              <a:rPr lang="en-US" sz="950" b="1" dirty="0">
+                <a:solidFill>
+                  <a:schemeClr val="tx1">
+                    <a:lumMod val="75000"/>
+                    <a:lumOff val="25000"/>
+                  </a:schemeClr>
+                </a:solidFill>
+              </a:rPr>
+              <a:t>2019-2020</a:t>
+            </a:r>
+            <a:r>
               <a:rPr lang="en-US" sz="950" dirty="0">
                 <a:solidFill>
                   <a:schemeClr val="tx1">
@@ -3582,18 +3615,29 @@
                   </a:schemeClr>
                 </a:solidFill>
               </a:rPr>
-              <a:t>2019-2020: Various Freelancing projects done with multiple clients</a:t>
+              <a:t>: Freelancing with multiple clients</a:t>
             </a:r>
           </a:p>
           <a:p>
             <a:pPr marL="171450" indent="-171450">
               <a:lnSpc>
-                <a:spcPct val="150000"/>
+                <a:spcPts val="1440"/>
               </a:lnSpc>
               <a:buFont typeface="Arial" panose="020B0604020202020204" pitchFamily="34" charset="0"/>
               <a:buChar char="•"/>
             </a:pPr>
             <a:r>
+              <a:rPr lang="en-US" sz="950" b="1" dirty="0">
+                <a:solidFill>
+                  <a:schemeClr val="tx1">
+                    <a:lumMod val="75000"/>
+                    <a:lumOff val="25000"/>
+                  </a:schemeClr>
+                </a:solidFill>
+              </a:rPr>
+              <a:t>2021</a:t>
+            </a:r>
+            <a:r>
               <a:rPr lang="en-US" sz="950" dirty="0">
                 <a:solidFill>
                   <a:schemeClr val="tx1">
@@ -3602,7 +3646,7 @@
                   </a:schemeClr>
                 </a:solidFill>
               </a:rPr>
-              <a:t>2021: Lead Blockchain Developer at </a:t>
+              <a:t>: Lead Blockchain Developer at </a:t>
             </a:r>
             <a:r>
               <a:rPr lang="en-US" sz="950" dirty="0" err="1">
@@ -3630,12 +3674,23 @@
           <a:p>
             <a:pPr marL="171450" indent="-171450">
               <a:lnSpc>
-                <a:spcPct val="150000"/>
+                <a:spcPts val="1440"/>
               </a:lnSpc>
               <a:buFont typeface="Arial" panose="020B0604020202020204" pitchFamily="34" charset="0"/>
               <a:buChar char="•"/>
             </a:pPr>
             <a:r>
+              <a:rPr lang="en-US" sz="950" b="1" dirty="0">
+                <a:solidFill>
+                  <a:schemeClr val="tx1">
+                    <a:lumMod val="75000"/>
+                    <a:lumOff val="25000"/>
+                  </a:schemeClr>
+                </a:solidFill>
+              </a:rPr>
+              <a:t>2021-2022</a:t>
+            </a:r>
+            <a:r>
               <a:rPr lang="en-US" sz="950" dirty="0">
                 <a:solidFill>
                   <a:schemeClr val="tx1">
@@ -3644,18 +3699,29 @@
                   </a:schemeClr>
                 </a:solidFill>
               </a:rPr>
-              <a:t>2021-2022: Senior Blockchain Engineer (Rust) at Master Ventures</a:t>
+              <a:t>: Senior Blockchain Engineer (Rust) at Master Ventures</a:t>
             </a:r>
           </a:p>
           <a:p>
             <a:pPr marL="171450" indent="-171450">
               <a:lnSpc>
-                <a:spcPct val="150000"/>
+                <a:spcPts val="1440"/>
               </a:lnSpc>
               <a:buFont typeface="Arial" panose="020B0604020202020204" pitchFamily="34" charset="0"/>
               <a:buChar char="•"/>
             </a:pPr>
             <a:r>
+              <a:rPr lang="en-US" sz="950" b="1" dirty="0">
+                <a:solidFill>
+                  <a:schemeClr val="tx1">
+                    <a:lumMod val="75000"/>
+                    <a:lumOff val="25000"/>
+                  </a:schemeClr>
+                </a:solidFill>
+              </a:rPr>
+              <a:t>2021-2022</a:t>
+            </a:r>
+            <a:r>
               <a:rPr lang="en-US" sz="950" dirty="0">
                 <a:solidFill>
                   <a:schemeClr val="tx1">
@@ -3664,18 +3730,51 @@
                   </a:schemeClr>
                 </a:solidFill>
               </a:rPr>
-              <a:t>2021-2022: Founding CTO at Theia Labs</a:t>
+              <a:t>: Founding CTO at Theia Labs (</a:t>
+            </a:r>
+            <a:r>
+              <a:rPr lang="en-US" sz="950" dirty="0" err="1">
+                <a:solidFill>
+                  <a:schemeClr val="tx1">
+                    <a:lumMod val="75000"/>
+                    <a:lumOff val="25000"/>
+                  </a:schemeClr>
+                </a:solidFill>
+              </a:rPr>
+              <a:t>DeFi</a:t>
+            </a:r>
+            <a:r>
+              <a:rPr lang="en-US" sz="950" dirty="0">
+                <a:solidFill>
+                  <a:schemeClr val="tx1">
+                    <a:lumMod val="75000"/>
+                    <a:lumOff val="25000"/>
+                  </a:schemeClr>
+                </a:solidFill>
+              </a:rPr>
+              <a:t>)</a:t>
             </a:r>
           </a:p>
           <a:p>
             <a:pPr marL="171450" indent="-171450">
               <a:lnSpc>
-                <a:spcPct val="150000"/>
+                <a:spcPts val="1440"/>
               </a:lnSpc>
               <a:buFont typeface="Arial" panose="020B0604020202020204" pitchFamily="34" charset="0"/>
               <a:buChar char="•"/>
             </a:pPr>
             <a:r>
+              <a:rPr lang="en-US" sz="950" b="1" dirty="0">
+                <a:solidFill>
+                  <a:schemeClr val="tx1">
+                    <a:lumMod val="75000"/>
+                    <a:lumOff val="25000"/>
+                  </a:schemeClr>
+                </a:solidFill>
+              </a:rPr>
+              <a:t>2022</a:t>
+            </a:r>
+            <a:r>
               <a:rPr lang="en-US" sz="950" dirty="0">
                 <a:solidFill>
                   <a:schemeClr val="tx1">
@@ -3684,7 +3783,29 @@
                   </a:schemeClr>
                 </a:solidFill>
               </a:rPr>
-              <a:t>2022: Founding Blockchain Engineer at Mojo, Polygon’s native </a:t>
+              <a:t>: Founding Blockchain Engineer at </a:t>
+            </a:r>
+            <a:r>
+              <a:rPr lang="en-US" sz="950" dirty="0" err="1">
+                <a:solidFill>
+                  <a:schemeClr val="tx1">
+                    <a:lumMod val="75000"/>
+                    <a:lumOff val="25000"/>
+                  </a:schemeClr>
+                </a:solidFill>
+              </a:rPr>
+              <a:t>DeFi</a:t>
+            </a:r>
+            <a:r>
+              <a:rPr lang="en-US" sz="950" dirty="0">
+                <a:solidFill>
+                  <a:schemeClr val="tx1">
+                    <a:lumMod val="75000"/>
+                    <a:lumOff val="25000"/>
+                  </a:schemeClr>
+                </a:solidFill>
+              </a:rPr>
+              <a:t> startup Mojo, Polygon’s native </a:t>
             </a:r>
             <a:r>
               <a:rPr lang="en-US" sz="950" dirty="0" err="1">
@@ -3712,12 +3833,23 @@
           <a:p>
             <a:pPr marL="171450" indent="-171450">
               <a:lnSpc>
-                <a:spcPct val="150000"/>
+                <a:spcPts val="1440"/>
               </a:lnSpc>
               <a:buFont typeface="Arial" panose="020B0604020202020204" pitchFamily="34" charset="0"/>
               <a:buChar char="•"/>
             </a:pPr>
             <a:r>
+              <a:rPr lang="en-US" sz="950" b="1" dirty="0">
+                <a:solidFill>
+                  <a:schemeClr val="tx1">
+                    <a:lumMod val="75000"/>
+                    <a:lumOff val="25000"/>
+                  </a:schemeClr>
+                </a:solidFill>
+              </a:rPr>
+              <a:t>2022:</a:t>
+            </a:r>
+            <a:r>
               <a:rPr lang="en-US" sz="950" dirty="0">
                 <a:solidFill>
                   <a:schemeClr val="tx1">
@@ -3726,18 +3858,29 @@
                   </a:schemeClr>
                 </a:solidFill>
               </a:rPr>
-              <a:t>2022: Web3 Full-stack Developer at Upside.</a:t>
+              <a:t> Senior Smart Contract Engineer with Backend at Upside.</a:t>
             </a:r>
           </a:p>
           <a:p>
             <a:pPr marL="171450" indent="-171450">
               <a:lnSpc>
-                <a:spcPct val="150000"/>
+                <a:spcPts val="1440"/>
               </a:lnSpc>
               <a:buFont typeface="Arial" panose="020B0604020202020204" pitchFamily="34" charset="0"/>
               <a:buChar char="•"/>
             </a:pPr>
             <a:r>
+              <a:rPr lang="en-US" sz="950" b="1" dirty="0">
+                <a:solidFill>
+                  <a:schemeClr val="tx1">
+                    <a:lumMod val="75000"/>
+                    <a:lumOff val="25000"/>
+                  </a:schemeClr>
+                </a:solidFill>
+              </a:rPr>
+              <a:t>2022-23</a:t>
+            </a:r>
+            <a:r>
               <a:rPr lang="en-US" sz="950" dirty="0">
                 <a:solidFill>
                   <a:schemeClr val="tx1">
@@ -3746,7 +3889,7 @@
                   </a:schemeClr>
                 </a:solidFill>
               </a:rPr>
-              <a:t>2023: Occupied with Rust, Substrate, Solana projects.</a:t>
+              <a:t>: Head of Blockchain at Rapid Innovation</a:t>
             </a:r>
           </a:p>
         </p:txBody>
@@ -3827,11 +3970,31 @@
             <a:avLst/>
           </a:prstGeom>
           <a:solidFill>
-            <a:srgbClr val="00B0F0"/>
+            <a:schemeClr val="tx2">
+              <a:lumMod val="75000"/>
+            </a:schemeClr>
           </a:solidFill>
           <a:ln>
             <a:noFill/>
           </a:ln>
+          <a:effectLst>
+            <a:outerShdw blurRad="190500" dist="228600" dir="2700000" algn="ctr">
+              <a:srgbClr val="000000">
+                <a:alpha val="30000"/>
+              </a:srgbClr>
+            </a:outerShdw>
+          </a:effectLst>
+          <a:scene3d>
+            <a:camera prst="orthographicFront">
+              <a:rot lat="0" lon="0" rev="0"/>
+            </a:camera>
+            <a:lightRig rig="glow" dir="t">
+              <a:rot lat="0" lon="0" rev="4800000"/>
+            </a:lightRig>
+          </a:scene3d>
+          <a:sp3d prstMaterial="matte">
+            <a:bevelT w="127000" h="63500"/>
+          </a:sp3d>
         </p:spPr>
         <p:style>
           <a:lnRef idx="2">
@@ -4654,7 +4817,7 @@
         </p:nvGrpSpPr>
         <p:grpSpPr>
           <a:xfrm>
-            <a:off x="157051" y="946960"/>
+            <a:off x="157051" y="922684"/>
             <a:ext cx="930917" cy="307777"/>
             <a:chOff x="388545" y="1629624"/>
             <a:chExt cx="930917" cy="307777"/>
@@ -4750,7 +4913,7 @@
         </p:nvSpPr>
         <p:spPr>
           <a:xfrm>
-            <a:off x="94315" y="1204733"/>
+            <a:off x="94315" y="1180457"/>
             <a:ext cx="3904579" cy="1015663"/>
           </a:xfrm>
           <a:prstGeom prst="rect">
@@ -4851,7 +5014,7 @@
                 <a:effectLst/>
                 <a:latin typeface="Whitney"/>
               </a:rPr>
-              <a:t>, Betting game, utility category. I hold multi-chain development experience with leading Blockchain protocols like EVM, EOSIO, Solana, Substrate.</a:t>
+              <a:t>, Gaming, utility category. I hold multi-chain development experience with leading Blockchain protocols like EVM, EOSIO, Solana, Substrate.</a:t>
             </a:r>
             <a:endParaRPr lang="en-US" sz="1000" dirty="0">
               <a:solidFill>
@@ -4880,7 +5043,7 @@
         </p:nvCxnSpPr>
         <p:spPr>
           <a:xfrm>
-            <a:off x="44572" y="2251112"/>
+            <a:off x="44572" y="2296834"/>
             <a:ext cx="3948193" cy="0"/>
           </a:xfrm>
           <a:prstGeom prst="line">
@@ -4909,12 +5072,48 @@
           </a:fontRef>
         </p:style>
       </p:cxnSp>
-      <p:sp>
-        <p:nvSpPr>
-          <p:cNvPr id="56" name="TextBox 55">
+      <p:pic>
+        <p:nvPicPr>
+          <p:cNvPr id="1024" name="Graphic 1023" descr="Blockchain with solid fill">
             <a:extLst>
               <a:ext uri="{FF2B5EF4-FFF2-40B4-BE49-F238E27FC236}">
-                <a16:creationId xmlns:a16="http://schemas.microsoft.com/office/drawing/2014/main" id="{5A81EA65-0C03-6CE5-05F7-5CE4A0E953BD}"/>
+                <a16:creationId xmlns:a16="http://schemas.microsoft.com/office/drawing/2014/main" id="{64C79AA0-093D-08CF-996B-E386F4D7BF6C}"/>
+              </a:ext>
+            </a:extLst>
+          </p:cNvPr>
+          <p:cNvPicPr>
+            <a:picLocks noChangeAspect="1"/>
+          </p:cNvPicPr>
+          <p:nvPr/>
+        </p:nvPicPr>
+        <p:blipFill>
+          <a:blip r:embed="rId10">
+            <a:extLst>
+              <a:ext uri="{96DAC541-7B7A-43D3-8B79-37D633B846F1}">
+                <asvg:svgBlip xmlns:asvg="http://schemas.microsoft.com/office/drawing/2016/SVG/main" r:embed="rId11"/>
+              </a:ext>
+            </a:extLst>
+          </a:blip>
+          <a:stretch>
+            <a:fillRect/>
+          </a:stretch>
+        </p:blip